--- a/docs/spec/gconf.pptx
+++ b/docs/spec/gconf.pptx
@@ -27,7 +27,6 @@
           <a:schemeClr val="tx1"/>
         </a:solidFill>
         <a:effectLst/>
-        <a:txBgFill val="auto"/>
         <a:latin typeface="Calibri" pitchFamily="2" charset="0"/>
         <a:ea typeface="SimSun" pitchFamily="0" charset="0"/>
         <a:cs typeface="Times New Roman" pitchFamily="1" charset="0"/>
@@ -50,7 +49,6 @@
           <a:schemeClr val="tx1"/>
         </a:solidFill>
         <a:effectLst/>
-        <a:txBgFill val="auto"/>
         <a:latin typeface="Calibri" pitchFamily="2" charset="0"/>
         <a:ea typeface="SimSun" pitchFamily="0" charset="0"/>
         <a:cs typeface="Times New Roman" pitchFamily="1" charset="0"/>
@@ -73,7 +71,6 @@
           <a:schemeClr val="tx1"/>
         </a:solidFill>
         <a:effectLst/>
-        <a:txBgFill val="auto"/>
         <a:latin typeface="Calibri" pitchFamily="2" charset="0"/>
         <a:ea typeface="SimSun" pitchFamily="0" charset="0"/>
         <a:cs typeface="Times New Roman" pitchFamily="1" charset="0"/>
@@ -96,7 +93,6 @@
           <a:schemeClr val="tx1"/>
         </a:solidFill>
         <a:effectLst/>
-        <a:txBgFill val="auto"/>
         <a:latin typeface="Calibri" pitchFamily="2" charset="0"/>
         <a:ea typeface="SimSun" pitchFamily="0" charset="0"/>
         <a:cs typeface="Times New Roman" pitchFamily="1" charset="0"/>
@@ -119,7 +115,6 @@
           <a:schemeClr val="tx1"/>
         </a:solidFill>
         <a:effectLst/>
-        <a:txBgFill val="auto"/>
         <a:latin typeface="Calibri" pitchFamily="2" charset="0"/>
         <a:ea typeface="SimSun" pitchFamily="0" charset="0"/>
         <a:cs typeface="Times New Roman" pitchFamily="1" charset="0"/>
@@ -142,7 +137,6 @@
           <a:schemeClr val="tx1"/>
         </a:solidFill>
         <a:effectLst/>
-        <a:txBgFill val="auto"/>
         <a:latin typeface="Calibri" pitchFamily="2" charset="0"/>
         <a:ea typeface="SimSun" pitchFamily="0" charset="0"/>
         <a:cs typeface="Times New Roman" pitchFamily="1" charset="0"/>
@@ -165,7 +159,6 @@
           <a:schemeClr val="tx1"/>
         </a:solidFill>
         <a:effectLst/>
-        <a:txBgFill val="auto"/>
         <a:latin typeface="Calibri" pitchFamily="2" charset="0"/>
         <a:ea typeface="SimSun" pitchFamily="0" charset="0"/>
         <a:cs typeface="Times New Roman" pitchFamily="1" charset="0"/>
@@ -188,7 +181,6 @@
           <a:schemeClr val="tx1"/>
         </a:solidFill>
         <a:effectLst/>
-        <a:txBgFill val="auto"/>
         <a:latin typeface="Calibri" pitchFamily="2" charset="0"/>
         <a:ea typeface="SimSun" pitchFamily="0" charset="0"/>
         <a:cs typeface="Times New Roman" pitchFamily="1" charset="0"/>
@@ -211,7 +203,6 @@
           <a:schemeClr val="tx1"/>
         </a:solidFill>
         <a:effectLst/>
-        <a:txBgFill val="auto"/>
         <a:latin typeface="Calibri" pitchFamily="2" charset="0"/>
         <a:ea typeface="SimSun" pitchFamily="0" charset="0"/>
         <a:cs typeface="Times New Roman" pitchFamily="1" charset="0"/>
@@ -245,7 +236,7 @@
             <a:spLocks noGrp="1" noChangeArrowheads="1"/>
             <a:extLst>
               <a:ext uri="smNativeData">
-                <pr:smNativeData xmlns:pr="smNativeData" val="SMDATA_16_PPTaXhMAAAAlAAAAZAAAAA8BAAAAkAAAAEgAAACQAAAASAAAAAAAAAABAAAAAAAAAAEAAABQAAAAAAAAAAAA4D8AAAAAAADgPwAAAAAAAOA/AAAAAAAA4D8AAAAAAADgPwAAAAAAAOA/AAAAAAAA4D8AAAAAAADgPwAAAAAAAOA/AAAAAAAA4D8CAAAAjAAAAAAAAAAAAAAAu+DjDP///wgAAAAAAAAAAAAAAAAAAAAAAAAAAAAAAAAAAAAAZAAAAAEAAABAAAAAAAAAAAAAAAAAAAAAAAAAAAAAAAAAAAAAAAAAAAAAAAAAAAAAAAAAAAAAAAAAAAAAAAAAAAAAAAAAAAAAAAAAAAAAAAAAAAAAAAAAAAAAAAAAAAAAFAAAADwAAAAAAAAAAAAAAAAAAAkUAAAAAQAAABQAAAAUAAAAFAAAAAEAAAAAAAAAZAAAAGQAAAAAAAAAZAAAAGQAAAAVAAAAYAAAAAAAAAAAAAAADwAAACADAAAAAAAAAAAAAAEAAACgMgAAVgcAAKr4//8BAAAAf39/AAEAAABkAAAAAAAAABQAAABAHwAAAAAAACYAAAAAAAAAwOD//wAAAAAmAAAAZAAAABYAAABMAAAAAAAAAAAAAAAEAAAAAAAAAAEAAACAgIAKAAAAACgAAAAoAAAAZAAAAGQAAAAAAAAAzMzMAAAAAABQAAAAUAAAAGQAAABkAAAAAAAAABcAAAAUAAAAAAAAAAAAAAD/fwAA/38AAAAAAAAJAAAABAAAAAAAAAAMAAAAEAAAAAAAAAAAAAAAAAAAAAAAAAAeAAAAaAAAAAAAAAAAAAAAAAAAAAAAAAAAAAAAECcAABAnAAAAAAAAAAAAAAAAAAAAAAAAAAAAAAAAAAAAAAAAAAAAABQAAAAAAAAAwMD/AAAAAABkAAAAMgAAAAAAAABkAAAAAAAAAH9/fwAKAAAAIgAAABgAAAAAAAAAAAAAAAAAAAAAAAAAAAAAAAAAAAAkAAAAJAAAAAAAAAAHAAAAAAAAAAAAAAAAAAAAAAAAAAAAAAAAAAAAf39/ACUAAABYAAAAAAAAAAAAAAAAAAAAAAAAAAAAAAAAAAAAAAAAAAAAAAAAAAAAAAAAAAAAAAA/AAAAAAAAAKCGAQAAAAAAAAAAAAAAAAAMAAAAAQAAAAAAAAAAAAAAAAAAAB8AAABUAAAAAAAABQAAAAEAAAAAAAAAAAAAAAAAAAAAAAAAAAAAAAAAAAAAAAAAAAAAAAJ/f38AAAAAA8zMzADAwP8Af39/AAAAAAAAAAAAAAAAAAAAAAAAAAAAIQAAABgAAAAUAAAAOAQAABoNAAAINAAAJhYAABAAAAAmAAAACAAAAAEAAAAAAAAA"/>
+                <pr:smNativeData xmlns:pr="smNativeData" val="SMDATA_13_4IlQXxMAAAAlAAAAZAAAAA8BAAAAkAAAAEgAAACQAAAASAAAAAAAAAABAAAAAAAAAAEAAABQAAAAAAAAAAAA4D8AAAAAAADgPwAAAAAAAOA/AAAAAAAA4D8AAAAAAADgPwAAAAAAAOA/AAAAAAAA4D8AAAAAAADgPwAAAAAAAOA/AAAAAAAA4D8CAAAAjAAAAAAAAAAAAAAAu+DjDP///wgAAAAAAAAAAAAAAAAAAAAAAAAAAAAAAAAAAAAAZAAAAAEAAABAAAAAAAAAAAAAAAAAAAAAAAAAAAAAAAAAAAAAAAAAAAAAAAAAAAAAAAAAAAAAAAAAAAAAAAAAAAAAAAAAAAAAAAAAAAAAAAAAAAAAAAAAAAAAAAAAAAAAFAAAADwAAAAAAAAAAAAAAAAAAAkUAAAAAQAAABQAAAAUAAAAFAAAAAEAAAAAAAAAZAAAAGQAAAAAAAAAZAAAAGQAAAAVAAAAYAAAAAAAAAAAAAAADwAAACADAAAAAAAAAAAAAAEAAACgMgAAVgcAAKr4//8BAAAAf39/AAEAAABkAAAAAAAAABQAAABAHwAAAAAAACYAAAAAAAAAwOD//wAAAAAmAAAAZAAAABYAAABMAAAAAAAAAAAAAAAEAAAAAAAAAAEAAACAgIAKAAAAACgAAAAoAAAAZAAAAGQAAAAAAAAAzMzMAAAAAABQAAAAUAAAAGQAAABkAAAAAAAAABcAAAAUAAAAAAAAAAAAAAD/fwAA/38AAAAAAAAJAAAABAAAAAAAAAAMAAAAEAAAAAAAAAAAAAAAAAAAAAAAAAAeAAAAaAAAAAAAAAAAAAAAAAAAAAAAAAAAAAAAECcAABAnAAAAAAAAAAAAAAAAAAAAAAAAAAAAAAAAAAAAAAAAAAAAABQAAAAAAAAAwMD/AAAAAABkAAAAMgAAAAAAAABkAAAAAAAAAH9/fwAKAAAAHwAAAFQAAAAAAAAFAAAAAQAAAAAAAAAAAAAAAAAAAAAAAAAAAAAAAAAAAAAAAAAAAAAAAn9/fwAAAAADzMzMAMDA/wB/f38AAAAAAAAAAAAAAAAAAAAAAAAAAAAhAAAAGAAAABQAAAA4BAAAGg0AAAg0AAAmFgAAEAAAACYAAAAIAAAAAQAAAAAAAAA="/>
               </a:ext>
             </a:extLst>
           </p:cNvSpPr>
@@ -277,7 +268,7 @@
             <a:spLocks noGrp="1" noChangeArrowheads="1"/>
             <a:extLst>
               <a:ext uri="smNativeData">
-                <pr:smNativeData xmlns:pr="smNativeData" val="SMDATA_16_PPTaXhMAAAAlAAAAZAAAAA8BAAAAkAAAAEgAAACQAAAASAAAAAAAAAAAAAAAAAAAAAEAAABQAAAAAAAAAAAA4D8AAAAAAADgPwAAAAAAAOA/AAAAAAAA4D8AAAAAAADgPwAAAAAAAOA/AAAAAAAA4D8AAAAAAADgPwAAAAAAAOA/AAAAAAAA4D8CAAAAjAAAAAAAAAAAAAAAu+DjDP///wgAAAAAAAAAAAAAAAAAAAAAAAAAAAAAAAAAAAAAZAAAAAEAAABAAAAAAAAAAAAAAAAAAAAAAAAAAAAAAAAAAAAAAAAAAAAAAAAAAAAAAAAAAAAAAAAAAAAAAAAAAAAAAAAAAAAAAAAAAAAAAAAAAAAAAAAAAAAAAAAAAAAAFAAAADwAAAAAAAAAAAAAAAAAAAkUAAAAAQAAABQAAAAUAAAAFAAAAAEAAAAAAAAAZAAAAGQAAAAAAAAAZAAAAGQAAAAVAAAAYAAAAAAAAAAAAAAADwAAACADAAAAAAAAAAAAAAEAAACgMgAAVgcAAKr4//8BAAAAf39/AAEAAABkAAAAAAAAABQAAABAHwAAAAAAACYAAAAAAAAAwOD//wAAAAAmAAAAZAAAABYAAABMAAAAAAAAAAAAAAAEAAAAAAAAAAEAAACAgIAKAAAAACgAAAAoAAAAZAAAAGQAAAAAAAAAzMzMAAAAAABQAAAAUAAAAGQAAABkAAAAAAAAABcAAAAUAAAAAAAAAAAAAAD/fwAA/38AAAAAAAAJAAAABAAAAAAAAAAMAAAAEAAAAAAAAAAAAAAAAAAAAAAAAAAeAAAAaAAAAAAAAAAAAAAAAAAAAAAAAAAAAAAAECcAABAnAAAAAAAAAAAAAAAAAAAAAAAAAAAAAAAAAAAAAAAAAAAAABQAAAAAAAAAwMD/AAAAAABkAAAAMgAAAAAAAABkAAAAAAAAAH9/fwAKAAAAIgAAABgAAAAAAAAAAAAAAAAAAAAAAAAAAAAAAAAAAAAkAAAAJAAAAAAAAAAHAAAAAAAAAAAAAAAAAAAAAAAAAAAAAAAAAAAAf39/ACUAAABYAAAAAAAAAAAAAAAAAAAAAAAAAAAAAAAAAAAAAAAAAAAAAAAAAAAAAAAAAAAAAAA/AAAAAAAAAKCGAQAAAAAAAAAAAAAAAAAMAAAAAQAAAAAAAAAAAAAAAAAAAB8AAABUAAAAAAAABQAAAAEAAAAAAAAAAAAAAAAAAAAAAAAAAAAAAAAAAAAAAAAAAAAAAAJ/f38AAAAAA8zMzADAwP8Af39/AAAAAAAAAAAAAAAAAAAAAAAAAAAAIQAAABgAAAAUAAAAcAgAAOgXAADQLwAAsCIAABAAAAAmAAAACAAAAAGAAAAAAAAA"/>
+                <pr:smNativeData xmlns:pr="smNativeData" val="SMDATA_13_4IlQXxMAAAAlAAAAZAAAAA8BAAAAkAAAAEgAAACQAAAASAAAAAAAAAAAAAAAAAAAAAEAAABQAAAAAAAAAAAA4D8AAAAAAADgPwAAAAAAAOA/AAAAAAAA4D8AAAAAAADgPwAAAAAAAOA/AAAAAAAA4D8AAAAAAADgPwAAAAAAAOA/AAAAAAAA4D8CAAAAjAAAAAAAAAAAAAAAu+DjDP///wgAAAAAAAAAAAAAAAAAAAAAAAAAAAAAAAAAAAAAZAAAAAEAAABAAAAAAAAAAAAAAAAAAAAAAAAAAAAAAAAAAAAAAAAAAAAAAAAAAAAAAAAAAAAAAAAAAAAAAAAAAAAAAAAAAAAAAAAAAAAAAAAAAAAAAAAAAAAAAAAAAAAAFAAAADwAAAAAAAAAAAAAAAAAAAkUAAAAAQAAABQAAAAUAAAAFAAAAAEAAAAAAAAAZAAAAGQAAAAAAAAAZAAAAGQAAAAVAAAAYAAAAAAAAAAAAAAADwAAACADAAAAAAAAAAAAAAEAAACgMgAAVgcAAKr4//8BAAAAf39/AAEAAABkAAAAAAAAABQAAABAHwAAAAAAACYAAAAAAAAAwOD//wAAAAAmAAAAZAAAABYAAABMAAAAAAAAAAAAAAAEAAAAAAAAAAEAAACAgIAKAAAAACgAAAAoAAAAZAAAAGQAAAAAAAAAzMzMAAAAAABQAAAAUAAAAGQAAABkAAAAAAAAABcAAAAUAAAAAAAAAAAAAAD/fwAA/38AAAAAAAAJAAAABAAAAAAAAAAMAAAAEAAAAAAAAAAAAAAAAAAAAAAAAAAeAAAAaAAAAAAAAAAAAAAAAAAAAAAAAAAAAAAAECcAABAnAAAAAAAAAAAAAAAAAAAAAAAAAAAAAAAAAAAAAAAAAAAAABQAAAAAAAAAwMD/AAAAAABkAAAAMgAAAAAAAABkAAAAAAAAAH9/fwAKAAAAHwAAAFQAAAAAAAAFAAAAAQAAAAAAAAAAAAAAAAAAAAAAAAAAAAAAAAAAAAAAAAAAAAAAAn9/fwAAAAADzMzMAMDA/wB/f38AAAAAAAAAAAAAAAAAAAAAAAAAAAAhAAAAGAAAABQAAABwCAAA6BcAANAvAACwIgAAEAAAACYAAAAIAAAAAYAAAAAAAAA="/>
               </a:ext>
             </a:extLst>
           </p:cNvSpPr>
@@ -337,7 +328,7 @@
             <a:spLocks noGrp="1" noChangeArrowheads="1"/>
             <a:extLst>
               <a:ext uri="smNativeData">
-                <pr:smNativeData xmlns:pr="smNativeData" val="SMDATA_16_PPTaXhMAAAAlAAAAZAAAAA8BAAAAkAAAAEgAAACQAAAASAAAAAAAAAABAAAAAAAAAAEAAABQAAAAAAAAAAAA4D8AAAAAAADgPwAAAAAAAOA/AAAAAAAA4D8AAAAAAADgPwAAAAAAAOA/AAAAAAAA4D8AAAAAAADgPwAAAAAAAOA/AAAAAAAA4D8CAAAAjAAAAAAAAAAAAAAAu+DjDP///wgAAAAAAAAAAAAAAAAAAAAAAAAAAAAAAAAAAAAAZAAAAAEAAABAAAAAAAAAAAAAAAAAAAAAAAAAAAAAAAAAAAAAAAAAAAAAAAAAAAAAAAAAAAAAAAAAAAAAAAAAAAAAAAAAAAAAAAAAAAAAAAAAAAAAAAAAAAAAAAAAAAAAFAAAADwAAAAAAAAAAAAAAAAAAAkUAAAAAQAAABQAAAAUAAAAFAAAAAEAAAAAAAAAZAAAAGQAAAAAAAAAZAAAAGQAAAAVAAAAYAAAAAAAAAAAAAAADwAAACADAAAAAAAAAAAAAAEAAACgMgAAVgcAAKr4//8BAAAAf39/AAEAAABkAAAAAAAAABQAAABAHwAAAAAAACYAAAAAAAAAwOD//wAAAAAmAAAAZAAAABYAAABMAAAAAAAAAAAAAAAEAAAAAAAAAAEAAACAgIAKAAAAACgAAAAoAAAAZAAAAGQAAAAAAAAAzMzMAAAAAABQAAAAUAAAAGQAAABkAAAAAAAAABcAAAAUAAAAAAAAAAAAAAD/fwAA/38AAAAAAAAJAAAABAAAAAAAAAAMAAAAEAAAAAAAAAAAAAAAAAAAAAAAAAAeAAAAaAAAAAAAAAAAAAAAAAAAAAAAAAAAAAAAECcAABAnAAAAAAAAAAAAAAAAAAAAAAAAAAAAAAAAAAAAAAAAAAAAABQAAAAAAAAAwMD/AAAAAABkAAAAMgAAAAAAAABkAAAAAAAAAH9/fwAKAAAAIgAAABgAAAAAAAAAAAAAAAAAAAAAAAAAAAAAAAAAAAAkAAAAJAAAAAAAAAAHAAAAAAAAAAAAAAAAAAAAAAAAAAAAAAAAAAAAf39/ACUAAABYAAAAAAAAAAAAAAAAAAAAAAAAAAAAAAAAAAAAAAAAAAAAAAAAAAAAAAAAAAAAAAA/AAAAAAAAAKCGAQAAAAAAAAAAAAAAAAAMAAAAAQAAAAAAAAAAAAAAAAAAAB8AAABUAAAAAAAABQAAAAEAAAAAAAAAAAAAAAAAAAAAAAAAAAAAAAAAAAAAAAAAAAAAAAJ/f38AAAAAA8zMzADAwP8Af39/AAAAAAAAAAAAAAAAAAAAAAAAAAAAIQAAABgAAAAUAAAA0AIAABsnAADwDwAAWSkAABAAAAAmAAAACAAAAAAAAAAAAAAA"/>
+                <pr:smNativeData xmlns:pr="smNativeData" val="SMDATA_13_4IlQXxMAAAAlAAAAZAAAAA8BAAAAkAAAAEgAAACQAAAASAAAAAAAAAABAAAAAAAAAAEAAABQAAAAAAAAAAAA4D8AAAAAAADgPwAAAAAAAOA/AAAAAAAA4D8AAAAAAADgPwAAAAAAAOA/AAAAAAAA4D8AAAAAAADgPwAAAAAAAOA/AAAAAAAA4D8CAAAAjAAAAAAAAAAAAAAAu+DjDP///wgAAAAAAAAAAAAAAAAAAAAAAAAAAAAAAAAAAAAAZAAAAAEAAABAAAAAAAAAAAAAAAAAAAAAAAAAAAAAAAAAAAAAAAAAAAAAAAAAAAAAAAAAAAAAAAAAAAAAAAAAAAAAAAAAAAAAAAAAAAAAAAAAAAAAAAAAAAAAAAAAAAAAFAAAADwAAAAAAAAAAAAAAAAAAAkUAAAAAQAAABQAAAAUAAAAFAAAAAEAAAAAAAAAZAAAAGQAAAAAAAAAZAAAAGQAAAAVAAAAYAAAAAAAAAAAAAAADwAAACADAAAAAAAAAAAAAAEAAACgMgAAVgcAAKr4//8BAAAAf39/AAEAAABkAAAAAAAAABQAAABAHwAAAAAAACYAAAAAAAAAwOD//wAAAAAmAAAAZAAAABYAAABMAAAAAAAAAAAAAAAEAAAAAAAAAAEAAACAgIAKAAAAACgAAAAoAAAAZAAAAGQAAAAAAAAAzMzMAAAAAABQAAAAUAAAAGQAAABkAAAAAAAAABcAAAAUAAAAAAAAAAAAAAD/fwAA/38AAAAAAAAJAAAABAAAAAAAAAAMAAAAEAAAAAAAAAAAAAAAAAAAAAAAAAAeAAAAaAAAAAAAAAAAAAAAAAAAAAAAAAAAAAAAECcAABAnAAAAAAAAAAAAAAAAAAAAAAAAAAAAAAAAAAAAAAAAAAAAABQAAAAAAAAAwMD/AAAAAABkAAAAMgAAAAAAAABkAAAAAAAAAH9/fwAKAAAAHwAAAFQAAAAAAAAFAAAAAQAAAAAAAAAAAAAAAAAAAAAAAAAAAAAAAAAAAAAAAAAAAAAAAn9/fwAAAAADzMzMAMDA/wB/f38AAAAAAAAAAAAAAAAAAAAAAAAAAAAhAAAAGAAAABQAAADQAgAAGycAAPAPAABZKQAAEAAAACYAAAAIAAAAAAAAAAAAAAA="/>
               </a:ext>
             </a:extLst>
           </p:cNvSpPr>
@@ -351,7 +342,7 @@
           <a:lstStyle/>
           <a:p>
             <a:pPr/>
-            <a:fld id="{479E3552-1CAA-CBC3-E426-EA967B6812BF}" type="datetime1">
+            <a:fld id="{AA497114-5A47-1C87-09F1-ACD23FBFFFF9}" type="datetime1">
               <a:t/>
             </a:fld>
           </a:p>
@@ -364,7 +355,7 @@
             <a:spLocks noGrp="1" noChangeArrowheads="1"/>
             <a:extLst>
               <a:ext uri="smNativeData">
-                <pr:smNativeData xmlns:pr="smNativeData" val="SMDATA_16_PPTaXhMAAAAlAAAAZAAAAA8BAAAAkAAAAEgAAACQAAAASAAAAAAAAAABAAAAAAAAAAEAAABQAAAAAAAAAAAA4D8AAAAAAADgPwAAAAAAAOA/AAAAAAAA4D8AAAAAAADgPwAAAAAAAOA/AAAAAAAA4D8AAAAAAADgPwAAAAAAAOA/AAAAAAAA4D8CAAAAjAAAAAAAAAAAAAAAu+DjDP///wgAAAAAAAAAAAAAAAAAAAAAAAAAAAAAAAAAAAAAZAAAAAEAAABAAAAAAAAAAAAAAAAAAAAAAAAAAAAAAAAAAAAAAAAAAAAAAAAAAAAAAAAAAAAAAAAAAAAAAAAAAAAAAAAAAAAAAAAAAAAAAAAAAAAAAAAAAAAAAAAAAAAAFAAAADwAAAAAAAAAAAAAAAAAAAkUAAAAAQAAABQAAAAUAAAAFAAAAAEAAAAAAAAAZAAAAGQAAAAAAAAAZAAAAGQAAAAVAAAAYAAAAAAAAAAAAAAADwAAACADAAAAAAAAAAAAAAEAAACgMgAAVgcAAKr4//8BAAAAf39/AAEAAABkAAAAAAAAABQAAABAHwAAAAAAACYAAAAAAAAAwOD//wAAAAAmAAAAZAAAABYAAABMAAAAAAAAAAAAAAAEAAAAAAAAAAEAAACAgIAKAAAAACgAAAAoAAAAZAAAAGQAAAAAAAAAzMzMAAAAAABQAAAAUAAAAGQAAABkAAAAAAAAABcAAAAUAAAAAAAAAAAAAAD/fwAA/38AAAAAAAAJAAAABAAAAAAAAAAMAAAAEAAAAAAAAAAAAAAAAAAAAAAAAAAeAAAAaAAAAAAAAAAAAAAAAAAAAAAAAAAAAAAAECcAABAnAAAAAAAAAAAAAAAAAAAAAAAAAAAAAAAAAAAAAAAAAAAAABQAAAAAAAAAwMD/AAAAAABkAAAAMgAAAAAAAABkAAAAAAAAAH9/fwAKAAAAIgAAABgAAAAAAAAAAAAAAAAAAAAAAAAAAAAAAAAAAAAkAAAAJAAAAAAAAAAHAAAAAAAAAAAAAAAAAAAAAAAAAAAAAAAAAAAAf39/ACUAAABYAAAAAAAAAAAAAAAAAAAAAAAAAAAAAAAAAAAAAAAAAAAAAAAAAAAAAAAAAAAAAAA/AAAAAAAAAKCGAQAAAAAAAAAAAAAAAAAMAAAAAQAAAAAAAAAAAAAAAAAAAB8AAABUAAAAAAAABQAAAAEAAAAAAAAAAAAAAAAAAAAAAAAAAAAAAAAAAAAAAAAAAAAAAAJ/f38AAAAAA8zMzADAwP8Af39/AAAAAAAAAAAAAAAAAAAAAAAAAAAAIQAAABgAAAAUAAAAOBMAABsnAAAIJQAAWSkAABAAAAAmAAAACAAAAAAAAAAAAAAA"/>
+                <pr:smNativeData xmlns:pr="smNativeData" val="SMDATA_13_4IlQXxMAAAAlAAAAZAAAAA8BAAAAkAAAAEgAAACQAAAASAAAAAAAAAABAAAAAAAAAAEAAABQAAAAAAAAAAAA4D8AAAAAAADgPwAAAAAAAOA/AAAAAAAA4D8AAAAAAADgPwAAAAAAAOA/AAAAAAAA4D8AAAAAAADgPwAAAAAAAOA/AAAAAAAA4D8CAAAAjAAAAAAAAAAAAAAAu+DjDP///wgAAAAAAAAAAAAAAAAAAAAAAAAAAAAAAAAAAAAAZAAAAAEAAABAAAAAAAAAAAAAAAAAAAAAAAAAAAAAAAAAAAAAAAAAAAAAAAAAAAAAAAAAAAAAAAAAAAAAAAAAAAAAAAAAAAAAAAAAAAAAAAAAAAAAAAAAAAAAAAAAAAAAFAAAADwAAAAAAAAAAAAAAAAAAAkUAAAAAQAAABQAAAAUAAAAFAAAAAEAAAAAAAAAZAAAAGQAAAAAAAAAZAAAAGQAAAAVAAAAYAAAAAAAAAAAAAAADwAAACADAAAAAAAAAAAAAAEAAACgMgAAVgcAAKr4//8BAAAAf39/AAEAAABkAAAAAAAAABQAAABAHwAAAAAAACYAAAAAAAAAwOD//wAAAAAmAAAAZAAAABYAAABMAAAAAAAAAAAAAAAEAAAAAAAAAAEAAACAgIAKAAAAACgAAAAoAAAAZAAAAGQAAAAAAAAAzMzMAAAAAABQAAAAUAAAAGQAAABkAAAAAAAAABcAAAAUAAAAAAAAAAAAAAD/fwAA/38AAAAAAAAJAAAABAAAAAAAAAAMAAAAEAAAAAAAAAAAAAAAAAAAAAAAAAAeAAAAaAAAAAAAAAAAAAAAAAAAAAAAAAAAAAAAECcAABAnAAAAAAAAAAAAAAAAAAAAAAAAAAAAAAAAAAAAAAAAAAAAABQAAAAAAAAAwMD/AAAAAABkAAAAMgAAAAAAAABkAAAAAAAAAH9/fwAKAAAAHwAAAFQAAAAAAAAFAAAAAQAAAAAAAAAAAAAAAAAAAAAAAAAAAAAAAAAAAAAAAAAAAAAAAn9/fwAAAAADzMzMAMDA/wB/f38AAAAAAAAAAAAAAAAAAAAAAAAAAAAhAAAAGAAAABQAAAA4EwAAGycAAAglAABZKQAAEAAAACYAAAAIAAAAAAAAAAAAAAA="/>
               </a:ext>
             </a:extLst>
           </p:cNvSpPr>
@@ -388,7 +379,7 @@
             <a:spLocks noGrp="1" noChangeArrowheads="1"/>
             <a:extLst>
               <a:ext uri="smNativeData">
-                <pr:smNativeData xmlns:pr="smNativeData" val="SMDATA_16_PPTaXhMAAAAlAAAAZAAAAA8BAAAAkAAAAEgAAACQAAAASAAAAAAAAAABAAAAAAAAAAEAAABQAAAAAAAAAAAA4D8AAAAAAADgPwAAAAAAAOA/AAAAAAAA4D8AAAAAAADgPwAAAAAAAOA/AAAAAAAA4D8AAAAAAADgPwAAAAAAAOA/AAAAAAAA4D8CAAAAjAAAAAAAAAAAAAAAu+DjDP///wgAAAAAAAAAAAAAAAAAAAAAAAAAAAAAAAAAAAAAZAAAAAEAAABAAAAAAAAAAAAAAAAAAAAAAAAAAAAAAAAAAAAAAAAAAAAAAAAAAAAAAAAAAAAAAAAAAAAAAAAAAAAAAAAAAAAAAAAAAAAAAAAAAAAAAAAAAAAAAAAAAAAAFAAAADwAAAAAAAAAAAAAAAAAAAkUAAAAAQAAABQAAAAUAAAAFAAAAAEAAAAAAAAAZAAAAGQAAAAAAAAAZAAAAGQAAAAVAAAAYAAAAAAAAAAAAAAADwAAACADAAAAAAAAAAAAAAEAAACgMgAAVgcAAKr4//8BAAAAf39/AAEAAABkAAAAAAAAABQAAABAHwAAAAAAACYAAAAAAAAAwOD//wAAAAAmAAAAZAAAABYAAABMAAAAAAAAAAAAAAAEAAAAAAAAAAEAAACAgIAKAAAAACgAAAAoAAAAZAAAAGQAAAAAAAAAzMzMAAAAAABQAAAAUAAAAGQAAABkAAAAAAAAABcAAAAUAAAAAAAAAAAAAAD/fwAA/38AAAAAAAAJAAAABAAAAAAAAAAMAAAAEAAAAAAAAAAAAAAAAAAAAAAAAAAeAAAAaAAAAAAAAAAAAAAAAAAAAAAAAAAAAAAAECcAABAnAAAAAAAAAAAAAAAAAAAAAAAAAAAAAAAAAAAAAAAAAAAAABQAAAAAAAAAwMD/AAAAAABkAAAAMgAAAAAAAABkAAAAAAAAAH9/fwAKAAAAIgAAABgAAAAAAAAAAAAAAAAAAAAAAAAAAAAAAAAAAAAkAAAAJAAAAAAAAAAHAAAAAAAAAAAAAAAAAAAAAAAAAAAAAAAAAAAAf39/ACUAAABYAAAAAAAAAAAAAAAAAAAAAAAAAAAAAAAAAAAAAAAAAAAAAAAAAAAAAAAAAAAAAAA/AAAAAAAAAKCGAQAAAAAAAAAAAAAAAAAMAAAAAQAAAAAAAAAAAAAAAAAAAB8AAABUAAAAAAAABQAAAAEAAAAAAAAAAAAAAAAAAAAAAAAAAAAAAAAAAAAAAAAAAAAAAAJ/f38AAAAAA8zMzADAwP8Af39/AAAAAAAAAAAAAAAAAAAAAAAAAAAAIQAAABgAAAAUAAAAUCgAABsnAABwNQAAWSkAABAAAAAmAAAACAAAAAAAAAAAAAAA"/>
+                <pr:smNativeData xmlns:pr="smNativeData" val="SMDATA_13_4IlQXxMAAAAlAAAAZAAAAA8BAAAAkAAAAEgAAACQAAAASAAAAAAAAAABAAAAAAAAAAEAAABQAAAAAAAAAAAA4D8AAAAAAADgPwAAAAAAAOA/AAAAAAAA4D8AAAAAAADgPwAAAAAAAOA/AAAAAAAA4D8AAAAAAADgPwAAAAAAAOA/AAAAAAAA4D8CAAAAjAAAAAAAAAAAAAAAu+DjDP///wgAAAAAAAAAAAAAAAAAAAAAAAAAAAAAAAAAAAAAZAAAAAEAAABAAAAAAAAAAAAAAAAAAAAAAAAAAAAAAAAAAAAAAAAAAAAAAAAAAAAAAAAAAAAAAAAAAAAAAAAAAAAAAAAAAAAAAAAAAAAAAAAAAAAAAAAAAAAAAAAAAAAAFAAAADwAAAAAAAAAAAAAAAAAAAkUAAAAAQAAABQAAAAUAAAAFAAAAAEAAAAAAAAAZAAAAGQAAAAAAAAAZAAAAGQAAAAVAAAAYAAAAAAAAAAAAAAADwAAACADAAAAAAAAAAAAAAEAAACgMgAAVgcAAKr4//8BAAAAf39/AAEAAABkAAAAAAAAABQAAABAHwAAAAAAACYAAAAAAAAAwOD//wAAAAAmAAAAZAAAABYAAABMAAAAAAAAAAAAAAAEAAAAAAAAAAEAAACAgIAKAAAAACgAAAAoAAAAZAAAAGQAAAAAAAAAzMzMAAAAAABQAAAAUAAAAGQAAABkAAAAAAAAABcAAAAUAAAAAAAAAAAAAAD/fwAA/38AAAAAAAAJAAAABAAAAAAAAAAMAAAAEAAAAAAAAAAAAAAAAAAAAAAAAAAeAAAAaAAAAAAAAAAAAAAAAAAAAAAAAAAAAAAAECcAABAnAAAAAAAAAAAAAAAAAAAAAAAAAAAAAAAAAAAAAAAAAAAAABQAAAAAAAAAwMD/AAAAAABkAAAAMgAAAAAAAABkAAAAAAAAAH9/fwAKAAAAHwAAAFQAAAAAAAAFAAAAAQAAAAAAAAAAAAAAAAAAAAAAAAAAAAAAAAAAAAAAAAAAAAAAAn9/fwAAAAADzMzMAMDA/wB/f38AAAAAAAAAAAAAAAAAAAAAAAAAAAAhAAAAGAAAABQAAABQKAAAGycAAHA1AABZKQAAEAAAACYAAAAIAAAAAAAAAAAAAAA="/>
               </a:ext>
             </a:extLst>
           </p:cNvSpPr>
@@ -402,7 +393,7 @@
           <a:lstStyle/>
           <a:p>
             <a:pPr/>
-            <a:fld id="{479E4377-39AA-CBB5-E426-CFE00D68129A}" type="slidenum">
+            <a:fld id="{AA4912D7-9947-1CE4-09F1-6FB15CBFFF3A}" type="slidenum">
               <a:t/>
             </a:fld>
           </a:p>
@@ -440,7 +431,7 @@
             <a:spLocks noGrp="1" noChangeArrowheads="1"/>
             <a:extLst>
               <a:ext uri="smNativeData">
-                <pr:smNativeData xmlns:pr="smNativeData" val="SMDATA_16_PPTaXhMAAAAlAAAAZAAAAA8BAAAAkAAAAEgAAACQAAAASAAAAAAAAAABAAAAAAAAAAEAAABQAAAAAAAAAAAA4D8AAAAAAADgPwAAAAAAAOA/AAAAAAAA4D8AAAAAAADgPwAAAAAAAOA/AAAAAAAA4D8AAAAAAADgPwAAAAAAAOA/AAAAAAAA4D8CAAAAjAAAAAAAAAAAAAAAu+DjDP///wgAAAAAAAAAAAAAAAAAAAAAAAAAAAAAAAAAAAAAZAAAAAEAAABAAAAAAAAAAAAAAAAAAAAAAAAAAAAAAAAAAAAAAAAAAAAAAAAAAAAAAAAAAAAAAAAAAAAAAAAAAAAAAAAAAAAAAAAAAAAAAAAAAAAAAAAAAAAAAAAAAAAAFAAAADwAAAAAAAAAAAAAAAAAAAkUAAAAAQAAABQAAAAUAAAAFAAAAAEAAAAAAAAAZAAAAGQAAAAAAAAAZAAAAGQAAAAVAAAAYAAAAAAAAAAAAAAADwAAACADAAAAAAAAAAAAAAEAAACgMgAAVgcAAKr4//8BAAAAf39/AAEAAABkAAAAAAAAABQAAABAHwAAAAAAACYAAAAAAAAAwOD//wAAAAAmAAAAZAAAABYAAABMAAAAAAAAAAAAAAAEAAAAAAAAAAEAAACAgIAKAAAAACgAAAAoAAAAZAAAAGQAAAAAAAAAzMzMAAAAAABQAAAAUAAAAGQAAABkAAAAAAAAABcAAAAUAAAAAAAAAAAAAAD/fwAA/38AAAAAAAAJAAAABAAAAORJZV8MAAAAEAAAAAAAAAAAAAAAAAAAAAAAAAAeAAAAaAAAAAAAAAAAAAAAAAAAAAAAAAAAAAAAECcAABAnAAAAAAAAAAAAAAAAAAAAAAAAAAAAAAAAAAAAAAAAAAAAABQAAAAAAAAAwMD/AAAAAABkAAAAMgAAAAAAAABkAAAAAAAAAH9/fwAKAAAAIgAAABgAAAAAAAAAAAAAAAAAAAAAAAAAAAAAAAAAAAAkAAAAJAAAAAAAAAAHAAAAAAAAAAAAAAAAAAAAAAAAAAAAAAAAAAAAf39/ACUAAABYAAAAAAAAAAAAAAAAAAAAAAAAAAAAAAAAAAAAAAAAAAAAAAAAAAAAAAAAAAAAAAA/AAAAAAAAAKCGAQAAAAAAAAAAAAAAAAAMAAAAAQAAAAAAAAAAAAAAAAAAAB8AAABUAAAAAAAABQAAAAEAAAAAAAAAAAAAAAAAAAAAAAAAAAAAAAAAAAAAAAAAAAAAAAJ/f38AAAAAA8zMzADAwP8Af39/AAAAAAAAAAAAAAAAAAAAAAAAAAAAIQAAABgAAAAUAAAA0AIAALABAABwNQAAuAgAABAAAAAmAAAACAAAAAAAAAAAAAAA"/>
+                <pr:smNativeData xmlns:pr="smNativeData" val="SMDATA_13_4IlQXxMAAAAlAAAAZAAAAA8BAAAAkAAAAEgAAACQAAAASAAAAAAAAAABAAAAAAAAAAEAAABQAAAAAAAAAAAA4D8AAAAAAADgPwAAAAAAAOA/AAAAAAAA4D8AAAAAAADgPwAAAAAAAOA/AAAAAAAA4D8AAAAAAADgPwAAAAAAAOA/AAAAAAAA4D8CAAAAjAAAAAAAAAAAAAAAu+DjDP///wgAAAAAAAAAAAAAAAAAAAAAAAAAAAAAAAAAAAAAZAAAAAEAAABAAAAAAAAAAAAAAAAAAAAAAAAAAAAAAAAAAAAAAAAAAAAAAAAAAAAAAAAAAAAAAAAAAAAAAAAAAAAAAAAAAAAAAAAAAAAAAAAAAAAAAAAAAAAAAAAAAAAAFAAAADwAAAAAAAAAAAAAAAAAAAkUAAAAAQAAABQAAAAUAAAAFAAAAAEAAAAAAAAAZAAAAGQAAAAAAAAAZAAAAGQAAAAVAAAAYAAAAAAAAAAAAAAADwAAACADAAAAAAAAAAAAAAEAAACgMgAAVgcAAKr4//8BAAAAf39/AAEAAABkAAAAAAAAABQAAABAHwAAAAAAACYAAAAAAAAAwOD//wAAAAAmAAAAZAAAABYAAABMAAAAAAAAAAAAAAAEAAAAAAAAAAEAAACAgIAKAAAAACgAAAAoAAAAZAAAAGQAAAAAAAAAzMzMAAAAAABQAAAAUAAAAGQAAABkAAAAAAAAABcAAAAUAAAAAAAAAAAAAAD/fwAA/38AAAAAAAAJAAAABAAAAORJZV8MAAAAEAAAAAAAAAAAAAAAAAAAAAAAAAAeAAAAaAAAAAAAAAAAAAAAAAAAAAAAAAAAAAAAECcAABAnAAAAAAAAAAAAAAAAAAAAAAAAAAAAAAAAAAAAAAAAAAAAABQAAAAAAAAAwMD/AAAAAABkAAAAMgAAAAAAAABkAAAAAAAAAH9/fwAKAAAAHwAAAFQAAAAAAAAFAAAAAQAAAAAAAAAAAAAAAAAAAAAAAAAAAAAAAAAAAAAAAAAAAAAAAn9/fwAAAAADzMzMAMDA/wB/f38AAAAAAAAAAAAAAAAAAAAAAAAAAAAhAAAAGAAAABQAAADQAgAAsAEAAHA1AAC4CAAAEAAAACYAAAAIAAAAAAAAAAAAAAA="/>
               </a:ext>
             </a:extLst>
           </p:cNvSpPr>
@@ -467,7 +458,7 @@
             <a:spLocks noGrp="1" noChangeArrowheads="1"/>
             <a:extLst>
               <a:ext uri="smNativeData">
-                <pr:smNativeData xmlns:pr="smNativeData" val="SMDATA_16_PPTaXhMAAAAlAAAAZAAAAA8BAAAAkAAAAEgAAACQAAAASAAAAAAAAAAAAAAAAQAAAAEAAABQAAAAAAAAAAAA4D8AAAAAAADgPwAAAAAAAOA/AAAAAAAA4D8AAAAAAADgPwAAAAAAAOA/AAAAAAAA4D8AAAAAAADgPwAAAAAAAOA/AAAAAAAA4D8CAAAAjAAAAAAAAAAAAAAAu+DjDP///wgAAAAAAAAAAAAAAAAAAAAAAAAAAAAAAAAAAAAAZAAAAAEAAABAAAAAAAAAAAAAAAAAAAAAAAAAAAAAAAAAAAAAAAAAAAAAAAAAAAAAAAAAAAAAAAAAAAAAAAAAAAAAAAAAAAAAAAAAAAAAAAAAAAAAAAAAAAAAAAAAAAAAFAAAADwAAAAAAAAAAAAAAAAAAAkUAAAAAQAAABQAAAAUAAAAFAAAAAEAAAAAAAAAZAAAAGQAAAAAAAAAZAAAAGQAAAAVAAAAYAAAAAAAAAAAAAAADwAAACADAAAAAAAAAAAAAAEAAACgMgAAVgcAAKr4//8BAAAAf39/AAEAAABkAAAAAAAAABQAAABAHwAAAAAAACYAAAAAAAAAwOD//wAAAAAmAAAAZAAAABYAAABMAAAAAAAAAAAAAAAEAAAAAAAAAAEAAACAgIAKAAAAACgAAAAoAAAAZAAAAGQAAAAAAAAAzMzMAAAAAABQAAAAUAAAAGQAAABkAAAAAAAAABcAAAAUAAAAAAAAAAAAAAD/fwAA/38AAAAAAAAJAAAABAAAACfNAwAMAAAAEAAAAAAAAAAAAAAAAAAAAAAAAAAeAAAAaAAAAAAAAAAAAAAAAAAAAAAAAAAAAAAAECcAABAnAAAAAAAAAAAAAAAAAAAAAAAAAAAAAAAAAAAAAAAAAAAAABQAAAAAAAAAwMD/AAAAAABkAAAAMgAAAAAAAABkAAAAAAAAAH9/fwAKAAAAIgAAABgAAAAAAAAAAAAAAAAAAAAAAAAAAAAAAAAAAAAkAAAAJAAAAAAAAAAHAAAAAAAAAAAAAAAAAAAAAAAAAAAAAAAAAAAAf39/ACUAAABYAAAAAAAAAAAAAAAAAAAAAAAAAAAAAAAAAAAAAAAAAAAAAAAAAAAAAAAAAAAAAAA/AAAAAAAAAKCGAQAAAAAAAAAAAAAAAAAMAAAAAQAAAAAAAAAAAAAAAAAAAB8AAABUAAAAAAAABQAAAAEAAAAAAAAAAAAAAAAAAAAAAAAAAAAAAAAAAAAAAAAAAAAAAAJ/f38AAAAAA8zMzADAwP8Af39/AAAAAAAAAAAAAAAAAAAAAAAAAAAAIQAAABgAAAAUAAAA0AIAANgJAABwNQAAsCUAABAAAAAmAAAACAAAAAIAAAAAAAAA"/>
+                <pr:smNativeData xmlns:pr="smNativeData" val="SMDATA_13_4IlQXxMAAAAlAAAAZAAAAA8BAAAAkAAAAEgAAACQAAAASAAAAAAAAAAAAAAAAQAAAAEAAABQAAAAAAAAAAAA4D8AAAAAAADgPwAAAAAAAOA/AAAAAAAA4D8AAAAAAADgPwAAAAAAAOA/AAAAAAAA4D8AAAAAAADgPwAAAAAAAOA/AAAAAAAA4D8CAAAAjAAAAAAAAAAAAAAAu+DjDP///wgAAAAAAAAAAAAAAAAAAAAAAAAAAAAAAAAAAAAAZAAAAAEAAABAAAAAAAAAAAAAAAAAAAAAAAAAAAAAAAAAAAAAAAAAAAAAAAAAAAAAAAAAAAAAAAAAAAAAAAAAAAAAAAAAAAAAAAAAAAAAAAAAAAAAAAAAAAAAAAAAAAAAFAAAADwAAAAAAAAAAAAAAAAAAAkUAAAAAQAAABQAAAAUAAAAFAAAAAEAAAAAAAAAZAAAAGQAAAAAAAAAZAAAAGQAAAAVAAAAYAAAAAAAAAAAAAAADwAAACADAAAAAAAAAAAAAAEAAACgMgAAVgcAAKr4//8BAAAAf39/AAEAAABkAAAAAAAAABQAAABAHwAAAAAAACYAAAAAAAAAwOD//wAAAAAmAAAAZAAAABYAAABMAAAAAAAAAAAAAAAEAAAAAAAAAAEAAACAgIAKAAAAACgAAAAoAAAAZAAAAGQAAAAAAAAAzMzMAAAAAABQAAAAUAAAAGQAAABkAAAAAAAAABcAAAAUAAAAAAAAAAAAAAD/fwAA/38AAAAAAAAJAAAABAAAACfNAwAMAAAAEAAAAAAAAAAAAAAAAAAAAAAAAAAeAAAAaAAAAAAAAAAAAAAAAAAAAAAAAAAAAAAAECcAABAnAAAAAAAAAAAAAAAAAAAAAAAAAAAAAAAAAAAAAAAAAAAAABQAAAAAAAAAwMD/AAAAAABkAAAAMgAAAAAAAABkAAAAAAAAAH9/fwAKAAAAHwAAAFQAAAAAAAAFAAAAAQAAAAAAAAAAAAAAAAAAAAAAAAAAAAAAAAAAAAAAAAAAAAAAAn9/fwAAAAADzMzMAMDA/wB/f38AAAAAAAAAAAAAAAAAAAAAAAAAAAAhAAAAGAAAABQAAADQAgAA2AkAAHA1AACwJQAAEAAAACYAAAAIAAAAAgAAAAAAAAA="/>
               </a:ext>
             </a:extLst>
           </p:cNvSpPr>
@@ -477,7 +468,7 @@
         </p:nvSpPr>
         <p:spPr/>
         <p:txBody>
-          <a:bodyPr vert="vert" wrap="square" numCol="1" anchor="t">
+          <a:bodyPr vert="vert" wrap="square" numCol="1" spcCol="215900" anchor="t">
             <a:prstTxWarp prst="textNoShape">
               <a:avLst/>
             </a:prstTxWarp>
@@ -522,7 +513,7 @@
             <a:spLocks noGrp="1" noChangeArrowheads="1"/>
             <a:extLst>
               <a:ext uri="smNativeData">
-                <pr:smNativeData xmlns:pr="smNativeData" val="SMDATA_16_PPTaXhMAAAAlAAAAZAAAAA8BAAAAkAAAAEgAAACQAAAASAAAAAAAAAABAAAAAAAAAAEAAABQAAAAAAAAAAAA4D8AAAAAAADgPwAAAAAAAOA/AAAAAAAA4D8AAAAAAADgPwAAAAAAAOA/AAAAAAAA4D8AAAAAAADgPwAAAAAAAOA/AAAAAAAA4D8CAAAAjAAAAAAAAAAAAAAAu+DjDP///wgAAAAAAAAAAAAAAAAAAAAAAAAAAAAAAAAAAAAAZAAAAAEAAABAAAAAAAAAAAAAAAAAAAAAAAAAAAAAAAAAAAAAAAAAAAAAAAAAAAAAAAAAAAAAAAAAAAAAAAAAAAAAAAAAAAAAAAAAAAAAAAAAAAAAAAAAAAAAAAAAAAAAFAAAADwAAAAAAAAAAAAAAAAAAAkUAAAAAQAAABQAAAAUAAAAFAAAAAEAAAAAAAAAZAAAAGQAAAAAAAAAZAAAAGQAAAAVAAAAYAAAAAAAAAAAAAAADwAAACADAAAAAAAAAAAAAAEAAACgMgAAVgcAAKr4//8BAAAAf39/AAEAAABkAAAAAAAAABQAAABAHwAAAAAAACYAAAAAAAAAwOD//wAAAAAmAAAAZAAAABYAAABMAAAAAAAAAAAAAAAEAAAAAAAAAAEAAACAgIAKAAAAACgAAAAoAAAAZAAAAGQAAAAAAAAAzMzMAAAAAABQAAAAUAAAAGQAAABkAAAAAAAAABcAAAAUAAAAAAAAAAAAAAD/fwAA/38AAAAAAAAJAAAABAAAADmBBQAMAAAAEAAAAAAAAAAAAAAAAAAAAAAAAAAeAAAAaAAAAAAAAAAAAAAAAAAAAAAAAAAAAAAAECcAABAnAAAAAAAAAAAAAAAAAAAAAAAAAAAAAAAAAAAAAAAAAAAAABQAAAAAAAAAwMD/AAAAAABkAAAAMgAAAAAAAABkAAAAAAAAAH9/fwAKAAAAIgAAABgAAAAAAAAAAAAAAAAAAAAAAAAAAAAAAAAAAAAkAAAAJAAAAAAAAAAHAAAAAAAAAAAAAAAAAAAAAAAAAAAAAAAAAAAAf39/ACUAAABYAAAAAAAAAAAAAAAAAAAAAAAAAAAAAAAAAAAAAAAAAAAAAAAAAAAAAAAAAAAAAAA/AAAAAAAAAKCGAQAAAAAAAAAAAAAAAAAMAAAAAQAAAAAAAAAAAAAAAAAAAB8AAABUAAAAAAAABQAAAAEAAAAAAAAAAAAAAAAAAAAAAAAAAAAAAAAAAAAAAAAAAAAAAAJ/f38AAAAAA8zMzADAwP8Af39/AAAAAAAAAAAAAAAAAAAAAAAAAAAAIQAAABgAAAAUAAAA0AIAABsnAADwDwAAWSkAABAAAAAmAAAACAAAAAAAAAAAAAAA"/>
+                <pr:smNativeData xmlns:pr="smNativeData" val="SMDATA_13_4IlQXxMAAAAlAAAAZAAAAA8BAAAAkAAAAEgAAACQAAAASAAAAAAAAAABAAAAAAAAAAEAAABQAAAAAAAAAAAA4D8AAAAAAADgPwAAAAAAAOA/AAAAAAAA4D8AAAAAAADgPwAAAAAAAOA/AAAAAAAA4D8AAAAAAADgPwAAAAAAAOA/AAAAAAAA4D8CAAAAjAAAAAAAAAAAAAAAu+DjDP///wgAAAAAAAAAAAAAAAAAAAAAAAAAAAAAAAAAAAAAZAAAAAEAAABAAAAAAAAAAAAAAAAAAAAAAAAAAAAAAAAAAAAAAAAAAAAAAAAAAAAAAAAAAAAAAAAAAAAAAAAAAAAAAAAAAAAAAAAAAAAAAAAAAAAAAAAAAAAAAAAAAAAAFAAAADwAAAAAAAAAAAAAAAAAAAkUAAAAAQAAABQAAAAUAAAAFAAAAAEAAAAAAAAAZAAAAGQAAAAAAAAAZAAAAGQAAAAVAAAAYAAAAAAAAAAAAAAADwAAACADAAAAAAAAAAAAAAEAAACgMgAAVgcAAKr4//8BAAAAf39/AAEAAABkAAAAAAAAABQAAABAHwAAAAAAACYAAAAAAAAAwOD//wAAAAAmAAAAZAAAABYAAABMAAAAAAAAAAAAAAAEAAAAAAAAAAEAAACAgIAKAAAAACgAAAAoAAAAZAAAAGQAAAAAAAAAzMzMAAAAAABQAAAAUAAAAGQAAABkAAAAAAAAABcAAAAUAAAAAAAAAAAAAAD/fwAA/38AAAAAAAAJAAAABAAAADmBBQAMAAAAEAAAAAAAAAAAAAAAAAAAAAAAAAAeAAAAaAAAAAAAAAAAAAAAAAAAAAAAAAAAAAAAECcAABAnAAAAAAAAAAAAAAAAAAAAAAAAAAAAAAAAAAAAAAAAAAAAABQAAAAAAAAAwMD/AAAAAABkAAAAMgAAAAAAAABkAAAAAAAAAH9/fwAKAAAAHwAAAFQAAAAAAAAFAAAAAQAAAAAAAAAAAAAAAAAAAAAAAAAAAAAAAAAAAAAAAAAAAAAAAn9/fwAAAAADzMzMAMDA/wB/f38AAAAAAAAAAAAAAAAAAAAAAAAAAAAhAAAAGAAAABQAAADQAgAAGycAAPAPAABZKQAAEAAAACYAAAAIAAAAAAAAAAAAAAA="/>
               </a:ext>
             </a:extLst>
           </p:cNvSpPr>
@@ -536,7 +527,7 @@
           <a:lstStyle/>
           <a:p>
             <a:pPr/>
-            <a:fld id="{479E65FF-B1AA-CB93-E426-47C62B681212}" type="datetime1">
+            <a:fld id="{AA4965BC-F247-1C93-09F1-04C62BBFFF51}" type="datetime1">
               <a:t/>
             </a:fld>
           </a:p>
@@ -549,7 +540,7 @@
             <a:spLocks noGrp="1" noChangeArrowheads="1"/>
             <a:extLst>
               <a:ext uri="smNativeData">
-                <pr:smNativeData xmlns:pr="smNativeData" val="SMDATA_16_PPTaXhMAAAAlAAAAZAAAAA8BAAAAkAAAAEgAAACQAAAASAAAAAAAAAABAAAAAAAAAAEAAABQAAAAAAAAAAAA4D8AAAAAAADgPwAAAAAAAOA/AAAAAAAA4D8AAAAAAADgPwAAAAAAAOA/AAAAAAAA4D8AAAAAAADgPwAAAAAAAOA/AAAAAAAA4D8CAAAAjAAAAAAAAAAAAAAAu+DjDP///wgAAAAAAAAAAAAAAAAAAAAAAAAAAAAAAAAAAAAAZAAAAAEAAABAAAAAAAAAAAAAAAAAAAAAAAAAAAAAAAAAAAAAAAAAAAAAAAAAAAAAAAAAAAAAAAAAAAAAAAAAAAAAAAAAAAAAAAAAAAAAAAAAAAAAAAAAAAAAAAAAAAAAFAAAADwAAAAAAAAAAAAAAAAAAAkUAAAAAQAAABQAAAAUAAAAFAAAAAEAAAAAAAAAZAAAAGQAAAAAAAAAZAAAAGQAAAAVAAAAYAAAAAAAAAAAAAAADwAAACADAAAAAAAAAAAAAAEAAACgMgAAVgcAAKr4//8BAAAAf39/AAEAAABkAAAAAAAAABQAAABAHwAAAAAAACYAAAAAAAAAwOD//wAAAAAmAAAAZAAAABYAAABMAAAAAAAAAAAAAAAEAAAAAAAAAAEAAACAgIAKAAAAACgAAAAoAAAAZAAAAGQAAAAAAAAAzMzMAAAAAABQAAAAUAAAAGQAAABkAAAAAAAAABcAAAAUAAAAAAAAAAAAAAD/fwAA/38AAAAAAAAJAAAABAAAAAAAAAAMAAAAEAAAAAAAAAAAAAAAAAAAAAAAAAAeAAAAaAAAAAAAAAAAAAAAAAAAAAAAAAAAAAAAECcAABAnAAAAAAAAAAAAAAAAAAAAAAAAAAAAAAAAAAAAAAAAAAAAABQAAAAAAAAAwMD/AAAAAABkAAAAMgAAAAAAAABkAAAAAAAAAH9/fwAKAAAAIgAAABgAAAAAAAAAAAAAAAAAAAAAAAAAAAAAAAAAAAAkAAAAJAAAAAAAAAAHAAAAAAAAAAAAAAAAAAAAAAAAAAAAAAAAAAAAf39/ACUAAABYAAAAAAAAAAAAAAAAAAAAAAAAAAAAAAAAAAAAAAAAAAAAAAAAAAAAAAAAAAAAAAA/AAAAAAAAAKCGAQAAAAAAAAAAAAAAAAAMAAAAAQAAAAAAAAAAAAAAAAAAAB8AAABUAAAAAAAABQAAAAEAAAAAAAAAAAAAAAAAAAAAAAAAAAAAAAAAAAAAAAAAAAAAAAJ/f38AAAAAA8zMzADAwP8Af39/AAAAAAAAAAAAAAAAAAAAAAAAAAAAIQAAABgAAAAUAAAAOBMAABsnAAAIJQAAWSkAABAAAAAmAAAACAAAAAAAAAAAAAAA"/>
+                <pr:smNativeData xmlns:pr="smNativeData" val="SMDATA_13_4IlQXxMAAAAlAAAAZAAAAA8BAAAAkAAAAEgAAACQAAAASAAAAAAAAAABAAAAAAAAAAEAAABQAAAAAAAAAAAA4D8AAAAAAADgPwAAAAAAAOA/AAAAAAAA4D8AAAAAAADgPwAAAAAAAOA/AAAAAAAA4D8AAAAAAADgPwAAAAAAAOA/AAAAAAAA4D8CAAAAjAAAAAAAAAAAAAAAu+DjDP///wgAAAAAAAAAAAAAAAAAAAAAAAAAAAAAAAAAAAAAZAAAAAEAAABAAAAAAAAAAAAAAAAAAAAAAAAAAAAAAAAAAAAAAAAAAAAAAAAAAAAAAAAAAAAAAAAAAAAAAAAAAAAAAAAAAAAAAAAAAAAAAAAAAAAAAAAAAAAAAAAAAAAAFAAAADwAAAAAAAAAAAAAAAAAAAkUAAAAAQAAABQAAAAUAAAAFAAAAAEAAAAAAAAAZAAAAGQAAAAAAAAAZAAAAGQAAAAVAAAAYAAAAAAAAAAAAAAADwAAACADAAAAAAAAAAAAAAEAAACgMgAAVgcAAKr4//8BAAAAf39/AAEAAABkAAAAAAAAABQAAABAHwAAAAAAACYAAAAAAAAAwOD//wAAAAAmAAAAZAAAABYAAABMAAAAAAAAAAAAAAAEAAAAAAAAAAEAAACAgIAKAAAAACgAAAAoAAAAZAAAAGQAAAAAAAAAzMzMAAAAAABQAAAAUAAAAGQAAABkAAAAAAAAABcAAAAUAAAAAAAAAAAAAAD/fwAA/38AAAAAAAAJAAAABAAAAAAAAAAMAAAAEAAAAAAAAAAAAAAAAAAAAAAAAAAeAAAAaAAAAAAAAAAAAAAAAAAAAAAAAAAAAAAAECcAABAnAAAAAAAAAAAAAAAAAAAAAAAAAAAAAAAAAAAAAAAAAAAAABQAAAAAAAAAwMD/AAAAAABkAAAAMgAAAAAAAABkAAAAAAAAAH9/fwAKAAAAHwAAAFQAAAAAAAAFAAAAAQAAAAAAAAAAAAAAAAAAAAAAAAAAAAAAAAAAAAAAAAAAAAAAAn9/fwAAAAADzMzMAMDA/wB/f38AAAAAAAAAAAAAAAAAAAAAAAAAAAAhAAAAGAAAABQAAAA4EwAAGycAAAglAABZKQAAEAAAACYAAAAIAAAAAAAAAAAAAAA="/>
               </a:ext>
             </a:extLst>
           </p:cNvSpPr>
@@ -573,7 +564,7 @@
             <a:spLocks noGrp="1" noChangeArrowheads="1"/>
             <a:extLst>
               <a:ext uri="smNativeData">
-                <pr:smNativeData xmlns:pr="smNativeData" val="SMDATA_16_PPTaXhMAAAAlAAAAZAAAAA8BAAAAkAAAAEgAAACQAAAASAAAAAAAAAABAAAAAAAAAAEAAABQAAAAAAAAAAAA4D8AAAAAAADgPwAAAAAAAOA/AAAAAAAA4D8AAAAAAADgPwAAAAAAAOA/AAAAAAAA4D8AAAAAAADgPwAAAAAAAOA/AAAAAAAA4D8CAAAAjAAAAAAAAAAAAAAAu+DjDP///wgAAAAAAAAAAAAAAAAAAAAAAAAAAAAAAAAAAAAAZAAAAAEAAABAAAAAAAAAAAAAAAAAAAAAAAAAAAAAAAAAAAAAAAAAAAAAAAAAAAAAAAAAAAAAAAAAAAAAAAAAAAAAAAAAAAAAAAAAAAAAAAAAAAAAAAAAAAAAAAAAAAAAFAAAADwAAAAAAAAAAAAAAAAAAAkUAAAAAQAAABQAAAAUAAAAFAAAAAEAAAAAAAAAZAAAAGQAAAAAAAAAZAAAAGQAAAAVAAAAYAAAAAAAAAAAAAAADwAAACADAAAAAAAAAAAAAAEAAACgMgAAVgcAAKr4//8BAAAAf39/AAEAAABkAAAAAAAAABQAAABAHwAAAAAAACYAAAAAAAAAwOD//wAAAAAmAAAAZAAAABYAAABMAAAAAAAAAAAAAAAEAAAAAAAAAAEAAACAgIAKAAAAACgAAAAoAAAAZAAAAGQAAAAAAAAAzMzMAAAAAABQAAAAUAAAAGQAAABkAAAAAAAAABcAAAAUAAAAAAAAAAAAAAD/fwAA/38AAAAAAAAJAAAABAAAAFlpSPIMAAAAEAAAAAAAAAAAAAAAAAAAAAAAAAAeAAAAaAAAAAAAAAAAAAAAAAAAAAAAAAAAAAAAECcAABAnAAAAAAAAAAAAAAAAAAAAAAAAAAAAAAAAAAAAAAAAAAAAABQAAAAAAAAAwMD/AAAAAABkAAAAMgAAAAAAAABkAAAAAAAAAH9/fwAKAAAAIgAAABgAAAAAAAAAAAAAAAAAAAAAAAAAAAAAAAAAAAAkAAAAJAAAAAAAAAAHAAAAAAAAAAAAAAAAAAAAAAAAAAAAAAAAAAAAf39/ACUAAABYAAAAAAAAAAAAAAAAAAAAAAAAAAAAAAAAAAAAAAAAAAAAAAAAAAAAAAAAAAAAAAA/AAAAAAAAAKCGAQAAAAAAAAAAAAAAAAAMAAAAAQAAAAAAAAAAAAAAAAAAAB8AAABUAAAAAAAABQAAAAEAAAAAAAAAAAAAAAAAAAAAAAAAAAAAAAAAAAAAAAAAAAAAAAJ/f38AAAAAA8zMzADAwP8Af39/AAAAAAAAAAAAAAAAAAAAAAAAAAAAIQAAABgAAAAUAAAAUCgAABsnAABwNQAAWSkAABAAAAAmAAAACAAAAAAAAAAAAAAA"/>
+                <pr:smNativeData xmlns:pr="smNativeData" val="SMDATA_13_4IlQXxMAAAAlAAAAZAAAAA8BAAAAkAAAAEgAAACQAAAASAAAAAAAAAABAAAAAAAAAAEAAABQAAAAAAAAAAAA4D8AAAAAAADgPwAAAAAAAOA/AAAAAAAA4D8AAAAAAADgPwAAAAAAAOA/AAAAAAAA4D8AAAAAAADgPwAAAAAAAOA/AAAAAAAA4D8CAAAAjAAAAAAAAAAAAAAAu+DjDP///wgAAAAAAAAAAAAAAAAAAAAAAAAAAAAAAAAAAAAAZAAAAAEAAABAAAAAAAAAAAAAAAAAAAAAAAAAAAAAAAAAAAAAAAAAAAAAAAAAAAAAAAAAAAAAAAAAAAAAAAAAAAAAAAAAAAAAAAAAAAAAAAAAAAAAAAAAAAAAAAAAAAAAFAAAADwAAAAAAAAAAAAAAAAAAAkUAAAAAQAAABQAAAAUAAAAFAAAAAEAAAAAAAAAZAAAAGQAAAAAAAAAZAAAAGQAAAAVAAAAYAAAAAAAAAAAAAAADwAAACADAAAAAAAAAAAAAAEAAACgMgAAVgcAAKr4//8BAAAAf39/AAEAAABkAAAAAAAAABQAAABAHwAAAAAAACYAAAAAAAAAwOD//wAAAAAmAAAAZAAAABYAAABMAAAAAAAAAAAAAAAEAAAAAAAAAAEAAACAgIAKAAAAACgAAAAoAAAAZAAAAGQAAAAAAAAAzMzMAAAAAABQAAAAUAAAAGQAAABkAAAAAAAAABcAAAAUAAAAAAAAAAAAAAD/fwAA/38AAAAAAAAJAAAABAAAAFlpSPIMAAAAEAAAAAAAAAAAAAAAAAAAAAAAAAAeAAAAaAAAAAAAAAAAAAAAAAAAAAAAAAAAAAAAECcAABAnAAAAAAAAAAAAAAAAAAAAAAAAAAAAAAAAAAAAAAAAAAAAABQAAAAAAAAAwMD/AAAAAABkAAAAMgAAAAAAAABkAAAAAAAAAH9/fwAKAAAAHwAAAFQAAAAAAAAFAAAAAQAAAAAAAAAAAAAAAAAAAAAAAAAAAAAAAAAAAAAAAAAAAAAAAn9/fwAAAAADzMzMAMDA/wB/f38AAAAAAAAAAAAAAAAAAAAAAAAAAAAhAAAAGAAAABQAAABQKAAAGycAAHA1AABZKQAAEAAAACYAAAAIAAAAAAAAAAAAAAA="/>
               </a:ext>
             </a:extLst>
           </p:cNvSpPr>
@@ -587,7 +578,7 @@
           <a:lstStyle/>
           <a:p>
             <a:pPr/>
-            <a:fld id="{479E4122-6CAA-CBB7-E426-9AE20F6812CF}" type="slidenum">
+            <a:fld id="{AA493661-2F47-1CC0-09F1-D99578BFFF8C}" type="slidenum">
               <a:t/>
             </a:fld>
           </a:p>
@@ -625,7 +616,7 @@
             <a:spLocks noGrp="1" noChangeArrowheads="1"/>
             <a:extLst>
               <a:ext uri="smNativeData">
-                <pr:smNativeData xmlns:pr="smNativeData" val="SMDATA_16_PPTaXhMAAAAlAAAAZAAAAA8BAAAAkAAAAEgAAACQAAAASAAAAAAAAAACAAAAAQAAAAEAAABQAAAAAAAAAAAA4D8AAAAAAADgPwAAAAAAAOA/AAAAAAAA4D8AAAAAAADgPwAAAAAAAOA/AAAAAAAA4D8AAAAAAADgPwAAAAAAAOA/AAAAAAAA4D8CAAAAjAAAAAAAAAAAAAAAu+DjDP///wgAAAAAAAAAAAAAAAAAAAAAAAAAAAAAAAAAAAAAZAAAAAEAAABAAAAAAAAAAAAAAAAAAAAAAAAAAAAAAAAAAAAAAAAAAAAAAAAAAAAAAAAAAAAAAAAAAAAAAAAAAAAAAAAAAAAAAAAAAAAAAAAAAAAAAAAAAAAAAAAAAAAAFAAAADwAAAAAAAAAAAAAAAAAAAkUAAAAAQAAABQAAAAUAAAAFAAAAAEAAAAAAAAAZAAAAGQAAAAAAAAAZAAAAGQAAAAVAAAAYAAAAAAAAAAAAAAADwAAACADAAAAAAAAAAAAAAEAAACgMgAAVgcAAKr4//8BAAAAf39/AAEAAABkAAAAAAAAABQAAABAHwAAAAAAACYAAAAAAAAAwOD//wAAAAAmAAAAZAAAABYAAABMAAAAAAAAAAAAAAAEAAAAAAAAAAEAAACAgIAKAAAAACgAAAAoAAAAZAAAAGQAAAAAAAAAzMzMAAAAAABQAAAAUAAAAGQAAABkAAAAAAAAABcAAAAUAAAAAAAAAAAAAAD/fwAA/38AAAAAAAAJAAAABAAAAAQAm0IMAAAAEAAAAAAAAAAAAAAAAAAAAAAAAAAeAAAAaAAAAAAAAAAAAAAAAAAAAAAAAAAAAAAAECcAABAnAAAAAAAAAAAAAAAAAAAAAAAAAAAAAAAAAAAAAAAAAAAAABQAAAAAAAAAwMD/AAAAAABkAAAAMgAAAAAAAABkAAAAAAAAAH9/fwAKAAAAIgAAABgAAAAAAAAAAAAAAAAAAAAAAAAAAAAAAAAAAAAkAAAAJAAAAAAAAAAHAAAAAAAAAAAAAAAAAAAAAAAAAAAAAAAAAAAAf39/ACUAAABYAAAAAAAAAAAAAAAAAAAAAAAAAAAAAAAAAAAAAAAAAAAAAAAAAAAAAAAAAAAAAAA/AAAAAAAAAKCGAQAAAAAAAAAAAAAAAAAMAAAAAQAAAAAAAAAAAAAAAAAAAB8AAABUAAAAAAAABQAAAAEAAAAAAAAAAAAAAAAAAAAAAAAAAAAAAAAAAAAAAAAAAAAAAAJ/f38AAAAAA8zMzADAwP8Af39/AAAAAAAAAAAAAAAAAAAAAAAAAAAAIQAAABgAAAAUAAAAyCgAALABAABwNQAAsCUAABAAAAAmAAAACAAAAIMAAAAAAAAA"/>
+                <pr:smNativeData xmlns:pr="smNativeData" val="SMDATA_13_4IlQXxMAAAAlAAAAZAAAAA8BAAAAkAAAAEgAAACQAAAASAAAAAAAAAACAAAAAQAAAAEAAABQAAAAAAAAAAAA4D8AAAAAAADgPwAAAAAAAOA/AAAAAAAA4D8AAAAAAADgPwAAAAAAAOA/AAAAAAAA4D8AAAAAAADgPwAAAAAAAOA/AAAAAAAA4D8CAAAAjAAAAAAAAAAAAAAAu+DjDP///wgAAAAAAAAAAAAAAAAAAAAAAAAAAAAAAAAAAAAAZAAAAAEAAABAAAAAAAAAAAAAAAAAAAAAAAAAAAAAAAAAAAAAAAAAAAAAAAAAAAAAAAAAAAAAAAAAAAAAAAAAAAAAAAAAAAAAAAAAAAAAAAAAAAAAAAAAAAAAAAAAAAAAFAAAADwAAAAAAAAAAAAAAAAAAAkUAAAAAQAAABQAAAAUAAAAFAAAAAEAAAAAAAAAZAAAAGQAAAAAAAAAZAAAAGQAAAAVAAAAYAAAAAAAAAAAAAAADwAAACADAAAAAAAAAAAAAAEAAACgMgAAVgcAAKr4//8BAAAAf39/AAEAAABkAAAAAAAAABQAAABAHwAAAAAAACYAAAAAAAAAwOD//wAAAAAmAAAAZAAAABYAAABMAAAAAAAAAAAAAAAEAAAAAAAAAAEAAACAgIAKAAAAACgAAAAoAAAAZAAAAGQAAAAAAAAAzMzMAAAAAABQAAAAUAAAAGQAAABkAAAAAAAAABcAAAAUAAAAAAAAAAAAAAD/fwAA/38AAAAAAAAJAAAABAAAAAQAm0IMAAAAEAAAAAAAAAAAAAAAAAAAAAAAAAAeAAAAaAAAAAAAAAAAAAAAAAAAAAAAAAAAAAAAECcAABAnAAAAAAAAAAAAAAAAAAAAAAAAAAAAAAAAAAAAAAAAAAAAABQAAAAAAAAAwMD/AAAAAABkAAAAMgAAAAAAAABkAAAAAAAAAH9/fwAKAAAAHwAAAFQAAAAAAAAFAAAAAQAAAAAAAAAAAAAAAAAAAAAAAAAAAAAAAAAAAAAAAAAAAAAAAn9/fwAAAAADzMzMAMDA/wB/f38AAAAAAAAAAAAAAAAAAAAAAAAAAAAhAAAAGAAAABQAAADIKAAAsAEAAHA1AACwJQAAEAAAACYAAAAIAAAAgwAAAAAAAAA="/>
               </a:ext>
             </a:extLst>
           </p:cNvSpPr>
@@ -640,7 +631,7 @@
           </a:xfrm>
         </p:spPr>
         <p:txBody>
-          <a:bodyPr vert="vert" wrap="square" numCol="1" anchor="b">
+          <a:bodyPr vert="vert" wrap="square" numCol="1" spcCol="215900" anchor="b">
             <a:prstTxWarp prst="textNoShape">
               <a:avLst/>
             </a:prstTxWarp>
@@ -661,7 +652,7 @@
             <a:spLocks noGrp="1" noChangeArrowheads="1"/>
             <a:extLst>
               <a:ext uri="smNativeData">
-                <pr:smNativeData xmlns:pr="smNativeData" val="SMDATA_16_PPTaXhMAAAAlAAAAZAAAAA8BAAAAkAAAAEgAAACQAAAASAAAAAAAAAAAAAAAAQAAAAEAAABQAAAAAAAAAAAA4D8AAAAAAADgPwAAAAAAAOA/AAAAAAAA4D8AAAAAAADgPwAAAAAAAOA/AAAAAAAA4D8AAAAAAADgPwAAAAAAAOA/AAAAAAAA4D8CAAAAjAAAAAAAAAAAAAAAu+DjDP///wgAAAAAAAAAAAAAAAAAAAAAAAAAAAAAAAAAAAAAZAAAAAEAAABAAAAAAAAAAAAAAAAAAAAAAAAAAAAAAAAAAAAAAAAAAAAAAAAAAAAAAAAAAAAAAAAAAAAAAAAAAAAAAAAAAAAAAAAAAAAAAAAAAAAAAAAAAAAAAAAAAAAAFAAAADwAAAAAAAAAAAAAAAAAAAkUAAAAAQAAABQAAAAUAAAAFAAAAAEAAAAAAAAAZAAAAGQAAAAAAAAAZAAAAGQAAAAVAAAAYAAAAAAAAAAAAAAADwAAACADAAAAAAAAAAAAAAEAAACgMgAAVgcAAKr4//8BAAAAf39/AAEAAABkAAAAAAAAABQAAABAHwAAAAAAACYAAAAAAAAAwOD//wAAAAAmAAAAZAAAABYAAABMAAAAAAAAAAAAAAAEAAAAAAAAAAEAAACAgIAKAAAAACgAAAAoAAAAZAAAAGQAAAAAAAAAzMzMAAAAAABQAAAAUAAAAGQAAABkAAAAAAAAABcAAAAUAAAAAAAAAAAAAAD/fwAA/38AAAAAAAAJAAAABAAAAAQAST8MAAAAEAAAAAAAAAAAAAAAAAAAAAAAAAAeAAAAaAAAAAAAAAAAAAAAAAAAAAAAAAAAAAAAECcAABAnAAAAAAAAAAAAAAAAAAAAAAAAAAAAAAAAAAAAAAAAAAAAABQAAAAAAAAAwMD/AAAAAABkAAAAMgAAAAAAAABkAAAAAAAAAH9/fwAKAAAAIgAAABgAAAAAAAAAAAAAAAAAAAAAAAAAAAAAAAAAAAAkAAAAJAAAAAAAAAAHAAAAAAAAAAAAAAAAAAAAAAAAAAAAAAAAAAAAf39/ACUAAABYAAAAAAAAAAAAAAAAAAAAAAAAAAAAAAAAAAAAAAAAAAAAAAAAAAAAAAAAAAAAAAA/AAAAAAAAAKCGAQAAAAAAAAAAAAAAAAAMAAAAAQAAAAAAAAAAAAAAAAAAAB8AAABUAAAAAAAABQAAAAEAAAAAAAAAAAAAAAAAAAAAAAAAAAAAAAAAAAAAAAAAAAAAAAJ/f38AAAAAA8zMzADAwP8Af39/AAAAAAAAAAAAAAAAAAAAAAAAAAAAIQAAABgAAAAUAAAA0AIAALABAADYJwAAsCUAABAAAAAmAAAACAAAAAMAAAAAAAAA"/>
+                <pr:smNativeData xmlns:pr="smNativeData" val="SMDATA_13_4IlQXxMAAAAlAAAAZAAAAA8BAAAAkAAAAEgAAACQAAAASAAAAAAAAAAAAAAAAQAAAAEAAABQAAAAAAAAAAAA4D8AAAAAAADgPwAAAAAAAOA/AAAAAAAA4D8AAAAAAADgPwAAAAAAAOA/AAAAAAAA4D8AAAAAAADgPwAAAAAAAOA/AAAAAAAA4D8CAAAAjAAAAAAAAAAAAAAAu+DjDP///wgAAAAAAAAAAAAAAAAAAAAAAAAAAAAAAAAAAAAAZAAAAAEAAABAAAAAAAAAAAAAAAAAAAAAAAAAAAAAAAAAAAAAAAAAAAAAAAAAAAAAAAAAAAAAAAAAAAAAAAAAAAAAAAAAAAAAAAAAAAAAAAAAAAAAAAAAAAAAAAAAAAAAFAAAADwAAAAAAAAAAAAAAAAAAAkUAAAAAQAAABQAAAAUAAAAFAAAAAEAAAAAAAAAZAAAAGQAAAAAAAAAZAAAAGQAAAAVAAAAYAAAAAAAAAAAAAAADwAAACADAAAAAAAAAAAAAAEAAACgMgAAVgcAAKr4//8BAAAAf39/AAEAAABkAAAAAAAAABQAAABAHwAAAAAAACYAAAAAAAAAwOD//wAAAAAmAAAAZAAAABYAAABMAAAAAAAAAAAAAAAEAAAAAAAAAAEAAACAgIAKAAAAACgAAAAoAAAAZAAAAGQAAAAAAAAAzMzMAAAAAABQAAAAUAAAAGQAAABkAAAAAAAAABcAAAAUAAAAAAAAAAAAAAD/fwAA/38AAAAAAAAJAAAABAAAAAQAST8MAAAAEAAAAAAAAAAAAAAAAAAAAAAAAAAeAAAAaAAAAAAAAAAAAAAAAAAAAAAAAAAAAAAAECcAABAnAAAAAAAAAAAAAAAAAAAAAAAAAAAAAAAAAAAAAAAAAAAAABQAAAAAAAAAwMD/AAAAAABkAAAAMgAAAAAAAABkAAAAAAAAAH9/fwAKAAAAHwAAAFQAAAAAAAAFAAAAAQAAAAAAAAAAAAAAAAAAAAAAAAAAAAAAAAAAAAAAAAAAAAAAAn9/fwAAAAADzMzMAMDA/wB/f38AAAAAAAAAAAAAAAAAAAAAAAAAAAAhAAAAGAAAABQAAADQAgAAsAEAANgnAACwJQAAEAAAACYAAAAIAAAAAwAAAAAAAAA="/>
               </a:ext>
             </a:extLst>
           </p:cNvSpPr>
@@ -676,7 +667,7 @@
           </a:xfrm>
         </p:spPr>
         <p:txBody>
-          <a:bodyPr vert="vert" wrap="square" numCol="1" anchor="t">
+          <a:bodyPr vert="vert" wrap="square" numCol="1" spcCol="215900" anchor="t">
             <a:prstTxWarp prst="textNoShape">
               <a:avLst/>
             </a:prstTxWarp>
@@ -721,7 +712,7 @@
             <a:spLocks noGrp="1" noChangeArrowheads="1"/>
             <a:extLst>
               <a:ext uri="smNativeData">
-                <pr:smNativeData xmlns:pr="smNativeData" val="SMDATA_16_PPTaXhMAAAAlAAAAZAAAAA8BAAAAkAAAAEgAAACQAAAASAAAAAAAAAABAAAAAAAAAAEAAABQAAAAAAAAAAAA4D8AAAAAAADgPwAAAAAAAOA/AAAAAAAA4D8AAAAAAADgPwAAAAAAAOA/AAAAAAAA4D8AAAAAAADgPwAAAAAAAOA/AAAAAAAA4D8CAAAAjAAAAAAAAAAAAAAAu+DjDP///wgAAAAAAAAAAAAAAAAAAAAAAAAAAAAAAAAAAAAAZAAAAAEAAABAAAAAAAAAAAAAAAAAAAAAAAAAAAAAAAAAAAAAAAAAAAAAAAAAAAAAAAAAAAAAAAAAAAAAAAAAAAAAAAAAAAAAAAAAAAAAAAAAAAAAAAAAAAAAAAAAAAAAFAAAADwAAAAAAAAAAAAAAAAAAAkUAAAAAQAAABQAAAAUAAAAFAAAAAEAAAAAAAAAZAAAAGQAAAAAAAAAZAAAAGQAAAAVAAAAYAAAAAAAAAAAAAAADwAAACADAAAAAAAAAAAAAAEAAACgMgAAVgcAAKr4//8BAAAAf39/AAEAAABkAAAAAAAAABQAAABAHwAAAAAAACYAAAAAAAAAwOD//wAAAAAmAAAAZAAAABYAAABMAAAAAAAAAAAAAAAEAAAAAAAAAAEAAACAgIAKAAAAACgAAAAoAAAAZAAAAGQAAAAAAAAAzMzMAAAAAABQAAAAUAAAAGQAAABkAAAAAAAAABcAAAAUAAAAAAAAAAAAAAD/fwAA/38AAAAAAAAJAAAABAAAAPodBAAMAAAAEAAAAAAAAAAAAAAAAAAAAAAAAAAeAAAAaAAAAAAAAAAAAAAAAAAAAAAAAAAAAAAAECcAABAnAAAAAAAAAAAAAAAAAAAAAAAAAAAAAAAAAAAAAAAAAAAAABQAAAAAAAAAwMD/AAAAAABkAAAAMgAAAAAAAABkAAAAAAAAAH9/fwAKAAAAIgAAABgAAAAAAAAAAAAAAAAAAAAAAAAAAAAAAAAAAAAkAAAAJAAAAAAAAAAHAAAAAAAAAAAAAAAAAAAAAAAAAAAAAAAAAAAAf39/ACUAAABYAAAAAAAAAAAAAAAAAAAAAAAAAAAAAAAAAAAAAAAAAAAAAAAAAAAAAAAAAAAAAAA/AAAAAAAAAKCGAQAAAAAAAAAAAAAAAAAMAAAAAQAAAAAAAAAAAAAAAAAAAB8AAABUAAAAAAAABQAAAAEAAAAAAAAAAAAAAAAAAAAAAAAAAAAAAAAAAAAAAAAAAAAAAAJ/f38AAAAAA8zMzADAwP8Af39/AAAAAAAAAAAAAAAAAAAAAAAAAAAAIQAAABgAAAAUAAAA0AIAABsnAADwDwAAWSkAABAAAAAmAAAACAAAAAAAAAAAAAAA"/>
+                <pr:smNativeData xmlns:pr="smNativeData" val="SMDATA_13_4IlQXxMAAAAlAAAAZAAAAA8BAAAAkAAAAEgAAACQAAAASAAAAAAAAAABAAAAAAAAAAEAAABQAAAAAAAAAAAA4D8AAAAAAADgPwAAAAAAAOA/AAAAAAAA4D8AAAAAAADgPwAAAAAAAOA/AAAAAAAA4D8AAAAAAADgPwAAAAAAAOA/AAAAAAAA4D8CAAAAjAAAAAAAAAAAAAAAu+DjDP///wgAAAAAAAAAAAAAAAAAAAAAAAAAAAAAAAAAAAAAZAAAAAEAAABAAAAAAAAAAAAAAAAAAAAAAAAAAAAAAAAAAAAAAAAAAAAAAAAAAAAAAAAAAAAAAAAAAAAAAAAAAAAAAAAAAAAAAAAAAAAAAAAAAAAAAAAAAAAAAAAAAAAAFAAAADwAAAAAAAAAAAAAAAAAAAkUAAAAAQAAABQAAAAUAAAAFAAAAAEAAAAAAAAAZAAAAGQAAAAAAAAAZAAAAGQAAAAVAAAAYAAAAAAAAAAAAAAADwAAACADAAAAAAAAAAAAAAEAAACgMgAAVgcAAKr4//8BAAAAf39/AAEAAABkAAAAAAAAABQAAABAHwAAAAAAACYAAAAAAAAAwOD//wAAAAAmAAAAZAAAABYAAABMAAAAAAAAAAAAAAAEAAAAAAAAAAEAAACAgIAKAAAAACgAAAAoAAAAZAAAAGQAAAAAAAAAzMzMAAAAAABQAAAAUAAAAGQAAABkAAAAAAAAABcAAAAUAAAAAAAAAAAAAAD/fwAA/38AAAAAAAAJAAAABAAAAPodBAAMAAAAEAAAAAAAAAAAAAAAAAAAAAAAAAAeAAAAaAAAAAAAAAAAAAAAAAAAAAAAAAAAAAAAECcAABAnAAAAAAAAAAAAAAAAAAAAAAAAAAAAAAAAAAAAAAAAAAAAABQAAAAAAAAAwMD/AAAAAABkAAAAMgAAAAAAAABkAAAAAAAAAH9/fwAKAAAAHwAAAFQAAAAAAAAFAAAAAQAAAAAAAAAAAAAAAAAAAAAAAAAAAAAAAAAAAAAAAAAAAAAAAn9/fwAAAAADzMzMAMDA/wB/f38AAAAAAAAAAAAAAAAAAAAAAAAAAAAhAAAAGAAAABQAAADQAgAAGycAAPAPAABZKQAAEAAAACYAAAAIAAAAAAAAAAAAAAA="/>
               </a:ext>
             </a:extLst>
           </p:cNvSpPr>
@@ -735,7 +726,7 @@
           <a:lstStyle/>
           <a:p>
             <a:pPr/>
-            <a:fld id="{479E20AD-E3AA-CBD6-E426-15836E681240}" type="datetime1">
+            <a:fld id="{AA496767-2947-1C91-09F1-DFC429BFFF8A}" type="datetime1">
               <a:t/>
             </a:fld>
           </a:p>
@@ -748,7 +739,7 @@
             <a:spLocks noGrp="1" noChangeArrowheads="1"/>
             <a:extLst>
               <a:ext uri="smNativeData">
-                <pr:smNativeData xmlns:pr="smNativeData" val="SMDATA_16_PPTaXhMAAAAlAAAAZAAAAA8BAAAAkAAAAEgAAACQAAAASAAAAAAAAAABAAAAAAAAAAEAAABQAAAAAAAAAAAA4D8AAAAAAADgPwAAAAAAAOA/AAAAAAAA4D8AAAAAAADgPwAAAAAAAOA/AAAAAAAA4D8AAAAAAADgPwAAAAAAAOA/AAAAAAAA4D8CAAAAjAAAAAAAAAAAAAAAu+DjDP///wgAAAAAAAAAAAAAAAAAAAAAAAAAAAAAAAAAAAAAZAAAAAEAAABAAAAAAAAAAAAAAAAAAAAAAAAAAAAAAAAAAAAAAAAAAAAAAAAAAAAAAAAAAAAAAAAAAAAAAAAAAAAAAAAAAAAAAAAAAAAAAAAAAAAAAAAAAAAAAAAAAAAAFAAAADwAAAAAAAAAAAAAAAAAAAkUAAAAAQAAABQAAAAUAAAAFAAAAAEAAAAAAAAAZAAAAGQAAAAAAAAAZAAAAGQAAAAVAAAAYAAAAAAAAAAAAAAADwAAACADAAAAAAAAAAAAAAEAAACgMgAAVgcAAKr4//8BAAAAf39/AAEAAABkAAAAAAAAABQAAABAHwAAAAAAACYAAAAAAAAAwOD//wAAAAAmAAAAZAAAABYAAABMAAAAAAAAAAAAAAAEAAAAAAAAAAEAAACAgIAKAAAAACgAAAAoAAAAZAAAAGQAAAAAAAAAzMzMAAAAAABQAAAAUAAAAGQAAABkAAAAAAAAABcAAAAUAAAAAAAAAAAAAAD/fwAA/38AAAAAAAAJAAAABAAAAF9eBAAMAAAAEAAAAAAAAAAAAAAAAAAAAAAAAAAeAAAAaAAAAAAAAAAAAAAAAAAAAAAAAAAAAAAAECcAABAnAAAAAAAAAAAAAAAAAAAAAAAAAAAAAAAAAAAAAAAAAAAAABQAAAAAAAAAwMD/AAAAAABkAAAAMgAAAAAAAABkAAAAAAAAAH9/fwAKAAAAIgAAABgAAAAAAAAAAAAAAAAAAAAAAAAAAAAAAAAAAAAkAAAAJAAAAAAAAAAHAAAAAAAAAAAAAAAAAAAAAAAAAAAAAAAAAAAAf39/ACUAAABYAAAAAAAAAAAAAAAAAAAAAAAAAAAAAAAAAAAAAAAAAAAAAAAAAAAAAAAAAAAAAAA/AAAAAAAAAKCGAQAAAAAAAAAAAAAAAAAMAAAAAQAAAAAAAAAAAAAAAAAAAB8AAABUAAAAAAAABQAAAAEAAAAAAAAAAAAAAAAAAAAAAAAAAAAAAAAAAAAAAAAAAAAAAAJ/f38AAAAAA8zMzADAwP8Af39/AAAAAAAAAAAAAAAAAAAAAAAAAAAAIQAAABgAAAAUAAAAOBMAABsnAAAIJQAAWSkAABAAAAAmAAAACAAAAAAAAAAAAAAA"/>
+                <pr:smNativeData xmlns:pr="smNativeData" val="SMDATA_13_4IlQXxMAAAAlAAAAZAAAAA8BAAAAkAAAAEgAAACQAAAASAAAAAAAAAABAAAAAAAAAAEAAABQAAAAAAAAAAAA4D8AAAAAAADgPwAAAAAAAOA/AAAAAAAA4D8AAAAAAADgPwAAAAAAAOA/AAAAAAAA4D8AAAAAAADgPwAAAAAAAOA/AAAAAAAA4D8CAAAAjAAAAAAAAAAAAAAAu+DjDP///wgAAAAAAAAAAAAAAAAAAAAAAAAAAAAAAAAAAAAAZAAAAAEAAABAAAAAAAAAAAAAAAAAAAAAAAAAAAAAAAAAAAAAAAAAAAAAAAAAAAAAAAAAAAAAAAAAAAAAAAAAAAAAAAAAAAAAAAAAAAAAAAAAAAAAAAAAAAAAAAAAAAAAFAAAADwAAAAAAAAAAAAAAAAAAAkUAAAAAQAAABQAAAAUAAAAFAAAAAEAAAAAAAAAZAAAAGQAAAAAAAAAZAAAAGQAAAAVAAAAYAAAAAAAAAAAAAAADwAAACADAAAAAAAAAAAAAAEAAACgMgAAVgcAAKr4//8BAAAAf39/AAEAAABkAAAAAAAAABQAAABAHwAAAAAAACYAAAAAAAAAwOD//wAAAAAmAAAAZAAAABYAAABMAAAAAAAAAAAAAAAEAAAAAAAAAAEAAACAgIAKAAAAACgAAAAoAAAAZAAAAGQAAAAAAAAAzMzMAAAAAABQAAAAUAAAAGQAAABkAAAAAAAAABcAAAAUAAAAAAAAAAAAAAD/fwAA/38AAAAAAAAJAAAABAAAAF9eBAAMAAAAEAAAAAAAAAAAAAAAAAAAAAAAAAAeAAAAaAAAAAAAAAAAAAAAAAAAAAAAAAAAAAAAECcAABAnAAAAAAAAAAAAAAAAAAAAAAAAAAAAAAAAAAAAAAAAAAAAABQAAAAAAAAAwMD/AAAAAABkAAAAMgAAAAAAAABkAAAAAAAAAH9/fwAKAAAAHwAAAFQAAAAAAAAFAAAAAQAAAAAAAAAAAAAAAAAAAAAAAAAAAAAAAAAAAAAAAAAAAAAAAn9/fwAAAAADzMzMAMDA/wB/f38AAAAAAAAAAAAAAAAAAAAAAAAAAAAhAAAAGAAAABQAAAA4EwAAGycAAAglAABZKQAAEAAAACYAAAAIAAAAAAAAAAAAAAA="/>
               </a:ext>
             </a:extLst>
           </p:cNvSpPr>
@@ -772,7 +763,7 @@
             <a:spLocks noGrp="1" noChangeArrowheads="1"/>
             <a:extLst>
               <a:ext uri="smNativeData">
-                <pr:smNativeData xmlns:pr="smNativeData" val="SMDATA_16_PPTaXhMAAAAlAAAAZAAAAA8BAAAAkAAAAEgAAACQAAAASAAAAAAAAAABAAAAAAAAAAEAAABQAAAAAAAAAAAA4D8AAAAAAADgPwAAAAAAAOA/AAAAAAAA4D8AAAAAAADgPwAAAAAAAOA/AAAAAAAA4D8AAAAAAADgPwAAAAAAAOA/AAAAAAAA4D8CAAAAjAAAAAAAAAAAAAAAu+DjDP///wgAAAAAAAAAAAAAAAAAAAAAAAAAAAAAAAAAAAAAZAAAAAEAAABAAAAAAAAAAAAAAAAAAAAAAAAAAAAAAAAAAAAAAAAAAAAAAAAAAAAAAAAAAAAAAAAAAAAAAAAAAAAAAAAAAAAAAAAAAAAAAAAAAAAAAAAAAAAAAAAAAAAAFAAAADwAAAAAAAAAAAAAAAAAAAkUAAAAAQAAABQAAAAUAAAAFAAAAAEAAAAAAAAAZAAAAGQAAAAAAAAAZAAAAGQAAAAVAAAAYAAAAAAAAAAAAAAADwAAACADAAAAAAAAAAAAAAEAAACgMgAAVgcAAKr4//8BAAAAf39/AAEAAABkAAAAAAAAABQAAABAHwAAAAAAACYAAAAAAAAAwOD//wAAAAAmAAAAZAAAABYAAABMAAAAAAAAAAAAAAAEAAAAAAAAAAEAAACAgIAKAAAAACgAAAAoAAAAZAAAAGQAAAAAAAAAzMzMAAAAAABQAAAAUAAAAGQAAABkAAAAAAAAABcAAAAUAAAAAAAAAAAAAAD/fwAA/38AAAAAAAAJAAAABAAAAOBGU7IMAAAAEAAAAAAAAAAAAAAAAAAAAAAAAAAeAAAAaAAAAAAAAAAAAAAAAAAAAAAAAAAAAAAAECcAABAnAAAAAAAAAAAAAAAAAAAAAAAAAAAAAAAAAAAAAAAAAAAAABQAAAAAAAAAwMD/AAAAAABkAAAAMgAAAAAAAABkAAAAAAAAAH9/fwAKAAAAIgAAABgAAAAAAAAAAAAAAAAAAAAAAAAAAAAAAAAAAAAkAAAAJAAAAAAAAAAHAAAAAAAAAAAAAAAAAAAAAAAAAAAAAAAAAAAAf39/ACUAAABYAAAAAAAAAAAAAAAAAAAAAAAAAAAAAAAAAAAAAAAAAAAAAAAAAAAAAAAAAAAAAAA/AAAAAAAAAKCGAQAAAAAAAAAAAAAAAAAMAAAAAQAAAAAAAAAAAAAAAAAAAB8AAABUAAAAAAAABQAAAAEAAAAAAAAAAAAAAAAAAAAAAAAAAAAAAAAAAAAAAAAAAAAAAAJ/f38AAAAAA8zMzADAwP8Af39/AAAAAAAAAAAAAAAAAAAAAAAAAAAAIQAAABgAAAAUAAAAUCgAABsnAABwNQAAWSkAABAAAAAmAAAACAAAAAAAAAAAAAAA"/>
+                <pr:smNativeData xmlns:pr="smNativeData" val="SMDATA_13_4IlQXxMAAAAlAAAAZAAAAA8BAAAAkAAAAEgAAACQAAAASAAAAAAAAAABAAAAAAAAAAEAAABQAAAAAAAAAAAA4D8AAAAAAADgPwAAAAAAAOA/AAAAAAAA4D8AAAAAAADgPwAAAAAAAOA/AAAAAAAA4D8AAAAAAADgPwAAAAAAAOA/AAAAAAAA4D8CAAAAjAAAAAAAAAAAAAAAu+DjDP///wgAAAAAAAAAAAAAAAAAAAAAAAAAAAAAAAAAAAAAZAAAAAEAAABAAAAAAAAAAAAAAAAAAAAAAAAAAAAAAAAAAAAAAAAAAAAAAAAAAAAAAAAAAAAAAAAAAAAAAAAAAAAAAAAAAAAAAAAAAAAAAAAAAAAAAAAAAAAAAAAAAAAAFAAAADwAAAAAAAAAAAAAAAAAAAkUAAAAAQAAABQAAAAUAAAAFAAAAAEAAAAAAAAAZAAAAGQAAAAAAAAAZAAAAGQAAAAVAAAAYAAAAAAAAAAAAAAADwAAACADAAAAAAAAAAAAAAEAAACgMgAAVgcAAKr4//8BAAAAf39/AAEAAABkAAAAAAAAABQAAABAHwAAAAAAACYAAAAAAAAAwOD//wAAAAAmAAAAZAAAABYAAABMAAAAAAAAAAAAAAAEAAAAAAAAAAEAAACAgIAKAAAAACgAAAAoAAAAZAAAAGQAAAAAAAAAzMzMAAAAAABQAAAAUAAAAGQAAABkAAAAAAAAABcAAAAUAAAAAAAAAAAAAAD/fwAA/38AAAAAAAAJAAAABAAAAOBGU7IMAAAAEAAAAAAAAAAAAAAAAAAAAAAAAAAeAAAAaAAAAAAAAAAAAAAAAAAAAAAAAAAAAAAAECcAABAnAAAAAAAAAAAAAAAAAAAAAAAAAAAAAAAAAAAAAAAAAAAAABQAAAAAAAAAwMD/AAAAAABkAAAAMgAAAAAAAABkAAAAAAAAAH9/fwAKAAAAHwAAAFQAAAAAAAAFAAAAAQAAAAAAAAAAAAAAAAAAAAAAAAAAAAAAAAAAAAAAAAAAAAAAAn9/fwAAAAADzMzMAMDA/wB/f38AAAAAAAAAAAAAAAAAAAAAAAAAAAAhAAAAGAAAABQAAABQKAAAGycAAHA1AABZKQAAEAAAACYAAAAIAAAAAAAAAAAAAAA="/>
               </a:ext>
             </a:extLst>
           </p:cNvSpPr>
@@ -786,7 +777,7 @@
           <a:lstStyle/>
           <a:p>
             <a:pPr/>
-            <a:fld id="{479E412F-61AA-CBB7-E426-97E20F6812C2}" type="slidenum">
+            <a:fld id="{AA4925C2-8C47-1CD3-09F1-7A866BBFFF2F}" type="slidenum">
               <a:t/>
             </a:fld>
           </a:p>
@@ -824,7 +815,7 @@
             <a:spLocks noGrp="1" noChangeArrowheads="1"/>
             <a:extLst>
               <a:ext uri="smNativeData">
-                <pr:smNativeData xmlns:pr="smNativeData" val="SMDATA_16_PPTaXhMAAAAlAAAAZAAAAA8BAAAAkAAAAEgAAACQAAAASAAAAAAAAAABAAAAAAAAAAEAAABQAAAAAAAAAAAA4D8AAAAAAADgPwAAAAAAAOA/AAAAAAAA4D8AAAAAAADgPwAAAAAAAOA/AAAAAAAA4D8AAAAAAADgPwAAAAAAAOA/AAAAAAAA4D8CAAAAjAAAAAAAAAAAAAAAu+DjDP///wgAAAAAAAAAAAAAAAAAAAAAAAAAAAAAAAAAAAAAZAAAAAEAAABAAAAAAAAAAAAAAAAAAAAAAAAAAAAAAAAAAAAAAAAAAAAAAAAAAAAAAAAAAAAAAAAAAAAAAAAAAAAAAAAAAAAAAAAAAAAAAAAAAAAAAAAAAAAAAAAAAAAAFAAAADwAAAAAAAAAAAAAAAAAAAkUAAAAAQAAABQAAAAUAAAAFAAAAAEAAAAAAAAAZAAAAGQAAAAAAAAAZAAAAGQAAAAVAAAAYAAAAAAAAAAAAAAADwAAACADAAAAAAAAAAAAAAEAAACgMgAAVgcAAKr4//8BAAAAf39/AAEAAABkAAAAAAAAABQAAABAHwAAAAAAACYAAAAAAAAAwOD//wAAAAAmAAAAZAAAABYAAABMAAAAAAAAAAAAAAAEAAAAAAAAAAEAAACAgIAKAAAAACgAAAAoAAAAZAAAAGQAAAAAAAAAzMzMAAAAAABQAAAAUAAAAGQAAABkAAAAAAAAABcAAAAUAAAAAAAAAAAAAAD/fwAA/38AAAAAAAAJAAAABAAAAAAAAAAMAAAAEAAAAAAAAAAAAAAAAAAAAAAAAAAeAAAAaAAAAAAAAAAAAAAAAAAAAAAAAAAAAAAAECcAABAnAAAAAAAAAAAAAAAAAAAAAAAAAAAAAAAAAAAAAAAAAAAAABQAAAAAAAAAwMD/AAAAAABkAAAAMgAAAAAAAABkAAAAAAAAAH9/fwAKAAAAIgAAABgAAAAAAAAAAAAAAAAAAAAAAAAAAAAAAAAAAAAkAAAAJAAAAAAAAAAHAAAAAAAAAAAAAAAAAAAAAAAAAAAAAAAAAAAAf39/ACUAAABYAAAAAAAAAAAAAAAAAAAAAAAAAAAAAAAAAAAAAAAAAAAAAAAAAAAAAAAAAAAAAAA/AAAAAAAAAKCGAQAAAAAAAAAAAAAAAAAMAAAAAQAAAAAAAAAAAAAAAAAAAB8AAABUAAAAAAAABQAAAAEAAAAAAAAAAAAAAAAAAAAAAAAAAAAAAAAAAAAAAAAAAAAAAAJ/f38AAAAAA8zMzADAwP8Af39/AAAAAAAAAAAAAAAAAAAAAAAAAAAAIQAAABgAAAAUAAAA0AIAALABAABwNQAAuAgAABAAAAAmAAAACAAAAAAAAAAAAAAA"/>
+                <pr:smNativeData xmlns:pr="smNativeData" val="SMDATA_13_4IlQXxMAAAAlAAAAZAAAAA8BAAAAkAAAAEgAAACQAAAASAAAAAAAAAABAAAAAAAAAAEAAABQAAAAAAAAAAAA4D8AAAAAAADgPwAAAAAAAOA/AAAAAAAA4D8AAAAAAADgPwAAAAAAAOA/AAAAAAAA4D8AAAAAAADgPwAAAAAAAOA/AAAAAAAA4D8CAAAAjAAAAAAAAAAAAAAAu+DjDP///wgAAAAAAAAAAAAAAAAAAAAAAAAAAAAAAAAAAAAAZAAAAAEAAABAAAAAAAAAAAAAAAAAAAAAAAAAAAAAAAAAAAAAAAAAAAAAAAAAAAAAAAAAAAAAAAAAAAAAAAAAAAAAAAAAAAAAAAAAAAAAAAAAAAAAAAAAAAAAAAAAAAAAFAAAADwAAAAAAAAAAAAAAAAAAAkUAAAAAQAAABQAAAAUAAAAFAAAAAEAAAAAAAAAZAAAAGQAAAAAAAAAZAAAAGQAAAAVAAAAYAAAAAAAAAAAAAAADwAAACADAAAAAAAAAAAAAAEAAACgMgAAVgcAAKr4//8BAAAAf39/AAEAAABkAAAAAAAAABQAAABAHwAAAAAAACYAAAAAAAAAwOD//wAAAAAmAAAAZAAAABYAAABMAAAAAAAAAAAAAAAEAAAAAAAAAAEAAACAgIAKAAAAACgAAAAoAAAAZAAAAGQAAAAAAAAAzMzMAAAAAABQAAAAUAAAAGQAAABkAAAAAAAAABcAAAAUAAAAAAAAAAAAAAD/fwAA/38AAAAAAAAJAAAABAAAAAAAAAAMAAAAEAAAAAAAAAAAAAAAAAAAAAAAAAAeAAAAaAAAAAAAAAAAAAAAAAAAAAAAAAAAAAAAECcAABAnAAAAAAAAAAAAAAAAAAAAAAAAAAAAAAAAAAAAAAAAAAAAABQAAAAAAAAAwMD/AAAAAABkAAAAMgAAAAAAAABkAAAAAAAAAH9/fwAKAAAAHwAAAFQAAAAAAAAFAAAAAQAAAAAAAAAAAAAAAAAAAAAAAAAAAAAAAAAAAAAAAAAAAAAAAn9/fwAAAAADzMzMAMDA/wB/f38AAAAAAAAAAAAAAAAAAAAAAAAAAAAhAAAAGAAAABQAAADQAgAAsAEAAHA1AAC4CAAAEAAAACYAAAAIAAAAAAAAAAAAAAA="/>
               </a:ext>
             </a:extLst>
           </p:cNvSpPr>
@@ -851,7 +842,7 @@
             <a:spLocks noGrp="1" noChangeArrowheads="1"/>
             <a:extLst>
               <a:ext uri="smNativeData">
-                <pr:smNativeData xmlns:pr="smNativeData" val="SMDATA_16_PPTaXhMAAAAlAAAAZAAAAA8BAAAAkAAAAEgAAACQAAAASAAAAAAAAAAAAAAAAAAAAAEAAABQAAAAAAAAAAAA4D8AAAAAAADgPwAAAAAAAOA/AAAAAAAA4D8AAAAAAADgPwAAAAAAAOA/AAAAAAAA4D8AAAAAAADgPwAAAAAAAOA/AAAAAAAA4D8CAAAAjAAAAAAAAAAAAAAAu+DjDP///wgAAAAAAAAAAAAAAAAAAAAAAAAAAAAAAAAAAAAAZAAAAAEAAABAAAAAAAAAAAAAAAAAAAAAAAAAAAAAAAAAAAAAAAAAAAAAAAAAAAAAAAAAAAAAAAAAAAAAAAAAAAAAAAAAAAAAAAAAAAAAAAAAAAAAAAAAAAAAAAAAAAAAFAAAADwAAAAAAAAAAAAAAAAAAAkUAAAAAQAAABQAAAAUAAAAFAAAAAEAAAAAAAAAZAAAAGQAAAAAAAAAZAAAAGQAAAAVAAAAYAAAAAAAAAAAAAAADwAAACADAAAAAAAAAAAAAAEAAACgMgAAVgcAAKr4//8BAAAAf39/AAEAAABkAAAAAAAAABQAAABAHwAAAAAAACYAAAAAAAAAwOD//wAAAAAmAAAAZAAAABYAAABMAAAAAAAAAAAAAAAEAAAAAAAAAAEAAACAgIAKAAAAACgAAAAoAAAAZAAAAGQAAAAAAAAAzMzMAAAAAABQAAAAUAAAAGQAAABkAAAAAAAAABcAAAAUAAAAAAAAAAAAAAD/fwAA/38AAAAAAAAJAAAABAAAAAAAAAAMAAAAEAAAAAAAAAAAAAAAAAAAAAAAAAAeAAAAaAAAAAAAAAAAAAAAAAAAAAAAAAAAAAAAECcAABAnAAAAAAAAAAAAAAAAAAAAAAAAAAAAAAAAAAAAAAAAAAAAABQAAAAAAAAAwMD/AAAAAABkAAAAMgAAAAAAAABkAAAAAAAAAH9/fwAKAAAAIgAAABgAAAAAAAAAAAAAAAAAAAAAAAAAAAAAAAAAAAAkAAAAJAAAAAAAAAAHAAAAAAAAAAAAAAAAAAAAAAAAAAAAAAAAAAAAf39/ACUAAABYAAAAAAAAAAAAAAAAAAAAAAAAAAAAAAAAAAAAAAAAAAAAAAAAAAAAAAAAAAAAAAA/AAAAAAAAAKCGAQAAAAAAAAAAAAAAAAAMAAAAAQAAAAAAAAAAAAAAAAAAAB8AAABUAAAAAAAABQAAAAEAAAAAAAAAAAAAAAAAAAAAAAAAAAAAAAAAAAAAAAAAAAAAAAJ/f38AAAAAA8zMzADAwP8Af39/AAAAAAAAAAAAAAAAAAAAAAAAAAAAIQAAABgAAAAUAAAA0AIAANgJAABwNQAAsCUAABAAAAAmAAAACAAAAAAAAAAAAAAA"/>
+                <pr:smNativeData xmlns:pr="smNativeData" val="SMDATA_13_4IlQXxMAAAAlAAAAZAAAAA8BAAAAkAAAAEgAAACQAAAASAAAAAAAAAAAAAAAAAAAAAEAAABQAAAAAAAAAAAA4D8AAAAAAADgPwAAAAAAAOA/AAAAAAAA4D8AAAAAAADgPwAAAAAAAOA/AAAAAAAA4D8AAAAAAADgPwAAAAAAAOA/AAAAAAAA4D8CAAAAjAAAAAAAAAAAAAAAu+DjDP///wgAAAAAAAAAAAAAAAAAAAAAAAAAAAAAAAAAAAAAZAAAAAEAAABAAAAAAAAAAAAAAAAAAAAAAAAAAAAAAAAAAAAAAAAAAAAAAAAAAAAAAAAAAAAAAAAAAAAAAAAAAAAAAAAAAAAAAAAAAAAAAAAAAAAAAAAAAAAAAAAAAAAAFAAAADwAAAAAAAAAAAAAAAAAAAkUAAAAAQAAABQAAAAUAAAAFAAAAAEAAAAAAAAAZAAAAGQAAAAAAAAAZAAAAGQAAAAVAAAAYAAAAAAAAAAAAAAADwAAACADAAAAAAAAAAAAAAEAAACgMgAAVgcAAKr4//8BAAAAf39/AAEAAABkAAAAAAAAABQAAABAHwAAAAAAACYAAAAAAAAAwOD//wAAAAAmAAAAZAAAABYAAABMAAAAAAAAAAAAAAAEAAAAAAAAAAEAAACAgIAKAAAAACgAAAAoAAAAZAAAAGQAAAAAAAAAzMzMAAAAAABQAAAAUAAAAGQAAABkAAAAAAAAABcAAAAUAAAAAAAAAAAAAAD/fwAA/38AAAAAAAAJAAAABAAAAAAAAAAMAAAAEAAAAAAAAAAAAAAAAAAAAAAAAAAeAAAAaAAAAAAAAAAAAAAAAAAAAAAAAAAAAAAAECcAABAnAAAAAAAAAAAAAAAAAAAAAAAAAAAAAAAAAAAAAAAAAAAAABQAAAAAAAAAwMD/AAAAAABkAAAAMgAAAAAAAABkAAAAAAAAAH9/fwAKAAAAHwAAAFQAAAAAAAAFAAAAAQAAAAAAAAAAAAAAAAAAAAAAAAAAAAAAAAAAAAAAAAAAAAAAAn9/fwAAAAADzMzMAMDA/wB/f38AAAAAAAAAAAAAAAAAAAAAAAAAAAAhAAAAGAAAABQAAADQAgAA2AkAAHA1AACwJQAAEAAAACYAAAAIAAAAAAAAAAAAAAA="/>
               </a:ext>
             </a:extLst>
           </p:cNvSpPr>
@@ -902,7 +893,7 @@
             <a:spLocks noGrp="1" noChangeArrowheads="1"/>
             <a:extLst>
               <a:ext uri="smNativeData">
-                <pr:smNativeData xmlns:pr="smNativeData" val="SMDATA_16_PPTaXhMAAAAlAAAAZAAAAA8BAAAAkAAAAEgAAACQAAAASAAAAAAAAAABAAAAAAAAAAEAAABQAAAAAAAAAAAA4D8AAAAAAADgPwAAAAAAAOA/AAAAAAAA4D8AAAAAAADgPwAAAAAAAOA/AAAAAAAA4D8AAAAAAADgPwAAAAAAAOA/AAAAAAAA4D8CAAAAjAAAAAAAAAAAAAAAu+DjDP///wgAAAAAAAAAAAAAAAAAAAAAAAAAAAAAAAAAAAAAZAAAAAEAAABAAAAAAAAAAAAAAAAAAAAAAAAAAAAAAAAAAAAAAAAAAAAAAAAAAAAAAAAAAAAAAAAAAAAAAAAAAAAAAAAAAAAAAAAAAAAAAAAAAAAAAAAAAAAAAAAAAAAAFAAAADwAAAAAAAAAAAAAAAAAAAkUAAAAAQAAABQAAAAUAAAAFAAAAAEAAAAAAAAAZAAAAGQAAAAAAAAAZAAAAGQAAAAVAAAAYAAAAAAAAAAAAAAADwAAACADAAAAAAAAAAAAAAEAAACgMgAAVgcAAKr4//8BAAAAf39/AAEAAABkAAAAAAAAABQAAABAHwAAAAAAACYAAAAAAAAAwOD//wAAAAAmAAAAZAAAABYAAABMAAAAAAAAAAAAAAAEAAAAAAAAAAEAAACAgIAKAAAAACgAAAAoAAAAZAAAAGQAAAAAAAAAzMzMAAAAAABQAAAAUAAAAGQAAABkAAAAAAAAABcAAAAUAAAAAAAAAAAAAAD/fwAA/38AAAAAAAAJAAAABAAAAAAAAAAMAAAAEAAAAAAAAAAAAAAAAAAAAAAAAAAeAAAAaAAAAAAAAAAAAAAAAAAAAAAAAAAAAAAAECcAABAnAAAAAAAAAAAAAAAAAAAAAAAAAAAAAAAAAAAAAAAAAAAAABQAAAAAAAAAwMD/AAAAAABkAAAAMgAAAAAAAABkAAAAAAAAAH9/fwAKAAAAIgAAABgAAAAAAAAAAAAAAAAAAAAAAAAAAAAAAAAAAAAkAAAAJAAAAAAAAAAHAAAAAAAAAAAAAAAAAAAAAAAAAAAAAAAAAAAAf39/ACUAAABYAAAAAAAAAAAAAAAAAAAAAAAAAAAAAAAAAAAAAAAAAAAAAAAAAAAAAAAAAAAAAAA/AAAAAAAAAKCGAQAAAAAAAAAAAAAAAAAMAAAAAQAAAAAAAAAAAAAAAAAAAB8AAABUAAAAAAAABQAAAAEAAAAAAAAAAAAAAAAAAAAAAAAAAAAAAAAAAAAAAAAAAAAAAAJ/f38AAAAAA8zMzADAwP8Af39/AAAAAAAAAAAAAAAAAAAAAAAAAAAAIQAAABgAAAAUAAAA0AIAABsnAADwDwAAWSkAABAAAAAmAAAACAAAAAAAAAAAAAAA"/>
+                <pr:smNativeData xmlns:pr="smNativeData" val="SMDATA_13_4IlQXxMAAAAlAAAAZAAAAA8BAAAAkAAAAEgAAACQAAAASAAAAAAAAAABAAAAAAAAAAEAAABQAAAAAAAAAAAA4D8AAAAAAADgPwAAAAAAAOA/AAAAAAAA4D8AAAAAAADgPwAAAAAAAOA/AAAAAAAA4D8AAAAAAADgPwAAAAAAAOA/AAAAAAAA4D8CAAAAjAAAAAAAAAAAAAAAu+DjDP///wgAAAAAAAAAAAAAAAAAAAAAAAAAAAAAAAAAAAAAZAAAAAEAAABAAAAAAAAAAAAAAAAAAAAAAAAAAAAAAAAAAAAAAAAAAAAAAAAAAAAAAAAAAAAAAAAAAAAAAAAAAAAAAAAAAAAAAAAAAAAAAAAAAAAAAAAAAAAAAAAAAAAAFAAAADwAAAAAAAAAAAAAAAAAAAkUAAAAAQAAABQAAAAUAAAAFAAAAAEAAAAAAAAAZAAAAGQAAAAAAAAAZAAAAGQAAAAVAAAAYAAAAAAAAAAAAAAADwAAACADAAAAAAAAAAAAAAEAAACgMgAAVgcAAKr4//8BAAAAf39/AAEAAABkAAAAAAAAABQAAABAHwAAAAAAACYAAAAAAAAAwOD//wAAAAAmAAAAZAAAABYAAABMAAAAAAAAAAAAAAAEAAAAAAAAAAEAAACAgIAKAAAAACgAAAAoAAAAZAAAAGQAAAAAAAAAzMzMAAAAAABQAAAAUAAAAGQAAABkAAAAAAAAABcAAAAUAAAAAAAAAAAAAAD/fwAA/38AAAAAAAAJAAAABAAAAAAAAAAMAAAAEAAAAAAAAAAAAAAAAAAAAAAAAAAeAAAAaAAAAAAAAAAAAAAAAAAAAAAAAAAAAAAAECcAABAnAAAAAAAAAAAAAAAAAAAAAAAAAAAAAAAAAAAAAAAAAAAAABQAAAAAAAAAwMD/AAAAAABkAAAAMgAAAAAAAABkAAAAAAAAAH9/fwAKAAAAHwAAAFQAAAAAAAAFAAAAAQAAAAAAAAAAAAAAAAAAAAAAAAAAAAAAAAAAAAAAAAAAAAAAAn9/fwAAAAADzMzMAMDA/wB/f38AAAAAAAAAAAAAAAAAAAAAAAAAAAAhAAAAGAAAABQAAADQAgAAGycAAPAPAABZKQAAEAAAACYAAAAIAAAAAAAAAAAAAAA="/>
               </a:ext>
             </a:extLst>
           </p:cNvSpPr>
@@ -916,7 +907,7 @@
           <a:lstStyle/>
           <a:p>
             <a:pPr/>
-            <a:fld id="{479E7CEA-A4AA-CB8A-E426-52DF32681207}" type="datetime1">
+            <a:fld id="{AA4928B3-FD47-1CDE-09F1-0B8B66BFFF5E}" type="datetime1">
               <a:t/>
             </a:fld>
           </a:p>
@@ -929,7 +920,7 @@
             <a:spLocks noGrp="1" noChangeArrowheads="1"/>
             <a:extLst>
               <a:ext uri="smNativeData">
-                <pr:smNativeData xmlns:pr="smNativeData" val="SMDATA_16_PPTaXhMAAAAlAAAAZAAAAA8BAAAAkAAAAEgAAACQAAAASAAAAAAAAAABAAAAAAAAAAEAAABQAAAAAAAAAAAA4D8AAAAAAADgPwAAAAAAAOA/AAAAAAAA4D8AAAAAAADgPwAAAAAAAOA/AAAAAAAA4D8AAAAAAADgPwAAAAAAAOA/AAAAAAAA4D8CAAAAjAAAAAAAAAAAAAAAu+DjDP///wgAAAAAAAAAAAAAAAAAAAAAAAAAAAAAAAAAAAAAZAAAAAEAAABAAAAAAAAAAAAAAAAAAAAAAAAAAAAAAAAAAAAAAAAAAAAAAAAAAAAAAAAAAAAAAAAAAAAAAAAAAAAAAAAAAAAAAAAAAAAAAAAAAAAAAAAAAAAAAAAAAAAAFAAAADwAAAAAAAAAAAAAAAAAAAkUAAAAAQAAABQAAAAUAAAAFAAAAAEAAAAAAAAAZAAAAGQAAAAAAAAAZAAAAGQAAAAVAAAAYAAAAAAAAAAAAAAADwAAACADAAAAAAAAAAAAAAEAAACgMgAAVgcAAKr4//8BAAAAf39/AAEAAABkAAAAAAAAABQAAABAHwAAAAAAACYAAAAAAAAAwOD//wAAAAAmAAAAZAAAABYAAABMAAAAAAAAAAAAAAAEAAAAAAAAAAEAAACAgIAKAAAAACgAAAAoAAAAZAAAAGQAAAAAAAAAzMzMAAAAAABQAAAAUAAAAGQAAABkAAAAAAAAABcAAAAUAAAAAAAAAAAAAAD/fwAA/38AAAAAAAAJAAAABAAAAAAAAAAMAAAAEAAAAAAAAAAAAAAAAAAAAAAAAAAeAAAAaAAAAAAAAAAAAAAAAAAAAAAAAAAAAAAAECcAABAnAAAAAAAAAAAAAAAAAAAAAAAAAAAAAAAAAAAAAAAAAAAAABQAAAAAAAAAwMD/AAAAAABkAAAAMgAAAAAAAABkAAAAAAAAAH9/fwAKAAAAIgAAABgAAAAAAAAAAAAAAAAAAAAAAAAAAAAAAAAAAAAkAAAAJAAAAAAAAAAHAAAAAAAAAAAAAAAAAAAAAAAAAAAAAAAAAAAAf39/ACUAAABYAAAAAAAAAAAAAAAAAAAAAAAAAAAAAAAAAAAAAAAAAAAAAAAAAAAAAAAAAAAAAAA/AAAAAAAAAKCGAQAAAAAAAAAAAAAAAAAMAAAAAQAAAAAAAAAAAAAAAAAAAB8AAABUAAAAAAAABQAAAAEAAAAAAAAAAAAAAAAAAAAAAAAAAAAAAAAAAAAAAAAAAAAAAAJ/f38AAAAAA8zMzADAwP8Af39/AAAAAAAAAAAAAAAAAAAAAAAAAAAAIQAAABgAAAAUAAAAOBMAABsnAAAIJQAAWSkAABAAAAAmAAAACAAAAAAAAAAAAAAA"/>
+                <pr:smNativeData xmlns:pr="smNativeData" val="SMDATA_13_4IlQXxMAAAAlAAAAZAAAAA8BAAAAkAAAAEgAAACQAAAASAAAAAAAAAABAAAAAAAAAAEAAABQAAAAAAAAAAAA4D8AAAAAAADgPwAAAAAAAOA/AAAAAAAA4D8AAAAAAADgPwAAAAAAAOA/AAAAAAAA4D8AAAAAAADgPwAAAAAAAOA/AAAAAAAA4D8CAAAAjAAAAAAAAAAAAAAAu+DjDP///wgAAAAAAAAAAAAAAAAAAAAAAAAAAAAAAAAAAAAAZAAAAAEAAABAAAAAAAAAAAAAAAAAAAAAAAAAAAAAAAAAAAAAAAAAAAAAAAAAAAAAAAAAAAAAAAAAAAAAAAAAAAAAAAAAAAAAAAAAAAAAAAAAAAAAAAAAAAAAAAAAAAAAFAAAADwAAAAAAAAAAAAAAAAAAAkUAAAAAQAAABQAAAAUAAAAFAAAAAEAAAAAAAAAZAAAAGQAAAAAAAAAZAAAAGQAAAAVAAAAYAAAAAAAAAAAAAAADwAAACADAAAAAAAAAAAAAAEAAACgMgAAVgcAAKr4//8BAAAAf39/AAEAAABkAAAAAAAAABQAAABAHwAAAAAAACYAAAAAAAAAwOD//wAAAAAmAAAAZAAAABYAAABMAAAAAAAAAAAAAAAEAAAAAAAAAAEAAACAgIAKAAAAACgAAAAoAAAAZAAAAGQAAAAAAAAAzMzMAAAAAABQAAAAUAAAAGQAAABkAAAAAAAAABcAAAAUAAAAAAAAAAAAAAD/fwAA/38AAAAAAAAJAAAABAAAAAAAAAAMAAAAEAAAAAAAAAAAAAAAAAAAAAAAAAAeAAAAaAAAAAAAAAAAAAAAAAAAAAAAAAAAAAAAECcAABAnAAAAAAAAAAAAAAAAAAAAAAAAAAAAAAAAAAAAAAAAAAAAABQAAAAAAAAAwMD/AAAAAABkAAAAMgAAAAAAAABkAAAAAAAAAH9/fwAKAAAAHwAAAFQAAAAAAAAFAAAAAQAAAAAAAAAAAAAAAAAAAAAAAAAAAAAAAAAAAAAAAAAAAAAAAn9/fwAAAAADzMzMAMDA/wB/f38AAAAAAAAAAAAAAAAAAAAAAAAAAAAhAAAAGAAAABQAAAA4EwAAGycAAAglAABZKQAAEAAAACYAAAAIAAAAAAAAAAAAAAA="/>
               </a:ext>
             </a:extLst>
           </p:cNvSpPr>
@@ -953,7 +944,7 @@
             <a:spLocks noGrp="1" noChangeArrowheads="1"/>
             <a:extLst>
               <a:ext uri="smNativeData">
-                <pr:smNativeData xmlns:pr="smNativeData" val="SMDATA_16_PPTaXhMAAAAlAAAAZAAAAA8BAAAAkAAAAEgAAACQAAAASAAAAAAAAAABAAAAAAAAAAEAAABQAAAAAAAAAAAA4D8AAAAAAADgPwAAAAAAAOA/AAAAAAAA4D8AAAAAAADgPwAAAAAAAOA/AAAAAAAA4D8AAAAAAADgPwAAAAAAAOA/AAAAAAAA4D8CAAAAjAAAAAAAAAAAAAAAu+DjDP///wgAAAAAAAAAAAAAAAAAAAAAAAAAAAAAAAAAAAAAZAAAAAEAAABAAAAAAAAAAAAAAAAAAAAAAAAAAAAAAAAAAAAAAAAAAAAAAAAAAAAAAAAAAAAAAAAAAAAAAAAAAAAAAAAAAAAAAAAAAAAAAAAAAAAAAAAAAAAAAAAAAAAAFAAAADwAAAAAAAAAAAAAAAAAAAkUAAAAAQAAABQAAAAUAAAAFAAAAAEAAAAAAAAAZAAAAGQAAAAAAAAAZAAAAGQAAAAVAAAAYAAAAAAAAAAAAAAADwAAACADAAAAAAAAAAAAAAEAAACgMgAAVgcAAKr4//8BAAAAf39/AAEAAABkAAAAAAAAABQAAABAHwAAAAAAACYAAAAAAAAAwOD//wAAAAAmAAAAZAAAABYAAABMAAAAAAAAAAAAAAAEAAAAAAAAAAEAAACAgIAKAAAAACgAAAAoAAAAZAAAAGQAAAAAAAAAzMzMAAAAAABQAAAAUAAAAGQAAABkAAAAAAAAABcAAAAUAAAAAAAAAAAAAAD/fwAA/38AAAAAAAAJAAAABAAAAAAAAAAMAAAAEAAAAAAAAAAAAAAAAAAAAAAAAAAeAAAAaAAAAAAAAAAAAAAAAAAAAAAAAAAAAAAAECcAABAnAAAAAAAAAAAAAAAAAAAAAAAAAAAAAAAAAAAAAAAAAAAAABQAAAAAAAAAwMD/AAAAAABkAAAAMgAAAAAAAABkAAAAAAAAAH9/fwAKAAAAIgAAABgAAAAAAAAAAAAAAAAAAAAAAAAAAAAAAAAAAAAkAAAAJAAAAAAAAAAHAAAAAAAAAAAAAAAAAAAAAAAAAAAAAAAAAAAAf39/ACUAAABYAAAAAAAAAAAAAAAAAAAAAAAAAAAAAAAAAAAAAAAAAAAAAAAAAAAAAAAAAAAAAAA/AAAAAAAAAKCGAQAAAAAAAAAAAAAAAAAMAAAAAQAAAAAAAAAAAAAAAAAAAB8AAABUAAAAAAAABQAAAAEAAAAAAAAAAAAAAAAAAAAAAAAAAAAAAAAAAAAAAAAAAAAAAAJ/f38AAAAAA8zMzADAwP8Af39/AAAAAAAAAAAAAAAAAAAAAAAAAAAAIQAAABgAAAAUAAAAUCgAABsnAABwNQAAWSkAABAAAAAmAAAACAAAAAAAAAAAAAAA"/>
+                <pr:smNativeData xmlns:pr="smNativeData" val="SMDATA_13_4IlQXxMAAAAlAAAAZAAAAA8BAAAAkAAAAEgAAACQAAAASAAAAAAAAAABAAAAAAAAAAEAAABQAAAAAAAAAAAA4D8AAAAAAADgPwAAAAAAAOA/AAAAAAAA4D8AAAAAAADgPwAAAAAAAOA/AAAAAAAA4D8AAAAAAADgPwAAAAAAAOA/AAAAAAAA4D8CAAAAjAAAAAAAAAAAAAAAu+DjDP///wgAAAAAAAAAAAAAAAAAAAAAAAAAAAAAAAAAAAAAZAAAAAEAAABAAAAAAAAAAAAAAAAAAAAAAAAAAAAAAAAAAAAAAAAAAAAAAAAAAAAAAAAAAAAAAAAAAAAAAAAAAAAAAAAAAAAAAAAAAAAAAAAAAAAAAAAAAAAAAAAAAAAAFAAAADwAAAAAAAAAAAAAAAAAAAkUAAAAAQAAABQAAAAUAAAAFAAAAAEAAAAAAAAAZAAAAGQAAAAAAAAAZAAAAGQAAAAVAAAAYAAAAAAAAAAAAAAADwAAACADAAAAAAAAAAAAAAEAAACgMgAAVgcAAKr4//8BAAAAf39/AAEAAABkAAAAAAAAABQAAABAHwAAAAAAACYAAAAAAAAAwOD//wAAAAAmAAAAZAAAABYAAABMAAAAAAAAAAAAAAAEAAAAAAAAAAEAAACAgIAKAAAAACgAAAAoAAAAZAAAAGQAAAAAAAAAzMzMAAAAAABQAAAAUAAAAGQAAABkAAAAAAAAABcAAAAUAAAAAAAAAAAAAAD/fwAA/38AAAAAAAAJAAAABAAAAAAAAAAMAAAAEAAAAAAAAAAAAAAAAAAAAAAAAAAeAAAAaAAAAAAAAAAAAAAAAAAAAAAAAAAAAAAAECcAABAnAAAAAAAAAAAAAAAAAAAAAAAAAAAAAAAAAAAAAAAAAAAAABQAAAAAAAAAwMD/AAAAAABkAAAAMgAAAAAAAABkAAAAAAAAAH9/fwAKAAAAHwAAAFQAAAAAAAAFAAAAAQAAAAAAAAAAAAAAAAAAAAAAAAAAAAAAAAAAAAAAAAAAAAAAAn9/fwAAAAADzMzMAMDA/wB/f38AAAAAAAAAAAAAAAAAAAAAAAAAAAAhAAAAGAAAABQAAABQKAAAGycAAHA1AABZKQAAEAAAACYAAAAIAAAAAAAAAAAAAAA="/>
               </a:ext>
             </a:extLst>
           </p:cNvSpPr>
@@ -967,7 +958,7 @@
           <a:lstStyle/>
           <a:p>
             <a:pPr/>
-            <a:fld id="{479E265B-15AA-CBD0-E426-E385686812B6}" type="slidenum">
+            <a:fld id="{AA494635-7B47-1CB0-09F1-8DE508BFFFD8}" type="slidenum">
               <a:t/>
             </a:fld>
           </a:p>
@@ -1005,7 +996,7 @@
             <a:spLocks noGrp="1" noChangeArrowheads="1"/>
             <a:extLst>
               <a:ext uri="smNativeData">
-                <pr:smNativeData xmlns:pr="smNativeData" val="SMDATA_16_PPTaXhMAAAAlAAAAZAAAAA8BAAAAkAAAAEgAAACQAAAASAAAAAAAAAAAAAAAAAAAAAEAAABQAAAAAAAAAAAA4D8AAAAAAADgPwAAAAAAAOA/AAAAAAAA4D8AAAAAAADgPwAAAAAAAOA/AAAAAAAA4D8AAAAAAADgPwAAAAAAAOA/AAAAAAAA4D8CAAAAjAAAAAAAAAAAAAAAu+DjDP///wgAAAAAAAAAAAAAAAAAAAAAAAAAAAAAAAAAAAAAZAAAAAEAAABAAAAAAAAAAAAAAAAAAAAAAAAAAAAAAAAAAAAAAAAAAAAAAAAAAAAAAAAAAAAAAAAAAAAAAAAAAAAAAAAAAAAAAAAAAAAAAAAAAAAAAAAAAAAAAAAAAAAAFAAAADwAAAAAAAAAAAAAAAAAAAkUAAAAAQAAABQAAAAUAAAAFAAAAAEAAAAAAAAAZAAAAGQAAAAAAAAAZAAAAGQAAAAVAAAAYAAAAAAAAAAAAAAADwAAACADAAAAAAAAAAAAAAEAAACgMgAAVgcAAKr4//8BAAAAf39/AAEAAABkAAAAAAAAABQAAABAHwAAAAAAACYAAAAAAAAAwOD//wAAAAAmAAAAZAAAABYAAABMAAAAAAAAAAAAAAAEAAAAAAAAAAEAAACAgIAKAAAAACgAAAAoAAAAZAAAAGQAAAAAAAAAzMzMAAAAAABQAAAAUAAAAGQAAABkAAAAAAAAABcAAAAUAAAAAAAAAAAAAAD/fwAA/38AAAAAAAAJAAAABAAAAAAAAAAMAAAAEAAAAAAAAAAAAAAAAAAAAAAAAAAeAAAAaAAAAAAAAAAAAAAAAAAAAAAAAAAAAAAAECcAABAnAAAAAAAAAAAAAAAAAAAAAAAAAAAAAAAAAAAAAAAAAAAAABQAAAAAAAAAwMD/AAAAAABkAAAAMgAAAAAAAABkAAAAAAAAAH9/fwAKAAAAIgAAABgAAAAAAAAAAAAAAAAAAAAAAAAAAAAAAAAAAAAkAAAAJAAAAAAAAAAHAAAAAAAAAAAAAAAAAAAAAAAAAAAAAAAAAAAAf39/ACUAAABYAAAAAAAAAAAAAAAAAAAAAAAAAAAAAAAAAAAAAAAAAAAAAAAAAAAAAAAAAAAAAAA/AAAAAAAAAKCGAQAAAAAAAAAAAAAAAAAMAAAAAQAAAAAAAAAAAAAAAAAAAB8AAABUAAAAAAAABQAAAAEAAAAAAAAAAAAAAAAAAAAAAAAAAAAAAAAAAAAAAAAAAAAAAAJ/f38AAAAAA8zMzADAwP8Af39/AAAAAAAAAAAAAAAAAAAAAAAAAAAAIQAAABgAAAAUAAAAcgQAABwbAABCNAAAfSMAABAAAAAmAAAACAAAAIGAAAAAAAAA"/>
+                <pr:smNativeData xmlns:pr="smNativeData" val="SMDATA_13_4IlQXxMAAAAlAAAAZAAAAA8BAAAAkAAAAEgAAACQAAAASAAAAAAAAAAAAAAAAAAAAAEAAABQAAAAAAAAAAAA4D8AAAAAAADgPwAAAAAAAOA/AAAAAAAA4D8AAAAAAADgPwAAAAAAAOA/AAAAAAAA4D8AAAAAAADgPwAAAAAAAOA/AAAAAAAA4D8CAAAAjAAAAAAAAAAAAAAAu+DjDP///wgAAAAAAAAAAAAAAAAAAAAAAAAAAAAAAAAAAAAAZAAAAAEAAABAAAAAAAAAAAAAAAAAAAAAAAAAAAAAAAAAAAAAAAAAAAAAAAAAAAAAAAAAAAAAAAAAAAAAAAAAAAAAAAAAAAAAAAAAAAAAAAAAAAAAAAAAAAAAAAAAAAAAFAAAADwAAAAAAAAAAAAAAAAAAAkUAAAAAQAAABQAAAAUAAAAFAAAAAEAAAAAAAAAZAAAAGQAAAAAAAAAZAAAAGQAAAAVAAAAYAAAAAAAAAAAAAAADwAAACADAAAAAAAAAAAAAAEAAACgMgAAVgcAAKr4//8BAAAAf39/AAEAAABkAAAAAAAAABQAAABAHwAAAAAAACYAAAAAAAAAwOD//wAAAAAmAAAAZAAAABYAAABMAAAAAAAAAAAAAAAEAAAAAAAAAAEAAACAgIAKAAAAACgAAAAoAAAAZAAAAGQAAAAAAAAAzMzMAAAAAABQAAAAUAAAAGQAAABkAAAAAAAAABcAAAAUAAAAAAAAAAAAAAD/fwAA/38AAAAAAAAJAAAABAAAAAAAAAAMAAAAEAAAAAAAAAAAAAAAAAAAAAAAAAAeAAAAaAAAAAAAAAAAAAAAAAAAAAAAAAAAAAAAECcAABAnAAAAAAAAAAAAAAAAAAAAAAAAAAAAAAAAAAAAAAAAAAAAABQAAAAAAAAAwMD/AAAAAABkAAAAMgAAAAAAAABkAAAAAAAAAH9/fwAKAAAAHwAAAFQAAAAAAAAFAAAAAQAAAAAAAAAAAAAAAAAAAAAAAAAAAAAAAAAAAAAAAAAAAAAAAn9/fwAAAAADzMzMAMDA/wB/f38AAAAAAAAAAAAAAAAAAAAAAAAAAAAhAAAAGAAAABQAAAByBAAAHBsAAEI0AAB9IwAAEAAAACYAAAAIAAAAgYAAAAAAAAA="/>
               </a:ext>
             </a:extLst>
           </p:cNvSpPr>
@@ -1020,7 +1011,7 @@
           </a:xfrm>
         </p:spPr>
         <p:txBody>
-          <a:bodyPr vert="horz" wrap="square" numCol="1" anchor="t">
+          <a:bodyPr vert="horz" wrap="square" numCol="1" spcCol="215900" anchor="t">
             <a:prstTxWarp prst="textNoShape">
               <a:avLst/>
             </a:prstTxWarp>
@@ -1045,7 +1036,7 @@
             <a:spLocks noGrp="1" noChangeArrowheads="1"/>
             <a:extLst>
               <a:ext uri="smNativeData">
-                <pr:smNativeData xmlns:pr="smNativeData" val="SMDATA_16_PPTaXhMAAAAlAAAAZAAAAA8BAAAAkAAAAEgAAACQAAAASAAAAAAAAAACAAAAAAAAAAEAAABQAAAAAAAAAAAA4D8AAAAAAADgPwAAAAAAAOA/AAAAAAAA4D8AAAAAAADgPwAAAAAAAOA/AAAAAAAA4D8AAAAAAADgPwAAAAAAAOA/AAAAAAAA4D8CAAAAjAAAAAAAAAAAAAAAu+DjDP///wgAAAAAAAAAAAAAAAAAAAAAAAAAAAAAAAAAAAAAZAAAAAEAAABAAAAAAAAAAAAAAAAAAAAAAAAAAAAAAAAAAAAAAAAAAAAAAAAAAAAAAAAAAAAAAAAAAAAAAAAAAAAAAAAAAAAAAAAAAAAAAAAAAAAAAAAAAAAAAAAAAAAAFAAAADwAAAAAAAAAAAAAAAAAAAkUAAAAAQAAABQAAAAUAAAAFAAAAAEAAAAAAAAAZAAAAGQAAAAAAAAAZAAAAGQAAAAVAAAAYAAAAAAAAAAAAAAADwAAACADAAAAAAAAAAAAAAEAAACgMgAAVgcAAKr4//8BAAAAf39/AAEAAABkAAAAAAAAABQAAABAHwAAAAAAACYAAAAAAAAAwOD//wAAAAAmAAAAZAAAABYAAABMAAAAAAAAAAAAAAAEAAAAAAAAAAEAAACAgIAKAAAAACgAAAAoAAAAZAAAAGQAAAAAAAAAzMzMAAAAAABQAAAAUAAAAGQAAABkAAAAAAAAABcAAAAUAAAAAAAAAAAAAAD/fwAA/38AAAAAAAAJAAAABAAAAAAAAAAMAAAAEAAAAAAAAAAAAAAAAAAAAAAAAAAeAAAAaAAAAAAAAAAAAAAAAAAAAAAAAAAAAAAAECcAABAnAAAAAAAAAAAAAAAAAAAAAAAAAAAAAAAAAAAAAAAAAAAAABQAAAAAAAAAwMD/AAAAAABkAAAAMgAAAAAAAABkAAAAAAAAAH9/fwAKAAAAIgAAABgAAAAAAAAAAAAAAAAAAAAAAAAAAAAAAAAAAAAkAAAAJAAAAAAAAAAHAAAAAAAAAAAAAAAAAAAAAAAAAAAAAAAAAAAAf39/ACUAAABYAAAAAAAAAAAAAAAAAAAAAAAAAAAAAAAAAAAAAAAAAAAAAAAAAAAAAAAAAAAAAAA/AAAAAAAAAKCGAQAAAAAAAAAAAAAAAAAMAAAAAQAAAAAAAAAAAAAAAAAAAB8AAABUAAAAAAAABQAAAAEAAAAAAAAAAAAAAAAAAAAAAAAAAAAAAAAAAAAAAAAAAAAAAAJ/f38AAAAAA8zMzADAwP8Af39/AAAAAAAAAAAAAAAAAAAAAAAAAAAAIQAAABgAAAAUAAAAcgQAAOERAABCNAAAHBsAABAAAAAmAAAACAAAAIGAAAAAAAAA"/>
+                <pr:smNativeData xmlns:pr="smNativeData" val="SMDATA_13_4IlQXxMAAAAlAAAAZAAAAA8BAAAAkAAAAEgAAACQAAAASAAAAAAAAAACAAAAAAAAAAEAAABQAAAAAAAAAAAA4D8AAAAAAADgPwAAAAAAAOA/AAAAAAAA4D8AAAAAAADgPwAAAAAAAOA/AAAAAAAA4D8AAAAAAADgPwAAAAAAAOA/AAAAAAAA4D8CAAAAjAAAAAAAAAAAAAAAu+DjDP///wgAAAAAAAAAAAAAAAAAAAAAAAAAAAAAAAAAAAAAZAAAAAEAAABAAAAAAAAAAAAAAAAAAAAAAAAAAAAAAAAAAAAAAAAAAAAAAAAAAAAAAAAAAAAAAAAAAAAAAAAAAAAAAAAAAAAAAAAAAAAAAAAAAAAAAAAAAAAAAAAAAAAAFAAAADwAAAAAAAAAAAAAAAAAAAkUAAAAAQAAABQAAAAUAAAAFAAAAAEAAAAAAAAAZAAAAGQAAAAAAAAAZAAAAGQAAAAVAAAAYAAAAAAAAAAAAAAADwAAACADAAAAAAAAAAAAAAEAAACgMgAAVgcAAKr4//8BAAAAf39/AAEAAABkAAAAAAAAABQAAABAHwAAAAAAACYAAAAAAAAAwOD//wAAAAAmAAAAZAAAABYAAABMAAAAAAAAAAAAAAAEAAAAAAAAAAEAAACAgIAKAAAAACgAAAAoAAAAZAAAAGQAAAAAAAAAzMzMAAAAAABQAAAAUAAAAGQAAABkAAAAAAAAABcAAAAUAAAAAAAAAAAAAAD/fwAA/38AAAAAAAAJAAAABAAAAAAAAAAMAAAAEAAAAAAAAAAAAAAAAAAAAAAAAAAeAAAAaAAAAAAAAAAAAAAAAAAAAAAAAAAAAAAAECcAABAnAAAAAAAAAAAAAAAAAAAAAAAAAAAAAAAAAAAAAAAAAAAAABQAAAAAAAAAwMD/AAAAAABkAAAAMgAAAAAAAABkAAAAAAAAAH9/fwAKAAAAHwAAAFQAAAAAAAAFAAAAAQAAAAAAAAAAAAAAAAAAAAAAAAAAAAAAAAAAAAAAAAAAAAAAAn9/fwAAAAADzMzMAMDA/wB/f38AAAAAAAAAAAAAAAAAAAAAAAAAAAAhAAAAGAAAABQAAAByBAAA4REAAEI0AAAcGwAAEAAAACYAAAAIAAAAgYAAAAAAAAA="/>
               </a:ext>
             </a:extLst>
           </p:cNvSpPr>
@@ -1060,7 +1051,7 @@
           </a:xfrm>
         </p:spPr>
         <p:txBody>
-          <a:bodyPr vert="horz" wrap="square" numCol="1" anchor="b">
+          <a:bodyPr vert="horz" wrap="square" numCol="1" spcCol="215900" anchor="b">
             <a:prstTxWarp prst="textNoShape">
               <a:avLst/>
             </a:prstTxWarp>
@@ -1142,7 +1133,7 @@
             <a:spLocks noGrp="1" noChangeArrowheads="1"/>
             <a:extLst>
               <a:ext uri="smNativeData">
-                <pr:smNativeData xmlns:pr="smNativeData" val="SMDATA_16_PPTaXhMAAAAlAAAAZAAAAA8BAAAAkAAAAEgAAACQAAAASAAAAAAAAAABAAAAAAAAAAEAAABQAAAAAAAAAAAA4D8AAAAAAADgPwAAAAAAAOA/AAAAAAAA4D8AAAAAAADgPwAAAAAAAOA/AAAAAAAA4D8AAAAAAADgPwAAAAAAAOA/AAAAAAAA4D8CAAAAjAAAAAAAAAAAAAAAu+DjDP///wgAAAAAAAAAAAAAAAAAAAAAAAAAAAAAAAAAAAAAZAAAAAEAAABAAAAAAAAAAAAAAAAAAAAAAAAAAAAAAAAAAAAAAAAAAAAAAAAAAAAAAAAAAAAAAAAAAAAAAAAAAAAAAAAAAAAAAAAAAAAAAAAAAAAAAAAAAAAAAAAAAAAAFAAAADwAAAAAAAAAAAAAAAAAAAkUAAAAAQAAABQAAAAUAAAAFAAAAAEAAAAAAAAAZAAAAGQAAAAAAAAAZAAAAGQAAAAVAAAAYAAAAAAAAAAAAAAADwAAACADAAAAAAAAAAAAAAEAAACgMgAAVgcAAKr4//8BAAAAf39/AAEAAABkAAAAAAAAABQAAABAHwAAAAAAACYAAAAAAAAAwOD//wAAAAAmAAAAZAAAABYAAABMAAAAAAAAAAAAAAAEAAAAAAAAAAEAAACAgIAKAAAAACgAAAAoAAAAZAAAAGQAAAAAAAAAzMzMAAAAAABQAAAAUAAAAGQAAABkAAAAAAAAABcAAAAUAAAAAAAAAAAAAAD/fwAA/38AAAAAAAAJAAAABAAAAAAAAAAMAAAAEAAAAAAAAAAAAAAAAAAAAAAAAAAeAAAAaAAAAAAAAAAAAAAAAAAAAAAAAAAAAAAAECcAABAnAAAAAAAAAAAAAAAAAAAAAAAAAAAAAAAAAAAAAAAAAAAAABQAAAAAAAAAwMD/AAAAAABkAAAAMgAAAAAAAABkAAAAAAAAAH9/fwAKAAAAIgAAABgAAAAAAAAAAAAAAAAAAAAAAAAAAAAAAAAAAAAkAAAAJAAAAAAAAAAHAAAAAAAAAAAAAAAAAAAAAAAAAAAAAAAAAAAAf39/ACUAAABYAAAAAAAAAAAAAAAAAAAAAAAAAAAAAAAAAAAAAAAAAAAAAAAAAAAAAAAAAAAAAAA/AAAAAAAAAKCGAQAAAAAAAAAAAAAAAAAMAAAAAQAAAAAAAAAAAAAAAAAAAB8AAABUAAAAAAAABQAAAAEAAAAAAAAAAAAAAAAAAAAAAAAAAAAAAAAAAAAAAAAAAAAAAAJ/f38AAAAAA8zMzADAwP8Af39/AAAAAAAAAAAAAAAAAAAAAAAAAAAAIQAAABgAAAAUAAAA0AIAABsnAADwDwAAWSkAABAAAAAmAAAACAAAAAAAAAAAAAAA"/>
+                <pr:smNativeData xmlns:pr="smNativeData" val="SMDATA_13_4IlQXxMAAAAlAAAAZAAAAA8BAAAAkAAAAEgAAACQAAAASAAAAAAAAAABAAAAAAAAAAEAAABQAAAAAAAAAAAA4D8AAAAAAADgPwAAAAAAAOA/AAAAAAAA4D8AAAAAAADgPwAAAAAAAOA/AAAAAAAA4D8AAAAAAADgPwAAAAAAAOA/AAAAAAAA4D8CAAAAjAAAAAAAAAAAAAAAu+DjDP///wgAAAAAAAAAAAAAAAAAAAAAAAAAAAAAAAAAAAAAZAAAAAEAAABAAAAAAAAAAAAAAAAAAAAAAAAAAAAAAAAAAAAAAAAAAAAAAAAAAAAAAAAAAAAAAAAAAAAAAAAAAAAAAAAAAAAAAAAAAAAAAAAAAAAAAAAAAAAAAAAAAAAAFAAAADwAAAAAAAAAAAAAAAAAAAkUAAAAAQAAABQAAAAUAAAAFAAAAAEAAAAAAAAAZAAAAGQAAAAAAAAAZAAAAGQAAAAVAAAAYAAAAAAAAAAAAAAADwAAACADAAAAAAAAAAAAAAEAAACgMgAAVgcAAKr4//8BAAAAf39/AAEAAABkAAAAAAAAABQAAABAHwAAAAAAACYAAAAAAAAAwOD//wAAAAAmAAAAZAAAABYAAABMAAAAAAAAAAAAAAAEAAAAAAAAAAEAAACAgIAKAAAAACgAAAAoAAAAZAAAAGQAAAAAAAAAzMzMAAAAAABQAAAAUAAAAGQAAABkAAAAAAAAABcAAAAUAAAAAAAAAAAAAAD/fwAA/38AAAAAAAAJAAAABAAAAAAAAAAMAAAAEAAAAAAAAAAAAAAAAAAAAAAAAAAeAAAAaAAAAAAAAAAAAAAAAAAAAAAAAAAAAAAAECcAABAnAAAAAAAAAAAAAAAAAAAAAAAAAAAAAAAAAAAAAAAAAAAAABQAAAAAAAAAwMD/AAAAAABkAAAAMgAAAAAAAABkAAAAAAAAAH9/fwAKAAAAHwAAAFQAAAAAAAAFAAAAAQAAAAAAAAAAAAAAAAAAAAAAAAAAAAAAAAAAAAAAAAAAAAAAAn9/fwAAAAADzMzMAMDA/wB/f38AAAAAAAAAAAAAAAAAAAAAAAAAAAAhAAAAGAAAABQAAADQAgAAGycAAPAPAABZKQAAEAAAACYAAAAIAAAAAAAAAAAAAAA="/>
               </a:ext>
             </a:extLst>
           </p:cNvSpPr>
@@ -1156,7 +1147,7 @@
           <a:lstStyle/>
           <a:p>
             <a:pPr/>
-            <a:fld id="{479E3259-17AA-CBC4-E426-E1917C6812B4}" type="datetime1">
+            <a:fld id="{AA493F0A-4447-1CC9-09F1-B29C71BFFFE7}" type="datetime1">
               <a:t/>
             </a:fld>
           </a:p>
@@ -1169,7 +1160,7 @@
             <a:spLocks noGrp="1" noChangeArrowheads="1"/>
             <a:extLst>
               <a:ext uri="smNativeData">
-                <pr:smNativeData xmlns:pr="smNativeData" val="SMDATA_16_PPTaXhMAAAAlAAAAZAAAAA8BAAAAkAAAAEgAAACQAAAASAAAAAAAAAABAAAAAAAAAAEAAABQAAAAAAAAAAAA4D8AAAAAAADgPwAAAAAAAOA/AAAAAAAA4D8AAAAAAADgPwAAAAAAAOA/AAAAAAAA4D8AAAAAAADgPwAAAAAAAOA/AAAAAAAA4D8CAAAAjAAAAAAAAAAAAAAAu+DjDP///wgAAAAAAAAAAAAAAAAAAAAAAAAAAAAAAAAAAAAAZAAAAAEAAABAAAAAAAAAAAAAAAAAAAAAAAAAAAAAAAAAAAAAAAAAAAAAAAAAAAAAAAAAAAAAAAAAAAAAAAAAAAAAAAAAAAAAAAAAAAAAAAAAAAAAAAAAAAAAAAAAAAAAFAAAADwAAAAAAAAAAAAAAAAAAAkUAAAAAQAAABQAAAAUAAAAFAAAAAEAAAAAAAAAZAAAAGQAAAAAAAAAZAAAAGQAAAAVAAAAYAAAAAAAAAAAAAAADwAAACADAAAAAAAAAAAAAAEAAACgMgAAVgcAAKr4//8BAAAAf39/AAEAAABkAAAAAAAAABQAAABAHwAAAAAAACYAAAAAAAAAwOD//wAAAAAmAAAAZAAAABYAAABMAAAAAAAAAAAAAAAEAAAAAAAAAAEAAACAgIAKAAAAACgAAAAoAAAAZAAAAGQAAAAAAAAAzMzMAAAAAABQAAAAUAAAAGQAAABkAAAAAAAAABcAAAAUAAAAAAAAAAAAAAD/fwAA/38AAAAAAAAJAAAABAAAAAAAAAAMAAAAEAAAAAAAAAAAAAAAAAAAAAAAAAAeAAAAaAAAAAAAAAAAAAAAAAAAAAAAAAAAAAAAECcAABAnAAAAAAAAAAAAAAAAAAAAAAAAAAAAAAAAAAAAAAAAAAAAABQAAAAAAAAAwMD/AAAAAABkAAAAMgAAAAAAAABkAAAAAAAAAH9/fwAKAAAAIgAAABgAAAAAAAAAAAAAAAAAAAAAAAAAAAAAAAAAAAAkAAAAJAAAAAAAAAAHAAAAAAAAAAAAAAAAAAAAAAAAAAAAAAAAAAAAf39/ACUAAABYAAAAAAAAAAAAAAAAAAAAAAAAAAAAAAAAAAAAAAAAAAAAAAAAAAAAAAAAAAAAAAA/AAAAAAAAAKCGAQAAAAAAAAAAAAAAAAAMAAAAAQAAAAAAAAAAAAAAAAAAAB8AAABUAAAAAAAABQAAAAEAAAAAAAAAAAAAAAAAAAAAAAAAAAAAAAAAAAAAAAAAAAAAAAJ/f38AAAAAA8zMzADAwP8Af39/AAAAAAAAAAAAAAAAAAAAAAAAAAAAIQAAABgAAAAUAAAAOBMAABsnAAAIJQAAWSkAABAAAAAmAAAACAAAAAAAAAAAAAAA"/>
+                <pr:smNativeData xmlns:pr="smNativeData" val="SMDATA_13_4IlQXxMAAAAlAAAAZAAAAA8BAAAAkAAAAEgAAACQAAAASAAAAAAAAAABAAAAAAAAAAEAAABQAAAAAAAAAAAA4D8AAAAAAADgPwAAAAAAAOA/AAAAAAAA4D8AAAAAAADgPwAAAAAAAOA/AAAAAAAA4D8AAAAAAADgPwAAAAAAAOA/AAAAAAAA4D8CAAAAjAAAAAAAAAAAAAAAu+DjDP///wgAAAAAAAAAAAAAAAAAAAAAAAAAAAAAAAAAAAAAZAAAAAEAAABAAAAAAAAAAAAAAAAAAAAAAAAAAAAAAAAAAAAAAAAAAAAAAAAAAAAAAAAAAAAAAAAAAAAAAAAAAAAAAAAAAAAAAAAAAAAAAAAAAAAAAAAAAAAAAAAAAAAAFAAAADwAAAAAAAAAAAAAAAAAAAkUAAAAAQAAABQAAAAUAAAAFAAAAAEAAAAAAAAAZAAAAGQAAAAAAAAAZAAAAGQAAAAVAAAAYAAAAAAAAAAAAAAADwAAACADAAAAAAAAAAAAAAEAAACgMgAAVgcAAKr4//8BAAAAf39/AAEAAABkAAAAAAAAABQAAABAHwAAAAAAACYAAAAAAAAAwOD//wAAAAAmAAAAZAAAABYAAABMAAAAAAAAAAAAAAAEAAAAAAAAAAEAAACAgIAKAAAAACgAAAAoAAAAZAAAAGQAAAAAAAAAzMzMAAAAAABQAAAAUAAAAGQAAABkAAAAAAAAABcAAAAUAAAAAAAAAAAAAAD/fwAA/38AAAAAAAAJAAAABAAAAAAAAAAMAAAAEAAAAAAAAAAAAAAAAAAAAAAAAAAeAAAAaAAAAAAAAAAAAAAAAAAAAAAAAAAAAAAAECcAABAnAAAAAAAAAAAAAAAAAAAAAAAAAAAAAAAAAAAAAAAAAAAAABQAAAAAAAAAwMD/AAAAAABkAAAAMgAAAAAAAABkAAAAAAAAAH9/fwAKAAAAHwAAAFQAAAAAAAAFAAAAAQAAAAAAAAAAAAAAAAAAAAAAAAAAAAAAAAAAAAAAAAAAAAAAAn9/fwAAAAADzMzMAMDA/wB/f38AAAAAAAAAAAAAAAAAAAAAAAAAAAAhAAAAGAAAABQAAAA4EwAAGycAAAglAABZKQAAEAAAACYAAAAIAAAAAAAAAAAAAAA="/>
               </a:ext>
             </a:extLst>
           </p:cNvSpPr>
@@ -1193,7 +1184,7 @@
             <a:spLocks noGrp="1" noChangeArrowheads="1"/>
             <a:extLst>
               <a:ext uri="smNativeData">
-                <pr:smNativeData xmlns:pr="smNativeData" val="SMDATA_16_PPTaXhMAAAAlAAAAZAAAAA8BAAAAkAAAAEgAAACQAAAASAAAAAAAAAABAAAAAAAAAAEAAABQAAAAAAAAAAAA4D8AAAAAAADgPwAAAAAAAOA/AAAAAAAA4D8AAAAAAADgPwAAAAAAAOA/AAAAAAAA4D8AAAAAAADgPwAAAAAAAOA/AAAAAAAA4D8CAAAAjAAAAAAAAAAAAAAAu+DjDP///wgAAAAAAAAAAAAAAAAAAAAAAAAAAAAAAAAAAAAAZAAAAAEAAABAAAAAAAAAAAAAAAAAAAAAAAAAAAAAAAAAAAAAAAAAAAAAAAAAAAAAAAAAAAAAAAAAAAAAAAAAAAAAAAAAAAAAAAAAAAAAAAAAAAAAAAAAAAAAAAAAAAAAFAAAADwAAAAAAAAAAAAAAAAAAAkUAAAAAQAAABQAAAAUAAAAFAAAAAEAAAAAAAAAZAAAAGQAAAAAAAAAZAAAAGQAAAAVAAAAYAAAAAAAAAAAAAAADwAAACADAAAAAAAAAAAAAAEAAACgMgAAVgcAAKr4//8BAAAAf39/AAEAAABkAAAAAAAAABQAAABAHwAAAAAAACYAAAAAAAAAwOD//wAAAAAmAAAAZAAAABYAAABMAAAAAAAAAAAAAAAEAAAAAAAAAAEAAACAgIAKAAAAACgAAAAoAAAAZAAAAGQAAAAAAAAAzMzMAAAAAABQAAAAUAAAAGQAAABkAAAAAAAAABcAAAAUAAAAAAAAAAAAAAD/fwAA/38AAAAAAAAJAAAABAAAAAAAAAAMAAAAEAAAAAAAAAAAAAAAAAAAAAAAAAAeAAAAaAAAAAAAAAAAAAAAAAAAAAAAAAAAAAAAECcAABAnAAAAAAAAAAAAAAAAAAAAAAAAAAAAAAAAAAAAAAAAAAAAABQAAAAAAAAAwMD/AAAAAABkAAAAMgAAAAAAAABkAAAAAAAAAH9/fwAKAAAAIgAAABgAAAAAAAAAAAAAAAAAAAAAAAAAAAAAAAAAAAAkAAAAJAAAAAAAAAAHAAAAAAAAAAAAAAAAAAAAAAAAAAAAAAAAAAAAf39/ACUAAABYAAAAAAAAAAAAAAAAAAAAAAAAAAAAAAAAAAAAAAAAAAAAAAAAAAAAAAAAAAAAAAA/AAAAAAAAAKCGAQAAAAAAAAAAAAAAAAAMAAAAAQAAAAAAAAAAAAAAAAAAAB8AAABUAAAAAAAABQAAAAEAAAAAAAAAAAAAAAAAAAAAAAAAAAAAAAAAAAAAAAAAAAAAAAJ/f38AAAAAA8zMzADAwP8Af39/AAAAAAAAAAAAAAAAAAAAAAAAAAAAIQAAABgAAAAUAAAAUCgAABsnAABwNQAAWSkAABAAAAAmAAAACAAAAAAAAAAAAAAA"/>
+                <pr:smNativeData xmlns:pr="smNativeData" val="SMDATA_13_4IlQXxMAAAAlAAAAZAAAAA8BAAAAkAAAAEgAAACQAAAASAAAAAAAAAABAAAAAAAAAAEAAABQAAAAAAAAAAAA4D8AAAAAAADgPwAAAAAAAOA/AAAAAAAA4D8AAAAAAADgPwAAAAAAAOA/AAAAAAAA4D8AAAAAAADgPwAAAAAAAOA/AAAAAAAA4D8CAAAAjAAAAAAAAAAAAAAAu+DjDP///wgAAAAAAAAAAAAAAAAAAAAAAAAAAAAAAAAAAAAAZAAAAAEAAABAAAAAAAAAAAAAAAAAAAAAAAAAAAAAAAAAAAAAAAAAAAAAAAAAAAAAAAAAAAAAAAAAAAAAAAAAAAAAAAAAAAAAAAAAAAAAAAAAAAAAAAAAAAAAAAAAAAAAFAAAADwAAAAAAAAAAAAAAAAAAAkUAAAAAQAAABQAAAAUAAAAFAAAAAEAAAAAAAAAZAAAAGQAAAAAAAAAZAAAAGQAAAAVAAAAYAAAAAAAAAAAAAAADwAAACADAAAAAAAAAAAAAAEAAACgMgAAVgcAAKr4//8BAAAAf39/AAEAAABkAAAAAAAAABQAAABAHwAAAAAAACYAAAAAAAAAwOD//wAAAAAmAAAAZAAAABYAAABMAAAAAAAAAAAAAAAEAAAAAAAAAAEAAACAgIAKAAAAACgAAAAoAAAAZAAAAGQAAAAAAAAAzMzMAAAAAABQAAAAUAAAAGQAAABkAAAAAAAAABcAAAAUAAAAAAAAAAAAAAD/fwAA/38AAAAAAAAJAAAABAAAAAAAAAAMAAAAEAAAAAAAAAAAAAAAAAAAAAAAAAAeAAAAaAAAAAAAAAAAAAAAAAAAAAAAAAAAAAAAECcAABAnAAAAAAAAAAAAAAAAAAAAAAAAAAAAAAAAAAAAAAAAAAAAABQAAAAAAAAAwMD/AAAAAABkAAAAMgAAAAAAAABkAAAAAAAAAH9/fwAKAAAAHwAAAFQAAAAAAAAFAAAAAQAAAAAAAAAAAAAAAAAAAAAAAAAAAAAAAAAAAAAAAAAAAAAAAn9/fwAAAAADzMzMAMDA/wB/f38AAAAAAAAAAAAAAAAAAAAAAAAAAAAhAAAAGAAAABQAAABQKAAAGycAAHA1AABZKQAAEAAAACYAAAAIAAAAAAAAAAAAAAA="/>
               </a:ext>
             </a:extLst>
           </p:cNvSpPr>
@@ -1207,7 +1198,7 @@
           <a:lstStyle/>
           <a:p>
             <a:pPr/>
-            <a:fld id="{479E5C47-09AA-CBAA-E426-FFFF126812AA}" type="slidenum">
+            <a:fld id="{AA496010-5E47-1C96-09F1-A8C32EBFFFFD}" type="slidenum">
               <a:t/>
             </a:fld>
           </a:p>
@@ -1245,7 +1236,7 @@
             <a:spLocks noGrp="1" noChangeArrowheads="1"/>
             <a:extLst>
               <a:ext uri="smNativeData">
-                <pr:smNativeData xmlns:pr="smNativeData" val="SMDATA_16_PPTaXhMAAAAlAAAAZAAAAA8BAAAAkAAAAEgAAACQAAAASAAAAAAAAAABAAAAAAAAAAEAAABQAAAAAAAAAAAA4D8AAAAAAADgPwAAAAAAAOA/AAAAAAAA4D8AAAAAAADgPwAAAAAAAOA/AAAAAAAA4D8AAAAAAADgPwAAAAAAAOA/AAAAAAAA4D8CAAAAjAAAAAAAAAAAAAAAu+DjDP///wgAAAAAAAAAAAAAAAAAAAAAAAAAAAAAAAAAAAAAZAAAAAEAAABAAAAAAAAAAAAAAAAAAAAAAAAAAAAAAAAAAAAAAAAAAAAAAAAAAAAAAAAAAAAAAAAAAAAAAAAAAAAAAAAAAAAAAAAAAAAAAAAAAAAAAAAAAAAAAAAAAAAAFAAAADwAAAAAAAAAAAAAAAAAAAkUAAAAAQAAABQAAAAUAAAAFAAAAAEAAAAAAAAAZAAAAGQAAAAAAAAAZAAAAGQAAAAVAAAAYAAAAAAAAAAAAAAADwAAACADAAAAAAAAAAAAAAEAAACgMgAAVgcAAKr4//8BAAAAf39/AAEAAABkAAAAAAAAABQAAABAHwAAAAAAACYAAAAAAAAAwOD//wAAAAAmAAAAZAAAABYAAABMAAAAAAAAAAAAAAAEAAAAAAAAAAEAAACAgIAKAAAAACgAAAAoAAAAZAAAAGQAAAAAAAAAzMzMAAAAAABQAAAAUAAAAGQAAABkAAAAAAAAABcAAAAUAAAAAAAAAAAAAAD/fwAA/38AAAAAAAAJAAAABAAAAAAAAAAMAAAAEAAAAAAAAAAAAAAAAAAAAAAAAAAeAAAAaAAAAAAAAAAAAAAAAAAAAAAAAAAAAAAAECcAABAnAAAAAAAAAAAAAAAAAAAAAAAAAAAAAAAAAAAAAAAAAAAAABQAAAAAAAAAwMD/AAAAAABkAAAAMgAAAAAAAABkAAAAAAAAAH9/fwAKAAAAIgAAABgAAAAAAAAAAAAAAAAAAAAAAAAAAAAAAAAAAAAkAAAAJAAAAAAAAAAHAAAAAAAAAAAAAAAAAAAAAAAAAAAAAAAAAAAAf39/ACUAAABYAAAAAAAAAAAAAAAAAAAAAAAAAAAAAAAAAAAAAAAAAAAAAAAAAAAAAAAAAAAAAAA/AAAAAAAAAKCGAQAAAAAAAAAAAAAAAAAMAAAAAQAAAAAAAAAAAAAAAAAAAB8AAABUAAAAAAAABQAAAAEAAAAAAAAAAAAAAAAAAAAAAAAAAAAAAAAAAAAAAAAAAAAAAAJ/f38AAAAAA8zMzADAwP8Af39/AAAAAAAAAAAAAAAAAAAAAAAAAAAAIQAAABgAAAAUAAAA0AIAALABAABwNQAAuAgAABAAAAAmAAAACAAAAAAAAAAAAAAA"/>
+                <pr:smNativeData xmlns:pr="smNativeData" val="SMDATA_13_4IlQXxMAAAAlAAAAZAAAAA8BAAAAkAAAAEgAAACQAAAASAAAAAAAAAABAAAAAAAAAAEAAABQAAAAAAAAAAAA4D8AAAAAAADgPwAAAAAAAOA/AAAAAAAA4D8AAAAAAADgPwAAAAAAAOA/AAAAAAAA4D8AAAAAAADgPwAAAAAAAOA/AAAAAAAA4D8CAAAAjAAAAAAAAAAAAAAAu+DjDP///wgAAAAAAAAAAAAAAAAAAAAAAAAAAAAAAAAAAAAAZAAAAAEAAABAAAAAAAAAAAAAAAAAAAAAAAAAAAAAAAAAAAAAAAAAAAAAAAAAAAAAAAAAAAAAAAAAAAAAAAAAAAAAAAAAAAAAAAAAAAAAAAAAAAAAAAAAAAAAAAAAAAAAFAAAADwAAAAAAAAAAAAAAAAAAAkUAAAAAQAAABQAAAAUAAAAFAAAAAEAAAAAAAAAZAAAAGQAAAAAAAAAZAAAAGQAAAAVAAAAYAAAAAAAAAAAAAAADwAAACADAAAAAAAAAAAAAAEAAACgMgAAVgcAAKr4//8BAAAAf39/AAEAAABkAAAAAAAAABQAAABAHwAAAAAAACYAAAAAAAAAwOD//wAAAAAmAAAAZAAAABYAAABMAAAAAAAAAAAAAAAEAAAAAAAAAAEAAACAgIAKAAAAACgAAAAoAAAAZAAAAGQAAAAAAAAAzMzMAAAAAABQAAAAUAAAAGQAAABkAAAAAAAAABcAAAAUAAAAAAAAAAAAAAD/fwAA/38AAAAAAAAJAAAABAAAAAAAAAAMAAAAEAAAAAAAAAAAAAAAAAAAAAAAAAAeAAAAaAAAAAAAAAAAAAAAAAAAAAAAAAAAAAAAECcAABAnAAAAAAAAAAAAAAAAAAAAAAAAAAAAAAAAAAAAAAAAAAAAABQAAAAAAAAAwMD/AAAAAABkAAAAMgAAAAAAAABkAAAAAAAAAH9/fwAKAAAAHwAAAFQAAAAAAAAFAAAAAQAAAAAAAAAAAAAAAAAAAAAAAAAAAAAAAAAAAAAAAAAAAAAAAn9/fwAAAAADzMzMAMDA/wB/f38AAAAAAAAAAAAAAAAAAAAAAAAAAAAhAAAAGAAAABQAAADQAgAAsAEAAHA1AAC4CAAAEAAAACYAAAAIAAAAAAAAAAAAAAA="/>
               </a:ext>
             </a:extLst>
           </p:cNvSpPr>
@@ -1272,7 +1263,7 @@
             <a:spLocks noGrp="1" noChangeArrowheads="1"/>
             <a:extLst>
               <a:ext uri="smNativeData">
-                <pr:smNativeData xmlns:pr="smNativeData" val="SMDATA_16_PPTaXhMAAAAlAAAAZAAAAA8BAAAAkAAAAEgAAACQAAAASAAAAAAAAAAAAAAAAAAAAAEAAABQAAAAAAAAAAAA4D8AAAAAAADgPwAAAAAAAOA/AAAAAAAA4D8AAAAAAADgPwAAAAAAAOA/AAAAAAAA4D8AAAAAAADgPwAAAAAAAOA/AAAAAAAA4D8CAAAAjAAAAAAAAAAAAAAAu+DjDP///wgAAAAAAAAAAAAAAAAAAAAAAAAAAAAAAAAAAAAAZAAAAAEAAABAAAAAAAAAAAAAAAAAAAAAAAAAAAAAAAAAAAAAAAAAAAAAAAAAAAAAAAAAAAAAAAAAAAAAAAAAAAAAAAAAAAAAAAAAAAAAAAAAAAAAAAAAAAAAAAAAAAAAFAAAADwAAAAAAAAAAAAAAAAAAAkUAAAAAQAAABQAAAAUAAAAFAAAAAEAAAAAAAAAZAAAAGQAAAAAAAAAZAAAAGQAAAAVAAAAYAAAAAAAAAAAAAAADwAAACADAAAAAAAAAAAAAAEAAACgMgAAVgcAAKr4//8BAAAAf39/AAEAAABkAAAAAAAAABQAAABAHwAAAAAAACYAAAAAAAAAwOD//wAAAAAmAAAAZAAAABYAAABMAAAAAAAAAAAAAAAEAAAAAAAAAAEAAACAgIAKAAAAACgAAAAoAAAAZAAAAGQAAAAAAAAAzMzMAAAAAABQAAAAUAAAAGQAAABkAAAAAAAAABcAAAAUAAAAAAAAAAAAAAD/fwAA/38AAAAAAAAJAAAABAAAAAAAAAAMAAAAEAAAAAAAAAAAAAAAAAAAAAAAAAAeAAAAaAAAAAAAAAAAAAAAAAAAAAAAAAAAAAAAECcAABAnAAAAAAAAAAAAAAAAAAAAAAAAAAAAAAAAAAAAAAAAAAAAABQAAAAAAAAAwMD/AAAAAABkAAAAMgAAAAAAAABkAAAAAAAAAH9/fwAKAAAAIgAAABgAAAAAAAAAAAAAAAAAAAAAAAAAAAAAAAAAAAAkAAAAJAAAAAAAAAAHAAAAAAAAAAAAAAAAAAAAAAAAAAAAAAAAAAAAf39/ACUAAABYAAAAAAAAAAAAAAAAAAAAAAAAAAAAAAAAAAAAAAAAAAAAAAAAAAAAAAAAAAAAAAA/AAAAAAAAAKCGAQAAAAAAAAAAAAAAAAAMAAAAAQAAAAAAAAAAAAAAAAAAAB8AAABUAAAAAAAABQAAAAEAAAAAAAAAAAAAAAAAAAAAAAAAAAAAAAAAAAAAAAAAAAAAAAJ/f38AAAAAA8zMzADAwP8Af39/AAAAAAAAAAAAAAAAAAAAAAAAAAAAIQAAABgAAAAUAAAA0AIAANgJAACoGwAAsCUAABAAAAAmAAAACAAAAAGAAAAAAAAA"/>
+                <pr:smNativeData xmlns:pr="smNativeData" val="SMDATA_13_4IlQXxMAAAAlAAAAZAAAAA8BAAAAkAAAAEgAAACQAAAASAAAAAAAAAAAAAAAAAAAAAEAAABQAAAAAAAAAAAA4D8AAAAAAADgPwAAAAAAAOA/AAAAAAAA4D8AAAAAAADgPwAAAAAAAOA/AAAAAAAA4D8AAAAAAADgPwAAAAAAAOA/AAAAAAAA4D8CAAAAjAAAAAAAAAAAAAAAu+DjDP///wgAAAAAAAAAAAAAAAAAAAAAAAAAAAAAAAAAAAAAZAAAAAEAAABAAAAAAAAAAAAAAAAAAAAAAAAAAAAAAAAAAAAAAAAAAAAAAAAAAAAAAAAAAAAAAAAAAAAAAAAAAAAAAAAAAAAAAAAAAAAAAAAAAAAAAAAAAAAAAAAAAAAAFAAAADwAAAAAAAAAAAAAAAAAAAkUAAAAAQAAABQAAAAUAAAAFAAAAAEAAAAAAAAAZAAAAGQAAAAAAAAAZAAAAGQAAAAVAAAAYAAAAAAAAAAAAAAADwAAACADAAAAAAAAAAAAAAEAAACgMgAAVgcAAKr4//8BAAAAf39/AAEAAABkAAAAAAAAABQAAABAHwAAAAAAACYAAAAAAAAAwOD//wAAAAAmAAAAZAAAABYAAABMAAAAAAAAAAAAAAAEAAAAAAAAAAEAAACAgIAKAAAAACgAAAAoAAAAZAAAAGQAAAAAAAAAzMzMAAAAAABQAAAAUAAAAGQAAABkAAAAAAAAABcAAAAUAAAAAAAAAAAAAAD/fwAA/38AAAAAAAAJAAAABAAAAAAAAAAMAAAAEAAAAAAAAAAAAAAAAAAAAAAAAAAeAAAAaAAAAAAAAAAAAAAAAAAAAAAAAAAAAAAAECcAABAnAAAAAAAAAAAAAAAAAAAAAAAAAAAAAAAAAAAAAAAAAAAAABQAAAAAAAAAwMD/AAAAAABkAAAAMgAAAAAAAABkAAAAAAAAAH9/fwAKAAAAHwAAAFQAAAAAAAAFAAAAAQAAAAAAAAAAAAAAAAAAAAAAAAAAAAAAAAAAAAAAAAAAAAAAAn9/fwAAAAADzMzMAMDA/wB/f38AAAAAAAAAAAAAAAAAAAAAAAAAAAAhAAAAGAAAABQAAADQAgAA2AkAAKgbAACwJQAAEAAAACYAAAAIAAAAAYAAAAAAAAA="/>
               </a:ext>
             </a:extLst>
           </p:cNvSpPr>
@@ -1356,7 +1347,7 @@
             <a:spLocks noGrp="1" noChangeArrowheads="1"/>
             <a:extLst>
               <a:ext uri="smNativeData">
-                <pr:smNativeData xmlns:pr="smNativeData" val="SMDATA_16_PPTaXhMAAAAlAAAAZAAAAA8BAAAAkAAAAEgAAACQAAAASAAAAAAAAAAAAAAAAAAAAAEAAABQAAAAAAAAAAAA4D8AAAAAAADgPwAAAAAAAOA/AAAAAAAA4D8AAAAAAADgPwAAAAAAAOA/AAAAAAAA4D8AAAAAAADgPwAAAAAAAOA/AAAAAAAA4D8CAAAAjAAAAAAAAAAAAAAAu+DjDP///wgAAAAAAAAAAAAAAAAAAAAAAAAAAAAAAAAAAAAAZAAAAAEAAABAAAAAAAAAAAAAAAAAAAAAAAAAAAAAAAAAAAAAAAAAAAAAAAAAAAAAAAAAAAAAAAAAAAAAAAAAAAAAAAAAAAAAAAAAAAAAAAAAAAAAAAAAAAAAAAAAAAAAFAAAADwAAAAAAAAAAAAAAAAAAAkUAAAAAQAAABQAAAAUAAAAFAAAAAEAAAAAAAAAZAAAAGQAAAAAAAAAZAAAAGQAAAAVAAAAYAAAAAAAAAAAAAAADwAAACADAAAAAAAAAAAAAAEAAACgMgAAVgcAAKr4//8BAAAAf39/AAEAAABkAAAAAAAAABQAAABAHwAAAAAAACYAAAAAAAAAwOD//wAAAAAmAAAAZAAAABYAAABMAAAAAAAAAAAAAAAEAAAAAAAAAAEAAACAgIAKAAAAACgAAAAoAAAAZAAAAGQAAAAAAAAAzMzMAAAAAABQAAAAUAAAAGQAAABkAAAAAAAAABcAAAAUAAAAAAAAAAAAAAD/fwAA/38AAAAAAAAJAAAABAAAAAAAAAAMAAAAEAAAAAAAAAAAAAAAAAAAAAAAAAAeAAAAaAAAAAAAAAAAAAAAAAAAAAAAAAAAAAAAECcAABAnAAAAAAAAAAAAAAAAAAAAAAAAAAAAAAAAAAAAAAAAAAAAABQAAAAAAAAAwMD/AAAAAABkAAAAMgAAAAAAAABkAAAAAAAAAH9/fwAKAAAAIgAAABgAAAAAAAAAAAAAAAAAAAAAAAAAAAAAAAAAAAAkAAAAJAAAAAAAAAAHAAAAAAAAAAAAAAAAAAAAAAAAAAAAAAAAAAAAf39/ACUAAABYAAAAAAAAAAAAAAAAAAAAAAAAAAAAAAAAAAAAAAAAAAAAAAAAAAAAAAAAAAAAAAA/AAAAAAAAAKCGAQAAAAAAAAAAAAAAAAAMAAAAAQAAAAAAAAAAAAAAAAAAAB8AAABUAAAAAAAABQAAAAEAAAAAAAAAAAAAAAAAAAAAAAAAAAAAAAAAAAAAAAAAAAAAAAJ/f38AAAAAA8zMzADAwP8Af39/AAAAAAAAAAAAAAAAAAAAAAAAAAAAIQAAABgAAAAUAAAAmBwAANgJAABwNQAAsCUAABAAAAAmAAAACAAAAAGAAAAAAAAA"/>
+                <pr:smNativeData xmlns:pr="smNativeData" val="SMDATA_13_4IlQXxMAAAAlAAAAZAAAAA8BAAAAkAAAAEgAAACQAAAASAAAAAAAAAAAAAAAAAAAAAEAAABQAAAAAAAAAAAA4D8AAAAAAADgPwAAAAAAAOA/AAAAAAAA4D8AAAAAAADgPwAAAAAAAOA/AAAAAAAA4D8AAAAAAADgPwAAAAAAAOA/AAAAAAAA4D8CAAAAjAAAAAAAAAAAAAAAu+DjDP///wgAAAAAAAAAAAAAAAAAAAAAAAAAAAAAAAAAAAAAZAAAAAEAAABAAAAAAAAAAAAAAAAAAAAAAAAAAAAAAAAAAAAAAAAAAAAAAAAAAAAAAAAAAAAAAAAAAAAAAAAAAAAAAAAAAAAAAAAAAAAAAAAAAAAAAAAAAAAAAAAAAAAAFAAAADwAAAAAAAAAAAAAAAAAAAkUAAAAAQAAABQAAAAUAAAAFAAAAAEAAAAAAAAAZAAAAGQAAAAAAAAAZAAAAGQAAAAVAAAAYAAAAAAAAAAAAAAADwAAACADAAAAAAAAAAAAAAEAAACgMgAAVgcAAKr4//8BAAAAf39/AAEAAABkAAAAAAAAABQAAABAHwAAAAAAACYAAAAAAAAAwOD//wAAAAAmAAAAZAAAABYAAABMAAAAAAAAAAAAAAAEAAAAAAAAAAEAAACAgIAKAAAAACgAAAAoAAAAZAAAAGQAAAAAAAAAzMzMAAAAAABQAAAAUAAAAGQAAABkAAAAAAAAABcAAAAUAAAAAAAAAAAAAAD/fwAA/38AAAAAAAAJAAAABAAAAAAAAAAMAAAAEAAAAAAAAAAAAAAAAAAAAAAAAAAeAAAAaAAAAAAAAAAAAAAAAAAAAAAAAAAAAAAAECcAABAnAAAAAAAAAAAAAAAAAAAAAAAAAAAAAAAAAAAAAAAAAAAAABQAAAAAAAAAwMD/AAAAAABkAAAAMgAAAAAAAABkAAAAAAAAAH9/fwAKAAAAHwAAAFQAAAAAAAAFAAAAAQAAAAAAAAAAAAAAAAAAAAAAAAAAAAAAAAAAAAAAAAAAAAAAAn9/fwAAAAADzMzMAMDA/wB/f38AAAAAAAAAAAAAAAAAAAAAAAAAAAAhAAAAGAAAABQAAACYHAAA2AkAAHA1AACwJQAAEAAAACYAAAAIAAAAAYAAAAAAAAA="/>
               </a:ext>
             </a:extLst>
           </p:cNvSpPr>
@@ -1440,7 +1431,7 @@
             <a:spLocks noGrp="1" noChangeArrowheads="1"/>
             <a:extLst>
               <a:ext uri="smNativeData">
-                <pr:smNativeData xmlns:pr="smNativeData" val="SMDATA_16_PPTaXhMAAAAlAAAAZAAAAA8BAAAAkAAAAEgAAACQAAAASAAAAAAAAAABAAAAAAAAAAEAAABQAAAAAAAAAAAA4D8AAAAAAADgPwAAAAAAAOA/AAAAAAAA4D8AAAAAAADgPwAAAAAAAOA/AAAAAAAA4D8AAAAAAADgPwAAAAAAAOA/AAAAAAAA4D8CAAAAjAAAAAAAAAAAAAAAu+DjDP///wgAAAAAAAAAAAAAAAAAAAAAAAAAAAAAAAAAAAAAZAAAAAEAAABAAAAAAAAAAAAAAAAAAAAAAAAAAAAAAAAAAAAAAAAAAAAAAAAAAAAAAAAAAAAAAAAAAAAAAAAAAAAAAAAAAAAAAAAAAAAAAAAAAAAAAAAAAAAAAAAAAAAAFAAAADwAAAAAAAAAAAAAAAAAAAkUAAAAAQAAABQAAAAUAAAAFAAAAAEAAAAAAAAAZAAAAGQAAAAAAAAAZAAAAGQAAAAVAAAAYAAAAAAAAAAAAAAADwAAACADAAAAAAAAAAAAAAEAAACgMgAAVgcAAKr4//8BAAAAf39/AAEAAABkAAAAAAAAABQAAABAHwAAAAAAACYAAAAAAAAAwOD//wAAAAAmAAAAZAAAABYAAABMAAAAAAAAAAAAAAAEAAAAAAAAAAEAAACAgIAKAAAAACgAAAAoAAAAZAAAAGQAAAAAAAAAzMzMAAAAAABQAAAAUAAAAGQAAABkAAAAAAAAABcAAAAUAAAAAAAAAAAAAAD/fwAA/38AAAAAAAAJAAAABAAAAAAAAAAMAAAAEAAAAAAAAAAAAAAAAAAAAAAAAAAeAAAAaAAAAAAAAAAAAAAAAAAAAAAAAAAAAAAAECcAABAnAAAAAAAAAAAAAAAAAAAAAAAAAAAAAAAAAAAAAAAAAAAAABQAAAAAAAAAwMD/AAAAAABkAAAAMgAAAAAAAABkAAAAAAAAAH9/fwAKAAAAIgAAABgAAAAAAAAAAAAAAAAAAAAAAAAAAAAAAAAAAAAkAAAAJAAAAAAAAAAHAAAAAAAAAAAAAAAAAAAAAAAAAAAAAAAAAAAAf39/ACUAAABYAAAAAAAAAAAAAAAAAAAAAAAAAAAAAAAAAAAAAAAAAAAAAAAAAAAAAAAAAAAAAAA/AAAAAAAAAKCGAQAAAAAAAAAAAAAAAAAMAAAAAQAAAAAAAAAAAAAAAAAAAB8AAABUAAAAAAAABQAAAAEAAAAAAAAAAAAAAAAAAAAAAAAAAAAAAAAAAAAAAAAAAAAAAAJ/f38AAAAAA8zMzADAwP8Af39/AAAAAAAAAAAAAAAAAAAAAAAAAAAAIQAAABgAAAAUAAAA0AIAABsnAADwDwAAWSkAABAAAAAmAAAACAAAAAAAAAAAAAAA"/>
+                <pr:smNativeData xmlns:pr="smNativeData" val="SMDATA_13_4IlQXxMAAAAlAAAAZAAAAA8BAAAAkAAAAEgAAACQAAAASAAAAAAAAAABAAAAAAAAAAEAAABQAAAAAAAAAAAA4D8AAAAAAADgPwAAAAAAAOA/AAAAAAAA4D8AAAAAAADgPwAAAAAAAOA/AAAAAAAA4D8AAAAAAADgPwAAAAAAAOA/AAAAAAAA4D8CAAAAjAAAAAAAAAAAAAAAu+DjDP///wgAAAAAAAAAAAAAAAAAAAAAAAAAAAAAAAAAAAAAZAAAAAEAAABAAAAAAAAAAAAAAAAAAAAAAAAAAAAAAAAAAAAAAAAAAAAAAAAAAAAAAAAAAAAAAAAAAAAAAAAAAAAAAAAAAAAAAAAAAAAAAAAAAAAAAAAAAAAAAAAAAAAAFAAAADwAAAAAAAAAAAAAAAAAAAkUAAAAAQAAABQAAAAUAAAAFAAAAAEAAAAAAAAAZAAAAGQAAAAAAAAAZAAAAGQAAAAVAAAAYAAAAAAAAAAAAAAADwAAACADAAAAAAAAAAAAAAEAAACgMgAAVgcAAKr4//8BAAAAf39/AAEAAABkAAAAAAAAABQAAABAHwAAAAAAACYAAAAAAAAAwOD//wAAAAAmAAAAZAAAABYAAABMAAAAAAAAAAAAAAAEAAAAAAAAAAEAAACAgIAKAAAAACgAAAAoAAAAZAAAAGQAAAAAAAAAzMzMAAAAAABQAAAAUAAAAGQAAABkAAAAAAAAABcAAAAUAAAAAAAAAAAAAAD/fwAA/38AAAAAAAAJAAAABAAAAAAAAAAMAAAAEAAAAAAAAAAAAAAAAAAAAAAAAAAeAAAAaAAAAAAAAAAAAAAAAAAAAAAAAAAAAAAAECcAABAnAAAAAAAAAAAAAAAAAAAAAAAAAAAAAAAAAAAAAAAAAAAAABQAAAAAAAAAwMD/AAAAAABkAAAAMgAAAAAAAABkAAAAAAAAAH9/fwAKAAAAHwAAAFQAAAAAAAAFAAAAAQAAAAAAAAAAAAAAAAAAAAAAAAAAAAAAAAAAAAAAAAAAAAAAAn9/fwAAAAADzMzMAMDA/wB/f38AAAAAAAAAAAAAAAAAAAAAAAAAAAAhAAAAGAAAABQAAADQAgAAGycAAPAPAABZKQAAEAAAACYAAAAIAAAAAAAAAAAAAAA="/>
               </a:ext>
             </a:extLst>
           </p:cNvSpPr>
@@ -1454,7 +1445,7 @@
           <a:lstStyle/>
           <a:p>
             <a:pPr/>
-            <a:fld id="{479E7DEA-A4AA-CB8B-E426-52DE33681207}" type="datetime1">
+            <a:fld id="{AA490A41-0F47-1CFC-09F1-F9A944BFFFAC}" type="datetime1">
               <a:t/>
             </a:fld>
           </a:p>
@@ -1467,7 +1458,7 @@
             <a:spLocks noGrp="1" noChangeArrowheads="1"/>
             <a:extLst>
               <a:ext uri="smNativeData">
-                <pr:smNativeData xmlns:pr="smNativeData" val="SMDATA_16_PPTaXhMAAAAlAAAAZAAAAA8BAAAAkAAAAEgAAACQAAAASAAAAAAAAAABAAAAAAAAAAEAAABQAAAAAAAAAAAA4D8AAAAAAADgPwAAAAAAAOA/AAAAAAAA4D8AAAAAAADgPwAAAAAAAOA/AAAAAAAA4D8AAAAAAADgPwAAAAAAAOA/AAAAAAAA4D8CAAAAjAAAAAAAAAAAAAAAu+DjDP///wgAAAAAAAAAAAAAAAAAAAAAAAAAAAAAAAAAAAAAZAAAAAEAAABAAAAAAAAAAAAAAAAAAAAAAAAAAAAAAAAAAAAAAAAAAAAAAAAAAAAAAAAAAAAAAAAAAAAAAAAAAAAAAAAAAAAAAAAAAAAAAAAAAAAAAAAAAAAAAAAAAAAAFAAAADwAAAAAAAAAAAAAAAAAAAkUAAAAAQAAABQAAAAUAAAAFAAAAAEAAAAAAAAAZAAAAGQAAAAAAAAAZAAAAGQAAAAVAAAAYAAAAAAAAAAAAAAADwAAACADAAAAAAAAAAAAAAEAAACgMgAAVgcAAKr4//8BAAAAf39/AAEAAABkAAAAAAAAABQAAABAHwAAAAAAACYAAAAAAAAAwOD//wAAAAAmAAAAZAAAABYAAABMAAAAAAAAAAAAAAAEAAAAAAAAAAEAAACAgIAKAAAAACgAAAAoAAAAZAAAAGQAAAAAAAAAzMzMAAAAAABQAAAAUAAAAGQAAABkAAAAAAAAABcAAAAUAAAAAAAAAAAAAAD/fwAA/38AAAAAAAAJAAAABAAAAAAAAAAMAAAAEAAAAAAAAAAAAAAAAAAAAAAAAAAeAAAAaAAAAAAAAAAAAAAAAAAAAAAAAAAAAAAAECcAABAnAAAAAAAAAAAAAAAAAAAAAAAAAAAAAAAAAAAAAAAAAAAAABQAAAAAAAAAwMD/AAAAAABkAAAAMgAAAAAAAABkAAAAAAAAAH9/fwAKAAAAIgAAABgAAAAAAAAAAAAAAAAAAAAAAAAAAAAAAAAAAAAkAAAAJAAAAAAAAAAHAAAAAAAAAAAAAAAAAAAAAAAAAAAAAAAAAAAAf39/ACUAAABYAAAAAAAAAAAAAAAAAAAAAAAAAAAAAAAAAAAAAAAAAAAAAAAAAAAAAAAAAAAAAAA/AAAAAAAAAKCGAQAAAAAAAAAAAAAAAAAMAAAAAQAAAAAAAAAAAAAAAAAAAB8AAABUAAAAAAAABQAAAAEAAAAAAAAAAAAAAAAAAAAAAAAAAAAAAAAAAAAAAAAAAAAAAAJ/f38AAAAAA8zMzADAwP8Af39/AAAAAAAAAAAAAAAAAAAAAAAAAAAAIQAAABgAAAAUAAAAOBMAABsnAAAIJQAAWSkAABAAAAAmAAAACAAAAAAAAAAAAAAA"/>
+                <pr:smNativeData xmlns:pr="smNativeData" val="SMDATA_13_4IlQXxMAAAAlAAAAZAAAAA8BAAAAkAAAAEgAAACQAAAASAAAAAAAAAABAAAAAAAAAAEAAABQAAAAAAAAAAAA4D8AAAAAAADgPwAAAAAAAOA/AAAAAAAA4D8AAAAAAADgPwAAAAAAAOA/AAAAAAAA4D8AAAAAAADgPwAAAAAAAOA/AAAAAAAA4D8CAAAAjAAAAAAAAAAAAAAAu+DjDP///wgAAAAAAAAAAAAAAAAAAAAAAAAAAAAAAAAAAAAAZAAAAAEAAABAAAAAAAAAAAAAAAAAAAAAAAAAAAAAAAAAAAAAAAAAAAAAAAAAAAAAAAAAAAAAAAAAAAAAAAAAAAAAAAAAAAAAAAAAAAAAAAAAAAAAAAAAAAAAAAAAAAAAFAAAADwAAAAAAAAAAAAAAAAAAAkUAAAAAQAAABQAAAAUAAAAFAAAAAEAAAAAAAAAZAAAAGQAAAAAAAAAZAAAAGQAAAAVAAAAYAAAAAAAAAAAAAAADwAAACADAAAAAAAAAAAAAAEAAACgMgAAVgcAAKr4//8BAAAAf39/AAEAAABkAAAAAAAAABQAAABAHwAAAAAAACYAAAAAAAAAwOD//wAAAAAmAAAAZAAAABYAAABMAAAAAAAAAAAAAAAEAAAAAAAAAAEAAACAgIAKAAAAACgAAAAoAAAAZAAAAGQAAAAAAAAAzMzMAAAAAABQAAAAUAAAAGQAAABkAAAAAAAAABcAAAAUAAAAAAAAAAAAAAD/fwAA/38AAAAAAAAJAAAABAAAAAAAAAAMAAAAEAAAAAAAAAAAAAAAAAAAAAAAAAAeAAAAaAAAAAAAAAAAAAAAAAAAAAAAAAAAAAAAECcAABAnAAAAAAAAAAAAAAAAAAAAAAAAAAAAAAAAAAAAAAAAAAAAABQAAAAAAAAAwMD/AAAAAABkAAAAMgAAAAAAAABkAAAAAAAAAH9/fwAKAAAAHwAAAFQAAAAAAAAFAAAAAQAAAAAAAAAAAAAAAAAAAAAAAAAAAAAAAAAAAAAAAAAAAAAAAn9/fwAAAAADzMzMAMDA/wB/f38AAAAAAAAAAAAAAAAAAAAAAAAAAAAhAAAAGAAAABQAAAA4EwAAGycAAAglAABZKQAAEAAAACYAAAAIAAAAAAAAAAAAAAA="/>
               </a:ext>
             </a:extLst>
           </p:cNvSpPr>
@@ -1491,7 +1482,7 @@
             <a:spLocks noGrp="1" noChangeArrowheads="1"/>
             <a:extLst>
               <a:ext uri="smNativeData">
-                <pr:smNativeData xmlns:pr="smNativeData" val="SMDATA_16_PPTaXhMAAAAlAAAAZAAAAA8BAAAAkAAAAEgAAACQAAAASAAAAAAAAAABAAAAAAAAAAEAAABQAAAAAAAAAAAA4D8AAAAAAADgPwAAAAAAAOA/AAAAAAAA4D8AAAAAAADgPwAAAAAAAOA/AAAAAAAA4D8AAAAAAADgPwAAAAAAAOA/AAAAAAAA4D8CAAAAjAAAAAAAAAAAAAAAu+DjDP///wgAAAAAAAAAAAAAAAAAAAAAAAAAAAAAAAAAAAAAZAAAAAEAAABAAAAAAAAAAAAAAAAAAAAAAAAAAAAAAAAAAAAAAAAAAAAAAAAAAAAAAAAAAAAAAAAAAAAAAAAAAAAAAAAAAAAAAAAAAAAAAAAAAAAAAAAAAAAAAAAAAAAAFAAAADwAAAAAAAAAAAAAAAAAAAkUAAAAAQAAABQAAAAUAAAAFAAAAAEAAAAAAAAAZAAAAGQAAAAAAAAAZAAAAGQAAAAVAAAAYAAAAAAAAAAAAAAADwAAACADAAAAAAAAAAAAAAEAAACgMgAAVgcAAKr4//8BAAAAf39/AAEAAABkAAAAAAAAABQAAABAHwAAAAAAACYAAAAAAAAAwOD//wAAAAAmAAAAZAAAABYAAABMAAAAAAAAAAAAAAAEAAAAAAAAAAEAAACAgIAKAAAAACgAAAAoAAAAZAAAAGQAAAAAAAAAzMzMAAAAAABQAAAAUAAAAGQAAABkAAAAAAAAABcAAAAUAAAAAAAAAAAAAAD/fwAA/38AAAAAAAAJAAAABAAAAAAAAAAMAAAAEAAAAAAAAAAAAAAAAAAAAAAAAAAeAAAAaAAAAAAAAAAAAAAAAAAAAAAAAAAAAAAAECcAABAnAAAAAAAAAAAAAAAAAAAAAAAAAAAAAAAAAAAAAAAAAAAAABQAAAAAAAAAwMD/AAAAAABkAAAAMgAAAAAAAABkAAAAAAAAAH9/fwAKAAAAIgAAABgAAAAAAAAAAAAAAAAAAAAAAAAAAAAAAAAAAAAkAAAAJAAAAAAAAAAHAAAAAAAAAAAAAAAAAAAAAAAAAAAAAAAAAAAAf39/ACUAAABYAAAAAAAAAAAAAAAAAAAAAAAAAAAAAAAAAAAAAAAAAAAAAAAAAAAAAAAAAAAAAAA/AAAAAAAAAKCGAQAAAAAAAAAAAAAAAAAMAAAAAQAAAAAAAAAAAAAAAAAAAB8AAABUAAAAAAAABQAAAAEAAAAAAAAAAAAAAAAAAAAAAAAAAAAAAAAAAAAAAAAAAAAAAAJ/f38AAAAAA8zMzADAwP8Af39/AAAAAAAAAAAAAAAAAAAAAAAAAAAAIQAAABgAAAAUAAAAUCgAABsnAABwNQAAWSkAABAAAAAmAAAACAAAAAAAAAAAAAAA"/>
+                <pr:smNativeData xmlns:pr="smNativeData" val="SMDATA_13_4IlQXxMAAAAlAAAAZAAAAA8BAAAAkAAAAEgAAACQAAAASAAAAAAAAAABAAAAAAAAAAEAAABQAAAAAAAAAAAA4D8AAAAAAADgPwAAAAAAAOA/AAAAAAAA4D8AAAAAAADgPwAAAAAAAOA/AAAAAAAA4D8AAAAAAADgPwAAAAAAAOA/AAAAAAAA4D8CAAAAjAAAAAAAAAAAAAAAu+DjDP///wgAAAAAAAAAAAAAAAAAAAAAAAAAAAAAAAAAAAAAZAAAAAEAAABAAAAAAAAAAAAAAAAAAAAAAAAAAAAAAAAAAAAAAAAAAAAAAAAAAAAAAAAAAAAAAAAAAAAAAAAAAAAAAAAAAAAAAAAAAAAAAAAAAAAAAAAAAAAAAAAAAAAAFAAAADwAAAAAAAAAAAAAAAAAAAkUAAAAAQAAABQAAAAUAAAAFAAAAAEAAAAAAAAAZAAAAGQAAAAAAAAAZAAAAGQAAAAVAAAAYAAAAAAAAAAAAAAADwAAACADAAAAAAAAAAAAAAEAAACgMgAAVgcAAKr4//8BAAAAf39/AAEAAABkAAAAAAAAABQAAABAHwAAAAAAACYAAAAAAAAAwOD//wAAAAAmAAAAZAAAABYAAABMAAAAAAAAAAAAAAAEAAAAAAAAAAEAAACAgIAKAAAAACgAAAAoAAAAZAAAAGQAAAAAAAAAzMzMAAAAAABQAAAAUAAAAGQAAABkAAAAAAAAABcAAAAUAAAAAAAAAAAAAAD/fwAA/38AAAAAAAAJAAAABAAAAAAAAAAMAAAAEAAAAAAAAAAAAAAAAAAAAAAAAAAeAAAAaAAAAAAAAAAAAAAAAAAAAAAAAAAAAAAAECcAABAnAAAAAAAAAAAAAAAAAAAAAAAAAAAAAAAAAAAAAAAAAAAAABQAAAAAAAAAwMD/AAAAAABkAAAAMgAAAAAAAABkAAAAAAAAAH9/fwAKAAAAHwAAAFQAAAAAAAAFAAAAAQAAAAAAAAAAAAAAAAAAAAAAAAAAAAAAAAAAAAAAAAAAAAAAAn9/fwAAAAADzMzMAMDA/wB/f38AAAAAAAAAAAAAAAAAAAAAAAAAAAAhAAAAGAAAABQAAABQKAAAGycAAHA1AABZKQAAEAAAACYAAAAIAAAAAAAAAAAAAAA="/>
               </a:ext>
             </a:extLst>
           </p:cNvSpPr>
@@ -1505,7 +1496,7 @@
           <a:lstStyle/>
           <a:p>
             <a:pPr/>
-            <a:fld id="{479E6F5F-11AA-CB99-E426-E7CC216812B2}" type="slidenum">
+            <a:fld id="{AA49595D-1347-1CAF-09F1-E5FA17BFFFB0}" type="slidenum">
               <a:t/>
             </a:fld>
           </a:p>
@@ -1543,7 +1534,7 @@
             <a:spLocks noGrp="1" noChangeArrowheads="1"/>
             <a:extLst>
               <a:ext uri="smNativeData">
-                <pr:smNativeData xmlns:pr="smNativeData" val="SMDATA_16_PPTaXhMAAAAlAAAAZAAAAA8BAAAAkAAAAEgAAACQAAAASAAAAAAAAAABAAAAAAAAAAEAAABQAAAAAAAAAAAA4D8AAAAAAADgPwAAAAAAAOA/AAAAAAAA4D8AAAAAAADgPwAAAAAAAOA/AAAAAAAA4D8AAAAAAADgPwAAAAAAAOA/AAAAAAAA4D8CAAAAjAAAAAAAAAAAAAAAu+DjDP///wgAAAAAAAAAAAAAAAAAAAAAAAAAAAAAAAAAAAAAZAAAAAEAAABAAAAAAAAAAAAAAAAAAAAAAAAAAAAAAAAAAAAAAAAAAAAAAAAAAAAAAAAAAAAAAAAAAAAAAAAAAAAAAAAAAAAAAAAAAAAAAAAAAAAAAAAAAAAAAAAAAAAAFAAAADwAAAAAAAAAAAAAAAAAAAkUAAAAAQAAABQAAAAUAAAAFAAAAAEAAAAAAAAAZAAAAGQAAAAAAAAAZAAAAGQAAAAVAAAAYAAAAAAAAAAAAAAADwAAACADAAAAAAAAAAAAAAEAAACgMgAAVgcAAKr4//8BAAAAf39/AAEAAABkAAAAAAAAABQAAABAHwAAAAAAACYAAAAAAAAAwOD//wAAAAAmAAAAZAAAABYAAABMAAAAAAAAAAAAAAAEAAAAAAAAAAEAAACAgIAKAAAAACgAAAAoAAAAZAAAAGQAAAAAAAAAzMzMAAAAAABQAAAAUAAAAGQAAABkAAAAAAAAABcAAAAUAAAAAAAAAAAAAAD/fwAA/38AAAAAAAAJAAAABAAAAAAAAAAMAAAAEAAAAAAAAAAAAAAAAAAAAAAAAAAeAAAAaAAAAAAAAAAAAAAAAAAAAAAAAAAAAAAAECcAABAnAAAAAAAAAAAAAAAAAAAAAAAAAAAAAAAAAAAAAAAAAAAAABQAAAAAAAAAwMD/AAAAAABkAAAAMgAAAAAAAABkAAAAAAAAAH9/fwAKAAAAIgAAABgAAAAAAAAAAAAAAAAAAAAAAAAAAAAAAAAAAAAkAAAAJAAAAAAAAAAHAAAAAAAAAAAAAAAAAAAAAAAAAAAAAAAAAAAAf39/ACUAAABYAAAAAAAAAAAAAAAAAAAAAAAAAAAAAAAAAAAAAAAAAAAAAAAAAAAAAAAAAAAAAAA/AAAAAAAAAKCGAQAAAAAAAAAAAAAAAAAMAAAAAQAAAAAAAAAAAAAAAAAAAB8AAABUAAAAAAAABQAAAAEAAAAAAAAAAAAAAAAAAAAAAAAAAAAAAAAAAAAAAAAAAAAAAAJ/f38AAAAAA8zMzADAwP8Af39/AAAAAAAAAAAAAAAAAAAAAAAAAAAAIQAAABgAAAAUAAAA0AIAALABAABwNQAAuAgAABAAAAAmAAAACAAAAAAAAAAAAAAA"/>
+                <pr:smNativeData xmlns:pr="smNativeData" val="SMDATA_13_4IlQXxMAAAAlAAAAZAAAAA8BAAAAkAAAAEgAAACQAAAASAAAAAAAAAABAAAAAAAAAAEAAABQAAAAAAAAAAAA4D8AAAAAAADgPwAAAAAAAOA/AAAAAAAA4D8AAAAAAADgPwAAAAAAAOA/AAAAAAAA4D8AAAAAAADgPwAAAAAAAOA/AAAAAAAA4D8CAAAAjAAAAAAAAAAAAAAAu+DjDP///wgAAAAAAAAAAAAAAAAAAAAAAAAAAAAAAAAAAAAAZAAAAAEAAABAAAAAAAAAAAAAAAAAAAAAAAAAAAAAAAAAAAAAAAAAAAAAAAAAAAAAAAAAAAAAAAAAAAAAAAAAAAAAAAAAAAAAAAAAAAAAAAAAAAAAAAAAAAAAAAAAAAAAFAAAADwAAAAAAAAAAAAAAAAAAAkUAAAAAQAAABQAAAAUAAAAFAAAAAEAAAAAAAAAZAAAAGQAAAAAAAAAZAAAAGQAAAAVAAAAYAAAAAAAAAAAAAAADwAAACADAAAAAAAAAAAAAAEAAACgMgAAVgcAAKr4//8BAAAAf39/AAEAAABkAAAAAAAAABQAAABAHwAAAAAAACYAAAAAAAAAwOD//wAAAAAmAAAAZAAAABYAAABMAAAAAAAAAAAAAAAEAAAAAAAAAAEAAACAgIAKAAAAACgAAAAoAAAAZAAAAGQAAAAAAAAAzMzMAAAAAABQAAAAUAAAAGQAAABkAAAAAAAAABcAAAAUAAAAAAAAAAAAAAD/fwAA/38AAAAAAAAJAAAABAAAAAAAAAAMAAAAEAAAAAAAAAAAAAAAAAAAAAAAAAAeAAAAaAAAAAAAAAAAAAAAAAAAAAAAAAAAAAAAECcAABAnAAAAAAAAAAAAAAAAAAAAAAAAAAAAAAAAAAAAAAAAAAAAABQAAAAAAAAAwMD/AAAAAABkAAAAMgAAAAAAAABkAAAAAAAAAH9/fwAKAAAAHwAAAFQAAAAAAAAFAAAAAQAAAAAAAAAAAAAAAAAAAAAAAAAAAAAAAAAAAAAAAAAAAAAAAn9/fwAAAAADzMzMAMDA/wB/f38AAAAAAAAAAAAAAAAAAAAAAAAAAAAhAAAAGAAAABQAAADQAgAAsAEAAHA1AAC4CAAAEAAAACYAAAAIAAAAAAAAAAAAAAA="/>
               </a:ext>
             </a:extLst>
           </p:cNvSpPr>
@@ -1570,7 +1561,7 @@
             <a:spLocks noGrp="1" noChangeArrowheads="1"/>
             <a:extLst>
               <a:ext uri="smNativeData">
-                <pr:smNativeData xmlns:pr="smNativeData" val="SMDATA_16_PPTaXhMAAAAlAAAAZAAAAA8BAAAAkAAAAEgAAACQAAAASAAAAAAAAAACAAAAAAAAAAEAAABQAAAAAAAAAAAA4D8AAAAAAADgPwAAAAAAAOA/AAAAAAAA4D8AAAAAAADgPwAAAAAAAOA/AAAAAAAA4D8AAAAAAADgPwAAAAAAAOA/AAAAAAAA4D8CAAAAjAAAAAAAAAAAAAAAu+DjDP///wgAAAAAAAAAAAAAAAAAAAAAAAAAAAAAAAAAAAAAZAAAAAEAAABAAAAAAAAAAAAAAAAAAAAAAAAAAAAAAAAAAAAAAAAAAAAAAAAAAAAAAAAAAAAAAAAAAAAAAAAAAAAAAAAAAAAAAAAAAAAAAAAAAAAAAAAAAAAAAAAAAAAAFAAAADwAAAAAAAAAAAAAAAAAAAkUAAAAAQAAABQAAAAUAAAAFAAAAAEAAAAAAAAAZAAAAGQAAAAAAAAAZAAAAGQAAAAVAAAAYAAAAAAAAAAAAAAADwAAACADAAAAAAAAAAAAAAEAAACgMgAAVgcAAKr4//8BAAAAf39/AAEAAABkAAAAAAAAABQAAABAHwAAAAAAACYAAAAAAAAAwOD//wAAAAAmAAAAZAAAABYAAABMAAAAAAAAAAAAAAAEAAAAAAAAAAEAAACAgIAKAAAAACgAAAAoAAAAZAAAAGQAAAAAAAAAzMzMAAAAAABQAAAAUAAAAGQAAABkAAAAAAAAABcAAAAUAAAAAAAAAAAAAAD/fwAA/38AAAAAAAAJAAAABAAAAAAAAAAMAAAAEAAAAAAAAAAAAAAAAAAAAAAAAAAeAAAAaAAAAAAAAAAAAAAAAAAAAAAAAAAAAAAAECcAABAnAAAAAAAAAAAAAAAAAAAAAAAAAAAAAAAAAAAAAAAAAAAAABQAAAAAAAAAwMD/AAAAAABkAAAAMgAAAAAAAABkAAAAAAAAAH9/fwAKAAAAIgAAABgAAAAAAAAAAAAAAAAAAAAAAAAAAAAAAAAAAAAkAAAAJAAAAAAAAAAHAAAAAAAAAAAAAAAAAAAAAAAAAAAAAAAAAAAAf39/ACUAAABYAAAAAAAAAAAAAAAAAAAAAAAAAAAAAAAAAAAAAAAAAAAAAAAAAAAAAAAAAAAAAAA/AAAAAAAAAKCGAQAAAAAAAAAAAAAAAAAMAAAAAQAAAAAAAAAAAAAAAAAAAB8AAABUAAAAAAAABQAAAAEAAAAAAAAAAAAAAAAAAAAAAAAAAAAAAAAAAAAAAAAAAAAAAAJ/f38AAAAAA8zMzADAwP8Af39/AAAAAAAAAAAAAAAAAAAAAAAAAAAAIQAAABgAAAAUAAAA0AIAAHEJAACqGwAAYQ0AABAAAAAmAAAACAAAAIGAAAAAAAAA"/>
+                <pr:smNativeData xmlns:pr="smNativeData" val="SMDATA_13_4IlQXxMAAAAlAAAAZAAAAA8BAAAAkAAAAEgAAACQAAAASAAAAAAAAAACAAAAAAAAAAEAAABQAAAAAAAAAAAA4D8AAAAAAADgPwAAAAAAAOA/AAAAAAAA4D8AAAAAAADgPwAAAAAAAOA/AAAAAAAA4D8AAAAAAADgPwAAAAAAAOA/AAAAAAAA4D8CAAAAjAAAAAAAAAAAAAAAu+DjDP///wgAAAAAAAAAAAAAAAAAAAAAAAAAAAAAAAAAAAAAZAAAAAEAAABAAAAAAAAAAAAAAAAAAAAAAAAAAAAAAAAAAAAAAAAAAAAAAAAAAAAAAAAAAAAAAAAAAAAAAAAAAAAAAAAAAAAAAAAAAAAAAAAAAAAAAAAAAAAAAAAAAAAAFAAAADwAAAAAAAAAAAAAAAAAAAkUAAAAAQAAABQAAAAUAAAAFAAAAAEAAAAAAAAAZAAAAGQAAAAAAAAAZAAAAGQAAAAVAAAAYAAAAAAAAAAAAAAADwAAACADAAAAAAAAAAAAAAEAAACgMgAAVgcAAKr4//8BAAAAf39/AAEAAABkAAAAAAAAABQAAABAHwAAAAAAACYAAAAAAAAAwOD//wAAAAAmAAAAZAAAABYAAABMAAAAAAAAAAAAAAAEAAAAAAAAAAEAAACAgIAKAAAAACgAAAAoAAAAZAAAAGQAAAAAAAAAzMzMAAAAAABQAAAAUAAAAGQAAABkAAAAAAAAABcAAAAUAAAAAAAAAAAAAAD/fwAA/38AAAAAAAAJAAAABAAAAAAAAAAMAAAAEAAAAAAAAAAAAAAAAAAAAAAAAAAeAAAAaAAAAAAAAAAAAAAAAAAAAAAAAAAAAAAAECcAABAnAAAAAAAAAAAAAAAAAAAAAAAAAAAAAAAAAAAAAAAAAAAAABQAAAAAAAAAwMD/AAAAAABkAAAAMgAAAAAAAABkAAAAAAAAAH9/fwAKAAAAHwAAAFQAAAAAAAAFAAAAAQAAAAAAAAAAAAAAAAAAAAAAAAAAAAAAAAAAAAAAAAAAAAAAAn9/fwAAAAADzMzMAMDA/wB/f38AAAAAAAAAAAAAAAAAAAAAAAAAAAAhAAAAGAAAABQAAADQAgAAcQkAAKobAABhDQAAEAAAACYAAAAIAAAAgYAAAAAAAAA="/>
               </a:ext>
             </a:extLst>
           </p:cNvSpPr>
@@ -1585,7 +1576,7 @@
           </a:xfrm>
         </p:spPr>
         <p:txBody>
-          <a:bodyPr vert="horz" wrap="square" numCol="1" anchor="b">
+          <a:bodyPr vert="horz" wrap="square" numCol="1" spcCol="215900" anchor="b">
             <a:prstTxWarp prst="textNoShape">
               <a:avLst/>
             </a:prstTxWarp>
@@ -1667,7 +1658,7 @@
             <a:spLocks noGrp="1" noChangeArrowheads="1"/>
             <a:extLst>
               <a:ext uri="smNativeData">
-                <pr:smNativeData xmlns:pr="smNativeData" val="SMDATA_16_PPTaXhMAAAAlAAAAZAAAAA8BAAAAkAAAAEgAAACQAAAASAAAAAAAAAAAAAAAAAAAAAEAAABQAAAAAAAAAAAA4D8AAAAAAADgPwAAAAAAAOA/AAAAAAAA4D8AAAAAAADgPwAAAAAAAOA/AAAAAAAA4D8AAAAAAADgPwAAAAAAAOA/AAAAAAAA4D8CAAAAjAAAAAAAAAAAAAAAu+DjDP///wgAAAAAAAAAAAAAAAAAAAAAAAAAAAAAAAAAAAAAZAAAAAEAAABAAAAAAAAAAAAAAAAAAAAAAAAAAAAAAAAAAAAAAAAAAAAAAAAAAAAAAAAAAAAAAAAAAAAAAAAAAAAAAAAAAAAAAAAAAAAAAAAAAAAAAAAAAAAAAAAAAAAAFAAAADwAAAAAAAAAAAAAAAAAAAkUAAAAAQAAABQAAAAUAAAAFAAAAAEAAAAAAAAAZAAAAGQAAAAAAAAAZAAAAGQAAAAVAAAAYAAAAAAAAAAAAAAADwAAACADAAAAAAAAAAAAAAEAAACgMgAAVgcAAKr4//8BAAAAf39/AAEAAABkAAAAAAAAABQAAABAHwAAAAAAACYAAAAAAAAAwOD//wAAAAAmAAAAZAAAABYAAABMAAAAAAAAAAAAAAAEAAAAAAAAAAEAAACAgIAKAAAAACgAAAAoAAAAZAAAAGQAAAAAAAAAzMzMAAAAAABQAAAAUAAAAGQAAABkAAAAAAAAABcAAAAUAAAAAAAAAAAAAAD/fwAA/38AAAAAAAAJAAAABAAAAAAAAAAMAAAAEAAAAAAAAAAAAAAAAAAAAAAAAAAeAAAAaAAAAAAAAAAAAAAAAAAAAAAAAAAAAAAAECcAABAnAAAAAAAAAAAAAAAAAAAAAAAAAAAAAAAAAAAAAAAAAAAAABQAAAAAAAAAwMD/AAAAAABkAAAAMgAAAAAAAABkAAAAAAAAAH9/fwAKAAAAIgAAABgAAAAAAAAAAAAAAAAAAAAAAAAAAAAAAAAAAAAkAAAAJAAAAAAAAAAHAAAAAAAAAAAAAAAAAAAAAAAAAAAAAAAAAAAAf39/ACUAAABYAAAAAAAAAAAAAAAAAAAAAAAAAAAAAAAAAAAAAAAAAAAAAAAAAAAAAAAAAAAAAAA/AAAAAAAAAKCGAQAAAAAAAAAAAAAAAAAMAAAAAQAAAAAAAAAAAAAAAAAAAB8AAABUAAAAAAAABQAAAAEAAAAAAAAAAAAAAAAAAAAAAAAAAAAAAAAAAAAAAAAAAAAAAAJ/f38AAAAAA8zMzADAwP8Af39/AAAAAAAAAAAAAAAAAAAAAAAAAAAAIQAAABgAAAAUAAAA0AIAAGENAACqGwAAsCUAABAAAAAmAAAACAAAAAGAAAAAAAAA"/>
+                <pr:smNativeData xmlns:pr="smNativeData" val="SMDATA_13_4IlQXxMAAAAlAAAAZAAAAA8BAAAAkAAAAEgAAACQAAAASAAAAAAAAAAAAAAAAAAAAAEAAABQAAAAAAAAAAAA4D8AAAAAAADgPwAAAAAAAOA/AAAAAAAA4D8AAAAAAADgPwAAAAAAAOA/AAAAAAAA4D8AAAAAAADgPwAAAAAAAOA/AAAAAAAA4D8CAAAAjAAAAAAAAAAAAAAAu+DjDP///wgAAAAAAAAAAAAAAAAAAAAAAAAAAAAAAAAAAAAAZAAAAAEAAABAAAAAAAAAAAAAAAAAAAAAAAAAAAAAAAAAAAAAAAAAAAAAAAAAAAAAAAAAAAAAAAAAAAAAAAAAAAAAAAAAAAAAAAAAAAAAAAAAAAAAAAAAAAAAAAAAAAAAFAAAADwAAAAAAAAAAAAAAAAAAAkUAAAAAQAAABQAAAAUAAAAFAAAAAEAAAAAAAAAZAAAAGQAAAAAAAAAZAAAAGQAAAAVAAAAYAAAAAAAAAAAAAAADwAAACADAAAAAAAAAAAAAAEAAACgMgAAVgcAAKr4//8BAAAAf39/AAEAAABkAAAAAAAAABQAAABAHwAAAAAAACYAAAAAAAAAwOD//wAAAAAmAAAAZAAAABYAAABMAAAAAAAAAAAAAAAEAAAAAAAAAAEAAACAgIAKAAAAACgAAAAoAAAAZAAAAGQAAAAAAAAAzMzMAAAAAABQAAAAUAAAAGQAAABkAAAAAAAAABcAAAAUAAAAAAAAAAAAAAD/fwAA/38AAAAAAAAJAAAABAAAAAAAAAAMAAAAEAAAAAAAAAAAAAAAAAAAAAAAAAAeAAAAaAAAAAAAAAAAAAAAAAAAAAAAAAAAAAAAECcAABAnAAAAAAAAAAAAAAAAAAAAAAAAAAAAAAAAAAAAAAAAAAAAABQAAAAAAAAAwMD/AAAAAABkAAAAMgAAAAAAAABkAAAAAAAAAH9/fwAKAAAAHwAAAFQAAAAAAAAFAAAAAQAAAAAAAAAAAAAAAAAAAAAAAAAAAAAAAAAAAAAAAAAAAAAAAn9/fwAAAAADzMzMAMDA/wB/f38AAAAAAAAAAAAAAAAAAAAAAAAAAAAhAAAAGAAAABQAAADQAgAAYQ0AAKobAACwJQAAEAAAACYAAAAIAAAAAYAAAAAAAAA="/>
               </a:ext>
             </a:extLst>
           </p:cNvSpPr>
@@ -1751,7 +1742,7 @@
             <a:spLocks noGrp="1" noChangeArrowheads="1"/>
             <a:extLst>
               <a:ext uri="smNativeData">
-                <pr:smNativeData xmlns:pr="smNativeData" val="SMDATA_16_PPTaXhMAAAAlAAAAZAAAAA8BAAAAkAAAAEgAAACQAAAASAAAAAAAAAACAAAAAAAAAAEAAABQAAAAAAAAAAAA4D8AAAAAAADgPwAAAAAAAOA/AAAAAAAA4D8AAAAAAADgPwAAAAAAAOA/AAAAAAAA4D8AAAAAAADgPwAAAAAAAOA/AAAAAAAA4D8CAAAAjAAAAAAAAAAAAAAAu+DjDP///wgAAAAAAAAAAAAAAAAAAAAAAAAAAAAAAAAAAAAAZAAAAAEAAABAAAAAAAAAAAAAAAAAAAAAAAAAAAAAAAAAAAAAAAAAAAAAAAAAAAAAAAAAAAAAAAAAAAAAAAAAAAAAAAAAAAAAAAAAAAAAAAAAAAAAAAAAAAAAAAAAAAAAFAAAADwAAAAAAAAAAAAAAAAAAAkUAAAAAQAAABQAAAAUAAAAFAAAAAEAAAAAAAAAZAAAAGQAAAAAAAAAZAAAAGQAAAAVAAAAYAAAAAAAAAAAAAAADwAAACADAAAAAAAAAAAAAAEAAACgMgAAVgcAAKr4//8BAAAAf39/AAEAAABkAAAAAAAAABQAAABAHwAAAAAAACYAAAAAAAAAwOD//wAAAAAmAAAAZAAAABYAAABMAAAAAAAAAAAAAAAEAAAAAAAAAAEAAACAgIAKAAAAACgAAAAoAAAAZAAAAGQAAAAAAAAAzMzMAAAAAABQAAAAUAAAAGQAAABkAAAAAAAAABcAAAAUAAAAAAAAAAAAAAD/fwAA/38AAAAAAAAJAAAABAAAALyR8ggMAAAAEAAAAAAAAAAAAAAAAAAAAAAAAAAeAAAAaAAAAAAAAAAAAAAAAAAAAAAAAAAAAAAAECcAABAnAAAAAAAAAAAAAAAAAAAAAAAAAAAAAAAAAAAAAAAAAAAAABQAAAAAAAAAwMD/AAAAAABkAAAAMgAAAAAAAABkAAAAAAAAAH9/fwAKAAAAIgAAABgAAAAAAAAAAAAAAAAAAAAAAAAAAAAAAAAAAAAkAAAAJAAAAAAAAAAHAAAAAAAAAAAAAAAAAAAAAAAAAAAAAAAAAAAAf39/ACUAAABYAAAAAAAAAAAAAAAAAAAAAAAAAAAAAAAAAAAAAAAAAAAAAAAAAAAAAAAAAAAAAAA/AAAAAAAAAKCGAQAAAAAAAAAAAAAAAAAMAAAAAQAAAAAAAAAAAAAAAAAAAB8AAABUAAAAAAAABQAAAAEAAAAAAAAAAAAAAAAAAAAAAAAAAAAAAAAAAAAAAAAAAAAAAAJ/f38AAAAAA8zMzADAwP8Af39/AAAAAAAAAAAAAAAAAAAAAAAAAAAAIQAAABgAAAAUAAAAlhwAAHEJAABwNQAAYQ0AABAAAAAmAAAACAAAAIGAAAAAAAAA"/>
+                <pr:smNativeData xmlns:pr="smNativeData" val="SMDATA_13_4IlQXxMAAAAlAAAAZAAAAA8BAAAAkAAAAEgAAACQAAAASAAAAAAAAAACAAAAAAAAAAEAAABQAAAAAAAAAAAA4D8AAAAAAADgPwAAAAAAAOA/AAAAAAAA4D8AAAAAAADgPwAAAAAAAOA/AAAAAAAA4D8AAAAAAADgPwAAAAAAAOA/AAAAAAAA4D8CAAAAjAAAAAAAAAAAAAAAu+DjDP///wgAAAAAAAAAAAAAAAAAAAAAAAAAAAAAAAAAAAAAZAAAAAEAAABAAAAAAAAAAAAAAAAAAAAAAAAAAAAAAAAAAAAAAAAAAAAAAAAAAAAAAAAAAAAAAAAAAAAAAAAAAAAAAAAAAAAAAAAAAAAAAAAAAAAAAAAAAAAAAAAAAAAAFAAAADwAAAAAAAAAAAAAAAAAAAkUAAAAAQAAABQAAAAUAAAAFAAAAAEAAAAAAAAAZAAAAGQAAAAAAAAAZAAAAGQAAAAVAAAAYAAAAAAAAAAAAAAADwAAACADAAAAAAAAAAAAAAEAAACgMgAAVgcAAKr4//8BAAAAf39/AAEAAABkAAAAAAAAABQAAABAHwAAAAAAACYAAAAAAAAAwOD//wAAAAAmAAAAZAAAABYAAABMAAAAAAAAAAAAAAAEAAAAAAAAAAEAAACAgIAKAAAAACgAAAAoAAAAZAAAAGQAAAAAAAAAzMzMAAAAAABQAAAAUAAAAGQAAABkAAAAAAAAABcAAAAUAAAAAAAAAAAAAAD/fwAA/38AAAAAAAAJAAAABAAAALyR8ggMAAAAEAAAAAAAAAAAAAAAAAAAAAAAAAAeAAAAaAAAAAAAAAAAAAAAAAAAAAAAAAAAAAAAECcAABAnAAAAAAAAAAAAAAAAAAAAAAAAAAAAAAAAAAAAAAAAAAAAABQAAAAAAAAAwMD/AAAAAABkAAAAMgAAAAAAAABkAAAAAAAAAH9/fwAKAAAAHwAAAFQAAAAAAAAFAAAAAQAAAAAAAAAAAAAAAAAAAAAAAAAAAAAAAAAAAAAAAAAAAAAAAn9/fwAAAAADzMzMAMDA/wB/f38AAAAAAAAAAAAAAAAAAAAAAAAAAAAhAAAAGAAAABQAAACWHAAAcQkAAHA1AABhDQAAEAAAACYAAAAIAAAAgYAAAAAAAAA="/>
               </a:ext>
             </a:extLst>
           </p:cNvSpPr>
@@ -1766,7 +1757,7 @@
           </a:xfrm>
         </p:spPr>
         <p:txBody>
-          <a:bodyPr vert="horz" wrap="square" numCol="1" anchor="b">
+          <a:bodyPr vert="horz" wrap="square" numCol="1" spcCol="215900" anchor="b">
             <a:prstTxWarp prst="textNoShape">
               <a:avLst/>
             </a:prstTxWarp>
@@ -1824,7 +1815,7 @@
             <a:spLocks noGrp="1" noChangeArrowheads="1"/>
             <a:extLst>
               <a:ext uri="smNativeData">
-                <pr:smNativeData xmlns:pr="smNativeData" val="SMDATA_16_PPTaXhMAAAAlAAAAZAAAAA8BAAAAkAAAAEgAAACQAAAASAAAAAAAAAAAAAAAAAAAAAEAAABQAAAAAAAAAAAA4D8AAAAAAADgPwAAAAAAAOA/AAAAAAAA4D8AAAAAAADgPwAAAAAAAOA/AAAAAAAA4D8AAAAAAADgPwAAAAAAAOA/AAAAAAAA4D8CAAAAjAAAAAAAAAAAAAAAu+DjDP///wgAAAAAAAAAAAAAAAAAAAAAAAAAAAAAAAAAAAAAZAAAAAEAAABAAAAAAAAAAAAAAAAAAAAAAAAAAAAAAAAAAAAAAAAAAAAAAAAAAAAAAAAAAAAAAAAAAAAAAAAAAAAAAAAAAAAAAAAAAAAAAAAAAAAAAAAAAAAAAAAAAAAAFAAAADwAAAAAAAAAAAAAAAAAAAkUAAAAAQAAABQAAAAUAAAAFAAAAAEAAAAAAAAAZAAAAGQAAAAAAAAAZAAAAGQAAAAVAAAAYAAAAAAAAAAAAAAADwAAACADAAAAAAAAAAAAAAEAAACgMgAAVgcAAKr4//8BAAAAf39/AAEAAABkAAAAAAAAABQAAABAHwAAAAAAACYAAAAAAAAAwOD//wAAAAAmAAAAZAAAABYAAABMAAAAAAAAAAAAAAAEAAAAAAAAAAEAAACAgIAKAAAAACgAAAAoAAAAZAAAAGQAAAAAAAAAzMzMAAAAAABQAAAAUAAAAGQAAABkAAAAAAAAABcAAAAUAAAAAAAAAAAAAAD/fwAA/38AAAAAAAAJAAAABAAAAAAAAAAMAAAAEAAAAAAAAAAAAAAAAAAAAAAAAAAeAAAAaAAAAAAAAAAAAAAAAAAAAAAAAAAAAAAAECcAABAnAAAAAAAAAAAAAAAAAAAAAAAAAAAAAAAAAAAAAAAAAAAAABQAAAAAAAAAwMD/AAAAAABkAAAAMgAAAAAAAABkAAAAAAAAAH9/fwAKAAAAIgAAABgAAAAAAAAAAAAAAAAAAAAAAAAAAAAAAAAAAAAkAAAAJAAAAAAAAAAHAAAAAAAAAAAAAAAAAAAAAAAAAAAAAAAAAAAAf39/ACUAAABYAAAAAAAAAAAAAAAAAAAAAAAAAAAAAAAAAAAAAAAAAAAAAAAAAAAAAAAAAAAAAAA/AAAAAAAAAKCGAQAAAAAAAAAAAAAAAAAMAAAAAQAAAAAAAAAAAAAAAAAAAB8AAABUAAAAAAAABQAAAAEAAAAAAAAAAAAAAAAAAAAAAAAAAAAAAAAAAAAAAAAAAAAAAAJ/f38AAAAAA8zMzADAwP8Af39/AAAAAAAAAAAAAAAAAAAAAAAAAAAAIQAAABgAAAAUAAAAlhwAAGENAABwNQAAsCUAABAAAAAmAAAACAAAAAGAAAAAAAAA"/>
+                <pr:smNativeData xmlns:pr="smNativeData" val="SMDATA_13_4IlQXxMAAAAlAAAAZAAAAA8BAAAAkAAAAEgAAACQAAAASAAAAAAAAAAAAAAAAAAAAAEAAABQAAAAAAAAAAAA4D8AAAAAAADgPwAAAAAAAOA/AAAAAAAA4D8AAAAAAADgPwAAAAAAAOA/AAAAAAAA4D8AAAAAAADgPwAAAAAAAOA/AAAAAAAA4D8CAAAAjAAAAAAAAAAAAAAAu+DjDP///wgAAAAAAAAAAAAAAAAAAAAAAAAAAAAAAAAAAAAAZAAAAAEAAABAAAAAAAAAAAAAAAAAAAAAAAAAAAAAAAAAAAAAAAAAAAAAAAAAAAAAAAAAAAAAAAAAAAAAAAAAAAAAAAAAAAAAAAAAAAAAAAAAAAAAAAAAAAAAAAAAAAAAFAAAADwAAAAAAAAAAAAAAAAAAAkUAAAAAQAAABQAAAAUAAAAFAAAAAEAAAAAAAAAZAAAAGQAAAAAAAAAZAAAAGQAAAAVAAAAYAAAAAAAAAAAAAAADwAAACADAAAAAAAAAAAAAAEAAACgMgAAVgcAAKr4//8BAAAAf39/AAEAAABkAAAAAAAAABQAAABAHwAAAAAAACYAAAAAAAAAwOD//wAAAAAmAAAAZAAAABYAAABMAAAAAAAAAAAAAAAEAAAAAAAAAAEAAACAgIAKAAAAACgAAAAoAAAAZAAAAGQAAAAAAAAAzMzMAAAAAABQAAAAUAAAAGQAAABkAAAAAAAAABcAAAAUAAAAAAAAAAAAAAD/fwAA/38AAAAAAAAJAAAABAAAAAAAAAAMAAAAEAAAAAAAAAAAAAAAAAAAAAAAAAAeAAAAaAAAAAAAAAAAAAAAAAAAAAAAAAAAAAAAECcAABAnAAAAAAAAAAAAAAAAAAAAAAAAAAAAAAAAAAAAAAAAAAAAABQAAAAAAAAAwMD/AAAAAABkAAAAMgAAAAAAAABkAAAAAAAAAH9/fwAKAAAAHwAAAFQAAAAAAAAFAAAAAQAAAAAAAAAAAAAAAAAAAAAAAAAAAAAAAAAAAAAAAAAAAAAAAn9/fwAAAAADzMzMAMDA/wB/f38AAAAAAAAAAAAAAAAAAAAAAAAAAAAhAAAAGAAAABQAAACWHAAAYQ0AAHA1AACwJQAAEAAAACYAAAAIAAAAAYAAAAAAAAA="/>
               </a:ext>
             </a:extLst>
           </p:cNvSpPr>
@@ -1908,7 +1899,7 @@
             <a:spLocks noGrp="1" noChangeArrowheads="1"/>
             <a:extLst>
               <a:ext uri="smNativeData">
-                <pr:smNativeData xmlns:pr="smNativeData" val="SMDATA_16_PPTaXhMAAAAlAAAAZAAAAA8BAAAAkAAAAEgAAACQAAAASAAAAAAAAAABAAAAAAAAAAEAAABQAAAAAAAAAAAA4D8AAAAAAADgPwAAAAAAAOA/AAAAAAAA4D8AAAAAAADgPwAAAAAAAOA/AAAAAAAA4D8AAAAAAADgPwAAAAAAAOA/AAAAAAAA4D8CAAAAjAAAAAAAAAAAAAAAu+DjDP///wgAAAAAAAAAAAAAAAAAAAAAAAAAAAAAAAAAAAAAZAAAAAEAAABAAAAAAAAAAAAAAAAAAAAAAAAAAAAAAAAAAAAAAAAAAAAAAAAAAAAAAAAAAAAAAAAAAAAAAAAAAAAAAAAAAAAAAAAAAAAAAAAAAAAAAAAAAAAAAAAAAAAAFAAAADwAAAAAAAAAAAAAAAAAAAkUAAAAAQAAABQAAAAUAAAAFAAAAAEAAAAAAAAAZAAAAGQAAAAAAAAAZAAAAGQAAAAVAAAAYAAAAAAAAAAAAAAADwAAACADAAAAAAAAAAAAAAEAAACgMgAAVgcAAKr4//8BAAAAf39/AAEAAABkAAAAAAAAABQAAABAHwAAAAAAACYAAAAAAAAAwOD//wAAAAAmAAAAZAAAABYAAABMAAAAAAAAAAAAAAAEAAAAAAAAAAEAAACAgIAKAAAAACgAAAAoAAAAZAAAAGQAAAAAAAAAzMzMAAAAAABQAAAAUAAAAGQAAABkAAAAAAAAABcAAAAUAAAAAAAAAAAAAAD/fwAA/38AAAAAAAAJAAAABAAAAAAAAAAMAAAAEAAAAAAAAAAAAAAAAAAAAAAAAAAeAAAAaAAAAAAAAAAAAAAAAAAAAAAAAAAAAAAAECcAABAnAAAAAAAAAAAAAAAAAAAAAAAAAAAAAAAAAAAAAAAAAAAAABQAAAAAAAAAwMD/AAAAAABkAAAAMgAAAAAAAABkAAAAAAAAAH9/fwAKAAAAIgAAABgAAAAAAAAAAAAAAAAAAAAAAAAAAAAAAAAAAAAkAAAAJAAAAAAAAAAHAAAAAAAAAAAAAAAAAAAAAAAAAAAAAAAAAAAAf39/ACUAAABYAAAAAAAAAAAAAAAAAAAAAAAAAAAAAAAAAAAAAAAAAAAAAAAAAAAAAAAAAAAAAAA/AAAAAAAAAKCGAQAAAAAAAAAAAAAAAAAMAAAAAQAAAAAAAAAAAAAAAAAAAB8AAABUAAAAAAAABQAAAAEAAAAAAAAAAAAAAAAAAAAAAAAAAAAAAAAAAAAAAAAAAAAAAAJ/f38AAAAAA8zMzADAwP8Af39/AAAAAAAAAAAAAAAAAAAAAAAAAAAAIQAAABgAAAAUAAAA0AIAABsnAADwDwAAWSkAABAAAAAmAAAACAAAAAAAAAAAAAAA"/>
+                <pr:smNativeData xmlns:pr="smNativeData" val="SMDATA_13_4IlQXxMAAAAlAAAAZAAAAA8BAAAAkAAAAEgAAACQAAAASAAAAAAAAAABAAAAAAAAAAEAAABQAAAAAAAAAAAA4D8AAAAAAADgPwAAAAAAAOA/AAAAAAAA4D8AAAAAAADgPwAAAAAAAOA/AAAAAAAA4D8AAAAAAADgPwAAAAAAAOA/AAAAAAAA4D8CAAAAjAAAAAAAAAAAAAAAu+DjDP///wgAAAAAAAAAAAAAAAAAAAAAAAAAAAAAAAAAAAAAZAAAAAEAAABAAAAAAAAAAAAAAAAAAAAAAAAAAAAAAAAAAAAAAAAAAAAAAAAAAAAAAAAAAAAAAAAAAAAAAAAAAAAAAAAAAAAAAAAAAAAAAAAAAAAAAAAAAAAAAAAAAAAAFAAAADwAAAAAAAAAAAAAAAAAAAkUAAAAAQAAABQAAAAUAAAAFAAAAAEAAAAAAAAAZAAAAGQAAAAAAAAAZAAAAGQAAAAVAAAAYAAAAAAAAAAAAAAADwAAACADAAAAAAAAAAAAAAEAAACgMgAAVgcAAKr4//8BAAAAf39/AAEAAABkAAAAAAAAABQAAABAHwAAAAAAACYAAAAAAAAAwOD//wAAAAAmAAAAZAAAABYAAABMAAAAAAAAAAAAAAAEAAAAAAAAAAEAAACAgIAKAAAAACgAAAAoAAAAZAAAAGQAAAAAAAAAzMzMAAAAAABQAAAAUAAAAGQAAABkAAAAAAAAABcAAAAUAAAAAAAAAAAAAAD/fwAA/38AAAAAAAAJAAAABAAAAAAAAAAMAAAAEAAAAAAAAAAAAAAAAAAAAAAAAAAeAAAAaAAAAAAAAAAAAAAAAAAAAAAAAAAAAAAAECcAABAnAAAAAAAAAAAAAAAAAAAAAAAAAAAAAAAAAAAAAAAAAAAAABQAAAAAAAAAwMD/AAAAAABkAAAAMgAAAAAAAABkAAAAAAAAAH9/fwAKAAAAHwAAAFQAAAAAAAAFAAAAAQAAAAAAAAAAAAAAAAAAAAAAAAAAAAAAAAAAAAAAAAAAAAAAAn9/fwAAAAADzMzMAMDA/wB/f38AAAAAAAAAAAAAAAAAAAAAAAAAAAAhAAAAGAAAABQAAADQAgAAGycAAPAPAABZKQAAEAAAACYAAAAIAAAAAAAAAAAAAAA="/>
               </a:ext>
             </a:extLst>
           </p:cNvSpPr>
@@ -1922,7 +1913,7 @@
           <a:lstStyle/>
           <a:p>
             <a:pPr/>
-            <a:fld id="{479E71C7-89AA-CB87-E426-7FD23F68122A}" type="datetime1">
+            <a:fld id="{AA4918B1-FF47-1CEE-09F1-09BB56BFFF5C}" type="datetime1">
               <a:t/>
             </a:fld>
           </a:p>
@@ -1935,7 +1926,7 @@
             <a:spLocks noGrp="1" noChangeArrowheads="1"/>
             <a:extLst>
               <a:ext uri="smNativeData">
-                <pr:smNativeData xmlns:pr="smNativeData" val="SMDATA_16_PPTaXhMAAAAlAAAAZAAAAA8BAAAAkAAAAEgAAACQAAAASAAAAAAAAAABAAAAAAAAAAEAAABQAAAAAAAAAAAA4D8AAAAAAADgPwAAAAAAAOA/AAAAAAAA4D8AAAAAAADgPwAAAAAAAOA/AAAAAAAA4D8AAAAAAADgPwAAAAAAAOA/AAAAAAAA4D8CAAAAjAAAAAAAAAAAAAAAu+DjDP///wgAAAAAAAAAAAAAAAAAAAAAAAAAAAAAAAAAAAAAZAAAAAEAAABAAAAAAAAAAAAAAAAAAAAAAAAAAAAAAAAAAAAAAAAAAAAAAAAAAAAAAAAAAAAAAAAAAAAAAAAAAAAAAAAAAAAAAAAAAAAAAAAAAAAAAAAAAAAAAAAAAAAAFAAAADwAAAAAAAAAAAAAAAAAAAkUAAAAAQAAABQAAAAUAAAAFAAAAAEAAAAAAAAAZAAAAGQAAAAAAAAAZAAAAGQAAAAVAAAAYAAAAAAAAAAAAAAADwAAACADAAAAAAAAAAAAAAEAAACgMgAAVgcAAKr4//8BAAAAf39/AAEAAABkAAAAAAAAABQAAABAHwAAAAAAACYAAAAAAAAAwOD//wAAAAAmAAAAZAAAABYAAABMAAAAAAAAAAAAAAAEAAAAAAAAAAEAAACAgIAKAAAAACgAAAAoAAAAZAAAAGQAAAAAAAAAzMzMAAAAAABQAAAAUAAAAGQAAABkAAAAAAAAABcAAAAUAAAAAAAAAAAAAAD/fwAA/38AAAAAAAAJAAAABAAAAAAAAAAMAAAAEAAAAAAAAAAAAAAAAAAAAAAAAAAeAAAAaAAAAAAAAAAAAAAAAAAAAAAAAAAAAAAAECcAABAnAAAAAAAAAAAAAAAAAAAAAAAAAAAAAAAAAAAAAAAAAAAAABQAAAAAAAAAwMD/AAAAAABkAAAAMgAAAAAAAABkAAAAAAAAAH9/fwAKAAAAIgAAABgAAAAAAAAAAAAAAAAAAAAAAAAAAAAAAAAAAAAkAAAAJAAAAAAAAAAHAAAAAAAAAAAAAAAAAAAAAAAAAAAAAAAAAAAAf39/ACUAAABYAAAAAAAAAAAAAAAAAAAAAAAAAAAAAAAAAAAAAAAAAAAAAAAAAAAAAAAAAAAAAAA/AAAAAAAAAKCGAQAAAAAAAAAAAAAAAAAMAAAAAQAAAAAAAAAAAAAAAAAAAB8AAABUAAAAAAAABQAAAAEAAAAAAAAAAAAAAAAAAAAAAAAAAAAAAAAAAAAAAAAAAAAAAAJ/f38AAAAAA8zMzADAwP8Af39/AAAAAAAAAAAAAAAAAAAAAAAAAAAAIQAAABgAAAAUAAAAOBMAABsnAAAIJQAAWSkAABAAAAAmAAAACAAAAAAAAAAAAAAA"/>
+                <pr:smNativeData xmlns:pr="smNativeData" val="SMDATA_13_4IlQXxMAAAAlAAAAZAAAAA8BAAAAkAAAAEgAAACQAAAASAAAAAAAAAABAAAAAAAAAAEAAABQAAAAAAAAAAAA4D8AAAAAAADgPwAAAAAAAOA/AAAAAAAA4D8AAAAAAADgPwAAAAAAAOA/AAAAAAAA4D8AAAAAAADgPwAAAAAAAOA/AAAAAAAA4D8CAAAAjAAAAAAAAAAAAAAAu+DjDP///wgAAAAAAAAAAAAAAAAAAAAAAAAAAAAAAAAAAAAAZAAAAAEAAABAAAAAAAAAAAAAAAAAAAAAAAAAAAAAAAAAAAAAAAAAAAAAAAAAAAAAAAAAAAAAAAAAAAAAAAAAAAAAAAAAAAAAAAAAAAAAAAAAAAAAAAAAAAAAAAAAAAAAFAAAADwAAAAAAAAAAAAAAAAAAAkUAAAAAQAAABQAAAAUAAAAFAAAAAEAAAAAAAAAZAAAAGQAAAAAAAAAZAAAAGQAAAAVAAAAYAAAAAAAAAAAAAAADwAAACADAAAAAAAAAAAAAAEAAACgMgAAVgcAAKr4//8BAAAAf39/AAEAAABkAAAAAAAAABQAAABAHwAAAAAAACYAAAAAAAAAwOD//wAAAAAmAAAAZAAAABYAAABMAAAAAAAAAAAAAAAEAAAAAAAAAAEAAACAgIAKAAAAACgAAAAoAAAAZAAAAGQAAAAAAAAAzMzMAAAAAABQAAAAUAAAAGQAAABkAAAAAAAAABcAAAAUAAAAAAAAAAAAAAD/fwAA/38AAAAAAAAJAAAABAAAAAAAAAAMAAAAEAAAAAAAAAAAAAAAAAAAAAAAAAAeAAAAaAAAAAAAAAAAAAAAAAAAAAAAAAAAAAAAECcAABAnAAAAAAAAAAAAAAAAAAAAAAAAAAAAAAAAAAAAAAAAAAAAABQAAAAAAAAAwMD/AAAAAABkAAAAMgAAAAAAAABkAAAAAAAAAH9/fwAKAAAAHwAAAFQAAAAAAAAFAAAAAQAAAAAAAAAAAAAAAAAAAAAAAAAAAAAAAAAAAAAAAAAAAAAAAn9/fwAAAAADzMzMAMDA/wB/f38AAAAAAAAAAAAAAAAAAAAAAAAAAAAhAAAAGAAAABQAAAA4EwAAGycAAAglAABZKQAAEAAAACYAAAAIAAAAAAAAAAAAAAA="/>
               </a:ext>
             </a:extLst>
           </p:cNvSpPr>
@@ -1959,7 +1950,7 @@
             <a:spLocks noGrp="1" noChangeArrowheads="1"/>
             <a:extLst>
               <a:ext uri="smNativeData">
-                <pr:smNativeData xmlns:pr="smNativeData" val="SMDATA_16_PPTaXhMAAAAlAAAAZAAAAA8BAAAAkAAAAEgAAACQAAAASAAAAAAAAAABAAAAAAAAAAEAAABQAAAAAAAAAAAA4D8AAAAAAADgPwAAAAAAAOA/AAAAAAAA4D8AAAAAAADgPwAAAAAAAOA/AAAAAAAA4D8AAAAAAADgPwAAAAAAAOA/AAAAAAAA4D8CAAAAjAAAAAAAAAAAAAAAu+DjDP///wgAAAAAAAAAAAAAAAAAAAAAAAAAAAAAAAAAAAAAZAAAAAEAAABAAAAAAAAAAAAAAAAAAAAAAAAAAAAAAAAAAAAAAAAAAAAAAAAAAAAAAAAAAAAAAAAAAAAAAAAAAAAAAAAAAAAAAAAAAAAAAAAAAAAAAAAAAAAAAAAAAAAAFAAAADwAAAAAAAAAAAAAAAAAAAkUAAAAAQAAABQAAAAUAAAAFAAAAAEAAAAAAAAAZAAAAGQAAAAAAAAAZAAAAGQAAAAVAAAAYAAAAAAAAAAAAAAADwAAACADAAAAAAAAAAAAAAEAAACgMgAAVgcAAKr4//8BAAAAf39/AAEAAABkAAAAAAAAABQAAABAHwAAAAAAACYAAAAAAAAAwOD//wAAAAAmAAAAZAAAABYAAABMAAAAAAAAAAAAAAAEAAAAAAAAAAEAAACAgIAKAAAAACgAAAAoAAAAZAAAAGQAAAAAAAAAzMzMAAAAAABQAAAAUAAAAGQAAABkAAAAAAAAABcAAAAUAAAAAAAAAAAAAAD/fwAA/38AAAAAAAAJAAAABAAAAAAAAAAMAAAAEAAAAAAAAAAAAAAAAAAAAAAAAAAeAAAAaAAAAAAAAAAAAAAAAAAAAAAAAAAAAAAAECcAABAnAAAAAAAAAAAAAAAAAAAAAAAAAAAAAAAAAAAAAAAAAAAAABQAAAAAAAAAwMD/AAAAAABkAAAAMgAAAAAAAABkAAAAAAAAAH9/fwAKAAAAIgAAABgAAAAAAAAAAAAAAAAAAAAAAAAAAAAAAAAAAAAkAAAAJAAAAAAAAAAHAAAAAAAAAAAAAAAAAAAAAAAAAAAAAAAAAAAAf39/ACUAAABYAAAAAAAAAAAAAAAAAAAAAAAAAAAAAAAAAAAAAAAAAAAAAAAAAAAAAAAAAAAAAAA/AAAAAAAAAKCGAQAAAAAAAAAAAAAAAAAMAAAAAQAAAAAAAAAAAAAAAAAAAB8AAABUAAAAAAAABQAAAAEAAAAAAAAAAAAAAAAAAAAAAAAAAAAAAAAAAAAAAAAAAAAAAAJ/f38AAAAAA8zMzADAwP8Af39/AAAAAAAAAAAAAAAAAAAAAAAAAAAAIQAAABgAAAAUAAAAUCgAABsnAABwNQAAWSkAABAAAAAmAAAACAAAAAAAAAAAAAAA"/>
+                <pr:smNativeData xmlns:pr="smNativeData" val="SMDATA_13_4IlQXxMAAAAlAAAAZAAAAA8BAAAAkAAAAEgAAACQAAAASAAAAAAAAAABAAAAAAAAAAEAAABQAAAAAAAAAAAA4D8AAAAAAADgPwAAAAAAAOA/AAAAAAAA4D8AAAAAAADgPwAAAAAAAOA/AAAAAAAA4D8AAAAAAADgPwAAAAAAAOA/AAAAAAAA4D8CAAAAjAAAAAAAAAAAAAAAu+DjDP///wgAAAAAAAAAAAAAAAAAAAAAAAAAAAAAAAAAAAAAZAAAAAEAAABAAAAAAAAAAAAAAAAAAAAAAAAAAAAAAAAAAAAAAAAAAAAAAAAAAAAAAAAAAAAAAAAAAAAAAAAAAAAAAAAAAAAAAAAAAAAAAAAAAAAAAAAAAAAAAAAAAAAAFAAAADwAAAAAAAAAAAAAAAAAAAkUAAAAAQAAABQAAAAUAAAAFAAAAAEAAAAAAAAAZAAAAGQAAAAAAAAAZAAAAGQAAAAVAAAAYAAAAAAAAAAAAAAADwAAACADAAAAAAAAAAAAAAEAAACgMgAAVgcAAKr4//8BAAAAf39/AAEAAABkAAAAAAAAABQAAABAHwAAAAAAACYAAAAAAAAAwOD//wAAAAAmAAAAZAAAABYAAABMAAAAAAAAAAAAAAAEAAAAAAAAAAEAAACAgIAKAAAAACgAAAAoAAAAZAAAAGQAAAAAAAAAzMzMAAAAAABQAAAAUAAAAGQAAABkAAAAAAAAABcAAAAUAAAAAAAAAAAAAAD/fwAA/38AAAAAAAAJAAAABAAAAAAAAAAMAAAAEAAAAAAAAAAAAAAAAAAAAAAAAAAeAAAAaAAAAAAAAAAAAAAAAAAAAAAAAAAAAAAAECcAABAnAAAAAAAAAAAAAAAAAAAAAAAAAAAAAAAAAAAAAAAAAAAAABQAAAAAAAAAwMD/AAAAAABkAAAAMgAAAAAAAABkAAAAAAAAAH9/fwAKAAAAHwAAAFQAAAAAAAAFAAAAAQAAAAAAAAAAAAAAAAAAAAAAAAAAAAAAAAAAAAAAAAAAAAAAAn9/fwAAAAADzMzMAMDA/wB/f38AAAAAAAAAAAAAAAAAAAAAAAAAAAAhAAAAGAAAABQAAABQKAAAGycAAHA1AABZKQAAEAAAACYAAAAIAAAAAAAAAAAAAAA="/>
               </a:ext>
             </a:extLst>
           </p:cNvSpPr>
@@ -1973,7 +1964,7 @@
           <a:lstStyle/>
           <a:p>
             <a:pPr/>
-            <a:fld id="{479E51A4-EAAA-CBA7-E426-1CF21F681249}" type="slidenum">
+            <a:fld id="{AA4928EA-A447-1CDE-09F1-528B66BFFF07}" type="slidenum">
               <a:t/>
             </a:fld>
           </a:p>
@@ -2011,7 +2002,7 @@
             <a:spLocks noGrp="1" noChangeArrowheads="1"/>
             <a:extLst>
               <a:ext uri="smNativeData">
-                <pr:smNativeData xmlns:pr="smNativeData" val="SMDATA_16_PPTaXhMAAAAlAAAAZAAAAA8BAAAAkAAAAEgAAACQAAAASAAAAAAAAAABAAAAAAAAAAEAAABQAAAAAAAAAAAA4D8AAAAAAADgPwAAAAAAAOA/AAAAAAAA4D8AAAAAAADgPwAAAAAAAOA/AAAAAAAA4D8AAAAAAADgPwAAAAAAAOA/AAAAAAAA4D8CAAAAjAAAAAAAAAAAAAAAu+DjDP///wgAAAAAAAAAAAAAAAAAAAAAAAAAAAAAAAAAAAAAZAAAAAEAAABAAAAAAAAAAAAAAAAAAAAAAAAAAAAAAAAAAAAAAAAAAAAAAAAAAAAAAAAAAAAAAAAAAAAAAAAAAAAAAAAAAAAAAAAAAAAAAAAAAAAAAAAAAAAAAAAAAAAAFAAAADwAAAAAAAAAAAAAAAAAAAkUAAAAAQAAABQAAAAUAAAAFAAAAAEAAAAAAAAAZAAAAGQAAAAAAAAAZAAAAGQAAAAVAAAAYAAAAAAAAAAAAAAADwAAACADAAAAAAAAAAAAAAEAAACgMgAAVgcAAKr4//8BAAAAf39/AAEAAABkAAAAAAAAABQAAABAHwAAAAAAACYAAAAAAAAAwOD//wAAAAAmAAAAZAAAABYAAABMAAAAAAAAAAAAAAAEAAAAAAAAAAEAAACAgIAKAAAAACgAAAAoAAAAZAAAAGQAAAAAAAAAzMzMAAAAAABQAAAAUAAAAGQAAABkAAAAAAAAABcAAAAUAAAAAAAAAAAAAAD/fwAA/38AAAAAAAAJAAAABAAAAAAAAAAMAAAAEAAAAAAAAAAAAAAAAAAAAAAAAAAeAAAAaAAAAAAAAAAAAAAAAAAAAAAAAAAAAAAAECcAABAnAAAAAAAAAAAAAAAAAAAAAAAAAAAAAAAAAAAAAAAAAAAAABQAAAAAAAAAwMD/AAAAAABkAAAAMgAAAAAAAABkAAAAAAAAAH9/fwAKAAAAIgAAABgAAAAAAAAAAAAAAAAAAAAAAAAAAAAAAAAAAAAkAAAAJAAAAAAAAAAHAAAAAAAAAAAAAAAAAAAAAAAAAAAAAAAAAAAAf39/ACUAAABYAAAAAAAAAAAAAAAAAAAAAAAAAAAAAAAAAAAAAAAAAAAAAAAAAAAAAAAAAAAAAAA/AAAAAAAAAKCGAQAAAAAAAAAAAAAAAAAMAAAAAQAAAAAAAAAAAAAAAAAAAB8AAABUAAAAAAAABQAAAAEAAAAAAAAAAAAAAAAAAAAAAAAAAAAAAAAAAAAAAAAAAAAAAAJ/f38AAAAAA8zMzADAwP8Af39/AAAAAAAAAAAAAAAAAAAAAAAAAAAAIQAAABgAAAAUAAAA0AIAALABAABwNQAAuAgAABAAAAAmAAAACAAAAAAAAAAAAAAA"/>
+                <pr:smNativeData xmlns:pr="smNativeData" val="SMDATA_13_4IlQXxMAAAAlAAAAZAAAAA8BAAAAkAAAAEgAAACQAAAASAAAAAAAAAABAAAAAAAAAAEAAABQAAAAAAAAAAAA4D8AAAAAAADgPwAAAAAAAOA/AAAAAAAA4D8AAAAAAADgPwAAAAAAAOA/AAAAAAAA4D8AAAAAAADgPwAAAAAAAOA/AAAAAAAA4D8CAAAAjAAAAAAAAAAAAAAAu+DjDP///wgAAAAAAAAAAAAAAAAAAAAAAAAAAAAAAAAAAAAAZAAAAAEAAABAAAAAAAAAAAAAAAAAAAAAAAAAAAAAAAAAAAAAAAAAAAAAAAAAAAAAAAAAAAAAAAAAAAAAAAAAAAAAAAAAAAAAAAAAAAAAAAAAAAAAAAAAAAAAAAAAAAAAFAAAADwAAAAAAAAAAAAAAAAAAAkUAAAAAQAAABQAAAAUAAAAFAAAAAEAAAAAAAAAZAAAAGQAAAAAAAAAZAAAAGQAAAAVAAAAYAAAAAAAAAAAAAAADwAAACADAAAAAAAAAAAAAAEAAACgMgAAVgcAAKr4//8BAAAAf39/AAEAAABkAAAAAAAAABQAAABAHwAAAAAAACYAAAAAAAAAwOD//wAAAAAmAAAAZAAAABYAAABMAAAAAAAAAAAAAAAEAAAAAAAAAAEAAACAgIAKAAAAACgAAAAoAAAAZAAAAGQAAAAAAAAAzMzMAAAAAABQAAAAUAAAAGQAAABkAAAAAAAAABcAAAAUAAAAAAAAAAAAAAD/fwAA/38AAAAAAAAJAAAABAAAAAAAAAAMAAAAEAAAAAAAAAAAAAAAAAAAAAAAAAAeAAAAaAAAAAAAAAAAAAAAAAAAAAAAAAAAAAAAECcAABAnAAAAAAAAAAAAAAAAAAAAAAAAAAAAAAAAAAAAAAAAAAAAABQAAAAAAAAAwMD/AAAAAABkAAAAMgAAAAAAAABkAAAAAAAAAH9/fwAKAAAAHwAAAFQAAAAAAAAFAAAAAQAAAAAAAAAAAAAAAAAAAAAAAAAAAAAAAAAAAAAAAAAAAAAAAn9/fwAAAAADzMzMAMDA/wB/f38AAAAAAAAAAAAAAAAAAAAAAAAAAAAhAAAAGAAAABQAAADQAgAAsAEAAHA1AAC4CAAAEAAAACYAAAAIAAAAAAAAAAAAAAA="/>
               </a:ext>
             </a:extLst>
           </p:cNvSpPr>
@@ -2038,7 +2029,7 @@
             <a:spLocks noGrp="1" noChangeArrowheads="1"/>
             <a:extLst>
               <a:ext uri="smNativeData">
-                <pr:smNativeData xmlns:pr="smNativeData" val="SMDATA_16_PPTaXhMAAAAlAAAAZAAAAA8BAAAAkAAAAEgAAACQAAAASAAAAAAAAAABAAAAAAAAAAEAAABQAAAAAAAAAAAA4D8AAAAAAADgPwAAAAAAAOA/AAAAAAAA4D8AAAAAAADgPwAAAAAAAOA/AAAAAAAA4D8AAAAAAADgPwAAAAAAAOA/AAAAAAAA4D8CAAAAjAAAAAAAAAAAAAAAu+DjDP///wgAAAAAAAAAAAAAAAAAAAAAAAAAAAAAAAAAAAAAZAAAAAEAAABAAAAAAAAAAAAAAAAAAAAAAAAAAAAAAAAAAAAAAAAAAAAAAAAAAAAAAAAAAAAAAAAAAAAAAAAAAAAAAAAAAAAAAAAAAAAAAAAAAAAAAAAAAAAAAAAAAAAAFAAAADwAAAAAAAAAAAAAAAAAAAkUAAAAAQAAABQAAAAUAAAAFAAAAAEAAAAAAAAAZAAAAGQAAAAAAAAAZAAAAGQAAAAVAAAAYAAAAAAAAAAAAAAADwAAACADAAAAAAAAAAAAAAEAAACgMgAAVgcAAKr4//8BAAAAf39/AAEAAABkAAAAAAAAABQAAABAHwAAAAAAACYAAAAAAAAAwOD//wAAAAAmAAAAZAAAABYAAABMAAAAAAAAAAAAAAAEAAAAAAAAAAEAAACAgIAKAAAAACgAAAAoAAAAZAAAAGQAAAAAAAAAzMzMAAAAAABQAAAAUAAAAGQAAABkAAAAAAAAABcAAAAUAAAAAAAAAAAAAAD/fwAA/38AAAAAAAAJAAAABAAAAAAAAAAMAAAAEAAAAAAAAAAAAAAAAAAAAAAAAAAeAAAAaAAAAAAAAAAAAAAAAAAAAAAAAAAAAAAAECcAABAnAAAAAAAAAAAAAAAAAAAAAAAAAAAAAAAAAAAAAAAAAAAAABQAAAAAAAAAwMD/AAAAAABkAAAAMgAAAAAAAABkAAAAAAAAAH9/fwAKAAAAIgAAABgAAAAAAAAAAAAAAAAAAAAAAAAAAAAAAAAAAAAkAAAAJAAAAAAAAAAHAAAAAAAAAAAAAAAAAAAAAAAAAAAAAAAAAAAAf39/ACUAAABYAAAAAAAAAAAAAAAAAAAAAAAAAAAAAAAAAAAAAAAAAAAAAAAAAAAAAAAAAAAAAAA/AAAAAAAAAKCGAQAAAAAAAAAAAAAAAAAMAAAAAQAAAAAAAAAAAAAAAAAAAB8AAABUAAAAAAAABQAAAAEAAAAAAAAAAAAAAAAAAAAAAAAAAAAAAAAAAAAAAAAAAAAAAAJ/f38AAAAAA8zMzADAwP8Af39/AAAAAAAAAAAAAAAAAAAAAAAAAAAAIQAAABgAAAAUAAAA0AIAABsnAADwDwAAWSkAABAAAAAmAAAACAAAAAAAAAAAAAAA"/>
+                <pr:smNativeData xmlns:pr="smNativeData" val="SMDATA_13_4IlQXxMAAAAlAAAAZAAAAA8BAAAAkAAAAEgAAACQAAAASAAAAAAAAAABAAAAAAAAAAEAAABQAAAAAAAAAAAA4D8AAAAAAADgPwAAAAAAAOA/AAAAAAAA4D8AAAAAAADgPwAAAAAAAOA/AAAAAAAA4D8AAAAAAADgPwAAAAAAAOA/AAAAAAAA4D8CAAAAjAAAAAAAAAAAAAAAu+DjDP///wgAAAAAAAAAAAAAAAAAAAAAAAAAAAAAAAAAAAAAZAAAAAEAAABAAAAAAAAAAAAAAAAAAAAAAAAAAAAAAAAAAAAAAAAAAAAAAAAAAAAAAAAAAAAAAAAAAAAAAAAAAAAAAAAAAAAAAAAAAAAAAAAAAAAAAAAAAAAAAAAAAAAAFAAAADwAAAAAAAAAAAAAAAAAAAkUAAAAAQAAABQAAAAUAAAAFAAAAAEAAAAAAAAAZAAAAGQAAAAAAAAAZAAAAGQAAAAVAAAAYAAAAAAAAAAAAAAADwAAACADAAAAAAAAAAAAAAEAAACgMgAAVgcAAKr4//8BAAAAf39/AAEAAABkAAAAAAAAABQAAABAHwAAAAAAACYAAAAAAAAAwOD//wAAAAAmAAAAZAAAABYAAABMAAAAAAAAAAAAAAAEAAAAAAAAAAEAAACAgIAKAAAAACgAAAAoAAAAZAAAAGQAAAAAAAAAzMzMAAAAAABQAAAAUAAAAGQAAABkAAAAAAAAABcAAAAUAAAAAAAAAAAAAAD/fwAA/38AAAAAAAAJAAAABAAAAAAAAAAMAAAAEAAAAAAAAAAAAAAAAAAAAAAAAAAeAAAAaAAAAAAAAAAAAAAAAAAAAAAAAAAAAAAAECcAABAnAAAAAAAAAAAAAAAAAAAAAAAAAAAAAAAAAAAAAAAAAAAAABQAAAAAAAAAwMD/AAAAAABkAAAAMgAAAAAAAABkAAAAAAAAAH9/fwAKAAAAHwAAAFQAAAAAAAAFAAAAAQAAAAAAAAAAAAAAAAAAAAAAAAAAAAAAAAAAAAAAAAAAAAAAAn9/fwAAAAADzMzMAMDA/wB/f38AAAAAAAAAAAAAAAAAAAAAAAAAAAAhAAAAGAAAABQAAADQAgAAGycAAPAPAABZKQAAEAAAACYAAAAIAAAAAAAAAAAAAAA="/>
               </a:ext>
             </a:extLst>
           </p:cNvSpPr>
@@ -2052,7 +2043,7 @@
           <a:lstStyle/>
           <a:p>
             <a:pPr/>
-            <a:fld id="{479E75EB-A5AA-CB83-E426-53D63B681206}" type="datetime1">
+            <a:fld id="{AA4969CF-8147-1C9F-09F1-77CA27BFFF22}" type="datetime1">
               <a:t/>
             </a:fld>
           </a:p>
@@ -2065,7 +2056,7 @@
             <a:spLocks noGrp="1" noChangeArrowheads="1"/>
             <a:extLst>
               <a:ext uri="smNativeData">
-                <pr:smNativeData xmlns:pr="smNativeData" val="SMDATA_16_PPTaXhMAAAAlAAAAZAAAAA8BAAAAkAAAAEgAAACQAAAASAAAAAAAAAABAAAAAAAAAAEAAABQAAAAAAAAAAAA4D8AAAAAAADgPwAAAAAAAOA/AAAAAAAA4D8AAAAAAADgPwAAAAAAAOA/AAAAAAAA4D8AAAAAAADgPwAAAAAAAOA/AAAAAAAA4D8CAAAAjAAAAAAAAAAAAAAAu+DjDP///wgAAAAAAAAAAAAAAAAAAAAAAAAAAAAAAAAAAAAAZAAAAAEAAABAAAAAAAAAAAAAAAAAAAAAAAAAAAAAAAAAAAAAAAAAAAAAAAAAAAAAAAAAAAAAAAAAAAAAAAAAAAAAAAAAAAAAAAAAAAAAAAAAAAAAAAAAAAAAAAAAAAAAFAAAADwAAAAAAAAAAAAAAAAAAAkUAAAAAQAAABQAAAAUAAAAFAAAAAEAAAAAAAAAZAAAAGQAAAAAAAAAZAAAAGQAAAAVAAAAYAAAAAAAAAAAAAAADwAAACADAAAAAAAAAAAAAAEAAACgMgAAVgcAAKr4//8BAAAAf39/AAEAAABkAAAAAAAAABQAAABAHwAAAAAAACYAAAAAAAAAwOD//wAAAAAmAAAAZAAAABYAAABMAAAAAAAAAAAAAAAEAAAAAAAAAAEAAACAgIAKAAAAACgAAAAoAAAAZAAAAGQAAAAAAAAAzMzMAAAAAABQAAAAUAAAAGQAAABkAAAAAAAAABcAAAAUAAAAAAAAAAAAAAD/fwAA/38AAAAAAAAJAAAABAAAAPxLCisMAAAAEAAAAAAAAAAAAAAAAAAAAAAAAAAeAAAAaAAAAAAAAAAAAAAAAAAAAAAAAAAAAAAAECcAABAnAAAAAAAAAAAAAAAAAAAAAAAAAAAAAAAAAAAAAAAAAAAAABQAAAAAAAAAwMD/AAAAAABkAAAAMgAAAAAAAABkAAAAAAAAAH9/fwAKAAAAIgAAABgAAAAAAAAAAAAAAAAAAAAAAAAAAAAAAAAAAAAkAAAAJAAAAAAAAAAHAAAAAAAAAAAAAAAAAAAAAAAAAAAAAAAAAAAAf39/ACUAAABYAAAAAAAAAAAAAAAAAAAAAAAAAAAAAAAAAAAAAAAAAAAAAAAAAAAAAAAAAAAAAAA/AAAAAAAAAKCGAQAAAAAAAAAAAAAAAAAMAAAAAQAAAAAAAAAAAAAAAAAAAB8AAABUAAAAAAAABQAAAAEAAAAAAAAAAAAAAAAAAAAAAAAAAAAAAAAAAAAAAAAAAAAAAAJ/f38AAAAAA8zMzADAwP8Af39/AAAAAAAAAAAAAAAAAAAAAAAAAAAAIQAAABgAAAAUAAAAOBMAABsnAAAIJQAAWSkAABAAAAAmAAAACAAAAAAAAAAAAAAA"/>
+                <pr:smNativeData xmlns:pr="smNativeData" val="SMDATA_13_4IlQXxMAAAAlAAAAZAAAAA8BAAAAkAAAAEgAAACQAAAASAAAAAAAAAABAAAAAAAAAAEAAABQAAAAAAAAAAAA4D8AAAAAAADgPwAAAAAAAOA/AAAAAAAA4D8AAAAAAADgPwAAAAAAAOA/AAAAAAAA4D8AAAAAAADgPwAAAAAAAOA/AAAAAAAA4D8CAAAAjAAAAAAAAAAAAAAAu+DjDP///wgAAAAAAAAAAAAAAAAAAAAAAAAAAAAAAAAAAAAAZAAAAAEAAABAAAAAAAAAAAAAAAAAAAAAAAAAAAAAAAAAAAAAAAAAAAAAAAAAAAAAAAAAAAAAAAAAAAAAAAAAAAAAAAAAAAAAAAAAAAAAAAAAAAAAAAAAAAAAAAAAAAAAFAAAADwAAAAAAAAAAAAAAAAAAAkUAAAAAQAAABQAAAAUAAAAFAAAAAEAAAAAAAAAZAAAAGQAAAAAAAAAZAAAAGQAAAAVAAAAYAAAAAAAAAAAAAAADwAAACADAAAAAAAAAAAAAAEAAACgMgAAVgcAAKr4//8BAAAAf39/AAEAAABkAAAAAAAAABQAAABAHwAAAAAAACYAAAAAAAAAwOD//wAAAAAmAAAAZAAAABYAAABMAAAAAAAAAAAAAAAEAAAAAAAAAAEAAACAgIAKAAAAACgAAAAoAAAAZAAAAGQAAAAAAAAAzMzMAAAAAABQAAAAUAAAAGQAAABkAAAAAAAAABcAAAAUAAAAAAAAAAAAAAD/fwAA/38AAAAAAAAJAAAABAAAAPxLCisMAAAAEAAAAAAAAAAAAAAAAAAAAAAAAAAeAAAAaAAAAAAAAAAAAAAAAAAAAAAAAAAAAAAAECcAABAnAAAAAAAAAAAAAAAAAAAAAAAAAAAAAAAAAAAAAAAAAAAAABQAAAAAAAAAwMD/AAAAAABkAAAAMgAAAAAAAABkAAAAAAAAAH9/fwAKAAAAHwAAAFQAAAAAAAAFAAAAAQAAAAAAAAAAAAAAAAAAAAAAAAAAAAAAAAAAAAAAAAAAAAAAAn9/fwAAAAADzMzMAMDA/wB/f38AAAAAAAAAAAAAAAAAAAAAAAAAAAAhAAAAGAAAABQAAAA4EwAAGycAAAglAABZKQAAEAAAACYAAAAIAAAAAAAAAAAAAAA="/>
               </a:ext>
             </a:extLst>
           </p:cNvSpPr>
@@ -2089,7 +2080,7 @@
             <a:spLocks noGrp="1" noChangeArrowheads="1"/>
             <a:extLst>
               <a:ext uri="smNativeData">
-                <pr:smNativeData xmlns:pr="smNativeData" val="SMDATA_16_PPTaXhMAAAAlAAAAZAAAAA8BAAAAkAAAAEgAAACQAAAASAAAAAAAAAABAAAAAAAAAAEAAABQAAAAAAAAAAAA4D8AAAAAAADgPwAAAAAAAOA/AAAAAAAA4D8AAAAAAADgPwAAAAAAAOA/AAAAAAAA4D8AAAAAAADgPwAAAAAAAOA/AAAAAAAA4D8CAAAAjAAAAAAAAAAAAAAAu+DjDP///wgAAAAAAAAAAAAAAAAAAAAAAAAAAAAAAAAAAAAAZAAAAAEAAABAAAAAAAAAAAAAAAAAAAAAAAAAAAAAAAAAAAAAAAAAAAAAAAAAAAAAAAAAAAAAAAAAAAAAAAAAAAAAAAAAAAAAAAAAAAAAAAAAAAAAAAAAAAAAAAAAAAAAFAAAADwAAAAAAAAAAAAAAAAAAAkUAAAAAQAAABQAAAAUAAAAFAAAAAEAAAAAAAAAZAAAAGQAAAAAAAAAZAAAAGQAAAAVAAAAYAAAAAAAAAAAAAAADwAAACADAAAAAAAAAAAAAAEAAACgMgAAVgcAAKr4//8BAAAAf39/AAEAAABkAAAAAAAAABQAAABAHwAAAAAAACYAAAAAAAAAwOD//wAAAAAmAAAAZAAAABYAAABMAAAAAAAAAAAAAAAEAAAAAAAAAAEAAACAgIAKAAAAACgAAAAoAAAAZAAAAGQAAAAAAAAAzMzMAAAAAABQAAAAUAAAAGQAAABkAAAAAAAAABcAAAAUAAAAAAAAAAAAAAD/fwAA/38AAAAAAAAJAAAABAAAAAUAvGYMAAAAEAAAAAAAAAAAAAAAAAAAAAAAAAAeAAAAaAAAAAAAAAAAAAAAAAAAAAAAAAAAAAAAECcAABAnAAAAAAAAAAAAAAAAAAAAAAAAAAAAAAAAAAAAAAAAAAAAABQAAAAAAAAAwMD/AAAAAABkAAAAMgAAAAAAAABkAAAAAAAAAH9/fwAKAAAAIgAAABgAAAAAAAAAAAAAAAAAAAAAAAAAAAAAAAAAAAAkAAAAJAAAAAAAAAAHAAAAAAAAAAAAAAAAAAAAAAAAAAAAAAAAAAAAf39/ACUAAABYAAAAAAAAAAAAAAAAAAAAAAAAAAAAAAAAAAAAAAAAAAAAAAAAAAAAAAAAAAAAAAA/AAAAAAAAAKCGAQAAAAAAAAAAAAAAAAAMAAAAAQAAAAAAAAAAAAAAAAAAAB8AAABUAAAAAAAABQAAAAEAAAAAAAAAAAAAAAAAAAAAAAAAAAAAAAAAAAAAAAAAAAAAAAJ/f38AAAAAA8zMzADAwP8Af39/AAAAAAAAAAAAAAAAAAAAAAAAAAAAIQAAABgAAAAUAAAAUCgAABsnAABwNQAAWSkAABAAAAAmAAAACAAAAAAAAAAAAAAA"/>
+                <pr:smNativeData xmlns:pr="smNativeData" val="SMDATA_13_4IlQXxMAAAAlAAAAZAAAAA8BAAAAkAAAAEgAAACQAAAASAAAAAAAAAABAAAAAAAAAAEAAABQAAAAAAAAAAAA4D8AAAAAAADgPwAAAAAAAOA/AAAAAAAA4D8AAAAAAADgPwAAAAAAAOA/AAAAAAAA4D8AAAAAAADgPwAAAAAAAOA/AAAAAAAA4D8CAAAAjAAAAAAAAAAAAAAAu+DjDP///wgAAAAAAAAAAAAAAAAAAAAAAAAAAAAAAAAAAAAAZAAAAAEAAABAAAAAAAAAAAAAAAAAAAAAAAAAAAAAAAAAAAAAAAAAAAAAAAAAAAAAAAAAAAAAAAAAAAAAAAAAAAAAAAAAAAAAAAAAAAAAAAAAAAAAAAAAAAAAAAAAAAAAFAAAADwAAAAAAAAAAAAAAAAAAAkUAAAAAQAAABQAAAAUAAAAFAAAAAEAAAAAAAAAZAAAAGQAAAAAAAAAZAAAAGQAAAAVAAAAYAAAAAAAAAAAAAAADwAAACADAAAAAAAAAAAAAAEAAACgMgAAVgcAAKr4//8BAAAAf39/AAEAAABkAAAAAAAAABQAAABAHwAAAAAAACYAAAAAAAAAwOD//wAAAAAmAAAAZAAAABYAAABMAAAAAAAAAAAAAAAEAAAAAAAAAAEAAACAgIAKAAAAACgAAAAoAAAAZAAAAGQAAAAAAAAAzMzMAAAAAABQAAAAUAAAAGQAAABkAAAAAAAAABcAAAAUAAAAAAAAAAAAAAD/fwAA/38AAAAAAAAJAAAABAAAAAUAvGYMAAAAEAAAAAAAAAAAAAAAAAAAAAAAAAAeAAAAaAAAAAAAAAAAAAAAAAAAAAAAAAAAAAAAECcAABAnAAAAAAAAAAAAAAAAAAAAAAAAAAAAAAAAAAAAAAAAAAAAABQAAAAAAAAAwMD/AAAAAABkAAAAMgAAAAAAAABkAAAAAAAAAH9/fwAKAAAAHwAAAFQAAAAAAAAFAAAAAQAAAAAAAAAAAAAAAAAAAAAAAAAAAAAAAAAAAAAAAAAAAAAAAn9/fwAAAAADzMzMAMDA/wB/f38AAAAAAAAAAAAAAAAAAAAAAAAAAAAhAAAAGAAAABQAAABQKAAAGycAAHA1AABZKQAAEAAAACYAAAAIAAAAAAAAAAAAAAA="/>
               </a:ext>
             </a:extLst>
           </p:cNvSpPr>
@@ -2103,7 +2094,7 @@
           <a:lstStyle/>
           <a:p>
             <a:pPr/>
-            <a:fld id="{479E551A-54AA-CBA3-E426-A2F61B6812F7}" type="slidenum">
+            <a:fld id="{AA49444C-0247-1CB2-09F1-F4E70ABFFFA1}" type="slidenum">
               <a:t/>
             </a:fld>
           </a:p>
@@ -2141,7 +2132,7 @@
             <a:spLocks noGrp="1" noChangeArrowheads="1"/>
             <a:extLst>
               <a:ext uri="smNativeData">
-                <pr:smNativeData xmlns:pr="smNativeData" val="SMDATA_16_PPTaXhMAAAAlAAAAZAAAAA8BAAAAkAAAAEgAAACQAAAASAAAAAAAAAABAAAAAAAAAAEAAABQAAAAAAAAAAAA4D8AAAAAAADgPwAAAAAAAOA/AAAAAAAA4D8AAAAAAADgPwAAAAAAAOA/AAAAAAAA4D8AAAAAAADgPwAAAAAAAOA/AAAAAAAA4D8CAAAAjAAAAAAAAAAAAAAAu+DjDP///wgAAAAAAAAAAAAAAAAAAAAAAAAAAAAAAAAAAAAAZAAAAAEAAABAAAAAAAAAAAAAAAAAAAAAAAAAAAAAAAAAAAAAAAAAAAAAAAAAAAAAAAAAAAAAAAAAAAAAAAAAAAAAAAAAAAAAAAAAAAAAAAAAAAAAAAAAAAAAAAAAAAAAFAAAADwAAAAAAAAAAAAAAAAAAAkUAAAAAQAAABQAAAAUAAAAFAAAAAEAAAAAAAAAZAAAAGQAAAAAAAAAZAAAAGQAAAAVAAAAYAAAAAAAAAAAAAAADwAAACADAAAAAAAAAAAAAAEAAACgMgAAVgcAAKr4//8BAAAAf39/AAEAAABkAAAAAAAAABQAAABAHwAAAAAAACYAAAAAAAAAwOD//wAAAAAmAAAAZAAAABYAAABMAAAAAAAAAAAAAAAEAAAAAAAAAAEAAACAgIAKAAAAACgAAAAoAAAAZAAAAGQAAAAAAAAAzMzMAAAAAABQAAAAUAAAAGQAAABkAAAAAAAAABcAAAAUAAAAAAAAAAAAAAD/fwAA/38AAAAAAAAJAAAABAAAAAUACkkMAAAAEAAAAAAAAAAAAAAAAAAAAAAAAAAeAAAAaAAAAAAAAAAAAAAAAAAAAAAAAAAAAAAAECcAABAnAAAAAAAAAAAAAAAAAAAAAAAAAAAAAAAAAAAAAAAAAAAAABQAAAAAAAAAwMD/AAAAAABkAAAAMgAAAAAAAABkAAAAAAAAAH9/fwAKAAAAIgAAABgAAAAAAAAAAAAAAAAAAAAAAAAAAAAAAAAAAAAkAAAAJAAAAAAAAAAHAAAAAAAAAAAAAAAAAAAAAAAAAAAAAAAAAAAAf39/ACUAAABYAAAAAAAAAAAAAAAAAAAAAAAAAAAAAAAAAAAAAAAAAAAAAAAAAAAAAAAAAAAAAAA/AAAAAAAAAKCGAQAAAAAAAAAAAAAAAAAMAAAAAQAAAAAAAAAAAAAAAAAAAB8AAABUAAAAAAAABQAAAAEAAAAAAAAAAAAAAAAAAAAAAAAAAAAAAAAAAAAAAAAAAAAAAAJ/f38AAAAAA8zMzADAwP8Af39/AAAAAAAAAAAAAAAAAAAAAAAAAAAAIQAAABgAAAAUAAAA0AIAABsnAADwDwAAWSkAABAAAAAmAAAACAAAAAAAAAAAAAAA"/>
+                <pr:smNativeData xmlns:pr="smNativeData" val="SMDATA_13_4IlQXxMAAAAlAAAAZAAAAA8BAAAAkAAAAEgAAACQAAAASAAAAAAAAAABAAAAAAAAAAEAAABQAAAAAAAAAAAA4D8AAAAAAADgPwAAAAAAAOA/AAAAAAAA4D8AAAAAAADgPwAAAAAAAOA/AAAAAAAA4D8AAAAAAADgPwAAAAAAAOA/AAAAAAAA4D8CAAAAjAAAAAAAAAAAAAAAu+DjDP///wgAAAAAAAAAAAAAAAAAAAAAAAAAAAAAAAAAAAAAZAAAAAEAAABAAAAAAAAAAAAAAAAAAAAAAAAAAAAAAAAAAAAAAAAAAAAAAAAAAAAAAAAAAAAAAAAAAAAAAAAAAAAAAAAAAAAAAAAAAAAAAAAAAAAAAAAAAAAAAAAAAAAAFAAAADwAAAAAAAAAAAAAAAAAAAkUAAAAAQAAABQAAAAUAAAAFAAAAAEAAAAAAAAAZAAAAGQAAAAAAAAAZAAAAGQAAAAVAAAAYAAAAAAAAAAAAAAADwAAACADAAAAAAAAAAAAAAEAAACgMgAAVgcAAKr4//8BAAAAf39/AAEAAABkAAAAAAAAABQAAABAHwAAAAAAACYAAAAAAAAAwOD//wAAAAAmAAAAZAAAABYAAABMAAAAAAAAAAAAAAAEAAAAAAAAAAEAAACAgIAKAAAAACgAAAAoAAAAZAAAAGQAAAAAAAAAzMzMAAAAAABQAAAAUAAAAGQAAABkAAAAAAAAABcAAAAUAAAAAAAAAAAAAAD/fwAA/38AAAAAAAAJAAAABAAAAAUACkkMAAAAEAAAAAAAAAAAAAAAAAAAAAAAAAAeAAAAaAAAAAAAAAAAAAAAAAAAAAAAAAAAAAAAECcAABAnAAAAAAAAAAAAAAAAAAAAAAAAAAAAAAAAAAAAAAAAAAAAABQAAAAAAAAAwMD/AAAAAABkAAAAMgAAAAAAAABkAAAAAAAAAH9/fwAKAAAAHwAAAFQAAAAAAAAFAAAAAQAAAAAAAAAAAAAAAAAAAAAAAAAAAAAAAAAAAAAAAAAAAAAAAn9/fwAAAAADzMzMAMDA/wB/f38AAAAAAAAAAAAAAAAAAAAAAAAAAAAhAAAAGAAAABQAAADQAgAAGycAAPAPAABZKQAAEAAAACYAAAAIAAAAAAAAAAAAAAA="/>
               </a:ext>
             </a:extLst>
           </p:cNvSpPr>
@@ -2155,7 +2146,7 @@
           <a:lstStyle/>
           <a:p>
             <a:pPr/>
-            <a:fld id="{479E1076-38AA-CBE6-E426-CEB35E68129B}" type="datetime1">
+            <a:fld id="{AA496E0F-4147-1C98-09F1-B7CD20BFFFE2}" type="datetime1">
               <a:t/>
             </a:fld>
           </a:p>
@@ -2168,7 +2159,7 @@
             <a:spLocks noGrp="1" noChangeArrowheads="1"/>
             <a:extLst>
               <a:ext uri="smNativeData">
-                <pr:smNativeData xmlns:pr="smNativeData" val="SMDATA_16_PPTaXhMAAAAlAAAAZAAAAA8BAAAAkAAAAEgAAACQAAAASAAAAAAAAAABAAAAAAAAAAEAAABQAAAAAAAAAAAA4D8AAAAAAADgPwAAAAAAAOA/AAAAAAAA4D8AAAAAAADgPwAAAAAAAOA/AAAAAAAA4D8AAAAAAADgPwAAAAAAAOA/AAAAAAAA4D8CAAAAjAAAAAAAAAAAAAAAu+DjDP///wgAAAAAAAAAAAAAAAAAAAAAAAAAAAAAAAAAAAAAZAAAAAEAAABAAAAAAAAAAAAAAAAAAAAAAAAAAAAAAAAAAAAAAAAAAAAAAAAAAAAAAAAAAAAAAAAAAAAAAAAAAAAAAAAAAAAAAAAAAAAAAAAAAAAAAAAAAAAAAAAAAAAAFAAAADwAAAAAAAAAAAAAAAAAAAkUAAAAAQAAABQAAAAUAAAAFAAAAAEAAAAAAAAAZAAAAGQAAAAAAAAAZAAAAGQAAAAVAAAAYAAAAAAAAAAAAAAADwAAACADAAAAAAAAAAAAAAEAAACgMgAAVgcAAKr4//8BAAAAf39/AAEAAABkAAAAAAAAABQAAABAHwAAAAAAACYAAAAAAAAAwOD//wAAAAAmAAAAZAAAABYAAABMAAAAAAAAAAAAAAAEAAAAAAAAAAEAAACAgIAKAAAAACgAAAAoAAAAZAAAAGQAAAAAAAAAzMzMAAAAAABQAAAAUAAAAGQAAABkAAAAAAAAABcAAAAUAAAAAAAAAAAAAAD/fwAA/38AAAAAAAAJAAAABAAAAAAAAAAMAAAAEAAAAAAAAAAAAAAAAAAAAAAAAAAeAAAAaAAAAAAAAAAAAAAAAAAAAAAAAAAAAAAAECcAABAnAAAAAAAAAAAAAAAAAAAAAAAAAAAAAAAAAAAAAAAAAAAAABQAAAAAAAAAwMD/AAAAAABkAAAAMgAAAAAAAABkAAAAAAAAAH9/fwAKAAAAIgAAABgAAAAAAAAAAAAAAAAAAAAAAAAAAAAAAAAAAAAkAAAAJAAAAAAAAAAHAAAAAAAAAAAAAAAAAAAAAAAAAAAAAAAAAAAAf39/ACUAAABYAAAAAAAAAAAAAAAAAAAAAAAAAAAAAAAAAAAAAAAAAAAAAAAAAAAAAAAAAAAAAAA/AAAAAAAAAKCGAQAAAAAAAAAAAAAAAAAMAAAAAQAAAAAAAAAAAAAAAAAAAB8AAABUAAAAAAAABQAAAAEAAAAAAAAAAAAAAAAAAAAAAAAAAAAAAAAAAAAAAAAAAAAAAAJ/f38AAAAAA8zMzADAwP8Af39/AAAAAAAAAAAAAAAAAAAAAAAAAAAAIQAAABgAAAAUAAAAOBMAABsnAAAIJQAAWSkAABAAAAAmAAAACAAAAAAAAAAAAAAA"/>
+                <pr:smNativeData xmlns:pr="smNativeData" val="SMDATA_13_4IlQXxMAAAAlAAAAZAAAAA8BAAAAkAAAAEgAAACQAAAASAAAAAAAAAABAAAAAAAAAAEAAABQAAAAAAAAAAAA4D8AAAAAAADgPwAAAAAAAOA/AAAAAAAA4D8AAAAAAADgPwAAAAAAAOA/AAAAAAAA4D8AAAAAAADgPwAAAAAAAOA/AAAAAAAA4D8CAAAAjAAAAAAAAAAAAAAAu+DjDP///wgAAAAAAAAAAAAAAAAAAAAAAAAAAAAAAAAAAAAAZAAAAAEAAABAAAAAAAAAAAAAAAAAAAAAAAAAAAAAAAAAAAAAAAAAAAAAAAAAAAAAAAAAAAAAAAAAAAAAAAAAAAAAAAAAAAAAAAAAAAAAAAAAAAAAAAAAAAAAAAAAAAAAFAAAADwAAAAAAAAAAAAAAAAAAAkUAAAAAQAAABQAAAAUAAAAFAAAAAEAAAAAAAAAZAAAAGQAAAAAAAAAZAAAAGQAAAAVAAAAYAAAAAAAAAAAAAAADwAAACADAAAAAAAAAAAAAAEAAACgMgAAVgcAAKr4//8BAAAAf39/AAEAAABkAAAAAAAAABQAAABAHwAAAAAAACYAAAAAAAAAwOD//wAAAAAmAAAAZAAAABYAAABMAAAAAAAAAAAAAAAEAAAAAAAAAAEAAACAgIAKAAAAACgAAAAoAAAAZAAAAGQAAAAAAAAAzMzMAAAAAABQAAAAUAAAAGQAAABkAAAAAAAAABcAAAAUAAAAAAAAAAAAAAD/fwAA/38AAAAAAAAJAAAABAAAAAAAAAAMAAAAEAAAAAAAAAAAAAAAAAAAAAAAAAAeAAAAaAAAAAAAAAAAAAAAAAAAAAAAAAAAAAAAECcAABAnAAAAAAAAAAAAAAAAAAAAAAAAAAAAAAAAAAAAAAAAAAAAABQAAAAAAAAAwMD/AAAAAABkAAAAMgAAAAAAAABkAAAAAAAAAH9/fwAKAAAAHwAAAFQAAAAAAAAFAAAAAQAAAAAAAAAAAAAAAAAAAAAAAAAAAAAAAAAAAAAAAAAAAAAAAn9/fwAAAAADzMzMAMDA/wB/f38AAAAAAAAAAAAAAAAAAAAAAAAAAAAhAAAAGAAAABQAAAA4EwAAGycAAAglAABZKQAAEAAAACYAAAAIAAAAAAAAAAAAAAA="/>
               </a:ext>
             </a:extLst>
           </p:cNvSpPr>
@@ -2192,7 +2183,7 @@
             <a:spLocks noGrp="1" noChangeArrowheads="1"/>
             <a:extLst>
               <a:ext uri="smNativeData">
-                <pr:smNativeData xmlns:pr="smNativeData" val="SMDATA_16_PPTaXhMAAAAlAAAAZAAAAA8BAAAAkAAAAEgAAACQAAAASAAAAAAAAAABAAAAAAAAAAEAAABQAAAAAAAAAAAA4D8AAAAAAADgPwAAAAAAAOA/AAAAAAAA4D8AAAAAAADgPwAAAAAAAOA/AAAAAAAA4D8AAAAAAADgPwAAAAAAAOA/AAAAAAAA4D8CAAAAjAAAAAAAAAAAAAAAu+DjDP///wgAAAAAAAAAAAAAAAAAAAAAAAAAAAAAAAAAAAAAZAAAAAEAAABAAAAAAAAAAAAAAAAAAAAAAAAAAAAAAAAAAAAAAAAAAAAAAAAAAAAAAAAAAAAAAAAAAAAAAAAAAAAAAAAAAAAAAAAAAAAAAAAAAAAAAAAAAAAAAAAAAAAAFAAAADwAAAAAAAAAAAAAAAAAAAkUAAAAAQAAABQAAAAUAAAAFAAAAAEAAAAAAAAAZAAAAGQAAAAAAAAAZAAAAGQAAAAVAAAAYAAAAAAAAAAAAAAADwAAACADAAAAAAAAAAAAAAEAAACgMgAAVgcAAKr4//8BAAAAf39/AAEAAABkAAAAAAAAABQAAABAHwAAAAAAACYAAAAAAAAAwOD//wAAAAAmAAAAZAAAABYAAABMAAAAAAAAAAAAAAAEAAAAAAAAAAEAAACAgIAKAAAAACgAAAAoAAAAZAAAAGQAAAAAAAAAzMzMAAAAAABQAAAAUAAAAGQAAABkAAAAAAAAABcAAAAUAAAAAAAAAAAAAAD/fwAA/38AAAAAAAAJAAAABAAAAAAAAAAMAAAAEAAAAAAAAAAAAAAAAAAAAAAAAAAeAAAAaAAAAAAAAAAAAAAAAAAAAAAAAAAAAAAAECcAABAnAAAAAAAAAAAAAAAAAAAAAAAAAAAAAAAAAAAAAAAAAAAAABQAAAAAAAAAwMD/AAAAAABkAAAAMgAAAAAAAABkAAAAAAAAAH9/fwAKAAAAIgAAABgAAAAAAAAAAAAAAAAAAAAAAAAAAAAAAAAAAAAkAAAAJAAAAAAAAAAHAAAAAAAAAAAAAAAAAAAAAAAAAAAAAAAAAAAAf39/ACUAAABYAAAAAAAAAAAAAAAAAAAAAAAAAAAAAAAAAAAAAAAAAAAAAAAAAAAAAAAAAAAAAAA/AAAAAAAAAKCGAQAAAAAAAAAAAAAAAAAMAAAAAQAAAAAAAAAAAAAAAAAAAB8AAABUAAAAAAAABQAAAAEAAAAAAAAAAAAAAAAAAAAAAAAAAAAAAAAAAAAAAAAAAAAAAAJ/f38AAAAAA8zMzADAwP8Af39/AAAAAAAAAAAAAAAAAAAAAAAAAAAAIQAAABgAAAAUAAAAUCgAABsnAABwNQAAWSkAABAAAAAmAAAACAAAAAAAAAAAAAAA"/>
+                <pr:smNativeData xmlns:pr="smNativeData" val="SMDATA_13_4IlQXxMAAAAlAAAAZAAAAA8BAAAAkAAAAEgAAACQAAAASAAAAAAAAAABAAAAAAAAAAEAAABQAAAAAAAAAAAA4D8AAAAAAADgPwAAAAAAAOA/AAAAAAAA4D8AAAAAAADgPwAAAAAAAOA/AAAAAAAA4D8AAAAAAADgPwAAAAAAAOA/AAAAAAAA4D8CAAAAjAAAAAAAAAAAAAAAu+DjDP///wgAAAAAAAAAAAAAAAAAAAAAAAAAAAAAAAAAAAAAZAAAAAEAAABAAAAAAAAAAAAAAAAAAAAAAAAAAAAAAAAAAAAAAAAAAAAAAAAAAAAAAAAAAAAAAAAAAAAAAAAAAAAAAAAAAAAAAAAAAAAAAAAAAAAAAAAAAAAAAAAAAAAAFAAAADwAAAAAAAAAAAAAAAAAAAkUAAAAAQAAABQAAAAUAAAAFAAAAAEAAAAAAAAAZAAAAGQAAAAAAAAAZAAAAGQAAAAVAAAAYAAAAAAAAAAAAAAADwAAACADAAAAAAAAAAAAAAEAAACgMgAAVgcAAKr4//8BAAAAf39/AAEAAABkAAAAAAAAABQAAABAHwAAAAAAACYAAAAAAAAAwOD//wAAAAAmAAAAZAAAABYAAABMAAAAAAAAAAAAAAAEAAAAAAAAAAEAAACAgIAKAAAAACgAAAAoAAAAZAAAAGQAAAAAAAAAzMzMAAAAAABQAAAAUAAAAGQAAABkAAAAAAAAABcAAAAUAAAAAAAAAAAAAAD/fwAA/38AAAAAAAAJAAAABAAAAAAAAAAMAAAAEAAAAAAAAAAAAAAAAAAAAAAAAAAeAAAAaAAAAAAAAAAAAAAAAAAAAAAAAAAAAAAAECcAABAnAAAAAAAAAAAAAAAAAAAAAAAAAAAAAAAAAAAAAAAAAAAAABQAAAAAAAAAwMD/AAAAAABkAAAAMgAAAAAAAABkAAAAAAAAAH9/fwAKAAAAHwAAAFQAAAAAAAAFAAAAAQAAAAAAAAAAAAAAAAAAAAAAAAAAAAAAAAAAAAAAAAAAAAAAAn9/fwAAAAADzMzMAMDA/wB/f38AAAAAAAAAAAAAAAAAAAAAAAAAAAAhAAAAGAAAABQAAABQKAAAGycAAHA1AABZKQAAEAAAACYAAAAIAAAAAAAAAAAAAAA="/>
               </a:ext>
             </a:extLst>
           </p:cNvSpPr>
@@ -2206,7 +2197,7 @@
           <a:lstStyle/>
           <a:p>
             <a:pPr/>
-            <a:fld id="{479E4BD6-98AA-CBBD-E426-6EE80568123B}" type="slidenum">
+            <a:fld id="{AA49451E-5047-1CB3-09F1-A6E60BBFFFF3}" type="slidenum">
               <a:t/>
             </a:fld>
           </a:p>
@@ -2244,7 +2235,7 @@
             <a:spLocks noGrp="1" noChangeArrowheads="1"/>
             <a:extLst>
               <a:ext uri="smNativeData">
-                <pr:smNativeData xmlns:pr="smNativeData" val="SMDATA_16_PPTaXhMAAAAlAAAAZAAAAA8BAAAAkAAAAEgAAACQAAAASAAAAAAAAAACAAAAAAAAAAEAAABQAAAAAAAAAAAA4D8AAAAAAADgPwAAAAAAAOA/AAAAAAAA4D8AAAAAAADgPwAAAAAAAOA/AAAAAAAA4D8AAAAAAADgPwAAAAAAAOA/AAAAAAAA4D8CAAAAjAAAAAAAAAAAAAAAu+DjDP///wgAAAAAAAAAAAAAAAAAAAAAAAAAAAAAAAAAAAAAZAAAAAEAAABAAAAAAAAAAAAAAAAAAAAAAAAAAAAAAAAAAAAAAAAAAAAAAAAAAAAAAAAAAAAAAAAAAAAAAAAAAAAAAAAAAAAAAAAAAAAAAAAAAAAAAAAAAAAAAAAAAAAAFAAAADwAAAAAAAAAAAAAAAAAAAkUAAAAAQAAABQAAAAUAAAAFAAAAAEAAAAAAAAAZAAAAGQAAAAAAAAAZAAAAGQAAAAVAAAAYAAAAAAAAAAAAAAADwAAACADAAAAAAAAAAAAAAEAAACgMgAAVgcAAKr4//8BAAAAf39/AAEAAABkAAAAAAAAABQAAABAHwAAAAAAACYAAAAAAAAAwOD//wAAAAAmAAAAZAAAABYAAABMAAAAAAAAAAAAAAAEAAAAAAAAAAEAAACAgIAKAAAAACgAAAAoAAAAZAAAAGQAAAAAAAAAzMzMAAAAAABQAAAAUAAAAGQAAABkAAAAAAAAABcAAAAUAAAAAAAAAAAAAAD/fwAA/38AAAAAAAAJAAAABAAAAJ9SBQAMAAAAEAAAAAAAAAAAAAAAAAAAAAAAAAAeAAAAaAAAAAAAAAAAAAAAAAAAAAAAAAAAAAAAECcAABAnAAAAAAAAAAAAAAAAAAAAAAAAAAAAAAAAAAAAAAAAAAAAABQAAAAAAAAAwMD/AAAAAABkAAAAMgAAAAAAAABkAAAAAAAAAH9/fwAKAAAAIgAAABgAAAAAAAAAAAAAAAAAAAAAAAAAAAAAAAAAAAAkAAAAJAAAAAAAAAAHAAAAAAAAAAAAAAAAAAAAAAAAAAAAAAAAAAAAf39/ACUAAABYAAAAAAAAAAAAAAAAAAAAAAAAAAAAAAAAAAAAAAAAAAAAAAAAAAAAAAAAAAAAAAA/AAAAAAAAAKCGAQAAAAAAAAAAAAAAAAAMAAAAAQAAAAAAAAAAAAAAAAAAAB8AAABUAAAAAAAABQAAAAEAAAAAAAAAAAAAAAAAAAAAAAAAAAAAAAAAAAAAAAAAAAAAAAJ/f38AAAAAA8zMzADAwP8Af39/AAAAAAAAAAAAAAAAAAAAAAAAAAAAIQAAABgAAAAUAAAA0AIAAK4BAABSFQAA1AgAABAAAAAmAAAACAAAAIGAAAAAAAAA"/>
+                <pr:smNativeData xmlns:pr="smNativeData" val="SMDATA_13_4IlQXxMAAAAlAAAAZAAAAA8BAAAAkAAAAEgAAACQAAAASAAAAAAAAAACAAAAAAAAAAEAAABQAAAAAAAAAAAA4D8AAAAAAADgPwAAAAAAAOA/AAAAAAAA4D8AAAAAAADgPwAAAAAAAOA/AAAAAAAA4D8AAAAAAADgPwAAAAAAAOA/AAAAAAAA4D8CAAAAjAAAAAAAAAAAAAAAu+DjDP///wgAAAAAAAAAAAAAAAAAAAAAAAAAAAAAAAAAAAAAZAAAAAEAAABAAAAAAAAAAAAAAAAAAAAAAAAAAAAAAAAAAAAAAAAAAAAAAAAAAAAAAAAAAAAAAAAAAAAAAAAAAAAAAAAAAAAAAAAAAAAAAAAAAAAAAAAAAAAAAAAAAAAAFAAAADwAAAAAAAAAAAAAAAAAAAkUAAAAAQAAABQAAAAUAAAAFAAAAAEAAAAAAAAAZAAAAGQAAAAAAAAAZAAAAGQAAAAVAAAAYAAAAAAAAAAAAAAADwAAACADAAAAAAAAAAAAAAEAAACgMgAAVgcAAKr4//8BAAAAf39/AAEAAABkAAAAAAAAABQAAABAHwAAAAAAACYAAAAAAAAAwOD//wAAAAAmAAAAZAAAABYAAABMAAAAAAAAAAAAAAAEAAAAAAAAAAEAAACAgIAKAAAAACgAAAAoAAAAZAAAAGQAAAAAAAAAzMzMAAAAAABQAAAAUAAAAGQAAABkAAAAAAAAABcAAAAUAAAAAAAAAAAAAAD/fwAA/38AAAAAAAAJAAAABAAAAJ9SBQAMAAAAEAAAAAAAAAAAAAAAAAAAAAAAAAAeAAAAaAAAAAAAAAAAAAAAAAAAAAAAAAAAAAAAECcAABAnAAAAAAAAAAAAAAAAAAAAAAAAAAAAAAAAAAAAAAAAAAAAABQAAAAAAAAAwMD/AAAAAABkAAAAMgAAAAAAAABkAAAAAAAAAH9/fwAKAAAAHwAAAFQAAAAAAAAFAAAAAQAAAAAAAAAAAAAAAAAAAAAAAAAAAAAAAAAAAAAAAAAAAAAAAn9/fwAAAAADzMzMAMDA/wB/f38AAAAAAAAAAAAAAAAAAAAAAAAAAAAhAAAAGAAAABQAAADQAgAArgEAAFIVAADUCAAAEAAAACYAAAAIAAAAgYAAAAAAAAA="/>
               </a:ext>
             </a:extLst>
           </p:cNvSpPr>
@@ -2259,7 +2250,7 @@
           </a:xfrm>
         </p:spPr>
         <p:txBody>
-          <a:bodyPr vert="horz" wrap="square" numCol="1" anchor="b">
+          <a:bodyPr vert="horz" wrap="square" numCol="1" spcCol="215900" anchor="b">
             <a:prstTxWarp prst="textNoShape">
               <a:avLst/>
             </a:prstTxWarp>
@@ -2284,7 +2275,7 @@
             <a:spLocks noGrp="1" noChangeArrowheads="1"/>
             <a:extLst>
               <a:ext uri="smNativeData">
-                <pr:smNativeData xmlns:pr="smNativeData" val="SMDATA_16_PPTaXhMAAAAlAAAAZAAAAA8BAAAAkAAAAEgAAACQAAAASAAAAAAAAAAAAAAAAAAAAAEAAABQAAAAAAAAAAAA4D8AAAAAAADgPwAAAAAAAOA/AAAAAAAA4D8AAAAAAADgPwAAAAAAAOA/AAAAAAAA4D8AAAAAAADgPwAAAAAAAOA/AAAAAAAA4D8CAAAAjAAAAAAAAAAAAAAAu+DjDP///wgAAAAAAAAAAAAAAAAAAAAAAAAAAAAAAAAAAAAAZAAAAAEAAABAAAAAAAAAAAAAAAAAAAAAAAAAAAAAAAAAAAAAAAAAAAAAAAAAAAAAAAAAAAAAAAAAAAAAAAAAAAAAAAAAAAAAAAAAAAAAAAAAAAAAAAAAAAAAAAAAAAAAFAAAADwAAAAAAAAAAAAAAAAAAAkUAAAAAQAAABQAAAAUAAAAFAAAAAEAAAAAAAAAZAAAAGQAAAAAAAAAZAAAAGQAAAAVAAAAYAAAAAAAAAAAAAAADwAAACADAAAAAAAAAAAAAAEAAACgMgAAVgcAAKr4//8BAAAAf39/AAEAAABkAAAAAAAAABQAAABAHwAAAAAAACYAAAAAAAAAwOD//wAAAAAmAAAAZAAAABYAAABMAAAAAAAAAAAAAAAEAAAAAAAAAAEAAACAgIAKAAAAACgAAAAoAAAAZAAAAGQAAAAAAAAAzMzMAAAAAABQAAAAUAAAAGQAAABkAAAAAAAAABcAAAAUAAAAAAAAAAAAAAD/fwAA/38AAAAAAAAJAAAABAAAAExBVDEMAAAAEAAAAAAAAAAAAAAAAAAAAAAAAAAeAAAAaAAAAAAAAAAAAAAAAAAAAAAAAAAAAAAAECcAABAnAAAAAAAAAAAAAAAAAAAAAAAAAAAAAAAAAAAAAAAAAAAAABQAAAAAAAAAwMD/AAAAAABkAAAAMgAAAAAAAABkAAAAAAAAAH9/fwAKAAAAIgAAABgAAAAAAAAAAAAAAAAAAAAAAAAAAAAAAAAAAAAkAAAAJAAAAAAAAAAHAAAAAAAAAAAAAAAAAAAAAAAAAAAAAAAAAAAAf39/ACUAAABYAAAAAAAAAAAAAAAAAAAAAAAAAAAAAAAAAAAAAAAAAAAAAAAAAAAAAAAAAAAAAAA/AAAAAAAAAKCGAQAAAAAAAAAAAAAAAAAMAAAAAQAAAAAAAAAAAAAAAAAAAB8AAABUAAAAAAAABQAAAAEAAAAAAAAAAAAAAAAAAAAAAAAAAAAAAAAAAAAAAAAAAAAAAAJ/f38AAAAAA8zMzADAwP8Af39/AAAAAAAAAAAAAAAAAAAAAAAAAAAAIQAAABgAAAAUAAAA/hUAAK4BAABwNQAAsCUAABAAAAAmAAAACAAAAAGAAAAAAAAA"/>
+                <pr:smNativeData xmlns:pr="smNativeData" val="SMDATA_13_4IlQXxMAAAAlAAAAZAAAAA8BAAAAkAAAAEgAAACQAAAASAAAAAAAAAAAAAAAAAAAAAEAAABQAAAAAAAAAAAA4D8AAAAAAADgPwAAAAAAAOA/AAAAAAAA4D8AAAAAAADgPwAAAAAAAOA/AAAAAAAA4D8AAAAAAADgPwAAAAAAAOA/AAAAAAAA4D8CAAAAjAAAAAAAAAAAAAAAu+DjDP///wgAAAAAAAAAAAAAAAAAAAAAAAAAAAAAAAAAAAAAZAAAAAEAAABAAAAAAAAAAAAAAAAAAAAAAAAAAAAAAAAAAAAAAAAAAAAAAAAAAAAAAAAAAAAAAAAAAAAAAAAAAAAAAAAAAAAAAAAAAAAAAAAAAAAAAAAAAAAAAAAAAAAAFAAAADwAAAAAAAAAAAAAAAAAAAkUAAAAAQAAABQAAAAUAAAAFAAAAAEAAAAAAAAAZAAAAGQAAAAAAAAAZAAAAGQAAAAVAAAAYAAAAAAAAAAAAAAADwAAACADAAAAAAAAAAAAAAEAAACgMgAAVgcAAKr4//8BAAAAf39/AAEAAABkAAAAAAAAABQAAABAHwAAAAAAACYAAAAAAAAAwOD//wAAAAAmAAAAZAAAABYAAABMAAAAAAAAAAAAAAAEAAAAAAAAAAEAAACAgIAKAAAAACgAAAAoAAAAZAAAAGQAAAAAAAAAzMzMAAAAAABQAAAAUAAAAGQAAABkAAAAAAAAABcAAAAUAAAAAAAAAAAAAAD/fwAA/38AAAAAAAAJAAAABAAAAExBVDEMAAAAEAAAAAAAAAAAAAAAAAAAAAAAAAAeAAAAaAAAAAAAAAAAAAAAAAAAAAAAAAAAAAAAECcAABAnAAAAAAAAAAAAAAAAAAAAAAAAAAAAAAAAAAAAAAAAAAAAABQAAAAAAAAAwMD/AAAAAABkAAAAMgAAAAAAAABkAAAAAAAAAH9/fwAKAAAAHwAAAFQAAAAAAAAFAAAAAQAAAAAAAAAAAAAAAAAAAAAAAAAAAAAAAAAAAAAAAAAAAAAAAn9/fwAAAAADzMzMAMDA/wB/f38AAAAAAAAAAAAAAAAAAAAAAAAAAAAhAAAAGAAAABQAAAD+FQAArgEAAHA1AACwJQAAEAAAACYAAAAIAAAAAYAAAAAAAAA="/>
               </a:ext>
             </a:extLst>
           </p:cNvSpPr>
@@ -2368,7 +2359,7 @@
             <a:spLocks noGrp="1" noChangeArrowheads="1"/>
             <a:extLst>
               <a:ext uri="smNativeData">
-                <pr:smNativeData xmlns:pr="smNativeData" val="SMDATA_16_PPTaXhMAAAAlAAAAZAAAAA8BAAAAkAAAAEgAAACQAAAASAAAAAAAAAAAAAAAAAAAAAEAAABQAAAAAAAAAAAA4D8AAAAAAADgPwAAAAAAAOA/AAAAAAAA4D8AAAAAAADgPwAAAAAAAOA/AAAAAAAA4D8AAAAAAADgPwAAAAAAAOA/AAAAAAAA4D8CAAAAjAAAAAAAAAAAAAAAu+DjDP///wgAAAAAAAAAAAAAAAAAAAAAAAAAAAAAAAAAAAAAZAAAAAEAAABAAAAAAAAAAAAAAAAAAAAAAAAAAAAAAAAAAAAAAAAAAAAAAAAAAAAAAAAAAAAAAAAAAAAAAAAAAAAAAAAAAAAAAAAAAAAAAAAAAAAAAAAAAAAAAAAAAAAAFAAAADwAAAAAAAAAAAAAAAAAAAkUAAAAAQAAABQAAAAUAAAAFAAAAAEAAAAAAAAAZAAAAGQAAAAAAAAAZAAAAGQAAAAVAAAAYAAAAAAAAAAAAAAADwAAACADAAAAAAAAAAAAAAEAAACgMgAAVgcAAKr4//8BAAAAf39/AAEAAABkAAAAAAAAABQAAABAHwAAAAAAACYAAAAAAAAAwOD//wAAAAAmAAAAZAAAABYAAABMAAAAAAAAAAAAAAAEAAAAAAAAAAEAAACAgIAKAAAAACgAAAAoAAAAZAAAAGQAAAAAAAAAzMzMAAAAAABQAAAAUAAAAGQAAABkAAAAAAAAABcAAAAUAAAAAAAAAAAAAAD/fwAA/38AAAAAAAAJAAAABAAAAAAAAAAMAAAAEAAAAAAAAAAAAAAAAAAAAAAAAAAeAAAAaAAAAAAAAAAAAAAAAAAAAAAAAAAAAAAAECcAABAnAAAAAAAAAAAAAAAAAAAAAAAAAAAAAAAAAAAAAAAAAAAAABQAAAAAAAAAwMD/AAAAAABkAAAAMgAAAAAAAABkAAAAAAAAAH9/fwAKAAAAIgAAABgAAAAAAAAAAAAAAAAAAAAAAAAAAAAAAAAAAAAkAAAAJAAAAAAAAAAHAAAAAAAAAAAAAAAAAAAAAAAAAAAAAAAAAAAAf39/ACUAAABYAAAAAAAAAAAAAAAAAAAAAAAAAAAAAAAAAAAAAAAAAAAAAAAAAAAAAAAAAAAAAAA/AAAAAAAAAKCGAQAAAAAAAAAAAAAAAAAMAAAAAQAAAAAAAAAAAAAAAAAAAB8AAABUAAAAAAAABQAAAAEAAAAAAAAAAAAAAAAAAAAAAAAAAAAAAAAAAAAAAAAAAAAAAAJ/f38AAAAAA8zMzADAwP8Af39/AAAAAAAAAAAAAAAAAAAAAAAAAAAAIQAAABgAAAAUAAAA0AIAANQIAABSFQAAsCUAABAAAAAmAAAACAAAAAGAAAAAAAAA"/>
+                <pr:smNativeData xmlns:pr="smNativeData" val="SMDATA_13_4IlQXxMAAAAlAAAAZAAAAA8BAAAAkAAAAEgAAACQAAAASAAAAAAAAAAAAAAAAAAAAAEAAABQAAAAAAAAAAAA4D8AAAAAAADgPwAAAAAAAOA/AAAAAAAA4D8AAAAAAADgPwAAAAAAAOA/AAAAAAAA4D8AAAAAAADgPwAAAAAAAOA/AAAAAAAA4D8CAAAAjAAAAAAAAAAAAAAAu+DjDP///wgAAAAAAAAAAAAAAAAAAAAAAAAAAAAAAAAAAAAAZAAAAAEAAABAAAAAAAAAAAAAAAAAAAAAAAAAAAAAAAAAAAAAAAAAAAAAAAAAAAAAAAAAAAAAAAAAAAAAAAAAAAAAAAAAAAAAAAAAAAAAAAAAAAAAAAAAAAAAAAAAAAAAFAAAADwAAAAAAAAAAAAAAAAAAAkUAAAAAQAAABQAAAAUAAAAFAAAAAEAAAAAAAAAZAAAAGQAAAAAAAAAZAAAAGQAAAAVAAAAYAAAAAAAAAAAAAAADwAAACADAAAAAAAAAAAAAAEAAACgMgAAVgcAAKr4//8BAAAAf39/AAEAAABkAAAAAAAAABQAAABAHwAAAAAAACYAAAAAAAAAwOD//wAAAAAmAAAAZAAAABYAAABMAAAAAAAAAAAAAAAEAAAAAAAAAAEAAACAgIAKAAAAACgAAAAoAAAAZAAAAGQAAAAAAAAAzMzMAAAAAABQAAAAUAAAAGQAAABkAAAAAAAAABcAAAAUAAAAAAAAAAAAAAD/fwAA/38AAAAAAAAJAAAABAAAAAAAAAAMAAAAEAAAAAAAAAAAAAAAAAAAAAAAAAAeAAAAaAAAAAAAAAAAAAAAAAAAAAAAAAAAAAAAECcAABAnAAAAAAAAAAAAAAAAAAAAAAAAAAAAAAAAAAAAAAAAAAAAABQAAAAAAAAAwMD/AAAAAABkAAAAMgAAAAAAAABkAAAAAAAAAH9/fwAKAAAAHwAAAFQAAAAAAAAFAAAAAQAAAAAAAAAAAAAAAAAAAAAAAAAAAAAAAAAAAAAAAAAAAAAAAn9/fwAAAAADzMzMAMDA/wB/f38AAAAAAAAAAAAAAAAAAAAAAAAAAAAhAAAAGAAAABQAAADQAgAA1AgAAFIVAACwJQAAEAAAACYAAAAIAAAAAYAAAAAAAAA="/>
               </a:ext>
             </a:extLst>
           </p:cNvSpPr>
@@ -2437,7 +2428,7 @@
             <a:spLocks noGrp="1" noChangeArrowheads="1"/>
             <a:extLst>
               <a:ext uri="smNativeData">
-                <pr:smNativeData xmlns:pr="smNativeData" val="SMDATA_16_PPTaXhMAAAAlAAAAZAAAAA8BAAAAkAAAAEgAAACQAAAASAAAAAAAAAABAAAAAAAAAAEAAABQAAAAAAAAAAAA4D8AAAAAAADgPwAAAAAAAOA/AAAAAAAA4D8AAAAAAADgPwAAAAAAAOA/AAAAAAAA4D8AAAAAAADgPwAAAAAAAOA/AAAAAAAA4D8CAAAAjAAAAAAAAAAAAAAAu+DjDP///wgAAAAAAAAAAAAAAAAAAAAAAAAAAAAAAAAAAAAAZAAAAAEAAABAAAAAAAAAAAAAAAAAAAAAAAAAAAAAAAAAAAAAAAAAAAAAAAAAAAAAAAAAAAAAAAAAAAAAAAAAAAAAAAAAAAAAAAAAAAAAAAAAAAAAAAAAAAAAAAAAAAAAFAAAADwAAAAAAAAAAAAAAAAAAAkUAAAAAQAAABQAAAAUAAAAFAAAAAEAAAAAAAAAZAAAAGQAAAAAAAAAZAAAAGQAAAAVAAAAYAAAAAAAAAAAAAAADwAAACADAAAAAAAAAAAAAAEAAACgMgAAVgcAAKr4//8BAAAAf39/AAEAAABkAAAAAAAAABQAAABAHwAAAAAAACYAAAAAAAAAwOD//wAAAAAmAAAAZAAAABYAAABMAAAAAAAAAAAAAAAEAAAAAAAAAAEAAACAgIAKAAAAACgAAAAoAAAAZAAAAGQAAAAAAAAAzMzMAAAAAABQAAAAUAAAAGQAAABkAAAAAAAAABcAAAAUAAAAAAAAAAAAAAD/fwAA/38AAAAAAAAJAAAABAAAANuzBQAMAAAAEAAAAAAAAAAAAAAAAAAAAAAAAAAeAAAAaAAAAAAAAAAAAAAAAAAAAAAAAAAAAAAAECcAABAnAAAAAAAAAAAAAAAAAAAAAAAAAAAAAAAAAAAAAAAAAAAAABQAAAAAAAAAwMD/AAAAAABkAAAAMgAAAAAAAABkAAAAAAAAAH9/fwAKAAAAIgAAABgAAAAAAAAAAAAAAAAAAAAAAAAAAAAAAAAAAAAkAAAAJAAAAAAAAAAHAAAAAAAAAAAAAAAAAAAAAAAAAAAAAAAAAAAAf39/ACUAAABYAAAAAAAAAAAAAAAAAAAAAAAAAAAAAAAAAAAAAAAAAAAAAAAAAAAAAAAAAAAAAAA/AAAAAAAAAKCGAQAAAAAAAAAAAAAAAAAMAAAAAQAAAAAAAAAAAAAAAAAAAB8AAABUAAAAAAAABQAAAAEAAAAAAAAAAAAAAAAAAAAAAAAAAAAAAAAAAAAAAAAAAAAAAAJ/f38AAAAAA8zMzADAwP8Af39/AAAAAAAAAAAAAAAAAAAAAAAAAAAAIQAAABgAAAAUAAAA0AIAABsnAADwDwAAWSkAABAAAAAmAAAACAAAAAAAAAAAAAAA"/>
+                <pr:smNativeData xmlns:pr="smNativeData" val="SMDATA_13_4IlQXxMAAAAlAAAAZAAAAA8BAAAAkAAAAEgAAACQAAAASAAAAAAAAAABAAAAAAAAAAEAAABQAAAAAAAAAAAA4D8AAAAAAADgPwAAAAAAAOA/AAAAAAAA4D8AAAAAAADgPwAAAAAAAOA/AAAAAAAA4D8AAAAAAADgPwAAAAAAAOA/AAAAAAAA4D8CAAAAjAAAAAAAAAAAAAAAu+DjDP///wgAAAAAAAAAAAAAAAAAAAAAAAAAAAAAAAAAAAAAZAAAAAEAAABAAAAAAAAAAAAAAAAAAAAAAAAAAAAAAAAAAAAAAAAAAAAAAAAAAAAAAAAAAAAAAAAAAAAAAAAAAAAAAAAAAAAAAAAAAAAAAAAAAAAAAAAAAAAAAAAAAAAAFAAAADwAAAAAAAAAAAAAAAAAAAkUAAAAAQAAABQAAAAUAAAAFAAAAAEAAAAAAAAAZAAAAGQAAAAAAAAAZAAAAGQAAAAVAAAAYAAAAAAAAAAAAAAADwAAACADAAAAAAAAAAAAAAEAAACgMgAAVgcAAKr4//8BAAAAf39/AAEAAABkAAAAAAAAABQAAABAHwAAAAAAACYAAAAAAAAAwOD//wAAAAAmAAAAZAAAABYAAABMAAAAAAAAAAAAAAAEAAAAAAAAAAEAAACAgIAKAAAAACgAAAAoAAAAZAAAAGQAAAAAAAAAzMzMAAAAAABQAAAAUAAAAGQAAABkAAAAAAAAABcAAAAUAAAAAAAAAAAAAAD/fwAA/38AAAAAAAAJAAAABAAAANuzBQAMAAAAEAAAAAAAAAAAAAAAAAAAAAAAAAAeAAAAaAAAAAAAAAAAAAAAAAAAAAAAAAAAAAAAECcAABAnAAAAAAAAAAAAAAAAAAAAAAAAAAAAAAAAAAAAAAAAAAAAABQAAAAAAAAAwMD/AAAAAABkAAAAMgAAAAAAAABkAAAAAAAAAH9/fwAKAAAAHwAAAFQAAAAAAAAFAAAAAQAAAAAAAAAAAAAAAAAAAAAAAAAAAAAAAAAAAAAAAAAAAAAAAn9/fwAAAAADzMzMAMDA/wB/f38AAAAAAAAAAAAAAAAAAAAAAAAAAAAhAAAAGAAAABQAAADQAgAAGycAAPAPAABZKQAAEAAAACYAAAAIAAAAAAAAAAAAAAA="/>
               </a:ext>
             </a:extLst>
           </p:cNvSpPr>
@@ -2451,7 +2442,7 @@
           <a:lstStyle/>
           <a:p>
             <a:pPr/>
-            <a:fld id="{479E45CA-84AA-CBB3-E426-72E60B681227}" type="datetime1">
+            <a:fld id="{AA492BDC-9247-1CDD-09F1-648865BFFF31}" type="datetime1">
               <a:t/>
             </a:fld>
           </a:p>
@@ -2464,7 +2455,7 @@
             <a:spLocks noGrp="1" noChangeArrowheads="1"/>
             <a:extLst>
               <a:ext uri="smNativeData">
-                <pr:smNativeData xmlns:pr="smNativeData" val="SMDATA_16_PPTaXhMAAAAlAAAAZAAAAA8BAAAAkAAAAEgAAACQAAAASAAAAAAAAAABAAAAAAAAAAEAAABQAAAAAAAAAAAA4D8AAAAAAADgPwAAAAAAAOA/AAAAAAAA4D8AAAAAAADgPwAAAAAAAOA/AAAAAAAA4D8AAAAAAADgPwAAAAAAAOA/AAAAAAAA4D8CAAAAjAAAAAAAAAAAAAAAu+DjDP///wgAAAAAAAAAAAAAAAAAAAAAAAAAAAAAAAAAAAAAZAAAAAEAAABAAAAAAAAAAAAAAAAAAAAAAAAAAAAAAAAAAAAAAAAAAAAAAAAAAAAAAAAAAAAAAAAAAAAAAAAAAAAAAAAAAAAAAAAAAAAAAAAAAAAAAAAAAAAAAAAAAAAAFAAAADwAAAAAAAAAAAAAAAAAAAkUAAAAAQAAABQAAAAUAAAAFAAAAAEAAAAAAAAAZAAAAGQAAAAAAAAAZAAAAGQAAAAVAAAAYAAAAAAAAAAAAAAADwAAACADAAAAAAAAAAAAAAEAAACgMgAAVgcAAKr4//8BAAAAf39/AAEAAABkAAAAAAAAABQAAABAHwAAAAAAACYAAAAAAAAAwOD//wAAAAAmAAAAZAAAABYAAABMAAAAAAAAAAAAAAAEAAAAAAAAAAEAAACAgIAKAAAAACgAAAAoAAAAZAAAAGQAAAAAAAAAzMzMAAAAAABQAAAAUAAAAGQAAABkAAAAAAAAABcAAAAUAAAAAAAAAAAAAAD/fwAA/38AAAAAAAAJAAAABAAAAAAAAAAMAAAAEAAAAAAAAAAAAAAAAAAAAAAAAAAeAAAAaAAAAAAAAAAAAAAAAAAAAAAAAAAAAAAAECcAABAnAAAAAAAAAAAAAAAAAAAAAAAAAAAAAAAAAAAAAAAAAAAAABQAAAAAAAAAwMD/AAAAAABkAAAAMgAAAAAAAABkAAAAAAAAAH9/fwAKAAAAIgAAABgAAAAAAAAAAAAAAAAAAAAAAAAAAAAAAAAAAAAkAAAAJAAAAAAAAAAHAAAAAAAAAAAAAAAAAAAAAAAAAAAAAAAAAAAAf39/ACUAAABYAAAAAAAAAAAAAAAAAAAAAAAAAAAAAAAAAAAAAAAAAAAAAAAAAAAAAAAAAAAAAAA/AAAAAAAAAKCGAQAAAAAAAAAAAAAAAAAMAAAAAQAAAAAAAAAAAAAAAAAAAB8AAABUAAAAAAAABQAAAAEAAAAAAAAAAAAAAAAAAAAAAAAAAAAAAAAAAAAAAAAAAAAAAAJ/f38AAAAAA8zMzADAwP8Af39/AAAAAAAAAAAAAAAAAAAAAAAAAAAAIQAAABgAAAAUAAAAOBMAABsnAAAIJQAAWSkAABAAAAAmAAAACAAAAAAAAAAAAAAA"/>
+                <pr:smNativeData xmlns:pr="smNativeData" val="SMDATA_13_4IlQXxMAAAAlAAAAZAAAAA8BAAAAkAAAAEgAAACQAAAASAAAAAAAAAABAAAAAAAAAAEAAABQAAAAAAAAAAAA4D8AAAAAAADgPwAAAAAAAOA/AAAAAAAA4D8AAAAAAADgPwAAAAAAAOA/AAAAAAAA4D8AAAAAAADgPwAAAAAAAOA/AAAAAAAA4D8CAAAAjAAAAAAAAAAAAAAAu+DjDP///wgAAAAAAAAAAAAAAAAAAAAAAAAAAAAAAAAAAAAAZAAAAAEAAABAAAAAAAAAAAAAAAAAAAAAAAAAAAAAAAAAAAAAAAAAAAAAAAAAAAAAAAAAAAAAAAAAAAAAAAAAAAAAAAAAAAAAAAAAAAAAAAAAAAAAAAAAAAAAAAAAAAAAFAAAADwAAAAAAAAAAAAAAAAAAAkUAAAAAQAAABQAAAAUAAAAFAAAAAEAAAAAAAAAZAAAAGQAAAAAAAAAZAAAAGQAAAAVAAAAYAAAAAAAAAAAAAAADwAAACADAAAAAAAAAAAAAAEAAACgMgAAVgcAAKr4//8BAAAAf39/AAEAAABkAAAAAAAAABQAAABAHwAAAAAAACYAAAAAAAAAwOD//wAAAAAmAAAAZAAAABYAAABMAAAAAAAAAAAAAAAEAAAAAAAAAAEAAACAgIAKAAAAACgAAAAoAAAAZAAAAGQAAAAAAAAAzMzMAAAAAABQAAAAUAAAAGQAAABkAAAAAAAAABcAAAAUAAAAAAAAAAAAAAD/fwAA/38AAAAAAAAJAAAABAAAAAAAAAAMAAAAEAAAAAAAAAAAAAAAAAAAAAAAAAAeAAAAaAAAAAAAAAAAAAAAAAAAAAAAAAAAAAAAECcAABAnAAAAAAAAAAAAAAAAAAAAAAAAAAAAAAAAAAAAAAAAAAAAABQAAAAAAAAAwMD/AAAAAABkAAAAMgAAAAAAAABkAAAAAAAAAH9/fwAKAAAAHwAAAFQAAAAAAAAFAAAAAQAAAAAAAAAAAAAAAAAAAAAAAAAAAAAAAAAAAAAAAAAAAAAAAn9/fwAAAAADzMzMAMDA/wB/f38AAAAAAAAAAAAAAAAAAAAAAAAAAAAhAAAAGAAAABQAAAA4EwAAGycAAAglAABZKQAAEAAAACYAAAAIAAAAAAAAAAAAAAA="/>
               </a:ext>
             </a:extLst>
           </p:cNvSpPr>
@@ -2488,7 +2479,7 @@
             <a:spLocks noGrp="1" noChangeArrowheads="1"/>
             <a:extLst>
               <a:ext uri="smNativeData">
-                <pr:smNativeData xmlns:pr="smNativeData" val="SMDATA_16_PPTaXhMAAAAlAAAAZAAAAA8BAAAAkAAAAEgAAACQAAAASAAAAAAAAAABAAAAAAAAAAEAAABQAAAAAAAAAAAA4D8AAAAAAADgPwAAAAAAAOA/AAAAAAAA4D8AAAAAAADgPwAAAAAAAOA/AAAAAAAA4D8AAAAAAADgPwAAAAAAAOA/AAAAAAAA4D8CAAAAjAAAAAAAAAAAAAAAu+DjDP///wgAAAAAAAAAAAAAAAAAAAAAAAAAAAAAAAAAAAAAZAAAAAEAAABAAAAAAAAAAAAAAAAAAAAAAAAAAAAAAAAAAAAAAAAAAAAAAAAAAAAAAAAAAAAAAAAAAAAAAAAAAAAAAAAAAAAAAAAAAAAAAAAAAAAAAAAAAAAAAAAAAAAAFAAAADwAAAAAAAAAAAAAAAAAAAkUAAAAAQAAABQAAAAUAAAAFAAAAAEAAAAAAAAAZAAAAGQAAAAAAAAAZAAAAGQAAAAVAAAAYAAAAAAAAAAAAAAADwAAACADAAAAAAAAAAAAAAEAAACgMgAAVgcAAKr4//8BAAAAf39/AAEAAABkAAAAAAAAABQAAABAHwAAAAAAACYAAAAAAAAAwOD//wAAAAAmAAAAZAAAABYAAABMAAAAAAAAAAAAAAAEAAAAAAAAAAEAAACAgIAKAAAAACgAAAAoAAAAZAAAAGQAAAAAAAAAzMzMAAAAAABQAAAAUAAAAGQAAABkAAAAAAAAABcAAAAUAAAAAAAAAAAAAAD/fwAA/38AAAAAAAAJAAAABAAAAFFFn4oMAAAAEAAAAAAAAAAAAAAAAAAAAAAAAAAeAAAAaAAAAAAAAAAAAAAAAAAAAAAAAAAAAAAAECcAABAnAAAAAAAAAAAAAAAAAAAAAAAAAAAAAAAAAAAAAAAAAAAAABQAAAAAAAAAwMD/AAAAAABkAAAAMgAAAAAAAABkAAAAAAAAAH9/fwAKAAAAIgAAABgAAAAAAAAAAAAAAAAAAAAAAAAAAAAAAAAAAAAkAAAAJAAAAAAAAAAHAAAAAAAAAAAAAAAAAAAAAAAAAAAAAAAAAAAAf39/ACUAAABYAAAAAAAAAAAAAAAAAAAAAAAAAAAAAAAAAAAAAAAAAAAAAAAAAAAAAAAAAAAAAAA/AAAAAAAAAKCGAQAAAAAAAAAAAAAAAAAMAAAAAQAAAAAAAAAAAAAAAAAAAB8AAABUAAAAAAAABQAAAAEAAAAAAAAAAAAAAAAAAAAAAAAAAAAAAAAAAAAAAAAAAAAAAAJ/f38AAAAAA8zMzADAwP8Af39/AAAAAAAAAAAAAAAAAAAAAAAAAAAAIQAAABgAAAAUAAAAUCgAABsnAABwNQAAWSkAABAAAAAmAAAACAAAAAAAAAAAAAAA"/>
+                <pr:smNativeData xmlns:pr="smNativeData" val="SMDATA_13_4IlQXxMAAAAlAAAAZAAAAA8BAAAAkAAAAEgAAACQAAAASAAAAAAAAAABAAAAAAAAAAEAAABQAAAAAAAAAAAA4D8AAAAAAADgPwAAAAAAAOA/AAAAAAAA4D8AAAAAAADgPwAAAAAAAOA/AAAAAAAA4D8AAAAAAADgPwAAAAAAAOA/AAAAAAAA4D8CAAAAjAAAAAAAAAAAAAAAu+DjDP///wgAAAAAAAAAAAAAAAAAAAAAAAAAAAAAAAAAAAAAZAAAAAEAAABAAAAAAAAAAAAAAAAAAAAAAAAAAAAAAAAAAAAAAAAAAAAAAAAAAAAAAAAAAAAAAAAAAAAAAAAAAAAAAAAAAAAAAAAAAAAAAAAAAAAAAAAAAAAAAAAAAAAAFAAAADwAAAAAAAAAAAAAAAAAAAkUAAAAAQAAABQAAAAUAAAAFAAAAAEAAAAAAAAAZAAAAGQAAAAAAAAAZAAAAGQAAAAVAAAAYAAAAAAAAAAAAAAADwAAACADAAAAAAAAAAAAAAEAAACgMgAAVgcAAKr4//8BAAAAf39/AAEAAABkAAAAAAAAABQAAABAHwAAAAAAACYAAAAAAAAAwOD//wAAAAAmAAAAZAAAABYAAABMAAAAAAAAAAAAAAAEAAAAAAAAAAEAAACAgIAKAAAAACgAAAAoAAAAZAAAAGQAAAAAAAAAzMzMAAAAAABQAAAAUAAAAGQAAABkAAAAAAAAABcAAAAUAAAAAAAAAAAAAAD/fwAA/38AAAAAAAAJAAAABAAAAFFFn4oMAAAAEAAAAAAAAAAAAAAAAAAAAAAAAAAeAAAAaAAAAAAAAAAAAAAAAAAAAAAAAAAAAAAAECcAABAnAAAAAAAAAAAAAAAAAAAAAAAAAAAAAAAAAAAAAAAAAAAAABQAAAAAAAAAwMD/AAAAAABkAAAAMgAAAAAAAABkAAAAAAAAAH9/fwAKAAAAHwAAAFQAAAAAAAAFAAAAAQAAAAAAAAAAAAAAAAAAAAAAAAAAAAAAAAAAAAAAAAAAAAAAAn9/fwAAAAADzMzMAMDA/wB/f38AAAAAAAAAAAAAAAAAAAAAAAAAAAAhAAAAGAAAABQAAABQKAAAGycAAHA1AABZKQAAEAAAACYAAAAIAAAAAAAAAAAAAAA="/>
               </a:ext>
             </a:extLst>
           </p:cNvSpPr>
@@ -2502,7 +2493,7 @@
           <a:lstStyle/>
           <a:p>
             <a:pPr/>
-            <a:fld id="{479E7540-0EAA-CB83-E426-F8D63B6812AD}" type="slidenum">
+            <a:fld id="{AA491053-1D47-1CE6-09F1-EBB35EBFFFBE}" type="slidenum">
               <a:t/>
             </a:fld>
           </a:p>
@@ -2540,7 +2531,7 @@
             <a:spLocks noGrp="1" noChangeArrowheads="1"/>
             <a:extLst>
               <a:ext uri="smNativeData">
-                <pr:smNativeData xmlns:pr="smNativeData" val="SMDATA_16_PPTaXhMAAAAlAAAAZAAAAA8BAAAAkAAAAEgAAACQAAAASAAAAAAAAAACAAAAAAAAAAEAAABQAAAAAAAAAAAA4D8AAAAAAADgPwAAAAAAAOA/AAAAAAAA4D8AAAAAAADgPwAAAAAAAOA/AAAAAAAA4D8AAAAAAADgPwAAAAAAAOA/AAAAAAAA4D8CAAAAjAAAAAAAAAAAAAAAu+DjDP///wgAAAAAAAAAAAAAAAAAAAAAAAAAAAAAAAAAAAAAZAAAAAEAAABAAAAAAAAAAAAAAAAAAAAAAAAAAAAAAAAAAAAAAAAAAAAAAAAAAAAAAAAAAAAAAAAAAAAAAAAAAAAAAAAAAAAAAAAAAAAAAAAAAAAAAAAAAAAAAAAAAAAAFAAAADwAAAAAAAAAAAAAAAAAAAkUAAAAAQAAABQAAAAUAAAAFAAAAAEAAAAAAAAAZAAAAGQAAAAAAAAAZAAAAGQAAAAVAAAAYAAAAAAAAAAAAAAADwAAACADAAAAAAAAAAAAAAEAAACgMgAAVgcAAKr4//8BAAAAf39/AAEAAABkAAAAAAAAABQAAABAHwAAAAAAACYAAAAAAAAAwOD//wAAAAAmAAAAZAAAABYAAABMAAAAAAAAAAAAAAAEAAAAAAAAAAEAAACAgIAKAAAAACgAAAAoAAAAZAAAAGQAAAAAAAAAzMzMAAAAAABQAAAAUAAAAGQAAABkAAAAAAAAABcAAAAUAAAAAAAAAAAAAAD/fwAA/38AAAAAAAAJAAAABAAAAAQAYEMMAAAAEAAAAAAAAAAAAAAAAAAAAAAAAAAeAAAAaAAAAAAAAAAAAAAAAAAAAAAAAAAAAAAAECcAABAnAAAAAAAAAAAAAAAAAAAAAAAAAAAAAAAAAAAAAAAAAAAAABQAAAAAAAAAwMD/AAAAAABkAAAAMgAAAAAAAABkAAAAAAAAAH9/fwAKAAAAIgAAABgAAAAAAAAAAAAAAAAAAAAAAAAAAAAAAAAAAAAkAAAAJAAAAAAAAAAHAAAAAAAAAAAAAAAAAAAAAAAAAAAAAAAAAAAAf39/ACUAAABYAAAAAAAAAAAAAAAAAAAAAAAAAAAAAAAAAAAAAAAAAAAAAAAAAAAAAAAAAAAAAAA/AAAAAAAAAKCGAQAAAAAAAAAAAAAAAAAMAAAAAQAAAAAAAAAAAAAAAAAAAB8AAABUAAAAAAAABQAAAAEAAAAAAAAAAAAAAAAAAAAAAAAAAAAAAAAAAAAAAAAAAAAAAAJ/f38AAAAAA8zMzADAwP8Af39/AAAAAAAAAAAAAAAAAAAAAAAAAAAAIQAAABgAAAAUAAAABgsAAIgdAADGLAAABCEAABAAAAAmAAAACAAAAIGAAAAAAAAA"/>
+                <pr:smNativeData xmlns:pr="smNativeData" val="SMDATA_13_4IlQXxMAAAAlAAAAZAAAAA8BAAAAkAAAAEgAAACQAAAASAAAAAAAAAACAAAAAAAAAAEAAABQAAAAAAAAAAAA4D8AAAAAAADgPwAAAAAAAOA/AAAAAAAA4D8AAAAAAADgPwAAAAAAAOA/AAAAAAAA4D8AAAAAAADgPwAAAAAAAOA/AAAAAAAA4D8CAAAAjAAAAAAAAAAAAAAAu+DjDP///wgAAAAAAAAAAAAAAAAAAAAAAAAAAAAAAAAAAAAAZAAAAAEAAABAAAAAAAAAAAAAAAAAAAAAAAAAAAAAAAAAAAAAAAAAAAAAAAAAAAAAAAAAAAAAAAAAAAAAAAAAAAAAAAAAAAAAAAAAAAAAAAAAAAAAAAAAAAAAAAAAAAAAFAAAADwAAAAAAAAAAAAAAAAAAAkUAAAAAQAAABQAAAAUAAAAFAAAAAEAAAAAAAAAZAAAAGQAAAAAAAAAZAAAAGQAAAAVAAAAYAAAAAAAAAAAAAAADwAAACADAAAAAAAAAAAAAAEAAACgMgAAVgcAAKr4//8BAAAAf39/AAEAAABkAAAAAAAAABQAAABAHwAAAAAAACYAAAAAAAAAwOD//wAAAAAmAAAAZAAAABYAAABMAAAAAAAAAAAAAAAEAAAAAAAAAAEAAACAgIAKAAAAACgAAAAoAAAAZAAAAGQAAAAAAAAAzMzMAAAAAABQAAAAUAAAAGQAAABkAAAAAAAAABcAAAAUAAAAAAAAAAAAAAD/fwAA/38AAAAAAAAJAAAABAAAAAQAYEMMAAAAEAAAAAAAAAAAAAAAAAAAAAAAAAAeAAAAaAAAAAAAAAAAAAAAAAAAAAAAAAAAAAAAECcAABAnAAAAAAAAAAAAAAAAAAAAAAAAAAAAAAAAAAAAAAAAAAAAABQAAAAAAAAAwMD/AAAAAABkAAAAMgAAAAAAAABkAAAAAAAAAH9/fwAKAAAAHwAAAFQAAAAAAAAFAAAAAQAAAAAAAAAAAAAAAAAAAAAAAAAAAAAAAAAAAAAAAAAAAAAAAn9/fwAAAAADzMzMAMDA/wB/f38AAAAAAAAAAAAAAAAAAAAAAAAAAAAhAAAAGAAAABQAAAAGCwAAiB0AAMYsAAAEIQAAEAAAACYAAAAIAAAAgYAAAAAAAAA="/>
               </a:ext>
             </a:extLst>
           </p:cNvSpPr>
@@ -2555,7 +2546,7 @@
           </a:xfrm>
         </p:spPr>
         <p:txBody>
-          <a:bodyPr vert="horz" wrap="square" numCol="1" anchor="b">
+          <a:bodyPr vert="horz" wrap="square" numCol="1" spcCol="215900" anchor="b">
             <a:prstTxWarp prst="textNoShape">
               <a:avLst/>
             </a:prstTxWarp>
@@ -2580,7 +2571,7 @@
             <a:spLocks noGrp="1" noChangeArrowheads="1"/>
             <a:extLst>
               <a:ext uri="smNativeData">
-                <pr:smNativeData xmlns:pr="smNativeData" val="SMDATA_16_PPTaXhMAAAAlAAAAZAAAAA8BAAAAkAAAAEgAAACQAAAASAAAAAAAAAAAAAAAAAAAAAEAAABQAAAAAAAAAAAA4D8AAAAAAADgPwAAAAAAAOA/AAAAAAAA4D8AAAAAAADgPwAAAAAAAOA/AAAAAAAA4D8AAAAAAADgPwAAAAAAAOA/AAAAAAAA4D8CAAAAjAAAAAAAAAAAAAAAu+DjDP///wgAAAAAAAAAAAAAAAAAAAAAAAAAAAAAAAAAAAAAZAAAAAEAAABAAAAAAAAAAAAAAAAAAAAAAAAAAAAAAAAAAAAAAAAAAAAAAAAAAAAAAAAAAAAAAAAAAAAAAAAAAAAAAAAAAAAAAAAAAAAAAAAAAAAAAAAAAAAAAAAAAAAAFAAAADwAAAAAAAAAAAAAAAAAAAkUAAAAAQAAABQAAAAUAAAAFAAAAAEAAAAAAAAAZAAAAGQAAAAAAAAAZAAAAGQAAAAVAAAAYAAAAAAAAAAAAAAADwAAACADAAAAAAAAAAAAAAEAAACgMgAAVgcAAKr4//8BAAAAf39/AAEAAABkAAAAAAAAABQAAABAHwAAAAAAACYAAAAAAAAAwOD//wAAAAAmAAAAZAAAABYAAABMAAAAAAAAAAAAAAAEAAAAAAAAAAEAAACAgIAKAAAAACgAAAAoAAAAZAAAAGQAAAAAAAAAzMzMAAAAAABQAAAAUAAAAGQAAABkAAAAAAAAABcAAAAUAAAAAAAAAAAAAAD/fwAA/38AAAAAAAAJAAAABAAAAAUAmkwMAAAAEAAAAAAAAAAAAAAAAAAAAAAAAAAeAAAAaAAAAAAAAAAAAAAAAAAAAAAAAAAAAAAAECcAABAnAAAAAAAAAAAAAAAAAAAAAAAAAAAAAAAAAAAAAAAAAAAAABQAAAAAAAAAwMD/AAAAAABkAAAAMgAAAAAAAABkAAAAAAAAAH9/fwAKAAAAIgAAABgAAAAAAAAAAAAAAAAAAAAAAAAAAAAAAAAAAAAkAAAAJAAAAAAAAAAHAAAAAAAAAAAAAAAAAAAAAAAAAAAAAAAAAAAAf39/ACUAAABYAAAAAAAAAAAAAAAAAAAAAAAAAAAAAAAAAAAAAAAAAAAAAAAAAAAAAAAAAAAAAAA/AAAAAAAAAKCGAQAAAAAAAAAAAAAAAAAMAAAAAQAAAAAAAAAAAAAAAAAAAB8AAABUAAAAAAAABQAAAAEAAAAAAAAAAAAAAAAAAAAAAAAAAAAAAAAAAAAAAAAAAAAAAAJ/f38AAAAAA8zMzADAwP8Af39/AAAAAAAAAAAAAAAAAAAAAAAAAAAAIQAAABgAAAAUAAAABgsAAMYDAADGLAAAFh0AABAAAAAmAAAACAAAAAGAAAAAAAAA"/>
+                <pr:smNativeData xmlns:pr="smNativeData" val="SMDATA_13_4IlQXxMAAAAlAAAAZAAAAA8BAAAAkAAAAEgAAACQAAAASAAAAAAAAAAAAAAAAAAAAAEAAABQAAAAAAAAAAAA4D8AAAAAAADgPwAAAAAAAOA/AAAAAAAA4D8AAAAAAADgPwAAAAAAAOA/AAAAAAAA4D8AAAAAAADgPwAAAAAAAOA/AAAAAAAA4D8CAAAAjAAAAAAAAAAAAAAAu+DjDP///wgAAAAAAAAAAAAAAAAAAAAAAAAAAAAAAAAAAAAAZAAAAAEAAABAAAAAAAAAAAAAAAAAAAAAAAAAAAAAAAAAAAAAAAAAAAAAAAAAAAAAAAAAAAAAAAAAAAAAAAAAAAAAAAAAAAAAAAAAAAAAAAAAAAAAAAAAAAAAAAAAAAAAFAAAADwAAAAAAAAAAAAAAAAAAAkUAAAAAQAAABQAAAAUAAAAFAAAAAEAAAAAAAAAZAAAAGQAAAAAAAAAZAAAAGQAAAAVAAAAYAAAAAAAAAAAAAAADwAAACADAAAAAAAAAAAAAAEAAACgMgAAVgcAAKr4//8BAAAAf39/AAEAAABkAAAAAAAAABQAAABAHwAAAAAAACYAAAAAAAAAwOD//wAAAAAmAAAAZAAAABYAAABMAAAAAAAAAAAAAAAEAAAAAAAAAAEAAACAgIAKAAAAACgAAAAoAAAAZAAAAGQAAAAAAAAAzMzMAAAAAABQAAAAUAAAAGQAAABkAAAAAAAAABcAAAAUAAAAAAAAAAAAAAD/fwAA/38AAAAAAAAJAAAABAAAAAUAmkwMAAAAEAAAAAAAAAAAAAAAAAAAAAAAAAAeAAAAaAAAAAAAAAAAAAAAAAAAAAAAAAAAAAAAECcAABAnAAAAAAAAAAAAAAAAAAAAAAAAAAAAAAAAAAAAAAAAAAAAABQAAAAAAAAAwMD/AAAAAABkAAAAMgAAAAAAAABkAAAAAAAAAH9/fwAKAAAAHwAAAFQAAAAAAAAFAAAAAQAAAAAAAAAAAAAAAAAAAAAAAAAAAAAAAAAAAAAAAAAAAAAAAn9/fwAAAAADzMzMAMDA/wB/f38AAAAAAAAAAAAAAAAAAAAAAAAAAAAhAAAAGAAAABQAAAAGCwAAxgMAAMYsAAAWHQAAEAAAACYAAAAIAAAAAYAAAAAAAAA="/>
               </a:ext>
             </a:extLst>
           </p:cNvSpPr>
@@ -2673,7 +2664,7 @@
             <a:spLocks noGrp="1" noChangeArrowheads="1"/>
             <a:extLst>
               <a:ext uri="smNativeData">
-                <pr:smNativeData xmlns:pr="smNativeData" val="SMDATA_16_PPTaXhMAAAAlAAAAZAAAAA8BAAAAkAAAAEgAAACQAAAASAAAAAAAAAAAAAAAAAAAAAEAAABQAAAAAAAAAAAA4D8AAAAAAADgPwAAAAAAAOA/AAAAAAAA4D8AAAAAAADgPwAAAAAAAOA/AAAAAAAA4D8AAAAAAADgPwAAAAAAAOA/AAAAAAAA4D8CAAAAjAAAAAAAAAAAAAAAu+DjDP///wgAAAAAAAAAAAAAAAAAAAAAAAAAAAAAAAAAAAAAZAAAAAEAAABAAAAAAAAAAAAAAAAAAAAAAAAAAAAAAAAAAAAAAAAAAAAAAAAAAAAAAAAAAAAAAAAAAAAAAAAAAAAAAAAAAAAAAAAAAAAAAAAAAAAAAAAAAAAAAAAAAAAAFAAAADwAAAAAAAAAAAAAAAAAAAkUAAAAAQAAABQAAAAUAAAAFAAAAAEAAAAAAAAAZAAAAGQAAAAAAAAAZAAAAGQAAAAVAAAAYAAAAAAAAAAAAAAADwAAACADAAAAAAAAAAAAAAEAAACgMgAAVgcAAKr4//8BAAAAf39/AAEAAABkAAAAAAAAABQAAABAHwAAAAAAACYAAAAAAAAAwOD//wAAAAAmAAAAZAAAABYAAABMAAAAAAAAAAAAAAAEAAAAAAAAAAEAAACAgIAKAAAAACgAAAAoAAAAZAAAAGQAAAAAAAAAzMzMAAAAAABQAAAAUAAAAGQAAABkAAAAAAAAABcAAAAUAAAAAAAAAAAAAAD/fwAA/38AAAAAAAAJAAAABAAAAAAAAAAMAAAAEAAAAAAAAAAAAAAAAAAAAAAAAAAeAAAAaAAAAAAAAAAAAAAAAAAAAAAAAAAAAAAAECcAABAnAAAAAAAAAAAAAAAAAAAAAAAAAAAAAAAAAAAAAAAAAAAAABQAAAAAAAAAwMD/AAAAAABkAAAAMgAAAAAAAABkAAAAAAAAAH9/fwAKAAAAIgAAABgAAAAAAAAAAAAAAAAAAAAAAAAAAAAAAAAAAAAkAAAAJAAAAAAAAAAHAAAAAAAAAAAAAAAAAAAAAAAAAAAAAAAAAAAAf39/ACUAAABYAAAAAAAAAAAAAAAAAAAAAAAAAAAAAAAAAAAAAAAAAAAAAAAAAAAAAAAAAAAAAAA/AAAAAAAAAKCGAQAAAAAAAAAAAAAAAAAMAAAAAQAAAAAAAAAAAAAAAAAAAB8AAABUAAAAAAAABQAAAAEAAAAAAAAAAAAAAAAAAAAAAAAAAAAAAAAAAAAAAAAAAAAAAAJ/f38AAAAAA8zMzADAwP8Af39/AAAAAAAAAAAAAAAAAAAAAAAAAAAAIQAAABgAAAAUAAAABgsAAAQhAADGLAAA+CUAABAAAAAmAAAACAAAAAGAAAAAAAAA"/>
+                <pr:smNativeData xmlns:pr="smNativeData" val="SMDATA_13_4IlQXxMAAAAlAAAAZAAAAA8BAAAAkAAAAEgAAACQAAAASAAAAAAAAAAAAAAAAAAAAAEAAABQAAAAAAAAAAAA4D8AAAAAAADgPwAAAAAAAOA/AAAAAAAA4D8AAAAAAADgPwAAAAAAAOA/AAAAAAAA4D8AAAAAAADgPwAAAAAAAOA/AAAAAAAA4D8CAAAAjAAAAAAAAAAAAAAAu+DjDP///wgAAAAAAAAAAAAAAAAAAAAAAAAAAAAAAAAAAAAAZAAAAAEAAABAAAAAAAAAAAAAAAAAAAAAAAAAAAAAAAAAAAAAAAAAAAAAAAAAAAAAAAAAAAAAAAAAAAAAAAAAAAAAAAAAAAAAAAAAAAAAAAAAAAAAAAAAAAAAAAAAAAAAFAAAADwAAAAAAAAAAAAAAAAAAAkUAAAAAQAAABQAAAAUAAAAFAAAAAEAAAAAAAAAZAAAAGQAAAAAAAAAZAAAAGQAAAAVAAAAYAAAAAAAAAAAAAAADwAAACADAAAAAAAAAAAAAAEAAACgMgAAVgcAAKr4//8BAAAAf39/AAEAAABkAAAAAAAAABQAAABAHwAAAAAAACYAAAAAAAAAwOD//wAAAAAmAAAAZAAAABYAAABMAAAAAAAAAAAAAAAEAAAAAAAAAAEAAACAgIAKAAAAACgAAAAoAAAAZAAAAGQAAAAAAAAAzMzMAAAAAABQAAAAUAAAAGQAAABkAAAAAAAAABcAAAAUAAAAAAAAAAAAAAD/fwAA/38AAAAAAAAJAAAABAAAAAAAAAAMAAAAEAAAAAAAAAAAAAAAAAAAAAAAAAAeAAAAaAAAAAAAAAAAAAAAAAAAAAAAAAAAAAAAECcAABAnAAAAAAAAAAAAAAAAAAAAAAAAAAAAAAAAAAAAAAAAAAAAABQAAAAAAAAAwMD/AAAAAABkAAAAMgAAAAAAAABkAAAAAAAAAH9/fwAKAAAAHwAAAFQAAAAAAAAFAAAAAQAAAAAAAAAAAAAAAAAAAAAAAAAAAAAAAAAAAAAAAAAAAAAAAn9/fwAAAAADzMzMAMDA/wB/f38AAAAAAAAAAAAAAAAAAAAAAAAAAAAhAAAAGAAAABQAAAAGCwAABCEAAMYsAAD4JQAAEAAAACYAAAAIAAAAAYAAAAAAAAA="/>
               </a:ext>
             </a:extLst>
           </p:cNvSpPr>
@@ -2742,7 +2733,7 @@
             <a:spLocks noGrp="1" noChangeArrowheads="1"/>
             <a:extLst>
               <a:ext uri="smNativeData">
-                <pr:smNativeData xmlns:pr="smNativeData" val="SMDATA_16_PPTaXhMAAAAlAAAAZAAAAA8BAAAAkAAAAEgAAACQAAAASAAAAAAAAAABAAAAAAAAAAEAAABQAAAAAAAAAAAA4D8AAAAAAADgPwAAAAAAAOA/AAAAAAAA4D8AAAAAAADgPwAAAAAAAOA/AAAAAAAA4D8AAAAAAADgPwAAAAAAAOA/AAAAAAAA4D8CAAAAjAAAAAAAAAAAAAAAu+DjDP///wgAAAAAAAAAAAAAAAAAAAAAAAAAAAAAAAAAAAAAZAAAAAEAAABAAAAAAAAAAAAAAAAAAAAAAAAAAAAAAAAAAAAAAAAAAAAAAAAAAAAAAAAAAAAAAAAAAAAAAAAAAAAAAAAAAAAAAAAAAAAAAAAAAAAAAAAAAAAAAAAAAAAAFAAAADwAAAAAAAAAAAAAAAAAAAkUAAAAAQAAABQAAAAUAAAAFAAAAAEAAAAAAAAAZAAAAGQAAAAAAAAAZAAAAGQAAAAVAAAAYAAAAAAAAAAAAAAADwAAACADAAAAAAAAAAAAAAEAAACgMgAAVgcAAKr4//8BAAAAf39/AAEAAABkAAAAAAAAABQAAABAHwAAAAAAACYAAAAAAAAAwOD//wAAAAAmAAAAZAAAABYAAABMAAAAAAAAAAAAAAAEAAAAAAAAAAEAAACAgIAKAAAAACgAAAAoAAAAZAAAAGQAAAAAAAAAzMzMAAAAAABQAAAAUAAAAGQAAABkAAAAAAAAABcAAAAUAAAAAAAAAAAAAAD/fwAA/38AAAAAAAAJAAAABAAAAAQA0UcMAAAAEAAAAAAAAAAAAAAAAAAAAAAAAAAeAAAAaAAAAAAAAAAAAAAAAAAAAAAAAAAAAAAAECcAABAnAAAAAAAAAAAAAAAAAAAAAAAAAAAAAAAAAAAAAAAAAAAAABQAAAAAAAAAwMD/AAAAAABkAAAAMgAAAAAAAABkAAAAAAAAAH9/fwAKAAAAIgAAABgAAAAAAAAAAAAAAAAAAAAAAAAAAAAAAAAAAAAkAAAAJAAAAAAAAAAHAAAAAAAAAAAAAAAAAAAAAAAAAAAAAAAAAAAAf39/ACUAAABYAAAAAAAAAAAAAAAAAAAAAAAAAAAAAAAAAAAAAAAAAAAAAAAAAAAAAAAAAAAAAAA/AAAAAAAAAKCGAQAAAAAAAAAAAAAAAAAMAAAAAQAAAAAAAAAAAAAAAAAAAB8AAABUAAAAAAAABQAAAAEAAAAAAAAAAAAAAAAAAAAAAAAAAAAAAAAAAAAAAAAAAAAAAAJ/f38AAAAAA8zMzADAwP8Af39/AAAAAAAAAAAAAAAAAAAAAAAAAAAAIQAAABgAAAAUAAAA0AIAABsnAADwDwAAWSkAABAAAAAmAAAACAAAAAAAAAAAAAAA"/>
+                <pr:smNativeData xmlns:pr="smNativeData" val="SMDATA_13_4IlQXxMAAAAlAAAAZAAAAA8BAAAAkAAAAEgAAACQAAAASAAAAAAAAAABAAAAAAAAAAEAAABQAAAAAAAAAAAA4D8AAAAAAADgPwAAAAAAAOA/AAAAAAAA4D8AAAAAAADgPwAAAAAAAOA/AAAAAAAA4D8AAAAAAADgPwAAAAAAAOA/AAAAAAAA4D8CAAAAjAAAAAAAAAAAAAAAu+DjDP///wgAAAAAAAAAAAAAAAAAAAAAAAAAAAAAAAAAAAAAZAAAAAEAAABAAAAAAAAAAAAAAAAAAAAAAAAAAAAAAAAAAAAAAAAAAAAAAAAAAAAAAAAAAAAAAAAAAAAAAAAAAAAAAAAAAAAAAAAAAAAAAAAAAAAAAAAAAAAAAAAAAAAAFAAAADwAAAAAAAAAAAAAAAAAAAkUAAAAAQAAABQAAAAUAAAAFAAAAAEAAAAAAAAAZAAAAGQAAAAAAAAAZAAAAGQAAAAVAAAAYAAAAAAAAAAAAAAADwAAACADAAAAAAAAAAAAAAEAAACgMgAAVgcAAKr4//8BAAAAf39/AAEAAABkAAAAAAAAABQAAABAHwAAAAAAACYAAAAAAAAAwOD//wAAAAAmAAAAZAAAABYAAABMAAAAAAAAAAAAAAAEAAAAAAAAAAEAAACAgIAKAAAAACgAAAAoAAAAZAAAAGQAAAAAAAAAzMzMAAAAAABQAAAAUAAAAGQAAABkAAAAAAAAABcAAAAUAAAAAAAAAAAAAAD/fwAA/38AAAAAAAAJAAAABAAAAAQA0UcMAAAAEAAAAAAAAAAAAAAAAAAAAAAAAAAeAAAAaAAAAAAAAAAAAAAAAAAAAAAAAAAAAAAAECcAABAnAAAAAAAAAAAAAAAAAAAAAAAAAAAAAAAAAAAAAAAAAAAAABQAAAAAAAAAwMD/AAAAAABkAAAAMgAAAAAAAABkAAAAAAAAAH9/fwAKAAAAHwAAAFQAAAAAAAAFAAAAAQAAAAAAAAAAAAAAAAAAAAAAAAAAAAAAAAAAAAAAAAAAAAAAAn9/fwAAAAADzMzMAMDA/wB/f38AAAAAAAAAAAAAAAAAAAAAAAAAAAAhAAAAGAAAABQAAADQAgAAGycAAPAPAABZKQAAEAAAACYAAAAIAAAAAAAAAAAAAAA="/>
               </a:ext>
             </a:extLst>
           </p:cNvSpPr>
@@ -2756,7 +2747,7 @@
           <a:lstStyle/>
           <a:p>
             <a:pPr/>
-            <a:fld id="{479E1406-48AA-CBE2-E426-BEB75A6812EB}" type="datetime1">
+            <a:fld id="{AA494A37-7947-1CBC-09F1-8FE904BFFFDA}" type="datetime1">
               <a:t/>
             </a:fld>
           </a:p>
@@ -2769,7 +2760,7 @@
             <a:spLocks noGrp="1" noChangeArrowheads="1"/>
             <a:extLst>
               <a:ext uri="smNativeData">
-                <pr:smNativeData xmlns:pr="smNativeData" val="SMDATA_16_PPTaXhMAAAAlAAAAZAAAAA8BAAAAkAAAAEgAAACQAAAASAAAAAAAAAABAAAAAAAAAAEAAABQAAAAAAAAAAAA4D8AAAAAAADgPwAAAAAAAOA/AAAAAAAA4D8AAAAAAADgPwAAAAAAAOA/AAAAAAAA4D8AAAAAAADgPwAAAAAAAOA/AAAAAAAA4D8CAAAAjAAAAAAAAAAAAAAAu+DjDP///wgAAAAAAAAAAAAAAAAAAAAAAAAAAAAAAAAAAAAAZAAAAAEAAABAAAAAAAAAAAAAAAAAAAAAAAAAAAAAAAAAAAAAAAAAAAAAAAAAAAAAAAAAAAAAAAAAAAAAAAAAAAAAAAAAAAAAAAAAAAAAAAAAAAAAAAAAAAAAAAAAAAAAFAAAADwAAAAAAAAAAAAAAAAAAAkUAAAAAQAAABQAAAAUAAAAFAAAAAEAAAAAAAAAZAAAAGQAAAAAAAAAZAAAAGQAAAAVAAAAYAAAAAAAAAAAAAAADwAAACADAAAAAAAAAAAAAAEAAACgMgAAVgcAAKr4//8BAAAAf39/AAEAAABkAAAAAAAAABQAAABAHwAAAAAAACYAAAAAAAAAwOD//wAAAAAmAAAAZAAAABYAAABMAAAAAAAAAAAAAAAEAAAAAAAAAAEAAACAgIAKAAAAACgAAAAoAAAAZAAAAGQAAAAAAAAAzMzMAAAAAABQAAAAUAAAAGQAAABkAAAAAAAAABcAAAAUAAAAAAAAAAAAAAD/fwAA/38AAAAAAAAJAAAABAAAADoLBQAMAAAAEAAAAAAAAAAAAAAAAAAAAAAAAAAeAAAAaAAAAAAAAAAAAAAAAAAAAAAAAAAAAAAAECcAABAnAAAAAAAAAAAAAAAAAAAAAAAAAAAAAAAAAAAAAAAAAAAAABQAAAAAAAAAwMD/AAAAAABkAAAAMgAAAAAAAABkAAAAAAAAAH9/fwAKAAAAIgAAABgAAAAAAAAAAAAAAAAAAAAAAAAAAAAAAAAAAAAkAAAAJAAAAAAAAAAHAAAAAAAAAAAAAAAAAAAAAAAAAAAAAAAAAAAAf39/ACUAAABYAAAAAAAAAAAAAAAAAAAAAAAAAAAAAAAAAAAAAAAAAAAAAAAAAAAAAAAAAAAAAAA/AAAAAAAAAKCGAQAAAAAAAAAAAAAAAAAMAAAAAQAAAAAAAAAAAAAAAAAAAB8AAABUAAAAAAAABQAAAAEAAAAAAAAAAAAAAAAAAAAAAAAAAAAAAAAAAAAAAAAAAAAAAAJ/f38AAAAAA8zMzADAwP8Af39/AAAAAAAAAAAAAAAAAAAAAAAAAAAAIQAAABgAAAAUAAAAOBMAABsnAAAIJQAAWSkAABAAAAAmAAAACAAAAAAAAAAAAAAA"/>
+                <pr:smNativeData xmlns:pr="smNativeData" val="SMDATA_13_4IlQXxMAAAAlAAAAZAAAAA8BAAAAkAAAAEgAAACQAAAASAAAAAAAAAABAAAAAAAAAAEAAABQAAAAAAAAAAAA4D8AAAAAAADgPwAAAAAAAOA/AAAAAAAA4D8AAAAAAADgPwAAAAAAAOA/AAAAAAAA4D8AAAAAAADgPwAAAAAAAOA/AAAAAAAA4D8CAAAAjAAAAAAAAAAAAAAAu+DjDP///wgAAAAAAAAAAAAAAAAAAAAAAAAAAAAAAAAAAAAAZAAAAAEAAABAAAAAAAAAAAAAAAAAAAAAAAAAAAAAAAAAAAAAAAAAAAAAAAAAAAAAAAAAAAAAAAAAAAAAAAAAAAAAAAAAAAAAAAAAAAAAAAAAAAAAAAAAAAAAAAAAAAAAFAAAADwAAAAAAAAAAAAAAAAAAAkUAAAAAQAAABQAAAAUAAAAFAAAAAEAAAAAAAAAZAAAAGQAAAAAAAAAZAAAAGQAAAAVAAAAYAAAAAAAAAAAAAAADwAAACADAAAAAAAAAAAAAAEAAACgMgAAVgcAAKr4//8BAAAAf39/AAEAAABkAAAAAAAAABQAAABAHwAAAAAAACYAAAAAAAAAwOD//wAAAAAmAAAAZAAAABYAAABMAAAAAAAAAAAAAAAEAAAAAAAAAAEAAACAgIAKAAAAACgAAAAoAAAAZAAAAGQAAAAAAAAAzMzMAAAAAABQAAAAUAAAAGQAAABkAAAAAAAAABcAAAAUAAAAAAAAAAAAAAD/fwAA/38AAAAAAAAJAAAABAAAADoLBQAMAAAAEAAAAAAAAAAAAAAAAAAAAAAAAAAeAAAAaAAAAAAAAAAAAAAAAAAAAAAAAAAAAAAAECcAABAnAAAAAAAAAAAAAAAAAAAAAAAAAAAAAAAAAAAAAAAAAAAAABQAAAAAAAAAwMD/AAAAAABkAAAAMgAAAAAAAABkAAAAAAAAAH9/fwAKAAAAHwAAAFQAAAAAAAAFAAAAAQAAAAAAAAAAAAAAAAAAAAAAAAAAAAAAAAAAAAAAAAAAAAAAAn9/fwAAAAADzMzMAMDA/wB/f38AAAAAAAAAAAAAAAAAAAAAAAAAAAAhAAAAGAAAABQAAAA4EwAAGycAAAglAABZKQAAEAAAACYAAAAIAAAAAAAAAAAAAAA="/>
               </a:ext>
             </a:extLst>
           </p:cNvSpPr>
@@ -2793,7 +2784,7 @@
             <a:spLocks noGrp="1" noChangeArrowheads="1"/>
             <a:extLst>
               <a:ext uri="smNativeData">
-                <pr:smNativeData xmlns:pr="smNativeData" val="SMDATA_16_PPTaXhMAAAAlAAAAZAAAAA8BAAAAkAAAAEgAAACQAAAASAAAAAAAAAABAAAAAAAAAAEAAABQAAAAAAAAAAAA4D8AAAAAAADgPwAAAAAAAOA/AAAAAAAA4D8AAAAAAADgPwAAAAAAAOA/AAAAAAAA4D8AAAAAAADgPwAAAAAAAOA/AAAAAAAA4D8CAAAAjAAAAAAAAAAAAAAAu+DjDP///wgAAAAAAAAAAAAAAAAAAAAAAAAAAAAAAAAAAAAAZAAAAAEAAABAAAAAAAAAAAAAAAAAAAAAAAAAAAAAAAAAAAAAAAAAAAAAAAAAAAAAAAAAAAAAAAAAAAAAAAAAAAAAAAAAAAAAAAAAAAAAAAAAAAAAAAAAAAAAAAAAAAAAFAAAADwAAAAAAAAAAAAAAAAAAAkUAAAAAQAAABQAAAAUAAAAFAAAAAEAAAAAAAAAZAAAAGQAAAAAAAAAZAAAAGQAAAAVAAAAYAAAAAAAAAAAAAAADwAAACADAAAAAAAAAAAAAAEAAACgMgAAVgcAAKr4//8BAAAAf39/AAEAAABkAAAAAAAAABQAAABAHwAAAAAAACYAAAAAAAAAwOD//wAAAAAmAAAAZAAAABYAAABMAAAAAAAAAAAAAAAEAAAAAAAAAAEAAACAgIAKAAAAACgAAAAoAAAAZAAAAGQAAAAAAAAAzMzMAAAAAABQAAAAUAAAAGQAAABkAAAAAAAAABcAAAAUAAAAAAAAAAAAAAD/fwAA/38AAAAAAAAJAAAABAAAAKCPBAAMAAAAEAAAAAAAAAAAAAAAAAAAAAAAAAAeAAAAaAAAAAAAAAAAAAAAAAAAAAAAAAAAAAAAECcAABAnAAAAAAAAAAAAAAAAAAAAAAAAAAAAAAAAAAAAAAAAAAAAABQAAAAAAAAAwMD/AAAAAABkAAAAMgAAAAAAAABkAAAAAAAAAH9/fwAKAAAAIgAAABgAAAAAAAAAAAAAAAAAAAAAAAAAAAAAAAAAAAAkAAAAJAAAAAAAAAAHAAAAAAAAAAAAAAAAAAAAAAAAAAAAAAAAAAAAf39/ACUAAABYAAAAAAAAAAAAAAAAAAAAAAAAAAAAAAAAAAAAAAAAAAAAAAAAAAAAAAAAAAAAAAA/AAAAAAAAAKCGAQAAAAAAAAAAAAAAAAAMAAAAAQAAAAAAAAAAAAAAAAAAAB8AAABUAAAAAAAABQAAAAEAAAAAAAAAAAAAAAAAAAAAAAAAAAAAAAAAAAAAAAAAAAAAAAJ/f38AAAAAA8zMzADAwP8Af39/AAAAAAAAAAAAAAAAAAAAAAAAAAAAIQAAABgAAAAUAAAAUCgAABsnAABwNQAAWSkAABAAAAAmAAAACAAAAAAAAAAAAAAA"/>
+                <pr:smNativeData xmlns:pr="smNativeData" val="SMDATA_13_4IlQXxMAAAAlAAAAZAAAAA8BAAAAkAAAAEgAAACQAAAASAAAAAAAAAABAAAAAAAAAAEAAABQAAAAAAAAAAAA4D8AAAAAAADgPwAAAAAAAOA/AAAAAAAA4D8AAAAAAADgPwAAAAAAAOA/AAAAAAAA4D8AAAAAAADgPwAAAAAAAOA/AAAAAAAA4D8CAAAAjAAAAAAAAAAAAAAAu+DjDP///wgAAAAAAAAAAAAAAAAAAAAAAAAAAAAAAAAAAAAAZAAAAAEAAABAAAAAAAAAAAAAAAAAAAAAAAAAAAAAAAAAAAAAAAAAAAAAAAAAAAAAAAAAAAAAAAAAAAAAAAAAAAAAAAAAAAAAAAAAAAAAAAAAAAAAAAAAAAAAAAAAAAAAFAAAADwAAAAAAAAAAAAAAAAAAAkUAAAAAQAAABQAAAAUAAAAFAAAAAEAAAAAAAAAZAAAAGQAAAAAAAAAZAAAAGQAAAAVAAAAYAAAAAAAAAAAAAAADwAAACADAAAAAAAAAAAAAAEAAACgMgAAVgcAAKr4//8BAAAAf39/AAEAAABkAAAAAAAAABQAAABAHwAAAAAAACYAAAAAAAAAwOD//wAAAAAmAAAAZAAAABYAAABMAAAAAAAAAAAAAAAEAAAAAAAAAAEAAACAgIAKAAAAACgAAAAoAAAAZAAAAGQAAAAAAAAAzMzMAAAAAABQAAAAUAAAAGQAAABkAAAAAAAAABcAAAAUAAAAAAAAAAAAAAD/fwAA/38AAAAAAAAJAAAABAAAAKCPBAAMAAAAEAAAAAAAAAAAAAAAAAAAAAAAAAAeAAAAaAAAAAAAAAAAAAAAAAAAAAAAAAAAAAAAECcAABAnAAAAAAAAAAAAAAAAAAAAAAAAAAAAAAAAAAAAAAAAAAAAABQAAAAAAAAAwMD/AAAAAABkAAAAMgAAAAAAAABkAAAAAAAAAH9/fwAKAAAAHwAAAFQAAAAAAAAFAAAAAQAAAAAAAAAAAAAAAAAAAAAAAAAAAAAAAAAAAAAAAAAAAAAAAn9/fwAAAAADzMzMAMDA/wB/f38AAAAAAAAAAAAAAAAAAAAAAAAAAAAhAAAAGAAAABQAAABQKAAAGycAAHA1AABZKQAAEAAAACYAAAAIAAAAAAAAAAAAAAA="/>
               </a:ext>
             </a:extLst>
           </p:cNvSpPr>
@@ -2807,7 +2798,7 @@
           <a:lstStyle/>
           <a:p>
             <a:pPr/>
-            <a:fld id="{479E4D73-3DAA-CBBB-E426-CBEE0368129E}" type="slidenum">
+            <a:fld id="{AA490D06-4847-1CFB-09F1-BEAE43BFFFEB}" type="slidenum">
               <a:t/>
             </a:fld>
           </a:p>
@@ -2853,7 +2844,7 @@
             <a:spLocks noGrp="1" noChangeArrowheads="1"/>
             <a:extLst>
               <a:ext uri="smNativeData">
-                <pr:smNativeData xmlns:pr="smNativeData" val="SMDATA_16_PPTaXhMAAAAlAAAAZAAAAA8BAAAAkAAAAEgAAACQAAAASAAAAAAAAAABAAAAAAAAAAEAAABQAAAAAAAAAAAA4D8AAAAAAADgPwAAAAAAAOA/AAAAAAAA4D8AAAAAAADgPwAAAAAAAOA/AAAAAAAA4D8AAAAAAADgPwAAAAAAAOA/AAAAAAAA4D8CAAAAjAAAAAAAAAAAAAAAu+DjDP///wgAAAAAAAAAAAAAAAAAAAAAAAAAAAAAAAAAAAAAZAAAAAEAAABAAAAAAAAAAAAAAAAAAAAAAAAAAAAAAAAAAAAAAAAAAAAAAAAAAAAAAAAAAAAAAAAAAAAAAAAAAAAAAAAAAAAAAAAAAAAAAAAAAAAAAAAAAAAAAAAAAAAAFAAAADwAAAAAAAAAAAAAAAAAAAkUAAAAAQAAABQAAAAUAAAAFAAAAAEAAAAAAAAAZAAAAGQAAAAAAAAAZAAAAGQAAAAVAAAAYAAAAAAAAAAAAAAADwAAACADAAAAAAAAAAAAAAEAAACgMgAAVgcAAKr4//8BAAAAf39/AAEAAABkAAAAAAAAABQAAABAHwAAAAAAACYAAAAAAAAAwOD//wAAAAAmAAAAZAAAABYAAABMAAAAAAAAAAAAAAAEAAAAAAAAAAEAAACAgIAKAAAAACgAAAAoAAAAZAAAAGQAAAAAAAAAzMzMAAAAAABQAAAAUAAAAGQAAABkAAAAAAAAABcAAAAUAAAAAAAAAAAAAAD/fwAA/38AAAAAAAAJAAAABAAAAAAAAAAMAAAAEAAAAAAAAAAAAAAAAAAAAAAAAAAeAAAAaAAAAAAAAAAAAAAAAAAAAAAAAAAAAAAAECcAABAnAAAAAAAAAAAAAAAAAAAAAAAAAAAAAAAAAAAAAAAAAAAAABQAAAAAAAAAwMD/AAAAAABkAAAAMgAAAAAAAABkAAAAAAAAAH9/fwAKAAAAIgAAABgAAAAAAAAAAAAAAAAAAAAAAAAAAAAAAAAAAAAkAAAAJAAAAAAAAAAHAAAAAAAAAAAAAAAAAAAAAAAAAAAAAAAAAAAAf39/ACUAAABYAAAAAAAAAAAAAAAAAAAAAAAAAAAAAAAAAAAAAAAAAAAAAAAAAAAAAAAAAAAAAAA/AAAAAAAAAKCGAQAAAAAAAAAAAAAAAAAMAAAAAQAAAAAAAAAAAAAAAAAAAB8AAABUAAAAAAAABQAAAAEAAAAAAAAAAAAAAAAAAAAAAAAAAAAAAAAAAAAAAAAAAAAAAAJ/f38AAAAAA8zMzADAwP8Af39/AAAAAAAAAAAAAAAAAAAAAAAAAAAAIQAAABgAAAAUAAAA0AIAALABAABwNQAAuAgAABAAAAAmAAAACAAAAP//////////"/>
+                <pr:smNativeData xmlns:pr="smNativeData" val="SMDATA_13_4IlQXxMAAAAlAAAAZAAAAA8BAAAAkAAAAEgAAACQAAAASAAAAAAAAAABAAAAAAAAAAEAAABQAAAAAAAAAAAA4D8AAAAAAADgPwAAAAAAAOA/AAAAAAAA4D8AAAAAAADgPwAAAAAAAOA/AAAAAAAA4D8AAAAAAADgPwAAAAAAAOA/AAAAAAAA4D8CAAAAjAAAAAAAAAAAAAAAu+DjDP///wgAAAAAAAAAAAAAAAAAAAAAAAAAAAAAAAAAAAAAZAAAAAEAAABAAAAAAAAAAAAAAAAAAAAAAAAAAAAAAAAAAAAAAAAAAAAAAAAAAAAAAAAAAAAAAAAAAAAAAAAAAAAAAAAAAAAAAAAAAAAAAAAAAAAAAAAAAAAAAAAAAAAAFAAAADwAAAAAAAAAAAAAAAAAAAkUAAAAAQAAABQAAAAUAAAAFAAAAAEAAAAAAAAAZAAAAGQAAAAAAAAAZAAAAGQAAAAVAAAAYAAAAAAAAAAAAAAADwAAACADAAAAAAAAAAAAAAEAAACgMgAAVgcAAKr4//8BAAAAf39/AAEAAABkAAAAAAAAABQAAABAHwAAAAAAACYAAAAAAAAAwOD//wAAAAAmAAAAZAAAABYAAABMAAAAAAAAAAAAAAAEAAAAAAAAAAEAAACAgIAKAAAAACgAAAAoAAAAZAAAAGQAAAAAAAAAzMzMAAAAAABQAAAAUAAAAGQAAABkAAAAAAAAABcAAAAUAAAAAAAAAAAAAAD/fwAA/38AAAAAAAAJAAAABAAAAAAAAAAMAAAAEAAAAAAAAAAAAAAAAAAAAAAAAAAeAAAAaAAAAAAAAAAAAAAAAAAAAAAAAAAAAAAAECcAABAnAAAAAAAAAAAAAAAAAAAAAAAAAAAAAAAAAAAAAAAAAAAAABQAAAAAAAAAwMD/AAAAAABkAAAAMgAAAAAAAABkAAAAAAAAAH9/fwAKAAAAHwAAAFQAAAAAAAAFAAAAAQAAAAAAAAAAAAAAAAAAAAAAAAAAAAAAAAAAAAAAAAAAAAAAAn9/fwAAAAADzMzMAMDA/wB/f38AAAAAAAAAAAAAAAAAAAAAAAAAAAAhAAAAGAAAABQAAADQAgAAsAEAAHA1AAC4CAAAEAAAACYAAAAIAAAA//////////8="/>
               </a:ext>
             </a:extLst>
           </p:cNvSpPr>
@@ -2876,7 +2867,7 @@
           <a:effectLst/>
         </p:spPr>
         <p:txBody>
-          <a:bodyPr vert="horz" wrap="square" numCol="1" anchor="ctr">
+          <a:bodyPr vert="horz" wrap="square" numCol="1" spcCol="215900" anchor="ctr">
             <a:prstTxWarp prst="textNoShape">
               <a:avLst/>
             </a:prstTxWarp>
@@ -2897,7 +2888,7 @@
             <a:spLocks noGrp="1" noChangeArrowheads="1"/>
             <a:extLst>
               <a:ext uri="smNativeData">
-                <pr:smNativeData xmlns:pr="smNativeData" val="SMDATA_16_PPTaXhMAAAAlAAAAZAAAAA8BAAAAkAAAAEgAAACQAAAASAAAAAAAAAAAAAAAAAAAAAEAAABQAAAAAAAAAAAA4D8AAAAAAADgPwAAAAAAAOA/AAAAAAAA4D8AAAAAAADgPwAAAAAAAOA/AAAAAAAA4D8AAAAAAADgPwAAAAAAAOA/AAAAAAAA4D8CAAAAjAAAAAAAAAAAAAAAu+DjDP///wgAAAAAAAAAAAAAAAAAAAAAAAAAAAAAAAAAAAAAZAAAAAEAAABAAAAAAAAAAAAAAAAAAAAAAAAAAAAAAAAAAAAAAAAAAAAAAAAAAAAAAAAAAAAAAAAAAAAAAAAAAAAAAAAAAAAAAAAAAAAAAAAAAAAAAAAAAAAAAAAAAAAAFAAAADwAAAAAAAAAAAAAAAAAAAkUAAAAAQAAABQAAAAUAAAAFAAAAAEAAAAAAAAAZAAAAGQAAAAAAAAAZAAAAGQAAAAVAAAAYAAAAAAAAAAAAAAADwAAACADAAAAAAAAAAAAAAEAAACgMgAAVgcAAKr4//8BAAAAf39/AAEAAABkAAAAAAAAABQAAABAHwAAAAAAACYAAAAAAAAAwOD//wAAAAAmAAAAZAAAABYAAABMAAAAAAAAAAAAAAAEAAAAAAAAAAEAAACAgIAKAAAAACgAAAAoAAAAZAAAAGQAAAAAAAAAzMzMAAAAAABQAAAAUAAAAGQAAABkAAAAAAAAABcAAAAUAAAAAAAAAAAAAAD/fwAA/38AAAAAAAAJAAAABAAAAAAAAAAMAAAAEAAAAAAAAAAAAAAAAAAAAAAAAAAeAAAAaAAAAAAAAAAAAAAAAAAAAAAAAAAAAAAAECcAABAnAAAAAAAAAAAAAAAAAAAAAAAAAAAAAAAAAAAAAAAAAAAAABQAAAAAAAAAwMD/AAAAAABkAAAAMgAAAAAAAABkAAAAAAAAAH9/fwAKAAAAIgAAABgAAAAAAAAAAAAAAAAAAAAAAAAAAAAAAAAAAAAkAAAAJAAAAAAAAAAHAAAAAAAAAAAAAAAAAAAAAAAAAAAAAAAAAAAAf39/ACUAAABYAAAAAAAAAAAAAAAAAAAAAAAAAAAAAAAAAAAAAAAAAAAAAAAAAAAAAAAAAAAAAAA/AAAAAAAAAKCGAQAAAAAAAAAAAAAAAAAMAAAAAQAAAAAAAAAAAAAAAAAAAB8AAABUAAAAAAAABQAAAAEAAAAAAAAAAAAAAAAAAAAAAAAAAAAAAAAAAAAAAAAAAAAAAAJ/f38AAAAAA8zMzADAwP8Af39/AAAAAAAAAAAAAAAAAAAAAAAAAAAAIQAAABgAAAAUAAAA0AIAANgJAABwNQAAsCUAABAAAAAmAAAACAAAAP//////////"/>
+                <pr:smNativeData xmlns:pr="smNativeData" val="SMDATA_13_4IlQXxMAAAAlAAAAZAAAAA8BAAAAkAAAAEgAAACQAAAASAAAAAAAAAAAAAAAAAAAAAEAAABQAAAAAAAAAAAA4D8AAAAAAADgPwAAAAAAAOA/AAAAAAAA4D8AAAAAAADgPwAAAAAAAOA/AAAAAAAA4D8AAAAAAADgPwAAAAAAAOA/AAAAAAAA4D8CAAAAjAAAAAAAAAAAAAAAu+DjDP///wgAAAAAAAAAAAAAAAAAAAAAAAAAAAAAAAAAAAAAZAAAAAEAAABAAAAAAAAAAAAAAAAAAAAAAAAAAAAAAAAAAAAAAAAAAAAAAAAAAAAAAAAAAAAAAAAAAAAAAAAAAAAAAAAAAAAAAAAAAAAAAAAAAAAAAAAAAAAAAAAAAAAAFAAAADwAAAAAAAAAAAAAAAAAAAkUAAAAAQAAABQAAAAUAAAAFAAAAAEAAAAAAAAAZAAAAGQAAAAAAAAAZAAAAGQAAAAVAAAAYAAAAAAAAAAAAAAADwAAACADAAAAAAAAAAAAAAEAAACgMgAAVgcAAKr4//8BAAAAf39/AAEAAABkAAAAAAAAABQAAABAHwAAAAAAACYAAAAAAAAAwOD//wAAAAAmAAAAZAAAABYAAABMAAAAAAAAAAAAAAAEAAAAAAAAAAEAAACAgIAKAAAAACgAAAAoAAAAZAAAAGQAAAAAAAAAzMzMAAAAAABQAAAAUAAAAGQAAABkAAAAAAAAABcAAAAUAAAAAAAAAAAAAAD/fwAA/38AAAAAAAAJAAAABAAAAAAAAAAMAAAAEAAAAAAAAAAAAAAAAAAAAAAAAAAeAAAAaAAAAAAAAAAAAAAAAAAAAAAAAAAAAAAAECcAABAnAAAAAAAAAAAAAAAAAAAAAAAAAAAAAAAAAAAAAAAAAAAAABQAAAAAAAAAwMD/AAAAAABkAAAAMgAAAAAAAABkAAAAAAAAAH9/fwAKAAAAHwAAAFQAAAAAAAAFAAAAAQAAAAAAAAAAAAAAAAAAAAAAAAAAAAAAAAAAAAAAAAAAAAAAAn9/fwAAAAADzMzMAMDA/wB/f38AAAAAAAAAAAAAAAAAAAAAAAAAAAAhAAAAGAAAABQAAADQAgAA2AkAAHA1AACwJQAAEAAAACYAAAAIAAAA//////////8="/>
               </a:ext>
             </a:extLst>
           </p:cNvSpPr>
@@ -2920,7 +2911,7 @@
           <a:effectLst/>
         </p:spPr>
         <p:txBody>
-          <a:bodyPr vert="horz" wrap="square" numCol="1" anchor="t">
+          <a:bodyPr vert="horz" wrap="square" numCol="1" spcCol="215900" anchor="t">
             <a:prstTxWarp prst="textNoShape">
               <a:avLst/>
             </a:prstTxWarp>
@@ -2965,7 +2956,7 @@
             <a:spLocks noGrp="1" noChangeArrowheads="1"/>
             <a:extLst>
               <a:ext uri="smNativeData">
-                <pr:smNativeData xmlns:pr="smNativeData" val="SMDATA_16_PPTaXhMAAAAlAAAAZAAAAA8BAAAAkAAAAEgAAACQAAAASAAAAAAAAAABAAAAAAAAAAEAAABQAAAAAAAAAAAA4D8AAAAAAADgPwAAAAAAAOA/AAAAAAAA4D8AAAAAAADgPwAAAAAAAOA/AAAAAAAA4D8AAAAAAADgPwAAAAAAAOA/AAAAAAAA4D8CAAAAjAAAAAAAAAAAAAAAu+DjDP///wgAAAAAAAAAAAAAAAAAAAAAAAAAAAAAAAAAAAAAZAAAAAEAAABAAAAAAAAAAAAAAAAAAAAAAAAAAAAAAAAAAAAAAAAAAAAAAAAAAAAAAAAAAAAAAAAAAAAAAAAAAAAAAAAAAAAAAAAAAAAAAAAAAAAAAAAAAAAAAAAAAAAAFAAAADwAAAAAAAAAAAAAAAAAAAkUAAAAAQAAABQAAAAUAAAAFAAAAAEAAAAAAAAAZAAAAGQAAAAAAAAAZAAAAGQAAAAVAAAAYAAAAAAAAAAAAAAADwAAACADAAAAAAAAAAAAAAEAAACgMgAAVgcAAKr4//8BAAAAf39/AAEAAABkAAAAAAAAABQAAABAHwAAAAAAACYAAAAAAAAAwOD//wAAAAAmAAAAZAAAABYAAABMAAAAAAAAAAAAAAAEAAAAAAAAAAEAAACAgIAKAAAAACgAAAAoAAAAZAAAAGQAAAAAAAAAzMzMAAAAAABQAAAAUAAAAGQAAABkAAAAAAAAABcAAAAUAAAAAAAAAAAAAAD/fwAA/38AAAAAAAAJAAAABAAAAGcAaAAMAAAAEAAAAAAAAAAAAAAAAAAAAAAAAAAeAAAAaAAAAAAAAAAAAAAAAAAAAAAAAAAAAAAAECcAABAnAAAAAAAAAAAAAAAAAAAAAAAAAAAAAAAAAAAAAAAAAAAAABQAAAAAAAAAwMD/AAAAAABkAAAAMgAAAAAAAABkAAAAAAAAAH9/fwAKAAAAIgAAABgAAAAAAAAAAAAAAAAAAAAAAAAAAAAAAAAAAAAkAAAAJAAAAAAAAAAHAAAAAAAAAAAAAAAAAAAAAAAAAAAAAAAAAAAAf39/ACUAAABYAAAAAAAAAAAAAAAAAAAAAAAAAAAAAAAAAAAAAAAAAAAAAAAAAAAAAAAAAAAAAAA/AAAAAAAAAKCGAQAAAAAAAAAAAAAAAAAMAAAAAQAAAAAAAAAAAAAAAAAAAB8AAABUAAAAAAAABQAAAAEAAAAAAAAAAAAAAAAAAAAAAAAAAAAAAAAAAAAAAAAAAAAAAAJ/f38AAAAAA8zMzADAwP8Af39/AAAAAAAAAAAAAAAAAAAAAAAAAAAAIQAAABgAAAAUAAAA0AIAABsnAADwDwAAWSkAABAAAAAmAAAACAAAAP//////////"/>
+                <pr:smNativeData xmlns:pr="smNativeData" val="SMDATA_13_4IlQXxMAAAAlAAAAZAAAAA8BAAAAkAAAAEgAAACQAAAASAAAAAAAAAABAAAAAAAAAAEAAABQAAAAAAAAAAAA4D8AAAAAAADgPwAAAAAAAOA/AAAAAAAA4D8AAAAAAADgPwAAAAAAAOA/AAAAAAAA4D8AAAAAAADgPwAAAAAAAOA/AAAAAAAA4D8CAAAAjAAAAAAAAAAAAAAAu+DjDP///wgAAAAAAAAAAAAAAAAAAAAAAAAAAAAAAAAAAAAAZAAAAAEAAABAAAAAAAAAAAAAAAAAAAAAAAAAAAAAAAAAAAAAAAAAAAAAAAAAAAAAAAAAAAAAAAAAAAAAAAAAAAAAAAAAAAAAAAAAAAAAAAAAAAAAAAAAAAAAAAAAAAAAFAAAADwAAAAAAAAAAAAAAAAAAAkUAAAAAQAAABQAAAAUAAAAFAAAAAEAAAAAAAAAZAAAAGQAAAAAAAAAZAAAAGQAAAAVAAAAYAAAAAAAAAAAAAAADwAAACADAAAAAAAAAAAAAAEAAACgMgAAVgcAAKr4//8BAAAAf39/AAEAAABkAAAAAAAAABQAAABAHwAAAAAAACYAAAAAAAAAwOD//wAAAAAmAAAAZAAAABYAAABMAAAAAAAAAAAAAAAEAAAAAAAAAAEAAACAgIAKAAAAACgAAAAoAAAAZAAAAGQAAAAAAAAAzMzMAAAAAABQAAAAUAAAAGQAAABkAAAAAAAAABcAAAAUAAAAAAAAAAAAAAD/fwAA/38AAAAAAAAJAAAABAAAAGcAaAAMAAAAEAAAAAAAAAAAAAAAAAAAAAAAAAAeAAAAaAAAAAAAAAAAAAAAAAAAAAAAAAAAAAAAECcAABAnAAAAAAAAAAAAAAAAAAAAAAAAAAAAAAAAAAAAAAAAAAAAABQAAAAAAAAAwMD/AAAAAABkAAAAMgAAAAAAAABkAAAAAAAAAH9/fwAKAAAAHwAAAFQAAAAAAAAFAAAAAQAAAAAAAAAAAAAAAAAAAAAAAAAAAAAAAAAAAAAAAAAAAAAAAn9/fwAAAAADzMzMAMDA/wB/f38AAAAAAAAAAAAAAAAAAAAAAAAAAAAhAAAAGAAAABQAAADQAgAAGycAAPAPAABZKQAAEAAAACYAAAAIAAAA//////////8="/>
               </a:ext>
             </a:extLst>
           </p:cNvSpPr>
@@ -2988,7 +2979,7 @@
           <a:effectLst/>
         </p:spPr>
         <p:txBody>
-          <a:bodyPr vert="horz" wrap="square" numCol="1" anchor="ctr">
+          <a:bodyPr vert="horz" wrap="square" numCol="1" spcCol="215900" anchor="ctr">
             <a:prstTxWarp prst="textNoShape">
               <a:avLst/>
             </a:prstTxWarp>
@@ -3000,7 +2991,7 @@
           </a:lstStyle>
           <a:p>
             <a:pPr/>
-            <a:fld id="{479E4846-08AA-CBBE-E426-FEEB066812AB}" type="datetime1">
+            <a:fld id="{AA496A6B-2547-1C9C-09F1-D3C924BFFF86}" type="datetime1">
               <a:t/>
             </a:fld>
           </a:p>
@@ -3013,7 +3004,7 @@
             <a:spLocks noGrp="1" noChangeArrowheads="1"/>
             <a:extLst>
               <a:ext uri="smNativeData">
-                <pr:smNativeData xmlns:pr="smNativeData" val="SMDATA_16_PPTaXhMAAAAlAAAAZAAAAA8BAAAAkAAAAEgAAACQAAAASAAAAAAAAAABAAAAAAAAAAEAAABQAAAAAAAAAAAA4D8AAAAAAADgPwAAAAAAAOA/AAAAAAAA4D8AAAAAAADgPwAAAAAAAOA/AAAAAAAA4D8AAAAAAADgPwAAAAAAAOA/AAAAAAAA4D8CAAAAjAAAAAAAAAAAAAAAu+DjDP///wgAAAAAAAAAAAAAAAAAAAAAAAAAAAAAAAAAAAAAZAAAAAEAAABAAAAAAAAAAAAAAAAAAAAAAAAAAAAAAAAAAAAAAAAAAAAAAAAAAAAAAAAAAAAAAAAAAAAAAAAAAAAAAAAAAAAAAAAAAAAAAAAAAAAAAAAAAAAAAAAAAAAAFAAAADwAAAAAAAAAAAAAAAAAAAkUAAAAAQAAABQAAAAUAAAAFAAAAAEAAAAAAAAAZAAAAGQAAAAAAAAAZAAAAGQAAAAVAAAAYAAAAAAAAAAAAAAADwAAACADAAAAAAAAAAAAAAEAAACgMgAAVgcAAKr4//8BAAAAf39/AAEAAABkAAAAAAAAABQAAABAHwAAAAAAACYAAAAAAAAAwOD//wAAAAAmAAAAZAAAABYAAABMAAAAAAAAAAAAAAAEAAAAAAAAAAEAAACAgIAKAAAAACgAAAAoAAAAZAAAAGQAAAAAAAAAzMzMAAAAAABQAAAAUAAAAGQAAABkAAAAAAAAABcAAAAUAAAAAAAAAAAAAAD/fwAA/38AAAAAAAAJAAAABAAAAAAAAAAMAAAAEAAAAAAAAAAAAAAAAAAAAAAAAAAeAAAAaAAAAAAAAAAAAAAAAAAAAAAAAAAAAAAAECcAABAnAAAAAAAAAAAAAAAAAAAAAAAAAAAAAAAAAAAAAAAAAAAAABQAAAAAAAAAwMD/AAAAAABkAAAAMgAAAAAAAABkAAAAAAAAAH9/fwAKAAAAIgAAABgAAAAAAAAAAAAAAAAAAAAAAAAAAAAAAAAAAAAkAAAAJAAAAAAAAAAHAAAAAAAAAAAAAAAAAAAAAAAAAAAAAAAAAAAAf39/ACUAAABYAAAAAAAAAAAAAAAAAAAAAAAAAAAAAAAAAAAAAAAAAAAAAAAAAAAAAAAAAAAAAAA/AAAAAAAAAKCGAQAAAAAAAAAAAAAAAAAMAAAAAQAAAAAAAAAAAAAAAAAAAB8AAABUAAAAAAAABQAAAAEAAAAAAAAAAAAAAAAAAAAAAAAAAAAAAAAAAAAAAAAAAAAAAAJ/f38AAAAAA8zMzADAwP8Af39/AAAAAAAAAAAAAAAAAAAAAAAAAAAAIQAAABgAAAAUAAAAOBMAABsnAAAIJQAAWSkAABAAAAAmAAAACAAAAP//////////"/>
+                <pr:smNativeData xmlns:pr="smNativeData" val="SMDATA_13_4IlQXxMAAAAlAAAAZAAAAA8BAAAAkAAAAEgAAACQAAAASAAAAAAAAAABAAAAAAAAAAEAAABQAAAAAAAAAAAA4D8AAAAAAADgPwAAAAAAAOA/AAAAAAAA4D8AAAAAAADgPwAAAAAAAOA/AAAAAAAA4D8AAAAAAADgPwAAAAAAAOA/AAAAAAAA4D8CAAAAjAAAAAAAAAAAAAAAu+DjDP///wgAAAAAAAAAAAAAAAAAAAAAAAAAAAAAAAAAAAAAZAAAAAEAAABAAAAAAAAAAAAAAAAAAAAAAAAAAAAAAAAAAAAAAAAAAAAAAAAAAAAAAAAAAAAAAAAAAAAAAAAAAAAAAAAAAAAAAAAAAAAAAAAAAAAAAAAAAAAAAAAAAAAAFAAAADwAAAAAAAAAAAAAAAAAAAkUAAAAAQAAABQAAAAUAAAAFAAAAAEAAAAAAAAAZAAAAGQAAAAAAAAAZAAAAGQAAAAVAAAAYAAAAAAAAAAAAAAADwAAACADAAAAAAAAAAAAAAEAAACgMgAAVgcAAKr4//8BAAAAf39/AAEAAABkAAAAAAAAABQAAABAHwAAAAAAACYAAAAAAAAAwOD//wAAAAAmAAAAZAAAABYAAABMAAAAAAAAAAAAAAAEAAAAAAAAAAEAAACAgIAKAAAAACgAAAAoAAAAZAAAAGQAAAAAAAAAzMzMAAAAAABQAAAAUAAAAGQAAABkAAAAAAAAABcAAAAUAAAAAAAAAAAAAAD/fwAA/38AAAAAAAAJAAAABAAAAAAAAAAMAAAAEAAAAAAAAAAAAAAAAAAAAAAAAAAeAAAAaAAAAAAAAAAAAAAAAAAAAAAAAAAAAAAAECcAABAnAAAAAAAAAAAAAAAAAAAAAAAAAAAAAAAAAAAAAAAAAAAAABQAAAAAAAAAwMD/AAAAAABkAAAAMgAAAAAAAABkAAAAAAAAAH9/fwAKAAAAHwAAAFQAAAAAAAAFAAAAAQAAAAAAAAAAAAAAAAAAAAAAAAAAAAAAAAAAAAAAAAAAAAAAAn9/fwAAAAADzMzMAMDA/wB/f38AAAAAAAAAAAAAAAAAAAAAAAAAAAAhAAAAGAAAABQAAAA4EwAAGycAAAglAABZKQAAEAAAACYAAAAIAAAA//////////8="/>
               </a:ext>
             </a:extLst>
           </p:cNvSpPr>
@@ -3036,7 +3027,7 @@
           <a:effectLst/>
         </p:spPr>
         <p:txBody>
-          <a:bodyPr vert="horz" wrap="square" numCol="1" anchor="ctr">
+          <a:bodyPr vert="horz" wrap="square" numCol="1" spcCol="215900" anchor="ctr">
             <a:prstTxWarp prst="textNoShape">
               <a:avLst/>
             </a:prstTxWarp>
@@ -3058,7 +3049,7 @@
             <a:spLocks noGrp="1" noChangeArrowheads="1"/>
             <a:extLst>
               <a:ext uri="smNativeData">
-                <pr:smNativeData xmlns:pr="smNativeData" val="SMDATA_16_PPTaXhMAAAAlAAAAZAAAAA8BAAAAkAAAAEgAAACQAAAASAAAAAAAAAABAAAAAAAAAAEAAABQAAAAAAAAAAAA4D8AAAAAAADgPwAAAAAAAOA/AAAAAAAA4D8AAAAAAADgPwAAAAAAAOA/AAAAAAAA4D8AAAAAAADgPwAAAAAAAOA/AAAAAAAA4D8CAAAAjAAAAAAAAAAAAAAAu+DjDP///wgAAAAAAAAAAAAAAAAAAAAAAAAAAAAAAAAAAAAAZAAAAAEAAABAAAAAAAAAAAAAAAAAAAAAAAAAAAAAAAAAAAAAAAAAAAAAAAAAAAAAAAAAAAAAAAAAAAAAAAAAAAAAAAAAAAAAAAAAAAAAAAAAAAAAAAAAAAAAAAAAAAAAFAAAADwAAAAAAAAAAAAAAAAAAAkUAAAAAQAAABQAAAAUAAAAFAAAAAEAAAAAAAAAZAAAAGQAAAAAAAAAZAAAAGQAAAAVAAAAYAAAAAAAAAAAAAAADwAAACADAAAAAAAAAAAAAAEAAACgMgAAVgcAAKr4//8BAAAAf39/AAEAAABkAAAAAAAAABQAAABAHwAAAAAAACYAAAAAAAAAwOD//wAAAAAmAAAAZAAAABYAAABMAAAAAAAAAAAAAAAEAAAAAAAAAAEAAACAgIAKAAAAACgAAAAoAAAAZAAAAGQAAAAAAAAAzMzMAAAAAABQAAAAUAAAAGQAAABkAAAAAAAAABcAAAAUAAAAAAAAAAAAAAD/fwAA/38AAAAAAAAJAAAABAAAAAAAAAAMAAAAEAAAAAAAAAAAAAAAAAAAAAAAAAAeAAAAaAAAAAAAAAAAAAAAAAAAAAAAAAAAAAAAECcAABAnAAAAAAAAAAAAAAAAAAAAAAAAAAAAAAAAAAAAAAAAAAAAABQAAAAAAAAAwMD/AAAAAABkAAAAMgAAAAAAAABkAAAAAAAAAH9/fwAKAAAAIgAAABgAAAAAAAAAAAAAAAAAAAAAAAAAAAAAAAAAAAAkAAAAJAAAAAAAAAAHAAAAAAAAAAAAAAAAAAAAAAAAAAAAAAAAAAAAf39/ACUAAABYAAAAAAAAAAAAAAAAAAAAAAAAAAAAAAAAAAAAAAAAAAAAAAAAAAAAAAAAAAAAAAA/AAAAAAAAAKCGAQAAAAAAAAAAAAAAAAAMAAAAAQAAAAAAAAAAAAAAAAAAAB8AAABUAAAAAAAABQAAAAEAAAAAAAAAAAAAAAAAAAAAAAAAAAAAAAAAAAAAAAAAAAAAAAJ/f38AAAAAA8zMzADAwP8Af39/AAAAAAAAAAAAAAAAAAAAAAAAAAAAIQAAABgAAAAUAAAAUCgAABsnAABwNQAAWSkAABAAAAAmAAAACAAAAP//////////"/>
+                <pr:smNativeData xmlns:pr="smNativeData" val="SMDATA_13_4IlQXxMAAAAlAAAAZAAAAA8BAAAAkAAAAEgAAACQAAAASAAAAAAAAAABAAAAAAAAAAEAAABQAAAAAAAAAAAA4D8AAAAAAADgPwAAAAAAAOA/AAAAAAAA4D8AAAAAAADgPwAAAAAAAOA/AAAAAAAA4D8AAAAAAADgPwAAAAAAAOA/AAAAAAAA4D8CAAAAjAAAAAAAAAAAAAAAu+DjDP///wgAAAAAAAAAAAAAAAAAAAAAAAAAAAAAAAAAAAAAZAAAAAEAAABAAAAAAAAAAAAAAAAAAAAAAAAAAAAAAAAAAAAAAAAAAAAAAAAAAAAAAAAAAAAAAAAAAAAAAAAAAAAAAAAAAAAAAAAAAAAAAAAAAAAAAAAAAAAAAAAAAAAAFAAAADwAAAAAAAAAAAAAAAAAAAkUAAAAAQAAABQAAAAUAAAAFAAAAAEAAAAAAAAAZAAAAGQAAAAAAAAAZAAAAGQAAAAVAAAAYAAAAAAAAAAAAAAADwAAACADAAAAAAAAAAAAAAEAAACgMgAAVgcAAKr4//8BAAAAf39/AAEAAABkAAAAAAAAABQAAABAHwAAAAAAACYAAAAAAAAAwOD//wAAAAAmAAAAZAAAABYAAABMAAAAAAAAAAAAAAAEAAAAAAAAAAEAAACAgIAKAAAAACgAAAAoAAAAZAAAAGQAAAAAAAAAzMzMAAAAAABQAAAAUAAAAGQAAABkAAAAAAAAABcAAAAUAAAAAAAAAAAAAAD/fwAA/38AAAAAAAAJAAAABAAAAAAAAAAMAAAAEAAAAAAAAAAAAAAAAAAAAAAAAAAeAAAAaAAAAAAAAAAAAAAAAAAAAAAAAAAAAAAAECcAABAnAAAAAAAAAAAAAAAAAAAAAAAAAAAAAAAAAAAAAAAAAAAAABQAAAAAAAAAwMD/AAAAAABkAAAAMgAAAAAAAABkAAAAAAAAAH9/fwAKAAAAHwAAAFQAAAAAAAAFAAAAAQAAAAAAAAAAAAAAAAAAAAAAAAAAAAAAAAAAAAAAAAAAAAAAAn9/fwAAAAADzMzMAMDA/wB/f38AAAAAAAAAAAAAAAAAAAAAAAAAAAAhAAAAGAAAABQAAABQKAAAGycAAHA1AABZKQAAEAAAACYAAAAIAAAA//////////8="/>
               </a:ext>
             </a:extLst>
           </p:cNvSpPr>
@@ -3081,7 +3072,7 @@
           <a:effectLst/>
         </p:spPr>
         <p:txBody>
-          <a:bodyPr vert="horz" wrap="square" numCol="1" anchor="ctr">
+          <a:bodyPr vert="horz" wrap="square" numCol="1" spcCol="215900" anchor="ctr">
             <a:prstTxWarp prst="textNoShape">
               <a:avLst/>
             </a:prstTxWarp>
@@ -3093,7 +3084,7 @@
           </a:lstStyle>
           <a:p>
             <a:pPr/>
-            <a:fld id="{479E7EC4-8AAA-CB88-E426-7CDD30681229}" type="slidenum">
+            <a:fld id="{AA490255-1B47-1CF4-09F1-EDA14CBFFFB8}" type="slidenum">
               <a:t/>
             </a:fld>
           </a:p>
@@ -3135,7 +3126,6 @@
             <a:schemeClr val="tx2"/>
           </a:solidFill>
           <a:effectLst/>
-          <a:txBgFill val="auto"/>
           <a:latin typeface="Calibri" pitchFamily="2" charset="0"/>
           <a:ea typeface="SimSun" pitchFamily="0" charset="0"/>
           <a:cs typeface="Times New Roman" pitchFamily="1" charset="0"/>
@@ -3158,7 +3148,6 @@
             <a:schemeClr val="tx1"/>
           </a:solidFill>
           <a:effectLst/>
-          <a:txBgFill val="auto"/>
           <a:latin typeface="Calibri" pitchFamily="2" charset="0"/>
           <a:ea typeface="SimSun" pitchFamily="0" charset="0"/>
           <a:cs typeface="Times New Roman" pitchFamily="1" charset="0"/>
@@ -3181,7 +3170,6 @@
             <a:schemeClr val="tx1"/>
           </a:solidFill>
           <a:effectLst/>
-          <a:txBgFill val="auto"/>
           <a:latin typeface="Calibri" pitchFamily="2" charset="0"/>
           <a:ea typeface="SimSun" pitchFamily="0" charset="0"/>
           <a:cs typeface="Times New Roman" pitchFamily="1" charset="0"/>
@@ -3204,7 +3192,6 @@
             <a:schemeClr val="tx1"/>
           </a:solidFill>
           <a:effectLst/>
-          <a:txBgFill val="auto"/>
           <a:latin typeface="Calibri" pitchFamily="2" charset="0"/>
           <a:ea typeface="SimSun" pitchFamily="0" charset="0"/>
           <a:cs typeface="Times New Roman" pitchFamily="1" charset="0"/>
@@ -3227,7 +3214,6 @@
             <a:schemeClr val="tx1"/>
           </a:solidFill>
           <a:effectLst/>
-          <a:txBgFill val="auto"/>
           <a:latin typeface="Calibri" pitchFamily="2" charset="0"/>
           <a:ea typeface="SimSun" pitchFamily="0" charset="0"/>
           <a:cs typeface="Times New Roman" pitchFamily="1" charset="0"/>
@@ -3250,7 +3236,6 @@
             <a:schemeClr val="tx1"/>
           </a:solidFill>
           <a:effectLst/>
-          <a:txBgFill val="auto"/>
           <a:latin typeface="Calibri" pitchFamily="2" charset="0"/>
           <a:ea typeface="SimSun" pitchFamily="0" charset="0"/>
           <a:cs typeface="Times New Roman" pitchFamily="1" charset="0"/>
@@ -3273,7 +3258,6 @@
             <a:schemeClr val="tx1"/>
           </a:solidFill>
           <a:effectLst/>
-          <a:txBgFill val="auto"/>
           <a:latin typeface="Calibri" pitchFamily="2" charset="0"/>
           <a:ea typeface="SimSun" pitchFamily="0" charset="0"/>
           <a:cs typeface="Times New Roman" pitchFamily="1" charset="0"/>
@@ -3296,7 +3280,6 @@
             <a:schemeClr val="tx1"/>
           </a:solidFill>
           <a:effectLst/>
-          <a:txBgFill val="auto"/>
           <a:latin typeface="Calibri" pitchFamily="2" charset="0"/>
           <a:ea typeface="SimSun" pitchFamily="0" charset="0"/>
           <a:cs typeface="Times New Roman" pitchFamily="1" charset="0"/>
@@ -3319,7 +3302,6 @@
             <a:schemeClr val="tx1"/>
           </a:solidFill>
           <a:effectLst/>
-          <a:txBgFill val="auto"/>
           <a:latin typeface="Calibri" pitchFamily="2" charset="0"/>
           <a:ea typeface="SimSun" pitchFamily="0" charset="0"/>
           <a:cs typeface="Times New Roman" pitchFamily="1" charset="0"/>
@@ -3347,7 +3329,6 @@
             <a:schemeClr val="tx1"/>
           </a:solidFill>
           <a:effectLst/>
-          <a:txBgFill val="auto"/>
           <a:latin typeface="Calibri" pitchFamily="2" charset="0"/>
           <a:ea typeface="SimSun" pitchFamily="0" charset="0"/>
           <a:cs typeface="Times New Roman" pitchFamily="1" charset="0"/>
@@ -3373,7 +3354,6 @@
             <a:schemeClr val="tx1"/>
           </a:solidFill>
           <a:effectLst/>
-          <a:txBgFill val="auto"/>
           <a:latin typeface="Calibri" pitchFamily="2" charset="0"/>
           <a:ea typeface="SimSun" pitchFamily="0" charset="0"/>
           <a:cs typeface="Times New Roman" pitchFamily="1" charset="0"/>
@@ -3399,7 +3379,6 @@
             <a:schemeClr val="tx1"/>
           </a:solidFill>
           <a:effectLst/>
-          <a:txBgFill val="auto"/>
           <a:latin typeface="Calibri" pitchFamily="2" charset="0"/>
           <a:ea typeface="SimSun" pitchFamily="0" charset="0"/>
           <a:cs typeface="Times New Roman" pitchFamily="1" charset="0"/>
@@ -3425,7 +3404,6 @@
             <a:schemeClr val="tx1"/>
           </a:solidFill>
           <a:effectLst/>
-          <a:txBgFill val="auto"/>
           <a:latin typeface="Calibri" pitchFamily="2" charset="0"/>
           <a:ea typeface="SimSun" pitchFamily="0" charset="0"/>
           <a:cs typeface="Times New Roman" pitchFamily="1" charset="0"/>
@@ -3451,7 +3429,6 @@
             <a:schemeClr val="tx1"/>
           </a:solidFill>
           <a:effectLst/>
-          <a:txBgFill val="auto"/>
           <a:latin typeface="Calibri" pitchFamily="2" charset="0"/>
           <a:ea typeface="SimSun" pitchFamily="0" charset="0"/>
           <a:cs typeface="Times New Roman" pitchFamily="1" charset="0"/>
@@ -3477,7 +3454,6 @@
             <a:schemeClr val="tx1"/>
           </a:solidFill>
           <a:effectLst/>
-          <a:txBgFill val="auto"/>
           <a:latin typeface="Calibri" pitchFamily="2" charset="0"/>
           <a:ea typeface="SimSun" pitchFamily="0" charset="0"/>
           <a:cs typeface="Times New Roman" pitchFamily="1" charset="0"/>
@@ -3503,7 +3479,6 @@
             <a:schemeClr val="tx1"/>
           </a:solidFill>
           <a:effectLst/>
-          <a:txBgFill val="auto"/>
           <a:latin typeface="Calibri" pitchFamily="2" charset="0"/>
           <a:ea typeface="SimSun" pitchFamily="0" charset="0"/>
           <a:cs typeface="Times New Roman" pitchFamily="1" charset="0"/>
@@ -3529,7 +3504,6 @@
             <a:schemeClr val="tx1"/>
           </a:solidFill>
           <a:effectLst/>
-          <a:txBgFill val="auto"/>
           <a:latin typeface="Calibri" pitchFamily="2" charset="0"/>
           <a:ea typeface="SimSun" pitchFamily="0" charset="0"/>
           <a:cs typeface="Times New Roman" pitchFamily="1" charset="0"/>
@@ -3555,7 +3529,6 @@
             <a:schemeClr val="tx1"/>
           </a:solidFill>
           <a:effectLst/>
-          <a:txBgFill val="auto"/>
           <a:latin typeface="Calibri" pitchFamily="2" charset="0"/>
           <a:ea typeface="SimSun" pitchFamily="0" charset="0"/>
           <a:cs typeface="Times New Roman" pitchFamily="1" charset="0"/>
@@ -3580,7 +3553,6 @@
             <a:schemeClr val="tx1"/>
           </a:solidFill>
           <a:effectLst/>
-          <a:txBgFill val="auto"/>
           <a:latin typeface="Calibri" pitchFamily="2" charset="0"/>
           <a:ea typeface="SimSun" pitchFamily="0" charset="0"/>
           <a:cs typeface="Times New Roman" pitchFamily="1" charset="0"/>
@@ -3603,7 +3575,6 @@
             <a:schemeClr val="tx1"/>
           </a:solidFill>
           <a:effectLst/>
-          <a:txBgFill val="auto"/>
           <a:latin typeface="Calibri" pitchFamily="2" charset="0"/>
           <a:ea typeface="SimSun" pitchFamily="0" charset="0"/>
           <a:cs typeface="Times New Roman" pitchFamily="1" charset="0"/>
@@ -3626,7 +3597,6 @@
             <a:schemeClr val="tx1"/>
           </a:solidFill>
           <a:effectLst/>
-          <a:txBgFill val="auto"/>
           <a:latin typeface="Calibri" pitchFamily="2" charset="0"/>
           <a:ea typeface="SimSun" pitchFamily="0" charset="0"/>
           <a:cs typeface="Times New Roman" pitchFamily="1" charset="0"/>
@@ -3649,7 +3619,6 @@
             <a:schemeClr val="tx1"/>
           </a:solidFill>
           <a:effectLst/>
-          <a:txBgFill val="auto"/>
           <a:latin typeface="Calibri" pitchFamily="2" charset="0"/>
           <a:ea typeface="SimSun" pitchFamily="0" charset="0"/>
           <a:cs typeface="Times New Roman" pitchFamily="1" charset="0"/>
@@ -3672,7 +3641,6 @@
             <a:schemeClr val="tx1"/>
           </a:solidFill>
           <a:effectLst/>
-          <a:txBgFill val="auto"/>
           <a:latin typeface="Calibri" pitchFamily="2" charset="0"/>
           <a:ea typeface="SimSun" pitchFamily="0" charset="0"/>
           <a:cs typeface="Times New Roman" pitchFamily="1" charset="0"/>
@@ -3695,7 +3663,6 @@
             <a:schemeClr val="tx1"/>
           </a:solidFill>
           <a:effectLst/>
-          <a:txBgFill val="auto"/>
           <a:latin typeface="Calibri" pitchFamily="2" charset="0"/>
           <a:ea typeface="SimSun" pitchFamily="0" charset="0"/>
           <a:cs typeface="Times New Roman" pitchFamily="1" charset="0"/>
@@ -3718,7 +3685,6 @@
             <a:schemeClr val="tx1"/>
           </a:solidFill>
           <a:effectLst/>
-          <a:txBgFill val="auto"/>
           <a:latin typeface="Calibri" pitchFamily="2" charset="0"/>
           <a:ea typeface="SimSun" pitchFamily="0" charset="0"/>
           <a:cs typeface="Times New Roman" pitchFamily="1" charset="0"/>
@@ -3741,7 +3707,6 @@
             <a:schemeClr val="tx1"/>
           </a:solidFill>
           <a:effectLst/>
-          <a:txBgFill val="auto"/>
           <a:latin typeface="Calibri" pitchFamily="2" charset="0"/>
           <a:ea typeface="SimSun" pitchFamily="0" charset="0"/>
           <a:cs typeface="Times New Roman" pitchFamily="1" charset="0"/>
@@ -3764,7 +3729,6 @@
             <a:schemeClr val="tx1"/>
           </a:solidFill>
           <a:effectLst/>
-          <a:txBgFill val="auto"/>
           <a:latin typeface="Calibri" pitchFamily="2" charset="0"/>
           <a:ea typeface="SimSun" pitchFamily="0" charset="0"/>
           <a:cs typeface="Times New Roman" pitchFamily="1" charset="0"/>
@@ -3798,7 +3762,7 @@
           <p:cNvSpPr txBox="1">
             <a:extLst>
               <a:ext uri="smNativeData">
-                <pr:smNativeData xmlns:pr="smNativeData" val="SMDATA_16_PPTaXhMAAAAlAAAAEgAAAE8BAAAAkAAAAEgAAACQAAAASAAAAAAAAAAAAAAAAAAAAAEAAABQAAAAAAAAAAAA4D8AAAAAAADgPwAAAAAAAOA/AAAAAAAA4D8AAAAAAADgPwAAAAAAAOA/AAAAAAAA4D8AAAAAAADgPwAAAAAAAOA/AAAAAAAA4D8CAAAAjAAAAAAAAAAAAAAAu+DjDP///wgAAAAAAAAAAAAAAAAAAAAAAAAAAAAAAAAAAAAAZAAAAAEAAABAAAAAAAAAAAAAAAAAAAAAAAAAAAAAAAAAAAAAAAAAAAAAAAAAAAAAAAAAAAAAAAAAAAAAAAAAAAAAAAAAAAAAAAAAAAAAAAAAAAAAAAAAAAAAAAAAAAAAFAAAADwAAAAAAAAAAAAAAAAAAAkUAAAAAQAAABQAAAAUAAAAFAAAAAEAAAAAAAAAZAAAAGQAAAAAAAAAZAAAAGQAAAAVAAAAYAAAAAAAAAAAAAAADwAAACADAAAAAAAAAAAAAAEAAACgMgAAVgcAAKr4//8BAAAAf39/AAEAAABkAAAAAAAAABQAAABAHwAAAAAAACYAAAAAAAAAwOD//wAAAAAmAAAAZAAAABYAAABMAAAAAAAAAAAAAAAEAAAAAAAAAAEAAACAgIAKAAAAACgAAAAoAAAAZAAAAGQAAAAAAAAAzMzMAAAAAABQAAAAUAAAAGQAAABkAAAAAAAAABcAAAAUAAAAAAAAANwIAAD/fwAA/38AAAAAAAAJAAAABAAAAAAAAAAMAAAAEAAAAAAAAAAAAAAAAAAAAAAAAAAeAAAAaAAAAAAAAAAAAAAAAAAAAAAAAAAAAAAAECcAABAnAAAAAAAAAAAAAAAAAAAAAAAAAAAAAAAAAAAAAAAAAAAAABQAAAAAAAAAwMD/AAAAAABkAAAAMgAAAAAAAABkAAAAAAAAAH9/fwAKAAAAIgAAABgAAAAAAAAAAAAAAAAAAAAAAAAAAAAAAAAAAAAkAAAAJAAAAAAAAAAHAAAAAAAAAAAAAAAAAAAAAAAAAAAAAAAAAAAAf39/ACUAAABYAAAAAAAAAAAAAAAAAAAAAAAAAAAAAAAAAAAAAAAAAAAAAAAAAAAAAAAAAAAAAAA/AAAAAAAAAKCGAQAAAAAAAAAAAAAAAAAMAAAAAQAAAAAAAAAAAAAAAAAAAB8AAABUAAAAu+DjBf///wEAAAAAAAAAAAAAAAAAAAAAAAAAAAAAAAAAAAAAAAAAAAAAAAJ/f38AgICAA8zMzADAwP8Af39/AAAAAAAAAAAAAAAAAAAAAAAAAAAAIQAAABgAAAAUAAAAFwMAABcDAABzDwAAJwUAABAgAAAmAAAACAAAAP//////////"/>
+                <pr:smNativeData xmlns:pr="smNativeData" val="SMDATA_13_4IlQXxMAAAAlAAAAEgAAAE8BAAAAkAAAAEgAAACQAAAASAAAAAAAAAAAAAAAAAAAAAEAAABQAAAAAAAAAAAA4D8AAAAAAADgPwAAAAAAAOA/AAAAAAAA4D8AAAAAAADgPwAAAAAAAOA/AAAAAAAA4D8AAAAAAADgPwAAAAAAAOA/AAAAAAAA4D8CAAAAjAAAAAAAAAAAAAAAu+DjDP///wgAAAAAAAAAAAAAAAAAAAAAAAAAAAAAAAAAAAAAZAAAAAEAAABAAAAAAAAAAAAAAAAAAAAAAAAAAAAAAAAAAAAAAAAAAAAAAAAAAAAAAAAAAAAAAAAAAAAAAAAAAAAAAAAAAAAAAAAAAAAAAAAAAAAAAAAAAAAAAAAAAAAAFAAAADwAAAAAAAAAAAAAAAAAAAkUAAAAAQAAABQAAAAUAAAAFAAAAAEAAAAAAAAAZAAAAGQAAAAAAAAAZAAAAGQAAAAVAAAAYAAAAAAAAAAAAAAADwAAACADAAAAAAAAAAAAAAEAAACgMgAAVgcAAKr4//8BAAAAf39/AAEAAABkAAAAAAAAABQAAABAHwAAAAAAACYAAAAAAAAAwOD//wAAAAAmAAAAZAAAABYAAABMAAAAAAAAAAAAAAAEAAAAAAAAAAEAAACAgIAKAAAAACgAAAAoAAAAZAAAAGQAAAAAAAAAzMzMAAAAAABQAAAAUAAAAGQAAABkAAAAAAAAABcAAAAUAAAAAAAAANwIAAD/fwAA/38AAAAAAAAJAAAABAAAAAAAAAAMAAAAEAAAAAAAAAAAAAAAAAAAAAAAAAAeAAAAaAAAAAAAAAAAAAAAAAAAAAAAAAAAAAAAECcAABAnAAAAAAAAAAAAAAAAAAAAAAAAAAAAAAAAAAAAAAAAAAAAABQAAAAAAAAAwMD/AAAAAABkAAAAMgAAAAAAAABkAAAAAAAAAH9/fwAKAAAAHwAAAFQAAAC74OMF////AQAAAAAAAAAAAAAAAAAAAAAAAAAAAAAAAAAAAAAAAAAAAAAAAn9/fwCAgIADzMzMAMDA/wB/f38AAAAAAAAAAAAAAAAAAAAAAAAAAAAhAAAAGAAAABQAAAAXAwAAFwMAAHMPAAAnBQAAECAAACYAAAAIAAAA//////////8="/>
               </a:ext>
             </a:extLst>
           </p:cNvSpPr>
@@ -3819,7 +3783,7 @@
           <a:effectLst/>
         </p:spPr>
         <p:txBody>
-          <a:bodyPr vert="horz" wrap="square" numCol="1" anchor="t"/>
+          <a:bodyPr vert="horz" wrap="square" numCol="1" spcCol="215900" anchor="t"/>
           <a:lstStyle/>
           <a:p>
             <a:pPr>
@@ -3841,7 +3805,7 @@
           <p:cNvSpPr txBox="1">
             <a:extLst>
               <a:ext uri="smNativeData">
-                <pr:smNativeData xmlns:pr="smNativeData" val="SMDATA_16_PPTaXhMAAAAlAAAAEgAAAE8BAAAAkAAAAEgAAACQAAAASAAAAAAAAAAAAAAAAAAAAAEAAABQAAAAAAAAAAAA4D8AAAAAAADgPwAAAAAAAOA/AAAAAAAA4D8AAAAAAADgPwAAAAAAAOA/AAAAAAAA4D8AAAAAAADgPwAAAAAAAOA/AAAAAAAA4D8CAAAAjAAAAAAAAAAAAAAAu+DjDP///wgAAAAAAAAAAAAAAAAAAAAAAAAAAAAAAAAAAAAAZAAAAAEAAABAAAAAAAAAAAAAAAAAAAAAAAAAAAAAAAAAAAAAAAAAAAAAAAAAAAAAAAAAAAAAAAAAAAAAAAAAAAAAAAAAAAAAAAAAAAAAAAAAAAAAAAAAAAAAAAAAAAAAFAAAADwAAAAAAAAAAAAAAAAAAAkUAAAAAQAAABQAAAAUAAAAFAAAAAEAAAAAAAAAZAAAAGQAAAAAAAAAZAAAAGQAAAAVAAAAYAAAAAAAAAAAAAAADwAAACADAAAAAAAAAAAAAAEAAACgMgAAVgcAAKr4//8BAAAAf39/AAEAAABkAAAAAAAAABQAAABAHwAAAAAAACYAAAAAAAAAwOD//wAAAAAmAAAAZAAAABYAAABMAAAAAAAAAAAAAAAEAAAAAAAAAAEAAACAgIAKAAAAACgAAAAoAAAAZAAAAGQAAAAAAAAAzMzMAAAAAABQAAAAUAAAAGQAAABkAAAAAAAAABcAAAAUAAAAAAAAANwIAAD/fwAA/38AAAAAAAAJAAAABAAAAAAAAAAMAAAAEAAAAAAAAAAAAAAAAAAAAAAAAAAeAAAAaAAAAAAAAAAAAAAAAAAAAAAAAAAAAAAAECcAABAnAAAAAAAAAAAAAAAAAAAAAAAAAAAAAAAAAAAAAAAAAAAAABQAAAAAAAAAwMD/AAAAAABkAAAAMgAAAAAAAABkAAAAAAAAAH9/fwAKAAAAIgAAABgAAAAAAAAAAAAAAAAAAAAAAAAAAAAAAAAAAAAkAAAAJAAAAAAAAAAHAAAAAAAAAAAAAAAAAAAAAAAAAAAAAAAAAAAAf39/ACUAAABYAAAAAAAAAAAAAAAAAAAAAAAAAAAAAAAAAAAAAAAAAAAAAAAAAAAAAAAAAAAAAAA/AAAAAAAAAKCGAQAAAAAAAAAAAAAAAAAMAAAAAQAAAAAAAAAAAAAAAAAAAB8AAABUAAAAu+DjBf///wEAAAAAAAAAAAAAAAAAAAAAAAAAAAAAAAAAAAAAAAAAAAAAAAJ/f38AgICAA8zMzADAwP8Af39/AAAAAAAAAAAAAAAAAAAAAAAAAAAAIQAAABgAAAAUAAAAsxYAABcDAABTIQAAJwUAABAgAAAmAAAACAAAAP//////////"/>
+                <pr:smNativeData xmlns:pr="smNativeData" val="SMDATA_13_4IlQXxMAAAAlAAAAEgAAAE8BAAAAkAAAAEgAAACQAAAASAAAAAAAAAAAAAAAAAAAAAEAAABQAAAAAAAAAAAA4D8AAAAAAADgPwAAAAAAAOA/AAAAAAAA4D8AAAAAAADgPwAAAAAAAOA/AAAAAAAA4D8AAAAAAADgPwAAAAAAAOA/AAAAAAAA4D8CAAAAjAAAAAAAAAAAAAAAu+DjDP///wgAAAAAAAAAAAAAAAAAAAAAAAAAAAAAAAAAAAAAZAAAAAEAAABAAAAAAAAAAAAAAAAAAAAAAAAAAAAAAAAAAAAAAAAAAAAAAAAAAAAAAAAAAAAAAAAAAAAAAAAAAAAAAAAAAAAAAAAAAAAAAAAAAAAAAAAAAAAAAAAAAAAAFAAAADwAAAAAAAAAAAAAAAAAAAkUAAAAAQAAABQAAAAUAAAAFAAAAAEAAAAAAAAAZAAAAGQAAAAAAAAAZAAAAGQAAAAVAAAAYAAAAAAAAAAAAAAADwAAACADAAAAAAAAAAAAAAEAAACgMgAAVgcAAKr4//8BAAAAf39/AAEAAABkAAAAAAAAABQAAABAHwAAAAAAACYAAAAAAAAAwOD//wAAAAAmAAAAZAAAABYAAABMAAAAAAAAAAAAAAAEAAAAAAAAAAEAAACAgIAKAAAAACgAAAAoAAAAZAAAAGQAAAAAAAAAzMzMAAAAAABQAAAAUAAAAGQAAABkAAAAAAAAABcAAAAUAAAAAAAAANwIAAD/fwAA/38AAAAAAAAJAAAABAAAAAAAAAAMAAAAEAAAAAAAAAAAAAAAAAAAAAAAAAAeAAAAaAAAAAAAAAAAAAAAAAAAAAAAAAAAAAAAECcAABAnAAAAAAAAAAAAAAAAAAAAAAAAAAAAAAAAAAAAAAAAAAAAABQAAAAAAAAAwMD/AAAAAABkAAAAMgAAAAAAAABkAAAAAAAAAH9/fwAKAAAAHwAAAFQAAAC74OMF////AQAAAAAAAAAAAAAAAAAAAAAAAAAAAAAAAAAAAAAAAAAAAAAAAn9/fwCAgIADzMzMAMDA/wB/f38AAAAAAAAAAAAAAAAAAAAAAAAAAAAhAAAAGAAAABQAAACzFgAAFwMAAFMhAAAnBQAAECAAACYAAAAIAAAA//////////8="/>
               </a:ext>
             </a:extLst>
           </p:cNvSpPr>
@@ -3862,7 +3826,7 @@
           <a:effectLst/>
         </p:spPr>
         <p:txBody>
-          <a:bodyPr vert="horz" wrap="square" numCol="1" anchor="t"/>
+          <a:bodyPr vert="horz" wrap="square" numCol="1" spcCol="215900" anchor="t"/>
           <a:lstStyle/>
           <a:p>
             <a:pPr>
@@ -3884,7 +3848,7 @@
           <p:cNvSpPr txBox="1">
             <a:extLst>
               <a:ext uri="smNativeData">
-                <pr:smNativeData xmlns:pr="smNativeData" val="SMDATA_16_PPTaXhMAAAAlAAAAEgAAAE8BAAAAkAAAAEgAAACQAAAASAAAAAAAAAAAAAAAAAAAAAEAAABQAAAAAAAAAAAA4D8AAAAAAADgPwAAAAAAAOA/AAAAAAAA4D8AAAAAAADgPwAAAAAAAOA/AAAAAAAA4D8AAAAAAADgPwAAAAAAAOA/AAAAAAAA4D8CAAAAjAAAAAAAAAAAAAAAu+DjDP///wgAAAAAAAAAAAAAAAAAAAAAAAAAAAAAAAAAAAAAZAAAAAEAAABAAAAAAAAAAAAAAAAAAAAAAAAAAAAAAAAAAAAAAAAAAAAAAAAAAAAAAAAAAAAAAAAAAAAAAAAAAAAAAAAAAAAAAAAAAAAAAAAAAAAAAAAAAAAAAAAAAAAAFAAAADwAAAAAAAAAAAAAAAAAAAkUAAAAAQAAABQAAAAUAAAAFAAAAAEAAAAAAAAAZAAAAGQAAAAAAAAAZAAAAGQAAAAVAAAAYAAAAAAAAAAAAAAADwAAACADAAAAAAAAAAAAAAEAAACgMgAAVgcAAKr4//8BAAAAf39/AAEAAABkAAAAAAAAABQAAABAHwAAAAAAACYAAAAAAAAAwOD//wAAAAAmAAAAZAAAABYAAABMAAAAAAAAAAAAAAAEAAAAAAAAAAEAAACAgIAKAAAAACgAAAAoAAAAZAAAAGQAAAAAAAAAzMzMAAAAAABQAAAAUAAAAGQAAABkAAAAAAAAABcAAAAUAAAAAAAAANwIAAD/fwAA/38AAAAAAAAJAAAABAAAAAAAAAAMAAAAEAAAAAAAAAAAAAAAAAAAAAAAAAAeAAAAaAAAAAAAAAAAAAAAAAAAAAAAAAAAAAAAECcAABAnAAAAAAAAAAAAAAAAAAAAAAAAAAAAAAAAAAAAAAAAAAAAABQAAAAAAAAAwMD/AAAAAABkAAAAMgAAAAAAAABkAAAAAAAAAH9/fwAKAAAAIgAAABgAAAAAAAAAAAAAAAAAAAAAAAAAAAAAAAAAAAAkAAAAJAAAAAAAAAAHAAAAAAAAAAAAAAAAAAAAAAAAAAAAAAAAAAAAf39/ACUAAABYAAAAAAAAAAAAAAAAAAAAAAAAAAAAAAAAAAAAAAAAAAAAAAAAAAAAAAAAAAAAAAA/AAAAAAAAAKCGAQAAAAAAAAAAAAAAAAAMAAAAAQAAAAAAAAAAAAAAAAAAAB8AAABUAAAAu+DjBf///wEAAAAAAAAAAAAAAAAAAAAAAAAAAAAAAAAAAAAAAAAAAAAAAAJ/f38AgICAA8zMzADAwP8Af39/AAAAAAAAAAAAAAAAAAAAAAAAAAAAIQAAABgAAAAUAAAAESgAABcDAAC8NgAAJwUAABAgAAAmAAAACAAAAP//////////"/>
+                <pr:smNativeData xmlns:pr="smNativeData" val="SMDATA_13_4IlQXxMAAAAlAAAAEgAAAE8BAAAAkAAAAEgAAACQAAAASAAAAAAAAAAAAAAAAAAAAAEAAABQAAAAAAAAAAAA4D8AAAAAAADgPwAAAAAAAOA/AAAAAAAA4D8AAAAAAADgPwAAAAAAAOA/AAAAAAAA4D8AAAAAAADgPwAAAAAAAOA/AAAAAAAA4D8CAAAAjAAAAAAAAAAAAAAAu+DjDP///wgAAAAAAAAAAAAAAAAAAAAAAAAAAAAAAAAAAAAAZAAAAAEAAABAAAAAAAAAAAAAAAAAAAAAAAAAAAAAAAAAAAAAAAAAAAAAAAAAAAAAAAAAAAAAAAAAAAAAAAAAAAAAAAAAAAAAAAAAAAAAAAAAAAAAAAAAAAAAAAAAAAAAFAAAADwAAAAAAAAAAAAAAAAAAAkUAAAAAQAAABQAAAAUAAAAFAAAAAEAAAAAAAAAZAAAAGQAAAAAAAAAZAAAAGQAAAAVAAAAYAAAAAAAAAAAAAAADwAAACADAAAAAAAAAAAAAAEAAACgMgAAVgcAAKr4//8BAAAAf39/AAEAAABkAAAAAAAAABQAAABAHwAAAAAAACYAAAAAAAAAwOD//wAAAAAmAAAAZAAAABYAAABMAAAAAAAAAAAAAAAEAAAAAAAAAAEAAACAgIAKAAAAACgAAAAoAAAAZAAAAGQAAAAAAAAAzMzMAAAAAABQAAAAUAAAAGQAAABkAAAAAAAAABcAAAAUAAAAAAAAANwIAAD/fwAA/38AAAAAAAAJAAAABAAAAAAAAAAMAAAAEAAAAAAAAAAAAAAAAAAAAAAAAAAeAAAAaAAAAAAAAAAAAAAAAAAAAAAAAAAAAAAAECcAABAnAAAAAAAAAAAAAAAAAAAAAAAAAAAAAAAAAAAAAAAAAAAAABQAAAAAAAAAwMD/AAAAAABkAAAAMgAAAAAAAABkAAAAAAAAAH9/fwAKAAAAHwAAAFQAAAC74OMF////AQAAAAAAAAAAAAAAAAAAAAAAAAAAAAAAAAAAAAAAAAAAAAAAAn9/fwCAgIADzMzMAMDA/wB/f38AAAAAAAAAAAAAAAAAAAAAAAAAAAAhAAAAGAAAABQAAAARKAAAFwMAALw2AAAnBQAAECAAACYAAAAIAAAA//////////8="/>
               </a:ext>
             </a:extLst>
           </p:cNvSpPr>
@@ -3905,7 +3869,7 @@
           <a:effectLst/>
         </p:spPr>
         <p:txBody>
-          <a:bodyPr vert="horz" wrap="square" numCol="1" anchor="t"/>
+          <a:bodyPr vert="horz" wrap="square" numCol="1" spcCol="215900" anchor="t"/>
           <a:lstStyle/>
           <a:p>
             <a:pPr>
@@ -3927,7 +3891,7 @@
           <p:cNvSpPr txBox="1">
             <a:extLst>
               <a:ext uri="smNativeData">
-                <pr:smNativeData xmlns:pr="smNativeData" val="SMDATA_16_PPTaXhMAAAAlAAAAEgAAAE8BAAAAkAAAAEgAAACQAAAASAAAAAAAAAAAAAAAAAAAAAEAAABQAAAAAAAAAAAA4D8AAAAAAADgPwAAAAAAAOA/AAAAAAAA4D8AAAAAAADgPwAAAAAAAOA/AAAAAAAA4D8AAAAAAADgPwAAAAAAAOA/AAAAAAAA4D8CAAAAjAAAAAAAAAAAAAAAu+DjDP///wgAAAAAAAAAAAAAAAAAAAAAAAAAAAAAAAAAAAAAZAAAAAEAAABAAAAAAAAAAAAAAAAAAAAAAAAAAAAAAAAAAAAAAAAAAAAAAAAAAAAAAAAAAAAAAAAAAAAAAAAAAAAAAAAAAAAAAAAAAAAAAAAAAAAAAAAAAAAAAAAAAAAAFAAAADwAAAAAAAAAAAAAAAAAAAkUAAAAAQAAABQAAAAUAAAAFAAAAAEAAAAAAAAAZAAAAGQAAAAAAAAAZAAAAGQAAAAVAAAAYAAAAAAAAAAAAAAADwAAACADAAAAAAAAAAAAAAEAAACgMgAAVgcAAKr4//8BAAAAf39/AAEAAABkAAAAAAAAABQAAABAHwAAAAAAACYAAAAAAAAAwOD//wAAAAAmAAAAZAAAABYAAABMAAAAAAAAAAAAAAAEAAAAAAAAAAEAAACAgIAKAAAAACgAAAAoAAAAZAAAAGQAAAAAAAAAzMzMAAAAAABQAAAAUAAAAGQAAABkAAAAAAAAABcAAAAUAAAAAAAAANwIAAD/fwAA/38AAAAAAAAJAAAABAAAAGcAaAAMAAAAEAAAAAAAAAAAAAAAAAAAAAAAAAAeAAAAaAAAAAAAAAAAAAAAAAAAAAAAAAAAAAAAECcAABAnAAAAAAAAAAAAAAAAAAAAAAAAAAAAAAAAAAAAAAAAAAAAABQAAAAAAAAAwMD/AAAAAABkAAAAMgAAAAAAAABkAAAAAAAAAH9/fwAKAAAAIgAAABgAAAAAAAAAAAAAAAAAAAAAAAAAAAAAAAAAAAAkAAAAJAAAAAAAAAAHAAAAAAAAAAAAAAAAAAAAAAAAAAAAAAAAAAAAf39/ACUAAABYAAAAAAAAAAAAAAAAAAAAAAAAAAAAAAAAAAAAAAAAAAAAAAAAAAAAAAAAAAAAAAA/AAAAAAAAAKCGAQAAAAAAAAAAAAAAAAAMAAAAAQAAAAAAAAAAAAAAAAAAAB8AAABUAAAAu+DjBf///wEAAAAAAAAAAAAAAAAAAAAAAAAAAAAAAAAAAAAAAAAAAAAAAAJ/f38AgICAA8zMzADAwP8Af39/AAAAAAAAAAAAAAAAAAAAAAAAAAAAIQAAABgAAAAUAAAA5QIAAKwFAADBCwAAjAcAABAgAAAmAAAACAAAAP//////////"/>
+                <pr:smNativeData xmlns:pr="smNativeData" val="SMDATA_13_4IlQXxMAAAAlAAAAEgAAAE8BAAAAkAAAAEgAAACQAAAASAAAAAAAAAAAAAAAAAAAAAEAAABQAAAAAAAAAAAA4D8AAAAAAADgPwAAAAAAAOA/AAAAAAAA4D8AAAAAAADgPwAAAAAAAOA/AAAAAAAA4D8AAAAAAADgPwAAAAAAAOA/AAAAAAAA4D8CAAAAjAAAAAAAAAAAAAAAu+DjDP///wgAAAAAAAAAAAAAAAAAAAAAAAAAAAAAAAAAAAAAZAAAAAEAAABAAAAAAAAAAAAAAAAAAAAAAAAAAAAAAAAAAAAAAAAAAAAAAAAAAAAAAAAAAAAAAAAAAAAAAAAAAAAAAAAAAAAAAAAAAAAAAAAAAAAAAAAAAAAAAAAAAAAAFAAAADwAAAAAAAAAAAAAAAAAAAkUAAAAAQAAABQAAAAUAAAAFAAAAAEAAAAAAAAAZAAAAGQAAAAAAAAAZAAAAGQAAAAVAAAAYAAAAAAAAAAAAAAADwAAACADAAAAAAAAAAAAAAEAAACgMgAAVgcAAKr4//8BAAAAf39/AAEAAABkAAAAAAAAABQAAABAHwAAAAAAACYAAAAAAAAAwOD//wAAAAAmAAAAZAAAABYAAABMAAAAAAAAAAAAAAAEAAAAAAAAAAEAAACAgIAKAAAAACgAAAAoAAAAZAAAAGQAAAAAAAAAzMzMAAAAAABQAAAAUAAAAGQAAABkAAAAAAAAABcAAAAUAAAAAAAAANwIAAD/fwAA/38AAAAAAAAJAAAABAAAAGcAaAAMAAAAEAAAAAAAAAAAAAAAAAAAAAAAAAAeAAAAaAAAAAAAAAAAAAAAAAAAAAAAAAAAAAAAECcAABAnAAAAAAAAAAAAAAAAAAAAAAAAAAAAAAAAAAAAAAAAAAAAABQAAAAAAAAAwMD/AAAAAABkAAAAMgAAAAAAAABkAAAAAAAAAH9/fwAKAAAAHwAAAFQAAAC74OMF////AQAAAAAAAAAAAAAAAAAAAAAAAAAAAAAAAAAAAAAAAAAAAAAAAn9/fwCAgIADzMzMAMDA/wB/f38AAAAAAAAAAAAAAAAAAAAAAAAAAAAhAAAAGAAAABQAAADlAgAArAUAAMELAACMBwAAECAAACYAAAAIAAAA//////////8="/>
               </a:ext>
             </a:extLst>
           </p:cNvSpPr>
@@ -3948,7 +3912,7 @@
           <a:effectLst/>
         </p:spPr>
         <p:txBody>
-          <a:bodyPr vert="horz" wrap="square" numCol="1" anchor="t"/>
+          <a:bodyPr vert="horz" wrap="square" numCol="1" spcCol="215900" anchor="t"/>
           <a:lstStyle/>
           <a:p>
             <a:pPr>
@@ -3970,7 +3934,7 @@
           <p:cNvSpPr txBox="1">
             <a:extLst>
               <a:ext uri="smNativeData">
-                <pr:smNativeData xmlns:pr="smNativeData" val="SMDATA_16_PPTaXhMAAAAlAAAAEgAAAE8BAAAAkAAAAEgAAACQAAAASAAAAAAAAAAAAAAAAAAAAAEAAABQAAAAAAAAAAAA4D8AAAAAAADgPwAAAAAAAOA/AAAAAAAA4D8AAAAAAADgPwAAAAAAAOA/AAAAAAAA4D8AAAAAAADgPwAAAAAAAOA/AAAAAAAA4D8CAAAAjAAAAAAAAAAAAAAAu+DjDP///wgAAAAAAAAAAAAAAAAAAAAAAAAAAAAAAAAAAAAAZAAAAAEAAABAAAAAAAAAAAAAAAAAAAAAAAAAAAAAAAAAAAAAAAAAAAAAAAAAAAAAAAAAAAAAAAAAAAAAAAAAAAAAAAAAAAAAAAAAAAAAAAAAAAAAAAAAAAAAAAAAAAAAFAAAADwAAAAAAAAAAAAAAAAAAAkUAAAAAQAAABQAAAAUAAAAFAAAAAEAAAAAAAAAZAAAAGQAAAAAAAAAZAAAAGQAAAAVAAAAYAAAAAAAAAAAAAAADwAAACADAAAAAAAAAAAAAAEAAACgMgAAVgcAAKr4//8BAAAAf39/AAEAAABkAAAAAAAAABQAAABAHwAAAAAAACYAAAAAAAAAwOD//wAAAAAmAAAAZAAAABYAAABMAAAAAAAAAAAAAAAEAAAAAAAAAAEAAACAgIAKAAAAACgAAAAoAAAAZAAAAGQAAAAAAAAAzMzMAAAAAABQAAAAUAAAAGQAAABkAAAAAAAAABcAAAAUAAAAAAAAANwIAAD/fwAA/38AAAAAAAAJAAAABAAAAAAAAAAMAAAAEAAAAAAAAAAAAAAAAAAAAAAAAAAeAAAAaAAAAAAAAAAAAAAAAAAAAAAAAAAAAAAAECcAABAnAAAAAAAAAAAAAAAAAAAAAAAAAAAAAAAAAAAAAAAAAAAAABQAAAAAAAAAwMD/AAAAAABkAAAAMgAAAAAAAABkAAAAAAAAAH9/fwAKAAAAIgAAABgAAAAAAAAAAAAAAAAAAAAAAAAAAAAAAAAAAAAkAAAAJAAAAAAAAAAHAAAAAAAAAAAAAAAAAAAAAAAAAAAAAAAAAAAAf39/ACUAAABYAAAAAAAAAAAAAAAAAAAAAAAAAAAAAAAAAAAAAAAAAAAAAAAAAAAAAAAAAAAAAAA/AAAAAAAAAKCGAQAAAAAAAAAAAAAAAAAMAAAAAQAAAAAAAAAAAAAAAAAAAB8AAABUAAAAu+DjBf///wEAAAAAAAAAAAAAAAAAAAAAAAAAAAAAAAAAAAAAAAAAAAAAAAJ/f38AgICAA8zMzADAwP8Af39/AAAAAAAAAAAAAAAAAAAAAAAAAAAAIQAAABgAAAAUAAAA5QIAAFsJAADBCwAAOwsAABAgAAAmAAAACAAAAP//////////"/>
+                <pr:smNativeData xmlns:pr="smNativeData" val="SMDATA_13_4IlQXxMAAAAlAAAAEgAAAE8BAAAAkAAAAEgAAACQAAAASAAAAAAAAAAAAAAAAAAAAAEAAABQAAAAAAAAAAAA4D8AAAAAAADgPwAAAAAAAOA/AAAAAAAA4D8AAAAAAADgPwAAAAAAAOA/AAAAAAAA4D8AAAAAAADgPwAAAAAAAOA/AAAAAAAA4D8CAAAAjAAAAAAAAAAAAAAAu+DjDP///wgAAAAAAAAAAAAAAAAAAAAAAAAAAAAAAAAAAAAAZAAAAAEAAABAAAAAAAAAAAAAAAAAAAAAAAAAAAAAAAAAAAAAAAAAAAAAAAAAAAAAAAAAAAAAAAAAAAAAAAAAAAAAAAAAAAAAAAAAAAAAAAAAAAAAAAAAAAAAAAAAAAAAFAAAADwAAAAAAAAAAAAAAAAAAAkUAAAAAQAAABQAAAAUAAAAFAAAAAEAAAAAAAAAZAAAAGQAAAAAAAAAZAAAAGQAAAAVAAAAYAAAAAAAAAAAAAAADwAAACADAAAAAAAAAAAAAAEAAACgMgAAVgcAAKr4//8BAAAAf39/AAEAAABkAAAAAAAAABQAAABAHwAAAAAAACYAAAAAAAAAwOD//wAAAAAmAAAAZAAAABYAAABMAAAAAAAAAAAAAAAEAAAAAAAAAAEAAACAgIAKAAAAACgAAAAoAAAAZAAAAGQAAAAAAAAAzMzMAAAAAABQAAAAUAAAAGQAAABkAAAAAAAAABcAAAAUAAAAAAAAANwIAAD/fwAA/38AAAAAAAAJAAAABAAAAAAAAAAMAAAAEAAAAAAAAAAAAAAAAAAAAAAAAAAeAAAAaAAAAAAAAAAAAAAAAAAAAAAAAAAAAAAAECcAABAnAAAAAAAAAAAAAAAAAAAAAAAAAAAAAAAAAAAAAAAAAAAAABQAAAAAAAAAwMD/AAAAAABkAAAAMgAAAAAAAABkAAAAAAAAAH9/fwAKAAAAHwAAAFQAAAC74OMF////AQAAAAAAAAAAAAAAAAAAAAAAAAAAAAAAAAAAAAAAAAAAAAAAAn9/fwCAgIADzMzMAMDA/wB/f38AAAAAAAAAAAAAAAAAAAAAAAAAAAAhAAAAGAAAABQAAADlAgAAWwkAAMELAAA7CwAAECAAACYAAAAIAAAA//////////8="/>
               </a:ext>
             </a:extLst>
           </p:cNvSpPr>
@@ -3991,7 +3955,7 @@
           <a:effectLst/>
         </p:spPr>
         <p:txBody>
-          <a:bodyPr vert="horz" wrap="square" numCol="1" anchor="t"/>
+          <a:bodyPr vert="horz" wrap="square" numCol="1" spcCol="215900" anchor="t"/>
           <a:lstStyle/>
           <a:p>
             <a:pPr>
@@ -4013,7 +3977,7 @@
           <p:cNvSpPr txBox="1">
             <a:extLst>
               <a:ext uri="smNativeData">
-                <pr:smNativeData xmlns:pr="smNativeData" val="SMDATA_16_PPTaXhMAAAAlAAAAEgAAAE8BAAAAkAAAAEgAAACQAAAASAAAAAAAAAAAAAAAAAAAAAEAAABQAAAAAAAAAAAA4D8AAAAAAADgPwAAAAAAAOA/AAAAAAAA4D8AAAAAAADgPwAAAAAAAOA/AAAAAAAA4D8AAAAAAADgPwAAAAAAAOA/AAAAAAAA4D8CAAAAjAAAAAAAAAAAAAAAu+DjDP///wgAAAAAAAAAAAAAAAAAAAAAAAAAAAAAAAAAAAAAZAAAAAEAAABAAAAAAAAAAAAAAAAAAAAAAAAAAAAAAAAAAAAAAAAAAAAAAAAAAAAAAAAAAAAAAAAAAAAAAAAAAAAAAAAAAAAAAAAAAAAAAAAAAAAAAAAAAAAAAAAAAAAAFAAAADwAAAAAAAAAAAAAAAAAAAkUAAAAAQAAABQAAAAUAAAAFAAAAAEAAAAAAAAAZAAAAGQAAAAAAAAAZAAAAGQAAAAVAAAAYAAAAAAAAAAAAAAADwAAACADAAAAAAAAAAAAAAEAAACgMgAAVgcAAKr4//8BAAAAf39/AAEAAABkAAAAAAAAABQAAABAHwAAAAAAACYAAAAAAAAAwOD//wAAAAAmAAAAZAAAABYAAABMAAAAAAAAAAAAAAAEAAAAAAAAAAEAAACAgIAKAAAAACgAAAAoAAAAZAAAAGQAAAAAAAAAzMzMAAAAAABQAAAAUAAAAGQAAABkAAAAAAAAABcAAAAUAAAAAAAAANwIAAD/fwAA/38AAAAAAAAJAAAABAAAAAAAAAAMAAAAEAAAAAAAAAAAAAAAAAAAAAAAAAAeAAAAaAAAAAAAAAAAAAAAAAAAAAAAAAAAAAAAECcAABAnAAAAAAAAAAAAAAAAAAAAAAAAAAAAAAAAAAAAAAAAAAAAABQAAAAAAAAAwMD/AAAAAABkAAAAMgAAAAAAAABkAAAAAAAAAH9/fwAKAAAAIgAAABgAAAAAAAAAAAAAAAAAAAAAAAAAAAAAAAAAAAAkAAAAJAAAAAAAAAAHAAAAAAAAAAAAAAAAAAAAAAAAAAAAAAAAAAAAf39/ACUAAABYAAAAAAAAAAAAAAAAAAAAAAAAAAAAAAAAAAAAAAAAAAAAAAAAAAAAAAAAAAAAAAA/AAAAAAAAAKCGAQAAAAAAAAAAAAAAAAAMAAAAAQAAAAAAAAAAAAAAAAAAAB8AAABUAAAAu+DjBf///wEAAAAAAAAAAAAAAAAAAAAAAAAAAAAAAAAAAAAAAAAAAAAAAAJ/f38AgICAA8zMzADAwP8Af39/AAAAAAAAAAAAAAAAAAAAAAAAAAAAIQAAABgAAAAUAAAA5QIAAFsPAADBCwAAOxEAABAgAAAmAAAACAAAAP//////////"/>
+                <pr:smNativeData xmlns:pr="smNativeData" val="SMDATA_13_4IlQXxMAAAAlAAAAEgAAAE8BAAAAkAAAAEgAAACQAAAASAAAAAAAAAAAAAAAAAAAAAEAAABQAAAAAAAAAAAA4D8AAAAAAADgPwAAAAAAAOA/AAAAAAAA4D8AAAAAAADgPwAAAAAAAOA/AAAAAAAA4D8AAAAAAADgPwAAAAAAAOA/AAAAAAAA4D8CAAAAjAAAAAAAAAAAAAAAu+DjDP///wgAAAAAAAAAAAAAAAAAAAAAAAAAAAAAAAAAAAAAZAAAAAEAAABAAAAAAAAAAAAAAAAAAAAAAAAAAAAAAAAAAAAAAAAAAAAAAAAAAAAAAAAAAAAAAAAAAAAAAAAAAAAAAAAAAAAAAAAAAAAAAAAAAAAAAAAAAAAAAAAAAAAAFAAAADwAAAAAAAAAAAAAAAAAAAkUAAAAAQAAABQAAAAUAAAAFAAAAAEAAAAAAAAAZAAAAGQAAAAAAAAAZAAAAGQAAAAVAAAAYAAAAAAAAAAAAAAADwAAACADAAAAAAAAAAAAAAEAAACgMgAAVgcAAKr4//8BAAAAf39/AAEAAABkAAAAAAAAABQAAABAHwAAAAAAACYAAAAAAAAAwOD//wAAAAAmAAAAZAAAABYAAABMAAAAAAAAAAAAAAAEAAAAAAAAAAEAAACAgIAKAAAAACgAAAAoAAAAZAAAAGQAAAAAAAAAzMzMAAAAAABQAAAAUAAAAGQAAABkAAAAAAAAABcAAAAUAAAAAAAAANwIAAD/fwAA/38AAAAAAAAJAAAABAAAAAAAAAAMAAAAEAAAAAAAAAAAAAAAAAAAAAAAAAAeAAAAaAAAAAAAAAAAAAAAAAAAAAAAAAAAAAAAECcAABAnAAAAAAAAAAAAAAAAAAAAAAAAAAAAAAAAAAAAAAAAAAAAABQAAAAAAAAAwMD/AAAAAABkAAAAMgAAAAAAAABkAAAAAAAAAH9/fwAKAAAAHwAAAFQAAAC74OMF////AQAAAAAAAAAAAAAAAAAAAAAAAAAAAAAAAAAAAAAAAAAAAAAAAn9/fwCAgIADzMzMAMDA/wB/f38AAAAAAAAAAAAAAAAAAAAAAAAAAAAhAAAAGAAAABQAAADlAgAAWw8AAMELAAA7EQAAECAAACYAAAAIAAAA//////////8="/>
               </a:ext>
             </a:extLst>
           </p:cNvSpPr>
@@ -4034,7 +3998,7 @@
           <a:effectLst/>
         </p:spPr>
         <p:txBody>
-          <a:bodyPr vert="horz" wrap="square" numCol="1" anchor="t"/>
+          <a:bodyPr vert="horz" wrap="square" numCol="1" spcCol="215900" anchor="t"/>
           <a:lstStyle/>
           <a:p>
             <a:pPr>
@@ -4056,7 +4020,7 @@
           <p:cNvSpPr txBox="1">
             <a:extLst>
               <a:ext uri="smNativeData">
-                <pr:smNativeData xmlns:pr="smNativeData" val="SMDATA_16_PPTaXhMAAAAlAAAAEgAAAE8BAAAAkAAAAEgAAACQAAAASAAAAAAAAAAAAAAAAAAAAAEAAABQAAAAAAAAAAAA4D8AAAAAAADgPwAAAAAAAOA/AAAAAAAA4D8AAAAAAADgPwAAAAAAAOA/AAAAAAAA4D8AAAAAAADgPwAAAAAAAOA/AAAAAAAA4D8CAAAAjAAAAAAAAAAAAAAAu+DjDP///wgAAAAAAAAAAAAAAAAAAAAAAAAAAAAAAAAAAAAAZAAAAAEAAABAAAAAAAAAAAAAAAAAAAAAAAAAAAAAAAAAAAAAAAAAAAAAAAAAAAAAAAAAAAAAAAAAAAAAAAAAAAAAAAAAAAAAAAAAAAAAAAAAAAAAAAAAAAAAAAAAAAAAFAAAADwAAAAAAAAAAAAAAAAAAAkUAAAAAQAAABQAAAAUAAAAFAAAAAEAAAAAAAAAZAAAAGQAAAAAAAAAZAAAAGQAAAAVAAAAYAAAAAAAAAAAAAAADwAAACADAAAAAAAAAAAAAAEAAACgMgAAVgcAAKr4//8BAAAAf39/AAEAAABkAAAAAAAAABQAAABAHwAAAAAAACYAAAAAAAAAwOD//wAAAAAmAAAAZAAAABYAAABMAAAAAAAAAAAAAAAEAAAAAAAAAAEAAACAgIAKAAAAACgAAAAoAAAAZAAAAGQAAAAAAAAAzMzMAAAAAABQAAAAUAAAAGQAAABkAAAAAAAAABcAAAAUAAAAAAAAANwIAAD/fwAA/38AAAAAAAAJAAAABAAAAAAAAAAMAAAAEAAAAAAAAAAAAAAAAAAAAAAAAAAeAAAAaAAAAAAAAAAAAAAAAAAAAAAAAAAAAAAAECcAABAnAAAAAAAAAAAAAAAAAAAAAAAAAAAAAAAAAAAAAAAAAAAAABQAAAAAAAAAwMD/AAAAAABkAAAAMgAAAAAAAABkAAAAAAAAAH9/fwAKAAAAIgAAABgAAAAAAAAAAAAAAAAAAAAAAAAAAAAAAAAAAAAkAAAAJAAAAAAAAAAHAAAAAAAAAAAAAAAAAAAAAAAAAAAAAAAAAAAAf39/ACUAAABYAAAAAAAAAAAAAAAAAAAAAAAAAAAAAAAAAAAAAAAAAAAAAAAAAAAAAAAAAAAAAAA/AAAAAAAAAKCGAQAAAAAAAAAAAAAAAAAMAAAAAQAAAAAAAAAAAAAAAAAAAB8AAABUAAAAu+DjBf///wEAAAAAAAAAAAAAAAAAAAAAAAAAAAAAAAAAAAAAAAAAAAAAAAJ/f38AgICAA8zMzADAwP8Af39/AAAAAAAAAAAAAAAAAAAAAAAAAAAAIQAAABgAAAAUAAAAJwoAAN4FAAADEwAAfggAABAgAAAmAAAACAAAAP//////////"/>
+                <pr:smNativeData xmlns:pr="smNativeData" val="SMDATA_13_4IlQXxMAAAAlAAAAEgAAAE8BAAAAkAAAAEgAAACQAAAASAAAAAAAAAAAAAAAAAAAAAEAAABQAAAAAAAAAAAA4D8AAAAAAADgPwAAAAAAAOA/AAAAAAAA4D8AAAAAAADgPwAAAAAAAOA/AAAAAAAA4D8AAAAAAADgPwAAAAAAAOA/AAAAAAAA4D8CAAAAjAAAAAAAAAAAAAAAu+DjDP///wgAAAAAAAAAAAAAAAAAAAAAAAAAAAAAAAAAAAAAZAAAAAEAAABAAAAAAAAAAAAAAAAAAAAAAAAAAAAAAAAAAAAAAAAAAAAAAAAAAAAAAAAAAAAAAAAAAAAAAAAAAAAAAAAAAAAAAAAAAAAAAAAAAAAAAAAAAAAAAAAAAAAAFAAAADwAAAAAAAAAAAAAAAAAAAkUAAAAAQAAABQAAAAUAAAAFAAAAAEAAAAAAAAAZAAAAGQAAAAAAAAAZAAAAGQAAAAVAAAAYAAAAAAAAAAAAAAADwAAACADAAAAAAAAAAAAAAEAAACgMgAAVgcAAKr4//8BAAAAf39/AAEAAABkAAAAAAAAABQAAABAHwAAAAAAACYAAAAAAAAAwOD//wAAAAAmAAAAZAAAABYAAABMAAAAAAAAAAAAAAAEAAAAAAAAAAEAAACAgIAKAAAAACgAAAAoAAAAZAAAAGQAAAAAAAAAzMzMAAAAAABQAAAAUAAAAGQAAABkAAAAAAAAABcAAAAUAAAAAAAAANwIAAD/fwAA/38AAAAAAAAJAAAABAAAAAAAAAAMAAAAEAAAAAAAAAAAAAAAAAAAAAAAAAAeAAAAaAAAAAAAAAAAAAAAAAAAAAAAAAAAAAAAECcAABAnAAAAAAAAAAAAAAAAAAAAAAAAAAAAAAAAAAAAAAAAAAAAABQAAAAAAAAAwMD/AAAAAABkAAAAMgAAAAAAAABkAAAAAAAAAH9/fwAKAAAAHwAAAFQAAAC74OMF////AQAAAAAAAAAAAAAAAAAAAAAAAAAAAAAAAAAAAAAAAAAAAAAAAn9/fwCAgIADzMzMAMDA/wB/f38AAAAAAAAAAAAAAAAAAAAAAAAAAAAhAAAAGAAAABQAAAAnCgAA3gUAAAMTAAB+CAAAECAAACYAAAAIAAAA//////////8="/>
               </a:ext>
             </a:extLst>
           </p:cNvSpPr>
@@ -4077,7 +4041,7 @@
           <a:effectLst/>
         </p:spPr>
         <p:txBody>
-          <a:bodyPr vert="horz" wrap="square" numCol="1" anchor="t"/>
+          <a:bodyPr vert="horz" wrap="square" numCol="1" spcCol="215900" anchor="t"/>
           <a:lstStyle/>
           <a:p>
             <a:pPr>
@@ -4111,7 +4075,7 @@
           <p:cNvSpPr txBox="1">
             <a:extLst>
               <a:ext uri="smNativeData">
-                <pr:smNativeData xmlns:pr="smNativeData" val="SMDATA_16_PPTaXhMAAAAlAAAAEgAAAE8BAAAAkAAAAEgAAACQAAAASAAAAAAAAAAAAAAAAAAAAAEAAABQAAAAAAAAAAAA4D8AAAAAAADgPwAAAAAAAOA/AAAAAAAA4D8AAAAAAADgPwAAAAAAAOA/AAAAAAAA4D8AAAAAAADgPwAAAAAAAOA/AAAAAAAA4D8CAAAAjAAAAAAAAAAAAAAAu+DjDP///wgAAAAAAAAAAAAAAAAAAAAAAAAAAAAAAAAAAAAAZAAAAAEAAABAAAAAAAAAAAAAAAAAAAAAAAAAAAAAAAAAAAAAAAAAAAAAAAAAAAAAAAAAAAAAAAAAAAAAAAAAAAAAAAAAAAAAAAAAAAAAAAAAAAAAAAAAAAAAAAAAAAAAFAAAADwAAAAAAAAAAAAAAAAAAAkUAAAAAQAAABQAAAAUAAAAFAAAAAEAAAAAAAAAZAAAAGQAAAAAAAAAZAAAAGQAAAAVAAAAYAAAAAAAAAAAAAAADwAAACADAAAAAAAAAAAAAAEAAACgMgAAVgcAAKr4//8BAAAAf39/AAEAAABkAAAAAAAAABQAAABAHwAAAAAAACYAAAAAAAAAwOD//wAAAAAmAAAAZAAAABYAAABMAAAAAAAAAAAAAAAEAAAAAAAAAAEAAACAgIAKAAAAACgAAAAoAAAAZAAAAGQAAAAAAAAAzMzMAAAAAABQAAAAUAAAAGQAAABkAAAAAAAAABcAAAAUAAAAAAAAANwIAAD/fwAA/38AAAAAAAAJAAAABAAAAAAAAAAMAAAAEAAAAAAAAAAAAAAAAAAAAAAAAAAeAAAAaAAAAAAAAAAAAAAAAAAAAAAAAAAAAAAAECcAABAnAAAAAAAAAAAAAAAAAAAAAAAAAAAAAAAAAAAAAAAAAAAAABQAAAAAAAAAwMD/AAAAAABkAAAAMgAAAAAAAABkAAAAAAAAAH9/fwAKAAAAIgAAABgAAAAAAAAAAAAAAAAAAAAAAAAAAAAAAAAAAAAkAAAAJAAAAAAAAAAHAAAAAAAAAAAAAAAAAAAAAAAAAAAAAAAAAAAAf39/ACUAAABYAAAAAAAAAAAAAAAAAAAAAAAAAAAAAAAAAAAAAAAAAAAAAAAAAAAAAAAAAAAAAAA/AAAAAAAAAKCGAQAAAAAAAAAAAAAAAAAMAAAAAQAAAAAAAAAAAAAAAAAAAB8AAABUAAAAu+DjBf///wEAAAAAAAAAAAAAAAAAAAAAAAAAAAAAAAAAAAAAAAAAAAAAAAJ/f38AgICAA8zMzADAwP8Af39/AAAAAAAAAAAAAAAAAAAAAAAAAAAAIQAAABgAAAAUAAAALwoAAM4IAADHFAAAhg4AABAgAAAmAAAACAAAAP//////////"/>
+                <pr:smNativeData xmlns:pr="smNativeData" val="SMDATA_13_4IlQXxMAAAAlAAAAEgAAAE8BAAAAkAAAAEgAAACQAAAASAAAAAAAAAAAAAAAAAAAAAEAAABQAAAAAAAAAAAA4D8AAAAAAADgPwAAAAAAAOA/AAAAAAAA4D8AAAAAAADgPwAAAAAAAOA/AAAAAAAA4D8AAAAAAADgPwAAAAAAAOA/AAAAAAAA4D8CAAAAjAAAAAAAAAAAAAAAu+DjDP///wgAAAAAAAAAAAAAAAAAAAAAAAAAAAAAAAAAAAAAZAAAAAEAAABAAAAAAAAAAAAAAAAAAAAAAAAAAAAAAAAAAAAAAAAAAAAAAAAAAAAAAAAAAAAAAAAAAAAAAAAAAAAAAAAAAAAAAAAAAAAAAAAAAAAAAAAAAAAAAAAAAAAAFAAAADwAAAAAAAAAAAAAAAAAAAkUAAAAAQAAABQAAAAUAAAAFAAAAAEAAAAAAAAAZAAAAGQAAAAAAAAAZAAAAGQAAAAVAAAAYAAAAAAAAAAAAAAADwAAACADAAAAAAAAAAAAAAEAAACgMgAAVgcAAKr4//8BAAAAf39/AAEAAABkAAAAAAAAABQAAABAHwAAAAAAACYAAAAAAAAAwOD//wAAAAAmAAAAZAAAABYAAABMAAAAAAAAAAAAAAAEAAAAAAAAAAEAAACAgIAKAAAAACgAAAAoAAAAZAAAAGQAAAAAAAAAzMzMAAAAAABQAAAAUAAAAGQAAABkAAAAAAAAABcAAAAUAAAAAAAAANwIAAD/fwAA/38AAAAAAAAJAAAABAAAAAAAAAAMAAAAEAAAAAAAAAAAAAAAAAAAAAAAAAAeAAAAaAAAAAAAAAAAAAAAAAAAAAAAAAAAAAAAECcAABAnAAAAAAAAAAAAAAAAAAAAAAAAAAAAAAAAAAAAAAAAAAAAABQAAAAAAAAAwMD/AAAAAABkAAAAMgAAAAAAAABkAAAAAAAAAH9/fwAKAAAAHwAAAFQAAAC74OMF////AQAAAAAAAAAAAAAAAAAAAAAAAAAAAAAAAAAAAAAAAAAAAAAAAn9/fwCAgIADzMzMAMDA/wB/f38AAAAAAAAAAAAAAAAAAAAAAAAAAAAhAAAAGAAAABQAAAAvCgAAzggAAMcUAACGDgAAECAAACYAAAAIAAAA//////////8="/>
               </a:ext>
             </a:extLst>
           </p:cNvSpPr>
@@ -4132,7 +4096,7 @@
           <a:effectLst/>
         </p:spPr>
         <p:txBody>
-          <a:bodyPr vert="horz" wrap="square" numCol="1" anchor="t"/>
+          <a:bodyPr vert="horz" wrap="square" numCol="1" spcCol="215900" anchor="t"/>
           <a:lstStyle/>
           <a:p>
             <a:pPr>
@@ -4202,7 +4166,7 @@
           <p:cNvSpPr txBox="1">
             <a:extLst>
               <a:ext uri="smNativeData">
-                <pr:smNativeData xmlns:pr="smNativeData" val="SMDATA_16_PPTaXhMAAAAlAAAAEgAAAE8BAAAAkAAAAEgAAACQAAAASAAAAAAAAAAAAAAAAAAAAAEAAABQAAAAAAAAAAAA4D8AAAAAAADgPwAAAAAAAOA/AAAAAAAA4D8AAAAAAADgPwAAAAAAAOA/AAAAAAAA4D8AAAAAAADgPwAAAAAAAOA/AAAAAAAA4D8CAAAAjAAAAAAAAAAAAAAAu+DjDP///wgAAAAAAAAAAAAAAAAAAAAAAAAAAAAAAAAAAAAAZAAAAAEAAABAAAAAAAAAAAAAAAAAAAAAAAAAAAAAAAAAAAAAAAAAAAAAAAAAAAAAAAAAAAAAAAAAAAAAAAAAAAAAAAAAAAAAAAAAAAAAAAAAAAAAAAAAAAAAAAAAAAAAFAAAADwAAAAAAAAAAAAAAAAAAAkUAAAAAQAAABQAAAAUAAAAFAAAAAEAAAAAAAAAZAAAAGQAAAAAAAAAZAAAAGQAAAAVAAAAYAAAAAAAAAAAAAAADwAAACADAAAAAAAAAAAAAAEAAACgMgAAVgcAAKr4//8BAAAAf39/AAEAAABkAAAAAAAAABQAAABAHwAAAAAAACYAAAAAAAAAwOD//wAAAAAmAAAAZAAAABYAAABMAAAAAAAAAAAAAAAEAAAAAAAAAAEAAACAgIAKAAAAACgAAAAoAAAAZAAAAGQAAAAAAAAAzMzMAAAAAABQAAAAUAAAAGQAAABkAAAAAAAAABcAAAAUAAAAAAAAANwIAAD/fwAA/38AAAAAAAAJAAAABAAAAGcAaAAMAAAAEAAAAAAAAAAAAAAAAAAAAAAAAAAeAAAAaAAAAAAAAAAAAAAAAAAAAAAAAAAAAAAAECcAABAnAAAAAAAAAAAAAAAAAAAAAAAAAAAAAAAAAAAAAAAAAAAAABQAAAAAAAAAwMD/AAAAAABkAAAAMgAAAAAAAABkAAAAAAAAAH9/fwAKAAAAIgAAABgAAAAAAAAAAAAAAAAAAAAAAAAAAAAAAAAAAAAkAAAAJAAAAAAAAAAHAAAAAAAAAAAAAAAAAAAAAAAAAAAAAAAAAAAAf39/ACUAAABYAAAAAAAAAAAAAAAAAAAAAAAAAAAAAAAAAAAAAAAAAAAAAAAAAAAAAAAAAAAAAAA/AAAAAAAAAKCGAQAAAAAAAAAAAAAAAAAMAAAAAQAAAAAAAAAAAAAAAAAAAB8AAABUAAAAu+DjBf///wEAAAAAAAAAAAAAAAAAAAAAAAAAAAAAAAAAAAAAAAAAAAAAAAJ/f38AgICAA8zMzADAwP8Af39/AAAAAAAAAAAAAAAAAAAAAAAAAAAAIQAAABgAAAAUAAAAgwUAAN4LAAD1CQAAjg0AABAgAAAmAAAACAAAAP//////////"/>
+                <pr:smNativeData xmlns:pr="smNativeData" val="SMDATA_13_4IlQXxMAAAAlAAAAEgAAAE8BAAAAkAAAAEgAAACQAAAASAAAAAAAAAAAAAAAAAAAAAEAAABQAAAAAAAAAAAA4D8AAAAAAADgPwAAAAAAAOA/AAAAAAAA4D8AAAAAAADgPwAAAAAAAOA/AAAAAAAA4D8AAAAAAADgPwAAAAAAAOA/AAAAAAAA4D8CAAAAjAAAAAAAAAAAAAAAu+DjDP///wgAAAAAAAAAAAAAAAAAAAAAAAAAAAAAAAAAAAAAZAAAAAEAAABAAAAAAAAAAAAAAAAAAAAAAAAAAAAAAAAAAAAAAAAAAAAAAAAAAAAAAAAAAAAAAAAAAAAAAAAAAAAAAAAAAAAAAAAAAAAAAAAAAAAAAAAAAAAAAAAAAAAAFAAAADwAAAAAAAAAAAAAAAAAAAkUAAAAAQAAABQAAAAUAAAAFAAAAAEAAAAAAAAAZAAAAGQAAAAAAAAAZAAAAGQAAAAVAAAAYAAAAAAAAAAAAAAADwAAACADAAAAAAAAAAAAAAEAAACgMgAAVgcAAKr4//8BAAAAf39/AAEAAABkAAAAAAAAABQAAABAHwAAAAAAACYAAAAAAAAAwOD//wAAAAAmAAAAZAAAABYAAABMAAAAAAAAAAAAAAAEAAAAAAAAAAEAAACAgIAKAAAAACgAAAAoAAAAZAAAAGQAAAAAAAAAzMzMAAAAAABQAAAAUAAAAGQAAABkAAAAAAAAABcAAAAUAAAAAAAAANwIAAD/fwAA/38AAAAAAAAJAAAABAAAAGcAaAAMAAAAEAAAAAAAAAAAAAAAAAAAAAAAAAAeAAAAaAAAAAAAAAAAAAAAAAAAAAAAAAAAAAAAECcAABAnAAAAAAAAAAAAAAAAAAAAAAAAAAAAAAAAAAAAAAAAAAAAABQAAAAAAAAAwMD/AAAAAABkAAAAMgAAAAAAAABkAAAAAAAAAH9/fwAKAAAAHwAAAFQAAAC74OMF////AQAAAAAAAAAAAAAAAAAAAAAAAAAAAAAAAAAAAAAAAAAAAAAAAn9/fwCAgIADzMzMAMDA/wB/f38AAAAAAAAAAAAAAAAAAAAAAAAAAAAhAAAAGAAAABQAAACDBQAA3gsAAPUJAACODQAAECAAACYAAAAIAAAA//////////8="/>
               </a:ext>
             </a:extLst>
           </p:cNvSpPr>
@@ -4223,7 +4187,7 @@
           <a:effectLst/>
         </p:spPr>
         <p:txBody>
-          <a:bodyPr vert="horz" wrap="square" numCol="1" anchor="t"/>
+          <a:bodyPr vert="horz" wrap="square" numCol="1" spcCol="215900" anchor="t"/>
           <a:lstStyle/>
           <a:p>
             <a:pPr>
@@ -4245,7 +4209,7 @@
           <p:cNvSpPr txBox="1">
             <a:extLst>
               <a:ext uri="smNativeData">
-                <pr:smNativeData xmlns:pr="smNativeData" val="SMDATA_16_PPTaXhMAAAAlAAAAEgAAAE8BAAAAkAAAAEgAAACQAAAASAAAAAAAAAAAAAAAAAAAAAEAAABQAAAAAAAAAAAA4D8AAAAAAADgPwAAAAAAAOA/AAAAAAAA4D8AAAAAAADgPwAAAAAAAOA/AAAAAAAA4D8AAAAAAADgPwAAAAAAAOA/AAAAAAAA4D8CAAAAjAAAAAAAAAAAAAAAu+DjDP///wgAAAAAAAAAAAAAAAAAAAAAAAAAAAAAAAAAAAAAZAAAAAEAAABAAAAAAAAAAAAAAAAAAAAAAAAAAAAAAAAAAAAAAAAAAAAAAAAAAAAAAAAAAAAAAAAAAAAAAAAAAAAAAAAAAAAAAAAAAAAAAAAAAAAAAAAAAAAAAAAAAAAAFAAAADwAAAAAAAAAAAAAAAAAAAkUAAAAAQAAABQAAAAUAAAAFAAAAAEAAAAAAAAAZAAAAGQAAAAAAAAAZAAAAGQAAAAVAAAAYAAAAAAAAAAAAAAADwAAACADAAAAAAAAAAAAAAEAAACgMgAAVgcAAKr4//8BAAAAf39/AAEAAABkAAAAAAAAABQAAABAHwAAAAAAACYAAAAAAAAAwOD//wAAAAAmAAAAZAAAABYAAABMAAAAAAAAAAAAAAAEAAAAAAAAAAEAAACAgIAKAAAAACgAAAAoAAAAZAAAAGQAAAAAAAAAzMzMAAAAAABQAAAAUAAAAGQAAABkAAAAAAAAABcAAAAUAAAAAAAAANwIAAD/fwAA/38AAAAAAAAJAAAABAAAAGcAaAAMAAAAEAAAAAAAAAAAAAAAAAAAAAAAAAAeAAAAaAAAAAAAAAAAAAAAAAAAAAAAAAAAAAAAECcAABAnAAAAAAAAAAAAAAAAAAAAAAAAAAAAAAAAAAAAAAAAAAAAABQAAAAAAAAAwMD/AAAAAABkAAAAMgAAAAAAAABkAAAAAAAAAH9/fwAKAAAAIgAAABgAAAAAAAAAAAAAAAAAAAAAAAAAAAAAAAAAAAAkAAAAJAAAAAAAAAAHAAAAAAAAAAAAAAAAAAAAAAAAAAAAAAAAAAAAf39/ACUAAABYAAAAAAAAAAAAAAAAAAAAAAAAAAAAAAAAAAAAAAAAAAAAAAAAAAAAAAAAAAAAAAA/AAAAAAAAAKCGAQAAAAAAAAAAAAAAAAAMAAAAAQAAAAAAAAAAAAAAAAAAAB8AAABUAAAAu+DjBf///wEAAAAAAAAAAAAAAAAAAAAAAAAAAAAAAAAAAAAAAAAAAAAAAAJ/f38AgICAA8zMzADAwP8Af39/AAAAAAAAAAAAAAAAAAAAAAAAAAAAIQAAABgAAAAUAAAAgwUAAGkHAAD1CQAAGQkAABAgAAAmAAAACAAAAP//////////"/>
+                <pr:smNativeData xmlns:pr="smNativeData" val="SMDATA_13_4IlQXxMAAAAlAAAAEgAAAE8BAAAAkAAAAEgAAACQAAAASAAAAAAAAAAAAAAAAAAAAAEAAABQAAAAAAAAAAAA4D8AAAAAAADgPwAAAAAAAOA/AAAAAAAA4D8AAAAAAADgPwAAAAAAAOA/AAAAAAAA4D8AAAAAAADgPwAAAAAAAOA/AAAAAAAA4D8CAAAAjAAAAAAAAAAAAAAAu+DjDP///wgAAAAAAAAAAAAAAAAAAAAAAAAAAAAAAAAAAAAAZAAAAAEAAABAAAAAAAAAAAAAAAAAAAAAAAAAAAAAAAAAAAAAAAAAAAAAAAAAAAAAAAAAAAAAAAAAAAAAAAAAAAAAAAAAAAAAAAAAAAAAAAAAAAAAAAAAAAAAAAAAAAAAFAAAADwAAAAAAAAAAAAAAAAAAAkUAAAAAQAAABQAAAAUAAAAFAAAAAEAAAAAAAAAZAAAAGQAAAAAAAAAZAAAAGQAAAAVAAAAYAAAAAAAAAAAAAAADwAAACADAAAAAAAAAAAAAAEAAACgMgAAVgcAAKr4//8BAAAAf39/AAEAAABkAAAAAAAAABQAAABAHwAAAAAAACYAAAAAAAAAwOD//wAAAAAmAAAAZAAAABYAAABMAAAAAAAAAAAAAAAEAAAAAAAAAAEAAACAgIAKAAAAACgAAAAoAAAAZAAAAGQAAAAAAAAAzMzMAAAAAABQAAAAUAAAAGQAAABkAAAAAAAAABcAAAAUAAAAAAAAANwIAAD/fwAA/38AAAAAAAAJAAAABAAAAGcAaAAMAAAAEAAAAAAAAAAAAAAAAAAAAAAAAAAeAAAAaAAAAAAAAAAAAAAAAAAAAAAAAAAAAAAAECcAABAnAAAAAAAAAAAAAAAAAAAAAAAAAAAAAAAAAAAAAAAAAAAAABQAAAAAAAAAwMD/AAAAAABkAAAAMgAAAAAAAABkAAAAAAAAAH9/fwAKAAAAHwAAAFQAAAC74OMF////AQAAAAAAAAAAAAAAAAAAAAAAAAAAAAAAAAAAAAAAAAAAAAAAAn9/fwCAgIADzMzMAMDA/wB/f38AAAAAAAAAAAAAAAAAAAAAAAAAAAAhAAAAGAAAABQAAACDBQAAaQcAAPUJAAAZCQAAECAAACYAAAAIAAAA//////////8="/>
               </a:ext>
             </a:extLst>
           </p:cNvSpPr>
@@ -4266,7 +4230,7 @@
           <a:effectLst/>
         </p:spPr>
         <p:txBody>
-          <a:bodyPr vert="horz" wrap="square" numCol="1" anchor="t"/>
+          <a:bodyPr vert="horz" wrap="square" numCol="1" spcCol="215900" anchor="t"/>
           <a:lstStyle/>
           <a:p>
             <a:pPr>
@@ -4288,7 +4252,7 @@
           <p:cNvSpPr txBox="1">
             <a:extLst>
               <a:ext uri="smNativeData">
-                <pr:smNativeData xmlns:pr="smNativeData" val="SMDATA_16_PPTaXhMAAAAlAAAAEgAAAE8BAAAAkAAAAEgAAACQAAAASAAAAAAAAAAAAAAAAAAAAAEAAABQAAAAAAAAAAAA4D8AAAAAAADgPwAAAAAAAOA/AAAAAAAA4D8AAAAAAADgPwAAAAAAAOA/AAAAAAAA4D8AAAAAAADgPwAAAAAAAOA/AAAAAAAA4D8CAAAAjAAAAAAAAAAAAAAAu+DjDP///wgAAAAAAAAAAAAAAAAAAAAAAAAAAAAAAAAAAAAAZAAAAAEAAABAAAAAAAAAAAAAAAAAAAAAAAAAAAAAAAAAAAAAAAAAAAAAAAAAAAAAAAAAAAAAAAAAAAAAAAAAAAAAAAAAAAAAAAAAAAAAAAAAAAAAAAAAAAAAAAAAAAAAFAAAADwAAAAAAAAAAAAAAAAAAAkUAAAAAQAAABQAAAAUAAAAFAAAAAEAAAAAAAAAZAAAAGQAAAAAAAAAZAAAAGQAAAAVAAAAYAAAAAAAAAAAAAAADwAAACADAAAAAAAAAAAAAAEAAACgMgAAVgcAAKr4//8BAAAAf39/AAEAAABkAAAAAAAAABQAAABAHwAAAAAAACYAAAAAAAAAwOD//wAAAAAmAAAAZAAAABYAAABMAAAAAAAAAAAAAAAEAAAAAAAAAAEAAACAgIAKAAAAACgAAAAoAAAAZAAAAGQAAAAAAAAAzMzMAAAAAABQAAAAUAAAAGQAAABkAAAAAAAAABcAAAAUAAAAAAAAANwIAAD/fwAA/38AAAAAAAAJAAAABAAAAAAAAAAMAAAAEAAAAAAAAAAAAAAAAAAAAAAAAAAeAAAAaAAAAAAAAAAAAAAAAAAAAAAAAAAAAAAAECcAABAnAAAAAAAAAAAAAAAAAAAAAAAAAAAAAAAAAAAAAAAAAAAAABQAAAAAAAAAwMD/AAAAAABkAAAAMgAAAAAAAABkAAAAAAAAAH9/fwAKAAAAIgAAABgAAAAAAAAAAAAAAAAAAAAAAAAAAAAAAAAAAAAkAAAAJAAAAAAAAAAHAAAAAAAAAAAAAAAAAAAAAAAAAAAAAAAAAAAAf39/ACUAAABYAAAAAAAAAAAAAAAAAAAAAAAAAAAAAAAAAAAAAAAAAAAAAAAAAAAAAAAAAAAAAAA/AAAAAAAAAKCGAQAAAAAAAAAAAAAAAAAMAAAAAQAAAAAAAAAAAAAAAAAAAB8AAABUAAAAu+DjBf///wEAAAAAAAAAAAAAAAAAAAAAAAAAAAAAAAAAAAAAAAAAAAAAAAJ/f38AgICAA8zMzADAwP8Af39/AAAAAAAAAAAAAAAAAAAAAAAAAAAAIQAAABgAAAAUAAAALwoAANsOAADHFAAAmxUAABAgAAAmAAAACAAAAP//////////"/>
+                <pr:smNativeData xmlns:pr="smNativeData" val="SMDATA_13_4IlQXxMAAAAlAAAAEgAAAE8BAAAAkAAAAEgAAACQAAAASAAAAAAAAAAAAAAAAAAAAAEAAABQAAAAAAAAAAAA4D8AAAAAAADgPwAAAAAAAOA/AAAAAAAA4D8AAAAAAADgPwAAAAAAAOA/AAAAAAAA4D8AAAAAAADgPwAAAAAAAOA/AAAAAAAA4D8CAAAAjAAAAAAAAAAAAAAAu+DjDP///wgAAAAAAAAAAAAAAAAAAAAAAAAAAAAAAAAAAAAAZAAAAAEAAABAAAAAAAAAAAAAAAAAAAAAAAAAAAAAAAAAAAAAAAAAAAAAAAAAAAAAAAAAAAAAAAAAAAAAAAAAAAAAAAAAAAAAAAAAAAAAAAAAAAAAAAAAAAAAAAAAAAAAFAAAADwAAAAAAAAAAAAAAAAAAAkUAAAAAQAAABQAAAAUAAAAFAAAAAEAAAAAAAAAZAAAAGQAAAAAAAAAZAAAAGQAAAAVAAAAYAAAAAAAAAAAAAAADwAAACADAAAAAAAAAAAAAAEAAACgMgAAVgcAAKr4//8BAAAAf39/AAEAAABkAAAAAAAAABQAAABAHwAAAAAAACYAAAAAAAAAwOD//wAAAAAmAAAAZAAAABYAAABMAAAAAAAAAAAAAAAEAAAAAAAAAAEAAACAgIAKAAAAACgAAAAoAAAAZAAAAGQAAAAAAAAAzMzMAAAAAABQAAAAUAAAAGQAAABkAAAAAAAAABcAAAAUAAAAAAAAANwIAAD/fwAA/38AAAAAAAAJAAAABAAAAAAAAAAMAAAAEAAAAAAAAAAAAAAAAAAAAAAAAAAeAAAAaAAAAAAAAAAAAAAAAAAAAAAAAAAAAAAAECcAABAnAAAAAAAAAAAAAAAAAAAAAAAAAAAAAAAAAAAAAAAAAAAAABQAAAAAAAAAwMD/AAAAAABkAAAAMgAAAAAAAABkAAAAAAAAAH9/fwAKAAAAHwAAAFQAAAC74OMF////AQAAAAAAAAAAAAAAAAAAAAAAAAAAAAAAAAAAAAAAAAAAAAAAAn9/fwCAgIADzMzMAMDA/wB/f38AAAAAAAAAAAAAAAAAAAAAAAAAAAAhAAAAGAAAABQAAAAvCgAA2w4AAMcUAAD7FQAAACAAACYAAAAIAAAA//////////8="/>
               </a:ext>
             </a:extLst>
           </p:cNvSpPr>
@@ -4297,7 +4261,7 @@
         <p:spPr>
           <a:xfrm>
             <a:off x="1655445" y="2414905"/>
-            <a:ext cx="1722120" cy="1097280"/>
+            <a:ext cx="1722120" cy="1158240"/>
           </a:xfrm>
           <a:prstGeom prst="rect">
             <a:avLst/>
@@ -4309,7 +4273,7 @@
           <a:effectLst/>
         </p:spPr>
         <p:txBody>
-          <a:bodyPr vert="horz" wrap="square" numCol="1" anchor="t"/>
+          <a:bodyPr vert="horz" wrap="square" numCol="1" spcCol="215900" anchor="t"/>
           <a:lstStyle/>
           <a:p>
             <a:pPr>
@@ -4381,6 +4345,18 @@
             </a:pPr>
             <a:r>
               <a:t>--timeout</a:t>
+            </a:r>
+          </a:p>
+          <a:p>
+            <a:pPr>
+              <a:defRPr sz="1000">
+                <a:latin typeface="Meiryo UI" pitchFamily="3" charset="-128"/>
+                <a:ea typeface="Meiryo UI" pitchFamily="3" charset="-128"/>
+                <a:cs typeface="Meiryo UI" pitchFamily="3" charset="-128"/>
+              </a:defRPr>
+            </a:pPr>
+            <a:r>
+              <a:t>--log-level</a:t>
             </a:r>
           </a:p>
         </p:txBody>
@@ -4391,7 +4367,7 @@
           <p:cNvSpPr txBox="1">
             <a:extLst>
               <a:ext uri="smNativeData">
-                <pr:smNativeData xmlns:pr="smNativeData" val="SMDATA_16_PPTaXhMAAAAlAAAAEgAAAE8BAAAAkAAAAEgAAACQAAAASAAAAAAAAAAAAAAAAAAAAAEAAABQAAAAAAAAAAAA4D8AAAAAAADgPwAAAAAAAOA/AAAAAAAA4D8AAAAAAADgPwAAAAAAAOA/AAAAAAAA4D8AAAAAAADgPwAAAAAAAOA/AAAAAAAA4D8CAAAAjAAAAAAAAAAAAAAAu+DjDP///wgAAAAAAAAAAAAAAAAAAAAAAAAAAAAAAAAAAAAAZAAAAAEAAABAAAAAAAAAAAAAAAAAAAAAAAAAAAAAAAAAAAAAAAAAAAAAAAAAAAAAAAAAAAAAAAAAAAAAAAAAAAAAAAAAAAAAAAAAAAAAAAAAAAAAAAAAAAAAAAAAAAAAFAAAADwAAAAAAAAAAAAAAAAAAAkUAAAAAQAAABQAAAAUAAAAFAAAAAEAAAAAAAAAZAAAAGQAAAAAAAAAZAAAAGQAAAAVAAAAYAAAAAAAAAAAAAAADwAAACADAAAAAAAAAAAAAAEAAACgMgAAVgcAAKr4//8BAAAAf39/AAEAAABkAAAAAAAAABQAAABAHwAAAAAAACYAAAAAAAAAwOD//wAAAAAmAAAAZAAAABYAAABMAAAAAAAAAAAAAAAEAAAAAAAAAAEAAACAgIAKAAAAACgAAAAoAAAAZAAAAGQAAAAAAAAAzMzMAAAAAABQAAAAUAAAAGQAAABkAAAAAAAAABcAAAAUAAAAAAAAANwIAAD/fwAA/38AAAAAAAAJAAAABAAAAAAAAAAMAAAAEAAAAAAAAAAAAAAAAAAAAAAAAAAeAAAAaAAAAAAAAAAAAAAAAAAAAAAAAAAAAAAAECcAABAnAAAAAAAAAAAAAAAAAAAAAAAAAAAAAAAAAAAAAAAAAAAAABQAAAAAAAAAwMD/AAAAAABkAAAAMgAAAAAAAABkAAAAAAAAAH9/fwAKAAAAIgAAABgAAAAAAAAAAAAAAAAAAAAAAAAAAAAAAAAAAAAkAAAAJAAAAAAAAAAHAAAAAAAAAAAAAAAAAAAAAAAAAAAAAAAAAAAAf39/ACUAAABYAAAAAAAAAAAAAAAAAAAAAAAAAAAAAAAAAAAAAAAAAAAAAAAAAAAAAAAAAAAAAAA/AAAAAAAAAKCGAQAAAAAAAAAAAAAAAAAMAAAAAQAAAAAAAAAAAAAAAAAAAB8AAABUAAAAu+DjBf///wEAAAAAAAAAAAAAAAAAAAAAAAAAAAAAAAAAAAAAAAAAAAAAAAJ/f38AgICAA8zMzADAwP8Af39/AAAAAAAAAAAAAAAAAAAAAAAAAAAAIQAAABgAAAAUAAAAgwUAAE8RAAD1CQAA/xIAABAgAAAmAAAACAAAAP//////////"/>
+                <pr:smNativeData xmlns:pr="smNativeData" val="SMDATA_13_4IlQXxMAAAAlAAAAEgAAAE8BAAAAkAAAAEgAAACQAAAASAAAAAAAAAAAAAAAAAAAAAEAAABQAAAAAAAAAAAA4D8AAAAAAADgPwAAAAAAAOA/AAAAAAAA4D8AAAAAAADgPwAAAAAAAOA/AAAAAAAA4D8AAAAAAADgPwAAAAAAAOA/AAAAAAAA4D8CAAAAjAAAAAAAAAAAAAAAu+DjDP///wgAAAAAAAAAAAAAAAAAAAAAAAAAAAAAAAAAAAAAZAAAAAEAAABAAAAAAAAAAAAAAAAAAAAAAAAAAAAAAAAAAAAAAAAAAAAAAAAAAAAAAAAAAAAAAAAAAAAAAAAAAAAAAAAAAAAAAAAAAAAAAAAAAAAAAAAAAAAAAAAAAAAAFAAAADwAAAAAAAAAAAAAAAAAAAkUAAAAAQAAABQAAAAUAAAAFAAAAAEAAAAAAAAAZAAAAGQAAAAAAAAAZAAAAGQAAAAVAAAAYAAAAAAAAAAAAAAADwAAACADAAAAAAAAAAAAAAEAAACgMgAAVgcAAKr4//8BAAAAf39/AAEAAABkAAAAAAAAABQAAABAHwAAAAAAACYAAAAAAAAAwOD//wAAAAAmAAAAZAAAABYAAABMAAAAAAAAAAAAAAAEAAAAAAAAAAEAAACAgIAKAAAAACgAAAAoAAAAZAAAAGQAAAAAAAAAzMzMAAAAAABQAAAAUAAAAGQAAABkAAAAAAAAABcAAAAUAAAAAAAAANwIAAD/fwAA/38AAAAAAAAJAAAABAAAAAAAAAAMAAAAEAAAAAAAAAAAAAAAAAAAAAAAAAAeAAAAaAAAAAAAAAAAAAAAAAAAAAAAAAAAAAAAECcAABAnAAAAAAAAAAAAAAAAAAAAAAAAAAAAAAAAAAAAAAAAAAAAABQAAAAAAAAAwMD/AAAAAABkAAAAMgAAAAAAAABkAAAAAAAAAH9/fwAKAAAAHwAAAFQAAAC74OMF////AQAAAAAAAAAAAAAAAAAAAAAAAAAAAAAAAAAAAAAAAAAAAAAAAn9/fwCAgIADzMzMAMDA/wB/f38AAAAAAAAAAAAAAAAAAAAAAAAAAAAhAAAAGAAAABQAAACDBQAATxEAAPUJAAD/EgAAECAAACYAAAAIAAAA//////////8="/>
               </a:ext>
             </a:extLst>
           </p:cNvSpPr>
@@ -4412,7 +4388,7 @@
           <a:effectLst/>
         </p:spPr>
         <p:txBody>
-          <a:bodyPr vert="horz" wrap="square" numCol="1" anchor="t"/>
+          <a:bodyPr vert="horz" wrap="square" numCol="1" spcCol="215900" anchor="t"/>
           <a:lstStyle/>
           <a:p>
             <a:pPr>
@@ -4434,7 +4410,7 @@
           <p:cNvSpPr txBox="1">
             <a:extLst>
               <a:ext uri="smNativeData">
-                <pr:smNativeData xmlns:pr="smNativeData" val="SMDATA_16_PPTaXhMAAAAlAAAAEgAAAE8BAAAAkAAAAEgAAACQAAAASAAAAAAAAAAAAAAAAAAAAAEAAABQAAAAAAAAAAAA4D8AAAAAAADgPwAAAAAAAOA/AAAAAAAA4D8AAAAAAADgPwAAAAAAAOA/AAAAAAAA4D8AAAAAAADgPwAAAAAAAOA/AAAAAAAA4D8CAAAAjAAAAAAAAAAAAAAAu+DjDP///wgAAAAAAAAAAAAAAAAAAAAAAAAAAAAAAAAAAAAAZAAAAAEAAABAAAAAAAAAAAAAAAAAAAAAAAAAAAAAAAAAAAAAAAAAAAAAAAAAAAAAAAAAAAAAAAAAAAAAAAAAAAAAAAAAAAAAAAAAAAAAAAAAAAAAAAAAAAAAAAAAAAAAFAAAADwAAAAAAAAAAAAAAAAAAAkUAAAAAQAAABQAAAAUAAAAFAAAAAEAAAAAAAAAZAAAAGQAAAAAAAAAZAAAAGQAAAAVAAAAYAAAAAAAAAAAAAAADwAAACADAAAAAAAAAAAAAAEAAACgMgAAVgcAAKr4//8BAAAAf39/AAEAAABkAAAAAAAAABQAAABAHwAAAAAAACYAAAAAAAAAwOD//wAAAAAmAAAAZAAAABYAAABMAAAAAAAAAAAAAAAEAAAAAAAAAAEAAACAgIAKAAAAACgAAAAoAAAAZAAAAGQAAAAAAAAAzMzMAAAAAABQAAAAUAAAAGQAAABkAAAAAAAAABcAAAAUAAAAAAAAANwIAAD/fwAA/38AAAAAAAAJAAAABAAAAAAAAAAMAAAAEAAAAAAAAAAAAAAAAAAAAAAAAAAeAAAAaAAAAAAAAAAAAAAAAAAAAAAAAAAAAAAAECcAABAnAAAAAAAAAAAAAAAAAAAAAAAAAAAAAAAAAAAAAAAAAAAAABQAAAAAAAAAwMD/AAAAAABkAAAAMgAAAAAAAABkAAAAAAAAAH9/fwAKAAAAIgAAABgAAAAAAAAAAAAAAAAAAAAAAAAAAAAAAAAAAAAkAAAAJAAAAAAAAAAHAAAAAAAAAAAAAAAAAAAAAAAAAAAAAAAAAAAAf39/ACUAAABYAAAAAAAAAAAAAAAAAAAAAAAAAAAAAAAAAAAAAAAAAAAAAAAAAAAAAAAAAAAAAAA/AAAAAAAAAKCGAQAAAAAAAAAAAAAAAAAMAAAAAQAAAAAAAAAAAAAAAAAAAB8AAABUAAAAu+DjBf///wEAAAAAAAAAAAAAAAAAAAAAAAAAAAAAAAAAAAAAAAAAAAAAAAJ/f38AgICAA8zMzADAwP8Af39/AAAAAAAAAAAAAAAAAAAAAAAAAAAAIQAAABgAAAAUAAAAcCgAAIcFAAA9NQAAHwcAAAAgAAAmAAAACAAAAP//////////"/>
+                <pr:smNativeData xmlns:pr="smNativeData" val="SMDATA_13_4IlQXxMAAAAlAAAAEgAAAE8BAAAAkAAAAEgAAACQAAAASAAAAAAAAAAAAAAAAAAAAAEAAABQAAAAAAAAAAAA4D8AAAAAAADgPwAAAAAAAOA/AAAAAAAA4D8AAAAAAADgPwAAAAAAAOA/AAAAAAAA4D8AAAAAAADgPwAAAAAAAOA/AAAAAAAA4D8CAAAAjAAAAAAAAAAAAAAAu+DjDP///wgAAAAAAAAAAAAAAAAAAAAAAAAAAAAAAAAAAAAAZAAAAAEAAABAAAAAAAAAAAAAAAAAAAAAAAAAAAAAAAAAAAAAAAAAAAAAAAAAAAAAAAAAAAAAAAAAAAAAAAAAAAAAAAAAAAAAAAAAAAAAAAAAAAAAAAAAAAAAAAAAAAAAFAAAADwAAAAAAAAAAAAAAAAAAAkUAAAAAQAAABQAAAAUAAAAFAAAAAEAAAAAAAAAZAAAAGQAAAAAAAAAZAAAAGQAAAAVAAAAYAAAAAAAAAAAAAAADwAAACADAAAAAAAAAAAAAAEAAACgMgAAVgcAAKr4//8BAAAAf39/AAEAAABkAAAAAAAAABQAAABAHwAAAAAAACYAAAAAAAAAwOD//wAAAAAmAAAAZAAAABYAAABMAAAAAAAAAAAAAAAEAAAAAAAAAAEAAACAgIAKAAAAACgAAAAoAAAAZAAAAGQAAAAAAAAAzMzMAAAAAABQAAAAUAAAAGQAAABkAAAAAAAAABcAAAAUAAAAAAAAANwIAAD/fwAA/38AAAAAAAAJAAAABAAAAAAAAAAMAAAAEAAAAAAAAAAAAAAAAAAAAAAAAAAeAAAAaAAAAAAAAAAAAAAAAAAAAAAAAAAAAAAAECcAABAnAAAAAAAAAAAAAAAAAAAAAAAAAAAAAAAAAAAAAAAAAAAAABQAAAAAAAAAwMD/AAAAAABkAAAAMgAAAAAAAABkAAAAAAAAAH9/fwAKAAAAHwAAAFQAAAC74OMF////AQAAAAAAAAAAAAAAAAAAAAAAAAAAAAAAAAAAAAAAAAAAAAAAAn9/fwCAgIADzMzMAMDA/wB/f38AAAAAAAAAAAAAAAAAAAAAAAAAAAAhAAAAGAAAABQAAABwKAAAhwUAAD01AAAfBwAAECAAACYAAAAIAAAA//////////8="/>
               </a:ext>
             </a:extLst>
           </p:cNvSpPr>
@@ -4455,7 +4431,7 @@
           <a:effectLst/>
         </p:spPr>
         <p:txBody>
-          <a:bodyPr vert="horz" wrap="square" numCol="1" anchor="t"/>
+          <a:bodyPr vert="horz" wrap="square" numCol="1" spcCol="215900" anchor="t"/>
           <a:lstStyle/>
           <a:p>
             <a:pPr>
@@ -4477,7 +4453,7 @@
           <p:cNvSpPr txBox="1">
             <a:extLst>
               <a:ext uri="smNativeData">
-                <pr:smNativeData xmlns:pr="smNativeData" val="SMDATA_16_PPTaXhMAAAAlAAAAEgAAAE8BAAAAkAAAAEgAAACQAAAASAAAAAAAAAAAAAAAAAAAAAEAAABQAAAAAAAAAAAA4D8AAAAAAADgPwAAAAAAAOA/AAAAAAAA4D8AAAAAAADgPwAAAAAAAOA/AAAAAAAA4D8AAAAAAADgPwAAAAAAAOA/AAAAAAAA4D8CAAAAjAAAAAAAAAAAAAAAu+DjDP///wgAAAAAAAAAAAAAAAAAAAAAAAAAAAAAAAAAAAAAZAAAAAEAAABAAAAAAAAAAAAAAAAAAAAAAAAAAAAAAAAAAAAAAAAAAAAAAAAAAAAAAAAAAAAAAAAAAAAAAAAAAAAAAAAAAAAAAAAAAAAAAAAAAAAAAAAAAAAAAAAAAAAAFAAAADwAAAAAAAAAAAAAAAAAAAkUAAAAAQAAABQAAAAUAAAAFAAAAAEAAAAAAAAAZAAAAGQAAAAAAAAAZAAAAGQAAAAVAAAAYAAAAAAAAAAAAAAADwAAACADAAAAAAAAAAAAAAEAAACgMgAAVgcAAKr4//8BAAAAf39/AAEAAABkAAAAAAAAABQAAABAHwAAAAAAACYAAAAAAAAAwOD//wAAAAAmAAAAZAAAABYAAABMAAAAAAAAAAAAAAAEAAAAAAAAAAEAAACAgIAKAAAAACgAAAAoAAAAZAAAAGQAAAAAAAAAzMzMAAAAAABQAAAAUAAAAGQAAABkAAAAAAAAABcAAAAUAAAAAAAAANwIAAD/fwAA/38AAAAAAAAJAAAABAAAAAAAAAAMAAAAEAAAAAAAAAAAAAAAAAAAAAAAAAAeAAAAaAAAAAAAAAAAAAAAAAAAAAAAAAAAAAAAECcAABAnAAAAAAAAAAAAAAAAAAAAAAAAAAAAAAAAAAAAAAAAAAAAABQAAAAAAAAAwMD/AAAAAABkAAAAMgAAAAAAAABkAAAAAAAAAH9/fwAKAAAAIgAAABgAAAAAAAAAAAAAAAAAAAAAAAAAAAAAAAAAAAAkAAAAJAAAAAAAAAAHAAAAAAAAAAAAAAAAAAAAAAAAAAAAAAAAAAAAf39/ACUAAABYAAAAAAAAAAAAAAAAAAAAAAAAAAAAAAAAAAAAAAAAAAAAAAAAAAAAAAAAAAAAAAA/AAAAAAAAAKCGAQAAAAAAAAAAAAAAAAAMAAAAAQAAAAAAAAAAAAAAAAAAAB8AAABUAAAAu+DjBf///wEAAAAAAAAAAAAAAAAAAAAAAAAAAAAAAAAAAAAAAAAAAAAAAAJ/f38AgICAA8zMzADAwP8Af39/AAAAAAAAAAAAAAAAAAAAAAAAAAAAIQAAABgAAAAUAAAAcyoAAHkJAADtNQAAyQ0AAAAgAAAmAAAACAAAAP//////////"/>
+                <pr:smNativeData xmlns:pr="smNativeData" val="SMDATA_13_4IlQXxMAAAAlAAAAEgAAAE8BAAAAkAAAAEgAAACQAAAASAAAAAAAAAAAAAAAAAAAAAEAAABQAAAAAAAAAAAA4D8AAAAAAADgPwAAAAAAAOA/AAAAAAAA4D8AAAAAAADgPwAAAAAAAOA/AAAAAAAA4D8AAAAAAADgPwAAAAAAAOA/AAAAAAAA4D8CAAAAjAAAAAAAAAAAAAAAu+DjDP///wgAAAAAAAAAAAAAAAAAAAAAAAAAAAAAAAAAAAAAZAAAAAEAAABAAAAAAAAAAAAAAAAAAAAAAAAAAAAAAAAAAAAAAAAAAAAAAAAAAAAAAAAAAAAAAAAAAAAAAAAAAAAAAAAAAAAAAAAAAAAAAAAAAAAAAAAAAAAAAAAAAAAAFAAAADwAAAAAAAAAAAAAAAAAAAkUAAAAAQAAABQAAAAUAAAAFAAAAAEAAAAAAAAAZAAAAGQAAAAAAAAAZAAAAGQAAAAVAAAAYAAAAAAAAAAAAAAADwAAACADAAAAAAAAAAAAAAEAAACgMgAAVgcAAKr4//8BAAAAf39/AAEAAABkAAAAAAAAABQAAABAHwAAAAAAACYAAAAAAAAAwOD//wAAAAAmAAAAZAAAABYAAABMAAAAAAAAAAAAAAAEAAAAAAAAAAEAAACAgIAKAAAAACgAAAAoAAAAZAAAAGQAAAAAAAAAzMzMAAAAAABQAAAAUAAAAGQAAABkAAAAAAAAABcAAAAUAAAAAAAAANwIAAD/fwAA/38AAAAAAAAJAAAABAAAAAAAAAAMAAAAEAAAAAAAAAAAAAAAAAAAAAAAAAAeAAAAaAAAAAAAAAAAAAAAAAAAAAAAAAAAAAAAECcAABAnAAAAAAAAAAAAAAAAAAAAAAAAAAAAAAAAAAAAAAAAAAAAABQAAAAAAAAAwMD/AAAAAABkAAAAMgAAAAAAAABkAAAAAAAAAH9/fwAKAAAAHwAAAFQAAAC74OMF////AQAAAAAAAAAAAAAAAAAAAAAAAAAAAAAAAAAAAAAAAAAAAAAAAn9/fwCAgIADzMzMAMDA/wB/f38AAAAAAAAAAAAAAAAAAAAAAAAAAAAhAAAAGAAAABQAAABzKgAAeQkAAO01AADJDQAAECAAACYAAAAIAAAA//////////8="/>
               </a:ext>
             </a:extLst>
           </p:cNvSpPr>
@@ -4498,7 +4474,7 @@
           <a:effectLst/>
         </p:spPr>
         <p:txBody>
-          <a:bodyPr vert="horz" wrap="square" numCol="1" anchor="t"/>
+          <a:bodyPr vert="horz" wrap="square" numCol="1" spcCol="215900" anchor="t"/>
           <a:lstStyle/>
           <a:p>
             <a:pPr>
@@ -4556,7 +4532,7 @@
           <p:cNvSpPr txBox="1">
             <a:extLst>
               <a:ext uri="smNativeData">
-                <pr:smNativeData xmlns:pr="smNativeData" val="SMDATA_16_PPTaXhMAAAAlAAAAEgAAAE8BAAAAkAAAAEgAAACQAAAASAAAAAAAAAAAAAAAAAAAAAEAAABQAAAAAAAAAAAA4D8AAAAAAADgPwAAAAAAAOA/AAAAAAAA4D8AAAAAAADgPwAAAAAAAOA/AAAAAAAA4D8AAAAAAADgPwAAAAAAAOA/AAAAAAAA4D8CAAAAjAAAAAAAAAAAAAAAu+DjDP///wgAAAAAAAAAAAAAAAAAAAAAAAAAAAAAAAAAAAAAZAAAAAEAAABAAAAAAAAAAAAAAAAAAAAAAAAAAAAAAAAAAAAAAAAAAAAAAAAAAAAAAAAAAAAAAAAAAAAAAAAAAAAAAAAAAAAAAAAAAAAAAAAAAAAAAAAAAAAAAAAAAAAAFAAAADwAAAAAAAAAAAAAAAAAAAkUAAAAAQAAABQAAAAUAAAAFAAAAAEAAAAAAAAAZAAAAGQAAAAAAAAAZAAAAGQAAAAVAAAAYAAAAAAAAAAAAAAADwAAACADAAAAAAAAAAAAAAEAAACgMgAAVgcAAKr4//8BAAAAf39/AAEAAABkAAAAAAAAABQAAABAHwAAAAAAACYAAAAAAAAAwOD//wAAAAAmAAAAZAAAABYAAABMAAAAAAAAAAAAAAAEAAAAAAAAAAEAAACAgIAKAAAAACgAAAAoAAAAZAAAAGQAAAAAAAAAzMzMAAAAAABQAAAAUAAAAGQAAABkAAAAAAAAABcAAAAUAAAAAAAAANwIAAD/fwAA/38AAAAAAAAJAAAABAAAAAAAAAAMAAAAEAAAAAAAAAAAAAAAAAAAAAAAAAAeAAAAaAAAAAAAAAAAAAAAAAAAAAAAAAAAAAAAECcAABAnAAAAAAAAAAAAAAAAAAAAAAAAAAAAAAAAAAAAAAAAAAAAABQAAAAAAAAAwMD/AAAAAABkAAAAMgAAAAAAAABkAAAAAAAAAH9/fwAKAAAAIgAAABgAAAAAAAAAAAAAAAAAAAAAAAAAAAAAAAAAAAAkAAAAJAAAAAAAAAAHAAAAAAAAAAAAAAAAAAAAAAAAAAAAAAAAAAAAf39/ACUAAABYAAAAAAAAAAAAAAAAAAAAAAAAAAAAAAAAAAAAAAAAAAAAAAAAAAAAAAAAAAAAAAA/AAAAAAAAAKCGAQAAAAAAAAAAAAAAAAAMAAAAAQAAAAAAAAAAAAAAAAAAAB8AAABUAAAAu+DjBf///wEAAAAAAAAAAAAAAAAAAAAAAAAAAAAAAAAAAAAAAAAAAAAAAAJ/f38AgICAA8zMzADAwP8Af39/AAAAAAAAAAAAAAAAAAAAAAAAAAAAIQAAABgAAAAUAAAAahUAAJ8FAAA3IgAATwcAABAgAAAmAAAACAAAAP//////////"/>
+                <pr:smNativeData xmlns:pr="smNativeData" val="SMDATA_13_4IlQXxMAAAAlAAAAEgAAAE8BAAAAkAAAAEgAAACQAAAASAAAAAAAAAAAAAAAAAAAAAEAAABQAAAAAAAAAAAA4D8AAAAAAADgPwAAAAAAAOA/AAAAAAAA4D8AAAAAAADgPwAAAAAAAOA/AAAAAAAA4D8AAAAAAADgPwAAAAAAAOA/AAAAAAAA4D8CAAAAjAAAAAAAAAAAAAAAu+DjDP///wgAAAAAAAAAAAAAAAAAAAAAAAAAAAAAAAAAAAAAZAAAAAEAAABAAAAAAAAAAAAAAAAAAAAAAAAAAAAAAAAAAAAAAAAAAAAAAAAAAAAAAAAAAAAAAAAAAAAAAAAAAAAAAAAAAAAAAAAAAAAAAAAAAAAAAAAAAAAAAAAAAAAAFAAAADwAAAAAAAAAAAAAAAAAAAkUAAAAAQAAABQAAAAUAAAAFAAAAAEAAAAAAAAAZAAAAGQAAAAAAAAAZAAAAGQAAAAVAAAAYAAAAAAAAAAAAAAADwAAACADAAAAAAAAAAAAAAEAAACgMgAAVgcAAKr4//8BAAAAf39/AAEAAABkAAAAAAAAABQAAABAHwAAAAAAACYAAAAAAAAAwOD//wAAAAAmAAAAZAAAABYAAABMAAAAAAAAAAAAAAAEAAAAAAAAAAEAAACAgIAKAAAAACgAAAAoAAAAZAAAAGQAAAAAAAAAzMzMAAAAAABQAAAAUAAAAGQAAABkAAAAAAAAABcAAAAUAAAAAAAAANwIAAD/fwAA/38AAAAAAAAJAAAABAAAAAAAAAAMAAAAEAAAAAAAAAAAAAAAAAAAAAAAAAAeAAAAaAAAAAAAAAAAAAAAAAAAAAAAAAAAAAAAECcAABAnAAAAAAAAAAAAAAAAAAAAAAAAAAAAAAAAAAAAAAAAAAAAABQAAAAAAAAAwMD/AAAAAABkAAAAMgAAAAAAAABkAAAAAAAAAH9/fwAKAAAAHwAAAFQAAAC74OMF////AQAAAAAAAAAAAAAAAAAAAAAAAAAAAAAAAAAAAAAAAAAAAAAAAn9/fwCAgIADzMzMAMDA/wB/f38AAAAAAAAAAAAAAAAAAAAAAAAAAAAhAAAAGAAAABQAAABqFQAAnwUAADciAABPBwAAECAAACYAAAAIAAAA//////////8="/>
               </a:ext>
             </a:extLst>
           </p:cNvSpPr>
@@ -4577,7 +4553,7 @@
           <a:effectLst/>
         </p:spPr>
         <p:txBody>
-          <a:bodyPr vert="horz" wrap="square" numCol="1" anchor="t"/>
+          <a:bodyPr vert="horz" wrap="square" numCol="1" spcCol="215900" anchor="t"/>
           <a:lstStyle/>
           <a:p>
             <a:pPr>
@@ -4599,7 +4575,7 @@
           <p:cNvSpPr txBox="1">
             <a:extLst>
               <a:ext uri="smNativeData">
-                <pr:smNativeData xmlns:pr="smNativeData" val="SMDATA_16_PPTaXhMAAAAlAAAAEgAAAE8BAAAAkAAAAEgAAACQAAAASAAAAAAAAAAAAAAAAAAAAAEAAABQAAAAAAAAAAAA4D8AAAAAAADgPwAAAAAAAOA/AAAAAAAA4D8AAAAAAADgPwAAAAAAAOA/AAAAAAAA4D8AAAAAAADgPwAAAAAAAOA/AAAAAAAA4D8CAAAAjAAAAAAAAAAAAAAAu+DjDP///wgAAAAAAAAAAAAAAAAAAAAAAAAAAAAAAAAAAAAAZAAAAAEAAABAAAAAAAAAAAAAAAAAAAAAAAAAAAAAAAAAAAAAAAAAAAAAAAAAAAAAAAAAAAAAAAAAAAAAAAAAAAAAAAAAAAAAAAAAAAAAAAAAAAAAAAAAAAAAAAAAAAAAFAAAADwAAAAAAAAAAAAAAAAAAAkUAAAAAQAAABQAAAAUAAAAFAAAAAEAAAAAAAAAZAAAAGQAAAAAAAAAZAAAAGQAAAAVAAAAYAAAAAAAAAAAAAAADwAAACADAAAAAAAAAAAAAAEAAACgMgAAVgcAAKr4//8BAAAAf39/AAEAAABkAAAAAAAAABQAAABAHwAAAAAAACYAAAAAAAAAwOD//wAAAAAmAAAAZAAAABYAAABMAAAAAAAAAAAAAAAEAAAAAAAAAAEAAACAgIAKAAAAACgAAAAoAAAAZAAAAGQAAAAAAAAAzMzMAAAAAABQAAAAUAAAAGQAAABkAAAAAAAAABcAAAAUAAAAAAAAANwIAAD/fwAA/38AAAAAAAAJAAAABAAAAAAAAAAMAAAAEAAAAAAAAAAAAAAAAAAAAAAAAAAeAAAAaAAAAAAAAAAAAAAAAAAAAAAAAAAAAAAAECcAABAnAAAAAAAAAAAAAAAAAAAAAAAAAAAAAAAAAAAAAAAAAAAAABQAAAAAAAAAwMD/AAAAAABkAAAAMgAAAAAAAABkAAAAAAAAAH9/fwAKAAAAIgAAABgAAAAAAAAAAAAAAAAAAAAAAAAAAAAAAAAAAAAkAAAAJAAAAAAAAAAHAAAAAAAAAAAAAAAAAAAAAAAAAAAAAAAAAAAAf39/ACUAAABYAAAAAAAAAAAAAAAAAAAAAAAAAAAAAAAAAAAAAAAAAAAAAAAAAAAAAAAAAAAAAAA/AAAAAAAAAKCGAQAAAAAAAAAAAAAAAAAMAAAAAQAAAAAAAAAAAAAAAAAAAB8AAABUAAAAu+DjBf///wEAAAAAAAAAAAAAAAAAAAAAAAAAAAAAAAAAAAAAAAAAAAAAAAJ/f38AgICAA8zMzADAwP8Af39/AAAAAAAAAAAAAAAAAAAAAAAAAAAAIQAAABgAAAAUAAAANxYAALoKAAATHwAAUgwAABAgAAAmAAAACAAAAP//////////"/>
+                <pr:smNativeData xmlns:pr="smNativeData" val="SMDATA_13_4IlQXxMAAAAlAAAAEgAAAE8BAAAAkAAAAEgAAACQAAAASAAAAAAAAAAAAAAAAAAAAAEAAABQAAAAAAAAAAAA4D8AAAAAAADgPwAAAAAAAOA/AAAAAAAA4D8AAAAAAADgPwAAAAAAAOA/AAAAAAAA4D8AAAAAAADgPwAAAAAAAOA/AAAAAAAA4D8CAAAAjAAAAAAAAAAAAAAAu+DjDP///wgAAAAAAAAAAAAAAAAAAAAAAAAAAAAAAAAAAAAAZAAAAAEAAABAAAAAAAAAAAAAAAAAAAAAAAAAAAAAAAAAAAAAAAAAAAAAAAAAAAAAAAAAAAAAAAAAAAAAAAAAAAAAAAAAAAAAAAAAAAAAAAAAAAAAAAAAAAAAAAAAAAAAFAAAADwAAAAAAAAAAAAAAAAAAAkUAAAAAQAAABQAAAAUAAAAFAAAAAEAAAAAAAAAZAAAAGQAAAAAAAAAZAAAAGQAAAAVAAAAYAAAAAAAAAAAAAAADwAAACADAAAAAAAAAAAAAAEAAACgMgAAVgcAAKr4//8BAAAAf39/AAEAAABkAAAAAAAAABQAAABAHwAAAAAAACYAAAAAAAAAwOD//wAAAAAmAAAAZAAAABYAAABMAAAAAAAAAAAAAAAEAAAAAAAAAAEAAACAgIAKAAAAACgAAAAoAAAAZAAAAGQAAAAAAAAAzMzMAAAAAABQAAAAUAAAAGQAAABkAAAAAAAAABcAAAAUAAAAAAAAANwIAAD/fwAA/38AAAAAAAAJAAAABAAAAAAAAAAMAAAAEAAAAAAAAAAAAAAAAAAAAAAAAAAeAAAAaAAAAAAAAAAAAAAAAAAAAAAAAAAAAAAAECcAABAnAAAAAAAAAAAAAAAAAAAAAAAAAAAAAAAAAAAAAAAAAAAAABQAAAAAAAAAwMD/AAAAAABkAAAAMgAAAAAAAABkAAAAAAAAAH9/fwAKAAAAHwAAAFQAAAC74OMF////AQAAAAAAAAAAAAAAAAAAAAAAAAAAAAAAAAAAAAAAAAAAAAAAAn9/fwCAgIADzMzMAMDA/wB/f38AAAAAAAAAAAAAAAAAAAAAAAAAAAAhAAAAGAAAABQAAAA3FgAAugoAABMfAABSDAAAECAAACYAAAAIAAAA//////////8="/>
               </a:ext>
             </a:extLst>
           </p:cNvSpPr>
@@ -4620,7 +4596,7 @@
           <a:effectLst/>
         </p:spPr>
         <p:txBody>
-          <a:bodyPr vert="horz" wrap="square" numCol="1" anchor="t"/>
+          <a:bodyPr vert="horz" wrap="square" numCol="1" spcCol="215900" anchor="t"/>
           <a:lstStyle/>
           <a:p>
             <a:pPr>
@@ -4642,7 +4618,7 @@
           <p:cNvSpPr txBox="1">
             <a:extLst>
               <a:ext uri="smNativeData">
-                <pr:smNativeData xmlns:pr="smNativeData" val="SMDATA_16_PPTaXhMAAAAlAAAAEgAAAE8BAAAAkAAAAEgAAACQAAAASAAAAAAAAAAAAAAAAAAAAAEAAABQAAAAAAAAAAAA4D8AAAAAAADgPwAAAAAAAOA/AAAAAAAA4D8AAAAAAADgPwAAAAAAAOA/AAAAAAAA4D8AAAAAAADgPwAAAAAAAOA/AAAAAAAA4D8CAAAAjAAAAAAAAAAAAAAAu+DjDP///wgAAAAAAAAAAAAAAAAAAAAAAAAAAAAAAAAAAAAAZAAAAAEAAABAAAAAAAAAAAAAAAAAAAAAAAAAAAAAAAAAAAAAAAAAAAAAAAAAAAAAAAAAAAAAAAAAAAAAAAAAAAAAAAAAAAAAAAAAAAAAAAAAAAAAAAAAAAAAAAAAAAAAFAAAADwAAAAAAAAAAAAAAAAAAAkUAAAAAQAAABQAAAAUAAAAFAAAAAEAAAAAAAAAZAAAAGQAAAAAAAAAZAAAAGQAAAAVAAAAYAAAAAAAAAAAAAAADwAAACADAAAAAAAAAAAAAAEAAACgMgAAVgcAAKr4//8BAAAAf39/AAEAAABkAAAAAAAAABQAAABAHwAAAAAAACYAAAAAAAAAwOD//wAAAAAmAAAAZAAAABYAAABMAAAAAAAAAAAAAAAEAAAAAAAAAAEAAACAgIAKAAAAACgAAAAoAAAAZAAAAGQAAAAAAAAAzMzMAAAAAABQAAAAUAAAAGQAAABkAAAAAAAAABcAAAAUAAAAAAAAANwIAAD/fwAA/38AAAAAAAAJAAAABAAAAAAAAAAMAAAAEAAAAAAAAAAAAAAAAAAAAAAAAAAeAAAAaAAAAAAAAAAAAAAAAAAAAAAAAAAAAAAAECcAABAnAAAAAAAAAAAAAAAAAAAAAAAAAAAAAAAAAAAAAAAAAAAAABQAAAAAAAAAwMD/AAAAAABkAAAAMgAAAAAAAABkAAAAAAAAAH9/fwAKAAAAIgAAABgAAAAAAAAAAAAAAAAAAAAAAAAAAAAAAAAAAAAkAAAAJAAAAAAAAAAHAAAAAAAAAAAAAAAAAAAAAAAAAAAAAAAAAAAAf39/ACUAAABYAAAAAAAAAAAAAAAAAAAAAAAAAAAAAAAAAAAAAAAAAAAAAAAAAAAAAAAAAAAAAAA/AAAAAAAAAKCGAQAAAAAAAAAAAAAAAAAMAAAAAQAAAAAAAAAAAAAAAAAAAB8AAABUAAAAu+DjBf///wEAAAAAAAAAAAAAAAAAAAAAAAAAAAAAAAAAAAAAAAAAAAAAAAJ/f38AgICAA8zMzADAwP8Af39/AAAAAAAAAAAAAAAAAAAAAAAAAAAAIQAAABgAAAAUAAAAaB4AALIKAACSJgAAYg8AABAgAAAmAAAACAAAAP//////////"/>
+                <pr:smNativeData xmlns:pr="smNativeData" val="SMDATA_13_4IlQXxMAAAAlAAAAEgAAAE8BAAAAkAAAAEgAAACQAAAASAAAAAAAAAAAAAAAAAAAAAEAAABQAAAAAAAAAAAA4D8AAAAAAADgPwAAAAAAAOA/AAAAAAAA4D8AAAAAAADgPwAAAAAAAOA/AAAAAAAA4D8AAAAAAADgPwAAAAAAAOA/AAAAAAAA4D8CAAAAjAAAAAAAAAAAAAAAu+DjDP///wgAAAAAAAAAAAAAAAAAAAAAAAAAAAAAAAAAAAAAZAAAAAEAAABAAAAAAAAAAAAAAAAAAAAAAAAAAAAAAAAAAAAAAAAAAAAAAAAAAAAAAAAAAAAAAAAAAAAAAAAAAAAAAAAAAAAAAAAAAAAAAAAAAAAAAAAAAAAAAAAAAAAAFAAAADwAAAAAAAAAAAAAAAAAAAkUAAAAAQAAABQAAAAUAAAAFAAAAAEAAAAAAAAAZAAAAGQAAAAAAAAAZAAAAGQAAAAVAAAAYAAAAAAAAAAAAAAADwAAACADAAAAAAAAAAAAAAEAAACgMgAAVgcAAKr4//8BAAAAf39/AAEAAABkAAAAAAAAABQAAABAHwAAAAAAACYAAAAAAAAAwOD//wAAAAAmAAAAZAAAABYAAABMAAAAAAAAAAAAAAAEAAAAAAAAAAEAAACAgIAKAAAAACgAAAAoAAAAZAAAAGQAAAAAAAAAzMzMAAAAAABQAAAAUAAAAGQAAABkAAAAAAAAABcAAAAUAAAAAAAAANwIAAD/fwAA/38AAAAAAAAJAAAABAAAAAAAAAAMAAAAEAAAAAAAAAAAAAAAAAAAAAAAAAAeAAAAaAAAAAAAAAAAAAAAAAAAAAAAAAAAAAAAECcAABAnAAAAAAAAAAAAAAAAAAAAAAAAAAAAAAAAAAAAAAAAAAAAABQAAAAAAAAAwMD/AAAAAABkAAAAMgAAAAAAAABkAAAAAAAAAH9/fwAKAAAAHwAAAFQAAAC74OMF////AQAAAAAAAAAAAAAAAAAAAAAAAAAAAAAAAAAAAAAAAAAAAAAAAn9/fwCAgIADzMzMAMDA/wB/f38AAAAAAAAAAAAAAAAAAAAAAAAAAAAhAAAAGAAAABQAAABoHgAAsgoAAJImAABiDwAAECAAACYAAAAIAAAA//////////8="/>
               </a:ext>
             </a:extLst>
           </p:cNvSpPr>
@@ -4663,7 +4639,7 @@
           <a:effectLst/>
         </p:spPr>
         <p:txBody>
-          <a:bodyPr vert="horz" wrap="square" numCol="1" anchor="t"/>
+          <a:bodyPr vert="horz" wrap="square" numCol="1" spcCol="215900" anchor="t"/>
           <a:lstStyle/>
           <a:p>
             <a:pPr>
@@ -4721,7 +4697,7 @@
           <p:cNvSpPr txBox="1">
             <a:extLst>
               <a:ext uri="smNativeData">
-                <pr:smNativeData xmlns:pr="smNativeData" val="SMDATA_16_PPTaXhMAAAAlAAAAEgAAAE8BAAAAkAAAAEgAAACQAAAASAAAAAAAAAAAAAAAAAAAAAEAAABQAAAAAAAAAAAA4D8AAAAAAADgPwAAAAAAAOA/AAAAAAAA4D8AAAAAAADgPwAAAAAAAOA/AAAAAAAA4D8AAAAAAADgPwAAAAAAAOA/AAAAAAAA4D8CAAAAjAAAAAAAAAAAAAAAu+DjDP///wgAAAAAAAAAAAAAAAAAAAAAAAAAAAAAAAAAAAAAZAAAAAEAAABAAAAAAAAAAAAAAAAAAAAAAAAAAAAAAAAAAAAAAAAAAAAAAAAAAAAAAAAAAAAAAAAAAAAAAAAAAAAAAAAAAAAAAAAAAAAAAAAAAAAAAAAAAAAAAAAAAAAAFAAAADwAAAAAAAAAAAAAAAAAAAkUAAAAAQAAABQAAAAUAAAAFAAAAAEAAAAAAAAAZAAAAGQAAAAAAAAAZAAAAGQAAAAVAAAAYAAAAAAAAAAAAAAADwAAACADAAAAAAAAAAAAAAEAAACgMgAAVgcAAKr4//8BAAAAf39/AAEAAABkAAAAAAAAABQAAABAHwAAAAAAACYAAAAAAAAAwOD//wAAAAAmAAAAZAAAABYAAABMAAAAAAAAAAAAAAAEAAAAAAAAAAEAAACAgIAKAAAAACgAAAAoAAAAZAAAAGQAAAAAAAAAzMzMAAAAAABQAAAAUAAAAGQAAABkAAAAAAAAABcAAAAUAAAAAAAAANwIAAD/fwAA/38AAAAAAAAJAAAABAAAAAAAAAAMAAAAEAAAAAAAAAAAAAAAAAAAAAAAAAAeAAAAaAAAAAAAAAAAAAAAAAAAAAAAAAAAAAAAECcAABAnAAAAAAAAAAAAAAAAAAAAAAAAAAAAAAAAAAAAAAAAAAAAABQAAAAAAAAAwMD/AAAAAABkAAAAMgAAAAAAAABkAAAAAAAAAH9/fwAKAAAAIgAAABgAAAAAAAAAAAAAAAAAAAAAAAAAAAAAAAAAAAAkAAAAJAAAAAAAAAAHAAAAAAAAAAAAAAAAAAAAAAAAAAAAAAAAAAAAf39/ACUAAABYAAAAAAAAAAAAAAAAAAAAAAAAAAAAAAAAAAAAAAAAAAAAAAAAAAAAAAAAAAAAAAA/AAAAAAAAAKCGAQAAAAAAAAAAAAAAAAAMAAAAAQAAAAAAAAAAAAAAAAAAAB8AAABUAAAAu+DjBf///wEAAAAAAAAAAAAAAAAAAAAAAAAAAAAAAAAAAAAAAAAAAAAAAAJ/f38AgICAA8zMzADAwP8Af39/AAAAAAAAAAAAAAAAAAAAAAAAAAAAIQAAABgAAAAUAAAAdhYAAIYPAABSHwAAHhEAABAgAAAmAAAACAAAAP//////////"/>
+                <pr:smNativeData xmlns:pr="smNativeData" val="SMDATA_13_4IlQXxMAAAAlAAAAEgAAAE8BAAAAkAAAAEgAAACQAAAASAAAAAAAAAAAAAAAAAAAAAEAAABQAAAAAAAAAAAA4D8AAAAAAADgPwAAAAAAAOA/AAAAAAAA4D8AAAAAAADgPwAAAAAAAOA/AAAAAAAA4D8AAAAAAADgPwAAAAAAAOA/AAAAAAAA4D8CAAAAjAAAAAAAAAAAAAAAu+DjDP///wgAAAAAAAAAAAAAAAAAAAAAAAAAAAAAAAAAAAAAZAAAAAEAAABAAAAAAAAAAAAAAAAAAAAAAAAAAAAAAAAAAAAAAAAAAAAAAAAAAAAAAAAAAAAAAAAAAAAAAAAAAAAAAAAAAAAAAAAAAAAAAAAAAAAAAAAAAAAAAAAAAAAAFAAAADwAAAAAAAAAAAAAAAAAAAkUAAAAAQAAABQAAAAUAAAAFAAAAAEAAAAAAAAAZAAAAGQAAAAAAAAAZAAAAGQAAAAVAAAAYAAAAAAAAAAAAAAADwAAACADAAAAAAAAAAAAAAEAAACgMgAAVgcAAKr4//8BAAAAf39/AAEAAABkAAAAAAAAABQAAABAHwAAAAAAACYAAAAAAAAAwOD//wAAAAAmAAAAZAAAABYAAABMAAAAAAAAAAAAAAAEAAAAAAAAAAEAAACAgIAKAAAAACgAAAAoAAAAZAAAAGQAAAAAAAAAzMzMAAAAAABQAAAAUAAAAGQAAABkAAAAAAAAABcAAAAUAAAAAAAAANwIAAD/fwAA/38AAAAAAAAJAAAABAAAAAAAAAAMAAAAEAAAAAAAAAAAAAAAAAAAAAAAAAAeAAAAaAAAAAAAAAAAAAAAAAAAAAAAAAAAAAAAECcAABAnAAAAAAAAAAAAAAAAAAAAAAAAAAAAAAAAAAAAAAAAAAAAABQAAAAAAAAAwMD/AAAAAABkAAAAMgAAAAAAAABkAAAAAAAAAH9/fwAKAAAAHwAAAFQAAAC74OMF////AQAAAAAAAAAAAAAAAAAAAAAAAAAAAAAAAAAAAAAAAAAAAAAAAn9/fwCAgIADzMzMAMDA/wB/f38AAAAAAAAAAAAAAAAAAAAAAAAAAAAhAAAAGAAAABQAAAB2FgAAhg8AAFIfAAAeEQAAECAAACYAAAAIAAAA//////////8="/>
               </a:ext>
             </a:extLst>
           </p:cNvSpPr>
@@ -4742,7 +4718,7 @@
           <a:effectLst/>
         </p:spPr>
         <p:txBody>
-          <a:bodyPr vert="horz" wrap="square" numCol="1" anchor="t"/>
+          <a:bodyPr vert="horz" wrap="square" numCol="1" spcCol="215900" anchor="t"/>
           <a:lstStyle/>
           <a:p>
             <a:pPr>
@@ -4764,7 +4740,7 @@
           <p:cNvSpPr txBox="1">
             <a:extLst>
               <a:ext uri="smNativeData">
-                <pr:smNativeData xmlns:pr="smNativeData" val="SMDATA_16_PPTaXhMAAAAlAAAAEgAAAE8BAAAAkAAAAEgAAACQAAAASAAAAAAAAAAAAAAAAAAAAAEAAABQAAAAAAAAAAAA4D8AAAAAAADgPwAAAAAAAOA/AAAAAAAA4D8AAAAAAADgPwAAAAAAAOA/AAAAAAAA4D8AAAAAAADgPwAAAAAAAOA/AAAAAAAA4D8CAAAAjAAAAAAAAAAAAAAAu+DjDP///wgAAAAAAAAAAAAAAAAAAAAAAAAAAAAAAAAAAAAAZAAAAAEAAABAAAAAAAAAAAAAAAAAAAAAAAAAAAAAAAAAAAAAAAAAAAAAAAAAAAAAAAAAAAAAAAAAAAAAAAAAAAAAAAAAAAAAAAAAAAAAAAAAAAAAAAAAAAAAAAAAAAAAFAAAADwAAAAAAAAAAAAAAAAAAAkUAAAAAQAAABQAAAAUAAAAFAAAAAEAAAAAAAAAZAAAAGQAAAAAAAAAZAAAAGQAAAAVAAAAYAAAAAAAAAAAAAAADwAAACADAAAAAAAAAAAAAAEAAACgMgAAVgcAAKr4//8BAAAAf39/AAEAAABkAAAAAAAAABQAAABAHwAAAAAAACYAAAAAAAAAwOD//wAAAAAmAAAAZAAAABYAAABMAAAAAAAAAAAAAAAEAAAAAAAAAAEAAACAgIAKAAAAACgAAAAoAAAAZAAAAGQAAAAAAAAAzMzMAAAAAABQAAAAUAAAAGQAAABkAAAAAAAAABcAAAAUAAAAAAAAANwIAAD/fwAA/38AAAAAAAAJAAAABAAAAP////8MAAAAEAAAAAAAAAAAAAAAAAAAAAAAAAAeAAAAaAAAAAAAAAAAAAAAAAAAAAAAAAAAAAAAECcAABAnAAAAAAAAAAAAAAAAAAAAAAAAAAAAAAAAAAAAAAAAAAAAABQAAAAAAAAAwMD/AAAAAABkAAAAMgAAAAAAAABkAAAAAAAAAH9/fwAKAAAAIgAAABgAAAAAAAAAAAAAAAAAAAAAAAAAAAAAAAAAAAAkAAAAJAAAAAAAAAAHAAAAAAAAAAAAAAAAAAAAAAAAAAAAAAAAAAAAf39/ACUAAABYAAAAAAAAAAAAAAAAAAAAAAAAAAAAAAAAAAAAAAAAAAAAAAAAAAAAAAAAAAAAAAA/AAAAAAAAAKCGAQAAAAAAAAAAAAAAAAAMAAAAAQAAAAAAAAAAAAAAAAAAAB8AAABUAAAAu+DjBf///wEAAAAAAAAAAAAAAAAAAAAAAAAAAAAAAAAAAAAAAAAAAAAAAAJ/f38AgICAA8zMzADAwP8Af39/AAAAAAAAAAAAAAAAAAAAAAAAAAAAIQAAABgAAAAUAAAAaB4AAG4PAACSJgAArhQAAAAgAAAmAAAACAAAAP//////////"/>
+                <pr:smNativeData xmlns:pr="smNativeData" val="SMDATA_13_4IlQXxMAAAAlAAAAEgAAAE8BAAAAkAAAAEgAAACQAAAASAAAAAAAAAAAAAAAAAAAAAEAAABQAAAAAAAAAAAA4D8AAAAAAADgPwAAAAAAAOA/AAAAAAAA4D8AAAAAAADgPwAAAAAAAOA/AAAAAAAA4D8AAAAAAADgPwAAAAAAAOA/AAAAAAAA4D8CAAAAjAAAAAAAAAAAAAAAu+DjDP///wgAAAAAAAAAAAAAAAAAAAAAAAAAAAAAAAAAAAAAZAAAAAEAAABAAAAAAAAAAAAAAAAAAAAAAAAAAAAAAAAAAAAAAAAAAAAAAAAAAAAAAAAAAAAAAAAAAAAAAAAAAAAAAAAAAAAAAAAAAAAAAAAAAAAAAAAAAAAAAAAAAAAAFAAAADwAAAAAAAAAAAAAAAAAAAkUAAAAAQAAABQAAAAUAAAAFAAAAAEAAAAAAAAAZAAAAGQAAAAAAAAAZAAAAGQAAAAVAAAAYAAAAAAAAAAAAAAADwAAACADAAAAAAAAAAAAAAEAAACgMgAAVgcAAKr4//8BAAAAf39/AAEAAABkAAAAAAAAABQAAABAHwAAAAAAACYAAAAAAAAAwOD//wAAAAAmAAAAZAAAABYAAABMAAAAAAAAAAAAAAAEAAAAAAAAAAEAAACAgIAKAAAAACgAAAAoAAAAZAAAAGQAAAAAAAAAzMzMAAAAAABQAAAAUAAAAGQAAABkAAAAAAAAABcAAAAUAAAAAAAAANwIAAD/fwAA/38AAAAAAAAJAAAABAAAAP////8MAAAAEAAAAAAAAAAAAAAAAAAAAAAAAAAeAAAAaAAAAAAAAAAAAAAAAAAAAAAAAAAAAAAAECcAABAnAAAAAAAAAAAAAAAAAAAAAAAAAAAAAAAAAAAAAAAAAAAAABQAAAAAAAAAwMD/AAAAAABkAAAAMgAAAAAAAABkAAAAAAAAAH9/fwAKAAAAHwAAAFQAAAC74OMF////AQAAAAAAAAAAAAAAAAAAAAAAAAAAAAAAAAAAAAAAAAAAAAAAAn9/fwCAgIADzMzMAMDA/wB/f38AAAAAAAAAAAAAAAAAAAAAAAAAAAAhAAAAGAAAABQAAABoHgAAbg8AAJImAACuFAAAECAAACYAAAAIAAAA//////////8="/>
               </a:ext>
             </a:extLst>
           </p:cNvSpPr>
@@ -4785,7 +4761,7 @@
           <a:effectLst/>
         </p:spPr>
         <p:txBody>
-          <a:bodyPr vert="horz" wrap="square" numCol="1" anchor="t"/>
+          <a:bodyPr vert="horz" wrap="square" numCol="1" spcCol="215900" anchor="t"/>
           <a:lstStyle/>
           <a:p>
             <a:pPr>
@@ -4855,7 +4831,7 @@
           <p:cNvSpPr txBox="1">
             <a:extLst>
               <a:ext uri="smNativeData">
-                <pr:smNativeData xmlns:pr="smNativeData" val="SMDATA_16_PPTaXhMAAAAlAAAAEgAAAE8BAAAAkAAAAEgAAACQAAAASAAAAAAAAAAAAAAAAAAAAAEAAABQAAAAAAAAAAAA4D8AAAAAAADgPwAAAAAAAOA/AAAAAAAA4D8AAAAAAADgPwAAAAAAAOA/AAAAAAAA4D8AAAAAAADgPwAAAAAAAOA/AAAAAAAA4D8CAAAAjAAAAAAAAAAAAAAAu+DjDP///wgAAAAAAAAAAAAAAAAAAAAAAAAAAAAAAAAAAAAAZAAAAAEAAABAAAAAAAAAAAAAAAAAAAAAAAAAAAAAAAAAAAAAAAAAAAAAAAAAAAAAAAAAAAAAAAAAAAAAAAAAAAAAAAAAAAAAAAAAAAAAAAAAAAAAAAAAAAAAAAAAAAAAFAAAADwAAAAAAAAAAAAAAAAAAAkUAAAAAQAAABQAAAAUAAAAFAAAAAEAAAAAAAAAZAAAAGQAAAAAAAAAZAAAAGQAAAAVAAAAYAAAAAAAAAAAAAAADwAAACADAAAAAAAAAAAAAAEAAACgMgAAVgcAAKr4//8BAAAAf39/AAEAAABkAAAAAAAAABQAAABAHwAAAAAAACYAAAAAAAAAwOD//wAAAAAmAAAAZAAAABYAAABMAAAAAAAAAAAAAAAEAAAAAAAAAAEAAACAgIAKAAAAACgAAAAoAAAAZAAAAGQAAAAAAAAAzMzMAAAAAABQAAAAUAAAAGQAAABkAAAAAAAAABcAAAAUAAAAAAAAANwIAAD/fwAA/38AAAAAAAAJAAAABAAAAAAAAAAMAAAAEAAAAAAAAAAAAAAAAAAAAAAAAAAeAAAAaAAAAAAAAAAAAAAAAAAAAAAAAAAAAAAAECcAABAnAAAAAAAAAAAAAAAAAAAAAAAAAAAAAAAAAAAAAAAAAAAAABQAAAAAAAAAwMD/AAAAAABkAAAAMgAAAAAAAABkAAAAAAAAAH9/fwAKAAAAIgAAABgAAAAAAAAAAAAAAAAAAAAAAAAAAAAAAAAAAAAkAAAAJAAAAAAAAAAHAAAAAAAAAAAAAAAAAAAAAAAAAAAAAAAAAAAAf39/ACUAAABYAAAAAAAAAAAAAAAAAAAAAAAAAAAAAAAAAAAAAAAAAAAAAAAAAAAAAAAAAAAAAAA/AAAAAAAAAKCGAQAAAAAAAAAAAAAAAAAMAAAAAQAAAAAAAAAAAAAAAAAAAB8AAABUAAAAu+DjBf///wEAAAAAAAAAAAAAAAAAAAAAAAAAAAAAAAAAAAAAAAAAAAAAAAJ/f38AgICAA8zMzADAwP8Af39/AAAAAAAAAAAAAAAAAAAAAAAAAAAAIQAAABgAAAAUAAAAdhYAAKsUAABSHwAAKxYAAAAgAAAmAAAACAAAAP//////////"/>
+                <pr:smNativeData xmlns:pr="smNativeData" val="SMDATA_13_4IlQXxMAAAAlAAAAEgAAAE8BAAAAkAAAAEgAAACQAAAASAAAAAAAAAAAAAAAAAAAAAEAAABQAAAAAAAAAAAA4D8AAAAAAADgPwAAAAAAAOA/AAAAAAAA4D8AAAAAAADgPwAAAAAAAOA/AAAAAAAA4D8AAAAAAADgPwAAAAAAAOA/AAAAAAAA4D8CAAAAjAAAAAAAAAAAAAAAu+DjDP///wgAAAAAAAAAAAAAAAAAAAAAAAAAAAAAAAAAAAAAZAAAAAEAAABAAAAAAAAAAAAAAAAAAAAAAAAAAAAAAAAAAAAAAAAAAAAAAAAAAAAAAAAAAAAAAAAAAAAAAAAAAAAAAAAAAAAAAAAAAAAAAAAAAAAAAAAAAAAAAAAAAAAAFAAAADwAAAAAAAAAAAAAAAAAAAkUAAAAAQAAABQAAAAUAAAAFAAAAAEAAAAAAAAAZAAAAGQAAAAAAAAAZAAAAGQAAAAVAAAAYAAAAAAAAAAAAAAADwAAACADAAAAAAAAAAAAAAEAAACgMgAAVgcAAKr4//8BAAAAf39/AAEAAABkAAAAAAAAABQAAABAHwAAAAAAACYAAAAAAAAAwOD//wAAAAAmAAAAZAAAABYAAABMAAAAAAAAAAAAAAAEAAAAAAAAAAEAAACAgIAKAAAAACgAAAAoAAAAZAAAAGQAAAAAAAAAzMzMAAAAAABQAAAAUAAAAGQAAABkAAAAAAAAABcAAAAUAAAAAAAAANwIAAD/fwAA/38AAAAAAAAJAAAABAAAAAAAAAAMAAAAEAAAAAAAAAAAAAAAAAAAAAAAAAAeAAAAaAAAAAAAAAAAAAAAAAAAAAAAAAAAAAAAECcAABAnAAAAAAAAAAAAAAAAAAAAAAAAAAAAAAAAAAAAAAAAAAAAABQAAAAAAAAAwMD/AAAAAABkAAAAMgAAAAAAAABkAAAAAAAAAH9/fwAKAAAAHwAAAFQAAAC74OMF////AQAAAAAAAAAAAAAAAAAAAAAAAAAAAAAAAAAAAAAAAAAAAAAAAn9/fwCAgIADzMzMAMDA/wB/f38AAAAAAAAAAAAAAAAAAAAAAAAAAAAhAAAAGAAAABQAAAB2FgAAqxQAAFIfAAArFgAAECAAACYAAAAIAAAA//////////8="/>
               </a:ext>
             </a:extLst>
           </p:cNvSpPr>
@@ -4876,7 +4852,7 @@
           <a:effectLst/>
         </p:spPr>
         <p:txBody>
-          <a:bodyPr vert="horz" wrap="square" numCol="1" anchor="t"/>
+          <a:bodyPr vert="horz" wrap="square" numCol="1" spcCol="215900" anchor="t"/>
           <a:lstStyle/>
           <a:p>
             <a:pPr>
@@ -4898,7 +4874,7 @@
           <p:cNvSpPr txBox="1">
             <a:extLst>
               <a:ext uri="smNativeData">
-                <pr:smNativeData xmlns:pr="smNativeData" val="SMDATA_16_PPTaXhMAAAAlAAAAEgAAAE8BAAAAkAAAAEgAAACQAAAASAAAAAAAAAAAAAAAAAAAAAEAAABQAAAAAAAAAAAA4D8AAAAAAADgPwAAAAAAAOA/AAAAAAAA4D8AAAAAAADgPwAAAAAAAOA/AAAAAAAA4D8AAAAAAADgPwAAAAAAAOA/AAAAAAAA4D8CAAAAjAAAAAAAAAAAAAAAu+DjDP///wgAAAAAAAAAAAAAAAAAAAAAAAAAAAAAAAAAAAAAZAAAAAEAAABAAAAAAAAAAAAAAAAAAAAAAAAAAAAAAAAAAAAAAAAAAAAAAAAAAAAAAAAAAAAAAAAAAAAAAAAAAAAAAAAAAAAAAAAAAAAAAAAAAAAAAAAAAAAAAAAAAAAAFAAAADwAAAAAAAAAAAAAAAAAAAkUAAAAAQAAABQAAAAUAAAAFAAAAAEAAAAAAAAAZAAAAGQAAAAAAAAAZAAAAGQAAAAVAAAAYAAAAAAAAAAAAAAADwAAACADAAAAAAAAAAAAAAEAAACgMgAAVgcAAKr4//8BAAAAf39/AAEAAABkAAAAAAAAABQAAABAHwAAAAAAACYAAAAAAAAAwOD//wAAAAAmAAAAZAAAABYAAABMAAAAAAAAAAAAAAAEAAAAAAAAAAEAAACAgIAKAAAAACgAAAAoAAAAZAAAAGQAAAAAAAAAzMzMAAAAAABQAAAAUAAAAGQAAABkAAAAAAAAABcAAAAUAAAAAAAAANwIAAD/fwAA/38AAAAAAAAJAAAABAAAAAAAAAAMAAAAEAAAAAAAAAAAAAAAAAAAAAAAAAAeAAAAaAAAAAAAAAAAAAAAAAAAAAAAAAAAAAAAECcAABAnAAAAAAAAAAAAAAAAAAAAAAAAAAAAAAAAAAAAAAAAAAAAABQAAAAAAAAAwMD/AAAAAABkAAAAMgAAAAAAAABkAAAAAAAAAH9/fwAKAAAAIgAAABgAAAAAAAAAAAAAAAAAAAAAAAAAAAAAAAAAAAAkAAAAJAAAAAAAAAAHAAAAAAAAAAAAAAAAAAAAAAAAAAAAAAAAAAAAf39/ACUAAABYAAAAAAAAAAAAAAAAAAAAAAAAAAAAAAAAAAAAAAAAAAAAAAAAAAAAAAAAAAAAAAA/AAAAAAAAAKCGAQAAAAAAAAAAAAAAAAAMAAAAAQAAAAAAAAAAAAAAAAAAAB8AAABUAAAAu+DjBf///wEAAAAAAAAAAAAAAAAAAAAAAAAAAAAAAAAAAAAAAAAAAAAAAAJ/f38AgICAA8zMzADAwP8Af39/AAAAAAAAAAAAAAAAAAAAAAAAAAAAIQAAABgAAAAUAAAAth0AAKAUAAA8JwAAEBcAAAAgAAAmAAAACAAAAP//////////"/>
+                <pr:smNativeData xmlns:pr="smNativeData" val="SMDATA_13_4IlQXxMAAAAlAAAAEgAAAE8BAAAAkAAAAEgAAACQAAAASAAAAAAAAAAAAAAAAAAAAAEAAABQAAAAAAAAAAAA4D8AAAAAAADgPwAAAAAAAOA/AAAAAAAA4D8AAAAAAADgPwAAAAAAAOA/AAAAAAAA4D8AAAAAAADgPwAAAAAAAOA/AAAAAAAA4D8CAAAAjAAAAAAAAAAAAAAAu+DjDP///wgAAAAAAAAAAAAAAAAAAAAAAAAAAAAAAAAAAAAAZAAAAAEAAABAAAAAAAAAAAAAAAAAAAAAAAAAAAAAAAAAAAAAAAAAAAAAAAAAAAAAAAAAAAAAAAAAAAAAAAAAAAAAAAAAAAAAAAAAAAAAAAAAAAAAAAAAAAAAAAAAAAAAFAAAADwAAAAAAAAAAAAAAAAAAAkUAAAAAQAAABQAAAAUAAAAFAAAAAEAAAAAAAAAZAAAAGQAAAAAAAAAZAAAAGQAAAAVAAAAYAAAAAAAAAAAAAAADwAAACADAAAAAAAAAAAAAAEAAACgMgAAVgcAAKr4//8BAAAAf39/AAEAAABkAAAAAAAAABQAAABAHwAAAAAAACYAAAAAAAAAwOD//wAAAAAmAAAAZAAAABYAAABMAAAAAAAAAAAAAAAEAAAAAAAAAAEAAACAgIAKAAAAACgAAAAoAAAAZAAAAGQAAAAAAAAAzMzMAAAAAABQAAAAUAAAAGQAAABkAAAAAAAAABcAAAAUAAAAAAAAANwIAAD/fwAA/38AAAAAAAAJAAAABAAAAAAAAAAMAAAAEAAAAAAAAAAAAAAAAAAAAAAAAAAeAAAAaAAAAAAAAAAAAAAAAAAAAAAAAAAAAAAAECcAABAnAAAAAAAAAAAAAAAAAAAAAAAAAAAAAAAAAAAAAAAAAAAAABQAAAAAAAAAwMD/AAAAAABkAAAAMgAAAAAAAABkAAAAAAAAAH9/fwAKAAAAHwAAAFQAAAC74OMF////AQAAAAAAAAAAAAAAAAAAAAAAAAAAAAAAAAAAAAAAAAAAAAAAAn9/fwCAgIADzMzMAMDA/wB/f38AAAAAAAAAAAAAAAAAAAAAAAAAAAAhAAAAGAAAABQAAAC2HQAAoBQAADwnAAAQFwAAECAAACYAAAAIAAAA//////////8="/>
               </a:ext>
             </a:extLst>
           </p:cNvSpPr>
@@ -4919,7 +4895,7 @@
           <a:effectLst/>
         </p:spPr>
         <p:txBody>
-          <a:bodyPr vert="horz" wrap="square" numCol="1" anchor="t"/>
+          <a:bodyPr vert="horz" wrap="square" numCol="1" spcCol="215900" anchor="t"/>
           <a:lstStyle/>
           <a:p>
             <a:pPr>
@@ -4953,7 +4929,7 @@
           <p:cNvSpPr txBox="1">
             <a:extLst>
               <a:ext uri="smNativeData">
-                <pr:smNativeData xmlns:pr="smNativeData" val="SMDATA_16_PPTaXhMAAAAlAAAAEgAAAE8BAAAAkAAAAEgAAACQAAAASAAAAAAAAAAAAAAAAAAAAAEAAABQAAAAAAAAAAAA4D8AAAAAAADgPwAAAAAAAOA/AAAAAAAA4D8AAAAAAADgPwAAAAAAAOA/AAAAAAAA4D8AAAAAAADgPwAAAAAAAOA/AAAAAAAA4D8CAAAAjAAAAAAAAAAAAAAAu+DjDP///wgAAAAAAAAAAAAAAAAAAAAAAAAAAAAAAAAAAAAAZAAAAAEAAABAAAAAAAAAAAAAAAAAAAAAAAAAAAAAAAAAAAAAAAAAAAAAAAAAAAAAAAAAAAAAAAAAAAAAAAAAAAAAAAAAAAAAAAAAAAAAAAAAAAAAAAAAAAAAAAAAAAAAFAAAADwAAAAAAAAAAAAAAAAAAAkUAAAAAQAAABQAAAAUAAAAFAAAAAEAAAAAAAAAZAAAAGQAAAAAAAAAZAAAAGQAAAAVAAAAYAAAAAAAAAAAAAAADwAAACADAAAAAAAAAAAAAAEAAACgMgAAVgcAAKr4//8BAAAAf39/AAEAAABkAAAAAAAAABQAAABAHwAAAAAAACYAAAAAAAAAwOD//wAAAAAmAAAAZAAAABYAAABMAAAAAAAAAAAAAAAEAAAAAAAAAAEAAACAgIAKAAAAACgAAAAoAAAAZAAAAGQAAAAAAAAAzMzMAAAAAABQAAAAUAAAAGQAAABkAAAAAAAAABcAAAAUAAAAAAAAANwIAAD/fwAA/38AAAAAAAAJAAAABAAAAGcAaAAMAAAAEAAAAAAAAAAAAAAAAAAAAAAAAAAeAAAAaAAAAAAAAAAAAAAAAAAAAAAAAAAAAAAAECcAABAnAAAAAAAAAAAAAAAAAAAAAAAAAAAAAAAAAAAAAAAAAAAAABQAAAAAAAAAwMD/AAAAAABkAAAAMgAAAAAAAABkAAAAAAAAAH9/fwAKAAAAIgAAABgAAAAAAAAAAAAAAAAAAAAAAAAAAAAAAAAAAAAkAAAAJAAAAAAAAAAHAAAAAAAAAAAAAAAAAAAAAAAAAAAAAAAAAAAAf39/ACUAAABYAAAAAAAAAAAAAAAAAAAAAAAAAAAAAAAAAAAAAAAAAAAAAAAAAAAAAAAAAAAAAAA/AAAAAAAAAKCGAQAAAAAAAAAAAAAAAAAMAAAAAQAAAAAAAAAAAAAAAAAAAB8AAABUAAAAu+DjBf///wEAAAAAAAAAAAAAAAAAAAAAAAAAAAAAAAAAAAAAAAAAAAAAAAJ/f38AgICAA8zMzADAwP8Af39/AAAAAAAAAAAAAAAAAAAAAAAAAAAAIQAAABgAAAAUAAAAcCgAAC0XAAA9NQAA3RgAABAgAAAmAAAACAAAAP//////////"/>
+                <pr:smNativeData xmlns:pr="smNativeData" val="SMDATA_13_4IlQXxMAAAAlAAAAEgAAAE8BAAAAkAAAAEgAAACQAAAASAAAAAAAAAAAAAAAAAAAAAEAAABQAAAAAAAAAAAA4D8AAAAAAADgPwAAAAAAAOA/AAAAAAAA4D8AAAAAAADgPwAAAAAAAOA/AAAAAAAA4D8AAAAAAADgPwAAAAAAAOA/AAAAAAAA4D8CAAAAjAAAAAAAAAAAAAAAu+DjDP///wgAAAAAAAAAAAAAAAAAAAAAAAAAAAAAAAAAAAAAZAAAAAEAAABAAAAAAAAAAAAAAAAAAAAAAAAAAAAAAAAAAAAAAAAAAAAAAAAAAAAAAAAAAAAAAAAAAAAAAAAAAAAAAAAAAAAAAAAAAAAAAAAAAAAAAAAAAAAAAAAAAAAAFAAAADwAAAAAAAAAAAAAAAAAAAkUAAAAAQAAABQAAAAUAAAAFAAAAAEAAAAAAAAAZAAAAGQAAAAAAAAAZAAAAGQAAAAVAAAAYAAAAAAAAAAAAAAADwAAACADAAAAAAAAAAAAAAEAAACgMgAAVgcAAKr4//8BAAAAf39/AAEAAABkAAAAAAAAABQAAABAHwAAAAAAACYAAAAAAAAAwOD//wAAAAAmAAAAZAAAABYAAABMAAAAAAAAAAAAAAAEAAAAAAAAAAEAAACAgIAKAAAAACgAAAAoAAAAZAAAAGQAAAAAAAAAzMzMAAAAAABQAAAAUAAAAGQAAABkAAAAAAAAABcAAAAUAAAAAAAAANwIAAD/fwAA/38AAAAAAAAJAAAABAAAAGcAaAAMAAAAEAAAAAAAAAAAAAAAAAAAAAAAAAAeAAAAaAAAAAAAAAAAAAAAAAAAAAAAAAAAAAAAECcAABAnAAAAAAAAAAAAAAAAAAAAAAAAAAAAAAAAAAAAAAAAAAAAABQAAAAAAAAAwMD/AAAAAABkAAAAMgAAAAAAAABkAAAAAAAAAH9/fwAKAAAAHwAAAFQAAAC74OMF////AQAAAAAAAAAAAAAAAAAAAAAAAAAAAAAAAAAAAAAAAAAAAAAAAn9/fwCAgIADzMzMAMDA/wB/f38AAAAAAAAAAAAAAAAAAAAAAAAAAAAhAAAAGAAAABQAAABwKAAALRcAAD01AADdGAAAECAAACYAAAAIAAAA//////////8="/>
               </a:ext>
             </a:extLst>
           </p:cNvSpPr>
@@ -4974,7 +4950,7 @@
           <a:effectLst/>
         </p:spPr>
         <p:txBody>
-          <a:bodyPr vert="horz" wrap="square" numCol="1" anchor="t"/>
+          <a:bodyPr vert="horz" wrap="square" numCol="1" spcCol="215900" anchor="t"/>
           <a:lstStyle/>
           <a:p>
             <a:pPr>
@@ -4996,7 +4972,7 @@
           <p:cNvSpPr txBox="1">
             <a:extLst>
               <a:ext uri="smNativeData">
-                <pr:smNativeData xmlns:pr="smNativeData" val="SMDATA_16_PPTaXhMAAAAlAAAAEgAAAE8BAAAAkAAAAEgAAACQAAAASAAAAAAAAAAAAAAAAAAAAAEAAABQAAAAAAAAAAAA4D8AAAAAAADgPwAAAAAAAOA/AAAAAAAA4D8AAAAAAADgPwAAAAAAAOA/AAAAAAAA4D8AAAAAAADgPwAAAAAAAOA/AAAAAAAA4D8CAAAAjAAAAAAAAAAAAAAAu+DjDP///wgAAAAAAAAAAAAAAAAAAAAAAAAAAAAAAAAAAAAAZAAAAAEAAABAAAAAAAAAAAAAAAAAAAAAAAAAAAAAAAAAAAAAAAAAAAAAAAAAAAAAAAAAAAAAAAAAAAAAAAAAAAAAAAAAAAAAAAAAAAAAAAAAAAAAAAAAAAAAAAAAAAAAFAAAADwAAAAAAAAAAAAAAAAAAAkUAAAAAQAAABQAAAAUAAAAFAAAAAEAAAAAAAAAZAAAAGQAAAAAAAAAZAAAAGQAAAAVAAAAYAAAAAAAAAAAAAAADwAAACADAAAAAAAAAAAAAAEAAACgMgAAVgcAAKr4//8BAAAAf39/AAEAAABkAAAAAAAAABQAAABAHwAAAAAAACYAAAAAAAAAwOD//wAAAAAmAAAAZAAAABYAAABMAAAAAAAAAAAAAAAEAAAAAAAAAAEAAACAgIAKAAAAACgAAAAoAAAAZAAAAGQAAAAAAAAAzMzMAAAAAABQAAAAUAAAAGQAAABkAAAAAAAAABcAAAAUAAAAAAAAANwIAAD/fwAA/38AAAAAAAAJAAAABAAAAAAAAAAMAAAAEAAAAAAAAAAAAAAAAAAAAAAAAAAeAAAAaAAAAAAAAAAAAAAAAAAAAAAAAAAAAAAAECcAABAnAAAAAAAAAAAAAAAAAAAAAAAAAAAAAAAAAAAAAAAAAAAAABQAAAAAAAAAwMD/AAAAAABkAAAAMgAAAAAAAABkAAAAAAAAAH9/fwAKAAAAIgAAABgAAAAAAAAAAAAAAAAAAAAAAAAAAAAAAAAAAAAkAAAAJAAAAAAAAAAHAAAAAAAAAAAAAAAAAAAAAAAAAAAAAAAAAAAAf39/ACUAAABYAAAAAAAAAAAAAAAAAAAAAAAAAAAAAAAAAAAAAAAAAAAAAAAAAAAAAAAAAAAAAAA/AAAAAAAAAKCGAQAAAAAAAAAAAAAAAAAMAAAAAQAAAAAAAAAAAAAAAAAAAB8AAABUAAAAu+DjBf///wEAAAAAAAAAAAAAAAAAAAAAAAAAAAAAAAAAAAAAAAAAAAAAAAJ/f38AgICAA8zMzADAwP8Af39/AAAAAAAAAAAAAAAAAAAAAAAAAAAAIQAAABgAAAAUAAAApSoAAIIaAAAfNgAAKh4AABAgAAAmAAAACAAAAP//////////"/>
+                <pr:smNativeData xmlns:pr="smNativeData" val="SMDATA_13_4IlQXxMAAAAlAAAAEgAAAE8BAAAAkAAAAEgAAACQAAAASAAAAAAAAAAAAAAAAAAAAAEAAABQAAAAAAAAAAAA4D8AAAAAAADgPwAAAAAAAOA/AAAAAAAA4D8AAAAAAADgPwAAAAAAAOA/AAAAAAAA4D8AAAAAAADgPwAAAAAAAOA/AAAAAAAA4D8CAAAAjAAAAAAAAAAAAAAAu+DjDP///wgAAAAAAAAAAAAAAAAAAAAAAAAAAAAAAAAAAAAAZAAAAAEAAABAAAAAAAAAAAAAAAAAAAAAAAAAAAAAAAAAAAAAAAAAAAAAAAAAAAAAAAAAAAAAAAAAAAAAAAAAAAAAAAAAAAAAAAAAAAAAAAAAAAAAAAAAAAAAAAAAAAAAFAAAADwAAAAAAAAAAAAAAAAAAAkUAAAAAQAAABQAAAAUAAAAFAAAAAEAAAAAAAAAZAAAAGQAAAAAAAAAZAAAAGQAAAAVAAAAYAAAAAAAAAAAAAAADwAAACADAAAAAAAAAAAAAAEAAACgMgAAVgcAAKr4//8BAAAAf39/AAEAAABkAAAAAAAAABQAAABAHwAAAAAAACYAAAAAAAAAwOD//wAAAAAmAAAAZAAAABYAAABMAAAAAAAAAAAAAAAEAAAAAAAAAAEAAACAgIAKAAAAACgAAAAoAAAAZAAAAGQAAAAAAAAAzMzMAAAAAABQAAAAUAAAAGQAAABkAAAAAAAAABcAAAAUAAAAAAAAANwIAAD/fwAA/38AAAAAAAAJAAAABAAAAAAAAAAMAAAAEAAAAAAAAAAAAAAAAAAAAAAAAAAeAAAAaAAAAAAAAAAAAAAAAAAAAAAAAAAAAAAAECcAABAnAAAAAAAAAAAAAAAAAAAAAAAAAAAAAAAAAAAAAAAAAAAAABQAAAAAAAAAwMD/AAAAAABkAAAAMgAAAAAAAABkAAAAAAAAAH9/fwAKAAAAHwAAAFQAAAC74OMF////AQAAAAAAAAAAAAAAAAAAAAAAAAAAAAAAAAAAAAAAAAAAAAAAAn9/fwCAgIADzMzMAMDA/wB/f38AAAAAAAAAAAAAAAAAAAAAAAAAAAAhAAAAGAAAABQAAAClKgAAghoAAB82AAAqHgAAECAAACYAAAAIAAAA//////////8="/>
               </a:ext>
             </a:extLst>
           </p:cNvSpPr>
@@ -5017,7 +4993,7 @@
           <a:effectLst/>
         </p:spPr>
         <p:txBody>
-          <a:bodyPr vert="horz" wrap="square" numCol="1" anchor="t"/>
+          <a:bodyPr vert="horz" wrap="square" numCol="1" spcCol="215900" anchor="t"/>
           <a:lstStyle/>
           <a:p>
             <a:pPr>
@@ -5063,7 +5039,7 @@
           <p:cNvSpPr txBox="1">
             <a:extLst>
               <a:ext uri="smNativeData">
-                <pr:smNativeData xmlns:pr="smNativeData" val="SMDATA_16_PPTaXhMAAAAlAAAAEgAAAA8BAAAAkAAAAEgAAACQAAAASAAAAAAAAAAAAAAAAAAAAAEAAABQAAAAAAAAAAAA4D8AAAAAAADgPwAAAAAAAOA/AAAAAAAA4D8AAAAAAADgPwAAAAAAAOA/AAAAAAAA4D8AAAAAAADgPwAAAAAAAOA/AAAAAAAA4D8CAAAAjAAAAAAAAAAAAAAAu+DjDP///wgAAAAAAAAAAAAAAAAAAAAAAAAAAAAAAAAAAAAAZAAAAAEAAABAAAAAAAAAAAAAAAAAAAAAAAAAAAAAAAAAAAAAAAAAAAAAAAAAAAAAAAAAAAAAAAAAAAAAAAAAAAAAAAAAAAAAAAAAAAAAAAAAAAAAAAAAAAAAAAAAAAAAFAAAADwAAAAAAAAAAAAAAAAAAAkUAAAAAQAAABQAAAAUAAAAFAAAAAEAAAAAAAAAZAAAAGQAAAAAAAAAZAAAAGQAAAAVAAAAYAAAAAAAAAAAAAAADwAAACADAAAAAAAAAAAAAAEAAACgMgAAVgcAAKr4//8BAAAAf39/AAEAAABkAAAAAAAAABQAAABAHwAAAAAAACYAAAAAAAAAwOD//wAAAAAmAAAAZAAAABYAAABMAAAAAAAAAAAAAAAEAAAAAAAAAAEAAACAgIAKAAAAACgAAAAoAAAAZAAAAGQAAAAAAAAAzMzMAAAAAABQAAAAUAAAAGQAAABkAAAAAAAAABcAAAAUAAAAAAAAANwIAAD/fwAA/38AAAAAAAAJAAAABAAAAAAAAAAMAAAAEAAAAAAAAAAAAAAAAAAAAAAAAAAeAAAAaAAAAAAAAAAAAAAAAAAAAAAAAAAAAAAAECcAABAnAAAAAAAAAAAAAAAAAAAAAAAAAAAAAAAAAAAAAAAAAAAAABQAAAAAAAAAwMD/AAAAAABkAAAAMgAAAAAAAABkAAAAAAAAAH9/fwAKAAAAIgAAABgAAAAAAAAAAAAAAAAAAAAAAAAAAAAAAAAAAAAkAAAAJAAAAAAAAAAHAAAAAAAAAAAAAAAAAAAAAAAAAAAAAAAAAAAAf39/ACUAAABYAAAAAAAAAAAAAAAAAAAAAAAAAAAAAAAAAAAAAAAAAAAAAAAAAAAAAAAAAAAAAAA/AAAAAAAAAKCGAQAAAAAAAAAAAAAAAAAMAAAAAQAAAAAAAAAAAAAAAAAAAB8AAABUAAAAu+DjBf///wEAAAAAAAAAAAAAAAAAAAAAAAAAAAAAAAAAAAAAAAAAAAAAAAJ/f38AgICAA8zMzADAwP8Af39/AAAAAAAAAAAAAAAAAAAAAAAAAAAAIQAAABgAAAAUAAAAVAEAAHEAAADfIgAApgIAABAAAAAmAAAACAAAAP//////////"/>
+                <pr:smNativeData xmlns:pr="smNativeData" val="SMDATA_13_4IlQXxMAAAAlAAAAEgAAAA8BAAAAkAAAAEgAAACQAAAASAAAAAAAAAAAAAAAAAAAAAEAAABQAAAAAAAAAAAA4D8AAAAAAADgPwAAAAAAAOA/AAAAAAAA4D8AAAAAAADgPwAAAAAAAOA/AAAAAAAA4D8AAAAAAADgPwAAAAAAAOA/AAAAAAAA4D8CAAAAjAAAAAAAAAAAAAAAu+DjDP///wgAAAAAAAAAAAAAAAAAAAAAAAAAAAAAAAAAAAAAZAAAAAEAAABAAAAAAAAAAAAAAAAAAAAAAAAAAAAAAAAAAAAAAAAAAAAAAAAAAAAAAAAAAAAAAAAAAAAAAAAAAAAAAAAAAAAAAAAAAAAAAAAAAAAAAAAAAAAAAAAAAAAAFAAAADwAAAAAAAAAAAAAAAAAAAkUAAAAAQAAABQAAAAUAAAAFAAAAAEAAAAAAAAAZAAAAGQAAAAAAAAAZAAAAGQAAAAVAAAAYAAAAAAAAAAAAAAADwAAACADAAAAAAAAAAAAAAEAAACgMgAAVgcAAKr4//8BAAAAf39/AAEAAABkAAAAAAAAABQAAABAHwAAAAAAACYAAAAAAAAAwOD//wAAAAAmAAAAZAAAABYAAABMAAAAAAAAAAAAAAAEAAAAAAAAAAEAAACAgIAKAAAAACgAAAAoAAAAZAAAAGQAAAAAAAAAzMzMAAAAAABQAAAAUAAAAGQAAABkAAAAAAAAABcAAAAUAAAAAAAAANwIAAD/fwAA/38AAAAAAAAJAAAABAAAAAAAAAAMAAAAEAAAAAAAAAAAAAAAAAAAAAAAAAAeAAAAaAAAAAAAAAAAAAAAAAAAAAAAAAAAAAAAECcAABAnAAAAAAAAAAAAAAAAAAAAAAAAAAAAAAAAAAAAAAAAAAAAABQAAAAAAAAAwMD/AAAAAABkAAAAMgAAAAAAAABkAAAAAAAAAH9/fwAKAAAAHwAAAFQAAAC74OMF////AQAAAAAAAAAAAAAAAAAAAAAAAAAAAAAAAAAAAAAAAAAAAAAAAn9/fwCAgIADzMzMAMDA/wB/f38AAAAAAAAAAAAAAAAAAAAAAAAAAAAhAAAAGAAAABQAAABUAQAAcQAAAN8iAACmAgAAEAAAACYAAAAIAAAA//////////8="/>
               </a:ext>
             </a:extLst>
           </p:cNvSpPr>
@@ -5084,7 +5060,7 @@
           <a:effectLst/>
         </p:spPr>
         <p:txBody>
-          <a:bodyPr vert="horz" wrap="square" numCol="1" anchor="t"/>
+          <a:bodyPr vert="horz" wrap="square" numCol="1" spcCol="215900" anchor="t"/>
           <a:lstStyle/>
           <a:p>
             <a:pPr>
@@ -5106,7 +5082,7 @@
           <p:cNvSpPr>
             <a:extLst>
               <a:ext uri="smNativeData">
-                <pr:smNativeData xmlns:pr="smNativeData" val="SMDATA_16_PPTaXhMAAAAlAAAAZAAAAA8BAAAAkAAAAEgAAACQAAAASAAAAAAAAAAAAAAAAAAAAAEAAABQAAAAAAAAAAAA4D8AAAAAAADgPwAAAAAAAOA/AAAAAAAA4D8AAAAAAADgPwAAAAAAAOA/AAAAAAAA4D8AAAAAAADgPwAAAAAAAOA/AAAAAAAA4D8CAAAAjAAAAAAAAAAAAAAAwMDAAP///wgAAAAAAAAAAAAAAAAAAAAAAAAAAAAAAAAAAAAAZAAAAAEAAABAAAAAAAAAAAAAAAAAAAAAAAAAAAAAAAAAAAAAAAAAAAAAAAAAAAAAAAAAAAAAAAAAAAAAAAAAAAAAAAAAAAAAAAAAAAAAAAAAAAAAAAAAAAAAAAAAAAAAFAAAADwAAAABAAAAAAAAAH9/fwAUAAAAAQAAABQAAAAUAAAAFAAAAAEAAAAAAAAAZAAAAGQAAAAAAAAAZAAAAGQAAAAVAAAAYAAAAAAAAAAAAAAADwAAACADAAAAAAAAAAAAAAEAAACgMgAAVgcAAKr4//8BAAAAf39/AAEAAABkAAAAAAAAABQAAABAHwAAAAAAACYAAAAAAAAAwOD//wAAAAAmAAAAZAAAABYAAABMAAAAAAAAAAAAAAAEAAAAAAAAAAEAAACAgIAKAAAAACgAAAAoAAAAZAAAAGQAAAAAAAAAzMzMAAAAAABQAAAAUAAAAGQAAABkAAAAAAAAABcAAAAUAAAAAAAAAAAAAAD/fwAA/38AAAAAAAAJAAAABAAAAAAAAAAMAAAAEAAAAAAAAAAAAAAAAAAAAAAAAAAeAAAAaAAAAAAAAAAAAAAAAAAAAAAAAAAAAAAAECcAABAnAAAAAAAAAAAAAAAAAAAAAAAAAAAAAAAAAAAAAAAAAAAAABQAAAAAAAAAwMD/AAAAAABkAAAAMgAAAAAAAABkAAAAAAAAAH9/fwAKAAAAIgAAABgAAAAAAAAAAAAAAAAAAAAAAAAAAAAAAAAAAAAkAAAAJAAAAAAAAAAHAAAAAAAAAAAAAAAAAAAAAAAAAAAAAAAAAAAAf39/ACUAAABYAAAAAAAAAAAAAAAAAAAAAAAAAAAAAAAAAAAAAAAAAAAAAAAAAAAAAAAAAAAAAAA/AAAAAAAAAKCGAQAAAAAAAAAAAAAAAAAMAAAAAQAAAAAAAAAAAAAAAAAAAB8AAABUAAAAwMDAAP///wEAAAAAAAAAAAAAAAAAAAAAAAAAAAAAAAAAAAAAAAAAAH9/fwB/f38AgICAA8zMzADAwP8Af39/AAAAAAAAAAAAAAAAAAAAAAAAAAAAIQAAABgAAAAUAAAANwIAABcDAAChFQAATAUAABAAAAAmAAAACAAAAP//////////"/>
+                <pr:smNativeData xmlns:pr="smNativeData" val="SMDATA_13_4IlQXxMAAAAlAAAAZAAAAA8BAAAAkAAAAEgAAACQAAAASAAAAAAAAAAAAAAAAAAAAAEAAABQAAAAAAAAAAAA4D8AAAAAAADgPwAAAAAAAOA/AAAAAAAA4D8AAAAAAADgPwAAAAAAAOA/AAAAAAAA4D8AAAAAAADgPwAAAAAAAOA/AAAAAAAA4D8CAAAAjAAAAAAAAAAAAAAAwMDAAP///wgAAAAAAAAAAAAAAAAAAAAAAAAAAAAAAAAAAAAAZAAAAAEAAABAAAAAAAAAAAAAAAAAAAAAAAAAAAAAAAAAAAAAAAAAAAAAAAAAAAAAAAAAAAAAAAAAAAAAAAAAAAAAAAAAAAAAAAAAAAAAAAAAAAAAAAAAAAAAAAAAAAAAFAAAADwAAAABAAAAAAAAAH9/fwAUAAAAAQAAABQAAAAUAAAAFAAAAAEAAAAAAAAAZAAAAGQAAAAAAAAAZAAAAGQAAAAVAAAAYAAAAAAAAAAAAAAADwAAACADAAAAAAAAAAAAAAEAAACgMgAAVgcAAKr4//8BAAAAf39/AAEAAABkAAAAAAAAABQAAABAHwAAAAAAACYAAAAAAAAAwOD//wAAAAAmAAAAZAAAABYAAABMAAAAAAAAAAAAAAAEAAAAAAAAAAEAAACAgIAKAAAAACgAAAAoAAAAZAAAAGQAAAAAAAAAzMzMAAAAAABQAAAAUAAAAGQAAABkAAAAAAAAABcAAAAUAAAAAAAAAAAAAAD/fwAA/38AAAAAAAAJAAAABAAAAAAAAAAMAAAAEAAAAAAAAAAAAAAAAAAAAAAAAAAeAAAAaAAAAAAAAAAAAAAAAAAAAAAAAAAAAAAAECcAABAnAAAAAAAAAAAAAAAAAAAAAAAAAAAAAAAAAAAAAAAAAAAAABQAAAAAAAAAwMD/AAAAAABkAAAAMgAAAAAAAABkAAAAAAAAAH9/fwAKAAAAHwAAAFQAAADAwMAA////AQAAAAAAAAAAAAAAAAAAAAAAAAAAAAAAAAAAAAAAAAAAf39/AH9/fwCAgIADzMzMAMDA/wB/f38AAAAAAAAAAAAAAAAAAAAAAAAAAAAhAAAAGAAAABQAAAA3AgAAFwMAAKEVAABMBQAAEAAAACYAAAAIAAAA//////////8="/>
               </a:ext>
             </a:extLst>
           </p:cNvSpPr>
@@ -5138,7 +5114,7 @@
           <p:cNvSpPr>
             <a:extLst>
               <a:ext uri="smNativeData">
-                <pr:smNativeData xmlns:pr="smNativeData" val="SMDATA_16_PPTaXhMAAAAlAAAAZAAAAA8BAAAAkAAAAEgAAACQAAAASAAAAAAAAAAAAAAAAAAAAAEAAABQAAAAAAAAAAAA4D8AAAAAAADgPwAAAAAAAOA/AAAAAAAA4D8AAAAAAADgPwAAAAAAAOA/AAAAAAAA4D8AAAAAAADgPwAAAAAAAOA/AAAAAAAA4D8CAAAAjAAAAAAAAAAAAAAAwMDAAP///wgAAAAAAAAAAAAAAAAAAAAAAAAAAAAAAAAAAAAAZAAAAAEAAABAAAAAAAAAAAAAAAAAAAAAAAAAAAAAAAAAAAAAAAAAAAAAAAAAAAAAAAAAAAAAAAAAAAAAAAAAAAAAAAAAAAAAAAAAAAAAAAAAAAAAAAAAAAAAAAAAAAAAFAAAADwAAAABAAAAAAAAAH9/fwAUAAAAAQAAABQAAAAUAAAAFAAAAAEAAAAAAAAAZAAAAGQAAAAAAAAAZAAAAGQAAAAVAAAAYAAAAAAAAAAAAAAADwAAACADAAAAAAAAAAAAAAEAAACgMgAAVgcAAKr4//8BAAAAf39/AAEAAABkAAAAAAAAABQAAABAHwAAAAAAACYAAAAAAAAAwOD//wAAAAAmAAAAZAAAABYAAABMAAAAAAAAAAAAAAAEAAAAAAAAAAEAAACAgIAKAAAAACgAAAAoAAAAZAAAAGQAAAAAAAAAzMzMAAAAAABQAAAAUAAAAGQAAABkAAAAAAAAABcAAAAUAAAAAAAAAAAAAAD/fwAA/38AAAAAAAAJAAAABAAAAAAAAAAMAAAAEAAAAAAAAAAAAAAAAAAAAAAAAAAeAAAAaAAAAAAAAAAAAAAAAAAAAAAAAAAAAAAAECcAABAnAAAAAAAAAAAAAAAAAAAAAAAAAAAAAAAAAAAAAAAAAAAAABQAAAAAAAAAwMD/AAAAAABkAAAAMgAAAAAAAABkAAAAAAAAAH9/fwAKAAAAIgAAABgAAAAAAAAAAAAAAAAAAAAAAAAAAAAAAAAAAAAkAAAAJAAAAAAAAAAHAAAAAAAAAAAAAAAAAAAAAAAAAAAAAAAAAAAAf39/ACUAAABYAAAAAAAAAAAAAAAAAAAAAAAAAAAAAAAAAAAAAAAAAAAAAAAAAAAAAAAAAAAAAAA/AAAAAAAAAKCGAQAAAAAAAAAAAAAAAAAMAAAAAQAAAAAAAAAAAAAAAAAAAB8AAABUAAAAwMDAAP///wEAAAAAAAAAAAAAAAAAAAAAAAAAAAAAAAAAAAAAAAAAAH9/fwB/f38AgICAA8zMzADAwP8Af39/AAAAAAAAAAAAAAAAAAAAAAAAAAAAIQAAABgAAAAUAAAANwIAAEwFAAChFQAAfBoAABAAAAAmAAAACAAAAP//////////"/>
+                <pr:smNativeData xmlns:pr="smNativeData" val="SMDATA_13_4IlQXxMAAAAlAAAAZAAAAA8BAAAAkAAAAEgAAACQAAAASAAAAAAAAAAAAAAAAAAAAAEAAABQAAAAAAAAAAAA4D8AAAAAAADgPwAAAAAAAOA/AAAAAAAA4D8AAAAAAADgPwAAAAAAAOA/AAAAAAAA4D8AAAAAAADgPwAAAAAAAOA/AAAAAAAA4D8CAAAAjAAAAAAAAAAAAAAAwMDAAP///wgAAAAAAAAAAAAAAAAAAAAAAAAAAAAAAAAAAAAAZAAAAAEAAABAAAAAAAAAAAAAAAAAAAAAAAAAAAAAAAAAAAAAAAAAAAAAAAAAAAAAAAAAAAAAAAAAAAAAAAAAAAAAAAAAAAAAAAAAAAAAAAAAAAAAAAAAAAAAAAAAAAAAFAAAADwAAAABAAAAAAAAAH9/fwAUAAAAAQAAABQAAAAUAAAAFAAAAAEAAAAAAAAAZAAAAGQAAAAAAAAAZAAAAGQAAAAVAAAAYAAAAAAAAAAAAAAADwAAACADAAAAAAAAAAAAAAEAAACgMgAAVgcAAKr4//8BAAAAf39/AAEAAABkAAAAAAAAABQAAABAHwAAAAAAACYAAAAAAAAAwOD//wAAAAAmAAAAZAAAABYAAABMAAAAAAAAAAAAAAAEAAAAAAAAAAEAAACAgIAKAAAAACgAAAAoAAAAZAAAAGQAAAAAAAAAzMzMAAAAAABQAAAAUAAAAGQAAABkAAAAAAAAABcAAAAUAAAAAAAAAAAAAAD/fwAA/38AAAAAAAAJAAAABAAAAAAAAAAMAAAAEAAAAAAAAAAAAAAAAAAAAAAAAAAeAAAAaAAAAAAAAAAAAAAAAAAAAAAAAAAAAAAAECcAABAnAAAAAAAAAAAAAAAAAAAAAAAAAAAAAAAAAAAAAAAAAAAAABQAAAAAAAAAwMD/AAAAAABkAAAAMgAAAAAAAABkAAAAAAAAAH9/fwAKAAAAHwAAAFQAAADAwMAA////AQAAAAAAAAAAAAAAAAAAAAAAAAAAAAAAAAAAAAAAAAAAf39/AH9/fwCAgIADzMzMAMDA/wB/f38AAAAAAAAAAAAAAAAAAAAAAAAAAAAhAAAAGAAAABQAAAA3AgAATAUAAKEVAAB8GgAAEAAAACYAAAAIAAAA//////////8="/>
               </a:ext>
             </a:extLst>
           </p:cNvSpPr>
@@ -5170,7 +5146,7 @@
           <p:cNvSpPr>
             <a:extLst>
               <a:ext uri="smNativeData">
-                <pr:smNativeData xmlns:pr="smNativeData" val="SMDATA_16_PPTaXhMAAAAlAAAAZAAAAA8BAAAAkAAAAEgAAACQAAAASAAAAAAAAAAAAAAAAAAAAAEAAABQAAAAAAAAAAAA4D8AAAAAAADgPwAAAAAAAOA/AAAAAAAA4D8AAAAAAADgPwAAAAAAAOA/AAAAAAAA4D8AAAAAAADgPwAAAAAAAOA/AAAAAAAA4D8CAAAAjAAAAAAAAAAAAAAAwMDAAP///wgAAAAAAAAAAAAAAAAAAAAAAAAAAAAAAAAAAAAAZAAAAAEAAABAAAAAAAAAAAAAAAAAAAAAAAAAAAAAAAAAAAAAAAAAAAAAAAAAAAAAAAAAAAAAAAAAAAAAAAAAAAAAAAAAAAAAAAAAAAAAAAAAAAAAAAAAAAAAAAAAAAAAFAAAADwAAAABAAAAAAAAAH9/fwAUAAAAAQAAABQAAAAUAAAAFAAAAAEAAAAAAAAAZAAAAGQAAAAAAAAAZAAAAGQAAAAVAAAAYAAAAAAAAAAAAAAADwAAACADAAAAAAAAAAAAAAEAAACgMgAAVgcAAKr4//8BAAAAf39/AAEAAABkAAAAAAAAABQAAABAHwAAAAAAACYAAAAAAAAAwOD//wAAAAAmAAAAZAAAABYAAABMAAAAAAAAAAAAAAAEAAAAAAAAAAEAAACAgIAKAAAAACgAAAAoAAAAZAAAAGQAAAAAAAAAzMzMAAAAAABQAAAAUAAAAGQAAABkAAAAAAAAABcAAAAUAAAAAAAAAAAAAAD/fwAA/38AAAAAAAAJAAAABAAAAAAAAAAMAAAAEAAAAAAAAAAAAAAAAAAAAAAAAAAeAAAAaAAAAAAAAAAAAAAAAAAAAAAAAAAAAAAAECcAABAnAAAAAAAAAAAAAAAAAAAAAAAAAAAAAAAAAAAAAAAAAAAAABQAAAAAAAAAwMD/AAAAAABkAAAAMgAAAAAAAABkAAAAAAAAAH9/fwAKAAAAIgAAABgAAAAAAAAAAAAAAAAAAAAAAAAAAAAAAAAAAAAkAAAAJAAAAAAAAAAHAAAAAAAAAAAAAAAAAAAAAAAAAAAAAAAAAAAAf39/ACUAAABYAAAAAAAAAAAAAAAAAAAAAAAAAAAAAAAAAAAAAAAAAAAAAAAAAAAAAAAAAAAAAAA/AAAAAAAAAKCGAQAAAAAAAAAAAAAAAAAMAAAAAQAAAAAAAAAAAAAAAAAAAB8AAABUAAAAwMDAAP///wEAAAAAAAAAAAAAAAAAAAAAAAAAAAAAAAAAAAAAAAAAAH9/fwB/f38AgICAA8zMzADAwP8Af39/AAAAAAAAAAAAAAAAAAAAAAAAAAAAIQAAABgAAAAUAAAAoRUAABcDAAC6JwAATAUAABAAAAAmAAAACAAAAP//////////"/>
+                <pr:smNativeData xmlns:pr="smNativeData" val="SMDATA_13_4IlQXxMAAAAlAAAAZAAAAA8BAAAAkAAAAEgAAACQAAAASAAAAAAAAAAAAAAAAAAAAAEAAABQAAAAAAAAAAAA4D8AAAAAAADgPwAAAAAAAOA/AAAAAAAA4D8AAAAAAADgPwAAAAAAAOA/AAAAAAAA4D8AAAAAAADgPwAAAAAAAOA/AAAAAAAA4D8CAAAAjAAAAAAAAAAAAAAAwMDAAP///wgAAAAAAAAAAAAAAAAAAAAAAAAAAAAAAAAAAAAAZAAAAAEAAABAAAAAAAAAAAAAAAAAAAAAAAAAAAAAAAAAAAAAAAAAAAAAAAAAAAAAAAAAAAAAAAAAAAAAAAAAAAAAAAAAAAAAAAAAAAAAAAAAAAAAAAAAAAAAAAAAAAAAFAAAADwAAAABAAAAAAAAAH9/fwAUAAAAAQAAABQAAAAUAAAAFAAAAAEAAAAAAAAAZAAAAGQAAAAAAAAAZAAAAGQAAAAVAAAAYAAAAAAAAAAAAAAADwAAACADAAAAAAAAAAAAAAEAAACgMgAAVgcAAKr4//8BAAAAf39/AAEAAABkAAAAAAAAABQAAABAHwAAAAAAACYAAAAAAAAAwOD//wAAAAAmAAAAZAAAABYAAABMAAAAAAAAAAAAAAAEAAAAAAAAAAEAAACAgIAKAAAAACgAAAAoAAAAZAAAAGQAAAAAAAAAzMzMAAAAAABQAAAAUAAAAGQAAABkAAAAAAAAABcAAAAUAAAAAAAAAAAAAAD/fwAA/38AAAAAAAAJAAAABAAAAAAAAAAMAAAAEAAAAAAAAAAAAAAAAAAAAAAAAAAeAAAAaAAAAAAAAAAAAAAAAAAAAAAAAAAAAAAAECcAABAnAAAAAAAAAAAAAAAAAAAAAAAAAAAAAAAAAAAAAAAAAAAAABQAAAAAAAAAwMD/AAAAAABkAAAAMgAAAAAAAABkAAAAAAAAAH9/fwAKAAAAHwAAAFQAAADAwMAA////AQAAAAAAAAAAAAAAAAAAAAAAAAAAAAAAAAAAAAAAAAAAf39/AH9/fwCAgIADzMzMAMDA/wB/f38AAAAAAAAAAAAAAAAAAAAAAAAAAAAhAAAAGAAAABQAAAChFQAAFwMAALonAABMBQAAEAAAACYAAAAIAAAA//////////8="/>
               </a:ext>
             </a:extLst>
           </p:cNvSpPr>
@@ -5202,7 +5178,7 @@
           <p:cNvSpPr>
             <a:extLst>
               <a:ext uri="smNativeData">
-                <pr:smNativeData xmlns:pr="smNativeData" val="SMDATA_16_PPTaXhMAAAAlAAAAZAAAAA8BAAAAkAAAAEgAAACQAAAASAAAAAAAAAAAAAAAAAAAAAEAAABQAAAAAAAAAAAA4D8AAAAAAADgPwAAAAAAAOA/AAAAAAAA4D8AAAAAAADgPwAAAAAAAOA/AAAAAAAA4D8AAAAAAADgPwAAAAAAAOA/AAAAAAAA4D8CAAAAjAAAAAAAAAAAAAAAwMDAAP///wgAAAAAAAAAAAAAAAAAAAAAAAAAAAAAAAAAAAAAZAAAAAEAAABAAAAAAAAAAAAAAAAAAAAAAAAAAAAAAAAAAAAAAAAAAAAAAAAAAAAAAAAAAAAAAAAAAAAAAAAAAAAAAAAAAAAAAAAAAAAAAAAAAAAAAAAAAAAAAAAAAAAAFAAAADwAAAABAAAAAAAAAH9/fwAUAAAAAQAAABQAAAAUAAAAFAAAAAEAAAAAAAAAZAAAAGQAAAAAAAAAZAAAAGQAAAAVAAAAYAAAAAAAAAAAAAAADwAAACADAAAAAAAAAAAAAAEAAACgMgAAVgcAAKr4//8BAAAAf39/AAEAAABkAAAAAAAAABQAAABAHwAAAAAAACYAAAAAAAAAwOD//wAAAAAmAAAAZAAAABYAAABMAAAAAAAAAAAAAAAEAAAAAAAAAAEAAACAgIAKAAAAACgAAAAoAAAAZAAAAGQAAAAAAAAAzMzMAAAAAABQAAAAUAAAAGQAAABkAAAAAAAAABcAAAAUAAAAAAAAAAAAAAD/fwAA/38AAAAAAAAJAAAABAAAAAAAAAAMAAAAEAAAAAAAAAAAAAAAAAAAAAAAAAAeAAAAaAAAAAAAAAAAAAAAAAAAAAAAAAAAAAAAECcAABAnAAAAAAAAAAAAAAAAAAAAAAAAAAAAAAAAAAAAAAAAAAAAABQAAAAAAAAAwMD/AAAAAABkAAAAMgAAAAAAAABkAAAAAAAAAH9/fwAKAAAAIgAAABgAAAAAAAAAAAAAAAAAAAAAAAAAAAAAAAAAAAAkAAAAJAAAAAAAAAAHAAAAAAAAAAAAAAAAAAAAAAAAAAAAAAAAAAAAf39/ACUAAABYAAAAAAAAAAAAAAAAAAAAAAAAAAAAAAAAAAAAAAAAAAAAAAAAAAAAAAAAAAAAAAA/AAAAAAAAAKCGAQAAAAAAAAAAAAAAAAAMAAAAAQAAAAAAAAAAAAAAAAAAAB8AAABUAAAAwMDAAP///wEAAAAAAAAAAAAAAAAAAAAAAAAAAAAAAAAAAAAAAAAAAH9/fwB/f38AgICAA8zMzADAwP8Af39/AAAAAAAAAAAAAAAAAAAAAAAAAAAAIQAAABgAAAAUAAAAoRUAAEwFAAC6JwAAfBoAABAAAAAmAAAACAAAAP//////////"/>
+                <pr:smNativeData xmlns:pr="smNativeData" val="SMDATA_13_4IlQXxMAAAAlAAAAZAAAAA8BAAAAkAAAAEgAAACQAAAASAAAAAAAAAAAAAAAAAAAAAEAAABQAAAAAAAAAAAA4D8AAAAAAADgPwAAAAAAAOA/AAAAAAAA4D8AAAAAAADgPwAAAAAAAOA/AAAAAAAA4D8AAAAAAADgPwAAAAAAAOA/AAAAAAAA4D8CAAAAjAAAAAAAAAAAAAAAwMDAAP///wgAAAAAAAAAAAAAAAAAAAAAAAAAAAAAAAAAAAAAZAAAAAEAAABAAAAAAAAAAAAAAAAAAAAAAAAAAAAAAAAAAAAAAAAAAAAAAAAAAAAAAAAAAAAAAAAAAAAAAAAAAAAAAAAAAAAAAAAAAAAAAAAAAAAAAAAAAAAAAAAAAAAAFAAAADwAAAABAAAAAAAAAH9/fwAUAAAAAQAAABQAAAAUAAAAFAAAAAEAAAAAAAAAZAAAAGQAAAAAAAAAZAAAAGQAAAAVAAAAYAAAAAAAAAAAAAAADwAAACADAAAAAAAAAAAAAAEAAACgMgAAVgcAAKr4//8BAAAAf39/AAEAAABkAAAAAAAAABQAAABAHwAAAAAAACYAAAAAAAAAwOD//wAAAAAmAAAAZAAAABYAAABMAAAAAAAAAAAAAAAEAAAAAAAAAAEAAACAgIAKAAAAACgAAAAoAAAAZAAAAGQAAAAAAAAAzMzMAAAAAABQAAAAUAAAAGQAAABkAAAAAAAAABcAAAAUAAAAAAAAAAAAAAD/fwAA/38AAAAAAAAJAAAABAAAAAAAAAAMAAAAEAAAAAAAAAAAAAAAAAAAAAAAAAAeAAAAaAAAAAAAAAAAAAAAAAAAAAAAAAAAAAAAECcAABAnAAAAAAAAAAAAAAAAAAAAAAAAAAAAAAAAAAAAAAAAAAAAABQAAAAAAAAAwMD/AAAAAABkAAAAMgAAAAAAAABkAAAAAAAAAH9/fwAKAAAAHwAAAFQAAADAwMAA////AQAAAAAAAAAAAAAAAAAAAAAAAAAAAAAAAAAAAAAAAAAAf39/AH9/fwCAgIADzMzMAMDA/wB/f38AAAAAAAAAAAAAAAAAAAAAAAAAAAAhAAAAGAAAABQAAAChFQAATAUAALonAAB8GgAAEAAAACYAAAAIAAAA//////////8="/>
               </a:ext>
             </a:extLst>
           </p:cNvSpPr>
@@ -5234,7 +5210,7 @@
           <p:cNvSpPr>
             <a:extLst>
               <a:ext uri="smNativeData">
-                <pr:smNativeData xmlns:pr="smNativeData" val="SMDATA_16_PPTaXhMAAAAlAAAAZAAAAA8BAAAAkAAAAEgAAACQAAAASAAAAAAAAAAAAAAAAAAAAAEAAABQAAAAAAAAAAAA4D8AAAAAAADgPwAAAAAAAOA/AAAAAAAA4D8AAAAAAADgPwAAAAAAAOA/AAAAAAAA4D8AAAAAAADgPwAAAAAAAOA/AAAAAAAA4D8CAAAAjAAAAAAAAAAAAAAAwMDAAP///wgAAAAAAAAAAAAAAAAAAAAAAAAAAAAAAAAAAAAAZAAAAAEAAABAAAAAAAAAAAAAAAAAAAAAAAAAAAAAAAAAAAAAAAAAAAAAAAAAAAAAAAAAAAAAAAAAAAAAAAAAAAAAAAAAAAAAAAAAAAAAAAAAAAAAAAAAAAAAAAAAAAAAFAAAADwAAAABAAAAAAAAAH9/fwAUAAAAAQAAABQAAAAUAAAAFAAAAAEAAAAAAAAAZAAAAGQAAAAAAAAAZAAAAGQAAAAVAAAAYAAAAAAAAAAAAAAADwAAACADAAAAAAAAAAAAAAEAAACgMgAAVgcAAKr4//8BAAAAf39/AAEAAABkAAAAAAAAABQAAABAHwAAAAAAACYAAAAAAAAAwOD//wAAAAAmAAAAZAAAABYAAABMAAAAAAAAAAAAAAAEAAAAAAAAAAEAAACAgIAKAAAAACgAAAAoAAAAZAAAAGQAAAAAAAAAzMzMAAAAAABQAAAAUAAAAGQAAABkAAAAAAAAABcAAAAUAAAAAAAAAAAAAAD/fwAA/38AAAAAAAAJAAAABAAAAAAAAAAMAAAAEAAAAAAAAAAAAAAAAAAAAAAAAAAeAAAAaAAAAAAAAAAAAAAAAAAAAAAAAAAAAAAAECcAABAnAAAAAAAAAAAAAAAAAAAAAAAAAAAAAAAAAAAAAAAAAAAAABQAAAAAAAAAwMD/AAAAAABkAAAAMgAAAAAAAABkAAAAAAAAAH9/fwAKAAAAIgAAABgAAAAAAAAAAAAAAAAAAAAAAAAAAAAAAAAAAAAkAAAAJAAAAAAAAAAHAAAAAAAAAAAAAAAAAAAAAAAAAAAAAAAAAAAAf39/ACUAAABYAAAAAAAAAAAAAAAAAAAAAAAAAAAAAAAAAAAAAAAAAAAAAAAAAAAAAAAAAAAAAAA/AAAAAAAAAKCGAQAAAAAAAAAAAAAAAAAMAAAAAQAAAAAAAAAAAAAAAAAAAB8AAABUAAAAwMDAAP///wEAAAAAAAAAAAAAAAAAAAAAAAAAAAAAAAAAAAAAAAAAAH9/fwB/f38AgICAA8zMzADAwP8Af39/AAAAAAAAAAAAAAAAAAAAAAAAAAAAIQAAABgAAAAUAAAAuicAABcDAAAtNwAATAUAABAAAAAmAAAACAAAAP//////////"/>
+                <pr:smNativeData xmlns:pr="smNativeData" val="SMDATA_13_4IlQXxMAAAAlAAAAZAAAAA8BAAAAkAAAAEgAAACQAAAASAAAAAAAAAAAAAAAAAAAAAEAAABQAAAAAAAAAAAA4D8AAAAAAADgPwAAAAAAAOA/AAAAAAAA4D8AAAAAAADgPwAAAAAAAOA/AAAAAAAA4D8AAAAAAADgPwAAAAAAAOA/AAAAAAAA4D8CAAAAjAAAAAAAAAAAAAAAwMDAAP///wgAAAAAAAAAAAAAAAAAAAAAAAAAAAAAAAAAAAAAZAAAAAEAAABAAAAAAAAAAAAAAAAAAAAAAAAAAAAAAAAAAAAAAAAAAAAAAAAAAAAAAAAAAAAAAAAAAAAAAAAAAAAAAAAAAAAAAAAAAAAAAAAAAAAAAAAAAAAAAAAAAAAAFAAAADwAAAABAAAAAAAAAH9/fwAUAAAAAQAAABQAAAAUAAAAFAAAAAEAAAAAAAAAZAAAAGQAAAAAAAAAZAAAAGQAAAAVAAAAYAAAAAAAAAAAAAAADwAAACADAAAAAAAAAAAAAAEAAACgMgAAVgcAAKr4//8BAAAAf39/AAEAAABkAAAAAAAAABQAAABAHwAAAAAAACYAAAAAAAAAwOD//wAAAAAmAAAAZAAAABYAAABMAAAAAAAAAAAAAAAEAAAAAAAAAAEAAACAgIAKAAAAACgAAAAoAAAAZAAAAGQAAAAAAAAAzMzMAAAAAABQAAAAUAAAAGQAAABkAAAAAAAAABcAAAAUAAAAAAAAAAAAAAD/fwAA/38AAAAAAAAJAAAABAAAAAAAAAAMAAAAEAAAAAAAAAAAAAAAAAAAAAAAAAAeAAAAaAAAAAAAAAAAAAAAAAAAAAAAAAAAAAAAECcAABAnAAAAAAAAAAAAAAAAAAAAAAAAAAAAAAAAAAAAAAAAAAAAABQAAAAAAAAAwMD/AAAAAABkAAAAMgAAAAAAAABkAAAAAAAAAH9/fwAKAAAAHwAAAFQAAADAwMAA////AQAAAAAAAAAAAAAAAAAAAAAAAAAAAAAAAAAAAAAAAAAAf39/AH9/fwCAgIADzMzMAMDA/wB/f38AAAAAAAAAAAAAAAAAAAAAAAAAAAAhAAAAGAAAABQAAAC6JwAAFwMAAC03AABMBQAAEAAAACYAAAAIAAAA//////////8="/>
               </a:ext>
             </a:extLst>
           </p:cNvSpPr>
@@ -5266,7 +5242,7 @@
           <p:cNvSpPr>
             <a:extLst>
               <a:ext uri="smNativeData">
-                <pr:smNativeData xmlns:pr="smNativeData" val="SMDATA_16_PPTaXhMAAAAlAAAAZAAAAA8BAAAAkAAAAEgAAACQAAAASAAAAAAAAAAAAAAAAAAAAAEAAABQAAAAAAAAAAAA4D8AAAAAAADgPwAAAAAAAOA/AAAAAAAA4D8AAAAAAADgPwAAAAAAAOA/AAAAAAAA4D8AAAAAAADgPwAAAAAAAOA/AAAAAAAA4D8CAAAAjAAAAAAAAAAAAAAAwMDAAP///wgAAAAAAAAAAAAAAAAAAAAAAAAAAAAAAAAAAAAAZAAAAAEAAABAAAAAAAAAAAAAAAAAAAAAAAAAAAAAAAAAAAAAAAAAAAAAAAAAAAAAAAAAAAAAAAAAAAAAAAAAAAAAAAAAAAAAAAAAAAAAAAAAAAAAAAAAAAAAAAAAAAAAFAAAADwAAAABAAAAAAAAAH9/fwAUAAAAAQAAABQAAAAUAAAAFAAAAAEAAAAAAAAAZAAAAGQAAAAAAAAAZAAAAGQAAAAVAAAAYAAAAAAAAAAAAAAADwAAACADAAAAAAAAAAAAAAEAAACgMgAAVgcAAKr4//8BAAAAf39/AAEAAABkAAAAAAAAABQAAABAHwAAAAAAACYAAAAAAAAAwOD//wAAAAAmAAAAZAAAABYAAABMAAAAAAAAAAAAAAAEAAAAAAAAAAEAAACAgIAKAAAAACgAAAAoAAAAZAAAAGQAAAAAAAAAzMzMAAAAAABQAAAAUAAAAGQAAABkAAAAAAAAABcAAAAUAAAAAAAAAAAAAAD/fwAA/38AAAAAAAAJAAAABAAAAAAAAAAMAAAAEAAAAAAAAAAAAAAAAAAAAAAAAAAeAAAAaAAAAAAAAAAAAAAAAAAAAAAAAAAAAAAAECcAABAnAAAAAAAAAAAAAAAAAAAAAAAAAAAAAAAAAAAAAAAAAAAAABQAAAAAAAAAwMD/AAAAAABkAAAAMgAAAAAAAABkAAAAAAAAAH9/fwAKAAAAIgAAABgAAAAAAAAAAAAAAAAAAAAAAAAAAAAAAAAAAAAkAAAAJAAAAAAAAAAHAAAAAAAAAAAAAAAAAAAAAAAAAAAAAAAAAAAAf39/ACUAAABYAAAAAAAAAAAAAAAAAAAAAAAAAAAAAAAAAAAAAAAAAAAAAAAAAAAAAAAAAAAAAAA/AAAAAAAAAKCGAQAAAAAAAAAAAAAAAAAMAAAAAQAAAAAAAAAAAAAAAAAAAB8AAABUAAAAwMDAAP///wEAAAAAAAAAAAAAAAAAAAAAAAAAAAAAAAAAAAAAAAAAAH9/fwB/f38AgICAA8zMzADAwP8Af39/AAAAAAAAAAAAAAAAAAAAAAAAAAAAIQAAABgAAAAUAAAAuicAAEwFAAAtNwAA9BYAABAAAAAmAAAACAAAAP//////////"/>
+                <pr:smNativeData xmlns:pr="smNativeData" val="SMDATA_13_4IlQXxMAAAAlAAAAZAAAAA8BAAAAkAAAAEgAAACQAAAASAAAAAAAAAAAAAAAAAAAAAEAAABQAAAAAAAAAAAA4D8AAAAAAADgPwAAAAAAAOA/AAAAAAAA4D8AAAAAAADgPwAAAAAAAOA/AAAAAAAA4D8AAAAAAADgPwAAAAAAAOA/AAAAAAAA4D8CAAAAjAAAAAAAAAAAAAAAwMDAAP///wgAAAAAAAAAAAAAAAAAAAAAAAAAAAAAAAAAAAAAZAAAAAEAAABAAAAAAAAAAAAAAAAAAAAAAAAAAAAAAAAAAAAAAAAAAAAAAAAAAAAAAAAAAAAAAAAAAAAAAAAAAAAAAAAAAAAAAAAAAAAAAAAAAAAAAAAAAAAAAAAAAAAAFAAAADwAAAABAAAAAAAAAH9/fwAUAAAAAQAAABQAAAAUAAAAFAAAAAEAAAAAAAAAZAAAAGQAAAAAAAAAZAAAAGQAAAAVAAAAYAAAAAAAAAAAAAAADwAAACADAAAAAAAAAAAAAAEAAACgMgAAVgcAAKr4//8BAAAAf39/AAEAAABkAAAAAAAAABQAAABAHwAAAAAAACYAAAAAAAAAwOD//wAAAAAmAAAAZAAAABYAAABMAAAAAAAAAAAAAAAEAAAAAAAAAAEAAACAgIAKAAAAACgAAAAoAAAAZAAAAGQAAAAAAAAAzMzMAAAAAABQAAAAUAAAAGQAAABkAAAAAAAAABcAAAAUAAAAAAAAAAAAAAD/fwAA/38AAAAAAAAJAAAABAAAAAAAAAAMAAAAEAAAAAAAAAAAAAAAAAAAAAAAAAAeAAAAaAAAAAAAAAAAAAAAAAAAAAAAAAAAAAAAECcAABAnAAAAAAAAAAAAAAAAAAAAAAAAAAAAAAAAAAAAAAAAAAAAABQAAAAAAAAAwMD/AAAAAABkAAAAMgAAAAAAAABkAAAAAAAAAH9/fwAKAAAAHwAAAFQAAADAwMAA////AQAAAAAAAAAAAAAAAAAAAAAAAAAAAAAAAAAAAAAAAAAAf39/AH9/fwCAgIADzMzMAMDA/wB/f38AAAAAAAAAAAAAAAAAAAAAAAAAAAAhAAAAGAAAABQAAAC6JwAATAUAAC03AAD0FgAAEAAAACYAAAAIAAAA//////////8="/>
               </a:ext>
             </a:extLst>
           </p:cNvSpPr>
@@ -5298,7 +5274,7 @@
           <p:cNvSpPr>
             <a:extLst>
               <a:ext uri="smNativeData">
-                <pr:smNativeData xmlns:pr="smNativeData" val="SMDATA_16_PPTaXhMAAAAlAAAAZAAAAA8BAAAAkAAAAEgAAACQAAAASAAAAAAAAAAAAAAAAAAAAAEAAABQAAAAAAAAAAAA4D8AAAAAAADgPwAAAAAAAOA/AAAAAAAA4D8AAAAAAADgPwAAAAAAAOA/AAAAAAAA4D8AAAAAAADgPwAAAAAAAOA/AAAAAAAA4D8CAAAAjAAAAAAAAAAAAAAAwMDAAP///wgAAAAAAAAAAAAAAAAAAAAAAAAAAAAAAAAAAAAAZAAAAAEAAABAAAAAAAAAAAAAAAAAAAAAAAAAAAAAAAAAAAAAAAAAAAAAAAAAAAAAAAAAAAAAAAAAAAAAAAAAAAAAAAAAAAAAAAAAAAAAAAAAAAAAAAAAAAAAAAAAAAAAFAAAADwAAAABAAAAAAAAAH9/fwAUAAAAAQAAABQAAAAUAAAAFAAAAAEAAAAAAAAAZAAAAGQAAAAAAAAAZAAAAGQAAAAVAAAAYAAAAAAAAAAAAAAADwAAACADAAAAAAAAAAAAAAEAAACgMgAAVgcAAKr4//8BAAAAf39/AAEAAABkAAAAAAAAABQAAABAHwAAAAAAACYAAAAAAAAAwOD//wAAAAAmAAAAZAAAABYAAABMAAAAAAAAAAAAAAAEAAAAAAAAAAEAAACAgIAKAAAAACgAAAAoAAAAZAAAAGQAAAAAAAAAzMzMAAAAAABQAAAAUAAAAGQAAABkAAAAAAAAABcAAAAUAAAAAAAAAAAAAAD/fwAA/38AAAAAAAAJAAAABAAAAAAAAAAMAAAAEAAAAAAAAAAAAAAAAAAAAAAAAAAeAAAAaAAAAAAAAAAAAAAAAAAAAAAAAAAAAAAAECcAABAnAAAAAAAAAAAAAAAAAAAAAAAAAAAAAAAAAAAAAAAAAAAAABQAAAAAAAAAwMD/AAAAAABkAAAAMgAAAAAAAABkAAAAAAAAAH9/fwAKAAAAIgAAABgAAAAAAAAAAAAAAAAAAAAAAAAAAAAAAAAAAAAkAAAAJAAAAAAAAAAHAAAAAAAAAAAAAAAAAAAAAAAAAAAAAAAAAAAAf39/ACUAAABYAAAAAAAAAAAAAAAAAAAAAAAAAAAAAAAAAAAAAAAAAAAAAAAAAAAAAAAAAAAAAAA/AAAAAAAAAKCGAQAAAAAAAAAAAAAAAAAMAAAAAQAAAAAAAAAAAAAAAAAAAB8AAABUAAAAwMDAAP///wEAAAAAAAAAAAAAAAAAAAAAAAAAAAAAAAAAAAAAAAAAAH9/fwB/f38AgICAA8zMzADAwP8Af39/AAAAAAAAAAAAAAAAAAAAAAAAAAAAIQAAABgAAAAUAAAAqBEAAIsaAAD9IQAAuicAABAAAAAmAAAACAAAAP//////////"/>
+                <pr:smNativeData xmlns:pr="smNativeData" val="SMDATA_13_4IlQXxMAAAAlAAAAZAAAAA8BAAAAkAAAAEgAAACQAAAASAAAAAAAAAAAAAAAAAAAAAEAAABQAAAAAAAAAAAA4D8AAAAAAADgPwAAAAAAAOA/AAAAAAAA4D8AAAAAAADgPwAAAAAAAOA/AAAAAAAA4D8AAAAAAADgPwAAAAAAAOA/AAAAAAAA4D8CAAAAjAAAAAAAAAAAAAAAwMDAAP///wgAAAAAAAAAAAAAAAAAAAAAAAAAAAAAAAAAAAAAZAAAAAEAAABAAAAAAAAAAAAAAAAAAAAAAAAAAAAAAAAAAAAAAAAAAAAAAAAAAAAAAAAAAAAAAAAAAAAAAAAAAAAAAAAAAAAAAAAAAAAAAAAAAAAAAAAAAAAAAAAAAAAAFAAAADwAAAABAAAAAAAAAH9/fwAUAAAAAQAAABQAAAAUAAAAFAAAAAEAAAAAAAAAZAAAAGQAAAAAAAAAZAAAAGQAAAAVAAAAYAAAAAAAAAAAAAAADwAAACADAAAAAAAAAAAAAAEAAACgMgAAVgcAAKr4//8BAAAAf39/AAEAAABkAAAAAAAAABQAAABAHwAAAAAAACYAAAAAAAAAwOD//wAAAAAmAAAAZAAAABYAAABMAAAAAAAAAAAAAAAEAAAAAAAAAAEAAACAgIAKAAAAACgAAAAoAAAAZAAAAGQAAAAAAAAAzMzMAAAAAABQAAAAUAAAAGQAAABkAAAAAAAAABcAAAAUAAAAAAAAAAAAAAD/fwAA/38AAAAAAAAJAAAABAAAAAAAAAAMAAAAEAAAAAAAAAAAAAAAAAAAAAAAAAAeAAAAaAAAAAAAAAAAAAAAAAAAAAAAAAAAAAAAECcAABAnAAAAAAAAAAAAAAAAAAAAAAAAAAAAAAAAAAAAAAAAAAAAABQAAAAAAAAAwMD/AAAAAABkAAAAMgAAAAAAAABkAAAAAAAAAH9/fwAKAAAAHwAAAFQAAADAwMAA////AQAAAAAAAAAAAAAAAAAAAAAAAAAAAAAAAAAAAAAAAAAAf39/AH9/fwCAgIADzMzMAMDA/wB/f38AAAAAAAAAAAAAAAAAAAAAAAAAAAAhAAAAGAAAABQAAACoEQAAixoAAP0hAAC6JwAAEAAAACYAAAAIAAAA//////////8="/>
               </a:ext>
             </a:extLst>
           </p:cNvSpPr>
@@ -5330,7 +5306,7 @@
           <p:cNvSpPr>
             <a:extLst>
               <a:ext uri="smNativeData">
-                <pr:smNativeData xmlns:pr="smNativeData" val="SMDATA_16_PPTaXhMAAAAlAAAAZAAAAA8BAAAAkAAAAEgAAACQAAAASAAAAAAAAAAAAAAAAAAAAAEAAABQAAAAAAAAAAAA4D8AAAAAAADgPwAAAAAAAOA/AAAAAAAA4D8AAAAAAADgPwAAAAAAAOA/AAAAAAAA4D8AAAAAAADgPwAAAAAAAOA/AAAAAAAA4D8CAAAAjAAAAAAAAAAAAAAAwMDAAP///wgAAAAAAAAAAAAAAAAAAAAAAAAAAAAAAAAAAAAAZAAAAAEAAABAAAAAAAAAAAAAAAAAAAAAAAAAAAAAAAAAAAAAAAAAAAAAAAAAAAAAAAAAAAAAAAAAAAAAAAAAAAAAAAAAAAAAAAAAAAAAAAAAAAAAAAAAAAAAAAAAAAAAFAAAADwAAAABAAAAAAAAAH9/fwAUAAAAAQAAABQAAAAUAAAAFAAAAAEAAAAAAAAAZAAAAGQAAAAAAAAAZAAAAGQAAAAVAAAAYAAAAAAAAAAAAAAADwAAACADAAAAAAAAAAAAAAEAAACgMgAAVgcAAKr4//8BAAAAf39/AAEAAABkAAAAAAAAABQAAABAHwAAAAAAACYAAAAAAAAAwOD//wAAAAAmAAAAZAAAABYAAABMAAAAAAAAAAAAAAAEAAAAAAAAAAEAAACAgIAKAAAAACgAAAAoAAAAZAAAAGQAAAAAAAAAzMzMAAAAAABQAAAAUAAAAGQAAABkAAAAAAAAABcAAAAUAAAAAAAAAAAAAAD/fwAA/38AAAAAAAAJAAAABAAAAAAAAAAMAAAAEAAAAAAAAAAAAAAAAAAAAAAAAAAeAAAAaAAAAAAAAAAAAAAAAAAAAAAAAAAAAAAAECcAABAnAAAAAAAAAAAAAAAAAAAAAAAAAAAAAAAAAAAAAAAAAAAAABQAAAAAAAAAwMD/AAAAAABkAAAAMgAAAAAAAABkAAAAAAAAAH9/fwAKAAAAIgAAABgAAAAAAAAAAAAAAAAAAAAAAAAAAAAAAAAAAAAkAAAAJAAAAAAAAAAHAAAAAAAAAAAAAAAAAAAAAAAAAAAAAAAAAAAAf39/ACUAAABYAAAAAAAAAAAAAAAAAAAAAAAAAAAAAAAAAAAAAAAAAAAAAAAAAAAAAAAAAAAAAAA/AAAAAAAAAKCGAQAAAAAAAAAAAAAAAAAMAAAAAQAAAAAAAAAAAAAAAAAAAB8AAABUAAAAwMDAAP///wEAAAAAAAAAAAAAAAAAAAAAAAAAAAAAAAAAAAAAAAAAAH9/fwB/f38AgICAA8zMzADAwP8Af39/AAAAAAAAAAAAAAAAAAAAAAAAAAAAIQAAABgAAAAUAAAAuicAAPQWAAAtNwAA5h4AABAAAAAmAAAACAAAAP//////////"/>
+                <pr:smNativeData xmlns:pr="smNativeData" val="SMDATA_13_4IlQXxMAAAAlAAAAZAAAAA8BAAAAkAAAAEgAAACQAAAASAAAAAAAAAAAAAAAAAAAAAEAAABQAAAAAAAAAAAA4D8AAAAAAADgPwAAAAAAAOA/AAAAAAAA4D8AAAAAAADgPwAAAAAAAOA/AAAAAAAA4D8AAAAAAADgPwAAAAAAAOA/AAAAAAAA4D8CAAAAjAAAAAAAAAAAAAAAwMDAAP///wgAAAAAAAAAAAAAAAAAAAAAAAAAAAAAAAAAAAAAZAAAAAEAAABAAAAAAAAAAAAAAAAAAAAAAAAAAAAAAAAAAAAAAAAAAAAAAAAAAAAAAAAAAAAAAAAAAAAAAAAAAAAAAAAAAAAAAAAAAAAAAAAAAAAAAAAAAAAAAAAAAAAAFAAAADwAAAABAAAAAAAAAH9/fwAUAAAAAQAAABQAAAAUAAAAFAAAAAEAAAAAAAAAZAAAAGQAAAAAAAAAZAAAAGQAAAAVAAAAYAAAAAAAAAAAAAAADwAAACADAAAAAAAAAAAAAAEAAACgMgAAVgcAAKr4//8BAAAAf39/AAEAAABkAAAAAAAAABQAAABAHwAAAAAAACYAAAAAAAAAwOD//wAAAAAmAAAAZAAAABYAAABMAAAAAAAAAAAAAAAEAAAAAAAAAAEAAACAgIAKAAAAACgAAAAoAAAAZAAAAGQAAAAAAAAAzMzMAAAAAABQAAAAUAAAAGQAAABkAAAAAAAAABcAAAAUAAAAAAAAAAAAAAD/fwAA/38AAAAAAAAJAAAABAAAAAAAAAAMAAAAEAAAAAAAAAAAAAAAAAAAAAAAAAAeAAAAaAAAAAAAAAAAAAAAAAAAAAAAAAAAAAAAECcAABAnAAAAAAAAAAAAAAAAAAAAAAAAAAAAAAAAAAAAAAAAAAAAABQAAAAAAAAAwMD/AAAAAABkAAAAMgAAAAAAAABkAAAAAAAAAH9/fwAKAAAAHwAAAFQAAADAwMAA////AQAAAAAAAAAAAAAAAAAAAAAAAAAAAAAAAAAAAAAAAAAAf39/AH9/fwCAgIADzMzMAMDA/wB/f38AAAAAAAAAAAAAAAAAAAAAAAAAAAAhAAAAGAAAABQAAAC6JwAA9BYAAC03AADmHgAAEAAAACYAAAAIAAAA//////////8="/>
               </a:ext>
             </a:extLst>
           </p:cNvSpPr>
@@ -5362,7 +5338,7 @@
           <p:cNvSpPr txBox="1">
             <a:extLst>
               <a:ext uri="smNativeData">
-                <pr:smNativeData xmlns:pr="smNativeData" val="SMDATA_16_PPTaXhMAAAAlAAAAEgAAAE8BAAAAkAAAAEgAAACQAAAASAAAAAAAAAAAAAAAAAAAAAEAAABQAAAAAAAAAAAA4D8AAAAAAADgPwAAAAAAAOA/AAAAAAAA4D8AAAAAAADgPwAAAAAAAOA/AAAAAAAA4D8AAAAAAADgPwAAAAAAAOA/AAAAAAAA4D8CAAAAjAAAAAAAAAAAAAAAu+DjDP///wgAAAAAAAAAAAAAAAAAAAAAAAAAAAAAAAAAAAAAZAAAAAEAAABAAAAAAAAAAAAAAAAAAAAAAAAAAAAAAAAAAAAAAAAAAAAAAAAAAAAAAAAAAAAAAAAAAAAAAAAAAAAAAAAAAAAAAAAAAAAAAAAAAAAAAAAAAAAAAAAAAAAAFAAAADwAAAAAAAAAAAAAAAAAAAkUAAAAAQAAABQAAAAUAAAAFAAAAAEAAAAAAAAAZAAAAGQAAAAAAAAAZAAAAGQAAAAVAAAAYAAAAAAAAAAAAAAADwAAACADAAAAAAAAAAAAAAEAAACgMgAAVgcAAKr4//8BAAAAf39/AAEAAABkAAAAAAAAABQAAABAHwAAAAAAACYAAAAAAAAAwOD//wAAAAAmAAAAZAAAABYAAABMAAAAAAAAAAAAAAAEAAAAAAAAAAEAAACAgIAKAAAAACgAAAAoAAAAZAAAAGQAAAAAAAAAzMzMAAAAAABQAAAAUAAAAGQAAABkAAAAAAAAABcAAAAUAAAAAAAAANwIAAD/fwAA/38AAAAAAAAJAAAABAAAAAAAAAAMAAAAEAAAAAAAAAAAAAAAAAAAAAAAAAAeAAAAaAAAAAAAAAAAAAAAAAAAAAAAAAAAAAAAECcAABAnAAAAAAAAAAAAAAAAAAAAAAAAAAAAAAAAAAAAAAAAAAAAABQAAAAAAAAAwMD/AAAAAABkAAAAMgAAAAAAAABkAAAAAAAAAH9/fwAKAAAAIgAAABgAAAAAAAAAAAAAAAAAAAAAAAAAAAAAAAAAAAAkAAAAJAAAAAAAAAAHAAAAAAAAAAAAAAAAAAAAAAAAAAAAAAAAAAAAf39/ACUAAABYAAAAAAAAAAAAAAAAAAAAAAAAAAAAAAAAAAAAAAAAAAAAAAAAAAAAAAAAAAAAAAA/AAAAAAAAAKCGAQAAAAAAAAAAAAAAAAAMAAAAAQAAAAAAAAAAAAAAAAAAAB8AAABUAAAAu+DjBf///wEAAAAAAAAAAAAAAAAAAAAAAAAAAAAAAAAAAAAAAAAAAAAAAAJ/f38AgICAA8zMzADAwP8Af39/AAAAAAAAAAAAAAAAAAAAAAAAAAAAIQAAABgAAAAUAAAANxYAABgHAAATHwAAsAgAABAgAAAmAAAACAAAAP//////////"/>
+                <pr:smNativeData xmlns:pr="smNativeData" val="SMDATA_13_4IlQXxMAAAAlAAAAEgAAAE8BAAAAkAAAAEgAAACQAAAASAAAAAAAAAAAAAAAAAAAAAEAAABQAAAAAAAAAAAA4D8AAAAAAADgPwAAAAAAAOA/AAAAAAAA4D8AAAAAAADgPwAAAAAAAOA/AAAAAAAA4D8AAAAAAADgPwAAAAAAAOA/AAAAAAAA4D8CAAAAjAAAAAAAAAAAAAAAu+DjDP///wgAAAAAAAAAAAAAAAAAAAAAAAAAAAAAAAAAAAAAZAAAAAEAAABAAAAAAAAAAAAAAAAAAAAAAAAAAAAAAAAAAAAAAAAAAAAAAAAAAAAAAAAAAAAAAAAAAAAAAAAAAAAAAAAAAAAAAAAAAAAAAAAAAAAAAAAAAAAAAAAAAAAAFAAAADwAAAAAAAAAAAAAAAAAAAkUAAAAAQAAABQAAAAUAAAAFAAAAAEAAAAAAAAAZAAAAGQAAAAAAAAAZAAAAGQAAAAVAAAAYAAAAAAAAAAAAAAADwAAACADAAAAAAAAAAAAAAEAAACgMgAAVgcAAKr4//8BAAAAf39/AAEAAABkAAAAAAAAABQAAABAHwAAAAAAACYAAAAAAAAAwOD//wAAAAAmAAAAZAAAABYAAABMAAAAAAAAAAAAAAAEAAAAAAAAAAEAAACAgIAKAAAAACgAAAAoAAAAZAAAAGQAAAAAAAAAzMzMAAAAAABQAAAAUAAAAGQAAABkAAAAAAAAABcAAAAUAAAAAAAAANwIAAD/fwAA/38AAAAAAAAJAAAABAAAAAAAAAAMAAAAEAAAAAAAAAAAAAAAAAAAAAAAAAAeAAAAaAAAAAAAAAAAAAAAAAAAAAAAAAAAAAAAECcAABAnAAAAAAAAAAAAAAAAAAAAAAAAAAAAAAAAAAAAAAAAAAAAABQAAAAAAAAAwMD/AAAAAABkAAAAMgAAAAAAAABkAAAAAAAAAH9/fwAKAAAAHwAAAFQAAAC74OMF////AQAAAAAAAAAAAAAAAAAAAAAAAAAAAAAAAAAAAAAAAAAAAAAAAn9/fwCAgIADzMzMAMDA/wB/f38AAAAAAAAAAAAAAAAAAAAAAAAAAAAhAAAAGAAAABQAAAA3FgAAGAcAABMfAACwCAAAECAAACYAAAAIAAAA//////////8="/>
               </a:ext>
             </a:extLst>
           </p:cNvSpPr>
@@ -5383,7 +5359,7 @@
           <a:effectLst/>
         </p:spPr>
         <p:txBody>
-          <a:bodyPr vert="horz" wrap="square" numCol="1" anchor="t"/>
+          <a:bodyPr vert="horz" wrap="square" numCol="1" spcCol="215900" anchor="t"/>
           <a:lstStyle/>
           <a:p>
             <a:pPr>
@@ -5405,7 +5381,7 @@
           <p:cNvSpPr txBox="1">
             <a:extLst>
               <a:ext uri="smNativeData">
-                <pr:smNativeData xmlns:pr="smNativeData" val="SMDATA_16_PPTaXhMAAAAlAAAAEgAAAE8BAAAAkAAAAEgAAACQAAAASAAAAAAAAAAAAAAAAAAAAAEAAABQAAAAAAAAAAAA4D8AAAAAAADgPwAAAAAAAOA/AAAAAAAA4D8AAAAAAADgPwAAAAAAAOA/AAAAAAAA4D8AAAAAAADgPwAAAAAAAOA/AAAAAAAA4D8CAAAAjAAAAAAAAAAAAAAAu+DjDP///wgAAAAAAAAAAAAAAAAAAAAAAAAAAAAAAAAAAAAAZAAAAAEAAABAAAAAAAAAAAAAAAAAAAAAAAAAAAAAAAAAAAAAAAAAAAAAAAAAAAAAAAAAAAAAAAAAAAAAAAAAAAAAAAAAAAAAAAAAAAAAAAAAAAAAAAAAAAAAAAAAAAAAFAAAADwAAAAAAAAAAAAAAAAAAAkUAAAAAQAAABQAAAAUAAAAFAAAAAEAAAAAAAAAZAAAAGQAAAAAAAAAZAAAAGQAAAAVAAAAYAAAAAAAAAAAAAAADwAAACADAAAAAAAAAAAAAAEAAACgMgAAVgcAAKr4//8BAAAAf39/AAEAAABkAAAAAAAAABQAAABAHwAAAAAAACYAAAAAAAAAwOD//wAAAAAmAAAAZAAAABYAAABMAAAAAAAAAAAAAAAEAAAAAAAAAAEAAACAgIAKAAAAACgAAAAoAAAAZAAAAGQAAAAAAAAAzMzMAAAAAABQAAAAUAAAAGQAAABkAAAAAAAAABcAAAAUAAAAAAAAANwIAAD/fwAA/38AAAAAAAAJAAAABAAAAAAAAAAMAAAAEAAAAAAAAAAAAAAAAAAAAAAAAAAeAAAAaAAAAAAAAAAAAAAAAAAAAAAAAAAAAAAAECcAABAnAAAAAAAAAAAAAAAAAAAAAAAAAAAAAAAAAAAAAAAAAAAAABQAAAAAAAAAwMD/AAAAAABkAAAAMgAAAAAAAABkAAAAAAAAAH9/fwAKAAAAIgAAABgAAAAAAAAAAAAAAAAAAAAAAAAAAAAAAAAAAAAkAAAAJAAAAAAAAAAHAAAAAAAAAAAAAAAAAAAAAAAAAAAAAAAAAAAAf39/ACUAAABYAAAAAAAAAAAAAAAAAAAAAAAAAAAAAAAAAAAAAAAAAAAAAAAAAAAAAAAAAAAAAAA/AAAAAAAAAKCGAQAAAAAAAAAAAAAAAAAMAAAAAQAAAAAAAAAAAAAAAAAAAB8AAABUAAAAu+DjBf///wEAAAAAAAAAAAAAAAAAAAAAAAAAAAAAAAAAAAAAAAAAAAAAAAJ/f38AgICAA8zMzADAwP8Af39/AAAAAAAAAAAAAAAAAAAAAAAAAAAAIQAAABgAAAAUAAAAaB4AABAHAACSJgAAuAoAABAgAAAmAAAACAAAAP//////////"/>
+                <pr:smNativeData xmlns:pr="smNativeData" val="SMDATA_13_4IlQXxMAAAAlAAAAEgAAAE8BAAAAkAAAAEgAAACQAAAASAAAAAAAAAAAAAAAAAAAAAEAAABQAAAAAAAAAAAA4D8AAAAAAADgPwAAAAAAAOA/AAAAAAAA4D8AAAAAAADgPwAAAAAAAOA/AAAAAAAA4D8AAAAAAADgPwAAAAAAAOA/AAAAAAAA4D8CAAAAjAAAAAAAAAAAAAAAu+DjDP///wgAAAAAAAAAAAAAAAAAAAAAAAAAAAAAAAAAAAAAZAAAAAEAAABAAAAAAAAAAAAAAAAAAAAAAAAAAAAAAAAAAAAAAAAAAAAAAAAAAAAAAAAAAAAAAAAAAAAAAAAAAAAAAAAAAAAAAAAAAAAAAAAAAAAAAAAAAAAAAAAAAAAAFAAAADwAAAAAAAAAAAAAAAAAAAkUAAAAAQAAABQAAAAUAAAAFAAAAAEAAAAAAAAAZAAAAGQAAAAAAAAAZAAAAGQAAAAVAAAAYAAAAAAAAAAAAAAADwAAACADAAAAAAAAAAAAAAEAAACgMgAAVgcAAKr4//8BAAAAf39/AAEAAABkAAAAAAAAABQAAABAHwAAAAAAACYAAAAAAAAAwOD//wAAAAAmAAAAZAAAABYAAABMAAAAAAAAAAAAAAAEAAAAAAAAAAEAAACAgIAKAAAAACgAAAAoAAAAZAAAAGQAAAAAAAAAzMzMAAAAAABQAAAAUAAAAGQAAABkAAAAAAAAABcAAAAUAAAAAAAAANwIAAD/fwAA/38AAAAAAAAJAAAABAAAAAAAAAAMAAAAEAAAAAAAAAAAAAAAAAAAAAAAAAAeAAAAaAAAAAAAAAAAAAAAAAAAAAAAAAAAAAAAECcAABAnAAAAAAAAAAAAAAAAAAAAAAAAAAAAAAAAAAAAAAAAAAAAABQAAAAAAAAAwMD/AAAAAABkAAAAMgAAAAAAAABkAAAAAAAAAH9/fwAKAAAAHwAAAFQAAAC74OMF////AQAAAAAAAAAAAAAAAAAAAAAAAAAAAAAAAAAAAAAAAAAAAAAAAn9/fwCAgIADzMzMAMDA/wB/f38AAAAAAAAAAAAAAAAAAAAAAAAAAAAhAAAAGAAAABQAAABoHgAAEAcAAJImAAC4CgAAECAAACYAAAAIAAAA//////////8="/>
               </a:ext>
             </a:extLst>
           </p:cNvSpPr>
@@ -5426,7 +5402,7 @@
           <a:effectLst/>
         </p:spPr>
         <p:txBody>
-          <a:bodyPr vert="horz" wrap="square" numCol="1" anchor="t"/>
+          <a:bodyPr vert="horz" wrap="square" numCol="1" spcCol="215900" anchor="t"/>
           <a:lstStyle/>
           <a:p>
             <a:pPr>
@@ -5472,7 +5448,7 @@
           <p:cNvSpPr txBox="1">
             <a:extLst>
               <a:ext uri="smNativeData">
-                <pr:smNativeData xmlns:pr="smNativeData" val="SMDATA_16_PPTaXhMAAAAlAAAAEgAAAE8BAAAAkAAAAEgAAACQAAAASAAAAAAAAAAAAAAAAAAAAAEAAABQAAAAAAAAAAAA4D8AAAAAAADgPwAAAAAAAOA/AAAAAAAA4D8AAAAAAADgPwAAAAAAAOA/AAAAAAAA4D8AAAAAAADgPwAAAAAAAOA/AAAAAAAA4D8CAAAAjAAAAAEAAAAAAAAA2u2hP////wgAAAAAAAAAAAAAAAAAAAAAAAAAAAAAAAAAAAAAZAAAAAEAAABAAAAAAAAAAAAAAAAAAAAAAAAAAAAAAAAAAAAAAAAAAAAAAAAAAAAAAAAAAAAAAAAAAAAAAAAAAAAAAAAAAAAAAAAAAAAAAAAAAAAAAAAAAAAAAAAAAAAAFAAAADwAAAABAAAAAAAAAAAAAAkFAAAAAQAAAAEAAAAAAAAAAAAAAAAAAAAAAAAAZAAAAGQAAAAAAAAAZAAAAGQAAAAVAAAAYAAAAAAAAAAAAAAADwAAACADAAAAAAAAAAAAAAEAAACgMgAAVgcAAKr4//8BAAAAf39/AAEAAABkAAAAAAAAABQAAABAHwAAAAAAACYAAAAAAAAAwOD//wAAAAAmAAAAZAAAABYAAABMAAAAAAAAAAAAAAAEAAAAAAAAAAEAAACAgIAKAAAAACgAAAAoAAAAZAAAAGQAAAAAAAAAzMzMAAAAAABQAAAAUAAAAGQAAABkAAAAAAAAABcAAAAUAAAAAAAAANwIAAD/fwAA/38AAAAAAAAJAAAABAAAAGcAaAAMAAAAEAAAAAAAAAAAAAAAAAAAAAAAAAAeAAAAaAAAAAAAAAAAAAAAAAAAAAAAAAAAAAAAECcAABAnAAAAAAAAAAAAAAAAAAAAAAAAAAAAAAAAAAAAAAAAAAAAABQAAAAAAAAAwMD/AAAAAABkAAAAMgAAAAAAAABkAAAAAAAAAH9/fwAKAAAAIgAAABgAAAAAAAAAAAAAAAAAAAAAAAAAAAAAAAAAAAAkAAAAJAAAAAAAAAAHAAAAAAAAAAAAAAAAAAAAAAAAAAAAAAAAAAAAf39/ACUAAABYAAAAAAAAAAAAAAAAAAAAAAAAAAAAAAAAAAAAAAAAAAAAAAAAAAAAAAAAAAAAAAA/AAAAAAAAAKCGAQAAAAAAAAAAAAAAAAAMAAAAAQAAAAAAAAAAAAAAAAAAAB8AAABUAAAA2u2hOP///wEAAAAAAAAAAAAAAAAAAAAAAAAAAAAAAAAAAAAAAAAAAAAAAAJ/f38AgICAA8zMzADAwP8Af39/AAAAAAAAAAAAAAAAAAAAAAAAAAAAIQAAABgAAAAUAAAAGRIAAP8cAADXGwAAdyAAABAgAAAmAAAACAAAAP//////////"/>
+                <pr:smNativeData xmlns:pr="smNativeData" val="SMDATA_13_4IlQXxMAAAAlAAAAEgAAAE8BAAAAkAAAAEgAAACQAAAASAAAAAAAAAAAAAAAAAAAAAEAAABQAAAAAAAAAAAA4D8AAAAAAADgPwAAAAAAAOA/AAAAAAAA4D8AAAAAAADgPwAAAAAAAOA/AAAAAAAA4D8AAAAAAADgPwAAAAAAAOA/AAAAAAAA4D8CAAAAjAAAAAEAAAAAAAAA2u2hP////wgAAAAAAAAAAAAAAAAAAAAAAAAAAAAAAAAAAAAAZAAAAAEAAABAAAAAAAAAAAAAAAAAAAAAAAAAAAAAAAAAAAAAAAAAAAAAAAAAAAAAAAAAAAAAAAAAAAAAAAAAAAAAAAAAAAAAAAAAAAAAAAAAAAAAAAAAAAAAAAAAAAAAFAAAADwAAAABAAAAAAAAAAAAAAkFAAAAAQAAAAEAAAAAAAAAAAAAAAAAAAAAAAAAZAAAAGQAAAAAAAAAZAAAAGQAAAAVAAAAYAAAAAAAAAAAAAAADwAAACADAAAAAAAAAAAAAAEAAACgMgAAVgcAAKr4//8BAAAAf39/AAEAAABkAAAAAAAAABQAAABAHwAAAAAAACYAAAAAAAAAwOD//wAAAAAmAAAAZAAAABYAAABMAAAAAAAAAAAAAAAEAAAAAAAAAAEAAACAgIAKAAAAACgAAAAoAAAAZAAAAGQAAAAAAAAAzMzMAAAAAABQAAAAUAAAAGQAAABkAAAAAAAAABcAAAAUAAAAAAAAANwIAAD/fwAA/38AAAAAAAAJAAAABAAAAGcAaAAMAAAAEAAAAAAAAAAAAAAAAAAAAAAAAAAeAAAAaAAAAAAAAAAAAAAAAAAAAAAAAAAAAAAAECcAABAnAAAAAAAAAAAAAAAAAAAAAAAAAAAAAAAAAAAAAAAAAAAAABQAAAAAAAAAwMD/AAAAAABkAAAAMgAAAAAAAABkAAAAAAAAAH9/fwAKAAAAHwAAAFQAAADa7aE4////AQAAAAAAAAAAAAAAAAAAAAAAAAAAAAAAAAAAAAAAAAAAAAAAAn9/fwCAgIADzMzMAMDA/wB/f38AAAAAAAAAAAAAAAAAAAAAAAAAAAAhAAAAGAAAABQAAAAZEgAA/xwAANcbAAB3IAAAECAAACYAAAAIAAAA//////////8="/>
               </a:ext>
             </a:extLst>
           </p:cNvSpPr>
@@ -5502,7 +5478,7 @@
           <a:effectLst/>
         </p:spPr>
         <p:txBody>
-          <a:bodyPr vert="horz" wrap="square" numCol="1" anchor="t"/>
+          <a:bodyPr vert="horz" wrap="square" numCol="1" spcCol="215900" anchor="t"/>
           <a:lstStyle/>
           <a:p>
             <a:pPr>
@@ -5550,7 +5526,7 @@
           <p:cNvSpPr txBox="1">
             <a:extLst>
               <a:ext uri="smNativeData">
-                <pr:smNativeData xmlns:pr="smNativeData" val="SMDATA_16_PPTaXhMAAAAlAAAAEgAAAE8BAAAAkAAAAEgAAACQAAAASAAAAAAAAAAAAAAAAAAAAAEAAABQAAAAAAAAAAAA4D8AAAAAAADgPwAAAAAAAOA/AAAAAAAA4D8AAAAAAADgPwAAAAAAAOA/AAAAAAAA4D8AAAAAAADgPwAAAAAAAOA/AAAAAAAA4D8CAAAAjAAAAAAAAAAAAAAAu+DjDP///wgAAAAAAAAAAAAAAAAAAAAAAAAAAAAAAAAAAAAAZAAAAAEAAABAAAAAAAAAAAAAAAAAAAAAAAAAAAAAAAAAAAAAAAAAAAAAAAAAAAAAAAAAAAAAAAAAAAAAAAAAAAAAAAAAAAAAAAAAAAAAAAAAAAAAAAAAAAAAAAAAAAAAFAAAADwAAAAAAAAAAAAAAAAAAAkUAAAAAQAAABQAAAAUAAAAFAAAAAEAAAAAAAAAZAAAAGQAAAAAAAAAZAAAAGQAAAAVAAAAYAAAAAAAAAAAAAAADwAAACADAAAAAAAAAAAAAAEAAACgMgAAVgcAAKr4//8BAAAAf39/AAEAAABkAAAAAAAAABQAAABAHwAAAAAAACYAAAAAAAAAwOD//wAAAAAmAAAAZAAAABYAAABMAAAAAAAAAAAAAAAEAAAAAAAAAAEAAACAgIAKAAAAACgAAAAoAAAAZAAAAGQAAAAAAAAAzMzMAAAAAABQAAAAUAAAAGQAAABkAAAAAAAAABcAAAAUAAAAAAAAANwIAAD/fwAA/38AAAAAAAAJAAAABAAAAAAAaAAMAAAAEAAAAAAAAAAAAAAAAAAAAAAAAAAeAAAAaAAAAAAAAAAAAAAAAAAAAAAAAAAAAAAAECcAABAnAAAAAAAAAAAAAAAAAAAAAAAAAAAAAAAAAAAAAAAAAAAAABQAAAAAAAAAwMD/AAAAAABkAAAAMgAAAAAAAABkAAAAAAAAAH9/fwAKAAAAIgAAABgAAAAAAAAAAAAAAAAAAAAAAAAAAAAAAAAAAAAkAAAAJAAAAAAAAAAHAAAAAAAAAAAAAAAAAAAAAAAAAAAAAAAAAAAAf39/ACUAAABYAAAAAAAAAAAAAAAAAAAAAAAAAAAAAAAAAAAAAAAAAAAAAAAAAAAAAAAAAAAAAAA/AAAAAAAAAKCGAQAAAAAAAAAAAAAAAAAMAAAAAQAAAAAAAAAAAAAAAAAAAB8AAABUAAAAu+DjBf///wEAAAAAAAAAAAAAAAAAAAAAAAAAAAAAAAAAAAAAAAAAAAAAAAJ/f38AgICAA8zMzADAwP8Af39/AAAAAAAAAAAAAAAAAAAAAAAAAAAAIQAAABgAAAAUAAAAcyoAAP8QAAD7NgAAfxIAAAAgAAAmAAAACAAAAP//////////"/>
+                <pr:smNativeData xmlns:pr="smNativeData" val="SMDATA_13_4IlQXxMAAAAlAAAAEgAAAE8BAAAAkAAAAEgAAACQAAAASAAAAAAAAAAAAAAAAAAAAAEAAABQAAAAAAAAAAAA4D8AAAAAAADgPwAAAAAAAOA/AAAAAAAA4D8AAAAAAADgPwAAAAAAAOA/AAAAAAAA4D8AAAAAAADgPwAAAAAAAOA/AAAAAAAA4D8CAAAAjAAAAAAAAAAAAAAAu+DjDP///wgAAAAAAAAAAAAAAAAAAAAAAAAAAAAAAAAAAAAAZAAAAAEAAABAAAAAAAAAAAAAAAAAAAAAAAAAAAAAAAAAAAAAAAAAAAAAAAAAAAAAAAAAAAAAAAAAAAAAAAAAAAAAAAAAAAAAAAAAAAAAAAAAAAAAAAAAAAAAAAAAAAAAFAAAADwAAAAAAAAAAAAAAAAAAAkUAAAAAQAAABQAAAAUAAAAFAAAAAEAAAAAAAAAZAAAAGQAAAAAAAAAZAAAAGQAAAAVAAAAYAAAAAAAAAAAAAAADwAAACADAAAAAAAAAAAAAAEAAACgMgAAVgcAAKr4//8BAAAAf39/AAEAAABkAAAAAAAAABQAAABAHwAAAAAAACYAAAAAAAAAwOD//wAAAAAmAAAAZAAAABYAAABMAAAAAAAAAAAAAAAEAAAAAAAAAAEAAACAgIAKAAAAACgAAAAoAAAAZAAAAGQAAAAAAAAAzMzMAAAAAABQAAAAUAAAAGQAAABkAAAAAAAAABcAAAAUAAAAAAAAANwIAAD/fwAA/38AAAAAAAAJAAAABAAAAAAAaAAMAAAAEAAAAAAAAAAAAAAAAAAAAAAAAAAeAAAAaAAAAAAAAAAAAAAAAAAAAAAAAAAAAAAAECcAABAnAAAAAAAAAAAAAAAAAAAAAAAAAAAAAAAAAAAAAAAAAAAAABQAAAAAAAAAwMD/AAAAAABkAAAAMgAAAAAAAABkAAAAAAAAAH9/fwAKAAAAHwAAAFQAAAC74OMF////AQAAAAAAAAAAAAAAAAAAAAAAAAAAAAAAAAAAAAAAAAAAAAAAAn9/fwCAgIADzMzMAMDA/wB/f38AAAAAAAAAAAAAAAAAAAAAAAAAAAAhAAAAGAAAABQAAABzKgAA/xAAAPs2AAB/EgAAECAAACYAAAAIAAAA//////////8="/>
               </a:ext>
             </a:extLst>
           </p:cNvSpPr>
@@ -5571,7 +5547,7 @@
           <a:effectLst/>
         </p:spPr>
         <p:txBody>
-          <a:bodyPr vert="horz" wrap="square" numCol="1" anchor="t"/>
+          <a:bodyPr vert="horz" wrap="square" numCol="1" spcCol="215900" anchor="t"/>
           <a:lstStyle/>
           <a:p>
             <a:pPr>
@@ -5593,7 +5569,7 @@
           <p:cNvSpPr txBox="1">
             <a:extLst>
               <a:ext uri="smNativeData">
-                <pr:smNativeData xmlns:pr="smNativeData" val="SMDATA_16_PPTaXhMAAAAlAAAAEgAAAE8BAAAAkAAAAEgAAACQAAAASAAAAAAAAAAAAAAAAAAAAAEAAABQAAAAAAAAAAAA4D8AAAAAAADgPwAAAAAAAOA/AAAAAAAA4D8AAAAAAADgPwAAAAAAAOA/AAAAAAAA4D8AAAAAAADgPwAAAAAAAOA/AAAAAAAA4D8CAAAAjAAAAAAAAAAAAAAAu+DjDP///wgAAAAAAAAAAAAAAAAAAAAAAAAAAAAAAAAAAAAAZAAAAAEAAABAAAAAAAAAAAAAAAAAAAAAAAAAAAAAAAAAAAAAAAAAAAAAAAAAAAAAAAAAAAAAAAAAAAAAAAAAAAAAAAAAAAAAAAAAAAAAAAAAAAAAAAAAAAAAAAAAAAAAFAAAADwAAAAAAAAAAAAAAAAAAAkUAAAAAQAAABQAAAAUAAAAFAAAAAEAAAAAAAAAZAAAAGQAAAAAAAAAZAAAAGQAAAAVAAAAYAAAAAAAAAAAAAAADwAAACADAAAAAAAAAAAAAAEAAACgMgAAVgcAAKr4//8BAAAAf39/AAEAAABkAAAAAAAAABQAAABAHwAAAAAAACYAAAAAAAAAwOD//wAAAAAmAAAAZAAAABYAAABMAAAAAAAAAAAAAAAEAAAAAAAAAAEAAACAgIAKAAAAACgAAAAoAAAAZAAAAGQAAAAAAAAAzMzMAAAAAABQAAAAUAAAAGQAAABkAAAAAAAAABcAAAAUAAAAAAAAANwIAAD/fwAA/38AAAAAAAAJAAAABAAAAAAAaAAMAAAAEAAAAAAAAAAAAAAAAAAAAAAAAAAeAAAAaAAAAAAAAAAAAAAAAAAAAAAAAAAAAAAAECcAABAnAAAAAAAAAAAAAAAAAAAAAAAAAAAAAAAAAAAAAAAAAAAAABQAAAAAAAAAwMD/AAAAAABkAAAAMgAAAAAAAABkAAAAAAAAAH9/fwAKAAAAIgAAABgAAAAAAAAAAAAAAAAAAAAAAAAAAAAAAAAAAAAkAAAAJAAAAAAAAAAHAAAAAAAAAAAAAAAAAAAAAAAAAAAAAAAAAAAAf39/ACUAAABYAAAAAAAAAAAAAAAAAAAAAAAAAAAAAAAAAAAAAAAAAAAAAAAAAAAAAAAAAAAAAAA/AAAAAAAAAKCGAQAAAAAAAAAAAAAAAAAMAAAAAQAAAAAAAAAAAAAAAAAAAB8AAABUAAAAu+DjBf///wEAAAAAAAAAAAAAAAAAAAAAAAAAAAAAAAAAAAAAAAAAAAAAAAJ/f38AgICAA8zMzADAwP8Af39/AAAAAAAAAAAAAAAAAAAAAAAAAAAAIQAAABgAAAAUAAAAcCgAAP8OAAA9NQAAlxAAAAAgAAAmAAAACAAAAP//////////"/>
+                <pr:smNativeData xmlns:pr="smNativeData" val="SMDATA_13_4IlQXxMAAAAlAAAAEgAAAE8BAAAAkAAAAEgAAACQAAAASAAAAAAAAAAAAAAAAAAAAAEAAABQAAAAAAAAAAAA4D8AAAAAAADgPwAAAAAAAOA/AAAAAAAA4D8AAAAAAADgPwAAAAAAAOA/AAAAAAAA4D8AAAAAAADgPwAAAAAAAOA/AAAAAAAA4D8CAAAAjAAAAAAAAAAAAAAAu+DjDP///wgAAAAAAAAAAAAAAAAAAAAAAAAAAAAAAAAAAAAAZAAAAAEAAABAAAAAAAAAAAAAAAAAAAAAAAAAAAAAAAAAAAAAAAAAAAAAAAAAAAAAAAAAAAAAAAAAAAAAAAAAAAAAAAAAAAAAAAAAAAAAAAAAAAAAAAAAAAAAAAAAAAAAFAAAADwAAAAAAAAAAAAAAAAAAAkUAAAAAQAAABQAAAAUAAAAFAAAAAEAAAAAAAAAZAAAAGQAAAAAAAAAZAAAAGQAAAAVAAAAYAAAAAAAAAAAAAAADwAAACADAAAAAAAAAAAAAAEAAACgMgAAVgcAAKr4//8BAAAAf39/AAEAAABkAAAAAAAAABQAAABAHwAAAAAAACYAAAAAAAAAwOD//wAAAAAmAAAAZAAAABYAAABMAAAAAAAAAAAAAAAEAAAAAAAAAAEAAACAgIAKAAAAACgAAAAoAAAAZAAAAGQAAAAAAAAAzMzMAAAAAABQAAAAUAAAAGQAAABkAAAAAAAAABcAAAAUAAAAAAAAANwIAAD/fwAA/38AAAAAAAAJAAAABAAAAAAAaAAMAAAAEAAAAAAAAAAAAAAAAAAAAAAAAAAeAAAAaAAAAAAAAAAAAAAAAAAAAAAAAAAAAAAAECcAABAnAAAAAAAAAAAAAAAAAAAAAAAAAAAAAAAAAAAAAAAAAAAAABQAAAAAAAAAwMD/AAAAAABkAAAAMgAAAAAAAABkAAAAAAAAAH9/fwAKAAAAHwAAAFQAAAC74OMF////AQAAAAAAAAAAAAAAAAAAAAAAAAAAAAAAAAAAAAAAAAAAAAAAAn9/fwCAgIADzMzMAMDA/wB/f38AAAAAAAAAAAAAAAAAAAAAAAAAAAAhAAAAGAAAABQAAABwKAAA/w4AAD01AACXEAAAECAAACYAAAAIAAAA//////////8="/>
               </a:ext>
             </a:extLst>
           </p:cNvSpPr>
@@ -5614,7 +5590,7 @@
           <a:effectLst/>
         </p:spPr>
         <p:txBody>
-          <a:bodyPr vert="horz" wrap="square" numCol="1" anchor="t"/>
+          <a:bodyPr vert="horz" wrap="square" numCol="1" spcCol="215900" anchor="t"/>
           <a:lstStyle/>
           <a:p>
             <a:pPr>
@@ -5636,7 +5612,7 @@
           <p:cNvSpPr>
             <a:extLst>
               <a:ext uri="smNativeData">
-                <pr:smNativeData xmlns:pr="smNativeData" val="SMDATA_16_PPTaXhMAAAAlAAAAZAAAAA8BAAAAkAAAAEgAAACQAAAASAAAAAAAAAAAAAAAAAAAAAEAAABQAAAAAAAAAAAA4D8AAAAAAADgPwAAAAAAAOA/AAAAAAAA4D8AAAAAAADgPwAAAAAAAOA/AAAAAAAA4D8AAAAAAADgPwAAAAAAAOA/AAAAAAAA4D8CAAAAjAAAAAAAAAAAAAAAwMDAAP///wgAAAAAAAAAAAAAAAAAAAAAAAAAAAAAAAAAAAAAZAAAAAEAAABAAAAAAAAAAAAAAAAAAAAAAAAAAAAAAAAAAAAAAAAAAAAAAAAAAAAAAAAAAAAAAAAAAAAAAAAAAAAAAAAAAAAAAAAAAAAAAAAAAAAAAAAAAAAAAAAAAAAAFAAAADwAAAABAAAAAAAAAH9/fwAUAAAAAQAAABQAAAAUAAAAFAAAAAEAAAAAAAAAZAAAAGQAAAAAAAAAZAAAAGQAAAAVAAAAYAAAAAAAAAAAAAAADwAAACADAAAAAAAAAAAAAAEAAACgMgAAVgcAAKr4//8BAAAAf39/AAEAAABkAAAAAAAAABQAAABAHwAAAAAAACYAAAAAAAAAwOD//wAAAAAmAAAAZAAAABYAAABMAAAAAAAAAAAAAAAEAAAAAAAAAAEAAACAgIAKAAAAACgAAAAoAAAAZAAAAGQAAAAAAAAAzMzMAAAAAABQAAAAUAAAAGQAAABkAAAAAAAAABcAAAAUAAAAAAAAAAAAAAD/fwAA/38AAAAAAAAJAAAABAAAAGcAaAAMAAAAEAAAAAAAAAAAAAAAAAAAAAAAAAAeAAAAaAAAAAAAAAAAAAAAAAAAAAAAAAAAAAAAECcAABAnAAAAAAAAAAAAAAAAAAAAAAAAAAAAAAAAAAAAAAAAAAAAABQAAAAAAAAAwMD/AAAAAABkAAAAMgAAAAAAAABkAAAAAAAAAH9/fwAKAAAAIgAAABgAAAAAAAAAAAAAAAAAAAAAAAAAAAAAAAAAAAAkAAAAJAAAAAAAAAAHAAAAAAAAAAAAAAAAAAAAAAAAAAAAAAAAAAAAf39/ACUAAABYAAAAAAAAAAAAAAAAAAAAAAAAAAAAAAAAAAAAAAAAAAAAAAAAAAAAAAAAAAAAAAA/AAAAAAAAAKCGAQAAAAAAAAAAAAAAAAAMAAAAAQAAAAAAAAAAAAAAAAAAAB8AAABUAAAAwMDAAP///wEAAAAAAAAAAAAAAAAAAAAAAAAAAAAAAAAAAAAAAAAAAH9/fwB/f38AgICAA8zMzADAwP8Af39/AAAAAAAAAAAAAAAAAAAAAAAAAAAAIQAAABgAAAAUAAAANwIAAIkaAACoEQAAvhwAABAAAAAmAAAACAAAAP//////////"/>
+                <pr:smNativeData xmlns:pr="smNativeData" val="SMDATA_13_4IlQXxMAAAAlAAAAZAAAAA8BAAAAkAAAAEgAAACQAAAASAAAAAAAAAAAAAAAAAAAAAEAAABQAAAAAAAAAAAA4D8AAAAAAADgPwAAAAAAAOA/AAAAAAAA4D8AAAAAAADgPwAAAAAAAOA/AAAAAAAA4D8AAAAAAADgPwAAAAAAAOA/AAAAAAAA4D8CAAAAjAAAAAAAAAAAAAAAwMDAAP///wgAAAAAAAAAAAAAAAAAAAAAAAAAAAAAAAAAAAAAZAAAAAEAAABAAAAAAAAAAAAAAAAAAAAAAAAAAAAAAAAAAAAAAAAAAAAAAAAAAAAAAAAAAAAAAAAAAAAAAAAAAAAAAAAAAAAAAAAAAAAAAAAAAAAAAAAAAAAAAAAAAAAAFAAAADwAAAABAAAAAAAAAH9/fwAUAAAAAQAAABQAAAAUAAAAFAAAAAEAAAAAAAAAZAAAAGQAAAAAAAAAZAAAAGQAAAAVAAAAYAAAAAAAAAAAAAAADwAAACADAAAAAAAAAAAAAAEAAACgMgAAVgcAAKr4//8BAAAAf39/AAEAAABkAAAAAAAAABQAAABAHwAAAAAAACYAAAAAAAAAwOD//wAAAAAmAAAAZAAAABYAAABMAAAAAAAAAAAAAAAEAAAAAAAAAAEAAACAgIAKAAAAACgAAAAoAAAAZAAAAGQAAAAAAAAAzMzMAAAAAABQAAAAUAAAAGQAAABkAAAAAAAAABcAAAAUAAAAAAAAAAAAAAD/fwAA/38AAAAAAAAJAAAABAAAAGcAaAAMAAAAEAAAAAAAAAAAAAAAAAAAAAAAAAAeAAAAaAAAAAAAAAAAAAAAAAAAAAAAAAAAAAAAECcAABAnAAAAAAAAAAAAAAAAAAAAAAAAAAAAAAAAAAAAAAAAAAAAABQAAAAAAAAAwMD/AAAAAABkAAAAMgAAAAAAAABkAAAAAAAAAH9/fwAKAAAAHwAAAFQAAADAwMAA////AQAAAAAAAAAAAAAAAAAAAAAAAAAAAAAAAAAAAAAAAAAAf39/AH9/fwCAgIADzMzMAMDA/wB/f38AAAAAAAAAAAAAAAAAAAAAAAAAAAAhAAAAGAAAABQAAAA3AgAAiRoAAKgRAAC+HAAAEAAAACYAAAAIAAAA//////////8="/>
               </a:ext>
             </a:extLst>
           </p:cNvSpPr>
@@ -5668,7 +5644,7 @@
           <p:cNvSpPr txBox="1">
             <a:extLst>
               <a:ext uri="smNativeData">
-                <pr:smNativeData xmlns:pr="smNativeData" val="SMDATA_16_PPTaXhMAAAAlAAAAEgAAAE8BAAAAkAAAAEgAAACQAAAASAAAAAAAAAAAAAAAAAAAAAEAAABQAAAAAAAAAAAA4D8AAAAAAADgPwAAAAAAAOA/AAAAAAAA4D8AAAAAAADgPwAAAAAAAOA/AAAAAAAA4D8AAAAAAADgPwAAAAAAAOA/AAAAAAAA4D8CAAAAjAAAAAAAAAAAAAAAu+DjDP///wgAAAAAAAAAAAAAAAAAAAAAAAAAAAAAAAAAAAAAZAAAAAEAAABAAAAAAAAAAAAAAAAAAAAAAAAAAAAAAAAAAAAAAAAAAAAAAAAAAAAAAAAAAAAAAAAAAAAAAAAAAAAAAAAAAAAAAAAAAAAAAAAAAAAAAAAAAAAAAAAAAAAAFAAAADwAAAAAAAAAAAAAAAAAAAkUAAAAAQAAABQAAAAUAAAAFAAAAAEAAAAAAAAAZAAAAGQAAAAAAAAAZAAAAGQAAAAVAAAAYAAAAAAAAAAAAAAADwAAACADAAAAAAAAAAAAAAEAAACgMgAAVgcAAKr4//8BAAAAf39/AAEAAABkAAAAAAAAABQAAABAHwAAAAAAACYAAAAAAAAAwOD//wAAAAAmAAAAZAAAABYAAABMAAAAAAAAAAAAAAAEAAAAAAAAAAEAAACAgIAKAAAAACgAAAAoAAAAZAAAAGQAAAAAAAAAzMzMAAAAAABQAAAAUAAAAGQAAABkAAAAAAAAABcAAAAUAAAAAAAAANwIAAD/fwAA/38AAAAAAAAJAAAABAAAAGcAaAAMAAAAEAAAAAAAAAAAAAAAAAAAAAAAAAAeAAAAaAAAAAAAAAAAAAAAAAAAAAAAAAAAAAAAECcAABAnAAAAAAAAAAAAAAAAAAAAAAAAAAAAAAAAAAAAAAAAAAAAABQAAAAAAAAAwMD/AAAAAABkAAAAMgAAAAAAAABkAAAAAAAAAH9/fwAKAAAAIgAAABgAAAAAAAAAAAAAAAAAAAAAAAAAAAAAAAAAAAAkAAAAJAAAAAAAAAAHAAAAAAAAAAAAAAAAAAAAAAAAAAAAAAAAAAAAf39/ACUAAABYAAAAAAAAAAAAAAAAAAAAAAAAAAAAAAAAAAAAAAAAAAAAAAAAAAAAAAAAAAAAAAA/AAAAAAAAAKCGAQAAAAAAAAAAAAAAAAAMAAAAAQAAAAAAAAAAAAAAAAAAAB8AAABUAAAAu+DjBf///wEAAAAAAAAAAAAAAAAAAAAAAAAAAAAAAAAAAAAAAAAAAAAAAAJ/f38AgICAA8zMzADAwP8Af39/AAAAAAAAAAAAAAAAAAAAAAAAAAAAIQAAABgAAAAUAAAAFwMAAH4aAAC/FAAAjhwAABAgAAAmAAAACAAAAP//////////"/>
+                <pr:smNativeData xmlns:pr="smNativeData" val="SMDATA_13_4IlQXxMAAAAlAAAAEgAAAE8BAAAAkAAAAEgAAACQAAAASAAAAAAAAAAAAAAAAAAAAAEAAABQAAAAAAAAAAAA4D8AAAAAAADgPwAAAAAAAOA/AAAAAAAA4D8AAAAAAADgPwAAAAAAAOA/AAAAAAAA4D8AAAAAAADgPwAAAAAAAOA/AAAAAAAA4D8CAAAAjAAAAAAAAAAAAAAAu+DjDP///wgAAAAAAAAAAAAAAAAAAAAAAAAAAAAAAAAAAAAAZAAAAAEAAABAAAAAAAAAAAAAAAAAAAAAAAAAAAAAAAAAAAAAAAAAAAAAAAAAAAAAAAAAAAAAAAAAAAAAAAAAAAAAAAAAAAAAAAAAAAAAAAAAAAAAAAAAAAAAAAAAAAAAFAAAADwAAAAAAAAAAAAAAAAAAAkUAAAAAQAAABQAAAAUAAAAFAAAAAEAAAAAAAAAZAAAAGQAAAAAAAAAZAAAAGQAAAAVAAAAYAAAAAAAAAAAAAAADwAAACADAAAAAAAAAAAAAAEAAACgMgAAVgcAAKr4//8BAAAAf39/AAEAAABkAAAAAAAAABQAAABAHwAAAAAAACYAAAAAAAAAwOD//wAAAAAmAAAAZAAAABYAAABMAAAAAAAAAAAAAAAEAAAAAAAAAAEAAACAgIAKAAAAACgAAAAoAAAAZAAAAGQAAAAAAAAAzMzMAAAAAABQAAAAUAAAAGQAAABkAAAAAAAAABcAAAAUAAAAAAAAANwIAAD/fwAA/38AAAAAAAAJAAAABAAAAGcAaAAMAAAAEAAAAAAAAAAAAAAAAAAAAAAAAAAeAAAAaAAAAAAAAAAAAAAAAAAAAAAAAAAAAAAAECcAABAnAAAAAAAAAAAAAAAAAAAAAAAAAAAAAAAAAAAAAAAAAAAAABQAAAAAAAAAwMD/AAAAAABkAAAAMgAAAAAAAABkAAAAAAAAAH9/fwAKAAAAHwAAAFQAAAC74OMF////AQAAAAAAAAAAAAAAAAAAAAAAAAAAAAAAAAAAAAAAAAAAAAAAAn9/fwCAgIADzMzMAMDA/wB/f38AAAAAAAAAAAAAAAAAAAAAAAAAAAAhAAAAGAAAABQAAAAXAwAAfhoAAL8UAACOHAAAECAAACYAAAAIAAAA//////////8="/>
               </a:ext>
             </a:extLst>
           </p:cNvSpPr>
@@ -5689,7 +5665,7 @@
           <a:effectLst/>
         </p:spPr>
         <p:txBody>
-          <a:bodyPr vert="horz" wrap="square" numCol="1" anchor="t"/>
+          <a:bodyPr vert="horz" wrap="square" numCol="1" spcCol="215900" anchor="t"/>
           <a:lstStyle/>
           <a:p>
             <a:pPr>
@@ -5711,7 +5687,7 @@
           <p:cNvSpPr>
             <a:extLst>
               <a:ext uri="smNativeData">
-                <pr:smNativeData xmlns:pr="smNativeData" val="SMDATA_16_PPTaXhMAAAAlAAAAZAAAAA8BAAAAkAAAAEgAAACQAAAASAAAAAAAAAAAAAAAAAAAAAEAAABQAAAAAAAAAAAA4D8AAAAAAADgPwAAAAAAAOA/AAAAAAAA4D8AAAAAAADgPwAAAAAAAOA/AAAAAAAA4D8AAAAAAADgPwAAAAAAAOA/AAAAAAAA4D8CAAAAjAAAAAAAAAAAAAAAwMDAAP///wgAAAAAAAAAAAAAAAAAAAAAAAAAAAAAAAAAAAAAZAAAAAEAAABAAAAAAAAAAAAAAAAAAAAAAAAAAAAAAAAAAAAAAAAAAAAAAAAAAAAAAAAAAAAAAAAAAAAAAAAAAAAAAAAAAAAAAAAAAAAAAAAAAAAAAAAAAAAAAAAAAAAAFAAAADwAAAABAAAAAAAAAH9/fwAUAAAAAQAAABQAAAAUAAAAFAAAAAEAAAAAAAAAZAAAAGQAAAAAAAAAZAAAAGQAAAAVAAAAYAAAAAAAAAAAAAAADwAAACADAAAAAAAAAAAAAAEAAACgMgAAVgcAAKr4//8BAAAAf39/AAEAAABkAAAAAAAAABQAAABAHwAAAAAAACYAAAAAAAAAwOD//wAAAAAmAAAAZAAAABYAAABMAAAAAAAAAAAAAAAEAAAAAAAAAAEAAACAgIAKAAAAACgAAAAoAAAAZAAAAGQAAAAAAAAAzMzMAAAAAABQAAAAUAAAAGQAAABkAAAAAAAAABcAAAAUAAAAAAAAAAAAAAD/fwAA/38AAAAAAAAJAAAABAAAAGcAaAAMAAAAEAAAAAAAAAAAAAAAAAAAAAAAAAAeAAAAaAAAAAAAAAAAAAAAAAAAAAAAAAAAAAAAECcAABAnAAAAAAAAAAAAAAAAAAAAAAAAAAAAAAAAAAAAAAAAAAAAABQAAAAAAAAAwMD/AAAAAABkAAAAMgAAAAAAAABkAAAAAAAAAH9/fwAKAAAAIgAAABgAAAAAAAAAAAAAAAAAAAAAAAAAAAAAAAAAAAAkAAAAJAAAAAAAAAAHAAAAAAAAAAAAAAAAAAAAAAAAAAAAAAAAAAAAf39/ACUAAABYAAAAAAAAAAAAAAAAAAAAAAAAAAAAAAAAAAAAAAAAAAAAAAAAAAAAAAAAAAAAAAA/AAAAAAAAAKCGAQAAAAAAAAAAAAAAAAAMAAAAAQAAAAAAAAAAAAAAAAAAAB8AAABUAAAAwMDAAP///wEAAAAAAAAAAAAAAAAAAAAAAAAAAAAAAAAAAAAAAAAAAH9/fwB/f38AgICAA8zMzADAwP8Af39/AAAAAAAAAAAAAAAAAAAAAAAAAAAAIQAAABgAAAAUAAAANwIAALEcAACoEQAAuicAABAAAAAmAAAACAAAAP//////////"/>
+                <pr:smNativeData xmlns:pr="smNativeData" val="SMDATA_13_4IlQXxMAAAAlAAAAZAAAAA8BAAAAkAAAAEgAAACQAAAASAAAAAAAAAAAAAAAAAAAAAEAAABQAAAAAAAAAAAA4D8AAAAAAADgPwAAAAAAAOA/AAAAAAAA4D8AAAAAAADgPwAAAAAAAOA/AAAAAAAA4D8AAAAAAADgPwAAAAAAAOA/AAAAAAAA4D8CAAAAjAAAAAAAAAAAAAAAwMDAAP///wgAAAAAAAAAAAAAAAAAAAAAAAAAAAAAAAAAAAAAZAAAAAEAAABAAAAAAAAAAAAAAAAAAAAAAAAAAAAAAAAAAAAAAAAAAAAAAAAAAAAAAAAAAAAAAAAAAAAAAAAAAAAAAAAAAAAAAAAAAAAAAAAAAAAAAAAAAAAAAAAAAAAAFAAAADwAAAABAAAAAAAAAH9/fwAUAAAAAQAAABQAAAAUAAAAFAAAAAEAAAAAAAAAZAAAAGQAAAAAAAAAZAAAAGQAAAAVAAAAYAAAAAAAAAAAAAAADwAAACADAAAAAAAAAAAAAAEAAACgMgAAVgcAAKr4//8BAAAAf39/AAEAAABkAAAAAAAAABQAAABAHwAAAAAAACYAAAAAAAAAwOD//wAAAAAmAAAAZAAAABYAAABMAAAAAAAAAAAAAAAEAAAAAAAAAAEAAACAgIAKAAAAACgAAAAoAAAAZAAAAGQAAAAAAAAAzMzMAAAAAABQAAAAUAAAAGQAAABkAAAAAAAAABcAAAAUAAAAAAAAAAAAAAD/fwAA/38AAAAAAAAJAAAABAAAAGcAaAAMAAAAEAAAAAAAAAAAAAAAAAAAAAAAAAAeAAAAaAAAAAAAAAAAAAAAAAAAAAAAAAAAAAAAECcAABAnAAAAAAAAAAAAAAAAAAAAAAAAAAAAAAAAAAAAAAAAAAAAABQAAAAAAAAAwMD/AAAAAABkAAAAMgAAAAAAAABkAAAAAAAAAH9/fwAKAAAAHwAAAFQAAADAwMAA////AQAAAAAAAAAAAAAAAAAAAAAAAAAAAAAAAAAAAAAAAAAAf39/AH9/fwCAgIADzMzMAMDA/wB/f38AAAAAAAAAAAAAAAAAAAAAAAAAAAAhAAAAGAAAABQAAAA3AgAAsRwAAKgRAAC6JwAAEAAAACYAAAAIAAAA//////////8="/>
               </a:ext>
             </a:extLst>
           </p:cNvSpPr>
@@ -5743,7 +5719,7 @@
           <p:cNvSpPr txBox="1">
             <a:extLst>
               <a:ext uri="smNativeData">
-                <pr:smNativeData xmlns:pr="smNativeData" val="SMDATA_16_PPTaXhMAAAAlAAAAEgAAAE8BAAAAkAAAAEgAAACQAAAASAAAAAAAAAAAAAAAAAAAAAEAAABQAAAAAAAAAAAA4D8AAAAAAADgPwAAAAAAAOA/AAAAAAAA4D8AAAAAAADgPwAAAAAAAOA/AAAAAAAA4D8AAAAAAADgPwAAAAAAAOA/AAAAAAAA4D8CAAAAjAAAAAAAAAAAAAAAu+DjDP///wgAAAAAAAAAAAAAAAAAAAAAAAAAAAAAAAAAAAAAZAAAAAEAAABAAAAAAAAAAAAAAAAAAAAAAAAAAAAAAAAAAAAAAAAAAAAAAAAAAAAAAAAAAAAAAAAAAAAAAAAAAAAAAAAAAAAAAAAAAAAAAAAAAAAAAAAAAAAAAAAAAAAAFAAAADwAAAAAAAAAAAAAAAAAAAkUAAAAAQAAABQAAAAUAAAAFAAAAAEAAAAAAAAAZAAAAGQAAAAAAAAAZAAAAGQAAAAVAAAAYAAAAAAAAAAAAAAADwAAACADAAAAAAAAAAAAAAEAAACgMgAAVgcAAKr4//8BAAAAf39/AAEAAABkAAAAAAAAABQAAABAHwAAAAAAACYAAAAAAAAAwOD//wAAAAAmAAAAZAAAABYAAABMAAAAAAAAAAAAAAAEAAAAAAAAAAEAAACAgIAKAAAAACgAAAAoAAAAZAAAAGQAAAAAAAAAzMzMAAAAAABQAAAAUAAAAGQAAABkAAAAAAAAABcAAAAUAAAAAAAAANwIAAD/fwAA/38AAAAAAAAJAAAABAAAAAAAAAAMAAAAEAAAAAAAAAAAAAAAAAAAAAAAAAAeAAAAaAAAAAAAAAAAAAAAAAAAAAAAAAAAAAAAECcAABAnAAAAAAAAAAAAAAAAAAAAAAAAAAAAAAAAAAAAAAAAAAAAABQAAAAAAAAAwMD/AAAAAABkAAAAMgAAAAAAAABkAAAAAAAAAH9/fwAKAAAAIgAAABgAAAAAAAAAAAAAAAAAAAAAAAAAAAAAAAAAAAAkAAAAJAAAAAAAAAAHAAAAAAAAAAAAAAAAAAAAAAAAAAAAAAAAAAAAf39/ACUAAABYAAAAAAAAAAAAAAAAAAAAAAAAAAAAAAAAAAAAAAAAAAAAAAAAAAAAAAAAAAAAAAA/AAAAAAAAAKCGAQAAAAAAAAAAAAAAAAAMAAAAAQAAAAAAAAAAAAAAAAAAAB8AAABUAAAAu+DjBf///wEAAAAAAAAAAAAAAAAAAAAAAAAAAAAAAAAAAAAAAAAAAAAAAAJ/f38AgICAA8zMzADAwP8Af39/AAAAAAAAAAAAAAAAAAAAAAAAAAAAIQAAABgAAAAUAAAAiAMAAOQdAAA3EQAAtCYAABAgAAAmAAAACAAAAP//////////"/>
+                <pr:smNativeData xmlns:pr="smNativeData" val="SMDATA_13_4IlQXxMAAAAlAAAAEgAAAE8BAAAAkAAAAEgAAACQAAAASAAAAAAAAAAAAAAAAAAAAAEAAABQAAAAAAAAAAAA4D8AAAAAAADgPwAAAAAAAOA/AAAAAAAA4D8AAAAAAADgPwAAAAAAAOA/AAAAAAAA4D8AAAAAAADgPwAAAAAAAOA/AAAAAAAA4D8CAAAAjAAAAAAAAAAAAAAAu+DjDP///wgAAAAAAAAAAAAAAAAAAAAAAAAAAAAAAAAAAAAAZAAAAAEAAABAAAAAAAAAAAAAAAAAAAAAAAAAAAAAAAAAAAAAAAAAAAAAAAAAAAAAAAAAAAAAAAAAAAAAAAAAAAAAAAAAAAAAAAAAAAAAAAAAAAAAAAAAAAAAAAAAAAAAFAAAADwAAAAAAAAAAAAAAAAAAAkUAAAAAQAAABQAAAAUAAAAFAAAAAEAAAAAAAAAZAAAAGQAAAAAAAAAZAAAAGQAAAAVAAAAYAAAAAAAAAAAAAAADwAAACADAAAAAAAAAAAAAAEAAACgMgAAVgcAAKr4//8BAAAAf39/AAEAAABkAAAAAAAAABQAAABAHwAAAAAAACYAAAAAAAAAwOD//wAAAAAmAAAAZAAAABYAAABMAAAAAAAAAAAAAAAEAAAAAAAAAAEAAACAgIAKAAAAACgAAAAoAAAAZAAAAGQAAAAAAAAAzMzMAAAAAABQAAAAUAAAAGQAAABkAAAAAAAAABcAAAAUAAAAAAAAANwIAAD/fwAA/38AAAAAAAAJAAAABAAAAAAAAAAMAAAAEAAAAAAAAAAAAAAAAAAAAAAAAAAeAAAAaAAAAAAAAAAAAAAAAAAAAAAAAAAAAAAAECcAABAnAAAAAAAAAAAAAAAAAAAAAAAAAAAAAAAAAAAAAAAAAAAAABQAAAAAAAAAwMD/AAAAAABkAAAAMgAAAAAAAABkAAAAAAAAAH9/fwAKAAAAHwAAAFQAAAC74OMF////AQAAAAAAAAAAAAAAAAAAAAAAAAAAAAAAAAAAAAAAAAAAAAAAAn9/fwCAgIADzMzMAMDA/wB/f38AAAAAAAAAAAAAAAAAAAAAAAAAAAAhAAAAGAAAABQAAACIAwAA5B0AADcRAAC0JgAAECAAACYAAAAIAAAA//////////8="/>
               </a:ext>
             </a:extLst>
           </p:cNvSpPr>
@@ -5764,7 +5740,7 @@
           <a:effectLst/>
         </p:spPr>
         <p:txBody>
-          <a:bodyPr vert="horz" wrap="square" numCol="1" anchor="t"/>
+          <a:bodyPr vert="horz" wrap="square" numCol="1" spcCol="215900" anchor="t"/>
           <a:lstStyle/>
           <a:p>
             <a:pPr>
@@ -5867,7 +5843,7 @@
           <p:cNvSpPr txBox="1">
             <a:extLst>
               <a:ext uri="smNativeData">
-                <pr:smNativeData xmlns:pr="smNativeData" val="SMDATA_16_PPTaXhMAAAAlAAAAEgAAAE8BAAAAkAAAAEgAAACQAAAASAAAAAAAAAAAAAAAAAAAAAEAAABQAAAAAAAAAAAA4D8AAAAAAADgPwAAAAAAAOA/AAAAAAAA4D8AAAAAAADgPwAAAAAAAOA/AAAAAAAA4D8AAAAAAADgPwAAAAAAAOA/AAAAAAAA4D8CAAAAjAAAAAAAAAAAAAAAu+DjDP///wgAAAAAAAAAAAAAAAAAAAAAAAAAAAAAAAAAAAAAZAAAAAEAAABAAAAAAAAAAAAAAAAAAAAAAAAAAAAAAAAAAAAAAAAAAAAAAAAAAAAAAAAAAAAAAAAAAAAAAAAAAAAAAAAAAAAAAAAAAAAAAAAAAAAAAAAAAAAAAAAAAAAAFAAAADwAAAAAAAAAAAAAAAAAAAkUAAAAAQAAABQAAAAUAAAAFAAAAAEAAAAAAAAAZAAAAGQAAAAAAAAAZAAAAGQAAAAVAAAAYAAAAAAAAAAAAAAADwAAACADAAAAAAAAAAAAAAEAAACgMgAAVgcAAKr4//8BAAAAf39/AAEAAABkAAAAAAAAABQAAABAHwAAAAAAACYAAAAAAAAAwOD//wAAAAAmAAAAZAAAABYAAABMAAAAAAAAAAAAAAAEAAAAAAAAAAEAAACAgIAKAAAAACgAAAAoAAAAZAAAAGQAAAAAAAAAzMzMAAAAAABQAAAAUAAAAGQAAABkAAAAAAAAABcAAAAUAAAAAAAAANwIAAD/fwAA/38AAAAAAAAJAAAABAAAAAAAaAAMAAAAEAAAAAAAAAAAAAAAAAAAAAAAAAAeAAAAaAAAAAAAAAAAAAAAAAAAAAAAAAAAAAAAECcAABAnAAAAAAAAAAAAAAAAAAAAAAAAAAAAAAAAAAAAAAAAAAAAABQAAAAAAAAAwMD/AAAAAABkAAAAMgAAAAAAAABkAAAAAAAAAH9/fwAKAAAAIgAAABgAAAAAAAAAAAAAAAAAAAAAAAAAAAAAAAAAAAAkAAAAJAAAAAAAAAAHAAAAAAAAAAAAAAAAAAAAAAAAAAAAAAAAAAAAf39/ACUAAABYAAAAAAAAAAAAAAAAAAAAAAAAAAAAAAAAAAAAAAAAAAAAAAAAAAAAAAAAAAAAAAA/AAAAAAAAAKCGAQAAAAAAAAAAAAAAAAAMAAAAAQAAAAAAAAAAAAAAAAAAAB8AAABUAAAAu+DjBf///wEAAAAAAAAAAAAAAAAAAAAAAAAAAAAAAAAAAAAAAAAAAAAAAAJ/f38AgICAA8zMzADAwP8Af39/AAAAAAAAAAAAAAAAAAAAAAAAAAAAIQAAABgAAAAUAAAA2ygAAI4HAAD7NgAAJgkAAAAgAAAmAAAACAAAAP//////////"/>
+                <pr:smNativeData xmlns:pr="smNativeData" val="SMDATA_13_4IlQXxMAAAAlAAAAEgAAAE8BAAAAkAAAAEgAAACQAAAASAAAAAAAAAAAAAAAAAAAAAEAAABQAAAAAAAAAAAA4D8AAAAAAADgPwAAAAAAAOA/AAAAAAAA4D8AAAAAAADgPwAAAAAAAOA/AAAAAAAA4D8AAAAAAADgPwAAAAAAAOA/AAAAAAAA4D8CAAAAjAAAAAAAAAAAAAAAu+DjDP///wgAAAAAAAAAAAAAAAAAAAAAAAAAAAAAAAAAAAAAZAAAAAEAAABAAAAAAAAAAAAAAAAAAAAAAAAAAAAAAAAAAAAAAAAAAAAAAAAAAAAAAAAAAAAAAAAAAAAAAAAAAAAAAAAAAAAAAAAAAAAAAAAAAAAAAAAAAAAAAAAAAAAAFAAAADwAAAAAAAAAAAAAAAAAAAkUAAAAAQAAABQAAAAUAAAAFAAAAAEAAAAAAAAAZAAAAGQAAAAAAAAAZAAAAGQAAAAVAAAAYAAAAAAAAAAAAAAADwAAACADAAAAAAAAAAAAAAEAAACgMgAAVgcAAKr4//8BAAAAf39/AAEAAABkAAAAAAAAABQAAABAHwAAAAAAACYAAAAAAAAAwOD//wAAAAAmAAAAZAAAABYAAABMAAAAAAAAAAAAAAAEAAAAAAAAAAEAAACAgIAKAAAAACgAAAAoAAAAZAAAAGQAAAAAAAAAzMzMAAAAAABQAAAAUAAAAGQAAABkAAAAAAAAABcAAAAUAAAAAAAAANwIAAD/fwAA/38AAAAAAAAJAAAABAAAAAAAaAAMAAAAEAAAAAAAAAAAAAAAAAAAAAAAAAAeAAAAaAAAAAAAAAAAAAAAAAAAAAAAAAAAAAAAECcAABAnAAAAAAAAAAAAAAAAAAAAAAAAAAAAAAAAAAAAAAAAAAAAABQAAAAAAAAAwMD/AAAAAABkAAAAMgAAAAAAAABkAAAAAAAAAH9/fwAKAAAAHwAAAFQAAAC74OMF////AQAAAAAAAAAAAAAAAAAAAAAAAAAAAAAAAAAAAAAAAAAAAAAAAn9/fwCAgIADzMzMAMDA/wB/f38AAAAAAAAAAAAAAAAAAAAAAAAAAAAhAAAAGAAAABQAAADbKAAAjgcAAPs2AAAmCQAAECAAACYAAAAIAAAA//////////8="/>
               </a:ext>
             </a:extLst>
           </p:cNvSpPr>
@@ -5888,7 +5864,7 @@
           <a:effectLst/>
         </p:spPr>
         <p:txBody>
-          <a:bodyPr vert="horz" wrap="square" numCol="1" anchor="t"/>
+          <a:bodyPr vert="horz" wrap="square" numCol="1" spcCol="215900" anchor="t"/>
           <a:lstStyle/>
           <a:p>
             <a:pPr>
@@ -5910,7 +5886,7 @@
           <p:cNvSpPr txBox="1">
             <a:extLst>
               <a:ext uri="smNativeData">
-                <pr:smNativeData xmlns:pr="smNativeData" val="SMDATA_16_PPTaXhMAAAAlAAAAEgAAAE8BAAAAkAAAAEgAAACQAAAASAAAAAAAAAAAAAAAAAAAAAEAAABQAAAAAAAAAAAA4D8AAAAAAADgPwAAAAAAAOA/AAAAAAAA4D8AAAAAAADgPwAAAAAAAOA/AAAAAAAA4D8AAAAAAADgPwAAAAAAAOA/AAAAAAAA4D8CAAAAjAAAAAAAAAAAAAAAu+DjDP///wgAAAAAAAAAAAAAAAAAAAAAAAAAAAAAAAAAAAAAZAAAAAEAAABAAAAAAAAAAAAAAAAAAAAAAAAAAAAAAAAAAAAAAAAAAAAAAAAAAAAAAAAAAAAAAAAAAAAAAAAAAAAAAAAAAAAAAAAAAAAAAAAAAAAAAAAAAAAAAAAAAAAAFAAAADwAAAAAAAAAAAAAAAAAAAkUAAAAAQAAABQAAAAUAAAAFAAAAAEAAAAAAAAAZAAAAGQAAAAAAAAAZAAAAGQAAAAVAAAAYAAAAAAAAAAAAAAADwAAACADAAAAAAAAAAAAAAEAAACgMgAAVgcAAKr4//8BAAAAf39/AAEAAABkAAAAAAAAABQAAABAHwAAAAAAACYAAAAAAAAAwOD//wAAAAAmAAAAZAAAABYAAABMAAAAAAAAAAAAAAAEAAAAAAAAAAEAAACAgIAKAAAAACgAAAAoAAAAZAAAAGQAAAAAAAAAzMzMAAAAAABQAAAAUAAAAGQAAABkAAAAAAAAABcAAAAUAAAAAAAAANwIAAD/fwAA/38AAAAAAAAJAAAABAAAAAAAaAAMAAAAEAAAAAAAAAAAAAAAAAAAAAAAAAAeAAAAaAAAAAAAAAAAAAAAAAAAAAAAAAAAAAAAECcAABAnAAAAAAAAAAAAAAAAAAAAAAAAAAAAAAAAAAAAAAAAAAAAABQAAAAAAAAAwMD/AAAAAABkAAAAMgAAAAAAAABkAAAAAAAAAH9/fwAKAAAAIgAAABgAAAAAAAAAAAAAAAAAAAAAAAAAAAAAAAAAAAAkAAAAJAAAAAAAAAAHAAAAAAAAAAAAAAAAAAAAAAAAAAAAAAAAAAAAf39/ACUAAABYAAAAAAAAAAAAAAAAAAAAAAAAAAAAAAAAAAAAAAAAAAAAAAAAAAAAAAAAAAAAAAA/AAAAAAAAAKCGAQAAAAAAAAAAAAAAAAAMAAAAAQAAAAAAAAAAAAAAAAAAAB8AAABUAAAAu+DjBf///wEAAAAAAAAAAAAAAAAAAAAAAAAAAAAAAAAAAAAAAAAAAAAAAAJ/f38AgICAA8zMzADAwP8Af39/AAAAAAAAAAAAAAAAAAAAAAAAAAAAIQAAABgAAAAUAAAA2ygAAMwYAAD7NgAAfBoAABAgAAAmAAAACAAAAP//////////"/>
+                <pr:smNativeData xmlns:pr="smNativeData" val="SMDATA_13_4IlQXxMAAAAlAAAAEgAAAE8BAAAAkAAAAEgAAACQAAAASAAAAAAAAAAAAAAAAAAAAAEAAABQAAAAAAAAAAAA4D8AAAAAAADgPwAAAAAAAOA/AAAAAAAA4D8AAAAAAADgPwAAAAAAAOA/AAAAAAAA4D8AAAAAAADgPwAAAAAAAOA/AAAAAAAA4D8CAAAAjAAAAAAAAAAAAAAAu+DjDP///wgAAAAAAAAAAAAAAAAAAAAAAAAAAAAAAAAAAAAAZAAAAAEAAABAAAAAAAAAAAAAAAAAAAAAAAAAAAAAAAAAAAAAAAAAAAAAAAAAAAAAAAAAAAAAAAAAAAAAAAAAAAAAAAAAAAAAAAAAAAAAAAAAAAAAAAAAAAAAAAAAAAAAFAAAADwAAAAAAAAAAAAAAAAAAAkUAAAAAQAAABQAAAAUAAAAFAAAAAEAAAAAAAAAZAAAAGQAAAAAAAAAZAAAAGQAAAAVAAAAYAAAAAAAAAAAAAAADwAAACADAAAAAAAAAAAAAAEAAACgMgAAVgcAAKr4//8BAAAAf39/AAEAAABkAAAAAAAAABQAAABAHwAAAAAAACYAAAAAAAAAwOD//wAAAAAmAAAAZAAAABYAAABMAAAAAAAAAAAAAAAEAAAAAAAAAAEAAACAgIAKAAAAACgAAAAoAAAAZAAAAGQAAAAAAAAAzMzMAAAAAABQAAAAUAAAAGQAAABkAAAAAAAAABcAAAAUAAAAAAAAANwIAAD/fwAA/38AAAAAAAAJAAAABAAAAAAAaAAMAAAAEAAAAAAAAAAAAAAAAAAAAAAAAAAeAAAAaAAAAAAAAAAAAAAAAAAAAAAAAAAAAAAAECcAABAnAAAAAAAAAAAAAAAAAAAAAAAAAAAAAAAAAAAAAAAAAAAAABQAAAAAAAAAwMD/AAAAAABkAAAAMgAAAAAAAABkAAAAAAAAAH9/fwAKAAAAHwAAAFQAAAC74OMF////AQAAAAAAAAAAAAAAAAAAAAAAAAAAAAAAAAAAAAAAAAAAAAAAAn9/fwCAgIADzMzMAMDA/wB/f38AAAAAAAAAAAAAAAAAAAAAAAAAAAAhAAAAGAAAABQAAADbKAAAzBgAAPs2AAB8GgAAECAAACYAAAAIAAAA//////////8="/>
               </a:ext>
             </a:extLst>
           </p:cNvSpPr>
@@ -5931,7 +5907,7 @@
           <a:effectLst/>
         </p:spPr>
         <p:txBody>
-          <a:bodyPr vert="horz" wrap="square" numCol="1" anchor="t"/>
+          <a:bodyPr vert="horz" wrap="square" numCol="1" spcCol="215900" anchor="t"/>
           <a:lstStyle/>
           <a:p>
             <a:pPr>
@@ -5953,7 +5929,7 @@
           <p:cNvSpPr txBox="1">
             <a:extLst>
               <a:ext uri="smNativeData">
-                <pr:smNativeData xmlns:pr="smNativeData" val="SMDATA_16_PPTaXhMAAAAlAAAAEgAAAE8BAAAAkAAAAEgAAACQAAAASAAAAAAAAAAAAAAAAAAAAAEAAABQAAAAAAAAAAAA4D8AAAAAAADgPwAAAAAAAOA/AAAAAAAA4D8AAAAAAADgPwAAAAAAAOA/AAAAAAAA4D8AAAAAAADgPwAAAAAAAOA/AAAAAAAA4D8CAAAAjAAAAAAAAAAAAAAAu+DjDP///wgAAAAAAAAAAAAAAAAAAAAAAAAAAAAAAAAAAAAAZAAAAAEAAABAAAAAAAAAAAAAAAAAAAAAAAAAAAAAAAAAAAAAAAAAAAAAAAAAAAAAAAAAAAAAAAAAAAAAAAAAAAAAAAAAAAAAAAAAAAAAAAAAAAAAAAAAAAAAAAAAAAAAFAAAADwAAAAAAAAAAAAAAAAAAAkUAAAAAQAAABQAAAAUAAAAFAAAAAEAAAAAAAAAZAAAAGQAAAAAAAAAZAAAAGQAAAAVAAAAYAAAAAAAAAAAAAAADwAAACADAAAAAAAAAAAAAAEAAACgMgAAVgcAAKr4//8BAAAAf39/AAEAAABkAAAAAAAAABQAAABAHwAAAAAAACYAAAAAAAAAwOD//wAAAAAmAAAAZAAAABYAAABMAAAAAAAAAAAAAAAEAAAAAAAAAAEAAACAgIAKAAAAACgAAAAoAAAAZAAAAGQAAAAAAAAAzMzMAAAAAABQAAAAUAAAAGQAAABkAAAAAAAAABcAAAAUAAAAAAAAANwIAAD/fwAA/38AAAAAAAAJAAAABAAAAAAAaAAMAAAAEAAAAAAAAAAAAAAAAAAAAAAAAAAeAAAAaAAAAAAAAAAAAAAAAAAAAAAAAAAAAAAAECcAABAnAAAAAAAAAAAAAAAAAAAAAAAAAAAAAAAAAAAAAAAAAAAAABQAAAAAAAAAwMD/AAAAAABkAAAAMgAAAAAAAABkAAAAAAAAAH9/fwAKAAAAIgAAABgAAAAAAAAAAAAAAAAAAAAAAAAAAAAAAAAAAAAkAAAAJAAAAAAAAAAHAAAAAAAAAAAAAAAAAAAAAAAAAAAAAAAAAAAAf39/ACUAAABYAAAAAAAAAAAAAAAAAAAAAAAAAAAAAAAAAAAAAAAAAAAAAAAAAAAAAAAAAAAAAAA/AAAAAAAAAKCGAQAAAAAAAAAAAAAAAAAMAAAAAQAAAAAAAAAAAAAAAAAAAB8AAABUAAAAu+DjBf///wEAAAAAAAAAAAAAAAAAAAAAAAAAAAAAAAAAAAAAAAAAAAAAAAJ/f38AgICAA8zMzADAwP8Af39/AAAAAAAAAAAAAAAAAAAAAAAAAAAAIQAAABgAAAAUAAAA2ygAAAUVAAD7NgAAnRYAAAAgAAAmAAAACAAAAP//////////"/>
+                <pr:smNativeData xmlns:pr="smNativeData" val="SMDATA_13_4IlQXxMAAAAlAAAAEgAAAE8BAAAAkAAAAEgAAACQAAAASAAAAAAAAAAAAAAAAAAAAAEAAABQAAAAAAAAAAAA4D8AAAAAAADgPwAAAAAAAOA/AAAAAAAA4D8AAAAAAADgPwAAAAAAAOA/AAAAAAAA4D8AAAAAAADgPwAAAAAAAOA/AAAAAAAA4D8CAAAAjAAAAAAAAAAAAAAAu+DjDP///wgAAAAAAAAAAAAAAAAAAAAAAAAAAAAAAAAAAAAAZAAAAAEAAABAAAAAAAAAAAAAAAAAAAAAAAAAAAAAAAAAAAAAAAAAAAAAAAAAAAAAAAAAAAAAAAAAAAAAAAAAAAAAAAAAAAAAAAAAAAAAAAAAAAAAAAAAAAAAAAAAAAAAFAAAADwAAAAAAAAAAAAAAAAAAAkUAAAAAQAAABQAAAAUAAAAFAAAAAEAAAAAAAAAZAAAAGQAAAAAAAAAZAAAAGQAAAAVAAAAYAAAAAAAAAAAAAAADwAAACADAAAAAAAAAAAAAAEAAACgMgAAVgcAAKr4//8BAAAAf39/AAEAAABkAAAAAAAAABQAAABAHwAAAAAAACYAAAAAAAAAwOD//wAAAAAmAAAAZAAAABYAAABMAAAAAAAAAAAAAAAEAAAAAAAAAAEAAACAgIAKAAAAACgAAAAoAAAAZAAAAGQAAAAAAAAAzMzMAAAAAABQAAAAUAAAAGQAAABkAAAAAAAAABcAAAAUAAAAAAAAANwIAAD/fwAA/38AAAAAAAAJAAAABAAAAAAAaAAMAAAAEAAAAAAAAAAAAAAAAAAAAAAAAAAeAAAAaAAAAAAAAAAAAAAAAAAAAAAAAAAAAAAAECcAABAnAAAAAAAAAAAAAAAAAAAAAAAAAAAAAAAAAAAAAAAAAAAAABQAAAAAAAAAwMD/AAAAAABkAAAAMgAAAAAAAABkAAAAAAAAAH9/fwAKAAAAHwAAAFQAAAC74OMF////AQAAAAAAAAAAAAAAAAAAAAAAAAAAAAAAAAAAAAAAAAAAAAAAAn9/fwCAgIADzMzMAMDA/wB/f38AAAAAAAAAAAAAAAAAAAAAAAAAAAAhAAAAGAAAABQAAADbKAAABRUAAPs2AACdFgAAECAAACYAAAAIAAAA//////////8="/>
               </a:ext>
             </a:extLst>
           </p:cNvSpPr>
@@ -5974,7 +5950,7 @@
           <a:effectLst/>
         </p:spPr>
         <p:txBody>
-          <a:bodyPr vert="horz" wrap="square" numCol="1" anchor="t"/>
+          <a:bodyPr vert="horz" wrap="square" numCol="1" spcCol="215900" anchor="t"/>
           <a:lstStyle/>
           <a:p>
             <a:pPr>
@@ -5996,7 +5972,7 @@
           <p:cNvSpPr txBox="1">
             <a:extLst>
               <a:ext uri="smNativeData">
-                <pr:smNativeData xmlns:pr="smNativeData" val="SMDATA_16_PPTaXhMAAAAlAAAAEgAAAE8BAAAAkAAAAEgAAACQAAAASAAAAAAAAAAAAAAAAAAAAAEAAABQAAAAAAAAAAAA4D8AAAAAAADgPwAAAAAAAOA/AAAAAAAA4D8AAAAAAADgPwAAAAAAAOA/AAAAAAAA4D8AAAAAAADgPwAAAAAAAOA/AAAAAAAA4D8CAAAAjAAAAAEAAAAAAAAA2u2hP////wgAAAAAAAAAAAAAAAAAAAAAAAAAAAAAAAAAAAAAZAAAAAEAAABAAAAAAAAAAAAAAAAAAAAAAAAAAAAAAAAAAAAAAAAAAAAAAAAAAAAAAAAAAAAAAAAAAAAAAAAAAAAAAAAAAAAAAAAAAAAAAAAAAAAAAAAAAAAAAAAAAAAAFAAAADwAAAABAAAAAAAAAAAAAAkFAAAAAQAAAAEAAAAAAAAAAAAAAAAAAAAAAAAAZAAAAGQAAAAAAAAAZAAAAGQAAAAVAAAAYAAAAAAAAAAAAAAADwAAACADAAAAAAAAAAAAAAEAAACgMgAAVgcAAKr4//8BAAAAf39/AAEAAABkAAAAAAAAABQAAABAHwAAAAAAACYAAAAAAAAAwOD//wAAAAAmAAAAZAAAABYAAABMAAAAAAAAAAAAAAAEAAAAAAAAAAEAAACAgIAKAAAAACgAAAAoAAAAZAAAAGQAAAAAAAAAzMzMAAAAAABQAAAAUAAAAGQAAABkAAAAAAAAABcAAAAUAAAAAAAAANwIAAD/fwAA/38AAAAAAAAJAAAABAAAAGcAaAAMAAAAEAAAAAAAAAAAAAAAAAAAAAAAAAAeAAAAaAAAAAAAAAAAAAAAAAAAAAAAAAAAAAAAECcAABAnAAAAAAAAAAAAAAAAAAAAAAAAAAAAAAAAAAAAAAAAAAAAABQAAAAAAAAAwMD/AAAAAABkAAAAMgAAAAAAAABkAAAAAAAAAH9/fwAKAAAAIgAAABgAAAAAAAAAAAAAAAAAAAAAAAAAAAAAAAAAAAAkAAAAJAAAAAAAAAAHAAAAAAAAAAAAAAAAAAAAAAAAAAAAAAAAAAAAf39/ACUAAABYAAAAAAAAAAAAAAAAAAAAAAAAAAAAAAAAAAAAAAAAAAAAAAAAAAAAAAAAAAAAAAA/AAAAAAAAAKCGAQAAAAAAAAAAAAAAAAAMAAAAAQAAAAAAAAAAAAAAAAAAAB8AAABUAAAA2u2hOP///wEAAAAAAAAAAAAAAAAAAAAAAAAAAAAAAAAAAAAAAAAAAAAAAAJ/f38AgICAA8zMzADAwP8Af39/AAAAAAAAAAAAAAAAAAAAAAAAAAAAIQAAABgAAAAUAAAAWS4AAJ0AAAA1NwAANQIAABAgAAAmAAAACAAAAP//////////"/>
+                <pr:smNativeData xmlns:pr="smNativeData" val="SMDATA_13_4IlQXxMAAAAlAAAAEgAAAE8BAAAAkAAAAEgAAACQAAAASAAAAAAAAAAAAAAAAAAAAAEAAABQAAAAAAAAAAAA4D8AAAAAAADgPwAAAAAAAOA/AAAAAAAA4D8AAAAAAADgPwAAAAAAAOA/AAAAAAAA4D8AAAAAAADgPwAAAAAAAOA/AAAAAAAA4D8CAAAAjAAAAAEAAAAAAAAA2u2hP////wgAAAAAAAAAAAAAAAAAAAAAAAAAAAAAAAAAAAAAZAAAAAEAAABAAAAAAAAAAAAAAAAAAAAAAAAAAAAAAAAAAAAAAAAAAAAAAAAAAAAAAAAAAAAAAAAAAAAAAAAAAAAAAAAAAAAAAAAAAAAAAAAAAAAAAAAAAAAAAAAAAAAAFAAAADwAAAABAAAAAAAAAAAAAAkFAAAAAQAAAAEAAAAAAAAAAAAAAAAAAAAAAAAAZAAAAGQAAAAAAAAAZAAAAGQAAAAVAAAAYAAAAAAAAAAAAAAADwAAACADAAAAAAAAAAAAAAEAAACgMgAAVgcAAKr4//8BAAAAf39/AAEAAABkAAAAAAAAABQAAABAHwAAAAAAACYAAAAAAAAAwOD//wAAAAAmAAAAZAAAABYAAABMAAAAAAAAAAAAAAAEAAAAAAAAAAEAAACAgIAKAAAAACgAAAAoAAAAZAAAAGQAAAAAAAAAzMzMAAAAAABQAAAAUAAAAGQAAABkAAAAAAAAABcAAAAUAAAAAAAAANwIAAD/fwAA/38AAAAAAAAJAAAABAAAAGcAaAAMAAAAEAAAAAAAAAAAAAAAAAAAAAAAAAAeAAAAaAAAAAAAAAAAAAAAAAAAAAAAAAAAAAAAECcAABAnAAAAAAAAAAAAAAAAAAAAAAAAAAAAAAAAAAAAAAAAAAAAABQAAAAAAAAAwMD/AAAAAABkAAAAMgAAAAAAAABkAAAAAAAAAH9/fwAKAAAAHwAAAFQAAADa7aE4////AQAAAAAAAAAAAAAAAAAAAAAAAAAAAAAAAAAAAAAAAAAAAAAAAn9/fwCAgIADzMzMAMDA/wB/f38AAAAAAAAAAAAAAAAAAAAAAAAAAAAhAAAAGAAAABQAAABZLgAAnQAAADU3AAA1AgAAECAAACYAAAAIAAAA//////////8="/>
               </a:ext>
             </a:extLst>
           </p:cNvSpPr>
@@ -6026,7 +6002,7 @@
           <a:effectLst/>
         </p:spPr>
         <p:txBody>
-          <a:bodyPr vert="horz" wrap="square" numCol="1" anchor="t"/>
+          <a:bodyPr vert="horz" wrap="square" numCol="1" spcCol="215900" anchor="t"/>
           <a:lstStyle/>
           <a:p>
             <a:pPr>
@@ -6048,7 +6024,7 @@
           <p:cNvSpPr txBox="1">
             <a:extLst>
               <a:ext uri="smNativeData">
-                <pr:smNativeData xmlns:pr="smNativeData" val="SMDATA_16_PPTaXhMAAAAlAAAAEgAAAE8BAAAAkAAAAEgAAACQAAAASAAAAAAAAAAAAAAAAAAAAAEAAABQAAAAAAAAAAAA4D8AAAAAAADgPwAAAAAAAOA/AAAAAAAA4D8AAAAAAADgPwAAAAAAAOA/AAAAAAAA4D8AAAAAAADgPwAAAAAAAOA/AAAAAAAA4D8CAAAAjAAAAAAAAAAAAAAAu+DjDP///wgAAAAAAAAAAAAAAAAAAAAAAAAAAAAAAAAAAAAAZAAAAAEAAABAAAAAAAAAAAAAAAAAAAAAAAAAAAAAAAAAAAAAAAAAAAAAAAAAAAAAAAAAAAAAAAAAAAAAAAAAAAAAAAAAAAAAAAAAAAAAAAAAAAAAAAAAAAAAAAAAAAAAFAAAADwAAAAAAAAAAAAAAAAAAAkUAAAAAQAAABQAAAAUAAAAFAAAAAEAAAAAAAAAZAAAAGQAAAAAAAAAZAAAAGQAAAAVAAAAYAAAAAAAAAAAAAAADwAAACADAAAAAAAAAAAAAAEAAACgMgAAVgcAAKr4//8BAAAAf39/AAEAAABkAAAAAAAAABQAAABAHwAAAAAAACYAAAAAAAAAwOD//wAAAAAmAAAAZAAAABYAAABMAAAAAAAAAAAAAAAEAAAAAAAAAAEAAACAgIAKAAAAACgAAAAoAAAAZAAAAGQAAAAAAAAAzMzMAAAAAABQAAAAUAAAAGQAAABkAAAAAAAAABcAAAAUAAAAAAAAANwIAAD/fwAA/38AAAAAAAAJAAAABAAAAGcAaAAMAAAAEAAAAAAAAAAAAAAAAAAAAAAAAAAeAAAAaAAAAAAAAAAAAAAAAAAAAAAAAAAAAAAAECcAABAnAAAAAAAAAAAAAAAAAAAAAAAAAAAAAAAAAAAAAAAAAAAAABQAAAAAAAAAwMD/AAAAAABkAAAAMgAAAAAAAABkAAAAAAAAAH9/fwAKAAAAIgAAABgAAAAAAAAAAAAAAAAAAAAAAAAAAAAAAAAAAAAkAAAAJAAAAAAAAAAHAAAAAAAAAAAAAAAAAAAAAAAAAAAAAAAAAAAAf39/ACUAAABYAAAAAAAAAAAAAAAAAAAAAAAAAAAAAAAAAAAAAAAAAAAAAAAAAAAAAAAAAAAAAAA/AAAAAAAAAKCGAQAAAAAAAAAAAAAAAAAMAAAAAQAAAAAAAAAAAAAAAAAAAB8AAABUAAAAu+DjBf///wEAAAAAAAAAAAAAAAAAAAAAAAAAAAAAAAAAAAAAAAAAAAAAAAJ/f38AgICAA8zMzADAwP8Af39/AAAAAAAAAAAAAAAAAAAAAAAAAAAAIQAAABgAAAAUAAAAcCgAANASAAA9NQAAaBQAAAAgAAAmAAAACAAAAP//////////"/>
+                <pr:smNativeData xmlns:pr="smNativeData" val="SMDATA_13_4IlQXxMAAAAlAAAAEgAAAE8BAAAAkAAAAEgAAACQAAAASAAAAAAAAAAAAAAAAAAAAAEAAABQAAAAAAAAAAAA4D8AAAAAAADgPwAAAAAAAOA/AAAAAAAA4D8AAAAAAADgPwAAAAAAAOA/AAAAAAAA4D8AAAAAAADgPwAAAAAAAOA/AAAAAAAA4D8CAAAAjAAAAAAAAAAAAAAAu+DjDP///wgAAAAAAAAAAAAAAAAAAAAAAAAAAAAAAAAAAAAAZAAAAAEAAABAAAAAAAAAAAAAAAAAAAAAAAAAAAAAAAAAAAAAAAAAAAAAAAAAAAAAAAAAAAAAAAAAAAAAAAAAAAAAAAAAAAAAAAAAAAAAAAAAAAAAAAAAAAAAAAAAAAAAFAAAADwAAAAAAAAAAAAAAAAAAAkUAAAAAQAAABQAAAAUAAAAFAAAAAEAAAAAAAAAZAAAAGQAAAAAAAAAZAAAAGQAAAAVAAAAYAAAAAAAAAAAAAAADwAAACADAAAAAAAAAAAAAAEAAACgMgAAVgcAAKr4//8BAAAAf39/AAEAAABkAAAAAAAAABQAAABAHwAAAAAAACYAAAAAAAAAwOD//wAAAAAmAAAAZAAAABYAAABMAAAAAAAAAAAAAAAEAAAAAAAAAAEAAACAgIAKAAAAACgAAAAoAAAAZAAAAGQAAAAAAAAAzMzMAAAAAABQAAAAUAAAAGQAAABkAAAAAAAAABcAAAAUAAAAAAAAANwIAAD/fwAA/38AAAAAAAAJAAAABAAAAGcAaAAMAAAAEAAAAAAAAAAAAAAAAAAAAAAAAAAeAAAAaAAAAAAAAAAAAAAAAAAAAAAAAAAAAAAAECcAABAnAAAAAAAAAAAAAAAAAAAAAAAAAAAAAAAAAAAAAAAAAAAAABQAAAAAAAAAwMD/AAAAAABkAAAAMgAAAAAAAABkAAAAAAAAAH9/fwAKAAAAHwAAAFQAAAC74OMF////AQAAAAAAAAAAAAAAAAAAAAAAAAAAAAAAAAAAAAAAAAAAAAAAAn9/fwCAgIADzMzMAMDA/wB/f38AAAAAAAAAAAAAAAAAAAAAAAAAAAAhAAAAGAAAABQAAABwKAAA0BIAAD01AABoFAAAECAAACYAAAAIAAAA//////////8="/>
               </a:ext>
             </a:extLst>
           </p:cNvSpPr>
@@ -6069,7 +6045,7 @@
           <a:effectLst/>
         </p:spPr>
         <p:txBody>
-          <a:bodyPr vert="horz" wrap="square" numCol="1" anchor="t"/>
+          <a:bodyPr vert="horz" wrap="square" numCol="1" spcCol="215900" anchor="t"/>
           <a:lstStyle/>
           <a:p>
             <a:pPr>
@@ -6091,7 +6067,7 @@
           <p:cNvSpPr txBox="1">
             <a:extLst>
               <a:ext uri="smNativeData">
-                <pr:smNativeData xmlns:pr="smNativeData" val="SMDATA_16_PPTaXhMAAAAlAAAAEgAAAE8BAAAAkAAAAEgAAACQAAAASAAAAAAAAAAAAAAAAAAAAAEAAABQAAAAAAAAAAAA4D8AAAAAAADgPwAAAAAAAOA/AAAAAAAA4D8AAAAAAADgPwAAAAAAAOA/AAAAAAAA4D8AAAAAAADgPwAAAAAAAOA/AAAAAAAA4D8CAAAAjAAAAAAAAAAAAAAAu+DjDP///wgAAAAAAAAAAAAAAAAAAAAAAAAAAAAAAAAAAAAAZAAAAAEAAABAAAAAAAAAAAAAAAAAAAAAAAAAAAAAAAAAAAAAAAAAAAAAAAAAAAAAAAAAAAAAAAAAAAAAAAAAAAAAAAAAAAAAAAAAAAAAAAAAAAAAAAAAAAAAAAAAAAAAFAAAADwAAAAAAAAAAAAAAAAAAAkUAAAAAQAAABQAAAAUAAAAFAAAAAEAAAAAAAAAZAAAAGQAAAAAAAAAZAAAAGQAAAAVAAAAYAAAAAAAAAAAAAAADwAAACADAAAAAAAAAAAAAAEAAACgMgAAVgcAAKr4//8BAAAAf39/AAEAAABkAAAAAAAAABQAAABAHwAAAAAAACYAAAAAAAAAwOD//wAAAAAmAAAAZAAAABYAAABMAAAAAAAAAAAAAAAEAAAAAAAAAAEAAACAgIAKAAAAACgAAAAoAAAAZAAAAGQAAAAAAAAAzMzMAAAAAABQAAAAUAAAAGQAAABkAAAAAAAAABcAAAAUAAAAAAAAANwIAAD/fwAA/38AAAAAAAAJAAAABAAAAAAAaAAMAAAAEAAAAAAAAAAAAAAAAAAAAAAAAAAeAAAAaAAAAAAAAAAAAAAAAAAAAAAAAAAAAAAAECcAABAnAAAAAAAAAAAAAAAAAAAAAAAAAAAAAAAAAAAAAAAAAAAAABQAAAAAAAAAwMD/AAAAAABkAAAAMgAAAAAAAABkAAAAAAAAAH9/fwAKAAAAIgAAABgAAAAAAAAAAAAAAAAAAAAAAAAAAAAAAAAAAAAkAAAAJAAAAAAAAAAHAAAAAAAAAAAAAAAAAAAAAAAAAAAAAAAAAAAAf39/ACUAAABYAAAAAAAAAAAAAAAAAAAAAAAAAAAAAAAAAAAAAAAAAAAAAAAAAAAAAAAAAAAAAAA/AAAAAAAAAKCGAQAAAAAAAAAAAAAAAAAMAAAAAQAAAAAAAAAAAAAAAAAAAB8AAABUAAAAu+DjBf///wEAAAAAAAAAAAAAAAAAAAAAAAAAAAAAAAAAAAAAAAAAAAAAAAJ/f38AgICAA8zMzADAwP8Af39/AAAAAAAAAAAAAAAAAAAAAAAAAAAAIQAAABgAAAAUAAAAGyEAAIUAAADoLQAANQIAABAgAAAmAAAACAAAAP//////////"/>
+                <pr:smNativeData xmlns:pr="smNativeData" val="SMDATA_13_4IlQXxMAAAAlAAAAEgAAAE8BAAAAkAAAAEgAAACQAAAASAAAAAAAAAAAAAAAAAAAAAEAAABQAAAAAAAAAAAA4D8AAAAAAADgPwAAAAAAAOA/AAAAAAAA4D8AAAAAAADgPwAAAAAAAOA/AAAAAAAA4D8AAAAAAADgPwAAAAAAAOA/AAAAAAAA4D8CAAAAjAAAAAAAAAAAAAAAu+DjDP///wgAAAAAAAAAAAAAAAAAAAAAAAAAAAAAAAAAAAAAZAAAAAEAAABAAAAAAAAAAAAAAAAAAAAAAAAAAAAAAAAAAAAAAAAAAAAAAAAAAAAAAAAAAAAAAAAAAAAAAAAAAAAAAAAAAAAAAAAAAAAAAAAAAAAAAAAAAAAAAAAAAAAAFAAAADwAAAAAAAAAAAAAAAAAAAkUAAAAAQAAABQAAAAUAAAAFAAAAAEAAAAAAAAAZAAAAGQAAAAAAAAAZAAAAGQAAAAVAAAAYAAAAAAAAAAAAAAADwAAACADAAAAAAAAAAAAAAEAAACgMgAAVgcAAKr4//8BAAAAf39/AAEAAABkAAAAAAAAABQAAABAHwAAAAAAACYAAAAAAAAAwOD//wAAAAAmAAAAZAAAABYAAABMAAAAAAAAAAAAAAAEAAAAAAAAAAEAAACAgIAKAAAAACgAAAAoAAAAZAAAAGQAAAAAAAAAzMzMAAAAAABQAAAAUAAAAGQAAABkAAAAAAAAABcAAAAUAAAAAAAAANwIAAD/fwAA/38AAAAAAAAJAAAABAAAAAAAaAAMAAAAEAAAAAAAAAAAAAAAAAAAAAAAAAAeAAAAaAAAAAAAAAAAAAAAAAAAAAAAAAAAAAAAECcAABAnAAAAAAAAAAAAAAAAAAAAAAAAAAAAAAAAAAAAAAAAAAAAABQAAAAAAAAAwMD/AAAAAABkAAAAMgAAAAAAAABkAAAAAAAAAH9/fwAKAAAAHwAAAFQAAAC74OMF////AQAAAAAAAAAAAAAAAAAAAAAAAAAAAAAAAAAAAAAAAAAAAAAAAn9/fwCAgIADzMzMAMDA/wB/f38AAAAAAAAAAAAAAAAAAAAAAAAAAAAhAAAAGAAAABQAAAAbIQAAhQAAAOgtAAA1AgAAECAAACYAAAAIAAAA//////////8="/>
               </a:ext>
             </a:extLst>
           </p:cNvSpPr>
@@ -6112,7 +6088,7 @@
           <a:effectLst/>
         </p:spPr>
         <p:txBody>
-          <a:bodyPr vert="horz" wrap="square" numCol="1" anchor="t"/>
+          <a:bodyPr vert="horz" wrap="square" numCol="1" spcCol="215900" anchor="t"/>
           <a:lstStyle/>
           <a:p>
             <a:pPr>
@@ -6134,7 +6110,7 @@
           <p:cNvSpPr txBox="1">
             <a:extLst>
               <a:ext uri="smNativeData">
-                <pr:smNativeData xmlns:pr="smNativeData" val="SMDATA_16_PPTaXhMAAAAlAAAAEgAAAE8BAAAAkAAAAEgAAACQAAAASAAAAAAAAAAAAAAAAAAAAAEAAABQAAAAAAAAAAAA4D8AAAAAAADgPwAAAAAAAOA/AAAAAAAA4D8AAAAAAADgPwAAAAAAAOA/AAAAAAAA4D8AAAAAAADgPwAAAAAAAOA/AAAAAAAA4D8CAAAAjAAAAAAAAAAAAAAAu+DjDP///wgAAAAAAAAAAAAAAAAAAAAAAAAAAAAAAAAAAAAAZAAAAAEAAABAAAAAAAAAAAAAAAAAAAAAAAAAAAAAAAAAAAAAAAAAAAAAAAAAAAAAAAAAAAAAAAAAAAAAAAAAAAAAAAAAAAAAAAAAAAAAAAAAAAAAAAAAAAAAAAAAAAAAFAAAADwAAAAAAAAAAAAAAAAAAAkUAAAAAQAAABQAAAAUAAAAFAAAAAEAAAAAAAAAZAAAAGQAAAAAAAAAZAAAAGQAAAAVAAAAYAAAAAAAAAAAAAAADwAAACADAAAAAAAAAAAAAAEAAACgMgAAVgcAAKr4//8BAAAAf39/AAEAAABkAAAAAAAAABQAAABAHwAAAAAAACYAAAAAAAAAwOD//wAAAAAmAAAAZAAAABYAAABMAAAAAAAAAAAAAAAEAAAAAAAAAAEAAACAgIAKAAAAACgAAAAoAAAAZAAAAGQAAAAAAAAAzMzMAAAAAABQAAAAUAAAAGQAAABkAAAAAAAAABcAAAAUAAAAAAAAANwIAAD/fwAA/38AAAAAAAAJAAAABAAAAAAJAAAMAAAAEAAAAAAAAAAAAAAAAAAAAAAAAAAeAAAAaAAAAAAAAAAAAAAAAAAAAAAAAAAAAAAAECcAABAnAAAAAAAAAAAAAAAAAAAAAAAAAAAAAAAAAAAAAAAAAAAAABQAAAAAAAAAwMD/AAAAAABkAAAAMgAAAAAAAABkAAAAAAAAAH9/fwAKAAAAIgAAABgAAAAAAAAAAAAAAAAAAAAAAAAAAAAAAAAAAAAkAAAAJAAAAAAAAAAHAAAAAAAAAAAAAAAAAAAAAAAAAAAAAAAAAAAAf39/ACUAAABYAAAAAAAAAAAAAAAAAAAAAAAAAAAAAAAAAAAAAAAAAAAAAAAAAAAAAAAAAAAAAAA/AAAAAAAAAKCGAQAAAAAAAAAAAAAAAAAMAAAAAQAAAAAAAAAAAAAAAAAAAB8AAABUAAAAu+DjBf///wEAAAAAAAAAAAAAAAAAAAAAAAAAAAAAAAAAAAAAAAAAAAAAAAJ/f38AgICAA8zMzADAwP8Af39/AAAAAAAAAAAAAAAAAAAAAAAAAAAAIQAAABgAAAAUAAAAKxMAAIsaAADfIgAAmxwAABAgAAAmAAAACAAAAP//////////"/>
+                <pr:smNativeData xmlns:pr="smNativeData" val="SMDATA_13_4IlQXxMAAAAlAAAAEgAAAE8BAAAAkAAAAEgAAACQAAAASAAAAAAAAAAAAAAAAAAAAAEAAABQAAAAAAAAAAAA4D8AAAAAAADgPwAAAAAAAOA/AAAAAAAA4D8AAAAAAADgPwAAAAAAAOA/AAAAAAAA4D8AAAAAAADgPwAAAAAAAOA/AAAAAAAA4D8CAAAAjAAAAAAAAAAAAAAAu+DjDP///wgAAAAAAAAAAAAAAAAAAAAAAAAAAAAAAAAAAAAAZAAAAAEAAABAAAAAAAAAAAAAAAAAAAAAAAAAAAAAAAAAAAAAAAAAAAAAAAAAAAAAAAAAAAAAAAAAAAAAAAAAAAAAAAAAAAAAAAAAAAAAAAAAAAAAAAAAAAAAAAAAAAAAFAAAADwAAAAAAAAAAAAAAAAAAAkUAAAAAQAAABQAAAAUAAAAFAAAAAEAAAAAAAAAZAAAAGQAAAAAAAAAZAAAAGQAAAAVAAAAYAAAAAAAAAAAAAAADwAAACADAAAAAAAAAAAAAAEAAACgMgAAVgcAAKr4//8BAAAAf39/AAEAAABkAAAAAAAAABQAAABAHwAAAAAAACYAAAAAAAAAwOD//wAAAAAmAAAAZAAAABYAAABMAAAAAAAAAAAAAAAEAAAAAAAAAAEAAACAgIAKAAAAACgAAAAoAAAAZAAAAGQAAAAAAAAAzMzMAAAAAABQAAAAUAAAAGQAAABkAAAAAAAAABcAAAAUAAAAAAAAANwIAAD/fwAA/38AAAAAAAAJAAAABAAAAAAJAAAMAAAAEAAAAAAAAAAAAAAAAAAAAAAAAAAeAAAAaAAAAAAAAAAAAAAAAAAAAAAAAAAAAAAAECcAABAnAAAAAAAAAAAAAAAAAAAAAAAAAAAAAAAAAAAAAAAAAAAAABQAAAAAAAAAwMD/AAAAAABkAAAAMgAAAAAAAABkAAAAAAAAAH9/fwAKAAAAHwAAAFQAAAC74OMF////AQAAAAAAAAAAAAAAAAAAAAAAAAAAAAAAAAAAAAAAAAAAAAAAAn9/fwCAgIADzMzMAMDA/wB/f38AAAAAAAAAAAAAAAAAAAAAAAAAAAAhAAAAGAAAABQAAAArEwAAixoAAN8iAACbHAAAECAAACYAAAAIAAAA//////////8="/>
               </a:ext>
             </a:extLst>
           </p:cNvSpPr>
@@ -6155,7 +6131,7 @@
           <a:effectLst/>
         </p:spPr>
         <p:txBody>
-          <a:bodyPr vert="horz" wrap="square" numCol="1" anchor="t"/>
+          <a:bodyPr vert="horz" wrap="square" numCol="1" spcCol="215900" anchor="t"/>
           <a:lstStyle/>
           <a:p>
             <a:pPr>
@@ -6177,7 +6153,7 @@
           <p:cNvSpPr>
             <a:extLst>
               <a:ext uri="smNativeData">
-                <pr:smNativeData xmlns:pr="smNativeData" val="SMDATA_16_PPTaXhMAAAAlAAAAZAAAAA8BAAAAkAAAAEgAAACQAAAASAAAAAAAAAAAAAAAAAAAAAEAAABQAAAAAAAAAAAA4D8AAAAAAADgPwAAAAAAAOA/AAAAAAAA4D8AAAAAAADgPwAAAAAAAOA/AAAAAAAA4D8AAAAAAADgPwAAAAAAAOA/AAAAAAAA4D8CAAAAjAAAAAAAAAAAAAAAwMDAAP///wgAAAAAAAAAAAAAAAAAAAAAAAAAAAAAAAAAAAAAZAAAAAEAAABAAAAAAAAAAAAAAAAAAAAAAAAAAAAAAAAAAAAAAAAAAAAAAAAAAAAAAAAAAAAAAAAAAAAAAAAAAAAAAAAAAAAAAAAAAAAAAAAAAAAAAAAAAAAAAAAAAAAAFAAAADwAAAABAAAAAAAAAH9/fwAUAAAAAQAAABQAAAAUAAAAFAAAAAEAAAAAAAAAZAAAAGQAAAAAAAAAZAAAAGQAAAAVAAAAYAAAAAAAAAAAAAAADwAAACADAAAAAAAAAAAAAAEAAACgMgAAVgcAAKr4//8BAAAAf39/AAEAAABkAAAAAAAAABQAAABAHwAAAAAAACYAAAAAAAAAwOD//wAAAAAmAAAAZAAAABYAAABMAAAAAAAAAAAAAAAEAAAAAAAAAAEAAACAgIAKAAAAACgAAAAoAAAAZAAAAGQAAAAAAAAAzMzMAAAAAABQAAAAUAAAAGQAAABkAAAAAAAAABcAAAAUAAAAAAAAAAAAAAD/fwAA/38AAAAAAAAJAAAABAAAAAAJAAAMAAAAEAAAAAAAAAAAAAAAAAAAAAAAAAAeAAAAaAAAAAAAAAAAAAAAAAAAAAAAAAAAAAAAECcAABAnAAAAAAAAAAAAAAAAAAAAAAAAAAAAAAAAAAAAAAAAAAAAABQAAAAAAAAAwMD/AAAAAABkAAAAMgAAAAAAAABkAAAAAAAAAH9/fwAKAAAAIgAAABgAAAAAAAAAAAAAAAAAAAAAAAAAAAAAAAAAAAAkAAAAJAAAAAAAAAAHAAAAAAAAAAAAAAAAAAAAAAAAAAAAAAAAAAAAf39/ACUAAABYAAAAAAAAAAAAAAAAAAAAAAAAAAAAAAAAAAAAAAAAAAAAAAAAAAAAAAAAAAAAAAA/AAAAAAAAAKCGAQAAAAAAAAAAAAAAAAAMAAAAAQAAAAAAAAAAAAAAAAAAAB8AAABUAAAAwMDAAP///wEAAAAAAAAAAAAAAAAAAAAAAAAAAAAAAAAAAAAAAAAAAH9/fwB/f38AgICAA8zMzADAwP8Af39/AAAAAAAAAAAAAAAAAAAAAAAAAAAAIQAAABgAAAAUAAAAqBEAAIsaAAD9IQAAwBwAABAAAAAmAAAACAAAAP//////////"/>
+                <pr:smNativeData xmlns:pr="smNativeData" val="SMDATA_13_4IlQXxMAAAAlAAAAZAAAAA8BAAAAkAAAAEgAAACQAAAASAAAAAAAAAAAAAAAAAAAAAEAAABQAAAAAAAAAAAA4D8AAAAAAADgPwAAAAAAAOA/AAAAAAAA4D8AAAAAAADgPwAAAAAAAOA/AAAAAAAA4D8AAAAAAADgPwAAAAAAAOA/AAAAAAAA4D8CAAAAjAAAAAAAAAAAAAAAwMDAAP///wgAAAAAAAAAAAAAAAAAAAAAAAAAAAAAAAAAAAAAZAAAAAEAAABAAAAAAAAAAAAAAAAAAAAAAAAAAAAAAAAAAAAAAAAAAAAAAAAAAAAAAAAAAAAAAAAAAAAAAAAAAAAAAAAAAAAAAAAAAAAAAAAAAAAAAAAAAAAAAAAAAAAAFAAAADwAAAABAAAAAAAAAH9/fwAUAAAAAQAAABQAAAAUAAAAFAAAAAEAAAAAAAAAZAAAAGQAAAAAAAAAZAAAAGQAAAAVAAAAYAAAAAAAAAAAAAAADwAAACADAAAAAAAAAAAAAAEAAACgMgAAVgcAAKr4//8BAAAAf39/AAEAAABkAAAAAAAAABQAAABAHwAAAAAAACYAAAAAAAAAwOD//wAAAAAmAAAAZAAAABYAAABMAAAAAAAAAAAAAAAEAAAAAAAAAAEAAACAgIAKAAAAACgAAAAoAAAAZAAAAGQAAAAAAAAAzMzMAAAAAABQAAAAUAAAAGQAAABkAAAAAAAAABcAAAAUAAAAAAAAAAAAAAD/fwAA/38AAAAAAAAJAAAABAAAAAAJAAAMAAAAEAAAAAAAAAAAAAAAAAAAAAAAAAAeAAAAaAAAAAAAAAAAAAAAAAAAAAAAAAAAAAAAECcAABAnAAAAAAAAAAAAAAAAAAAAAAAAAAAAAAAAAAAAAAAAAAAAABQAAAAAAAAAwMD/AAAAAABkAAAAMgAAAAAAAABkAAAAAAAAAH9/fwAKAAAAHwAAAFQAAADAwMAA////AQAAAAAAAAAAAAAAAAAAAAAAAAAAAAAAAAAAAAAAAAAAf39/AH9/fwCAgIADzMzMAMDA/wB/f38AAAAAAAAAAAAAAAAAAAAAAAAAAAAhAAAAGAAAABQAAACoEQAAixoAAP0hAADAHAAAEAAAACYAAAAIAAAA//////////8="/>
               </a:ext>
             </a:extLst>
           </p:cNvSpPr>
@@ -6209,7 +6185,7 @@
           <p:cNvSpPr txBox="1">
             <a:extLst>
               <a:ext uri="smNativeData">
-                <pr:smNativeData xmlns:pr="smNativeData" val="SMDATA_16_PPTaXhMAAAAlAAAAEgAAAE8BAAAAkAAAAEgAAACQAAAASAAAAAAAAAAAAAAAAAAAAAEAAABQAAAAAAAAAAAA4D8AAAAAAADgPwAAAAAAAOA/AAAAAAAA4D8AAAAAAADgPwAAAAAAAOA/AAAAAAAA4D8AAAAAAADgPwAAAAAAAOA/AAAAAAAA4D8CAAAAjAAAAAAAAAAAAAAAu+DjDP///wgAAAAAAAAAAAAAAAAAAAAAAAAAAAAAAAAAAAAAZAAAAAEAAABAAAAAAAAAAAAAAAAAAAAAAAAAAAAAAAAAAAAAAAAAAAAAAAAAAAAAAAAAAAAAAAAAAAAAAAAAAAAAAAAAAAAAAAAAAAAAAAAAAAAAAAAAAAAAAAAAAAAAFAAAADwAAAAAAAAAAAAAAAAAAAkUAAAAAQAAABQAAAAUAAAAFAAAAAEAAAAAAAAAZAAAAGQAAAAAAAAAZAAAAGQAAAAVAAAAYAAAAAAAAAAAAAAADwAAACADAAAAAAAAAAAAAAEAAACgMgAAVgcAAKr4//8BAAAAf39/AAEAAABkAAAAAAAAABQAAABAHwAAAAAAACYAAAAAAAAAwOD//wAAAAAmAAAAZAAAABYAAABMAAAAAAAAAAAAAAAEAAAAAAAAAAEAAACAgIAKAAAAACgAAAAoAAAAZAAAAGQAAAAAAAAAzMzMAAAAAABQAAAAUAAAAGQAAABkAAAAAAAAABcAAAAUAAAAAAAAANwIAAD/fwAA/38AAAAAAAAJAAAABAAAAAAAAAAMAAAAEAAAAAAAAAAAAAAAAAAAAAAAAAAeAAAAaAAAAAAAAAAAAAAAAAAAAAAAAAAAAAAAECcAABAnAAAAAAAAAAAAAAAAAAAAAAAAAAAAAAAAAAAAAAAAAAAAABQAAAAAAAAAwMD/AAAAAABkAAAAMgAAAAAAAABkAAAAAAAAAH9/fwAKAAAAIgAAABgAAAAAAAAAAAAAAAAAAAAAAAAAAAAAAAAAAAAkAAAAJAAAAAAAAAAHAAAAAAAAAAAAAAAAAAAAAAAAAAAAAAAAAAAAf39/ACUAAABYAAAAAAAAAAAAAAAAAAAAAAAAAAAAAAAAAAAAAAAAAAAAAAAAAAAAAAAAAAAAAAA/AAAAAAAAAKCGAQAAAAAAAAAAAAAAAAAMAAAAAQAAAAAAAAAAAAAAAAAAAB8AAABUAAAAu+DjBf///wEAAAAAAAAAAAAAAAAAAAAAAAAAAAAAAAAAAAAAAAAAAAAAAAJ/f38AgICAA8zMzADAwP8Af39/AAAAAAAAAAAAAAAAAAAAAAAAAAAAIQAAABgAAAAUAAAAzxsAAAQdAACMIQAApB8AABAgAAAmAAAACAAAAP//////////"/>
+                <pr:smNativeData xmlns:pr="smNativeData" val="SMDATA_13_4IlQXxMAAAAlAAAAEgAAAE8BAAAAkAAAAEgAAACQAAAASAAAAAAAAAAAAAAAAAAAAAEAAABQAAAAAAAAAAAA4D8AAAAAAADgPwAAAAAAAOA/AAAAAAAA4D8AAAAAAADgPwAAAAAAAOA/AAAAAAAA4D8AAAAAAADgPwAAAAAAAOA/AAAAAAAA4D8CAAAAjAAAAAAAAAAAAAAAu+DjDP///wgAAAAAAAAAAAAAAAAAAAAAAAAAAAAAAAAAAAAAZAAAAAEAAABAAAAAAAAAAAAAAAAAAAAAAAAAAAAAAAAAAAAAAAAAAAAAAAAAAAAAAAAAAAAAAAAAAAAAAAAAAAAAAAAAAAAAAAAAAAAAAAAAAAAAAAAAAAAAAAAAAAAAFAAAADwAAAAAAAAAAAAAAAAAAAkUAAAAAQAAABQAAAAUAAAAFAAAAAEAAAAAAAAAZAAAAGQAAAAAAAAAZAAAAGQAAAAVAAAAYAAAAAAAAAAAAAAADwAAACADAAAAAAAAAAAAAAEAAACgMgAAVgcAAKr4//8BAAAAf39/AAEAAABkAAAAAAAAABQAAABAHwAAAAAAACYAAAAAAAAAwOD//wAAAAAmAAAAZAAAABYAAABMAAAAAAAAAAAAAAAEAAAAAAAAAAEAAACAgIAKAAAAACgAAAAoAAAAZAAAAGQAAAAAAAAAzMzMAAAAAABQAAAAUAAAAGQAAABkAAAAAAAAABcAAAAUAAAAAAAAANwIAAD/fwAA/38AAAAAAAAJAAAABAAAAAAAAAAMAAAAEAAAAAAAAAAAAAAAAAAAAAAAAAAeAAAAaAAAAAAAAAAAAAAAAAAAAAAAAAAAAAAAECcAABAnAAAAAAAAAAAAAAAAAAAAAAAAAAAAAAAAAAAAAAAAAAAAABQAAAAAAAAAwMD/AAAAAABkAAAAMgAAAAAAAABkAAAAAAAAAH9/fwAKAAAAHwAAAFQAAAC74OMF////AQAAAAAAAAAAAAAAAAAAAAAAAAAAAAAAAAAAAAAAAAAAAAAAAn9/fwCAgIADzMzMAMDA/wB/f38AAAAAAAAAAAAAAAAAAAAAAAAAAAAhAAAAGAAAABQAAADPGwAABB0AAIwhAACkHwAAECAAACYAAAAIAAAA//////////8="/>
               </a:ext>
             </a:extLst>
           </p:cNvSpPr>
@@ -6230,7 +6206,7 @@
           <a:effectLst/>
         </p:spPr>
         <p:txBody>
-          <a:bodyPr vert="horz" wrap="square" numCol="1" anchor="t"/>
+          <a:bodyPr vert="horz" wrap="square" numCol="1" spcCol="215900" anchor="t"/>
           <a:lstStyle/>
           <a:p>
             <a:pPr>
@@ -6264,7 +6240,7 @@
           <p:cNvSpPr txBox="1">
             <a:extLst>
               <a:ext uri="smNativeData">
-                <pr:smNativeData xmlns:pr="smNativeData" val="SMDATA_16_PPTaXhMAAAAlAAAAEgAAAE8BAAAAkAAAAEgAAACQAAAASAAAAAAAAAAAAAAAAAAAAAEAAABQAAAAAAAAAAAA4D8AAAAAAADgPwAAAAAAAOA/AAAAAAAA4D8AAAAAAADgPwAAAAAAAOA/AAAAAAAA4D8AAAAAAADgPwAAAAAAAOA/AAAAAAAA4D8CAAAAjAAAAAEAAAAAAAAA2u2hP////wgAAAAAAAAAAAAAAAAAAAAAAAAAAAAAAAAAAAAAZAAAAAEAAABAAAAAAAAAAAAAAAAAAAAAAAAAAAAAAAAAAAAAAAAAAAAAAAAAAAAAAAAAAAAAAAAAAAAAAAAAAAAAAAAAAAAAAAAAAAAAAAAAAAAAAAAAAAAAAAAAAAAAFAAAADwAAAABAAAAAAAAAAAAAAkFAAAAAQAAAAEAAAAAAAAAAAAAAAAAAAAAAAAAZAAAAGQAAAAAAAAAZAAAAGQAAAAVAAAAYAAAAAAAAAAAAAAADwAAACADAAAAAAAAAAAAAAEAAACgMgAAVgcAAKr4//8BAAAAf39/AAEAAABkAAAAAAAAABQAAABAHwAAAAAAACYAAAAAAAAAwOD//wAAAAAmAAAAZAAAABYAAABMAAAAAAAAAAAAAAAEAAAAAAAAAAEAAACAgIAKAAAAACgAAAAoAAAAZAAAAGQAAAAAAAAAzMzMAAAAAABQAAAAUAAAAGQAAABkAAAAAAAAABcAAAAUAAAAAAAAANwIAAD/fwAA/38AAAAAAAAJAAAABAAAAAQJAAAMAAAAEAAAAAAAAAAAAAAAAAAAAAAAAAAeAAAAaAAAAAAAAAAAAAAAAAAAAAAAAAAAAAAAECcAABAnAAAAAAAAAAAAAAAAAAAAAAAAAAAAAAAAAAAAAAAAAAAAABQAAAAAAAAAwMD/AAAAAABkAAAAMgAAAAAAAABkAAAAAAAAAH9/fwAKAAAAIgAAABgAAAAAAAAAAAAAAAAAAAAAAAAAAAAAAAAAAAAkAAAAJAAAAAAAAAAHAAAAAAAAAAAAAAAAAAAAAAAAAAAAAAAAAAAAf39/ACUAAABYAAAAAAAAAAAAAAAAAAAAAAAAAAAAAAAAAAAAAAAAAAAAAAAAAAAAAAAAAAAAAAA/AAAAAAAAAKCGAQAAAAAAAAAAAAAAAAAMAAAAAQAAAAAAAAAAAAAAAAAAAB8AAABUAAAA2u2hOP///wEAAAAAAAAAAAAAAAAAAAAAAAAAAAAAAAAAAAAAAAAAAAAAAAJ/f38AgICAA8zMzADAwP8Af39/AAAAAAAAAAAAAAAAAAAAAAAAAAAAIQAAABgAAAAUAAAAGRIAAKEgAADXGwAAGSQAABAgAAAmAAAACAAAAP//////////"/>
+                <pr:smNativeData xmlns:pr="smNativeData" val="SMDATA_13_4IlQXxMAAAAlAAAAEgAAAE8BAAAAkAAAAEgAAACQAAAASAAAAAAAAAAAAAAAAAAAAAEAAABQAAAAAAAAAAAA4D8AAAAAAADgPwAAAAAAAOA/AAAAAAAA4D8AAAAAAADgPwAAAAAAAOA/AAAAAAAA4D8AAAAAAADgPwAAAAAAAOA/AAAAAAAA4D8CAAAAjAAAAAEAAAAAAAAA2u2hP////wgAAAAAAAAAAAAAAAAAAAAAAAAAAAAAAAAAAAAAZAAAAAEAAABAAAAAAAAAAAAAAAAAAAAAAAAAAAAAAAAAAAAAAAAAAAAAAAAAAAAAAAAAAAAAAAAAAAAAAAAAAAAAAAAAAAAAAAAAAAAAAAAAAAAAAAAAAAAAAAAAAAAAFAAAADwAAAABAAAAAAAAAAAAAAkFAAAAAQAAAAEAAAAAAAAAAAAAAAAAAAAAAAAAZAAAAGQAAAAAAAAAZAAAAGQAAAAVAAAAYAAAAAAAAAAAAAAADwAAACADAAAAAAAAAAAAAAEAAACgMgAAVgcAAKr4//8BAAAAf39/AAEAAABkAAAAAAAAABQAAABAHwAAAAAAACYAAAAAAAAAwOD//wAAAAAmAAAAZAAAABYAAABMAAAAAAAAAAAAAAAEAAAAAAAAAAEAAACAgIAKAAAAACgAAAAoAAAAZAAAAGQAAAAAAAAAzMzMAAAAAABQAAAAUAAAAGQAAABkAAAAAAAAABcAAAAUAAAAAAAAANwIAAD/fwAA/38AAAAAAAAJAAAABAAAAAQJAAAMAAAAEAAAAAAAAAAAAAAAAAAAAAAAAAAeAAAAaAAAAAAAAAAAAAAAAAAAAAAAAAAAAAAAECcAABAnAAAAAAAAAAAAAAAAAAAAAAAAAAAAAAAAAAAAAAAAAAAAABQAAAAAAAAAwMD/AAAAAABkAAAAMgAAAAAAAABkAAAAAAAAAH9/fwAKAAAAHwAAAFQAAADa7aE4////AQAAAAAAAAAAAAAAAAAAAAAAAAAAAAAAAAAAAAAAAAAAAAAAAn9/fwCAgIADzMzMAMDA/wB/f38AAAAAAAAAAAAAAAAAAAAAAAAAAAAhAAAAGAAAABQAAAAZEgAAoSAAANcbAAAZJAAAECAAACYAAAAIAAAA//////////8="/>
               </a:ext>
             </a:extLst>
           </p:cNvSpPr>
@@ -6294,7 +6270,7 @@
           <a:effectLst/>
         </p:spPr>
         <p:txBody>
-          <a:bodyPr vert="horz" wrap="square" numCol="1" anchor="t"/>
+          <a:bodyPr vert="horz" wrap="square" numCol="1" spcCol="215900" anchor="t"/>
           <a:lstStyle/>
           <a:p>
             <a:pPr>
@@ -6342,7 +6318,7 @@
           <p:cNvSpPr txBox="1">
             <a:extLst>
               <a:ext uri="smNativeData">
-                <pr:smNativeData xmlns:pr="smNativeData" val="SMDATA_16_PPTaXhMAAAAlAAAAEgAAAE8BAAAAkAAAAEgAAACQAAAASAAAAAAAAAAAAAAAAAAAAAEAAABQAAAAAAAAAAAA4D8AAAAAAADgPwAAAAAAAOA/AAAAAAAA4D8AAAAAAADgPwAAAAAAAOA/AAAAAAAA4D8AAAAAAADgPwAAAAAAAOA/AAAAAAAA4D8CAAAAjAAAAAAAAAAAAAAAu+DjDP///wgAAAAAAAAAAAAAAAAAAAAAAAAAAAAAAAAAAAAAZAAAAAEAAABAAAAAAAAAAAAAAAAAAAAAAAAAAAAAAAAAAAAAAAAAAAAAAAAAAAAAAAAAAAAAAAAAAAAAAAAAAAAAAAAAAAAAAAAAAAAAAAAAAAAAAAAAAAAAAAAAAAAAFAAAADwAAAAAAAAAAAAAAAAAAAkUAAAAAQAAABQAAAAUAAAAFAAAAAEAAAAAAAAAZAAAAGQAAAAAAAAAZAAAAGQAAAAVAAAAYAAAAAAAAAAAAAAADwAAACADAAAAAAAAAAAAAAEAAACgMgAAVgcAAKr4//8BAAAAf39/AAEAAABkAAAAAAAAABQAAABAHwAAAAAAACYAAAAAAAAAwOD//wAAAAAmAAAAZAAAABYAAABMAAAAAAAAAAAAAAAEAAAAAAAAAAEAAACAgIAKAAAAACgAAAAoAAAAZAAAAGQAAAAAAAAAzMzMAAAAAABQAAAAUAAAAGQAAABkAAAAAAAAABcAAAAUAAAAAAAAANwIAAD/fwAA/38AAAAAAAAJAAAABAAAAP8JAAAMAAAAEAAAAAAAAAAAAAAAAAAAAAAAAAAeAAAAaAAAAAAAAAAAAAAAAAAAAAAAAAAAAAAAECcAABAnAAAAAAAAAAAAAAAAAAAAAAAAAAAAAAAAAAAAAAAAAAAAABQAAAAAAAAAwMD/AAAAAABkAAAAMgAAAAAAAABkAAAAAAAAAH9/fwAKAAAAIgAAABgAAAAAAAAAAAAAAAAAAAAAAAAAAAAAAAAAAAAkAAAAJAAAAAAAAAAHAAAAAAAAAAAAAAAAAAAAAAAAAAAAAAAAAAAAf39/ACUAAABYAAAAAAAAAAAAAAAAAAAAAAAAAAAAAAAAAAAAAAAAAAAAAAAAAAAAAAAAAAAAAAA/AAAAAAAAAKCGAQAAAAAAAAAAAAAAAAAMAAAAAQAAAAAAAAAAAAAAAAAAAB8AAABUAAAAu+DjBf///wEAAAAAAAAAAAAAAAAAAAAAAAAAAAAAAAAAAAAAAAAAAAAAAAJ/f38AgICAA8zMzADAwP8Af39/AAAAAAAAAAAAAAAAAAAAAAAAAAAAIQAAABgAAAAUAAAAzxsAAJcgAACMIQAAPyQAABAgAAAmAAAACAAAAP//////////"/>
+                <pr:smNativeData xmlns:pr="smNativeData" val="SMDATA_13_4IlQXxMAAAAlAAAAEgAAAE8BAAAAkAAAAEgAAACQAAAASAAAAAAAAAAAAAAAAAAAAAEAAABQAAAAAAAAAAAA4D8AAAAAAADgPwAAAAAAAOA/AAAAAAAA4D8AAAAAAADgPwAAAAAAAOA/AAAAAAAA4D8AAAAAAADgPwAAAAAAAOA/AAAAAAAA4D8CAAAAjAAAAAAAAAAAAAAAu+DjDP///wgAAAAAAAAAAAAAAAAAAAAAAAAAAAAAAAAAAAAAZAAAAAEAAABAAAAAAAAAAAAAAAAAAAAAAAAAAAAAAAAAAAAAAAAAAAAAAAAAAAAAAAAAAAAAAAAAAAAAAAAAAAAAAAAAAAAAAAAAAAAAAAAAAAAAAAAAAAAAAAAAAAAAFAAAADwAAAAAAAAAAAAAAAAAAAkUAAAAAQAAABQAAAAUAAAAFAAAAAEAAAAAAAAAZAAAAGQAAAAAAAAAZAAAAGQAAAAVAAAAYAAAAAAAAAAAAAAADwAAACADAAAAAAAAAAAAAAEAAACgMgAAVgcAAKr4//8BAAAAf39/AAEAAABkAAAAAAAAABQAAABAHwAAAAAAACYAAAAAAAAAwOD//wAAAAAmAAAAZAAAABYAAABMAAAAAAAAAAAAAAAEAAAAAAAAAAEAAACAgIAKAAAAACgAAAAoAAAAZAAAAGQAAAAAAAAAzMzMAAAAAABQAAAAUAAAAGQAAABkAAAAAAAAABcAAAAUAAAAAAAAANwIAAD/fwAA/38AAAAAAAAJAAAABAAAAP8JAAAMAAAAEAAAAAAAAAAAAAAAAAAAAAAAAAAeAAAAaAAAAAAAAAAAAAAAAAAAAAAAAAAAAAAAECcAABAnAAAAAAAAAAAAAAAAAAAAAAAAAAAAAAAAAAAAAAAAAAAAABQAAAAAAAAAwMD/AAAAAABkAAAAMgAAAAAAAABkAAAAAAAAAH9/fwAKAAAAHwAAAFQAAAC74OMF////AQAAAAAAAAAAAAAAAAAAAAAAAAAAAAAAAAAAAAAAAAAAAAAAAn9/fwCAgIADzMzMAMDA/wB/f38AAAAAAAAAAAAAAAAAAAAAAAAAAAAhAAAAGAAAABQAAADPGwAAlyAAAIwhAAA/JAAAECAAACYAAAAIAAAA//////////8="/>
               </a:ext>
             </a:extLst>
           </p:cNvSpPr>
@@ -6363,7 +6339,7 @@
           <a:effectLst/>
         </p:spPr>
         <p:txBody>
-          <a:bodyPr vert="horz" wrap="square" numCol="1" anchor="t"/>
+          <a:bodyPr vert="horz" wrap="square" numCol="1" spcCol="215900" anchor="t"/>
           <a:lstStyle/>
           <a:p>
             <a:pPr>
@@ -6409,7 +6385,7 @@
           <p:cNvSpPr txBox="1">
             <a:extLst>
               <a:ext uri="smNativeData">
-                <pr:smNativeData xmlns:pr="smNativeData" val="SMDATA_16_PPTaXhMAAAAlAAAAEgAAAE8BAAAAkAAAAEgAAACQAAAASAAAAAAAAAAAAAAAAAAAAAEAAABQAAAAAAAAAAAA4D8AAAAAAADgPwAAAAAAAOA/AAAAAAAA4D8AAAAAAADgPwAAAAAAAOA/AAAAAAAA4D8AAAAAAADgPwAAAAAAAOA/AAAAAAAA4D8CAAAAjAAAAAAAAAAAAAAAu+DjDP///wgAAAAAAAAAAAAAAAAAAAAAAAAAAAAAAAAAAAAAZAAAAAEAAABAAAAAAAAAAAAAAAAAAAAAAAAAAAAAAAAAAAAAAAAAAAAAAAAAAAAAAAAAAAAAAAAAAAAAAAAAAAAAAAAAAAAAAAAAAAAAAAAAAAAAAAAAAAAAAAAAAAAAFAAAADwAAAAAAAAAAAAAAAAAAAkUAAAAAQAAABQAAAAUAAAAFAAAAAEAAAAAAAAAZAAAAGQAAAAAAAAAZAAAAGQAAAAVAAAAYAAAAAAAAAAAAAAADwAAACADAAAAAAAAAAAAAAEAAACgMgAAVgcAAKr4//8BAAAAf39/AAEAAABkAAAAAAAAABQAAABAHwAAAAAAACYAAAAAAAAAwOD//wAAAAAmAAAAZAAAABYAAABMAAAAAAAAAAAAAAAEAAAAAAAAAAEAAACAgIAKAAAAACgAAAAoAAAAZAAAAGQAAAAAAAAAzMzMAAAAAABQAAAAUAAAAGQAAABkAAAAAAAAABcAAAAUAAAAAAAAANwIAAD/fwAA/38AAAAAAAAJAAAABAAAAAAAAAAMAAAAEAAAAAAAAAAAAAAAAAAAAAAAAAAeAAAAaAAAAAAAAAAAAAAAAAAAAAAAAAAAAAAAECcAABAnAAAAAAAAAAAAAAAAAAAAAAAAAAAAAAAAAAAAAAAAAAAAABQAAAAAAAAAwMD/AAAAAABkAAAAMgAAAAAAAABkAAAAAAAAAH9/fwAKAAAAIgAAABgAAAAAAAAAAAAAAAAAAAAAAAAAAAAAAAAAAAAkAAAAJAAAAAAAAAAHAAAAAAAAAAAAAAAAAAAAAAAAAAAAAAAAAAAAf39/ACUAAABYAAAAAAAAAAAAAAAAAAAAAAAAAAAAAAAAAAAAAAAAAAAAAAAAAAAAAAAAAAAAAAA/AAAAAAAAAKCGAQAAAAAAAAAAAAAAAAAMAAAAAQAAAAAAAAAAAAAAAAAAAB8AAABUAAAAu+DjBf///wEAAAAAAAAAAAAAAAAAAAAAAAAAAAAAAAAAAAAAAAAAAAAAAAJ/f38AgICAA8zMzADAwP8Af39/AAAAAAAAAAAAAAAAAAAAAAAAAAAAIQAAABgAAAAUAAAA5QIAALEVAADBCwAAkRcAABAgAAAmAAAACAAAAP//////////"/>
+                <pr:smNativeData xmlns:pr="smNativeData" val="SMDATA_13_4IlQXxMAAAAlAAAAEgAAAE8BAAAAkAAAAEgAAACQAAAASAAAAAAAAAAAAAAAAAAAAAEAAABQAAAAAAAAAAAA4D8AAAAAAADgPwAAAAAAAOA/AAAAAAAA4D8AAAAAAADgPwAAAAAAAOA/AAAAAAAA4D8AAAAAAADgPwAAAAAAAOA/AAAAAAAA4D8CAAAAjAAAAAAAAAAAAAAAu+DjDP///wgAAAAAAAAAAAAAAAAAAAAAAAAAAAAAAAAAAAAAZAAAAAEAAABAAAAAAAAAAAAAAAAAAAAAAAAAAAAAAAAAAAAAAAAAAAAAAAAAAAAAAAAAAAAAAAAAAAAAAAAAAAAAAAAAAAAAAAAAAAAAAAAAAAAAAAAAAAAAAAAAAAAAFAAAADwAAAAAAAAAAAAAAAAAAAkUAAAAAQAAABQAAAAUAAAAFAAAAAEAAAAAAAAAZAAAAGQAAAAAAAAAZAAAAGQAAAAVAAAAYAAAAAAAAAAAAAAADwAAACADAAAAAAAAAAAAAAEAAACgMgAAVgcAAKr4//8BAAAAf39/AAEAAABkAAAAAAAAABQAAABAHwAAAAAAACYAAAAAAAAAwOD//wAAAAAmAAAAZAAAABYAAABMAAAAAAAAAAAAAAAEAAAAAAAAAAEAAACAgIAKAAAAACgAAAAoAAAAZAAAAGQAAAAAAAAAzMzMAAAAAABQAAAAUAAAAGQAAABkAAAAAAAAABcAAAAUAAAAAAAAANwIAAD/fwAA/38AAAAAAAAJAAAABAAAAAAAAAAMAAAAEAAAAAAAAAAAAAAAAAAAAAAAAAAeAAAAaAAAAAAAAAAAAAAAAAAAAAAAAAAAAAAAECcAABAnAAAAAAAAAAAAAAAAAAAAAAAAAAAAAAAAAAAAAAAAAAAAABQAAAAAAAAAwMD/AAAAAABkAAAAMgAAAAAAAABkAAAAAAAAAH9/fwAKAAAAHwAAAFQAAAC74OMF////AQAAAAAAAAAAAAAAAAAAAAAAAAAAAAAAAAAAAAAAAAAAAAAAAn9/fwCAgIADzMzMAMDA/wB/f38AAAAAAAAAAAAAAAAAAAAAAAAAAAAhAAAAGAAAABQAAADlAgAAsRUAAMELAACRFwAAECAAACYAAAAIAAAA//////////8="/>
               </a:ext>
             </a:extLst>
           </p:cNvSpPr>
@@ -6430,7 +6406,7 @@
           <a:effectLst/>
         </p:spPr>
         <p:txBody>
-          <a:bodyPr vert="horz" wrap="square" numCol="1" anchor="t"/>
+          <a:bodyPr vert="horz" wrap="square" numCol="1" spcCol="215900" anchor="t"/>
           <a:lstStyle/>
           <a:p>
             <a:pPr>
@@ -6452,7 +6428,7 @@
           <p:cNvSpPr txBox="1">
             <a:extLst>
               <a:ext uri="smNativeData">
-                <pr:smNativeData xmlns:pr="smNativeData" val="SMDATA_16_PPTaXhMAAAAlAAAAEgAAAE8BAAAAkAAAAEgAAACQAAAASAAAAAAAAAAAAAAAAAAAAAEAAABQAAAAAAAAAAAA4D8AAAAAAADgPwAAAAAAAOA/AAAAAAAA4D8AAAAAAADgPwAAAAAAAOA/AAAAAAAA4D8AAAAAAADgPwAAAAAAAOA/AAAAAAAA4D8CAAAAjAAAAAAAAAAAAAAAu+DjDP///wgAAAAAAAAAAAAAAAAAAAAAAAAAAAAAAAAAAAAAZAAAAAEAAABAAAAAAAAAAAAAAAAAAAAAAAAAAAAAAAAAAAAAAAAAAAAAAAAAAAAAAAAAAAAAAAAAAAAAAAAAAAAAAAAAAAAAAAAAAAAAAAAAAAAAAAAAAAAAAAAAAAAAFAAAADwAAAAAAAAAAAAAAAAAAAkUAAAAAQAAABQAAAAUAAAAFAAAAAEAAAAAAAAAZAAAAGQAAAAAAAAAZAAAAGQAAAAVAAAAYAAAAAAAAAAAAAAADwAAACADAAAAAAAAAAAAAAEAAACgMgAAVgcAAKr4//8BAAAAf39/AAEAAABkAAAAAAAAABQAAABAHwAAAAAAACYAAAAAAAAAwOD//wAAAAAmAAAAZAAAABYAAABMAAAAAAAAAAAAAAAEAAAAAAAAAAEAAACAgIAKAAAAACgAAAAoAAAAZAAAAGQAAAAAAAAAzMzMAAAAAABQAAAAUAAAAGQAAABkAAAAAAAAABcAAAAUAAAAAAAAANwIAAD/fwAA/38AAAAAAAAJAAAABAAAAAAAAAAMAAAAEAAAAAAAAAAAAAAAAAAAAAAAAAAeAAAAaAAAAAAAAAAAAAAAAAAAAAAAAAAAAAAAECcAABAnAAAAAAAAAAAAAAAAAAAAAAAAAAAAAAAAAAAAAAAAAAAAABQAAAAAAAAAwMD/AAAAAABkAAAAMgAAAAAAAABkAAAAAAAAAH9/fwAKAAAAIgAAABgAAAAAAAAAAAAAAAAAAAAAAAAAAAAAAAAAAAAkAAAAJAAAAAAAAAAHAAAAAAAAAAAAAAAAAAAAAAAAAAAAAAAAAAAAf39/ACUAAABYAAAAAAAAAAAAAAAAAAAAAAAAAAAAAAAAAAAAAAAAAAAAAAAAAAAAAAAAAAAAAAA/AAAAAAAAAKCGAQAAAAAAAAAAAAAAAAAMAAAAAQAAAAAAAAAAAAAAAAAAAB8AAABUAAAAu+DjBf///wEAAAAAAAAAAAAAAAAAAAAAAAAAAAAAAAAAAAAAAAAAAAAAAAJ/f38AgICAA8zMzADAwP8Af39/AAAAAAAAAAAAAAAAAAAAAAAAAAAAIQAAABgAAAAUAAAAJwoAAOMVAAADEwAAixkAABAgAAAmAAAACAAAAP//////////"/>
+                <pr:smNativeData xmlns:pr="smNativeData" val="SMDATA_13_4IlQXxMAAAAlAAAAEgAAAE8BAAAAkAAAAEgAAACQAAAASAAAAAAAAAAAAAAAAAAAAAEAAABQAAAAAAAAAAAA4D8AAAAAAADgPwAAAAAAAOA/AAAAAAAA4D8AAAAAAADgPwAAAAAAAOA/AAAAAAAA4D8AAAAAAADgPwAAAAAAAOA/AAAAAAAA4D8CAAAAjAAAAAAAAAAAAAAAu+DjDP///wgAAAAAAAAAAAAAAAAAAAAAAAAAAAAAAAAAAAAAZAAAAAEAAABAAAAAAAAAAAAAAAAAAAAAAAAAAAAAAAAAAAAAAAAAAAAAAAAAAAAAAAAAAAAAAAAAAAAAAAAAAAAAAAAAAAAAAAAAAAAAAAAAAAAAAAAAAAAAAAAAAAAAFAAAADwAAAAAAAAAAAAAAAAAAAkUAAAAAQAAABQAAAAUAAAAFAAAAAEAAAAAAAAAZAAAAGQAAAAAAAAAZAAAAGQAAAAVAAAAYAAAAAAAAAAAAAAADwAAACADAAAAAAAAAAAAAAEAAACgMgAAVgcAAKr4//8BAAAAf39/AAEAAABkAAAAAAAAABQAAABAHwAAAAAAACYAAAAAAAAAwOD//wAAAAAmAAAAZAAAABYAAABMAAAAAAAAAAAAAAAEAAAAAAAAAAEAAACAgIAKAAAAACgAAAAoAAAAZAAAAGQAAAAAAAAAzMzMAAAAAABQAAAAUAAAAGQAAABkAAAAAAAAABcAAAAUAAAAAAAAANwIAAD/fwAA/38AAAAAAAAJAAAABAAAAAAAAAAMAAAAEAAAAAAAAAAAAAAAAAAAAAAAAAAeAAAAaAAAAAAAAAAAAAAAAAAAAAAAAAAAAAAAECcAABAnAAAAAAAAAAAAAAAAAAAAAAAAAAAAAAAAAAAAAAAAAAAAABQAAAAAAAAAwMD/AAAAAABkAAAAMgAAAAAAAABkAAAAAAAAAH9/fwAKAAAAHwAAAFQAAAC74OMF////AQAAAAAAAAAAAAAAAAAAAAAAAAAAAAAAAAAAAAAAAAAAAAAAAn9/fwCAgIADzMzMAMDA/wB/f38AAAAAAAAAAAAAAAAAAAAAAAAAAAAhAAAAGAAAABQAAAAnCgAA4xUAAAMTAACLGQAAECAAACYAAAAIAAAA//////////8="/>
               </a:ext>
             </a:extLst>
           </p:cNvSpPr>
@@ -6473,7 +6449,7 @@
           <a:effectLst/>
         </p:spPr>
         <p:txBody>
-          <a:bodyPr vert="horz" wrap="square" numCol="1" anchor="t"/>
+          <a:bodyPr vert="horz" wrap="square" numCol="1" spcCol="215900" anchor="t"/>
           <a:lstStyle/>
           <a:p>
             <a:pPr>
@@ -6519,7 +6495,7 @@
           <p:cNvSpPr txBox="1">
             <a:extLst>
               <a:ext uri="smNativeData">
-                <pr:smNativeData xmlns:pr="smNativeData" val="SMDATA_16_PPTaXhMAAAAlAAAAEgAAAE8BAAAAkAAAAEgAAACQAAAASAAAAAAAAAAAAAAAAAAAAAEAAABQAAAAAAAAAAAA4D8AAAAAAADgPwAAAAAAAOA/AAAAAAAA4D8AAAAAAADgPwAAAAAAAOA/AAAAAAAA4D8AAAAAAADgPwAAAAAAAOA/AAAAAAAA4D8CAAAAjAAAAAAAAAAAAAAAu+DjDP///wgAAAAAAAAAAAAAAAAAAAAAAAAAAAAAAAAAAAAAZAAAAAEAAABAAAAAAAAAAAAAAAAAAAAAAAAAAAAAAAAAAAAAAAAAAAAAAAAAAAAAAAAAAAAAAAAAAAAAAAAAAAAAAAAAAAAAAAAAAAAAAAAAAAAAAAAAAAAAAAAAAAAAFAAAADwAAAAAAAAAAAAAAAAAAAkUAAAAAQAAABQAAAAUAAAAFAAAAAEAAAAAAAAAZAAAAGQAAAAAAAAAZAAAAGQAAAAVAAAAYAAAAAAAAAAAAAAADwAAACADAAAAAAAAAAAAAAEAAACgMgAAVgcAAKr4//8BAAAAf39/AAEAAABkAAAAAAAAABQAAABAHwAAAAAAACYAAAAAAAAAwOD//wAAAAAmAAAAZAAAABYAAABMAAAAAAAAAAAAAAAEAAAAAAAAAAEAAACAgIAKAAAAACgAAAAoAAAAZAAAAGQAAAAAAAAAzMzMAAAAAABQAAAAUAAAAGQAAABkAAAAAAAAABcAAAAUAAAAAAAAANwIAAD/fwAA/38AAAAAAAAJAAAABAAAAAEJAAAMAAAAEAAAAAAAAAAAAAAAAAAAAAAAAAAeAAAAaAAAAAAAAAAAAAAAAAAAAAAAAAAAAAAAECcAABAnAAAAAAAAAAAAAAAAAAAAAAAAAAAAAAAAAAAAAAAAAAAAABQAAAAAAAAAwMD/AAAAAABkAAAAMgAAAAAAAABkAAAAAAAAAH9/fwAKAAAAIgAAABgAAAAAAAAAAAAAAAAAAAAAAAAAAAAAAAAAAAAkAAAAJAAAAAAAAAAHAAAAAAAAAAAAAAAAAAAAAAAAAAAAAAAAAAAAf39/ACUAAABYAAAAAAAAAAAAAAAAAAAAAAAAAAAAAAAAAAAAAAAAAAAAAAAAAAAAAAAAAAAAAAA/AAAAAAAAAKCGAQAAAAAAAAAAAAAAAAAMAAAAAQAAAAAAAAAAAAAAAAAAAB8AAABUAAAAu+DjBf///wEAAAAAAAAAAAAAAAAAAAAAAAAAAAAAAAAAAAAAAAAAAAAAAAJ/f38AgICAA8zMzADAwP8Af39/AAAAAAAAAAAAAAAAAAAAAAAAAAAAIQAAABgAAAAUAAAAgwUAAG4XAAD1CQAAHhkAABAgAAAmAAAACAAAAP//////////"/>
+                <pr:smNativeData xmlns:pr="smNativeData" val="SMDATA_13_4IlQXxMAAAAlAAAAEgAAAE8BAAAAkAAAAEgAAACQAAAASAAAAAAAAAAAAAAAAAAAAAEAAABQAAAAAAAAAAAA4D8AAAAAAADgPwAAAAAAAOA/AAAAAAAA4D8AAAAAAADgPwAAAAAAAOA/AAAAAAAA4D8AAAAAAADgPwAAAAAAAOA/AAAAAAAA4D8CAAAAjAAAAAAAAAAAAAAAu+DjDP///wgAAAAAAAAAAAAAAAAAAAAAAAAAAAAAAAAAAAAAZAAAAAEAAABAAAAAAAAAAAAAAAAAAAAAAAAAAAAAAAAAAAAAAAAAAAAAAAAAAAAAAAAAAAAAAAAAAAAAAAAAAAAAAAAAAAAAAAAAAAAAAAAAAAAAAAAAAAAAAAAAAAAAFAAAADwAAAAAAAAAAAAAAAAAAAkUAAAAAQAAABQAAAAUAAAAFAAAAAEAAAAAAAAAZAAAAGQAAAAAAAAAZAAAAGQAAAAVAAAAYAAAAAAAAAAAAAAADwAAACADAAAAAAAAAAAAAAEAAACgMgAAVgcAAKr4//8BAAAAf39/AAEAAABkAAAAAAAAABQAAABAHwAAAAAAACYAAAAAAAAAwOD//wAAAAAmAAAAZAAAABYAAABMAAAAAAAAAAAAAAAEAAAAAAAAAAEAAACAgIAKAAAAACgAAAAoAAAAZAAAAGQAAAAAAAAAzMzMAAAAAABQAAAAUAAAAGQAAABkAAAAAAAAABcAAAAUAAAAAAAAANwIAAD/fwAA/38AAAAAAAAJAAAABAAAAAEJAAAMAAAAEAAAAAAAAAAAAAAAAAAAAAAAAAAeAAAAaAAAAAAAAAAAAAAAAAAAAAAAAAAAAAAAECcAABAnAAAAAAAAAAAAAAAAAAAAAAAAAAAAAAAAAAAAAAAAAAAAABQAAAAAAAAAwMD/AAAAAABkAAAAMgAAAAAAAABkAAAAAAAAAH9/fwAKAAAAHwAAAFQAAAC74OMF////AQAAAAAAAAAAAAAAAAAAAAAAAAAAAAAAAAAAAAAAAAAAAAAAAn9/fwCAgIADzMzMAMDA/wB/f38AAAAAAAAAAAAAAAAAAAAAAAAAAAAhAAAAGAAAABQAAACDBQAAbhcAAPUJAAAeGQAAECAAACYAAAAIAAAA//////////8="/>
               </a:ext>
             </a:extLst>
           </p:cNvSpPr>
@@ -6540,7 +6516,7 @@
           <a:effectLst/>
         </p:spPr>
         <p:txBody>
-          <a:bodyPr vert="horz" wrap="square" numCol="1" anchor="t"/>
+          <a:bodyPr vert="horz" wrap="square" numCol="1" spcCol="215900" anchor="t"/>
           <a:lstStyle/>
           <a:p>
             <a:pPr>
@@ -6562,7 +6538,7 @@
           <p:cNvSpPr txBox="1">
             <a:extLst>
               <a:ext uri="smNativeData">
-                <pr:smNativeData xmlns:pr="smNativeData" val="SMDATA_16_PPTaXhMAAAAlAAAAEgAAAE8BAAAAkAAAAEgAAACQAAAASAAAAAAAAAAAAAAAAAAAAAEAAABQAAAAAAAAAAAA4D8AAAAAAADgPwAAAAAAAOA/AAAAAAAA4D8AAAAAAADgPwAAAAAAAOA/AAAAAAAA4D8AAAAAAADgPwAAAAAAAOA/AAAAAAAA4D8CAAAAjAAAAAAAAAAAAAAAu+DjDP///wgAAAAAAAAAAAAAAAAAAAAAAAAAAAAAAAAAAAAAZAAAAAEAAABAAAAAAAAAAAAAAAAAAAAAAAAAAAAAAAAAAAAAAAAAAAAAAAAAAAAAAAAAAAAAAAAAAAAAAAAAAAAAAAAAAAAAAAAAAAAAAAAAAAAAAAAAAAAAAAAAAAAAFAAAADwAAAAAAAAAAAAAAAAAAAkUAAAAAQAAABQAAAAUAAAAFAAAAAEAAAAAAAAAZAAAAGQAAAAAAAAAZAAAAGQAAAAVAAAAYAAAAAAAAAAAAAAADwAAACADAAAAAAAAAAAAAAEAAACgMgAAVgcAAKr4//8BAAAAf39/AAEAAABkAAAAAAAAABQAAABAHwAAAAAAACYAAAAAAAAAwOD//wAAAAAmAAAAZAAAABYAAABMAAAAAAAAAAAAAAAEAAAAAAAAAAEAAACAgIAKAAAAACgAAAAoAAAAZAAAAGQAAAAAAAAAzMzMAAAAAABQAAAAUAAAAGQAAABkAAAAAAAAABcAAAAUAAAAAAAAANwIAAD/fwAA/38AAAAAAAAJAAAABAAAAP8JAAAMAAAAEAAAAAAAAAAAAAAAAAAAAAAAAAAeAAAAaAAAAAAAAAAAAAAAAAAAAAAAAAAAAAAAECcAABAnAAAAAAAAAAAAAAAAAAAAAAAAAAAAAAAAAAAAAAAAAAAAABQAAAAAAAAAwMD/AAAAAABkAAAAMgAAAAAAAABkAAAAAAAAAH9/fwAKAAAAIgAAABgAAAAAAAAAAAAAAAAAAAAAAAAAAAAAAAAAAAAkAAAAJAAAAAAAAAAHAAAAAAAAAAAAAAAAAAAAAAAAAAAAAAAAAAAAf39/ACUAAABYAAAAAAAAAAAAAAAAAAAAAAAAAAAAAAAAAAAAAAAAAAAAAAAAAAAAAAAAAAAAAAA/AAAAAAAAAKCGAQAAAAAAAAAAAAAAAAAMAAAAAQAAAAAAAAAAAAAAAAAAAB8AAABUAAAAu+DjBf///wEAAAAAAAAAAAAAAAAAAAAAAAAAAAAAAAAAAAAAAAAAAAAAAAJ/f38AgICAA8zMzADAwP8Af39/AAAAAAAAAAAAAAAAAAAAAAAAAAAAIQAAABgAAAAUAAAAdhYAAEsXAABSHwAAyxgAAAAgAAAmAAAACAAAAP//////////"/>
+                <pr:smNativeData xmlns:pr="smNativeData" val="SMDATA_13_4IlQXxMAAAAlAAAAEgAAAE8BAAAAkAAAAEgAAACQAAAASAAAAAAAAAAAAAAAAAAAAAEAAABQAAAAAAAAAAAA4D8AAAAAAADgPwAAAAAAAOA/AAAAAAAA4D8AAAAAAADgPwAAAAAAAOA/AAAAAAAA4D8AAAAAAADgPwAAAAAAAOA/AAAAAAAA4D8CAAAAjAAAAAAAAAAAAAAAu+DjDP///wgAAAAAAAAAAAAAAAAAAAAAAAAAAAAAAAAAAAAAZAAAAAEAAABAAAAAAAAAAAAAAAAAAAAAAAAAAAAAAAAAAAAAAAAAAAAAAAAAAAAAAAAAAAAAAAAAAAAAAAAAAAAAAAAAAAAAAAAAAAAAAAAAAAAAAAAAAAAAAAAAAAAAFAAAADwAAAAAAAAAAAAAAAAAAAkUAAAAAQAAABQAAAAUAAAAFAAAAAEAAAAAAAAAZAAAAGQAAAAAAAAAZAAAAGQAAAAVAAAAYAAAAAAAAAAAAAAADwAAACADAAAAAAAAAAAAAAEAAACgMgAAVgcAAKr4//8BAAAAf39/AAEAAABkAAAAAAAAABQAAABAHwAAAAAAACYAAAAAAAAAwOD//wAAAAAmAAAAZAAAABYAAABMAAAAAAAAAAAAAAAEAAAAAAAAAAEAAACAgIAKAAAAACgAAAAoAAAAZAAAAGQAAAAAAAAAzMzMAAAAAABQAAAAUAAAAGQAAABkAAAAAAAAABcAAAAUAAAAAAAAANwIAAD/fwAA/38AAAAAAAAJAAAABAAAAP8JAAAMAAAAEAAAAAAAAAAAAAAAAAAAAAAAAAAeAAAAaAAAAAAAAAAAAAAAAAAAAAAAAAAAAAAAECcAABAnAAAAAAAAAAAAAAAAAAAAAAAAAAAAAAAAAAAAAAAAAAAAABQAAAAAAAAAwMD/AAAAAABkAAAAMgAAAAAAAABkAAAAAAAAAH9/fwAKAAAAHwAAAFQAAAC74OMF////AQAAAAAAAAAAAAAAAAAAAAAAAAAAAAAAAAAAAAAAAAAAAAAAAn9/fwCAgIADzMzMAMDA/wB/f38AAAAAAAAAAAAAAAAAAAAAAAAAAAAhAAAAGAAAABQAAAB2FgAASxcAAFIfAADLGAAAECAAACYAAAAIAAAA//////////8="/>
               </a:ext>
             </a:extLst>
           </p:cNvSpPr>
@@ -6583,7 +6559,7 @@
           <a:effectLst/>
         </p:spPr>
         <p:txBody>
-          <a:bodyPr vert="horz" wrap="square" numCol="1" anchor="t"/>
+          <a:bodyPr vert="horz" wrap="square" numCol="1" spcCol="215900" anchor="t"/>
           <a:lstStyle/>
           <a:p>
             <a:pPr>
@@ -6605,7 +6581,7 @@
           <p:cNvSpPr txBox="1">
             <a:extLst>
               <a:ext uri="smNativeData">
-                <pr:smNativeData xmlns:pr="smNativeData" val="SMDATA_16_PPTaXhMAAAAlAAAAEgAAAE8BAAAAkAAAAEgAAACQAAAASAAAAAAAAAAAAAAAAAAAAAEAAABQAAAAAAAAAAAA4D8AAAAAAADgPwAAAAAAAOA/AAAAAAAA4D8AAAAAAADgPwAAAAAAAOA/AAAAAAAA4D8AAAAAAADgPwAAAAAAAOA/AAAAAAAA4D8CAAAAjAAAAAAAAAAAAAAAu+DjDP///wgAAAAAAAAAAAAAAAAAAAAAAAAAAAAAAAAAAAAAZAAAAAEAAABAAAAAAAAAAAAAAAAAAAAAAAAAAAAAAAAAAAAAAAAAAAAAAAAAAAAAAAAAAAAAAAAAAAAAAAAAAAAAAAAAAAAAAAAAAAAAAAAAAAAAAAAAAAAAAAAAAAAAFAAAADwAAAAAAAAAAAAAAAAAAAkUAAAAAQAAABQAAAAUAAAAFAAAAAEAAAAAAAAAZAAAAGQAAAAAAAAAZAAAAGQAAAAVAAAAYAAAAAAAAAAAAAAADwAAACADAAAAAAAAAAAAAAEAAACgMgAAVgcAAKr4//8BAAAAf39/AAEAAABkAAAAAAAAABQAAABAHwAAAAAAACYAAAAAAAAAwOD//wAAAAAmAAAAZAAAABYAAABMAAAAAAAAAAAAAAAEAAAAAAAAAAEAAACAgIAKAAAAACgAAAAoAAAAZAAAAGQAAAAAAAAAzMzMAAAAAABQAAAAUAAAAGQAAABkAAAAAAAAABcAAAAUAAAAAAAAANwIAAD/fwAA/38AAAAAAAAJAAAABAAAAAAJAAAMAAAAEAAAAAAAAAAAAAAAAAAAAAAAAAAeAAAAaAAAAAAAAAAAAAAAAAAAAAAAAAAAAAAAECcAABAnAAAAAAAAAAAAAAAAAAAAAAAAAAAAAAAAAAAAAAAAAAAAABQAAAAAAAAAwMD/AAAAAABkAAAAMgAAAAAAAABkAAAAAAAAAH9/fwAKAAAAIgAAABgAAAAAAAAAAAAAAAAAAAAAAAAAAAAAAAAAAAAkAAAAJAAAAAAAAAAHAAAAAAAAAAAAAAAAAAAAAAAAAAAAAAAAAAAAf39/ACUAAABYAAAAAAAAAAAAAAAAAAAAAAAAAAAAAAAAAAAAAAAAAAAAAAAAAAAAAAAAAAAAAAA/AAAAAAAAAKCGAQAAAAAAAAAAAAAAAAAMAAAAAQAAAAAAAAAAAAAAAAAAAB8AAABUAAAAu+DjBf///wEAAAAAAAAAAAAAAAAAAAAAAAAAAAAAAAAAAAAAAAAAAAAAAAJ/f38AgICAA8zMzADAwP8Af39/AAAAAAAAAAAAAAAAAAAAAAAAAAAAIQAAABgAAAAUAAAAth0AAEAXAAA8JwAAsBkAAAAgAAAmAAAACAAAAP//////////"/>
+                <pr:smNativeData xmlns:pr="smNativeData" val="SMDATA_13_4IlQXxMAAAAlAAAAEgAAAE8BAAAAkAAAAEgAAACQAAAASAAAAAAAAAAAAAAAAAAAAAEAAABQAAAAAAAAAAAA4D8AAAAAAADgPwAAAAAAAOA/AAAAAAAA4D8AAAAAAADgPwAAAAAAAOA/AAAAAAAA4D8AAAAAAADgPwAAAAAAAOA/AAAAAAAA4D8CAAAAjAAAAAAAAAAAAAAAu+DjDP///wgAAAAAAAAAAAAAAAAAAAAAAAAAAAAAAAAAAAAAZAAAAAEAAABAAAAAAAAAAAAAAAAAAAAAAAAAAAAAAAAAAAAAAAAAAAAAAAAAAAAAAAAAAAAAAAAAAAAAAAAAAAAAAAAAAAAAAAAAAAAAAAAAAAAAAAAAAAAAAAAAAAAAFAAAADwAAAAAAAAAAAAAAAAAAAkUAAAAAQAAABQAAAAUAAAAFAAAAAEAAAAAAAAAZAAAAGQAAAAAAAAAZAAAAGQAAAAVAAAAYAAAAAAAAAAAAAAADwAAACADAAAAAAAAAAAAAAEAAACgMgAAVgcAAKr4//8BAAAAf39/AAEAAABkAAAAAAAAABQAAABAHwAAAAAAACYAAAAAAAAAwOD//wAAAAAmAAAAZAAAABYAAABMAAAAAAAAAAAAAAAEAAAAAAAAAAEAAACAgIAKAAAAACgAAAAoAAAAZAAAAGQAAAAAAAAAzMzMAAAAAABQAAAAUAAAAGQAAABkAAAAAAAAABcAAAAUAAAAAAAAANwIAAD/fwAA/38AAAAAAAAJAAAABAAAAAAJAAAMAAAAEAAAAAAAAAAAAAAAAAAAAAAAAAAeAAAAaAAAAAAAAAAAAAAAAAAAAAAAAAAAAAAAECcAABAnAAAAAAAAAAAAAAAAAAAAAAAAAAAAAAAAAAAAAAAAAAAAABQAAAAAAAAAwMD/AAAAAABkAAAAMgAAAAAAAABkAAAAAAAAAH9/fwAKAAAAHwAAAFQAAAC74OMF////AQAAAAAAAAAAAAAAAAAAAAAAAAAAAAAAAAAAAAAAAAAAAAAAAn9/fwCAgIADzMzMAMDA/wB/f38AAAAAAAAAAAAAAAAAAAAAAAAAAAAhAAAAGAAAABQAAAC2HQAAQBcAADwnAACwGQAAECAAACYAAAAIAAAA//////////8="/>
               </a:ext>
             </a:extLst>
           </p:cNvSpPr>
@@ -6626,7 +6602,7 @@
           <a:effectLst/>
         </p:spPr>
         <p:txBody>
-          <a:bodyPr vert="horz" wrap="square" numCol="1" anchor="t"/>
+          <a:bodyPr vert="horz" wrap="square" numCol="1" spcCol="215900" anchor="t"/>
           <a:lstStyle/>
           <a:p>
             <a:pPr>
@@ -6660,7 +6636,7 @@
           <p:cNvSpPr txBox="1">
             <a:extLst>
               <a:ext uri="smNativeData">
-                <pr:smNativeData xmlns:pr="smNativeData" val="SMDATA_16_PPTaXhMAAAAlAAAAEgAAAE8BAAAAkAAAAEgAAACQAAAASAAAAAAAAAAAAAAAAAAAAAEAAABQAAAAAAAAAAAA4D8AAAAAAADgPwAAAAAAAOA/AAAAAAAA4D8AAAAAAADgPwAAAAAAAOA/AAAAAAAA4D8AAAAAAADgPwAAAAAAAOA/AAAAAAAA4D8CAAAAjAAAAAEAAAAAAAAA2u2hP////wgAAAAAAAAAAAAAAAAAAAAAAAAAAAAAAAAAAAAAZAAAAAEAAABAAAAAAAAAAAAAAAAAAAAAAAAAAAAAAAAAAAAAAAAAAAAAAAAAAAAAAAAAAAAAAAAAAAAAAAAAAAAAAAAAAAAAAAAAAAAAAAAAAAAAAAAAAAAAAAAAAAAAFAAAADwAAAABAAAAAAAAAAAAAAkFAAAAAQAAAAEAAAAAAAAAAAAAAAAAAAAAAAAAZAAAAGQAAAAAAAAAZAAAAGQAAAAVAAAAYAAAAAAAAAAAAAAADwAAACADAAAAAAAAAAAAAAEAAACgMgAAVgcAAKr4//8BAAAAf39/AAEAAABkAAAAAAAAABQAAABAHwAAAAAAACYAAAAAAAAAwOD//wAAAAAmAAAAZAAAABYAAABMAAAAAAAAAAAAAAAEAAAAAAAAAAEAAACAgIAKAAAAACgAAAAoAAAAZAAAAGQAAAAAAAAAzMzMAAAAAABQAAAAUAAAAGQAAABkAAAAAAAAABcAAAAUAAAAAAAAANwIAAD/fwAA/38AAAAAAAAJAAAABAAAAAAJAAAMAAAAEAAAAAAAAAAAAAAAAAAAAAAAAAAeAAAAaAAAAAAAAAAAAAAAAAAAAAAAAAAAAAAAECcAABAnAAAAAAAAAAAAAAAAAAAAAAAAAAAAAAAAAAAAAAAAAAAAABQAAAAAAAAAwMD/AAAAAABkAAAAMgAAAAAAAABkAAAAAAAAAH9/fwAKAAAAIgAAABgAAAAAAAAAAAAAAAAAAAAAAAAAAAAAAAAAAAAkAAAAJAAAAAAAAAAHAAAAAAAAAAAAAAAAAAAAAAAAAAAAAAAAAAAAf39/ACUAAABYAAAAAAAAAAAAAAAAAAAAAAAAAAAAAAAAAAAAAAAAAAAAAAAAAAAAAAAAAAAAAAA/AAAAAAAAAKCGAQAAAAAAAAAAAAAAAAAMAAAAAQAAAAAAAAAAAAAAAAAAAB8AAABUAAAA2u2hOP///wEAAAAAAAAAAAAAAAAAAAAAAAAAAAAAAAAAAAAAAAAAAAAAAAJ/f38AgICAA8zMzADAwP8Af39/AAAAAAAAAAAAAAAAAAAAAAAAAAAAIQAAABgAAAAUAAAAGRIAADYkAADXGwAAricAABAgAAAmAAAACAAAAP//////////"/>
+                <pr:smNativeData xmlns:pr="smNativeData" val="SMDATA_13_4IlQXxMAAAAlAAAAEgAAAE8BAAAAkAAAAEgAAACQAAAASAAAAAAAAAAAAAAAAAAAAAEAAABQAAAAAAAAAAAA4D8AAAAAAADgPwAAAAAAAOA/AAAAAAAA4D8AAAAAAADgPwAAAAAAAOA/AAAAAAAA4D8AAAAAAADgPwAAAAAAAOA/AAAAAAAA4D8CAAAAjAAAAAEAAAAAAAAA2u2hP////wgAAAAAAAAAAAAAAAAAAAAAAAAAAAAAAAAAAAAAZAAAAAEAAABAAAAAAAAAAAAAAAAAAAAAAAAAAAAAAAAAAAAAAAAAAAAAAAAAAAAAAAAAAAAAAAAAAAAAAAAAAAAAAAAAAAAAAAAAAAAAAAAAAAAAAAAAAAAAAAAAAAAAFAAAADwAAAABAAAAAAAAAAAAAAkFAAAAAQAAAAEAAAAAAAAAAAAAAAAAAAAAAAAAZAAAAGQAAAAAAAAAZAAAAGQAAAAVAAAAYAAAAAAAAAAAAAAADwAAACADAAAAAAAAAAAAAAEAAACgMgAAVgcAAKr4//8BAAAAf39/AAEAAABkAAAAAAAAABQAAABAHwAAAAAAACYAAAAAAAAAwOD//wAAAAAmAAAAZAAAABYAAABMAAAAAAAAAAAAAAAEAAAAAAAAAAEAAACAgIAKAAAAACgAAAAoAAAAZAAAAGQAAAAAAAAAzMzMAAAAAABQAAAAUAAAAGQAAABkAAAAAAAAABcAAAAUAAAAAAAAANwIAAD/fwAA/38AAAAAAAAJAAAABAAAAAAJAAAMAAAAEAAAAAAAAAAAAAAAAAAAAAAAAAAeAAAAaAAAAAAAAAAAAAAAAAAAAAAAAAAAAAAAECcAABAnAAAAAAAAAAAAAAAAAAAAAAAAAAAAAAAAAAAAAAAAAAAAABQAAAAAAAAAwMD/AAAAAABkAAAAMgAAAAAAAABkAAAAAAAAAH9/fwAKAAAAHwAAAFQAAADa7aE4////AQAAAAAAAAAAAAAAAAAAAAAAAAAAAAAAAAAAAAAAAAAAAAAAAn9/fwCAgIADzMzMAMDA/wB/f38AAAAAAAAAAAAAAAAAAAAAAAAAAAAhAAAAGAAAABQAAAAZEgAANiQAANcbAACuJwAAECAAACYAAAAIAAAA//////////8="/>
               </a:ext>
             </a:extLst>
           </p:cNvSpPr>
@@ -6690,7 +6666,7 @@
           <a:effectLst/>
         </p:spPr>
         <p:txBody>
-          <a:bodyPr vert="horz" wrap="square" numCol="1" anchor="t"/>
+          <a:bodyPr vert="horz" wrap="square" numCol="1" spcCol="215900" anchor="t"/>
           <a:lstStyle/>
           <a:p>
             <a:pPr>
@@ -6731,7 +6707,7 @@
           <p:cNvSpPr txBox="1">
             <a:extLst>
               <a:ext uri="smNativeData">
-                <pr:smNativeData xmlns:pr="smNativeData" val="SMDATA_16_PPTaXhMAAAAlAAAAEgAAAE8BAAAAkAAAAEgAAACQAAAASAAAAAAAAAAAAAAAAAAAAAEAAABQAAAAAAAAAAAA4D8AAAAAAADgPwAAAAAAAOA/AAAAAAAA4D8AAAAAAADgPwAAAAAAAOA/AAAAAAAA4D8AAAAAAADgPwAAAAAAAOA/AAAAAAAA4D8CAAAAjAAAAAAAAAAAAAAAu+DjDP///wgAAAAAAAAAAAAAAAAAAAAAAAAAAAAAAAAAAAAAZAAAAAEAAABAAAAAAAAAAAAAAAAAAAAAAAAAAAAAAAAAAAAAAAAAAAAAAAAAAAAAAAAAAAAAAAAAAAAAAAAAAAAAAAAAAAAAAAAAAAAAAAAAAAAAAAAAAAAAAAAAAAAAFAAAADwAAAAAAAAAAAAAAAAAAAkUAAAAAQAAABQAAAAUAAAAFAAAAAEAAAAAAAAAZAAAAGQAAAAAAAAAZAAAAGQAAAAVAAAAYAAAAAAAAAAAAAAADwAAACADAAAAAAAAAAAAAAEAAACgMgAAVgcAAKr4//8BAAAAf39/AAEAAABkAAAAAAAAABQAAABAHwAAAAAAACYAAAAAAAAAwOD//wAAAAAmAAAAZAAAABYAAABMAAAAAAAAAAAAAAAEAAAAAAAAAAEAAACAgIAKAAAAACgAAAAoAAAAZAAAAGQAAAAAAAAAzMzMAAAAAABQAAAAUAAAAGQAAABkAAAAAAAAABcAAAAUAAAAAAAAANwIAAD/fwAA/38AAAAAAAAJAAAABAAAAAAJAAAMAAAAEAAAAAAAAAAAAAAAAAAAAAAAAAAeAAAAaAAAAAAAAAAAAAAAAAAAAAAAAAAAAAAAECcAABAnAAAAAAAAAAAAAAAAAAAAAAAAAAAAAAAAAAAAAAAAAAAAABQAAAAAAAAAwMD/AAAAAABkAAAAMgAAAAAAAABkAAAAAAAAAH9/fwAKAAAAIgAAABgAAAAAAAAAAAAAAAAAAAAAAAAAAAAAAAAAAAAkAAAAJAAAAAAAAAAHAAAAAAAAAAAAAAAAAAAAAAAAAAAAAAAAAAAAf39/ACUAAABYAAAAAAAAAAAAAAAAAAAAAAAAAAAAAAAAAAAAAAAAAAAAAAAAAAAAAAAAAAAAAAA/AAAAAAAAAKCGAQAAAAAAAAAAAAAAAAAMAAAAAQAAAAAAAAAAAAAAAAAAAB8AAABUAAAAu+DjBf///wEAAAAAAAAAAAAAAAAAAAAAAAAAAAAAAAAAAAAAAAAAAAAAAAJ/f38AgICAA8zMzADAwP8Af39/AAAAAAAAAAAAAAAAAAAAAAAAAAAAIQAAABgAAAAUAAAAzxsAACwkAACMIQAA1CcAABAgAAAmAAAACAAAAP//////////"/>
+                <pr:smNativeData xmlns:pr="smNativeData" val="SMDATA_13_4IlQXxMAAAAlAAAAEgAAAE8BAAAAkAAAAEgAAACQAAAASAAAAAAAAAAAAAAAAAAAAAEAAABQAAAAAAAAAAAA4D8AAAAAAADgPwAAAAAAAOA/AAAAAAAA4D8AAAAAAADgPwAAAAAAAOA/AAAAAAAA4D8AAAAAAADgPwAAAAAAAOA/AAAAAAAA4D8CAAAAjAAAAAAAAAAAAAAAu+DjDP///wgAAAAAAAAAAAAAAAAAAAAAAAAAAAAAAAAAAAAAZAAAAAEAAABAAAAAAAAAAAAAAAAAAAAAAAAAAAAAAAAAAAAAAAAAAAAAAAAAAAAAAAAAAAAAAAAAAAAAAAAAAAAAAAAAAAAAAAAAAAAAAAAAAAAAAAAAAAAAAAAAAAAAFAAAADwAAAAAAAAAAAAAAAAAAAkUAAAAAQAAABQAAAAUAAAAFAAAAAEAAAAAAAAAZAAAAGQAAAAAAAAAZAAAAGQAAAAVAAAAYAAAAAAAAAAAAAAADwAAACADAAAAAAAAAAAAAAEAAACgMgAAVgcAAKr4//8BAAAAf39/AAEAAABkAAAAAAAAABQAAABAHwAAAAAAACYAAAAAAAAAwOD//wAAAAAmAAAAZAAAABYAAABMAAAAAAAAAAAAAAAEAAAAAAAAAAEAAACAgIAKAAAAACgAAAAoAAAAZAAAAGQAAAAAAAAAzMzMAAAAAABQAAAAUAAAAGQAAABkAAAAAAAAABcAAAAUAAAAAAAAANwIAAD/fwAA/38AAAAAAAAJAAAABAAAAAAJAAAMAAAAEAAAAAAAAAAAAAAAAAAAAAAAAAAeAAAAaAAAAAAAAAAAAAAAAAAAAAAAAAAAAAAAECcAABAnAAAAAAAAAAAAAAAAAAAAAAAAAAAAAAAAAAAAAAAAAAAAABQAAAAAAAAAwMD/AAAAAABkAAAAMgAAAAAAAABkAAAAAAAAAH9/fwAKAAAAHwAAAFQAAAC74OMF////AQAAAAAAAAAAAAAAAAAAAAAAAAAAAAAAAAAAAAAAAAAAAAAAAn9/fwCAgIADzMzMAMDA/wB/f38AAAAAAAAAAAAAAAAAAAAAAAAAAAAhAAAAGAAAABQAAADPGwAALCQAAIwhAADUJwAAECAAACYAAAAIAAAA//////////8="/>
               </a:ext>
             </a:extLst>
           </p:cNvSpPr>
@@ -6752,7 +6728,7 @@
           <a:effectLst/>
         </p:spPr>
         <p:txBody>
-          <a:bodyPr vert="horz" wrap="square" numCol="1" anchor="t"/>
+          <a:bodyPr vert="horz" wrap="square" numCol="1" spcCol="215900" anchor="t"/>
           <a:lstStyle/>
           <a:p>
             <a:pPr>
@@ -6798,7 +6774,7 @@
           <p:cNvSpPr>
             <a:extLst>
               <a:ext uri="smNativeData">
-                <pr:smNativeData xmlns:pr="smNativeData" val="SMDATA_16_PPTaXhMAAAAlAAAAZAAAAA8BAAAAkAAAAEgAAACQAAAASAAAAAAAAAAAAAAAAAAAAAEAAABQAAAAAAAAAAAA4D8AAAAAAADgPwAAAAAAAOA/AAAAAAAA4D8AAAAAAADgPwAAAAAAAOA/AAAAAAAA4D8AAAAAAADgPwAAAAAAAOA/AAAAAAAA4D8CAAAAjAAAAAAAAAAAAAAAwMDAAP///wgAAAAAAAAAAAAAAAAAAAAAAAAAAAAAAAAAAAAAZAAAAAEAAABAAAAAAAAAAAAAAAAAAAAAAAAAAAAAAAAAAAAAAAAAAAAAAAAAAAAAAAAAAAAAAAAAAAAAAAAAAAAAAAAAAAAAAAAAAAAAAAAAAAAAAAAAAAAAAAAAAAAAFAAAADwAAAABAAAAAAAAAH9/fwAUAAAAAQAAABQAAAAUAAAAFAAAAAEAAAAAAAAAZAAAAGQAAAAAAAAAZAAAAGQAAAAVAAAAYAAAAAAAAAAAAAAADwAAACADAAAAAAAAAAAAAAEAAACgMgAAVgcAAKr4//8BAAAAf39/AAEAAABkAAAAAAAAABQAAABAHwAAAAAAACYAAAAAAAAAwOD//wAAAAAmAAAAZAAAABYAAABMAAAAAAAAAAAAAAAEAAAAAAAAAAEAAACAgIAKAAAAACgAAAAoAAAAZAAAAGQAAAAAAAAAzMzMAAAAAABQAAAAUAAAAGQAAABkAAAAAAAAABcAAAAUAAAAAAAAAAAAAAD/fwAA/38AAAAAAAAJAAAABAAAAGcAaAAMAAAAEAAAAAAAAAAAAAAAAAAAAAAAAAAeAAAAaAAAAAAAAAAAAAAAAAAAAAAAAAAAAAAAECcAABAnAAAAAAAAAAAAAAAAAAAAAAAAAAAAAAAAAAAAAAAAAAAAABQAAAAAAAAAwMD/AAAAAABkAAAAMgAAAAAAAABkAAAAAAAAAH9/fwAKAAAAIgAAABgAAAAAAAAAAAAAAAAAAAAAAAAAAAAAAAAAAAAkAAAAJAAAAAAAAAAHAAAAAAAAAAAAAAAAAAAAAAAAAAAAAAAAAAAAf39/ACUAAABYAAAAAAAAAAAAAAAAAAAAAAAAAAAAAAAAAAAAAAAAAAAAAAAAAAAAAAAAAAAAAAA/AAAAAAAAAKCGAQAAAAAAAAAAAAAAAAAMAAAAAQAAAAAAAAAAAAAAAAAAAB8AAABUAAAAwMDAAP///wEAAAAAAAAAAAAAAAAAAAAAAAAAAAAAAAAAAAAAAAAAAH9/fwB/f38AgICAA8zMzADAwP8Af39/AAAAAAAAAAAAAAAAAAAAAAAAAAAAIQAAABgAAAAUAAAA/SEAAOYeAAAtNwAAuicAABAAAAAmAAAACAAAAP//////////"/>
+                <pr:smNativeData xmlns:pr="smNativeData" val="SMDATA_13_4IlQXxMAAAAlAAAAZAAAAA8BAAAAkAAAAEgAAACQAAAASAAAAAAAAAAAAAAAAAAAAAEAAABQAAAAAAAAAAAA4D8AAAAAAADgPwAAAAAAAOA/AAAAAAAA4D8AAAAAAADgPwAAAAAAAOA/AAAAAAAA4D8AAAAAAADgPwAAAAAAAOA/AAAAAAAA4D8CAAAAjAAAAAAAAAAAAAAAwMDAAP///wgAAAAAAAAAAAAAAAAAAAAAAAAAAAAAAAAAAAAAZAAAAAEAAABAAAAAAAAAAAAAAAAAAAAAAAAAAAAAAAAAAAAAAAAAAAAAAAAAAAAAAAAAAAAAAAAAAAAAAAAAAAAAAAAAAAAAAAAAAAAAAAAAAAAAAAAAAAAAAAAAAAAAFAAAADwAAAABAAAAAAAAAH9/fwAUAAAAAQAAABQAAAAUAAAAFAAAAAEAAAAAAAAAZAAAAGQAAAAAAAAAZAAAAGQAAAAVAAAAYAAAAAAAAAAAAAAADwAAACADAAAAAAAAAAAAAAEAAACgMgAAVgcAAKr4//8BAAAAf39/AAEAAABkAAAAAAAAABQAAABAHwAAAAAAACYAAAAAAAAAwOD//wAAAAAmAAAAZAAAABYAAABMAAAAAAAAAAAAAAAEAAAAAAAAAAEAAACAgIAKAAAAACgAAAAoAAAAZAAAAGQAAAAAAAAAzMzMAAAAAABQAAAAUAAAAGQAAABkAAAAAAAAABcAAAAUAAAAAAAAAAAAAAD/fwAA/38AAAAAAAAJAAAABAAAAGcAaAAMAAAAEAAAAAAAAAAAAAAAAAAAAAAAAAAeAAAAaAAAAAAAAAAAAAAAAAAAAAAAAAAAAAAAECcAABAnAAAAAAAAAAAAAAAAAAAAAAAAAAAAAAAAAAAAAAAAAAAAABQAAAAAAAAAwMD/AAAAAABkAAAAMgAAAAAAAABkAAAAAAAAAH9/fwAKAAAAHwAAAFQAAADAwMAA////AQAAAAAAAAAAAAAAAAAAAAAAAAAAAAAAAAAAAAAAAAAAf39/AH9/fwCAgIADzMzMAMDA/wB/f38AAAAAAAAAAAAAAAAAAAAAAAAAAAAhAAAAGAAAABQAAAD9IQAA5h4AAC03AAC6JwAAEAAAACYAAAAIAAAA//////////8="/>
               </a:ext>
             </a:extLst>
           </p:cNvSpPr>
@@ -6830,7 +6806,7 @@
           <p:cNvSpPr txBox="1">
             <a:extLst>
               <a:ext uri="smNativeData">
-                <pr:smNativeData xmlns:pr="smNativeData" val="SMDATA_16_PPTaXhMAAAAlAAAAEgAAAE8BAAAAkAAAAEgAAACQAAAASAAAAAAAAAAAAAAAAAAAAAEAAABQAAAAAAAAAAAA4D8AAAAAAADgPwAAAAAAAOA/AAAAAAAA4D8AAAAAAADgPwAAAAAAAOA/AAAAAAAA4D8AAAAAAADgPwAAAAAAAOA/AAAAAAAA4D8CAAAAjAAAAAAAAAAAAAAAu+DjDP///wgAAAAAAAAAAAAAAAAAAAAAAAAAAAAAAAAAAAAAZAAAAAEAAABAAAAAAAAAAAAAAAAAAAAAAAAAAAAAAAAAAAAAAAAAAAAAAAAAAAAAAAAAAAAAAAAAAAAAAAAAAAAAAAAAAAAAAAAAAAAAAAAAAAAAAAAAAAAAAAAAAAAAFAAAADwAAAAAAAAAAAAAAAAAAAkUAAAAAQAAABQAAAAUAAAAFAAAAAEAAAAAAAAAZAAAAGQAAAAAAAAAZAAAAGQAAAAVAAAAYAAAAAAAAAAAAAAADwAAACADAAAAAAAAAAAAAAEAAACgMgAAVgcAAKr4//8BAAAAf39/AAEAAABkAAAAAAAAABQAAABAHwAAAAAAACYAAAAAAAAAwOD//wAAAAAmAAAAZAAAABYAAABMAAAAAAAAAAAAAAAEAAAAAAAAAAEAAACAgIAKAAAAACgAAAAoAAAAZAAAAGQAAAAAAAAAzMzMAAAAAABQAAAAUAAAAGQAAABkAAAAAAAAABcAAAAUAAAAAAAAANwIAAD/fwAA/38AAAAAAAAJAAAABAAAAAAAAAAMAAAAEAAAAAAAAAAAAAAAAAAAAAAAAAAeAAAAaAAAAAAAAAAAAAAAAAAAAAAAAAAAAAAAECcAABAnAAAAAAAAAAAAAAAAAAAAAAAAAAAAAAAAAAAAAAAAAAAAABQAAAAAAAAAwMD/AAAAAABkAAAAMgAAAAAAAABkAAAAAAAAAH9/fwAKAAAAIgAAABgAAAAAAAAAAAAAAAAAAAAAAAAAAAAAAAAAAAAkAAAAJAAAAAAAAAAHAAAAAAAAAAAAAAAAAAAAAAAAAAAAAAAAAAAAf39/ACUAAABYAAAAAAAAAAAAAAAAAAAAAAAAAAAAAAAAAAAAAAAAAAAAAAAAAAAAAAAAAAAAAAA/AAAAAAAAAKCGAQAAAAAAAAAAAAAAAAAMAAAAAQAAAAAAAAAAAAAAAAAAAB8AAABUAAAAu+DjBf///wEAAAAAAAAAAAAAAAAAAAAAAAAAAAAAAAAAAAAAAAAAAAAAAAJ/f38AgICAA8zMzADAwP8Af39/AAAAAAAAAAAAAAAAAAAAAAAAAAAAIQAAABgAAAAUAAAAbiIAAGQfAAC8NgAAdCcAAAAgAAAmAAAACAAAAP//////////"/>
+                <pr:smNativeData xmlns:pr="smNativeData" val="SMDATA_13_4IlQXxMAAAAlAAAAEgAAAE8BAAAAkAAAAEgAAACQAAAASAAAAAAAAAAAAAAAAAAAAAEAAABQAAAAAAAAAAAA4D8AAAAAAADgPwAAAAAAAOA/AAAAAAAA4D8AAAAAAADgPwAAAAAAAOA/AAAAAAAA4D8AAAAAAADgPwAAAAAAAOA/AAAAAAAA4D8CAAAAjAAAAAAAAAAAAAAAu+DjDP///wgAAAAAAAAAAAAAAAAAAAAAAAAAAAAAAAAAAAAAZAAAAAEAAABAAAAAAAAAAAAAAAAAAAAAAAAAAAAAAAAAAAAAAAAAAAAAAAAAAAAAAAAAAAAAAAAAAAAAAAAAAAAAAAAAAAAAAAAAAAAAAAAAAAAAAAAAAAAAAAAAAAAAFAAAADwAAAAAAAAAAAAAAAAAAAkUAAAAAQAAABQAAAAUAAAAFAAAAAEAAAAAAAAAZAAAAGQAAAAAAAAAZAAAAGQAAAAVAAAAYAAAAAAAAAAAAAAADwAAACADAAAAAAAAAAAAAAEAAACgMgAAVgcAAKr4//8BAAAAf39/AAEAAABkAAAAAAAAABQAAABAHwAAAAAAACYAAAAAAAAAwOD//wAAAAAmAAAAZAAAABYAAABMAAAAAAAAAAAAAAAEAAAAAAAAAAEAAACAgIAKAAAAACgAAAAoAAAAZAAAAGQAAAAAAAAAzMzMAAAAAABQAAAAUAAAAGQAAABkAAAAAAAAABcAAAAUAAAAAAAAANwIAAD/fwAA/38AAAAAAAAJAAAABAAAAAAAAAAMAAAAEAAAAAAAAAAAAAAAAAAAAAAAAAAeAAAAaAAAAAAAAAAAAAAAAAAAAAAAAAAAAAAAECcAABAnAAAAAAAAAAAAAAAAAAAAAAAAAAAAAAAAAAAAAAAAAAAAABQAAAAAAAAAwMD/AAAAAABkAAAAMgAAAAAAAABkAAAAAAAAAH9/fwAKAAAAHwAAAFQAAAC74OMF////AQAAAAAAAAAAAAAAAAAAAAAAAAAAAAAAAAAAAAAAAAAAAAAAAn9/fwCAgIADzMzMAMDA/wB/f38AAAAAAAAAAAAAAAAAAAAAAAAAAAAhAAAAGAAAABQAAABuIgAAZB8AALw2AAB0JwAAECAAACYAAAAIAAAA//////////8="/>
               </a:ext>
             </a:extLst>
           </p:cNvSpPr>
@@ -6851,7 +6827,7 @@
           <a:effectLst/>
         </p:spPr>
         <p:txBody>
-          <a:bodyPr vert="horz" wrap="square" numCol="1" anchor="t"/>
+          <a:bodyPr vert="horz" wrap="square" numCol="1" spcCol="215900" anchor="t"/>
           <a:lstStyle/>
           <a:p>
             <a:pPr>
@@ -6972,7 +6948,7 @@
           <p:cNvSpPr txBox="1">
             <a:extLst>
               <a:ext uri="smNativeData">
-                <pr:smNativeData xmlns:pr="smNativeData" val="SMDATA_16_PPTaXhMAAAAlAAAAEgAAAE8BAAAAkAAAAEgAAACQAAAASAAAAAAAAAAAAAAAAAAAAAEAAABQAAAAAAAAAAAA4D8AAAAAAADgPwAAAAAAAOA/AAAAAAAA4D8AAAAAAADgPwAAAAAAAOA/AAAAAAAA4D8AAAAAAADgPwAAAAAAAOA/AAAAAAAA4D8CAAAAjAAAAAAAAAAAAAAAu+DjDP///wgAAAAAAAAAAAAAAAAAAAAAAAAAAAAAAAAAAAAAZAAAAAEAAABAAAAAAAAAAAAAAAAAAAAAAAAAAAAAAAAAAAAAAAAAAAAAAAAAAAAAAAAAAAAAAAAAAAAAAAAAAAAAAAAAAAAAAAAAAAAAAAAAAAAAAAAAAAAAAAAAAAAAFAAAADwAAAAAAAAAAAAAAAAAAAkUAAAAAQAAABQAAAAUAAAAFAAAAAEAAAAAAAAAZAAAAGQAAAAAAAAAZAAAAGQAAAAVAAAAYAAAAAAAAAAAAAAADwAAACADAAAAAAAAAAAAAAEAAACgMgAAVgcAAKr4//8BAAAAf39/AAEAAABkAAAAAAAAABQAAABAHwAAAAAAACYAAAAAAAAAwOD//wAAAAAmAAAAZAAAABYAAABMAAAAAAAAAAAAAAAEAAAAAAAAAAEAAACAgIAKAAAAACgAAAAoAAAAZAAAAGQAAAAAAAAAzMzMAAAAAABQAAAAUAAAAGQAAABkAAAAAAAAABcAAAAUAAAAAAAAANwIAAD/fwAA/38AAAAAAAAJAAAABAAAAAAAaAAMAAAAEAAAAAAAAAAAAAAAAAAAAAAAAAAeAAAAaAAAAAAAAAAAAAAAAAAAAAAAAAAAAAAAECcAABAnAAAAAAAAAAAAAAAAAAAAAAAAAAAAAAAAAAAAAAAAAAAAABQAAAAAAAAAwMD/AAAAAABkAAAAMgAAAAAAAABkAAAAAAAAAH9/fwAKAAAAIgAAABgAAAAAAAAAAAAAAAAAAAAAAAAAAAAAAAAAAAAkAAAAJAAAAAAAAAAHAAAAAAAAAAAAAAAAAAAAAAAAAAAAAAAAAAAAf39/ACUAAABYAAAAAAAAAAAAAAAAAAAAAAAAAAAAAAAAAAAAAAAAAAAAAAAAAAAAAAAAAAAAAAA/AAAAAAAAAKCGAQAAAAAAAAAAAAAAAAAMAAAAAQAAAAAAAAAAAAAAAAAAAB8AAABUAAAAu+DjBf///wEAAAAAAAAAAAAAAAAAAAAAAAAAAAAAAAAAAAAAAAAAAAAAAAJ/f38AgICAA8zMzADAwP8Af39/AAAAAAAAAAAAAAAAAAAAAAAAAAAAIQAAABgAAAAUAAAA1yIAAN0cAABJJwAAdR4AAAAgAAAmAAAACAAAAP//////////"/>
+                <pr:smNativeData xmlns:pr="smNativeData" val="SMDATA_13_4IlQXxMAAAAlAAAAEgAAAE8BAAAAkAAAAEgAAACQAAAASAAAAAAAAAAAAAAAAAAAAAEAAABQAAAAAAAAAAAA4D8AAAAAAADgPwAAAAAAAOA/AAAAAAAA4D8AAAAAAADgPwAAAAAAAOA/AAAAAAAA4D8AAAAAAADgPwAAAAAAAOA/AAAAAAAA4D8CAAAAjAAAAAAAAAAAAAAAu+DjDP///wgAAAAAAAAAAAAAAAAAAAAAAAAAAAAAAAAAAAAAZAAAAAEAAABAAAAAAAAAAAAAAAAAAAAAAAAAAAAAAAAAAAAAAAAAAAAAAAAAAAAAAAAAAAAAAAAAAAAAAAAAAAAAAAAAAAAAAAAAAAAAAAAAAAAAAAAAAAAAAAAAAAAAFAAAADwAAAAAAAAAAAAAAAAAAAkUAAAAAQAAABQAAAAUAAAAFAAAAAEAAAAAAAAAZAAAAGQAAAAAAAAAZAAAAGQAAAAVAAAAYAAAAAAAAAAAAAAADwAAACADAAAAAAAAAAAAAAEAAACgMgAAVgcAAKr4//8BAAAAf39/AAEAAABkAAAAAAAAABQAAABAHwAAAAAAACYAAAAAAAAAwOD//wAAAAAmAAAAZAAAABYAAABMAAAAAAAAAAAAAAAEAAAAAAAAAAEAAACAgIAKAAAAACgAAAAoAAAAZAAAAGQAAAAAAAAAzMzMAAAAAABQAAAAUAAAAGQAAABkAAAAAAAAABcAAAAUAAAAAAAAANwIAAD/fwAA/38AAAAAAAAJAAAABAAAAAAAaAAMAAAAEAAAAAAAAAAAAAAAAAAAAAAAAAAeAAAAaAAAAAAAAAAAAAAAAAAAAAAAAAAAAAAAECcAABAnAAAAAAAAAAAAAAAAAAAAAAAAAAAAAAAAAAAAAAAAAAAAABQAAAAAAAAAwMD/AAAAAABkAAAAMgAAAAAAAABkAAAAAAAAAH9/fwAKAAAAHwAAAFQAAAC74OMF////AQAAAAAAAAAAAAAAAAAAAAAAAAAAAAAAAAAAAAAAAAAAAAAAAn9/fwCAgIADzMzMAMDA/wB/f38AAAAAAAAAAAAAAAAAAAAAAAAAAAAhAAAAGAAAABQAAADXIgAA3RwAAEknAAB1HgAAECAAACYAAAAIAAAA//////////8="/>
               </a:ext>
             </a:extLst>
           </p:cNvSpPr>
@@ -6993,7 +6969,7 @@
           <a:effectLst/>
         </p:spPr>
         <p:txBody>
-          <a:bodyPr vert="horz" wrap="square" numCol="1" anchor="t"/>
+          <a:bodyPr vert="horz" wrap="square" numCol="1" spcCol="215900" anchor="t"/>
           <a:lstStyle/>
           <a:p>
             <a:pPr>
@@ -7244,7 +7220,36 @@
       </a:bgFillStyleLst>
     </a:fmtScheme>
   </a:themeElements>
-  <a:objectDefaults/>
+  <a:objectDefaults>
+    <a:spDef>
+      <a:spPr/>
+      <a:bodyPr>
+        <a:prstTxWarp prst="textNoShape">
+          <a:avLst/>
+        </a:prstTxWarp>
+        <a:noAutofit/>
+      </a:bodyPr>
+      <a:lstStyle>
+        <a:defPPr>
+          <a:defRPr/>
+        </a:defPPr>
+      </a:lstStyle>
+      <a:style>
+        <a:lnRef idx="0">
+          <a:schemeClr val="accent1"/>
+        </a:lnRef>
+        <a:fillRef idx="0">
+          <a:schemeClr val="accent1"/>
+        </a:fillRef>
+        <a:effectRef idx="0">
+          <a:schemeClr val="accent1"/>
+        </a:effectRef>
+        <a:fontRef idx="minor">
+          <a:schemeClr val="lt1"/>
+        </a:fontRef>
+      </a:style>
+    </a:spDef>
+  </a:objectDefaults>
   <a:extraClrSchemeLst>
     <a:extraClrScheme>
       <a:clrScheme name="Presentation 1">
@@ -7861,6 +7866,47 @@
       </a:clrScheme>
       <a:clrMap bg1="lt1" tx1="dk1" bg2="lt2" tx2="dk2" accent1="accent1" accent2="accent2" accent3="accent3" accent4="accent4" accent5="accent5" accent6="accent6" hlink="hlink" folHlink="folHlink"/>
     </a:extraClrScheme>
+    <a:extraClrScheme>
+      <a:clrScheme name="Presentation 16">
+        <a:dk1>
+          <a:srgbClr val="000000"/>
+        </a:dk1>
+        <a:lt1>
+          <a:srgbClr val="FFFFFF"/>
+        </a:lt1>
+        <a:dk2>
+          <a:srgbClr val="000000"/>
+        </a:dk2>
+        <a:lt2>
+          <a:srgbClr val="808080"/>
+        </a:lt2>
+        <a:accent1>
+          <a:srgbClr val="BBE0E3"/>
+        </a:accent1>
+        <a:accent2>
+          <a:srgbClr val="333399"/>
+        </a:accent2>
+        <a:accent3>
+          <a:srgbClr val="535379"/>
+        </a:accent3>
+        <a:accent4>
+          <a:srgbClr val="737359"/>
+        </a:accent4>
+        <a:accent5>
+          <a:srgbClr val="939339"/>
+        </a:accent5>
+        <a:accent6>
+          <a:srgbClr val="B3B319"/>
+        </a:accent6>
+        <a:hlink>
+          <a:srgbClr val="009999"/>
+        </a:hlink>
+        <a:folHlink>
+          <a:srgbClr val="99CC00"/>
+        </a:folHlink>
+      </a:clrScheme>
+      <a:clrMap bg1="lt1" tx1="dk1" bg2="lt2" tx2="dk2" accent1="accent1" accent2="accent2" accent3="accent3" accent4="accent4" accent5="accent5" accent6="accent6" hlink="hlink" folHlink="folHlink"/>
+    </a:extraClrScheme>
   </a:extraClrSchemeLst>
 </a:theme>
 </file>
--- a/docs/spec/gconf.pptx
+++ b/docs/spec/gconf.pptx
@@ -6,6 +6,7 @@
   </p:sldMasterIdLst>
   <p:sldIdLst>
     <p:sldId id="256" r:id="rId6"/>
+    <p:sldId id="257" r:id="rId7"/>
   </p:sldIdLst>
   <p:sldSz cx="9144000" cy="6858000"/>
   <p:notesSz cx="6858000" cy="9144000"/>
@@ -236,7 +237,7 @@
             <a:spLocks noGrp="1" noChangeArrowheads="1"/>
             <a:extLst>
               <a:ext uri="smNativeData">
-                <pr:smNativeData xmlns:pr="smNativeData" val="SMDATA_13_4IlQXxMAAAAlAAAAZAAAAA8BAAAAkAAAAEgAAACQAAAASAAAAAAAAAABAAAAAAAAAAEAAABQAAAAAAAAAAAA4D8AAAAAAADgPwAAAAAAAOA/AAAAAAAA4D8AAAAAAADgPwAAAAAAAOA/AAAAAAAA4D8AAAAAAADgPwAAAAAAAOA/AAAAAAAA4D8CAAAAjAAAAAAAAAAAAAAAu+DjDP///wgAAAAAAAAAAAAAAAAAAAAAAAAAAAAAAAAAAAAAZAAAAAEAAABAAAAAAAAAAAAAAAAAAAAAAAAAAAAAAAAAAAAAAAAAAAAAAAAAAAAAAAAAAAAAAAAAAAAAAAAAAAAAAAAAAAAAAAAAAAAAAAAAAAAAAAAAAAAAAAAAAAAAFAAAADwAAAAAAAAAAAAAAAAAAAkUAAAAAQAAABQAAAAUAAAAFAAAAAEAAAAAAAAAZAAAAGQAAAAAAAAAZAAAAGQAAAAVAAAAYAAAAAAAAAAAAAAADwAAACADAAAAAAAAAAAAAAEAAACgMgAAVgcAAKr4//8BAAAAf39/AAEAAABkAAAAAAAAABQAAABAHwAAAAAAACYAAAAAAAAAwOD//wAAAAAmAAAAZAAAABYAAABMAAAAAAAAAAAAAAAEAAAAAAAAAAEAAACAgIAKAAAAACgAAAAoAAAAZAAAAGQAAAAAAAAAzMzMAAAAAABQAAAAUAAAAGQAAABkAAAAAAAAABcAAAAUAAAAAAAAAAAAAAD/fwAA/38AAAAAAAAJAAAABAAAAAAAAAAMAAAAEAAAAAAAAAAAAAAAAAAAAAAAAAAeAAAAaAAAAAAAAAAAAAAAAAAAAAAAAAAAAAAAECcAABAnAAAAAAAAAAAAAAAAAAAAAAAAAAAAAAAAAAAAAAAAAAAAABQAAAAAAAAAwMD/AAAAAABkAAAAMgAAAAAAAABkAAAAAAAAAH9/fwAKAAAAHwAAAFQAAAAAAAAFAAAAAQAAAAAAAAAAAAAAAAAAAAAAAAAAAAAAAAAAAAAAAAAAAAAAAn9/fwAAAAADzMzMAMDA/wB/f38AAAAAAAAAAAAAAAAAAAAAAAAAAAAhAAAAGAAAABQAAAA4BAAAGg0AAAg0AAAmFgAAEAAAACYAAAAIAAAAAQAAAAAAAAA="/>
+                <pr:smNativeData xmlns:pr="smNativeData" val="SMDATA_13_Hs+1XxMAAAAlAAAAZAAAAA8BAAAAkAAAAEgAAACQAAAASAAAAAAAAAABAAAAAAAAAAEAAABQAAAAAAAAAAAA4D8AAAAAAADgPwAAAAAAAOA/AAAAAAAA4D8AAAAAAADgPwAAAAAAAOA/AAAAAAAA4D8AAAAAAADgPwAAAAAAAOA/AAAAAAAA4D8CAAAAjAAAAAAAAAAAAAAAu+DjDP///wgAAAAAAAAAAAAAAAAAAAAAAAAAAAAAAAAAAAAAZAAAAAEAAABAAAAAAAAAAAAAAAAAAAAAAAAAAAAAAAAAAAAAAAAAAAAAAAAAAAAAAAAAAAAAAAAAAAAAAAAAAAAAAAAAAAAAAAAAAAAAAAAAAAAAAAAAAAAAAAAAAAAAFAAAADwAAAAAAAAAAAAAAAAAAAkUAAAAAQAAABQAAAAUAAAAFAAAAAEAAAAAAAAAZAAAAGQAAAAAAAAAZAAAAGQAAAAVAAAAYAAAAAAAAAAAAAAADwAAACADAAAAAAAAAAAAAAEAAACgMgAAVgcAAKr4//8BAAAAf39/AAEAAABkAAAAAAAAABQAAABAHwAAAAAAACYAAAAAAAAAwOD//wAAAAAmAAAAZAAAABYAAABMAAAAAAAAAAAAAAAEAAAAAAAAAAEAAACAgIAKAAAAACgAAAAoAAAAZAAAAGQAAAAAAAAAzMzMAAAAAABQAAAAUAAAAGQAAABkAAAAAAAAABcAAAAUAAAAAAAAAAAAAAD/fwAA/38AAAAAAAAJAAAABAAAAAAAAAAMAAAAEAAAAAAAAAAAAAAAAAAAAAAAAAAeAAAAaAAAAAAAAAAAAAAAAAAAAAAAAAAAAAAAECcAABAnAAAAAAAAAAAAAAAAAAAAAAAAAAAAAAAAAAAAAAAAAAAAABQAAAAAAAAAwMD/AAAAAABkAAAAMgAAAAAAAABkAAAAAAAAAH9/fwAKAAAAHwAAAFQAAAAAAAAFAAAAAQAAAAAAAAAAAAAAAAAAAAAAAAAAAAAAAAAAAAAAAAAAAAAAAn9/fwAAAAADzMzMAMDA/wB/f38AAAAAAAAAAAAAAAAAAAAAAAAAAAAhAAAAGAAAABQAAAA4BAAAGg0AAAg0AAAmFgAAEAAAACYAAAAIAAAAAQAAAAAAAAA="/>
               </a:ext>
             </a:extLst>
           </p:cNvSpPr>
@@ -268,7 +269,7 @@
             <a:spLocks noGrp="1" noChangeArrowheads="1"/>
             <a:extLst>
               <a:ext uri="smNativeData">
-                <pr:smNativeData xmlns:pr="smNativeData" val="SMDATA_13_4IlQXxMAAAAlAAAAZAAAAA8BAAAAkAAAAEgAAACQAAAASAAAAAAAAAAAAAAAAAAAAAEAAABQAAAAAAAAAAAA4D8AAAAAAADgPwAAAAAAAOA/AAAAAAAA4D8AAAAAAADgPwAAAAAAAOA/AAAAAAAA4D8AAAAAAADgPwAAAAAAAOA/AAAAAAAA4D8CAAAAjAAAAAAAAAAAAAAAu+DjDP///wgAAAAAAAAAAAAAAAAAAAAAAAAAAAAAAAAAAAAAZAAAAAEAAABAAAAAAAAAAAAAAAAAAAAAAAAAAAAAAAAAAAAAAAAAAAAAAAAAAAAAAAAAAAAAAAAAAAAAAAAAAAAAAAAAAAAAAAAAAAAAAAAAAAAAAAAAAAAAAAAAAAAAFAAAADwAAAAAAAAAAAAAAAAAAAkUAAAAAQAAABQAAAAUAAAAFAAAAAEAAAAAAAAAZAAAAGQAAAAAAAAAZAAAAGQAAAAVAAAAYAAAAAAAAAAAAAAADwAAACADAAAAAAAAAAAAAAEAAACgMgAAVgcAAKr4//8BAAAAf39/AAEAAABkAAAAAAAAABQAAABAHwAAAAAAACYAAAAAAAAAwOD//wAAAAAmAAAAZAAAABYAAABMAAAAAAAAAAAAAAAEAAAAAAAAAAEAAACAgIAKAAAAACgAAAAoAAAAZAAAAGQAAAAAAAAAzMzMAAAAAABQAAAAUAAAAGQAAABkAAAAAAAAABcAAAAUAAAAAAAAAAAAAAD/fwAA/38AAAAAAAAJAAAABAAAAAAAAAAMAAAAEAAAAAAAAAAAAAAAAAAAAAAAAAAeAAAAaAAAAAAAAAAAAAAAAAAAAAAAAAAAAAAAECcAABAnAAAAAAAAAAAAAAAAAAAAAAAAAAAAAAAAAAAAAAAAAAAAABQAAAAAAAAAwMD/AAAAAABkAAAAMgAAAAAAAABkAAAAAAAAAH9/fwAKAAAAHwAAAFQAAAAAAAAFAAAAAQAAAAAAAAAAAAAAAAAAAAAAAAAAAAAAAAAAAAAAAAAAAAAAAn9/fwAAAAADzMzMAMDA/wB/f38AAAAAAAAAAAAAAAAAAAAAAAAAAAAhAAAAGAAAABQAAABwCAAA6BcAANAvAACwIgAAEAAAACYAAAAIAAAAAYAAAAAAAAA="/>
+                <pr:smNativeData xmlns:pr="smNativeData" val="SMDATA_13_Hs+1XxMAAAAlAAAAZAAAAA8BAAAAkAAAAEgAAACQAAAASAAAAAAAAAAAAAAAAAAAAAEAAABQAAAAAAAAAAAA4D8AAAAAAADgPwAAAAAAAOA/AAAAAAAA4D8AAAAAAADgPwAAAAAAAOA/AAAAAAAA4D8AAAAAAADgPwAAAAAAAOA/AAAAAAAA4D8CAAAAjAAAAAAAAAAAAAAAu+DjDP///wgAAAAAAAAAAAAAAAAAAAAAAAAAAAAAAAAAAAAAZAAAAAEAAABAAAAAAAAAAAAAAAAAAAAAAAAAAAAAAAAAAAAAAAAAAAAAAAAAAAAAAAAAAAAAAAAAAAAAAAAAAAAAAAAAAAAAAAAAAAAAAAAAAAAAAAAAAAAAAAAAAAAAFAAAADwAAAAAAAAAAAAAAAAAAAkUAAAAAQAAABQAAAAUAAAAFAAAAAEAAAAAAAAAZAAAAGQAAAAAAAAAZAAAAGQAAAAVAAAAYAAAAAAAAAAAAAAADwAAACADAAAAAAAAAAAAAAEAAACgMgAAVgcAAKr4//8BAAAAf39/AAEAAABkAAAAAAAAABQAAABAHwAAAAAAACYAAAAAAAAAwOD//wAAAAAmAAAAZAAAABYAAABMAAAAAAAAAAAAAAAEAAAAAAAAAAEAAACAgIAKAAAAACgAAAAoAAAAZAAAAGQAAAAAAAAAzMzMAAAAAABQAAAAUAAAAGQAAABkAAAAAAAAABcAAAAUAAAAAAAAAAAAAAD/fwAA/38AAAAAAAAJAAAABAAAAAAAAAAMAAAAEAAAAAAAAAAAAAAAAAAAAAAAAAAeAAAAaAAAAAAAAAAAAAAAAAAAAAAAAAAAAAAAECcAABAnAAAAAAAAAAAAAAAAAAAAAAAAAAAAAAAAAAAAAAAAAAAAABQAAAAAAAAAwMD/AAAAAABkAAAAMgAAAAAAAABkAAAAAAAAAH9/fwAKAAAAHwAAAFQAAAAAAAAFAAAAAQAAAAAAAAAAAAAAAAAAAAAAAAAAAAAAAAAAAAAAAAAAAAAAAn9/fwAAAAADzMzMAMDA/wB/f38AAAAAAAAAAAAAAAAAAAAAAAAAAAAhAAAAGAAAABQAAABwCAAA6BcAANAvAACwIgAAEAAAACYAAAAIAAAAAYAAAAAAAAA="/>
               </a:ext>
             </a:extLst>
           </p:cNvSpPr>
@@ -328,7 +329,7 @@
             <a:spLocks noGrp="1" noChangeArrowheads="1"/>
             <a:extLst>
               <a:ext uri="smNativeData">
-                <pr:smNativeData xmlns:pr="smNativeData" val="SMDATA_13_4IlQXxMAAAAlAAAAZAAAAA8BAAAAkAAAAEgAAACQAAAASAAAAAAAAAABAAAAAAAAAAEAAABQAAAAAAAAAAAA4D8AAAAAAADgPwAAAAAAAOA/AAAAAAAA4D8AAAAAAADgPwAAAAAAAOA/AAAAAAAA4D8AAAAAAADgPwAAAAAAAOA/AAAAAAAA4D8CAAAAjAAAAAAAAAAAAAAAu+DjDP///wgAAAAAAAAAAAAAAAAAAAAAAAAAAAAAAAAAAAAAZAAAAAEAAABAAAAAAAAAAAAAAAAAAAAAAAAAAAAAAAAAAAAAAAAAAAAAAAAAAAAAAAAAAAAAAAAAAAAAAAAAAAAAAAAAAAAAAAAAAAAAAAAAAAAAAAAAAAAAAAAAAAAAFAAAADwAAAAAAAAAAAAAAAAAAAkUAAAAAQAAABQAAAAUAAAAFAAAAAEAAAAAAAAAZAAAAGQAAAAAAAAAZAAAAGQAAAAVAAAAYAAAAAAAAAAAAAAADwAAACADAAAAAAAAAAAAAAEAAACgMgAAVgcAAKr4//8BAAAAf39/AAEAAABkAAAAAAAAABQAAABAHwAAAAAAACYAAAAAAAAAwOD//wAAAAAmAAAAZAAAABYAAABMAAAAAAAAAAAAAAAEAAAAAAAAAAEAAACAgIAKAAAAACgAAAAoAAAAZAAAAGQAAAAAAAAAzMzMAAAAAABQAAAAUAAAAGQAAABkAAAAAAAAABcAAAAUAAAAAAAAAAAAAAD/fwAA/38AAAAAAAAJAAAABAAAAAAAAAAMAAAAEAAAAAAAAAAAAAAAAAAAAAAAAAAeAAAAaAAAAAAAAAAAAAAAAAAAAAAAAAAAAAAAECcAABAnAAAAAAAAAAAAAAAAAAAAAAAAAAAAAAAAAAAAAAAAAAAAABQAAAAAAAAAwMD/AAAAAABkAAAAMgAAAAAAAABkAAAAAAAAAH9/fwAKAAAAHwAAAFQAAAAAAAAFAAAAAQAAAAAAAAAAAAAAAAAAAAAAAAAAAAAAAAAAAAAAAAAAAAAAAn9/fwAAAAADzMzMAMDA/wB/f38AAAAAAAAAAAAAAAAAAAAAAAAAAAAhAAAAGAAAABQAAADQAgAAGycAAPAPAABZKQAAEAAAACYAAAAIAAAAAAAAAAAAAAA="/>
+                <pr:smNativeData xmlns:pr="smNativeData" val="SMDATA_13_Hs+1XxMAAAAlAAAAZAAAAA8BAAAAkAAAAEgAAACQAAAASAAAAAAAAAABAAAAAAAAAAEAAABQAAAAAAAAAAAA4D8AAAAAAADgPwAAAAAAAOA/AAAAAAAA4D8AAAAAAADgPwAAAAAAAOA/AAAAAAAA4D8AAAAAAADgPwAAAAAAAOA/AAAAAAAA4D8CAAAAjAAAAAAAAAAAAAAAu+DjDP///wgAAAAAAAAAAAAAAAAAAAAAAAAAAAAAAAAAAAAAZAAAAAEAAABAAAAAAAAAAAAAAAAAAAAAAAAAAAAAAAAAAAAAAAAAAAAAAAAAAAAAAAAAAAAAAAAAAAAAAAAAAAAAAAAAAAAAAAAAAAAAAAAAAAAAAAAAAAAAAAAAAAAAFAAAADwAAAAAAAAAAAAAAAAAAAkUAAAAAQAAABQAAAAUAAAAFAAAAAEAAAAAAAAAZAAAAGQAAAAAAAAAZAAAAGQAAAAVAAAAYAAAAAAAAAAAAAAADwAAACADAAAAAAAAAAAAAAEAAACgMgAAVgcAAKr4//8BAAAAf39/AAEAAABkAAAAAAAAABQAAABAHwAAAAAAACYAAAAAAAAAwOD//wAAAAAmAAAAZAAAABYAAABMAAAAAAAAAAAAAAAEAAAAAAAAAAEAAACAgIAKAAAAACgAAAAoAAAAZAAAAGQAAAAAAAAAzMzMAAAAAABQAAAAUAAAAGQAAABkAAAAAAAAABcAAAAUAAAAAAAAAAAAAAD/fwAA/38AAAAAAAAJAAAABAAAAAAAAAAMAAAAEAAAAAAAAAAAAAAAAAAAAAAAAAAeAAAAaAAAAAAAAAAAAAAAAAAAAAAAAAAAAAAAECcAABAnAAAAAAAAAAAAAAAAAAAAAAAAAAAAAAAAAAAAAAAAAAAAABQAAAAAAAAAwMD/AAAAAABkAAAAMgAAAAAAAABkAAAAAAAAAH9/fwAKAAAAHwAAAFQAAAAAAAAFAAAAAQAAAAAAAAAAAAAAAAAAAAAAAAAAAAAAAAAAAAAAAAAAAAAAAn9/fwAAAAADzMzMAMDA/wB/f38AAAAAAAAAAAAAAAAAAAAAAAAAAAAhAAAAGAAAABQAAADQAgAAGycAAPAPAABZKQAAEAAAACYAAAAIAAAAAAAAAAAAAAA="/>
               </a:ext>
             </a:extLst>
           </p:cNvSpPr>
@@ -342,7 +343,7 @@
           <a:lstStyle/>
           <a:p>
             <a:pPr/>
-            <a:fld id="{AA497114-5A47-1C87-09F1-ACD23FBFFFF9}" type="datetime1">
+            <a:fld id="{2FE6D516-58C2-B323-8C5E-AE769B107AFB}" type="datetime1">
               <a:t/>
             </a:fld>
           </a:p>
@@ -355,7 +356,7 @@
             <a:spLocks noGrp="1" noChangeArrowheads="1"/>
             <a:extLst>
               <a:ext uri="smNativeData">
-                <pr:smNativeData xmlns:pr="smNativeData" val="SMDATA_13_4IlQXxMAAAAlAAAAZAAAAA8BAAAAkAAAAEgAAACQAAAASAAAAAAAAAABAAAAAAAAAAEAAABQAAAAAAAAAAAA4D8AAAAAAADgPwAAAAAAAOA/AAAAAAAA4D8AAAAAAADgPwAAAAAAAOA/AAAAAAAA4D8AAAAAAADgPwAAAAAAAOA/AAAAAAAA4D8CAAAAjAAAAAAAAAAAAAAAu+DjDP///wgAAAAAAAAAAAAAAAAAAAAAAAAAAAAAAAAAAAAAZAAAAAEAAABAAAAAAAAAAAAAAAAAAAAAAAAAAAAAAAAAAAAAAAAAAAAAAAAAAAAAAAAAAAAAAAAAAAAAAAAAAAAAAAAAAAAAAAAAAAAAAAAAAAAAAAAAAAAAAAAAAAAAFAAAADwAAAAAAAAAAAAAAAAAAAkUAAAAAQAAABQAAAAUAAAAFAAAAAEAAAAAAAAAZAAAAGQAAAAAAAAAZAAAAGQAAAAVAAAAYAAAAAAAAAAAAAAADwAAACADAAAAAAAAAAAAAAEAAACgMgAAVgcAAKr4//8BAAAAf39/AAEAAABkAAAAAAAAABQAAABAHwAAAAAAACYAAAAAAAAAwOD//wAAAAAmAAAAZAAAABYAAABMAAAAAAAAAAAAAAAEAAAAAAAAAAEAAACAgIAKAAAAACgAAAAoAAAAZAAAAGQAAAAAAAAAzMzMAAAAAABQAAAAUAAAAGQAAABkAAAAAAAAABcAAAAUAAAAAAAAAAAAAAD/fwAA/38AAAAAAAAJAAAABAAAAAAAAAAMAAAAEAAAAAAAAAAAAAAAAAAAAAAAAAAeAAAAaAAAAAAAAAAAAAAAAAAAAAAAAAAAAAAAECcAABAnAAAAAAAAAAAAAAAAAAAAAAAAAAAAAAAAAAAAAAAAAAAAABQAAAAAAAAAwMD/AAAAAABkAAAAMgAAAAAAAABkAAAAAAAAAH9/fwAKAAAAHwAAAFQAAAAAAAAFAAAAAQAAAAAAAAAAAAAAAAAAAAAAAAAAAAAAAAAAAAAAAAAAAAAAAn9/fwAAAAADzMzMAMDA/wB/f38AAAAAAAAAAAAAAAAAAAAAAAAAAAAhAAAAGAAAABQAAAA4EwAAGycAAAglAABZKQAAEAAAACYAAAAIAAAAAAAAAAAAAAA="/>
+                <pr:smNativeData xmlns:pr="smNativeData" val="SMDATA_13_Hs+1XxMAAAAlAAAAZAAAAA8BAAAAkAAAAEgAAACQAAAASAAAAAAAAAABAAAAAAAAAAEAAABQAAAAAAAAAAAA4D8AAAAAAADgPwAAAAAAAOA/AAAAAAAA4D8AAAAAAADgPwAAAAAAAOA/AAAAAAAA4D8AAAAAAADgPwAAAAAAAOA/AAAAAAAA4D8CAAAAjAAAAAAAAAAAAAAAu+DjDP///wgAAAAAAAAAAAAAAAAAAAAAAAAAAAAAAAAAAAAAZAAAAAEAAABAAAAAAAAAAAAAAAAAAAAAAAAAAAAAAAAAAAAAAAAAAAAAAAAAAAAAAAAAAAAAAAAAAAAAAAAAAAAAAAAAAAAAAAAAAAAAAAAAAAAAAAAAAAAAAAAAAAAAFAAAADwAAAAAAAAAAAAAAAAAAAkUAAAAAQAAABQAAAAUAAAAFAAAAAEAAAAAAAAAZAAAAGQAAAAAAAAAZAAAAGQAAAAVAAAAYAAAAAAAAAAAAAAADwAAACADAAAAAAAAAAAAAAEAAACgMgAAVgcAAKr4//8BAAAAf39/AAEAAABkAAAAAAAAABQAAABAHwAAAAAAACYAAAAAAAAAwOD//wAAAAAmAAAAZAAAABYAAABMAAAAAAAAAAAAAAAEAAAAAAAAAAEAAACAgIAKAAAAACgAAAAoAAAAZAAAAGQAAAAAAAAAzMzMAAAAAABQAAAAUAAAAGQAAABkAAAAAAAAABcAAAAUAAAAAAAAAAAAAAD/fwAA/38AAAAAAAAJAAAABAAAAAAAAAAMAAAAEAAAAAAAAAAAAAAAAAAAAAAAAAAeAAAAaAAAAAAAAAAAAAAAAAAAAAAAAAAAAAAAECcAABAnAAAAAAAAAAAAAAAAAAAAAAAAAAAAAAAAAAAAAAAAAAAAABQAAAAAAAAAwMD/AAAAAABkAAAAMgAAAAAAAABkAAAAAAAAAH9/fwAKAAAAHwAAAFQAAAAAAAAFAAAAAQAAAAAAAAAAAAAAAAAAAAAAAAAAAAAAAAAAAAAAAAAAAAAAAn9/fwAAAAADzMzMAMDA/wB/f38AAAAAAAAAAAAAAAAAAAAAAAAAAAAhAAAAGAAAABQAAAA4EwAAGycAAAglAABZKQAAEAAAACYAAAAIAAAAAAAAAAAAAAA="/>
               </a:ext>
             </a:extLst>
           </p:cNvSpPr>
@@ -379,7 +380,7 @@
             <a:spLocks noGrp="1" noChangeArrowheads="1"/>
             <a:extLst>
               <a:ext uri="smNativeData">
-                <pr:smNativeData xmlns:pr="smNativeData" val="SMDATA_13_4IlQXxMAAAAlAAAAZAAAAA8BAAAAkAAAAEgAAACQAAAASAAAAAAAAAABAAAAAAAAAAEAAABQAAAAAAAAAAAA4D8AAAAAAADgPwAAAAAAAOA/AAAAAAAA4D8AAAAAAADgPwAAAAAAAOA/AAAAAAAA4D8AAAAAAADgPwAAAAAAAOA/AAAAAAAA4D8CAAAAjAAAAAAAAAAAAAAAu+DjDP///wgAAAAAAAAAAAAAAAAAAAAAAAAAAAAAAAAAAAAAZAAAAAEAAABAAAAAAAAAAAAAAAAAAAAAAAAAAAAAAAAAAAAAAAAAAAAAAAAAAAAAAAAAAAAAAAAAAAAAAAAAAAAAAAAAAAAAAAAAAAAAAAAAAAAAAAAAAAAAAAAAAAAAFAAAADwAAAAAAAAAAAAAAAAAAAkUAAAAAQAAABQAAAAUAAAAFAAAAAEAAAAAAAAAZAAAAGQAAAAAAAAAZAAAAGQAAAAVAAAAYAAAAAAAAAAAAAAADwAAACADAAAAAAAAAAAAAAEAAACgMgAAVgcAAKr4//8BAAAAf39/AAEAAABkAAAAAAAAABQAAABAHwAAAAAAACYAAAAAAAAAwOD//wAAAAAmAAAAZAAAABYAAABMAAAAAAAAAAAAAAAEAAAAAAAAAAEAAACAgIAKAAAAACgAAAAoAAAAZAAAAGQAAAAAAAAAzMzMAAAAAABQAAAAUAAAAGQAAABkAAAAAAAAABcAAAAUAAAAAAAAAAAAAAD/fwAA/38AAAAAAAAJAAAABAAAAAAAAAAMAAAAEAAAAAAAAAAAAAAAAAAAAAAAAAAeAAAAaAAAAAAAAAAAAAAAAAAAAAAAAAAAAAAAECcAABAnAAAAAAAAAAAAAAAAAAAAAAAAAAAAAAAAAAAAAAAAAAAAABQAAAAAAAAAwMD/AAAAAABkAAAAMgAAAAAAAABkAAAAAAAAAH9/fwAKAAAAHwAAAFQAAAAAAAAFAAAAAQAAAAAAAAAAAAAAAAAAAAAAAAAAAAAAAAAAAAAAAAAAAAAAAn9/fwAAAAADzMzMAMDA/wB/f38AAAAAAAAAAAAAAAAAAAAAAAAAAAAhAAAAGAAAABQAAABQKAAAGycAAHA1AABZKQAAEAAAACYAAAAIAAAAAAAAAAAAAAA="/>
+                <pr:smNativeData xmlns:pr="smNativeData" val="SMDATA_13_Hs+1XxMAAAAlAAAAZAAAAA8BAAAAkAAAAEgAAACQAAAASAAAAAAAAAABAAAAAAAAAAEAAABQAAAAAAAAAAAA4D8AAAAAAADgPwAAAAAAAOA/AAAAAAAA4D8AAAAAAADgPwAAAAAAAOA/AAAAAAAA4D8AAAAAAADgPwAAAAAAAOA/AAAAAAAA4D8CAAAAjAAAAAAAAAAAAAAAu+DjDP///wgAAAAAAAAAAAAAAAAAAAAAAAAAAAAAAAAAAAAAZAAAAAEAAABAAAAAAAAAAAAAAAAAAAAAAAAAAAAAAAAAAAAAAAAAAAAAAAAAAAAAAAAAAAAAAAAAAAAAAAAAAAAAAAAAAAAAAAAAAAAAAAAAAAAAAAAAAAAAAAAAAAAAFAAAADwAAAAAAAAAAAAAAAAAAAkUAAAAAQAAABQAAAAUAAAAFAAAAAEAAAAAAAAAZAAAAGQAAAAAAAAAZAAAAGQAAAAVAAAAYAAAAAAAAAAAAAAADwAAACADAAAAAAAAAAAAAAEAAACgMgAAVgcAAKr4//8BAAAAf39/AAEAAABkAAAAAAAAABQAAABAHwAAAAAAACYAAAAAAAAAwOD//wAAAAAmAAAAZAAAABYAAABMAAAAAAAAAAAAAAAEAAAAAAAAAAEAAACAgIAKAAAAACgAAAAoAAAAZAAAAGQAAAAAAAAAzMzMAAAAAABQAAAAUAAAAGQAAABkAAAAAAAAABcAAAAUAAAAAAAAAAAAAAD/fwAA/38AAAAAAAAJAAAABAAAAAAAAAAMAAAAEAAAAAAAAAAAAAAAAAAAAAAAAAAeAAAAaAAAAAAAAAAAAAAAAAAAAAAAAAAAAAAAECcAABAnAAAAAAAAAAAAAAAAAAAAAAAAAAAAAAAAAAAAAAAAAAAAABQAAAAAAAAAwMD/AAAAAABkAAAAMgAAAAAAAABkAAAAAAAAAH9/fwAKAAAAHwAAAFQAAAAAAAAFAAAAAQAAAAAAAAAAAAAAAAAAAAAAAAAAAAAAAAAAAAAAAAAAAAAAAn9/fwAAAAADzMzMAMDA/wB/f38AAAAAAAAAAAAAAAAAAAAAAAAAAAAhAAAAGAAAABQAAABQKAAAGycAAHA1AABZKQAAEAAAACYAAAAIAAAAAAAAAAAAAAA="/>
               </a:ext>
             </a:extLst>
           </p:cNvSpPr>
@@ -393,7 +394,7 @@
           <a:lstStyle/>
           <a:p>
             <a:pPr/>
-            <a:fld id="{AA4912D7-9947-1CE4-09F1-6FB15CBFFF3A}" type="slidenum">
+            <a:fld id="{2FE6CC24-6AC2-B33A-8C5E-9C6F82107AC9}" type="slidenum">
               <a:t/>
             </a:fld>
           </a:p>
@@ -431,7 +432,7 @@
             <a:spLocks noGrp="1" noChangeArrowheads="1"/>
             <a:extLst>
               <a:ext uri="smNativeData">
-                <pr:smNativeData xmlns:pr="smNativeData" val="SMDATA_13_4IlQXxMAAAAlAAAAZAAAAA8BAAAAkAAAAEgAAACQAAAASAAAAAAAAAABAAAAAAAAAAEAAABQAAAAAAAAAAAA4D8AAAAAAADgPwAAAAAAAOA/AAAAAAAA4D8AAAAAAADgPwAAAAAAAOA/AAAAAAAA4D8AAAAAAADgPwAAAAAAAOA/AAAAAAAA4D8CAAAAjAAAAAAAAAAAAAAAu+DjDP///wgAAAAAAAAAAAAAAAAAAAAAAAAAAAAAAAAAAAAAZAAAAAEAAABAAAAAAAAAAAAAAAAAAAAAAAAAAAAAAAAAAAAAAAAAAAAAAAAAAAAAAAAAAAAAAAAAAAAAAAAAAAAAAAAAAAAAAAAAAAAAAAAAAAAAAAAAAAAAAAAAAAAAFAAAADwAAAAAAAAAAAAAAAAAAAkUAAAAAQAAABQAAAAUAAAAFAAAAAEAAAAAAAAAZAAAAGQAAAAAAAAAZAAAAGQAAAAVAAAAYAAAAAAAAAAAAAAADwAAACADAAAAAAAAAAAAAAEAAACgMgAAVgcAAKr4//8BAAAAf39/AAEAAABkAAAAAAAAABQAAABAHwAAAAAAACYAAAAAAAAAwOD//wAAAAAmAAAAZAAAABYAAABMAAAAAAAAAAAAAAAEAAAAAAAAAAEAAACAgIAKAAAAACgAAAAoAAAAZAAAAGQAAAAAAAAAzMzMAAAAAABQAAAAUAAAAGQAAABkAAAAAAAAABcAAAAUAAAAAAAAAAAAAAD/fwAA/38AAAAAAAAJAAAABAAAAORJZV8MAAAAEAAAAAAAAAAAAAAAAAAAAAAAAAAeAAAAaAAAAAAAAAAAAAAAAAAAAAAAAAAAAAAAECcAABAnAAAAAAAAAAAAAAAAAAAAAAAAAAAAAAAAAAAAAAAAAAAAABQAAAAAAAAAwMD/AAAAAABkAAAAMgAAAAAAAABkAAAAAAAAAH9/fwAKAAAAHwAAAFQAAAAAAAAFAAAAAQAAAAAAAAAAAAAAAAAAAAAAAAAAAAAAAAAAAAAAAAAAAAAAAn9/fwAAAAADzMzMAMDA/wB/f38AAAAAAAAAAAAAAAAAAAAAAAAAAAAhAAAAGAAAABQAAADQAgAAsAEAAHA1AAC4CAAAEAAAACYAAAAIAAAAAAAAAAAAAAA="/>
+                <pr:smNativeData xmlns:pr="smNativeData" val="SMDATA_13_Hs+1XxMAAAAlAAAAZAAAAA8BAAAAkAAAAEgAAACQAAAASAAAAAAAAAABAAAAAAAAAAEAAABQAAAAAAAAAAAA4D8AAAAAAADgPwAAAAAAAOA/AAAAAAAA4D8AAAAAAADgPwAAAAAAAOA/AAAAAAAA4D8AAAAAAADgPwAAAAAAAOA/AAAAAAAA4D8CAAAAjAAAAAAAAAAAAAAAu+DjDP///wgAAAAAAAAAAAAAAAAAAAAAAAAAAAAAAAAAAAAAZAAAAAEAAABAAAAAAAAAAAAAAAAAAAAAAAAAAAAAAAAAAAAAAAAAAAAAAAAAAAAAAAAAAAAAAAAAAAAAAAAAAAAAAAAAAAAAAAAAAAAAAAAAAAAAAAAAAAAAAAAAAAAAFAAAADwAAAAAAAAAAAAAAAAAAAkUAAAAAQAAABQAAAAUAAAAFAAAAAEAAAAAAAAAZAAAAGQAAAAAAAAAZAAAAGQAAAAVAAAAYAAAAAAAAAAAAAAADwAAACADAAAAAAAAAAAAAAEAAACgMgAAVgcAAKr4//8BAAAAf39/AAEAAABkAAAAAAAAABQAAABAHwAAAAAAACYAAAAAAAAAwOD//wAAAAAmAAAAZAAAABYAAABMAAAAAAAAAAAAAAAEAAAAAAAAAAEAAACAgIAKAAAAACgAAAAoAAAAZAAAAGQAAAAAAAAAzMzMAAAAAABQAAAAUAAAAGQAAABkAAAAAAAAABcAAAAUAAAAAAAAAAAAAAD/fwAA/38AAAAAAAAJAAAABAAAAORJZV8MAAAAEAAAAAAAAAAAAAAAAAAAAAAAAAAeAAAAaAAAAAAAAAAAAAAAAAAAAAAAAAAAAAAAECcAABAnAAAAAAAAAAAAAAAAAAAAAAAAAAAAAAAAAAAAAAAAAAAAABQAAAAAAAAAwMD/AAAAAABkAAAAMgAAAAAAAABkAAAAAAAAAH9/fwAKAAAAHwAAAFQAAAAAAAAFAAAAAQAAAAAAAAAAAAAAAAAAAAAAAAAAAAAAAAAAAAAAAAAAAAAAAn9/fwAAAAADzMzMAMDA/wB/f38AAAAAAAAAAAAAAAAAAAAAAAAAAAAhAAAAGAAAABQAAADQAgAAsAEAAHA1AAC4CAAAEAAAACYAAAAIAAAAAAAAAAAAAAA="/>
               </a:ext>
             </a:extLst>
           </p:cNvSpPr>
@@ -458,7 +459,7 @@
             <a:spLocks noGrp="1" noChangeArrowheads="1"/>
             <a:extLst>
               <a:ext uri="smNativeData">
-                <pr:smNativeData xmlns:pr="smNativeData" val="SMDATA_13_4IlQXxMAAAAlAAAAZAAAAA8BAAAAkAAAAEgAAACQAAAASAAAAAAAAAAAAAAAAQAAAAEAAABQAAAAAAAAAAAA4D8AAAAAAADgPwAAAAAAAOA/AAAAAAAA4D8AAAAAAADgPwAAAAAAAOA/AAAAAAAA4D8AAAAAAADgPwAAAAAAAOA/AAAAAAAA4D8CAAAAjAAAAAAAAAAAAAAAu+DjDP///wgAAAAAAAAAAAAAAAAAAAAAAAAAAAAAAAAAAAAAZAAAAAEAAABAAAAAAAAAAAAAAAAAAAAAAAAAAAAAAAAAAAAAAAAAAAAAAAAAAAAAAAAAAAAAAAAAAAAAAAAAAAAAAAAAAAAAAAAAAAAAAAAAAAAAAAAAAAAAAAAAAAAAFAAAADwAAAAAAAAAAAAAAAAAAAkUAAAAAQAAABQAAAAUAAAAFAAAAAEAAAAAAAAAZAAAAGQAAAAAAAAAZAAAAGQAAAAVAAAAYAAAAAAAAAAAAAAADwAAACADAAAAAAAAAAAAAAEAAACgMgAAVgcAAKr4//8BAAAAf39/AAEAAABkAAAAAAAAABQAAABAHwAAAAAAACYAAAAAAAAAwOD//wAAAAAmAAAAZAAAABYAAABMAAAAAAAAAAAAAAAEAAAAAAAAAAEAAACAgIAKAAAAACgAAAAoAAAAZAAAAGQAAAAAAAAAzMzMAAAAAABQAAAAUAAAAGQAAABkAAAAAAAAABcAAAAUAAAAAAAAAAAAAAD/fwAA/38AAAAAAAAJAAAABAAAACfNAwAMAAAAEAAAAAAAAAAAAAAAAAAAAAAAAAAeAAAAaAAAAAAAAAAAAAAAAAAAAAAAAAAAAAAAECcAABAnAAAAAAAAAAAAAAAAAAAAAAAAAAAAAAAAAAAAAAAAAAAAABQAAAAAAAAAwMD/AAAAAABkAAAAMgAAAAAAAABkAAAAAAAAAH9/fwAKAAAAHwAAAFQAAAAAAAAFAAAAAQAAAAAAAAAAAAAAAAAAAAAAAAAAAAAAAAAAAAAAAAAAAAAAAn9/fwAAAAADzMzMAMDA/wB/f38AAAAAAAAAAAAAAAAAAAAAAAAAAAAhAAAAGAAAABQAAADQAgAA2AkAAHA1AACwJQAAEAAAACYAAAAIAAAAAgAAAAAAAAA="/>
+                <pr:smNativeData xmlns:pr="smNativeData" val="SMDATA_13_Hs+1XxMAAAAlAAAAZAAAAA8BAAAAkAAAAEgAAACQAAAASAAAAAAAAAAAAAAAAQAAAAEAAABQAAAAAAAAAAAA4D8AAAAAAADgPwAAAAAAAOA/AAAAAAAA4D8AAAAAAADgPwAAAAAAAOA/AAAAAAAA4D8AAAAAAADgPwAAAAAAAOA/AAAAAAAA4D8CAAAAjAAAAAAAAAAAAAAAu+DjDP///wgAAAAAAAAAAAAAAAAAAAAAAAAAAAAAAAAAAAAAZAAAAAEAAABAAAAAAAAAAAAAAAAAAAAAAAAAAAAAAAAAAAAAAAAAAAAAAAAAAAAAAAAAAAAAAAAAAAAAAAAAAAAAAAAAAAAAAAAAAAAAAAAAAAAAAAAAAAAAAAAAAAAAFAAAADwAAAAAAAAAAAAAAAAAAAkUAAAAAQAAABQAAAAUAAAAFAAAAAEAAAAAAAAAZAAAAGQAAAAAAAAAZAAAAGQAAAAVAAAAYAAAAAAAAAAAAAAADwAAACADAAAAAAAAAAAAAAEAAACgMgAAVgcAAKr4//8BAAAAf39/AAEAAABkAAAAAAAAABQAAABAHwAAAAAAACYAAAAAAAAAwOD//wAAAAAmAAAAZAAAABYAAABMAAAAAAAAAAAAAAAEAAAAAAAAAAEAAACAgIAKAAAAACgAAAAoAAAAZAAAAGQAAAAAAAAAzMzMAAAAAABQAAAAUAAAAGQAAABkAAAAAAAAABcAAAAUAAAAAAAAAAAAAAD/fwAA/38AAAAAAAAJAAAABAAAACfNAwAMAAAAEAAAAAAAAAAAAAAAAAAAAAAAAAAeAAAAaAAAAAAAAAAAAAAAAAAAAAAAAAAAAAAAECcAABAnAAAAAAAAAAAAAAAAAAAAAAAAAAAAAAAAAAAAAAAAAAAAABQAAAAAAAAAwMD/AAAAAABkAAAAMgAAAAAAAABkAAAAAAAAAH9/fwAKAAAAHwAAAFQAAAAAAAAFAAAAAQAAAAAAAAAAAAAAAAAAAAAAAAAAAAAAAAAAAAAAAAAAAAAAAn9/fwAAAAADzMzMAMDA/wB/f38AAAAAAAAAAAAAAAAAAAAAAAAAAAAhAAAAGAAAABQAAADQAgAA2AkAAHA1AACwJQAAEAAAACYAAAAIAAAAAgAAAAAAAAA="/>
               </a:ext>
             </a:extLst>
           </p:cNvSpPr>
@@ -513,7 +514,7 @@
             <a:spLocks noGrp="1" noChangeArrowheads="1"/>
             <a:extLst>
               <a:ext uri="smNativeData">
-                <pr:smNativeData xmlns:pr="smNativeData" val="SMDATA_13_4IlQXxMAAAAlAAAAZAAAAA8BAAAAkAAAAEgAAACQAAAASAAAAAAAAAABAAAAAAAAAAEAAABQAAAAAAAAAAAA4D8AAAAAAADgPwAAAAAAAOA/AAAAAAAA4D8AAAAAAADgPwAAAAAAAOA/AAAAAAAA4D8AAAAAAADgPwAAAAAAAOA/AAAAAAAA4D8CAAAAjAAAAAAAAAAAAAAAu+DjDP///wgAAAAAAAAAAAAAAAAAAAAAAAAAAAAAAAAAAAAAZAAAAAEAAABAAAAAAAAAAAAAAAAAAAAAAAAAAAAAAAAAAAAAAAAAAAAAAAAAAAAAAAAAAAAAAAAAAAAAAAAAAAAAAAAAAAAAAAAAAAAAAAAAAAAAAAAAAAAAAAAAAAAAFAAAADwAAAAAAAAAAAAAAAAAAAkUAAAAAQAAABQAAAAUAAAAFAAAAAEAAAAAAAAAZAAAAGQAAAAAAAAAZAAAAGQAAAAVAAAAYAAAAAAAAAAAAAAADwAAACADAAAAAAAAAAAAAAEAAACgMgAAVgcAAKr4//8BAAAAf39/AAEAAABkAAAAAAAAABQAAABAHwAAAAAAACYAAAAAAAAAwOD//wAAAAAmAAAAZAAAABYAAABMAAAAAAAAAAAAAAAEAAAAAAAAAAEAAACAgIAKAAAAACgAAAAoAAAAZAAAAGQAAAAAAAAAzMzMAAAAAABQAAAAUAAAAGQAAABkAAAAAAAAABcAAAAUAAAAAAAAAAAAAAD/fwAA/38AAAAAAAAJAAAABAAAADmBBQAMAAAAEAAAAAAAAAAAAAAAAAAAAAAAAAAeAAAAaAAAAAAAAAAAAAAAAAAAAAAAAAAAAAAAECcAABAnAAAAAAAAAAAAAAAAAAAAAAAAAAAAAAAAAAAAAAAAAAAAABQAAAAAAAAAwMD/AAAAAABkAAAAMgAAAAAAAABkAAAAAAAAAH9/fwAKAAAAHwAAAFQAAAAAAAAFAAAAAQAAAAAAAAAAAAAAAAAAAAAAAAAAAAAAAAAAAAAAAAAAAAAAAn9/fwAAAAADzMzMAMDA/wB/f38AAAAAAAAAAAAAAAAAAAAAAAAAAAAhAAAAGAAAABQAAADQAgAAGycAAPAPAABZKQAAEAAAACYAAAAIAAAAAAAAAAAAAAA="/>
+                <pr:smNativeData xmlns:pr="smNativeData" val="SMDATA_13_Hs+1XxMAAAAlAAAAZAAAAA8BAAAAkAAAAEgAAACQAAAASAAAAAAAAAABAAAAAAAAAAEAAABQAAAAAAAAAAAA4D8AAAAAAADgPwAAAAAAAOA/AAAAAAAA4D8AAAAAAADgPwAAAAAAAOA/AAAAAAAA4D8AAAAAAADgPwAAAAAAAOA/AAAAAAAA4D8CAAAAjAAAAAAAAAAAAAAAu+DjDP///wgAAAAAAAAAAAAAAAAAAAAAAAAAAAAAAAAAAAAAZAAAAAEAAABAAAAAAAAAAAAAAAAAAAAAAAAAAAAAAAAAAAAAAAAAAAAAAAAAAAAAAAAAAAAAAAAAAAAAAAAAAAAAAAAAAAAAAAAAAAAAAAAAAAAAAAAAAAAAAAAAAAAAFAAAADwAAAAAAAAAAAAAAAAAAAkUAAAAAQAAABQAAAAUAAAAFAAAAAEAAAAAAAAAZAAAAGQAAAAAAAAAZAAAAGQAAAAVAAAAYAAAAAAAAAAAAAAADwAAACADAAAAAAAAAAAAAAEAAACgMgAAVgcAAKr4//8BAAAAf39/AAEAAABkAAAAAAAAABQAAABAHwAAAAAAACYAAAAAAAAAwOD//wAAAAAmAAAAZAAAABYAAABMAAAAAAAAAAAAAAAEAAAAAAAAAAEAAACAgIAKAAAAACgAAAAoAAAAZAAAAGQAAAAAAAAAzMzMAAAAAABQAAAAUAAAAGQAAABkAAAAAAAAABcAAAAUAAAAAAAAAAAAAAD/fwAA/38AAAAAAAAJAAAABAAAADmBBQAMAAAAEAAAAAAAAAAAAAAAAAAAAAAAAAAeAAAAaAAAAAAAAAAAAAAAAAAAAAAAAAAAAAAAECcAABAnAAAAAAAAAAAAAAAAAAAAAAAAAAAAAAAAAAAAAAAAAAAAABQAAAAAAAAAwMD/AAAAAABkAAAAMgAAAAAAAABkAAAAAAAAAH9/fwAKAAAAHwAAAFQAAAAAAAAFAAAAAQAAAAAAAAAAAAAAAAAAAAAAAAAAAAAAAAAAAAAAAAAAAAAAAn9/fwAAAAADzMzMAMDA/wB/f38AAAAAAAAAAAAAAAAAAAAAAAAAAAAhAAAAGAAAABQAAADQAgAAGycAAPAPAABZKQAAEAAAACYAAAAIAAAAAAAAAAAAAAA="/>
               </a:ext>
             </a:extLst>
           </p:cNvSpPr>
@@ -527,7 +528,7 @@
           <a:lstStyle/>
           <a:p>
             <a:pPr/>
-            <a:fld id="{AA4965BC-F247-1C93-09F1-04C62BBFFF51}" type="datetime1">
+            <a:fld id="{2FE6D601-4FC2-B320-8C5E-B97598107AEC}" type="datetime1">
               <a:t/>
             </a:fld>
           </a:p>
@@ -540,7 +541,7 @@
             <a:spLocks noGrp="1" noChangeArrowheads="1"/>
             <a:extLst>
               <a:ext uri="smNativeData">
-                <pr:smNativeData xmlns:pr="smNativeData" val="SMDATA_13_4IlQXxMAAAAlAAAAZAAAAA8BAAAAkAAAAEgAAACQAAAASAAAAAAAAAABAAAAAAAAAAEAAABQAAAAAAAAAAAA4D8AAAAAAADgPwAAAAAAAOA/AAAAAAAA4D8AAAAAAADgPwAAAAAAAOA/AAAAAAAA4D8AAAAAAADgPwAAAAAAAOA/AAAAAAAA4D8CAAAAjAAAAAAAAAAAAAAAu+DjDP///wgAAAAAAAAAAAAAAAAAAAAAAAAAAAAAAAAAAAAAZAAAAAEAAABAAAAAAAAAAAAAAAAAAAAAAAAAAAAAAAAAAAAAAAAAAAAAAAAAAAAAAAAAAAAAAAAAAAAAAAAAAAAAAAAAAAAAAAAAAAAAAAAAAAAAAAAAAAAAAAAAAAAAFAAAADwAAAAAAAAAAAAAAAAAAAkUAAAAAQAAABQAAAAUAAAAFAAAAAEAAAAAAAAAZAAAAGQAAAAAAAAAZAAAAGQAAAAVAAAAYAAAAAAAAAAAAAAADwAAACADAAAAAAAAAAAAAAEAAACgMgAAVgcAAKr4//8BAAAAf39/AAEAAABkAAAAAAAAABQAAABAHwAAAAAAACYAAAAAAAAAwOD//wAAAAAmAAAAZAAAABYAAABMAAAAAAAAAAAAAAAEAAAAAAAAAAEAAACAgIAKAAAAACgAAAAoAAAAZAAAAGQAAAAAAAAAzMzMAAAAAABQAAAAUAAAAGQAAABkAAAAAAAAABcAAAAUAAAAAAAAAAAAAAD/fwAA/38AAAAAAAAJAAAABAAAAAAAAAAMAAAAEAAAAAAAAAAAAAAAAAAAAAAAAAAeAAAAaAAAAAAAAAAAAAAAAAAAAAAAAAAAAAAAECcAABAnAAAAAAAAAAAAAAAAAAAAAAAAAAAAAAAAAAAAAAAAAAAAABQAAAAAAAAAwMD/AAAAAABkAAAAMgAAAAAAAABkAAAAAAAAAH9/fwAKAAAAHwAAAFQAAAAAAAAFAAAAAQAAAAAAAAAAAAAAAAAAAAAAAAAAAAAAAAAAAAAAAAAAAAAAAn9/fwAAAAADzMzMAMDA/wB/f38AAAAAAAAAAAAAAAAAAAAAAAAAAAAhAAAAGAAAABQAAAA4EwAAGycAAAglAABZKQAAEAAAACYAAAAIAAAAAAAAAAAAAAA="/>
+                <pr:smNativeData xmlns:pr="smNativeData" val="SMDATA_13_Hs+1XxMAAAAlAAAAZAAAAA8BAAAAkAAAAEgAAACQAAAASAAAAAAAAAABAAAAAAAAAAEAAABQAAAAAAAAAAAA4D8AAAAAAADgPwAAAAAAAOA/AAAAAAAA4D8AAAAAAADgPwAAAAAAAOA/AAAAAAAA4D8AAAAAAADgPwAAAAAAAOA/AAAAAAAA4D8CAAAAjAAAAAAAAAAAAAAAu+DjDP///wgAAAAAAAAAAAAAAAAAAAAAAAAAAAAAAAAAAAAAZAAAAAEAAABAAAAAAAAAAAAAAAAAAAAAAAAAAAAAAAAAAAAAAAAAAAAAAAAAAAAAAAAAAAAAAAAAAAAAAAAAAAAAAAAAAAAAAAAAAAAAAAAAAAAAAAAAAAAAAAAAAAAAFAAAADwAAAAAAAAAAAAAAAAAAAkUAAAAAQAAABQAAAAUAAAAFAAAAAEAAAAAAAAAZAAAAGQAAAAAAAAAZAAAAGQAAAAVAAAAYAAAAAAAAAAAAAAADwAAACADAAAAAAAAAAAAAAEAAACgMgAAVgcAAKr4//8BAAAAf39/AAEAAABkAAAAAAAAABQAAABAHwAAAAAAACYAAAAAAAAAwOD//wAAAAAmAAAAZAAAABYAAABMAAAAAAAAAAAAAAAEAAAAAAAAAAEAAACAgIAKAAAAACgAAAAoAAAAZAAAAGQAAAAAAAAAzMzMAAAAAABQAAAAUAAAAGQAAABkAAAAAAAAABcAAAAUAAAAAAAAAAAAAAD/fwAA/38AAAAAAAAJAAAABAAAAAAAAAAMAAAAEAAAAAAAAAAAAAAAAAAAAAAAAAAeAAAAaAAAAAAAAAAAAAAAAAAAAAAAAAAAAAAAECcAABAnAAAAAAAAAAAAAAAAAAAAAAAAAAAAAAAAAAAAAAAAAAAAABQAAAAAAAAAwMD/AAAAAABkAAAAMgAAAAAAAABkAAAAAAAAAH9/fwAKAAAAHwAAAFQAAAAAAAAFAAAAAQAAAAAAAAAAAAAAAAAAAAAAAAAAAAAAAAAAAAAAAAAAAAAAAn9/fwAAAAADzMzMAMDA/wB/f38AAAAAAAAAAAAAAAAAAAAAAAAAAAAhAAAAGAAAABQAAAA4EwAAGycAAAglAABZKQAAEAAAACYAAAAIAAAAAAAAAAAAAAA="/>
               </a:ext>
             </a:extLst>
           </p:cNvSpPr>
@@ -564,7 +565,7 @@
             <a:spLocks noGrp="1" noChangeArrowheads="1"/>
             <a:extLst>
               <a:ext uri="smNativeData">
-                <pr:smNativeData xmlns:pr="smNativeData" val="SMDATA_13_4IlQXxMAAAAlAAAAZAAAAA8BAAAAkAAAAEgAAACQAAAASAAAAAAAAAABAAAAAAAAAAEAAABQAAAAAAAAAAAA4D8AAAAAAADgPwAAAAAAAOA/AAAAAAAA4D8AAAAAAADgPwAAAAAAAOA/AAAAAAAA4D8AAAAAAADgPwAAAAAAAOA/AAAAAAAA4D8CAAAAjAAAAAAAAAAAAAAAu+DjDP///wgAAAAAAAAAAAAAAAAAAAAAAAAAAAAAAAAAAAAAZAAAAAEAAABAAAAAAAAAAAAAAAAAAAAAAAAAAAAAAAAAAAAAAAAAAAAAAAAAAAAAAAAAAAAAAAAAAAAAAAAAAAAAAAAAAAAAAAAAAAAAAAAAAAAAAAAAAAAAAAAAAAAAFAAAADwAAAAAAAAAAAAAAAAAAAkUAAAAAQAAABQAAAAUAAAAFAAAAAEAAAAAAAAAZAAAAGQAAAAAAAAAZAAAAGQAAAAVAAAAYAAAAAAAAAAAAAAADwAAACADAAAAAAAAAAAAAAEAAACgMgAAVgcAAKr4//8BAAAAf39/AAEAAABkAAAAAAAAABQAAABAHwAAAAAAACYAAAAAAAAAwOD//wAAAAAmAAAAZAAAABYAAABMAAAAAAAAAAAAAAAEAAAAAAAAAAEAAACAgIAKAAAAACgAAAAoAAAAZAAAAGQAAAAAAAAAzMzMAAAAAABQAAAAUAAAAGQAAABkAAAAAAAAABcAAAAUAAAAAAAAAAAAAAD/fwAA/38AAAAAAAAJAAAABAAAAFlpSPIMAAAAEAAAAAAAAAAAAAAAAAAAAAAAAAAeAAAAaAAAAAAAAAAAAAAAAAAAAAAAAAAAAAAAECcAABAnAAAAAAAAAAAAAAAAAAAAAAAAAAAAAAAAAAAAAAAAAAAAABQAAAAAAAAAwMD/AAAAAABkAAAAMgAAAAAAAABkAAAAAAAAAH9/fwAKAAAAHwAAAFQAAAAAAAAFAAAAAQAAAAAAAAAAAAAAAAAAAAAAAAAAAAAAAAAAAAAAAAAAAAAAAn9/fwAAAAADzMzMAMDA/wB/f38AAAAAAAAAAAAAAAAAAAAAAAAAAAAhAAAAGAAAABQAAABQKAAAGycAAHA1AABZKQAAEAAAACYAAAAIAAAAAAAAAAAAAAA="/>
+                <pr:smNativeData xmlns:pr="smNativeData" val="SMDATA_13_Hs+1XxMAAAAlAAAAZAAAAA8BAAAAkAAAAEgAAACQAAAASAAAAAAAAAABAAAAAAAAAAEAAABQAAAAAAAAAAAA4D8AAAAAAADgPwAAAAAAAOA/AAAAAAAA4D8AAAAAAADgPwAAAAAAAOA/AAAAAAAA4D8AAAAAAADgPwAAAAAAAOA/AAAAAAAA4D8CAAAAjAAAAAAAAAAAAAAAu+DjDP///wgAAAAAAAAAAAAAAAAAAAAAAAAAAAAAAAAAAAAAZAAAAAEAAABAAAAAAAAAAAAAAAAAAAAAAAAAAAAAAAAAAAAAAAAAAAAAAAAAAAAAAAAAAAAAAAAAAAAAAAAAAAAAAAAAAAAAAAAAAAAAAAAAAAAAAAAAAAAAAAAAAAAAFAAAADwAAAAAAAAAAAAAAAAAAAkUAAAAAQAAABQAAAAUAAAAFAAAAAEAAAAAAAAAZAAAAGQAAAAAAAAAZAAAAGQAAAAVAAAAYAAAAAAAAAAAAAAADwAAACADAAAAAAAAAAAAAAEAAACgMgAAVgcAAKr4//8BAAAAf39/AAEAAABkAAAAAAAAABQAAABAHwAAAAAAACYAAAAAAAAAwOD//wAAAAAmAAAAZAAAABYAAABMAAAAAAAAAAAAAAAEAAAAAAAAAAEAAACAgIAKAAAAACgAAAAoAAAAZAAAAGQAAAAAAAAAzMzMAAAAAABQAAAAUAAAAGQAAABkAAAAAAAAABcAAAAUAAAAAAAAAAAAAAD/fwAA/38AAAAAAAAJAAAABAAAAFlpSPIMAAAAEAAAAAAAAAAAAAAAAAAAAAAAAAAeAAAAaAAAAAAAAAAAAAAAAAAAAAAAAAAAAAAAECcAABAnAAAAAAAAAAAAAAAAAAAAAAAAAAAAAAAAAAAAAAAAAAAAABQAAAAAAAAAwMD/AAAAAABkAAAAMgAAAAAAAABkAAAAAAAAAH9/fwAKAAAAHwAAAFQAAAAAAAAFAAAAAQAAAAAAAAAAAAAAAAAAAAAAAAAAAAAAAAAAAAAAAAAAAAAAAn9/fwAAAAADzMzMAMDA/wB/f38AAAAAAAAAAAAAAAAAAAAAAAAAAAAhAAAAGAAAABQAAABQKAAAGycAAHA1AABZKQAAEAAAACYAAAAIAAAAAAAAAAAAAAA="/>
               </a:ext>
             </a:extLst>
           </p:cNvSpPr>
@@ -578,7 +579,7 @@
           <a:lstStyle/>
           <a:p>
             <a:pPr/>
-            <a:fld id="{AA493661-2F47-1CC0-09F1-D99578BFFF8C}" type="slidenum">
+            <a:fld id="{2FE6B660-2EC2-B340-8C5E-D815F8107A8D}" type="slidenum">
               <a:t/>
             </a:fld>
           </a:p>
@@ -616,7 +617,7 @@
             <a:spLocks noGrp="1" noChangeArrowheads="1"/>
             <a:extLst>
               <a:ext uri="smNativeData">
-                <pr:smNativeData xmlns:pr="smNativeData" val="SMDATA_13_4IlQXxMAAAAlAAAAZAAAAA8BAAAAkAAAAEgAAACQAAAASAAAAAAAAAACAAAAAQAAAAEAAABQAAAAAAAAAAAA4D8AAAAAAADgPwAAAAAAAOA/AAAAAAAA4D8AAAAAAADgPwAAAAAAAOA/AAAAAAAA4D8AAAAAAADgPwAAAAAAAOA/AAAAAAAA4D8CAAAAjAAAAAAAAAAAAAAAu+DjDP///wgAAAAAAAAAAAAAAAAAAAAAAAAAAAAAAAAAAAAAZAAAAAEAAABAAAAAAAAAAAAAAAAAAAAAAAAAAAAAAAAAAAAAAAAAAAAAAAAAAAAAAAAAAAAAAAAAAAAAAAAAAAAAAAAAAAAAAAAAAAAAAAAAAAAAAAAAAAAAAAAAAAAAFAAAADwAAAAAAAAAAAAAAAAAAAkUAAAAAQAAABQAAAAUAAAAFAAAAAEAAAAAAAAAZAAAAGQAAAAAAAAAZAAAAGQAAAAVAAAAYAAAAAAAAAAAAAAADwAAACADAAAAAAAAAAAAAAEAAACgMgAAVgcAAKr4//8BAAAAf39/AAEAAABkAAAAAAAAABQAAABAHwAAAAAAACYAAAAAAAAAwOD//wAAAAAmAAAAZAAAABYAAABMAAAAAAAAAAAAAAAEAAAAAAAAAAEAAACAgIAKAAAAACgAAAAoAAAAZAAAAGQAAAAAAAAAzMzMAAAAAABQAAAAUAAAAGQAAABkAAAAAAAAABcAAAAUAAAAAAAAAAAAAAD/fwAA/38AAAAAAAAJAAAABAAAAAQAm0IMAAAAEAAAAAAAAAAAAAAAAAAAAAAAAAAeAAAAaAAAAAAAAAAAAAAAAAAAAAAAAAAAAAAAECcAABAnAAAAAAAAAAAAAAAAAAAAAAAAAAAAAAAAAAAAAAAAAAAAABQAAAAAAAAAwMD/AAAAAABkAAAAMgAAAAAAAABkAAAAAAAAAH9/fwAKAAAAHwAAAFQAAAAAAAAFAAAAAQAAAAAAAAAAAAAAAAAAAAAAAAAAAAAAAAAAAAAAAAAAAAAAAn9/fwAAAAADzMzMAMDA/wB/f38AAAAAAAAAAAAAAAAAAAAAAAAAAAAhAAAAGAAAABQAAADIKAAAsAEAAHA1AACwJQAAEAAAACYAAAAIAAAAgwAAAAAAAAA="/>
+                <pr:smNativeData xmlns:pr="smNativeData" val="SMDATA_13_Hs+1XxMAAAAlAAAAZAAAAA8BAAAAkAAAAEgAAACQAAAASAAAAAAAAAACAAAAAQAAAAEAAABQAAAAAAAAAAAA4D8AAAAAAADgPwAAAAAAAOA/AAAAAAAA4D8AAAAAAADgPwAAAAAAAOA/AAAAAAAA4D8AAAAAAADgPwAAAAAAAOA/AAAAAAAA4D8CAAAAjAAAAAAAAAAAAAAAu+DjDP///wgAAAAAAAAAAAAAAAAAAAAAAAAAAAAAAAAAAAAAZAAAAAEAAABAAAAAAAAAAAAAAAAAAAAAAAAAAAAAAAAAAAAAAAAAAAAAAAAAAAAAAAAAAAAAAAAAAAAAAAAAAAAAAAAAAAAAAAAAAAAAAAAAAAAAAAAAAAAAAAAAAAAAFAAAADwAAAAAAAAAAAAAAAAAAAkUAAAAAQAAABQAAAAUAAAAFAAAAAEAAAAAAAAAZAAAAGQAAAAAAAAAZAAAAGQAAAAVAAAAYAAAAAAAAAAAAAAADwAAACADAAAAAAAAAAAAAAEAAACgMgAAVgcAAKr4//8BAAAAf39/AAEAAABkAAAAAAAAABQAAABAHwAAAAAAACYAAAAAAAAAwOD//wAAAAAmAAAAZAAAABYAAABMAAAAAAAAAAAAAAAEAAAAAAAAAAEAAACAgIAKAAAAACgAAAAoAAAAZAAAAGQAAAAAAAAAzMzMAAAAAABQAAAAUAAAAGQAAABkAAAAAAAAABcAAAAUAAAAAAAAAAAAAAD/fwAA/38AAAAAAAAJAAAABAAAAAQAm0IMAAAAEAAAAAAAAAAAAAAAAAAAAAAAAAAeAAAAaAAAAAAAAAAAAAAAAAAAAAAAAAAAAAAAECcAABAnAAAAAAAAAAAAAAAAAAAAAAAAAAAAAAAAAAAAAAAAAAAAABQAAAAAAAAAwMD/AAAAAABkAAAAMgAAAAAAAABkAAAAAAAAAH9/fwAKAAAAHwAAAFQAAAAAAAAFAAAAAQAAAAAAAAAAAAAAAAAAAAAAAAAAAAAAAAAAAAAAAAAAAAAAAn9/fwAAAAADzMzMAMDA/wB/f38AAAAAAAAAAAAAAAAAAAAAAAAAAAAhAAAAGAAAABQAAADIKAAAsAEAAHA1AACwJQAAEAAAACYAAAAIAAAAgwAAAAAAAAA="/>
               </a:ext>
             </a:extLst>
           </p:cNvSpPr>
@@ -652,7 +653,7 @@
             <a:spLocks noGrp="1" noChangeArrowheads="1"/>
             <a:extLst>
               <a:ext uri="smNativeData">
-                <pr:smNativeData xmlns:pr="smNativeData" val="SMDATA_13_4IlQXxMAAAAlAAAAZAAAAA8BAAAAkAAAAEgAAACQAAAASAAAAAAAAAAAAAAAAQAAAAEAAABQAAAAAAAAAAAA4D8AAAAAAADgPwAAAAAAAOA/AAAAAAAA4D8AAAAAAADgPwAAAAAAAOA/AAAAAAAA4D8AAAAAAADgPwAAAAAAAOA/AAAAAAAA4D8CAAAAjAAAAAAAAAAAAAAAu+DjDP///wgAAAAAAAAAAAAAAAAAAAAAAAAAAAAAAAAAAAAAZAAAAAEAAABAAAAAAAAAAAAAAAAAAAAAAAAAAAAAAAAAAAAAAAAAAAAAAAAAAAAAAAAAAAAAAAAAAAAAAAAAAAAAAAAAAAAAAAAAAAAAAAAAAAAAAAAAAAAAAAAAAAAAFAAAADwAAAAAAAAAAAAAAAAAAAkUAAAAAQAAABQAAAAUAAAAFAAAAAEAAAAAAAAAZAAAAGQAAAAAAAAAZAAAAGQAAAAVAAAAYAAAAAAAAAAAAAAADwAAACADAAAAAAAAAAAAAAEAAACgMgAAVgcAAKr4//8BAAAAf39/AAEAAABkAAAAAAAAABQAAABAHwAAAAAAACYAAAAAAAAAwOD//wAAAAAmAAAAZAAAABYAAABMAAAAAAAAAAAAAAAEAAAAAAAAAAEAAACAgIAKAAAAACgAAAAoAAAAZAAAAGQAAAAAAAAAzMzMAAAAAABQAAAAUAAAAGQAAABkAAAAAAAAABcAAAAUAAAAAAAAAAAAAAD/fwAA/38AAAAAAAAJAAAABAAAAAQAST8MAAAAEAAAAAAAAAAAAAAAAAAAAAAAAAAeAAAAaAAAAAAAAAAAAAAAAAAAAAAAAAAAAAAAECcAABAnAAAAAAAAAAAAAAAAAAAAAAAAAAAAAAAAAAAAAAAAAAAAABQAAAAAAAAAwMD/AAAAAABkAAAAMgAAAAAAAABkAAAAAAAAAH9/fwAKAAAAHwAAAFQAAAAAAAAFAAAAAQAAAAAAAAAAAAAAAAAAAAAAAAAAAAAAAAAAAAAAAAAAAAAAAn9/fwAAAAADzMzMAMDA/wB/f38AAAAAAAAAAAAAAAAAAAAAAAAAAAAhAAAAGAAAABQAAADQAgAAsAEAANgnAACwJQAAEAAAACYAAAAIAAAAAwAAAAAAAAA="/>
+                <pr:smNativeData xmlns:pr="smNativeData" val="SMDATA_13_Hs+1XxMAAAAlAAAAZAAAAA8BAAAAkAAAAEgAAACQAAAASAAAAAAAAAAAAAAAAQAAAAEAAABQAAAAAAAAAAAA4D8AAAAAAADgPwAAAAAAAOA/AAAAAAAA4D8AAAAAAADgPwAAAAAAAOA/AAAAAAAA4D8AAAAAAADgPwAAAAAAAOA/AAAAAAAA4D8CAAAAjAAAAAAAAAAAAAAAu+DjDP///wgAAAAAAAAAAAAAAAAAAAAAAAAAAAAAAAAAAAAAZAAAAAEAAABAAAAAAAAAAAAAAAAAAAAAAAAAAAAAAAAAAAAAAAAAAAAAAAAAAAAAAAAAAAAAAAAAAAAAAAAAAAAAAAAAAAAAAAAAAAAAAAAAAAAAAAAAAAAAAAAAAAAAFAAAADwAAAAAAAAAAAAAAAAAAAkUAAAAAQAAABQAAAAUAAAAFAAAAAEAAAAAAAAAZAAAAGQAAAAAAAAAZAAAAGQAAAAVAAAAYAAAAAAAAAAAAAAADwAAACADAAAAAAAAAAAAAAEAAACgMgAAVgcAAKr4//8BAAAAf39/AAEAAABkAAAAAAAAABQAAABAHwAAAAAAACYAAAAAAAAAwOD//wAAAAAmAAAAZAAAABYAAABMAAAAAAAAAAAAAAAEAAAAAAAAAAEAAACAgIAKAAAAACgAAAAoAAAAZAAAAGQAAAAAAAAAzMzMAAAAAABQAAAAUAAAAGQAAABkAAAAAAAAABcAAAAUAAAAAAAAAAAAAAD/fwAA/38AAAAAAAAJAAAABAAAAAQAST8MAAAAEAAAAAAAAAAAAAAAAAAAAAAAAAAeAAAAaAAAAAAAAAAAAAAAAAAAAAAAAAAAAAAAECcAABAnAAAAAAAAAAAAAAAAAAAAAAAAAAAAAAAAAAAAAAAAAAAAABQAAAAAAAAAwMD/AAAAAABkAAAAMgAAAAAAAABkAAAAAAAAAH9/fwAKAAAAHwAAAFQAAAAAAAAFAAAAAQAAAAAAAAAAAAAAAAAAAAAAAAAAAAAAAAAAAAAAAAAAAAAAAn9/fwAAAAADzMzMAMDA/wB/f38AAAAAAAAAAAAAAAAAAAAAAAAAAAAhAAAAGAAAABQAAADQAgAAsAEAANgnAACwJQAAEAAAACYAAAAIAAAAAwAAAAAAAAA="/>
               </a:ext>
             </a:extLst>
           </p:cNvSpPr>
@@ -712,7 +713,7 @@
             <a:spLocks noGrp="1" noChangeArrowheads="1"/>
             <a:extLst>
               <a:ext uri="smNativeData">
-                <pr:smNativeData xmlns:pr="smNativeData" val="SMDATA_13_4IlQXxMAAAAlAAAAZAAAAA8BAAAAkAAAAEgAAACQAAAASAAAAAAAAAABAAAAAAAAAAEAAABQAAAAAAAAAAAA4D8AAAAAAADgPwAAAAAAAOA/AAAAAAAA4D8AAAAAAADgPwAAAAAAAOA/AAAAAAAA4D8AAAAAAADgPwAAAAAAAOA/AAAAAAAA4D8CAAAAjAAAAAAAAAAAAAAAu+DjDP///wgAAAAAAAAAAAAAAAAAAAAAAAAAAAAAAAAAAAAAZAAAAAEAAABAAAAAAAAAAAAAAAAAAAAAAAAAAAAAAAAAAAAAAAAAAAAAAAAAAAAAAAAAAAAAAAAAAAAAAAAAAAAAAAAAAAAAAAAAAAAAAAAAAAAAAAAAAAAAAAAAAAAAFAAAADwAAAAAAAAAAAAAAAAAAAkUAAAAAQAAABQAAAAUAAAAFAAAAAEAAAAAAAAAZAAAAGQAAAAAAAAAZAAAAGQAAAAVAAAAYAAAAAAAAAAAAAAADwAAACADAAAAAAAAAAAAAAEAAACgMgAAVgcAAKr4//8BAAAAf39/AAEAAABkAAAAAAAAABQAAABAHwAAAAAAACYAAAAAAAAAwOD//wAAAAAmAAAAZAAAABYAAABMAAAAAAAAAAAAAAAEAAAAAAAAAAEAAACAgIAKAAAAACgAAAAoAAAAZAAAAGQAAAAAAAAAzMzMAAAAAABQAAAAUAAAAGQAAABkAAAAAAAAABcAAAAUAAAAAAAAAAAAAAD/fwAA/38AAAAAAAAJAAAABAAAAPodBAAMAAAAEAAAAAAAAAAAAAAAAAAAAAAAAAAeAAAAaAAAAAAAAAAAAAAAAAAAAAAAAAAAAAAAECcAABAnAAAAAAAAAAAAAAAAAAAAAAAAAAAAAAAAAAAAAAAAAAAAABQAAAAAAAAAwMD/AAAAAABkAAAAMgAAAAAAAABkAAAAAAAAAH9/fwAKAAAAHwAAAFQAAAAAAAAFAAAAAQAAAAAAAAAAAAAAAAAAAAAAAAAAAAAAAAAAAAAAAAAAAAAAAn9/fwAAAAADzMzMAMDA/wB/f38AAAAAAAAAAAAAAAAAAAAAAAAAAAAhAAAAGAAAABQAAADQAgAAGycAAPAPAABZKQAAEAAAACYAAAAIAAAAAAAAAAAAAAA="/>
+                <pr:smNativeData xmlns:pr="smNativeData" val="SMDATA_13_Hs+1XxMAAAAlAAAAZAAAAA8BAAAAkAAAAEgAAACQAAAASAAAAAAAAAABAAAAAAAAAAEAAABQAAAAAAAAAAAA4D8AAAAAAADgPwAAAAAAAOA/AAAAAAAA4D8AAAAAAADgPwAAAAAAAOA/AAAAAAAA4D8AAAAAAADgPwAAAAAAAOA/AAAAAAAA4D8CAAAAjAAAAAAAAAAAAAAAu+DjDP///wgAAAAAAAAAAAAAAAAAAAAAAAAAAAAAAAAAAAAAZAAAAAEAAABAAAAAAAAAAAAAAAAAAAAAAAAAAAAAAAAAAAAAAAAAAAAAAAAAAAAAAAAAAAAAAAAAAAAAAAAAAAAAAAAAAAAAAAAAAAAAAAAAAAAAAAAAAAAAAAAAAAAAFAAAADwAAAAAAAAAAAAAAAAAAAkUAAAAAQAAABQAAAAUAAAAFAAAAAEAAAAAAAAAZAAAAGQAAAAAAAAAZAAAAGQAAAAVAAAAYAAAAAAAAAAAAAAADwAAACADAAAAAAAAAAAAAAEAAACgMgAAVgcAAKr4//8BAAAAf39/AAEAAABkAAAAAAAAABQAAABAHwAAAAAAACYAAAAAAAAAwOD//wAAAAAmAAAAZAAAABYAAABMAAAAAAAAAAAAAAAEAAAAAAAAAAEAAACAgIAKAAAAACgAAAAoAAAAZAAAAGQAAAAAAAAAzMzMAAAAAABQAAAAUAAAAGQAAABkAAAAAAAAABcAAAAUAAAAAAAAAAAAAAD/fwAA/38AAAAAAAAJAAAABAAAAPodBAAMAAAAEAAAAAAAAAAAAAAAAAAAAAAAAAAeAAAAaAAAAAAAAAAAAAAAAAAAAAAAAAAAAAAAECcAABAnAAAAAAAAAAAAAAAAAAAAAAAAAAAAAAAAAAAAAAAAAAAAABQAAAAAAAAAwMD/AAAAAABkAAAAMgAAAAAAAABkAAAAAAAAAH9/fwAKAAAAHwAAAFQAAAAAAAAFAAAAAQAAAAAAAAAAAAAAAAAAAAAAAAAAAAAAAAAAAAAAAAAAAAAAAn9/fwAAAAADzMzMAMDA/wB/f38AAAAAAAAAAAAAAAAAAAAAAAAAAAAhAAAAGAAAABQAAADQAgAAGycAAPAPAABZKQAAEAAAACYAAAAIAAAAAAAAAAAAAAA="/>
               </a:ext>
             </a:extLst>
           </p:cNvSpPr>
@@ -726,7 +727,7 @@
           <a:lstStyle/>
           <a:p>
             <a:pPr/>
-            <a:fld id="{AA496767-2947-1C91-09F1-DFC429BFFF8A}" type="datetime1">
+            <a:fld id="{2FE69871-3FC2-B36E-8C5E-C93BD6107A9C}" type="datetime1">
               <a:t/>
             </a:fld>
           </a:p>
@@ -739,7 +740,7 @@
             <a:spLocks noGrp="1" noChangeArrowheads="1"/>
             <a:extLst>
               <a:ext uri="smNativeData">
-                <pr:smNativeData xmlns:pr="smNativeData" val="SMDATA_13_4IlQXxMAAAAlAAAAZAAAAA8BAAAAkAAAAEgAAACQAAAASAAAAAAAAAABAAAAAAAAAAEAAABQAAAAAAAAAAAA4D8AAAAAAADgPwAAAAAAAOA/AAAAAAAA4D8AAAAAAADgPwAAAAAAAOA/AAAAAAAA4D8AAAAAAADgPwAAAAAAAOA/AAAAAAAA4D8CAAAAjAAAAAAAAAAAAAAAu+DjDP///wgAAAAAAAAAAAAAAAAAAAAAAAAAAAAAAAAAAAAAZAAAAAEAAABAAAAAAAAAAAAAAAAAAAAAAAAAAAAAAAAAAAAAAAAAAAAAAAAAAAAAAAAAAAAAAAAAAAAAAAAAAAAAAAAAAAAAAAAAAAAAAAAAAAAAAAAAAAAAAAAAAAAAFAAAADwAAAAAAAAAAAAAAAAAAAkUAAAAAQAAABQAAAAUAAAAFAAAAAEAAAAAAAAAZAAAAGQAAAAAAAAAZAAAAGQAAAAVAAAAYAAAAAAAAAAAAAAADwAAACADAAAAAAAAAAAAAAEAAACgMgAAVgcAAKr4//8BAAAAf39/AAEAAABkAAAAAAAAABQAAABAHwAAAAAAACYAAAAAAAAAwOD//wAAAAAmAAAAZAAAABYAAABMAAAAAAAAAAAAAAAEAAAAAAAAAAEAAACAgIAKAAAAACgAAAAoAAAAZAAAAGQAAAAAAAAAzMzMAAAAAABQAAAAUAAAAGQAAABkAAAAAAAAABcAAAAUAAAAAAAAAAAAAAD/fwAA/38AAAAAAAAJAAAABAAAAF9eBAAMAAAAEAAAAAAAAAAAAAAAAAAAAAAAAAAeAAAAaAAAAAAAAAAAAAAAAAAAAAAAAAAAAAAAECcAABAnAAAAAAAAAAAAAAAAAAAAAAAAAAAAAAAAAAAAAAAAAAAAABQAAAAAAAAAwMD/AAAAAABkAAAAMgAAAAAAAABkAAAAAAAAAH9/fwAKAAAAHwAAAFQAAAAAAAAFAAAAAQAAAAAAAAAAAAAAAAAAAAAAAAAAAAAAAAAAAAAAAAAAAAAAAn9/fwAAAAADzMzMAMDA/wB/f38AAAAAAAAAAAAAAAAAAAAAAAAAAAAhAAAAGAAAABQAAAA4EwAAGycAAAglAABZKQAAEAAAACYAAAAIAAAAAAAAAAAAAAA="/>
+                <pr:smNativeData xmlns:pr="smNativeData" val="SMDATA_13_Hs+1XxMAAAAlAAAAZAAAAA8BAAAAkAAAAEgAAACQAAAASAAAAAAAAAABAAAAAAAAAAEAAABQAAAAAAAAAAAA4D8AAAAAAADgPwAAAAAAAOA/AAAAAAAA4D8AAAAAAADgPwAAAAAAAOA/AAAAAAAA4D8AAAAAAADgPwAAAAAAAOA/AAAAAAAA4D8CAAAAjAAAAAAAAAAAAAAAu+DjDP///wgAAAAAAAAAAAAAAAAAAAAAAAAAAAAAAAAAAAAAZAAAAAEAAABAAAAAAAAAAAAAAAAAAAAAAAAAAAAAAAAAAAAAAAAAAAAAAAAAAAAAAAAAAAAAAAAAAAAAAAAAAAAAAAAAAAAAAAAAAAAAAAAAAAAAAAAAAAAAAAAAAAAAFAAAADwAAAAAAAAAAAAAAAAAAAkUAAAAAQAAABQAAAAUAAAAFAAAAAEAAAAAAAAAZAAAAGQAAAAAAAAAZAAAAGQAAAAVAAAAYAAAAAAAAAAAAAAADwAAACADAAAAAAAAAAAAAAEAAACgMgAAVgcAAKr4//8BAAAAf39/AAEAAABkAAAAAAAAABQAAABAHwAAAAAAACYAAAAAAAAAwOD//wAAAAAmAAAAZAAAABYAAABMAAAAAAAAAAAAAAAEAAAAAAAAAAEAAACAgIAKAAAAACgAAAAoAAAAZAAAAGQAAAAAAAAAzMzMAAAAAABQAAAAUAAAAGQAAABkAAAAAAAAABcAAAAUAAAAAAAAAAAAAAD/fwAA/38AAAAAAAAJAAAABAAAAF9eBAAMAAAAEAAAAAAAAAAAAAAAAAAAAAAAAAAeAAAAaAAAAAAAAAAAAAAAAAAAAAAAAAAAAAAAECcAABAnAAAAAAAAAAAAAAAAAAAAAAAAAAAAAAAAAAAAAAAAAAAAABQAAAAAAAAAwMD/AAAAAABkAAAAMgAAAAAAAABkAAAAAAAAAH9/fwAKAAAAHwAAAFQAAAAAAAAFAAAAAQAAAAAAAAAAAAAAAAAAAAAAAAAAAAAAAAAAAAAAAAAAAAAAAn9/fwAAAAADzMzMAMDA/wB/f38AAAAAAAAAAAAAAAAAAAAAAAAAAAAhAAAAGAAAABQAAAA4EwAAGycAAAglAABZKQAAEAAAACYAAAAIAAAAAAAAAAAAAAA="/>
               </a:ext>
             </a:extLst>
           </p:cNvSpPr>
@@ -763,7 +764,7 @@
             <a:spLocks noGrp="1" noChangeArrowheads="1"/>
             <a:extLst>
               <a:ext uri="smNativeData">
-                <pr:smNativeData xmlns:pr="smNativeData" val="SMDATA_13_4IlQXxMAAAAlAAAAZAAAAA8BAAAAkAAAAEgAAACQAAAASAAAAAAAAAABAAAAAAAAAAEAAABQAAAAAAAAAAAA4D8AAAAAAADgPwAAAAAAAOA/AAAAAAAA4D8AAAAAAADgPwAAAAAAAOA/AAAAAAAA4D8AAAAAAADgPwAAAAAAAOA/AAAAAAAA4D8CAAAAjAAAAAAAAAAAAAAAu+DjDP///wgAAAAAAAAAAAAAAAAAAAAAAAAAAAAAAAAAAAAAZAAAAAEAAABAAAAAAAAAAAAAAAAAAAAAAAAAAAAAAAAAAAAAAAAAAAAAAAAAAAAAAAAAAAAAAAAAAAAAAAAAAAAAAAAAAAAAAAAAAAAAAAAAAAAAAAAAAAAAAAAAAAAAFAAAADwAAAAAAAAAAAAAAAAAAAkUAAAAAQAAABQAAAAUAAAAFAAAAAEAAAAAAAAAZAAAAGQAAAAAAAAAZAAAAGQAAAAVAAAAYAAAAAAAAAAAAAAADwAAACADAAAAAAAAAAAAAAEAAACgMgAAVgcAAKr4//8BAAAAf39/AAEAAABkAAAAAAAAABQAAABAHwAAAAAAACYAAAAAAAAAwOD//wAAAAAmAAAAZAAAABYAAABMAAAAAAAAAAAAAAAEAAAAAAAAAAEAAACAgIAKAAAAACgAAAAoAAAAZAAAAGQAAAAAAAAAzMzMAAAAAABQAAAAUAAAAGQAAABkAAAAAAAAABcAAAAUAAAAAAAAAAAAAAD/fwAA/38AAAAAAAAJAAAABAAAAOBGU7IMAAAAEAAAAAAAAAAAAAAAAAAAAAAAAAAeAAAAaAAAAAAAAAAAAAAAAAAAAAAAAAAAAAAAECcAABAnAAAAAAAAAAAAAAAAAAAAAAAAAAAAAAAAAAAAAAAAAAAAABQAAAAAAAAAwMD/AAAAAABkAAAAMgAAAAAAAABkAAAAAAAAAH9/fwAKAAAAHwAAAFQAAAAAAAAFAAAAAQAAAAAAAAAAAAAAAAAAAAAAAAAAAAAAAAAAAAAAAAAAAAAAAn9/fwAAAAADzMzMAMDA/wB/f38AAAAAAAAAAAAAAAAAAAAAAAAAAAAhAAAAGAAAABQAAABQKAAAGycAAHA1AABZKQAAEAAAACYAAAAIAAAAAAAAAAAAAAA="/>
+                <pr:smNativeData xmlns:pr="smNativeData" val="SMDATA_13_Hs+1XxMAAAAlAAAAZAAAAA8BAAAAkAAAAEgAAACQAAAASAAAAAAAAAABAAAAAAAAAAEAAABQAAAAAAAAAAAA4D8AAAAAAADgPwAAAAAAAOA/AAAAAAAA4D8AAAAAAADgPwAAAAAAAOA/AAAAAAAA4D8AAAAAAADgPwAAAAAAAOA/AAAAAAAA4D8CAAAAjAAAAAAAAAAAAAAAu+DjDP///wgAAAAAAAAAAAAAAAAAAAAAAAAAAAAAAAAAAAAAZAAAAAEAAABAAAAAAAAAAAAAAAAAAAAAAAAAAAAAAAAAAAAAAAAAAAAAAAAAAAAAAAAAAAAAAAAAAAAAAAAAAAAAAAAAAAAAAAAAAAAAAAAAAAAAAAAAAAAAAAAAAAAAFAAAADwAAAAAAAAAAAAAAAAAAAkUAAAAAQAAABQAAAAUAAAAFAAAAAEAAAAAAAAAZAAAAGQAAAAAAAAAZAAAAGQAAAAVAAAAYAAAAAAAAAAAAAAADwAAACADAAAAAAAAAAAAAAEAAACgMgAAVgcAAKr4//8BAAAAf39/AAEAAABkAAAAAAAAABQAAABAHwAAAAAAACYAAAAAAAAAwOD//wAAAAAmAAAAZAAAABYAAABMAAAAAAAAAAAAAAAEAAAAAAAAAAEAAACAgIAKAAAAACgAAAAoAAAAZAAAAGQAAAAAAAAAzMzMAAAAAABQAAAAUAAAAGQAAABkAAAAAAAAABcAAAAUAAAAAAAAAAAAAAD/fwAA/38AAAAAAAAJAAAABAAAAOBGU7IMAAAAEAAAAAAAAAAAAAAAAAAAAAAAAAAeAAAAaAAAAAAAAAAAAAAAAAAAAAAAAAAAAAAAECcAABAnAAAAAAAAAAAAAAAAAAAAAAAAAAAAAAAAAAAAAAAAAAAAABQAAAAAAAAAwMD/AAAAAABkAAAAMgAAAAAAAABkAAAAAAAAAH9/fwAKAAAAHwAAAFQAAAAAAAAFAAAAAQAAAAAAAAAAAAAAAAAAAAAAAAAAAAAAAAAAAAAAAAAAAAAAAn9/fwAAAAADzMzMAMDA/wB/f38AAAAAAAAAAAAAAAAAAAAAAAAAAAAhAAAAGAAAABQAAABQKAAAGycAAHA1AABZKQAAEAAAACYAAAAIAAAAAAAAAAAAAAA="/>
               </a:ext>
             </a:extLst>
           </p:cNvSpPr>
@@ -777,7 +778,7 @@
           <a:lstStyle/>
           <a:p>
             <a:pPr/>
-            <a:fld id="{AA4925C2-8C47-1CD3-09F1-7A866BBFFF2F}" type="slidenum">
+            <a:fld id="{2FE68D65-2BC2-B37B-8C5E-DD2EC3107A88}" type="slidenum">
               <a:t/>
             </a:fld>
           </a:p>
@@ -815,7 +816,7 @@
             <a:spLocks noGrp="1" noChangeArrowheads="1"/>
             <a:extLst>
               <a:ext uri="smNativeData">
-                <pr:smNativeData xmlns:pr="smNativeData" val="SMDATA_13_4IlQXxMAAAAlAAAAZAAAAA8BAAAAkAAAAEgAAACQAAAASAAAAAAAAAABAAAAAAAAAAEAAABQAAAAAAAAAAAA4D8AAAAAAADgPwAAAAAAAOA/AAAAAAAA4D8AAAAAAADgPwAAAAAAAOA/AAAAAAAA4D8AAAAAAADgPwAAAAAAAOA/AAAAAAAA4D8CAAAAjAAAAAAAAAAAAAAAu+DjDP///wgAAAAAAAAAAAAAAAAAAAAAAAAAAAAAAAAAAAAAZAAAAAEAAABAAAAAAAAAAAAAAAAAAAAAAAAAAAAAAAAAAAAAAAAAAAAAAAAAAAAAAAAAAAAAAAAAAAAAAAAAAAAAAAAAAAAAAAAAAAAAAAAAAAAAAAAAAAAAAAAAAAAAFAAAADwAAAAAAAAAAAAAAAAAAAkUAAAAAQAAABQAAAAUAAAAFAAAAAEAAAAAAAAAZAAAAGQAAAAAAAAAZAAAAGQAAAAVAAAAYAAAAAAAAAAAAAAADwAAACADAAAAAAAAAAAAAAEAAACgMgAAVgcAAKr4//8BAAAAf39/AAEAAABkAAAAAAAAABQAAABAHwAAAAAAACYAAAAAAAAAwOD//wAAAAAmAAAAZAAAABYAAABMAAAAAAAAAAAAAAAEAAAAAAAAAAEAAACAgIAKAAAAACgAAAAoAAAAZAAAAGQAAAAAAAAAzMzMAAAAAABQAAAAUAAAAGQAAABkAAAAAAAAABcAAAAUAAAAAAAAAAAAAAD/fwAA/38AAAAAAAAJAAAABAAAAAAAAAAMAAAAEAAAAAAAAAAAAAAAAAAAAAAAAAAeAAAAaAAAAAAAAAAAAAAAAAAAAAAAAAAAAAAAECcAABAnAAAAAAAAAAAAAAAAAAAAAAAAAAAAAAAAAAAAAAAAAAAAABQAAAAAAAAAwMD/AAAAAABkAAAAMgAAAAAAAABkAAAAAAAAAH9/fwAKAAAAHwAAAFQAAAAAAAAFAAAAAQAAAAAAAAAAAAAAAAAAAAAAAAAAAAAAAAAAAAAAAAAAAAAAAn9/fwAAAAADzMzMAMDA/wB/f38AAAAAAAAAAAAAAAAAAAAAAAAAAAAhAAAAGAAAABQAAADQAgAAsAEAAHA1AAC4CAAAEAAAACYAAAAIAAAAAAAAAAAAAAA="/>
+                <pr:smNativeData xmlns:pr="smNativeData" val="SMDATA_13_Hs+1XxMAAAAlAAAAZAAAAA8BAAAAkAAAAEgAAACQAAAASAAAAAAAAAABAAAAAAAAAAEAAABQAAAAAAAAAAAA4D8AAAAAAADgPwAAAAAAAOA/AAAAAAAA4D8AAAAAAADgPwAAAAAAAOA/AAAAAAAA4D8AAAAAAADgPwAAAAAAAOA/AAAAAAAA4D8CAAAAjAAAAAAAAAAAAAAAu+DjDP///wgAAAAAAAAAAAAAAAAAAAAAAAAAAAAAAAAAAAAAZAAAAAEAAABAAAAAAAAAAAAAAAAAAAAAAAAAAAAAAAAAAAAAAAAAAAAAAAAAAAAAAAAAAAAAAAAAAAAAAAAAAAAAAAAAAAAAAAAAAAAAAAAAAAAAAAAAAAAAAAAAAAAAFAAAADwAAAAAAAAAAAAAAAAAAAkUAAAAAQAAABQAAAAUAAAAFAAAAAEAAAAAAAAAZAAAAGQAAAAAAAAAZAAAAGQAAAAVAAAAYAAAAAAAAAAAAAAADwAAACADAAAAAAAAAAAAAAEAAACgMgAAVgcAAKr4//8BAAAAf39/AAEAAABkAAAAAAAAABQAAABAHwAAAAAAACYAAAAAAAAAwOD//wAAAAAmAAAAZAAAABYAAABMAAAAAAAAAAAAAAAEAAAAAAAAAAEAAACAgIAKAAAAACgAAAAoAAAAZAAAAGQAAAAAAAAAzMzMAAAAAABQAAAAUAAAAGQAAABkAAAAAAAAABcAAAAUAAAAAAAAAAAAAAD/fwAA/38AAAAAAAAJAAAABAAAAAAAAAAMAAAAEAAAAAAAAAAAAAAAAAAAAAAAAAAeAAAAaAAAAAAAAAAAAAAAAAAAAAAAAAAAAAAAECcAABAnAAAAAAAAAAAAAAAAAAAAAAAAAAAAAAAAAAAAAAAAAAAAABQAAAAAAAAAwMD/AAAAAABkAAAAMgAAAAAAAABkAAAAAAAAAH9/fwAKAAAAHwAAAFQAAAAAAAAFAAAAAQAAAAAAAAAAAAAAAAAAAAAAAAAAAAAAAAAAAAAAAAAAAAAAAn9/fwAAAAADzMzMAMDA/wB/f38AAAAAAAAAAAAAAAAAAAAAAAAAAAAhAAAAGAAAABQAAADQAgAAsAEAAHA1AAC4CAAAEAAAACYAAAAIAAAAAAAAAAAAAAA="/>
               </a:ext>
             </a:extLst>
           </p:cNvSpPr>
@@ -842,7 +843,7 @@
             <a:spLocks noGrp="1" noChangeArrowheads="1"/>
             <a:extLst>
               <a:ext uri="smNativeData">
-                <pr:smNativeData xmlns:pr="smNativeData" val="SMDATA_13_4IlQXxMAAAAlAAAAZAAAAA8BAAAAkAAAAEgAAACQAAAASAAAAAAAAAAAAAAAAAAAAAEAAABQAAAAAAAAAAAA4D8AAAAAAADgPwAAAAAAAOA/AAAAAAAA4D8AAAAAAADgPwAAAAAAAOA/AAAAAAAA4D8AAAAAAADgPwAAAAAAAOA/AAAAAAAA4D8CAAAAjAAAAAAAAAAAAAAAu+DjDP///wgAAAAAAAAAAAAAAAAAAAAAAAAAAAAAAAAAAAAAZAAAAAEAAABAAAAAAAAAAAAAAAAAAAAAAAAAAAAAAAAAAAAAAAAAAAAAAAAAAAAAAAAAAAAAAAAAAAAAAAAAAAAAAAAAAAAAAAAAAAAAAAAAAAAAAAAAAAAAAAAAAAAAFAAAADwAAAAAAAAAAAAAAAAAAAkUAAAAAQAAABQAAAAUAAAAFAAAAAEAAAAAAAAAZAAAAGQAAAAAAAAAZAAAAGQAAAAVAAAAYAAAAAAAAAAAAAAADwAAACADAAAAAAAAAAAAAAEAAACgMgAAVgcAAKr4//8BAAAAf39/AAEAAABkAAAAAAAAABQAAABAHwAAAAAAACYAAAAAAAAAwOD//wAAAAAmAAAAZAAAABYAAABMAAAAAAAAAAAAAAAEAAAAAAAAAAEAAACAgIAKAAAAACgAAAAoAAAAZAAAAGQAAAAAAAAAzMzMAAAAAABQAAAAUAAAAGQAAABkAAAAAAAAABcAAAAUAAAAAAAAAAAAAAD/fwAA/38AAAAAAAAJAAAABAAAAAAAAAAMAAAAEAAAAAAAAAAAAAAAAAAAAAAAAAAeAAAAaAAAAAAAAAAAAAAAAAAAAAAAAAAAAAAAECcAABAnAAAAAAAAAAAAAAAAAAAAAAAAAAAAAAAAAAAAAAAAAAAAABQAAAAAAAAAwMD/AAAAAABkAAAAMgAAAAAAAABkAAAAAAAAAH9/fwAKAAAAHwAAAFQAAAAAAAAFAAAAAQAAAAAAAAAAAAAAAAAAAAAAAAAAAAAAAAAAAAAAAAAAAAAAAn9/fwAAAAADzMzMAMDA/wB/f38AAAAAAAAAAAAAAAAAAAAAAAAAAAAhAAAAGAAAABQAAADQAgAA2AkAAHA1AACwJQAAEAAAACYAAAAIAAAAAAAAAAAAAAA="/>
+                <pr:smNativeData xmlns:pr="smNativeData" val="SMDATA_13_Hs+1XxMAAAAlAAAAZAAAAA8BAAAAkAAAAEgAAACQAAAASAAAAAAAAAAAAAAAAAAAAAEAAABQAAAAAAAAAAAA4D8AAAAAAADgPwAAAAAAAOA/AAAAAAAA4D8AAAAAAADgPwAAAAAAAOA/AAAAAAAA4D8AAAAAAADgPwAAAAAAAOA/AAAAAAAA4D8CAAAAjAAAAAAAAAAAAAAAu+DjDP///wgAAAAAAAAAAAAAAAAAAAAAAAAAAAAAAAAAAAAAZAAAAAEAAABAAAAAAAAAAAAAAAAAAAAAAAAAAAAAAAAAAAAAAAAAAAAAAAAAAAAAAAAAAAAAAAAAAAAAAAAAAAAAAAAAAAAAAAAAAAAAAAAAAAAAAAAAAAAAAAAAAAAAFAAAADwAAAAAAAAAAAAAAAAAAAkUAAAAAQAAABQAAAAUAAAAFAAAAAEAAAAAAAAAZAAAAGQAAAAAAAAAZAAAAGQAAAAVAAAAYAAAAAAAAAAAAAAADwAAACADAAAAAAAAAAAAAAEAAACgMgAAVgcAAKr4//8BAAAAf39/AAEAAABkAAAAAAAAABQAAABAHwAAAAAAACYAAAAAAAAAwOD//wAAAAAmAAAAZAAAABYAAABMAAAAAAAAAAAAAAAEAAAAAAAAAAEAAACAgIAKAAAAACgAAAAoAAAAZAAAAGQAAAAAAAAAzMzMAAAAAABQAAAAUAAAAGQAAABkAAAAAAAAABcAAAAUAAAAAAAAAAAAAAD/fwAA/38AAAAAAAAJAAAABAAAAAAAAAAMAAAAEAAAAAAAAAAAAAAAAAAAAAAAAAAeAAAAaAAAAAAAAAAAAAAAAAAAAAAAAAAAAAAAECcAABAnAAAAAAAAAAAAAAAAAAAAAAAAAAAAAAAAAAAAAAAAAAAAABQAAAAAAAAAwMD/AAAAAABkAAAAMgAAAAAAAABkAAAAAAAAAH9/fwAKAAAAHwAAAFQAAAAAAAAFAAAAAQAAAAAAAAAAAAAAAAAAAAAAAAAAAAAAAAAAAAAAAAAAAAAAAn9/fwAAAAADzMzMAMDA/wB/f38AAAAAAAAAAAAAAAAAAAAAAAAAAAAhAAAAGAAAABQAAADQAgAA2AkAAHA1AACwJQAAEAAAACYAAAAIAAAAAAAAAAAAAAA="/>
               </a:ext>
             </a:extLst>
           </p:cNvSpPr>
@@ -893,7 +894,7 @@
             <a:spLocks noGrp="1" noChangeArrowheads="1"/>
             <a:extLst>
               <a:ext uri="smNativeData">
-                <pr:smNativeData xmlns:pr="smNativeData" val="SMDATA_13_4IlQXxMAAAAlAAAAZAAAAA8BAAAAkAAAAEgAAACQAAAASAAAAAAAAAABAAAAAAAAAAEAAABQAAAAAAAAAAAA4D8AAAAAAADgPwAAAAAAAOA/AAAAAAAA4D8AAAAAAADgPwAAAAAAAOA/AAAAAAAA4D8AAAAAAADgPwAAAAAAAOA/AAAAAAAA4D8CAAAAjAAAAAAAAAAAAAAAu+DjDP///wgAAAAAAAAAAAAAAAAAAAAAAAAAAAAAAAAAAAAAZAAAAAEAAABAAAAAAAAAAAAAAAAAAAAAAAAAAAAAAAAAAAAAAAAAAAAAAAAAAAAAAAAAAAAAAAAAAAAAAAAAAAAAAAAAAAAAAAAAAAAAAAAAAAAAAAAAAAAAAAAAAAAAFAAAADwAAAAAAAAAAAAAAAAAAAkUAAAAAQAAABQAAAAUAAAAFAAAAAEAAAAAAAAAZAAAAGQAAAAAAAAAZAAAAGQAAAAVAAAAYAAAAAAAAAAAAAAADwAAACADAAAAAAAAAAAAAAEAAACgMgAAVgcAAKr4//8BAAAAf39/AAEAAABkAAAAAAAAABQAAABAHwAAAAAAACYAAAAAAAAAwOD//wAAAAAmAAAAZAAAABYAAABMAAAAAAAAAAAAAAAEAAAAAAAAAAEAAACAgIAKAAAAACgAAAAoAAAAZAAAAGQAAAAAAAAAzMzMAAAAAABQAAAAUAAAAGQAAABkAAAAAAAAABcAAAAUAAAAAAAAAAAAAAD/fwAA/38AAAAAAAAJAAAABAAAAAAAAAAMAAAAEAAAAAAAAAAAAAAAAAAAAAAAAAAeAAAAaAAAAAAAAAAAAAAAAAAAAAAAAAAAAAAAECcAABAnAAAAAAAAAAAAAAAAAAAAAAAAAAAAAAAAAAAAAAAAAAAAABQAAAAAAAAAwMD/AAAAAABkAAAAMgAAAAAAAABkAAAAAAAAAH9/fwAKAAAAHwAAAFQAAAAAAAAFAAAAAQAAAAAAAAAAAAAAAAAAAAAAAAAAAAAAAAAAAAAAAAAAAAAAAn9/fwAAAAADzMzMAMDA/wB/f38AAAAAAAAAAAAAAAAAAAAAAAAAAAAhAAAAGAAAABQAAADQAgAAGycAAPAPAABZKQAAEAAAACYAAAAIAAAAAAAAAAAAAAA="/>
+                <pr:smNativeData xmlns:pr="smNativeData" val="SMDATA_13_Hs+1XxMAAAAlAAAAZAAAAA8BAAAAkAAAAEgAAACQAAAASAAAAAAAAAABAAAAAAAAAAEAAABQAAAAAAAAAAAA4D8AAAAAAADgPwAAAAAAAOA/AAAAAAAA4D8AAAAAAADgPwAAAAAAAOA/AAAAAAAA4D8AAAAAAADgPwAAAAAAAOA/AAAAAAAA4D8CAAAAjAAAAAAAAAAAAAAAu+DjDP///wgAAAAAAAAAAAAAAAAAAAAAAAAAAAAAAAAAAAAAZAAAAAEAAABAAAAAAAAAAAAAAAAAAAAAAAAAAAAAAAAAAAAAAAAAAAAAAAAAAAAAAAAAAAAAAAAAAAAAAAAAAAAAAAAAAAAAAAAAAAAAAAAAAAAAAAAAAAAAAAAAAAAAFAAAADwAAAAAAAAAAAAAAAAAAAkUAAAAAQAAABQAAAAUAAAAFAAAAAEAAAAAAAAAZAAAAGQAAAAAAAAAZAAAAGQAAAAVAAAAYAAAAAAAAAAAAAAADwAAACADAAAAAAAAAAAAAAEAAACgMgAAVgcAAKr4//8BAAAAf39/AAEAAABkAAAAAAAAABQAAABAHwAAAAAAACYAAAAAAAAAwOD//wAAAAAmAAAAZAAAABYAAABMAAAAAAAAAAAAAAAEAAAAAAAAAAEAAACAgIAKAAAAACgAAAAoAAAAZAAAAGQAAAAAAAAAzMzMAAAAAABQAAAAUAAAAGQAAABkAAAAAAAAABcAAAAUAAAAAAAAAAAAAAD/fwAA/38AAAAAAAAJAAAABAAAAAAAAAAMAAAAEAAAAAAAAAAAAAAAAAAAAAAAAAAeAAAAaAAAAAAAAAAAAAAAAAAAAAAAAAAAAAAAECcAABAnAAAAAAAAAAAAAAAAAAAAAAAAAAAAAAAAAAAAAAAAAAAAABQAAAAAAAAAwMD/AAAAAABkAAAAMgAAAAAAAABkAAAAAAAAAH9/fwAKAAAAHwAAAFQAAAAAAAAFAAAAAQAAAAAAAAAAAAAAAAAAAAAAAAAAAAAAAAAAAAAAAAAAAAAAAn9/fwAAAAADzMzMAMDA/wB/f38AAAAAAAAAAAAAAAAAAAAAAAAAAAAhAAAAGAAAABQAAADQAgAAGycAAPAPAABZKQAAEAAAACYAAAAIAAAAAAAAAAAAAAA="/>
               </a:ext>
             </a:extLst>
           </p:cNvSpPr>
@@ -907,7 +908,7 @@
           <a:lstStyle/>
           <a:p>
             <a:pPr/>
-            <a:fld id="{AA4928B3-FD47-1CDE-09F1-0B8B66BFFF5E}" type="datetime1">
+            <a:fld id="{2FE698CA-84C2-B36E-8C5E-723BD6107A27}" type="datetime1">
               <a:t/>
             </a:fld>
           </a:p>
@@ -920,7 +921,7 @@
             <a:spLocks noGrp="1" noChangeArrowheads="1"/>
             <a:extLst>
               <a:ext uri="smNativeData">
-                <pr:smNativeData xmlns:pr="smNativeData" val="SMDATA_13_4IlQXxMAAAAlAAAAZAAAAA8BAAAAkAAAAEgAAACQAAAASAAAAAAAAAABAAAAAAAAAAEAAABQAAAAAAAAAAAA4D8AAAAAAADgPwAAAAAAAOA/AAAAAAAA4D8AAAAAAADgPwAAAAAAAOA/AAAAAAAA4D8AAAAAAADgPwAAAAAAAOA/AAAAAAAA4D8CAAAAjAAAAAAAAAAAAAAAu+DjDP///wgAAAAAAAAAAAAAAAAAAAAAAAAAAAAAAAAAAAAAZAAAAAEAAABAAAAAAAAAAAAAAAAAAAAAAAAAAAAAAAAAAAAAAAAAAAAAAAAAAAAAAAAAAAAAAAAAAAAAAAAAAAAAAAAAAAAAAAAAAAAAAAAAAAAAAAAAAAAAAAAAAAAAFAAAADwAAAAAAAAAAAAAAAAAAAkUAAAAAQAAABQAAAAUAAAAFAAAAAEAAAAAAAAAZAAAAGQAAAAAAAAAZAAAAGQAAAAVAAAAYAAAAAAAAAAAAAAADwAAACADAAAAAAAAAAAAAAEAAACgMgAAVgcAAKr4//8BAAAAf39/AAEAAABkAAAAAAAAABQAAABAHwAAAAAAACYAAAAAAAAAwOD//wAAAAAmAAAAZAAAABYAAABMAAAAAAAAAAAAAAAEAAAAAAAAAAEAAACAgIAKAAAAACgAAAAoAAAAZAAAAGQAAAAAAAAAzMzMAAAAAABQAAAAUAAAAGQAAABkAAAAAAAAABcAAAAUAAAAAAAAAAAAAAD/fwAA/38AAAAAAAAJAAAABAAAAAAAAAAMAAAAEAAAAAAAAAAAAAAAAAAAAAAAAAAeAAAAaAAAAAAAAAAAAAAAAAAAAAAAAAAAAAAAECcAABAnAAAAAAAAAAAAAAAAAAAAAAAAAAAAAAAAAAAAAAAAAAAAABQAAAAAAAAAwMD/AAAAAABkAAAAMgAAAAAAAABkAAAAAAAAAH9/fwAKAAAAHwAAAFQAAAAAAAAFAAAAAQAAAAAAAAAAAAAAAAAAAAAAAAAAAAAAAAAAAAAAAAAAAAAAAn9/fwAAAAADzMzMAMDA/wB/f38AAAAAAAAAAAAAAAAAAAAAAAAAAAAhAAAAGAAAABQAAAA4EwAAGycAAAglAABZKQAAEAAAACYAAAAIAAAAAAAAAAAAAAA="/>
+                <pr:smNativeData xmlns:pr="smNativeData" val="SMDATA_13_Hs+1XxMAAAAlAAAAZAAAAA8BAAAAkAAAAEgAAACQAAAASAAAAAAAAAABAAAAAAAAAAEAAABQAAAAAAAAAAAA4D8AAAAAAADgPwAAAAAAAOA/AAAAAAAA4D8AAAAAAADgPwAAAAAAAOA/AAAAAAAA4D8AAAAAAADgPwAAAAAAAOA/AAAAAAAA4D8CAAAAjAAAAAAAAAAAAAAAu+DjDP///wgAAAAAAAAAAAAAAAAAAAAAAAAAAAAAAAAAAAAAZAAAAAEAAABAAAAAAAAAAAAAAAAAAAAAAAAAAAAAAAAAAAAAAAAAAAAAAAAAAAAAAAAAAAAAAAAAAAAAAAAAAAAAAAAAAAAAAAAAAAAAAAAAAAAAAAAAAAAAAAAAAAAAFAAAADwAAAAAAAAAAAAAAAAAAAkUAAAAAQAAABQAAAAUAAAAFAAAAAEAAAAAAAAAZAAAAGQAAAAAAAAAZAAAAGQAAAAVAAAAYAAAAAAAAAAAAAAADwAAACADAAAAAAAAAAAAAAEAAACgMgAAVgcAAKr4//8BAAAAf39/AAEAAABkAAAAAAAAABQAAABAHwAAAAAAACYAAAAAAAAAwOD//wAAAAAmAAAAZAAAABYAAABMAAAAAAAAAAAAAAAEAAAAAAAAAAEAAACAgIAKAAAAACgAAAAoAAAAZAAAAGQAAAAAAAAAzMzMAAAAAABQAAAAUAAAAGQAAABkAAAAAAAAABcAAAAUAAAAAAAAAAAAAAD/fwAA/38AAAAAAAAJAAAABAAAAAAAAAAMAAAAEAAAAAAAAAAAAAAAAAAAAAAAAAAeAAAAaAAAAAAAAAAAAAAAAAAAAAAAAAAAAAAAECcAABAnAAAAAAAAAAAAAAAAAAAAAAAAAAAAAAAAAAAAAAAAAAAAABQAAAAAAAAAwMD/AAAAAABkAAAAMgAAAAAAAABkAAAAAAAAAH9/fwAKAAAAHwAAAFQAAAAAAAAFAAAAAQAAAAAAAAAAAAAAAAAAAAAAAAAAAAAAAAAAAAAAAAAAAAAAAn9/fwAAAAADzMzMAMDA/wB/f38AAAAAAAAAAAAAAAAAAAAAAAAAAAAhAAAAGAAAABQAAAA4EwAAGycAAAglAABZKQAAEAAAACYAAAAIAAAAAAAAAAAAAAA="/>
               </a:ext>
             </a:extLst>
           </p:cNvSpPr>
@@ -944,7 +945,7 @@
             <a:spLocks noGrp="1" noChangeArrowheads="1"/>
             <a:extLst>
               <a:ext uri="smNativeData">
-                <pr:smNativeData xmlns:pr="smNativeData" val="SMDATA_13_4IlQXxMAAAAlAAAAZAAAAA8BAAAAkAAAAEgAAACQAAAASAAAAAAAAAABAAAAAAAAAAEAAABQAAAAAAAAAAAA4D8AAAAAAADgPwAAAAAAAOA/AAAAAAAA4D8AAAAAAADgPwAAAAAAAOA/AAAAAAAA4D8AAAAAAADgPwAAAAAAAOA/AAAAAAAA4D8CAAAAjAAAAAAAAAAAAAAAu+DjDP///wgAAAAAAAAAAAAAAAAAAAAAAAAAAAAAAAAAAAAAZAAAAAEAAABAAAAAAAAAAAAAAAAAAAAAAAAAAAAAAAAAAAAAAAAAAAAAAAAAAAAAAAAAAAAAAAAAAAAAAAAAAAAAAAAAAAAAAAAAAAAAAAAAAAAAAAAAAAAAAAAAAAAAFAAAADwAAAAAAAAAAAAAAAAAAAkUAAAAAQAAABQAAAAUAAAAFAAAAAEAAAAAAAAAZAAAAGQAAAAAAAAAZAAAAGQAAAAVAAAAYAAAAAAAAAAAAAAADwAAACADAAAAAAAAAAAAAAEAAACgMgAAVgcAAKr4//8BAAAAf39/AAEAAABkAAAAAAAAABQAAABAHwAAAAAAACYAAAAAAAAAwOD//wAAAAAmAAAAZAAAABYAAABMAAAAAAAAAAAAAAAEAAAAAAAAAAEAAACAgIAKAAAAACgAAAAoAAAAZAAAAGQAAAAAAAAAzMzMAAAAAABQAAAAUAAAAGQAAABkAAAAAAAAABcAAAAUAAAAAAAAAAAAAAD/fwAA/38AAAAAAAAJAAAABAAAAAAAAAAMAAAAEAAAAAAAAAAAAAAAAAAAAAAAAAAeAAAAaAAAAAAAAAAAAAAAAAAAAAAAAAAAAAAAECcAABAnAAAAAAAAAAAAAAAAAAAAAAAAAAAAAAAAAAAAAAAAAAAAABQAAAAAAAAAwMD/AAAAAABkAAAAMgAAAAAAAABkAAAAAAAAAH9/fwAKAAAAHwAAAFQAAAAAAAAFAAAAAQAAAAAAAAAAAAAAAAAAAAAAAAAAAAAAAAAAAAAAAAAAAAAAAn9/fwAAAAADzMzMAMDA/wB/f38AAAAAAAAAAAAAAAAAAAAAAAAAAAAhAAAAGAAAABQAAABQKAAAGycAAHA1AABZKQAAEAAAACYAAAAIAAAAAAAAAAAAAAA="/>
+                <pr:smNativeData xmlns:pr="smNativeData" val="SMDATA_13_Hs+1XxMAAAAlAAAAZAAAAA8BAAAAkAAAAEgAAACQAAAASAAAAAAAAAABAAAAAAAAAAEAAABQAAAAAAAAAAAA4D8AAAAAAADgPwAAAAAAAOA/AAAAAAAA4D8AAAAAAADgPwAAAAAAAOA/AAAAAAAA4D8AAAAAAADgPwAAAAAAAOA/AAAAAAAA4D8CAAAAjAAAAAAAAAAAAAAAu+DjDP///wgAAAAAAAAAAAAAAAAAAAAAAAAAAAAAAAAAAAAAZAAAAAEAAABAAAAAAAAAAAAAAAAAAAAAAAAAAAAAAAAAAAAAAAAAAAAAAAAAAAAAAAAAAAAAAAAAAAAAAAAAAAAAAAAAAAAAAAAAAAAAAAAAAAAAAAAAAAAAAAAAAAAAFAAAADwAAAAAAAAAAAAAAAAAAAkUAAAAAQAAABQAAAAUAAAAFAAAAAEAAAAAAAAAZAAAAGQAAAAAAAAAZAAAAGQAAAAVAAAAYAAAAAAAAAAAAAAADwAAACADAAAAAAAAAAAAAAEAAACgMgAAVgcAAKr4//8BAAAAf39/AAEAAABkAAAAAAAAABQAAABAHwAAAAAAACYAAAAAAAAAwOD//wAAAAAmAAAAZAAAABYAAABMAAAAAAAAAAAAAAAEAAAAAAAAAAEAAACAgIAKAAAAACgAAAAoAAAAZAAAAGQAAAAAAAAAzMzMAAAAAABQAAAAUAAAAGQAAABkAAAAAAAAABcAAAAUAAAAAAAAAAAAAAD/fwAA/38AAAAAAAAJAAAABAAAAAAAAAAMAAAAEAAAAAAAAAAAAAAAAAAAAAAAAAAeAAAAaAAAAAAAAAAAAAAAAAAAAAAAAAAAAAAAECcAABAnAAAAAAAAAAAAAAAAAAAAAAAAAAAAAAAAAAAAAAAAAAAAABQAAAAAAAAAwMD/AAAAAABkAAAAMgAAAAAAAABkAAAAAAAAAH9/fwAKAAAAHwAAAFQAAAAAAAAFAAAAAQAAAAAAAAAAAAAAAAAAAAAAAAAAAAAAAAAAAAAAAAAAAAAAAn9/fwAAAAADzMzMAMDA/wB/f38AAAAAAAAAAAAAAAAAAAAAAAAAAAAhAAAAGAAAABQAAABQKAAAGycAAHA1AABZKQAAEAAAACYAAAAIAAAAAAAAAAAAAAA="/>
               </a:ext>
             </a:extLst>
           </p:cNvSpPr>
@@ -958,7 +959,7 @@
           <a:lstStyle/>
           <a:p>
             <a:pPr/>
-            <a:fld id="{AA494635-7B47-1CB0-09F1-8DE508BFFFD8}" type="slidenum">
+            <a:fld id="{2FE6B7BC-F2C2-B341-8C5E-0414F9107A51}" type="slidenum">
               <a:t/>
             </a:fld>
           </a:p>
@@ -996,7 +997,7 @@
             <a:spLocks noGrp="1" noChangeArrowheads="1"/>
             <a:extLst>
               <a:ext uri="smNativeData">
-                <pr:smNativeData xmlns:pr="smNativeData" val="SMDATA_13_4IlQXxMAAAAlAAAAZAAAAA8BAAAAkAAAAEgAAACQAAAASAAAAAAAAAAAAAAAAAAAAAEAAABQAAAAAAAAAAAA4D8AAAAAAADgPwAAAAAAAOA/AAAAAAAA4D8AAAAAAADgPwAAAAAAAOA/AAAAAAAA4D8AAAAAAADgPwAAAAAAAOA/AAAAAAAA4D8CAAAAjAAAAAAAAAAAAAAAu+DjDP///wgAAAAAAAAAAAAAAAAAAAAAAAAAAAAAAAAAAAAAZAAAAAEAAABAAAAAAAAAAAAAAAAAAAAAAAAAAAAAAAAAAAAAAAAAAAAAAAAAAAAAAAAAAAAAAAAAAAAAAAAAAAAAAAAAAAAAAAAAAAAAAAAAAAAAAAAAAAAAAAAAAAAAFAAAADwAAAAAAAAAAAAAAAAAAAkUAAAAAQAAABQAAAAUAAAAFAAAAAEAAAAAAAAAZAAAAGQAAAAAAAAAZAAAAGQAAAAVAAAAYAAAAAAAAAAAAAAADwAAACADAAAAAAAAAAAAAAEAAACgMgAAVgcAAKr4//8BAAAAf39/AAEAAABkAAAAAAAAABQAAABAHwAAAAAAACYAAAAAAAAAwOD//wAAAAAmAAAAZAAAABYAAABMAAAAAAAAAAAAAAAEAAAAAAAAAAEAAACAgIAKAAAAACgAAAAoAAAAZAAAAGQAAAAAAAAAzMzMAAAAAABQAAAAUAAAAGQAAABkAAAAAAAAABcAAAAUAAAAAAAAAAAAAAD/fwAA/38AAAAAAAAJAAAABAAAAAAAAAAMAAAAEAAAAAAAAAAAAAAAAAAAAAAAAAAeAAAAaAAAAAAAAAAAAAAAAAAAAAAAAAAAAAAAECcAABAnAAAAAAAAAAAAAAAAAAAAAAAAAAAAAAAAAAAAAAAAAAAAABQAAAAAAAAAwMD/AAAAAABkAAAAMgAAAAAAAABkAAAAAAAAAH9/fwAKAAAAHwAAAFQAAAAAAAAFAAAAAQAAAAAAAAAAAAAAAAAAAAAAAAAAAAAAAAAAAAAAAAAAAAAAAn9/fwAAAAADzMzMAMDA/wB/f38AAAAAAAAAAAAAAAAAAAAAAAAAAAAhAAAAGAAAABQAAAByBAAAHBsAAEI0AAB9IwAAEAAAACYAAAAIAAAAgYAAAAAAAAA="/>
+                <pr:smNativeData xmlns:pr="smNativeData" val="SMDATA_13_Hs+1XxMAAAAlAAAAZAAAAA8BAAAAkAAAAEgAAACQAAAASAAAAAAAAAAAAAAAAAAAAAEAAABQAAAAAAAAAAAA4D8AAAAAAADgPwAAAAAAAOA/AAAAAAAA4D8AAAAAAADgPwAAAAAAAOA/AAAAAAAA4D8AAAAAAADgPwAAAAAAAOA/AAAAAAAA4D8CAAAAjAAAAAAAAAAAAAAAu+DjDP///wgAAAAAAAAAAAAAAAAAAAAAAAAAAAAAAAAAAAAAZAAAAAEAAABAAAAAAAAAAAAAAAAAAAAAAAAAAAAAAAAAAAAAAAAAAAAAAAAAAAAAAAAAAAAAAAAAAAAAAAAAAAAAAAAAAAAAAAAAAAAAAAAAAAAAAAAAAAAAAAAAAAAAFAAAADwAAAAAAAAAAAAAAAAAAAkUAAAAAQAAABQAAAAUAAAAFAAAAAEAAAAAAAAAZAAAAGQAAAAAAAAAZAAAAGQAAAAVAAAAYAAAAAAAAAAAAAAADwAAACADAAAAAAAAAAAAAAEAAACgMgAAVgcAAKr4//8BAAAAf39/AAEAAABkAAAAAAAAABQAAABAHwAAAAAAACYAAAAAAAAAwOD//wAAAAAmAAAAZAAAABYAAABMAAAAAAAAAAAAAAAEAAAAAAAAAAEAAACAgIAKAAAAACgAAAAoAAAAZAAAAGQAAAAAAAAAzMzMAAAAAABQAAAAUAAAAGQAAABkAAAAAAAAABcAAAAUAAAAAAAAAAAAAAD/fwAA/38AAAAAAAAJAAAABAAAAAAAAAAMAAAAEAAAAAAAAAAAAAAAAAAAAAAAAAAeAAAAaAAAAAAAAAAAAAAAAAAAAAAAAAAAAAAAECcAABAnAAAAAAAAAAAAAAAAAAAAAAAAAAAAAAAAAAAAAAAAAAAAABQAAAAAAAAAwMD/AAAAAABkAAAAMgAAAAAAAABkAAAAAAAAAH9/fwAKAAAAHwAAAFQAAAAAAAAFAAAAAQAAAAAAAAAAAAAAAAAAAAAAAAAAAAAAAAAAAAAAAAAAAAAAAn9/fwAAAAADzMzMAMDA/wB/f38AAAAAAAAAAAAAAAAAAAAAAAAAAAAhAAAAGAAAABQAAAByBAAAHBsAAEI0AAB9IwAAEAAAACYAAAAIAAAAgYAAAAAAAAA="/>
               </a:ext>
             </a:extLst>
           </p:cNvSpPr>
@@ -1036,7 +1037,7 @@
             <a:spLocks noGrp="1" noChangeArrowheads="1"/>
             <a:extLst>
               <a:ext uri="smNativeData">
-                <pr:smNativeData xmlns:pr="smNativeData" val="SMDATA_13_4IlQXxMAAAAlAAAAZAAAAA8BAAAAkAAAAEgAAACQAAAASAAAAAAAAAACAAAAAAAAAAEAAABQAAAAAAAAAAAA4D8AAAAAAADgPwAAAAAAAOA/AAAAAAAA4D8AAAAAAADgPwAAAAAAAOA/AAAAAAAA4D8AAAAAAADgPwAAAAAAAOA/AAAAAAAA4D8CAAAAjAAAAAAAAAAAAAAAu+DjDP///wgAAAAAAAAAAAAAAAAAAAAAAAAAAAAAAAAAAAAAZAAAAAEAAABAAAAAAAAAAAAAAAAAAAAAAAAAAAAAAAAAAAAAAAAAAAAAAAAAAAAAAAAAAAAAAAAAAAAAAAAAAAAAAAAAAAAAAAAAAAAAAAAAAAAAAAAAAAAAAAAAAAAAFAAAADwAAAAAAAAAAAAAAAAAAAkUAAAAAQAAABQAAAAUAAAAFAAAAAEAAAAAAAAAZAAAAGQAAAAAAAAAZAAAAGQAAAAVAAAAYAAAAAAAAAAAAAAADwAAACADAAAAAAAAAAAAAAEAAACgMgAAVgcAAKr4//8BAAAAf39/AAEAAABkAAAAAAAAABQAAABAHwAAAAAAACYAAAAAAAAAwOD//wAAAAAmAAAAZAAAABYAAABMAAAAAAAAAAAAAAAEAAAAAAAAAAEAAACAgIAKAAAAACgAAAAoAAAAZAAAAGQAAAAAAAAAzMzMAAAAAABQAAAAUAAAAGQAAABkAAAAAAAAABcAAAAUAAAAAAAAAAAAAAD/fwAA/38AAAAAAAAJAAAABAAAAAAAAAAMAAAAEAAAAAAAAAAAAAAAAAAAAAAAAAAeAAAAaAAAAAAAAAAAAAAAAAAAAAAAAAAAAAAAECcAABAnAAAAAAAAAAAAAAAAAAAAAAAAAAAAAAAAAAAAAAAAAAAAABQAAAAAAAAAwMD/AAAAAABkAAAAMgAAAAAAAABkAAAAAAAAAH9/fwAKAAAAHwAAAFQAAAAAAAAFAAAAAQAAAAAAAAAAAAAAAAAAAAAAAAAAAAAAAAAAAAAAAAAAAAAAAn9/fwAAAAADzMzMAMDA/wB/f38AAAAAAAAAAAAAAAAAAAAAAAAAAAAhAAAAGAAAABQAAAByBAAA4REAAEI0AAAcGwAAEAAAACYAAAAIAAAAgYAAAAAAAAA="/>
+                <pr:smNativeData xmlns:pr="smNativeData" val="SMDATA_13_Hs+1XxMAAAAlAAAAZAAAAA8BAAAAkAAAAEgAAACQAAAASAAAAAAAAAACAAAAAAAAAAEAAABQAAAAAAAAAAAA4D8AAAAAAADgPwAAAAAAAOA/AAAAAAAA4D8AAAAAAADgPwAAAAAAAOA/AAAAAAAA4D8AAAAAAADgPwAAAAAAAOA/AAAAAAAA4D8CAAAAjAAAAAAAAAAAAAAAu+DjDP///wgAAAAAAAAAAAAAAAAAAAAAAAAAAAAAAAAAAAAAZAAAAAEAAABAAAAAAAAAAAAAAAAAAAAAAAAAAAAAAAAAAAAAAAAAAAAAAAAAAAAAAAAAAAAAAAAAAAAAAAAAAAAAAAAAAAAAAAAAAAAAAAAAAAAAAAAAAAAAAAAAAAAAFAAAADwAAAAAAAAAAAAAAAAAAAkUAAAAAQAAABQAAAAUAAAAFAAAAAEAAAAAAAAAZAAAAGQAAAAAAAAAZAAAAGQAAAAVAAAAYAAAAAAAAAAAAAAADwAAACADAAAAAAAAAAAAAAEAAACgMgAAVgcAAKr4//8BAAAAf39/AAEAAABkAAAAAAAAABQAAABAHwAAAAAAACYAAAAAAAAAwOD//wAAAAAmAAAAZAAAABYAAABMAAAAAAAAAAAAAAAEAAAAAAAAAAEAAACAgIAKAAAAACgAAAAoAAAAZAAAAGQAAAAAAAAAzMzMAAAAAABQAAAAUAAAAGQAAABkAAAAAAAAABcAAAAUAAAAAAAAAAAAAAD/fwAA/38AAAAAAAAJAAAABAAAAAAAAAAMAAAAEAAAAAAAAAAAAAAAAAAAAAAAAAAeAAAAaAAAAAAAAAAAAAAAAAAAAAAAAAAAAAAAECcAABAnAAAAAAAAAAAAAAAAAAAAAAAAAAAAAAAAAAAAAAAAAAAAABQAAAAAAAAAwMD/AAAAAABkAAAAMgAAAAAAAABkAAAAAAAAAH9/fwAKAAAAHwAAAFQAAAAAAAAFAAAAAQAAAAAAAAAAAAAAAAAAAAAAAAAAAAAAAAAAAAAAAAAAAAAAAn9/fwAAAAADzMzMAMDA/wB/f38AAAAAAAAAAAAAAAAAAAAAAAAAAAAhAAAAGAAAABQAAAByBAAA4REAAEI0AAAcGwAAEAAAACYAAAAIAAAAgYAAAAAAAAA="/>
               </a:ext>
             </a:extLst>
           </p:cNvSpPr>
@@ -1133,7 +1134,7 @@
             <a:spLocks noGrp="1" noChangeArrowheads="1"/>
             <a:extLst>
               <a:ext uri="smNativeData">
-                <pr:smNativeData xmlns:pr="smNativeData" val="SMDATA_13_4IlQXxMAAAAlAAAAZAAAAA8BAAAAkAAAAEgAAACQAAAASAAAAAAAAAABAAAAAAAAAAEAAABQAAAAAAAAAAAA4D8AAAAAAADgPwAAAAAAAOA/AAAAAAAA4D8AAAAAAADgPwAAAAAAAOA/AAAAAAAA4D8AAAAAAADgPwAAAAAAAOA/AAAAAAAA4D8CAAAAjAAAAAAAAAAAAAAAu+DjDP///wgAAAAAAAAAAAAAAAAAAAAAAAAAAAAAAAAAAAAAZAAAAAEAAABAAAAAAAAAAAAAAAAAAAAAAAAAAAAAAAAAAAAAAAAAAAAAAAAAAAAAAAAAAAAAAAAAAAAAAAAAAAAAAAAAAAAAAAAAAAAAAAAAAAAAAAAAAAAAAAAAAAAAFAAAADwAAAAAAAAAAAAAAAAAAAkUAAAAAQAAABQAAAAUAAAAFAAAAAEAAAAAAAAAZAAAAGQAAAAAAAAAZAAAAGQAAAAVAAAAYAAAAAAAAAAAAAAADwAAACADAAAAAAAAAAAAAAEAAACgMgAAVgcAAKr4//8BAAAAf39/AAEAAABkAAAAAAAAABQAAABAHwAAAAAAACYAAAAAAAAAwOD//wAAAAAmAAAAZAAAABYAAABMAAAAAAAAAAAAAAAEAAAAAAAAAAEAAACAgIAKAAAAACgAAAAoAAAAZAAAAGQAAAAAAAAAzMzMAAAAAABQAAAAUAAAAGQAAABkAAAAAAAAABcAAAAUAAAAAAAAAAAAAAD/fwAA/38AAAAAAAAJAAAABAAAAAAAAAAMAAAAEAAAAAAAAAAAAAAAAAAAAAAAAAAeAAAAaAAAAAAAAAAAAAAAAAAAAAAAAAAAAAAAECcAABAnAAAAAAAAAAAAAAAAAAAAAAAAAAAAAAAAAAAAAAAAAAAAABQAAAAAAAAAwMD/AAAAAABkAAAAMgAAAAAAAABkAAAAAAAAAH9/fwAKAAAAHwAAAFQAAAAAAAAFAAAAAQAAAAAAAAAAAAAAAAAAAAAAAAAAAAAAAAAAAAAAAAAAAAAAAn9/fwAAAAADzMzMAMDA/wB/f38AAAAAAAAAAAAAAAAAAAAAAAAAAAAhAAAAGAAAABQAAADQAgAAGycAAPAPAABZKQAAEAAAACYAAAAIAAAAAAAAAAAAAAA="/>
+                <pr:smNativeData xmlns:pr="smNativeData" val="SMDATA_13_Hs+1XxMAAAAlAAAAZAAAAA8BAAAAkAAAAEgAAACQAAAASAAAAAAAAAABAAAAAAAAAAEAAABQAAAAAAAAAAAA4D8AAAAAAADgPwAAAAAAAOA/AAAAAAAA4D8AAAAAAADgPwAAAAAAAOA/AAAAAAAA4D8AAAAAAADgPwAAAAAAAOA/AAAAAAAA4D8CAAAAjAAAAAAAAAAAAAAAu+DjDP///wgAAAAAAAAAAAAAAAAAAAAAAAAAAAAAAAAAAAAAZAAAAAEAAABAAAAAAAAAAAAAAAAAAAAAAAAAAAAAAAAAAAAAAAAAAAAAAAAAAAAAAAAAAAAAAAAAAAAAAAAAAAAAAAAAAAAAAAAAAAAAAAAAAAAAAAAAAAAAAAAAAAAAFAAAADwAAAAAAAAAAAAAAAAAAAkUAAAAAQAAABQAAAAUAAAAFAAAAAEAAAAAAAAAZAAAAGQAAAAAAAAAZAAAAGQAAAAVAAAAYAAAAAAAAAAAAAAADwAAACADAAAAAAAAAAAAAAEAAACgMgAAVgcAAKr4//8BAAAAf39/AAEAAABkAAAAAAAAABQAAABAHwAAAAAAACYAAAAAAAAAwOD//wAAAAAmAAAAZAAAABYAAABMAAAAAAAAAAAAAAAEAAAAAAAAAAEAAACAgIAKAAAAACgAAAAoAAAAZAAAAGQAAAAAAAAAzMzMAAAAAABQAAAAUAAAAGQAAABkAAAAAAAAABcAAAAUAAAAAAAAAAAAAAD/fwAA/38AAAAAAAAJAAAABAAAAAAAAAAMAAAAEAAAAAAAAAAAAAAAAAAAAAAAAAAeAAAAaAAAAAAAAAAAAAAAAAAAAAAAAAAAAAAAECcAABAnAAAAAAAAAAAAAAAAAAAAAAAAAAAAAAAAAAAAAAAAAAAAABQAAAAAAAAAwMD/AAAAAABkAAAAMgAAAAAAAABkAAAAAAAAAH9/fwAKAAAAHwAAAFQAAAAAAAAFAAAAAQAAAAAAAAAAAAAAAAAAAAAAAAAAAAAAAAAAAAAAAAAAAAAAAn9/fwAAAAADzMzMAMDA/wB/f38AAAAAAAAAAAAAAAAAAAAAAAAAAAAhAAAAGAAAABQAAADQAgAAGycAAPAPAABZKQAAEAAAACYAAAAIAAAAAAAAAAAAAAA="/>
               </a:ext>
             </a:extLst>
           </p:cNvSpPr>
@@ -1147,7 +1148,7 @@
           <a:lstStyle/>
           <a:p>
             <a:pPr/>
-            <a:fld id="{AA493F0A-4447-1CC9-09F1-B29C71BFFFE7}" type="datetime1">
+            <a:fld id="{2FE6ED39-77C2-B31B-8C5E-814EA3107AD4}" type="datetime1">
               <a:t/>
             </a:fld>
           </a:p>
@@ -1160,7 +1161,7 @@
             <a:spLocks noGrp="1" noChangeArrowheads="1"/>
             <a:extLst>
               <a:ext uri="smNativeData">
-                <pr:smNativeData xmlns:pr="smNativeData" val="SMDATA_13_4IlQXxMAAAAlAAAAZAAAAA8BAAAAkAAAAEgAAACQAAAASAAAAAAAAAABAAAAAAAAAAEAAABQAAAAAAAAAAAA4D8AAAAAAADgPwAAAAAAAOA/AAAAAAAA4D8AAAAAAADgPwAAAAAAAOA/AAAAAAAA4D8AAAAAAADgPwAAAAAAAOA/AAAAAAAA4D8CAAAAjAAAAAAAAAAAAAAAu+DjDP///wgAAAAAAAAAAAAAAAAAAAAAAAAAAAAAAAAAAAAAZAAAAAEAAABAAAAAAAAAAAAAAAAAAAAAAAAAAAAAAAAAAAAAAAAAAAAAAAAAAAAAAAAAAAAAAAAAAAAAAAAAAAAAAAAAAAAAAAAAAAAAAAAAAAAAAAAAAAAAAAAAAAAAFAAAADwAAAAAAAAAAAAAAAAAAAkUAAAAAQAAABQAAAAUAAAAFAAAAAEAAAAAAAAAZAAAAGQAAAAAAAAAZAAAAGQAAAAVAAAAYAAAAAAAAAAAAAAADwAAACADAAAAAAAAAAAAAAEAAACgMgAAVgcAAKr4//8BAAAAf39/AAEAAABkAAAAAAAAABQAAABAHwAAAAAAACYAAAAAAAAAwOD//wAAAAAmAAAAZAAAABYAAABMAAAAAAAAAAAAAAAEAAAAAAAAAAEAAACAgIAKAAAAACgAAAAoAAAAZAAAAGQAAAAAAAAAzMzMAAAAAABQAAAAUAAAAGQAAABkAAAAAAAAABcAAAAUAAAAAAAAAAAAAAD/fwAA/38AAAAAAAAJAAAABAAAAAAAAAAMAAAAEAAAAAAAAAAAAAAAAAAAAAAAAAAeAAAAaAAAAAAAAAAAAAAAAAAAAAAAAAAAAAAAECcAABAnAAAAAAAAAAAAAAAAAAAAAAAAAAAAAAAAAAAAAAAAAAAAABQAAAAAAAAAwMD/AAAAAABkAAAAMgAAAAAAAABkAAAAAAAAAH9/fwAKAAAAHwAAAFQAAAAAAAAFAAAAAQAAAAAAAAAAAAAAAAAAAAAAAAAAAAAAAAAAAAAAAAAAAAAAAn9/fwAAAAADzMzMAMDA/wB/f38AAAAAAAAAAAAAAAAAAAAAAAAAAAAhAAAAGAAAABQAAAA4EwAAGycAAAglAABZKQAAEAAAACYAAAAIAAAAAAAAAAAAAAA="/>
+                <pr:smNativeData xmlns:pr="smNativeData" val="SMDATA_13_Hs+1XxMAAAAlAAAAZAAAAA8BAAAAkAAAAEgAAACQAAAASAAAAAAAAAABAAAAAAAAAAEAAABQAAAAAAAAAAAA4D8AAAAAAADgPwAAAAAAAOA/AAAAAAAA4D8AAAAAAADgPwAAAAAAAOA/AAAAAAAA4D8AAAAAAADgPwAAAAAAAOA/AAAAAAAA4D8CAAAAjAAAAAAAAAAAAAAAu+DjDP///wgAAAAAAAAAAAAAAAAAAAAAAAAAAAAAAAAAAAAAZAAAAAEAAABAAAAAAAAAAAAAAAAAAAAAAAAAAAAAAAAAAAAAAAAAAAAAAAAAAAAAAAAAAAAAAAAAAAAAAAAAAAAAAAAAAAAAAAAAAAAAAAAAAAAAAAAAAAAAAAAAAAAAFAAAADwAAAAAAAAAAAAAAAAAAAkUAAAAAQAAABQAAAAUAAAAFAAAAAEAAAAAAAAAZAAAAGQAAAAAAAAAZAAAAGQAAAAVAAAAYAAAAAAAAAAAAAAADwAAACADAAAAAAAAAAAAAAEAAACgMgAAVgcAAKr4//8BAAAAf39/AAEAAABkAAAAAAAAABQAAABAHwAAAAAAACYAAAAAAAAAwOD//wAAAAAmAAAAZAAAABYAAABMAAAAAAAAAAAAAAAEAAAAAAAAAAEAAACAgIAKAAAAACgAAAAoAAAAZAAAAGQAAAAAAAAAzMzMAAAAAABQAAAAUAAAAGQAAABkAAAAAAAAABcAAAAUAAAAAAAAAAAAAAD/fwAA/38AAAAAAAAJAAAABAAAAAAAAAAMAAAAEAAAAAAAAAAAAAAAAAAAAAAAAAAeAAAAaAAAAAAAAAAAAAAAAAAAAAAAAAAAAAAAECcAABAnAAAAAAAAAAAAAAAAAAAAAAAAAAAAAAAAAAAAAAAAAAAAABQAAAAAAAAAwMD/AAAAAABkAAAAMgAAAAAAAABkAAAAAAAAAH9/fwAKAAAAHwAAAFQAAAAAAAAFAAAAAQAAAAAAAAAAAAAAAAAAAAAAAAAAAAAAAAAAAAAAAAAAAAAAAn9/fwAAAAADzMzMAMDA/wB/f38AAAAAAAAAAAAAAAAAAAAAAAAAAAAhAAAAGAAAABQAAAA4EwAAGycAAAglAABZKQAAEAAAACYAAAAIAAAAAAAAAAAAAAA="/>
               </a:ext>
             </a:extLst>
           </p:cNvSpPr>
@@ -1184,7 +1185,7 @@
             <a:spLocks noGrp="1" noChangeArrowheads="1"/>
             <a:extLst>
               <a:ext uri="smNativeData">
-                <pr:smNativeData xmlns:pr="smNativeData" val="SMDATA_13_4IlQXxMAAAAlAAAAZAAAAA8BAAAAkAAAAEgAAACQAAAASAAAAAAAAAABAAAAAAAAAAEAAABQAAAAAAAAAAAA4D8AAAAAAADgPwAAAAAAAOA/AAAAAAAA4D8AAAAAAADgPwAAAAAAAOA/AAAAAAAA4D8AAAAAAADgPwAAAAAAAOA/AAAAAAAA4D8CAAAAjAAAAAAAAAAAAAAAu+DjDP///wgAAAAAAAAAAAAAAAAAAAAAAAAAAAAAAAAAAAAAZAAAAAEAAABAAAAAAAAAAAAAAAAAAAAAAAAAAAAAAAAAAAAAAAAAAAAAAAAAAAAAAAAAAAAAAAAAAAAAAAAAAAAAAAAAAAAAAAAAAAAAAAAAAAAAAAAAAAAAAAAAAAAAFAAAADwAAAAAAAAAAAAAAAAAAAkUAAAAAQAAABQAAAAUAAAAFAAAAAEAAAAAAAAAZAAAAGQAAAAAAAAAZAAAAGQAAAAVAAAAYAAAAAAAAAAAAAAADwAAACADAAAAAAAAAAAAAAEAAACgMgAAVgcAAKr4//8BAAAAf39/AAEAAABkAAAAAAAAABQAAABAHwAAAAAAACYAAAAAAAAAwOD//wAAAAAmAAAAZAAAABYAAABMAAAAAAAAAAAAAAAEAAAAAAAAAAEAAACAgIAKAAAAACgAAAAoAAAAZAAAAGQAAAAAAAAAzMzMAAAAAABQAAAAUAAAAGQAAABkAAAAAAAAABcAAAAUAAAAAAAAAAAAAAD/fwAA/38AAAAAAAAJAAAABAAAAAAAAAAMAAAAEAAAAAAAAAAAAAAAAAAAAAAAAAAeAAAAaAAAAAAAAAAAAAAAAAAAAAAAAAAAAAAAECcAABAnAAAAAAAAAAAAAAAAAAAAAAAAAAAAAAAAAAAAAAAAAAAAABQAAAAAAAAAwMD/AAAAAABkAAAAMgAAAAAAAABkAAAAAAAAAH9/fwAKAAAAHwAAAFQAAAAAAAAFAAAAAQAAAAAAAAAAAAAAAAAAAAAAAAAAAAAAAAAAAAAAAAAAAAAAAn9/fwAAAAADzMzMAMDA/wB/f38AAAAAAAAAAAAAAAAAAAAAAAAAAAAhAAAAGAAAABQAAABQKAAAGycAAHA1AABZKQAAEAAAACYAAAAIAAAAAAAAAAAAAAA="/>
+                <pr:smNativeData xmlns:pr="smNativeData" val="SMDATA_13_Hs+1XxMAAAAlAAAAZAAAAA8BAAAAkAAAAEgAAACQAAAASAAAAAAAAAABAAAAAAAAAAEAAABQAAAAAAAAAAAA4D8AAAAAAADgPwAAAAAAAOA/AAAAAAAA4D8AAAAAAADgPwAAAAAAAOA/AAAAAAAA4D8AAAAAAADgPwAAAAAAAOA/AAAAAAAA4D8CAAAAjAAAAAAAAAAAAAAAu+DjDP///wgAAAAAAAAAAAAAAAAAAAAAAAAAAAAAAAAAAAAAZAAAAAEAAABAAAAAAAAAAAAAAAAAAAAAAAAAAAAAAAAAAAAAAAAAAAAAAAAAAAAAAAAAAAAAAAAAAAAAAAAAAAAAAAAAAAAAAAAAAAAAAAAAAAAAAAAAAAAAAAAAAAAAFAAAADwAAAAAAAAAAAAAAAAAAAkUAAAAAQAAABQAAAAUAAAAFAAAAAEAAAAAAAAAZAAAAGQAAAAAAAAAZAAAAGQAAAAVAAAAYAAAAAAAAAAAAAAADwAAACADAAAAAAAAAAAAAAEAAACgMgAAVgcAAKr4//8BAAAAf39/AAEAAABkAAAAAAAAABQAAABAHwAAAAAAACYAAAAAAAAAwOD//wAAAAAmAAAAZAAAABYAAABMAAAAAAAAAAAAAAAEAAAAAAAAAAEAAACAgIAKAAAAACgAAAAoAAAAZAAAAGQAAAAAAAAAzMzMAAAAAABQAAAAUAAAAGQAAABkAAAAAAAAABcAAAAUAAAAAAAAAAAAAAD/fwAA/38AAAAAAAAJAAAABAAAAAAAAAAMAAAAEAAAAAAAAAAAAAAAAAAAAAAAAAAeAAAAaAAAAAAAAAAAAAAAAAAAAAAAAAAAAAAAECcAABAnAAAAAAAAAAAAAAAAAAAAAAAAAAAAAAAAAAAAAAAAAAAAABQAAAAAAAAAwMD/AAAAAABkAAAAMgAAAAAAAABkAAAAAAAAAH9/fwAKAAAAHwAAAFQAAAAAAAAFAAAAAQAAAAAAAAAAAAAAAAAAAAAAAAAAAAAAAAAAAAAAAAAAAAAAAn9/fwAAAAADzMzMAMDA/wB/f38AAAAAAAAAAAAAAAAAAAAAAAAAAAAhAAAAGAAAABQAAABQKAAAGycAAHA1AABZKQAAEAAAACYAAAAIAAAAAAAAAAAAAAA="/>
               </a:ext>
             </a:extLst>
           </p:cNvSpPr>
@@ -1198,7 +1199,7 @@
           <a:lstStyle/>
           <a:p>
             <a:pPr/>
-            <a:fld id="{AA496010-5E47-1C96-09F1-A8C32EBFFFFD}" type="slidenum">
+            <a:fld id="{2FE6A87A-34C2-B35E-8C5E-C20BE6107A97}" type="slidenum">
               <a:t/>
             </a:fld>
           </a:p>
@@ -1236,7 +1237,7 @@
             <a:spLocks noGrp="1" noChangeArrowheads="1"/>
             <a:extLst>
               <a:ext uri="smNativeData">
-                <pr:smNativeData xmlns:pr="smNativeData" val="SMDATA_13_4IlQXxMAAAAlAAAAZAAAAA8BAAAAkAAAAEgAAACQAAAASAAAAAAAAAABAAAAAAAAAAEAAABQAAAAAAAAAAAA4D8AAAAAAADgPwAAAAAAAOA/AAAAAAAA4D8AAAAAAADgPwAAAAAAAOA/AAAAAAAA4D8AAAAAAADgPwAAAAAAAOA/AAAAAAAA4D8CAAAAjAAAAAAAAAAAAAAAu+DjDP///wgAAAAAAAAAAAAAAAAAAAAAAAAAAAAAAAAAAAAAZAAAAAEAAABAAAAAAAAAAAAAAAAAAAAAAAAAAAAAAAAAAAAAAAAAAAAAAAAAAAAAAAAAAAAAAAAAAAAAAAAAAAAAAAAAAAAAAAAAAAAAAAAAAAAAAAAAAAAAAAAAAAAAFAAAADwAAAAAAAAAAAAAAAAAAAkUAAAAAQAAABQAAAAUAAAAFAAAAAEAAAAAAAAAZAAAAGQAAAAAAAAAZAAAAGQAAAAVAAAAYAAAAAAAAAAAAAAADwAAACADAAAAAAAAAAAAAAEAAACgMgAAVgcAAKr4//8BAAAAf39/AAEAAABkAAAAAAAAABQAAABAHwAAAAAAACYAAAAAAAAAwOD//wAAAAAmAAAAZAAAABYAAABMAAAAAAAAAAAAAAAEAAAAAAAAAAEAAACAgIAKAAAAACgAAAAoAAAAZAAAAGQAAAAAAAAAzMzMAAAAAABQAAAAUAAAAGQAAABkAAAAAAAAABcAAAAUAAAAAAAAAAAAAAD/fwAA/38AAAAAAAAJAAAABAAAAAAAAAAMAAAAEAAAAAAAAAAAAAAAAAAAAAAAAAAeAAAAaAAAAAAAAAAAAAAAAAAAAAAAAAAAAAAAECcAABAnAAAAAAAAAAAAAAAAAAAAAAAAAAAAAAAAAAAAAAAAAAAAABQAAAAAAAAAwMD/AAAAAABkAAAAMgAAAAAAAABkAAAAAAAAAH9/fwAKAAAAHwAAAFQAAAAAAAAFAAAAAQAAAAAAAAAAAAAAAAAAAAAAAAAAAAAAAAAAAAAAAAAAAAAAAn9/fwAAAAADzMzMAMDA/wB/f38AAAAAAAAAAAAAAAAAAAAAAAAAAAAhAAAAGAAAABQAAADQAgAAsAEAAHA1AAC4CAAAEAAAACYAAAAIAAAAAAAAAAAAAAA="/>
+                <pr:smNativeData xmlns:pr="smNativeData" val="SMDATA_13_Hs+1XxMAAAAlAAAAZAAAAA8BAAAAkAAAAEgAAACQAAAASAAAAAAAAAABAAAAAAAAAAEAAABQAAAAAAAAAAAA4D8AAAAAAADgPwAAAAAAAOA/AAAAAAAA4D8AAAAAAADgPwAAAAAAAOA/AAAAAAAA4D8AAAAAAADgPwAAAAAAAOA/AAAAAAAA4D8CAAAAjAAAAAAAAAAAAAAAu+DjDP///wgAAAAAAAAAAAAAAAAAAAAAAAAAAAAAAAAAAAAAZAAAAAEAAABAAAAAAAAAAAAAAAAAAAAAAAAAAAAAAAAAAAAAAAAAAAAAAAAAAAAAAAAAAAAAAAAAAAAAAAAAAAAAAAAAAAAAAAAAAAAAAAAAAAAAAAAAAAAAAAAAAAAAFAAAADwAAAAAAAAAAAAAAAAAAAkUAAAAAQAAABQAAAAUAAAAFAAAAAEAAAAAAAAAZAAAAGQAAAAAAAAAZAAAAGQAAAAVAAAAYAAAAAAAAAAAAAAADwAAACADAAAAAAAAAAAAAAEAAACgMgAAVgcAAKr4//8BAAAAf39/AAEAAABkAAAAAAAAABQAAABAHwAAAAAAACYAAAAAAAAAwOD//wAAAAAmAAAAZAAAABYAAABMAAAAAAAAAAAAAAAEAAAAAAAAAAEAAACAgIAKAAAAACgAAAAoAAAAZAAAAGQAAAAAAAAAzMzMAAAAAABQAAAAUAAAAGQAAABkAAAAAAAAABcAAAAUAAAAAAAAAAAAAAD/fwAA/38AAAAAAAAJAAAABAAAAAAAAAAMAAAAEAAAAAAAAAAAAAAAAAAAAAAAAAAeAAAAaAAAAAAAAAAAAAAAAAAAAAAAAAAAAAAAECcAABAnAAAAAAAAAAAAAAAAAAAAAAAAAAAAAAAAAAAAAAAAAAAAABQAAAAAAAAAwMD/AAAAAABkAAAAMgAAAAAAAABkAAAAAAAAAH9/fwAKAAAAHwAAAFQAAAAAAAAFAAAAAQAAAAAAAAAAAAAAAAAAAAAAAAAAAAAAAAAAAAAAAAAAAAAAAn9/fwAAAAADzMzMAMDA/wB/f38AAAAAAAAAAAAAAAAAAAAAAAAAAAAhAAAAGAAAABQAAADQAgAAsAEAAHA1AAC4CAAAEAAAACYAAAAIAAAAAAAAAAAAAAA="/>
               </a:ext>
             </a:extLst>
           </p:cNvSpPr>
@@ -1263,7 +1264,7 @@
             <a:spLocks noGrp="1" noChangeArrowheads="1"/>
             <a:extLst>
               <a:ext uri="smNativeData">
-                <pr:smNativeData xmlns:pr="smNativeData" val="SMDATA_13_4IlQXxMAAAAlAAAAZAAAAA8BAAAAkAAAAEgAAACQAAAASAAAAAAAAAAAAAAAAAAAAAEAAABQAAAAAAAAAAAA4D8AAAAAAADgPwAAAAAAAOA/AAAAAAAA4D8AAAAAAADgPwAAAAAAAOA/AAAAAAAA4D8AAAAAAADgPwAAAAAAAOA/AAAAAAAA4D8CAAAAjAAAAAAAAAAAAAAAu+DjDP///wgAAAAAAAAAAAAAAAAAAAAAAAAAAAAAAAAAAAAAZAAAAAEAAABAAAAAAAAAAAAAAAAAAAAAAAAAAAAAAAAAAAAAAAAAAAAAAAAAAAAAAAAAAAAAAAAAAAAAAAAAAAAAAAAAAAAAAAAAAAAAAAAAAAAAAAAAAAAAAAAAAAAAFAAAADwAAAAAAAAAAAAAAAAAAAkUAAAAAQAAABQAAAAUAAAAFAAAAAEAAAAAAAAAZAAAAGQAAAAAAAAAZAAAAGQAAAAVAAAAYAAAAAAAAAAAAAAADwAAACADAAAAAAAAAAAAAAEAAACgMgAAVgcAAKr4//8BAAAAf39/AAEAAABkAAAAAAAAABQAAABAHwAAAAAAACYAAAAAAAAAwOD//wAAAAAmAAAAZAAAABYAAABMAAAAAAAAAAAAAAAEAAAAAAAAAAEAAACAgIAKAAAAACgAAAAoAAAAZAAAAGQAAAAAAAAAzMzMAAAAAABQAAAAUAAAAGQAAABkAAAAAAAAABcAAAAUAAAAAAAAAAAAAAD/fwAA/38AAAAAAAAJAAAABAAAAAAAAAAMAAAAEAAAAAAAAAAAAAAAAAAAAAAAAAAeAAAAaAAAAAAAAAAAAAAAAAAAAAAAAAAAAAAAECcAABAnAAAAAAAAAAAAAAAAAAAAAAAAAAAAAAAAAAAAAAAAAAAAABQAAAAAAAAAwMD/AAAAAABkAAAAMgAAAAAAAABkAAAAAAAAAH9/fwAKAAAAHwAAAFQAAAAAAAAFAAAAAQAAAAAAAAAAAAAAAAAAAAAAAAAAAAAAAAAAAAAAAAAAAAAAAn9/fwAAAAADzMzMAMDA/wB/f38AAAAAAAAAAAAAAAAAAAAAAAAAAAAhAAAAGAAAABQAAADQAgAA2AkAAKgbAACwJQAAEAAAACYAAAAIAAAAAYAAAAAAAAA="/>
+                <pr:smNativeData xmlns:pr="smNativeData" val="SMDATA_13_Hs+1XxMAAAAlAAAAZAAAAA8BAAAAkAAAAEgAAACQAAAASAAAAAAAAAAAAAAAAAAAAAEAAABQAAAAAAAAAAAA4D8AAAAAAADgPwAAAAAAAOA/AAAAAAAA4D8AAAAAAADgPwAAAAAAAOA/AAAAAAAA4D8AAAAAAADgPwAAAAAAAOA/AAAAAAAA4D8CAAAAjAAAAAAAAAAAAAAAu+DjDP///wgAAAAAAAAAAAAAAAAAAAAAAAAAAAAAAAAAAAAAZAAAAAEAAABAAAAAAAAAAAAAAAAAAAAAAAAAAAAAAAAAAAAAAAAAAAAAAAAAAAAAAAAAAAAAAAAAAAAAAAAAAAAAAAAAAAAAAAAAAAAAAAAAAAAAAAAAAAAAAAAAAAAAFAAAADwAAAAAAAAAAAAAAAAAAAkUAAAAAQAAABQAAAAUAAAAFAAAAAEAAAAAAAAAZAAAAGQAAAAAAAAAZAAAAGQAAAAVAAAAYAAAAAAAAAAAAAAADwAAACADAAAAAAAAAAAAAAEAAACgMgAAVgcAAKr4//8BAAAAf39/AAEAAABkAAAAAAAAABQAAABAHwAAAAAAACYAAAAAAAAAwOD//wAAAAAmAAAAZAAAABYAAABMAAAAAAAAAAAAAAAEAAAAAAAAAAEAAACAgIAKAAAAACgAAAAoAAAAZAAAAGQAAAAAAAAAzMzMAAAAAABQAAAAUAAAAGQAAABkAAAAAAAAABcAAAAUAAAAAAAAAAAAAAD/fwAA/38AAAAAAAAJAAAABAAAAAAAAAAMAAAAEAAAAAAAAAAAAAAAAAAAAAAAAAAeAAAAaAAAAAAAAAAAAAAAAAAAAAAAAAAAAAAAECcAABAnAAAAAAAAAAAAAAAAAAAAAAAAAAAAAAAAAAAAAAAAAAAAABQAAAAAAAAAwMD/AAAAAABkAAAAMgAAAAAAAABkAAAAAAAAAH9/fwAKAAAAHwAAAFQAAAAAAAAFAAAAAQAAAAAAAAAAAAAAAAAAAAAAAAAAAAAAAAAAAAAAAAAAAAAAAn9/fwAAAAADzMzMAMDA/wB/f38AAAAAAAAAAAAAAAAAAAAAAAAAAAAhAAAAGAAAABQAAADQAgAA2AkAAKgbAACwJQAAEAAAACYAAAAIAAAAAYAAAAAAAAA="/>
               </a:ext>
             </a:extLst>
           </p:cNvSpPr>
@@ -1347,7 +1348,7 @@
             <a:spLocks noGrp="1" noChangeArrowheads="1"/>
             <a:extLst>
               <a:ext uri="smNativeData">
-                <pr:smNativeData xmlns:pr="smNativeData" val="SMDATA_13_4IlQXxMAAAAlAAAAZAAAAA8BAAAAkAAAAEgAAACQAAAASAAAAAAAAAAAAAAAAAAAAAEAAABQAAAAAAAAAAAA4D8AAAAAAADgPwAAAAAAAOA/AAAAAAAA4D8AAAAAAADgPwAAAAAAAOA/AAAAAAAA4D8AAAAAAADgPwAAAAAAAOA/AAAAAAAA4D8CAAAAjAAAAAAAAAAAAAAAu+DjDP///wgAAAAAAAAAAAAAAAAAAAAAAAAAAAAAAAAAAAAAZAAAAAEAAABAAAAAAAAAAAAAAAAAAAAAAAAAAAAAAAAAAAAAAAAAAAAAAAAAAAAAAAAAAAAAAAAAAAAAAAAAAAAAAAAAAAAAAAAAAAAAAAAAAAAAAAAAAAAAAAAAAAAAFAAAADwAAAAAAAAAAAAAAAAAAAkUAAAAAQAAABQAAAAUAAAAFAAAAAEAAAAAAAAAZAAAAGQAAAAAAAAAZAAAAGQAAAAVAAAAYAAAAAAAAAAAAAAADwAAACADAAAAAAAAAAAAAAEAAACgMgAAVgcAAKr4//8BAAAAf39/AAEAAABkAAAAAAAAABQAAABAHwAAAAAAACYAAAAAAAAAwOD//wAAAAAmAAAAZAAAABYAAABMAAAAAAAAAAAAAAAEAAAAAAAAAAEAAACAgIAKAAAAACgAAAAoAAAAZAAAAGQAAAAAAAAAzMzMAAAAAABQAAAAUAAAAGQAAABkAAAAAAAAABcAAAAUAAAAAAAAAAAAAAD/fwAA/38AAAAAAAAJAAAABAAAAAAAAAAMAAAAEAAAAAAAAAAAAAAAAAAAAAAAAAAeAAAAaAAAAAAAAAAAAAAAAAAAAAAAAAAAAAAAECcAABAnAAAAAAAAAAAAAAAAAAAAAAAAAAAAAAAAAAAAAAAAAAAAABQAAAAAAAAAwMD/AAAAAABkAAAAMgAAAAAAAABkAAAAAAAAAH9/fwAKAAAAHwAAAFQAAAAAAAAFAAAAAQAAAAAAAAAAAAAAAAAAAAAAAAAAAAAAAAAAAAAAAAAAAAAAAn9/fwAAAAADzMzMAMDA/wB/f38AAAAAAAAAAAAAAAAAAAAAAAAAAAAhAAAAGAAAABQAAACYHAAA2AkAAHA1AACwJQAAEAAAACYAAAAIAAAAAYAAAAAAAAA="/>
+                <pr:smNativeData xmlns:pr="smNativeData" val="SMDATA_13_Hs+1XxMAAAAlAAAAZAAAAA8BAAAAkAAAAEgAAACQAAAASAAAAAAAAAAAAAAAAAAAAAEAAABQAAAAAAAAAAAA4D8AAAAAAADgPwAAAAAAAOA/AAAAAAAA4D8AAAAAAADgPwAAAAAAAOA/AAAAAAAA4D8AAAAAAADgPwAAAAAAAOA/AAAAAAAA4D8CAAAAjAAAAAAAAAAAAAAAu+DjDP///wgAAAAAAAAAAAAAAAAAAAAAAAAAAAAAAAAAAAAAZAAAAAEAAABAAAAAAAAAAAAAAAAAAAAAAAAAAAAAAAAAAAAAAAAAAAAAAAAAAAAAAAAAAAAAAAAAAAAAAAAAAAAAAAAAAAAAAAAAAAAAAAAAAAAAAAAAAAAAAAAAAAAAFAAAADwAAAAAAAAAAAAAAAAAAAkUAAAAAQAAABQAAAAUAAAAFAAAAAEAAAAAAAAAZAAAAGQAAAAAAAAAZAAAAGQAAAAVAAAAYAAAAAAAAAAAAAAADwAAACADAAAAAAAAAAAAAAEAAACgMgAAVgcAAKr4//8BAAAAf39/AAEAAABkAAAAAAAAABQAAABAHwAAAAAAACYAAAAAAAAAwOD//wAAAAAmAAAAZAAAABYAAABMAAAAAAAAAAAAAAAEAAAAAAAAAAEAAACAgIAKAAAAACgAAAAoAAAAZAAAAGQAAAAAAAAAzMzMAAAAAABQAAAAUAAAAGQAAABkAAAAAAAAABcAAAAUAAAAAAAAAAAAAAD/fwAA/38AAAAAAAAJAAAABAAAAAAAAAAMAAAAEAAAAAAAAAAAAAAAAAAAAAAAAAAeAAAAaAAAAAAAAAAAAAAAAAAAAAAAAAAAAAAAECcAABAnAAAAAAAAAAAAAAAAAAAAAAAAAAAAAAAAAAAAAAAAAAAAABQAAAAAAAAAwMD/AAAAAABkAAAAMgAAAAAAAABkAAAAAAAAAH9/fwAKAAAAHwAAAFQAAAAAAAAFAAAAAQAAAAAAAAAAAAAAAAAAAAAAAAAAAAAAAAAAAAAAAAAAAAAAAn9/fwAAAAADzMzMAMDA/wB/f38AAAAAAAAAAAAAAAAAAAAAAAAAAAAhAAAAGAAAABQAAACYHAAA2AkAAHA1AACwJQAAEAAAACYAAAAIAAAAAYAAAAAAAAA="/>
               </a:ext>
             </a:extLst>
           </p:cNvSpPr>
@@ -1431,7 +1432,7 @@
             <a:spLocks noGrp="1" noChangeArrowheads="1"/>
             <a:extLst>
               <a:ext uri="smNativeData">
-                <pr:smNativeData xmlns:pr="smNativeData" val="SMDATA_13_4IlQXxMAAAAlAAAAZAAAAA8BAAAAkAAAAEgAAACQAAAASAAAAAAAAAABAAAAAAAAAAEAAABQAAAAAAAAAAAA4D8AAAAAAADgPwAAAAAAAOA/AAAAAAAA4D8AAAAAAADgPwAAAAAAAOA/AAAAAAAA4D8AAAAAAADgPwAAAAAAAOA/AAAAAAAA4D8CAAAAjAAAAAAAAAAAAAAAu+DjDP///wgAAAAAAAAAAAAAAAAAAAAAAAAAAAAAAAAAAAAAZAAAAAEAAABAAAAAAAAAAAAAAAAAAAAAAAAAAAAAAAAAAAAAAAAAAAAAAAAAAAAAAAAAAAAAAAAAAAAAAAAAAAAAAAAAAAAAAAAAAAAAAAAAAAAAAAAAAAAAAAAAAAAAFAAAADwAAAAAAAAAAAAAAAAAAAkUAAAAAQAAABQAAAAUAAAAFAAAAAEAAAAAAAAAZAAAAGQAAAAAAAAAZAAAAGQAAAAVAAAAYAAAAAAAAAAAAAAADwAAACADAAAAAAAAAAAAAAEAAACgMgAAVgcAAKr4//8BAAAAf39/AAEAAABkAAAAAAAAABQAAABAHwAAAAAAACYAAAAAAAAAwOD//wAAAAAmAAAAZAAAABYAAABMAAAAAAAAAAAAAAAEAAAAAAAAAAEAAACAgIAKAAAAACgAAAAoAAAAZAAAAGQAAAAAAAAAzMzMAAAAAABQAAAAUAAAAGQAAABkAAAAAAAAABcAAAAUAAAAAAAAAAAAAAD/fwAA/38AAAAAAAAJAAAABAAAAAAAAAAMAAAAEAAAAAAAAAAAAAAAAAAAAAAAAAAeAAAAaAAAAAAAAAAAAAAAAAAAAAAAAAAAAAAAECcAABAnAAAAAAAAAAAAAAAAAAAAAAAAAAAAAAAAAAAAAAAAAAAAABQAAAAAAAAAwMD/AAAAAABkAAAAMgAAAAAAAABkAAAAAAAAAH9/fwAKAAAAHwAAAFQAAAAAAAAFAAAAAQAAAAAAAAAAAAAAAAAAAAAAAAAAAAAAAAAAAAAAAAAAAAAAAn9/fwAAAAADzMzMAMDA/wB/f38AAAAAAAAAAAAAAAAAAAAAAAAAAAAhAAAAGAAAABQAAADQAgAAGycAAPAPAABZKQAAEAAAACYAAAAIAAAAAAAAAAAAAAA="/>
+                <pr:smNativeData xmlns:pr="smNativeData" val="SMDATA_13_Hs+1XxMAAAAlAAAAZAAAAA8BAAAAkAAAAEgAAACQAAAASAAAAAAAAAABAAAAAAAAAAEAAABQAAAAAAAAAAAA4D8AAAAAAADgPwAAAAAAAOA/AAAAAAAA4D8AAAAAAADgPwAAAAAAAOA/AAAAAAAA4D8AAAAAAADgPwAAAAAAAOA/AAAAAAAA4D8CAAAAjAAAAAAAAAAAAAAAu+DjDP///wgAAAAAAAAAAAAAAAAAAAAAAAAAAAAAAAAAAAAAZAAAAAEAAABAAAAAAAAAAAAAAAAAAAAAAAAAAAAAAAAAAAAAAAAAAAAAAAAAAAAAAAAAAAAAAAAAAAAAAAAAAAAAAAAAAAAAAAAAAAAAAAAAAAAAAAAAAAAAAAAAAAAAFAAAADwAAAAAAAAAAAAAAAAAAAkUAAAAAQAAABQAAAAUAAAAFAAAAAEAAAAAAAAAZAAAAGQAAAAAAAAAZAAAAGQAAAAVAAAAYAAAAAAAAAAAAAAADwAAACADAAAAAAAAAAAAAAEAAACgMgAAVgcAAKr4//8BAAAAf39/AAEAAABkAAAAAAAAABQAAABAHwAAAAAAACYAAAAAAAAAwOD//wAAAAAmAAAAZAAAABYAAABMAAAAAAAAAAAAAAAEAAAAAAAAAAEAAACAgIAKAAAAACgAAAAoAAAAZAAAAGQAAAAAAAAAzMzMAAAAAABQAAAAUAAAAGQAAABkAAAAAAAAABcAAAAUAAAAAAAAAAAAAAD/fwAA/38AAAAAAAAJAAAABAAAAAAAAAAMAAAAEAAAAAAAAAAAAAAAAAAAAAAAAAAeAAAAaAAAAAAAAAAAAAAAAAAAAAAAAAAAAAAAECcAABAnAAAAAAAAAAAAAAAAAAAAAAAAAAAAAAAAAAAAAAAAAAAAABQAAAAAAAAAwMD/AAAAAABkAAAAMgAAAAAAAABkAAAAAAAAAH9/fwAKAAAAHwAAAFQAAAAAAAAFAAAAAQAAAAAAAAAAAAAAAAAAAAAAAAAAAAAAAAAAAAAAAAAAAAAAAn9/fwAAAAADzMzMAMDA/wB/f38AAAAAAAAAAAAAAAAAAAAAAAAAAAAhAAAAGAAAABQAAADQAgAAGycAAPAPAABZKQAAEAAAACYAAAAIAAAAAAAAAAAAAAA="/>
               </a:ext>
             </a:extLst>
           </p:cNvSpPr>
@@ -1445,7 +1446,7 @@
           <a:lstStyle/>
           <a:p>
             <a:pPr/>
-            <a:fld id="{AA490A41-0F47-1CFC-09F1-F9A944BFFFAC}" type="datetime1">
+            <a:fld id="{2FE6EA3D-73C2-B31C-8C5E-8549A4107AD0}" type="datetime1">
               <a:t/>
             </a:fld>
           </a:p>
@@ -1458,7 +1459,7 @@
             <a:spLocks noGrp="1" noChangeArrowheads="1"/>
             <a:extLst>
               <a:ext uri="smNativeData">
-                <pr:smNativeData xmlns:pr="smNativeData" val="SMDATA_13_4IlQXxMAAAAlAAAAZAAAAA8BAAAAkAAAAEgAAACQAAAASAAAAAAAAAABAAAAAAAAAAEAAABQAAAAAAAAAAAA4D8AAAAAAADgPwAAAAAAAOA/AAAAAAAA4D8AAAAAAADgPwAAAAAAAOA/AAAAAAAA4D8AAAAAAADgPwAAAAAAAOA/AAAAAAAA4D8CAAAAjAAAAAAAAAAAAAAAu+DjDP///wgAAAAAAAAAAAAAAAAAAAAAAAAAAAAAAAAAAAAAZAAAAAEAAABAAAAAAAAAAAAAAAAAAAAAAAAAAAAAAAAAAAAAAAAAAAAAAAAAAAAAAAAAAAAAAAAAAAAAAAAAAAAAAAAAAAAAAAAAAAAAAAAAAAAAAAAAAAAAAAAAAAAAFAAAADwAAAAAAAAAAAAAAAAAAAkUAAAAAQAAABQAAAAUAAAAFAAAAAEAAAAAAAAAZAAAAGQAAAAAAAAAZAAAAGQAAAAVAAAAYAAAAAAAAAAAAAAADwAAACADAAAAAAAAAAAAAAEAAACgMgAAVgcAAKr4//8BAAAAf39/AAEAAABkAAAAAAAAABQAAABAHwAAAAAAACYAAAAAAAAAwOD//wAAAAAmAAAAZAAAABYAAABMAAAAAAAAAAAAAAAEAAAAAAAAAAEAAACAgIAKAAAAACgAAAAoAAAAZAAAAGQAAAAAAAAAzMzMAAAAAABQAAAAUAAAAGQAAABkAAAAAAAAABcAAAAUAAAAAAAAAAAAAAD/fwAA/38AAAAAAAAJAAAABAAAAAAAAAAMAAAAEAAAAAAAAAAAAAAAAAAAAAAAAAAeAAAAaAAAAAAAAAAAAAAAAAAAAAAAAAAAAAAAECcAABAnAAAAAAAAAAAAAAAAAAAAAAAAAAAAAAAAAAAAAAAAAAAAABQAAAAAAAAAwMD/AAAAAABkAAAAMgAAAAAAAABkAAAAAAAAAH9/fwAKAAAAHwAAAFQAAAAAAAAFAAAAAQAAAAAAAAAAAAAAAAAAAAAAAAAAAAAAAAAAAAAAAAAAAAAAAn9/fwAAAAADzMzMAMDA/wB/f38AAAAAAAAAAAAAAAAAAAAAAAAAAAAhAAAAGAAAABQAAAA4EwAAGycAAAglAABZKQAAEAAAACYAAAAIAAAAAAAAAAAAAAA="/>
+                <pr:smNativeData xmlns:pr="smNativeData" val="SMDATA_13_Hs+1XxMAAAAlAAAAZAAAAA8BAAAAkAAAAEgAAACQAAAASAAAAAAAAAABAAAAAAAAAAEAAABQAAAAAAAAAAAA4D8AAAAAAADgPwAAAAAAAOA/AAAAAAAA4D8AAAAAAADgPwAAAAAAAOA/AAAAAAAA4D8AAAAAAADgPwAAAAAAAOA/AAAAAAAA4D8CAAAAjAAAAAAAAAAAAAAAu+DjDP///wgAAAAAAAAAAAAAAAAAAAAAAAAAAAAAAAAAAAAAZAAAAAEAAABAAAAAAAAAAAAAAAAAAAAAAAAAAAAAAAAAAAAAAAAAAAAAAAAAAAAAAAAAAAAAAAAAAAAAAAAAAAAAAAAAAAAAAAAAAAAAAAAAAAAAAAAAAAAAAAAAAAAAFAAAADwAAAAAAAAAAAAAAAAAAAkUAAAAAQAAABQAAAAUAAAAFAAAAAEAAAAAAAAAZAAAAGQAAAAAAAAAZAAAAGQAAAAVAAAAYAAAAAAAAAAAAAAADwAAACADAAAAAAAAAAAAAAEAAACgMgAAVgcAAKr4//8BAAAAf39/AAEAAABkAAAAAAAAABQAAABAHwAAAAAAACYAAAAAAAAAwOD//wAAAAAmAAAAZAAAABYAAABMAAAAAAAAAAAAAAAEAAAAAAAAAAEAAACAgIAKAAAAACgAAAAoAAAAZAAAAGQAAAAAAAAAzMzMAAAAAABQAAAAUAAAAGQAAABkAAAAAAAAABcAAAAUAAAAAAAAAAAAAAD/fwAA/38AAAAAAAAJAAAABAAAAAAAAAAMAAAAEAAAAAAAAAAAAAAAAAAAAAAAAAAeAAAAaAAAAAAAAAAAAAAAAAAAAAAAAAAAAAAAECcAABAnAAAAAAAAAAAAAAAAAAAAAAAAAAAAAAAAAAAAAAAAAAAAABQAAAAAAAAAwMD/AAAAAABkAAAAMgAAAAAAAABkAAAAAAAAAH9/fwAKAAAAHwAAAFQAAAAAAAAFAAAAAQAAAAAAAAAAAAAAAAAAAAAAAAAAAAAAAAAAAAAAAAAAAAAAAn9/fwAAAAADzMzMAMDA/wB/f38AAAAAAAAAAAAAAAAAAAAAAAAAAAAhAAAAGAAAABQAAAA4EwAAGycAAAglAABZKQAAEAAAACYAAAAIAAAAAAAAAAAAAAA="/>
               </a:ext>
             </a:extLst>
           </p:cNvSpPr>
@@ -1482,7 +1483,7 @@
             <a:spLocks noGrp="1" noChangeArrowheads="1"/>
             <a:extLst>
               <a:ext uri="smNativeData">
-                <pr:smNativeData xmlns:pr="smNativeData" val="SMDATA_13_4IlQXxMAAAAlAAAAZAAAAA8BAAAAkAAAAEgAAACQAAAASAAAAAAAAAABAAAAAAAAAAEAAABQAAAAAAAAAAAA4D8AAAAAAADgPwAAAAAAAOA/AAAAAAAA4D8AAAAAAADgPwAAAAAAAOA/AAAAAAAA4D8AAAAAAADgPwAAAAAAAOA/AAAAAAAA4D8CAAAAjAAAAAAAAAAAAAAAu+DjDP///wgAAAAAAAAAAAAAAAAAAAAAAAAAAAAAAAAAAAAAZAAAAAEAAABAAAAAAAAAAAAAAAAAAAAAAAAAAAAAAAAAAAAAAAAAAAAAAAAAAAAAAAAAAAAAAAAAAAAAAAAAAAAAAAAAAAAAAAAAAAAAAAAAAAAAAAAAAAAAAAAAAAAAFAAAADwAAAAAAAAAAAAAAAAAAAkUAAAAAQAAABQAAAAUAAAAFAAAAAEAAAAAAAAAZAAAAGQAAAAAAAAAZAAAAGQAAAAVAAAAYAAAAAAAAAAAAAAADwAAACADAAAAAAAAAAAAAAEAAACgMgAAVgcAAKr4//8BAAAAf39/AAEAAABkAAAAAAAAABQAAABAHwAAAAAAACYAAAAAAAAAwOD//wAAAAAmAAAAZAAAABYAAABMAAAAAAAAAAAAAAAEAAAAAAAAAAEAAACAgIAKAAAAACgAAAAoAAAAZAAAAGQAAAAAAAAAzMzMAAAAAABQAAAAUAAAAGQAAABkAAAAAAAAABcAAAAUAAAAAAAAAAAAAAD/fwAA/38AAAAAAAAJAAAABAAAAAAAAAAMAAAAEAAAAAAAAAAAAAAAAAAAAAAAAAAeAAAAaAAAAAAAAAAAAAAAAAAAAAAAAAAAAAAAECcAABAnAAAAAAAAAAAAAAAAAAAAAAAAAAAAAAAAAAAAAAAAAAAAABQAAAAAAAAAwMD/AAAAAABkAAAAMgAAAAAAAABkAAAAAAAAAH9/fwAKAAAAHwAAAFQAAAAAAAAFAAAAAQAAAAAAAAAAAAAAAAAAAAAAAAAAAAAAAAAAAAAAAAAAAAAAAn9/fwAAAAADzMzMAMDA/wB/f38AAAAAAAAAAAAAAAAAAAAAAAAAAAAhAAAAGAAAABQAAABQKAAAGycAAHA1AABZKQAAEAAAACYAAAAIAAAAAAAAAAAAAAA="/>
+                <pr:smNativeData xmlns:pr="smNativeData" val="SMDATA_13_Hs+1XxMAAAAlAAAAZAAAAA8BAAAAkAAAAEgAAACQAAAASAAAAAAAAAABAAAAAAAAAAEAAABQAAAAAAAAAAAA4D8AAAAAAADgPwAAAAAAAOA/AAAAAAAA4D8AAAAAAADgPwAAAAAAAOA/AAAAAAAA4D8AAAAAAADgPwAAAAAAAOA/AAAAAAAA4D8CAAAAjAAAAAAAAAAAAAAAu+DjDP///wgAAAAAAAAAAAAAAAAAAAAAAAAAAAAAAAAAAAAAZAAAAAEAAABAAAAAAAAAAAAAAAAAAAAAAAAAAAAAAAAAAAAAAAAAAAAAAAAAAAAAAAAAAAAAAAAAAAAAAAAAAAAAAAAAAAAAAAAAAAAAAAAAAAAAAAAAAAAAAAAAAAAAFAAAADwAAAAAAAAAAAAAAAAAAAkUAAAAAQAAABQAAAAUAAAAFAAAAAEAAAAAAAAAZAAAAGQAAAAAAAAAZAAAAGQAAAAVAAAAYAAAAAAAAAAAAAAADwAAACADAAAAAAAAAAAAAAEAAACgMgAAVgcAAKr4//8BAAAAf39/AAEAAABkAAAAAAAAABQAAABAHwAAAAAAACYAAAAAAAAAwOD//wAAAAAmAAAAZAAAABYAAABMAAAAAAAAAAAAAAAEAAAAAAAAAAEAAACAgIAKAAAAACgAAAAoAAAAZAAAAGQAAAAAAAAAzMzMAAAAAABQAAAAUAAAAGQAAABkAAAAAAAAABcAAAAUAAAAAAAAAAAAAAD/fwAA/38AAAAAAAAJAAAABAAAAAAAAAAMAAAAEAAAAAAAAAAAAAAAAAAAAAAAAAAeAAAAaAAAAAAAAAAAAAAAAAAAAAAAAAAAAAAAECcAABAnAAAAAAAAAAAAAAAAAAAAAAAAAAAAAAAAAAAAAAAAAAAAABQAAAAAAAAAwMD/AAAAAABkAAAAMgAAAAAAAABkAAAAAAAAAH9/fwAKAAAAHwAAAFQAAAAAAAAFAAAAAQAAAAAAAAAAAAAAAAAAAAAAAAAAAAAAAAAAAAAAAAAAAAAAAn9/fwAAAAADzMzMAMDA/wB/f38AAAAAAAAAAAAAAAAAAAAAAAAAAAAhAAAAGAAAABQAAABQKAAAGycAAHA1AABZKQAAEAAAACYAAAAIAAAAAAAAAAAAAAA="/>
               </a:ext>
             </a:extLst>
           </p:cNvSpPr>
@@ -1496,7 +1497,7 @@
           <a:lstStyle/>
           <a:p>
             <a:pPr/>
-            <a:fld id="{AA49595D-1347-1CAF-09F1-E5FA17BFFFB0}" type="slidenum">
+            <a:fld id="{2FE6A404-4AC2-B352-8C5E-BC07EA107AE9}" type="slidenum">
               <a:t/>
             </a:fld>
           </a:p>
@@ -1534,7 +1535,7 @@
             <a:spLocks noGrp="1" noChangeArrowheads="1"/>
             <a:extLst>
               <a:ext uri="smNativeData">
-                <pr:smNativeData xmlns:pr="smNativeData" val="SMDATA_13_4IlQXxMAAAAlAAAAZAAAAA8BAAAAkAAAAEgAAACQAAAASAAAAAAAAAABAAAAAAAAAAEAAABQAAAAAAAAAAAA4D8AAAAAAADgPwAAAAAAAOA/AAAAAAAA4D8AAAAAAADgPwAAAAAAAOA/AAAAAAAA4D8AAAAAAADgPwAAAAAAAOA/AAAAAAAA4D8CAAAAjAAAAAAAAAAAAAAAu+DjDP///wgAAAAAAAAAAAAAAAAAAAAAAAAAAAAAAAAAAAAAZAAAAAEAAABAAAAAAAAAAAAAAAAAAAAAAAAAAAAAAAAAAAAAAAAAAAAAAAAAAAAAAAAAAAAAAAAAAAAAAAAAAAAAAAAAAAAAAAAAAAAAAAAAAAAAAAAAAAAAAAAAAAAAFAAAADwAAAAAAAAAAAAAAAAAAAkUAAAAAQAAABQAAAAUAAAAFAAAAAEAAAAAAAAAZAAAAGQAAAAAAAAAZAAAAGQAAAAVAAAAYAAAAAAAAAAAAAAADwAAACADAAAAAAAAAAAAAAEAAACgMgAAVgcAAKr4//8BAAAAf39/AAEAAABkAAAAAAAAABQAAABAHwAAAAAAACYAAAAAAAAAwOD//wAAAAAmAAAAZAAAABYAAABMAAAAAAAAAAAAAAAEAAAAAAAAAAEAAACAgIAKAAAAACgAAAAoAAAAZAAAAGQAAAAAAAAAzMzMAAAAAABQAAAAUAAAAGQAAABkAAAAAAAAABcAAAAUAAAAAAAAAAAAAAD/fwAA/38AAAAAAAAJAAAABAAAAAAAAAAMAAAAEAAAAAAAAAAAAAAAAAAAAAAAAAAeAAAAaAAAAAAAAAAAAAAAAAAAAAAAAAAAAAAAECcAABAnAAAAAAAAAAAAAAAAAAAAAAAAAAAAAAAAAAAAAAAAAAAAABQAAAAAAAAAwMD/AAAAAABkAAAAMgAAAAAAAABkAAAAAAAAAH9/fwAKAAAAHwAAAFQAAAAAAAAFAAAAAQAAAAAAAAAAAAAAAAAAAAAAAAAAAAAAAAAAAAAAAAAAAAAAAn9/fwAAAAADzMzMAMDA/wB/f38AAAAAAAAAAAAAAAAAAAAAAAAAAAAhAAAAGAAAABQAAADQAgAAsAEAAHA1AAC4CAAAEAAAACYAAAAIAAAAAAAAAAAAAAA="/>
+                <pr:smNativeData xmlns:pr="smNativeData" val="SMDATA_13_Hs+1XxMAAAAlAAAAZAAAAA8BAAAAkAAAAEgAAACQAAAASAAAAAAAAAABAAAAAAAAAAEAAABQAAAAAAAAAAAA4D8AAAAAAADgPwAAAAAAAOA/AAAAAAAA4D8AAAAAAADgPwAAAAAAAOA/AAAAAAAA4D8AAAAAAADgPwAAAAAAAOA/AAAAAAAA4D8CAAAAjAAAAAAAAAAAAAAAu+DjDP///wgAAAAAAAAAAAAAAAAAAAAAAAAAAAAAAAAAAAAAZAAAAAEAAABAAAAAAAAAAAAAAAAAAAAAAAAAAAAAAAAAAAAAAAAAAAAAAAAAAAAAAAAAAAAAAAAAAAAAAAAAAAAAAAAAAAAAAAAAAAAAAAAAAAAAAAAAAAAAAAAAAAAAFAAAADwAAAAAAAAAAAAAAAAAAAkUAAAAAQAAABQAAAAUAAAAFAAAAAEAAAAAAAAAZAAAAGQAAAAAAAAAZAAAAGQAAAAVAAAAYAAAAAAAAAAAAAAADwAAACADAAAAAAAAAAAAAAEAAACgMgAAVgcAAKr4//8BAAAAf39/AAEAAABkAAAAAAAAABQAAABAHwAAAAAAACYAAAAAAAAAwOD//wAAAAAmAAAAZAAAABYAAABMAAAAAAAAAAAAAAAEAAAAAAAAAAEAAACAgIAKAAAAACgAAAAoAAAAZAAAAGQAAAAAAAAAzMzMAAAAAABQAAAAUAAAAGQAAABkAAAAAAAAABcAAAAUAAAAAAAAAAAAAAD/fwAA/38AAAAAAAAJAAAABAAAAAAAAAAMAAAAEAAAAAAAAAAAAAAAAAAAAAAAAAAeAAAAaAAAAAAAAAAAAAAAAAAAAAAAAAAAAAAAECcAABAnAAAAAAAAAAAAAAAAAAAAAAAAAAAAAAAAAAAAAAAAAAAAABQAAAAAAAAAwMD/AAAAAABkAAAAMgAAAAAAAABkAAAAAAAAAH9/fwAKAAAAHwAAAFQAAAAAAAAFAAAAAQAAAAAAAAAAAAAAAAAAAAAAAAAAAAAAAAAAAAAAAAAAAAAAAn9/fwAAAAADzMzMAMDA/wB/f38AAAAAAAAAAAAAAAAAAAAAAAAAAAAhAAAAGAAAABQAAADQAgAAsAEAAHA1AAC4CAAAEAAAACYAAAAIAAAAAAAAAAAAAAA="/>
               </a:ext>
             </a:extLst>
           </p:cNvSpPr>
@@ -1561,7 +1562,7 @@
             <a:spLocks noGrp="1" noChangeArrowheads="1"/>
             <a:extLst>
               <a:ext uri="smNativeData">
-                <pr:smNativeData xmlns:pr="smNativeData" val="SMDATA_13_4IlQXxMAAAAlAAAAZAAAAA8BAAAAkAAAAEgAAACQAAAASAAAAAAAAAACAAAAAAAAAAEAAABQAAAAAAAAAAAA4D8AAAAAAADgPwAAAAAAAOA/AAAAAAAA4D8AAAAAAADgPwAAAAAAAOA/AAAAAAAA4D8AAAAAAADgPwAAAAAAAOA/AAAAAAAA4D8CAAAAjAAAAAAAAAAAAAAAu+DjDP///wgAAAAAAAAAAAAAAAAAAAAAAAAAAAAAAAAAAAAAZAAAAAEAAABAAAAAAAAAAAAAAAAAAAAAAAAAAAAAAAAAAAAAAAAAAAAAAAAAAAAAAAAAAAAAAAAAAAAAAAAAAAAAAAAAAAAAAAAAAAAAAAAAAAAAAAAAAAAAAAAAAAAAFAAAADwAAAAAAAAAAAAAAAAAAAkUAAAAAQAAABQAAAAUAAAAFAAAAAEAAAAAAAAAZAAAAGQAAAAAAAAAZAAAAGQAAAAVAAAAYAAAAAAAAAAAAAAADwAAACADAAAAAAAAAAAAAAEAAACgMgAAVgcAAKr4//8BAAAAf39/AAEAAABkAAAAAAAAABQAAABAHwAAAAAAACYAAAAAAAAAwOD//wAAAAAmAAAAZAAAABYAAABMAAAAAAAAAAAAAAAEAAAAAAAAAAEAAACAgIAKAAAAACgAAAAoAAAAZAAAAGQAAAAAAAAAzMzMAAAAAABQAAAAUAAAAGQAAABkAAAAAAAAABcAAAAUAAAAAAAAAAAAAAD/fwAA/38AAAAAAAAJAAAABAAAAAAAAAAMAAAAEAAAAAAAAAAAAAAAAAAAAAAAAAAeAAAAaAAAAAAAAAAAAAAAAAAAAAAAAAAAAAAAECcAABAnAAAAAAAAAAAAAAAAAAAAAAAAAAAAAAAAAAAAAAAAAAAAABQAAAAAAAAAwMD/AAAAAABkAAAAMgAAAAAAAABkAAAAAAAAAH9/fwAKAAAAHwAAAFQAAAAAAAAFAAAAAQAAAAAAAAAAAAAAAAAAAAAAAAAAAAAAAAAAAAAAAAAAAAAAAn9/fwAAAAADzMzMAMDA/wB/f38AAAAAAAAAAAAAAAAAAAAAAAAAAAAhAAAAGAAAABQAAADQAgAAcQkAAKobAABhDQAAEAAAACYAAAAIAAAAgYAAAAAAAAA="/>
+                <pr:smNativeData xmlns:pr="smNativeData" val="SMDATA_13_Hs+1XxMAAAAlAAAAZAAAAA8BAAAAkAAAAEgAAACQAAAASAAAAAAAAAACAAAAAAAAAAEAAABQAAAAAAAAAAAA4D8AAAAAAADgPwAAAAAAAOA/AAAAAAAA4D8AAAAAAADgPwAAAAAAAOA/AAAAAAAA4D8AAAAAAADgPwAAAAAAAOA/AAAAAAAA4D8CAAAAjAAAAAAAAAAAAAAAu+DjDP///wgAAAAAAAAAAAAAAAAAAAAAAAAAAAAAAAAAAAAAZAAAAAEAAABAAAAAAAAAAAAAAAAAAAAAAAAAAAAAAAAAAAAAAAAAAAAAAAAAAAAAAAAAAAAAAAAAAAAAAAAAAAAAAAAAAAAAAAAAAAAAAAAAAAAAAAAAAAAAAAAAAAAAFAAAADwAAAAAAAAAAAAAAAAAAAkUAAAAAQAAABQAAAAUAAAAFAAAAAEAAAAAAAAAZAAAAGQAAAAAAAAAZAAAAGQAAAAVAAAAYAAAAAAAAAAAAAAADwAAACADAAAAAAAAAAAAAAEAAACgMgAAVgcAAKr4//8BAAAAf39/AAEAAABkAAAAAAAAABQAAABAHwAAAAAAACYAAAAAAAAAwOD//wAAAAAmAAAAZAAAABYAAABMAAAAAAAAAAAAAAAEAAAAAAAAAAEAAACAgIAKAAAAACgAAAAoAAAAZAAAAGQAAAAAAAAAzMzMAAAAAABQAAAAUAAAAGQAAABkAAAAAAAAABcAAAAUAAAAAAAAAAAAAAD/fwAA/38AAAAAAAAJAAAABAAAAAAAAAAMAAAAEAAAAAAAAAAAAAAAAAAAAAAAAAAeAAAAaAAAAAAAAAAAAAAAAAAAAAAAAAAAAAAAECcAABAnAAAAAAAAAAAAAAAAAAAAAAAAAAAAAAAAAAAAAAAAAAAAABQAAAAAAAAAwMD/AAAAAABkAAAAMgAAAAAAAABkAAAAAAAAAH9/fwAKAAAAHwAAAFQAAAAAAAAFAAAAAQAAAAAAAAAAAAAAAAAAAAAAAAAAAAAAAAAAAAAAAAAAAAAAAn9/fwAAAAADzMzMAMDA/wB/f38AAAAAAAAAAAAAAAAAAAAAAAAAAAAhAAAAGAAAABQAAADQAgAAcQkAAKobAABhDQAAEAAAACYAAAAIAAAAgYAAAAAAAAA="/>
               </a:ext>
             </a:extLst>
           </p:cNvSpPr>
@@ -1658,7 +1659,7 @@
             <a:spLocks noGrp="1" noChangeArrowheads="1"/>
             <a:extLst>
               <a:ext uri="smNativeData">
-                <pr:smNativeData xmlns:pr="smNativeData" val="SMDATA_13_4IlQXxMAAAAlAAAAZAAAAA8BAAAAkAAAAEgAAACQAAAASAAAAAAAAAAAAAAAAAAAAAEAAABQAAAAAAAAAAAA4D8AAAAAAADgPwAAAAAAAOA/AAAAAAAA4D8AAAAAAADgPwAAAAAAAOA/AAAAAAAA4D8AAAAAAADgPwAAAAAAAOA/AAAAAAAA4D8CAAAAjAAAAAAAAAAAAAAAu+DjDP///wgAAAAAAAAAAAAAAAAAAAAAAAAAAAAAAAAAAAAAZAAAAAEAAABAAAAAAAAAAAAAAAAAAAAAAAAAAAAAAAAAAAAAAAAAAAAAAAAAAAAAAAAAAAAAAAAAAAAAAAAAAAAAAAAAAAAAAAAAAAAAAAAAAAAAAAAAAAAAAAAAAAAAFAAAADwAAAAAAAAAAAAAAAAAAAkUAAAAAQAAABQAAAAUAAAAFAAAAAEAAAAAAAAAZAAAAGQAAAAAAAAAZAAAAGQAAAAVAAAAYAAAAAAAAAAAAAAADwAAACADAAAAAAAAAAAAAAEAAACgMgAAVgcAAKr4//8BAAAAf39/AAEAAABkAAAAAAAAABQAAABAHwAAAAAAACYAAAAAAAAAwOD//wAAAAAmAAAAZAAAABYAAABMAAAAAAAAAAAAAAAEAAAAAAAAAAEAAACAgIAKAAAAACgAAAAoAAAAZAAAAGQAAAAAAAAAzMzMAAAAAABQAAAAUAAAAGQAAABkAAAAAAAAABcAAAAUAAAAAAAAAAAAAAD/fwAA/38AAAAAAAAJAAAABAAAAAAAAAAMAAAAEAAAAAAAAAAAAAAAAAAAAAAAAAAeAAAAaAAAAAAAAAAAAAAAAAAAAAAAAAAAAAAAECcAABAnAAAAAAAAAAAAAAAAAAAAAAAAAAAAAAAAAAAAAAAAAAAAABQAAAAAAAAAwMD/AAAAAABkAAAAMgAAAAAAAABkAAAAAAAAAH9/fwAKAAAAHwAAAFQAAAAAAAAFAAAAAQAAAAAAAAAAAAAAAAAAAAAAAAAAAAAAAAAAAAAAAAAAAAAAAn9/fwAAAAADzMzMAMDA/wB/f38AAAAAAAAAAAAAAAAAAAAAAAAAAAAhAAAAGAAAABQAAADQAgAAYQ0AAKobAACwJQAAEAAAACYAAAAIAAAAAYAAAAAAAAA="/>
+                <pr:smNativeData xmlns:pr="smNativeData" val="SMDATA_13_Hs+1XxMAAAAlAAAAZAAAAA8BAAAAkAAAAEgAAACQAAAASAAAAAAAAAAAAAAAAAAAAAEAAABQAAAAAAAAAAAA4D8AAAAAAADgPwAAAAAAAOA/AAAAAAAA4D8AAAAAAADgPwAAAAAAAOA/AAAAAAAA4D8AAAAAAADgPwAAAAAAAOA/AAAAAAAA4D8CAAAAjAAAAAAAAAAAAAAAu+DjDP///wgAAAAAAAAAAAAAAAAAAAAAAAAAAAAAAAAAAAAAZAAAAAEAAABAAAAAAAAAAAAAAAAAAAAAAAAAAAAAAAAAAAAAAAAAAAAAAAAAAAAAAAAAAAAAAAAAAAAAAAAAAAAAAAAAAAAAAAAAAAAAAAAAAAAAAAAAAAAAAAAAAAAAFAAAADwAAAAAAAAAAAAAAAAAAAkUAAAAAQAAABQAAAAUAAAAFAAAAAEAAAAAAAAAZAAAAGQAAAAAAAAAZAAAAGQAAAAVAAAAYAAAAAAAAAAAAAAADwAAACADAAAAAAAAAAAAAAEAAACgMgAAVgcAAKr4//8BAAAAf39/AAEAAABkAAAAAAAAABQAAABAHwAAAAAAACYAAAAAAAAAwOD//wAAAAAmAAAAZAAAABYAAABMAAAAAAAAAAAAAAAEAAAAAAAAAAEAAACAgIAKAAAAACgAAAAoAAAAZAAAAGQAAAAAAAAAzMzMAAAAAABQAAAAUAAAAGQAAABkAAAAAAAAABcAAAAUAAAAAAAAAAAAAAD/fwAA/38AAAAAAAAJAAAABAAAAAAAAAAMAAAAEAAAAAAAAAAAAAAAAAAAAAAAAAAeAAAAaAAAAAAAAAAAAAAAAAAAAAAAAAAAAAAAECcAABAnAAAAAAAAAAAAAAAAAAAAAAAAAAAAAAAAAAAAAAAAAAAAABQAAAAAAAAAwMD/AAAAAABkAAAAMgAAAAAAAABkAAAAAAAAAH9/fwAKAAAAHwAAAFQAAAAAAAAFAAAAAQAAAAAAAAAAAAAAAAAAAAAAAAAAAAAAAAAAAAAAAAAAAAAAAn9/fwAAAAADzMzMAMDA/wB/f38AAAAAAAAAAAAAAAAAAAAAAAAAAAAhAAAAGAAAABQAAADQAgAAYQ0AAKobAACwJQAAEAAAACYAAAAIAAAAAYAAAAAAAAA="/>
               </a:ext>
             </a:extLst>
           </p:cNvSpPr>
@@ -1742,7 +1743,7 @@
             <a:spLocks noGrp="1" noChangeArrowheads="1"/>
             <a:extLst>
               <a:ext uri="smNativeData">
-                <pr:smNativeData xmlns:pr="smNativeData" val="SMDATA_13_4IlQXxMAAAAlAAAAZAAAAA8BAAAAkAAAAEgAAACQAAAASAAAAAAAAAACAAAAAAAAAAEAAABQAAAAAAAAAAAA4D8AAAAAAADgPwAAAAAAAOA/AAAAAAAA4D8AAAAAAADgPwAAAAAAAOA/AAAAAAAA4D8AAAAAAADgPwAAAAAAAOA/AAAAAAAA4D8CAAAAjAAAAAAAAAAAAAAAu+DjDP///wgAAAAAAAAAAAAAAAAAAAAAAAAAAAAAAAAAAAAAZAAAAAEAAABAAAAAAAAAAAAAAAAAAAAAAAAAAAAAAAAAAAAAAAAAAAAAAAAAAAAAAAAAAAAAAAAAAAAAAAAAAAAAAAAAAAAAAAAAAAAAAAAAAAAAAAAAAAAAAAAAAAAAFAAAADwAAAAAAAAAAAAAAAAAAAkUAAAAAQAAABQAAAAUAAAAFAAAAAEAAAAAAAAAZAAAAGQAAAAAAAAAZAAAAGQAAAAVAAAAYAAAAAAAAAAAAAAADwAAACADAAAAAAAAAAAAAAEAAACgMgAAVgcAAKr4//8BAAAAf39/AAEAAABkAAAAAAAAABQAAABAHwAAAAAAACYAAAAAAAAAwOD//wAAAAAmAAAAZAAAABYAAABMAAAAAAAAAAAAAAAEAAAAAAAAAAEAAACAgIAKAAAAACgAAAAoAAAAZAAAAGQAAAAAAAAAzMzMAAAAAABQAAAAUAAAAGQAAABkAAAAAAAAABcAAAAUAAAAAAAAAAAAAAD/fwAA/38AAAAAAAAJAAAABAAAALyR8ggMAAAAEAAAAAAAAAAAAAAAAAAAAAAAAAAeAAAAaAAAAAAAAAAAAAAAAAAAAAAAAAAAAAAAECcAABAnAAAAAAAAAAAAAAAAAAAAAAAAAAAAAAAAAAAAAAAAAAAAABQAAAAAAAAAwMD/AAAAAABkAAAAMgAAAAAAAABkAAAAAAAAAH9/fwAKAAAAHwAAAFQAAAAAAAAFAAAAAQAAAAAAAAAAAAAAAAAAAAAAAAAAAAAAAAAAAAAAAAAAAAAAAn9/fwAAAAADzMzMAMDA/wB/f38AAAAAAAAAAAAAAAAAAAAAAAAAAAAhAAAAGAAAABQAAACWHAAAcQkAAHA1AABhDQAAEAAAACYAAAAIAAAAgYAAAAAAAAA="/>
+                <pr:smNativeData xmlns:pr="smNativeData" val="SMDATA_13_Hs+1XxMAAAAlAAAAZAAAAA8BAAAAkAAAAEgAAACQAAAASAAAAAAAAAACAAAAAAAAAAEAAABQAAAAAAAAAAAA4D8AAAAAAADgPwAAAAAAAOA/AAAAAAAA4D8AAAAAAADgPwAAAAAAAOA/AAAAAAAA4D8AAAAAAADgPwAAAAAAAOA/AAAAAAAA4D8CAAAAjAAAAAAAAAAAAAAAu+DjDP///wgAAAAAAAAAAAAAAAAAAAAAAAAAAAAAAAAAAAAAZAAAAAEAAABAAAAAAAAAAAAAAAAAAAAAAAAAAAAAAAAAAAAAAAAAAAAAAAAAAAAAAAAAAAAAAAAAAAAAAAAAAAAAAAAAAAAAAAAAAAAAAAAAAAAAAAAAAAAAAAAAAAAAFAAAADwAAAAAAAAAAAAAAAAAAAkUAAAAAQAAABQAAAAUAAAAFAAAAAEAAAAAAAAAZAAAAGQAAAAAAAAAZAAAAGQAAAAVAAAAYAAAAAAAAAAAAAAADwAAACADAAAAAAAAAAAAAAEAAACgMgAAVgcAAKr4//8BAAAAf39/AAEAAABkAAAAAAAAABQAAABAHwAAAAAAACYAAAAAAAAAwOD//wAAAAAmAAAAZAAAABYAAABMAAAAAAAAAAAAAAAEAAAAAAAAAAEAAACAgIAKAAAAACgAAAAoAAAAZAAAAGQAAAAAAAAAzMzMAAAAAABQAAAAUAAAAGQAAABkAAAAAAAAABcAAAAUAAAAAAAAAAAAAAD/fwAA/38AAAAAAAAJAAAABAAAALyR8ggMAAAAEAAAAAAAAAAAAAAAAAAAAAAAAAAeAAAAaAAAAAAAAAAAAAAAAAAAAAAAAAAAAAAAECcAABAnAAAAAAAAAAAAAAAAAAAAAAAAAAAAAAAAAAAAAAAAAAAAABQAAAAAAAAAwMD/AAAAAABkAAAAMgAAAAAAAABkAAAAAAAAAH9/fwAKAAAAHwAAAFQAAAAAAAAFAAAAAQAAAAAAAAAAAAAAAAAAAAAAAAAAAAAAAAAAAAAAAAAAAAAAAn9/fwAAAAADzMzMAMDA/wB/f38AAAAAAAAAAAAAAAAAAAAAAAAAAAAhAAAAGAAAABQAAACWHAAAcQkAAHA1AABhDQAAEAAAACYAAAAIAAAAgYAAAAAAAAA="/>
               </a:ext>
             </a:extLst>
           </p:cNvSpPr>
@@ -1815,7 +1816,7 @@
             <a:spLocks noGrp="1" noChangeArrowheads="1"/>
             <a:extLst>
               <a:ext uri="smNativeData">
-                <pr:smNativeData xmlns:pr="smNativeData" val="SMDATA_13_4IlQXxMAAAAlAAAAZAAAAA8BAAAAkAAAAEgAAACQAAAASAAAAAAAAAAAAAAAAAAAAAEAAABQAAAAAAAAAAAA4D8AAAAAAADgPwAAAAAAAOA/AAAAAAAA4D8AAAAAAADgPwAAAAAAAOA/AAAAAAAA4D8AAAAAAADgPwAAAAAAAOA/AAAAAAAA4D8CAAAAjAAAAAAAAAAAAAAAu+DjDP///wgAAAAAAAAAAAAAAAAAAAAAAAAAAAAAAAAAAAAAZAAAAAEAAABAAAAAAAAAAAAAAAAAAAAAAAAAAAAAAAAAAAAAAAAAAAAAAAAAAAAAAAAAAAAAAAAAAAAAAAAAAAAAAAAAAAAAAAAAAAAAAAAAAAAAAAAAAAAAAAAAAAAAFAAAADwAAAAAAAAAAAAAAAAAAAkUAAAAAQAAABQAAAAUAAAAFAAAAAEAAAAAAAAAZAAAAGQAAAAAAAAAZAAAAGQAAAAVAAAAYAAAAAAAAAAAAAAADwAAACADAAAAAAAAAAAAAAEAAACgMgAAVgcAAKr4//8BAAAAf39/AAEAAABkAAAAAAAAABQAAABAHwAAAAAAACYAAAAAAAAAwOD//wAAAAAmAAAAZAAAABYAAABMAAAAAAAAAAAAAAAEAAAAAAAAAAEAAACAgIAKAAAAACgAAAAoAAAAZAAAAGQAAAAAAAAAzMzMAAAAAABQAAAAUAAAAGQAAABkAAAAAAAAABcAAAAUAAAAAAAAAAAAAAD/fwAA/38AAAAAAAAJAAAABAAAAAAAAAAMAAAAEAAAAAAAAAAAAAAAAAAAAAAAAAAeAAAAaAAAAAAAAAAAAAAAAAAAAAAAAAAAAAAAECcAABAnAAAAAAAAAAAAAAAAAAAAAAAAAAAAAAAAAAAAAAAAAAAAABQAAAAAAAAAwMD/AAAAAABkAAAAMgAAAAAAAABkAAAAAAAAAH9/fwAKAAAAHwAAAFQAAAAAAAAFAAAAAQAAAAAAAAAAAAAAAAAAAAAAAAAAAAAAAAAAAAAAAAAAAAAAAn9/fwAAAAADzMzMAMDA/wB/f38AAAAAAAAAAAAAAAAAAAAAAAAAAAAhAAAAGAAAABQAAACWHAAAYQ0AAHA1AACwJQAAEAAAACYAAAAIAAAAAYAAAAAAAAA="/>
+                <pr:smNativeData xmlns:pr="smNativeData" val="SMDATA_13_Hs+1XxMAAAAlAAAAZAAAAA8BAAAAkAAAAEgAAACQAAAASAAAAAAAAAAAAAAAAAAAAAEAAABQAAAAAAAAAAAA4D8AAAAAAADgPwAAAAAAAOA/AAAAAAAA4D8AAAAAAADgPwAAAAAAAOA/AAAAAAAA4D8AAAAAAADgPwAAAAAAAOA/AAAAAAAA4D8CAAAAjAAAAAAAAAAAAAAAu+DjDP///wgAAAAAAAAAAAAAAAAAAAAAAAAAAAAAAAAAAAAAZAAAAAEAAABAAAAAAAAAAAAAAAAAAAAAAAAAAAAAAAAAAAAAAAAAAAAAAAAAAAAAAAAAAAAAAAAAAAAAAAAAAAAAAAAAAAAAAAAAAAAAAAAAAAAAAAAAAAAAAAAAAAAAFAAAADwAAAAAAAAAAAAAAAAAAAkUAAAAAQAAABQAAAAUAAAAFAAAAAEAAAAAAAAAZAAAAGQAAAAAAAAAZAAAAGQAAAAVAAAAYAAAAAAAAAAAAAAADwAAACADAAAAAAAAAAAAAAEAAACgMgAAVgcAAKr4//8BAAAAf39/AAEAAABkAAAAAAAAABQAAABAHwAAAAAAACYAAAAAAAAAwOD//wAAAAAmAAAAZAAAABYAAABMAAAAAAAAAAAAAAAEAAAAAAAAAAEAAACAgIAKAAAAACgAAAAoAAAAZAAAAGQAAAAAAAAAzMzMAAAAAABQAAAAUAAAAGQAAABkAAAAAAAAABcAAAAUAAAAAAAAAAAAAAD/fwAA/38AAAAAAAAJAAAABAAAAAAAAAAMAAAAEAAAAAAAAAAAAAAAAAAAAAAAAAAeAAAAaAAAAAAAAAAAAAAAAAAAAAAAAAAAAAAAECcAABAnAAAAAAAAAAAAAAAAAAAAAAAAAAAAAAAAAAAAAAAAAAAAABQAAAAAAAAAwMD/AAAAAABkAAAAMgAAAAAAAABkAAAAAAAAAH9/fwAKAAAAHwAAAFQAAAAAAAAFAAAAAQAAAAAAAAAAAAAAAAAAAAAAAAAAAAAAAAAAAAAAAAAAAAAAAn9/fwAAAAADzMzMAMDA/wB/f38AAAAAAAAAAAAAAAAAAAAAAAAAAAAhAAAAGAAAABQAAACWHAAAYQ0AAHA1AACwJQAAEAAAACYAAAAIAAAAAYAAAAAAAAA="/>
               </a:ext>
             </a:extLst>
           </p:cNvSpPr>
@@ -1899,7 +1900,7 @@
             <a:spLocks noGrp="1" noChangeArrowheads="1"/>
             <a:extLst>
               <a:ext uri="smNativeData">
-                <pr:smNativeData xmlns:pr="smNativeData" val="SMDATA_13_4IlQXxMAAAAlAAAAZAAAAA8BAAAAkAAAAEgAAACQAAAASAAAAAAAAAABAAAAAAAAAAEAAABQAAAAAAAAAAAA4D8AAAAAAADgPwAAAAAAAOA/AAAAAAAA4D8AAAAAAADgPwAAAAAAAOA/AAAAAAAA4D8AAAAAAADgPwAAAAAAAOA/AAAAAAAA4D8CAAAAjAAAAAAAAAAAAAAAu+DjDP///wgAAAAAAAAAAAAAAAAAAAAAAAAAAAAAAAAAAAAAZAAAAAEAAABAAAAAAAAAAAAAAAAAAAAAAAAAAAAAAAAAAAAAAAAAAAAAAAAAAAAAAAAAAAAAAAAAAAAAAAAAAAAAAAAAAAAAAAAAAAAAAAAAAAAAAAAAAAAAAAAAAAAAFAAAADwAAAAAAAAAAAAAAAAAAAkUAAAAAQAAABQAAAAUAAAAFAAAAAEAAAAAAAAAZAAAAGQAAAAAAAAAZAAAAGQAAAAVAAAAYAAAAAAAAAAAAAAADwAAACADAAAAAAAAAAAAAAEAAACgMgAAVgcAAKr4//8BAAAAf39/AAEAAABkAAAAAAAAABQAAABAHwAAAAAAACYAAAAAAAAAwOD//wAAAAAmAAAAZAAAABYAAABMAAAAAAAAAAAAAAAEAAAAAAAAAAEAAACAgIAKAAAAACgAAAAoAAAAZAAAAGQAAAAAAAAAzMzMAAAAAABQAAAAUAAAAGQAAABkAAAAAAAAABcAAAAUAAAAAAAAAAAAAAD/fwAA/38AAAAAAAAJAAAABAAAAAAAAAAMAAAAEAAAAAAAAAAAAAAAAAAAAAAAAAAeAAAAaAAAAAAAAAAAAAAAAAAAAAAAAAAAAAAAECcAABAnAAAAAAAAAAAAAAAAAAAAAAAAAAAAAAAAAAAAAAAAAAAAABQAAAAAAAAAwMD/AAAAAABkAAAAMgAAAAAAAABkAAAAAAAAAH9/fwAKAAAAHwAAAFQAAAAAAAAFAAAAAQAAAAAAAAAAAAAAAAAAAAAAAAAAAAAAAAAAAAAAAAAAAAAAAn9/fwAAAAADzMzMAMDA/wB/f38AAAAAAAAAAAAAAAAAAAAAAAAAAAAhAAAAGAAAABQAAADQAgAAGycAAPAPAABZKQAAEAAAACYAAAAIAAAAAAAAAAAAAAA="/>
+                <pr:smNativeData xmlns:pr="smNativeData" val="SMDATA_13_Hs+1XxMAAAAlAAAAZAAAAA8BAAAAkAAAAEgAAACQAAAASAAAAAAAAAABAAAAAAAAAAEAAABQAAAAAAAAAAAA4D8AAAAAAADgPwAAAAAAAOA/AAAAAAAA4D8AAAAAAADgPwAAAAAAAOA/AAAAAAAA4D8AAAAAAADgPwAAAAAAAOA/AAAAAAAA4D8CAAAAjAAAAAAAAAAAAAAAu+DjDP///wgAAAAAAAAAAAAAAAAAAAAAAAAAAAAAAAAAAAAAZAAAAAEAAABAAAAAAAAAAAAAAAAAAAAAAAAAAAAAAAAAAAAAAAAAAAAAAAAAAAAAAAAAAAAAAAAAAAAAAAAAAAAAAAAAAAAAAAAAAAAAAAAAAAAAAAAAAAAAAAAAAAAAFAAAADwAAAAAAAAAAAAAAAAAAAkUAAAAAQAAABQAAAAUAAAAFAAAAAEAAAAAAAAAZAAAAGQAAAAAAAAAZAAAAGQAAAAVAAAAYAAAAAAAAAAAAAAADwAAACADAAAAAAAAAAAAAAEAAACgMgAAVgcAAKr4//8BAAAAf39/AAEAAABkAAAAAAAAABQAAABAHwAAAAAAACYAAAAAAAAAwOD//wAAAAAmAAAAZAAAABYAAABMAAAAAAAAAAAAAAAEAAAAAAAAAAEAAACAgIAKAAAAACgAAAAoAAAAZAAAAGQAAAAAAAAAzMzMAAAAAABQAAAAUAAAAGQAAABkAAAAAAAAABcAAAAUAAAAAAAAAAAAAAD/fwAA/38AAAAAAAAJAAAABAAAAAAAAAAMAAAAEAAAAAAAAAAAAAAAAAAAAAAAAAAeAAAAaAAAAAAAAAAAAAAAAAAAAAAAAAAAAAAAECcAABAnAAAAAAAAAAAAAAAAAAAAAAAAAAAAAAAAAAAAAAAAAAAAABQAAAAAAAAAwMD/AAAAAABkAAAAMgAAAAAAAABkAAAAAAAAAH9/fwAKAAAAHwAAAFQAAAAAAAAFAAAAAQAAAAAAAAAAAAAAAAAAAAAAAAAAAAAAAAAAAAAAAAAAAAAAAn9/fwAAAAADzMzMAMDA/wB/f38AAAAAAAAAAAAAAAAAAAAAAAAAAAAhAAAAGAAAABQAAADQAgAAGycAAPAPAABZKQAAEAAAACYAAAAIAAAAAAAAAAAAAAA="/>
               </a:ext>
             </a:extLst>
           </p:cNvSpPr>
@@ -1913,7 +1914,7 @@
           <a:lstStyle/>
           <a:p>
             <a:pPr/>
-            <a:fld id="{AA4918B1-FF47-1CEE-09F1-09BB56BFFF5C}" type="datetime1">
+            <a:fld id="{2FE6ADDC-92C2-B35B-8C5E-640EE3107A31}" type="datetime1">
               <a:t/>
             </a:fld>
           </a:p>
@@ -1926,7 +1927,7 @@
             <a:spLocks noGrp="1" noChangeArrowheads="1"/>
             <a:extLst>
               <a:ext uri="smNativeData">
-                <pr:smNativeData xmlns:pr="smNativeData" val="SMDATA_13_4IlQXxMAAAAlAAAAZAAAAA8BAAAAkAAAAEgAAACQAAAASAAAAAAAAAABAAAAAAAAAAEAAABQAAAAAAAAAAAA4D8AAAAAAADgPwAAAAAAAOA/AAAAAAAA4D8AAAAAAADgPwAAAAAAAOA/AAAAAAAA4D8AAAAAAADgPwAAAAAAAOA/AAAAAAAA4D8CAAAAjAAAAAAAAAAAAAAAu+DjDP///wgAAAAAAAAAAAAAAAAAAAAAAAAAAAAAAAAAAAAAZAAAAAEAAABAAAAAAAAAAAAAAAAAAAAAAAAAAAAAAAAAAAAAAAAAAAAAAAAAAAAAAAAAAAAAAAAAAAAAAAAAAAAAAAAAAAAAAAAAAAAAAAAAAAAAAAAAAAAAAAAAAAAAFAAAADwAAAAAAAAAAAAAAAAAAAkUAAAAAQAAABQAAAAUAAAAFAAAAAEAAAAAAAAAZAAAAGQAAAAAAAAAZAAAAGQAAAAVAAAAYAAAAAAAAAAAAAAADwAAACADAAAAAAAAAAAAAAEAAACgMgAAVgcAAKr4//8BAAAAf39/AAEAAABkAAAAAAAAABQAAABAHwAAAAAAACYAAAAAAAAAwOD//wAAAAAmAAAAZAAAABYAAABMAAAAAAAAAAAAAAAEAAAAAAAAAAEAAACAgIAKAAAAACgAAAAoAAAAZAAAAGQAAAAAAAAAzMzMAAAAAABQAAAAUAAAAGQAAABkAAAAAAAAABcAAAAUAAAAAAAAAAAAAAD/fwAA/38AAAAAAAAJAAAABAAAAAAAAAAMAAAAEAAAAAAAAAAAAAAAAAAAAAAAAAAeAAAAaAAAAAAAAAAAAAAAAAAAAAAAAAAAAAAAECcAABAnAAAAAAAAAAAAAAAAAAAAAAAAAAAAAAAAAAAAAAAAAAAAABQAAAAAAAAAwMD/AAAAAABkAAAAMgAAAAAAAABkAAAAAAAAAH9/fwAKAAAAHwAAAFQAAAAAAAAFAAAAAQAAAAAAAAAAAAAAAAAAAAAAAAAAAAAAAAAAAAAAAAAAAAAAAn9/fwAAAAADzMzMAMDA/wB/f38AAAAAAAAAAAAAAAAAAAAAAAAAAAAhAAAAGAAAABQAAAA4EwAAGycAAAglAABZKQAAEAAAACYAAAAIAAAAAAAAAAAAAAA="/>
+                <pr:smNativeData xmlns:pr="smNativeData" val="SMDATA_13_Hs+1XxMAAAAlAAAAZAAAAA8BAAAAkAAAAEgAAACQAAAASAAAAAAAAAABAAAAAAAAAAEAAABQAAAAAAAAAAAA4D8AAAAAAADgPwAAAAAAAOA/AAAAAAAA4D8AAAAAAADgPwAAAAAAAOA/AAAAAAAA4D8AAAAAAADgPwAAAAAAAOA/AAAAAAAA4D8CAAAAjAAAAAAAAAAAAAAAu+DjDP///wgAAAAAAAAAAAAAAAAAAAAAAAAAAAAAAAAAAAAAZAAAAAEAAABAAAAAAAAAAAAAAAAAAAAAAAAAAAAAAAAAAAAAAAAAAAAAAAAAAAAAAAAAAAAAAAAAAAAAAAAAAAAAAAAAAAAAAAAAAAAAAAAAAAAAAAAAAAAAAAAAAAAAFAAAADwAAAAAAAAAAAAAAAAAAAkUAAAAAQAAABQAAAAUAAAAFAAAAAEAAAAAAAAAZAAAAGQAAAAAAAAAZAAAAGQAAAAVAAAAYAAAAAAAAAAAAAAADwAAACADAAAAAAAAAAAAAAEAAACgMgAAVgcAAKr4//8BAAAAf39/AAEAAABkAAAAAAAAABQAAABAHwAAAAAAACYAAAAAAAAAwOD//wAAAAAmAAAAZAAAABYAAABMAAAAAAAAAAAAAAAEAAAAAAAAAAEAAACAgIAKAAAAACgAAAAoAAAAZAAAAGQAAAAAAAAAzMzMAAAAAABQAAAAUAAAAGQAAABkAAAAAAAAABcAAAAUAAAAAAAAAAAAAAD/fwAA/38AAAAAAAAJAAAABAAAAAAAAAAMAAAAEAAAAAAAAAAAAAAAAAAAAAAAAAAeAAAAaAAAAAAAAAAAAAAAAAAAAAAAAAAAAAAAECcAABAnAAAAAAAAAAAAAAAAAAAAAAAAAAAAAAAAAAAAAAAAAAAAABQAAAAAAAAAwMD/AAAAAABkAAAAMgAAAAAAAABkAAAAAAAAAH9/fwAKAAAAHwAAAFQAAAAAAAAFAAAAAQAAAAAAAAAAAAAAAAAAAAAAAAAAAAAAAAAAAAAAAAAAAAAAAn9/fwAAAAADzMzMAMDA/wB/f38AAAAAAAAAAAAAAAAAAAAAAAAAAAAhAAAAGAAAABQAAAA4EwAAGycAAAglAABZKQAAEAAAACYAAAAIAAAAAAAAAAAAAAA="/>
               </a:ext>
             </a:extLst>
           </p:cNvSpPr>
@@ -1950,7 +1951,7 @@
             <a:spLocks noGrp="1" noChangeArrowheads="1"/>
             <a:extLst>
               <a:ext uri="smNativeData">
-                <pr:smNativeData xmlns:pr="smNativeData" val="SMDATA_13_4IlQXxMAAAAlAAAAZAAAAA8BAAAAkAAAAEgAAACQAAAASAAAAAAAAAABAAAAAAAAAAEAAABQAAAAAAAAAAAA4D8AAAAAAADgPwAAAAAAAOA/AAAAAAAA4D8AAAAAAADgPwAAAAAAAOA/AAAAAAAA4D8AAAAAAADgPwAAAAAAAOA/AAAAAAAA4D8CAAAAjAAAAAAAAAAAAAAAu+DjDP///wgAAAAAAAAAAAAAAAAAAAAAAAAAAAAAAAAAAAAAZAAAAAEAAABAAAAAAAAAAAAAAAAAAAAAAAAAAAAAAAAAAAAAAAAAAAAAAAAAAAAAAAAAAAAAAAAAAAAAAAAAAAAAAAAAAAAAAAAAAAAAAAAAAAAAAAAAAAAAAAAAAAAAFAAAADwAAAAAAAAAAAAAAAAAAAkUAAAAAQAAABQAAAAUAAAAFAAAAAEAAAAAAAAAZAAAAGQAAAAAAAAAZAAAAGQAAAAVAAAAYAAAAAAAAAAAAAAADwAAACADAAAAAAAAAAAAAAEAAACgMgAAVgcAAKr4//8BAAAAf39/AAEAAABkAAAAAAAAABQAAABAHwAAAAAAACYAAAAAAAAAwOD//wAAAAAmAAAAZAAAABYAAABMAAAAAAAAAAAAAAAEAAAAAAAAAAEAAACAgIAKAAAAACgAAAAoAAAAZAAAAGQAAAAAAAAAzMzMAAAAAABQAAAAUAAAAGQAAABkAAAAAAAAABcAAAAUAAAAAAAAAAAAAAD/fwAA/38AAAAAAAAJAAAABAAAAAAAAAAMAAAAEAAAAAAAAAAAAAAAAAAAAAAAAAAeAAAAaAAAAAAAAAAAAAAAAAAAAAAAAAAAAAAAECcAABAnAAAAAAAAAAAAAAAAAAAAAAAAAAAAAAAAAAAAAAAAAAAAABQAAAAAAAAAwMD/AAAAAABkAAAAMgAAAAAAAABkAAAAAAAAAH9/fwAKAAAAHwAAAFQAAAAAAAAFAAAAAQAAAAAAAAAAAAAAAAAAAAAAAAAAAAAAAAAAAAAAAAAAAAAAAn9/fwAAAAADzMzMAMDA/wB/f38AAAAAAAAAAAAAAAAAAAAAAAAAAAAhAAAAGAAAABQAAABQKAAAGycAAHA1AABZKQAAEAAAACYAAAAIAAAAAAAAAAAAAAA="/>
+                <pr:smNativeData xmlns:pr="smNativeData" val="SMDATA_13_Hs+1XxMAAAAlAAAAZAAAAA8BAAAAkAAAAEgAAACQAAAASAAAAAAAAAABAAAAAAAAAAEAAABQAAAAAAAAAAAA4D8AAAAAAADgPwAAAAAAAOA/AAAAAAAA4D8AAAAAAADgPwAAAAAAAOA/AAAAAAAA4D8AAAAAAADgPwAAAAAAAOA/AAAAAAAA4D8CAAAAjAAAAAAAAAAAAAAAu+DjDP///wgAAAAAAAAAAAAAAAAAAAAAAAAAAAAAAAAAAAAAZAAAAAEAAABAAAAAAAAAAAAAAAAAAAAAAAAAAAAAAAAAAAAAAAAAAAAAAAAAAAAAAAAAAAAAAAAAAAAAAAAAAAAAAAAAAAAAAAAAAAAAAAAAAAAAAAAAAAAAAAAAAAAAFAAAADwAAAAAAAAAAAAAAAAAAAkUAAAAAQAAABQAAAAUAAAAFAAAAAEAAAAAAAAAZAAAAGQAAAAAAAAAZAAAAGQAAAAVAAAAYAAAAAAAAAAAAAAADwAAACADAAAAAAAAAAAAAAEAAACgMgAAVgcAAKr4//8BAAAAf39/AAEAAABkAAAAAAAAABQAAABAHwAAAAAAACYAAAAAAAAAwOD//wAAAAAmAAAAZAAAABYAAABMAAAAAAAAAAAAAAAEAAAAAAAAAAEAAACAgIAKAAAAACgAAAAoAAAAZAAAAGQAAAAAAAAAzMzMAAAAAABQAAAAUAAAAGQAAABkAAAAAAAAABcAAAAUAAAAAAAAAAAAAAD/fwAA/38AAAAAAAAJAAAABAAAAAAAAAAMAAAAEAAAAAAAAAAAAAAAAAAAAAAAAAAeAAAAaAAAAAAAAAAAAAAAAAAAAAAAAAAAAAAAECcAABAnAAAAAAAAAAAAAAAAAAAAAAAAAAAAAAAAAAAAAAAAAAAAABQAAAAAAAAAwMD/AAAAAABkAAAAMgAAAAAAAABkAAAAAAAAAH9/fwAKAAAAHwAAAFQAAAAAAAAFAAAAAQAAAAAAAAAAAAAAAAAAAAAAAAAAAAAAAAAAAAAAAAAAAAAAAn9/fwAAAAADzMzMAMDA/wB/f38AAAAAAAAAAAAAAAAAAAAAAAAAAAAhAAAAGAAAABQAAABQKAAAGycAAHA1AABZKQAAEAAAACYAAAAIAAAAAAAAAAAAAAA="/>
               </a:ext>
             </a:extLst>
           </p:cNvSpPr>
@@ -1964,7 +1965,7 @@
           <a:lstStyle/>
           <a:p>
             <a:pPr/>
-            <a:fld id="{AA4928EA-A447-1CDE-09F1-528B66BFFF07}" type="slidenum">
+            <a:fld id="{2FE6EBF6-B8C2-B31D-8C5E-4E48A5107A1B}" type="slidenum">
               <a:t/>
             </a:fld>
           </a:p>
@@ -2002,7 +2003,7 @@
             <a:spLocks noGrp="1" noChangeArrowheads="1"/>
             <a:extLst>
               <a:ext uri="smNativeData">
-                <pr:smNativeData xmlns:pr="smNativeData" val="SMDATA_13_4IlQXxMAAAAlAAAAZAAAAA8BAAAAkAAAAEgAAACQAAAASAAAAAAAAAABAAAAAAAAAAEAAABQAAAAAAAAAAAA4D8AAAAAAADgPwAAAAAAAOA/AAAAAAAA4D8AAAAAAADgPwAAAAAAAOA/AAAAAAAA4D8AAAAAAADgPwAAAAAAAOA/AAAAAAAA4D8CAAAAjAAAAAAAAAAAAAAAu+DjDP///wgAAAAAAAAAAAAAAAAAAAAAAAAAAAAAAAAAAAAAZAAAAAEAAABAAAAAAAAAAAAAAAAAAAAAAAAAAAAAAAAAAAAAAAAAAAAAAAAAAAAAAAAAAAAAAAAAAAAAAAAAAAAAAAAAAAAAAAAAAAAAAAAAAAAAAAAAAAAAAAAAAAAAFAAAADwAAAAAAAAAAAAAAAAAAAkUAAAAAQAAABQAAAAUAAAAFAAAAAEAAAAAAAAAZAAAAGQAAAAAAAAAZAAAAGQAAAAVAAAAYAAAAAAAAAAAAAAADwAAACADAAAAAAAAAAAAAAEAAACgMgAAVgcAAKr4//8BAAAAf39/AAEAAABkAAAAAAAAABQAAABAHwAAAAAAACYAAAAAAAAAwOD//wAAAAAmAAAAZAAAABYAAABMAAAAAAAAAAAAAAAEAAAAAAAAAAEAAACAgIAKAAAAACgAAAAoAAAAZAAAAGQAAAAAAAAAzMzMAAAAAABQAAAAUAAAAGQAAABkAAAAAAAAABcAAAAUAAAAAAAAAAAAAAD/fwAA/38AAAAAAAAJAAAABAAAAAAAAAAMAAAAEAAAAAAAAAAAAAAAAAAAAAAAAAAeAAAAaAAAAAAAAAAAAAAAAAAAAAAAAAAAAAAAECcAABAnAAAAAAAAAAAAAAAAAAAAAAAAAAAAAAAAAAAAAAAAAAAAABQAAAAAAAAAwMD/AAAAAABkAAAAMgAAAAAAAABkAAAAAAAAAH9/fwAKAAAAHwAAAFQAAAAAAAAFAAAAAQAAAAAAAAAAAAAAAAAAAAAAAAAAAAAAAAAAAAAAAAAAAAAAAn9/fwAAAAADzMzMAMDA/wB/f38AAAAAAAAAAAAAAAAAAAAAAAAAAAAhAAAAGAAAABQAAADQAgAAsAEAAHA1AAC4CAAAEAAAACYAAAAIAAAAAAAAAAAAAAA="/>
+                <pr:smNativeData xmlns:pr="smNativeData" val="SMDATA_13_Hs+1XxMAAAAlAAAAZAAAAA8BAAAAkAAAAEgAAACQAAAASAAAAAAAAAABAAAAAAAAAAEAAABQAAAAAAAAAAAA4D8AAAAAAADgPwAAAAAAAOA/AAAAAAAA4D8AAAAAAADgPwAAAAAAAOA/AAAAAAAA4D8AAAAAAADgPwAAAAAAAOA/AAAAAAAA4D8CAAAAjAAAAAAAAAAAAAAAu+DjDP///wgAAAAAAAAAAAAAAAAAAAAAAAAAAAAAAAAAAAAAZAAAAAEAAABAAAAAAAAAAAAAAAAAAAAAAAAAAAAAAAAAAAAAAAAAAAAAAAAAAAAAAAAAAAAAAAAAAAAAAAAAAAAAAAAAAAAAAAAAAAAAAAAAAAAAAAAAAAAAAAAAAAAAFAAAADwAAAAAAAAAAAAAAAAAAAkUAAAAAQAAABQAAAAUAAAAFAAAAAEAAAAAAAAAZAAAAGQAAAAAAAAAZAAAAGQAAAAVAAAAYAAAAAAAAAAAAAAADwAAACADAAAAAAAAAAAAAAEAAACgMgAAVgcAAKr4//8BAAAAf39/AAEAAABkAAAAAAAAABQAAABAHwAAAAAAACYAAAAAAAAAwOD//wAAAAAmAAAAZAAAABYAAABMAAAAAAAAAAAAAAAEAAAAAAAAAAEAAACAgIAKAAAAACgAAAAoAAAAZAAAAGQAAAAAAAAAzMzMAAAAAABQAAAAUAAAAGQAAABkAAAAAAAAABcAAAAUAAAAAAAAAAAAAAD/fwAA/38AAAAAAAAJAAAABAAAAAAAAAAMAAAAEAAAAAAAAAAAAAAAAAAAAAAAAAAeAAAAaAAAAAAAAAAAAAAAAAAAAAAAAAAAAAAAECcAABAnAAAAAAAAAAAAAAAAAAAAAAAAAAAAAAAAAAAAAAAAAAAAABQAAAAAAAAAwMD/AAAAAABkAAAAMgAAAAAAAABkAAAAAAAAAH9/fwAKAAAAHwAAAFQAAAAAAAAFAAAAAQAAAAAAAAAAAAAAAAAAAAAAAAAAAAAAAAAAAAAAAAAAAAAAAn9/fwAAAAADzMzMAMDA/wB/f38AAAAAAAAAAAAAAAAAAAAAAAAAAAAhAAAAGAAAABQAAADQAgAAsAEAAHA1AAC4CAAAEAAAACYAAAAIAAAAAAAAAAAAAAA="/>
               </a:ext>
             </a:extLst>
           </p:cNvSpPr>
@@ -2029,7 +2030,7 @@
             <a:spLocks noGrp="1" noChangeArrowheads="1"/>
             <a:extLst>
               <a:ext uri="smNativeData">
-                <pr:smNativeData xmlns:pr="smNativeData" val="SMDATA_13_4IlQXxMAAAAlAAAAZAAAAA8BAAAAkAAAAEgAAACQAAAASAAAAAAAAAABAAAAAAAAAAEAAABQAAAAAAAAAAAA4D8AAAAAAADgPwAAAAAAAOA/AAAAAAAA4D8AAAAAAADgPwAAAAAAAOA/AAAAAAAA4D8AAAAAAADgPwAAAAAAAOA/AAAAAAAA4D8CAAAAjAAAAAAAAAAAAAAAu+DjDP///wgAAAAAAAAAAAAAAAAAAAAAAAAAAAAAAAAAAAAAZAAAAAEAAABAAAAAAAAAAAAAAAAAAAAAAAAAAAAAAAAAAAAAAAAAAAAAAAAAAAAAAAAAAAAAAAAAAAAAAAAAAAAAAAAAAAAAAAAAAAAAAAAAAAAAAAAAAAAAAAAAAAAAFAAAADwAAAAAAAAAAAAAAAAAAAkUAAAAAQAAABQAAAAUAAAAFAAAAAEAAAAAAAAAZAAAAGQAAAAAAAAAZAAAAGQAAAAVAAAAYAAAAAAAAAAAAAAADwAAACADAAAAAAAAAAAAAAEAAACgMgAAVgcAAKr4//8BAAAAf39/AAEAAABkAAAAAAAAABQAAABAHwAAAAAAACYAAAAAAAAAwOD//wAAAAAmAAAAZAAAABYAAABMAAAAAAAAAAAAAAAEAAAAAAAAAAEAAACAgIAKAAAAACgAAAAoAAAAZAAAAGQAAAAAAAAAzMzMAAAAAABQAAAAUAAAAGQAAABkAAAAAAAAABcAAAAUAAAAAAAAAAAAAAD/fwAA/38AAAAAAAAJAAAABAAAAAAAAAAMAAAAEAAAAAAAAAAAAAAAAAAAAAAAAAAeAAAAaAAAAAAAAAAAAAAAAAAAAAAAAAAAAAAAECcAABAnAAAAAAAAAAAAAAAAAAAAAAAAAAAAAAAAAAAAAAAAAAAAABQAAAAAAAAAwMD/AAAAAABkAAAAMgAAAAAAAABkAAAAAAAAAH9/fwAKAAAAHwAAAFQAAAAAAAAFAAAAAQAAAAAAAAAAAAAAAAAAAAAAAAAAAAAAAAAAAAAAAAAAAAAAAn9/fwAAAAADzMzMAMDA/wB/f38AAAAAAAAAAAAAAAAAAAAAAAAAAAAhAAAAGAAAABQAAADQAgAAGycAAPAPAABZKQAAEAAAACYAAAAIAAAAAAAAAAAAAAA="/>
+                <pr:smNativeData xmlns:pr="smNativeData" val="SMDATA_13_Hs+1XxMAAAAlAAAAZAAAAA8BAAAAkAAAAEgAAACQAAAASAAAAAAAAAABAAAAAAAAAAEAAABQAAAAAAAAAAAA4D8AAAAAAADgPwAAAAAAAOA/AAAAAAAA4D8AAAAAAADgPwAAAAAAAOA/AAAAAAAA4D8AAAAAAADgPwAAAAAAAOA/AAAAAAAA4D8CAAAAjAAAAAAAAAAAAAAAu+DjDP///wgAAAAAAAAAAAAAAAAAAAAAAAAAAAAAAAAAAAAAZAAAAAEAAABAAAAAAAAAAAAAAAAAAAAAAAAAAAAAAAAAAAAAAAAAAAAAAAAAAAAAAAAAAAAAAAAAAAAAAAAAAAAAAAAAAAAAAAAAAAAAAAAAAAAAAAAAAAAAAAAAAAAAFAAAADwAAAAAAAAAAAAAAAAAAAkUAAAAAQAAABQAAAAUAAAAFAAAAAEAAAAAAAAAZAAAAGQAAAAAAAAAZAAAAGQAAAAVAAAAYAAAAAAAAAAAAAAADwAAACADAAAAAAAAAAAAAAEAAACgMgAAVgcAAKr4//8BAAAAf39/AAEAAABkAAAAAAAAABQAAABAHwAAAAAAACYAAAAAAAAAwOD//wAAAAAmAAAAZAAAABYAAABMAAAAAAAAAAAAAAAEAAAAAAAAAAEAAACAgIAKAAAAACgAAAAoAAAAZAAAAGQAAAAAAAAAzMzMAAAAAABQAAAAUAAAAGQAAABkAAAAAAAAABcAAAAUAAAAAAAAAAAAAAD/fwAA/38AAAAAAAAJAAAABAAAAAAAAAAMAAAAEAAAAAAAAAAAAAAAAAAAAAAAAAAeAAAAaAAAAAAAAAAAAAAAAAAAAAAAAAAAAAAAECcAABAnAAAAAAAAAAAAAAAAAAAAAAAAAAAAAAAAAAAAAAAAAAAAABQAAAAAAAAAwMD/AAAAAABkAAAAMgAAAAAAAABkAAAAAAAAAH9/fwAKAAAAHwAAAFQAAAAAAAAFAAAAAQAAAAAAAAAAAAAAAAAAAAAAAAAAAAAAAAAAAAAAAAAAAAAAAn9/fwAAAAADzMzMAMDA/wB/f38AAAAAAAAAAAAAAAAAAAAAAAAAAAAhAAAAGAAAABQAAADQAgAAGycAAPAPAABZKQAAEAAAACYAAAAIAAAAAAAAAAAAAAA="/>
               </a:ext>
             </a:extLst>
           </p:cNvSpPr>
@@ -2043,7 +2044,7 @@
           <a:lstStyle/>
           <a:p>
             <a:pPr/>
-            <a:fld id="{AA4969CF-8147-1C9F-09F1-77CA27BFFF22}" type="datetime1">
+            <a:fld id="{2FE69220-6EC2-B364-8C5E-9831DC107ACD}" type="datetime1">
               <a:t/>
             </a:fld>
           </a:p>
@@ -2056,7 +2057,7 @@
             <a:spLocks noGrp="1" noChangeArrowheads="1"/>
             <a:extLst>
               <a:ext uri="smNativeData">
-                <pr:smNativeData xmlns:pr="smNativeData" val="SMDATA_13_4IlQXxMAAAAlAAAAZAAAAA8BAAAAkAAAAEgAAACQAAAASAAAAAAAAAABAAAAAAAAAAEAAABQAAAAAAAAAAAA4D8AAAAAAADgPwAAAAAAAOA/AAAAAAAA4D8AAAAAAADgPwAAAAAAAOA/AAAAAAAA4D8AAAAAAADgPwAAAAAAAOA/AAAAAAAA4D8CAAAAjAAAAAAAAAAAAAAAu+DjDP///wgAAAAAAAAAAAAAAAAAAAAAAAAAAAAAAAAAAAAAZAAAAAEAAABAAAAAAAAAAAAAAAAAAAAAAAAAAAAAAAAAAAAAAAAAAAAAAAAAAAAAAAAAAAAAAAAAAAAAAAAAAAAAAAAAAAAAAAAAAAAAAAAAAAAAAAAAAAAAAAAAAAAAFAAAADwAAAAAAAAAAAAAAAAAAAkUAAAAAQAAABQAAAAUAAAAFAAAAAEAAAAAAAAAZAAAAGQAAAAAAAAAZAAAAGQAAAAVAAAAYAAAAAAAAAAAAAAADwAAACADAAAAAAAAAAAAAAEAAACgMgAAVgcAAKr4//8BAAAAf39/AAEAAABkAAAAAAAAABQAAABAHwAAAAAAACYAAAAAAAAAwOD//wAAAAAmAAAAZAAAABYAAABMAAAAAAAAAAAAAAAEAAAAAAAAAAEAAACAgIAKAAAAACgAAAAoAAAAZAAAAGQAAAAAAAAAzMzMAAAAAABQAAAAUAAAAGQAAABkAAAAAAAAABcAAAAUAAAAAAAAAAAAAAD/fwAA/38AAAAAAAAJAAAABAAAAPxLCisMAAAAEAAAAAAAAAAAAAAAAAAAAAAAAAAeAAAAaAAAAAAAAAAAAAAAAAAAAAAAAAAAAAAAECcAABAnAAAAAAAAAAAAAAAAAAAAAAAAAAAAAAAAAAAAAAAAAAAAABQAAAAAAAAAwMD/AAAAAABkAAAAMgAAAAAAAABkAAAAAAAAAH9/fwAKAAAAHwAAAFQAAAAAAAAFAAAAAQAAAAAAAAAAAAAAAAAAAAAAAAAAAAAAAAAAAAAAAAAAAAAAAn9/fwAAAAADzMzMAMDA/wB/f38AAAAAAAAAAAAAAAAAAAAAAAAAAAAhAAAAGAAAABQAAAA4EwAAGycAAAglAABZKQAAEAAAACYAAAAIAAAAAAAAAAAAAAA="/>
+                <pr:smNativeData xmlns:pr="smNativeData" val="SMDATA_13_Hs+1XxMAAAAlAAAAZAAAAA8BAAAAkAAAAEgAAACQAAAASAAAAAAAAAABAAAAAAAAAAEAAABQAAAAAAAAAAAA4D8AAAAAAADgPwAAAAAAAOA/AAAAAAAA4D8AAAAAAADgPwAAAAAAAOA/AAAAAAAA4D8AAAAAAADgPwAAAAAAAOA/AAAAAAAA4D8CAAAAjAAAAAAAAAAAAAAAu+DjDP///wgAAAAAAAAAAAAAAAAAAAAAAAAAAAAAAAAAAAAAZAAAAAEAAABAAAAAAAAAAAAAAAAAAAAAAAAAAAAAAAAAAAAAAAAAAAAAAAAAAAAAAAAAAAAAAAAAAAAAAAAAAAAAAAAAAAAAAAAAAAAAAAAAAAAAAAAAAAAAAAAAAAAAFAAAADwAAAAAAAAAAAAAAAAAAAkUAAAAAQAAABQAAAAUAAAAFAAAAAEAAAAAAAAAZAAAAGQAAAAAAAAAZAAAAGQAAAAVAAAAYAAAAAAAAAAAAAAADwAAACADAAAAAAAAAAAAAAEAAACgMgAAVgcAAKr4//8BAAAAf39/AAEAAABkAAAAAAAAABQAAABAHwAAAAAAACYAAAAAAAAAwOD//wAAAAAmAAAAZAAAABYAAABMAAAAAAAAAAAAAAAEAAAAAAAAAAEAAACAgIAKAAAAACgAAAAoAAAAZAAAAGQAAAAAAAAAzMzMAAAAAABQAAAAUAAAAGQAAABkAAAAAAAAABcAAAAUAAAAAAAAAAAAAAD/fwAA/38AAAAAAAAJAAAABAAAAPxLCisMAAAAEAAAAAAAAAAAAAAAAAAAAAAAAAAeAAAAaAAAAAAAAAAAAAAAAAAAAAAAAAAAAAAAECcAABAnAAAAAAAAAAAAAAAAAAAAAAAAAAAAAAAAAAAAAAAAAAAAABQAAAAAAAAAwMD/AAAAAABkAAAAMgAAAAAAAABkAAAAAAAAAH9/fwAKAAAAHwAAAFQAAAAAAAAFAAAAAQAAAAAAAAAAAAAAAAAAAAAAAAAAAAAAAAAAAAAAAAAAAAAAAn9/fwAAAAADzMzMAMDA/wB/f38AAAAAAAAAAAAAAAAAAAAAAAAAAAAhAAAAGAAAABQAAAA4EwAAGycAAAglAABZKQAAEAAAACYAAAAIAAAAAAAAAAAAAAA="/>
               </a:ext>
             </a:extLst>
           </p:cNvSpPr>
@@ -2080,7 +2081,7 @@
             <a:spLocks noGrp="1" noChangeArrowheads="1"/>
             <a:extLst>
               <a:ext uri="smNativeData">
-                <pr:smNativeData xmlns:pr="smNativeData" val="SMDATA_13_4IlQXxMAAAAlAAAAZAAAAA8BAAAAkAAAAEgAAACQAAAASAAAAAAAAAABAAAAAAAAAAEAAABQAAAAAAAAAAAA4D8AAAAAAADgPwAAAAAAAOA/AAAAAAAA4D8AAAAAAADgPwAAAAAAAOA/AAAAAAAA4D8AAAAAAADgPwAAAAAAAOA/AAAAAAAA4D8CAAAAjAAAAAAAAAAAAAAAu+DjDP///wgAAAAAAAAAAAAAAAAAAAAAAAAAAAAAAAAAAAAAZAAAAAEAAABAAAAAAAAAAAAAAAAAAAAAAAAAAAAAAAAAAAAAAAAAAAAAAAAAAAAAAAAAAAAAAAAAAAAAAAAAAAAAAAAAAAAAAAAAAAAAAAAAAAAAAAAAAAAAAAAAAAAAFAAAADwAAAAAAAAAAAAAAAAAAAkUAAAAAQAAABQAAAAUAAAAFAAAAAEAAAAAAAAAZAAAAGQAAAAAAAAAZAAAAGQAAAAVAAAAYAAAAAAAAAAAAAAADwAAACADAAAAAAAAAAAAAAEAAACgMgAAVgcAAKr4//8BAAAAf39/AAEAAABkAAAAAAAAABQAAABAHwAAAAAAACYAAAAAAAAAwOD//wAAAAAmAAAAZAAAABYAAABMAAAAAAAAAAAAAAAEAAAAAAAAAAEAAACAgIAKAAAAACgAAAAoAAAAZAAAAGQAAAAAAAAAzMzMAAAAAABQAAAAUAAAAGQAAABkAAAAAAAAABcAAAAUAAAAAAAAAAAAAAD/fwAA/38AAAAAAAAJAAAABAAAAAUAvGYMAAAAEAAAAAAAAAAAAAAAAAAAAAAAAAAeAAAAaAAAAAAAAAAAAAAAAAAAAAAAAAAAAAAAECcAABAnAAAAAAAAAAAAAAAAAAAAAAAAAAAAAAAAAAAAAAAAAAAAABQAAAAAAAAAwMD/AAAAAABkAAAAMgAAAAAAAABkAAAAAAAAAH9/fwAKAAAAHwAAAFQAAAAAAAAFAAAAAQAAAAAAAAAAAAAAAAAAAAAAAAAAAAAAAAAAAAAAAAAAAAAAAn9/fwAAAAADzMzMAMDA/wB/f38AAAAAAAAAAAAAAAAAAAAAAAAAAAAhAAAAGAAAABQAAABQKAAAGycAAHA1AABZKQAAEAAAACYAAAAIAAAAAAAAAAAAAAA="/>
+                <pr:smNativeData xmlns:pr="smNativeData" val="SMDATA_13_Hs+1XxMAAAAlAAAAZAAAAA8BAAAAkAAAAEgAAACQAAAASAAAAAAAAAABAAAAAAAAAAEAAABQAAAAAAAAAAAA4D8AAAAAAADgPwAAAAAAAOA/AAAAAAAA4D8AAAAAAADgPwAAAAAAAOA/AAAAAAAA4D8AAAAAAADgPwAAAAAAAOA/AAAAAAAA4D8CAAAAjAAAAAAAAAAAAAAAu+DjDP///wgAAAAAAAAAAAAAAAAAAAAAAAAAAAAAAAAAAAAAZAAAAAEAAABAAAAAAAAAAAAAAAAAAAAAAAAAAAAAAAAAAAAAAAAAAAAAAAAAAAAAAAAAAAAAAAAAAAAAAAAAAAAAAAAAAAAAAAAAAAAAAAAAAAAAAAAAAAAAAAAAAAAAFAAAADwAAAAAAAAAAAAAAAAAAAkUAAAAAQAAABQAAAAUAAAAFAAAAAEAAAAAAAAAZAAAAGQAAAAAAAAAZAAAAGQAAAAVAAAAYAAAAAAAAAAAAAAADwAAACADAAAAAAAAAAAAAAEAAACgMgAAVgcAAKr4//8BAAAAf39/AAEAAABkAAAAAAAAABQAAABAHwAAAAAAACYAAAAAAAAAwOD//wAAAAAmAAAAZAAAABYAAABMAAAAAAAAAAAAAAAEAAAAAAAAAAEAAACAgIAKAAAAACgAAAAoAAAAZAAAAGQAAAAAAAAAzMzMAAAAAABQAAAAUAAAAGQAAABkAAAAAAAAABcAAAAUAAAAAAAAAAAAAAD/fwAA/38AAAAAAAAJAAAABAAAAAUAvGYMAAAAEAAAAAAAAAAAAAAAAAAAAAAAAAAeAAAAaAAAAAAAAAAAAAAAAAAAAAAAAAAAAAAAECcAABAnAAAAAAAAAAAAAAAAAAAAAAAAAAAAAAAAAAAAAAAAAAAAABQAAAAAAAAAwMD/AAAAAABkAAAAMgAAAAAAAABkAAAAAAAAAH9/fwAKAAAAHwAAAFQAAAAAAAAFAAAAAQAAAAAAAAAAAAAAAAAAAAAAAAAAAAAAAAAAAAAAAAAAAAAAAn9/fwAAAAADzMzMAMDA/wB/f38AAAAAAAAAAAAAAAAAAAAAAAAAAAAhAAAAGAAAABQAAABQKAAAGycAAHA1AABZKQAAEAAAACYAAAAIAAAAAAAAAAAAAAA="/>
               </a:ext>
             </a:extLst>
           </p:cNvSpPr>
@@ -2094,7 +2095,7 @@
           <a:lstStyle/>
           <a:p>
             <a:pPr/>
-            <a:fld id="{AA49444C-0247-1CB2-09F1-F4E70ABFFFA1}" type="slidenum">
+            <a:fld id="{2FE6A2EB-A5C2-B354-8C5E-5301EC107A06}" type="slidenum">
               <a:t/>
             </a:fld>
           </a:p>
@@ -2132,7 +2133,7 @@
             <a:spLocks noGrp="1" noChangeArrowheads="1"/>
             <a:extLst>
               <a:ext uri="smNativeData">
-                <pr:smNativeData xmlns:pr="smNativeData" val="SMDATA_13_4IlQXxMAAAAlAAAAZAAAAA8BAAAAkAAAAEgAAACQAAAASAAAAAAAAAABAAAAAAAAAAEAAABQAAAAAAAAAAAA4D8AAAAAAADgPwAAAAAAAOA/AAAAAAAA4D8AAAAAAADgPwAAAAAAAOA/AAAAAAAA4D8AAAAAAADgPwAAAAAAAOA/AAAAAAAA4D8CAAAAjAAAAAAAAAAAAAAAu+DjDP///wgAAAAAAAAAAAAAAAAAAAAAAAAAAAAAAAAAAAAAZAAAAAEAAABAAAAAAAAAAAAAAAAAAAAAAAAAAAAAAAAAAAAAAAAAAAAAAAAAAAAAAAAAAAAAAAAAAAAAAAAAAAAAAAAAAAAAAAAAAAAAAAAAAAAAAAAAAAAAAAAAAAAAFAAAADwAAAAAAAAAAAAAAAAAAAkUAAAAAQAAABQAAAAUAAAAFAAAAAEAAAAAAAAAZAAAAGQAAAAAAAAAZAAAAGQAAAAVAAAAYAAAAAAAAAAAAAAADwAAACADAAAAAAAAAAAAAAEAAACgMgAAVgcAAKr4//8BAAAAf39/AAEAAABkAAAAAAAAABQAAABAHwAAAAAAACYAAAAAAAAAwOD//wAAAAAmAAAAZAAAABYAAABMAAAAAAAAAAAAAAAEAAAAAAAAAAEAAACAgIAKAAAAACgAAAAoAAAAZAAAAGQAAAAAAAAAzMzMAAAAAABQAAAAUAAAAGQAAABkAAAAAAAAABcAAAAUAAAAAAAAAAAAAAD/fwAA/38AAAAAAAAJAAAABAAAAAUACkkMAAAAEAAAAAAAAAAAAAAAAAAAAAAAAAAeAAAAaAAAAAAAAAAAAAAAAAAAAAAAAAAAAAAAECcAABAnAAAAAAAAAAAAAAAAAAAAAAAAAAAAAAAAAAAAAAAAAAAAABQAAAAAAAAAwMD/AAAAAABkAAAAMgAAAAAAAABkAAAAAAAAAH9/fwAKAAAAHwAAAFQAAAAAAAAFAAAAAQAAAAAAAAAAAAAAAAAAAAAAAAAAAAAAAAAAAAAAAAAAAAAAAn9/fwAAAAADzMzMAMDA/wB/f38AAAAAAAAAAAAAAAAAAAAAAAAAAAAhAAAAGAAAABQAAADQAgAAGycAAPAPAABZKQAAEAAAACYAAAAIAAAAAAAAAAAAAAA="/>
+                <pr:smNativeData xmlns:pr="smNativeData" val="SMDATA_13_Hs+1XxMAAAAlAAAAZAAAAA8BAAAAkAAAAEgAAACQAAAASAAAAAAAAAABAAAAAAAAAAEAAABQAAAAAAAAAAAA4D8AAAAAAADgPwAAAAAAAOA/AAAAAAAA4D8AAAAAAADgPwAAAAAAAOA/AAAAAAAA4D8AAAAAAADgPwAAAAAAAOA/AAAAAAAA4D8CAAAAjAAAAAAAAAAAAAAAu+DjDP///wgAAAAAAAAAAAAAAAAAAAAAAAAAAAAAAAAAAAAAZAAAAAEAAABAAAAAAAAAAAAAAAAAAAAAAAAAAAAAAAAAAAAAAAAAAAAAAAAAAAAAAAAAAAAAAAAAAAAAAAAAAAAAAAAAAAAAAAAAAAAAAAAAAAAAAAAAAAAAAAAAAAAAFAAAADwAAAAAAAAAAAAAAAAAAAkUAAAAAQAAABQAAAAUAAAAFAAAAAEAAAAAAAAAZAAAAGQAAAAAAAAAZAAAAGQAAAAVAAAAYAAAAAAAAAAAAAAADwAAACADAAAAAAAAAAAAAAEAAACgMgAAVgcAAKr4//8BAAAAf39/AAEAAABkAAAAAAAAABQAAABAHwAAAAAAACYAAAAAAAAAwOD//wAAAAAmAAAAZAAAABYAAABMAAAAAAAAAAAAAAAEAAAAAAAAAAEAAACAgIAKAAAAACgAAAAoAAAAZAAAAGQAAAAAAAAAzMzMAAAAAABQAAAAUAAAAGQAAABkAAAAAAAAABcAAAAUAAAAAAAAAAAAAAD/fwAA/38AAAAAAAAJAAAABAAAAAUACkkMAAAAEAAAAAAAAAAAAAAAAAAAAAAAAAAeAAAAaAAAAAAAAAAAAAAAAAAAAAAAAAAAAAAAECcAABAnAAAAAAAAAAAAAAAAAAAAAAAAAAAAAAAAAAAAAAAAAAAAABQAAAAAAAAAwMD/AAAAAABkAAAAMgAAAAAAAABkAAAAAAAAAH9/fwAKAAAAHwAAAFQAAAAAAAAFAAAAAQAAAAAAAAAAAAAAAAAAAAAAAAAAAAAAAAAAAAAAAAAAAAAAAn9/fwAAAAADzMzMAMDA/wB/f38AAAAAAAAAAAAAAAAAAAAAAAAAAAAhAAAAGAAAABQAAADQAgAAGycAAPAPAABZKQAAEAAAACYAAAAIAAAAAAAAAAAAAAA="/>
               </a:ext>
             </a:extLst>
           </p:cNvSpPr>
@@ -2146,7 +2147,7 @@
           <a:lstStyle/>
           <a:p>
             <a:pPr/>
-            <a:fld id="{AA496E0F-4147-1C98-09F1-B7CD20BFFFE2}" type="datetime1">
+            <a:fld id="{2FE6D834-7AC2-B32E-8C5E-8C7B96107AD9}" type="datetime1">
               <a:t/>
             </a:fld>
           </a:p>
@@ -2159,7 +2160,7 @@
             <a:spLocks noGrp="1" noChangeArrowheads="1"/>
             <a:extLst>
               <a:ext uri="smNativeData">
-                <pr:smNativeData xmlns:pr="smNativeData" val="SMDATA_13_4IlQXxMAAAAlAAAAZAAAAA8BAAAAkAAAAEgAAACQAAAASAAAAAAAAAABAAAAAAAAAAEAAABQAAAAAAAAAAAA4D8AAAAAAADgPwAAAAAAAOA/AAAAAAAA4D8AAAAAAADgPwAAAAAAAOA/AAAAAAAA4D8AAAAAAADgPwAAAAAAAOA/AAAAAAAA4D8CAAAAjAAAAAAAAAAAAAAAu+DjDP///wgAAAAAAAAAAAAAAAAAAAAAAAAAAAAAAAAAAAAAZAAAAAEAAABAAAAAAAAAAAAAAAAAAAAAAAAAAAAAAAAAAAAAAAAAAAAAAAAAAAAAAAAAAAAAAAAAAAAAAAAAAAAAAAAAAAAAAAAAAAAAAAAAAAAAAAAAAAAAAAAAAAAAFAAAADwAAAAAAAAAAAAAAAAAAAkUAAAAAQAAABQAAAAUAAAAFAAAAAEAAAAAAAAAZAAAAGQAAAAAAAAAZAAAAGQAAAAVAAAAYAAAAAAAAAAAAAAADwAAACADAAAAAAAAAAAAAAEAAACgMgAAVgcAAKr4//8BAAAAf39/AAEAAABkAAAAAAAAABQAAABAHwAAAAAAACYAAAAAAAAAwOD//wAAAAAmAAAAZAAAABYAAABMAAAAAAAAAAAAAAAEAAAAAAAAAAEAAACAgIAKAAAAACgAAAAoAAAAZAAAAGQAAAAAAAAAzMzMAAAAAABQAAAAUAAAAGQAAABkAAAAAAAAABcAAAAUAAAAAAAAAAAAAAD/fwAA/38AAAAAAAAJAAAABAAAAAAAAAAMAAAAEAAAAAAAAAAAAAAAAAAAAAAAAAAeAAAAaAAAAAAAAAAAAAAAAAAAAAAAAAAAAAAAECcAABAnAAAAAAAAAAAAAAAAAAAAAAAAAAAAAAAAAAAAAAAAAAAAABQAAAAAAAAAwMD/AAAAAABkAAAAMgAAAAAAAABkAAAAAAAAAH9/fwAKAAAAHwAAAFQAAAAAAAAFAAAAAQAAAAAAAAAAAAAAAAAAAAAAAAAAAAAAAAAAAAAAAAAAAAAAAn9/fwAAAAADzMzMAMDA/wB/f38AAAAAAAAAAAAAAAAAAAAAAAAAAAAhAAAAGAAAABQAAAA4EwAAGycAAAglAABZKQAAEAAAACYAAAAIAAAAAAAAAAAAAAA="/>
+                <pr:smNativeData xmlns:pr="smNativeData" val="SMDATA_13_Hs+1XxMAAAAlAAAAZAAAAA8BAAAAkAAAAEgAAACQAAAASAAAAAAAAAABAAAAAAAAAAEAAABQAAAAAAAAAAAA4D8AAAAAAADgPwAAAAAAAOA/AAAAAAAA4D8AAAAAAADgPwAAAAAAAOA/AAAAAAAA4D8AAAAAAADgPwAAAAAAAOA/AAAAAAAA4D8CAAAAjAAAAAAAAAAAAAAAu+DjDP///wgAAAAAAAAAAAAAAAAAAAAAAAAAAAAAAAAAAAAAZAAAAAEAAABAAAAAAAAAAAAAAAAAAAAAAAAAAAAAAAAAAAAAAAAAAAAAAAAAAAAAAAAAAAAAAAAAAAAAAAAAAAAAAAAAAAAAAAAAAAAAAAAAAAAAAAAAAAAAAAAAAAAAFAAAADwAAAAAAAAAAAAAAAAAAAkUAAAAAQAAABQAAAAUAAAAFAAAAAEAAAAAAAAAZAAAAGQAAAAAAAAAZAAAAGQAAAAVAAAAYAAAAAAAAAAAAAAADwAAACADAAAAAAAAAAAAAAEAAACgMgAAVgcAAKr4//8BAAAAf39/AAEAAABkAAAAAAAAABQAAABAHwAAAAAAACYAAAAAAAAAwOD//wAAAAAmAAAAZAAAABYAAABMAAAAAAAAAAAAAAAEAAAAAAAAAAEAAACAgIAKAAAAACgAAAAoAAAAZAAAAGQAAAAAAAAAzMzMAAAAAABQAAAAUAAAAGQAAABkAAAAAAAAABcAAAAUAAAAAAAAAAAAAAD/fwAA/38AAAAAAAAJAAAABAAAAAAAAAAMAAAAEAAAAAAAAAAAAAAAAAAAAAAAAAAeAAAAaAAAAAAAAAAAAAAAAAAAAAAAAAAAAAAAECcAABAnAAAAAAAAAAAAAAAAAAAAAAAAAAAAAAAAAAAAAAAAAAAAABQAAAAAAAAAwMD/AAAAAABkAAAAMgAAAAAAAABkAAAAAAAAAH9/fwAKAAAAHwAAAFQAAAAAAAAFAAAAAQAAAAAAAAAAAAAAAAAAAAAAAAAAAAAAAAAAAAAAAAAAAAAAAn9/fwAAAAADzMzMAMDA/wB/f38AAAAAAAAAAAAAAAAAAAAAAAAAAAAhAAAAGAAAABQAAAA4EwAAGycAAAglAABZKQAAEAAAACYAAAAIAAAAAAAAAAAAAAA="/>
               </a:ext>
             </a:extLst>
           </p:cNvSpPr>
@@ -2183,7 +2184,7 @@
             <a:spLocks noGrp="1" noChangeArrowheads="1"/>
             <a:extLst>
               <a:ext uri="smNativeData">
-                <pr:smNativeData xmlns:pr="smNativeData" val="SMDATA_13_4IlQXxMAAAAlAAAAZAAAAA8BAAAAkAAAAEgAAACQAAAASAAAAAAAAAABAAAAAAAAAAEAAABQAAAAAAAAAAAA4D8AAAAAAADgPwAAAAAAAOA/AAAAAAAA4D8AAAAAAADgPwAAAAAAAOA/AAAAAAAA4D8AAAAAAADgPwAAAAAAAOA/AAAAAAAA4D8CAAAAjAAAAAAAAAAAAAAAu+DjDP///wgAAAAAAAAAAAAAAAAAAAAAAAAAAAAAAAAAAAAAZAAAAAEAAABAAAAAAAAAAAAAAAAAAAAAAAAAAAAAAAAAAAAAAAAAAAAAAAAAAAAAAAAAAAAAAAAAAAAAAAAAAAAAAAAAAAAAAAAAAAAAAAAAAAAAAAAAAAAAAAAAAAAAFAAAADwAAAAAAAAAAAAAAAAAAAkUAAAAAQAAABQAAAAUAAAAFAAAAAEAAAAAAAAAZAAAAGQAAAAAAAAAZAAAAGQAAAAVAAAAYAAAAAAAAAAAAAAADwAAACADAAAAAAAAAAAAAAEAAACgMgAAVgcAAKr4//8BAAAAf39/AAEAAABkAAAAAAAAABQAAABAHwAAAAAAACYAAAAAAAAAwOD//wAAAAAmAAAAZAAAABYAAABMAAAAAAAAAAAAAAAEAAAAAAAAAAEAAACAgIAKAAAAACgAAAAoAAAAZAAAAGQAAAAAAAAAzMzMAAAAAABQAAAAUAAAAGQAAABkAAAAAAAAABcAAAAUAAAAAAAAAAAAAAD/fwAA/38AAAAAAAAJAAAABAAAAAAAAAAMAAAAEAAAAAAAAAAAAAAAAAAAAAAAAAAeAAAAaAAAAAAAAAAAAAAAAAAAAAAAAAAAAAAAECcAABAnAAAAAAAAAAAAAAAAAAAAAAAAAAAAAAAAAAAAAAAAAAAAABQAAAAAAAAAwMD/AAAAAABkAAAAMgAAAAAAAABkAAAAAAAAAH9/fwAKAAAAHwAAAFQAAAAAAAAFAAAAAQAAAAAAAAAAAAAAAAAAAAAAAAAAAAAAAAAAAAAAAAAAAAAAAn9/fwAAAAADzMzMAMDA/wB/f38AAAAAAAAAAAAAAAAAAAAAAAAAAAAhAAAAGAAAABQAAABQKAAAGycAAHA1AABZKQAAEAAAACYAAAAIAAAAAAAAAAAAAAA="/>
+                <pr:smNativeData xmlns:pr="smNativeData" val="SMDATA_13_Hs+1XxMAAAAlAAAAZAAAAA8BAAAAkAAAAEgAAACQAAAASAAAAAAAAAABAAAAAAAAAAEAAABQAAAAAAAAAAAA4D8AAAAAAADgPwAAAAAAAOA/AAAAAAAA4D8AAAAAAADgPwAAAAAAAOA/AAAAAAAA4D8AAAAAAADgPwAAAAAAAOA/AAAAAAAA4D8CAAAAjAAAAAAAAAAAAAAAu+DjDP///wgAAAAAAAAAAAAAAAAAAAAAAAAAAAAAAAAAAAAAZAAAAAEAAABAAAAAAAAAAAAAAAAAAAAAAAAAAAAAAAAAAAAAAAAAAAAAAAAAAAAAAAAAAAAAAAAAAAAAAAAAAAAAAAAAAAAAAAAAAAAAAAAAAAAAAAAAAAAAAAAAAAAAFAAAADwAAAAAAAAAAAAAAAAAAAkUAAAAAQAAABQAAAAUAAAAFAAAAAEAAAAAAAAAZAAAAGQAAAAAAAAAZAAAAGQAAAAVAAAAYAAAAAAAAAAAAAAADwAAACADAAAAAAAAAAAAAAEAAACgMgAAVgcAAKr4//8BAAAAf39/AAEAAABkAAAAAAAAABQAAABAHwAAAAAAACYAAAAAAAAAwOD//wAAAAAmAAAAZAAAABYAAABMAAAAAAAAAAAAAAAEAAAAAAAAAAEAAACAgIAKAAAAACgAAAAoAAAAZAAAAGQAAAAAAAAAzMzMAAAAAABQAAAAUAAAAGQAAABkAAAAAAAAABcAAAAUAAAAAAAAAAAAAAD/fwAA/38AAAAAAAAJAAAABAAAAAAAAAAMAAAAEAAAAAAAAAAAAAAAAAAAAAAAAAAeAAAAaAAAAAAAAAAAAAAAAAAAAAAAAAAAAAAAECcAABAnAAAAAAAAAAAAAAAAAAAAAAAAAAAAAAAAAAAAAAAAAAAAABQAAAAAAAAAwMD/AAAAAABkAAAAMgAAAAAAAABkAAAAAAAAAH9/fwAKAAAAHwAAAFQAAAAAAAAFAAAAAQAAAAAAAAAAAAAAAAAAAAAAAAAAAAAAAAAAAAAAAAAAAAAAAn9/fwAAAAADzMzMAMDA/wB/f38AAAAAAAAAAAAAAAAAAAAAAAAAAAAhAAAAGAAAABQAAABQKAAAGycAAHA1AABZKQAAEAAAACYAAAAIAAAAAAAAAAAAAAA="/>
               </a:ext>
             </a:extLst>
           </p:cNvSpPr>
@@ -2197,7 +2198,7 @@
           <a:lstStyle/>
           <a:p>
             <a:pPr/>
-            <a:fld id="{AA49451E-5047-1CB3-09F1-A6E60BBFFFF3}" type="slidenum">
+            <a:fld id="{2FE6DDC0-8EC2-B32B-8C5E-787E93107A2D}" type="slidenum">
               <a:t/>
             </a:fld>
           </a:p>
@@ -2235,7 +2236,7 @@
             <a:spLocks noGrp="1" noChangeArrowheads="1"/>
             <a:extLst>
               <a:ext uri="smNativeData">
-                <pr:smNativeData xmlns:pr="smNativeData" val="SMDATA_13_4IlQXxMAAAAlAAAAZAAAAA8BAAAAkAAAAEgAAACQAAAASAAAAAAAAAACAAAAAAAAAAEAAABQAAAAAAAAAAAA4D8AAAAAAADgPwAAAAAAAOA/AAAAAAAA4D8AAAAAAADgPwAAAAAAAOA/AAAAAAAA4D8AAAAAAADgPwAAAAAAAOA/AAAAAAAA4D8CAAAAjAAAAAAAAAAAAAAAu+DjDP///wgAAAAAAAAAAAAAAAAAAAAAAAAAAAAAAAAAAAAAZAAAAAEAAABAAAAAAAAAAAAAAAAAAAAAAAAAAAAAAAAAAAAAAAAAAAAAAAAAAAAAAAAAAAAAAAAAAAAAAAAAAAAAAAAAAAAAAAAAAAAAAAAAAAAAAAAAAAAAAAAAAAAAFAAAADwAAAAAAAAAAAAAAAAAAAkUAAAAAQAAABQAAAAUAAAAFAAAAAEAAAAAAAAAZAAAAGQAAAAAAAAAZAAAAGQAAAAVAAAAYAAAAAAAAAAAAAAADwAAACADAAAAAAAAAAAAAAEAAACgMgAAVgcAAKr4//8BAAAAf39/AAEAAABkAAAAAAAAABQAAABAHwAAAAAAACYAAAAAAAAAwOD//wAAAAAmAAAAZAAAABYAAABMAAAAAAAAAAAAAAAEAAAAAAAAAAEAAACAgIAKAAAAACgAAAAoAAAAZAAAAGQAAAAAAAAAzMzMAAAAAABQAAAAUAAAAGQAAABkAAAAAAAAABcAAAAUAAAAAAAAAAAAAAD/fwAA/38AAAAAAAAJAAAABAAAAJ9SBQAMAAAAEAAAAAAAAAAAAAAAAAAAAAAAAAAeAAAAaAAAAAAAAAAAAAAAAAAAAAAAAAAAAAAAECcAABAnAAAAAAAAAAAAAAAAAAAAAAAAAAAAAAAAAAAAAAAAAAAAABQAAAAAAAAAwMD/AAAAAABkAAAAMgAAAAAAAABkAAAAAAAAAH9/fwAKAAAAHwAAAFQAAAAAAAAFAAAAAQAAAAAAAAAAAAAAAAAAAAAAAAAAAAAAAAAAAAAAAAAAAAAAAn9/fwAAAAADzMzMAMDA/wB/f38AAAAAAAAAAAAAAAAAAAAAAAAAAAAhAAAAGAAAABQAAADQAgAArgEAAFIVAADUCAAAEAAAACYAAAAIAAAAgYAAAAAAAAA="/>
+                <pr:smNativeData xmlns:pr="smNativeData" val="SMDATA_13_Hs+1XxMAAAAlAAAAZAAAAA8BAAAAkAAAAEgAAACQAAAASAAAAAAAAAACAAAAAAAAAAEAAABQAAAAAAAAAAAA4D8AAAAAAADgPwAAAAAAAOA/AAAAAAAA4D8AAAAAAADgPwAAAAAAAOA/AAAAAAAA4D8AAAAAAADgPwAAAAAAAOA/AAAAAAAA4D8CAAAAjAAAAAAAAAAAAAAAu+DjDP///wgAAAAAAAAAAAAAAAAAAAAAAAAAAAAAAAAAAAAAZAAAAAEAAABAAAAAAAAAAAAAAAAAAAAAAAAAAAAAAAAAAAAAAAAAAAAAAAAAAAAAAAAAAAAAAAAAAAAAAAAAAAAAAAAAAAAAAAAAAAAAAAAAAAAAAAAAAAAAAAAAAAAAFAAAADwAAAAAAAAAAAAAAAAAAAkUAAAAAQAAABQAAAAUAAAAFAAAAAEAAAAAAAAAZAAAAGQAAAAAAAAAZAAAAGQAAAAVAAAAYAAAAAAAAAAAAAAADwAAACADAAAAAAAAAAAAAAEAAACgMgAAVgcAAKr4//8BAAAAf39/AAEAAABkAAAAAAAAABQAAABAHwAAAAAAACYAAAAAAAAAwOD//wAAAAAmAAAAZAAAABYAAABMAAAAAAAAAAAAAAAEAAAAAAAAAAEAAACAgIAKAAAAACgAAAAoAAAAZAAAAGQAAAAAAAAAzMzMAAAAAABQAAAAUAAAAGQAAABkAAAAAAAAABcAAAAUAAAAAAAAAAAAAAD/fwAA/38AAAAAAAAJAAAABAAAAJ9SBQAMAAAAEAAAAAAAAAAAAAAAAAAAAAAAAAAeAAAAaAAAAAAAAAAAAAAAAAAAAAAAAAAAAAAAECcAABAnAAAAAAAAAAAAAAAAAAAAAAAAAAAAAAAAAAAAAAAAAAAAABQAAAAAAAAAwMD/AAAAAABkAAAAMgAAAAAAAABkAAAAAAAAAH9/fwAKAAAAHwAAAFQAAAAAAAAFAAAAAQAAAAAAAAAAAAAAAAAAAAAAAAAAAAAAAAAAAAAAAAAAAAAAAn9/fwAAAAADzMzMAMDA/wB/f38AAAAAAAAAAAAAAAAAAAAAAAAAAAAhAAAAGAAAABQAAADQAgAArgEAAFIVAADUCAAAEAAAACYAAAAIAAAAgYAAAAAAAAA="/>
               </a:ext>
             </a:extLst>
           </p:cNvSpPr>
@@ -2275,7 +2276,7 @@
             <a:spLocks noGrp="1" noChangeArrowheads="1"/>
             <a:extLst>
               <a:ext uri="smNativeData">
-                <pr:smNativeData xmlns:pr="smNativeData" val="SMDATA_13_4IlQXxMAAAAlAAAAZAAAAA8BAAAAkAAAAEgAAACQAAAASAAAAAAAAAAAAAAAAAAAAAEAAABQAAAAAAAAAAAA4D8AAAAAAADgPwAAAAAAAOA/AAAAAAAA4D8AAAAAAADgPwAAAAAAAOA/AAAAAAAA4D8AAAAAAADgPwAAAAAAAOA/AAAAAAAA4D8CAAAAjAAAAAAAAAAAAAAAu+DjDP///wgAAAAAAAAAAAAAAAAAAAAAAAAAAAAAAAAAAAAAZAAAAAEAAABAAAAAAAAAAAAAAAAAAAAAAAAAAAAAAAAAAAAAAAAAAAAAAAAAAAAAAAAAAAAAAAAAAAAAAAAAAAAAAAAAAAAAAAAAAAAAAAAAAAAAAAAAAAAAAAAAAAAAFAAAADwAAAAAAAAAAAAAAAAAAAkUAAAAAQAAABQAAAAUAAAAFAAAAAEAAAAAAAAAZAAAAGQAAAAAAAAAZAAAAGQAAAAVAAAAYAAAAAAAAAAAAAAADwAAACADAAAAAAAAAAAAAAEAAACgMgAAVgcAAKr4//8BAAAAf39/AAEAAABkAAAAAAAAABQAAABAHwAAAAAAACYAAAAAAAAAwOD//wAAAAAmAAAAZAAAABYAAABMAAAAAAAAAAAAAAAEAAAAAAAAAAEAAACAgIAKAAAAACgAAAAoAAAAZAAAAGQAAAAAAAAAzMzMAAAAAABQAAAAUAAAAGQAAABkAAAAAAAAABcAAAAUAAAAAAAAAAAAAAD/fwAA/38AAAAAAAAJAAAABAAAAExBVDEMAAAAEAAAAAAAAAAAAAAAAAAAAAAAAAAeAAAAaAAAAAAAAAAAAAAAAAAAAAAAAAAAAAAAECcAABAnAAAAAAAAAAAAAAAAAAAAAAAAAAAAAAAAAAAAAAAAAAAAABQAAAAAAAAAwMD/AAAAAABkAAAAMgAAAAAAAABkAAAAAAAAAH9/fwAKAAAAHwAAAFQAAAAAAAAFAAAAAQAAAAAAAAAAAAAAAAAAAAAAAAAAAAAAAAAAAAAAAAAAAAAAAn9/fwAAAAADzMzMAMDA/wB/f38AAAAAAAAAAAAAAAAAAAAAAAAAAAAhAAAAGAAAABQAAAD+FQAArgEAAHA1AACwJQAAEAAAACYAAAAIAAAAAYAAAAAAAAA="/>
+                <pr:smNativeData xmlns:pr="smNativeData" val="SMDATA_13_Hs+1XxMAAAAlAAAAZAAAAA8BAAAAkAAAAEgAAACQAAAASAAAAAAAAAAAAAAAAAAAAAEAAABQAAAAAAAAAAAA4D8AAAAAAADgPwAAAAAAAOA/AAAAAAAA4D8AAAAAAADgPwAAAAAAAOA/AAAAAAAA4D8AAAAAAADgPwAAAAAAAOA/AAAAAAAA4D8CAAAAjAAAAAAAAAAAAAAAu+DjDP///wgAAAAAAAAAAAAAAAAAAAAAAAAAAAAAAAAAAAAAZAAAAAEAAABAAAAAAAAAAAAAAAAAAAAAAAAAAAAAAAAAAAAAAAAAAAAAAAAAAAAAAAAAAAAAAAAAAAAAAAAAAAAAAAAAAAAAAAAAAAAAAAAAAAAAAAAAAAAAAAAAAAAAFAAAADwAAAAAAAAAAAAAAAAAAAkUAAAAAQAAABQAAAAUAAAAFAAAAAEAAAAAAAAAZAAAAGQAAAAAAAAAZAAAAGQAAAAVAAAAYAAAAAAAAAAAAAAADwAAACADAAAAAAAAAAAAAAEAAACgMgAAVgcAAKr4//8BAAAAf39/AAEAAABkAAAAAAAAABQAAABAHwAAAAAAACYAAAAAAAAAwOD//wAAAAAmAAAAZAAAABYAAABMAAAAAAAAAAAAAAAEAAAAAAAAAAEAAACAgIAKAAAAACgAAAAoAAAAZAAAAGQAAAAAAAAAzMzMAAAAAABQAAAAUAAAAGQAAABkAAAAAAAAABcAAAAUAAAAAAAAAAAAAAD/fwAA/38AAAAAAAAJAAAABAAAAExBVDEMAAAAEAAAAAAAAAAAAAAAAAAAAAAAAAAeAAAAaAAAAAAAAAAAAAAAAAAAAAAAAAAAAAAAECcAABAnAAAAAAAAAAAAAAAAAAAAAAAAAAAAAAAAAAAAAAAAAAAAABQAAAAAAAAAwMD/AAAAAABkAAAAMgAAAAAAAABkAAAAAAAAAH9/fwAKAAAAHwAAAFQAAAAAAAAFAAAAAQAAAAAAAAAAAAAAAAAAAAAAAAAAAAAAAAAAAAAAAAAAAAAAAn9/fwAAAAADzMzMAMDA/wB/f38AAAAAAAAAAAAAAAAAAAAAAAAAAAAhAAAAGAAAABQAAAD+FQAArgEAAHA1AACwJQAAEAAAACYAAAAIAAAAAYAAAAAAAAA="/>
               </a:ext>
             </a:extLst>
           </p:cNvSpPr>
@@ -2359,7 +2360,7 @@
             <a:spLocks noGrp="1" noChangeArrowheads="1"/>
             <a:extLst>
               <a:ext uri="smNativeData">
-                <pr:smNativeData xmlns:pr="smNativeData" val="SMDATA_13_4IlQXxMAAAAlAAAAZAAAAA8BAAAAkAAAAEgAAACQAAAASAAAAAAAAAAAAAAAAAAAAAEAAABQAAAAAAAAAAAA4D8AAAAAAADgPwAAAAAAAOA/AAAAAAAA4D8AAAAAAADgPwAAAAAAAOA/AAAAAAAA4D8AAAAAAADgPwAAAAAAAOA/AAAAAAAA4D8CAAAAjAAAAAAAAAAAAAAAu+DjDP///wgAAAAAAAAAAAAAAAAAAAAAAAAAAAAAAAAAAAAAZAAAAAEAAABAAAAAAAAAAAAAAAAAAAAAAAAAAAAAAAAAAAAAAAAAAAAAAAAAAAAAAAAAAAAAAAAAAAAAAAAAAAAAAAAAAAAAAAAAAAAAAAAAAAAAAAAAAAAAAAAAAAAAFAAAADwAAAAAAAAAAAAAAAAAAAkUAAAAAQAAABQAAAAUAAAAFAAAAAEAAAAAAAAAZAAAAGQAAAAAAAAAZAAAAGQAAAAVAAAAYAAAAAAAAAAAAAAADwAAACADAAAAAAAAAAAAAAEAAACgMgAAVgcAAKr4//8BAAAAf39/AAEAAABkAAAAAAAAABQAAABAHwAAAAAAACYAAAAAAAAAwOD//wAAAAAmAAAAZAAAABYAAABMAAAAAAAAAAAAAAAEAAAAAAAAAAEAAACAgIAKAAAAACgAAAAoAAAAZAAAAGQAAAAAAAAAzMzMAAAAAABQAAAAUAAAAGQAAABkAAAAAAAAABcAAAAUAAAAAAAAAAAAAAD/fwAA/38AAAAAAAAJAAAABAAAAAAAAAAMAAAAEAAAAAAAAAAAAAAAAAAAAAAAAAAeAAAAaAAAAAAAAAAAAAAAAAAAAAAAAAAAAAAAECcAABAnAAAAAAAAAAAAAAAAAAAAAAAAAAAAAAAAAAAAAAAAAAAAABQAAAAAAAAAwMD/AAAAAABkAAAAMgAAAAAAAABkAAAAAAAAAH9/fwAKAAAAHwAAAFQAAAAAAAAFAAAAAQAAAAAAAAAAAAAAAAAAAAAAAAAAAAAAAAAAAAAAAAAAAAAAAn9/fwAAAAADzMzMAMDA/wB/f38AAAAAAAAAAAAAAAAAAAAAAAAAAAAhAAAAGAAAABQAAADQAgAA1AgAAFIVAACwJQAAEAAAACYAAAAIAAAAAYAAAAAAAAA="/>
+                <pr:smNativeData xmlns:pr="smNativeData" val="SMDATA_13_Hs+1XxMAAAAlAAAAZAAAAA8BAAAAkAAAAEgAAACQAAAASAAAAAAAAAAAAAAAAAAAAAEAAABQAAAAAAAAAAAA4D8AAAAAAADgPwAAAAAAAOA/AAAAAAAA4D8AAAAAAADgPwAAAAAAAOA/AAAAAAAA4D8AAAAAAADgPwAAAAAAAOA/AAAAAAAA4D8CAAAAjAAAAAAAAAAAAAAAu+DjDP///wgAAAAAAAAAAAAAAAAAAAAAAAAAAAAAAAAAAAAAZAAAAAEAAABAAAAAAAAAAAAAAAAAAAAAAAAAAAAAAAAAAAAAAAAAAAAAAAAAAAAAAAAAAAAAAAAAAAAAAAAAAAAAAAAAAAAAAAAAAAAAAAAAAAAAAAAAAAAAAAAAAAAAFAAAADwAAAAAAAAAAAAAAAAAAAkUAAAAAQAAABQAAAAUAAAAFAAAAAEAAAAAAAAAZAAAAGQAAAAAAAAAZAAAAGQAAAAVAAAAYAAAAAAAAAAAAAAADwAAACADAAAAAAAAAAAAAAEAAACgMgAAVgcAAKr4//8BAAAAf39/AAEAAABkAAAAAAAAABQAAABAHwAAAAAAACYAAAAAAAAAwOD//wAAAAAmAAAAZAAAABYAAABMAAAAAAAAAAAAAAAEAAAAAAAAAAEAAACAgIAKAAAAACgAAAAoAAAAZAAAAGQAAAAAAAAAzMzMAAAAAABQAAAAUAAAAGQAAABkAAAAAAAAABcAAAAUAAAAAAAAAAAAAAD/fwAA/38AAAAAAAAJAAAABAAAAAAAAAAMAAAAEAAAAAAAAAAAAAAAAAAAAAAAAAAeAAAAaAAAAAAAAAAAAAAAAAAAAAAAAAAAAAAAECcAABAnAAAAAAAAAAAAAAAAAAAAAAAAAAAAAAAAAAAAAAAAAAAAABQAAAAAAAAAwMD/AAAAAABkAAAAMgAAAAAAAABkAAAAAAAAAH9/fwAKAAAAHwAAAFQAAAAAAAAFAAAAAQAAAAAAAAAAAAAAAAAAAAAAAAAAAAAAAAAAAAAAAAAAAAAAAn9/fwAAAAADzMzMAMDA/wB/f38AAAAAAAAAAAAAAAAAAAAAAAAAAAAhAAAAGAAAABQAAADQAgAA1AgAAFIVAACwJQAAEAAAACYAAAAIAAAAAYAAAAAAAAA="/>
               </a:ext>
             </a:extLst>
           </p:cNvSpPr>
@@ -2428,7 +2429,7 @@
             <a:spLocks noGrp="1" noChangeArrowheads="1"/>
             <a:extLst>
               <a:ext uri="smNativeData">
-                <pr:smNativeData xmlns:pr="smNativeData" val="SMDATA_13_4IlQXxMAAAAlAAAAZAAAAA8BAAAAkAAAAEgAAACQAAAASAAAAAAAAAABAAAAAAAAAAEAAABQAAAAAAAAAAAA4D8AAAAAAADgPwAAAAAAAOA/AAAAAAAA4D8AAAAAAADgPwAAAAAAAOA/AAAAAAAA4D8AAAAAAADgPwAAAAAAAOA/AAAAAAAA4D8CAAAAjAAAAAAAAAAAAAAAu+DjDP///wgAAAAAAAAAAAAAAAAAAAAAAAAAAAAAAAAAAAAAZAAAAAEAAABAAAAAAAAAAAAAAAAAAAAAAAAAAAAAAAAAAAAAAAAAAAAAAAAAAAAAAAAAAAAAAAAAAAAAAAAAAAAAAAAAAAAAAAAAAAAAAAAAAAAAAAAAAAAAAAAAAAAAFAAAADwAAAAAAAAAAAAAAAAAAAkUAAAAAQAAABQAAAAUAAAAFAAAAAEAAAAAAAAAZAAAAGQAAAAAAAAAZAAAAGQAAAAVAAAAYAAAAAAAAAAAAAAADwAAACADAAAAAAAAAAAAAAEAAACgMgAAVgcAAKr4//8BAAAAf39/AAEAAABkAAAAAAAAABQAAABAHwAAAAAAACYAAAAAAAAAwOD//wAAAAAmAAAAZAAAABYAAABMAAAAAAAAAAAAAAAEAAAAAAAAAAEAAACAgIAKAAAAACgAAAAoAAAAZAAAAGQAAAAAAAAAzMzMAAAAAABQAAAAUAAAAGQAAABkAAAAAAAAABcAAAAUAAAAAAAAAAAAAAD/fwAA/38AAAAAAAAJAAAABAAAANuzBQAMAAAAEAAAAAAAAAAAAAAAAAAAAAAAAAAeAAAAaAAAAAAAAAAAAAAAAAAAAAAAAAAAAAAAECcAABAnAAAAAAAAAAAAAAAAAAAAAAAAAAAAAAAAAAAAAAAAAAAAABQAAAAAAAAAwMD/AAAAAABkAAAAMgAAAAAAAABkAAAAAAAAAH9/fwAKAAAAHwAAAFQAAAAAAAAFAAAAAQAAAAAAAAAAAAAAAAAAAAAAAAAAAAAAAAAAAAAAAAAAAAAAAn9/fwAAAAADzMzMAMDA/wB/f38AAAAAAAAAAAAAAAAAAAAAAAAAAAAhAAAAGAAAABQAAADQAgAAGycAAPAPAABZKQAAEAAAACYAAAAIAAAAAAAAAAAAAAA="/>
+                <pr:smNativeData xmlns:pr="smNativeData" val="SMDATA_13_Hs+1XxMAAAAlAAAAZAAAAA8BAAAAkAAAAEgAAACQAAAASAAAAAAAAAABAAAAAAAAAAEAAABQAAAAAAAAAAAA4D8AAAAAAADgPwAAAAAAAOA/AAAAAAAA4D8AAAAAAADgPwAAAAAAAOA/AAAAAAAA4D8AAAAAAADgPwAAAAAAAOA/AAAAAAAA4D8CAAAAjAAAAAAAAAAAAAAAu+DjDP///wgAAAAAAAAAAAAAAAAAAAAAAAAAAAAAAAAAAAAAZAAAAAEAAABAAAAAAAAAAAAAAAAAAAAAAAAAAAAAAAAAAAAAAAAAAAAAAAAAAAAAAAAAAAAAAAAAAAAAAAAAAAAAAAAAAAAAAAAAAAAAAAAAAAAAAAAAAAAAAAAAAAAAFAAAADwAAAAAAAAAAAAAAAAAAAkUAAAAAQAAABQAAAAUAAAAFAAAAAEAAAAAAAAAZAAAAGQAAAAAAAAAZAAAAGQAAAAVAAAAYAAAAAAAAAAAAAAADwAAACADAAAAAAAAAAAAAAEAAACgMgAAVgcAAKr4//8BAAAAf39/AAEAAABkAAAAAAAAABQAAABAHwAAAAAAACYAAAAAAAAAwOD//wAAAAAmAAAAZAAAABYAAABMAAAAAAAAAAAAAAAEAAAAAAAAAAEAAACAgIAKAAAAACgAAAAoAAAAZAAAAGQAAAAAAAAAzMzMAAAAAABQAAAAUAAAAGQAAABkAAAAAAAAABcAAAAUAAAAAAAAAAAAAAD/fwAA/38AAAAAAAAJAAAABAAAANuzBQAMAAAAEAAAAAAAAAAAAAAAAAAAAAAAAAAeAAAAaAAAAAAAAAAAAAAAAAAAAAAAAAAAAAAAECcAABAnAAAAAAAAAAAAAAAAAAAAAAAAAAAAAAAAAAAAAAAAAAAAABQAAAAAAAAAwMD/AAAAAABkAAAAMgAAAAAAAABkAAAAAAAAAH9/fwAKAAAAHwAAAFQAAAAAAAAFAAAAAQAAAAAAAAAAAAAAAAAAAAAAAAAAAAAAAAAAAAAAAAAAAAAAAn9/fwAAAAADzMzMAMDA/wB/f38AAAAAAAAAAAAAAAAAAAAAAAAAAAAhAAAAGAAAABQAAADQAgAAGycAAPAPAABZKQAAEAAAACYAAAAIAAAAAAAAAAAAAAA="/>
               </a:ext>
             </a:extLst>
           </p:cNvSpPr>
@@ -2442,7 +2443,7 @@
           <a:lstStyle/>
           <a:p>
             <a:pPr/>
-            <a:fld id="{AA492BDC-9247-1CDD-09F1-648865BFFF31}" type="datetime1">
+            <a:fld id="{2FE6B782-CCC2-B341-8C5E-3A14F9107A6F}" type="datetime1">
               <a:t/>
             </a:fld>
           </a:p>
@@ -2455,7 +2456,7 @@
             <a:spLocks noGrp="1" noChangeArrowheads="1"/>
             <a:extLst>
               <a:ext uri="smNativeData">
-                <pr:smNativeData xmlns:pr="smNativeData" val="SMDATA_13_4IlQXxMAAAAlAAAAZAAAAA8BAAAAkAAAAEgAAACQAAAASAAAAAAAAAABAAAAAAAAAAEAAABQAAAAAAAAAAAA4D8AAAAAAADgPwAAAAAAAOA/AAAAAAAA4D8AAAAAAADgPwAAAAAAAOA/AAAAAAAA4D8AAAAAAADgPwAAAAAAAOA/AAAAAAAA4D8CAAAAjAAAAAAAAAAAAAAAu+DjDP///wgAAAAAAAAAAAAAAAAAAAAAAAAAAAAAAAAAAAAAZAAAAAEAAABAAAAAAAAAAAAAAAAAAAAAAAAAAAAAAAAAAAAAAAAAAAAAAAAAAAAAAAAAAAAAAAAAAAAAAAAAAAAAAAAAAAAAAAAAAAAAAAAAAAAAAAAAAAAAAAAAAAAAFAAAADwAAAAAAAAAAAAAAAAAAAkUAAAAAQAAABQAAAAUAAAAFAAAAAEAAAAAAAAAZAAAAGQAAAAAAAAAZAAAAGQAAAAVAAAAYAAAAAAAAAAAAAAADwAAACADAAAAAAAAAAAAAAEAAACgMgAAVgcAAKr4//8BAAAAf39/AAEAAABkAAAAAAAAABQAAABAHwAAAAAAACYAAAAAAAAAwOD//wAAAAAmAAAAZAAAABYAAABMAAAAAAAAAAAAAAAEAAAAAAAAAAEAAACAgIAKAAAAACgAAAAoAAAAZAAAAGQAAAAAAAAAzMzMAAAAAABQAAAAUAAAAGQAAABkAAAAAAAAABcAAAAUAAAAAAAAAAAAAAD/fwAA/38AAAAAAAAJAAAABAAAAAAAAAAMAAAAEAAAAAAAAAAAAAAAAAAAAAAAAAAeAAAAaAAAAAAAAAAAAAAAAAAAAAAAAAAAAAAAECcAABAnAAAAAAAAAAAAAAAAAAAAAAAAAAAAAAAAAAAAAAAAAAAAABQAAAAAAAAAwMD/AAAAAABkAAAAMgAAAAAAAABkAAAAAAAAAH9/fwAKAAAAHwAAAFQAAAAAAAAFAAAAAQAAAAAAAAAAAAAAAAAAAAAAAAAAAAAAAAAAAAAAAAAAAAAAAn9/fwAAAAADzMzMAMDA/wB/f38AAAAAAAAAAAAAAAAAAAAAAAAAAAAhAAAAGAAAABQAAAA4EwAAGycAAAglAABZKQAAEAAAACYAAAAIAAAAAAAAAAAAAAA="/>
+                <pr:smNativeData xmlns:pr="smNativeData" val="SMDATA_13_Hs+1XxMAAAAlAAAAZAAAAA8BAAAAkAAAAEgAAACQAAAASAAAAAAAAAABAAAAAAAAAAEAAABQAAAAAAAAAAAA4D8AAAAAAADgPwAAAAAAAOA/AAAAAAAA4D8AAAAAAADgPwAAAAAAAOA/AAAAAAAA4D8AAAAAAADgPwAAAAAAAOA/AAAAAAAA4D8CAAAAjAAAAAAAAAAAAAAAu+DjDP///wgAAAAAAAAAAAAAAAAAAAAAAAAAAAAAAAAAAAAAZAAAAAEAAABAAAAAAAAAAAAAAAAAAAAAAAAAAAAAAAAAAAAAAAAAAAAAAAAAAAAAAAAAAAAAAAAAAAAAAAAAAAAAAAAAAAAAAAAAAAAAAAAAAAAAAAAAAAAAAAAAAAAAFAAAADwAAAAAAAAAAAAAAAAAAAkUAAAAAQAAABQAAAAUAAAAFAAAAAEAAAAAAAAAZAAAAGQAAAAAAAAAZAAAAGQAAAAVAAAAYAAAAAAAAAAAAAAADwAAACADAAAAAAAAAAAAAAEAAACgMgAAVgcAAKr4//8BAAAAf39/AAEAAABkAAAAAAAAABQAAABAHwAAAAAAACYAAAAAAAAAwOD//wAAAAAmAAAAZAAAABYAAABMAAAAAAAAAAAAAAAEAAAAAAAAAAEAAACAgIAKAAAAACgAAAAoAAAAZAAAAGQAAAAAAAAAzMzMAAAAAABQAAAAUAAAAGQAAABkAAAAAAAAABcAAAAUAAAAAAAAAAAAAAD/fwAA/38AAAAAAAAJAAAABAAAAAAAAAAMAAAAEAAAAAAAAAAAAAAAAAAAAAAAAAAeAAAAaAAAAAAAAAAAAAAAAAAAAAAAAAAAAAAAECcAABAnAAAAAAAAAAAAAAAAAAAAAAAAAAAAAAAAAAAAAAAAAAAAABQAAAAAAAAAwMD/AAAAAABkAAAAMgAAAAAAAABkAAAAAAAAAH9/fwAKAAAAHwAAAFQAAAAAAAAFAAAAAQAAAAAAAAAAAAAAAAAAAAAAAAAAAAAAAAAAAAAAAAAAAAAAAn9/fwAAAAADzMzMAMDA/wB/f38AAAAAAAAAAAAAAAAAAAAAAAAAAAAhAAAAGAAAABQAAAA4EwAAGycAAAglAABZKQAAEAAAACYAAAAIAAAAAAAAAAAAAAA="/>
               </a:ext>
             </a:extLst>
           </p:cNvSpPr>
@@ -2479,7 +2480,7 @@
             <a:spLocks noGrp="1" noChangeArrowheads="1"/>
             <a:extLst>
               <a:ext uri="smNativeData">
-                <pr:smNativeData xmlns:pr="smNativeData" val="SMDATA_13_4IlQXxMAAAAlAAAAZAAAAA8BAAAAkAAAAEgAAACQAAAASAAAAAAAAAABAAAAAAAAAAEAAABQAAAAAAAAAAAA4D8AAAAAAADgPwAAAAAAAOA/AAAAAAAA4D8AAAAAAADgPwAAAAAAAOA/AAAAAAAA4D8AAAAAAADgPwAAAAAAAOA/AAAAAAAA4D8CAAAAjAAAAAAAAAAAAAAAu+DjDP///wgAAAAAAAAAAAAAAAAAAAAAAAAAAAAAAAAAAAAAZAAAAAEAAABAAAAAAAAAAAAAAAAAAAAAAAAAAAAAAAAAAAAAAAAAAAAAAAAAAAAAAAAAAAAAAAAAAAAAAAAAAAAAAAAAAAAAAAAAAAAAAAAAAAAAAAAAAAAAAAAAAAAAFAAAADwAAAAAAAAAAAAAAAAAAAkUAAAAAQAAABQAAAAUAAAAFAAAAAEAAAAAAAAAZAAAAGQAAAAAAAAAZAAAAGQAAAAVAAAAYAAAAAAAAAAAAAAADwAAACADAAAAAAAAAAAAAAEAAACgMgAAVgcAAKr4//8BAAAAf39/AAEAAABkAAAAAAAAABQAAABAHwAAAAAAACYAAAAAAAAAwOD//wAAAAAmAAAAZAAAABYAAABMAAAAAAAAAAAAAAAEAAAAAAAAAAEAAACAgIAKAAAAACgAAAAoAAAAZAAAAGQAAAAAAAAAzMzMAAAAAABQAAAAUAAAAGQAAABkAAAAAAAAABcAAAAUAAAAAAAAAAAAAAD/fwAA/38AAAAAAAAJAAAABAAAAFFFn4oMAAAAEAAAAAAAAAAAAAAAAAAAAAAAAAAeAAAAaAAAAAAAAAAAAAAAAAAAAAAAAAAAAAAAECcAABAnAAAAAAAAAAAAAAAAAAAAAAAAAAAAAAAAAAAAAAAAAAAAABQAAAAAAAAAwMD/AAAAAABkAAAAMgAAAAAAAABkAAAAAAAAAH9/fwAKAAAAHwAAAFQAAAAAAAAFAAAAAQAAAAAAAAAAAAAAAAAAAAAAAAAAAAAAAAAAAAAAAAAAAAAAAn9/fwAAAAADzMzMAMDA/wB/f38AAAAAAAAAAAAAAAAAAAAAAAAAAAAhAAAAGAAAABQAAABQKAAAGycAAHA1AABZKQAAEAAAACYAAAAIAAAAAAAAAAAAAAA="/>
+                <pr:smNativeData xmlns:pr="smNativeData" val="SMDATA_13_Hs+1XxMAAAAlAAAAZAAAAA8BAAAAkAAAAEgAAACQAAAASAAAAAAAAAABAAAAAAAAAAEAAABQAAAAAAAAAAAA4D8AAAAAAADgPwAAAAAAAOA/AAAAAAAA4D8AAAAAAADgPwAAAAAAAOA/AAAAAAAA4D8AAAAAAADgPwAAAAAAAOA/AAAAAAAA4D8CAAAAjAAAAAAAAAAAAAAAu+DjDP///wgAAAAAAAAAAAAAAAAAAAAAAAAAAAAAAAAAAAAAZAAAAAEAAABAAAAAAAAAAAAAAAAAAAAAAAAAAAAAAAAAAAAAAAAAAAAAAAAAAAAAAAAAAAAAAAAAAAAAAAAAAAAAAAAAAAAAAAAAAAAAAAAAAAAAAAAAAAAAAAAAAAAAFAAAADwAAAAAAAAAAAAAAAAAAAkUAAAAAQAAABQAAAAUAAAAFAAAAAEAAAAAAAAAZAAAAGQAAAAAAAAAZAAAAGQAAAAVAAAAYAAAAAAAAAAAAAAADwAAACADAAAAAAAAAAAAAAEAAACgMgAAVgcAAKr4//8BAAAAf39/AAEAAABkAAAAAAAAABQAAABAHwAAAAAAACYAAAAAAAAAwOD//wAAAAAmAAAAZAAAABYAAABMAAAAAAAAAAAAAAAEAAAAAAAAAAEAAACAgIAKAAAAACgAAAAoAAAAZAAAAGQAAAAAAAAAzMzMAAAAAABQAAAAUAAAAGQAAABkAAAAAAAAABcAAAAUAAAAAAAAAAAAAAD/fwAA/38AAAAAAAAJAAAABAAAAFFFn4oMAAAAEAAAAAAAAAAAAAAAAAAAAAAAAAAeAAAAaAAAAAAAAAAAAAAAAAAAAAAAAAAAAAAAECcAABAnAAAAAAAAAAAAAAAAAAAAAAAAAAAAAAAAAAAAAAAAAAAAABQAAAAAAAAAwMD/AAAAAABkAAAAMgAAAAAAAABkAAAAAAAAAH9/fwAKAAAAHwAAAFQAAAAAAAAFAAAAAQAAAAAAAAAAAAAAAAAAAAAAAAAAAAAAAAAAAAAAAAAAAAAAAn9/fwAAAAADzMzMAMDA/wB/f38AAAAAAAAAAAAAAAAAAAAAAAAAAAAhAAAAGAAAABQAAABQKAAAGycAAHA1AABZKQAAEAAAACYAAAAIAAAAAAAAAAAAAAA="/>
               </a:ext>
             </a:extLst>
           </p:cNvSpPr>
@@ -2493,7 +2494,7 @@
           <a:lstStyle/>
           <a:p>
             <a:pPr/>
-            <a:fld id="{AA491053-1D47-1CE6-09F1-EBB35EBFFFBE}" type="slidenum">
+            <a:fld id="{2FE696C8-86C2-B360-8C5E-7035D8107A25}" type="slidenum">
               <a:t/>
             </a:fld>
           </a:p>
@@ -2531,7 +2532,7 @@
             <a:spLocks noGrp="1" noChangeArrowheads="1"/>
             <a:extLst>
               <a:ext uri="smNativeData">
-                <pr:smNativeData xmlns:pr="smNativeData" val="SMDATA_13_4IlQXxMAAAAlAAAAZAAAAA8BAAAAkAAAAEgAAACQAAAASAAAAAAAAAACAAAAAAAAAAEAAABQAAAAAAAAAAAA4D8AAAAAAADgPwAAAAAAAOA/AAAAAAAA4D8AAAAAAADgPwAAAAAAAOA/AAAAAAAA4D8AAAAAAADgPwAAAAAAAOA/AAAAAAAA4D8CAAAAjAAAAAAAAAAAAAAAu+DjDP///wgAAAAAAAAAAAAAAAAAAAAAAAAAAAAAAAAAAAAAZAAAAAEAAABAAAAAAAAAAAAAAAAAAAAAAAAAAAAAAAAAAAAAAAAAAAAAAAAAAAAAAAAAAAAAAAAAAAAAAAAAAAAAAAAAAAAAAAAAAAAAAAAAAAAAAAAAAAAAAAAAAAAAFAAAADwAAAAAAAAAAAAAAAAAAAkUAAAAAQAAABQAAAAUAAAAFAAAAAEAAAAAAAAAZAAAAGQAAAAAAAAAZAAAAGQAAAAVAAAAYAAAAAAAAAAAAAAADwAAACADAAAAAAAAAAAAAAEAAACgMgAAVgcAAKr4//8BAAAAf39/AAEAAABkAAAAAAAAABQAAABAHwAAAAAAACYAAAAAAAAAwOD//wAAAAAmAAAAZAAAABYAAABMAAAAAAAAAAAAAAAEAAAAAAAAAAEAAACAgIAKAAAAACgAAAAoAAAAZAAAAGQAAAAAAAAAzMzMAAAAAABQAAAAUAAAAGQAAABkAAAAAAAAABcAAAAUAAAAAAAAAAAAAAD/fwAA/38AAAAAAAAJAAAABAAAAAQAYEMMAAAAEAAAAAAAAAAAAAAAAAAAAAAAAAAeAAAAaAAAAAAAAAAAAAAAAAAAAAAAAAAAAAAAECcAABAnAAAAAAAAAAAAAAAAAAAAAAAAAAAAAAAAAAAAAAAAAAAAABQAAAAAAAAAwMD/AAAAAABkAAAAMgAAAAAAAABkAAAAAAAAAH9/fwAKAAAAHwAAAFQAAAAAAAAFAAAAAQAAAAAAAAAAAAAAAAAAAAAAAAAAAAAAAAAAAAAAAAAAAAAAAn9/fwAAAAADzMzMAMDA/wB/f38AAAAAAAAAAAAAAAAAAAAAAAAAAAAhAAAAGAAAABQAAAAGCwAAiB0AAMYsAAAEIQAAEAAAACYAAAAIAAAAgYAAAAAAAAA="/>
+                <pr:smNativeData xmlns:pr="smNativeData" val="SMDATA_13_Hs+1XxMAAAAlAAAAZAAAAA8BAAAAkAAAAEgAAACQAAAASAAAAAAAAAACAAAAAAAAAAEAAABQAAAAAAAAAAAA4D8AAAAAAADgPwAAAAAAAOA/AAAAAAAA4D8AAAAAAADgPwAAAAAAAOA/AAAAAAAA4D8AAAAAAADgPwAAAAAAAOA/AAAAAAAA4D8CAAAAjAAAAAAAAAAAAAAAu+DjDP///wgAAAAAAAAAAAAAAAAAAAAAAAAAAAAAAAAAAAAAZAAAAAEAAABAAAAAAAAAAAAAAAAAAAAAAAAAAAAAAAAAAAAAAAAAAAAAAAAAAAAAAAAAAAAAAAAAAAAAAAAAAAAAAAAAAAAAAAAAAAAAAAAAAAAAAAAAAAAAAAAAAAAAFAAAADwAAAAAAAAAAAAAAAAAAAkUAAAAAQAAABQAAAAUAAAAFAAAAAEAAAAAAAAAZAAAAGQAAAAAAAAAZAAAAGQAAAAVAAAAYAAAAAAAAAAAAAAADwAAACADAAAAAAAAAAAAAAEAAACgMgAAVgcAAKr4//8BAAAAf39/AAEAAABkAAAAAAAAABQAAABAHwAAAAAAACYAAAAAAAAAwOD//wAAAAAmAAAAZAAAABYAAABMAAAAAAAAAAAAAAAEAAAAAAAAAAEAAACAgIAKAAAAACgAAAAoAAAAZAAAAGQAAAAAAAAAzMzMAAAAAABQAAAAUAAAAGQAAABkAAAAAAAAABcAAAAUAAAAAAAAAAAAAAD/fwAA/38AAAAAAAAJAAAABAAAAAQAYEMMAAAAEAAAAAAAAAAAAAAAAAAAAAAAAAAeAAAAaAAAAAAAAAAAAAAAAAAAAAAAAAAAAAAAECcAABAnAAAAAAAAAAAAAAAAAAAAAAAAAAAAAAAAAAAAAAAAAAAAABQAAAAAAAAAwMD/AAAAAABkAAAAMgAAAAAAAABkAAAAAAAAAH9/fwAKAAAAHwAAAFQAAAAAAAAFAAAAAQAAAAAAAAAAAAAAAAAAAAAAAAAAAAAAAAAAAAAAAAAAAAAAAn9/fwAAAAADzMzMAMDA/wB/f38AAAAAAAAAAAAAAAAAAAAAAAAAAAAhAAAAGAAAABQAAAAGCwAAiB0AAMYsAAAEIQAAEAAAACYAAAAIAAAAgYAAAAAAAAA="/>
               </a:ext>
             </a:extLst>
           </p:cNvSpPr>
@@ -2571,7 +2572,7 @@
             <a:spLocks noGrp="1" noChangeArrowheads="1"/>
             <a:extLst>
               <a:ext uri="smNativeData">
-                <pr:smNativeData xmlns:pr="smNativeData" val="SMDATA_13_4IlQXxMAAAAlAAAAZAAAAA8BAAAAkAAAAEgAAACQAAAASAAAAAAAAAAAAAAAAAAAAAEAAABQAAAAAAAAAAAA4D8AAAAAAADgPwAAAAAAAOA/AAAAAAAA4D8AAAAAAADgPwAAAAAAAOA/AAAAAAAA4D8AAAAAAADgPwAAAAAAAOA/AAAAAAAA4D8CAAAAjAAAAAAAAAAAAAAAu+DjDP///wgAAAAAAAAAAAAAAAAAAAAAAAAAAAAAAAAAAAAAZAAAAAEAAABAAAAAAAAAAAAAAAAAAAAAAAAAAAAAAAAAAAAAAAAAAAAAAAAAAAAAAAAAAAAAAAAAAAAAAAAAAAAAAAAAAAAAAAAAAAAAAAAAAAAAAAAAAAAAAAAAAAAAFAAAADwAAAAAAAAAAAAAAAAAAAkUAAAAAQAAABQAAAAUAAAAFAAAAAEAAAAAAAAAZAAAAGQAAAAAAAAAZAAAAGQAAAAVAAAAYAAAAAAAAAAAAAAADwAAACADAAAAAAAAAAAAAAEAAACgMgAAVgcAAKr4//8BAAAAf39/AAEAAABkAAAAAAAAABQAAABAHwAAAAAAACYAAAAAAAAAwOD//wAAAAAmAAAAZAAAABYAAABMAAAAAAAAAAAAAAAEAAAAAAAAAAEAAACAgIAKAAAAACgAAAAoAAAAZAAAAGQAAAAAAAAAzMzMAAAAAABQAAAAUAAAAGQAAABkAAAAAAAAABcAAAAUAAAAAAAAAAAAAAD/fwAA/38AAAAAAAAJAAAABAAAAAUAmkwMAAAAEAAAAAAAAAAAAAAAAAAAAAAAAAAeAAAAaAAAAAAAAAAAAAAAAAAAAAAAAAAAAAAAECcAABAnAAAAAAAAAAAAAAAAAAAAAAAAAAAAAAAAAAAAAAAAAAAAABQAAAAAAAAAwMD/AAAAAABkAAAAMgAAAAAAAABkAAAAAAAAAH9/fwAKAAAAHwAAAFQAAAAAAAAFAAAAAQAAAAAAAAAAAAAAAAAAAAAAAAAAAAAAAAAAAAAAAAAAAAAAAn9/fwAAAAADzMzMAMDA/wB/f38AAAAAAAAAAAAAAAAAAAAAAAAAAAAhAAAAGAAAABQAAAAGCwAAxgMAAMYsAAAWHQAAEAAAACYAAAAIAAAAAYAAAAAAAAA="/>
+                <pr:smNativeData xmlns:pr="smNativeData" val="SMDATA_13_Hs+1XxMAAAAlAAAAZAAAAA8BAAAAkAAAAEgAAACQAAAASAAAAAAAAAAAAAAAAAAAAAEAAABQAAAAAAAAAAAA4D8AAAAAAADgPwAAAAAAAOA/AAAAAAAA4D8AAAAAAADgPwAAAAAAAOA/AAAAAAAA4D8AAAAAAADgPwAAAAAAAOA/AAAAAAAA4D8CAAAAjAAAAAAAAAAAAAAAu+DjDP///wgAAAAAAAAAAAAAAAAAAAAAAAAAAAAAAAAAAAAAZAAAAAEAAABAAAAAAAAAAAAAAAAAAAAAAAAAAAAAAAAAAAAAAAAAAAAAAAAAAAAAAAAAAAAAAAAAAAAAAAAAAAAAAAAAAAAAAAAAAAAAAAAAAAAAAAAAAAAAAAAAAAAAFAAAADwAAAAAAAAAAAAAAAAAAAkUAAAAAQAAABQAAAAUAAAAFAAAAAEAAAAAAAAAZAAAAGQAAAAAAAAAZAAAAGQAAAAVAAAAYAAAAAAAAAAAAAAADwAAACADAAAAAAAAAAAAAAEAAACgMgAAVgcAAKr4//8BAAAAf39/AAEAAABkAAAAAAAAABQAAABAHwAAAAAAACYAAAAAAAAAwOD//wAAAAAmAAAAZAAAABYAAABMAAAAAAAAAAAAAAAEAAAAAAAAAAEAAACAgIAKAAAAACgAAAAoAAAAZAAAAGQAAAAAAAAAzMzMAAAAAABQAAAAUAAAAGQAAABkAAAAAAAAABcAAAAUAAAAAAAAAAAAAAD/fwAA/38AAAAAAAAJAAAABAAAAAUAmkwMAAAAEAAAAAAAAAAAAAAAAAAAAAAAAAAeAAAAaAAAAAAAAAAAAAAAAAAAAAAAAAAAAAAAECcAABAnAAAAAAAAAAAAAAAAAAAAAAAAAAAAAAAAAAAAAAAAAAAAABQAAAAAAAAAwMD/AAAAAABkAAAAMgAAAAAAAABkAAAAAAAAAH9/fwAKAAAAHwAAAFQAAAAAAAAFAAAAAQAAAAAAAAAAAAAAAAAAAAAAAAAAAAAAAAAAAAAAAAAAAAAAAn9/fwAAAAADzMzMAMDA/wB/f38AAAAAAAAAAAAAAAAAAAAAAAAAAAAhAAAAGAAAABQAAAAGCwAAxgMAAMYsAAAWHQAAEAAAACYAAAAIAAAAAYAAAAAAAAA="/>
               </a:ext>
             </a:extLst>
           </p:cNvSpPr>
@@ -2664,7 +2665,7 @@
             <a:spLocks noGrp="1" noChangeArrowheads="1"/>
             <a:extLst>
               <a:ext uri="smNativeData">
-                <pr:smNativeData xmlns:pr="smNativeData" val="SMDATA_13_4IlQXxMAAAAlAAAAZAAAAA8BAAAAkAAAAEgAAACQAAAASAAAAAAAAAAAAAAAAAAAAAEAAABQAAAAAAAAAAAA4D8AAAAAAADgPwAAAAAAAOA/AAAAAAAA4D8AAAAAAADgPwAAAAAAAOA/AAAAAAAA4D8AAAAAAADgPwAAAAAAAOA/AAAAAAAA4D8CAAAAjAAAAAAAAAAAAAAAu+DjDP///wgAAAAAAAAAAAAAAAAAAAAAAAAAAAAAAAAAAAAAZAAAAAEAAABAAAAAAAAAAAAAAAAAAAAAAAAAAAAAAAAAAAAAAAAAAAAAAAAAAAAAAAAAAAAAAAAAAAAAAAAAAAAAAAAAAAAAAAAAAAAAAAAAAAAAAAAAAAAAAAAAAAAAFAAAADwAAAAAAAAAAAAAAAAAAAkUAAAAAQAAABQAAAAUAAAAFAAAAAEAAAAAAAAAZAAAAGQAAAAAAAAAZAAAAGQAAAAVAAAAYAAAAAAAAAAAAAAADwAAACADAAAAAAAAAAAAAAEAAACgMgAAVgcAAKr4//8BAAAAf39/AAEAAABkAAAAAAAAABQAAABAHwAAAAAAACYAAAAAAAAAwOD//wAAAAAmAAAAZAAAABYAAABMAAAAAAAAAAAAAAAEAAAAAAAAAAEAAACAgIAKAAAAACgAAAAoAAAAZAAAAGQAAAAAAAAAzMzMAAAAAABQAAAAUAAAAGQAAABkAAAAAAAAABcAAAAUAAAAAAAAAAAAAAD/fwAA/38AAAAAAAAJAAAABAAAAAAAAAAMAAAAEAAAAAAAAAAAAAAAAAAAAAAAAAAeAAAAaAAAAAAAAAAAAAAAAAAAAAAAAAAAAAAAECcAABAnAAAAAAAAAAAAAAAAAAAAAAAAAAAAAAAAAAAAAAAAAAAAABQAAAAAAAAAwMD/AAAAAABkAAAAMgAAAAAAAABkAAAAAAAAAH9/fwAKAAAAHwAAAFQAAAAAAAAFAAAAAQAAAAAAAAAAAAAAAAAAAAAAAAAAAAAAAAAAAAAAAAAAAAAAAn9/fwAAAAADzMzMAMDA/wB/f38AAAAAAAAAAAAAAAAAAAAAAAAAAAAhAAAAGAAAABQAAAAGCwAABCEAAMYsAAD4JQAAEAAAACYAAAAIAAAAAYAAAAAAAAA="/>
+                <pr:smNativeData xmlns:pr="smNativeData" val="SMDATA_13_Hs+1XxMAAAAlAAAAZAAAAA8BAAAAkAAAAEgAAACQAAAASAAAAAAAAAAAAAAAAAAAAAEAAABQAAAAAAAAAAAA4D8AAAAAAADgPwAAAAAAAOA/AAAAAAAA4D8AAAAAAADgPwAAAAAAAOA/AAAAAAAA4D8AAAAAAADgPwAAAAAAAOA/AAAAAAAA4D8CAAAAjAAAAAAAAAAAAAAAu+DjDP///wgAAAAAAAAAAAAAAAAAAAAAAAAAAAAAAAAAAAAAZAAAAAEAAABAAAAAAAAAAAAAAAAAAAAAAAAAAAAAAAAAAAAAAAAAAAAAAAAAAAAAAAAAAAAAAAAAAAAAAAAAAAAAAAAAAAAAAAAAAAAAAAAAAAAAAAAAAAAAAAAAAAAAFAAAADwAAAAAAAAAAAAAAAAAAAkUAAAAAQAAABQAAAAUAAAAFAAAAAEAAAAAAAAAZAAAAGQAAAAAAAAAZAAAAGQAAAAVAAAAYAAAAAAAAAAAAAAADwAAACADAAAAAAAAAAAAAAEAAACgMgAAVgcAAKr4//8BAAAAf39/AAEAAABkAAAAAAAAABQAAABAHwAAAAAAACYAAAAAAAAAwOD//wAAAAAmAAAAZAAAABYAAABMAAAAAAAAAAAAAAAEAAAAAAAAAAEAAACAgIAKAAAAACgAAAAoAAAAZAAAAGQAAAAAAAAAzMzMAAAAAABQAAAAUAAAAGQAAABkAAAAAAAAABcAAAAUAAAAAAAAAAAAAAD/fwAA/38AAAAAAAAJAAAABAAAAAAAAAAMAAAAEAAAAAAAAAAAAAAAAAAAAAAAAAAeAAAAaAAAAAAAAAAAAAAAAAAAAAAAAAAAAAAAECcAABAnAAAAAAAAAAAAAAAAAAAAAAAAAAAAAAAAAAAAAAAAAAAAABQAAAAAAAAAwMD/AAAAAABkAAAAMgAAAAAAAABkAAAAAAAAAH9/fwAKAAAAHwAAAFQAAAAAAAAFAAAAAQAAAAAAAAAAAAAAAAAAAAAAAAAAAAAAAAAAAAAAAAAAAAAAAn9/fwAAAAADzMzMAMDA/wB/f38AAAAAAAAAAAAAAAAAAAAAAAAAAAAhAAAAGAAAABQAAAAGCwAABCEAAMYsAAD4JQAAEAAAACYAAAAIAAAAAYAAAAAAAAA="/>
               </a:ext>
             </a:extLst>
           </p:cNvSpPr>
@@ -2733,7 +2734,7 @@
             <a:spLocks noGrp="1" noChangeArrowheads="1"/>
             <a:extLst>
               <a:ext uri="smNativeData">
-                <pr:smNativeData xmlns:pr="smNativeData" val="SMDATA_13_4IlQXxMAAAAlAAAAZAAAAA8BAAAAkAAAAEgAAACQAAAASAAAAAAAAAABAAAAAAAAAAEAAABQAAAAAAAAAAAA4D8AAAAAAADgPwAAAAAAAOA/AAAAAAAA4D8AAAAAAADgPwAAAAAAAOA/AAAAAAAA4D8AAAAAAADgPwAAAAAAAOA/AAAAAAAA4D8CAAAAjAAAAAAAAAAAAAAAu+DjDP///wgAAAAAAAAAAAAAAAAAAAAAAAAAAAAAAAAAAAAAZAAAAAEAAABAAAAAAAAAAAAAAAAAAAAAAAAAAAAAAAAAAAAAAAAAAAAAAAAAAAAAAAAAAAAAAAAAAAAAAAAAAAAAAAAAAAAAAAAAAAAAAAAAAAAAAAAAAAAAAAAAAAAAFAAAADwAAAAAAAAAAAAAAAAAAAkUAAAAAQAAABQAAAAUAAAAFAAAAAEAAAAAAAAAZAAAAGQAAAAAAAAAZAAAAGQAAAAVAAAAYAAAAAAAAAAAAAAADwAAACADAAAAAAAAAAAAAAEAAACgMgAAVgcAAKr4//8BAAAAf39/AAEAAABkAAAAAAAAABQAAABAHwAAAAAAACYAAAAAAAAAwOD//wAAAAAmAAAAZAAAABYAAABMAAAAAAAAAAAAAAAEAAAAAAAAAAEAAACAgIAKAAAAACgAAAAoAAAAZAAAAGQAAAAAAAAAzMzMAAAAAABQAAAAUAAAAGQAAABkAAAAAAAAABcAAAAUAAAAAAAAAAAAAAD/fwAA/38AAAAAAAAJAAAABAAAAAQA0UcMAAAAEAAAAAAAAAAAAAAAAAAAAAAAAAAeAAAAaAAAAAAAAAAAAAAAAAAAAAAAAAAAAAAAECcAABAnAAAAAAAAAAAAAAAAAAAAAAAAAAAAAAAAAAAAAAAAAAAAABQAAAAAAAAAwMD/AAAAAABkAAAAMgAAAAAAAABkAAAAAAAAAH9/fwAKAAAAHwAAAFQAAAAAAAAFAAAAAQAAAAAAAAAAAAAAAAAAAAAAAAAAAAAAAAAAAAAAAAAAAAAAAn9/fwAAAAADzMzMAMDA/wB/f38AAAAAAAAAAAAAAAAAAAAAAAAAAAAhAAAAGAAAABQAAADQAgAAGycAAPAPAABZKQAAEAAAACYAAAAIAAAAAAAAAAAAAAA="/>
+                <pr:smNativeData xmlns:pr="smNativeData" val="SMDATA_13_Hs+1XxMAAAAlAAAAZAAAAA8BAAAAkAAAAEgAAACQAAAASAAAAAAAAAABAAAAAAAAAAEAAABQAAAAAAAAAAAA4D8AAAAAAADgPwAAAAAAAOA/AAAAAAAA4D8AAAAAAADgPwAAAAAAAOA/AAAAAAAA4D8AAAAAAADgPwAAAAAAAOA/AAAAAAAA4D8CAAAAjAAAAAAAAAAAAAAAu+DjDP///wgAAAAAAAAAAAAAAAAAAAAAAAAAAAAAAAAAAAAAZAAAAAEAAABAAAAAAAAAAAAAAAAAAAAAAAAAAAAAAAAAAAAAAAAAAAAAAAAAAAAAAAAAAAAAAAAAAAAAAAAAAAAAAAAAAAAAAAAAAAAAAAAAAAAAAAAAAAAAAAAAAAAAFAAAADwAAAAAAAAAAAAAAAAAAAkUAAAAAQAAABQAAAAUAAAAFAAAAAEAAAAAAAAAZAAAAGQAAAAAAAAAZAAAAGQAAAAVAAAAYAAAAAAAAAAAAAAADwAAACADAAAAAAAAAAAAAAEAAACgMgAAVgcAAKr4//8BAAAAf39/AAEAAABkAAAAAAAAABQAAABAHwAAAAAAACYAAAAAAAAAwOD//wAAAAAmAAAAZAAAABYAAABMAAAAAAAAAAAAAAAEAAAAAAAAAAEAAACAgIAKAAAAACgAAAAoAAAAZAAAAGQAAAAAAAAAzMzMAAAAAABQAAAAUAAAAGQAAABkAAAAAAAAABcAAAAUAAAAAAAAAAAAAAD/fwAA/38AAAAAAAAJAAAABAAAAAQA0UcMAAAAEAAAAAAAAAAAAAAAAAAAAAAAAAAeAAAAaAAAAAAAAAAAAAAAAAAAAAAAAAAAAAAAECcAABAnAAAAAAAAAAAAAAAAAAAAAAAAAAAAAAAAAAAAAAAAAAAAABQAAAAAAAAAwMD/AAAAAABkAAAAMgAAAAAAAABkAAAAAAAAAH9/fwAKAAAAHwAAAFQAAAAAAAAFAAAAAQAAAAAAAAAAAAAAAAAAAAAAAAAAAAAAAAAAAAAAAAAAAAAAAn9/fwAAAAADzMzMAMDA/wB/f38AAAAAAAAAAAAAAAAAAAAAAAAAAAAhAAAAGAAAABQAAADQAgAAGycAAPAPAABZKQAAEAAAACYAAAAIAAAAAAAAAAAAAAA="/>
               </a:ext>
             </a:extLst>
           </p:cNvSpPr>
@@ -2747,7 +2748,7 @@
           <a:lstStyle/>
           <a:p>
             <a:pPr/>
-            <a:fld id="{AA494A37-7947-1CBC-09F1-8FE904BFFFDA}" type="datetime1">
+            <a:fld id="{2FE6CBD3-9DC2-B33D-8C5E-6B6885107A3E}" type="datetime1">
               <a:t/>
             </a:fld>
           </a:p>
@@ -2760,7 +2761,7 @@
             <a:spLocks noGrp="1" noChangeArrowheads="1"/>
             <a:extLst>
               <a:ext uri="smNativeData">
-                <pr:smNativeData xmlns:pr="smNativeData" val="SMDATA_13_4IlQXxMAAAAlAAAAZAAAAA8BAAAAkAAAAEgAAACQAAAASAAAAAAAAAABAAAAAAAAAAEAAABQAAAAAAAAAAAA4D8AAAAAAADgPwAAAAAAAOA/AAAAAAAA4D8AAAAAAADgPwAAAAAAAOA/AAAAAAAA4D8AAAAAAADgPwAAAAAAAOA/AAAAAAAA4D8CAAAAjAAAAAAAAAAAAAAAu+DjDP///wgAAAAAAAAAAAAAAAAAAAAAAAAAAAAAAAAAAAAAZAAAAAEAAABAAAAAAAAAAAAAAAAAAAAAAAAAAAAAAAAAAAAAAAAAAAAAAAAAAAAAAAAAAAAAAAAAAAAAAAAAAAAAAAAAAAAAAAAAAAAAAAAAAAAAAAAAAAAAAAAAAAAAFAAAADwAAAAAAAAAAAAAAAAAAAkUAAAAAQAAABQAAAAUAAAAFAAAAAEAAAAAAAAAZAAAAGQAAAAAAAAAZAAAAGQAAAAVAAAAYAAAAAAAAAAAAAAADwAAACADAAAAAAAAAAAAAAEAAACgMgAAVgcAAKr4//8BAAAAf39/AAEAAABkAAAAAAAAABQAAABAHwAAAAAAACYAAAAAAAAAwOD//wAAAAAmAAAAZAAAABYAAABMAAAAAAAAAAAAAAAEAAAAAAAAAAEAAACAgIAKAAAAACgAAAAoAAAAZAAAAGQAAAAAAAAAzMzMAAAAAABQAAAAUAAAAGQAAABkAAAAAAAAABcAAAAUAAAAAAAAAAAAAAD/fwAA/38AAAAAAAAJAAAABAAAADoLBQAMAAAAEAAAAAAAAAAAAAAAAAAAAAAAAAAeAAAAaAAAAAAAAAAAAAAAAAAAAAAAAAAAAAAAECcAABAnAAAAAAAAAAAAAAAAAAAAAAAAAAAAAAAAAAAAAAAAAAAAABQAAAAAAAAAwMD/AAAAAABkAAAAMgAAAAAAAABkAAAAAAAAAH9/fwAKAAAAHwAAAFQAAAAAAAAFAAAAAQAAAAAAAAAAAAAAAAAAAAAAAAAAAAAAAAAAAAAAAAAAAAAAAn9/fwAAAAADzMzMAMDA/wB/f38AAAAAAAAAAAAAAAAAAAAAAAAAAAAhAAAAGAAAABQAAAA4EwAAGycAAAglAABZKQAAEAAAACYAAAAIAAAAAAAAAAAAAAA="/>
+                <pr:smNativeData xmlns:pr="smNativeData" val="SMDATA_13_Hs+1XxMAAAAlAAAAZAAAAA8BAAAAkAAAAEgAAACQAAAASAAAAAAAAAABAAAAAAAAAAEAAABQAAAAAAAAAAAA4D8AAAAAAADgPwAAAAAAAOA/AAAAAAAA4D8AAAAAAADgPwAAAAAAAOA/AAAAAAAA4D8AAAAAAADgPwAAAAAAAOA/AAAAAAAA4D8CAAAAjAAAAAAAAAAAAAAAu+DjDP///wgAAAAAAAAAAAAAAAAAAAAAAAAAAAAAAAAAAAAAZAAAAAEAAABAAAAAAAAAAAAAAAAAAAAAAAAAAAAAAAAAAAAAAAAAAAAAAAAAAAAAAAAAAAAAAAAAAAAAAAAAAAAAAAAAAAAAAAAAAAAAAAAAAAAAAAAAAAAAAAAAAAAAFAAAADwAAAAAAAAAAAAAAAAAAAkUAAAAAQAAABQAAAAUAAAAFAAAAAEAAAAAAAAAZAAAAGQAAAAAAAAAZAAAAGQAAAAVAAAAYAAAAAAAAAAAAAAADwAAACADAAAAAAAAAAAAAAEAAACgMgAAVgcAAKr4//8BAAAAf39/AAEAAABkAAAAAAAAABQAAABAHwAAAAAAACYAAAAAAAAAwOD//wAAAAAmAAAAZAAAABYAAABMAAAAAAAAAAAAAAAEAAAAAAAAAAEAAACAgIAKAAAAACgAAAAoAAAAZAAAAGQAAAAAAAAAzMzMAAAAAABQAAAAUAAAAGQAAABkAAAAAAAAABcAAAAUAAAAAAAAAAAAAAD/fwAA/38AAAAAAAAJAAAABAAAADoLBQAMAAAAEAAAAAAAAAAAAAAAAAAAAAAAAAAeAAAAaAAAAAAAAAAAAAAAAAAAAAAAAAAAAAAAECcAABAnAAAAAAAAAAAAAAAAAAAAAAAAAAAAAAAAAAAAAAAAAAAAABQAAAAAAAAAwMD/AAAAAABkAAAAMgAAAAAAAABkAAAAAAAAAH9/fwAKAAAAHwAAAFQAAAAAAAAFAAAAAQAAAAAAAAAAAAAAAAAAAAAAAAAAAAAAAAAAAAAAAAAAAAAAAn9/fwAAAAADzMzMAMDA/wB/f38AAAAAAAAAAAAAAAAAAAAAAAAAAAAhAAAAGAAAABQAAAA4EwAAGycAAAglAABZKQAAEAAAACYAAAAIAAAAAAAAAAAAAAA="/>
               </a:ext>
             </a:extLst>
           </p:cNvSpPr>
@@ -2784,7 +2785,7 @@
             <a:spLocks noGrp="1" noChangeArrowheads="1"/>
             <a:extLst>
               <a:ext uri="smNativeData">
-                <pr:smNativeData xmlns:pr="smNativeData" val="SMDATA_13_4IlQXxMAAAAlAAAAZAAAAA8BAAAAkAAAAEgAAACQAAAASAAAAAAAAAABAAAAAAAAAAEAAABQAAAAAAAAAAAA4D8AAAAAAADgPwAAAAAAAOA/AAAAAAAA4D8AAAAAAADgPwAAAAAAAOA/AAAAAAAA4D8AAAAAAADgPwAAAAAAAOA/AAAAAAAA4D8CAAAAjAAAAAAAAAAAAAAAu+DjDP///wgAAAAAAAAAAAAAAAAAAAAAAAAAAAAAAAAAAAAAZAAAAAEAAABAAAAAAAAAAAAAAAAAAAAAAAAAAAAAAAAAAAAAAAAAAAAAAAAAAAAAAAAAAAAAAAAAAAAAAAAAAAAAAAAAAAAAAAAAAAAAAAAAAAAAAAAAAAAAAAAAAAAAFAAAADwAAAAAAAAAAAAAAAAAAAkUAAAAAQAAABQAAAAUAAAAFAAAAAEAAAAAAAAAZAAAAGQAAAAAAAAAZAAAAGQAAAAVAAAAYAAAAAAAAAAAAAAADwAAACADAAAAAAAAAAAAAAEAAACgMgAAVgcAAKr4//8BAAAAf39/AAEAAABkAAAAAAAAABQAAABAHwAAAAAAACYAAAAAAAAAwOD//wAAAAAmAAAAZAAAABYAAABMAAAAAAAAAAAAAAAEAAAAAAAAAAEAAACAgIAKAAAAACgAAAAoAAAAZAAAAGQAAAAAAAAAzMzMAAAAAABQAAAAUAAAAGQAAABkAAAAAAAAABcAAAAUAAAAAAAAAAAAAAD/fwAA/38AAAAAAAAJAAAABAAAAKCPBAAMAAAAEAAAAAAAAAAAAAAAAAAAAAAAAAAeAAAAaAAAAAAAAAAAAAAAAAAAAAAAAAAAAAAAECcAABAnAAAAAAAAAAAAAAAAAAAAAAAAAAAAAAAAAAAAAAAAAAAAABQAAAAAAAAAwMD/AAAAAABkAAAAMgAAAAAAAABkAAAAAAAAAH9/fwAKAAAAHwAAAFQAAAAAAAAFAAAAAQAAAAAAAAAAAAAAAAAAAAAAAAAAAAAAAAAAAAAAAAAAAAAAAn9/fwAAAAADzMzMAMDA/wB/f38AAAAAAAAAAAAAAAAAAAAAAAAAAAAhAAAAGAAAABQAAABQKAAAGycAAHA1AABZKQAAEAAAACYAAAAIAAAAAAAAAAAAAAA="/>
+                <pr:smNativeData xmlns:pr="smNativeData" val="SMDATA_13_Hs+1XxMAAAAlAAAAZAAAAA8BAAAAkAAAAEgAAACQAAAASAAAAAAAAAABAAAAAAAAAAEAAABQAAAAAAAAAAAA4D8AAAAAAADgPwAAAAAAAOA/AAAAAAAA4D8AAAAAAADgPwAAAAAAAOA/AAAAAAAA4D8AAAAAAADgPwAAAAAAAOA/AAAAAAAA4D8CAAAAjAAAAAAAAAAAAAAAu+DjDP///wgAAAAAAAAAAAAAAAAAAAAAAAAAAAAAAAAAAAAAZAAAAAEAAABAAAAAAAAAAAAAAAAAAAAAAAAAAAAAAAAAAAAAAAAAAAAAAAAAAAAAAAAAAAAAAAAAAAAAAAAAAAAAAAAAAAAAAAAAAAAAAAAAAAAAAAAAAAAAAAAAAAAAFAAAADwAAAAAAAAAAAAAAAAAAAkUAAAAAQAAABQAAAAUAAAAFAAAAAEAAAAAAAAAZAAAAGQAAAAAAAAAZAAAAGQAAAAVAAAAYAAAAAAAAAAAAAAADwAAACADAAAAAAAAAAAAAAEAAACgMgAAVgcAAKr4//8BAAAAf39/AAEAAABkAAAAAAAAABQAAABAHwAAAAAAACYAAAAAAAAAwOD//wAAAAAmAAAAZAAAABYAAABMAAAAAAAAAAAAAAAEAAAAAAAAAAEAAACAgIAKAAAAACgAAAAoAAAAZAAAAGQAAAAAAAAAzMzMAAAAAABQAAAAUAAAAGQAAABkAAAAAAAAABcAAAAUAAAAAAAAAAAAAAD/fwAA/38AAAAAAAAJAAAABAAAAKCPBAAMAAAAEAAAAAAAAAAAAAAAAAAAAAAAAAAeAAAAaAAAAAAAAAAAAAAAAAAAAAAAAAAAAAAAECcAABAnAAAAAAAAAAAAAAAAAAAAAAAAAAAAAAAAAAAAAAAAAAAAABQAAAAAAAAAwMD/AAAAAABkAAAAMgAAAAAAAABkAAAAAAAAAH9/fwAKAAAAHwAAAFQAAAAAAAAFAAAAAQAAAAAAAAAAAAAAAAAAAAAAAAAAAAAAAAAAAAAAAAAAAAAAAn9/fwAAAAADzMzMAMDA/wB/f38AAAAAAAAAAAAAAAAAAAAAAAAAAAAhAAAAGAAAABQAAABQKAAAGycAAHA1AABZKQAAEAAAACYAAAAIAAAAAAAAAAAAAAA="/>
               </a:ext>
             </a:extLst>
           </p:cNvSpPr>
@@ -2798,7 +2799,7 @@
           <a:lstStyle/>
           <a:p>
             <a:pPr/>
-            <a:fld id="{AA490D06-4847-1CFB-09F1-BEAE43BFFFEB}" type="slidenum">
+            <a:fld id="{2FE6EBCD-83C2-B31D-8C5E-7548A5107A20}" type="slidenum">
               <a:t/>
             </a:fld>
           </a:p>
@@ -2844,7 +2845,7 @@
             <a:spLocks noGrp="1" noChangeArrowheads="1"/>
             <a:extLst>
               <a:ext uri="smNativeData">
-                <pr:smNativeData xmlns:pr="smNativeData" val="SMDATA_13_4IlQXxMAAAAlAAAAZAAAAA8BAAAAkAAAAEgAAACQAAAASAAAAAAAAAABAAAAAAAAAAEAAABQAAAAAAAAAAAA4D8AAAAAAADgPwAAAAAAAOA/AAAAAAAA4D8AAAAAAADgPwAAAAAAAOA/AAAAAAAA4D8AAAAAAADgPwAAAAAAAOA/AAAAAAAA4D8CAAAAjAAAAAAAAAAAAAAAu+DjDP///wgAAAAAAAAAAAAAAAAAAAAAAAAAAAAAAAAAAAAAZAAAAAEAAABAAAAAAAAAAAAAAAAAAAAAAAAAAAAAAAAAAAAAAAAAAAAAAAAAAAAAAAAAAAAAAAAAAAAAAAAAAAAAAAAAAAAAAAAAAAAAAAAAAAAAAAAAAAAAAAAAAAAAFAAAADwAAAAAAAAAAAAAAAAAAAkUAAAAAQAAABQAAAAUAAAAFAAAAAEAAAAAAAAAZAAAAGQAAAAAAAAAZAAAAGQAAAAVAAAAYAAAAAAAAAAAAAAADwAAACADAAAAAAAAAAAAAAEAAACgMgAAVgcAAKr4//8BAAAAf39/AAEAAABkAAAAAAAAABQAAABAHwAAAAAAACYAAAAAAAAAwOD//wAAAAAmAAAAZAAAABYAAABMAAAAAAAAAAAAAAAEAAAAAAAAAAEAAACAgIAKAAAAACgAAAAoAAAAZAAAAGQAAAAAAAAAzMzMAAAAAABQAAAAUAAAAGQAAABkAAAAAAAAABcAAAAUAAAAAAAAAAAAAAD/fwAA/38AAAAAAAAJAAAABAAAAAAAAAAMAAAAEAAAAAAAAAAAAAAAAAAAAAAAAAAeAAAAaAAAAAAAAAAAAAAAAAAAAAAAAAAAAAAAECcAABAnAAAAAAAAAAAAAAAAAAAAAAAAAAAAAAAAAAAAAAAAAAAAABQAAAAAAAAAwMD/AAAAAABkAAAAMgAAAAAAAABkAAAAAAAAAH9/fwAKAAAAHwAAAFQAAAAAAAAFAAAAAQAAAAAAAAAAAAAAAAAAAAAAAAAAAAAAAAAAAAAAAAAAAAAAAn9/fwAAAAADzMzMAMDA/wB/f38AAAAAAAAAAAAAAAAAAAAAAAAAAAAhAAAAGAAAABQAAADQAgAAsAEAAHA1AAC4CAAAEAAAACYAAAAIAAAA//////////8="/>
+                <pr:smNativeData xmlns:pr="smNativeData" val="SMDATA_13_Hs+1XxMAAAAlAAAAZAAAAA8BAAAAkAAAAEgAAACQAAAASAAAAAAAAAABAAAAAAAAAAEAAABQAAAAAAAAAAAA4D8AAAAAAADgPwAAAAAAAOA/AAAAAAAA4D8AAAAAAADgPwAAAAAAAOA/AAAAAAAA4D8AAAAAAADgPwAAAAAAAOA/AAAAAAAA4D8CAAAAjAAAAAAAAAAAAAAAu+DjDP///wgAAAAAAAAAAAAAAAAAAAAAAAAAAAAAAAAAAAAAZAAAAAEAAABAAAAAAAAAAAAAAAAAAAAAAAAAAAAAAAAAAAAAAAAAAAAAAAAAAAAAAAAAAAAAAAAAAAAAAAAAAAAAAAAAAAAAAAAAAAAAAAAAAAAAAAAAAAAAAAAAAAAAFAAAADwAAAAAAAAAAAAAAAAAAAkUAAAAAQAAABQAAAAUAAAAFAAAAAEAAAAAAAAAZAAAAGQAAAAAAAAAZAAAAGQAAAAVAAAAYAAAAAAAAAAAAAAADwAAACADAAAAAAAAAAAAAAEAAACgMgAAVgcAAKr4//8BAAAAf39/AAEAAABkAAAAAAAAABQAAABAHwAAAAAAACYAAAAAAAAAwOD//wAAAAAmAAAAZAAAABYAAABMAAAAAAAAAAAAAAAEAAAAAAAAAAEAAACAgIAKAAAAACgAAAAoAAAAZAAAAGQAAAAAAAAAzMzMAAAAAABQAAAAUAAAAGQAAABkAAAAAAAAABcAAAAUAAAAAAAAAAAAAAD/fwAA/38AAAAAAAAJAAAABAAAAAAAAAAMAAAAEAAAAAAAAAAAAAAAAAAAAAAAAAAeAAAAaAAAAAAAAAAAAAAAAAAAAAAAAAAAAAAAECcAABAnAAAAAAAAAAAAAAAAAAAAAAAAAAAAAAAAAAAAAAAAAAAAABQAAAAAAAAAwMD/AAAAAABkAAAAMgAAAAAAAABkAAAAAAAAAH9/fwAKAAAAHwAAAFQAAAAAAAAFAAAAAQAAAAAAAAAAAAAAAAAAAAAAAAAAAAAAAAAAAAAAAAAAAAAAAn9/fwAAAAADzMzMAMDA/wB/f38AAAAAAAAAAAAAAAAAAAAAAAAAAAAhAAAAGAAAABQAAADQAgAAsAEAAHA1AAC4CAAAEAAAACYAAAAIAAAA//////////8="/>
               </a:ext>
             </a:extLst>
           </p:cNvSpPr>
@@ -2888,7 +2889,7 @@
             <a:spLocks noGrp="1" noChangeArrowheads="1"/>
             <a:extLst>
               <a:ext uri="smNativeData">
-                <pr:smNativeData xmlns:pr="smNativeData" val="SMDATA_13_4IlQXxMAAAAlAAAAZAAAAA8BAAAAkAAAAEgAAACQAAAASAAAAAAAAAAAAAAAAAAAAAEAAABQAAAAAAAAAAAA4D8AAAAAAADgPwAAAAAAAOA/AAAAAAAA4D8AAAAAAADgPwAAAAAAAOA/AAAAAAAA4D8AAAAAAADgPwAAAAAAAOA/AAAAAAAA4D8CAAAAjAAAAAAAAAAAAAAAu+DjDP///wgAAAAAAAAAAAAAAAAAAAAAAAAAAAAAAAAAAAAAZAAAAAEAAABAAAAAAAAAAAAAAAAAAAAAAAAAAAAAAAAAAAAAAAAAAAAAAAAAAAAAAAAAAAAAAAAAAAAAAAAAAAAAAAAAAAAAAAAAAAAAAAAAAAAAAAAAAAAAAAAAAAAAFAAAADwAAAAAAAAAAAAAAAAAAAkUAAAAAQAAABQAAAAUAAAAFAAAAAEAAAAAAAAAZAAAAGQAAAAAAAAAZAAAAGQAAAAVAAAAYAAAAAAAAAAAAAAADwAAACADAAAAAAAAAAAAAAEAAACgMgAAVgcAAKr4//8BAAAAf39/AAEAAABkAAAAAAAAABQAAABAHwAAAAAAACYAAAAAAAAAwOD//wAAAAAmAAAAZAAAABYAAABMAAAAAAAAAAAAAAAEAAAAAAAAAAEAAACAgIAKAAAAACgAAAAoAAAAZAAAAGQAAAAAAAAAzMzMAAAAAABQAAAAUAAAAGQAAABkAAAAAAAAABcAAAAUAAAAAAAAAAAAAAD/fwAA/38AAAAAAAAJAAAABAAAAAAAAAAMAAAAEAAAAAAAAAAAAAAAAAAAAAAAAAAeAAAAaAAAAAAAAAAAAAAAAAAAAAAAAAAAAAAAECcAABAnAAAAAAAAAAAAAAAAAAAAAAAAAAAAAAAAAAAAAAAAAAAAABQAAAAAAAAAwMD/AAAAAABkAAAAMgAAAAAAAABkAAAAAAAAAH9/fwAKAAAAHwAAAFQAAAAAAAAFAAAAAQAAAAAAAAAAAAAAAAAAAAAAAAAAAAAAAAAAAAAAAAAAAAAAAn9/fwAAAAADzMzMAMDA/wB/f38AAAAAAAAAAAAAAAAAAAAAAAAAAAAhAAAAGAAAABQAAADQAgAA2AkAAHA1AACwJQAAEAAAACYAAAAIAAAA//////////8="/>
+                <pr:smNativeData xmlns:pr="smNativeData" val="SMDATA_13_Hs+1XxMAAAAlAAAAZAAAAA8BAAAAkAAAAEgAAACQAAAASAAAAAAAAAAAAAAAAAAAAAEAAABQAAAAAAAAAAAA4D8AAAAAAADgPwAAAAAAAOA/AAAAAAAA4D8AAAAAAADgPwAAAAAAAOA/AAAAAAAA4D8AAAAAAADgPwAAAAAAAOA/AAAAAAAA4D8CAAAAjAAAAAAAAAAAAAAAu+DjDP///wgAAAAAAAAAAAAAAAAAAAAAAAAAAAAAAAAAAAAAZAAAAAEAAABAAAAAAAAAAAAAAAAAAAAAAAAAAAAAAAAAAAAAAAAAAAAAAAAAAAAAAAAAAAAAAAAAAAAAAAAAAAAAAAAAAAAAAAAAAAAAAAAAAAAAAAAAAAAAAAAAAAAAFAAAADwAAAAAAAAAAAAAAAAAAAkUAAAAAQAAABQAAAAUAAAAFAAAAAEAAAAAAAAAZAAAAGQAAAAAAAAAZAAAAGQAAAAVAAAAYAAAAAAAAAAAAAAADwAAACADAAAAAAAAAAAAAAEAAACgMgAAVgcAAKr4//8BAAAAf39/AAEAAABkAAAAAAAAABQAAABAHwAAAAAAACYAAAAAAAAAwOD//wAAAAAmAAAAZAAAABYAAABMAAAAAAAAAAAAAAAEAAAAAAAAAAEAAACAgIAKAAAAACgAAAAoAAAAZAAAAGQAAAAAAAAAzMzMAAAAAABQAAAAUAAAAGQAAABkAAAAAAAAABcAAAAUAAAAAAAAAAAAAAD/fwAA/38AAAAAAAAJAAAABAAAAAAAAAAMAAAAEAAAAAAAAAAAAAAAAAAAAAAAAAAeAAAAaAAAAAAAAAAAAAAAAAAAAAAAAAAAAAAAECcAABAnAAAAAAAAAAAAAAAAAAAAAAAAAAAAAAAAAAAAAAAAAAAAABQAAAAAAAAAwMD/AAAAAABkAAAAMgAAAAAAAABkAAAAAAAAAH9/fwAKAAAAHwAAAFQAAAAAAAAFAAAAAQAAAAAAAAAAAAAAAAAAAAAAAAAAAAAAAAAAAAAAAAAAAAAAAn9/fwAAAAADzMzMAMDA/wB/f38AAAAAAAAAAAAAAAAAAAAAAAAAAAAhAAAAGAAAABQAAADQAgAA2AkAAHA1AACwJQAAEAAAACYAAAAIAAAA//////////8="/>
               </a:ext>
             </a:extLst>
           </p:cNvSpPr>
@@ -2956,7 +2957,7 @@
             <a:spLocks noGrp="1" noChangeArrowheads="1"/>
             <a:extLst>
               <a:ext uri="smNativeData">
-                <pr:smNativeData xmlns:pr="smNativeData" val="SMDATA_13_4IlQXxMAAAAlAAAAZAAAAA8BAAAAkAAAAEgAAACQAAAASAAAAAAAAAABAAAAAAAAAAEAAABQAAAAAAAAAAAA4D8AAAAAAADgPwAAAAAAAOA/AAAAAAAA4D8AAAAAAADgPwAAAAAAAOA/AAAAAAAA4D8AAAAAAADgPwAAAAAAAOA/AAAAAAAA4D8CAAAAjAAAAAAAAAAAAAAAu+DjDP///wgAAAAAAAAAAAAAAAAAAAAAAAAAAAAAAAAAAAAAZAAAAAEAAABAAAAAAAAAAAAAAAAAAAAAAAAAAAAAAAAAAAAAAAAAAAAAAAAAAAAAAAAAAAAAAAAAAAAAAAAAAAAAAAAAAAAAAAAAAAAAAAAAAAAAAAAAAAAAAAAAAAAAFAAAADwAAAAAAAAAAAAAAAAAAAkUAAAAAQAAABQAAAAUAAAAFAAAAAEAAAAAAAAAZAAAAGQAAAAAAAAAZAAAAGQAAAAVAAAAYAAAAAAAAAAAAAAADwAAACADAAAAAAAAAAAAAAEAAACgMgAAVgcAAKr4//8BAAAAf39/AAEAAABkAAAAAAAAABQAAABAHwAAAAAAACYAAAAAAAAAwOD//wAAAAAmAAAAZAAAABYAAABMAAAAAAAAAAAAAAAEAAAAAAAAAAEAAACAgIAKAAAAACgAAAAoAAAAZAAAAGQAAAAAAAAAzMzMAAAAAABQAAAAUAAAAGQAAABkAAAAAAAAABcAAAAUAAAAAAAAAAAAAAD/fwAA/38AAAAAAAAJAAAABAAAAGcAaAAMAAAAEAAAAAAAAAAAAAAAAAAAAAAAAAAeAAAAaAAAAAAAAAAAAAAAAAAAAAAAAAAAAAAAECcAABAnAAAAAAAAAAAAAAAAAAAAAAAAAAAAAAAAAAAAAAAAAAAAABQAAAAAAAAAwMD/AAAAAABkAAAAMgAAAAAAAABkAAAAAAAAAH9/fwAKAAAAHwAAAFQAAAAAAAAFAAAAAQAAAAAAAAAAAAAAAAAAAAAAAAAAAAAAAAAAAAAAAAAAAAAAAn9/fwAAAAADzMzMAMDA/wB/f38AAAAAAAAAAAAAAAAAAAAAAAAAAAAhAAAAGAAAABQAAADQAgAAGycAAPAPAABZKQAAEAAAACYAAAAIAAAA//////////8="/>
+                <pr:smNativeData xmlns:pr="smNativeData" val="SMDATA_13_Hs+1XxMAAAAlAAAAZAAAAA8BAAAAkAAAAEgAAACQAAAASAAAAAAAAAABAAAAAAAAAAEAAABQAAAAAAAAAAAA4D8AAAAAAADgPwAAAAAAAOA/AAAAAAAA4D8AAAAAAADgPwAAAAAAAOA/AAAAAAAA4D8AAAAAAADgPwAAAAAAAOA/AAAAAAAA4D8CAAAAjAAAAAAAAAAAAAAAu+DjDP///wgAAAAAAAAAAAAAAAAAAAAAAAAAAAAAAAAAAAAAZAAAAAEAAABAAAAAAAAAAAAAAAAAAAAAAAAAAAAAAAAAAAAAAAAAAAAAAAAAAAAAAAAAAAAAAAAAAAAAAAAAAAAAAAAAAAAAAAAAAAAAAAAAAAAAAAAAAAAAAAAAAAAAFAAAADwAAAAAAAAAAAAAAAAAAAkUAAAAAQAAABQAAAAUAAAAFAAAAAEAAAAAAAAAZAAAAGQAAAAAAAAAZAAAAGQAAAAVAAAAYAAAAAAAAAAAAAAADwAAACADAAAAAAAAAAAAAAEAAACgMgAAVgcAAKr4//8BAAAAf39/AAEAAABkAAAAAAAAABQAAABAHwAAAAAAACYAAAAAAAAAwOD//wAAAAAmAAAAZAAAABYAAABMAAAAAAAAAAAAAAAEAAAAAAAAAAEAAACAgIAKAAAAACgAAAAoAAAAZAAAAGQAAAAAAAAAzMzMAAAAAABQAAAAUAAAAGQAAABkAAAAAAAAABcAAAAUAAAAAAAAAAAAAAD/fwAA/38AAAAAAAAJAAAABAAAAGcAaAAMAAAAEAAAAAAAAAAAAAAAAAAAAAAAAAAeAAAAaAAAAAAAAAAAAAAAAAAAAAAAAAAAAAAAECcAABAnAAAAAAAAAAAAAAAAAAAAAAAAAAAAAAAAAAAAAAAAAAAAABQAAAAAAAAAwMD/AAAAAABkAAAAMgAAAAAAAABkAAAAAAAAAH9/fwAKAAAAHwAAAFQAAAAAAAAFAAAAAQAAAAAAAAAAAAAAAAAAAAAAAAAAAAAAAAAAAAAAAAAAAAAAAn9/fwAAAAADzMzMAMDA/wB/f38AAAAAAAAAAAAAAAAAAAAAAAAAAAAhAAAAGAAAABQAAADQAgAAGycAAPAPAABZKQAAEAAAACYAAAAIAAAA//////////8="/>
               </a:ext>
             </a:extLst>
           </p:cNvSpPr>
@@ -2991,7 +2992,7 @@
           </a:lstStyle>
           <a:p>
             <a:pPr/>
-            <a:fld id="{AA496A6B-2547-1C9C-09F1-D3C924BFFF86}" type="datetime1">
+            <a:fld id="{2FE6AF7A-34C2-B359-8C5E-C20CE1107A97}" type="datetime1">
               <a:t/>
             </a:fld>
           </a:p>
@@ -3004,7 +3005,7 @@
             <a:spLocks noGrp="1" noChangeArrowheads="1"/>
             <a:extLst>
               <a:ext uri="smNativeData">
-                <pr:smNativeData xmlns:pr="smNativeData" val="SMDATA_13_4IlQXxMAAAAlAAAAZAAAAA8BAAAAkAAAAEgAAACQAAAASAAAAAAAAAABAAAAAAAAAAEAAABQAAAAAAAAAAAA4D8AAAAAAADgPwAAAAAAAOA/AAAAAAAA4D8AAAAAAADgPwAAAAAAAOA/AAAAAAAA4D8AAAAAAADgPwAAAAAAAOA/AAAAAAAA4D8CAAAAjAAAAAAAAAAAAAAAu+DjDP///wgAAAAAAAAAAAAAAAAAAAAAAAAAAAAAAAAAAAAAZAAAAAEAAABAAAAAAAAAAAAAAAAAAAAAAAAAAAAAAAAAAAAAAAAAAAAAAAAAAAAAAAAAAAAAAAAAAAAAAAAAAAAAAAAAAAAAAAAAAAAAAAAAAAAAAAAAAAAAAAAAAAAAFAAAADwAAAAAAAAAAAAAAAAAAAkUAAAAAQAAABQAAAAUAAAAFAAAAAEAAAAAAAAAZAAAAGQAAAAAAAAAZAAAAGQAAAAVAAAAYAAAAAAAAAAAAAAADwAAACADAAAAAAAAAAAAAAEAAACgMgAAVgcAAKr4//8BAAAAf39/AAEAAABkAAAAAAAAABQAAABAHwAAAAAAACYAAAAAAAAAwOD//wAAAAAmAAAAZAAAABYAAABMAAAAAAAAAAAAAAAEAAAAAAAAAAEAAACAgIAKAAAAACgAAAAoAAAAZAAAAGQAAAAAAAAAzMzMAAAAAABQAAAAUAAAAGQAAABkAAAAAAAAABcAAAAUAAAAAAAAAAAAAAD/fwAA/38AAAAAAAAJAAAABAAAAAAAAAAMAAAAEAAAAAAAAAAAAAAAAAAAAAAAAAAeAAAAaAAAAAAAAAAAAAAAAAAAAAAAAAAAAAAAECcAABAnAAAAAAAAAAAAAAAAAAAAAAAAAAAAAAAAAAAAAAAAAAAAABQAAAAAAAAAwMD/AAAAAABkAAAAMgAAAAAAAABkAAAAAAAAAH9/fwAKAAAAHwAAAFQAAAAAAAAFAAAAAQAAAAAAAAAAAAAAAAAAAAAAAAAAAAAAAAAAAAAAAAAAAAAAAn9/fwAAAAADzMzMAMDA/wB/f38AAAAAAAAAAAAAAAAAAAAAAAAAAAAhAAAAGAAAABQAAAA4EwAAGycAAAglAABZKQAAEAAAACYAAAAIAAAA//////////8="/>
+                <pr:smNativeData xmlns:pr="smNativeData" val="SMDATA_13_Hs+1XxMAAAAlAAAAZAAAAA8BAAAAkAAAAEgAAACQAAAASAAAAAAAAAABAAAAAAAAAAEAAABQAAAAAAAAAAAA4D8AAAAAAADgPwAAAAAAAOA/AAAAAAAA4D8AAAAAAADgPwAAAAAAAOA/AAAAAAAA4D8AAAAAAADgPwAAAAAAAOA/AAAAAAAA4D8CAAAAjAAAAAAAAAAAAAAAu+DjDP///wgAAAAAAAAAAAAAAAAAAAAAAAAAAAAAAAAAAAAAZAAAAAEAAABAAAAAAAAAAAAAAAAAAAAAAAAAAAAAAAAAAAAAAAAAAAAAAAAAAAAAAAAAAAAAAAAAAAAAAAAAAAAAAAAAAAAAAAAAAAAAAAAAAAAAAAAAAAAAAAAAAAAAFAAAADwAAAAAAAAAAAAAAAAAAAkUAAAAAQAAABQAAAAUAAAAFAAAAAEAAAAAAAAAZAAAAGQAAAAAAAAAZAAAAGQAAAAVAAAAYAAAAAAAAAAAAAAADwAAACADAAAAAAAAAAAAAAEAAACgMgAAVgcAAKr4//8BAAAAf39/AAEAAABkAAAAAAAAABQAAABAHwAAAAAAACYAAAAAAAAAwOD//wAAAAAmAAAAZAAAABYAAABMAAAAAAAAAAAAAAAEAAAAAAAAAAEAAACAgIAKAAAAACgAAAAoAAAAZAAAAGQAAAAAAAAAzMzMAAAAAABQAAAAUAAAAGQAAABkAAAAAAAAABcAAAAUAAAAAAAAAAAAAAD/fwAA/38AAAAAAAAJAAAABAAAAAAAAAAMAAAAEAAAAAAAAAAAAAAAAAAAAAAAAAAeAAAAaAAAAAAAAAAAAAAAAAAAAAAAAAAAAAAAECcAABAnAAAAAAAAAAAAAAAAAAAAAAAAAAAAAAAAAAAAAAAAAAAAABQAAAAAAAAAwMD/AAAAAABkAAAAMgAAAAAAAABkAAAAAAAAAH9/fwAKAAAAHwAAAFQAAAAAAAAFAAAAAQAAAAAAAAAAAAAAAAAAAAAAAAAAAAAAAAAAAAAAAAAAAAAAAn9/fwAAAAADzMzMAMDA/wB/f38AAAAAAAAAAAAAAAAAAAAAAAAAAAAhAAAAGAAAABQAAAA4EwAAGycAAAglAABZKQAAEAAAACYAAAAIAAAA//////////8="/>
               </a:ext>
             </a:extLst>
           </p:cNvSpPr>
@@ -3049,7 +3050,7 @@
             <a:spLocks noGrp="1" noChangeArrowheads="1"/>
             <a:extLst>
               <a:ext uri="smNativeData">
-                <pr:smNativeData xmlns:pr="smNativeData" val="SMDATA_13_4IlQXxMAAAAlAAAAZAAAAA8BAAAAkAAAAEgAAACQAAAASAAAAAAAAAABAAAAAAAAAAEAAABQAAAAAAAAAAAA4D8AAAAAAADgPwAAAAAAAOA/AAAAAAAA4D8AAAAAAADgPwAAAAAAAOA/AAAAAAAA4D8AAAAAAADgPwAAAAAAAOA/AAAAAAAA4D8CAAAAjAAAAAAAAAAAAAAAu+DjDP///wgAAAAAAAAAAAAAAAAAAAAAAAAAAAAAAAAAAAAAZAAAAAEAAABAAAAAAAAAAAAAAAAAAAAAAAAAAAAAAAAAAAAAAAAAAAAAAAAAAAAAAAAAAAAAAAAAAAAAAAAAAAAAAAAAAAAAAAAAAAAAAAAAAAAAAAAAAAAAAAAAAAAAFAAAADwAAAAAAAAAAAAAAAAAAAkUAAAAAQAAABQAAAAUAAAAFAAAAAEAAAAAAAAAZAAAAGQAAAAAAAAAZAAAAGQAAAAVAAAAYAAAAAAAAAAAAAAADwAAACADAAAAAAAAAAAAAAEAAACgMgAAVgcAAKr4//8BAAAAf39/AAEAAABkAAAAAAAAABQAAABAHwAAAAAAACYAAAAAAAAAwOD//wAAAAAmAAAAZAAAABYAAABMAAAAAAAAAAAAAAAEAAAAAAAAAAEAAACAgIAKAAAAACgAAAAoAAAAZAAAAGQAAAAAAAAAzMzMAAAAAABQAAAAUAAAAGQAAABkAAAAAAAAABcAAAAUAAAAAAAAAAAAAAD/fwAA/38AAAAAAAAJAAAABAAAAAAAAAAMAAAAEAAAAAAAAAAAAAAAAAAAAAAAAAAeAAAAaAAAAAAAAAAAAAAAAAAAAAAAAAAAAAAAECcAABAnAAAAAAAAAAAAAAAAAAAAAAAAAAAAAAAAAAAAAAAAAAAAABQAAAAAAAAAwMD/AAAAAABkAAAAMgAAAAAAAABkAAAAAAAAAH9/fwAKAAAAHwAAAFQAAAAAAAAFAAAAAQAAAAAAAAAAAAAAAAAAAAAAAAAAAAAAAAAAAAAAAAAAAAAAAn9/fwAAAAADzMzMAMDA/wB/f38AAAAAAAAAAAAAAAAAAAAAAAAAAAAhAAAAGAAAABQAAABQKAAAGycAAHA1AABZKQAAEAAAACYAAAAIAAAA//////////8="/>
+                <pr:smNativeData xmlns:pr="smNativeData" val="SMDATA_13_Hs+1XxMAAAAlAAAAZAAAAA8BAAAAkAAAAEgAAACQAAAASAAAAAAAAAABAAAAAAAAAAEAAABQAAAAAAAAAAAA4D8AAAAAAADgPwAAAAAAAOA/AAAAAAAA4D8AAAAAAADgPwAAAAAAAOA/AAAAAAAA4D8AAAAAAADgPwAAAAAAAOA/AAAAAAAA4D8CAAAAjAAAAAAAAAAAAAAAu+DjDP///wgAAAAAAAAAAAAAAAAAAAAAAAAAAAAAAAAAAAAAZAAAAAEAAABAAAAAAAAAAAAAAAAAAAAAAAAAAAAAAAAAAAAAAAAAAAAAAAAAAAAAAAAAAAAAAAAAAAAAAAAAAAAAAAAAAAAAAAAAAAAAAAAAAAAAAAAAAAAAAAAAAAAAFAAAADwAAAAAAAAAAAAAAAAAAAkUAAAAAQAAABQAAAAUAAAAFAAAAAEAAAAAAAAAZAAAAGQAAAAAAAAAZAAAAGQAAAAVAAAAYAAAAAAAAAAAAAAADwAAACADAAAAAAAAAAAAAAEAAACgMgAAVgcAAKr4//8BAAAAf39/AAEAAABkAAAAAAAAABQAAABAHwAAAAAAACYAAAAAAAAAwOD//wAAAAAmAAAAZAAAABYAAABMAAAAAAAAAAAAAAAEAAAAAAAAAAEAAACAgIAKAAAAACgAAAAoAAAAZAAAAGQAAAAAAAAAzMzMAAAAAABQAAAAUAAAAGQAAABkAAAAAAAAABcAAAAUAAAAAAAAAAAAAAD/fwAA/38AAAAAAAAJAAAABAAAAAAAAAAMAAAAEAAAAAAAAAAAAAAAAAAAAAAAAAAeAAAAaAAAAAAAAAAAAAAAAAAAAAAAAAAAAAAAECcAABAnAAAAAAAAAAAAAAAAAAAAAAAAAAAAAAAAAAAAAAAAAAAAABQAAAAAAAAAwMD/AAAAAABkAAAAMgAAAAAAAABkAAAAAAAAAH9/fwAKAAAAHwAAAFQAAAAAAAAFAAAAAQAAAAAAAAAAAAAAAAAAAAAAAAAAAAAAAAAAAAAAAAAAAAAAAn9/fwAAAAADzMzMAMDA/wB/f38AAAAAAAAAAAAAAAAAAAAAAAAAAAAhAAAAGAAAABQAAABQKAAAGycAAHA1AABZKQAAEAAAACYAAAAIAAAA//////////8="/>
               </a:ext>
             </a:extLst>
           </p:cNvSpPr>
@@ -3084,7 +3085,7 @@
           </a:lstStyle>
           <a:p>
             <a:pPr/>
-            <a:fld id="{AA490255-1B47-1CF4-09F1-EDA14CBFFFB8}" type="slidenum">
+            <a:fld id="{2FE6C52C-62C2-B333-8C5E-94668B107AC1}" type="slidenum">
               <a:t/>
             </a:fld>
           </a:p>
@@ -3762,7 +3763,7 @@
           <p:cNvSpPr txBox="1">
             <a:extLst>
               <a:ext uri="smNativeData">
-                <pr:smNativeData xmlns:pr="smNativeData" val="SMDATA_13_4IlQXxMAAAAlAAAAEgAAAE8BAAAAkAAAAEgAAACQAAAASAAAAAAAAAAAAAAAAAAAAAEAAABQAAAAAAAAAAAA4D8AAAAAAADgPwAAAAAAAOA/AAAAAAAA4D8AAAAAAADgPwAAAAAAAOA/AAAAAAAA4D8AAAAAAADgPwAAAAAAAOA/AAAAAAAA4D8CAAAAjAAAAAAAAAAAAAAAu+DjDP///wgAAAAAAAAAAAAAAAAAAAAAAAAAAAAAAAAAAAAAZAAAAAEAAABAAAAAAAAAAAAAAAAAAAAAAAAAAAAAAAAAAAAAAAAAAAAAAAAAAAAAAAAAAAAAAAAAAAAAAAAAAAAAAAAAAAAAAAAAAAAAAAAAAAAAAAAAAAAAAAAAAAAAFAAAADwAAAAAAAAAAAAAAAAAAAkUAAAAAQAAABQAAAAUAAAAFAAAAAEAAAAAAAAAZAAAAGQAAAAAAAAAZAAAAGQAAAAVAAAAYAAAAAAAAAAAAAAADwAAACADAAAAAAAAAAAAAAEAAACgMgAAVgcAAKr4//8BAAAAf39/AAEAAABkAAAAAAAAABQAAABAHwAAAAAAACYAAAAAAAAAwOD//wAAAAAmAAAAZAAAABYAAABMAAAAAAAAAAAAAAAEAAAAAAAAAAEAAACAgIAKAAAAACgAAAAoAAAAZAAAAGQAAAAAAAAAzMzMAAAAAABQAAAAUAAAAGQAAABkAAAAAAAAABcAAAAUAAAAAAAAANwIAAD/fwAA/38AAAAAAAAJAAAABAAAAAAAAAAMAAAAEAAAAAAAAAAAAAAAAAAAAAAAAAAeAAAAaAAAAAAAAAAAAAAAAAAAAAAAAAAAAAAAECcAABAnAAAAAAAAAAAAAAAAAAAAAAAAAAAAAAAAAAAAAAAAAAAAABQAAAAAAAAAwMD/AAAAAABkAAAAMgAAAAAAAABkAAAAAAAAAH9/fwAKAAAAHwAAAFQAAAC74OMF////AQAAAAAAAAAAAAAAAAAAAAAAAAAAAAAAAAAAAAAAAAAAAAAAAn9/fwCAgIADzMzMAMDA/wB/f38AAAAAAAAAAAAAAAAAAAAAAAAAAAAhAAAAGAAAABQAAAAXAwAAFwMAAHMPAAAnBQAAECAAACYAAAAIAAAA//////////8="/>
+                <pr:smNativeData xmlns:pr="smNativeData" val="SMDATA_13_Hs+1XxMAAAAlAAAAEgAAAE8BAAAAkAAAAEgAAACQAAAASAAAAAAAAAAAAAAAAAAAAAEAAABQAAAAAAAAAAAA4D8AAAAAAADgPwAAAAAAAOA/AAAAAAAA4D8AAAAAAADgPwAAAAAAAOA/AAAAAAAA4D8AAAAAAADgPwAAAAAAAOA/AAAAAAAA4D8CAAAAjAAAAAAAAAAAAAAAu+DjDP///wgAAAAAAAAAAAAAAAAAAAAAAAAAAAAAAAAAAAAAZAAAAAEAAABAAAAAAAAAAAAAAAAAAAAAAAAAAAAAAAAAAAAAAAAAAAAAAAAAAAAAAAAAAAAAAAAAAAAAAAAAAAAAAAAAAAAAAAAAAAAAAAAAAAAAAAAAAAAAAAAAAAAAFAAAADwAAAAAAAAAAAAAAAAAAAkUAAAAAQAAABQAAAAUAAAAFAAAAAEAAAAAAAAAZAAAAGQAAAAAAAAAZAAAAGQAAAAVAAAAYAAAAAAAAAAAAAAADwAAACADAAAAAAAAAAAAAAEAAACgMgAAVgcAAKr4//8BAAAAf39/AAEAAABkAAAAAAAAABQAAABAHwAAAAAAACYAAAAAAAAAwOD//wAAAAAmAAAAZAAAABYAAABMAAAAAAAAAAAAAAAEAAAAAAAAAAEAAACAgIAKAAAAACgAAAAoAAAAZAAAAGQAAAAAAAAAzMzMAAAAAABQAAAAUAAAAGQAAABkAAAAAAAAABcAAAAUAAAAAAAAANwIAAD/fwAA/38AAAAAAAAJAAAABAAAAAAAAAAMAAAAEAAAAAAAAAAAAAAAAAAAAAAAAAAeAAAAaAAAAAAAAAAAAAAAAAAAAAAAAAAAAAAAECcAABAnAAAAAAAAAAAAAAAAAAAAAAAAAAAAAAAAAAAAAAAAAAAAABQAAAAAAAAAwMD/AAAAAABkAAAAMgAAAAAAAABkAAAAAAAAAH9/fwAKAAAAHwAAAFQAAAC74OMF////AQAAAAAAAAAAAAAAAAAAAAAAAAAAAAAAAAAAAAAAAAAAAAAAAn9/fwCAgIADzMzMAMDA/wB/f38AAAAAAAAAAAAAAAAAAAAAAAAAAAAhAAAAGAAAABQAAAAXAwAAFwMAAHMPAAAnBQAAECAAACYAAAAIAAAA//////////8="/>
               </a:ext>
             </a:extLst>
           </p:cNvSpPr>
@@ -3805,7 +3806,7 @@
           <p:cNvSpPr txBox="1">
             <a:extLst>
               <a:ext uri="smNativeData">
-                <pr:smNativeData xmlns:pr="smNativeData" val="SMDATA_13_4IlQXxMAAAAlAAAAEgAAAE8BAAAAkAAAAEgAAACQAAAASAAAAAAAAAAAAAAAAAAAAAEAAABQAAAAAAAAAAAA4D8AAAAAAADgPwAAAAAAAOA/AAAAAAAA4D8AAAAAAADgPwAAAAAAAOA/AAAAAAAA4D8AAAAAAADgPwAAAAAAAOA/AAAAAAAA4D8CAAAAjAAAAAAAAAAAAAAAu+DjDP///wgAAAAAAAAAAAAAAAAAAAAAAAAAAAAAAAAAAAAAZAAAAAEAAABAAAAAAAAAAAAAAAAAAAAAAAAAAAAAAAAAAAAAAAAAAAAAAAAAAAAAAAAAAAAAAAAAAAAAAAAAAAAAAAAAAAAAAAAAAAAAAAAAAAAAAAAAAAAAAAAAAAAAFAAAADwAAAAAAAAAAAAAAAAAAAkUAAAAAQAAABQAAAAUAAAAFAAAAAEAAAAAAAAAZAAAAGQAAAAAAAAAZAAAAGQAAAAVAAAAYAAAAAAAAAAAAAAADwAAACADAAAAAAAAAAAAAAEAAACgMgAAVgcAAKr4//8BAAAAf39/AAEAAABkAAAAAAAAABQAAABAHwAAAAAAACYAAAAAAAAAwOD//wAAAAAmAAAAZAAAABYAAABMAAAAAAAAAAAAAAAEAAAAAAAAAAEAAACAgIAKAAAAACgAAAAoAAAAZAAAAGQAAAAAAAAAzMzMAAAAAABQAAAAUAAAAGQAAABkAAAAAAAAABcAAAAUAAAAAAAAANwIAAD/fwAA/38AAAAAAAAJAAAABAAAAAAAAAAMAAAAEAAAAAAAAAAAAAAAAAAAAAAAAAAeAAAAaAAAAAAAAAAAAAAAAAAAAAAAAAAAAAAAECcAABAnAAAAAAAAAAAAAAAAAAAAAAAAAAAAAAAAAAAAAAAAAAAAABQAAAAAAAAAwMD/AAAAAABkAAAAMgAAAAAAAABkAAAAAAAAAH9/fwAKAAAAHwAAAFQAAAC74OMF////AQAAAAAAAAAAAAAAAAAAAAAAAAAAAAAAAAAAAAAAAAAAAAAAAn9/fwCAgIADzMzMAMDA/wB/f38AAAAAAAAAAAAAAAAAAAAAAAAAAAAhAAAAGAAAABQAAACzFgAAFwMAAFMhAAAnBQAAECAAACYAAAAIAAAA//////////8="/>
+                <pr:smNativeData xmlns:pr="smNativeData" val="SMDATA_13_Hs+1XxMAAAAlAAAAEgAAAE8BAAAAkAAAAEgAAACQAAAASAAAAAAAAAAAAAAAAAAAAAEAAABQAAAAAAAAAAAA4D8AAAAAAADgPwAAAAAAAOA/AAAAAAAA4D8AAAAAAADgPwAAAAAAAOA/AAAAAAAA4D8AAAAAAADgPwAAAAAAAOA/AAAAAAAA4D8CAAAAjAAAAAAAAAAAAAAAu+DjDP///wgAAAAAAAAAAAAAAAAAAAAAAAAAAAAAAAAAAAAAZAAAAAEAAABAAAAAAAAAAAAAAAAAAAAAAAAAAAAAAAAAAAAAAAAAAAAAAAAAAAAAAAAAAAAAAAAAAAAAAAAAAAAAAAAAAAAAAAAAAAAAAAAAAAAAAAAAAAAAAAAAAAAAFAAAADwAAAAAAAAAAAAAAAAAAAkUAAAAAQAAABQAAAAUAAAAFAAAAAEAAAAAAAAAZAAAAGQAAAAAAAAAZAAAAGQAAAAVAAAAYAAAAAAAAAAAAAAADwAAACADAAAAAAAAAAAAAAEAAACgMgAAVgcAAKr4//8BAAAAf39/AAEAAABkAAAAAAAAABQAAABAHwAAAAAAACYAAAAAAAAAwOD//wAAAAAmAAAAZAAAABYAAABMAAAAAAAAAAAAAAAEAAAAAAAAAAEAAACAgIAKAAAAACgAAAAoAAAAZAAAAGQAAAAAAAAAzMzMAAAAAABQAAAAUAAAAGQAAABkAAAAAAAAABcAAAAUAAAAAAAAANwIAAD/fwAA/38AAAAAAAAJAAAABAAAAAAAAAAMAAAAEAAAAAAAAAAAAAAAAAAAAAAAAAAeAAAAaAAAAAAAAAAAAAAAAAAAAAAAAAAAAAAAECcAABAnAAAAAAAAAAAAAAAAAAAAAAAAAAAAAAAAAAAAAAAAAAAAABQAAAAAAAAAwMD/AAAAAABkAAAAMgAAAAAAAABkAAAAAAAAAH9/fwAKAAAAHwAAAFQAAAC74OMF////AQAAAAAAAAAAAAAAAAAAAAAAAAAAAAAAAAAAAAAAAAAAAAAAAn9/fwCAgIADzMzMAMDA/wB/f38AAAAAAAAAAAAAAAAAAAAAAAAAAAAhAAAAGAAAABQAAACzFgAAFwMAAFMhAAAnBQAAECAAACYAAAAIAAAA//////////8="/>
               </a:ext>
             </a:extLst>
           </p:cNvSpPr>
@@ -3848,7 +3849,7 @@
           <p:cNvSpPr txBox="1">
             <a:extLst>
               <a:ext uri="smNativeData">
-                <pr:smNativeData xmlns:pr="smNativeData" val="SMDATA_13_4IlQXxMAAAAlAAAAEgAAAE8BAAAAkAAAAEgAAACQAAAASAAAAAAAAAAAAAAAAAAAAAEAAABQAAAAAAAAAAAA4D8AAAAAAADgPwAAAAAAAOA/AAAAAAAA4D8AAAAAAADgPwAAAAAAAOA/AAAAAAAA4D8AAAAAAADgPwAAAAAAAOA/AAAAAAAA4D8CAAAAjAAAAAAAAAAAAAAAu+DjDP///wgAAAAAAAAAAAAAAAAAAAAAAAAAAAAAAAAAAAAAZAAAAAEAAABAAAAAAAAAAAAAAAAAAAAAAAAAAAAAAAAAAAAAAAAAAAAAAAAAAAAAAAAAAAAAAAAAAAAAAAAAAAAAAAAAAAAAAAAAAAAAAAAAAAAAAAAAAAAAAAAAAAAAFAAAADwAAAAAAAAAAAAAAAAAAAkUAAAAAQAAABQAAAAUAAAAFAAAAAEAAAAAAAAAZAAAAGQAAAAAAAAAZAAAAGQAAAAVAAAAYAAAAAAAAAAAAAAADwAAACADAAAAAAAAAAAAAAEAAACgMgAAVgcAAKr4//8BAAAAf39/AAEAAABkAAAAAAAAABQAAABAHwAAAAAAACYAAAAAAAAAwOD//wAAAAAmAAAAZAAAABYAAABMAAAAAAAAAAAAAAAEAAAAAAAAAAEAAACAgIAKAAAAACgAAAAoAAAAZAAAAGQAAAAAAAAAzMzMAAAAAABQAAAAUAAAAGQAAABkAAAAAAAAABcAAAAUAAAAAAAAANwIAAD/fwAA/38AAAAAAAAJAAAABAAAAAAAAAAMAAAAEAAAAAAAAAAAAAAAAAAAAAAAAAAeAAAAaAAAAAAAAAAAAAAAAAAAAAAAAAAAAAAAECcAABAnAAAAAAAAAAAAAAAAAAAAAAAAAAAAAAAAAAAAAAAAAAAAABQAAAAAAAAAwMD/AAAAAABkAAAAMgAAAAAAAABkAAAAAAAAAH9/fwAKAAAAHwAAAFQAAAC74OMF////AQAAAAAAAAAAAAAAAAAAAAAAAAAAAAAAAAAAAAAAAAAAAAAAAn9/fwCAgIADzMzMAMDA/wB/f38AAAAAAAAAAAAAAAAAAAAAAAAAAAAhAAAAGAAAABQAAAARKAAAFwMAALw2AAAnBQAAECAAACYAAAAIAAAA//////////8="/>
+                <pr:smNativeData xmlns:pr="smNativeData" val="SMDATA_13_Hs+1XxMAAAAlAAAAEgAAAE8BAAAAkAAAAEgAAACQAAAASAAAAAAAAAAAAAAAAAAAAAEAAABQAAAAAAAAAAAA4D8AAAAAAADgPwAAAAAAAOA/AAAAAAAA4D8AAAAAAADgPwAAAAAAAOA/AAAAAAAA4D8AAAAAAADgPwAAAAAAAOA/AAAAAAAA4D8CAAAAjAAAAAAAAAAAAAAAu+DjDP///wgAAAAAAAAAAAAAAAAAAAAAAAAAAAAAAAAAAAAAZAAAAAEAAABAAAAAAAAAAAAAAAAAAAAAAAAAAAAAAAAAAAAAAAAAAAAAAAAAAAAAAAAAAAAAAAAAAAAAAAAAAAAAAAAAAAAAAAAAAAAAAAAAAAAAAAAAAAAAAAAAAAAAFAAAADwAAAAAAAAAAAAAAAAAAAkUAAAAAQAAABQAAAAUAAAAFAAAAAEAAAAAAAAAZAAAAGQAAAAAAAAAZAAAAGQAAAAVAAAAYAAAAAAAAAAAAAAADwAAACADAAAAAAAAAAAAAAEAAACgMgAAVgcAAKr4//8BAAAAf39/AAEAAABkAAAAAAAAABQAAABAHwAAAAAAACYAAAAAAAAAwOD//wAAAAAmAAAAZAAAABYAAABMAAAAAAAAAAAAAAAEAAAAAAAAAAEAAACAgIAKAAAAACgAAAAoAAAAZAAAAGQAAAAAAAAAzMzMAAAAAABQAAAAUAAAAGQAAABkAAAAAAAAABcAAAAUAAAAAAAAANwIAAD/fwAA/38AAAAAAAAJAAAABAAAAAAAAAAMAAAAEAAAAAAAAAAAAAAAAAAAAAAAAAAeAAAAaAAAAAAAAAAAAAAAAAAAAAAAAAAAAAAAECcAABAnAAAAAAAAAAAAAAAAAAAAAAAAAAAAAAAAAAAAAAAAAAAAABQAAAAAAAAAwMD/AAAAAABkAAAAMgAAAAAAAABkAAAAAAAAAH9/fwAKAAAAHwAAAFQAAAC74OMF////AQAAAAAAAAAAAAAAAAAAAAAAAAAAAAAAAAAAAAAAAAAAAAAAAn9/fwCAgIADzMzMAMDA/wB/f38AAAAAAAAAAAAAAAAAAAAAAAAAAAAhAAAAGAAAABQAAAARKAAAFwMAALw2AAAnBQAAECAAACYAAAAIAAAA//////////8="/>
               </a:ext>
             </a:extLst>
           </p:cNvSpPr>
@@ -3891,7 +3892,7 @@
           <p:cNvSpPr txBox="1">
             <a:extLst>
               <a:ext uri="smNativeData">
-                <pr:smNativeData xmlns:pr="smNativeData" val="SMDATA_13_4IlQXxMAAAAlAAAAEgAAAE8BAAAAkAAAAEgAAACQAAAASAAAAAAAAAAAAAAAAAAAAAEAAABQAAAAAAAAAAAA4D8AAAAAAADgPwAAAAAAAOA/AAAAAAAA4D8AAAAAAADgPwAAAAAAAOA/AAAAAAAA4D8AAAAAAADgPwAAAAAAAOA/AAAAAAAA4D8CAAAAjAAAAAAAAAAAAAAAu+DjDP///wgAAAAAAAAAAAAAAAAAAAAAAAAAAAAAAAAAAAAAZAAAAAEAAABAAAAAAAAAAAAAAAAAAAAAAAAAAAAAAAAAAAAAAAAAAAAAAAAAAAAAAAAAAAAAAAAAAAAAAAAAAAAAAAAAAAAAAAAAAAAAAAAAAAAAAAAAAAAAAAAAAAAAFAAAADwAAAAAAAAAAAAAAAAAAAkUAAAAAQAAABQAAAAUAAAAFAAAAAEAAAAAAAAAZAAAAGQAAAAAAAAAZAAAAGQAAAAVAAAAYAAAAAAAAAAAAAAADwAAACADAAAAAAAAAAAAAAEAAACgMgAAVgcAAKr4//8BAAAAf39/AAEAAABkAAAAAAAAABQAAABAHwAAAAAAACYAAAAAAAAAwOD//wAAAAAmAAAAZAAAABYAAABMAAAAAAAAAAAAAAAEAAAAAAAAAAEAAACAgIAKAAAAACgAAAAoAAAAZAAAAGQAAAAAAAAAzMzMAAAAAABQAAAAUAAAAGQAAABkAAAAAAAAABcAAAAUAAAAAAAAANwIAAD/fwAA/38AAAAAAAAJAAAABAAAAGcAaAAMAAAAEAAAAAAAAAAAAAAAAAAAAAAAAAAeAAAAaAAAAAAAAAAAAAAAAAAAAAAAAAAAAAAAECcAABAnAAAAAAAAAAAAAAAAAAAAAAAAAAAAAAAAAAAAAAAAAAAAABQAAAAAAAAAwMD/AAAAAABkAAAAMgAAAAAAAABkAAAAAAAAAH9/fwAKAAAAHwAAAFQAAAC74OMF////AQAAAAAAAAAAAAAAAAAAAAAAAAAAAAAAAAAAAAAAAAAAAAAAAn9/fwCAgIADzMzMAMDA/wB/f38AAAAAAAAAAAAAAAAAAAAAAAAAAAAhAAAAGAAAABQAAADlAgAArAUAAMELAACMBwAAECAAACYAAAAIAAAA//////////8="/>
+                <pr:smNativeData xmlns:pr="smNativeData" val="SMDATA_13_Hs+1XxMAAAAlAAAAEgAAAE8BAAAAkAAAAEgAAACQAAAASAAAAAAAAAAAAAAAAAAAAAEAAABQAAAAAAAAAAAA4D8AAAAAAADgPwAAAAAAAOA/AAAAAAAA4D8AAAAAAADgPwAAAAAAAOA/AAAAAAAA4D8AAAAAAADgPwAAAAAAAOA/AAAAAAAA4D8CAAAAjAAAAAAAAAAAAAAAu+DjDP///wgAAAAAAAAAAAAAAAAAAAAAAAAAAAAAAAAAAAAAZAAAAAEAAABAAAAAAAAAAAAAAAAAAAAAAAAAAAAAAAAAAAAAAAAAAAAAAAAAAAAAAAAAAAAAAAAAAAAAAAAAAAAAAAAAAAAAAAAAAAAAAAAAAAAAAAAAAAAAAAAAAAAAFAAAADwAAAAAAAAAAAAAAAAAAAkUAAAAAQAAABQAAAAUAAAAFAAAAAEAAAAAAAAAZAAAAGQAAAAAAAAAZAAAAGQAAAAVAAAAYAAAAAAAAAAAAAAADwAAACADAAAAAAAAAAAAAAEAAACgMgAAVgcAAKr4//8BAAAAf39/AAEAAABkAAAAAAAAABQAAABAHwAAAAAAACYAAAAAAAAAwOD//wAAAAAmAAAAZAAAABYAAABMAAAAAAAAAAAAAAAEAAAAAAAAAAEAAACAgIAKAAAAACgAAAAoAAAAZAAAAGQAAAAAAAAAzMzMAAAAAABQAAAAUAAAAGQAAABkAAAAAAAAABcAAAAUAAAAAAAAANwIAAD/fwAA/38AAAAAAAAJAAAABAAAAGcAaAAMAAAAEAAAAAAAAAAAAAAAAAAAAAAAAAAeAAAAaAAAAAAAAAAAAAAAAAAAAAAAAAAAAAAAECcAABAnAAAAAAAAAAAAAAAAAAAAAAAAAAAAAAAAAAAAAAAAAAAAABQAAAAAAAAAwMD/AAAAAABkAAAAMgAAAAAAAABkAAAAAAAAAH9/fwAKAAAAHwAAAFQAAAC74OMF////AQAAAAAAAAAAAAAAAAAAAAAAAAAAAAAAAAAAAAAAAAAAAAAAAn9/fwCAgIADzMzMAMDA/wB/f38AAAAAAAAAAAAAAAAAAAAAAAAAAAAhAAAAGAAAABQAAADlAgAArAUAAMELAACMBwAAECAAACYAAAAIAAAA//////////8="/>
               </a:ext>
             </a:extLst>
           </p:cNvSpPr>
@@ -3934,7 +3935,7 @@
           <p:cNvSpPr txBox="1">
             <a:extLst>
               <a:ext uri="smNativeData">
-                <pr:smNativeData xmlns:pr="smNativeData" val="SMDATA_13_4IlQXxMAAAAlAAAAEgAAAE8BAAAAkAAAAEgAAACQAAAASAAAAAAAAAAAAAAAAAAAAAEAAABQAAAAAAAAAAAA4D8AAAAAAADgPwAAAAAAAOA/AAAAAAAA4D8AAAAAAADgPwAAAAAAAOA/AAAAAAAA4D8AAAAAAADgPwAAAAAAAOA/AAAAAAAA4D8CAAAAjAAAAAAAAAAAAAAAu+DjDP///wgAAAAAAAAAAAAAAAAAAAAAAAAAAAAAAAAAAAAAZAAAAAEAAABAAAAAAAAAAAAAAAAAAAAAAAAAAAAAAAAAAAAAAAAAAAAAAAAAAAAAAAAAAAAAAAAAAAAAAAAAAAAAAAAAAAAAAAAAAAAAAAAAAAAAAAAAAAAAAAAAAAAAFAAAADwAAAAAAAAAAAAAAAAAAAkUAAAAAQAAABQAAAAUAAAAFAAAAAEAAAAAAAAAZAAAAGQAAAAAAAAAZAAAAGQAAAAVAAAAYAAAAAAAAAAAAAAADwAAACADAAAAAAAAAAAAAAEAAACgMgAAVgcAAKr4//8BAAAAf39/AAEAAABkAAAAAAAAABQAAABAHwAAAAAAACYAAAAAAAAAwOD//wAAAAAmAAAAZAAAABYAAABMAAAAAAAAAAAAAAAEAAAAAAAAAAEAAACAgIAKAAAAACgAAAAoAAAAZAAAAGQAAAAAAAAAzMzMAAAAAABQAAAAUAAAAGQAAABkAAAAAAAAABcAAAAUAAAAAAAAANwIAAD/fwAA/38AAAAAAAAJAAAABAAAAAAAAAAMAAAAEAAAAAAAAAAAAAAAAAAAAAAAAAAeAAAAaAAAAAAAAAAAAAAAAAAAAAAAAAAAAAAAECcAABAnAAAAAAAAAAAAAAAAAAAAAAAAAAAAAAAAAAAAAAAAAAAAABQAAAAAAAAAwMD/AAAAAABkAAAAMgAAAAAAAABkAAAAAAAAAH9/fwAKAAAAHwAAAFQAAAC74OMF////AQAAAAAAAAAAAAAAAAAAAAAAAAAAAAAAAAAAAAAAAAAAAAAAAn9/fwCAgIADzMzMAMDA/wB/f38AAAAAAAAAAAAAAAAAAAAAAAAAAAAhAAAAGAAAABQAAADlAgAAWwkAAMELAAA7CwAAECAAACYAAAAIAAAA//////////8="/>
+                <pr:smNativeData xmlns:pr="smNativeData" val="SMDATA_13_Hs+1XxMAAAAlAAAAEgAAAE8BAAAAkAAAAEgAAACQAAAASAAAAAAAAAAAAAAAAAAAAAEAAABQAAAAAAAAAAAA4D8AAAAAAADgPwAAAAAAAOA/AAAAAAAA4D8AAAAAAADgPwAAAAAAAOA/AAAAAAAA4D8AAAAAAADgPwAAAAAAAOA/AAAAAAAA4D8CAAAAjAAAAAAAAAAAAAAAu+DjDP///wgAAAAAAAAAAAAAAAAAAAAAAAAAAAAAAAAAAAAAZAAAAAEAAABAAAAAAAAAAAAAAAAAAAAAAAAAAAAAAAAAAAAAAAAAAAAAAAAAAAAAAAAAAAAAAAAAAAAAAAAAAAAAAAAAAAAAAAAAAAAAAAAAAAAAAAAAAAAAAAAAAAAAFAAAADwAAAAAAAAAAAAAAAAAAAkUAAAAAQAAABQAAAAUAAAAFAAAAAEAAAAAAAAAZAAAAGQAAAAAAAAAZAAAAGQAAAAVAAAAYAAAAAAAAAAAAAAADwAAACADAAAAAAAAAAAAAAEAAACgMgAAVgcAAKr4//8BAAAAf39/AAEAAABkAAAAAAAAABQAAABAHwAAAAAAACYAAAAAAAAAwOD//wAAAAAmAAAAZAAAABYAAABMAAAAAAAAAAAAAAAEAAAAAAAAAAEAAACAgIAKAAAAACgAAAAoAAAAZAAAAGQAAAAAAAAAzMzMAAAAAABQAAAAUAAAAGQAAABkAAAAAAAAABcAAAAUAAAAAAAAANwIAAD/fwAA/38AAAAAAAAJAAAABAAAAAAAAAAMAAAAEAAAAAAAAAAAAAAAAAAAAAAAAAAeAAAAaAAAAAAAAAAAAAAAAAAAAAAAAAAAAAAAECcAABAnAAAAAAAAAAAAAAAAAAAAAAAAAAAAAAAAAAAAAAAAAAAAABQAAAAAAAAAwMD/AAAAAABkAAAAMgAAAAAAAABkAAAAAAAAAH9/fwAKAAAAHwAAAFQAAAC74OMF////AQAAAAAAAAAAAAAAAAAAAAAAAAAAAAAAAAAAAAAAAAAAAAAAAn9/fwCAgIADzMzMAMDA/wB/f38AAAAAAAAAAAAAAAAAAAAAAAAAAAAhAAAAGAAAABQAAADlAgAAWwkAAMELAAA7CwAAECAAACYAAAAIAAAA//////////8="/>
               </a:ext>
             </a:extLst>
           </p:cNvSpPr>
@@ -3977,7 +3978,7 @@
           <p:cNvSpPr txBox="1">
             <a:extLst>
               <a:ext uri="smNativeData">
-                <pr:smNativeData xmlns:pr="smNativeData" val="SMDATA_13_4IlQXxMAAAAlAAAAEgAAAE8BAAAAkAAAAEgAAACQAAAASAAAAAAAAAAAAAAAAAAAAAEAAABQAAAAAAAAAAAA4D8AAAAAAADgPwAAAAAAAOA/AAAAAAAA4D8AAAAAAADgPwAAAAAAAOA/AAAAAAAA4D8AAAAAAADgPwAAAAAAAOA/AAAAAAAA4D8CAAAAjAAAAAAAAAAAAAAAu+DjDP///wgAAAAAAAAAAAAAAAAAAAAAAAAAAAAAAAAAAAAAZAAAAAEAAABAAAAAAAAAAAAAAAAAAAAAAAAAAAAAAAAAAAAAAAAAAAAAAAAAAAAAAAAAAAAAAAAAAAAAAAAAAAAAAAAAAAAAAAAAAAAAAAAAAAAAAAAAAAAAAAAAAAAAFAAAADwAAAAAAAAAAAAAAAAAAAkUAAAAAQAAABQAAAAUAAAAFAAAAAEAAAAAAAAAZAAAAGQAAAAAAAAAZAAAAGQAAAAVAAAAYAAAAAAAAAAAAAAADwAAACADAAAAAAAAAAAAAAEAAACgMgAAVgcAAKr4//8BAAAAf39/AAEAAABkAAAAAAAAABQAAABAHwAAAAAAACYAAAAAAAAAwOD//wAAAAAmAAAAZAAAABYAAABMAAAAAAAAAAAAAAAEAAAAAAAAAAEAAACAgIAKAAAAACgAAAAoAAAAZAAAAGQAAAAAAAAAzMzMAAAAAABQAAAAUAAAAGQAAABkAAAAAAAAABcAAAAUAAAAAAAAANwIAAD/fwAA/38AAAAAAAAJAAAABAAAAAAAAAAMAAAAEAAAAAAAAAAAAAAAAAAAAAAAAAAeAAAAaAAAAAAAAAAAAAAAAAAAAAAAAAAAAAAAECcAABAnAAAAAAAAAAAAAAAAAAAAAAAAAAAAAAAAAAAAAAAAAAAAABQAAAAAAAAAwMD/AAAAAABkAAAAMgAAAAAAAABkAAAAAAAAAH9/fwAKAAAAHwAAAFQAAAC74OMF////AQAAAAAAAAAAAAAAAAAAAAAAAAAAAAAAAAAAAAAAAAAAAAAAAn9/fwCAgIADzMzMAMDA/wB/f38AAAAAAAAAAAAAAAAAAAAAAAAAAAAhAAAAGAAAABQAAADlAgAAWw8AAMELAAA7EQAAECAAACYAAAAIAAAA//////////8="/>
+                <pr:smNativeData xmlns:pr="smNativeData" val="SMDATA_13_Hs+1XxMAAAAlAAAAEgAAAE8BAAAAkAAAAEgAAACQAAAASAAAAAAAAAAAAAAAAAAAAAEAAABQAAAAAAAAAAAA4D8AAAAAAADgPwAAAAAAAOA/AAAAAAAA4D8AAAAAAADgPwAAAAAAAOA/AAAAAAAA4D8AAAAAAADgPwAAAAAAAOA/AAAAAAAA4D8CAAAAjAAAAAAAAAAAAAAAu+DjDP///wgAAAAAAAAAAAAAAAAAAAAAAAAAAAAAAAAAAAAAZAAAAAEAAABAAAAAAAAAAAAAAAAAAAAAAAAAAAAAAAAAAAAAAAAAAAAAAAAAAAAAAAAAAAAAAAAAAAAAAAAAAAAAAAAAAAAAAAAAAAAAAAAAAAAAAAAAAAAAAAAAAAAAFAAAADwAAAAAAAAAAAAAAAAAAAkUAAAAAQAAABQAAAAUAAAAFAAAAAEAAAAAAAAAZAAAAGQAAAAAAAAAZAAAAGQAAAAVAAAAYAAAAAAAAAAAAAAADwAAACADAAAAAAAAAAAAAAEAAACgMgAAVgcAAKr4//8BAAAAf39/AAEAAABkAAAAAAAAABQAAABAHwAAAAAAACYAAAAAAAAAwOD//wAAAAAmAAAAZAAAABYAAABMAAAAAAAAAAAAAAAEAAAAAAAAAAEAAACAgIAKAAAAACgAAAAoAAAAZAAAAGQAAAAAAAAAzMzMAAAAAABQAAAAUAAAAGQAAABkAAAAAAAAABcAAAAUAAAAAAAAANwIAAD/fwAA/38AAAAAAAAJAAAABAAAAAAAAAAMAAAAEAAAAAAAAAAAAAAAAAAAAAAAAAAeAAAAaAAAAAAAAAAAAAAAAAAAAAAAAAAAAAAAECcAABAnAAAAAAAAAAAAAAAAAAAAAAAAAAAAAAAAAAAAAAAAAAAAABQAAAAAAAAAwMD/AAAAAABkAAAAMgAAAAAAAABkAAAAAAAAAH9/fwAKAAAAHwAAAFQAAAC74OMF////AQAAAAAAAAAAAAAAAAAAAAAAAAAAAAAAAAAAAAAAAAAAAAAAAn9/fwCAgIADzMzMAMDA/wB/f38AAAAAAAAAAAAAAAAAAAAAAAAAAAAhAAAAGAAAABQAAADlAgAAWw8AAMELAAA7EQAAECAAACYAAAAIAAAA//////////8="/>
               </a:ext>
             </a:extLst>
           </p:cNvSpPr>
@@ -4020,7 +4021,7 @@
           <p:cNvSpPr txBox="1">
             <a:extLst>
               <a:ext uri="smNativeData">
-                <pr:smNativeData xmlns:pr="smNativeData" val="SMDATA_13_4IlQXxMAAAAlAAAAEgAAAE8BAAAAkAAAAEgAAACQAAAASAAAAAAAAAAAAAAAAAAAAAEAAABQAAAAAAAAAAAA4D8AAAAAAADgPwAAAAAAAOA/AAAAAAAA4D8AAAAAAADgPwAAAAAAAOA/AAAAAAAA4D8AAAAAAADgPwAAAAAAAOA/AAAAAAAA4D8CAAAAjAAAAAAAAAAAAAAAu+DjDP///wgAAAAAAAAAAAAAAAAAAAAAAAAAAAAAAAAAAAAAZAAAAAEAAABAAAAAAAAAAAAAAAAAAAAAAAAAAAAAAAAAAAAAAAAAAAAAAAAAAAAAAAAAAAAAAAAAAAAAAAAAAAAAAAAAAAAAAAAAAAAAAAAAAAAAAAAAAAAAAAAAAAAAFAAAADwAAAAAAAAAAAAAAAAAAAkUAAAAAQAAABQAAAAUAAAAFAAAAAEAAAAAAAAAZAAAAGQAAAAAAAAAZAAAAGQAAAAVAAAAYAAAAAAAAAAAAAAADwAAACADAAAAAAAAAAAAAAEAAACgMgAAVgcAAKr4//8BAAAAf39/AAEAAABkAAAAAAAAABQAAABAHwAAAAAAACYAAAAAAAAAwOD//wAAAAAmAAAAZAAAABYAAABMAAAAAAAAAAAAAAAEAAAAAAAAAAEAAACAgIAKAAAAACgAAAAoAAAAZAAAAGQAAAAAAAAAzMzMAAAAAABQAAAAUAAAAGQAAABkAAAAAAAAABcAAAAUAAAAAAAAANwIAAD/fwAA/38AAAAAAAAJAAAABAAAAAAAAAAMAAAAEAAAAAAAAAAAAAAAAAAAAAAAAAAeAAAAaAAAAAAAAAAAAAAAAAAAAAAAAAAAAAAAECcAABAnAAAAAAAAAAAAAAAAAAAAAAAAAAAAAAAAAAAAAAAAAAAAABQAAAAAAAAAwMD/AAAAAABkAAAAMgAAAAAAAABkAAAAAAAAAH9/fwAKAAAAHwAAAFQAAAC74OMF////AQAAAAAAAAAAAAAAAAAAAAAAAAAAAAAAAAAAAAAAAAAAAAAAAn9/fwCAgIADzMzMAMDA/wB/f38AAAAAAAAAAAAAAAAAAAAAAAAAAAAhAAAAGAAAABQAAAAnCgAA3gUAAAMTAAB+CAAAECAAACYAAAAIAAAA//////////8="/>
+                <pr:smNativeData xmlns:pr="smNativeData" val="SMDATA_13_Hs+1XxMAAAAlAAAAEgAAAE8BAAAAkAAAAEgAAACQAAAASAAAAAAAAAAAAAAAAAAAAAEAAABQAAAAAAAAAAAA4D8AAAAAAADgPwAAAAAAAOA/AAAAAAAA4D8AAAAAAADgPwAAAAAAAOA/AAAAAAAA4D8AAAAAAADgPwAAAAAAAOA/AAAAAAAA4D8CAAAAjAAAAAAAAAAAAAAAu+DjDP///wgAAAAAAAAAAAAAAAAAAAAAAAAAAAAAAAAAAAAAZAAAAAEAAABAAAAAAAAAAAAAAAAAAAAAAAAAAAAAAAAAAAAAAAAAAAAAAAAAAAAAAAAAAAAAAAAAAAAAAAAAAAAAAAAAAAAAAAAAAAAAAAAAAAAAAAAAAAAAAAAAAAAAFAAAADwAAAAAAAAAAAAAAAAAAAkUAAAAAQAAABQAAAAUAAAAFAAAAAEAAAAAAAAAZAAAAGQAAAAAAAAAZAAAAGQAAAAVAAAAYAAAAAAAAAAAAAAADwAAACADAAAAAAAAAAAAAAEAAACgMgAAVgcAAKr4//8BAAAAf39/AAEAAABkAAAAAAAAABQAAABAHwAAAAAAACYAAAAAAAAAwOD//wAAAAAmAAAAZAAAABYAAABMAAAAAAAAAAAAAAAEAAAAAAAAAAEAAACAgIAKAAAAACgAAAAoAAAAZAAAAGQAAAAAAAAAzMzMAAAAAABQAAAAUAAAAGQAAABkAAAAAAAAABcAAAAUAAAAAAAAANwIAAD/fwAA/38AAAAAAAAJAAAABAAAAAAAAAAMAAAAEAAAAAAAAAAAAAAAAAAAAAAAAAAeAAAAaAAAAAAAAAAAAAAAAAAAAAAAAAAAAAAAECcAABAnAAAAAAAAAAAAAAAAAAAAAAAAAAAAAAAAAAAAAAAAAAAAABQAAAAAAAAAwMD/AAAAAABkAAAAMgAAAAAAAABkAAAAAAAAAH9/fwAKAAAAHwAAAFQAAAC74OMF////AQAAAAAAAAAAAAAAAAAAAAAAAAAAAAAAAAAAAAAAAAAAAAAAAn9/fwCAgIADzMzMAMDA/wB/f38AAAAAAAAAAAAAAAAAAAAAAAAAAAAhAAAAGAAAABQAAAAnCgAA3gUAAAMTAAB+CAAAECAAACYAAAAIAAAA//////////8="/>
               </a:ext>
             </a:extLst>
           </p:cNvSpPr>
@@ -4075,7 +4076,7 @@
           <p:cNvSpPr txBox="1">
             <a:extLst>
               <a:ext uri="smNativeData">
-                <pr:smNativeData xmlns:pr="smNativeData" val="SMDATA_13_4IlQXxMAAAAlAAAAEgAAAE8BAAAAkAAAAEgAAACQAAAASAAAAAAAAAAAAAAAAAAAAAEAAABQAAAAAAAAAAAA4D8AAAAAAADgPwAAAAAAAOA/AAAAAAAA4D8AAAAAAADgPwAAAAAAAOA/AAAAAAAA4D8AAAAAAADgPwAAAAAAAOA/AAAAAAAA4D8CAAAAjAAAAAAAAAAAAAAAu+DjDP///wgAAAAAAAAAAAAAAAAAAAAAAAAAAAAAAAAAAAAAZAAAAAEAAABAAAAAAAAAAAAAAAAAAAAAAAAAAAAAAAAAAAAAAAAAAAAAAAAAAAAAAAAAAAAAAAAAAAAAAAAAAAAAAAAAAAAAAAAAAAAAAAAAAAAAAAAAAAAAAAAAAAAAFAAAADwAAAAAAAAAAAAAAAAAAAkUAAAAAQAAABQAAAAUAAAAFAAAAAEAAAAAAAAAZAAAAGQAAAAAAAAAZAAAAGQAAAAVAAAAYAAAAAAAAAAAAAAADwAAACADAAAAAAAAAAAAAAEAAACgMgAAVgcAAKr4//8BAAAAf39/AAEAAABkAAAAAAAAABQAAABAHwAAAAAAACYAAAAAAAAAwOD//wAAAAAmAAAAZAAAABYAAABMAAAAAAAAAAAAAAAEAAAAAAAAAAEAAACAgIAKAAAAACgAAAAoAAAAZAAAAGQAAAAAAAAAzMzMAAAAAABQAAAAUAAAAGQAAABkAAAAAAAAABcAAAAUAAAAAAAAANwIAAD/fwAA/38AAAAAAAAJAAAABAAAAAAAAAAMAAAAEAAAAAAAAAAAAAAAAAAAAAAAAAAeAAAAaAAAAAAAAAAAAAAAAAAAAAAAAAAAAAAAECcAABAnAAAAAAAAAAAAAAAAAAAAAAAAAAAAAAAAAAAAAAAAAAAAABQAAAAAAAAAwMD/AAAAAABkAAAAMgAAAAAAAABkAAAAAAAAAH9/fwAKAAAAHwAAAFQAAAC74OMF////AQAAAAAAAAAAAAAAAAAAAAAAAAAAAAAAAAAAAAAAAAAAAAAAAn9/fwCAgIADzMzMAMDA/wB/f38AAAAAAAAAAAAAAAAAAAAAAAAAAAAhAAAAGAAAABQAAAAvCgAAzggAAMcUAACGDgAAECAAACYAAAAIAAAA//////////8="/>
+                <pr:smNativeData xmlns:pr="smNativeData" val="SMDATA_13_Hs+1XxMAAAAlAAAAEgAAAE8BAAAAkAAAAEgAAACQAAAASAAAAAAAAAAAAAAAAAAAAAEAAABQAAAAAAAAAAAA4D8AAAAAAADgPwAAAAAAAOA/AAAAAAAA4D8AAAAAAADgPwAAAAAAAOA/AAAAAAAA4D8AAAAAAADgPwAAAAAAAOA/AAAAAAAA4D8CAAAAjAAAAAAAAAAAAAAAu+DjDP///wgAAAAAAAAAAAAAAAAAAAAAAAAAAAAAAAAAAAAAZAAAAAEAAABAAAAAAAAAAAAAAAAAAAAAAAAAAAAAAAAAAAAAAAAAAAAAAAAAAAAAAAAAAAAAAAAAAAAAAAAAAAAAAAAAAAAAAAAAAAAAAAAAAAAAAAAAAAAAAAAAAAAAFAAAADwAAAAAAAAAAAAAAAAAAAkUAAAAAQAAABQAAAAUAAAAFAAAAAEAAAAAAAAAZAAAAGQAAAAAAAAAZAAAAGQAAAAVAAAAYAAAAAAAAAAAAAAADwAAACADAAAAAAAAAAAAAAEAAACgMgAAVgcAAKr4//8BAAAAf39/AAEAAABkAAAAAAAAABQAAABAHwAAAAAAACYAAAAAAAAAwOD//wAAAAAmAAAAZAAAABYAAABMAAAAAAAAAAAAAAAEAAAAAAAAAAEAAACAgIAKAAAAACgAAAAoAAAAZAAAAGQAAAAAAAAAzMzMAAAAAABQAAAAUAAAAGQAAABkAAAAAAAAABcAAAAUAAAAAAAAANwIAAD/fwAA/38AAAAAAAAJAAAABAAAAAAAAAAMAAAAEAAAAAAAAAAAAAAAAAAAAAAAAAAeAAAAaAAAAAAAAAAAAAAAAAAAAAAAAAAAAAAAECcAABAnAAAAAAAAAAAAAAAAAAAAAAAAAAAAAAAAAAAAAAAAAAAAABQAAAAAAAAAwMD/AAAAAABkAAAAMgAAAAAAAABkAAAAAAAAAH9/fwAKAAAAHwAAAFQAAAC74OMF////AQAAAAAAAAAAAAAAAAAAAAAAAAAAAAAAAAAAAAAAAAAAAAAAAn9/fwCAgIADzMzMAMDA/wB/f38AAAAAAAAAAAAAAAAAAAAAAAAAAAAhAAAAGAAAABQAAAAvCgAAzggAAMcUAACGDgAAECAAACYAAAAIAAAA//////////8="/>
               </a:ext>
             </a:extLst>
           </p:cNvSpPr>
@@ -4166,7 +4167,7 @@
           <p:cNvSpPr txBox="1">
             <a:extLst>
               <a:ext uri="smNativeData">
-                <pr:smNativeData xmlns:pr="smNativeData" val="SMDATA_13_4IlQXxMAAAAlAAAAEgAAAE8BAAAAkAAAAEgAAACQAAAASAAAAAAAAAAAAAAAAAAAAAEAAABQAAAAAAAAAAAA4D8AAAAAAADgPwAAAAAAAOA/AAAAAAAA4D8AAAAAAADgPwAAAAAAAOA/AAAAAAAA4D8AAAAAAADgPwAAAAAAAOA/AAAAAAAA4D8CAAAAjAAAAAAAAAAAAAAAu+DjDP///wgAAAAAAAAAAAAAAAAAAAAAAAAAAAAAAAAAAAAAZAAAAAEAAABAAAAAAAAAAAAAAAAAAAAAAAAAAAAAAAAAAAAAAAAAAAAAAAAAAAAAAAAAAAAAAAAAAAAAAAAAAAAAAAAAAAAAAAAAAAAAAAAAAAAAAAAAAAAAAAAAAAAAFAAAADwAAAAAAAAAAAAAAAAAAAkUAAAAAQAAABQAAAAUAAAAFAAAAAEAAAAAAAAAZAAAAGQAAAAAAAAAZAAAAGQAAAAVAAAAYAAAAAAAAAAAAAAADwAAACADAAAAAAAAAAAAAAEAAACgMgAAVgcAAKr4//8BAAAAf39/AAEAAABkAAAAAAAAABQAAABAHwAAAAAAACYAAAAAAAAAwOD//wAAAAAmAAAAZAAAABYAAABMAAAAAAAAAAAAAAAEAAAAAAAAAAEAAACAgIAKAAAAACgAAAAoAAAAZAAAAGQAAAAAAAAAzMzMAAAAAABQAAAAUAAAAGQAAABkAAAAAAAAABcAAAAUAAAAAAAAANwIAAD/fwAA/38AAAAAAAAJAAAABAAAAGcAaAAMAAAAEAAAAAAAAAAAAAAAAAAAAAAAAAAeAAAAaAAAAAAAAAAAAAAAAAAAAAAAAAAAAAAAECcAABAnAAAAAAAAAAAAAAAAAAAAAAAAAAAAAAAAAAAAAAAAAAAAABQAAAAAAAAAwMD/AAAAAABkAAAAMgAAAAAAAABkAAAAAAAAAH9/fwAKAAAAHwAAAFQAAAC74OMF////AQAAAAAAAAAAAAAAAAAAAAAAAAAAAAAAAAAAAAAAAAAAAAAAAn9/fwCAgIADzMzMAMDA/wB/f38AAAAAAAAAAAAAAAAAAAAAAAAAAAAhAAAAGAAAABQAAACDBQAA3gsAAPUJAACODQAAECAAACYAAAAIAAAA//////////8="/>
+                <pr:smNativeData xmlns:pr="smNativeData" val="SMDATA_13_Hs+1XxMAAAAlAAAAEgAAAE8BAAAAkAAAAEgAAACQAAAASAAAAAAAAAAAAAAAAAAAAAEAAABQAAAAAAAAAAAA4D8AAAAAAADgPwAAAAAAAOA/AAAAAAAA4D8AAAAAAADgPwAAAAAAAOA/AAAAAAAA4D8AAAAAAADgPwAAAAAAAOA/AAAAAAAA4D8CAAAAjAAAAAAAAAAAAAAAu+DjDP///wgAAAAAAAAAAAAAAAAAAAAAAAAAAAAAAAAAAAAAZAAAAAEAAABAAAAAAAAAAAAAAAAAAAAAAAAAAAAAAAAAAAAAAAAAAAAAAAAAAAAAAAAAAAAAAAAAAAAAAAAAAAAAAAAAAAAAAAAAAAAAAAAAAAAAAAAAAAAAAAAAAAAAFAAAADwAAAAAAAAAAAAAAAAAAAkUAAAAAQAAABQAAAAUAAAAFAAAAAEAAAAAAAAAZAAAAGQAAAAAAAAAZAAAAGQAAAAVAAAAYAAAAAAAAAAAAAAADwAAACADAAAAAAAAAAAAAAEAAACgMgAAVgcAAKr4//8BAAAAf39/AAEAAABkAAAAAAAAABQAAABAHwAAAAAAACYAAAAAAAAAwOD//wAAAAAmAAAAZAAAABYAAABMAAAAAAAAAAAAAAAEAAAAAAAAAAEAAACAgIAKAAAAACgAAAAoAAAAZAAAAGQAAAAAAAAAzMzMAAAAAABQAAAAUAAAAGQAAABkAAAAAAAAABcAAAAUAAAAAAAAANwIAAD/fwAA/38AAAAAAAAJAAAABAAAAGcAaAAMAAAAEAAAAAAAAAAAAAAAAAAAAAAAAAAeAAAAaAAAAAAAAAAAAAAAAAAAAAAAAAAAAAAAECcAABAnAAAAAAAAAAAAAAAAAAAAAAAAAAAAAAAAAAAAAAAAAAAAABQAAAAAAAAAwMD/AAAAAABkAAAAMgAAAAAAAABkAAAAAAAAAH9/fwAKAAAAHwAAAFQAAAC74OMF////AQAAAAAAAAAAAAAAAAAAAAAAAAAAAAAAAAAAAAAAAAAAAAAAAn9/fwCAgIADzMzMAMDA/wB/f38AAAAAAAAAAAAAAAAAAAAAAAAAAAAhAAAAGAAAABQAAACDBQAA3gsAAPUJAACODQAAECAAACYAAAAIAAAA//////////8="/>
               </a:ext>
             </a:extLst>
           </p:cNvSpPr>
@@ -4209,7 +4210,7 @@
           <p:cNvSpPr txBox="1">
             <a:extLst>
               <a:ext uri="smNativeData">
-                <pr:smNativeData xmlns:pr="smNativeData" val="SMDATA_13_4IlQXxMAAAAlAAAAEgAAAE8BAAAAkAAAAEgAAACQAAAASAAAAAAAAAAAAAAAAAAAAAEAAABQAAAAAAAAAAAA4D8AAAAAAADgPwAAAAAAAOA/AAAAAAAA4D8AAAAAAADgPwAAAAAAAOA/AAAAAAAA4D8AAAAAAADgPwAAAAAAAOA/AAAAAAAA4D8CAAAAjAAAAAAAAAAAAAAAu+DjDP///wgAAAAAAAAAAAAAAAAAAAAAAAAAAAAAAAAAAAAAZAAAAAEAAABAAAAAAAAAAAAAAAAAAAAAAAAAAAAAAAAAAAAAAAAAAAAAAAAAAAAAAAAAAAAAAAAAAAAAAAAAAAAAAAAAAAAAAAAAAAAAAAAAAAAAAAAAAAAAAAAAAAAAFAAAADwAAAAAAAAAAAAAAAAAAAkUAAAAAQAAABQAAAAUAAAAFAAAAAEAAAAAAAAAZAAAAGQAAAAAAAAAZAAAAGQAAAAVAAAAYAAAAAAAAAAAAAAADwAAACADAAAAAAAAAAAAAAEAAACgMgAAVgcAAKr4//8BAAAAf39/AAEAAABkAAAAAAAAABQAAABAHwAAAAAAACYAAAAAAAAAwOD//wAAAAAmAAAAZAAAABYAAABMAAAAAAAAAAAAAAAEAAAAAAAAAAEAAACAgIAKAAAAACgAAAAoAAAAZAAAAGQAAAAAAAAAzMzMAAAAAABQAAAAUAAAAGQAAABkAAAAAAAAABcAAAAUAAAAAAAAANwIAAD/fwAA/38AAAAAAAAJAAAABAAAAGcAaAAMAAAAEAAAAAAAAAAAAAAAAAAAAAAAAAAeAAAAaAAAAAAAAAAAAAAAAAAAAAAAAAAAAAAAECcAABAnAAAAAAAAAAAAAAAAAAAAAAAAAAAAAAAAAAAAAAAAAAAAABQAAAAAAAAAwMD/AAAAAABkAAAAMgAAAAAAAABkAAAAAAAAAH9/fwAKAAAAHwAAAFQAAAC74OMF////AQAAAAAAAAAAAAAAAAAAAAAAAAAAAAAAAAAAAAAAAAAAAAAAAn9/fwCAgIADzMzMAMDA/wB/f38AAAAAAAAAAAAAAAAAAAAAAAAAAAAhAAAAGAAAABQAAACDBQAAaQcAAPUJAAAZCQAAECAAACYAAAAIAAAA//////////8="/>
+                <pr:smNativeData xmlns:pr="smNativeData" val="SMDATA_13_Hs+1XxMAAAAlAAAAEgAAAE8BAAAAkAAAAEgAAACQAAAASAAAAAAAAAAAAAAAAAAAAAEAAABQAAAAAAAAAAAA4D8AAAAAAADgPwAAAAAAAOA/AAAAAAAA4D8AAAAAAADgPwAAAAAAAOA/AAAAAAAA4D8AAAAAAADgPwAAAAAAAOA/AAAAAAAA4D8CAAAAjAAAAAAAAAAAAAAAu+DjDP///wgAAAAAAAAAAAAAAAAAAAAAAAAAAAAAAAAAAAAAZAAAAAEAAABAAAAAAAAAAAAAAAAAAAAAAAAAAAAAAAAAAAAAAAAAAAAAAAAAAAAAAAAAAAAAAAAAAAAAAAAAAAAAAAAAAAAAAAAAAAAAAAAAAAAAAAAAAAAAAAAAAAAAFAAAADwAAAAAAAAAAAAAAAAAAAkUAAAAAQAAABQAAAAUAAAAFAAAAAEAAAAAAAAAZAAAAGQAAAAAAAAAZAAAAGQAAAAVAAAAYAAAAAAAAAAAAAAADwAAACADAAAAAAAAAAAAAAEAAACgMgAAVgcAAKr4//8BAAAAf39/AAEAAABkAAAAAAAAABQAAABAHwAAAAAAACYAAAAAAAAAwOD//wAAAAAmAAAAZAAAABYAAABMAAAAAAAAAAAAAAAEAAAAAAAAAAEAAACAgIAKAAAAACgAAAAoAAAAZAAAAGQAAAAAAAAAzMzMAAAAAABQAAAAUAAAAGQAAABkAAAAAAAAABcAAAAUAAAAAAAAANwIAAD/fwAA/38AAAAAAAAJAAAABAAAAGcAaAAMAAAAEAAAAAAAAAAAAAAAAAAAAAAAAAAeAAAAaAAAAAAAAAAAAAAAAAAAAAAAAAAAAAAAECcAABAnAAAAAAAAAAAAAAAAAAAAAAAAAAAAAAAAAAAAAAAAAAAAABQAAAAAAAAAwMD/AAAAAABkAAAAMgAAAAAAAABkAAAAAAAAAH9/fwAKAAAAHwAAAFQAAAC74OMF////AQAAAAAAAAAAAAAAAAAAAAAAAAAAAAAAAAAAAAAAAAAAAAAAAn9/fwCAgIADzMzMAMDA/wB/f38AAAAAAAAAAAAAAAAAAAAAAAAAAAAhAAAAGAAAABQAAACDBQAAaQcAAPUJAAAZCQAAECAAACYAAAAIAAAA//////////8="/>
               </a:ext>
             </a:extLst>
           </p:cNvSpPr>
@@ -4252,7 +4253,7 @@
           <p:cNvSpPr txBox="1">
             <a:extLst>
               <a:ext uri="smNativeData">
-                <pr:smNativeData xmlns:pr="smNativeData" val="SMDATA_13_4IlQXxMAAAAlAAAAEgAAAE8BAAAAkAAAAEgAAACQAAAASAAAAAAAAAAAAAAAAAAAAAEAAABQAAAAAAAAAAAA4D8AAAAAAADgPwAAAAAAAOA/AAAAAAAA4D8AAAAAAADgPwAAAAAAAOA/AAAAAAAA4D8AAAAAAADgPwAAAAAAAOA/AAAAAAAA4D8CAAAAjAAAAAAAAAAAAAAAu+DjDP///wgAAAAAAAAAAAAAAAAAAAAAAAAAAAAAAAAAAAAAZAAAAAEAAABAAAAAAAAAAAAAAAAAAAAAAAAAAAAAAAAAAAAAAAAAAAAAAAAAAAAAAAAAAAAAAAAAAAAAAAAAAAAAAAAAAAAAAAAAAAAAAAAAAAAAAAAAAAAAAAAAAAAAFAAAADwAAAAAAAAAAAAAAAAAAAkUAAAAAQAAABQAAAAUAAAAFAAAAAEAAAAAAAAAZAAAAGQAAAAAAAAAZAAAAGQAAAAVAAAAYAAAAAAAAAAAAAAADwAAACADAAAAAAAAAAAAAAEAAACgMgAAVgcAAKr4//8BAAAAf39/AAEAAABkAAAAAAAAABQAAABAHwAAAAAAACYAAAAAAAAAwOD//wAAAAAmAAAAZAAAABYAAABMAAAAAAAAAAAAAAAEAAAAAAAAAAEAAACAgIAKAAAAACgAAAAoAAAAZAAAAGQAAAAAAAAAzMzMAAAAAABQAAAAUAAAAGQAAABkAAAAAAAAABcAAAAUAAAAAAAAANwIAAD/fwAA/38AAAAAAAAJAAAABAAAAAAAAAAMAAAAEAAAAAAAAAAAAAAAAAAAAAAAAAAeAAAAaAAAAAAAAAAAAAAAAAAAAAAAAAAAAAAAECcAABAnAAAAAAAAAAAAAAAAAAAAAAAAAAAAAAAAAAAAAAAAAAAAABQAAAAAAAAAwMD/AAAAAABkAAAAMgAAAAAAAABkAAAAAAAAAH9/fwAKAAAAHwAAAFQAAAC74OMF////AQAAAAAAAAAAAAAAAAAAAAAAAAAAAAAAAAAAAAAAAAAAAAAAAn9/fwCAgIADzMzMAMDA/wB/f38AAAAAAAAAAAAAAAAAAAAAAAAAAAAhAAAAGAAAABQAAAAvCgAA2w4AAMcUAAD7FQAAACAAACYAAAAIAAAA//////////8="/>
+                <pr:smNativeData xmlns:pr="smNativeData" val="SMDATA_13_Hs+1XxMAAAAlAAAAEgAAAE8BAAAAkAAAAEgAAACQAAAASAAAAAAAAAAAAAAAAAAAAAEAAABQAAAAAAAAAAAA4D8AAAAAAADgPwAAAAAAAOA/AAAAAAAA4D8AAAAAAADgPwAAAAAAAOA/AAAAAAAA4D8AAAAAAADgPwAAAAAAAOA/AAAAAAAA4D8CAAAAjAAAAAAAAAAAAAAAu+DjDP///wgAAAAAAAAAAAAAAAAAAAAAAAAAAAAAAAAAAAAAZAAAAAEAAABAAAAAAAAAAAAAAAAAAAAAAAAAAAAAAAAAAAAAAAAAAAAAAAAAAAAAAAAAAAAAAAAAAAAAAAAAAAAAAAAAAAAAAAAAAAAAAAAAAAAAAAAAAAAAAAAAAAAAFAAAADwAAAAAAAAAAAAAAAAAAAkUAAAAAQAAABQAAAAUAAAAFAAAAAEAAAAAAAAAZAAAAGQAAAAAAAAAZAAAAGQAAAAVAAAAYAAAAAAAAAAAAAAADwAAACADAAAAAAAAAAAAAAEAAACgMgAAVgcAAKr4//8BAAAAf39/AAEAAABkAAAAAAAAABQAAABAHwAAAAAAACYAAAAAAAAAwOD//wAAAAAmAAAAZAAAABYAAABMAAAAAAAAAAAAAAAEAAAAAAAAAAEAAACAgIAKAAAAACgAAAAoAAAAZAAAAGQAAAAAAAAAzMzMAAAAAABQAAAAUAAAAGQAAABkAAAAAAAAABcAAAAUAAAAAAAAANwIAAD/fwAA/38AAAAAAAAJAAAABAAAAAAAAAAMAAAAEAAAAAAAAAAAAAAAAAAAAAAAAAAeAAAAaAAAAAAAAAAAAAAAAAAAAAAAAAAAAAAAECcAABAnAAAAAAAAAAAAAAAAAAAAAAAAAAAAAAAAAAAAAAAAAAAAABQAAAAAAAAAwMD/AAAAAABkAAAAMgAAAAAAAABkAAAAAAAAAH9/fwAKAAAAHwAAAFQAAAC74OMF////AQAAAAAAAAAAAAAAAAAAAAAAAAAAAAAAAAAAAAAAAAAAAAAAAn9/fwCAgIADzMzMAMDA/wB/f38AAAAAAAAAAAAAAAAAAAAAAAAAAAAhAAAAGAAAABQAAAAvCgAA2w4AAMcUAAD7FQAAECAAACYAAAAIAAAA//////////8="/>
               </a:ext>
             </a:extLst>
           </p:cNvSpPr>
@@ -4367,7 +4368,7 @@
           <p:cNvSpPr txBox="1">
             <a:extLst>
               <a:ext uri="smNativeData">
-                <pr:smNativeData xmlns:pr="smNativeData" val="SMDATA_13_4IlQXxMAAAAlAAAAEgAAAE8BAAAAkAAAAEgAAACQAAAASAAAAAAAAAAAAAAAAAAAAAEAAABQAAAAAAAAAAAA4D8AAAAAAADgPwAAAAAAAOA/AAAAAAAA4D8AAAAAAADgPwAAAAAAAOA/AAAAAAAA4D8AAAAAAADgPwAAAAAAAOA/AAAAAAAA4D8CAAAAjAAAAAAAAAAAAAAAu+DjDP///wgAAAAAAAAAAAAAAAAAAAAAAAAAAAAAAAAAAAAAZAAAAAEAAABAAAAAAAAAAAAAAAAAAAAAAAAAAAAAAAAAAAAAAAAAAAAAAAAAAAAAAAAAAAAAAAAAAAAAAAAAAAAAAAAAAAAAAAAAAAAAAAAAAAAAAAAAAAAAAAAAAAAAFAAAADwAAAAAAAAAAAAAAAAAAAkUAAAAAQAAABQAAAAUAAAAFAAAAAEAAAAAAAAAZAAAAGQAAAAAAAAAZAAAAGQAAAAVAAAAYAAAAAAAAAAAAAAADwAAACADAAAAAAAAAAAAAAEAAACgMgAAVgcAAKr4//8BAAAAf39/AAEAAABkAAAAAAAAABQAAABAHwAAAAAAACYAAAAAAAAAwOD//wAAAAAmAAAAZAAAABYAAABMAAAAAAAAAAAAAAAEAAAAAAAAAAEAAACAgIAKAAAAACgAAAAoAAAAZAAAAGQAAAAAAAAAzMzMAAAAAABQAAAAUAAAAGQAAABkAAAAAAAAABcAAAAUAAAAAAAAANwIAAD/fwAA/38AAAAAAAAJAAAABAAAAAAAAAAMAAAAEAAAAAAAAAAAAAAAAAAAAAAAAAAeAAAAaAAAAAAAAAAAAAAAAAAAAAAAAAAAAAAAECcAABAnAAAAAAAAAAAAAAAAAAAAAAAAAAAAAAAAAAAAAAAAAAAAABQAAAAAAAAAwMD/AAAAAABkAAAAMgAAAAAAAABkAAAAAAAAAH9/fwAKAAAAHwAAAFQAAAC74OMF////AQAAAAAAAAAAAAAAAAAAAAAAAAAAAAAAAAAAAAAAAAAAAAAAAn9/fwCAgIADzMzMAMDA/wB/f38AAAAAAAAAAAAAAAAAAAAAAAAAAAAhAAAAGAAAABQAAACDBQAATxEAAPUJAAD/EgAAECAAACYAAAAIAAAA//////////8="/>
+                <pr:smNativeData xmlns:pr="smNativeData" val="SMDATA_13_Hs+1XxMAAAAlAAAAEgAAAE8BAAAAkAAAAEgAAACQAAAASAAAAAAAAAAAAAAAAAAAAAEAAABQAAAAAAAAAAAA4D8AAAAAAADgPwAAAAAAAOA/AAAAAAAA4D8AAAAAAADgPwAAAAAAAOA/AAAAAAAA4D8AAAAAAADgPwAAAAAAAOA/AAAAAAAA4D8CAAAAjAAAAAAAAAAAAAAAu+DjDP///wgAAAAAAAAAAAAAAAAAAAAAAAAAAAAAAAAAAAAAZAAAAAEAAABAAAAAAAAAAAAAAAAAAAAAAAAAAAAAAAAAAAAAAAAAAAAAAAAAAAAAAAAAAAAAAAAAAAAAAAAAAAAAAAAAAAAAAAAAAAAAAAAAAAAAAAAAAAAAAAAAAAAAFAAAADwAAAAAAAAAAAAAAAAAAAkUAAAAAQAAABQAAAAUAAAAFAAAAAEAAAAAAAAAZAAAAGQAAAAAAAAAZAAAAGQAAAAVAAAAYAAAAAAAAAAAAAAADwAAACADAAAAAAAAAAAAAAEAAACgMgAAVgcAAKr4//8BAAAAf39/AAEAAABkAAAAAAAAABQAAABAHwAAAAAAACYAAAAAAAAAwOD//wAAAAAmAAAAZAAAABYAAABMAAAAAAAAAAAAAAAEAAAAAAAAAAEAAACAgIAKAAAAACgAAAAoAAAAZAAAAGQAAAAAAAAAzMzMAAAAAABQAAAAUAAAAGQAAABkAAAAAAAAABcAAAAUAAAAAAAAANwIAAD/fwAA/38AAAAAAAAJAAAABAAAAAAAAAAMAAAAEAAAAAAAAAAAAAAAAAAAAAAAAAAeAAAAaAAAAAAAAAAAAAAAAAAAAAAAAAAAAAAAECcAABAnAAAAAAAAAAAAAAAAAAAAAAAAAAAAAAAAAAAAAAAAAAAAABQAAAAAAAAAwMD/AAAAAABkAAAAMgAAAAAAAABkAAAAAAAAAH9/fwAKAAAAHwAAAFQAAAC74OMF////AQAAAAAAAAAAAAAAAAAAAAAAAAAAAAAAAAAAAAAAAAAAAAAAAn9/fwCAgIADzMzMAMDA/wB/f38AAAAAAAAAAAAAAAAAAAAAAAAAAAAhAAAAGAAAABQAAACDBQAATxEAAPUJAAD/EgAAECAAACYAAAAIAAAA//////////8="/>
               </a:ext>
             </a:extLst>
           </p:cNvSpPr>
@@ -4410,7 +4411,7 @@
           <p:cNvSpPr txBox="1">
             <a:extLst>
               <a:ext uri="smNativeData">
-                <pr:smNativeData xmlns:pr="smNativeData" val="SMDATA_13_4IlQXxMAAAAlAAAAEgAAAE8BAAAAkAAAAEgAAACQAAAASAAAAAAAAAAAAAAAAAAAAAEAAABQAAAAAAAAAAAA4D8AAAAAAADgPwAAAAAAAOA/AAAAAAAA4D8AAAAAAADgPwAAAAAAAOA/AAAAAAAA4D8AAAAAAADgPwAAAAAAAOA/AAAAAAAA4D8CAAAAjAAAAAAAAAAAAAAAu+DjDP///wgAAAAAAAAAAAAAAAAAAAAAAAAAAAAAAAAAAAAAZAAAAAEAAABAAAAAAAAAAAAAAAAAAAAAAAAAAAAAAAAAAAAAAAAAAAAAAAAAAAAAAAAAAAAAAAAAAAAAAAAAAAAAAAAAAAAAAAAAAAAAAAAAAAAAAAAAAAAAAAAAAAAAFAAAADwAAAAAAAAAAAAAAAAAAAkUAAAAAQAAABQAAAAUAAAAFAAAAAEAAAAAAAAAZAAAAGQAAAAAAAAAZAAAAGQAAAAVAAAAYAAAAAAAAAAAAAAADwAAACADAAAAAAAAAAAAAAEAAACgMgAAVgcAAKr4//8BAAAAf39/AAEAAABkAAAAAAAAABQAAABAHwAAAAAAACYAAAAAAAAAwOD//wAAAAAmAAAAZAAAABYAAABMAAAAAAAAAAAAAAAEAAAAAAAAAAEAAACAgIAKAAAAACgAAAAoAAAAZAAAAGQAAAAAAAAAzMzMAAAAAABQAAAAUAAAAGQAAABkAAAAAAAAABcAAAAUAAAAAAAAANwIAAD/fwAA/38AAAAAAAAJAAAABAAAAAAAAAAMAAAAEAAAAAAAAAAAAAAAAAAAAAAAAAAeAAAAaAAAAAAAAAAAAAAAAAAAAAAAAAAAAAAAECcAABAnAAAAAAAAAAAAAAAAAAAAAAAAAAAAAAAAAAAAAAAAAAAAABQAAAAAAAAAwMD/AAAAAABkAAAAMgAAAAAAAABkAAAAAAAAAH9/fwAKAAAAHwAAAFQAAAC74OMF////AQAAAAAAAAAAAAAAAAAAAAAAAAAAAAAAAAAAAAAAAAAAAAAAAn9/fwCAgIADzMzMAMDA/wB/f38AAAAAAAAAAAAAAAAAAAAAAAAAAAAhAAAAGAAAABQAAABwKAAAhwUAAD01AAAfBwAAECAAACYAAAAIAAAA//////////8="/>
+                <pr:smNativeData xmlns:pr="smNativeData" val="SMDATA_13_Hs+1XxMAAAAlAAAAEgAAAE8BAAAAkAAAAEgAAACQAAAASAAAAAAAAAAAAAAAAAAAAAEAAABQAAAAAAAAAAAA4D8AAAAAAADgPwAAAAAAAOA/AAAAAAAA4D8AAAAAAADgPwAAAAAAAOA/AAAAAAAA4D8AAAAAAADgPwAAAAAAAOA/AAAAAAAA4D8CAAAAjAAAAAAAAAAAAAAAu+DjDP///wgAAAAAAAAAAAAAAAAAAAAAAAAAAAAAAAAAAAAAZAAAAAEAAABAAAAAAAAAAAAAAAAAAAAAAAAAAAAAAAAAAAAAAAAAAAAAAAAAAAAAAAAAAAAAAAAAAAAAAAAAAAAAAAAAAAAAAAAAAAAAAAAAAAAAAAAAAAAAAAAAAAAAFAAAADwAAAAAAAAAAAAAAAAAAAkUAAAAAQAAABQAAAAUAAAAFAAAAAEAAAAAAAAAZAAAAGQAAAAAAAAAZAAAAGQAAAAVAAAAYAAAAAAAAAAAAAAADwAAACADAAAAAAAAAAAAAAEAAACgMgAAVgcAAKr4//8BAAAAf39/AAEAAABkAAAAAAAAABQAAABAHwAAAAAAACYAAAAAAAAAwOD//wAAAAAmAAAAZAAAABYAAABMAAAAAAAAAAAAAAAEAAAAAAAAAAEAAACAgIAKAAAAACgAAAAoAAAAZAAAAGQAAAAAAAAAzMzMAAAAAABQAAAAUAAAAGQAAABkAAAAAAAAABcAAAAUAAAAAAAAANwIAAD/fwAA/38AAAAAAAAJAAAABAAAAAAAAAAMAAAAEAAAAAAAAAAAAAAAAAAAAAAAAAAeAAAAaAAAAAAAAAAAAAAAAAAAAAAAAAAAAAAAECcAABAnAAAAAAAAAAAAAAAAAAAAAAAAAAAAAAAAAAAAAAAAAAAAABQAAAAAAAAAwMD/AAAAAABkAAAAMgAAAAAAAABkAAAAAAAAAH9/fwAKAAAAHwAAAFQAAAC74OMF////AQAAAAAAAAAAAAAAAAAAAAAAAAAAAAAAAAAAAAAAAAAAAAAAAn9/fwCAgIADzMzMAMDA/wB/f38AAAAAAAAAAAAAAAAAAAAAAAAAAAAhAAAAGAAAABQAAABwKAAAhwUAAD01AAAfBwAAECAAACYAAAAIAAAA//////////8="/>
               </a:ext>
             </a:extLst>
           </p:cNvSpPr>
@@ -4453,7 +4454,7 @@
           <p:cNvSpPr txBox="1">
             <a:extLst>
               <a:ext uri="smNativeData">
-                <pr:smNativeData xmlns:pr="smNativeData" val="SMDATA_13_4IlQXxMAAAAlAAAAEgAAAE8BAAAAkAAAAEgAAACQAAAASAAAAAAAAAAAAAAAAAAAAAEAAABQAAAAAAAAAAAA4D8AAAAAAADgPwAAAAAAAOA/AAAAAAAA4D8AAAAAAADgPwAAAAAAAOA/AAAAAAAA4D8AAAAAAADgPwAAAAAAAOA/AAAAAAAA4D8CAAAAjAAAAAAAAAAAAAAAu+DjDP///wgAAAAAAAAAAAAAAAAAAAAAAAAAAAAAAAAAAAAAZAAAAAEAAABAAAAAAAAAAAAAAAAAAAAAAAAAAAAAAAAAAAAAAAAAAAAAAAAAAAAAAAAAAAAAAAAAAAAAAAAAAAAAAAAAAAAAAAAAAAAAAAAAAAAAAAAAAAAAAAAAAAAAFAAAADwAAAAAAAAAAAAAAAAAAAkUAAAAAQAAABQAAAAUAAAAFAAAAAEAAAAAAAAAZAAAAGQAAAAAAAAAZAAAAGQAAAAVAAAAYAAAAAAAAAAAAAAADwAAACADAAAAAAAAAAAAAAEAAACgMgAAVgcAAKr4//8BAAAAf39/AAEAAABkAAAAAAAAABQAAABAHwAAAAAAACYAAAAAAAAAwOD//wAAAAAmAAAAZAAAABYAAABMAAAAAAAAAAAAAAAEAAAAAAAAAAEAAACAgIAKAAAAACgAAAAoAAAAZAAAAGQAAAAAAAAAzMzMAAAAAABQAAAAUAAAAGQAAABkAAAAAAAAABcAAAAUAAAAAAAAANwIAAD/fwAA/38AAAAAAAAJAAAABAAAAAAAAAAMAAAAEAAAAAAAAAAAAAAAAAAAAAAAAAAeAAAAaAAAAAAAAAAAAAAAAAAAAAAAAAAAAAAAECcAABAnAAAAAAAAAAAAAAAAAAAAAAAAAAAAAAAAAAAAAAAAAAAAABQAAAAAAAAAwMD/AAAAAABkAAAAMgAAAAAAAABkAAAAAAAAAH9/fwAKAAAAHwAAAFQAAAC74OMF////AQAAAAAAAAAAAAAAAAAAAAAAAAAAAAAAAAAAAAAAAAAAAAAAAn9/fwCAgIADzMzMAMDA/wB/f38AAAAAAAAAAAAAAAAAAAAAAAAAAAAhAAAAGAAAABQAAABzKgAAeQkAAO01AADJDQAAECAAACYAAAAIAAAA//////////8="/>
+                <pr:smNativeData xmlns:pr="smNativeData" val="SMDATA_13_Hs+1XxMAAAAlAAAAEgAAAE8BAAAAkAAAAEgAAACQAAAASAAAAAAAAAAAAAAAAAAAAAEAAABQAAAAAAAAAAAA4D8AAAAAAADgPwAAAAAAAOA/AAAAAAAA4D8AAAAAAADgPwAAAAAAAOA/AAAAAAAA4D8AAAAAAADgPwAAAAAAAOA/AAAAAAAA4D8CAAAAjAAAAAAAAAAAAAAAu+DjDP///wgAAAAAAAAAAAAAAAAAAAAAAAAAAAAAAAAAAAAAZAAAAAEAAABAAAAAAAAAAAAAAAAAAAAAAAAAAAAAAAAAAAAAAAAAAAAAAAAAAAAAAAAAAAAAAAAAAAAAAAAAAAAAAAAAAAAAAAAAAAAAAAAAAAAAAAAAAAAAAAAAAAAAFAAAADwAAAAAAAAAAAAAAAAAAAkUAAAAAQAAABQAAAAUAAAAFAAAAAEAAAAAAAAAZAAAAGQAAAAAAAAAZAAAAGQAAAAVAAAAYAAAAAAAAAAAAAAADwAAACADAAAAAAAAAAAAAAEAAACgMgAAVgcAAKr4//8BAAAAf39/AAEAAABkAAAAAAAAABQAAABAHwAAAAAAACYAAAAAAAAAwOD//wAAAAAmAAAAZAAAABYAAABMAAAAAAAAAAAAAAAEAAAAAAAAAAEAAACAgIAKAAAAACgAAAAoAAAAZAAAAGQAAAAAAAAAzMzMAAAAAABQAAAAUAAAAGQAAABkAAAAAAAAABcAAAAUAAAAAAAAANwIAAD/fwAA/38AAAAAAAAJAAAABAAAAAAAAAAMAAAAEAAAAAAAAAAAAAAAAAAAAAAAAAAeAAAAaAAAAAAAAAAAAAAAAAAAAAAAAAAAAAAAECcAABAnAAAAAAAAAAAAAAAAAAAAAAAAAAAAAAAAAAAAAAAAAAAAABQAAAAAAAAAwMD/AAAAAABkAAAAMgAAAAAAAABkAAAAAAAAAH9/fwAKAAAAHwAAAFQAAAC74OMF////AQAAAAAAAAAAAAAAAAAAAAAAAAAAAAAAAAAAAAAAAAAAAAAAAn9/fwCAgIADzMzMAMDA/wB/f38AAAAAAAAAAAAAAAAAAAAAAAAAAAAhAAAAGAAAABQAAABzKgAAeQkAAO01AADJDQAAECAAACYAAAAIAAAA//////////8="/>
               </a:ext>
             </a:extLst>
           </p:cNvSpPr>
@@ -4532,7 +4533,7 @@
           <p:cNvSpPr txBox="1">
             <a:extLst>
               <a:ext uri="smNativeData">
-                <pr:smNativeData xmlns:pr="smNativeData" val="SMDATA_13_4IlQXxMAAAAlAAAAEgAAAE8BAAAAkAAAAEgAAACQAAAASAAAAAAAAAAAAAAAAAAAAAEAAABQAAAAAAAAAAAA4D8AAAAAAADgPwAAAAAAAOA/AAAAAAAA4D8AAAAAAADgPwAAAAAAAOA/AAAAAAAA4D8AAAAAAADgPwAAAAAAAOA/AAAAAAAA4D8CAAAAjAAAAAAAAAAAAAAAu+DjDP///wgAAAAAAAAAAAAAAAAAAAAAAAAAAAAAAAAAAAAAZAAAAAEAAABAAAAAAAAAAAAAAAAAAAAAAAAAAAAAAAAAAAAAAAAAAAAAAAAAAAAAAAAAAAAAAAAAAAAAAAAAAAAAAAAAAAAAAAAAAAAAAAAAAAAAAAAAAAAAAAAAAAAAFAAAADwAAAAAAAAAAAAAAAAAAAkUAAAAAQAAABQAAAAUAAAAFAAAAAEAAAAAAAAAZAAAAGQAAAAAAAAAZAAAAGQAAAAVAAAAYAAAAAAAAAAAAAAADwAAACADAAAAAAAAAAAAAAEAAACgMgAAVgcAAKr4//8BAAAAf39/AAEAAABkAAAAAAAAABQAAABAHwAAAAAAACYAAAAAAAAAwOD//wAAAAAmAAAAZAAAABYAAABMAAAAAAAAAAAAAAAEAAAAAAAAAAEAAACAgIAKAAAAACgAAAAoAAAAZAAAAGQAAAAAAAAAzMzMAAAAAABQAAAAUAAAAGQAAABkAAAAAAAAABcAAAAUAAAAAAAAANwIAAD/fwAA/38AAAAAAAAJAAAABAAAAAAAAAAMAAAAEAAAAAAAAAAAAAAAAAAAAAAAAAAeAAAAaAAAAAAAAAAAAAAAAAAAAAAAAAAAAAAAECcAABAnAAAAAAAAAAAAAAAAAAAAAAAAAAAAAAAAAAAAAAAAAAAAABQAAAAAAAAAwMD/AAAAAABkAAAAMgAAAAAAAABkAAAAAAAAAH9/fwAKAAAAHwAAAFQAAAC74OMF////AQAAAAAAAAAAAAAAAAAAAAAAAAAAAAAAAAAAAAAAAAAAAAAAAn9/fwCAgIADzMzMAMDA/wB/f38AAAAAAAAAAAAAAAAAAAAAAAAAAAAhAAAAGAAAABQAAABqFQAAnwUAADciAABPBwAAECAAACYAAAAIAAAA//////////8="/>
+                <pr:smNativeData xmlns:pr="smNativeData" val="SMDATA_13_Hs+1XxMAAAAlAAAAEgAAAE8BAAAAkAAAAEgAAACQAAAASAAAAAAAAAAAAAAAAAAAAAEAAABQAAAAAAAAAAAA4D8AAAAAAADgPwAAAAAAAOA/AAAAAAAA4D8AAAAAAADgPwAAAAAAAOA/AAAAAAAA4D8AAAAAAADgPwAAAAAAAOA/AAAAAAAA4D8CAAAAjAAAAAAAAAAAAAAAu+DjDP///wgAAAAAAAAAAAAAAAAAAAAAAAAAAAAAAAAAAAAAZAAAAAEAAABAAAAAAAAAAAAAAAAAAAAAAAAAAAAAAAAAAAAAAAAAAAAAAAAAAAAAAAAAAAAAAAAAAAAAAAAAAAAAAAAAAAAAAAAAAAAAAAAAAAAAAAAAAAAAAAAAAAAAFAAAADwAAAAAAAAAAAAAAAAAAAkUAAAAAQAAABQAAAAUAAAAFAAAAAEAAAAAAAAAZAAAAGQAAAAAAAAAZAAAAGQAAAAVAAAAYAAAAAAAAAAAAAAADwAAACADAAAAAAAAAAAAAAEAAACgMgAAVgcAAKr4//8BAAAAf39/AAEAAABkAAAAAAAAABQAAABAHwAAAAAAACYAAAAAAAAAwOD//wAAAAAmAAAAZAAAABYAAABMAAAAAAAAAAAAAAAEAAAAAAAAAAEAAACAgIAKAAAAACgAAAAoAAAAZAAAAGQAAAAAAAAAzMzMAAAAAABQAAAAUAAAAGQAAABkAAAAAAAAABcAAAAUAAAAAAAAANwIAAD/fwAA/38AAAAAAAAJAAAABAAAAAAAAAAMAAAAEAAAAAAAAAAAAAAAAAAAAAAAAAAeAAAAaAAAAAAAAAAAAAAAAAAAAAAAAAAAAAAAECcAABAnAAAAAAAAAAAAAAAAAAAAAAAAAAAAAAAAAAAAAAAAAAAAABQAAAAAAAAAwMD/AAAAAABkAAAAMgAAAAAAAABkAAAAAAAAAH9/fwAKAAAAHwAAAFQAAAC74OMF////AQAAAAAAAAAAAAAAAAAAAAAAAAAAAAAAAAAAAAAAAAAAAAAAAn9/fwCAgIADzMzMAMDA/wB/f38AAAAAAAAAAAAAAAAAAAAAAAAAAAAhAAAAGAAAABQAAABqFQAAnwUAADciAABPBwAAECAAACYAAAAIAAAA//////////8="/>
               </a:ext>
             </a:extLst>
           </p:cNvSpPr>
@@ -4575,7 +4576,7 @@
           <p:cNvSpPr txBox="1">
             <a:extLst>
               <a:ext uri="smNativeData">
-                <pr:smNativeData xmlns:pr="smNativeData" val="SMDATA_13_4IlQXxMAAAAlAAAAEgAAAE8BAAAAkAAAAEgAAACQAAAASAAAAAAAAAAAAAAAAAAAAAEAAABQAAAAAAAAAAAA4D8AAAAAAADgPwAAAAAAAOA/AAAAAAAA4D8AAAAAAADgPwAAAAAAAOA/AAAAAAAA4D8AAAAAAADgPwAAAAAAAOA/AAAAAAAA4D8CAAAAjAAAAAAAAAAAAAAAu+DjDP///wgAAAAAAAAAAAAAAAAAAAAAAAAAAAAAAAAAAAAAZAAAAAEAAABAAAAAAAAAAAAAAAAAAAAAAAAAAAAAAAAAAAAAAAAAAAAAAAAAAAAAAAAAAAAAAAAAAAAAAAAAAAAAAAAAAAAAAAAAAAAAAAAAAAAAAAAAAAAAAAAAAAAAFAAAADwAAAAAAAAAAAAAAAAAAAkUAAAAAQAAABQAAAAUAAAAFAAAAAEAAAAAAAAAZAAAAGQAAAAAAAAAZAAAAGQAAAAVAAAAYAAAAAAAAAAAAAAADwAAACADAAAAAAAAAAAAAAEAAACgMgAAVgcAAKr4//8BAAAAf39/AAEAAABkAAAAAAAAABQAAABAHwAAAAAAACYAAAAAAAAAwOD//wAAAAAmAAAAZAAAABYAAABMAAAAAAAAAAAAAAAEAAAAAAAAAAEAAACAgIAKAAAAACgAAAAoAAAAZAAAAGQAAAAAAAAAzMzMAAAAAABQAAAAUAAAAGQAAABkAAAAAAAAABcAAAAUAAAAAAAAANwIAAD/fwAA/38AAAAAAAAJAAAABAAAAAAAAAAMAAAAEAAAAAAAAAAAAAAAAAAAAAAAAAAeAAAAaAAAAAAAAAAAAAAAAAAAAAAAAAAAAAAAECcAABAnAAAAAAAAAAAAAAAAAAAAAAAAAAAAAAAAAAAAAAAAAAAAABQAAAAAAAAAwMD/AAAAAABkAAAAMgAAAAAAAABkAAAAAAAAAH9/fwAKAAAAHwAAAFQAAAC74OMF////AQAAAAAAAAAAAAAAAAAAAAAAAAAAAAAAAAAAAAAAAAAAAAAAAn9/fwCAgIADzMzMAMDA/wB/f38AAAAAAAAAAAAAAAAAAAAAAAAAAAAhAAAAGAAAABQAAAA3FgAAugoAABMfAABSDAAAECAAACYAAAAIAAAA//////////8="/>
+                <pr:smNativeData xmlns:pr="smNativeData" val="SMDATA_13_Hs+1XxMAAAAlAAAAEgAAAE8BAAAAkAAAAEgAAACQAAAASAAAAAAAAAAAAAAAAAAAAAEAAABQAAAAAAAAAAAA4D8AAAAAAADgPwAAAAAAAOA/AAAAAAAA4D8AAAAAAADgPwAAAAAAAOA/AAAAAAAA4D8AAAAAAADgPwAAAAAAAOA/AAAAAAAA4D8CAAAAjAAAAAAAAAAAAAAAu+DjDP///wgAAAAAAAAAAAAAAAAAAAAAAAAAAAAAAAAAAAAAZAAAAAEAAABAAAAAAAAAAAAAAAAAAAAAAAAAAAAAAAAAAAAAAAAAAAAAAAAAAAAAAAAAAAAAAAAAAAAAAAAAAAAAAAAAAAAAAAAAAAAAAAAAAAAAAAAAAAAAAAAAAAAAFAAAADwAAAAAAAAAAAAAAAAAAAkUAAAAAQAAABQAAAAUAAAAFAAAAAEAAAAAAAAAZAAAAGQAAAAAAAAAZAAAAGQAAAAVAAAAYAAAAAAAAAAAAAAADwAAACADAAAAAAAAAAAAAAEAAACgMgAAVgcAAKr4//8BAAAAf39/AAEAAABkAAAAAAAAABQAAABAHwAAAAAAACYAAAAAAAAAwOD//wAAAAAmAAAAZAAAABYAAABMAAAAAAAAAAAAAAAEAAAAAAAAAAEAAACAgIAKAAAAACgAAAAoAAAAZAAAAGQAAAAAAAAAzMzMAAAAAABQAAAAUAAAAGQAAABkAAAAAAAAABcAAAAUAAAAAAAAANwIAAD/fwAA/38AAAAAAAAJAAAABAAAAAAAAAAMAAAAEAAAAAAAAAAAAAAAAAAAAAAAAAAeAAAAaAAAAAAAAAAAAAAAAAAAAAAAAAAAAAAAECcAABAnAAAAAAAAAAAAAAAAAAAAAAAAAAAAAAAAAAAAAAAAAAAAABQAAAAAAAAAwMD/AAAAAABkAAAAMgAAAAAAAABkAAAAAAAAAH9/fwAKAAAAHwAAAFQAAAC74OMF////AQAAAAAAAAAAAAAAAAAAAAAAAAAAAAAAAAAAAAAAAAAAAAAAAn9/fwCAgIADzMzMAMDA/wB/f38AAAAAAAAAAAAAAAAAAAAAAAAAAAAhAAAAGAAAABQAAAA3FgAAugoAABMfAABSDAAAECAAACYAAAAIAAAA//////////8="/>
               </a:ext>
             </a:extLst>
           </p:cNvSpPr>
@@ -4618,7 +4619,7 @@
           <p:cNvSpPr txBox="1">
             <a:extLst>
               <a:ext uri="smNativeData">
-                <pr:smNativeData xmlns:pr="smNativeData" val="SMDATA_13_4IlQXxMAAAAlAAAAEgAAAE8BAAAAkAAAAEgAAACQAAAASAAAAAAAAAAAAAAAAAAAAAEAAABQAAAAAAAAAAAA4D8AAAAAAADgPwAAAAAAAOA/AAAAAAAA4D8AAAAAAADgPwAAAAAAAOA/AAAAAAAA4D8AAAAAAADgPwAAAAAAAOA/AAAAAAAA4D8CAAAAjAAAAAAAAAAAAAAAu+DjDP///wgAAAAAAAAAAAAAAAAAAAAAAAAAAAAAAAAAAAAAZAAAAAEAAABAAAAAAAAAAAAAAAAAAAAAAAAAAAAAAAAAAAAAAAAAAAAAAAAAAAAAAAAAAAAAAAAAAAAAAAAAAAAAAAAAAAAAAAAAAAAAAAAAAAAAAAAAAAAAAAAAAAAAFAAAADwAAAAAAAAAAAAAAAAAAAkUAAAAAQAAABQAAAAUAAAAFAAAAAEAAAAAAAAAZAAAAGQAAAAAAAAAZAAAAGQAAAAVAAAAYAAAAAAAAAAAAAAADwAAACADAAAAAAAAAAAAAAEAAACgMgAAVgcAAKr4//8BAAAAf39/AAEAAABkAAAAAAAAABQAAABAHwAAAAAAACYAAAAAAAAAwOD//wAAAAAmAAAAZAAAABYAAABMAAAAAAAAAAAAAAAEAAAAAAAAAAEAAACAgIAKAAAAACgAAAAoAAAAZAAAAGQAAAAAAAAAzMzMAAAAAABQAAAAUAAAAGQAAABkAAAAAAAAABcAAAAUAAAAAAAAANwIAAD/fwAA/38AAAAAAAAJAAAABAAAAAAAAAAMAAAAEAAAAAAAAAAAAAAAAAAAAAAAAAAeAAAAaAAAAAAAAAAAAAAAAAAAAAAAAAAAAAAAECcAABAnAAAAAAAAAAAAAAAAAAAAAAAAAAAAAAAAAAAAAAAAAAAAABQAAAAAAAAAwMD/AAAAAABkAAAAMgAAAAAAAABkAAAAAAAAAH9/fwAKAAAAHwAAAFQAAAC74OMF////AQAAAAAAAAAAAAAAAAAAAAAAAAAAAAAAAAAAAAAAAAAAAAAAAn9/fwCAgIADzMzMAMDA/wB/f38AAAAAAAAAAAAAAAAAAAAAAAAAAAAhAAAAGAAAABQAAABoHgAAsgoAAJImAABiDwAAECAAACYAAAAIAAAA//////////8="/>
+                <pr:smNativeData xmlns:pr="smNativeData" val="SMDATA_13_Hs+1XxMAAAAlAAAAEgAAAE8BAAAAkAAAAEgAAACQAAAASAAAAAAAAAAAAAAAAAAAAAEAAABQAAAAAAAAAAAA4D8AAAAAAADgPwAAAAAAAOA/AAAAAAAA4D8AAAAAAADgPwAAAAAAAOA/AAAAAAAA4D8AAAAAAADgPwAAAAAAAOA/AAAAAAAA4D8CAAAAjAAAAAAAAAAAAAAAu+DjDP///wgAAAAAAAAAAAAAAAAAAAAAAAAAAAAAAAAAAAAAZAAAAAEAAABAAAAAAAAAAAAAAAAAAAAAAAAAAAAAAAAAAAAAAAAAAAAAAAAAAAAAAAAAAAAAAAAAAAAAAAAAAAAAAAAAAAAAAAAAAAAAAAAAAAAAAAAAAAAAAAAAAAAAFAAAADwAAAAAAAAAAAAAAAAAAAkUAAAAAQAAABQAAAAUAAAAFAAAAAEAAAAAAAAAZAAAAGQAAAAAAAAAZAAAAGQAAAAVAAAAYAAAAAAAAAAAAAAADwAAACADAAAAAAAAAAAAAAEAAACgMgAAVgcAAKr4//8BAAAAf39/AAEAAABkAAAAAAAAABQAAABAHwAAAAAAACYAAAAAAAAAwOD//wAAAAAmAAAAZAAAABYAAABMAAAAAAAAAAAAAAAEAAAAAAAAAAEAAACAgIAKAAAAACgAAAAoAAAAZAAAAGQAAAAAAAAAzMzMAAAAAABQAAAAUAAAAGQAAABkAAAAAAAAABcAAAAUAAAAAAAAANwIAAD/fwAA/38AAAAAAAAJAAAABAAAAAAAAAAMAAAAEAAAAAAAAAAAAAAAAAAAAAAAAAAeAAAAaAAAAAAAAAAAAAAAAAAAAAAAAAAAAAAAECcAABAnAAAAAAAAAAAAAAAAAAAAAAAAAAAAAAAAAAAAAAAAAAAAABQAAAAAAAAAwMD/AAAAAABkAAAAMgAAAAAAAABkAAAAAAAAAH9/fwAKAAAAHwAAAFQAAAC74OMF////AQAAAAAAAAAAAAAAAAAAAAAAAAAAAAAAAAAAAAAAAAAAAAAAAn9/fwCAgIADzMzMAMDA/wB/f38AAAAAAAAAAAAAAAAAAAAAAAAAAAAhAAAAGAAAABQAAABoHgAAsgoAAJImAABiDwAAECAAACYAAAAIAAAA//////////8="/>
               </a:ext>
             </a:extLst>
           </p:cNvSpPr>
@@ -4697,7 +4698,7 @@
           <p:cNvSpPr txBox="1">
             <a:extLst>
               <a:ext uri="smNativeData">
-                <pr:smNativeData xmlns:pr="smNativeData" val="SMDATA_13_4IlQXxMAAAAlAAAAEgAAAE8BAAAAkAAAAEgAAACQAAAASAAAAAAAAAAAAAAAAAAAAAEAAABQAAAAAAAAAAAA4D8AAAAAAADgPwAAAAAAAOA/AAAAAAAA4D8AAAAAAADgPwAAAAAAAOA/AAAAAAAA4D8AAAAAAADgPwAAAAAAAOA/AAAAAAAA4D8CAAAAjAAAAAAAAAAAAAAAu+DjDP///wgAAAAAAAAAAAAAAAAAAAAAAAAAAAAAAAAAAAAAZAAAAAEAAABAAAAAAAAAAAAAAAAAAAAAAAAAAAAAAAAAAAAAAAAAAAAAAAAAAAAAAAAAAAAAAAAAAAAAAAAAAAAAAAAAAAAAAAAAAAAAAAAAAAAAAAAAAAAAAAAAAAAAFAAAADwAAAAAAAAAAAAAAAAAAAkUAAAAAQAAABQAAAAUAAAAFAAAAAEAAAAAAAAAZAAAAGQAAAAAAAAAZAAAAGQAAAAVAAAAYAAAAAAAAAAAAAAADwAAACADAAAAAAAAAAAAAAEAAACgMgAAVgcAAKr4//8BAAAAf39/AAEAAABkAAAAAAAAABQAAABAHwAAAAAAACYAAAAAAAAAwOD//wAAAAAmAAAAZAAAABYAAABMAAAAAAAAAAAAAAAEAAAAAAAAAAEAAACAgIAKAAAAACgAAAAoAAAAZAAAAGQAAAAAAAAAzMzMAAAAAABQAAAAUAAAAGQAAABkAAAAAAAAABcAAAAUAAAAAAAAANwIAAD/fwAA/38AAAAAAAAJAAAABAAAAAAAAAAMAAAAEAAAAAAAAAAAAAAAAAAAAAAAAAAeAAAAaAAAAAAAAAAAAAAAAAAAAAAAAAAAAAAAECcAABAnAAAAAAAAAAAAAAAAAAAAAAAAAAAAAAAAAAAAAAAAAAAAABQAAAAAAAAAwMD/AAAAAABkAAAAMgAAAAAAAABkAAAAAAAAAH9/fwAKAAAAHwAAAFQAAAC74OMF////AQAAAAAAAAAAAAAAAAAAAAAAAAAAAAAAAAAAAAAAAAAAAAAAAn9/fwCAgIADzMzMAMDA/wB/f38AAAAAAAAAAAAAAAAAAAAAAAAAAAAhAAAAGAAAABQAAAB2FgAAhg8AAFIfAAAeEQAAECAAACYAAAAIAAAA//////////8="/>
+                <pr:smNativeData xmlns:pr="smNativeData" val="SMDATA_13_Hs+1XxMAAAAlAAAAEgAAAE8BAAAAkAAAAEgAAACQAAAASAAAAAAAAAAAAAAAAAAAAAEAAABQAAAAAAAAAAAA4D8AAAAAAADgPwAAAAAAAOA/AAAAAAAA4D8AAAAAAADgPwAAAAAAAOA/AAAAAAAA4D8AAAAAAADgPwAAAAAAAOA/AAAAAAAA4D8CAAAAjAAAAAAAAAAAAAAAu+DjDP///wgAAAAAAAAAAAAAAAAAAAAAAAAAAAAAAAAAAAAAZAAAAAEAAABAAAAAAAAAAAAAAAAAAAAAAAAAAAAAAAAAAAAAAAAAAAAAAAAAAAAAAAAAAAAAAAAAAAAAAAAAAAAAAAAAAAAAAAAAAAAAAAAAAAAAAAAAAAAAAAAAAAAAFAAAADwAAAAAAAAAAAAAAAAAAAkUAAAAAQAAABQAAAAUAAAAFAAAAAEAAAAAAAAAZAAAAGQAAAAAAAAAZAAAAGQAAAAVAAAAYAAAAAAAAAAAAAAADwAAACADAAAAAAAAAAAAAAEAAACgMgAAVgcAAKr4//8BAAAAf39/AAEAAABkAAAAAAAAABQAAABAHwAAAAAAACYAAAAAAAAAwOD//wAAAAAmAAAAZAAAABYAAABMAAAAAAAAAAAAAAAEAAAAAAAAAAEAAACAgIAKAAAAACgAAAAoAAAAZAAAAGQAAAAAAAAAzMzMAAAAAABQAAAAUAAAAGQAAABkAAAAAAAAABcAAAAUAAAAAAAAANwIAAD/fwAA/38AAAAAAAAJAAAABAAAAAAAAAAMAAAAEAAAAAAAAAAAAAAAAAAAAAAAAAAeAAAAaAAAAAAAAAAAAAAAAAAAAAAAAAAAAAAAECcAABAnAAAAAAAAAAAAAAAAAAAAAAAAAAAAAAAAAAAAAAAAAAAAABQAAAAAAAAAwMD/AAAAAABkAAAAMgAAAAAAAABkAAAAAAAAAH9/fwAKAAAAHwAAAFQAAAC74OMF////AQAAAAAAAAAAAAAAAAAAAAAAAAAAAAAAAAAAAAAAAAAAAAAAAn9/fwCAgIADzMzMAMDA/wB/f38AAAAAAAAAAAAAAAAAAAAAAAAAAAAhAAAAGAAAABQAAAB2FgAAhg8AAFIfAAAeEQAAECAAACYAAAAIAAAA//////////8="/>
               </a:ext>
             </a:extLst>
           </p:cNvSpPr>
@@ -4740,7 +4741,7 @@
           <p:cNvSpPr txBox="1">
             <a:extLst>
               <a:ext uri="smNativeData">
-                <pr:smNativeData xmlns:pr="smNativeData" val="SMDATA_13_4IlQXxMAAAAlAAAAEgAAAE8BAAAAkAAAAEgAAACQAAAASAAAAAAAAAAAAAAAAAAAAAEAAABQAAAAAAAAAAAA4D8AAAAAAADgPwAAAAAAAOA/AAAAAAAA4D8AAAAAAADgPwAAAAAAAOA/AAAAAAAA4D8AAAAAAADgPwAAAAAAAOA/AAAAAAAA4D8CAAAAjAAAAAAAAAAAAAAAu+DjDP///wgAAAAAAAAAAAAAAAAAAAAAAAAAAAAAAAAAAAAAZAAAAAEAAABAAAAAAAAAAAAAAAAAAAAAAAAAAAAAAAAAAAAAAAAAAAAAAAAAAAAAAAAAAAAAAAAAAAAAAAAAAAAAAAAAAAAAAAAAAAAAAAAAAAAAAAAAAAAAAAAAAAAAFAAAADwAAAAAAAAAAAAAAAAAAAkUAAAAAQAAABQAAAAUAAAAFAAAAAEAAAAAAAAAZAAAAGQAAAAAAAAAZAAAAGQAAAAVAAAAYAAAAAAAAAAAAAAADwAAACADAAAAAAAAAAAAAAEAAACgMgAAVgcAAKr4//8BAAAAf39/AAEAAABkAAAAAAAAABQAAABAHwAAAAAAACYAAAAAAAAAwOD//wAAAAAmAAAAZAAAABYAAABMAAAAAAAAAAAAAAAEAAAAAAAAAAEAAACAgIAKAAAAACgAAAAoAAAAZAAAAGQAAAAAAAAAzMzMAAAAAABQAAAAUAAAAGQAAABkAAAAAAAAABcAAAAUAAAAAAAAANwIAAD/fwAA/38AAAAAAAAJAAAABAAAAP////8MAAAAEAAAAAAAAAAAAAAAAAAAAAAAAAAeAAAAaAAAAAAAAAAAAAAAAAAAAAAAAAAAAAAAECcAABAnAAAAAAAAAAAAAAAAAAAAAAAAAAAAAAAAAAAAAAAAAAAAABQAAAAAAAAAwMD/AAAAAABkAAAAMgAAAAAAAABkAAAAAAAAAH9/fwAKAAAAHwAAAFQAAAC74OMF////AQAAAAAAAAAAAAAAAAAAAAAAAAAAAAAAAAAAAAAAAAAAAAAAAn9/fwCAgIADzMzMAMDA/wB/f38AAAAAAAAAAAAAAAAAAAAAAAAAAAAhAAAAGAAAABQAAABoHgAAbg8AAJImAACuFAAAECAAACYAAAAIAAAA//////////8="/>
+                <pr:smNativeData xmlns:pr="smNativeData" val="SMDATA_13_Hs+1XxMAAAAlAAAAEgAAAE8BAAAAkAAAAEgAAACQAAAASAAAAAAAAAAAAAAAAAAAAAEAAABQAAAAAAAAAAAA4D8AAAAAAADgPwAAAAAAAOA/AAAAAAAA4D8AAAAAAADgPwAAAAAAAOA/AAAAAAAA4D8AAAAAAADgPwAAAAAAAOA/AAAAAAAA4D8CAAAAjAAAAAAAAAAAAAAAu+DjDP///wgAAAAAAAAAAAAAAAAAAAAAAAAAAAAAAAAAAAAAZAAAAAEAAABAAAAAAAAAAAAAAAAAAAAAAAAAAAAAAAAAAAAAAAAAAAAAAAAAAAAAAAAAAAAAAAAAAAAAAAAAAAAAAAAAAAAAAAAAAAAAAAAAAAAAAAAAAAAAAAAAAAAAFAAAADwAAAAAAAAAAAAAAAAAAAkUAAAAAQAAABQAAAAUAAAAFAAAAAEAAAAAAAAAZAAAAGQAAAAAAAAAZAAAAGQAAAAVAAAAYAAAAAAAAAAAAAAADwAAACADAAAAAAAAAAAAAAEAAACgMgAAVgcAAKr4//8BAAAAf39/AAEAAABkAAAAAAAAABQAAABAHwAAAAAAACYAAAAAAAAAwOD//wAAAAAmAAAAZAAAABYAAABMAAAAAAAAAAAAAAAEAAAAAAAAAAEAAACAgIAKAAAAACgAAAAoAAAAZAAAAGQAAAAAAAAAzMzMAAAAAABQAAAAUAAAAGQAAABkAAAAAAAAABcAAAAUAAAAAAAAANwIAAD/fwAA/38AAAAAAAAJAAAABAAAAP////8MAAAAEAAAAAAAAAAAAAAAAAAAAAAAAAAeAAAAaAAAAAAAAAAAAAAAAAAAAAAAAAAAAAAAECcAABAnAAAAAAAAAAAAAAAAAAAAAAAAAAAAAAAAAAAAAAAAAAAAABQAAAAAAAAAwMD/AAAAAABkAAAAMgAAAAAAAABkAAAAAAAAAH9/fwAKAAAAHwAAAFQAAAC74OMF////AQAAAAAAAAAAAAAAAAAAAAAAAAAAAAAAAAAAAAAAAAAAAAAAAn9/fwCAgIADzMzMAMDA/wB/f38AAAAAAAAAAAAAAAAAAAAAAAAAAAAhAAAAGAAAABQAAABoHgAAbg8AAJImAACuFAAAECAAACYAAAAIAAAA//////////8="/>
               </a:ext>
             </a:extLst>
           </p:cNvSpPr>
@@ -4831,7 +4832,7 @@
           <p:cNvSpPr txBox="1">
             <a:extLst>
               <a:ext uri="smNativeData">
-                <pr:smNativeData xmlns:pr="smNativeData" val="SMDATA_13_4IlQXxMAAAAlAAAAEgAAAE8BAAAAkAAAAEgAAACQAAAASAAAAAAAAAAAAAAAAAAAAAEAAABQAAAAAAAAAAAA4D8AAAAAAADgPwAAAAAAAOA/AAAAAAAA4D8AAAAAAADgPwAAAAAAAOA/AAAAAAAA4D8AAAAAAADgPwAAAAAAAOA/AAAAAAAA4D8CAAAAjAAAAAAAAAAAAAAAu+DjDP///wgAAAAAAAAAAAAAAAAAAAAAAAAAAAAAAAAAAAAAZAAAAAEAAABAAAAAAAAAAAAAAAAAAAAAAAAAAAAAAAAAAAAAAAAAAAAAAAAAAAAAAAAAAAAAAAAAAAAAAAAAAAAAAAAAAAAAAAAAAAAAAAAAAAAAAAAAAAAAAAAAAAAAFAAAADwAAAAAAAAAAAAAAAAAAAkUAAAAAQAAABQAAAAUAAAAFAAAAAEAAAAAAAAAZAAAAGQAAAAAAAAAZAAAAGQAAAAVAAAAYAAAAAAAAAAAAAAADwAAACADAAAAAAAAAAAAAAEAAACgMgAAVgcAAKr4//8BAAAAf39/AAEAAABkAAAAAAAAABQAAABAHwAAAAAAACYAAAAAAAAAwOD//wAAAAAmAAAAZAAAABYAAABMAAAAAAAAAAAAAAAEAAAAAAAAAAEAAACAgIAKAAAAACgAAAAoAAAAZAAAAGQAAAAAAAAAzMzMAAAAAABQAAAAUAAAAGQAAABkAAAAAAAAABcAAAAUAAAAAAAAANwIAAD/fwAA/38AAAAAAAAJAAAABAAAAAAAAAAMAAAAEAAAAAAAAAAAAAAAAAAAAAAAAAAeAAAAaAAAAAAAAAAAAAAAAAAAAAAAAAAAAAAAECcAABAnAAAAAAAAAAAAAAAAAAAAAAAAAAAAAAAAAAAAAAAAAAAAABQAAAAAAAAAwMD/AAAAAABkAAAAMgAAAAAAAABkAAAAAAAAAH9/fwAKAAAAHwAAAFQAAAC74OMF////AQAAAAAAAAAAAAAAAAAAAAAAAAAAAAAAAAAAAAAAAAAAAAAAAn9/fwCAgIADzMzMAMDA/wB/f38AAAAAAAAAAAAAAAAAAAAAAAAAAAAhAAAAGAAAABQAAAB2FgAAqxQAAFIfAAArFgAAECAAACYAAAAIAAAA//////////8="/>
+                <pr:smNativeData xmlns:pr="smNativeData" val="SMDATA_13_Hs+1XxMAAAAlAAAAEgAAAE8BAAAAkAAAAEgAAACQAAAASAAAAAAAAAAAAAAAAAAAAAEAAABQAAAAAAAAAAAA4D8AAAAAAADgPwAAAAAAAOA/AAAAAAAA4D8AAAAAAADgPwAAAAAAAOA/AAAAAAAA4D8AAAAAAADgPwAAAAAAAOA/AAAAAAAA4D8CAAAAjAAAAAAAAAAAAAAAu+DjDP///wgAAAAAAAAAAAAAAAAAAAAAAAAAAAAAAAAAAAAAZAAAAAEAAABAAAAAAAAAAAAAAAAAAAAAAAAAAAAAAAAAAAAAAAAAAAAAAAAAAAAAAAAAAAAAAAAAAAAAAAAAAAAAAAAAAAAAAAAAAAAAAAAAAAAAAAAAAAAAAAAAAAAAFAAAADwAAAAAAAAAAAAAAAAAAAkUAAAAAQAAABQAAAAUAAAAFAAAAAEAAAAAAAAAZAAAAGQAAAAAAAAAZAAAAGQAAAAVAAAAYAAAAAAAAAAAAAAADwAAACADAAAAAAAAAAAAAAEAAACgMgAAVgcAAKr4//8BAAAAf39/AAEAAABkAAAAAAAAABQAAABAHwAAAAAAACYAAAAAAAAAwOD//wAAAAAmAAAAZAAAABYAAABMAAAAAAAAAAAAAAAEAAAAAAAAAAEAAACAgIAKAAAAACgAAAAoAAAAZAAAAGQAAAAAAAAAzMzMAAAAAABQAAAAUAAAAGQAAABkAAAAAAAAABcAAAAUAAAAAAAAANwIAAD/fwAA/38AAAAAAAAJAAAABAAAAAAAAAAMAAAAEAAAAAAAAAAAAAAAAAAAAAAAAAAeAAAAaAAAAAAAAAAAAAAAAAAAAAAAAAAAAAAAECcAABAnAAAAAAAAAAAAAAAAAAAAAAAAAAAAAAAAAAAAAAAAAAAAABQAAAAAAAAAwMD/AAAAAABkAAAAMgAAAAAAAABkAAAAAAAAAH9/fwAKAAAAHwAAAFQAAAC74OMF////AQAAAAAAAAAAAAAAAAAAAAAAAAAAAAAAAAAAAAAAAAAAAAAAAn9/fwCAgIADzMzMAMDA/wB/f38AAAAAAAAAAAAAAAAAAAAAAAAAAAAhAAAAGAAAABQAAAB2FgAAqxQAAFIfAAArFgAAECAAACYAAAAIAAAA//////////8="/>
               </a:ext>
             </a:extLst>
           </p:cNvSpPr>
@@ -4874,7 +4875,7 @@
           <p:cNvSpPr txBox="1">
             <a:extLst>
               <a:ext uri="smNativeData">
-                <pr:smNativeData xmlns:pr="smNativeData" val="SMDATA_13_4IlQXxMAAAAlAAAAEgAAAE8BAAAAkAAAAEgAAACQAAAASAAAAAAAAAAAAAAAAAAAAAEAAABQAAAAAAAAAAAA4D8AAAAAAADgPwAAAAAAAOA/AAAAAAAA4D8AAAAAAADgPwAAAAAAAOA/AAAAAAAA4D8AAAAAAADgPwAAAAAAAOA/AAAAAAAA4D8CAAAAjAAAAAAAAAAAAAAAu+DjDP///wgAAAAAAAAAAAAAAAAAAAAAAAAAAAAAAAAAAAAAZAAAAAEAAABAAAAAAAAAAAAAAAAAAAAAAAAAAAAAAAAAAAAAAAAAAAAAAAAAAAAAAAAAAAAAAAAAAAAAAAAAAAAAAAAAAAAAAAAAAAAAAAAAAAAAAAAAAAAAAAAAAAAAFAAAADwAAAAAAAAAAAAAAAAAAAkUAAAAAQAAABQAAAAUAAAAFAAAAAEAAAAAAAAAZAAAAGQAAAAAAAAAZAAAAGQAAAAVAAAAYAAAAAAAAAAAAAAADwAAACADAAAAAAAAAAAAAAEAAACgMgAAVgcAAKr4//8BAAAAf39/AAEAAABkAAAAAAAAABQAAABAHwAAAAAAACYAAAAAAAAAwOD//wAAAAAmAAAAZAAAABYAAABMAAAAAAAAAAAAAAAEAAAAAAAAAAEAAACAgIAKAAAAACgAAAAoAAAAZAAAAGQAAAAAAAAAzMzMAAAAAABQAAAAUAAAAGQAAABkAAAAAAAAABcAAAAUAAAAAAAAANwIAAD/fwAA/38AAAAAAAAJAAAABAAAAAAAAAAMAAAAEAAAAAAAAAAAAAAAAAAAAAAAAAAeAAAAaAAAAAAAAAAAAAAAAAAAAAAAAAAAAAAAECcAABAnAAAAAAAAAAAAAAAAAAAAAAAAAAAAAAAAAAAAAAAAAAAAABQAAAAAAAAAwMD/AAAAAABkAAAAMgAAAAAAAABkAAAAAAAAAH9/fwAKAAAAHwAAAFQAAAC74OMF////AQAAAAAAAAAAAAAAAAAAAAAAAAAAAAAAAAAAAAAAAAAAAAAAAn9/fwCAgIADzMzMAMDA/wB/f38AAAAAAAAAAAAAAAAAAAAAAAAAAAAhAAAAGAAAABQAAAC2HQAAoBQAADwnAAAQFwAAECAAACYAAAAIAAAA//////////8="/>
+                <pr:smNativeData xmlns:pr="smNativeData" val="SMDATA_13_Hs+1XxMAAAAlAAAAEgAAAE8BAAAAkAAAAEgAAACQAAAASAAAAAAAAAAAAAAAAAAAAAEAAABQAAAAAAAAAAAA4D8AAAAAAADgPwAAAAAAAOA/AAAAAAAA4D8AAAAAAADgPwAAAAAAAOA/AAAAAAAA4D8AAAAAAADgPwAAAAAAAOA/AAAAAAAA4D8CAAAAjAAAAAAAAAAAAAAAu+DjDP///wgAAAAAAAAAAAAAAAAAAAAAAAAAAAAAAAAAAAAAZAAAAAEAAABAAAAAAAAAAAAAAAAAAAAAAAAAAAAAAAAAAAAAAAAAAAAAAAAAAAAAAAAAAAAAAAAAAAAAAAAAAAAAAAAAAAAAAAAAAAAAAAAAAAAAAAAAAAAAAAAAAAAAFAAAADwAAAAAAAAAAAAAAAAAAAkUAAAAAQAAABQAAAAUAAAAFAAAAAEAAAAAAAAAZAAAAGQAAAAAAAAAZAAAAGQAAAAVAAAAYAAAAAAAAAAAAAAADwAAACADAAAAAAAAAAAAAAEAAACgMgAAVgcAAKr4//8BAAAAf39/AAEAAABkAAAAAAAAABQAAABAHwAAAAAAACYAAAAAAAAAwOD//wAAAAAmAAAAZAAAABYAAABMAAAAAAAAAAAAAAAEAAAAAAAAAAEAAACAgIAKAAAAACgAAAAoAAAAZAAAAGQAAAAAAAAAzMzMAAAAAABQAAAAUAAAAGQAAABkAAAAAAAAABcAAAAUAAAAAAAAANwIAAD/fwAA/38AAAAAAAAJAAAABAAAAAAAAAAMAAAAEAAAAAAAAAAAAAAAAAAAAAAAAAAeAAAAaAAAAAAAAAAAAAAAAAAAAAAAAAAAAAAAECcAABAnAAAAAAAAAAAAAAAAAAAAAAAAAAAAAAAAAAAAAAAAAAAAABQAAAAAAAAAwMD/AAAAAABkAAAAMgAAAAAAAABkAAAAAAAAAH9/fwAKAAAAHwAAAFQAAAC74OMF////AQAAAAAAAAAAAAAAAAAAAAAAAAAAAAAAAAAAAAAAAAAAAAAAAn9/fwCAgIADzMzMAMDA/wB/f38AAAAAAAAAAAAAAAAAAAAAAAAAAAAhAAAAGAAAABQAAAC2HQAAoBQAADwnAAAQFwAAECAAACYAAAAIAAAA//////////8="/>
               </a:ext>
             </a:extLst>
           </p:cNvSpPr>
@@ -4929,7 +4930,7 @@
           <p:cNvSpPr txBox="1">
             <a:extLst>
               <a:ext uri="smNativeData">
-                <pr:smNativeData xmlns:pr="smNativeData" val="SMDATA_13_4IlQXxMAAAAlAAAAEgAAAE8BAAAAkAAAAEgAAACQAAAASAAAAAAAAAAAAAAAAAAAAAEAAABQAAAAAAAAAAAA4D8AAAAAAADgPwAAAAAAAOA/AAAAAAAA4D8AAAAAAADgPwAAAAAAAOA/AAAAAAAA4D8AAAAAAADgPwAAAAAAAOA/AAAAAAAA4D8CAAAAjAAAAAAAAAAAAAAAu+DjDP///wgAAAAAAAAAAAAAAAAAAAAAAAAAAAAAAAAAAAAAZAAAAAEAAABAAAAAAAAAAAAAAAAAAAAAAAAAAAAAAAAAAAAAAAAAAAAAAAAAAAAAAAAAAAAAAAAAAAAAAAAAAAAAAAAAAAAAAAAAAAAAAAAAAAAAAAAAAAAAAAAAAAAAFAAAADwAAAAAAAAAAAAAAAAAAAkUAAAAAQAAABQAAAAUAAAAFAAAAAEAAAAAAAAAZAAAAGQAAAAAAAAAZAAAAGQAAAAVAAAAYAAAAAAAAAAAAAAADwAAACADAAAAAAAAAAAAAAEAAACgMgAAVgcAAKr4//8BAAAAf39/AAEAAABkAAAAAAAAABQAAABAHwAAAAAAACYAAAAAAAAAwOD//wAAAAAmAAAAZAAAABYAAABMAAAAAAAAAAAAAAAEAAAAAAAAAAEAAACAgIAKAAAAACgAAAAoAAAAZAAAAGQAAAAAAAAAzMzMAAAAAABQAAAAUAAAAGQAAABkAAAAAAAAABcAAAAUAAAAAAAAANwIAAD/fwAA/38AAAAAAAAJAAAABAAAAGcAaAAMAAAAEAAAAAAAAAAAAAAAAAAAAAAAAAAeAAAAaAAAAAAAAAAAAAAAAAAAAAAAAAAAAAAAECcAABAnAAAAAAAAAAAAAAAAAAAAAAAAAAAAAAAAAAAAAAAAAAAAABQAAAAAAAAAwMD/AAAAAABkAAAAMgAAAAAAAABkAAAAAAAAAH9/fwAKAAAAHwAAAFQAAAC74OMF////AQAAAAAAAAAAAAAAAAAAAAAAAAAAAAAAAAAAAAAAAAAAAAAAAn9/fwCAgIADzMzMAMDA/wB/f38AAAAAAAAAAAAAAAAAAAAAAAAAAAAhAAAAGAAAABQAAABwKAAALRcAAD01AADdGAAAECAAACYAAAAIAAAA//////////8="/>
+                <pr:smNativeData xmlns:pr="smNativeData" val="SMDATA_13_Hs+1XxMAAAAlAAAAEgAAAE8BAAAAkAAAAEgAAACQAAAASAAAAAAAAAAAAAAAAAAAAAEAAABQAAAAAAAAAAAA4D8AAAAAAADgPwAAAAAAAOA/AAAAAAAA4D8AAAAAAADgPwAAAAAAAOA/AAAAAAAA4D8AAAAAAADgPwAAAAAAAOA/AAAAAAAA4D8CAAAAjAAAAAAAAAAAAAAAu+DjDP///wgAAAAAAAAAAAAAAAAAAAAAAAAAAAAAAAAAAAAAZAAAAAEAAABAAAAAAAAAAAAAAAAAAAAAAAAAAAAAAAAAAAAAAAAAAAAAAAAAAAAAAAAAAAAAAAAAAAAAAAAAAAAAAAAAAAAAAAAAAAAAAAAAAAAAAAAAAAAAAAAAAAAAFAAAADwAAAAAAAAAAAAAAAAAAAkUAAAAAQAAABQAAAAUAAAAFAAAAAEAAAAAAAAAZAAAAGQAAAAAAAAAZAAAAGQAAAAVAAAAYAAAAAAAAAAAAAAADwAAACADAAAAAAAAAAAAAAEAAACgMgAAVgcAAKr4//8BAAAAf39/AAEAAABkAAAAAAAAABQAAABAHwAAAAAAACYAAAAAAAAAwOD//wAAAAAmAAAAZAAAABYAAABMAAAAAAAAAAAAAAAEAAAAAAAAAAEAAACAgIAKAAAAACgAAAAoAAAAZAAAAGQAAAAAAAAAzMzMAAAAAABQAAAAUAAAAGQAAABkAAAAAAAAABcAAAAUAAAAAAAAANwIAAD/fwAA/38AAAAAAAAJAAAABAAAAGcAaAAMAAAAEAAAAAAAAAAAAAAAAAAAAAAAAAAeAAAAaAAAAAAAAAAAAAAAAAAAAAAAAAAAAAAAECcAABAnAAAAAAAAAAAAAAAAAAAAAAAAAAAAAAAAAAAAAAAAAAAAABQAAAAAAAAAwMD/AAAAAABkAAAAMgAAAAAAAABkAAAAAAAAAH9/fwAKAAAAHwAAAFQAAAC74OMF////AQAAAAAAAAAAAAAAAAAAAAAAAAAAAAAAAAAAAAAAAAAAAAAAAn9/fwCAgIADzMzMAMDA/wB/f38AAAAAAAAAAAAAAAAAAAAAAAAAAAAhAAAAGAAAABQAAABwKAAALRcAAD01AADdGAAAECAAACYAAAAIAAAA//////////8="/>
               </a:ext>
             </a:extLst>
           </p:cNvSpPr>
@@ -4972,7 +4973,7 @@
           <p:cNvSpPr txBox="1">
             <a:extLst>
               <a:ext uri="smNativeData">
-                <pr:smNativeData xmlns:pr="smNativeData" val="SMDATA_13_4IlQXxMAAAAlAAAAEgAAAE8BAAAAkAAAAEgAAACQAAAASAAAAAAAAAAAAAAAAAAAAAEAAABQAAAAAAAAAAAA4D8AAAAAAADgPwAAAAAAAOA/AAAAAAAA4D8AAAAAAADgPwAAAAAAAOA/AAAAAAAA4D8AAAAAAADgPwAAAAAAAOA/AAAAAAAA4D8CAAAAjAAAAAAAAAAAAAAAu+DjDP///wgAAAAAAAAAAAAAAAAAAAAAAAAAAAAAAAAAAAAAZAAAAAEAAABAAAAAAAAAAAAAAAAAAAAAAAAAAAAAAAAAAAAAAAAAAAAAAAAAAAAAAAAAAAAAAAAAAAAAAAAAAAAAAAAAAAAAAAAAAAAAAAAAAAAAAAAAAAAAAAAAAAAAFAAAADwAAAAAAAAAAAAAAAAAAAkUAAAAAQAAABQAAAAUAAAAFAAAAAEAAAAAAAAAZAAAAGQAAAAAAAAAZAAAAGQAAAAVAAAAYAAAAAAAAAAAAAAADwAAACADAAAAAAAAAAAAAAEAAACgMgAAVgcAAKr4//8BAAAAf39/AAEAAABkAAAAAAAAABQAAABAHwAAAAAAACYAAAAAAAAAwOD//wAAAAAmAAAAZAAAABYAAABMAAAAAAAAAAAAAAAEAAAAAAAAAAEAAACAgIAKAAAAACgAAAAoAAAAZAAAAGQAAAAAAAAAzMzMAAAAAABQAAAAUAAAAGQAAABkAAAAAAAAABcAAAAUAAAAAAAAANwIAAD/fwAA/38AAAAAAAAJAAAABAAAAAAAAAAMAAAAEAAAAAAAAAAAAAAAAAAAAAAAAAAeAAAAaAAAAAAAAAAAAAAAAAAAAAAAAAAAAAAAECcAABAnAAAAAAAAAAAAAAAAAAAAAAAAAAAAAAAAAAAAAAAAAAAAABQAAAAAAAAAwMD/AAAAAABkAAAAMgAAAAAAAABkAAAAAAAAAH9/fwAKAAAAHwAAAFQAAAC74OMF////AQAAAAAAAAAAAAAAAAAAAAAAAAAAAAAAAAAAAAAAAAAAAAAAAn9/fwCAgIADzMzMAMDA/wB/f38AAAAAAAAAAAAAAAAAAAAAAAAAAAAhAAAAGAAAABQAAAClKgAAghoAAB82AAAqHgAAECAAACYAAAAIAAAA//////////8="/>
+                <pr:smNativeData xmlns:pr="smNativeData" val="SMDATA_13_Hs+1XxMAAAAlAAAAEgAAAE8BAAAAkAAAAEgAAACQAAAASAAAAAAAAAAAAAAAAAAAAAEAAABQAAAAAAAAAAAA4D8AAAAAAADgPwAAAAAAAOA/AAAAAAAA4D8AAAAAAADgPwAAAAAAAOA/AAAAAAAA4D8AAAAAAADgPwAAAAAAAOA/AAAAAAAA4D8CAAAAjAAAAAAAAAAAAAAAu+DjDP///wgAAAAAAAAAAAAAAAAAAAAAAAAAAAAAAAAAAAAAZAAAAAEAAABAAAAAAAAAAAAAAAAAAAAAAAAAAAAAAAAAAAAAAAAAAAAAAAAAAAAAAAAAAAAAAAAAAAAAAAAAAAAAAAAAAAAAAAAAAAAAAAAAAAAAAAAAAAAAAAAAAAAAFAAAADwAAAAAAAAAAAAAAAAAAAkUAAAAAQAAABQAAAAUAAAAFAAAAAEAAAAAAAAAZAAAAGQAAAAAAAAAZAAAAGQAAAAVAAAAYAAAAAAAAAAAAAAADwAAACADAAAAAAAAAAAAAAEAAACgMgAAVgcAAKr4//8BAAAAf39/AAEAAABkAAAAAAAAABQAAABAHwAAAAAAACYAAAAAAAAAwOD//wAAAAAmAAAAZAAAABYAAABMAAAAAAAAAAAAAAAEAAAAAAAAAAEAAACAgIAKAAAAACgAAAAoAAAAZAAAAGQAAAAAAAAAzMzMAAAAAABQAAAAUAAAAGQAAABkAAAAAAAAABcAAAAUAAAAAAAAANwIAAD/fwAA/38AAAAAAAAJAAAABAAAAAAAAAAMAAAAEAAAAAAAAAAAAAAAAAAAAAAAAAAeAAAAaAAAAAAAAAAAAAAAAAAAAAAAAAAAAAAAECcAABAnAAAAAAAAAAAAAAAAAAAAAAAAAAAAAAAAAAAAAAAAAAAAABQAAAAAAAAAwMD/AAAAAABkAAAAMgAAAAAAAABkAAAAAAAAAH9/fwAKAAAAHwAAAFQAAAC74OMF////AQAAAAAAAAAAAAAAAAAAAAAAAAAAAAAAAAAAAAAAAAAAAAAAAn9/fwCAgIADzMzMAMDA/wB/f38AAAAAAAAAAAAAAAAAAAAAAAAAAAAhAAAAGAAAABQAAAClKgAAghoAAB82AAAqHgAAECAAACYAAAAIAAAA//////////8="/>
               </a:ext>
             </a:extLst>
           </p:cNvSpPr>
@@ -5039,7 +5040,7 @@
           <p:cNvSpPr txBox="1">
             <a:extLst>
               <a:ext uri="smNativeData">
-                <pr:smNativeData xmlns:pr="smNativeData" val="SMDATA_13_4IlQXxMAAAAlAAAAEgAAAA8BAAAAkAAAAEgAAACQAAAASAAAAAAAAAAAAAAAAAAAAAEAAABQAAAAAAAAAAAA4D8AAAAAAADgPwAAAAAAAOA/AAAAAAAA4D8AAAAAAADgPwAAAAAAAOA/AAAAAAAA4D8AAAAAAADgPwAAAAAAAOA/AAAAAAAA4D8CAAAAjAAAAAAAAAAAAAAAu+DjDP///wgAAAAAAAAAAAAAAAAAAAAAAAAAAAAAAAAAAAAAZAAAAAEAAABAAAAAAAAAAAAAAAAAAAAAAAAAAAAAAAAAAAAAAAAAAAAAAAAAAAAAAAAAAAAAAAAAAAAAAAAAAAAAAAAAAAAAAAAAAAAAAAAAAAAAAAAAAAAAAAAAAAAAFAAAADwAAAAAAAAAAAAAAAAAAAkUAAAAAQAAABQAAAAUAAAAFAAAAAEAAAAAAAAAZAAAAGQAAAAAAAAAZAAAAGQAAAAVAAAAYAAAAAAAAAAAAAAADwAAACADAAAAAAAAAAAAAAEAAACgMgAAVgcAAKr4//8BAAAAf39/AAEAAABkAAAAAAAAABQAAABAHwAAAAAAACYAAAAAAAAAwOD//wAAAAAmAAAAZAAAABYAAABMAAAAAAAAAAAAAAAEAAAAAAAAAAEAAACAgIAKAAAAACgAAAAoAAAAZAAAAGQAAAAAAAAAzMzMAAAAAABQAAAAUAAAAGQAAABkAAAAAAAAABcAAAAUAAAAAAAAANwIAAD/fwAA/38AAAAAAAAJAAAABAAAAAAAAAAMAAAAEAAAAAAAAAAAAAAAAAAAAAAAAAAeAAAAaAAAAAAAAAAAAAAAAAAAAAAAAAAAAAAAECcAABAnAAAAAAAAAAAAAAAAAAAAAAAAAAAAAAAAAAAAAAAAAAAAABQAAAAAAAAAwMD/AAAAAABkAAAAMgAAAAAAAABkAAAAAAAAAH9/fwAKAAAAHwAAAFQAAAC74OMF////AQAAAAAAAAAAAAAAAAAAAAAAAAAAAAAAAAAAAAAAAAAAAAAAAn9/fwCAgIADzMzMAMDA/wB/f38AAAAAAAAAAAAAAAAAAAAAAAAAAAAhAAAAGAAAABQAAABUAQAAcQAAAN8iAACmAgAAEAAAACYAAAAIAAAA//////////8="/>
+                <pr:smNativeData xmlns:pr="smNativeData" val="SMDATA_13_Hs+1XxMAAAAlAAAAEgAAAA8BAAAAkAAAAEgAAACQAAAASAAAAAAAAAAAAAAAAAAAAAEAAABQAAAAAAAAAAAA4D8AAAAAAADgPwAAAAAAAOA/AAAAAAAA4D8AAAAAAADgPwAAAAAAAOA/AAAAAAAA4D8AAAAAAADgPwAAAAAAAOA/AAAAAAAA4D8CAAAAjAAAAAAAAAAAAAAAu+DjDP///wgAAAAAAAAAAAAAAAAAAAAAAAAAAAAAAAAAAAAAZAAAAAEAAABAAAAAAAAAAAAAAAAAAAAAAAAAAAAAAAAAAAAAAAAAAAAAAAAAAAAAAAAAAAAAAAAAAAAAAAAAAAAAAAAAAAAAAAAAAAAAAAAAAAAAAAAAAAAAAAAAAAAAFAAAADwAAAAAAAAAAAAAAAAAAAkUAAAAAQAAABQAAAAUAAAAFAAAAAEAAAAAAAAAZAAAAGQAAAAAAAAAZAAAAGQAAAAVAAAAYAAAAAAAAAAAAAAADwAAACADAAAAAAAAAAAAAAEAAACgMgAAVgcAAKr4//8BAAAAf39/AAEAAABkAAAAAAAAABQAAABAHwAAAAAAACYAAAAAAAAAwOD//wAAAAAmAAAAZAAAABYAAABMAAAAAAAAAAAAAAAEAAAAAAAAAAEAAACAgIAKAAAAACgAAAAoAAAAZAAAAGQAAAAAAAAAzMzMAAAAAABQAAAAUAAAAGQAAABkAAAAAAAAABcAAAAUAAAAAAAAANwIAAD/fwAA/38AAAAAAAAJAAAABAAAAAAAAAAMAAAAEAAAAAAAAAAAAAAAAAAAAAAAAAAeAAAAaAAAAAAAAAAAAAAAAAAAAAAAAAAAAAAAECcAABAnAAAAAAAAAAAAAAAAAAAAAAAAAAAAAAAAAAAAAAAAAAAAABQAAAAAAAAAwMD/AAAAAABkAAAAMgAAAAAAAABkAAAAAAAAAH9/fwAKAAAAHwAAAFQAAAC74OMF////AQAAAAAAAAAAAAAAAAAAAAAAAAAAAAAAAAAAAAAAAAAAAAAAAn9/fwCAgIADzMzMAMDA/wB/f38AAAAAAAAAAAAAAAAAAAAAAAAAAAAhAAAAGAAAABQAAABUAQAAcQAAAN8iAACmAgAAEAAAACYAAAAIAAAA//////////8="/>
               </a:ext>
             </a:extLst>
           </p:cNvSpPr>
@@ -5082,7 +5083,7 @@
           <p:cNvSpPr>
             <a:extLst>
               <a:ext uri="smNativeData">
-                <pr:smNativeData xmlns:pr="smNativeData" val="SMDATA_13_4IlQXxMAAAAlAAAAZAAAAA8BAAAAkAAAAEgAAACQAAAASAAAAAAAAAAAAAAAAAAAAAEAAABQAAAAAAAAAAAA4D8AAAAAAADgPwAAAAAAAOA/AAAAAAAA4D8AAAAAAADgPwAAAAAAAOA/AAAAAAAA4D8AAAAAAADgPwAAAAAAAOA/AAAAAAAA4D8CAAAAjAAAAAAAAAAAAAAAwMDAAP///wgAAAAAAAAAAAAAAAAAAAAAAAAAAAAAAAAAAAAAZAAAAAEAAABAAAAAAAAAAAAAAAAAAAAAAAAAAAAAAAAAAAAAAAAAAAAAAAAAAAAAAAAAAAAAAAAAAAAAAAAAAAAAAAAAAAAAAAAAAAAAAAAAAAAAAAAAAAAAAAAAAAAAFAAAADwAAAABAAAAAAAAAH9/fwAUAAAAAQAAABQAAAAUAAAAFAAAAAEAAAAAAAAAZAAAAGQAAAAAAAAAZAAAAGQAAAAVAAAAYAAAAAAAAAAAAAAADwAAACADAAAAAAAAAAAAAAEAAACgMgAAVgcAAKr4//8BAAAAf39/AAEAAABkAAAAAAAAABQAAABAHwAAAAAAACYAAAAAAAAAwOD//wAAAAAmAAAAZAAAABYAAABMAAAAAAAAAAAAAAAEAAAAAAAAAAEAAACAgIAKAAAAACgAAAAoAAAAZAAAAGQAAAAAAAAAzMzMAAAAAABQAAAAUAAAAGQAAABkAAAAAAAAABcAAAAUAAAAAAAAAAAAAAD/fwAA/38AAAAAAAAJAAAABAAAAAAAAAAMAAAAEAAAAAAAAAAAAAAAAAAAAAAAAAAeAAAAaAAAAAAAAAAAAAAAAAAAAAAAAAAAAAAAECcAABAnAAAAAAAAAAAAAAAAAAAAAAAAAAAAAAAAAAAAAAAAAAAAABQAAAAAAAAAwMD/AAAAAABkAAAAMgAAAAAAAABkAAAAAAAAAH9/fwAKAAAAHwAAAFQAAADAwMAA////AQAAAAAAAAAAAAAAAAAAAAAAAAAAAAAAAAAAAAAAAAAAf39/AH9/fwCAgIADzMzMAMDA/wB/f38AAAAAAAAAAAAAAAAAAAAAAAAAAAAhAAAAGAAAABQAAAA3AgAAFwMAAKEVAABMBQAAEAAAACYAAAAIAAAA//////////8="/>
+                <pr:smNativeData xmlns:pr="smNativeData" val="SMDATA_13_Hs+1XxMAAAAlAAAAZAAAAA8BAAAAkAAAAEgAAACQAAAASAAAAAAAAAAAAAAAAAAAAAEAAABQAAAAAAAAAAAA4D8AAAAAAADgPwAAAAAAAOA/AAAAAAAA4D8AAAAAAADgPwAAAAAAAOA/AAAAAAAA4D8AAAAAAADgPwAAAAAAAOA/AAAAAAAA4D8CAAAAjAAAAAAAAAAAAAAAwMDAAP///wgAAAAAAAAAAAAAAAAAAAAAAAAAAAAAAAAAAAAAZAAAAAEAAABAAAAAAAAAAAAAAAAAAAAAAAAAAAAAAAAAAAAAAAAAAAAAAAAAAAAAAAAAAAAAAAAAAAAAAAAAAAAAAAAAAAAAAAAAAAAAAAAAAAAAAAAAAAAAAAAAAAAAFAAAADwAAAABAAAAAAAAAH9/fwAUAAAAAQAAABQAAAAUAAAAFAAAAAEAAAAAAAAAZAAAAGQAAAAAAAAAZAAAAGQAAAAVAAAAYAAAAAAAAAAAAAAADwAAACADAAAAAAAAAAAAAAEAAACgMgAAVgcAAKr4//8BAAAAf39/AAEAAABkAAAAAAAAABQAAABAHwAAAAAAACYAAAAAAAAAwOD//wAAAAAmAAAAZAAAABYAAABMAAAAAAAAAAAAAAAEAAAAAAAAAAEAAACAgIAKAAAAACgAAAAoAAAAZAAAAGQAAAAAAAAAzMzMAAAAAABQAAAAUAAAAGQAAABkAAAAAAAAABcAAAAUAAAAAAAAAAAAAAD/fwAA/38AAAAAAAAJAAAABAAAAAAAAAAMAAAAEAAAAAAAAAAAAAAAAAAAAAAAAAAeAAAAaAAAAAAAAAAAAAAAAAAAAAAAAAAAAAAAECcAABAnAAAAAAAAAAAAAAAAAAAAAAAAAAAAAAAAAAAAAAAAAAAAABQAAAAAAAAAwMD/AAAAAABkAAAAMgAAAAAAAABkAAAAAAAAAH9/fwAKAAAAHwAAAFQAAADAwMAA////AQAAAAAAAAAAAAAAAAAAAAAAAAAAAAAAAAAAAAAAAAAAf39/AH9/fwCAgIADzMzMAMDA/wB/f38AAAAAAAAAAAAAAAAAAAAAAAAAAAAhAAAAGAAAABQAAAA3AgAAFwMAAKEVAABMBQAAEAAAACYAAAAIAAAA//////////8="/>
               </a:ext>
             </a:extLst>
           </p:cNvSpPr>
@@ -5114,7 +5115,7 @@
           <p:cNvSpPr>
             <a:extLst>
               <a:ext uri="smNativeData">
-                <pr:smNativeData xmlns:pr="smNativeData" val="SMDATA_13_4IlQXxMAAAAlAAAAZAAAAA8BAAAAkAAAAEgAAACQAAAASAAAAAAAAAAAAAAAAAAAAAEAAABQAAAAAAAAAAAA4D8AAAAAAADgPwAAAAAAAOA/AAAAAAAA4D8AAAAAAADgPwAAAAAAAOA/AAAAAAAA4D8AAAAAAADgPwAAAAAAAOA/AAAAAAAA4D8CAAAAjAAAAAAAAAAAAAAAwMDAAP///wgAAAAAAAAAAAAAAAAAAAAAAAAAAAAAAAAAAAAAZAAAAAEAAABAAAAAAAAAAAAAAAAAAAAAAAAAAAAAAAAAAAAAAAAAAAAAAAAAAAAAAAAAAAAAAAAAAAAAAAAAAAAAAAAAAAAAAAAAAAAAAAAAAAAAAAAAAAAAAAAAAAAAFAAAADwAAAABAAAAAAAAAH9/fwAUAAAAAQAAABQAAAAUAAAAFAAAAAEAAAAAAAAAZAAAAGQAAAAAAAAAZAAAAGQAAAAVAAAAYAAAAAAAAAAAAAAADwAAACADAAAAAAAAAAAAAAEAAACgMgAAVgcAAKr4//8BAAAAf39/AAEAAABkAAAAAAAAABQAAABAHwAAAAAAACYAAAAAAAAAwOD//wAAAAAmAAAAZAAAABYAAABMAAAAAAAAAAAAAAAEAAAAAAAAAAEAAACAgIAKAAAAACgAAAAoAAAAZAAAAGQAAAAAAAAAzMzMAAAAAABQAAAAUAAAAGQAAABkAAAAAAAAABcAAAAUAAAAAAAAAAAAAAD/fwAA/38AAAAAAAAJAAAABAAAAAAAAAAMAAAAEAAAAAAAAAAAAAAAAAAAAAAAAAAeAAAAaAAAAAAAAAAAAAAAAAAAAAAAAAAAAAAAECcAABAnAAAAAAAAAAAAAAAAAAAAAAAAAAAAAAAAAAAAAAAAAAAAABQAAAAAAAAAwMD/AAAAAABkAAAAMgAAAAAAAABkAAAAAAAAAH9/fwAKAAAAHwAAAFQAAADAwMAA////AQAAAAAAAAAAAAAAAAAAAAAAAAAAAAAAAAAAAAAAAAAAf39/AH9/fwCAgIADzMzMAMDA/wB/f38AAAAAAAAAAAAAAAAAAAAAAAAAAAAhAAAAGAAAABQAAAA3AgAATAUAAKEVAAB8GgAAEAAAACYAAAAIAAAA//////////8="/>
+                <pr:smNativeData xmlns:pr="smNativeData" val="SMDATA_13_Hs+1XxMAAAAlAAAAZAAAAA8BAAAAkAAAAEgAAACQAAAASAAAAAAAAAAAAAAAAAAAAAEAAABQAAAAAAAAAAAA4D8AAAAAAADgPwAAAAAAAOA/AAAAAAAA4D8AAAAAAADgPwAAAAAAAOA/AAAAAAAA4D8AAAAAAADgPwAAAAAAAOA/AAAAAAAA4D8CAAAAjAAAAAAAAAAAAAAAwMDAAP///wgAAAAAAAAAAAAAAAAAAAAAAAAAAAAAAAAAAAAAZAAAAAEAAABAAAAAAAAAAAAAAAAAAAAAAAAAAAAAAAAAAAAAAAAAAAAAAAAAAAAAAAAAAAAAAAAAAAAAAAAAAAAAAAAAAAAAAAAAAAAAAAAAAAAAAAAAAAAAAAAAAAAAFAAAADwAAAABAAAAAAAAAH9/fwAUAAAAAQAAABQAAAAUAAAAFAAAAAEAAAAAAAAAZAAAAGQAAAAAAAAAZAAAAGQAAAAVAAAAYAAAAAAAAAAAAAAADwAAACADAAAAAAAAAAAAAAEAAACgMgAAVgcAAKr4//8BAAAAf39/AAEAAABkAAAAAAAAABQAAABAHwAAAAAAACYAAAAAAAAAwOD//wAAAAAmAAAAZAAAABYAAABMAAAAAAAAAAAAAAAEAAAAAAAAAAEAAACAgIAKAAAAACgAAAAoAAAAZAAAAGQAAAAAAAAAzMzMAAAAAABQAAAAUAAAAGQAAABkAAAAAAAAABcAAAAUAAAAAAAAAAAAAAD/fwAA/38AAAAAAAAJAAAABAAAAAAAAAAMAAAAEAAAAAAAAAAAAAAAAAAAAAAAAAAeAAAAaAAAAAAAAAAAAAAAAAAAAAAAAAAAAAAAECcAABAnAAAAAAAAAAAAAAAAAAAAAAAAAAAAAAAAAAAAAAAAAAAAABQAAAAAAAAAwMD/AAAAAABkAAAAMgAAAAAAAABkAAAAAAAAAH9/fwAKAAAAHwAAAFQAAADAwMAA////AQAAAAAAAAAAAAAAAAAAAAAAAAAAAAAAAAAAAAAAAAAAf39/AH9/fwCAgIADzMzMAMDA/wB/f38AAAAAAAAAAAAAAAAAAAAAAAAAAAAhAAAAGAAAABQAAAA3AgAATAUAAKEVAAB8GgAAEAAAACYAAAAIAAAA//////////8="/>
               </a:ext>
             </a:extLst>
           </p:cNvSpPr>
@@ -5146,7 +5147,7 @@
           <p:cNvSpPr>
             <a:extLst>
               <a:ext uri="smNativeData">
-                <pr:smNativeData xmlns:pr="smNativeData" val="SMDATA_13_4IlQXxMAAAAlAAAAZAAAAA8BAAAAkAAAAEgAAACQAAAASAAAAAAAAAAAAAAAAAAAAAEAAABQAAAAAAAAAAAA4D8AAAAAAADgPwAAAAAAAOA/AAAAAAAA4D8AAAAAAADgPwAAAAAAAOA/AAAAAAAA4D8AAAAAAADgPwAAAAAAAOA/AAAAAAAA4D8CAAAAjAAAAAAAAAAAAAAAwMDAAP///wgAAAAAAAAAAAAAAAAAAAAAAAAAAAAAAAAAAAAAZAAAAAEAAABAAAAAAAAAAAAAAAAAAAAAAAAAAAAAAAAAAAAAAAAAAAAAAAAAAAAAAAAAAAAAAAAAAAAAAAAAAAAAAAAAAAAAAAAAAAAAAAAAAAAAAAAAAAAAAAAAAAAAFAAAADwAAAABAAAAAAAAAH9/fwAUAAAAAQAAABQAAAAUAAAAFAAAAAEAAAAAAAAAZAAAAGQAAAAAAAAAZAAAAGQAAAAVAAAAYAAAAAAAAAAAAAAADwAAACADAAAAAAAAAAAAAAEAAACgMgAAVgcAAKr4//8BAAAAf39/AAEAAABkAAAAAAAAABQAAABAHwAAAAAAACYAAAAAAAAAwOD//wAAAAAmAAAAZAAAABYAAABMAAAAAAAAAAAAAAAEAAAAAAAAAAEAAACAgIAKAAAAACgAAAAoAAAAZAAAAGQAAAAAAAAAzMzMAAAAAABQAAAAUAAAAGQAAABkAAAAAAAAABcAAAAUAAAAAAAAAAAAAAD/fwAA/38AAAAAAAAJAAAABAAAAAAAAAAMAAAAEAAAAAAAAAAAAAAAAAAAAAAAAAAeAAAAaAAAAAAAAAAAAAAAAAAAAAAAAAAAAAAAECcAABAnAAAAAAAAAAAAAAAAAAAAAAAAAAAAAAAAAAAAAAAAAAAAABQAAAAAAAAAwMD/AAAAAABkAAAAMgAAAAAAAABkAAAAAAAAAH9/fwAKAAAAHwAAAFQAAADAwMAA////AQAAAAAAAAAAAAAAAAAAAAAAAAAAAAAAAAAAAAAAAAAAf39/AH9/fwCAgIADzMzMAMDA/wB/f38AAAAAAAAAAAAAAAAAAAAAAAAAAAAhAAAAGAAAABQAAAChFQAAFwMAALonAABMBQAAEAAAACYAAAAIAAAA//////////8="/>
+                <pr:smNativeData xmlns:pr="smNativeData" val="SMDATA_13_Hs+1XxMAAAAlAAAAZAAAAA8BAAAAkAAAAEgAAACQAAAASAAAAAAAAAAAAAAAAAAAAAEAAABQAAAAAAAAAAAA4D8AAAAAAADgPwAAAAAAAOA/AAAAAAAA4D8AAAAAAADgPwAAAAAAAOA/AAAAAAAA4D8AAAAAAADgPwAAAAAAAOA/AAAAAAAA4D8CAAAAjAAAAAAAAAAAAAAAwMDAAP///wgAAAAAAAAAAAAAAAAAAAAAAAAAAAAAAAAAAAAAZAAAAAEAAABAAAAAAAAAAAAAAAAAAAAAAAAAAAAAAAAAAAAAAAAAAAAAAAAAAAAAAAAAAAAAAAAAAAAAAAAAAAAAAAAAAAAAAAAAAAAAAAAAAAAAAAAAAAAAAAAAAAAAFAAAADwAAAABAAAAAAAAAH9/fwAUAAAAAQAAABQAAAAUAAAAFAAAAAEAAAAAAAAAZAAAAGQAAAAAAAAAZAAAAGQAAAAVAAAAYAAAAAAAAAAAAAAADwAAACADAAAAAAAAAAAAAAEAAACgMgAAVgcAAKr4//8BAAAAf39/AAEAAABkAAAAAAAAABQAAABAHwAAAAAAACYAAAAAAAAAwOD//wAAAAAmAAAAZAAAABYAAABMAAAAAAAAAAAAAAAEAAAAAAAAAAEAAACAgIAKAAAAACgAAAAoAAAAZAAAAGQAAAAAAAAAzMzMAAAAAABQAAAAUAAAAGQAAABkAAAAAAAAABcAAAAUAAAAAAAAAAAAAAD/fwAA/38AAAAAAAAJAAAABAAAAAAAAAAMAAAAEAAAAAAAAAAAAAAAAAAAAAAAAAAeAAAAaAAAAAAAAAAAAAAAAAAAAAAAAAAAAAAAECcAABAnAAAAAAAAAAAAAAAAAAAAAAAAAAAAAAAAAAAAAAAAAAAAABQAAAAAAAAAwMD/AAAAAABkAAAAMgAAAAAAAABkAAAAAAAAAH9/fwAKAAAAHwAAAFQAAADAwMAA////AQAAAAAAAAAAAAAAAAAAAAAAAAAAAAAAAAAAAAAAAAAAf39/AH9/fwCAgIADzMzMAMDA/wB/f38AAAAAAAAAAAAAAAAAAAAAAAAAAAAhAAAAGAAAABQAAAChFQAAFwMAALonAABMBQAAEAAAACYAAAAIAAAA//////////8="/>
               </a:ext>
             </a:extLst>
           </p:cNvSpPr>
@@ -5178,7 +5179,7 @@
           <p:cNvSpPr>
             <a:extLst>
               <a:ext uri="smNativeData">
-                <pr:smNativeData xmlns:pr="smNativeData" val="SMDATA_13_4IlQXxMAAAAlAAAAZAAAAA8BAAAAkAAAAEgAAACQAAAASAAAAAAAAAAAAAAAAAAAAAEAAABQAAAAAAAAAAAA4D8AAAAAAADgPwAAAAAAAOA/AAAAAAAA4D8AAAAAAADgPwAAAAAAAOA/AAAAAAAA4D8AAAAAAADgPwAAAAAAAOA/AAAAAAAA4D8CAAAAjAAAAAAAAAAAAAAAwMDAAP///wgAAAAAAAAAAAAAAAAAAAAAAAAAAAAAAAAAAAAAZAAAAAEAAABAAAAAAAAAAAAAAAAAAAAAAAAAAAAAAAAAAAAAAAAAAAAAAAAAAAAAAAAAAAAAAAAAAAAAAAAAAAAAAAAAAAAAAAAAAAAAAAAAAAAAAAAAAAAAAAAAAAAAFAAAADwAAAABAAAAAAAAAH9/fwAUAAAAAQAAABQAAAAUAAAAFAAAAAEAAAAAAAAAZAAAAGQAAAAAAAAAZAAAAGQAAAAVAAAAYAAAAAAAAAAAAAAADwAAACADAAAAAAAAAAAAAAEAAACgMgAAVgcAAKr4//8BAAAAf39/AAEAAABkAAAAAAAAABQAAABAHwAAAAAAACYAAAAAAAAAwOD//wAAAAAmAAAAZAAAABYAAABMAAAAAAAAAAAAAAAEAAAAAAAAAAEAAACAgIAKAAAAACgAAAAoAAAAZAAAAGQAAAAAAAAAzMzMAAAAAABQAAAAUAAAAGQAAABkAAAAAAAAABcAAAAUAAAAAAAAAAAAAAD/fwAA/38AAAAAAAAJAAAABAAAAAAAAAAMAAAAEAAAAAAAAAAAAAAAAAAAAAAAAAAeAAAAaAAAAAAAAAAAAAAAAAAAAAAAAAAAAAAAECcAABAnAAAAAAAAAAAAAAAAAAAAAAAAAAAAAAAAAAAAAAAAAAAAABQAAAAAAAAAwMD/AAAAAABkAAAAMgAAAAAAAABkAAAAAAAAAH9/fwAKAAAAHwAAAFQAAADAwMAA////AQAAAAAAAAAAAAAAAAAAAAAAAAAAAAAAAAAAAAAAAAAAf39/AH9/fwCAgIADzMzMAMDA/wB/f38AAAAAAAAAAAAAAAAAAAAAAAAAAAAhAAAAGAAAABQAAAChFQAATAUAALonAAB8GgAAEAAAACYAAAAIAAAA//////////8="/>
+                <pr:smNativeData xmlns:pr="smNativeData" val="SMDATA_13_Hs+1XxMAAAAlAAAAZAAAAA8BAAAAkAAAAEgAAACQAAAASAAAAAAAAAAAAAAAAAAAAAEAAABQAAAAAAAAAAAA4D8AAAAAAADgPwAAAAAAAOA/AAAAAAAA4D8AAAAAAADgPwAAAAAAAOA/AAAAAAAA4D8AAAAAAADgPwAAAAAAAOA/AAAAAAAA4D8CAAAAjAAAAAAAAAAAAAAAwMDAAP///wgAAAAAAAAAAAAAAAAAAAAAAAAAAAAAAAAAAAAAZAAAAAEAAABAAAAAAAAAAAAAAAAAAAAAAAAAAAAAAAAAAAAAAAAAAAAAAAAAAAAAAAAAAAAAAAAAAAAAAAAAAAAAAAAAAAAAAAAAAAAAAAAAAAAAAAAAAAAAAAAAAAAAFAAAADwAAAABAAAAAAAAAH9/fwAUAAAAAQAAABQAAAAUAAAAFAAAAAEAAAAAAAAAZAAAAGQAAAAAAAAAZAAAAGQAAAAVAAAAYAAAAAAAAAAAAAAADwAAACADAAAAAAAAAAAAAAEAAACgMgAAVgcAAKr4//8BAAAAf39/AAEAAABkAAAAAAAAABQAAABAHwAAAAAAACYAAAAAAAAAwOD//wAAAAAmAAAAZAAAABYAAABMAAAAAAAAAAAAAAAEAAAAAAAAAAEAAACAgIAKAAAAACgAAAAoAAAAZAAAAGQAAAAAAAAAzMzMAAAAAABQAAAAUAAAAGQAAABkAAAAAAAAABcAAAAUAAAAAAAAAAAAAAD/fwAA/38AAAAAAAAJAAAABAAAAAAAAAAMAAAAEAAAAAAAAAAAAAAAAAAAAAAAAAAeAAAAaAAAAAAAAAAAAAAAAAAAAAAAAAAAAAAAECcAABAnAAAAAAAAAAAAAAAAAAAAAAAAAAAAAAAAAAAAAAAAAAAAABQAAAAAAAAAwMD/AAAAAABkAAAAMgAAAAAAAABkAAAAAAAAAH9/fwAKAAAAHwAAAFQAAADAwMAA////AQAAAAAAAAAAAAAAAAAAAAAAAAAAAAAAAAAAAAAAAAAAf39/AH9/fwCAgIADzMzMAMDA/wB/f38AAAAAAAAAAAAAAAAAAAAAAAAAAAAhAAAAGAAAABQAAAChFQAATAUAALonAAB8GgAAEAAAACYAAAAIAAAA//////////8="/>
               </a:ext>
             </a:extLst>
           </p:cNvSpPr>
@@ -5210,7 +5211,7 @@
           <p:cNvSpPr>
             <a:extLst>
               <a:ext uri="smNativeData">
-                <pr:smNativeData xmlns:pr="smNativeData" val="SMDATA_13_4IlQXxMAAAAlAAAAZAAAAA8BAAAAkAAAAEgAAACQAAAASAAAAAAAAAAAAAAAAAAAAAEAAABQAAAAAAAAAAAA4D8AAAAAAADgPwAAAAAAAOA/AAAAAAAA4D8AAAAAAADgPwAAAAAAAOA/AAAAAAAA4D8AAAAAAADgPwAAAAAAAOA/AAAAAAAA4D8CAAAAjAAAAAAAAAAAAAAAwMDAAP///wgAAAAAAAAAAAAAAAAAAAAAAAAAAAAAAAAAAAAAZAAAAAEAAABAAAAAAAAAAAAAAAAAAAAAAAAAAAAAAAAAAAAAAAAAAAAAAAAAAAAAAAAAAAAAAAAAAAAAAAAAAAAAAAAAAAAAAAAAAAAAAAAAAAAAAAAAAAAAAAAAAAAAFAAAADwAAAABAAAAAAAAAH9/fwAUAAAAAQAAABQAAAAUAAAAFAAAAAEAAAAAAAAAZAAAAGQAAAAAAAAAZAAAAGQAAAAVAAAAYAAAAAAAAAAAAAAADwAAACADAAAAAAAAAAAAAAEAAACgMgAAVgcAAKr4//8BAAAAf39/AAEAAABkAAAAAAAAABQAAABAHwAAAAAAACYAAAAAAAAAwOD//wAAAAAmAAAAZAAAABYAAABMAAAAAAAAAAAAAAAEAAAAAAAAAAEAAACAgIAKAAAAACgAAAAoAAAAZAAAAGQAAAAAAAAAzMzMAAAAAABQAAAAUAAAAGQAAABkAAAAAAAAABcAAAAUAAAAAAAAAAAAAAD/fwAA/38AAAAAAAAJAAAABAAAAAAAAAAMAAAAEAAAAAAAAAAAAAAAAAAAAAAAAAAeAAAAaAAAAAAAAAAAAAAAAAAAAAAAAAAAAAAAECcAABAnAAAAAAAAAAAAAAAAAAAAAAAAAAAAAAAAAAAAAAAAAAAAABQAAAAAAAAAwMD/AAAAAABkAAAAMgAAAAAAAABkAAAAAAAAAH9/fwAKAAAAHwAAAFQAAADAwMAA////AQAAAAAAAAAAAAAAAAAAAAAAAAAAAAAAAAAAAAAAAAAAf39/AH9/fwCAgIADzMzMAMDA/wB/f38AAAAAAAAAAAAAAAAAAAAAAAAAAAAhAAAAGAAAABQAAAC6JwAAFwMAAC03AABMBQAAEAAAACYAAAAIAAAA//////////8="/>
+                <pr:smNativeData xmlns:pr="smNativeData" val="SMDATA_13_Hs+1XxMAAAAlAAAAZAAAAA8BAAAAkAAAAEgAAACQAAAASAAAAAAAAAAAAAAAAAAAAAEAAABQAAAAAAAAAAAA4D8AAAAAAADgPwAAAAAAAOA/AAAAAAAA4D8AAAAAAADgPwAAAAAAAOA/AAAAAAAA4D8AAAAAAADgPwAAAAAAAOA/AAAAAAAA4D8CAAAAjAAAAAAAAAAAAAAAwMDAAP///wgAAAAAAAAAAAAAAAAAAAAAAAAAAAAAAAAAAAAAZAAAAAEAAABAAAAAAAAAAAAAAAAAAAAAAAAAAAAAAAAAAAAAAAAAAAAAAAAAAAAAAAAAAAAAAAAAAAAAAAAAAAAAAAAAAAAAAAAAAAAAAAAAAAAAAAAAAAAAAAAAAAAAFAAAADwAAAABAAAAAAAAAH9/fwAUAAAAAQAAABQAAAAUAAAAFAAAAAEAAAAAAAAAZAAAAGQAAAAAAAAAZAAAAGQAAAAVAAAAYAAAAAAAAAAAAAAADwAAACADAAAAAAAAAAAAAAEAAACgMgAAVgcAAKr4//8BAAAAf39/AAEAAABkAAAAAAAAABQAAABAHwAAAAAAACYAAAAAAAAAwOD//wAAAAAmAAAAZAAAABYAAABMAAAAAAAAAAAAAAAEAAAAAAAAAAEAAACAgIAKAAAAACgAAAAoAAAAZAAAAGQAAAAAAAAAzMzMAAAAAABQAAAAUAAAAGQAAABkAAAAAAAAABcAAAAUAAAAAAAAAAAAAAD/fwAA/38AAAAAAAAJAAAABAAAAAAAAAAMAAAAEAAAAAAAAAAAAAAAAAAAAAAAAAAeAAAAaAAAAAAAAAAAAAAAAAAAAAAAAAAAAAAAECcAABAnAAAAAAAAAAAAAAAAAAAAAAAAAAAAAAAAAAAAAAAAAAAAABQAAAAAAAAAwMD/AAAAAABkAAAAMgAAAAAAAABkAAAAAAAAAH9/fwAKAAAAHwAAAFQAAADAwMAA////AQAAAAAAAAAAAAAAAAAAAAAAAAAAAAAAAAAAAAAAAAAAf39/AH9/fwCAgIADzMzMAMDA/wB/f38AAAAAAAAAAAAAAAAAAAAAAAAAAAAhAAAAGAAAABQAAAC6JwAAFwMAAC03AABMBQAAEAAAACYAAAAIAAAA//////////8="/>
               </a:ext>
             </a:extLst>
           </p:cNvSpPr>
@@ -5242,7 +5243,7 @@
           <p:cNvSpPr>
             <a:extLst>
               <a:ext uri="smNativeData">
-                <pr:smNativeData xmlns:pr="smNativeData" val="SMDATA_13_4IlQXxMAAAAlAAAAZAAAAA8BAAAAkAAAAEgAAACQAAAASAAAAAAAAAAAAAAAAAAAAAEAAABQAAAAAAAAAAAA4D8AAAAAAADgPwAAAAAAAOA/AAAAAAAA4D8AAAAAAADgPwAAAAAAAOA/AAAAAAAA4D8AAAAAAADgPwAAAAAAAOA/AAAAAAAA4D8CAAAAjAAAAAAAAAAAAAAAwMDAAP///wgAAAAAAAAAAAAAAAAAAAAAAAAAAAAAAAAAAAAAZAAAAAEAAABAAAAAAAAAAAAAAAAAAAAAAAAAAAAAAAAAAAAAAAAAAAAAAAAAAAAAAAAAAAAAAAAAAAAAAAAAAAAAAAAAAAAAAAAAAAAAAAAAAAAAAAAAAAAAAAAAAAAAFAAAADwAAAABAAAAAAAAAH9/fwAUAAAAAQAAABQAAAAUAAAAFAAAAAEAAAAAAAAAZAAAAGQAAAAAAAAAZAAAAGQAAAAVAAAAYAAAAAAAAAAAAAAADwAAACADAAAAAAAAAAAAAAEAAACgMgAAVgcAAKr4//8BAAAAf39/AAEAAABkAAAAAAAAABQAAABAHwAAAAAAACYAAAAAAAAAwOD//wAAAAAmAAAAZAAAABYAAABMAAAAAAAAAAAAAAAEAAAAAAAAAAEAAACAgIAKAAAAACgAAAAoAAAAZAAAAGQAAAAAAAAAzMzMAAAAAABQAAAAUAAAAGQAAABkAAAAAAAAABcAAAAUAAAAAAAAAAAAAAD/fwAA/38AAAAAAAAJAAAABAAAAAAAAAAMAAAAEAAAAAAAAAAAAAAAAAAAAAAAAAAeAAAAaAAAAAAAAAAAAAAAAAAAAAAAAAAAAAAAECcAABAnAAAAAAAAAAAAAAAAAAAAAAAAAAAAAAAAAAAAAAAAAAAAABQAAAAAAAAAwMD/AAAAAABkAAAAMgAAAAAAAABkAAAAAAAAAH9/fwAKAAAAHwAAAFQAAADAwMAA////AQAAAAAAAAAAAAAAAAAAAAAAAAAAAAAAAAAAAAAAAAAAf39/AH9/fwCAgIADzMzMAMDA/wB/f38AAAAAAAAAAAAAAAAAAAAAAAAAAAAhAAAAGAAAABQAAAC6JwAATAUAAC03AAD0FgAAEAAAACYAAAAIAAAA//////////8="/>
+                <pr:smNativeData xmlns:pr="smNativeData" val="SMDATA_13_Hs+1XxMAAAAlAAAAZAAAAA8BAAAAkAAAAEgAAACQAAAASAAAAAAAAAAAAAAAAAAAAAEAAABQAAAAAAAAAAAA4D8AAAAAAADgPwAAAAAAAOA/AAAAAAAA4D8AAAAAAADgPwAAAAAAAOA/AAAAAAAA4D8AAAAAAADgPwAAAAAAAOA/AAAAAAAA4D8CAAAAjAAAAAAAAAAAAAAAwMDAAP///wgAAAAAAAAAAAAAAAAAAAAAAAAAAAAAAAAAAAAAZAAAAAEAAABAAAAAAAAAAAAAAAAAAAAAAAAAAAAAAAAAAAAAAAAAAAAAAAAAAAAAAAAAAAAAAAAAAAAAAAAAAAAAAAAAAAAAAAAAAAAAAAAAAAAAAAAAAAAAAAAAAAAAFAAAADwAAAABAAAAAAAAAH9/fwAUAAAAAQAAABQAAAAUAAAAFAAAAAEAAAAAAAAAZAAAAGQAAAAAAAAAZAAAAGQAAAAVAAAAYAAAAAAAAAAAAAAADwAAACADAAAAAAAAAAAAAAEAAACgMgAAVgcAAKr4//8BAAAAf39/AAEAAABkAAAAAAAAABQAAABAHwAAAAAAACYAAAAAAAAAwOD//wAAAAAmAAAAZAAAABYAAABMAAAAAAAAAAAAAAAEAAAAAAAAAAEAAACAgIAKAAAAACgAAAAoAAAAZAAAAGQAAAAAAAAAzMzMAAAAAABQAAAAUAAAAGQAAABkAAAAAAAAABcAAAAUAAAAAAAAAAAAAAD/fwAA/38AAAAAAAAJAAAABAAAAAAAAAAMAAAAEAAAAAAAAAAAAAAAAAAAAAAAAAAeAAAAaAAAAAAAAAAAAAAAAAAAAAAAAAAAAAAAECcAABAnAAAAAAAAAAAAAAAAAAAAAAAAAAAAAAAAAAAAAAAAAAAAABQAAAAAAAAAwMD/AAAAAABkAAAAMgAAAAAAAABkAAAAAAAAAH9/fwAKAAAAHwAAAFQAAADAwMAA////AQAAAAAAAAAAAAAAAAAAAAAAAAAAAAAAAAAAAAAAAAAAf39/AH9/fwCAgIADzMzMAMDA/wB/f38AAAAAAAAAAAAAAAAAAAAAAAAAAAAhAAAAGAAAABQAAAC6JwAATAUAAC03AAD0FgAAEAAAACYAAAAIAAAA//////////8="/>
               </a:ext>
             </a:extLst>
           </p:cNvSpPr>
@@ -5274,7 +5275,7 @@
           <p:cNvSpPr>
             <a:extLst>
               <a:ext uri="smNativeData">
-                <pr:smNativeData xmlns:pr="smNativeData" val="SMDATA_13_4IlQXxMAAAAlAAAAZAAAAA8BAAAAkAAAAEgAAACQAAAASAAAAAAAAAAAAAAAAAAAAAEAAABQAAAAAAAAAAAA4D8AAAAAAADgPwAAAAAAAOA/AAAAAAAA4D8AAAAAAADgPwAAAAAAAOA/AAAAAAAA4D8AAAAAAADgPwAAAAAAAOA/AAAAAAAA4D8CAAAAjAAAAAAAAAAAAAAAwMDAAP///wgAAAAAAAAAAAAAAAAAAAAAAAAAAAAAAAAAAAAAZAAAAAEAAABAAAAAAAAAAAAAAAAAAAAAAAAAAAAAAAAAAAAAAAAAAAAAAAAAAAAAAAAAAAAAAAAAAAAAAAAAAAAAAAAAAAAAAAAAAAAAAAAAAAAAAAAAAAAAAAAAAAAAFAAAADwAAAABAAAAAAAAAH9/fwAUAAAAAQAAABQAAAAUAAAAFAAAAAEAAAAAAAAAZAAAAGQAAAAAAAAAZAAAAGQAAAAVAAAAYAAAAAAAAAAAAAAADwAAACADAAAAAAAAAAAAAAEAAACgMgAAVgcAAKr4//8BAAAAf39/AAEAAABkAAAAAAAAABQAAABAHwAAAAAAACYAAAAAAAAAwOD//wAAAAAmAAAAZAAAABYAAABMAAAAAAAAAAAAAAAEAAAAAAAAAAEAAACAgIAKAAAAACgAAAAoAAAAZAAAAGQAAAAAAAAAzMzMAAAAAABQAAAAUAAAAGQAAABkAAAAAAAAABcAAAAUAAAAAAAAAAAAAAD/fwAA/38AAAAAAAAJAAAABAAAAAAAAAAMAAAAEAAAAAAAAAAAAAAAAAAAAAAAAAAeAAAAaAAAAAAAAAAAAAAAAAAAAAAAAAAAAAAAECcAABAnAAAAAAAAAAAAAAAAAAAAAAAAAAAAAAAAAAAAAAAAAAAAABQAAAAAAAAAwMD/AAAAAABkAAAAMgAAAAAAAABkAAAAAAAAAH9/fwAKAAAAHwAAAFQAAADAwMAA////AQAAAAAAAAAAAAAAAAAAAAAAAAAAAAAAAAAAAAAAAAAAf39/AH9/fwCAgIADzMzMAMDA/wB/f38AAAAAAAAAAAAAAAAAAAAAAAAAAAAhAAAAGAAAABQAAACoEQAAixoAAP0hAAC6JwAAEAAAACYAAAAIAAAA//////////8="/>
+                <pr:smNativeData xmlns:pr="smNativeData" val="SMDATA_13_Hs+1XxMAAAAlAAAAZAAAAA8BAAAAkAAAAEgAAACQAAAASAAAAAAAAAAAAAAAAAAAAAEAAABQAAAAAAAAAAAA4D8AAAAAAADgPwAAAAAAAOA/AAAAAAAA4D8AAAAAAADgPwAAAAAAAOA/AAAAAAAA4D8AAAAAAADgPwAAAAAAAOA/AAAAAAAA4D8CAAAAjAAAAAAAAAAAAAAAwMDAAP///wgAAAAAAAAAAAAAAAAAAAAAAAAAAAAAAAAAAAAAZAAAAAEAAABAAAAAAAAAAAAAAAAAAAAAAAAAAAAAAAAAAAAAAAAAAAAAAAAAAAAAAAAAAAAAAAAAAAAAAAAAAAAAAAAAAAAAAAAAAAAAAAAAAAAAAAAAAAAAAAAAAAAAFAAAADwAAAABAAAAAAAAAH9/fwAUAAAAAQAAABQAAAAUAAAAFAAAAAEAAAAAAAAAZAAAAGQAAAAAAAAAZAAAAGQAAAAVAAAAYAAAAAAAAAAAAAAADwAAACADAAAAAAAAAAAAAAEAAACgMgAAVgcAAKr4//8BAAAAf39/AAEAAABkAAAAAAAAABQAAABAHwAAAAAAACYAAAAAAAAAwOD//wAAAAAmAAAAZAAAABYAAABMAAAAAAAAAAAAAAAEAAAAAAAAAAEAAACAgIAKAAAAACgAAAAoAAAAZAAAAGQAAAAAAAAAzMzMAAAAAABQAAAAUAAAAGQAAABkAAAAAAAAABcAAAAUAAAAAAAAAAAAAAD/fwAA/38AAAAAAAAJAAAABAAAAAAAAAAMAAAAEAAAAAAAAAAAAAAAAAAAAAAAAAAeAAAAaAAAAAAAAAAAAAAAAAAAAAAAAAAAAAAAECcAABAnAAAAAAAAAAAAAAAAAAAAAAAAAAAAAAAAAAAAAAAAAAAAABQAAAAAAAAAwMD/AAAAAABkAAAAMgAAAAAAAABkAAAAAAAAAH9/fwAKAAAAHwAAAFQAAADAwMAA////AQAAAAAAAAAAAAAAAAAAAAAAAAAAAAAAAAAAAAAAAAAAf39/AH9/fwCAgIADzMzMAMDA/wB/f38AAAAAAAAAAAAAAAAAAAAAAAAAAAAhAAAAGAAAABQAAACoEQAAixoAAP0hAAC6JwAAEAAAACYAAAAIAAAA//////////8="/>
               </a:ext>
             </a:extLst>
           </p:cNvSpPr>
@@ -5306,7 +5307,7 @@
           <p:cNvSpPr>
             <a:extLst>
               <a:ext uri="smNativeData">
-                <pr:smNativeData xmlns:pr="smNativeData" val="SMDATA_13_4IlQXxMAAAAlAAAAZAAAAA8BAAAAkAAAAEgAAACQAAAASAAAAAAAAAAAAAAAAAAAAAEAAABQAAAAAAAAAAAA4D8AAAAAAADgPwAAAAAAAOA/AAAAAAAA4D8AAAAAAADgPwAAAAAAAOA/AAAAAAAA4D8AAAAAAADgPwAAAAAAAOA/AAAAAAAA4D8CAAAAjAAAAAAAAAAAAAAAwMDAAP///wgAAAAAAAAAAAAAAAAAAAAAAAAAAAAAAAAAAAAAZAAAAAEAAABAAAAAAAAAAAAAAAAAAAAAAAAAAAAAAAAAAAAAAAAAAAAAAAAAAAAAAAAAAAAAAAAAAAAAAAAAAAAAAAAAAAAAAAAAAAAAAAAAAAAAAAAAAAAAAAAAAAAAFAAAADwAAAABAAAAAAAAAH9/fwAUAAAAAQAAABQAAAAUAAAAFAAAAAEAAAAAAAAAZAAAAGQAAAAAAAAAZAAAAGQAAAAVAAAAYAAAAAAAAAAAAAAADwAAACADAAAAAAAAAAAAAAEAAACgMgAAVgcAAKr4//8BAAAAf39/AAEAAABkAAAAAAAAABQAAABAHwAAAAAAACYAAAAAAAAAwOD//wAAAAAmAAAAZAAAABYAAABMAAAAAAAAAAAAAAAEAAAAAAAAAAEAAACAgIAKAAAAACgAAAAoAAAAZAAAAGQAAAAAAAAAzMzMAAAAAABQAAAAUAAAAGQAAABkAAAAAAAAABcAAAAUAAAAAAAAAAAAAAD/fwAA/38AAAAAAAAJAAAABAAAAAAAAAAMAAAAEAAAAAAAAAAAAAAAAAAAAAAAAAAeAAAAaAAAAAAAAAAAAAAAAAAAAAAAAAAAAAAAECcAABAnAAAAAAAAAAAAAAAAAAAAAAAAAAAAAAAAAAAAAAAAAAAAABQAAAAAAAAAwMD/AAAAAABkAAAAMgAAAAAAAABkAAAAAAAAAH9/fwAKAAAAHwAAAFQAAADAwMAA////AQAAAAAAAAAAAAAAAAAAAAAAAAAAAAAAAAAAAAAAAAAAf39/AH9/fwCAgIADzMzMAMDA/wB/f38AAAAAAAAAAAAAAAAAAAAAAAAAAAAhAAAAGAAAABQAAAC6JwAA9BYAAC03AADmHgAAEAAAACYAAAAIAAAA//////////8="/>
+                <pr:smNativeData xmlns:pr="smNativeData" val="SMDATA_13_Hs+1XxMAAAAlAAAAZAAAAA8BAAAAkAAAAEgAAACQAAAASAAAAAAAAAAAAAAAAAAAAAEAAABQAAAAAAAAAAAA4D8AAAAAAADgPwAAAAAAAOA/AAAAAAAA4D8AAAAAAADgPwAAAAAAAOA/AAAAAAAA4D8AAAAAAADgPwAAAAAAAOA/AAAAAAAA4D8CAAAAjAAAAAAAAAAAAAAAwMDAAP///wgAAAAAAAAAAAAAAAAAAAAAAAAAAAAAAAAAAAAAZAAAAAEAAABAAAAAAAAAAAAAAAAAAAAAAAAAAAAAAAAAAAAAAAAAAAAAAAAAAAAAAAAAAAAAAAAAAAAAAAAAAAAAAAAAAAAAAAAAAAAAAAAAAAAAAAAAAAAAAAAAAAAAFAAAADwAAAABAAAAAAAAAH9/fwAUAAAAAQAAABQAAAAUAAAAFAAAAAEAAAAAAAAAZAAAAGQAAAAAAAAAZAAAAGQAAAAVAAAAYAAAAAAAAAAAAAAADwAAACADAAAAAAAAAAAAAAEAAACgMgAAVgcAAKr4//8BAAAAf39/AAEAAABkAAAAAAAAABQAAABAHwAAAAAAACYAAAAAAAAAwOD//wAAAAAmAAAAZAAAABYAAABMAAAAAAAAAAAAAAAEAAAAAAAAAAEAAACAgIAKAAAAACgAAAAoAAAAZAAAAGQAAAAAAAAAzMzMAAAAAABQAAAAUAAAAGQAAABkAAAAAAAAABcAAAAUAAAAAAAAAAAAAAD/fwAA/38AAAAAAAAJAAAABAAAAAAAAAAMAAAAEAAAAAAAAAAAAAAAAAAAAAAAAAAeAAAAaAAAAAAAAAAAAAAAAAAAAAAAAAAAAAAAECcAABAnAAAAAAAAAAAAAAAAAAAAAAAAAAAAAAAAAAAAAAAAAAAAABQAAAAAAAAAwMD/AAAAAABkAAAAMgAAAAAAAABkAAAAAAAAAH9/fwAKAAAAHwAAAFQAAADAwMAA////AQAAAAAAAAAAAAAAAAAAAAAAAAAAAAAAAAAAAAAAAAAAf39/AH9/fwCAgIADzMzMAMDA/wB/f38AAAAAAAAAAAAAAAAAAAAAAAAAAAAhAAAAGAAAABQAAAC6JwAA9BYAAC03AADmHgAAEAAAACYAAAAIAAAA//////////8="/>
               </a:ext>
             </a:extLst>
           </p:cNvSpPr>
@@ -5338,7 +5339,7 @@
           <p:cNvSpPr txBox="1">
             <a:extLst>
               <a:ext uri="smNativeData">
-                <pr:smNativeData xmlns:pr="smNativeData" val="SMDATA_13_4IlQXxMAAAAlAAAAEgAAAE8BAAAAkAAAAEgAAACQAAAASAAAAAAAAAAAAAAAAAAAAAEAAABQAAAAAAAAAAAA4D8AAAAAAADgPwAAAAAAAOA/AAAAAAAA4D8AAAAAAADgPwAAAAAAAOA/AAAAAAAA4D8AAAAAAADgPwAAAAAAAOA/AAAAAAAA4D8CAAAAjAAAAAAAAAAAAAAAu+DjDP///wgAAAAAAAAAAAAAAAAAAAAAAAAAAAAAAAAAAAAAZAAAAAEAAABAAAAAAAAAAAAAAAAAAAAAAAAAAAAAAAAAAAAAAAAAAAAAAAAAAAAAAAAAAAAAAAAAAAAAAAAAAAAAAAAAAAAAAAAAAAAAAAAAAAAAAAAAAAAAAAAAAAAAFAAAADwAAAAAAAAAAAAAAAAAAAkUAAAAAQAAABQAAAAUAAAAFAAAAAEAAAAAAAAAZAAAAGQAAAAAAAAAZAAAAGQAAAAVAAAAYAAAAAAAAAAAAAAADwAAACADAAAAAAAAAAAAAAEAAACgMgAAVgcAAKr4//8BAAAAf39/AAEAAABkAAAAAAAAABQAAABAHwAAAAAAACYAAAAAAAAAwOD//wAAAAAmAAAAZAAAABYAAABMAAAAAAAAAAAAAAAEAAAAAAAAAAEAAACAgIAKAAAAACgAAAAoAAAAZAAAAGQAAAAAAAAAzMzMAAAAAABQAAAAUAAAAGQAAABkAAAAAAAAABcAAAAUAAAAAAAAANwIAAD/fwAA/38AAAAAAAAJAAAABAAAAAAAAAAMAAAAEAAAAAAAAAAAAAAAAAAAAAAAAAAeAAAAaAAAAAAAAAAAAAAAAAAAAAAAAAAAAAAAECcAABAnAAAAAAAAAAAAAAAAAAAAAAAAAAAAAAAAAAAAAAAAAAAAABQAAAAAAAAAwMD/AAAAAABkAAAAMgAAAAAAAABkAAAAAAAAAH9/fwAKAAAAHwAAAFQAAAC74OMF////AQAAAAAAAAAAAAAAAAAAAAAAAAAAAAAAAAAAAAAAAAAAAAAAAn9/fwCAgIADzMzMAMDA/wB/f38AAAAAAAAAAAAAAAAAAAAAAAAAAAAhAAAAGAAAABQAAAA3FgAAGAcAABMfAACwCAAAECAAACYAAAAIAAAA//////////8="/>
+                <pr:smNativeData xmlns:pr="smNativeData" val="SMDATA_13_Hs+1XxMAAAAlAAAAEgAAAE8BAAAAkAAAAEgAAACQAAAASAAAAAAAAAAAAAAAAAAAAAEAAABQAAAAAAAAAAAA4D8AAAAAAADgPwAAAAAAAOA/AAAAAAAA4D8AAAAAAADgPwAAAAAAAOA/AAAAAAAA4D8AAAAAAADgPwAAAAAAAOA/AAAAAAAA4D8CAAAAjAAAAAAAAAAAAAAAu+DjDP///wgAAAAAAAAAAAAAAAAAAAAAAAAAAAAAAAAAAAAAZAAAAAEAAABAAAAAAAAAAAAAAAAAAAAAAAAAAAAAAAAAAAAAAAAAAAAAAAAAAAAAAAAAAAAAAAAAAAAAAAAAAAAAAAAAAAAAAAAAAAAAAAAAAAAAAAAAAAAAAAAAAAAAFAAAADwAAAAAAAAAAAAAAAAAAAkUAAAAAQAAABQAAAAUAAAAFAAAAAEAAAAAAAAAZAAAAGQAAAAAAAAAZAAAAGQAAAAVAAAAYAAAAAAAAAAAAAAADwAAACADAAAAAAAAAAAAAAEAAACgMgAAVgcAAKr4//8BAAAAf39/AAEAAABkAAAAAAAAABQAAABAHwAAAAAAACYAAAAAAAAAwOD//wAAAAAmAAAAZAAAABYAAABMAAAAAAAAAAAAAAAEAAAAAAAAAAEAAACAgIAKAAAAACgAAAAoAAAAZAAAAGQAAAAAAAAAzMzMAAAAAABQAAAAUAAAAGQAAABkAAAAAAAAABcAAAAUAAAAAAAAANwIAAD/fwAA/38AAAAAAAAJAAAABAAAAAAAAAAMAAAAEAAAAAAAAAAAAAAAAAAAAAAAAAAeAAAAaAAAAAAAAAAAAAAAAAAAAAAAAAAAAAAAECcAABAnAAAAAAAAAAAAAAAAAAAAAAAAAAAAAAAAAAAAAAAAAAAAABQAAAAAAAAAwMD/AAAAAABkAAAAMgAAAAAAAABkAAAAAAAAAH9/fwAKAAAAHwAAAFQAAAC74OMF////AQAAAAAAAAAAAAAAAAAAAAAAAAAAAAAAAAAAAAAAAAAAAAAAAn9/fwCAgIADzMzMAMDA/wB/f38AAAAAAAAAAAAAAAAAAAAAAAAAAAAhAAAAGAAAABQAAAA3FgAAGAcAABMfAACwCAAAECAAACYAAAAIAAAA//////////8="/>
               </a:ext>
             </a:extLst>
           </p:cNvSpPr>
@@ -5381,7 +5382,7 @@
           <p:cNvSpPr txBox="1">
             <a:extLst>
               <a:ext uri="smNativeData">
-                <pr:smNativeData xmlns:pr="smNativeData" val="SMDATA_13_4IlQXxMAAAAlAAAAEgAAAE8BAAAAkAAAAEgAAACQAAAASAAAAAAAAAAAAAAAAAAAAAEAAABQAAAAAAAAAAAA4D8AAAAAAADgPwAAAAAAAOA/AAAAAAAA4D8AAAAAAADgPwAAAAAAAOA/AAAAAAAA4D8AAAAAAADgPwAAAAAAAOA/AAAAAAAA4D8CAAAAjAAAAAAAAAAAAAAAu+DjDP///wgAAAAAAAAAAAAAAAAAAAAAAAAAAAAAAAAAAAAAZAAAAAEAAABAAAAAAAAAAAAAAAAAAAAAAAAAAAAAAAAAAAAAAAAAAAAAAAAAAAAAAAAAAAAAAAAAAAAAAAAAAAAAAAAAAAAAAAAAAAAAAAAAAAAAAAAAAAAAAAAAAAAAFAAAADwAAAAAAAAAAAAAAAAAAAkUAAAAAQAAABQAAAAUAAAAFAAAAAEAAAAAAAAAZAAAAGQAAAAAAAAAZAAAAGQAAAAVAAAAYAAAAAAAAAAAAAAADwAAACADAAAAAAAAAAAAAAEAAACgMgAAVgcAAKr4//8BAAAAf39/AAEAAABkAAAAAAAAABQAAABAHwAAAAAAACYAAAAAAAAAwOD//wAAAAAmAAAAZAAAABYAAABMAAAAAAAAAAAAAAAEAAAAAAAAAAEAAACAgIAKAAAAACgAAAAoAAAAZAAAAGQAAAAAAAAAzMzMAAAAAABQAAAAUAAAAGQAAABkAAAAAAAAABcAAAAUAAAAAAAAANwIAAD/fwAA/38AAAAAAAAJAAAABAAAAAAAAAAMAAAAEAAAAAAAAAAAAAAAAAAAAAAAAAAeAAAAaAAAAAAAAAAAAAAAAAAAAAAAAAAAAAAAECcAABAnAAAAAAAAAAAAAAAAAAAAAAAAAAAAAAAAAAAAAAAAAAAAABQAAAAAAAAAwMD/AAAAAABkAAAAMgAAAAAAAABkAAAAAAAAAH9/fwAKAAAAHwAAAFQAAAC74OMF////AQAAAAAAAAAAAAAAAAAAAAAAAAAAAAAAAAAAAAAAAAAAAAAAAn9/fwCAgIADzMzMAMDA/wB/f38AAAAAAAAAAAAAAAAAAAAAAAAAAAAhAAAAGAAAABQAAABoHgAAEAcAAJImAAC4CgAAECAAACYAAAAIAAAA//////////8="/>
+                <pr:smNativeData xmlns:pr="smNativeData" val="SMDATA_13_Hs+1XxMAAAAlAAAAEgAAAE8BAAAAkAAAAEgAAACQAAAASAAAAAAAAAAAAAAAAAAAAAEAAABQAAAAAAAAAAAA4D8AAAAAAADgPwAAAAAAAOA/AAAAAAAA4D8AAAAAAADgPwAAAAAAAOA/AAAAAAAA4D8AAAAAAADgPwAAAAAAAOA/AAAAAAAA4D8CAAAAjAAAAAAAAAAAAAAAu+DjDP///wgAAAAAAAAAAAAAAAAAAAAAAAAAAAAAAAAAAAAAZAAAAAEAAABAAAAAAAAAAAAAAAAAAAAAAAAAAAAAAAAAAAAAAAAAAAAAAAAAAAAAAAAAAAAAAAAAAAAAAAAAAAAAAAAAAAAAAAAAAAAAAAAAAAAAAAAAAAAAAAAAAAAAFAAAADwAAAAAAAAAAAAAAAAAAAkUAAAAAQAAABQAAAAUAAAAFAAAAAEAAAAAAAAAZAAAAGQAAAAAAAAAZAAAAGQAAAAVAAAAYAAAAAAAAAAAAAAADwAAACADAAAAAAAAAAAAAAEAAACgMgAAVgcAAKr4//8BAAAAf39/AAEAAABkAAAAAAAAABQAAABAHwAAAAAAACYAAAAAAAAAwOD//wAAAAAmAAAAZAAAABYAAABMAAAAAAAAAAAAAAAEAAAAAAAAAAEAAACAgIAKAAAAACgAAAAoAAAAZAAAAGQAAAAAAAAAzMzMAAAAAABQAAAAUAAAAGQAAABkAAAAAAAAABcAAAAUAAAAAAAAANwIAAD/fwAA/38AAAAAAAAJAAAABAAAAAAAAAAMAAAAEAAAAAAAAAAAAAAAAAAAAAAAAAAeAAAAaAAAAAAAAAAAAAAAAAAAAAAAAAAAAAAAECcAABAnAAAAAAAAAAAAAAAAAAAAAAAAAAAAAAAAAAAAAAAAAAAAABQAAAAAAAAAwMD/AAAAAABkAAAAMgAAAAAAAABkAAAAAAAAAH9/fwAKAAAAHwAAAFQAAAC74OMF////AQAAAAAAAAAAAAAAAAAAAAAAAAAAAAAAAAAAAAAAAAAAAAAAAn9/fwCAgIADzMzMAMDA/wB/f38AAAAAAAAAAAAAAAAAAAAAAAAAAAAhAAAAGAAAABQAAABoHgAAEAcAAJImAAC4CgAAECAAACYAAAAIAAAA//////////8="/>
               </a:ext>
             </a:extLst>
           </p:cNvSpPr>
@@ -5448,7 +5449,7 @@
           <p:cNvSpPr txBox="1">
             <a:extLst>
               <a:ext uri="smNativeData">
-                <pr:smNativeData xmlns:pr="smNativeData" val="SMDATA_13_4IlQXxMAAAAlAAAAEgAAAE8BAAAAkAAAAEgAAACQAAAASAAAAAAAAAAAAAAAAAAAAAEAAABQAAAAAAAAAAAA4D8AAAAAAADgPwAAAAAAAOA/AAAAAAAA4D8AAAAAAADgPwAAAAAAAOA/AAAAAAAA4D8AAAAAAADgPwAAAAAAAOA/AAAAAAAA4D8CAAAAjAAAAAEAAAAAAAAA2u2hP////wgAAAAAAAAAAAAAAAAAAAAAAAAAAAAAAAAAAAAAZAAAAAEAAABAAAAAAAAAAAAAAAAAAAAAAAAAAAAAAAAAAAAAAAAAAAAAAAAAAAAAAAAAAAAAAAAAAAAAAAAAAAAAAAAAAAAAAAAAAAAAAAAAAAAAAAAAAAAAAAAAAAAAFAAAADwAAAABAAAAAAAAAAAAAAkFAAAAAQAAAAEAAAAAAAAAAAAAAAAAAAAAAAAAZAAAAGQAAAAAAAAAZAAAAGQAAAAVAAAAYAAAAAAAAAAAAAAADwAAACADAAAAAAAAAAAAAAEAAACgMgAAVgcAAKr4//8BAAAAf39/AAEAAABkAAAAAAAAABQAAABAHwAAAAAAACYAAAAAAAAAwOD//wAAAAAmAAAAZAAAABYAAABMAAAAAAAAAAAAAAAEAAAAAAAAAAEAAACAgIAKAAAAACgAAAAoAAAAZAAAAGQAAAAAAAAAzMzMAAAAAABQAAAAUAAAAGQAAABkAAAAAAAAABcAAAAUAAAAAAAAANwIAAD/fwAA/38AAAAAAAAJAAAABAAAAGcAaAAMAAAAEAAAAAAAAAAAAAAAAAAAAAAAAAAeAAAAaAAAAAAAAAAAAAAAAAAAAAAAAAAAAAAAECcAABAnAAAAAAAAAAAAAAAAAAAAAAAAAAAAAAAAAAAAAAAAAAAAABQAAAAAAAAAwMD/AAAAAABkAAAAMgAAAAAAAABkAAAAAAAAAH9/fwAKAAAAHwAAAFQAAADa7aE4////AQAAAAAAAAAAAAAAAAAAAAAAAAAAAAAAAAAAAAAAAAAAAAAAAn9/fwCAgIADzMzMAMDA/wB/f38AAAAAAAAAAAAAAAAAAAAAAAAAAAAhAAAAGAAAABQAAAAZEgAA/xwAANcbAAB3IAAAECAAACYAAAAIAAAA//////////8="/>
+                <pr:smNativeData xmlns:pr="smNativeData" val="SMDATA_13_Hs+1XxMAAAAlAAAAEgAAAE8BAAAAkAAAAEgAAACQAAAASAAAAAAAAAAAAAAAAAAAAAEAAABQAAAAAAAAAAAA4D8AAAAAAADgPwAAAAAAAOA/AAAAAAAA4D8AAAAAAADgPwAAAAAAAOA/AAAAAAAA4D8AAAAAAADgPwAAAAAAAOA/AAAAAAAA4D8CAAAAjAAAAAEAAAAAAAAA2u2hP////wgAAAAAAAAAAAAAAAAAAAAAAAAAAAAAAAAAAAAAZAAAAAEAAABAAAAAAAAAAAAAAAAAAAAAAAAAAAAAAAAAAAAAAAAAAAAAAAAAAAAAAAAAAAAAAAAAAAAAAAAAAAAAAAAAAAAAAAAAAAAAAAAAAAAAAAAAAAAAAAAAAAAAFAAAADwAAAABAAAAAAAAAAAAAAkFAAAAAQAAAAEAAAAAAAAAAAAAAAAAAAAAAAAAZAAAAGQAAAAAAAAAZAAAAGQAAAAVAAAAYAAAAAAAAAAAAAAADwAAACADAAAAAAAAAAAAAAEAAACgMgAAVgcAAKr4//8BAAAAf39/AAEAAABkAAAAAAAAABQAAABAHwAAAAAAACYAAAAAAAAAwOD//wAAAAAmAAAAZAAAABYAAABMAAAAAAAAAAAAAAAEAAAAAAAAAAEAAACAgIAKAAAAACgAAAAoAAAAZAAAAGQAAAAAAAAAzMzMAAAAAABQAAAAUAAAAGQAAABkAAAAAAAAABcAAAAUAAAAAAAAANwIAAD/fwAA/38AAAAAAAAJAAAABAAAAGcAaAAMAAAAEAAAAAAAAAAAAAAAAAAAAAAAAAAeAAAAaAAAAAAAAAAAAAAAAAAAAAAAAAAAAAAAECcAABAnAAAAAAAAAAAAAAAAAAAAAAAAAAAAAAAAAAAAAAAAAAAAABQAAAAAAAAAwMD/AAAAAABkAAAAMgAAAAAAAABkAAAAAAAAAH9/fwAKAAAAHwAAAFQAAADa7aE4////AQAAAAAAAAAAAAAAAAAAAAAAAAAAAAAAAAAAAAAAAAAAAAAAAn9/fwCAgIADzMzMAMDA/wB/f38AAAAAAAAAAAAAAAAAAAAAAAAAAAAhAAAAGAAAABQAAAAZEgAA/xwAANcbAAB3IAAAECAAACYAAAAIAAAA//////////8="/>
               </a:ext>
             </a:extLst>
           </p:cNvSpPr>
@@ -5526,7 +5527,7 @@
           <p:cNvSpPr txBox="1">
             <a:extLst>
               <a:ext uri="smNativeData">
-                <pr:smNativeData xmlns:pr="smNativeData" val="SMDATA_13_4IlQXxMAAAAlAAAAEgAAAE8BAAAAkAAAAEgAAACQAAAASAAAAAAAAAAAAAAAAAAAAAEAAABQAAAAAAAAAAAA4D8AAAAAAADgPwAAAAAAAOA/AAAAAAAA4D8AAAAAAADgPwAAAAAAAOA/AAAAAAAA4D8AAAAAAADgPwAAAAAAAOA/AAAAAAAA4D8CAAAAjAAAAAAAAAAAAAAAu+DjDP///wgAAAAAAAAAAAAAAAAAAAAAAAAAAAAAAAAAAAAAZAAAAAEAAABAAAAAAAAAAAAAAAAAAAAAAAAAAAAAAAAAAAAAAAAAAAAAAAAAAAAAAAAAAAAAAAAAAAAAAAAAAAAAAAAAAAAAAAAAAAAAAAAAAAAAAAAAAAAAAAAAAAAAFAAAADwAAAAAAAAAAAAAAAAAAAkUAAAAAQAAABQAAAAUAAAAFAAAAAEAAAAAAAAAZAAAAGQAAAAAAAAAZAAAAGQAAAAVAAAAYAAAAAAAAAAAAAAADwAAACADAAAAAAAAAAAAAAEAAACgMgAAVgcAAKr4//8BAAAAf39/AAEAAABkAAAAAAAAABQAAABAHwAAAAAAACYAAAAAAAAAwOD//wAAAAAmAAAAZAAAABYAAABMAAAAAAAAAAAAAAAEAAAAAAAAAAEAAACAgIAKAAAAACgAAAAoAAAAZAAAAGQAAAAAAAAAzMzMAAAAAABQAAAAUAAAAGQAAABkAAAAAAAAABcAAAAUAAAAAAAAANwIAAD/fwAA/38AAAAAAAAJAAAABAAAAAAAaAAMAAAAEAAAAAAAAAAAAAAAAAAAAAAAAAAeAAAAaAAAAAAAAAAAAAAAAAAAAAAAAAAAAAAAECcAABAnAAAAAAAAAAAAAAAAAAAAAAAAAAAAAAAAAAAAAAAAAAAAABQAAAAAAAAAwMD/AAAAAABkAAAAMgAAAAAAAABkAAAAAAAAAH9/fwAKAAAAHwAAAFQAAAC74OMF////AQAAAAAAAAAAAAAAAAAAAAAAAAAAAAAAAAAAAAAAAAAAAAAAAn9/fwCAgIADzMzMAMDA/wB/f38AAAAAAAAAAAAAAAAAAAAAAAAAAAAhAAAAGAAAABQAAABzKgAA/xAAAPs2AAB/EgAAECAAACYAAAAIAAAA//////////8="/>
+                <pr:smNativeData xmlns:pr="smNativeData" val="SMDATA_13_Hs+1XxMAAAAlAAAAEgAAAE8BAAAAkAAAAEgAAACQAAAASAAAAAAAAAAAAAAAAAAAAAEAAABQAAAAAAAAAAAA4D8AAAAAAADgPwAAAAAAAOA/AAAAAAAA4D8AAAAAAADgPwAAAAAAAOA/AAAAAAAA4D8AAAAAAADgPwAAAAAAAOA/AAAAAAAA4D8CAAAAjAAAAAAAAAAAAAAAu+DjDP///wgAAAAAAAAAAAAAAAAAAAAAAAAAAAAAAAAAAAAAZAAAAAEAAABAAAAAAAAAAAAAAAAAAAAAAAAAAAAAAAAAAAAAAAAAAAAAAAAAAAAAAAAAAAAAAAAAAAAAAAAAAAAAAAAAAAAAAAAAAAAAAAAAAAAAAAAAAAAAAAAAAAAAFAAAADwAAAAAAAAAAAAAAAAAAAkUAAAAAQAAABQAAAAUAAAAFAAAAAEAAAAAAAAAZAAAAGQAAAAAAAAAZAAAAGQAAAAVAAAAYAAAAAAAAAAAAAAADwAAACADAAAAAAAAAAAAAAEAAACgMgAAVgcAAKr4//8BAAAAf39/AAEAAABkAAAAAAAAABQAAABAHwAAAAAAACYAAAAAAAAAwOD//wAAAAAmAAAAZAAAABYAAABMAAAAAAAAAAAAAAAEAAAAAAAAAAEAAACAgIAKAAAAACgAAAAoAAAAZAAAAGQAAAAAAAAAzMzMAAAAAABQAAAAUAAAAGQAAABkAAAAAAAAABcAAAAUAAAAAAAAANwIAAD/fwAA/38AAAAAAAAJAAAABAAAAAAAaAAMAAAAEAAAAAAAAAAAAAAAAAAAAAAAAAAeAAAAaAAAAAAAAAAAAAAAAAAAAAAAAAAAAAAAECcAABAnAAAAAAAAAAAAAAAAAAAAAAAAAAAAAAAAAAAAAAAAAAAAABQAAAAAAAAAwMD/AAAAAABkAAAAMgAAAAAAAABkAAAAAAAAAH9/fwAKAAAAHwAAAFQAAAC74OMF////AQAAAAAAAAAAAAAAAAAAAAAAAAAAAAAAAAAAAAAAAAAAAAAAAn9/fwCAgIADzMzMAMDA/wB/f38AAAAAAAAAAAAAAAAAAAAAAAAAAAAhAAAAGAAAABQAAABzKgAA/xAAAPs2AAB/EgAAECAAACYAAAAIAAAA//////////8="/>
               </a:ext>
             </a:extLst>
           </p:cNvSpPr>
@@ -5569,7 +5570,7 @@
           <p:cNvSpPr txBox="1">
             <a:extLst>
               <a:ext uri="smNativeData">
-                <pr:smNativeData xmlns:pr="smNativeData" val="SMDATA_13_4IlQXxMAAAAlAAAAEgAAAE8BAAAAkAAAAEgAAACQAAAASAAAAAAAAAAAAAAAAAAAAAEAAABQAAAAAAAAAAAA4D8AAAAAAADgPwAAAAAAAOA/AAAAAAAA4D8AAAAAAADgPwAAAAAAAOA/AAAAAAAA4D8AAAAAAADgPwAAAAAAAOA/AAAAAAAA4D8CAAAAjAAAAAAAAAAAAAAAu+DjDP///wgAAAAAAAAAAAAAAAAAAAAAAAAAAAAAAAAAAAAAZAAAAAEAAABAAAAAAAAAAAAAAAAAAAAAAAAAAAAAAAAAAAAAAAAAAAAAAAAAAAAAAAAAAAAAAAAAAAAAAAAAAAAAAAAAAAAAAAAAAAAAAAAAAAAAAAAAAAAAAAAAAAAAFAAAADwAAAAAAAAAAAAAAAAAAAkUAAAAAQAAABQAAAAUAAAAFAAAAAEAAAAAAAAAZAAAAGQAAAAAAAAAZAAAAGQAAAAVAAAAYAAAAAAAAAAAAAAADwAAACADAAAAAAAAAAAAAAEAAACgMgAAVgcAAKr4//8BAAAAf39/AAEAAABkAAAAAAAAABQAAABAHwAAAAAAACYAAAAAAAAAwOD//wAAAAAmAAAAZAAAABYAAABMAAAAAAAAAAAAAAAEAAAAAAAAAAEAAACAgIAKAAAAACgAAAAoAAAAZAAAAGQAAAAAAAAAzMzMAAAAAABQAAAAUAAAAGQAAABkAAAAAAAAABcAAAAUAAAAAAAAANwIAAD/fwAA/38AAAAAAAAJAAAABAAAAAAAaAAMAAAAEAAAAAAAAAAAAAAAAAAAAAAAAAAeAAAAaAAAAAAAAAAAAAAAAAAAAAAAAAAAAAAAECcAABAnAAAAAAAAAAAAAAAAAAAAAAAAAAAAAAAAAAAAAAAAAAAAABQAAAAAAAAAwMD/AAAAAABkAAAAMgAAAAAAAABkAAAAAAAAAH9/fwAKAAAAHwAAAFQAAAC74OMF////AQAAAAAAAAAAAAAAAAAAAAAAAAAAAAAAAAAAAAAAAAAAAAAAAn9/fwCAgIADzMzMAMDA/wB/f38AAAAAAAAAAAAAAAAAAAAAAAAAAAAhAAAAGAAAABQAAABwKAAA/w4AAD01AACXEAAAECAAACYAAAAIAAAA//////////8="/>
+                <pr:smNativeData xmlns:pr="smNativeData" val="SMDATA_13_Hs+1XxMAAAAlAAAAEgAAAE8BAAAAkAAAAEgAAACQAAAASAAAAAAAAAAAAAAAAAAAAAEAAABQAAAAAAAAAAAA4D8AAAAAAADgPwAAAAAAAOA/AAAAAAAA4D8AAAAAAADgPwAAAAAAAOA/AAAAAAAA4D8AAAAAAADgPwAAAAAAAOA/AAAAAAAA4D8CAAAAjAAAAAAAAAAAAAAAu+DjDP///wgAAAAAAAAAAAAAAAAAAAAAAAAAAAAAAAAAAAAAZAAAAAEAAABAAAAAAAAAAAAAAAAAAAAAAAAAAAAAAAAAAAAAAAAAAAAAAAAAAAAAAAAAAAAAAAAAAAAAAAAAAAAAAAAAAAAAAAAAAAAAAAAAAAAAAAAAAAAAAAAAAAAAFAAAADwAAAAAAAAAAAAAAAAAAAkUAAAAAQAAABQAAAAUAAAAFAAAAAEAAAAAAAAAZAAAAGQAAAAAAAAAZAAAAGQAAAAVAAAAYAAAAAAAAAAAAAAADwAAACADAAAAAAAAAAAAAAEAAACgMgAAVgcAAKr4//8BAAAAf39/AAEAAABkAAAAAAAAABQAAABAHwAAAAAAACYAAAAAAAAAwOD//wAAAAAmAAAAZAAAABYAAABMAAAAAAAAAAAAAAAEAAAAAAAAAAEAAACAgIAKAAAAACgAAAAoAAAAZAAAAGQAAAAAAAAAzMzMAAAAAABQAAAAUAAAAGQAAABkAAAAAAAAABcAAAAUAAAAAAAAANwIAAD/fwAA/38AAAAAAAAJAAAABAAAAAAAaAAMAAAAEAAAAAAAAAAAAAAAAAAAAAAAAAAeAAAAaAAAAAAAAAAAAAAAAAAAAAAAAAAAAAAAECcAABAnAAAAAAAAAAAAAAAAAAAAAAAAAAAAAAAAAAAAAAAAAAAAABQAAAAAAAAAwMD/AAAAAABkAAAAMgAAAAAAAABkAAAAAAAAAH9/fwAKAAAAHwAAAFQAAAC74OMF////AQAAAAAAAAAAAAAAAAAAAAAAAAAAAAAAAAAAAAAAAAAAAAAAAn9/fwCAgIADzMzMAMDA/wB/f38AAAAAAAAAAAAAAAAAAAAAAAAAAAAhAAAAGAAAABQAAABwKAAA/w4AAD01AACXEAAAECAAACYAAAAIAAAA//////////8="/>
               </a:ext>
             </a:extLst>
           </p:cNvSpPr>
@@ -5612,7 +5613,7 @@
           <p:cNvSpPr>
             <a:extLst>
               <a:ext uri="smNativeData">
-                <pr:smNativeData xmlns:pr="smNativeData" val="SMDATA_13_4IlQXxMAAAAlAAAAZAAAAA8BAAAAkAAAAEgAAACQAAAASAAAAAAAAAAAAAAAAAAAAAEAAABQAAAAAAAAAAAA4D8AAAAAAADgPwAAAAAAAOA/AAAAAAAA4D8AAAAAAADgPwAAAAAAAOA/AAAAAAAA4D8AAAAAAADgPwAAAAAAAOA/AAAAAAAA4D8CAAAAjAAAAAAAAAAAAAAAwMDAAP///wgAAAAAAAAAAAAAAAAAAAAAAAAAAAAAAAAAAAAAZAAAAAEAAABAAAAAAAAAAAAAAAAAAAAAAAAAAAAAAAAAAAAAAAAAAAAAAAAAAAAAAAAAAAAAAAAAAAAAAAAAAAAAAAAAAAAAAAAAAAAAAAAAAAAAAAAAAAAAAAAAAAAAFAAAADwAAAABAAAAAAAAAH9/fwAUAAAAAQAAABQAAAAUAAAAFAAAAAEAAAAAAAAAZAAAAGQAAAAAAAAAZAAAAGQAAAAVAAAAYAAAAAAAAAAAAAAADwAAACADAAAAAAAAAAAAAAEAAACgMgAAVgcAAKr4//8BAAAAf39/AAEAAABkAAAAAAAAABQAAABAHwAAAAAAACYAAAAAAAAAwOD//wAAAAAmAAAAZAAAABYAAABMAAAAAAAAAAAAAAAEAAAAAAAAAAEAAACAgIAKAAAAACgAAAAoAAAAZAAAAGQAAAAAAAAAzMzMAAAAAABQAAAAUAAAAGQAAABkAAAAAAAAABcAAAAUAAAAAAAAAAAAAAD/fwAA/38AAAAAAAAJAAAABAAAAGcAaAAMAAAAEAAAAAAAAAAAAAAAAAAAAAAAAAAeAAAAaAAAAAAAAAAAAAAAAAAAAAAAAAAAAAAAECcAABAnAAAAAAAAAAAAAAAAAAAAAAAAAAAAAAAAAAAAAAAAAAAAABQAAAAAAAAAwMD/AAAAAABkAAAAMgAAAAAAAABkAAAAAAAAAH9/fwAKAAAAHwAAAFQAAADAwMAA////AQAAAAAAAAAAAAAAAAAAAAAAAAAAAAAAAAAAAAAAAAAAf39/AH9/fwCAgIADzMzMAMDA/wB/f38AAAAAAAAAAAAAAAAAAAAAAAAAAAAhAAAAGAAAABQAAAA3AgAAiRoAAKgRAAC+HAAAEAAAACYAAAAIAAAA//////////8="/>
+                <pr:smNativeData xmlns:pr="smNativeData" val="SMDATA_13_Hs+1XxMAAAAlAAAAZAAAAA8BAAAAkAAAAEgAAACQAAAASAAAAAAAAAAAAAAAAAAAAAEAAABQAAAAAAAAAAAA4D8AAAAAAADgPwAAAAAAAOA/AAAAAAAA4D8AAAAAAADgPwAAAAAAAOA/AAAAAAAA4D8AAAAAAADgPwAAAAAAAOA/AAAAAAAA4D8CAAAAjAAAAAAAAAAAAAAAwMDAAP///wgAAAAAAAAAAAAAAAAAAAAAAAAAAAAAAAAAAAAAZAAAAAEAAABAAAAAAAAAAAAAAAAAAAAAAAAAAAAAAAAAAAAAAAAAAAAAAAAAAAAAAAAAAAAAAAAAAAAAAAAAAAAAAAAAAAAAAAAAAAAAAAAAAAAAAAAAAAAAAAAAAAAAFAAAADwAAAABAAAAAAAAAH9/fwAUAAAAAQAAABQAAAAUAAAAFAAAAAEAAAAAAAAAZAAAAGQAAAAAAAAAZAAAAGQAAAAVAAAAYAAAAAAAAAAAAAAADwAAACADAAAAAAAAAAAAAAEAAACgMgAAVgcAAKr4//8BAAAAf39/AAEAAABkAAAAAAAAABQAAABAHwAAAAAAACYAAAAAAAAAwOD//wAAAAAmAAAAZAAAABYAAABMAAAAAAAAAAAAAAAEAAAAAAAAAAEAAACAgIAKAAAAACgAAAAoAAAAZAAAAGQAAAAAAAAAzMzMAAAAAABQAAAAUAAAAGQAAABkAAAAAAAAABcAAAAUAAAAAAAAAAAAAAD/fwAA/38AAAAAAAAJAAAABAAAAGcAaAAMAAAAEAAAAAAAAAAAAAAAAAAAAAAAAAAeAAAAaAAAAAAAAAAAAAAAAAAAAAAAAAAAAAAAECcAABAnAAAAAAAAAAAAAAAAAAAAAAAAAAAAAAAAAAAAAAAAAAAAABQAAAAAAAAAwMD/AAAAAABkAAAAMgAAAAAAAABkAAAAAAAAAH9/fwAKAAAAHwAAAFQAAADAwMAA////AQAAAAAAAAAAAAAAAAAAAAAAAAAAAAAAAAAAAAAAAAAAf39/AH9/fwCAgIADzMzMAMDA/wB/f38AAAAAAAAAAAAAAAAAAAAAAAAAAAAhAAAAGAAAABQAAAA3AgAAiRoAAKgRAAC+HAAAEAAAACYAAAAIAAAA//////////8="/>
               </a:ext>
             </a:extLst>
           </p:cNvSpPr>
@@ -5644,7 +5645,7 @@
           <p:cNvSpPr txBox="1">
             <a:extLst>
               <a:ext uri="smNativeData">
-                <pr:smNativeData xmlns:pr="smNativeData" val="SMDATA_13_4IlQXxMAAAAlAAAAEgAAAE8BAAAAkAAAAEgAAACQAAAASAAAAAAAAAAAAAAAAAAAAAEAAABQAAAAAAAAAAAA4D8AAAAAAADgPwAAAAAAAOA/AAAAAAAA4D8AAAAAAADgPwAAAAAAAOA/AAAAAAAA4D8AAAAAAADgPwAAAAAAAOA/AAAAAAAA4D8CAAAAjAAAAAAAAAAAAAAAu+DjDP///wgAAAAAAAAAAAAAAAAAAAAAAAAAAAAAAAAAAAAAZAAAAAEAAABAAAAAAAAAAAAAAAAAAAAAAAAAAAAAAAAAAAAAAAAAAAAAAAAAAAAAAAAAAAAAAAAAAAAAAAAAAAAAAAAAAAAAAAAAAAAAAAAAAAAAAAAAAAAAAAAAAAAAFAAAADwAAAAAAAAAAAAAAAAAAAkUAAAAAQAAABQAAAAUAAAAFAAAAAEAAAAAAAAAZAAAAGQAAAAAAAAAZAAAAGQAAAAVAAAAYAAAAAAAAAAAAAAADwAAACADAAAAAAAAAAAAAAEAAACgMgAAVgcAAKr4//8BAAAAf39/AAEAAABkAAAAAAAAABQAAABAHwAAAAAAACYAAAAAAAAAwOD//wAAAAAmAAAAZAAAABYAAABMAAAAAAAAAAAAAAAEAAAAAAAAAAEAAACAgIAKAAAAACgAAAAoAAAAZAAAAGQAAAAAAAAAzMzMAAAAAABQAAAAUAAAAGQAAABkAAAAAAAAABcAAAAUAAAAAAAAANwIAAD/fwAA/38AAAAAAAAJAAAABAAAAGcAaAAMAAAAEAAAAAAAAAAAAAAAAAAAAAAAAAAeAAAAaAAAAAAAAAAAAAAAAAAAAAAAAAAAAAAAECcAABAnAAAAAAAAAAAAAAAAAAAAAAAAAAAAAAAAAAAAAAAAAAAAABQAAAAAAAAAwMD/AAAAAABkAAAAMgAAAAAAAABkAAAAAAAAAH9/fwAKAAAAHwAAAFQAAAC74OMF////AQAAAAAAAAAAAAAAAAAAAAAAAAAAAAAAAAAAAAAAAAAAAAAAAn9/fwCAgIADzMzMAMDA/wB/f38AAAAAAAAAAAAAAAAAAAAAAAAAAAAhAAAAGAAAABQAAAAXAwAAfhoAAL8UAACOHAAAECAAACYAAAAIAAAA//////////8="/>
+                <pr:smNativeData xmlns:pr="smNativeData" val="SMDATA_13_Hs+1XxMAAAAlAAAAEgAAAE8BAAAAkAAAAEgAAACQAAAASAAAAAAAAAAAAAAAAAAAAAEAAABQAAAAAAAAAAAA4D8AAAAAAADgPwAAAAAAAOA/AAAAAAAA4D8AAAAAAADgPwAAAAAAAOA/AAAAAAAA4D8AAAAAAADgPwAAAAAAAOA/AAAAAAAA4D8CAAAAjAAAAAAAAAAAAAAAu+DjDP///wgAAAAAAAAAAAAAAAAAAAAAAAAAAAAAAAAAAAAAZAAAAAEAAABAAAAAAAAAAAAAAAAAAAAAAAAAAAAAAAAAAAAAAAAAAAAAAAAAAAAAAAAAAAAAAAAAAAAAAAAAAAAAAAAAAAAAAAAAAAAAAAAAAAAAAAAAAAAAAAAAAAAAFAAAADwAAAAAAAAAAAAAAAAAAAkUAAAAAQAAABQAAAAUAAAAFAAAAAEAAAAAAAAAZAAAAGQAAAAAAAAAZAAAAGQAAAAVAAAAYAAAAAAAAAAAAAAADwAAACADAAAAAAAAAAAAAAEAAACgMgAAVgcAAKr4//8BAAAAf39/AAEAAABkAAAAAAAAABQAAABAHwAAAAAAACYAAAAAAAAAwOD//wAAAAAmAAAAZAAAABYAAABMAAAAAAAAAAAAAAAEAAAAAAAAAAEAAACAgIAKAAAAACgAAAAoAAAAZAAAAGQAAAAAAAAAzMzMAAAAAABQAAAAUAAAAGQAAABkAAAAAAAAABcAAAAUAAAAAAAAANwIAAD/fwAA/38AAAAAAAAJAAAABAAAAGcAaAAMAAAAEAAAAAAAAAAAAAAAAAAAAAAAAAAeAAAAaAAAAAAAAAAAAAAAAAAAAAAAAAAAAAAAECcAABAnAAAAAAAAAAAAAAAAAAAAAAAAAAAAAAAAAAAAAAAAAAAAABQAAAAAAAAAwMD/AAAAAABkAAAAMgAAAAAAAABkAAAAAAAAAH9/fwAKAAAAHwAAAFQAAAC74OMF////AQAAAAAAAAAAAAAAAAAAAAAAAAAAAAAAAAAAAAAAAAAAAAAAAn9/fwCAgIADzMzMAMDA/wB/f38AAAAAAAAAAAAAAAAAAAAAAAAAAAAhAAAAGAAAABQAAAAXAwAAfhoAAL8UAACOHAAAECAAACYAAAAIAAAA//////////8="/>
               </a:ext>
             </a:extLst>
           </p:cNvSpPr>
@@ -5687,7 +5688,7 @@
           <p:cNvSpPr>
             <a:extLst>
               <a:ext uri="smNativeData">
-                <pr:smNativeData xmlns:pr="smNativeData" val="SMDATA_13_4IlQXxMAAAAlAAAAZAAAAA8BAAAAkAAAAEgAAACQAAAASAAAAAAAAAAAAAAAAAAAAAEAAABQAAAAAAAAAAAA4D8AAAAAAADgPwAAAAAAAOA/AAAAAAAA4D8AAAAAAADgPwAAAAAAAOA/AAAAAAAA4D8AAAAAAADgPwAAAAAAAOA/AAAAAAAA4D8CAAAAjAAAAAAAAAAAAAAAwMDAAP///wgAAAAAAAAAAAAAAAAAAAAAAAAAAAAAAAAAAAAAZAAAAAEAAABAAAAAAAAAAAAAAAAAAAAAAAAAAAAAAAAAAAAAAAAAAAAAAAAAAAAAAAAAAAAAAAAAAAAAAAAAAAAAAAAAAAAAAAAAAAAAAAAAAAAAAAAAAAAAAAAAAAAAFAAAADwAAAABAAAAAAAAAH9/fwAUAAAAAQAAABQAAAAUAAAAFAAAAAEAAAAAAAAAZAAAAGQAAAAAAAAAZAAAAGQAAAAVAAAAYAAAAAAAAAAAAAAADwAAACADAAAAAAAAAAAAAAEAAACgMgAAVgcAAKr4//8BAAAAf39/AAEAAABkAAAAAAAAABQAAABAHwAAAAAAACYAAAAAAAAAwOD//wAAAAAmAAAAZAAAABYAAABMAAAAAAAAAAAAAAAEAAAAAAAAAAEAAACAgIAKAAAAACgAAAAoAAAAZAAAAGQAAAAAAAAAzMzMAAAAAABQAAAAUAAAAGQAAABkAAAAAAAAABcAAAAUAAAAAAAAAAAAAAD/fwAA/38AAAAAAAAJAAAABAAAAGcAaAAMAAAAEAAAAAAAAAAAAAAAAAAAAAAAAAAeAAAAaAAAAAAAAAAAAAAAAAAAAAAAAAAAAAAAECcAABAnAAAAAAAAAAAAAAAAAAAAAAAAAAAAAAAAAAAAAAAAAAAAABQAAAAAAAAAwMD/AAAAAABkAAAAMgAAAAAAAABkAAAAAAAAAH9/fwAKAAAAHwAAAFQAAADAwMAA////AQAAAAAAAAAAAAAAAAAAAAAAAAAAAAAAAAAAAAAAAAAAf39/AH9/fwCAgIADzMzMAMDA/wB/f38AAAAAAAAAAAAAAAAAAAAAAAAAAAAhAAAAGAAAABQAAAA3AgAAsRwAAKgRAAC6JwAAEAAAACYAAAAIAAAA//////////8="/>
+                <pr:smNativeData xmlns:pr="smNativeData" val="SMDATA_13_Hs+1XxMAAAAlAAAAZAAAAA8BAAAAkAAAAEgAAACQAAAASAAAAAAAAAAAAAAAAAAAAAEAAABQAAAAAAAAAAAA4D8AAAAAAADgPwAAAAAAAOA/AAAAAAAA4D8AAAAAAADgPwAAAAAAAOA/AAAAAAAA4D8AAAAAAADgPwAAAAAAAOA/AAAAAAAA4D8CAAAAjAAAAAAAAAAAAAAAwMDAAP///wgAAAAAAAAAAAAAAAAAAAAAAAAAAAAAAAAAAAAAZAAAAAEAAABAAAAAAAAAAAAAAAAAAAAAAAAAAAAAAAAAAAAAAAAAAAAAAAAAAAAAAAAAAAAAAAAAAAAAAAAAAAAAAAAAAAAAAAAAAAAAAAAAAAAAAAAAAAAAAAAAAAAAFAAAADwAAAABAAAAAAAAAH9/fwAUAAAAAQAAABQAAAAUAAAAFAAAAAEAAAAAAAAAZAAAAGQAAAAAAAAAZAAAAGQAAAAVAAAAYAAAAAAAAAAAAAAADwAAACADAAAAAAAAAAAAAAEAAACgMgAAVgcAAKr4//8BAAAAf39/AAEAAABkAAAAAAAAABQAAABAHwAAAAAAACYAAAAAAAAAwOD//wAAAAAmAAAAZAAAABYAAABMAAAAAAAAAAAAAAAEAAAAAAAAAAEAAACAgIAKAAAAACgAAAAoAAAAZAAAAGQAAAAAAAAAzMzMAAAAAABQAAAAUAAAAGQAAABkAAAAAAAAABcAAAAUAAAAAAAAAAAAAAD/fwAA/38AAAAAAAAJAAAABAAAAGcAaAAMAAAAEAAAAAAAAAAAAAAAAAAAAAAAAAAeAAAAaAAAAAAAAAAAAAAAAAAAAAAAAAAAAAAAECcAABAnAAAAAAAAAAAAAAAAAAAAAAAAAAAAAAAAAAAAAAAAAAAAABQAAAAAAAAAwMD/AAAAAABkAAAAMgAAAAAAAABkAAAAAAAAAH9/fwAKAAAAHwAAAFQAAADAwMAA////AQAAAAAAAAAAAAAAAAAAAAAAAAAAAAAAAAAAAAAAAAAAf39/AH9/fwCAgIADzMzMAMDA/wB/f38AAAAAAAAAAAAAAAAAAAAAAAAAAAAhAAAAGAAAABQAAAA3AgAAsRwAAKgRAAC6JwAAEAAAACYAAAAIAAAA//////////8="/>
               </a:ext>
             </a:extLst>
           </p:cNvSpPr>
@@ -5719,7 +5720,7 @@
           <p:cNvSpPr txBox="1">
             <a:extLst>
               <a:ext uri="smNativeData">
-                <pr:smNativeData xmlns:pr="smNativeData" val="SMDATA_13_4IlQXxMAAAAlAAAAEgAAAE8BAAAAkAAAAEgAAACQAAAASAAAAAAAAAAAAAAAAAAAAAEAAABQAAAAAAAAAAAA4D8AAAAAAADgPwAAAAAAAOA/AAAAAAAA4D8AAAAAAADgPwAAAAAAAOA/AAAAAAAA4D8AAAAAAADgPwAAAAAAAOA/AAAAAAAA4D8CAAAAjAAAAAAAAAAAAAAAu+DjDP///wgAAAAAAAAAAAAAAAAAAAAAAAAAAAAAAAAAAAAAZAAAAAEAAABAAAAAAAAAAAAAAAAAAAAAAAAAAAAAAAAAAAAAAAAAAAAAAAAAAAAAAAAAAAAAAAAAAAAAAAAAAAAAAAAAAAAAAAAAAAAAAAAAAAAAAAAAAAAAAAAAAAAAFAAAADwAAAAAAAAAAAAAAAAAAAkUAAAAAQAAABQAAAAUAAAAFAAAAAEAAAAAAAAAZAAAAGQAAAAAAAAAZAAAAGQAAAAVAAAAYAAAAAAAAAAAAAAADwAAACADAAAAAAAAAAAAAAEAAACgMgAAVgcAAKr4//8BAAAAf39/AAEAAABkAAAAAAAAABQAAABAHwAAAAAAACYAAAAAAAAAwOD//wAAAAAmAAAAZAAAABYAAABMAAAAAAAAAAAAAAAEAAAAAAAAAAEAAACAgIAKAAAAACgAAAAoAAAAZAAAAGQAAAAAAAAAzMzMAAAAAABQAAAAUAAAAGQAAABkAAAAAAAAABcAAAAUAAAAAAAAANwIAAD/fwAA/38AAAAAAAAJAAAABAAAAAAAAAAMAAAAEAAAAAAAAAAAAAAAAAAAAAAAAAAeAAAAaAAAAAAAAAAAAAAAAAAAAAAAAAAAAAAAECcAABAnAAAAAAAAAAAAAAAAAAAAAAAAAAAAAAAAAAAAAAAAAAAAABQAAAAAAAAAwMD/AAAAAABkAAAAMgAAAAAAAABkAAAAAAAAAH9/fwAKAAAAHwAAAFQAAAC74OMF////AQAAAAAAAAAAAAAAAAAAAAAAAAAAAAAAAAAAAAAAAAAAAAAAAn9/fwCAgIADzMzMAMDA/wB/f38AAAAAAAAAAAAAAAAAAAAAAAAAAAAhAAAAGAAAABQAAACIAwAA5B0AADcRAAC0JgAAECAAACYAAAAIAAAA//////////8="/>
+                <pr:smNativeData xmlns:pr="smNativeData" val="SMDATA_13_Hs+1XxMAAAAlAAAAEgAAAE8BAAAAkAAAAEgAAACQAAAASAAAAAAAAAAAAAAAAAAAAAEAAABQAAAAAAAAAAAA4D8AAAAAAADgPwAAAAAAAOA/AAAAAAAA4D8AAAAAAADgPwAAAAAAAOA/AAAAAAAA4D8AAAAAAADgPwAAAAAAAOA/AAAAAAAA4D8CAAAAjAAAAAAAAAAAAAAAu+DjDP///wgAAAAAAAAAAAAAAAAAAAAAAAAAAAAAAAAAAAAAZAAAAAEAAABAAAAAAAAAAAAAAAAAAAAAAAAAAAAAAAAAAAAAAAAAAAAAAAAAAAAAAAAAAAAAAAAAAAAAAAAAAAAAAAAAAAAAAAAAAAAAAAAAAAAAAAAAAAAAAAAAAAAAFAAAADwAAAAAAAAAAAAAAAAAAAkUAAAAAQAAABQAAAAUAAAAFAAAAAEAAAAAAAAAZAAAAGQAAAAAAAAAZAAAAGQAAAAVAAAAYAAAAAAAAAAAAAAADwAAACADAAAAAAAAAAAAAAEAAACgMgAAVgcAAKr4//8BAAAAf39/AAEAAABkAAAAAAAAABQAAABAHwAAAAAAACYAAAAAAAAAwOD//wAAAAAmAAAAZAAAABYAAABMAAAAAAAAAAAAAAAEAAAAAAAAAAEAAACAgIAKAAAAACgAAAAoAAAAZAAAAGQAAAAAAAAAzMzMAAAAAABQAAAAUAAAAGQAAABkAAAAAAAAABcAAAAUAAAAAAAAANwIAAD/fwAA/38AAAAAAAAJAAAABAAAAAAAAAAMAAAAEAAAAAAAAAAAAAAAAAAAAAAAAAAeAAAAaAAAAAAAAAAAAAAAAAAAAAAAAAAAAAAAECcAABAnAAAAAAAAAAAAAAAAAAAAAAAAAAAAAAAAAAAAAAAAAAAAABQAAAAAAAAAwMD/AAAAAABkAAAAMgAAAAAAAABkAAAAAAAAAH9/fwAKAAAAHwAAAFQAAAC74OMF////AQAAAAAAAAAAAAAAAAAAAAAAAAAAAAAAAAAAAAAAAAAAAAAAAn9/fwCAgIADzMzMAMDA/wB/f38AAAAAAAAAAAAAAAAAAAAAAAAAAAAhAAAAGAAAABQAAACIAwAA5B0AADcRAAC0JgAAECAAACYAAAAIAAAA//////////8="/>
               </a:ext>
             </a:extLst>
           </p:cNvSpPr>
@@ -5843,7 +5844,7 @@
           <p:cNvSpPr txBox="1">
             <a:extLst>
               <a:ext uri="smNativeData">
-                <pr:smNativeData xmlns:pr="smNativeData" val="SMDATA_13_4IlQXxMAAAAlAAAAEgAAAE8BAAAAkAAAAEgAAACQAAAASAAAAAAAAAAAAAAAAAAAAAEAAABQAAAAAAAAAAAA4D8AAAAAAADgPwAAAAAAAOA/AAAAAAAA4D8AAAAAAADgPwAAAAAAAOA/AAAAAAAA4D8AAAAAAADgPwAAAAAAAOA/AAAAAAAA4D8CAAAAjAAAAAAAAAAAAAAAu+DjDP///wgAAAAAAAAAAAAAAAAAAAAAAAAAAAAAAAAAAAAAZAAAAAEAAABAAAAAAAAAAAAAAAAAAAAAAAAAAAAAAAAAAAAAAAAAAAAAAAAAAAAAAAAAAAAAAAAAAAAAAAAAAAAAAAAAAAAAAAAAAAAAAAAAAAAAAAAAAAAAAAAAAAAAFAAAADwAAAAAAAAAAAAAAAAAAAkUAAAAAQAAABQAAAAUAAAAFAAAAAEAAAAAAAAAZAAAAGQAAAAAAAAAZAAAAGQAAAAVAAAAYAAAAAAAAAAAAAAADwAAACADAAAAAAAAAAAAAAEAAACgMgAAVgcAAKr4//8BAAAAf39/AAEAAABkAAAAAAAAABQAAABAHwAAAAAAACYAAAAAAAAAwOD//wAAAAAmAAAAZAAAABYAAABMAAAAAAAAAAAAAAAEAAAAAAAAAAEAAACAgIAKAAAAACgAAAAoAAAAZAAAAGQAAAAAAAAAzMzMAAAAAABQAAAAUAAAAGQAAABkAAAAAAAAABcAAAAUAAAAAAAAANwIAAD/fwAA/38AAAAAAAAJAAAABAAAAAAAaAAMAAAAEAAAAAAAAAAAAAAAAAAAAAAAAAAeAAAAaAAAAAAAAAAAAAAAAAAAAAAAAAAAAAAAECcAABAnAAAAAAAAAAAAAAAAAAAAAAAAAAAAAAAAAAAAAAAAAAAAABQAAAAAAAAAwMD/AAAAAABkAAAAMgAAAAAAAABkAAAAAAAAAH9/fwAKAAAAHwAAAFQAAAC74OMF////AQAAAAAAAAAAAAAAAAAAAAAAAAAAAAAAAAAAAAAAAAAAAAAAAn9/fwCAgIADzMzMAMDA/wB/f38AAAAAAAAAAAAAAAAAAAAAAAAAAAAhAAAAGAAAABQAAADbKAAAjgcAAPs2AAAmCQAAECAAACYAAAAIAAAA//////////8="/>
+                <pr:smNativeData xmlns:pr="smNativeData" val="SMDATA_13_Hs+1XxMAAAAlAAAAEgAAAE8BAAAAkAAAAEgAAACQAAAASAAAAAAAAAAAAAAAAAAAAAEAAABQAAAAAAAAAAAA4D8AAAAAAADgPwAAAAAAAOA/AAAAAAAA4D8AAAAAAADgPwAAAAAAAOA/AAAAAAAA4D8AAAAAAADgPwAAAAAAAOA/AAAAAAAA4D8CAAAAjAAAAAAAAAAAAAAAu+DjDP///wgAAAAAAAAAAAAAAAAAAAAAAAAAAAAAAAAAAAAAZAAAAAEAAABAAAAAAAAAAAAAAAAAAAAAAAAAAAAAAAAAAAAAAAAAAAAAAAAAAAAAAAAAAAAAAAAAAAAAAAAAAAAAAAAAAAAAAAAAAAAAAAAAAAAAAAAAAAAAAAAAAAAAFAAAADwAAAAAAAAAAAAAAAAAAAkUAAAAAQAAABQAAAAUAAAAFAAAAAEAAAAAAAAAZAAAAGQAAAAAAAAAZAAAAGQAAAAVAAAAYAAAAAAAAAAAAAAADwAAACADAAAAAAAAAAAAAAEAAACgMgAAVgcAAKr4//8BAAAAf39/AAEAAABkAAAAAAAAABQAAABAHwAAAAAAACYAAAAAAAAAwOD//wAAAAAmAAAAZAAAABYAAABMAAAAAAAAAAAAAAAEAAAAAAAAAAEAAACAgIAKAAAAACgAAAAoAAAAZAAAAGQAAAAAAAAAzMzMAAAAAABQAAAAUAAAAGQAAABkAAAAAAAAABcAAAAUAAAAAAAAANwIAAD/fwAA/38AAAAAAAAJAAAABAAAAAAAaAAMAAAAEAAAAAAAAAAAAAAAAAAAAAAAAAAeAAAAaAAAAAAAAAAAAAAAAAAAAAAAAAAAAAAAECcAABAnAAAAAAAAAAAAAAAAAAAAAAAAAAAAAAAAAAAAAAAAAAAAABQAAAAAAAAAwMD/AAAAAABkAAAAMgAAAAAAAABkAAAAAAAAAH9/fwAKAAAAHwAAAFQAAAC74OMF////AQAAAAAAAAAAAAAAAAAAAAAAAAAAAAAAAAAAAAAAAAAAAAAAAn9/fwCAgIADzMzMAMDA/wB/f38AAAAAAAAAAAAAAAAAAAAAAAAAAAAhAAAAGAAAABQAAADbKAAAjgcAAPs2AAAmCQAAECAAACYAAAAIAAAA//////////8="/>
               </a:ext>
             </a:extLst>
           </p:cNvSpPr>
@@ -5886,7 +5887,7 @@
           <p:cNvSpPr txBox="1">
             <a:extLst>
               <a:ext uri="smNativeData">
-                <pr:smNativeData xmlns:pr="smNativeData" val="SMDATA_13_4IlQXxMAAAAlAAAAEgAAAE8BAAAAkAAAAEgAAACQAAAASAAAAAAAAAAAAAAAAAAAAAEAAABQAAAAAAAAAAAA4D8AAAAAAADgPwAAAAAAAOA/AAAAAAAA4D8AAAAAAADgPwAAAAAAAOA/AAAAAAAA4D8AAAAAAADgPwAAAAAAAOA/AAAAAAAA4D8CAAAAjAAAAAAAAAAAAAAAu+DjDP///wgAAAAAAAAAAAAAAAAAAAAAAAAAAAAAAAAAAAAAZAAAAAEAAABAAAAAAAAAAAAAAAAAAAAAAAAAAAAAAAAAAAAAAAAAAAAAAAAAAAAAAAAAAAAAAAAAAAAAAAAAAAAAAAAAAAAAAAAAAAAAAAAAAAAAAAAAAAAAAAAAAAAAFAAAADwAAAAAAAAAAAAAAAAAAAkUAAAAAQAAABQAAAAUAAAAFAAAAAEAAAAAAAAAZAAAAGQAAAAAAAAAZAAAAGQAAAAVAAAAYAAAAAAAAAAAAAAADwAAACADAAAAAAAAAAAAAAEAAACgMgAAVgcAAKr4//8BAAAAf39/AAEAAABkAAAAAAAAABQAAABAHwAAAAAAACYAAAAAAAAAwOD//wAAAAAmAAAAZAAAABYAAABMAAAAAAAAAAAAAAAEAAAAAAAAAAEAAACAgIAKAAAAACgAAAAoAAAAZAAAAGQAAAAAAAAAzMzMAAAAAABQAAAAUAAAAGQAAABkAAAAAAAAABcAAAAUAAAAAAAAANwIAAD/fwAA/38AAAAAAAAJAAAABAAAAAAAaAAMAAAAEAAAAAAAAAAAAAAAAAAAAAAAAAAeAAAAaAAAAAAAAAAAAAAAAAAAAAAAAAAAAAAAECcAABAnAAAAAAAAAAAAAAAAAAAAAAAAAAAAAAAAAAAAAAAAAAAAABQAAAAAAAAAwMD/AAAAAABkAAAAMgAAAAAAAABkAAAAAAAAAH9/fwAKAAAAHwAAAFQAAAC74OMF////AQAAAAAAAAAAAAAAAAAAAAAAAAAAAAAAAAAAAAAAAAAAAAAAAn9/fwCAgIADzMzMAMDA/wB/f38AAAAAAAAAAAAAAAAAAAAAAAAAAAAhAAAAGAAAABQAAADbKAAAzBgAAPs2AAB8GgAAECAAACYAAAAIAAAA//////////8="/>
+                <pr:smNativeData xmlns:pr="smNativeData" val="SMDATA_13_Hs+1XxMAAAAlAAAAEgAAAE8BAAAAkAAAAEgAAACQAAAASAAAAAAAAAAAAAAAAAAAAAEAAABQAAAAAAAAAAAA4D8AAAAAAADgPwAAAAAAAOA/AAAAAAAA4D8AAAAAAADgPwAAAAAAAOA/AAAAAAAA4D8AAAAAAADgPwAAAAAAAOA/AAAAAAAA4D8CAAAAjAAAAAAAAAAAAAAAu+DjDP///wgAAAAAAAAAAAAAAAAAAAAAAAAAAAAAAAAAAAAAZAAAAAEAAABAAAAAAAAAAAAAAAAAAAAAAAAAAAAAAAAAAAAAAAAAAAAAAAAAAAAAAAAAAAAAAAAAAAAAAAAAAAAAAAAAAAAAAAAAAAAAAAAAAAAAAAAAAAAAAAAAAAAAFAAAADwAAAAAAAAAAAAAAAAAAAkUAAAAAQAAABQAAAAUAAAAFAAAAAEAAAAAAAAAZAAAAGQAAAAAAAAAZAAAAGQAAAAVAAAAYAAAAAAAAAAAAAAADwAAACADAAAAAAAAAAAAAAEAAACgMgAAVgcAAKr4//8BAAAAf39/AAEAAABkAAAAAAAAABQAAABAHwAAAAAAACYAAAAAAAAAwOD//wAAAAAmAAAAZAAAABYAAABMAAAAAAAAAAAAAAAEAAAAAAAAAAEAAACAgIAKAAAAACgAAAAoAAAAZAAAAGQAAAAAAAAAzMzMAAAAAABQAAAAUAAAAGQAAABkAAAAAAAAABcAAAAUAAAAAAAAANwIAAD/fwAA/38AAAAAAAAJAAAABAAAAAAAaAAMAAAAEAAAAAAAAAAAAAAAAAAAAAAAAAAeAAAAaAAAAAAAAAAAAAAAAAAAAAAAAAAAAAAAECcAABAnAAAAAAAAAAAAAAAAAAAAAAAAAAAAAAAAAAAAAAAAAAAAABQAAAAAAAAAwMD/AAAAAABkAAAAMgAAAAAAAABkAAAAAAAAAH9/fwAKAAAAHwAAAFQAAAC74OMF////AQAAAAAAAAAAAAAAAAAAAAAAAAAAAAAAAAAAAAAAAAAAAAAAAn9/fwCAgIADzMzMAMDA/wB/f38AAAAAAAAAAAAAAAAAAAAAAAAAAAAhAAAAGAAAABQAAADbKAAAzBgAAPs2AAB8GgAAECAAACYAAAAIAAAA//////////8="/>
               </a:ext>
             </a:extLst>
           </p:cNvSpPr>
@@ -5929,7 +5930,7 @@
           <p:cNvSpPr txBox="1">
             <a:extLst>
               <a:ext uri="smNativeData">
-                <pr:smNativeData xmlns:pr="smNativeData" val="SMDATA_13_4IlQXxMAAAAlAAAAEgAAAE8BAAAAkAAAAEgAAACQAAAASAAAAAAAAAAAAAAAAAAAAAEAAABQAAAAAAAAAAAA4D8AAAAAAADgPwAAAAAAAOA/AAAAAAAA4D8AAAAAAADgPwAAAAAAAOA/AAAAAAAA4D8AAAAAAADgPwAAAAAAAOA/AAAAAAAA4D8CAAAAjAAAAAAAAAAAAAAAu+DjDP///wgAAAAAAAAAAAAAAAAAAAAAAAAAAAAAAAAAAAAAZAAAAAEAAABAAAAAAAAAAAAAAAAAAAAAAAAAAAAAAAAAAAAAAAAAAAAAAAAAAAAAAAAAAAAAAAAAAAAAAAAAAAAAAAAAAAAAAAAAAAAAAAAAAAAAAAAAAAAAAAAAAAAAFAAAADwAAAAAAAAAAAAAAAAAAAkUAAAAAQAAABQAAAAUAAAAFAAAAAEAAAAAAAAAZAAAAGQAAAAAAAAAZAAAAGQAAAAVAAAAYAAAAAAAAAAAAAAADwAAACADAAAAAAAAAAAAAAEAAACgMgAAVgcAAKr4//8BAAAAf39/AAEAAABkAAAAAAAAABQAAABAHwAAAAAAACYAAAAAAAAAwOD//wAAAAAmAAAAZAAAABYAAABMAAAAAAAAAAAAAAAEAAAAAAAAAAEAAACAgIAKAAAAACgAAAAoAAAAZAAAAGQAAAAAAAAAzMzMAAAAAABQAAAAUAAAAGQAAABkAAAAAAAAABcAAAAUAAAAAAAAANwIAAD/fwAA/38AAAAAAAAJAAAABAAAAAAAaAAMAAAAEAAAAAAAAAAAAAAAAAAAAAAAAAAeAAAAaAAAAAAAAAAAAAAAAAAAAAAAAAAAAAAAECcAABAnAAAAAAAAAAAAAAAAAAAAAAAAAAAAAAAAAAAAAAAAAAAAABQAAAAAAAAAwMD/AAAAAABkAAAAMgAAAAAAAABkAAAAAAAAAH9/fwAKAAAAHwAAAFQAAAC74OMF////AQAAAAAAAAAAAAAAAAAAAAAAAAAAAAAAAAAAAAAAAAAAAAAAAn9/fwCAgIADzMzMAMDA/wB/f38AAAAAAAAAAAAAAAAAAAAAAAAAAAAhAAAAGAAAABQAAADbKAAABRUAAPs2AACdFgAAECAAACYAAAAIAAAA//////////8="/>
+                <pr:smNativeData xmlns:pr="smNativeData" val="SMDATA_13_Hs+1XxMAAAAlAAAAEgAAAE8BAAAAkAAAAEgAAACQAAAASAAAAAAAAAAAAAAAAAAAAAEAAABQAAAAAAAAAAAA4D8AAAAAAADgPwAAAAAAAOA/AAAAAAAA4D8AAAAAAADgPwAAAAAAAOA/AAAAAAAA4D8AAAAAAADgPwAAAAAAAOA/AAAAAAAA4D8CAAAAjAAAAAAAAAAAAAAAu+DjDP///wgAAAAAAAAAAAAAAAAAAAAAAAAAAAAAAAAAAAAAZAAAAAEAAABAAAAAAAAAAAAAAAAAAAAAAAAAAAAAAAAAAAAAAAAAAAAAAAAAAAAAAAAAAAAAAAAAAAAAAAAAAAAAAAAAAAAAAAAAAAAAAAAAAAAAAAAAAAAAAAAAAAAAFAAAADwAAAAAAAAAAAAAAAAAAAkUAAAAAQAAABQAAAAUAAAAFAAAAAEAAAAAAAAAZAAAAGQAAAAAAAAAZAAAAGQAAAAVAAAAYAAAAAAAAAAAAAAADwAAACADAAAAAAAAAAAAAAEAAACgMgAAVgcAAKr4//8BAAAAf39/AAEAAABkAAAAAAAAABQAAABAHwAAAAAAACYAAAAAAAAAwOD//wAAAAAmAAAAZAAAABYAAABMAAAAAAAAAAAAAAAEAAAAAAAAAAEAAACAgIAKAAAAACgAAAAoAAAAZAAAAGQAAAAAAAAAzMzMAAAAAABQAAAAUAAAAGQAAABkAAAAAAAAABcAAAAUAAAAAAAAANwIAAD/fwAA/38AAAAAAAAJAAAABAAAAAAAaAAMAAAAEAAAAAAAAAAAAAAAAAAAAAAAAAAeAAAAaAAAAAAAAAAAAAAAAAAAAAAAAAAAAAAAECcAABAnAAAAAAAAAAAAAAAAAAAAAAAAAAAAAAAAAAAAAAAAAAAAABQAAAAAAAAAwMD/AAAAAABkAAAAMgAAAAAAAABkAAAAAAAAAH9/fwAKAAAAHwAAAFQAAAC74OMF////AQAAAAAAAAAAAAAAAAAAAAAAAAAAAAAAAAAAAAAAAAAAAAAAAn9/fwCAgIADzMzMAMDA/wB/f38AAAAAAAAAAAAAAAAAAAAAAAAAAAAhAAAAGAAAABQAAADbKAAABRUAAPs2AACdFgAAECAAACYAAAAIAAAA//////////8="/>
               </a:ext>
             </a:extLst>
           </p:cNvSpPr>
@@ -5972,7 +5973,7 @@
           <p:cNvSpPr txBox="1">
             <a:extLst>
               <a:ext uri="smNativeData">
-                <pr:smNativeData xmlns:pr="smNativeData" val="SMDATA_13_4IlQXxMAAAAlAAAAEgAAAE8BAAAAkAAAAEgAAACQAAAASAAAAAAAAAAAAAAAAAAAAAEAAABQAAAAAAAAAAAA4D8AAAAAAADgPwAAAAAAAOA/AAAAAAAA4D8AAAAAAADgPwAAAAAAAOA/AAAAAAAA4D8AAAAAAADgPwAAAAAAAOA/AAAAAAAA4D8CAAAAjAAAAAEAAAAAAAAA2u2hP////wgAAAAAAAAAAAAAAAAAAAAAAAAAAAAAAAAAAAAAZAAAAAEAAABAAAAAAAAAAAAAAAAAAAAAAAAAAAAAAAAAAAAAAAAAAAAAAAAAAAAAAAAAAAAAAAAAAAAAAAAAAAAAAAAAAAAAAAAAAAAAAAAAAAAAAAAAAAAAAAAAAAAAFAAAADwAAAABAAAAAAAAAAAAAAkFAAAAAQAAAAEAAAAAAAAAAAAAAAAAAAAAAAAAZAAAAGQAAAAAAAAAZAAAAGQAAAAVAAAAYAAAAAAAAAAAAAAADwAAACADAAAAAAAAAAAAAAEAAACgMgAAVgcAAKr4//8BAAAAf39/AAEAAABkAAAAAAAAABQAAABAHwAAAAAAACYAAAAAAAAAwOD//wAAAAAmAAAAZAAAABYAAABMAAAAAAAAAAAAAAAEAAAAAAAAAAEAAACAgIAKAAAAACgAAAAoAAAAZAAAAGQAAAAAAAAAzMzMAAAAAABQAAAAUAAAAGQAAABkAAAAAAAAABcAAAAUAAAAAAAAANwIAAD/fwAA/38AAAAAAAAJAAAABAAAAGcAaAAMAAAAEAAAAAAAAAAAAAAAAAAAAAAAAAAeAAAAaAAAAAAAAAAAAAAAAAAAAAAAAAAAAAAAECcAABAnAAAAAAAAAAAAAAAAAAAAAAAAAAAAAAAAAAAAAAAAAAAAABQAAAAAAAAAwMD/AAAAAABkAAAAMgAAAAAAAABkAAAAAAAAAH9/fwAKAAAAHwAAAFQAAADa7aE4////AQAAAAAAAAAAAAAAAAAAAAAAAAAAAAAAAAAAAAAAAAAAAAAAAn9/fwCAgIADzMzMAMDA/wB/f38AAAAAAAAAAAAAAAAAAAAAAAAAAAAhAAAAGAAAABQAAABZLgAAnQAAADU3AAA1AgAAECAAACYAAAAIAAAA//////////8="/>
+                <pr:smNativeData xmlns:pr="smNativeData" val="SMDATA_13_Hs+1XxMAAAAlAAAAEgAAAE8BAAAAkAAAAEgAAACQAAAASAAAAAAAAAAAAAAAAAAAAAEAAABQAAAAAAAAAAAA4D8AAAAAAADgPwAAAAAAAOA/AAAAAAAA4D8AAAAAAADgPwAAAAAAAOA/AAAAAAAA4D8AAAAAAADgPwAAAAAAAOA/AAAAAAAA4D8CAAAAjAAAAAEAAAAAAAAA2u2hP////wgAAAAAAAAAAAAAAAAAAAAAAAAAAAAAAAAAAAAAZAAAAAEAAABAAAAAAAAAAAAAAAAAAAAAAAAAAAAAAAAAAAAAAAAAAAAAAAAAAAAAAAAAAAAAAAAAAAAAAAAAAAAAAAAAAAAAAAAAAAAAAAAAAAAAAAAAAAAAAAAAAAAAFAAAADwAAAABAAAAAAAAAAAAAAkFAAAAAQAAAAEAAAAAAAAAAAAAAAAAAAAAAAAAZAAAAGQAAAAAAAAAZAAAAGQAAAAVAAAAYAAAAAAAAAAAAAAADwAAACADAAAAAAAAAAAAAAEAAACgMgAAVgcAAKr4//8BAAAAf39/AAEAAABkAAAAAAAAABQAAABAHwAAAAAAACYAAAAAAAAAwOD//wAAAAAmAAAAZAAAABYAAABMAAAAAAAAAAAAAAAEAAAAAAAAAAEAAACAgIAKAAAAACgAAAAoAAAAZAAAAGQAAAAAAAAAzMzMAAAAAABQAAAAUAAAAGQAAABkAAAAAAAAABcAAAAUAAAAAAAAANwIAAD/fwAA/38AAAAAAAAJAAAABAAAAGcAaAAMAAAAEAAAAAAAAAAAAAAAAAAAAAAAAAAeAAAAaAAAAAAAAAAAAAAAAAAAAAAAAAAAAAAAECcAABAnAAAAAAAAAAAAAAAAAAAAAAAAAAAAAAAAAAAAAAAAAAAAABQAAAAAAAAAwMD/AAAAAABkAAAAMgAAAAAAAABkAAAAAAAAAH9/fwAKAAAAHwAAAFQAAADa7aE4////AQAAAAAAAAAAAAAAAAAAAAAAAAAAAAAAAAAAAAAAAAAAAAAAAn9/fwCAgIADzMzMAMDA/wB/f38AAAAAAAAAAAAAAAAAAAAAAAAAAAAhAAAAGAAAABQAAABZLgAAnQAAADU3AAA1AgAAECAAACYAAAAIAAAA//////////8="/>
               </a:ext>
             </a:extLst>
           </p:cNvSpPr>
@@ -6024,7 +6025,7 @@
           <p:cNvSpPr txBox="1">
             <a:extLst>
               <a:ext uri="smNativeData">
-                <pr:smNativeData xmlns:pr="smNativeData" val="SMDATA_13_4IlQXxMAAAAlAAAAEgAAAE8BAAAAkAAAAEgAAACQAAAASAAAAAAAAAAAAAAAAAAAAAEAAABQAAAAAAAAAAAA4D8AAAAAAADgPwAAAAAAAOA/AAAAAAAA4D8AAAAAAADgPwAAAAAAAOA/AAAAAAAA4D8AAAAAAADgPwAAAAAAAOA/AAAAAAAA4D8CAAAAjAAAAAAAAAAAAAAAu+DjDP///wgAAAAAAAAAAAAAAAAAAAAAAAAAAAAAAAAAAAAAZAAAAAEAAABAAAAAAAAAAAAAAAAAAAAAAAAAAAAAAAAAAAAAAAAAAAAAAAAAAAAAAAAAAAAAAAAAAAAAAAAAAAAAAAAAAAAAAAAAAAAAAAAAAAAAAAAAAAAAAAAAAAAAFAAAADwAAAAAAAAAAAAAAAAAAAkUAAAAAQAAABQAAAAUAAAAFAAAAAEAAAAAAAAAZAAAAGQAAAAAAAAAZAAAAGQAAAAVAAAAYAAAAAAAAAAAAAAADwAAACADAAAAAAAAAAAAAAEAAACgMgAAVgcAAKr4//8BAAAAf39/AAEAAABkAAAAAAAAABQAAABAHwAAAAAAACYAAAAAAAAAwOD//wAAAAAmAAAAZAAAABYAAABMAAAAAAAAAAAAAAAEAAAAAAAAAAEAAACAgIAKAAAAACgAAAAoAAAAZAAAAGQAAAAAAAAAzMzMAAAAAABQAAAAUAAAAGQAAABkAAAAAAAAABcAAAAUAAAAAAAAANwIAAD/fwAA/38AAAAAAAAJAAAABAAAAGcAaAAMAAAAEAAAAAAAAAAAAAAAAAAAAAAAAAAeAAAAaAAAAAAAAAAAAAAAAAAAAAAAAAAAAAAAECcAABAnAAAAAAAAAAAAAAAAAAAAAAAAAAAAAAAAAAAAAAAAAAAAABQAAAAAAAAAwMD/AAAAAABkAAAAMgAAAAAAAABkAAAAAAAAAH9/fwAKAAAAHwAAAFQAAAC74OMF////AQAAAAAAAAAAAAAAAAAAAAAAAAAAAAAAAAAAAAAAAAAAAAAAAn9/fwCAgIADzMzMAMDA/wB/f38AAAAAAAAAAAAAAAAAAAAAAAAAAAAhAAAAGAAAABQAAABwKAAA0BIAAD01AABoFAAAECAAACYAAAAIAAAA//////////8="/>
+                <pr:smNativeData xmlns:pr="smNativeData" val="SMDATA_13_Hs+1XxMAAAAlAAAAEgAAAE8BAAAAkAAAAEgAAACQAAAASAAAAAAAAAAAAAAAAAAAAAEAAABQAAAAAAAAAAAA4D8AAAAAAADgPwAAAAAAAOA/AAAAAAAA4D8AAAAAAADgPwAAAAAAAOA/AAAAAAAA4D8AAAAAAADgPwAAAAAAAOA/AAAAAAAA4D8CAAAAjAAAAAAAAAAAAAAAu+DjDP///wgAAAAAAAAAAAAAAAAAAAAAAAAAAAAAAAAAAAAAZAAAAAEAAABAAAAAAAAAAAAAAAAAAAAAAAAAAAAAAAAAAAAAAAAAAAAAAAAAAAAAAAAAAAAAAAAAAAAAAAAAAAAAAAAAAAAAAAAAAAAAAAAAAAAAAAAAAAAAAAAAAAAAFAAAADwAAAAAAAAAAAAAAAAAAAkUAAAAAQAAABQAAAAUAAAAFAAAAAEAAAAAAAAAZAAAAGQAAAAAAAAAZAAAAGQAAAAVAAAAYAAAAAAAAAAAAAAADwAAACADAAAAAAAAAAAAAAEAAACgMgAAVgcAAKr4//8BAAAAf39/AAEAAABkAAAAAAAAABQAAABAHwAAAAAAACYAAAAAAAAAwOD//wAAAAAmAAAAZAAAABYAAABMAAAAAAAAAAAAAAAEAAAAAAAAAAEAAACAgIAKAAAAACgAAAAoAAAAZAAAAGQAAAAAAAAAzMzMAAAAAABQAAAAUAAAAGQAAABkAAAAAAAAABcAAAAUAAAAAAAAANwIAAD/fwAA/38AAAAAAAAJAAAABAAAAGcAaAAMAAAAEAAAAAAAAAAAAAAAAAAAAAAAAAAeAAAAaAAAAAAAAAAAAAAAAAAAAAAAAAAAAAAAECcAABAnAAAAAAAAAAAAAAAAAAAAAAAAAAAAAAAAAAAAAAAAAAAAABQAAAAAAAAAwMD/AAAAAABkAAAAMgAAAAAAAABkAAAAAAAAAH9/fwAKAAAAHwAAAFQAAAC74OMF////AQAAAAAAAAAAAAAAAAAAAAAAAAAAAAAAAAAAAAAAAAAAAAAAAn9/fwCAgIADzMzMAMDA/wB/f38AAAAAAAAAAAAAAAAAAAAAAAAAAAAhAAAAGAAAABQAAABwKAAA0BIAAD01AABoFAAAECAAACYAAAAIAAAA//////////8="/>
               </a:ext>
             </a:extLst>
           </p:cNvSpPr>
@@ -6067,7 +6068,7 @@
           <p:cNvSpPr txBox="1">
             <a:extLst>
               <a:ext uri="smNativeData">
-                <pr:smNativeData xmlns:pr="smNativeData" val="SMDATA_13_4IlQXxMAAAAlAAAAEgAAAE8BAAAAkAAAAEgAAACQAAAASAAAAAAAAAAAAAAAAAAAAAEAAABQAAAAAAAAAAAA4D8AAAAAAADgPwAAAAAAAOA/AAAAAAAA4D8AAAAAAADgPwAAAAAAAOA/AAAAAAAA4D8AAAAAAADgPwAAAAAAAOA/AAAAAAAA4D8CAAAAjAAAAAAAAAAAAAAAu+DjDP///wgAAAAAAAAAAAAAAAAAAAAAAAAAAAAAAAAAAAAAZAAAAAEAAABAAAAAAAAAAAAAAAAAAAAAAAAAAAAAAAAAAAAAAAAAAAAAAAAAAAAAAAAAAAAAAAAAAAAAAAAAAAAAAAAAAAAAAAAAAAAAAAAAAAAAAAAAAAAAAAAAAAAAFAAAADwAAAAAAAAAAAAAAAAAAAkUAAAAAQAAABQAAAAUAAAAFAAAAAEAAAAAAAAAZAAAAGQAAAAAAAAAZAAAAGQAAAAVAAAAYAAAAAAAAAAAAAAADwAAACADAAAAAAAAAAAAAAEAAACgMgAAVgcAAKr4//8BAAAAf39/AAEAAABkAAAAAAAAABQAAABAHwAAAAAAACYAAAAAAAAAwOD//wAAAAAmAAAAZAAAABYAAABMAAAAAAAAAAAAAAAEAAAAAAAAAAEAAACAgIAKAAAAACgAAAAoAAAAZAAAAGQAAAAAAAAAzMzMAAAAAABQAAAAUAAAAGQAAABkAAAAAAAAABcAAAAUAAAAAAAAANwIAAD/fwAA/38AAAAAAAAJAAAABAAAAAAAaAAMAAAAEAAAAAAAAAAAAAAAAAAAAAAAAAAeAAAAaAAAAAAAAAAAAAAAAAAAAAAAAAAAAAAAECcAABAnAAAAAAAAAAAAAAAAAAAAAAAAAAAAAAAAAAAAAAAAAAAAABQAAAAAAAAAwMD/AAAAAABkAAAAMgAAAAAAAABkAAAAAAAAAH9/fwAKAAAAHwAAAFQAAAC74OMF////AQAAAAAAAAAAAAAAAAAAAAAAAAAAAAAAAAAAAAAAAAAAAAAAAn9/fwCAgIADzMzMAMDA/wB/f38AAAAAAAAAAAAAAAAAAAAAAAAAAAAhAAAAGAAAABQAAAAbIQAAhQAAAOgtAAA1AgAAECAAACYAAAAIAAAA//////////8="/>
+                <pr:smNativeData xmlns:pr="smNativeData" val="SMDATA_13_Hs+1XxMAAAAlAAAAEgAAAE8BAAAAkAAAAEgAAACQAAAASAAAAAAAAAAAAAAAAAAAAAEAAABQAAAAAAAAAAAA4D8AAAAAAADgPwAAAAAAAOA/AAAAAAAA4D8AAAAAAADgPwAAAAAAAOA/AAAAAAAA4D8AAAAAAADgPwAAAAAAAOA/AAAAAAAA4D8CAAAAjAAAAAAAAAAAAAAAu+DjDP///wgAAAAAAAAAAAAAAAAAAAAAAAAAAAAAAAAAAAAAZAAAAAEAAABAAAAAAAAAAAAAAAAAAAAAAAAAAAAAAAAAAAAAAAAAAAAAAAAAAAAAAAAAAAAAAAAAAAAAAAAAAAAAAAAAAAAAAAAAAAAAAAAAAAAAAAAAAAAAAAAAAAAAFAAAADwAAAAAAAAAAAAAAAAAAAkUAAAAAQAAABQAAAAUAAAAFAAAAAEAAAAAAAAAZAAAAGQAAAAAAAAAZAAAAGQAAAAVAAAAYAAAAAAAAAAAAAAADwAAACADAAAAAAAAAAAAAAEAAACgMgAAVgcAAKr4//8BAAAAf39/AAEAAABkAAAAAAAAABQAAABAHwAAAAAAACYAAAAAAAAAwOD//wAAAAAmAAAAZAAAABYAAABMAAAAAAAAAAAAAAAEAAAAAAAAAAEAAACAgIAKAAAAACgAAAAoAAAAZAAAAGQAAAAAAAAAzMzMAAAAAABQAAAAUAAAAGQAAABkAAAAAAAAABcAAAAUAAAAAAAAANwIAAD/fwAA/38AAAAAAAAJAAAABAAAAAAAaAAMAAAAEAAAAAAAAAAAAAAAAAAAAAAAAAAeAAAAaAAAAAAAAAAAAAAAAAAAAAAAAAAAAAAAECcAABAnAAAAAAAAAAAAAAAAAAAAAAAAAAAAAAAAAAAAAAAAAAAAABQAAAAAAAAAwMD/AAAAAABkAAAAMgAAAAAAAABkAAAAAAAAAH9/fwAKAAAAHwAAAFQAAAC74OMF////AQAAAAAAAAAAAAAAAAAAAAAAAAAAAAAAAAAAAAAAAAAAAAAAAn9/fwCAgIADzMzMAMDA/wB/f38AAAAAAAAAAAAAAAAAAAAAAAAAAAAhAAAAGAAAABQAAAAbIQAAhQAAAOgtAAA1AgAAECAAACYAAAAIAAAA//////////8="/>
               </a:ext>
             </a:extLst>
           </p:cNvSpPr>
@@ -6110,7 +6111,7 @@
           <p:cNvSpPr txBox="1">
             <a:extLst>
               <a:ext uri="smNativeData">
-                <pr:smNativeData xmlns:pr="smNativeData" val="SMDATA_13_4IlQXxMAAAAlAAAAEgAAAE8BAAAAkAAAAEgAAACQAAAASAAAAAAAAAAAAAAAAAAAAAEAAABQAAAAAAAAAAAA4D8AAAAAAADgPwAAAAAAAOA/AAAAAAAA4D8AAAAAAADgPwAAAAAAAOA/AAAAAAAA4D8AAAAAAADgPwAAAAAAAOA/AAAAAAAA4D8CAAAAjAAAAAAAAAAAAAAAu+DjDP///wgAAAAAAAAAAAAAAAAAAAAAAAAAAAAAAAAAAAAAZAAAAAEAAABAAAAAAAAAAAAAAAAAAAAAAAAAAAAAAAAAAAAAAAAAAAAAAAAAAAAAAAAAAAAAAAAAAAAAAAAAAAAAAAAAAAAAAAAAAAAAAAAAAAAAAAAAAAAAAAAAAAAAFAAAADwAAAAAAAAAAAAAAAAAAAkUAAAAAQAAABQAAAAUAAAAFAAAAAEAAAAAAAAAZAAAAGQAAAAAAAAAZAAAAGQAAAAVAAAAYAAAAAAAAAAAAAAADwAAACADAAAAAAAAAAAAAAEAAACgMgAAVgcAAKr4//8BAAAAf39/AAEAAABkAAAAAAAAABQAAABAHwAAAAAAACYAAAAAAAAAwOD//wAAAAAmAAAAZAAAABYAAABMAAAAAAAAAAAAAAAEAAAAAAAAAAEAAACAgIAKAAAAACgAAAAoAAAAZAAAAGQAAAAAAAAAzMzMAAAAAABQAAAAUAAAAGQAAABkAAAAAAAAABcAAAAUAAAAAAAAANwIAAD/fwAA/38AAAAAAAAJAAAABAAAAAAJAAAMAAAAEAAAAAAAAAAAAAAAAAAAAAAAAAAeAAAAaAAAAAAAAAAAAAAAAAAAAAAAAAAAAAAAECcAABAnAAAAAAAAAAAAAAAAAAAAAAAAAAAAAAAAAAAAAAAAAAAAABQAAAAAAAAAwMD/AAAAAABkAAAAMgAAAAAAAABkAAAAAAAAAH9/fwAKAAAAHwAAAFQAAAC74OMF////AQAAAAAAAAAAAAAAAAAAAAAAAAAAAAAAAAAAAAAAAAAAAAAAAn9/fwCAgIADzMzMAMDA/wB/f38AAAAAAAAAAAAAAAAAAAAAAAAAAAAhAAAAGAAAABQAAAArEwAAixoAAN8iAACbHAAAECAAACYAAAAIAAAA//////////8="/>
+                <pr:smNativeData xmlns:pr="smNativeData" val="SMDATA_13_Hs+1XxMAAAAlAAAAEgAAAE8BAAAAkAAAAEgAAACQAAAASAAAAAAAAAAAAAAAAAAAAAEAAABQAAAAAAAAAAAA4D8AAAAAAADgPwAAAAAAAOA/AAAAAAAA4D8AAAAAAADgPwAAAAAAAOA/AAAAAAAA4D8AAAAAAADgPwAAAAAAAOA/AAAAAAAA4D8CAAAAjAAAAAAAAAAAAAAAu+DjDP///wgAAAAAAAAAAAAAAAAAAAAAAAAAAAAAAAAAAAAAZAAAAAEAAABAAAAAAAAAAAAAAAAAAAAAAAAAAAAAAAAAAAAAAAAAAAAAAAAAAAAAAAAAAAAAAAAAAAAAAAAAAAAAAAAAAAAAAAAAAAAAAAAAAAAAAAAAAAAAAAAAAAAAFAAAADwAAAAAAAAAAAAAAAAAAAkUAAAAAQAAABQAAAAUAAAAFAAAAAEAAAAAAAAAZAAAAGQAAAAAAAAAZAAAAGQAAAAVAAAAYAAAAAAAAAAAAAAADwAAACADAAAAAAAAAAAAAAEAAACgMgAAVgcAAKr4//8BAAAAf39/AAEAAABkAAAAAAAAABQAAABAHwAAAAAAACYAAAAAAAAAwOD//wAAAAAmAAAAZAAAABYAAABMAAAAAAAAAAAAAAAEAAAAAAAAAAEAAACAgIAKAAAAACgAAAAoAAAAZAAAAGQAAAAAAAAAzMzMAAAAAABQAAAAUAAAAGQAAABkAAAAAAAAABcAAAAUAAAAAAAAANwIAAD/fwAA/38AAAAAAAAJAAAABAAAAAAJAAAMAAAAEAAAAAAAAAAAAAAAAAAAAAAAAAAeAAAAaAAAAAAAAAAAAAAAAAAAAAAAAAAAAAAAECcAABAnAAAAAAAAAAAAAAAAAAAAAAAAAAAAAAAAAAAAAAAAAAAAABQAAAAAAAAAwMD/AAAAAABkAAAAMgAAAAAAAABkAAAAAAAAAH9/fwAKAAAAHwAAAFQAAAC74OMF////AQAAAAAAAAAAAAAAAAAAAAAAAAAAAAAAAAAAAAAAAAAAAAAAAn9/fwCAgIADzMzMAMDA/wB/f38AAAAAAAAAAAAAAAAAAAAAAAAAAAAhAAAAGAAAABQAAAArEwAAixoAAN8iAACbHAAAECAAACYAAAAIAAAA//////////8="/>
               </a:ext>
             </a:extLst>
           </p:cNvSpPr>
@@ -6153,7 +6154,7 @@
           <p:cNvSpPr>
             <a:extLst>
               <a:ext uri="smNativeData">
-                <pr:smNativeData xmlns:pr="smNativeData" val="SMDATA_13_4IlQXxMAAAAlAAAAZAAAAA8BAAAAkAAAAEgAAACQAAAASAAAAAAAAAAAAAAAAAAAAAEAAABQAAAAAAAAAAAA4D8AAAAAAADgPwAAAAAAAOA/AAAAAAAA4D8AAAAAAADgPwAAAAAAAOA/AAAAAAAA4D8AAAAAAADgPwAAAAAAAOA/AAAAAAAA4D8CAAAAjAAAAAAAAAAAAAAAwMDAAP///wgAAAAAAAAAAAAAAAAAAAAAAAAAAAAAAAAAAAAAZAAAAAEAAABAAAAAAAAAAAAAAAAAAAAAAAAAAAAAAAAAAAAAAAAAAAAAAAAAAAAAAAAAAAAAAAAAAAAAAAAAAAAAAAAAAAAAAAAAAAAAAAAAAAAAAAAAAAAAAAAAAAAAFAAAADwAAAABAAAAAAAAAH9/fwAUAAAAAQAAABQAAAAUAAAAFAAAAAEAAAAAAAAAZAAAAGQAAAAAAAAAZAAAAGQAAAAVAAAAYAAAAAAAAAAAAAAADwAAACADAAAAAAAAAAAAAAEAAACgMgAAVgcAAKr4//8BAAAAf39/AAEAAABkAAAAAAAAABQAAABAHwAAAAAAACYAAAAAAAAAwOD//wAAAAAmAAAAZAAAABYAAABMAAAAAAAAAAAAAAAEAAAAAAAAAAEAAACAgIAKAAAAACgAAAAoAAAAZAAAAGQAAAAAAAAAzMzMAAAAAABQAAAAUAAAAGQAAABkAAAAAAAAABcAAAAUAAAAAAAAAAAAAAD/fwAA/38AAAAAAAAJAAAABAAAAAAJAAAMAAAAEAAAAAAAAAAAAAAAAAAAAAAAAAAeAAAAaAAAAAAAAAAAAAAAAAAAAAAAAAAAAAAAECcAABAnAAAAAAAAAAAAAAAAAAAAAAAAAAAAAAAAAAAAAAAAAAAAABQAAAAAAAAAwMD/AAAAAABkAAAAMgAAAAAAAABkAAAAAAAAAH9/fwAKAAAAHwAAAFQAAADAwMAA////AQAAAAAAAAAAAAAAAAAAAAAAAAAAAAAAAAAAAAAAAAAAf39/AH9/fwCAgIADzMzMAMDA/wB/f38AAAAAAAAAAAAAAAAAAAAAAAAAAAAhAAAAGAAAABQAAACoEQAAixoAAP0hAADAHAAAEAAAACYAAAAIAAAA//////////8="/>
+                <pr:smNativeData xmlns:pr="smNativeData" val="SMDATA_13_Hs+1XxMAAAAlAAAAZAAAAA8BAAAAkAAAAEgAAACQAAAASAAAAAAAAAAAAAAAAAAAAAEAAABQAAAAAAAAAAAA4D8AAAAAAADgPwAAAAAAAOA/AAAAAAAA4D8AAAAAAADgPwAAAAAAAOA/AAAAAAAA4D8AAAAAAADgPwAAAAAAAOA/AAAAAAAA4D8CAAAAjAAAAAAAAAAAAAAAwMDAAP///wgAAAAAAAAAAAAAAAAAAAAAAAAAAAAAAAAAAAAAZAAAAAEAAABAAAAAAAAAAAAAAAAAAAAAAAAAAAAAAAAAAAAAAAAAAAAAAAAAAAAAAAAAAAAAAAAAAAAAAAAAAAAAAAAAAAAAAAAAAAAAAAAAAAAAAAAAAAAAAAAAAAAAFAAAADwAAAABAAAAAAAAAH9/fwAUAAAAAQAAABQAAAAUAAAAFAAAAAEAAAAAAAAAZAAAAGQAAAAAAAAAZAAAAGQAAAAVAAAAYAAAAAAAAAAAAAAADwAAACADAAAAAAAAAAAAAAEAAACgMgAAVgcAAKr4//8BAAAAf39/AAEAAABkAAAAAAAAABQAAABAHwAAAAAAACYAAAAAAAAAwOD//wAAAAAmAAAAZAAAABYAAABMAAAAAAAAAAAAAAAEAAAAAAAAAAEAAACAgIAKAAAAACgAAAAoAAAAZAAAAGQAAAAAAAAAzMzMAAAAAABQAAAAUAAAAGQAAABkAAAAAAAAABcAAAAUAAAAAAAAAAAAAAD/fwAA/38AAAAAAAAJAAAABAAAAAAJAAAMAAAAEAAAAAAAAAAAAAAAAAAAAAAAAAAeAAAAaAAAAAAAAAAAAAAAAAAAAAAAAAAAAAAAECcAABAnAAAAAAAAAAAAAAAAAAAAAAAAAAAAAAAAAAAAAAAAAAAAABQAAAAAAAAAwMD/AAAAAABkAAAAMgAAAAAAAABkAAAAAAAAAH9/fwAKAAAAHwAAAFQAAADAwMAA////AQAAAAAAAAAAAAAAAAAAAAAAAAAAAAAAAAAAAAAAAAAAf39/AH9/fwCAgIADzMzMAMDA/wB/f38AAAAAAAAAAAAAAAAAAAAAAAAAAAAhAAAAGAAAABQAAACoEQAAixoAAP0hAADAHAAAEAAAACYAAAAIAAAA//////////8="/>
               </a:ext>
             </a:extLst>
           </p:cNvSpPr>
@@ -6185,7 +6186,7 @@
           <p:cNvSpPr txBox="1">
             <a:extLst>
               <a:ext uri="smNativeData">
-                <pr:smNativeData xmlns:pr="smNativeData" val="SMDATA_13_4IlQXxMAAAAlAAAAEgAAAE8BAAAAkAAAAEgAAACQAAAASAAAAAAAAAAAAAAAAAAAAAEAAABQAAAAAAAAAAAA4D8AAAAAAADgPwAAAAAAAOA/AAAAAAAA4D8AAAAAAADgPwAAAAAAAOA/AAAAAAAA4D8AAAAAAADgPwAAAAAAAOA/AAAAAAAA4D8CAAAAjAAAAAAAAAAAAAAAu+DjDP///wgAAAAAAAAAAAAAAAAAAAAAAAAAAAAAAAAAAAAAZAAAAAEAAABAAAAAAAAAAAAAAAAAAAAAAAAAAAAAAAAAAAAAAAAAAAAAAAAAAAAAAAAAAAAAAAAAAAAAAAAAAAAAAAAAAAAAAAAAAAAAAAAAAAAAAAAAAAAAAAAAAAAAFAAAADwAAAAAAAAAAAAAAAAAAAkUAAAAAQAAABQAAAAUAAAAFAAAAAEAAAAAAAAAZAAAAGQAAAAAAAAAZAAAAGQAAAAVAAAAYAAAAAAAAAAAAAAADwAAACADAAAAAAAAAAAAAAEAAACgMgAAVgcAAKr4//8BAAAAf39/AAEAAABkAAAAAAAAABQAAABAHwAAAAAAACYAAAAAAAAAwOD//wAAAAAmAAAAZAAAABYAAABMAAAAAAAAAAAAAAAEAAAAAAAAAAEAAACAgIAKAAAAACgAAAAoAAAAZAAAAGQAAAAAAAAAzMzMAAAAAABQAAAAUAAAAGQAAABkAAAAAAAAABcAAAAUAAAAAAAAANwIAAD/fwAA/38AAAAAAAAJAAAABAAAAAAAAAAMAAAAEAAAAAAAAAAAAAAAAAAAAAAAAAAeAAAAaAAAAAAAAAAAAAAAAAAAAAAAAAAAAAAAECcAABAnAAAAAAAAAAAAAAAAAAAAAAAAAAAAAAAAAAAAAAAAAAAAABQAAAAAAAAAwMD/AAAAAABkAAAAMgAAAAAAAABkAAAAAAAAAH9/fwAKAAAAHwAAAFQAAAC74OMF////AQAAAAAAAAAAAAAAAAAAAAAAAAAAAAAAAAAAAAAAAAAAAAAAAn9/fwCAgIADzMzMAMDA/wB/f38AAAAAAAAAAAAAAAAAAAAAAAAAAAAhAAAAGAAAABQAAADPGwAABB0AAIwhAACkHwAAECAAACYAAAAIAAAA//////////8="/>
+                <pr:smNativeData xmlns:pr="smNativeData" val="SMDATA_13_Hs+1XxMAAAAlAAAAEgAAAE8BAAAAkAAAAEgAAACQAAAASAAAAAAAAAAAAAAAAAAAAAEAAABQAAAAAAAAAAAA4D8AAAAAAADgPwAAAAAAAOA/AAAAAAAA4D8AAAAAAADgPwAAAAAAAOA/AAAAAAAA4D8AAAAAAADgPwAAAAAAAOA/AAAAAAAA4D8CAAAAjAAAAAAAAAAAAAAAu+DjDP///wgAAAAAAAAAAAAAAAAAAAAAAAAAAAAAAAAAAAAAZAAAAAEAAABAAAAAAAAAAAAAAAAAAAAAAAAAAAAAAAAAAAAAAAAAAAAAAAAAAAAAAAAAAAAAAAAAAAAAAAAAAAAAAAAAAAAAAAAAAAAAAAAAAAAAAAAAAAAAAAAAAAAAFAAAADwAAAAAAAAAAAAAAAAAAAkUAAAAAQAAABQAAAAUAAAAFAAAAAEAAAAAAAAAZAAAAGQAAAAAAAAAZAAAAGQAAAAVAAAAYAAAAAAAAAAAAAAADwAAACADAAAAAAAAAAAAAAEAAACgMgAAVgcAAKr4//8BAAAAf39/AAEAAABkAAAAAAAAABQAAABAHwAAAAAAACYAAAAAAAAAwOD//wAAAAAmAAAAZAAAABYAAABMAAAAAAAAAAAAAAAEAAAAAAAAAAEAAACAgIAKAAAAACgAAAAoAAAAZAAAAGQAAAAAAAAAzMzMAAAAAABQAAAAUAAAAGQAAABkAAAAAAAAABcAAAAUAAAAAAAAANwIAAD/fwAA/38AAAAAAAAJAAAABAAAAAAAAAAMAAAAEAAAAAAAAAAAAAAAAAAAAAAAAAAeAAAAaAAAAAAAAAAAAAAAAAAAAAAAAAAAAAAAECcAABAnAAAAAAAAAAAAAAAAAAAAAAAAAAAAAAAAAAAAAAAAAAAAABQAAAAAAAAAwMD/AAAAAABkAAAAMgAAAAAAAABkAAAAAAAAAH9/fwAKAAAAHwAAAFQAAAC74OMF////AQAAAAAAAAAAAAAAAAAAAAAAAAAAAAAAAAAAAAAAAAAAAAAAAn9/fwCAgIADzMzMAMDA/wB/f38AAAAAAAAAAAAAAAAAAAAAAAAAAAAhAAAAGAAAABQAAADPGwAABB0AAIwhAACkHwAAECAAACYAAAAIAAAA//////////8="/>
               </a:ext>
             </a:extLst>
           </p:cNvSpPr>
@@ -6240,7 +6241,7 @@
           <p:cNvSpPr txBox="1">
             <a:extLst>
               <a:ext uri="smNativeData">
-                <pr:smNativeData xmlns:pr="smNativeData" val="SMDATA_13_4IlQXxMAAAAlAAAAEgAAAE8BAAAAkAAAAEgAAACQAAAASAAAAAAAAAAAAAAAAAAAAAEAAABQAAAAAAAAAAAA4D8AAAAAAADgPwAAAAAAAOA/AAAAAAAA4D8AAAAAAADgPwAAAAAAAOA/AAAAAAAA4D8AAAAAAADgPwAAAAAAAOA/AAAAAAAA4D8CAAAAjAAAAAEAAAAAAAAA2u2hP////wgAAAAAAAAAAAAAAAAAAAAAAAAAAAAAAAAAAAAAZAAAAAEAAABAAAAAAAAAAAAAAAAAAAAAAAAAAAAAAAAAAAAAAAAAAAAAAAAAAAAAAAAAAAAAAAAAAAAAAAAAAAAAAAAAAAAAAAAAAAAAAAAAAAAAAAAAAAAAAAAAAAAAFAAAADwAAAABAAAAAAAAAAAAAAkFAAAAAQAAAAEAAAAAAAAAAAAAAAAAAAAAAAAAZAAAAGQAAAAAAAAAZAAAAGQAAAAVAAAAYAAAAAAAAAAAAAAADwAAACADAAAAAAAAAAAAAAEAAACgMgAAVgcAAKr4//8BAAAAf39/AAEAAABkAAAAAAAAABQAAABAHwAAAAAAACYAAAAAAAAAwOD//wAAAAAmAAAAZAAAABYAAABMAAAAAAAAAAAAAAAEAAAAAAAAAAEAAACAgIAKAAAAACgAAAAoAAAAZAAAAGQAAAAAAAAAzMzMAAAAAABQAAAAUAAAAGQAAABkAAAAAAAAABcAAAAUAAAAAAAAANwIAAD/fwAA/38AAAAAAAAJAAAABAAAAAQJAAAMAAAAEAAAAAAAAAAAAAAAAAAAAAAAAAAeAAAAaAAAAAAAAAAAAAAAAAAAAAAAAAAAAAAAECcAABAnAAAAAAAAAAAAAAAAAAAAAAAAAAAAAAAAAAAAAAAAAAAAABQAAAAAAAAAwMD/AAAAAABkAAAAMgAAAAAAAABkAAAAAAAAAH9/fwAKAAAAHwAAAFQAAADa7aE4////AQAAAAAAAAAAAAAAAAAAAAAAAAAAAAAAAAAAAAAAAAAAAAAAAn9/fwCAgIADzMzMAMDA/wB/f38AAAAAAAAAAAAAAAAAAAAAAAAAAAAhAAAAGAAAABQAAAAZEgAAoSAAANcbAAAZJAAAECAAACYAAAAIAAAA//////////8="/>
+                <pr:smNativeData xmlns:pr="smNativeData" val="SMDATA_13_Hs+1XxMAAAAlAAAAEgAAAE8BAAAAkAAAAEgAAACQAAAASAAAAAAAAAAAAAAAAAAAAAEAAABQAAAAAAAAAAAA4D8AAAAAAADgPwAAAAAAAOA/AAAAAAAA4D8AAAAAAADgPwAAAAAAAOA/AAAAAAAA4D8AAAAAAADgPwAAAAAAAOA/AAAAAAAA4D8CAAAAjAAAAAEAAAAAAAAA2u2hP////wgAAAAAAAAAAAAAAAAAAAAAAAAAAAAAAAAAAAAAZAAAAAEAAABAAAAAAAAAAAAAAAAAAAAAAAAAAAAAAAAAAAAAAAAAAAAAAAAAAAAAAAAAAAAAAAAAAAAAAAAAAAAAAAAAAAAAAAAAAAAAAAAAAAAAAAAAAAAAAAAAAAAAFAAAADwAAAABAAAAAAAAAAAAAAkFAAAAAQAAAAEAAAAAAAAAAAAAAAAAAAAAAAAAZAAAAGQAAAAAAAAAZAAAAGQAAAAVAAAAYAAAAAAAAAAAAAAADwAAACADAAAAAAAAAAAAAAEAAACgMgAAVgcAAKr4//8BAAAAf39/AAEAAABkAAAAAAAAABQAAABAHwAAAAAAACYAAAAAAAAAwOD//wAAAAAmAAAAZAAAABYAAABMAAAAAAAAAAAAAAAEAAAAAAAAAAEAAACAgIAKAAAAACgAAAAoAAAAZAAAAGQAAAAAAAAAzMzMAAAAAABQAAAAUAAAAGQAAABkAAAAAAAAABcAAAAUAAAAAAAAANwIAAD/fwAA/38AAAAAAAAJAAAABAAAAAQJAAAMAAAAEAAAAAAAAAAAAAAAAAAAAAAAAAAeAAAAaAAAAAAAAAAAAAAAAAAAAAAAAAAAAAAAECcAABAnAAAAAAAAAAAAAAAAAAAAAAAAAAAAAAAAAAAAAAAAAAAAABQAAAAAAAAAwMD/AAAAAABkAAAAMgAAAAAAAABkAAAAAAAAAH9/fwAKAAAAHwAAAFQAAADa7aE4////AQAAAAAAAAAAAAAAAAAAAAAAAAAAAAAAAAAAAAAAAAAAAAAAAn9/fwCAgIADzMzMAMDA/wB/f38AAAAAAAAAAAAAAAAAAAAAAAAAAAAhAAAAGAAAABQAAAAZEgAAoSAAANcbAAAZJAAAECAAACYAAAAIAAAA//////////8="/>
               </a:ext>
             </a:extLst>
           </p:cNvSpPr>
@@ -6318,7 +6319,7 @@
           <p:cNvSpPr txBox="1">
             <a:extLst>
               <a:ext uri="smNativeData">
-                <pr:smNativeData xmlns:pr="smNativeData" val="SMDATA_13_4IlQXxMAAAAlAAAAEgAAAE8BAAAAkAAAAEgAAACQAAAASAAAAAAAAAAAAAAAAAAAAAEAAABQAAAAAAAAAAAA4D8AAAAAAADgPwAAAAAAAOA/AAAAAAAA4D8AAAAAAADgPwAAAAAAAOA/AAAAAAAA4D8AAAAAAADgPwAAAAAAAOA/AAAAAAAA4D8CAAAAjAAAAAAAAAAAAAAAu+DjDP///wgAAAAAAAAAAAAAAAAAAAAAAAAAAAAAAAAAAAAAZAAAAAEAAABAAAAAAAAAAAAAAAAAAAAAAAAAAAAAAAAAAAAAAAAAAAAAAAAAAAAAAAAAAAAAAAAAAAAAAAAAAAAAAAAAAAAAAAAAAAAAAAAAAAAAAAAAAAAAAAAAAAAAFAAAADwAAAAAAAAAAAAAAAAAAAkUAAAAAQAAABQAAAAUAAAAFAAAAAEAAAAAAAAAZAAAAGQAAAAAAAAAZAAAAGQAAAAVAAAAYAAAAAAAAAAAAAAADwAAACADAAAAAAAAAAAAAAEAAACgMgAAVgcAAKr4//8BAAAAf39/AAEAAABkAAAAAAAAABQAAABAHwAAAAAAACYAAAAAAAAAwOD//wAAAAAmAAAAZAAAABYAAABMAAAAAAAAAAAAAAAEAAAAAAAAAAEAAACAgIAKAAAAACgAAAAoAAAAZAAAAGQAAAAAAAAAzMzMAAAAAABQAAAAUAAAAGQAAABkAAAAAAAAABcAAAAUAAAAAAAAANwIAAD/fwAA/38AAAAAAAAJAAAABAAAAP8JAAAMAAAAEAAAAAAAAAAAAAAAAAAAAAAAAAAeAAAAaAAAAAAAAAAAAAAAAAAAAAAAAAAAAAAAECcAABAnAAAAAAAAAAAAAAAAAAAAAAAAAAAAAAAAAAAAAAAAAAAAABQAAAAAAAAAwMD/AAAAAABkAAAAMgAAAAAAAABkAAAAAAAAAH9/fwAKAAAAHwAAAFQAAAC74OMF////AQAAAAAAAAAAAAAAAAAAAAAAAAAAAAAAAAAAAAAAAAAAAAAAAn9/fwCAgIADzMzMAMDA/wB/f38AAAAAAAAAAAAAAAAAAAAAAAAAAAAhAAAAGAAAABQAAADPGwAAlyAAAIwhAAA/JAAAECAAACYAAAAIAAAA//////////8="/>
+                <pr:smNativeData xmlns:pr="smNativeData" val="SMDATA_13_Hs+1XxMAAAAlAAAAEgAAAE8BAAAAkAAAAEgAAACQAAAASAAAAAAAAAAAAAAAAAAAAAEAAABQAAAAAAAAAAAA4D8AAAAAAADgPwAAAAAAAOA/AAAAAAAA4D8AAAAAAADgPwAAAAAAAOA/AAAAAAAA4D8AAAAAAADgPwAAAAAAAOA/AAAAAAAA4D8CAAAAjAAAAAAAAAAAAAAAu+DjDP///wgAAAAAAAAAAAAAAAAAAAAAAAAAAAAAAAAAAAAAZAAAAAEAAABAAAAAAAAAAAAAAAAAAAAAAAAAAAAAAAAAAAAAAAAAAAAAAAAAAAAAAAAAAAAAAAAAAAAAAAAAAAAAAAAAAAAAAAAAAAAAAAAAAAAAAAAAAAAAAAAAAAAAFAAAADwAAAAAAAAAAAAAAAAAAAkUAAAAAQAAABQAAAAUAAAAFAAAAAEAAAAAAAAAZAAAAGQAAAAAAAAAZAAAAGQAAAAVAAAAYAAAAAAAAAAAAAAADwAAACADAAAAAAAAAAAAAAEAAACgMgAAVgcAAKr4//8BAAAAf39/AAEAAABkAAAAAAAAABQAAABAHwAAAAAAACYAAAAAAAAAwOD//wAAAAAmAAAAZAAAABYAAABMAAAAAAAAAAAAAAAEAAAAAAAAAAEAAACAgIAKAAAAACgAAAAoAAAAZAAAAGQAAAAAAAAAzMzMAAAAAABQAAAAUAAAAGQAAABkAAAAAAAAABcAAAAUAAAAAAAAANwIAAD/fwAA/38AAAAAAAAJAAAABAAAAP8JAAAMAAAAEAAAAAAAAAAAAAAAAAAAAAAAAAAeAAAAaAAAAAAAAAAAAAAAAAAAAAAAAAAAAAAAECcAABAnAAAAAAAAAAAAAAAAAAAAAAAAAAAAAAAAAAAAAAAAAAAAABQAAAAAAAAAwMD/AAAAAABkAAAAMgAAAAAAAABkAAAAAAAAAH9/fwAKAAAAHwAAAFQAAAC74OMF////AQAAAAAAAAAAAAAAAAAAAAAAAAAAAAAAAAAAAAAAAAAAAAAAAn9/fwCAgIADzMzMAMDA/wB/f38AAAAAAAAAAAAAAAAAAAAAAAAAAAAhAAAAGAAAABQAAADPGwAAlyAAAIwhAAA/JAAAECAAACYAAAAIAAAA//////////8="/>
               </a:ext>
             </a:extLst>
           </p:cNvSpPr>
@@ -6385,7 +6386,7 @@
           <p:cNvSpPr txBox="1">
             <a:extLst>
               <a:ext uri="smNativeData">
-                <pr:smNativeData xmlns:pr="smNativeData" val="SMDATA_13_4IlQXxMAAAAlAAAAEgAAAE8BAAAAkAAAAEgAAACQAAAASAAAAAAAAAAAAAAAAAAAAAEAAABQAAAAAAAAAAAA4D8AAAAAAADgPwAAAAAAAOA/AAAAAAAA4D8AAAAAAADgPwAAAAAAAOA/AAAAAAAA4D8AAAAAAADgPwAAAAAAAOA/AAAAAAAA4D8CAAAAjAAAAAAAAAAAAAAAu+DjDP///wgAAAAAAAAAAAAAAAAAAAAAAAAAAAAAAAAAAAAAZAAAAAEAAABAAAAAAAAAAAAAAAAAAAAAAAAAAAAAAAAAAAAAAAAAAAAAAAAAAAAAAAAAAAAAAAAAAAAAAAAAAAAAAAAAAAAAAAAAAAAAAAAAAAAAAAAAAAAAAAAAAAAAFAAAADwAAAAAAAAAAAAAAAAAAAkUAAAAAQAAABQAAAAUAAAAFAAAAAEAAAAAAAAAZAAAAGQAAAAAAAAAZAAAAGQAAAAVAAAAYAAAAAAAAAAAAAAADwAAACADAAAAAAAAAAAAAAEAAACgMgAAVgcAAKr4//8BAAAAf39/AAEAAABkAAAAAAAAABQAAABAHwAAAAAAACYAAAAAAAAAwOD//wAAAAAmAAAAZAAAABYAAABMAAAAAAAAAAAAAAAEAAAAAAAAAAEAAACAgIAKAAAAACgAAAAoAAAAZAAAAGQAAAAAAAAAzMzMAAAAAABQAAAAUAAAAGQAAABkAAAAAAAAABcAAAAUAAAAAAAAANwIAAD/fwAA/38AAAAAAAAJAAAABAAAAAAAAAAMAAAAEAAAAAAAAAAAAAAAAAAAAAAAAAAeAAAAaAAAAAAAAAAAAAAAAAAAAAAAAAAAAAAAECcAABAnAAAAAAAAAAAAAAAAAAAAAAAAAAAAAAAAAAAAAAAAAAAAABQAAAAAAAAAwMD/AAAAAABkAAAAMgAAAAAAAABkAAAAAAAAAH9/fwAKAAAAHwAAAFQAAAC74OMF////AQAAAAAAAAAAAAAAAAAAAAAAAAAAAAAAAAAAAAAAAAAAAAAAAn9/fwCAgIADzMzMAMDA/wB/f38AAAAAAAAAAAAAAAAAAAAAAAAAAAAhAAAAGAAAABQAAADlAgAAsRUAAMELAACRFwAAECAAACYAAAAIAAAA//////////8="/>
+                <pr:smNativeData xmlns:pr="smNativeData" val="SMDATA_13_Hs+1XxMAAAAlAAAAEgAAAE8BAAAAkAAAAEgAAACQAAAASAAAAAAAAAAAAAAAAAAAAAEAAABQAAAAAAAAAAAA4D8AAAAAAADgPwAAAAAAAOA/AAAAAAAA4D8AAAAAAADgPwAAAAAAAOA/AAAAAAAA4D8AAAAAAADgPwAAAAAAAOA/AAAAAAAA4D8CAAAAjAAAAAAAAAAAAAAAu+DjDP///wgAAAAAAAAAAAAAAAAAAAAAAAAAAAAAAAAAAAAAZAAAAAEAAABAAAAAAAAAAAAAAAAAAAAAAAAAAAAAAAAAAAAAAAAAAAAAAAAAAAAAAAAAAAAAAAAAAAAAAAAAAAAAAAAAAAAAAAAAAAAAAAAAAAAAAAAAAAAAAAAAAAAAFAAAADwAAAAAAAAAAAAAAAAAAAkUAAAAAQAAABQAAAAUAAAAFAAAAAEAAAAAAAAAZAAAAGQAAAAAAAAAZAAAAGQAAAAVAAAAYAAAAAAAAAAAAAAADwAAACADAAAAAAAAAAAAAAEAAACgMgAAVgcAAKr4//8BAAAAf39/AAEAAABkAAAAAAAAABQAAABAHwAAAAAAACYAAAAAAAAAwOD//wAAAAAmAAAAZAAAABYAAABMAAAAAAAAAAAAAAAEAAAAAAAAAAEAAACAgIAKAAAAACgAAAAoAAAAZAAAAGQAAAAAAAAAzMzMAAAAAABQAAAAUAAAAGQAAABkAAAAAAAAABcAAAAUAAAAAAAAANwIAAD/fwAA/38AAAAAAAAJAAAABAAAAAAAAAAMAAAAEAAAAAAAAAAAAAAAAAAAAAAAAAAeAAAAaAAAAAAAAAAAAAAAAAAAAAAAAAAAAAAAECcAABAnAAAAAAAAAAAAAAAAAAAAAAAAAAAAAAAAAAAAAAAAAAAAABQAAAAAAAAAwMD/AAAAAABkAAAAMgAAAAAAAABkAAAAAAAAAH9/fwAKAAAAHwAAAFQAAAC74OMF////AQAAAAAAAAAAAAAAAAAAAAAAAAAAAAAAAAAAAAAAAAAAAAAAAn9/fwCAgIADzMzMAMDA/wB/f38AAAAAAAAAAAAAAAAAAAAAAAAAAAAhAAAAGAAAABQAAADlAgAAsRUAAMELAACRFwAAECAAACYAAAAIAAAA//////////8="/>
               </a:ext>
             </a:extLst>
           </p:cNvSpPr>
@@ -6428,7 +6429,7 @@
           <p:cNvSpPr txBox="1">
             <a:extLst>
               <a:ext uri="smNativeData">
-                <pr:smNativeData xmlns:pr="smNativeData" val="SMDATA_13_4IlQXxMAAAAlAAAAEgAAAE8BAAAAkAAAAEgAAACQAAAASAAAAAAAAAAAAAAAAAAAAAEAAABQAAAAAAAAAAAA4D8AAAAAAADgPwAAAAAAAOA/AAAAAAAA4D8AAAAAAADgPwAAAAAAAOA/AAAAAAAA4D8AAAAAAADgPwAAAAAAAOA/AAAAAAAA4D8CAAAAjAAAAAAAAAAAAAAAu+DjDP///wgAAAAAAAAAAAAAAAAAAAAAAAAAAAAAAAAAAAAAZAAAAAEAAABAAAAAAAAAAAAAAAAAAAAAAAAAAAAAAAAAAAAAAAAAAAAAAAAAAAAAAAAAAAAAAAAAAAAAAAAAAAAAAAAAAAAAAAAAAAAAAAAAAAAAAAAAAAAAAAAAAAAAFAAAADwAAAAAAAAAAAAAAAAAAAkUAAAAAQAAABQAAAAUAAAAFAAAAAEAAAAAAAAAZAAAAGQAAAAAAAAAZAAAAGQAAAAVAAAAYAAAAAAAAAAAAAAADwAAACADAAAAAAAAAAAAAAEAAACgMgAAVgcAAKr4//8BAAAAf39/AAEAAABkAAAAAAAAABQAAABAHwAAAAAAACYAAAAAAAAAwOD//wAAAAAmAAAAZAAAABYAAABMAAAAAAAAAAAAAAAEAAAAAAAAAAEAAACAgIAKAAAAACgAAAAoAAAAZAAAAGQAAAAAAAAAzMzMAAAAAABQAAAAUAAAAGQAAABkAAAAAAAAABcAAAAUAAAAAAAAANwIAAD/fwAA/38AAAAAAAAJAAAABAAAAAAAAAAMAAAAEAAAAAAAAAAAAAAAAAAAAAAAAAAeAAAAaAAAAAAAAAAAAAAAAAAAAAAAAAAAAAAAECcAABAnAAAAAAAAAAAAAAAAAAAAAAAAAAAAAAAAAAAAAAAAAAAAABQAAAAAAAAAwMD/AAAAAABkAAAAMgAAAAAAAABkAAAAAAAAAH9/fwAKAAAAHwAAAFQAAAC74OMF////AQAAAAAAAAAAAAAAAAAAAAAAAAAAAAAAAAAAAAAAAAAAAAAAAn9/fwCAgIADzMzMAMDA/wB/f38AAAAAAAAAAAAAAAAAAAAAAAAAAAAhAAAAGAAAABQAAAAnCgAA4xUAAAMTAACLGQAAECAAACYAAAAIAAAA//////////8="/>
+                <pr:smNativeData xmlns:pr="smNativeData" val="SMDATA_13_Hs+1XxMAAAAlAAAAEgAAAE8BAAAAkAAAAEgAAACQAAAASAAAAAAAAAAAAAAAAAAAAAEAAABQAAAAAAAAAAAA4D8AAAAAAADgPwAAAAAAAOA/AAAAAAAA4D8AAAAAAADgPwAAAAAAAOA/AAAAAAAA4D8AAAAAAADgPwAAAAAAAOA/AAAAAAAA4D8CAAAAjAAAAAAAAAAAAAAAu+DjDP///wgAAAAAAAAAAAAAAAAAAAAAAAAAAAAAAAAAAAAAZAAAAAEAAABAAAAAAAAAAAAAAAAAAAAAAAAAAAAAAAAAAAAAAAAAAAAAAAAAAAAAAAAAAAAAAAAAAAAAAAAAAAAAAAAAAAAAAAAAAAAAAAAAAAAAAAAAAAAAAAAAAAAAFAAAADwAAAAAAAAAAAAAAAAAAAkUAAAAAQAAABQAAAAUAAAAFAAAAAEAAAAAAAAAZAAAAGQAAAAAAAAAZAAAAGQAAAAVAAAAYAAAAAAAAAAAAAAADwAAACADAAAAAAAAAAAAAAEAAACgMgAAVgcAAKr4//8BAAAAf39/AAEAAABkAAAAAAAAABQAAABAHwAAAAAAACYAAAAAAAAAwOD//wAAAAAmAAAAZAAAABYAAABMAAAAAAAAAAAAAAAEAAAAAAAAAAEAAACAgIAKAAAAACgAAAAoAAAAZAAAAGQAAAAAAAAAzMzMAAAAAABQAAAAUAAAAGQAAABkAAAAAAAAABcAAAAUAAAAAAAAANwIAAD/fwAA/38AAAAAAAAJAAAABAAAAAAAAAAMAAAAEAAAAAAAAAAAAAAAAAAAAAAAAAAeAAAAaAAAAAAAAAAAAAAAAAAAAAAAAAAAAAAAECcAABAnAAAAAAAAAAAAAAAAAAAAAAAAAAAAAAAAAAAAAAAAAAAAABQAAAAAAAAAwMD/AAAAAABkAAAAMgAAAAAAAABkAAAAAAAAAH9/fwAKAAAAHwAAAFQAAAC74OMF////AQAAAAAAAAAAAAAAAAAAAAAAAAAAAAAAAAAAAAAAAAAAAAAAAn9/fwCAgIADzMzMAMDA/wB/f38AAAAAAAAAAAAAAAAAAAAAAAAAAAAhAAAAGAAAABQAAAAnCgAA4xUAAAMTAACLGQAAECAAACYAAAAIAAAA//////////8="/>
               </a:ext>
             </a:extLst>
           </p:cNvSpPr>
@@ -6495,7 +6496,7 @@
           <p:cNvSpPr txBox="1">
             <a:extLst>
               <a:ext uri="smNativeData">
-                <pr:smNativeData xmlns:pr="smNativeData" val="SMDATA_13_4IlQXxMAAAAlAAAAEgAAAE8BAAAAkAAAAEgAAACQAAAASAAAAAAAAAAAAAAAAAAAAAEAAABQAAAAAAAAAAAA4D8AAAAAAADgPwAAAAAAAOA/AAAAAAAA4D8AAAAAAADgPwAAAAAAAOA/AAAAAAAA4D8AAAAAAADgPwAAAAAAAOA/AAAAAAAA4D8CAAAAjAAAAAAAAAAAAAAAu+DjDP///wgAAAAAAAAAAAAAAAAAAAAAAAAAAAAAAAAAAAAAZAAAAAEAAABAAAAAAAAAAAAAAAAAAAAAAAAAAAAAAAAAAAAAAAAAAAAAAAAAAAAAAAAAAAAAAAAAAAAAAAAAAAAAAAAAAAAAAAAAAAAAAAAAAAAAAAAAAAAAAAAAAAAAFAAAADwAAAAAAAAAAAAAAAAAAAkUAAAAAQAAABQAAAAUAAAAFAAAAAEAAAAAAAAAZAAAAGQAAAAAAAAAZAAAAGQAAAAVAAAAYAAAAAAAAAAAAAAADwAAACADAAAAAAAAAAAAAAEAAACgMgAAVgcAAKr4//8BAAAAf39/AAEAAABkAAAAAAAAABQAAABAHwAAAAAAACYAAAAAAAAAwOD//wAAAAAmAAAAZAAAABYAAABMAAAAAAAAAAAAAAAEAAAAAAAAAAEAAACAgIAKAAAAACgAAAAoAAAAZAAAAGQAAAAAAAAAzMzMAAAAAABQAAAAUAAAAGQAAABkAAAAAAAAABcAAAAUAAAAAAAAANwIAAD/fwAA/38AAAAAAAAJAAAABAAAAAEJAAAMAAAAEAAAAAAAAAAAAAAAAAAAAAAAAAAeAAAAaAAAAAAAAAAAAAAAAAAAAAAAAAAAAAAAECcAABAnAAAAAAAAAAAAAAAAAAAAAAAAAAAAAAAAAAAAAAAAAAAAABQAAAAAAAAAwMD/AAAAAABkAAAAMgAAAAAAAABkAAAAAAAAAH9/fwAKAAAAHwAAAFQAAAC74OMF////AQAAAAAAAAAAAAAAAAAAAAAAAAAAAAAAAAAAAAAAAAAAAAAAAn9/fwCAgIADzMzMAMDA/wB/f38AAAAAAAAAAAAAAAAAAAAAAAAAAAAhAAAAGAAAABQAAACDBQAAbhcAAPUJAAAeGQAAECAAACYAAAAIAAAA//////////8="/>
+                <pr:smNativeData xmlns:pr="smNativeData" val="SMDATA_13_Hs+1XxMAAAAlAAAAEgAAAE8BAAAAkAAAAEgAAACQAAAASAAAAAAAAAAAAAAAAAAAAAEAAABQAAAAAAAAAAAA4D8AAAAAAADgPwAAAAAAAOA/AAAAAAAA4D8AAAAAAADgPwAAAAAAAOA/AAAAAAAA4D8AAAAAAADgPwAAAAAAAOA/AAAAAAAA4D8CAAAAjAAAAAAAAAAAAAAAu+DjDP///wgAAAAAAAAAAAAAAAAAAAAAAAAAAAAAAAAAAAAAZAAAAAEAAABAAAAAAAAAAAAAAAAAAAAAAAAAAAAAAAAAAAAAAAAAAAAAAAAAAAAAAAAAAAAAAAAAAAAAAAAAAAAAAAAAAAAAAAAAAAAAAAAAAAAAAAAAAAAAAAAAAAAAFAAAADwAAAAAAAAAAAAAAAAAAAkUAAAAAQAAABQAAAAUAAAAFAAAAAEAAAAAAAAAZAAAAGQAAAAAAAAAZAAAAGQAAAAVAAAAYAAAAAAAAAAAAAAADwAAACADAAAAAAAAAAAAAAEAAACgMgAAVgcAAKr4//8BAAAAf39/AAEAAABkAAAAAAAAABQAAABAHwAAAAAAACYAAAAAAAAAwOD//wAAAAAmAAAAZAAAABYAAABMAAAAAAAAAAAAAAAEAAAAAAAAAAEAAACAgIAKAAAAACgAAAAoAAAAZAAAAGQAAAAAAAAAzMzMAAAAAABQAAAAUAAAAGQAAABkAAAAAAAAABcAAAAUAAAAAAAAANwIAAD/fwAA/38AAAAAAAAJAAAABAAAAAEJAAAMAAAAEAAAAAAAAAAAAAAAAAAAAAAAAAAeAAAAaAAAAAAAAAAAAAAAAAAAAAAAAAAAAAAAECcAABAnAAAAAAAAAAAAAAAAAAAAAAAAAAAAAAAAAAAAAAAAAAAAABQAAAAAAAAAwMD/AAAAAABkAAAAMgAAAAAAAABkAAAAAAAAAH9/fwAKAAAAHwAAAFQAAAC74OMF////AQAAAAAAAAAAAAAAAAAAAAAAAAAAAAAAAAAAAAAAAAAAAAAAAn9/fwCAgIADzMzMAMDA/wB/f38AAAAAAAAAAAAAAAAAAAAAAAAAAAAhAAAAGAAAABQAAACDBQAAbhcAAPUJAAAeGQAAECAAACYAAAAIAAAA//////////8="/>
               </a:ext>
             </a:extLst>
           </p:cNvSpPr>
@@ -6538,7 +6539,7 @@
           <p:cNvSpPr txBox="1">
             <a:extLst>
               <a:ext uri="smNativeData">
-                <pr:smNativeData xmlns:pr="smNativeData" val="SMDATA_13_4IlQXxMAAAAlAAAAEgAAAE8BAAAAkAAAAEgAAACQAAAASAAAAAAAAAAAAAAAAAAAAAEAAABQAAAAAAAAAAAA4D8AAAAAAADgPwAAAAAAAOA/AAAAAAAA4D8AAAAAAADgPwAAAAAAAOA/AAAAAAAA4D8AAAAAAADgPwAAAAAAAOA/AAAAAAAA4D8CAAAAjAAAAAAAAAAAAAAAu+DjDP///wgAAAAAAAAAAAAAAAAAAAAAAAAAAAAAAAAAAAAAZAAAAAEAAABAAAAAAAAAAAAAAAAAAAAAAAAAAAAAAAAAAAAAAAAAAAAAAAAAAAAAAAAAAAAAAAAAAAAAAAAAAAAAAAAAAAAAAAAAAAAAAAAAAAAAAAAAAAAAAAAAAAAAFAAAADwAAAAAAAAAAAAAAAAAAAkUAAAAAQAAABQAAAAUAAAAFAAAAAEAAAAAAAAAZAAAAGQAAAAAAAAAZAAAAGQAAAAVAAAAYAAAAAAAAAAAAAAADwAAACADAAAAAAAAAAAAAAEAAACgMgAAVgcAAKr4//8BAAAAf39/AAEAAABkAAAAAAAAABQAAABAHwAAAAAAACYAAAAAAAAAwOD//wAAAAAmAAAAZAAAABYAAABMAAAAAAAAAAAAAAAEAAAAAAAAAAEAAACAgIAKAAAAACgAAAAoAAAAZAAAAGQAAAAAAAAAzMzMAAAAAABQAAAAUAAAAGQAAABkAAAAAAAAABcAAAAUAAAAAAAAANwIAAD/fwAA/38AAAAAAAAJAAAABAAAAP8JAAAMAAAAEAAAAAAAAAAAAAAAAAAAAAAAAAAeAAAAaAAAAAAAAAAAAAAAAAAAAAAAAAAAAAAAECcAABAnAAAAAAAAAAAAAAAAAAAAAAAAAAAAAAAAAAAAAAAAAAAAABQAAAAAAAAAwMD/AAAAAABkAAAAMgAAAAAAAABkAAAAAAAAAH9/fwAKAAAAHwAAAFQAAAC74OMF////AQAAAAAAAAAAAAAAAAAAAAAAAAAAAAAAAAAAAAAAAAAAAAAAAn9/fwCAgIADzMzMAMDA/wB/f38AAAAAAAAAAAAAAAAAAAAAAAAAAAAhAAAAGAAAABQAAAB2FgAASxcAAFIfAADLGAAAECAAACYAAAAIAAAA//////////8="/>
+                <pr:smNativeData xmlns:pr="smNativeData" val="SMDATA_13_Hs+1XxMAAAAlAAAAEgAAAE8BAAAAkAAAAEgAAACQAAAASAAAAAAAAAAAAAAAAAAAAAEAAABQAAAAAAAAAAAA4D8AAAAAAADgPwAAAAAAAOA/AAAAAAAA4D8AAAAAAADgPwAAAAAAAOA/AAAAAAAA4D8AAAAAAADgPwAAAAAAAOA/AAAAAAAA4D8CAAAAjAAAAAAAAAAAAAAAu+DjDP///wgAAAAAAAAAAAAAAAAAAAAAAAAAAAAAAAAAAAAAZAAAAAEAAABAAAAAAAAAAAAAAAAAAAAAAAAAAAAAAAAAAAAAAAAAAAAAAAAAAAAAAAAAAAAAAAAAAAAAAAAAAAAAAAAAAAAAAAAAAAAAAAAAAAAAAAAAAAAAAAAAAAAAFAAAADwAAAAAAAAAAAAAAAAAAAkUAAAAAQAAABQAAAAUAAAAFAAAAAEAAAAAAAAAZAAAAGQAAAAAAAAAZAAAAGQAAAAVAAAAYAAAAAAAAAAAAAAADwAAACADAAAAAAAAAAAAAAEAAACgMgAAVgcAAKr4//8BAAAAf39/AAEAAABkAAAAAAAAABQAAABAHwAAAAAAACYAAAAAAAAAwOD//wAAAAAmAAAAZAAAABYAAABMAAAAAAAAAAAAAAAEAAAAAAAAAAEAAACAgIAKAAAAACgAAAAoAAAAZAAAAGQAAAAAAAAAzMzMAAAAAABQAAAAUAAAAGQAAABkAAAAAAAAABcAAAAUAAAAAAAAANwIAAD/fwAA/38AAAAAAAAJAAAABAAAAP8JAAAMAAAAEAAAAAAAAAAAAAAAAAAAAAAAAAAeAAAAaAAAAAAAAAAAAAAAAAAAAAAAAAAAAAAAECcAABAnAAAAAAAAAAAAAAAAAAAAAAAAAAAAAAAAAAAAAAAAAAAAABQAAAAAAAAAwMD/AAAAAABkAAAAMgAAAAAAAABkAAAAAAAAAH9/fwAKAAAAHwAAAFQAAAC74OMF////AQAAAAAAAAAAAAAAAAAAAAAAAAAAAAAAAAAAAAAAAAAAAAAAAn9/fwCAgIADzMzMAMDA/wB/f38AAAAAAAAAAAAAAAAAAAAAAAAAAAAhAAAAGAAAABQAAAB2FgAASxcAAFIfAADLGAAAECAAACYAAAAIAAAA//////////8="/>
               </a:ext>
             </a:extLst>
           </p:cNvSpPr>
@@ -6581,7 +6582,7 @@
           <p:cNvSpPr txBox="1">
             <a:extLst>
               <a:ext uri="smNativeData">
-                <pr:smNativeData xmlns:pr="smNativeData" val="SMDATA_13_4IlQXxMAAAAlAAAAEgAAAE8BAAAAkAAAAEgAAACQAAAASAAAAAAAAAAAAAAAAAAAAAEAAABQAAAAAAAAAAAA4D8AAAAAAADgPwAAAAAAAOA/AAAAAAAA4D8AAAAAAADgPwAAAAAAAOA/AAAAAAAA4D8AAAAAAADgPwAAAAAAAOA/AAAAAAAA4D8CAAAAjAAAAAAAAAAAAAAAu+DjDP///wgAAAAAAAAAAAAAAAAAAAAAAAAAAAAAAAAAAAAAZAAAAAEAAABAAAAAAAAAAAAAAAAAAAAAAAAAAAAAAAAAAAAAAAAAAAAAAAAAAAAAAAAAAAAAAAAAAAAAAAAAAAAAAAAAAAAAAAAAAAAAAAAAAAAAAAAAAAAAAAAAAAAAFAAAADwAAAAAAAAAAAAAAAAAAAkUAAAAAQAAABQAAAAUAAAAFAAAAAEAAAAAAAAAZAAAAGQAAAAAAAAAZAAAAGQAAAAVAAAAYAAAAAAAAAAAAAAADwAAACADAAAAAAAAAAAAAAEAAACgMgAAVgcAAKr4//8BAAAAf39/AAEAAABkAAAAAAAAABQAAABAHwAAAAAAACYAAAAAAAAAwOD//wAAAAAmAAAAZAAAABYAAABMAAAAAAAAAAAAAAAEAAAAAAAAAAEAAACAgIAKAAAAACgAAAAoAAAAZAAAAGQAAAAAAAAAzMzMAAAAAABQAAAAUAAAAGQAAABkAAAAAAAAABcAAAAUAAAAAAAAANwIAAD/fwAA/38AAAAAAAAJAAAABAAAAAAJAAAMAAAAEAAAAAAAAAAAAAAAAAAAAAAAAAAeAAAAaAAAAAAAAAAAAAAAAAAAAAAAAAAAAAAAECcAABAnAAAAAAAAAAAAAAAAAAAAAAAAAAAAAAAAAAAAAAAAAAAAABQAAAAAAAAAwMD/AAAAAABkAAAAMgAAAAAAAABkAAAAAAAAAH9/fwAKAAAAHwAAAFQAAAC74OMF////AQAAAAAAAAAAAAAAAAAAAAAAAAAAAAAAAAAAAAAAAAAAAAAAAn9/fwCAgIADzMzMAMDA/wB/f38AAAAAAAAAAAAAAAAAAAAAAAAAAAAhAAAAGAAAABQAAAC2HQAAQBcAADwnAACwGQAAECAAACYAAAAIAAAA//////////8="/>
+                <pr:smNativeData xmlns:pr="smNativeData" val="SMDATA_13_Hs+1XxMAAAAlAAAAEgAAAE8BAAAAkAAAAEgAAACQAAAASAAAAAAAAAAAAAAAAAAAAAEAAABQAAAAAAAAAAAA4D8AAAAAAADgPwAAAAAAAOA/AAAAAAAA4D8AAAAAAADgPwAAAAAAAOA/AAAAAAAA4D8AAAAAAADgPwAAAAAAAOA/AAAAAAAA4D8CAAAAjAAAAAAAAAAAAAAAu+DjDP///wgAAAAAAAAAAAAAAAAAAAAAAAAAAAAAAAAAAAAAZAAAAAEAAABAAAAAAAAAAAAAAAAAAAAAAAAAAAAAAAAAAAAAAAAAAAAAAAAAAAAAAAAAAAAAAAAAAAAAAAAAAAAAAAAAAAAAAAAAAAAAAAAAAAAAAAAAAAAAAAAAAAAAFAAAADwAAAAAAAAAAAAAAAAAAAkUAAAAAQAAABQAAAAUAAAAFAAAAAEAAAAAAAAAZAAAAGQAAAAAAAAAZAAAAGQAAAAVAAAAYAAAAAAAAAAAAAAADwAAACADAAAAAAAAAAAAAAEAAACgMgAAVgcAAKr4//8BAAAAf39/AAEAAABkAAAAAAAAABQAAABAHwAAAAAAACYAAAAAAAAAwOD//wAAAAAmAAAAZAAAABYAAABMAAAAAAAAAAAAAAAEAAAAAAAAAAEAAACAgIAKAAAAACgAAAAoAAAAZAAAAGQAAAAAAAAAzMzMAAAAAABQAAAAUAAAAGQAAABkAAAAAAAAABcAAAAUAAAAAAAAANwIAAD/fwAA/38AAAAAAAAJAAAABAAAAAAJAAAMAAAAEAAAAAAAAAAAAAAAAAAAAAAAAAAeAAAAaAAAAAAAAAAAAAAAAAAAAAAAAAAAAAAAECcAABAnAAAAAAAAAAAAAAAAAAAAAAAAAAAAAAAAAAAAAAAAAAAAABQAAAAAAAAAwMD/AAAAAABkAAAAMgAAAAAAAABkAAAAAAAAAH9/fwAKAAAAHwAAAFQAAAC74OMF////AQAAAAAAAAAAAAAAAAAAAAAAAAAAAAAAAAAAAAAAAAAAAAAAAn9/fwCAgIADzMzMAMDA/wB/f38AAAAAAAAAAAAAAAAAAAAAAAAAAAAhAAAAGAAAABQAAAC2HQAAQBcAADwnAACwGQAAECAAACYAAAAIAAAA//////////8="/>
               </a:ext>
             </a:extLst>
           </p:cNvSpPr>
@@ -6636,7 +6637,7 @@
           <p:cNvSpPr txBox="1">
             <a:extLst>
               <a:ext uri="smNativeData">
-                <pr:smNativeData xmlns:pr="smNativeData" val="SMDATA_13_4IlQXxMAAAAlAAAAEgAAAE8BAAAAkAAAAEgAAACQAAAASAAAAAAAAAAAAAAAAAAAAAEAAABQAAAAAAAAAAAA4D8AAAAAAADgPwAAAAAAAOA/AAAAAAAA4D8AAAAAAADgPwAAAAAAAOA/AAAAAAAA4D8AAAAAAADgPwAAAAAAAOA/AAAAAAAA4D8CAAAAjAAAAAEAAAAAAAAA2u2hP////wgAAAAAAAAAAAAAAAAAAAAAAAAAAAAAAAAAAAAAZAAAAAEAAABAAAAAAAAAAAAAAAAAAAAAAAAAAAAAAAAAAAAAAAAAAAAAAAAAAAAAAAAAAAAAAAAAAAAAAAAAAAAAAAAAAAAAAAAAAAAAAAAAAAAAAAAAAAAAAAAAAAAAFAAAADwAAAABAAAAAAAAAAAAAAkFAAAAAQAAAAEAAAAAAAAAAAAAAAAAAAAAAAAAZAAAAGQAAAAAAAAAZAAAAGQAAAAVAAAAYAAAAAAAAAAAAAAADwAAACADAAAAAAAAAAAAAAEAAACgMgAAVgcAAKr4//8BAAAAf39/AAEAAABkAAAAAAAAABQAAABAHwAAAAAAACYAAAAAAAAAwOD//wAAAAAmAAAAZAAAABYAAABMAAAAAAAAAAAAAAAEAAAAAAAAAAEAAACAgIAKAAAAACgAAAAoAAAAZAAAAGQAAAAAAAAAzMzMAAAAAABQAAAAUAAAAGQAAABkAAAAAAAAABcAAAAUAAAAAAAAANwIAAD/fwAA/38AAAAAAAAJAAAABAAAAAAJAAAMAAAAEAAAAAAAAAAAAAAAAAAAAAAAAAAeAAAAaAAAAAAAAAAAAAAAAAAAAAAAAAAAAAAAECcAABAnAAAAAAAAAAAAAAAAAAAAAAAAAAAAAAAAAAAAAAAAAAAAABQAAAAAAAAAwMD/AAAAAABkAAAAMgAAAAAAAABkAAAAAAAAAH9/fwAKAAAAHwAAAFQAAADa7aE4////AQAAAAAAAAAAAAAAAAAAAAAAAAAAAAAAAAAAAAAAAAAAAAAAAn9/fwCAgIADzMzMAMDA/wB/f38AAAAAAAAAAAAAAAAAAAAAAAAAAAAhAAAAGAAAABQAAAAZEgAANiQAANcbAACuJwAAECAAACYAAAAIAAAA//////////8="/>
+                <pr:smNativeData xmlns:pr="smNativeData" val="SMDATA_13_Hs+1XxMAAAAlAAAAEgAAAE8BAAAAkAAAAEgAAACQAAAASAAAAAAAAAAAAAAAAAAAAAEAAABQAAAAAAAAAAAA4D8AAAAAAADgPwAAAAAAAOA/AAAAAAAA4D8AAAAAAADgPwAAAAAAAOA/AAAAAAAA4D8AAAAAAADgPwAAAAAAAOA/AAAAAAAA4D8CAAAAjAAAAAEAAAAAAAAA2u2hP////wgAAAAAAAAAAAAAAAAAAAAAAAAAAAAAAAAAAAAAZAAAAAEAAABAAAAAAAAAAAAAAAAAAAAAAAAAAAAAAAAAAAAAAAAAAAAAAAAAAAAAAAAAAAAAAAAAAAAAAAAAAAAAAAAAAAAAAAAAAAAAAAAAAAAAAAAAAAAAAAAAAAAAFAAAADwAAAABAAAAAAAAAAAAAAkFAAAAAQAAAAEAAAAAAAAAAAAAAAAAAAAAAAAAZAAAAGQAAAAAAAAAZAAAAGQAAAAVAAAAYAAAAAAAAAAAAAAADwAAACADAAAAAAAAAAAAAAEAAACgMgAAVgcAAKr4//8BAAAAf39/AAEAAABkAAAAAAAAABQAAABAHwAAAAAAACYAAAAAAAAAwOD//wAAAAAmAAAAZAAAABYAAABMAAAAAAAAAAAAAAAEAAAAAAAAAAEAAACAgIAKAAAAACgAAAAoAAAAZAAAAGQAAAAAAAAAzMzMAAAAAABQAAAAUAAAAGQAAABkAAAAAAAAABcAAAAUAAAAAAAAANwIAAD/fwAA/38AAAAAAAAJAAAABAAAAAAJAAAMAAAAEAAAAAAAAAAAAAAAAAAAAAAAAAAeAAAAaAAAAAAAAAAAAAAAAAAAAAAAAAAAAAAAECcAABAnAAAAAAAAAAAAAAAAAAAAAAAAAAAAAAAAAAAAAAAAAAAAABQAAAAAAAAAwMD/AAAAAABkAAAAMgAAAAAAAABkAAAAAAAAAH9/fwAKAAAAHwAAAFQAAADa7aE4////AQAAAAAAAAAAAAAAAAAAAAAAAAAAAAAAAAAAAAAAAAAAAAAAAn9/fwCAgIADzMzMAMDA/wB/f38AAAAAAAAAAAAAAAAAAAAAAAAAAAAhAAAAGAAAABQAAAAZEgAANiQAANcbAACuJwAAECAAACYAAAAIAAAA//////////8="/>
               </a:ext>
             </a:extLst>
           </p:cNvSpPr>
@@ -6707,7 +6708,7 @@
           <p:cNvSpPr txBox="1">
             <a:extLst>
               <a:ext uri="smNativeData">
-                <pr:smNativeData xmlns:pr="smNativeData" val="SMDATA_13_4IlQXxMAAAAlAAAAEgAAAE8BAAAAkAAAAEgAAACQAAAASAAAAAAAAAAAAAAAAAAAAAEAAABQAAAAAAAAAAAA4D8AAAAAAADgPwAAAAAAAOA/AAAAAAAA4D8AAAAAAADgPwAAAAAAAOA/AAAAAAAA4D8AAAAAAADgPwAAAAAAAOA/AAAAAAAA4D8CAAAAjAAAAAAAAAAAAAAAu+DjDP///wgAAAAAAAAAAAAAAAAAAAAAAAAAAAAAAAAAAAAAZAAAAAEAAABAAAAAAAAAAAAAAAAAAAAAAAAAAAAAAAAAAAAAAAAAAAAAAAAAAAAAAAAAAAAAAAAAAAAAAAAAAAAAAAAAAAAAAAAAAAAAAAAAAAAAAAAAAAAAAAAAAAAAFAAAADwAAAAAAAAAAAAAAAAAAAkUAAAAAQAAABQAAAAUAAAAFAAAAAEAAAAAAAAAZAAAAGQAAAAAAAAAZAAAAGQAAAAVAAAAYAAAAAAAAAAAAAAADwAAACADAAAAAAAAAAAAAAEAAACgMgAAVgcAAKr4//8BAAAAf39/AAEAAABkAAAAAAAAABQAAABAHwAAAAAAACYAAAAAAAAAwOD//wAAAAAmAAAAZAAAABYAAABMAAAAAAAAAAAAAAAEAAAAAAAAAAEAAACAgIAKAAAAACgAAAAoAAAAZAAAAGQAAAAAAAAAzMzMAAAAAABQAAAAUAAAAGQAAABkAAAAAAAAABcAAAAUAAAAAAAAANwIAAD/fwAA/38AAAAAAAAJAAAABAAAAAAJAAAMAAAAEAAAAAAAAAAAAAAAAAAAAAAAAAAeAAAAaAAAAAAAAAAAAAAAAAAAAAAAAAAAAAAAECcAABAnAAAAAAAAAAAAAAAAAAAAAAAAAAAAAAAAAAAAAAAAAAAAABQAAAAAAAAAwMD/AAAAAABkAAAAMgAAAAAAAABkAAAAAAAAAH9/fwAKAAAAHwAAAFQAAAC74OMF////AQAAAAAAAAAAAAAAAAAAAAAAAAAAAAAAAAAAAAAAAAAAAAAAAn9/fwCAgIADzMzMAMDA/wB/f38AAAAAAAAAAAAAAAAAAAAAAAAAAAAhAAAAGAAAABQAAADPGwAALCQAAIwhAADUJwAAECAAACYAAAAIAAAA//////////8="/>
+                <pr:smNativeData xmlns:pr="smNativeData" val="SMDATA_13_Hs+1XxMAAAAlAAAAEgAAAE8BAAAAkAAAAEgAAACQAAAASAAAAAAAAAAAAAAAAAAAAAEAAABQAAAAAAAAAAAA4D8AAAAAAADgPwAAAAAAAOA/AAAAAAAA4D8AAAAAAADgPwAAAAAAAOA/AAAAAAAA4D8AAAAAAADgPwAAAAAAAOA/AAAAAAAA4D8CAAAAjAAAAAAAAAAAAAAAu+DjDP///wgAAAAAAAAAAAAAAAAAAAAAAAAAAAAAAAAAAAAAZAAAAAEAAABAAAAAAAAAAAAAAAAAAAAAAAAAAAAAAAAAAAAAAAAAAAAAAAAAAAAAAAAAAAAAAAAAAAAAAAAAAAAAAAAAAAAAAAAAAAAAAAAAAAAAAAAAAAAAAAAAAAAAFAAAADwAAAAAAAAAAAAAAAAAAAkUAAAAAQAAABQAAAAUAAAAFAAAAAEAAAAAAAAAZAAAAGQAAAAAAAAAZAAAAGQAAAAVAAAAYAAAAAAAAAAAAAAADwAAACADAAAAAAAAAAAAAAEAAACgMgAAVgcAAKr4//8BAAAAf39/AAEAAABkAAAAAAAAABQAAABAHwAAAAAAACYAAAAAAAAAwOD//wAAAAAmAAAAZAAAABYAAABMAAAAAAAAAAAAAAAEAAAAAAAAAAEAAACAgIAKAAAAACgAAAAoAAAAZAAAAGQAAAAAAAAAzMzMAAAAAABQAAAAUAAAAGQAAABkAAAAAAAAABcAAAAUAAAAAAAAANwIAAD/fwAA/38AAAAAAAAJAAAABAAAAAAJAAAMAAAAEAAAAAAAAAAAAAAAAAAAAAAAAAAeAAAAaAAAAAAAAAAAAAAAAAAAAAAAAAAAAAAAECcAABAnAAAAAAAAAAAAAAAAAAAAAAAAAAAAAAAAAAAAAAAAAAAAABQAAAAAAAAAwMD/AAAAAABkAAAAMgAAAAAAAABkAAAAAAAAAH9/fwAKAAAAHwAAAFQAAAC74OMF////AQAAAAAAAAAAAAAAAAAAAAAAAAAAAAAAAAAAAAAAAAAAAAAAAn9/fwCAgIADzMzMAMDA/wB/f38AAAAAAAAAAAAAAAAAAAAAAAAAAAAhAAAAGAAAABQAAADPGwAALCQAAIwhAADUJwAAECAAACYAAAAIAAAA//////////8="/>
               </a:ext>
             </a:extLst>
           </p:cNvSpPr>
@@ -6774,7 +6775,7 @@
           <p:cNvSpPr>
             <a:extLst>
               <a:ext uri="smNativeData">
-                <pr:smNativeData xmlns:pr="smNativeData" val="SMDATA_13_4IlQXxMAAAAlAAAAZAAAAA8BAAAAkAAAAEgAAACQAAAASAAAAAAAAAAAAAAAAAAAAAEAAABQAAAAAAAAAAAA4D8AAAAAAADgPwAAAAAAAOA/AAAAAAAA4D8AAAAAAADgPwAAAAAAAOA/AAAAAAAA4D8AAAAAAADgPwAAAAAAAOA/AAAAAAAA4D8CAAAAjAAAAAAAAAAAAAAAwMDAAP///wgAAAAAAAAAAAAAAAAAAAAAAAAAAAAAAAAAAAAAZAAAAAEAAABAAAAAAAAAAAAAAAAAAAAAAAAAAAAAAAAAAAAAAAAAAAAAAAAAAAAAAAAAAAAAAAAAAAAAAAAAAAAAAAAAAAAAAAAAAAAAAAAAAAAAAAAAAAAAAAAAAAAAFAAAADwAAAABAAAAAAAAAH9/fwAUAAAAAQAAABQAAAAUAAAAFAAAAAEAAAAAAAAAZAAAAGQAAAAAAAAAZAAAAGQAAAAVAAAAYAAAAAAAAAAAAAAADwAAACADAAAAAAAAAAAAAAEAAACgMgAAVgcAAKr4//8BAAAAf39/AAEAAABkAAAAAAAAABQAAABAHwAAAAAAACYAAAAAAAAAwOD//wAAAAAmAAAAZAAAABYAAABMAAAAAAAAAAAAAAAEAAAAAAAAAAEAAACAgIAKAAAAACgAAAAoAAAAZAAAAGQAAAAAAAAAzMzMAAAAAABQAAAAUAAAAGQAAABkAAAAAAAAABcAAAAUAAAAAAAAAAAAAAD/fwAA/38AAAAAAAAJAAAABAAAAGcAaAAMAAAAEAAAAAAAAAAAAAAAAAAAAAAAAAAeAAAAaAAAAAAAAAAAAAAAAAAAAAAAAAAAAAAAECcAABAnAAAAAAAAAAAAAAAAAAAAAAAAAAAAAAAAAAAAAAAAAAAAABQAAAAAAAAAwMD/AAAAAABkAAAAMgAAAAAAAABkAAAAAAAAAH9/fwAKAAAAHwAAAFQAAADAwMAA////AQAAAAAAAAAAAAAAAAAAAAAAAAAAAAAAAAAAAAAAAAAAf39/AH9/fwCAgIADzMzMAMDA/wB/f38AAAAAAAAAAAAAAAAAAAAAAAAAAAAhAAAAGAAAABQAAAD9IQAA5h4AAC03AAC6JwAAEAAAACYAAAAIAAAA//////////8="/>
+                <pr:smNativeData xmlns:pr="smNativeData" val="SMDATA_13_Hs+1XxMAAAAlAAAAZAAAAA8BAAAAkAAAAEgAAACQAAAASAAAAAAAAAAAAAAAAAAAAAEAAABQAAAAAAAAAAAA4D8AAAAAAADgPwAAAAAAAOA/AAAAAAAA4D8AAAAAAADgPwAAAAAAAOA/AAAAAAAA4D8AAAAAAADgPwAAAAAAAOA/AAAAAAAA4D8CAAAAjAAAAAAAAAAAAAAAwMDAAP///wgAAAAAAAAAAAAAAAAAAAAAAAAAAAAAAAAAAAAAZAAAAAEAAABAAAAAAAAAAAAAAAAAAAAAAAAAAAAAAAAAAAAAAAAAAAAAAAAAAAAAAAAAAAAAAAAAAAAAAAAAAAAAAAAAAAAAAAAAAAAAAAAAAAAAAAAAAAAAAAAAAAAAFAAAADwAAAABAAAAAAAAAH9/fwAUAAAAAQAAABQAAAAUAAAAFAAAAAEAAAAAAAAAZAAAAGQAAAAAAAAAZAAAAGQAAAAVAAAAYAAAAAAAAAAAAAAADwAAACADAAAAAAAAAAAAAAEAAACgMgAAVgcAAKr4//8BAAAAf39/AAEAAABkAAAAAAAAABQAAABAHwAAAAAAACYAAAAAAAAAwOD//wAAAAAmAAAAZAAAABYAAABMAAAAAAAAAAAAAAAEAAAAAAAAAAEAAACAgIAKAAAAACgAAAAoAAAAZAAAAGQAAAAAAAAAzMzMAAAAAABQAAAAUAAAAGQAAABkAAAAAAAAABcAAAAUAAAAAAAAAAAAAAD/fwAA/38AAAAAAAAJAAAABAAAAGcAaAAMAAAAEAAAAAAAAAAAAAAAAAAAAAAAAAAeAAAAaAAAAAAAAAAAAAAAAAAAAAAAAAAAAAAAECcAABAnAAAAAAAAAAAAAAAAAAAAAAAAAAAAAAAAAAAAAAAAAAAAABQAAAAAAAAAwMD/AAAAAABkAAAAMgAAAAAAAABkAAAAAAAAAH9/fwAKAAAAHwAAAFQAAADAwMAA////AQAAAAAAAAAAAAAAAAAAAAAAAAAAAAAAAAAAAAAAAAAAf39/AH9/fwCAgIADzMzMAMDA/wB/f38AAAAAAAAAAAAAAAAAAAAAAAAAAAAhAAAAGAAAABQAAAD9IQAA5h4AAC03AAC6JwAAEAAAACYAAAAIAAAA//////////8="/>
               </a:ext>
             </a:extLst>
           </p:cNvSpPr>
@@ -6806,7 +6807,7 @@
           <p:cNvSpPr txBox="1">
             <a:extLst>
               <a:ext uri="smNativeData">
-                <pr:smNativeData xmlns:pr="smNativeData" val="SMDATA_13_4IlQXxMAAAAlAAAAEgAAAE8BAAAAkAAAAEgAAACQAAAASAAAAAAAAAAAAAAAAAAAAAEAAABQAAAAAAAAAAAA4D8AAAAAAADgPwAAAAAAAOA/AAAAAAAA4D8AAAAAAADgPwAAAAAAAOA/AAAAAAAA4D8AAAAAAADgPwAAAAAAAOA/AAAAAAAA4D8CAAAAjAAAAAAAAAAAAAAAu+DjDP///wgAAAAAAAAAAAAAAAAAAAAAAAAAAAAAAAAAAAAAZAAAAAEAAABAAAAAAAAAAAAAAAAAAAAAAAAAAAAAAAAAAAAAAAAAAAAAAAAAAAAAAAAAAAAAAAAAAAAAAAAAAAAAAAAAAAAAAAAAAAAAAAAAAAAAAAAAAAAAAAAAAAAAFAAAADwAAAAAAAAAAAAAAAAAAAkUAAAAAQAAABQAAAAUAAAAFAAAAAEAAAAAAAAAZAAAAGQAAAAAAAAAZAAAAGQAAAAVAAAAYAAAAAAAAAAAAAAADwAAACADAAAAAAAAAAAAAAEAAACgMgAAVgcAAKr4//8BAAAAf39/AAEAAABkAAAAAAAAABQAAABAHwAAAAAAACYAAAAAAAAAwOD//wAAAAAmAAAAZAAAABYAAABMAAAAAAAAAAAAAAAEAAAAAAAAAAEAAACAgIAKAAAAACgAAAAoAAAAZAAAAGQAAAAAAAAAzMzMAAAAAABQAAAAUAAAAGQAAABkAAAAAAAAABcAAAAUAAAAAAAAANwIAAD/fwAA/38AAAAAAAAJAAAABAAAAAAAAAAMAAAAEAAAAAAAAAAAAAAAAAAAAAAAAAAeAAAAaAAAAAAAAAAAAAAAAAAAAAAAAAAAAAAAECcAABAnAAAAAAAAAAAAAAAAAAAAAAAAAAAAAAAAAAAAAAAAAAAAABQAAAAAAAAAwMD/AAAAAABkAAAAMgAAAAAAAABkAAAAAAAAAH9/fwAKAAAAHwAAAFQAAAC74OMF////AQAAAAAAAAAAAAAAAAAAAAAAAAAAAAAAAAAAAAAAAAAAAAAAAn9/fwCAgIADzMzMAMDA/wB/f38AAAAAAAAAAAAAAAAAAAAAAAAAAAAhAAAAGAAAABQAAABuIgAAZB8AALw2AAB0JwAAECAAACYAAAAIAAAA//////////8="/>
+                <pr:smNativeData xmlns:pr="smNativeData" val="SMDATA_13_Hs+1XxMAAAAlAAAAEgAAAE8BAAAAkAAAAEgAAACQAAAASAAAAAAAAAAAAAAAAAAAAAEAAABQAAAAAAAAAAAA4D8AAAAAAADgPwAAAAAAAOA/AAAAAAAA4D8AAAAAAADgPwAAAAAAAOA/AAAAAAAA4D8AAAAAAADgPwAAAAAAAOA/AAAAAAAA4D8CAAAAjAAAAAAAAAAAAAAAu+DjDP///wgAAAAAAAAAAAAAAAAAAAAAAAAAAAAAAAAAAAAAZAAAAAEAAABAAAAAAAAAAAAAAAAAAAAAAAAAAAAAAAAAAAAAAAAAAAAAAAAAAAAAAAAAAAAAAAAAAAAAAAAAAAAAAAAAAAAAAAAAAAAAAAAAAAAAAAAAAAAAAAAAAAAAFAAAADwAAAAAAAAAAAAAAAAAAAkUAAAAAQAAABQAAAAUAAAAFAAAAAEAAAAAAAAAZAAAAGQAAAAAAAAAZAAAAGQAAAAVAAAAYAAAAAAAAAAAAAAADwAAACADAAAAAAAAAAAAAAEAAACgMgAAVgcAAKr4//8BAAAAf39/AAEAAABkAAAAAAAAABQAAABAHwAAAAAAACYAAAAAAAAAwOD//wAAAAAmAAAAZAAAABYAAABMAAAAAAAAAAAAAAAEAAAAAAAAAAEAAACAgIAKAAAAACgAAAAoAAAAZAAAAGQAAAAAAAAAzMzMAAAAAABQAAAAUAAAAGQAAABkAAAAAAAAABcAAAAUAAAAAAAAANwIAAD/fwAA/38AAAAAAAAJAAAABAAAAAAAAAAMAAAAEAAAAAAAAAAAAAAAAAAAAAAAAAAeAAAAaAAAAAAAAAAAAAAAAAAAAAAAAAAAAAAAECcAABAnAAAAAAAAAAAAAAAAAAAAAAAAAAAAAAAAAAAAAAAAAAAAABQAAAAAAAAAwMD/AAAAAABkAAAAMgAAAAAAAABkAAAAAAAAAH9/fwAKAAAAHwAAAFQAAAC74OMF////AQAAAAAAAAAAAAAAAAAAAAAAAAAAAAAAAAAAAAAAAAAAAAAAAn9/fwCAgIADzMzMAMDA/wB/f38AAAAAAAAAAAAAAAAAAAAAAAAAAAAhAAAAGAAAABQAAABuIgAAZB8AALw2AAB0JwAAECAAACYAAAAIAAAA//////////8="/>
               </a:ext>
             </a:extLst>
           </p:cNvSpPr>
@@ -6948,7 +6949,7 @@
           <p:cNvSpPr txBox="1">
             <a:extLst>
               <a:ext uri="smNativeData">
-                <pr:smNativeData xmlns:pr="smNativeData" val="SMDATA_13_4IlQXxMAAAAlAAAAEgAAAE8BAAAAkAAAAEgAAACQAAAASAAAAAAAAAAAAAAAAAAAAAEAAABQAAAAAAAAAAAA4D8AAAAAAADgPwAAAAAAAOA/AAAAAAAA4D8AAAAAAADgPwAAAAAAAOA/AAAAAAAA4D8AAAAAAADgPwAAAAAAAOA/AAAAAAAA4D8CAAAAjAAAAAAAAAAAAAAAu+DjDP///wgAAAAAAAAAAAAAAAAAAAAAAAAAAAAAAAAAAAAAZAAAAAEAAABAAAAAAAAAAAAAAAAAAAAAAAAAAAAAAAAAAAAAAAAAAAAAAAAAAAAAAAAAAAAAAAAAAAAAAAAAAAAAAAAAAAAAAAAAAAAAAAAAAAAAAAAAAAAAAAAAAAAAFAAAADwAAAAAAAAAAAAAAAAAAAkUAAAAAQAAABQAAAAUAAAAFAAAAAEAAAAAAAAAZAAAAGQAAAAAAAAAZAAAAGQAAAAVAAAAYAAAAAAAAAAAAAAADwAAACADAAAAAAAAAAAAAAEAAACgMgAAVgcAAKr4//8BAAAAf39/AAEAAABkAAAAAAAAABQAAABAHwAAAAAAACYAAAAAAAAAwOD//wAAAAAmAAAAZAAAABYAAABMAAAAAAAAAAAAAAAEAAAAAAAAAAEAAACAgIAKAAAAACgAAAAoAAAAZAAAAGQAAAAAAAAAzMzMAAAAAABQAAAAUAAAAGQAAABkAAAAAAAAABcAAAAUAAAAAAAAANwIAAD/fwAA/38AAAAAAAAJAAAABAAAAAAAaAAMAAAAEAAAAAAAAAAAAAAAAAAAAAAAAAAeAAAAaAAAAAAAAAAAAAAAAAAAAAAAAAAAAAAAECcAABAnAAAAAAAAAAAAAAAAAAAAAAAAAAAAAAAAAAAAAAAAAAAAABQAAAAAAAAAwMD/AAAAAABkAAAAMgAAAAAAAABkAAAAAAAAAH9/fwAKAAAAHwAAAFQAAAC74OMF////AQAAAAAAAAAAAAAAAAAAAAAAAAAAAAAAAAAAAAAAAAAAAAAAAn9/fwCAgIADzMzMAMDA/wB/f38AAAAAAAAAAAAAAAAAAAAAAAAAAAAhAAAAGAAAABQAAADXIgAA3RwAAEknAAB1HgAAECAAACYAAAAIAAAA//////////8="/>
+                <pr:smNativeData xmlns:pr="smNativeData" val="SMDATA_13_Hs+1XxMAAAAlAAAAEgAAAE8BAAAAkAAAAEgAAACQAAAASAAAAAAAAAAAAAAAAAAAAAEAAABQAAAAAAAAAAAA4D8AAAAAAADgPwAAAAAAAOA/AAAAAAAA4D8AAAAAAADgPwAAAAAAAOA/AAAAAAAA4D8AAAAAAADgPwAAAAAAAOA/AAAAAAAA4D8CAAAAjAAAAAAAAAAAAAAAu+DjDP///wgAAAAAAAAAAAAAAAAAAAAAAAAAAAAAAAAAAAAAZAAAAAEAAABAAAAAAAAAAAAAAAAAAAAAAAAAAAAAAAAAAAAAAAAAAAAAAAAAAAAAAAAAAAAAAAAAAAAAAAAAAAAAAAAAAAAAAAAAAAAAAAAAAAAAAAAAAAAAAAAAAAAAFAAAADwAAAAAAAAAAAAAAAAAAAkUAAAAAQAAABQAAAAUAAAAFAAAAAEAAAAAAAAAZAAAAGQAAAAAAAAAZAAAAGQAAAAVAAAAYAAAAAAAAAAAAAAADwAAACADAAAAAAAAAAAAAAEAAACgMgAAVgcAAKr4//8BAAAAf39/AAEAAABkAAAAAAAAABQAAABAHwAAAAAAACYAAAAAAAAAwOD//wAAAAAmAAAAZAAAABYAAABMAAAAAAAAAAAAAAAEAAAAAAAAAAEAAACAgIAKAAAAACgAAAAoAAAAZAAAAGQAAAAAAAAAzMzMAAAAAABQAAAAUAAAAGQAAABkAAAAAAAAABcAAAAUAAAAAAAAANwIAAD/fwAA/38AAAAAAAAJAAAABAAAAAAAaAAMAAAAEAAAAAAAAAAAAAAAAAAAAAAAAAAeAAAAaAAAAAAAAAAAAAAAAAAAAAAAAAAAAAAAECcAABAnAAAAAAAAAAAAAAAAAAAAAAAAAAAAAAAAAAAAAAAAAAAAABQAAAAAAAAAwMD/AAAAAABkAAAAMgAAAAAAAABkAAAAAAAAAH9/fwAKAAAAHwAAAFQAAAC74OMF////AQAAAAAAAAAAAAAAAAAAAAAAAAAAAAAAAAAAAAAAAAAAAAAAAn9/fwCAgIADzMzMAMDA/wB/f38AAAAAAAAAAAAAAAAAAAAAAAAAAAAhAAAAGAAAABQAAADXIgAA3RwAAEknAAB1HgAAECAAACYAAAAIAAAA//////////8="/>
               </a:ext>
             </a:extLst>
           </p:cNvSpPr>
@@ -6985,6 +6986,71 @@
           </a:p>
         </p:txBody>
       </p:sp>
+    </p:spTree>
+  </p:cSld>
+  <p:clrMapOvr>
+    <a:masterClrMapping/>
+  </p:clrMapOvr>
+  <p:timing>
+    <p:tnLst>
+      <p:par>
+        <p:cTn id="1" dur="indefinite" restart="never" nodeType="tmRoot"/>
+      </p:par>
+    </p:tnLst>
+  </p:timing>
+</p:sld>
+</file>
+
+<file path=ppt/slides/slide2.xml><?xml version="1.0" encoding="utf-8"?>
+<p:sld xmlns:p="http://schemas.openxmlformats.org/presentationml/2006/main" xmlns:p14="http://schemas.microsoft.com/office/powerpoint/2010/main" xmlns:r="http://schemas.openxmlformats.org/officeDocument/2006/relationships" xmlns:a="http://schemas.openxmlformats.org/drawingml/2006/main">
+  <p:cSld>
+    <p:spTree>
+      <p:nvGrpSpPr>
+        <p:cNvPr id="1" name=""/>
+        <p:cNvGrpSpPr/>
+        <p:nvPr/>
+      </p:nvGrpSpPr>
+      <p:grpSpPr>
+        <a:xfrm>
+          <a:off x="0" y="0"/>
+          <a:ext cx="0" cy="0"/>
+          <a:chOff x="0" y="0"/>
+          <a:chExt cx="0" cy="0"/>
+        </a:xfrm>
+      </p:grpSpPr>
+      <p:pic>
+        <p:nvPicPr>
+          <p:cNvPr id="2" name="画像1"/>
+          <p:cNvPicPr>
+            <a:extLst>
+              <a:ext uri="smNativeData">
+                <pr:smNativeData xmlns:pr="smNativeData" val="SMDATA_15_Hs+1XxMAAAAlAAAAEQAAAA8BAAAAkAAAAEgAAACQAAAASAAAAAAAAAAAAAAAAAAAAAEAAABQAAAAAAAAAAAA4D8AAAAAAADgPwAAAAAAAOA/AAAAAAAA4D8AAAAAAADgPwAAAAAAAOA/AAAAAAAA4D8AAAAAAADgPwAAAAAAAOA/AAAAAAAA4D8CAAAAjAAAAAAAAAAAAAAAu+DjDP///wgAAAAAAAAAAAAAAAAAAAAAAAAAAAAAAAAAAAAAZAAAAAEAAABAAAAAAAAAAAAAAAAAAAAAAAAAAAAAAAAAAAAAAAAAAAAAAAAAAAAAAAAAAAAAAAAAAAAAAAAAAAAAAAAAAAAAAAAAAAAAAAAAAAAAAAAAAAAAAAAAAAAAFAAAADwAAAAAAAAAAAAAAAAAAAkUAAAAAQAAABQAAAAUAAAAFAAAAAEAAAAAAAAAZAAAAGQAAAAAAAAAZAAAAGQAAAAVAAAAYAAAAAAAAAAAAAAADwAAACADAAAAAAAAAAAAAAEAAACgMgAAVgcAAKr4//8BAAAAf39/AAEAAABkAAAAAAAAABQAAABAHwAAAAAAACYAAAAAAAAAwOD//wAAAAAmAAAAZAAAABYAAABMAAAAAAAAAAAAAAAEAAAAAAAAAAEAAACAgIAKAAAAACgAAAAoAAAAZAAAAGQAAAAAAAAAzMzMAAAAAABQAAAAUAAAAGQAAABkAAAAAAAAAAcAAAA4AAAAAAAAAAAAAAAAAAAA////AAAAAAAAAAAAAAAAAAAAAAAAAAAAAAAAAAAAAABkAAAAZAAAAAAAAAAjAAAABAAAAGQAAAAXAAAAFAAAAAAAAAAAAAAA/38AAP9/AAAAAAAACQAAAAQAAAAAAAAADAAAABAAAAAAAAAAAAAAAAAAAAAAAAAAHgAAAGgAAAAAAAAAAAAAAAAAAAAAAAAAAAAAABAnAAAQJwAAAAAAAAAAAAAAAAAAAAAAAAAAAAAAAAAAAAAAAAAAAAAUAAAAAAAAAMDA/wAAAAAAZAAAADIAAAAAAAAAZAAAAAAAAAB/f38ACgAAAB8AAABUAAAAu+DjBf///wEAAAAAAAAAAAAAAAAAAAAAAAAAAAAAAAAAAAAAAAAAAAAAAAJ/f38AgICAA8zMzADAwP8Af39/AAAAAAAAAAAAAAAAAP///wAAAAAAIQAAABgAAAAUAAAA3gAAAIQDAACeNwAAIh0AAAAAAAAmAAAACAAAAP//////////"/>
+              </a:ext>
+            </a:extLst>
+          </p:cNvPicPr>
+          <p:nvPr/>
+        </p:nvPicPr>
+        <p:blipFill>
+          <a:blip r:embed="rId2"/>
+          <a:stretch>
+            <a:fillRect/>
+          </a:stretch>
+        </p:blipFill>
+        <p:spPr>
+          <a:xfrm>
+            <a:off x="140970" y="571500"/>
+            <a:ext cx="8900160" cy="4164330"/>
+          </a:xfrm>
+          <a:prstGeom prst="rect">
+            <a:avLst/>
+          </a:prstGeom>
+          <a:noFill/>
+          <a:ln>
+            <a:noFill/>
+          </a:ln>
+          <a:effectLst/>
+        </p:spPr>
+      </p:pic>
     </p:spTree>
   </p:cSld>
   <p:clrMapOvr>
@@ -7907,6 +7973,88 @@
       </a:clrScheme>
       <a:clrMap bg1="lt1" tx1="dk1" bg2="lt2" tx2="dk2" accent1="accent1" accent2="accent2" accent3="accent3" accent4="accent4" accent5="accent5" accent6="accent6" hlink="hlink" folHlink="folHlink"/>
     </a:extraClrScheme>
+    <a:extraClrScheme>
+      <a:clrScheme name="Presentation 17">
+        <a:dk1>
+          <a:srgbClr val="000000"/>
+        </a:dk1>
+        <a:lt1>
+          <a:srgbClr val="FFFFFF"/>
+        </a:lt1>
+        <a:dk2>
+          <a:srgbClr val="000000"/>
+        </a:dk2>
+        <a:lt2>
+          <a:srgbClr val="808080"/>
+        </a:lt2>
+        <a:accent1>
+          <a:srgbClr val="BBE0E3"/>
+        </a:accent1>
+        <a:accent2>
+          <a:srgbClr val="333399"/>
+        </a:accent2>
+        <a:accent3>
+          <a:srgbClr val="535379"/>
+        </a:accent3>
+        <a:accent4>
+          <a:srgbClr val="737359"/>
+        </a:accent4>
+        <a:accent5>
+          <a:srgbClr val="939339"/>
+        </a:accent5>
+        <a:accent6>
+          <a:srgbClr val="B3B319"/>
+        </a:accent6>
+        <a:hlink>
+          <a:srgbClr val="009999"/>
+        </a:hlink>
+        <a:folHlink>
+          <a:srgbClr val="99CC00"/>
+        </a:folHlink>
+      </a:clrScheme>
+      <a:clrMap bg1="lt1" tx1="dk1" bg2="lt2" tx2="dk2" accent1="accent1" accent2="accent2" accent3="accent3" accent4="accent4" accent5="accent5" accent6="accent6" hlink="hlink" folHlink="folHlink"/>
+    </a:extraClrScheme>
+    <a:extraClrScheme>
+      <a:clrScheme name="Presentation 18">
+        <a:dk1>
+          <a:srgbClr val="000000"/>
+        </a:dk1>
+        <a:lt1>
+          <a:srgbClr val="FFFFFF"/>
+        </a:lt1>
+        <a:dk2>
+          <a:srgbClr val="000000"/>
+        </a:dk2>
+        <a:lt2>
+          <a:srgbClr val="808080"/>
+        </a:lt2>
+        <a:accent1>
+          <a:srgbClr val="BBE0E3"/>
+        </a:accent1>
+        <a:accent2>
+          <a:srgbClr val="333399"/>
+        </a:accent2>
+        <a:accent3>
+          <a:srgbClr val="535379"/>
+        </a:accent3>
+        <a:accent4>
+          <a:srgbClr val="737359"/>
+        </a:accent4>
+        <a:accent5>
+          <a:srgbClr val="939339"/>
+        </a:accent5>
+        <a:accent6>
+          <a:srgbClr val="B3B319"/>
+        </a:accent6>
+        <a:hlink>
+          <a:srgbClr val="009999"/>
+        </a:hlink>
+        <a:folHlink>
+          <a:srgbClr val="99CC00"/>
+        </a:folHlink>
+      </a:clrScheme>
+      <a:clrMap bg1="lt1" tx1="dk1" bg2="lt2" tx2="dk2" accent1="accent1" accent2="accent2" accent3="accent3" accent4="accent4" accent5="accent5" accent6="accent6" hlink="hlink" folHlink="folHlink"/>
+    </a:extraClrScheme>
   </a:extraClrSchemeLst>
 </a:theme>
 </file>
--- a/docs/spec/gconf.pptx
+++ b/docs/spec/gconf.pptx
@@ -237,7 +237,7 @@
             <a:spLocks noGrp="1" noChangeArrowheads="1"/>
             <a:extLst>
               <a:ext uri="smNativeData">
-                <pr:smNativeData xmlns:pr="smNativeData" val="SMDATA_13_Hs+1XxMAAAAlAAAAZAAAAA8BAAAAkAAAAEgAAACQAAAASAAAAAAAAAABAAAAAAAAAAEAAABQAAAAAAAAAAAA4D8AAAAAAADgPwAAAAAAAOA/AAAAAAAA4D8AAAAAAADgPwAAAAAAAOA/AAAAAAAA4D8AAAAAAADgPwAAAAAAAOA/AAAAAAAA4D8CAAAAjAAAAAAAAAAAAAAAu+DjDP///wgAAAAAAAAAAAAAAAAAAAAAAAAAAAAAAAAAAAAAZAAAAAEAAABAAAAAAAAAAAAAAAAAAAAAAAAAAAAAAAAAAAAAAAAAAAAAAAAAAAAAAAAAAAAAAAAAAAAAAAAAAAAAAAAAAAAAAAAAAAAAAAAAAAAAAAAAAAAAAAAAAAAAFAAAADwAAAAAAAAAAAAAAAAAAAkUAAAAAQAAABQAAAAUAAAAFAAAAAEAAAAAAAAAZAAAAGQAAAAAAAAAZAAAAGQAAAAVAAAAYAAAAAAAAAAAAAAADwAAACADAAAAAAAAAAAAAAEAAACgMgAAVgcAAKr4//8BAAAAf39/AAEAAABkAAAAAAAAABQAAABAHwAAAAAAACYAAAAAAAAAwOD//wAAAAAmAAAAZAAAABYAAABMAAAAAAAAAAAAAAAEAAAAAAAAAAEAAACAgIAKAAAAACgAAAAoAAAAZAAAAGQAAAAAAAAAzMzMAAAAAABQAAAAUAAAAGQAAABkAAAAAAAAABcAAAAUAAAAAAAAAAAAAAD/fwAA/38AAAAAAAAJAAAABAAAAAAAAAAMAAAAEAAAAAAAAAAAAAAAAAAAAAAAAAAeAAAAaAAAAAAAAAAAAAAAAAAAAAAAAAAAAAAAECcAABAnAAAAAAAAAAAAAAAAAAAAAAAAAAAAAAAAAAAAAAAAAAAAABQAAAAAAAAAwMD/AAAAAABkAAAAMgAAAAAAAABkAAAAAAAAAH9/fwAKAAAAHwAAAFQAAAAAAAAFAAAAAQAAAAAAAAAAAAAAAAAAAAAAAAAAAAAAAAAAAAAAAAAAAAAAAn9/fwAAAAADzMzMAMDA/wB/f38AAAAAAAAAAAAAAAAAAAAAAAAAAAAhAAAAGAAAABQAAAA4BAAAGg0AAAg0AAAmFgAAEAAAACYAAAAIAAAAAQAAAAAAAAA="/>
+                <pr:smNativeData xmlns:pr="smNativeData" val="SMDATA_13_GUMTYBMAAAAlAAAAZAAAAA8BAAAAkAAAAEgAAACQAAAASAAAAAAAAAABAAAAAAAAAAEAAABQAAAAAAAAAAAA4D8AAAAAAADgPwAAAAAAAOA/AAAAAAAA4D8AAAAAAADgPwAAAAAAAOA/AAAAAAAA4D8AAAAAAADgPwAAAAAAAOA/AAAAAAAA4D8CAAAAjAAAAAAAAAAAAAAAu+DjDP///wgAAAAAAAAAAAAAAAAAAAAAAAAAAAAAAAAAAAAAZAAAAAEAAABAAAAAAAAAAAAAAAAAAAAAAAAAAAAAAAAAAAAAAAAAAAAAAAAAAAAAAAAAAAAAAAAAAAAAAAAAAAAAAAAAAAAAAAAAAAAAAAAAAAAAAAAAAAAAAAAAAAAAFAAAADwAAAAAAAAAAAAAAAAAAAkUAAAAAQAAABQAAAAUAAAAFAAAAAEAAAAAAAAAZAAAAGQAAAAAAAAAZAAAAGQAAAAVAAAAYAAAAAAAAAAAAAAADwAAACADAAAAAAAAAAAAAAEAAACgMgAAVgcAAKr4//8BAAAAf39/AAEAAABkAAAAAAAAABQAAABAHwAAAAAAACYAAAAAAAAAwOD//wAAAAAmAAAAZAAAABYAAABMAAAAAAAAAAAAAAAEAAAAAAAAAAEAAACAgIAKAAAAACgAAAAoAAAAZAAAAGQAAAAAAAAAzMzMAAAAAABQAAAAUAAAAGQAAABkAAAAAAAAABcAAAAUAAAAAAAAAAAAAAD/fwAA/38AAAAAAAAJAAAABAAAAAAAAAAMAAAAEAAAAAAAAAAAAAAAAAAAAAAAAAAeAAAAaAAAAAAAAAAAAAAAAAAAAAAAAAAAAAAAECcAABAnAAAAAAAAAAAAAAAAAAAAAAAAAAAAAAAAAAAAAAAAAAAAABQAAAAAAAAAwMD/AAAAAABkAAAAMgAAAAAAAABkAAAAAAAAAH9/fwAKAAAAHwAAAFQAAAAAAAAFAAAAAQAAAAAAAAAAAAAAAAAAAAAAAAAAAAAAAAAAAAAAAAAAAAAAAn9/fwAAAAADzMzMAMDA/wB/f38AAAAAAAAAAAAAAAAAAAAAAAAAAAAhAAAAGAAAABQAAAA4BAAAGg0AAAg0AAAmFgAAEAAAACYAAAAIAAAAAQAAAAAAAAA="/>
               </a:ext>
             </a:extLst>
           </p:cNvSpPr>
@@ -269,7 +269,7 @@
             <a:spLocks noGrp="1" noChangeArrowheads="1"/>
             <a:extLst>
               <a:ext uri="smNativeData">
-                <pr:smNativeData xmlns:pr="smNativeData" val="SMDATA_13_Hs+1XxMAAAAlAAAAZAAAAA8BAAAAkAAAAEgAAACQAAAASAAAAAAAAAAAAAAAAAAAAAEAAABQAAAAAAAAAAAA4D8AAAAAAADgPwAAAAAAAOA/AAAAAAAA4D8AAAAAAADgPwAAAAAAAOA/AAAAAAAA4D8AAAAAAADgPwAAAAAAAOA/AAAAAAAA4D8CAAAAjAAAAAAAAAAAAAAAu+DjDP///wgAAAAAAAAAAAAAAAAAAAAAAAAAAAAAAAAAAAAAZAAAAAEAAABAAAAAAAAAAAAAAAAAAAAAAAAAAAAAAAAAAAAAAAAAAAAAAAAAAAAAAAAAAAAAAAAAAAAAAAAAAAAAAAAAAAAAAAAAAAAAAAAAAAAAAAAAAAAAAAAAAAAAFAAAADwAAAAAAAAAAAAAAAAAAAkUAAAAAQAAABQAAAAUAAAAFAAAAAEAAAAAAAAAZAAAAGQAAAAAAAAAZAAAAGQAAAAVAAAAYAAAAAAAAAAAAAAADwAAACADAAAAAAAAAAAAAAEAAACgMgAAVgcAAKr4//8BAAAAf39/AAEAAABkAAAAAAAAABQAAABAHwAAAAAAACYAAAAAAAAAwOD//wAAAAAmAAAAZAAAABYAAABMAAAAAAAAAAAAAAAEAAAAAAAAAAEAAACAgIAKAAAAACgAAAAoAAAAZAAAAGQAAAAAAAAAzMzMAAAAAABQAAAAUAAAAGQAAABkAAAAAAAAABcAAAAUAAAAAAAAAAAAAAD/fwAA/38AAAAAAAAJAAAABAAAAAAAAAAMAAAAEAAAAAAAAAAAAAAAAAAAAAAAAAAeAAAAaAAAAAAAAAAAAAAAAAAAAAAAAAAAAAAAECcAABAnAAAAAAAAAAAAAAAAAAAAAAAAAAAAAAAAAAAAAAAAAAAAABQAAAAAAAAAwMD/AAAAAABkAAAAMgAAAAAAAABkAAAAAAAAAH9/fwAKAAAAHwAAAFQAAAAAAAAFAAAAAQAAAAAAAAAAAAAAAAAAAAAAAAAAAAAAAAAAAAAAAAAAAAAAAn9/fwAAAAADzMzMAMDA/wB/f38AAAAAAAAAAAAAAAAAAAAAAAAAAAAhAAAAGAAAABQAAABwCAAA6BcAANAvAACwIgAAEAAAACYAAAAIAAAAAYAAAAAAAAA="/>
+                <pr:smNativeData xmlns:pr="smNativeData" val="SMDATA_13_GUMTYBMAAAAlAAAAZAAAAA8BAAAAkAAAAEgAAACQAAAASAAAAAAAAAAAAAAAAAAAAAEAAABQAAAAAAAAAAAA4D8AAAAAAADgPwAAAAAAAOA/AAAAAAAA4D8AAAAAAADgPwAAAAAAAOA/AAAAAAAA4D8AAAAAAADgPwAAAAAAAOA/AAAAAAAA4D8CAAAAjAAAAAAAAAAAAAAAu+DjDP///wgAAAAAAAAAAAAAAAAAAAAAAAAAAAAAAAAAAAAAZAAAAAEAAABAAAAAAAAAAAAAAAAAAAAAAAAAAAAAAAAAAAAAAAAAAAAAAAAAAAAAAAAAAAAAAAAAAAAAAAAAAAAAAAAAAAAAAAAAAAAAAAAAAAAAAAAAAAAAAAAAAAAAFAAAADwAAAAAAAAAAAAAAAAAAAkUAAAAAQAAABQAAAAUAAAAFAAAAAEAAAAAAAAAZAAAAGQAAAAAAAAAZAAAAGQAAAAVAAAAYAAAAAAAAAAAAAAADwAAACADAAAAAAAAAAAAAAEAAACgMgAAVgcAAKr4//8BAAAAf39/AAEAAABkAAAAAAAAABQAAABAHwAAAAAAACYAAAAAAAAAwOD//wAAAAAmAAAAZAAAABYAAABMAAAAAAAAAAAAAAAEAAAAAAAAAAEAAACAgIAKAAAAACgAAAAoAAAAZAAAAGQAAAAAAAAAzMzMAAAAAABQAAAAUAAAAGQAAABkAAAAAAAAABcAAAAUAAAAAAAAAAAAAAD/fwAA/38AAAAAAAAJAAAABAAAAAAAAAAMAAAAEAAAAAAAAAAAAAAAAAAAAAAAAAAeAAAAaAAAAAAAAAAAAAAAAAAAAAAAAAAAAAAAECcAABAnAAAAAAAAAAAAAAAAAAAAAAAAAAAAAAAAAAAAAAAAAAAAABQAAAAAAAAAwMD/AAAAAABkAAAAMgAAAAAAAABkAAAAAAAAAH9/fwAKAAAAHwAAAFQAAAAAAAAFAAAAAQAAAAAAAAAAAAAAAAAAAAAAAAAAAAAAAAAAAAAAAAAAAAAAAn9/fwAAAAADzMzMAMDA/wB/f38AAAAAAAAAAAAAAAAAAAAAAAAAAAAhAAAAGAAAABQAAABwCAAA6BcAANAvAACwIgAAEAAAACYAAAAIAAAAAYAAAAAAAAA="/>
               </a:ext>
             </a:extLst>
           </p:cNvSpPr>
@@ -329,7 +329,7 @@
             <a:spLocks noGrp="1" noChangeArrowheads="1"/>
             <a:extLst>
               <a:ext uri="smNativeData">
-                <pr:smNativeData xmlns:pr="smNativeData" val="SMDATA_13_Hs+1XxMAAAAlAAAAZAAAAA8BAAAAkAAAAEgAAACQAAAASAAAAAAAAAABAAAAAAAAAAEAAABQAAAAAAAAAAAA4D8AAAAAAADgPwAAAAAAAOA/AAAAAAAA4D8AAAAAAADgPwAAAAAAAOA/AAAAAAAA4D8AAAAAAADgPwAAAAAAAOA/AAAAAAAA4D8CAAAAjAAAAAAAAAAAAAAAu+DjDP///wgAAAAAAAAAAAAAAAAAAAAAAAAAAAAAAAAAAAAAZAAAAAEAAABAAAAAAAAAAAAAAAAAAAAAAAAAAAAAAAAAAAAAAAAAAAAAAAAAAAAAAAAAAAAAAAAAAAAAAAAAAAAAAAAAAAAAAAAAAAAAAAAAAAAAAAAAAAAAAAAAAAAAFAAAADwAAAAAAAAAAAAAAAAAAAkUAAAAAQAAABQAAAAUAAAAFAAAAAEAAAAAAAAAZAAAAGQAAAAAAAAAZAAAAGQAAAAVAAAAYAAAAAAAAAAAAAAADwAAACADAAAAAAAAAAAAAAEAAACgMgAAVgcAAKr4//8BAAAAf39/AAEAAABkAAAAAAAAABQAAABAHwAAAAAAACYAAAAAAAAAwOD//wAAAAAmAAAAZAAAABYAAABMAAAAAAAAAAAAAAAEAAAAAAAAAAEAAACAgIAKAAAAACgAAAAoAAAAZAAAAGQAAAAAAAAAzMzMAAAAAABQAAAAUAAAAGQAAABkAAAAAAAAABcAAAAUAAAAAAAAAAAAAAD/fwAA/38AAAAAAAAJAAAABAAAAAAAAAAMAAAAEAAAAAAAAAAAAAAAAAAAAAAAAAAeAAAAaAAAAAAAAAAAAAAAAAAAAAAAAAAAAAAAECcAABAnAAAAAAAAAAAAAAAAAAAAAAAAAAAAAAAAAAAAAAAAAAAAABQAAAAAAAAAwMD/AAAAAABkAAAAMgAAAAAAAABkAAAAAAAAAH9/fwAKAAAAHwAAAFQAAAAAAAAFAAAAAQAAAAAAAAAAAAAAAAAAAAAAAAAAAAAAAAAAAAAAAAAAAAAAAn9/fwAAAAADzMzMAMDA/wB/f38AAAAAAAAAAAAAAAAAAAAAAAAAAAAhAAAAGAAAABQAAADQAgAAGycAAPAPAABZKQAAEAAAACYAAAAIAAAAAAAAAAAAAAA="/>
+                <pr:smNativeData xmlns:pr="smNativeData" val="SMDATA_13_GUMTYBMAAAAlAAAAZAAAAA8BAAAAkAAAAEgAAACQAAAASAAAAAAAAAABAAAAAAAAAAEAAABQAAAAAAAAAAAA4D8AAAAAAADgPwAAAAAAAOA/AAAAAAAA4D8AAAAAAADgPwAAAAAAAOA/AAAAAAAA4D8AAAAAAADgPwAAAAAAAOA/AAAAAAAA4D8CAAAAjAAAAAAAAAAAAAAAu+DjDP///wgAAAAAAAAAAAAAAAAAAAAAAAAAAAAAAAAAAAAAZAAAAAEAAABAAAAAAAAAAAAAAAAAAAAAAAAAAAAAAAAAAAAAAAAAAAAAAAAAAAAAAAAAAAAAAAAAAAAAAAAAAAAAAAAAAAAAAAAAAAAAAAAAAAAAAAAAAAAAAAAAAAAAFAAAADwAAAAAAAAAAAAAAAAAAAkUAAAAAQAAABQAAAAUAAAAFAAAAAEAAAAAAAAAZAAAAGQAAAAAAAAAZAAAAGQAAAAVAAAAYAAAAAAAAAAAAAAADwAAACADAAAAAAAAAAAAAAEAAACgMgAAVgcAAKr4//8BAAAAf39/AAEAAABkAAAAAAAAABQAAABAHwAAAAAAACYAAAAAAAAAwOD//wAAAAAmAAAAZAAAABYAAABMAAAAAAAAAAAAAAAEAAAAAAAAAAEAAACAgIAKAAAAACgAAAAoAAAAZAAAAGQAAAAAAAAAzMzMAAAAAABQAAAAUAAAAGQAAABkAAAAAAAAABcAAAAUAAAAAAAAAAAAAAD/fwAA/38AAAAAAAAJAAAABAAAAAAAAAAMAAAAEAAAAAAAAAAAAAAAAAAAAAAAAAAeAAAAaAAAAAAAAAAAAAAAAAAAAAAAAAAAAAAAECcAABAnAAAAAAAAAAAAAAAAAAAAAAAAAAAAAAAAAAAAAAAAAAAAABQAAAAAAAAAwMD/AAAAAABkAAAAMgAAAAAAAABkAAAAAAAAAH9/fwAKAAAAHwAAAFQAAAAAAAAFAAAAAQAAAAAAAAAAAAAAAAAAAAAAAAAAAAAAAAAAAAAAAAAAAAAAAn9/fwAAAAADzMzMAMDA/wB/f38AAAAAAAAAAAAAAAAAAAAAAAAAAAAhAAAAGAAAABQAAADQAgAAGycAAPAPAABZKQAAEAAAACYAAAAIAAAAAAAAAAAAAAA="/>
               </a:ext>
             </a:extLst>
           </p:cNvSpPr>
@@ -343,7 +343,7 @@
           <a:lstStyle/>
           <a:p>
             <a:pPr/>
-            <a:fld id="{2FE6D516-58C2-B323-8C5E-AE769B107AFB}" type="datetime1">
+            <a:fld id="{3AD040BF-F1D7-85B6-9968-07E30E266F52}" type="datetime1">
               <a:t/>
             </a:fld>
           </a:p>
@@ -356,7 +356,7 @@
             <a:spLocks noGrp="1" noChangeArrowheads="1"/>
             <a:extLst>
               <a:ext uri="smNativeData">
-                <pr:smNativeData xmlns:pr="smNativeData" val="SMDATA_13_Hs+1XxMAAAAlAAAAZAAAAA8BAAAAkAAAAEgAAACQAAAASAAAAAAAAAABAAAAAAAAAAEAAABQAAAAAAAAAAAA4D8AAAAAAADgPwAAAAAAAOA/AAAAAAAA4D8AAAAAAADgPwAAAAAAAOA/AAAAAAAA4D8AAAAAAADgPwAAAAAAAOA/AAAAAAAA4D8CAAAAjAAAAAAAAAAAAAAAu+DjDP///wgAAAAAAAAAAAAAAAAAAAAAAAAAAAAAAAAAAAAAZAAAAAEAAABAAAAAAAAAAAAAAAAAAAAAAAAAAAAAAAAAAAAAAAAAAAAAAAAAAAAAAAAAAAAAAAAAAAAAAAAAAAAAAAAAAAAAAAAAAAAAAAAAAAAAAAAAAAAAAAAAAAAAFAAAADwAAAAAAAAAAAAAAAAAAAkUAAAAAQAAABQAAAAUAAAAFAAAAAEAAAAAAAAAZAAAAGQAAAAAAAAAZAAAAGQAAAAVAAAAYAAAAAAAAAAAAAAADwAAACADAAAAAAAAAAAAAAEAAACgMgAAVgcAAKr4//8BAAAAf39/AAEAAABkAAAAAAAAABQAAABAHwAAAAAAACYAAAAAAAAAwOD//wAAAAAmAAAAZAAAABYAAABMAAAAAAAAAAAAAAAEAAAAAAAAAAEAAACAgIAKAAAAACgAAAAoAAAAZAAAAGQAAAAAAAAAzMzMAAAAAABQAAAAUAAAAGQAAABkAAAAAAAAABcAAAAUAAAAAAAAAAAAAAD/fwAA/38AAAAAAAAJAAAABAAAAAAAAAAMAAAAEAAAAAAAAAAAAAAAAAAAAAAAAAAeAAAAaAAAAAAAAAAAAAAAAAAAAAAAAAAAAAAAECcAABAnAAAAAAAAAAAAAAAAAAAAAAAAAAAAAAAAAAAAAAAAAAAAABQAAAAAAAAAwMD/AAAAAABkAAAAMgAAAAAAAABkAAAAAAAAAH9/fwAKAAAAHwAAAFQAAAAAAAAFAAAAAQAAAAAAAAAAAAAAAAAAAAAAAAAAAAAAAAAAAAAAAAAAAAAAAn9/fwAAAAADzMzMAMDA/wB/f38AAAAAAAAAAAAAAAAAAAAAAAAAAAAhAAAAGAAAABQAAAA4EwAAGycAAAglAABZKQAAEAAAACYAAAAIAAAAAAAAAAAAAAA="/>
+                <pr:smNativeData xmlns:pr="smNativeData" val="SMDATA_13_GUMTYBMAAAAlAAAAZAAAAA8BAAAAkAAAAEgAAACQAAAASAAAAAAAAAABAAAAAAAAAAEAAABQAAAAAAAAAAAA4D8AAAAAAADgPwAAAAAAAOA/AAAAAAAA4D8AAAAAAADgPwAAAAAAAOA/AAAAAAAA4D8AAAAAAADgPwAAAAAAAOA/AAAAAAAA4D8CAAAAjAAAAAAAAAAAAAAAu+DjDP///wgAAAAAAAAAAAAAAAAAAAAAAAAAAAAAAAAAAAAAZAAAAAEAAABAAAAAAAAAAAAAAAAAAAAAAAAAAAAAAAAAAAAAAAAAAAAAAAAAAAAAAAAAAAAAAAAAAAAAAAAAAAAAAAAAAAAAAAAAAAAAAAAAAAAAAAAAAAAAAAAAAAAAFAAAADwAAAAAAAAAAAAAAAAAAAkUAAAAAQAAABQAAAAUAAAAFAAAAAEAAAAAAAAAZAAAAGQAAAAAAAAAZAAAAGQAAAAVAAAAYAAAAAAAAAAAAAAADwAAACADAAAAAAAAAAAAAAEAAACgMgAAVgcAAKr4//8BAAAAf39/AAEAAABkAAAAAAAAABQAAABAHwAAAAAAACYAAAAAAAAAwOD//wAAAAAmAAAAZAAAABYAAABMAAAAAAAAAAAAAAAEAAAAAAAAAAEAAACAgIAKAAAAACgAAAAoAAAAZAAAAGQAAAAAAAAAzMzMAAAAAABQAAAAUAAAAGQAAABkAAAAAAAAABcAAAAUAAAAAAAAAAAAAAD/fwAA/38AAAAAAAAJAAAABAAAAAAAAAAMAAAAEAAAAAAAAAAAAAAAAAAAAAAAAAAeAAAAaAAAAAAAAAAAAAAAAAAAAAAAAAAAAAAAECcAABAnAAAAAAAAAAAAAAAAAAAAAAAAAAAAAAAAAAAAAAAAAAAAABQAAAAAAAAAwMD/AAAAAABkAAAAMgAAAAAAAABkAAAAAAAAAH9/fwAKAAAAHwAAAFQAAAAAAAAFAAAAAQAAAAAAAAAAAAAAAAAAAAAAAAAAAAAAAAAAAAAAAAAAAAAAAn9/fwAAAAADzMzMAMDA/wB/f38AAAAAAAAAAAAAAAAAAAAAAAAAAAAhAAAAGAAAABQAAAA4EwAAGycAAAglAABZKQAAEAAAACYAAAAIAAAAAAAAAAAAAAA="/>
               </a:ext>
             </a:extLst>
           </p:cNvSpPr>
@@ -380,7 +380,7 @@
             <a:spLocks noGrp="1" noChangeArrowheads="1"/>
             <a:extLst>
               <a:ext uri="smNativeData">
-                <pr:smNativeData xmlns:pr="smNativeData" val="SMDATA_13_Hs+1XxMAAAAlAAAAZAAAAA8BAAAAkAAAAEgAAACQAAAASAAAAAAAAAABAAAAAAAAAAEAAABQAAAAAAAAAAAA4D8AAAAAAADgPwAAAAAAAOA/AAAAAAAA4D8AAAAAAADgPwAAAAAAAOA/AAAAAAAA4D8AAAAAAADgPwAAAAAAAOA/AAAAAAAA4D8CAAAAjAAAAAAAAAAAAAAAu+DjDP///wgAAAAAAAAAAAAAAAAAAAAAAAAAAAAAAAAAAAAAZAAAAAEAAABAAAAAAAAAAAAAAAAAAAAAAAAAAAAAAAAAAAAAAAAAAAAAAAAAAAAAAAAAAAAAAAAAAAAAAAAAAAAAAAAAAAAAAAAAAAAAAAAAAAAAAAAAAAAAAAAAAAAAFAAAADwAAAAAAAAAAAAAAAAAAAkUAAAAAQAAABQAAAAUAAAAFAAAAAEAAAAAAAAAZAAAAGQAAAAAAAAAZAAAAGQAAAAVAAAAYAAAAAAAAAAAAAAADwAAACADAAAAAAAAAAAAAAEAAACgMgAAVgcAAKr4//8BAAAAf39/AAEAAABkAAAAAAAAABQAAABAHwAAAAAAACYAAAAAAAAAwOD//wAAAAAmAAAAZAAAABYAAABMAAAAAAAAAAAAAAAEAAAAAAAAAAEAAACAgIAKAAAAACgAAAAoAAAAZAAAAGQAAAAAAAAAzMzMAAAAAABQAAAAUAAAAGQAAABkAAAAAAAAABcAAAAUAAAAAAAAAAAAAAD/fwAA/38AAAAAAAAJAAAABAAAAAAAAAAMAAAAEAAAAAAAAAAAAAAAAAAAAAAAAAAeAAAAaAAAAAAAAAAAAAAAAAAAAAAAAAAAAAAAECcAABAnAAAAAAAAAAAAAAAAAAAAAAAAAAAAAAAAAAAAAAAAAAAAABQAAAAAAAAAwMD/AAAAAABkAAAAMgAAAAAAAABkAAAAAAAAAH9/fwAKAAAAHwAAAFQAAAAAAAAFAAAAAQAAAAAAAAAAAAAAAAAAAAAAAAAAAAAAAAAAAAAAAAAAAAAAAn9/fwAAAAADzMzMAMDA/wB/f38AAAAAAAAAAAAAAAAAAAAAAAAAAAAhAAAAGAAAABQAAABQKAAAGycAAHA1AABZKQAAEAAAACYAAAAIAAAAAAAAAAAAAAA="/>
+                <pr:smNativeData xmlns:pr="smNativeData" val="SMDATA_13_GUMTYBMAAAAlAAAAZAAAAA8BAAAAkAAAAEgAAACQAAAASAAAAAAAAAABAAAAAAAAAAEAAABQAAAAAAAAAAAA4D8AAAAAAADgPwAAAAAAAOA/AAAAAAAA4D8AAAAAAADgPwAAAAAAAOA/AAAAAAAA4D8AAAAAAADgPwAAAAAAAOA/AAAAAAAA4D8CAAAAjAAAAAAAAAAAAAAAu+DjDP///wgAAAAAAAAAAAAAAAAAAAAAAAAAAAAAAAAAAAAAZAAAAAEAAABAAAAAAAAAAAAAAAAAAAAAAAAAAAAAAAAAAAAAAAAAAAAAAAAAAAAAAAAAAAAAAAAAAAAAAAAAAAAAAAAAAAAAAAAAAAAAAAAAAAAAAAAAAAAAAAAAAAAAFAAAADwAAAAAAAAAAAAAAAAAAAkUAAAAAQAAABQAAAAUAAAAFAAAAAEAAAAAAAAAZAAAAGQAAAAAAAAAZAAAAGQAAAAVAAAAYAAAAAAAAAAAAAAADwAAACADAAAAAAAAAAAAAAEAAACgMgAAVgcAAKr4//8BAAAAf39/AAEAAABkAAAAAAAAABQAAABAHwAAAAAAACYAAAAAAAAAwOD//wAAAAAmAAAAZAAAABYAAABMAAAAAAAAAAAAAAAEAAAAAAAAAAEAAACAgIAKAAAAACgAAAAoAAAAZAAAAGQAAAAAAAAAzMzMAAAAAABQAAAAUAAAAGQAAABkAAAAAAAAABcAAAAUAAAAAAAAAAAAAAD/fwAA/38AAAAAAAAJAAAABAAAAAAAAAAMAAAAEAAAAAAAAAAAAAAAAAAAAAAAAAAeAAAAaAAAAAAAAAAAAAAAAAAAAAAAAAAAAAAAECcAABAnAAAAAAAAAAAAAAAAAAAAAAAAAAAAAAAAAAAAAAAAAAAAABQAAAAAAAAAwMD/AAAAAABkAAAAMgAAAAAAAABkAAAAAAAAAH9/fwAKAAAAHwAAAFQAAAAAAAAFAAAAAQAAAAAAAAAAAAAAAAAAAAAAAAAAAAAAAAAAAAAAAAAAAAAAAn9/fwAAAAADzMzMAMDA/wB/f38AAAAAAAAAAAAAAAAAAAAAAAAAAAAhAAAAGAAAABQAAABQKAAAGycAAHA1AABZKQAAEAAAACYAAAAIAAAAAAAAAAAAAAA="/>
               </a:ext>
             </a:extLst>
           </p:cNvSpPr>
@@ -394,7 +394,7 @@
           <a:lstStyle/>
           <a:p>
             <a:pPr/>
-            <a:fld id="{2FE6CC24-6AC2-B33A-8C5E-9C6F82107AC9}" type="slidenum">
+            <a:fld id="{3AD04C5E-10D7-85BA-9968-E6EF02266FB3}" type="slidenum">
               <a:t/>
             </a:fld>
           </a:p>
@@ -432,7 +432,7 @@
             <a:spLocks noGrp="1" noChangeArrowheads="1"/>
             <a:extLst>
               <a:ext uri="smNativeData">
-                <pr:smNativeData xmlns:pr="smNativeData" val="SMDATA_13_Hs+1XxMAAAAlAAAAZAAAAA8BAAAAkAAAAEgAAACQAAAASAAAAAAAAAABAAAAAAAAAAEAAABQAAAAAAAAAAAA4D8AAAAAAADgPwAAAAAAAOA/AAAAAAAA4D8AAAAAAADgPwAAAAAAAOA/AAAAAAAA4D8AAAAAAADgPwAAAAAAAOA/AAAAAAAA4D8CAAAAjAAAAAAAAAAAAAAAu+DjDP///wgAAAAAAAAAAAAAAAAAAAAAAAAAAAAAAAAAAAAAZAAAAAEAAABAAAAAAAAAAAAAAAAAAAAAAAAAAAAAAAAAAAAAAAAAAAAAAAAAAAAAAAAAAAAAAAAAAAAAAAAAAAAAAAAAAAAAAAAAAAAAAAAAAAAAAAAAAAAAAAAAAAAAFAAAADwAAAAAAAAAAAAAAAAAAAkUAAAAAQAAABQAAAAUAAAAFAAAAAEAAAAAAAAAZAAAAGQAAAAAAAAAZAAAAGQAAAAVAAAAYAAAAAAAAAAAAAAADwAAACADAAAAAAAAAAAAAAEAAACgMgAAVgcAAKr4//8BAAAAf39/AAEAAABkAAAAAAAAABQAAABAHwAAAAAAACYAAAAAAAAAwOD//wAAAAAmAAAAZAAAABYAAABMAAAAAAAAAAAAAAAEAAAAAAAAAAEAAACAgIAKAAAAACgAAAAoAAAAZAAAAGQAAAAAAAAAzMzMAAAAAABQAAAAUAAAAGQAAABkAAAAAAAAABcAAAAUAAAAAAAAAAAAAAD/fwAA/38AAAAAAAAJAAAABAAAAORJZV8MAAAAEAAAAAAAAAAAAAAAAAAAAAAAAAAeAAAAaAAAAAAAAAAAAAAAAAAAAAAAAAAAAAAAECcAABAnAAAAAAAAAAAAAAAAAAAAAAAAAAAAAAAAAAAAAAAAAAAAABQAAAAAAAAAwMD/AAAAAABkAAAAMgAAAAAAAABkAAAAAAAAAH9/fwAKAAAAHwAAAFQAAAAAAAAFAAAAAQAAAAAAAAAAAAAAAAAAAAAAAAAAAAAAAAAAAAAAAAAAAAAAAn9/fwAAAAADzMzMAMDA/wB/f38AAAAAAAAAAAAAAAAAAAAAAAAAAAAhAAAAGAAAABQAAADQAgAAsAEAAHA1AAC4CAAAEAAAACYAAAAIAAAAAAAAAAAAAAA="/>
+                <pr:smNativeData xmlns:pr="smNativeData" val="SMDATA_13_GUMTYBMAAAAlAAAAZAAAAA8BAAAAkAAAAEgAAACQAAAASAAAAAAAAAABAAAAAAAAAAEAAABQAAAAAAAAAAAA4D8AAAAAAADgPwAAAAAAAOA/AAAAAAAA4D8AAAAAAADgPwAAAAAAAOA/AAAAAAAA4D8AAAAAAADgPwAAAAAAAOA/AAAAAAAA4D8CAAAAjAAAAAAAAAAAAAAAu+DjDP///wgAAAAAAAAAAAAAAAAAAAAAAAAAAAAAAAAAAAAAZAAAAAEAAABAAAAAAAAAAAAAAAAAAAAAAAAAAAAAAAAAAAAAAAAAAAAAAAAAAAAAAAAAAAAAAAAAAAAAAAAAAAAAAAAAAAAAAAAAAAAAAAAAAAAAAAAAAAAAAAAAAAAAFAAAADwAAAAAAAAAAAAAAAAAAAkUAAAAAQAAABQAAAAUAAAAFAAAAAEAAAAAAAAAZAAAAGQAAAAAAAAAZAAAAGQAAAAVAAAAYAAAAAAAAAAAAAAADwAAACADAAAAAAAAAAAAAAEAAACgMgAAVgcAAKr4//8BAAAAf39/AAEAAABkAAAAAAAAABQAAABAHwAAAAAAACYAAAAAAAAAwOD//wAAAAAmAAAAZAAAABYAAABMAAAAAAAAAAAAAAAEAAAAAAAAAAEAAACAgIAKAAAAACgAAAAoAAAAZAAAAGQAAAAAAAAAzMzMAAAAAABQAAAAUAAAAGQAAABkAAAAAAAAABcAAAAUAAAAAAAAAAAAAAD/fwAA/38AAAAAAAAJAAAABAAAAORJZV8MAAAAEAAAAAAAAAAAAAAAAAAAAAAAAAAeAAAAaAAAAAAAAAAAAAAAAAAAAAAAAAAAAAAAECcAABAnAAAAAAAAAAAAAAAAAAAAAAAAAAAAAAAAAAAAAAAAAAAAABQAAAAAAAAAwMD/AAAAAABkAAAAMgAAAAAAAABkAAAAAAAAAH9/fwAKAAAAHwAAAFQAAAAAAAAFAAAAAQAAAAAAAAAAAAAAAAAAAAAAAAAAAAAAAAAAAAAAAAAAAAAAAn9/fwAAAAADzMzMAMDA/wB/f38AAAAAAAAAAAAAAAAAAAAAAAAAAAAhAAAAGAAAABQAAADQAgAAsAEAAHA1AAC4CAAAEAAAACYAAAAIAAAAAAAAAAAAAAA="/>
               </a:ext>
             </a:extLst>
           </p:cNvSpPr>
@@ -459,7 +459,7 @@
             <a:spLocks noGrp="1" noChangeArrowheads="1"/>
             <a:extLst>
               <a:ext uri="smNativeData">
-                <pr:smNativeData xmlns:pr="smNativeData" val="SMDATA_13_Hs+1XxMAAAAlAAAAZAAAAA8BAAAAkAAAAEgAAACQAAAASAAAAAAAAAAAAAAAAQAAAAEAAABQAAAAAAAAAAAA4D8AAAAAAADgPwAAAAAAAOA/AAAAAAAA4D8AAAAAAADgPwAAAAAAAOA/AAAAAAAA4D8AAAAAAADgPwAAAAAAAOA/AAAAAAAA4D8CAAAAjAAAAAAAAAAAAAAAu+DjDP///wgAAAAAAAAAAAAAAAAAAAAAAAAAAAAAAAAAAAAAZAAAAAEAAABAAAAAAAAAAAAAAAAAAAAAAAAAAAAAAAAAAAAAAAAAAAAAAAAAAAAAAAAAAAAAAAAAAAAAAAAAAAAAAAAAAAAAAAAAAAAAAAAAAAAAAAAAAAAAAAAAAAAAFAAAADwAAAAAAAAAAAAAAAAAAAkUAAAAAQAAABQAAAAUAAAAFAAAAAEAAAAAAAAAZAAAAGQAAAAAAAAAZAAAAGQAAAAVAAAAYAAAAAAAAAAAAAAADwAAACADAAAAAAAAAAAAAAEAAACgMgAAVgcAAKr4//8BAAAAf39/AAEAAABkAAAAAAAAABQAAABAHwAAAAAAACYAAAAAAAAAwOD//wAAAAAmAAAAZAAAABYAAABMAAAAAAAAAAAAAAAEAAAAAAAAAAEAAACAgIAKAAAAACgAAAAoAAAAZAAAAGQAAAAAAAAAzMzMAAAAAABQAAAAUAAAAGQAAABkAAAAAAAAABcAAAAUAAAAAAAAAAAAAAD/fwAA/38AAAAAAAAJAAAABAAAACfNAwAMAAAAEAAAAAAAAAAAAAAAAAAAAAAAAAAeAAAAaAAAAAAAAAAAAAAAAAAAAAAAAAAAAAAAECcAABAnAAAAAAAAAAAAAAAAAAAAAAAAAAAAAAAAAAAAAAAAAAAAABQAAAAAAAAAwMD/AAAAAABkAAAAMgAAAAAAAABkAAAAAAAAAH9/fwAKAAAAHwAAAFQAAAAAAAAFAAAAAQAAAAAAAAAAAAAAAAAAAAAAAAAAAAAAAAAAAAAAAAAAAAAAAn9/fwAAAAADzMzMAMDA/wB/f38AAAAAAAAAAAAAAAAAAAAAAAAAAAAhAAAAGAAAABQAAADQAgAA2AkAAHA1AACwJQAAEAAAACYAAAAIAAAAAgAAAAAAAAA="/>
+                <pr:smNativeData xmlns:pr="smNativeData" val="SMDATA_13_GUMTYBMAAAAlAAAAZAAAAA8BAAAAkAAAAEgAAACQAAAASAAAAAAAAAAAAAAAAQAAAAEAAABQAAAAAAAAAAAA4D8AAAAAAADgPwAAAAAAAOA/AAAAAAAA4D8AAAAAAADgPwAAAAAAAOA/AAAAAAAA4D8AAAAAAADgPwAAAAAAAOA/AAAAAAAA4D8CAAAAjAAAAAAAAAAAAAAAu+DjDP///wgAAAAAAAAAAAAAAAAAAAAAAAAAAAAAAAAAAAAAZAAAAAEAAABAAAAAAAAAAAAAAAAAAAAAAAAAAAAAAAAAAAAAAAAAAAAAAAAAAAAAAAAAAAAAAAAAAAAAAAAAAAAAAAAAAAAAAAAAAAAAAAAAAAAAAAAAAAAAAAAAAAAAFAAAADwAAAAAAAAAAAAAAAAAAAkUAAAAAQAAABQAAAAUAAAAFAAAAAEAAAAAAAAAZAAAAGQAAAAAAAAAZAAAAGQAAAAVAAAAYAAAAAAAAAAAAAAADwAAACADAAAAAAAAAAAAAAEAAACgMgAAVgcAAKr4//8BAAAAf39/AAEAAABkAAAAAAAAABQAAABAHwAAAAAAACYAAAAAAAAAwOD//wAAAAAmAAAAZAAAABYAAABMAAAAAAAAAAAAAAAEAAAAAAAAAAEAAACAgIAKAAAAACgAAAAoAAAAZAAAAGQAAAAAAAAAzMzMAAAAAABQAAAAUAAAAGQAAABkAAAAAAAAABcAAAAUAAAAAAAAAAAAAAD/fwAA/38AAAAAAAAJAAAABAAAACfNAwAMAAAAEAAAAAAAAAAAAAAAAAAAAAAAAAAeAAAAaAAAAAAAAAAAAAAAAAAAAAAAAAAAAAAAECcAABAnAAAAAAAAAAAAAAAAAAAAAAAAAAAAAAAAAAAAAAAAAAAAABQAAAAAAAAAwMD/AAAAAABkAAAAMgAAAAAAAABkAAAAAAAAAH9/fwAKAAAAHwAAAFQAAAAAAAAFAAAAAQAAAAAAAAAAAAAAAAAAAAAAAAAAAAAAAAAAAAAAAAAAAAAAAn9/fwAAAAADzMzMAMDA/wB/f38AAAAAAAAAAAAAAAAAAAAAAAAAAAAhAAAAGAAAABQAAADQAgAA2AkAAHA1AACwJQAAEAAAACYAAAAIAAAAAgAAAAAAAAA="/>
               </a:ext>
             </a:extLst>
           </p:cNvSpPr>
@@ -514,7 +514,7 @@
             <a:spLocks noGrp="1" noChangeArrowheads="1"/>
             <a:extLst>
               <a:ext uri="smNativeData">
-                <pr:smNativeData xmlns:pr="smNativeData" val="SMDATA_13_Hs+1XxMAAAAlAAAAZAAAAA8BAAAAkAAAAEgAAACQAAAASAAAAAAAAAABAAAAAAAAAAEAAABQAAAAAAAAAAAA4D8AAAAAAADgPwAAAAAAAOA/AAAAAAAA4D8AAAAAAADgPwAAAAAAAOA/AAAAAAAA4D8AAAAAAADgPwAAAAAAAOA/AAAAAAAA4D8CAAAAjAAAAAAAAAAAAAAAu+DjDP///wgAAAAAAAAAAAAAAAAAAAAAAAAAAAAAAAAAAAAAZAAAAAEAAABAAAAAAAAAAAAAAAAAAAAAAAAAAAAAAAAAAAAAAAAAAAAAAAAAAAAAAAAAAAAAAAAAAAAAAAAAAAAAAAAAAAAAAAAAAAAAAAAAAAAAAAAAAAAAAAAAAAAAFAAAADwAAAAAAAAAAAAAAAAAAAkUAAAAAQAAABQAAAAUAAAAFAAAAAEAAAAAAAAAZAAAAGQAAAAAAAAAZAAAAGQAAAAVAAAAYAAAAAAAAAAAAAAADwAAACADAAAAAAAAAAAAAAEAAACgMgAAVgcAAKr4//8BAAAAf39/AAEAAABkAAAAAAAAABQAAABAHwAAAAAAACYAAAAAAAAAwOD//wAAAAAmAAAAZAAAABYAAABMAAAAAAAAAAAAAAAEAAAAAAAAAAEAAACAgIAKAAAAACgAAAAoAAAAZAAAAGQAAAAAAAAAzMzMAAAAAABQAAAAUAAAAGQAAABkAAAAAAAAABcAAAAUAAAAAAAAAAAAAAD/fwAA/38AAAAAAAAJAAAABAAAADmBBQAMAAAAEAAAAAAAAAAAAAAAAAAAAAAAAAAeAAAAaAAAAAAAAAAAAAAAAAAAAAAAAAAAAAAAECcAABAnAAAAAAAAAAAAAAAAAAAAAAAAAAAAAAAAAAAAAAAAAAAAABQAAAAAAAAAwMD/AAAAAABkAAAAMgAAAAAAAABkAAAAAAAAAH9/fwAKAAAAHwAAAFQAAAAAAAAFAAAAAQAAAAAAAAAAAAAAAAAAAAAAAAAAAAAAAAAAAAAAAAAAAAAAAn9/fwAAAAADzMzMAMDA/wB/f38AAAAAAAAAAAAAAAAAAAAAAAAAAAAhAAAAGAAAABQAAADQAgAAGycAAPAPAABZKQAAEAAAACYAAAAIAAAAAAAAAAAAAAA="/>
+                <pr:smNativeData xmlns:pr="smNativeData" val="SMDATA_13_GUMTYBMAAAAlAAAAZAAAAA8BAAAAkAAAAEgAAACQAAAASAAAAAAAAAABAAAAAAAAAAEAAABQAAAAAAAAAAAA4D8AAAAAAADgPwAAAAAAAOA/AAAAAAAA4D8AAAAAAADgPwAAAAAAAOA/AAAAAAAA4D8AAAAAAADgPwAAAAAAAOA/AAAAAAAA4D8CAAAAjAAAAAAAAAAAAAAAu+DjDP///wgAAAAAAAAAAAAAAAAAAAAAAAAAAAAAAAAAAAAAZAAAAAEAAABAAAAAAAAAAAAAAAAAAAAAAAAAAAAAAAAAAAAAAAAAAAAAAAAAAAAAAAAAAAAAAAAAAAAAAAAAAAAAAAAAAAAAAAAAAAAAAAAAAAAAAAAAAAAAAAAAAAAAFAAAADwAAAAAAAAAAAAAAAAAAAkUAAAAAQAAABQAAAAUAAAAFAAAAAEAAAAAAAAAZAAAAGQAAAAAAAAAZAAAAGQAAAAVAAAAYAAAAAAAAAAAAAAADwAAACADAAAAAAAAAAAAAAEAAACgMgAAVgcAAKr4//8BAAAAf39/AAEAAABkAAAAAAAAABQAAABAHwAAAAAAACYAAAAAAAAAwOD//wAAAAAmAAAAZAAAABYAAABMAAAAAAAAAAAAAAAEAAAAAAAAAAEAAACAgIAKAAAAACgAAAAoAAAAZAAAAGQAAAAAAAAAzMzMAAAAAABQAAAAUAAAAGQAAABkAAAAAAAAABcAAAAUAAAAAAAAAAAAAAD/fwAA/38AAAAAAAAJAAAABAAAADmBBQAMAAAAEAAAAAAAAAAAAAAAAAAAAAAAAAAeAAAAaAAAAAAAAAAAAAAAAAAAAAAAAAAAAAAAECcAABAnAAAAAAAAAAAAAAAAAAAAAAAAAAAAAAAAAAAAAAAAAAAAABQAAAAAAAAAwMD/AAAAAABkAAAAMgAAAAAAAABkAAAAAAAAAH9/fwAKAAAAHwAAAFQAAAAAAAAFAAAAAQAAAAAAAAAAAAAAAAAAAAAAAAAAAAAAAAAAAAAAAAAAAAAAAn9/fwAAAAADzMzMAMDA/wB/f38AAAAAAAAAAAAAAAAAAAAAAAAAAAAhAAAAGAAAABQAAADQAgAAGycAAPAPAABZKQAAEAAAACYAAAAIAAAAAAAAAAAAAAA="/>
               </a:ext>
             </a:extLst>
           </p:cNvSpPr>
@@ -528,7 +528,7 @@
           <a:lstStyle/>
           <a:p>
             <a:pPr/>
-            <a:fld id="{2FE6D601-4FC2-B320-8C5E-B97598107AEC}" type="datetime1">
+            <a:fld id="{3AD01EFD-B3D7-85E8-9968-45BD50266F10}" type="datetime1">
               <a:t/>
             </a:fld>
           </a:p>
@@ -541,7 +541,7 @@
             <a:spLocks noGrp="1" noChangeArrowheads="1"/>
             <a:extLst>
               <a:ext uri="smNativeData">
-                <pr:smNativeData xmlns:pr="smNativeData" val="SMDATA_13_Hs+1XxMAAAAlAAAAZAAAAA8BAAAAkAAAAEgAAACQAAAASAAAAAAAAAABAAAAAAAAAAEAAABQAAAAAAAAAAAA4D8AAAAAAADgPwAAAAAAAOA/AAAAAAAA4D8AAAAAAADgPwAAAAAAAOA/AAAAAAAA4D8AAAAAAADgPwAAAAAAAOA/AAAAAAAA4D8CAAAAjAAAAAAAAAAAAAAAu+DjDP///wgAAAAAAAAAAAAAAAAAAAAAAAAAAAAAAAAAAAAAZAAAAAEAAABAAAAAAAAAAAAAAAAAAAAAAAAAAAAAAAAAAAAAAAAAAAAAAAAAAAAAAAAAAAAAAAAAAAAAAAAAAAAAAAAAAAAAAAAAAAAAAAAAAAAAAAAAAAAAAAAAAAAAFAAAADwAAAAAAAAAAAAAAAAAAAkUAAAAAQAAABQAAAAUAAAAFAAAAAEAAAAAAAAAZAAAAGQAAAAAAAAAZAAAAGQAAAAVAAAAYAAAAAAAAAAAAAAADwAAACADAAAAAAAAAAAAAAEAAACgMgAAVgcAAKr4//8BAAAAf39/AAEAAABkAAAAAAAAABQAAABAHwAAAAAAACYAAAAAAAAAwOD//wAAAAAmAAAAZAAAABYAAABMAAAAAAAAAAAAAAAEAAAAAAAAAAEAAACAgIAKAAAAACgAAAAoAAAAZAAAAGQAAAAAAAAAzMzMAAAAAABQAAAAUAAAAGQAAABkAAAAAAAAABcAAAAUAAAAAAAAAAAAAAD/fwAA/38AAAAAAAAJAAAABAAAAAAAAAAMAAAAEAAAAAAAAAAAAAAAAAAAAAAAAAAeAAAAaAAAAAAAAAAAAAAAAAAAAAAAAAAAAAAAECcAABAnAAAAAAAAAAAAAAAAAAAAAAAAAAAAAAAAAAAAAAAAAAAAABQAAAAAAAAAwMD/AAAAAABkAAAAMgAAAAAAAABkAAAAAAAAAH9/fwAKAAAAHwAAAFQAAAAAAAAFAAAAAQAAAAAAAAAAAAAAAAAAAAAAAAAAAAAAAAAAAAAAAAAAAAAAAn9/fwAAAAADzMzMAMDA/wB/f38AAAAAAAAAAAAAAAAAAAAAAAAAAAAhAAAAGAAAABQAAAA4EwAAGycAAAglAABZKQAAEAAAACYAAAAIAAAAAAAAAAAAAAA="/>
+                <pr:smNativeData xmlns:pr="smNativeData" val="SMDATA_13_GUMTYBMAAAAlAAAAZAAAAA8BAAAAkAAAAEgAAACQAAAASAAAAAAAAAABAAAAAAAAAAEAAABQAAAAAAAAAAAA4D8AAAAAAADgPwAAAAAAAOA/AAAAAAAA4D8AAAAAAADgPwAAAAAAAOA/AAAAAAAA4D8AAAAAAADgPwAAAAAAAOA/AAAAAAAA4D8CAAAAjAAAAAAAAAAAAAAAu+DjDP///wgAAAAAAAAAAAAAAAAAAAAAAAAAAAAAAAAAAAAAZAAAAAEAAABAAAAAAAAAAAAAAAAAAAAAAAAAAAAAAAAAAAAAAAAAAAAAAAAAAAAAAAAAAAAAAAAAAAAAAAAAAAAAAAAAAAAAAAAAAAAAAAAAAAAAAAAAAAAAAAAAAAAAFAAAADwAAAAAAAAAAAAAAAAAAAkUAAAAAQAAABQAAAAUAAAAFAAAAAEAAAAAAAAAZAAAAGQAAAAAAAAAZAAAAGQAAAAVAAAAYAAAAAAAAAAAAAAADwAAACADAAAAAAAAAAAAAAEAAACgMgAAVgcAAKr4//8BAAAAf39/AAEAAABkAAAAAAAAABQAAABAHwAAAAAAACYAAAAAAAAAwOD//wAAAAAmAAAAZAAAABYAAABMAAAAAAAAAAAAAAAEAAAAAAAAAAEAAACAgIAKAAAAACgAAAAoAAAAZAAAAGQAAAAAAAAAzMzMAAAAAABQAAAAUAAAAGQAAABkAAAAAAAAABcAAAAUAAAAAAAAAAAAAAD/fwAA/38AAAAAAAAJAAAABAAAAAAAAAAMAAAAEAAAAAAAAAAAAAAAAAAAAAAAAAAeAAAAaAAAAAAAAAAAAAAAAAAAAAAAAAAAAAAAECcAABAnAAAAAAAAAAAAAAAAAAAAAAAAAAAAAAAAAAAAAAAAAAAAABQAAAAAAAAAwMD/AAAAAABkAAAAMgAAAAAAAABkAAAAAAAAAH9/fwAKAAAAHwAAAFQAAAAAAAAFAAAAAQAAAAAAAAAAAAAAAAAAAAAAAAAAAAAAAAAAAAAAAAAAAAAAAn9/fwAAAAADzMzMAMDA/wB/f38AAAAAAAAAAAAAAAAAAAAAAAAAAAAhAAAAGAAAABQAAAA4EwAAGycAAAglAABZKQAAEAAAACYAAAAIAAAAAAAAAAAAAAA="/>
               </a:ext>
             </a:extLst>
           </p:cNvSpPr>
@@ -565,7 +565,7 @@
             <a:spLocks noGrp="1" noChangeArrowheads="1"/>
             <a:extLst>
               <a:ext uri="smNativeData">
-                <pr:smNativeData xmlns:pr="smNativeData" val="SMDATA_13_Hs+1XxMAAAAlAAAAZAAAAA8BAAAAkAAAAEgAAACQAAAASAAAAAAAAAABAAAAAAAAAAEAAABQAAAAAAAAAAAA4D8AAAAAAADgPwAAAAAAAOA/AAAAAAAA4D8AAAAAAADgPwAAAAAAAOA/AAAAAAAA4D8AAAAAAADgPwAAAAAAAOA/AAAAAAAA4D8CAAAAjAAAAAAAAAAAAAAAu+DjDP///wgAAAAAAAAAAAAAAAAAAAAAAAAAAAAAAAAAAAAAZAAAAAEAAABAAAAAAAAAAAAAAAAAAAAAAAAAAAAAAAAAAAAAAAAAAAAAAAAAAAAAAAAAAAAAAAAAAAAAAAAAAAAAAAAAAAAAAAAAAAAAAAAAAAAAAAAAAAAAAAAAAAAAFAAAADwAAAAAAAAAAAAAAAAAAAkUAAAAAQAAABQAAAAUAAAAFAAAAAEAAAAAAAAAZAAAAGQAAAAAAAAAZAAAAGQAAAAVAAAAYAAAAAAAAAAAAAAADwAAACADAAAAAAAAAAAAAAEAAACgMgAAVgcAAKr4//8BAAAAf39/AAEAAABkAAAAAAAAABQAAABAHwAAAAAAACYAAAAAAAAAwOD//wAAAAAmAAAAZAAAABYAAABMAAAAAAAAAAAAAAAEAAAAAAAAAAEAAACAgIAKAAAAACgAAAAoAAAAZAAAAGQAAAAAAAAAzMzMAAAAAABQAAAAUAAAAGQAAABkAAAAAAAAABcAAAAUAAAAAAAAAAAAAAD/fwAA/38AAAAAAAAJAAAABAAAAFlpSPIMAAAAEAAAAAAAAAAAAAAAAAAAAAAAAAAeAAAAaAAAAAAAAAAAAAAAAAAAAAAAAAAAAAAAECcAABAnAAAAAAAAAAAAAAAAAAAAAAAAAAAAAAAAAAAAAAAAAAAAABQAAAAAAAAAwMD/AAAAAABkAAAAMgAAAAAAAABkAAAAAAAAAH9/fwAKAAAAHwAAAFQAAAAAAAAFAAAAAQAAAAAAAAAAAAAAAAAAAAAAAAAAAAAAAAAAAAAAAAAAAAAAAn9/fwAAAAADzMzMAMDA/wB/f38AAAAAAAAAAAAAAAAAAAAAAAAAAAAhAAAAGAAAABQAAABQKAAAGycAAHA1AABZKQAAEAAAACYAAAAIAAAAAAAAAAAAAAA="/>
+                <pr:smNativeData xmlns:pr="smNativeData" val="SMDATA_13_GUMTYBMAAAAlAAAAZAAAAA8BAAAAkAAAAEgAAACQAAAASAAAAAAAAAABAAAAAAAAAAEAAABQAAAAAAAAAAAA4D8AAAAAAADgPwAAAAAAAOA/AAAAAAAA4D8AAAAAAADgPwAAAAAAAOA/AAAAAAAA4D8AAAAAAADgPwAAAAAAAOA/AAAAAAAA4D8CAAAAjAAAAAAAAAAAAAAAu+DjDP///wgAAAAAAAAAAAAAAAAAAAAAAAAAAAAAAAAAAAAAZAAAAAEAAABAAAAAAAAAAAAAAAAAAAAAAAAAAAAAAAAAAAAAAAAAAAAAAAAAAAAAAAAAAAAAAAAAAAAAAAAAAAAAAAAAAAAAAAAAAAAAAAAAAAAAAAAAAAAAAAAAAAAAFAAAADwAAAAAAAAAAAAAAAAAAAkUAAAAAQAAABQAAAAUAAAAFAAAAAEAAAAAAAAAZAAAAGQAAAAAAAAAZAAAAGQAAAAVAAAAYAAAAAAAAAAAAAAADwAAACADAAAAAAAAAAAAAAEAAACgMgAAVgcAAKr4//8BAAAAf39/AAEAAABkAAAAAAAAABQAAABAHwAAAAAAACYAAAAAAAAAwOD//wAAAAAmAAAAZAAAABYAAABMAAAAAAAAAAAAAAAEAAAAAAAAAAEAAACAgIAKAAAAACgAAAAoAAAAZAAAAGQAAAAAAAAAzMzMAAAAAABQAAAAUAAAAGQAAABkAAAAAAAAABcAAAAUAAAAAAAAAAAAAAD/fwAA/38AAAAAAAAJAAAABAAAAFlpSPIMAAAAEAAAAAAAAAAAAAAAAAAAAAAAAAAeAAAAaAAAAAAAAAAAAAAAAAAAAAAAAAAAAAAAECcAABAnAAAAAAAAAAAAAAAAAAAAAAAAAAAAAAAAAAAAAAAAAAAAABQAAAAAAAAAwMD/AAAAAABkAAAAMgAAAAAAAABkAAAAAAAAAH9/fwAKAAAAHwAAAFQAAAAAAAAFAAAAAQAAAAAAAAAAAAAAAAAAAAAAAAAAAAAAAAAAAAAAAAAAAAAAAn9/fwAAAAADzMzMAMDA/wB/f38AAAAAAAAAAAAAAAAAAAAAAAAAAAAhAAAAGAAAABQAAABQKAAAGycAAHA1AABZKQAAEAAAACYAAAAIAAAAAAAAAAAAAAA="/>
               </a:ext>
             </a:extLst>
           </p:cNvSpPr>
@@ -579,7 +579,7 @@
           <a:lstStyle/>
           <a:p>
             <a:pPr/>
-            <a:fld id="{2FE6B660-2EC2-B340-8C5E-D815F8107A8D}" type="slidenum">
+            <a:fld id="{3AD00A94-DAD7-85FC-9968-2CA944266F79}" type="slidenum">
               <a:t/>
             </a:fld>
           </a:p>
@@ -617,7 +617,7 @@
             <a:spLocks noGrp="1" noChangeArrowheads="1"/>
             <a:extLst>
               <a:ext uri="smNativeData">
-                <pr:smNativeData xmlns:pr="smNativeData" val="SMDATA_13_Hs+1XxMAAAAlAAAAZAAAAA8BAAAAkAAAAEgAAACQAAAASAAAAAAAAAACAAAAAQAAAAEAAABQAAAAAAAAAAAA4D8AAAAAAADgPwAAAAAAAOA/AAAAAAAA4D8AAAAAAADgPwAAAAAAAOA/AAAAAAAA4D8AAAAAAADgPwAAAAAAAOA/AAAAAAAA4D8CAAAAjAAAAAAAAAAAAAAAu+DjDP///wgAAAAAAAAAAAAAAAAAAAAAAAAAAAAAAAAAAAAAZAAAAAEAAABAAAAAAAAAAAAAAAAAAAAAAAAAAAAAAAAAAAAAAAAAAAAAAAAAAAAAAAAAAAAAAAAAAAAAAAAAAAAAAAAAAAAAAAAAAAAAAAAAAAAAAAAAAAAAAAAAAAAAFAAAADwAAAAAAAAAAAAAAAAAAAkUAAAAAQAAABQAAAAUAAAAFAAAAAEAAAAAAAAAZAAAAGQAAAAAAAAAZAAAAGQAAAAVAAAAYAAAAAAAAAAAAAAADwAAACADAAAAAAAAAAAAAAEAAACgMgAAVgcAAKr4//8BAAAAf39/AAEAAABkAAAAAAAAABQAAABAHwAAAAAAACYAAAAAAAAAwOD//wAAAAAmAAAAZAAAABYAAABMAAAAAAAAAAAAAAAEAAAAAAAAAAEAAACAgIAKAAAAACgAAAAoAAAAZAAAAGQAAAAAAAAAzMzMAAAAAABQAAAAUAAAAGQAAABkAAAAAAAAABcAAAAUAAAAAAAAAAAAAAD/fwAA/38AAAAAAAAJAAAABAAAAAQAm0IMAAAAEAAAAAAAAAAAAAAAAAAAAAAAAAAeAAAAaAAAAAAAAAAAAAAAAAAAAAAAAAAAAAAAECcAABAnAAAAAAAAAAAAAAAAAAAAAAAAAAAAAAAAAAAAAAAAAAAAABQAAAAAAAAAwMD/AAAAAABkAAAAMgAAAAAAAABkAAAAAAAAAH9/fwAKAAAAHwAAAFQAAAAAAAAFAAAAAQAAAAAAAAAAAAAAAAAAAAAAAAAAAAAAAAAAAAAAAAAAAAAAAn9/fwAAAAADzMzMAMDA/wB/f38AAAAAAAAAAAAAAAAAAAAAAAAAAAAhAAAAGAAAABQAAADIKAAAsAEAAHA1AACwJQAAEAAAACYAAAAIAAAAgwAAAAAAAAA="/>
+                <pr:smNativeData xmlns:pr="smNativeData" val="SMDATA_13_GUMTYBMAAAAlAAAAZAAAAA8BAAAAkAAAAEgAAACQAAAASAAAAAAAAAACAAAAAQAAAAEAAABQAAAAAAAAAAAA4D8AAAAAAADgPwAAAAAAAOA/AAAAAAAA4D8AAAAAAADgPwAAAAAAAOA/AAAAAAAA4D8AAAAAAADgPwAAAAAAAOA/AAAAAAAA4D8CAAAAjAAAAAAAAAAAAAAAu+DjDP///wgAAAAAAAAAAAAAAAAAAAAAAAAAAAAAAAAAAAAAZAAAAAEAAABAAAAAAAAAAAAAAAAAAAAAAAAAAAAAAAAAAAAAAAAAAAAAAAAAAAAAAAAAAAAAAAAAAAAAAAAAAAAAAAAAAAAAAAAAAAAAAAAAAAAAAAAAAAAAAAAAAAAAFAAAADwAAAAAAAAAAAAAAAAAAAkUAAAAAQAAABQAAAAUAAAAFAAAAAEAAAAAAAAAZAAAAGQAAAAAAAAAZAAAAGQAAAAVAAAAYAAAAAAAAAAAAAAADwAAACADAAAAAAAAAAAAAAEAAACgMgAAVgcAAKr4//8BAAAAf39/AAEAAABkAAAAAAAAABQAAABAHwAAAAAAACYAAAAAAAAAwOD//wAAAAAmAAAAZAAAABYAAABMAAAAAAAAAAAAAAAEAAAAAAAAAAEAAACAgIAKAAAAACgAAAAoAAAAZAAAAGQAAAAAAAAAzMzMAAAAAABQAAAAUAAAAGQAAABkAAAAAAAAABcAAAAUAAAAAAAAAAAAAAD/fwAA/38AAAAAAAAJAAAABAAAAAQAm0IMAAAAEAAAAAAAAAAAAAAAAAAAAAAAAAAeAAAAaAAAAAAAAAAAAAAAAAAAAAAAAAAAAAAAECcAABAnAAAAAAAAAAAAAAAAAAAAAAAAAAAAAAAAAAAAAAAAAAAAABQAAAAAAAAAwMD/AAAAAABkAAAAMgAAAAAAAABkAAAAAAAAAH9/fwAKAAAAHwAAAFQAAAAAAAAFAAAAAQAAAAAAAAAAAAAAAAAAAAAAAAAAAAAAAAAAAAAAAAAAAAAAAn9/fwAAAAADzMzMAMDA/wB/f38AAAAAAAAAAAAAAAAAAAAAAAAAAAAhAAAAGAAAABQAAADIKAAAsAEAAHA1AACwJQAAEAAAACYAAAAIAAAAgwAAAAAAAAA="/>
               </a:ext>
             </a:extLst>
           </p:cNvSpPr>
@@ -653,7 +653,7 @@
             <a:spLocks noGrp="1" noChangeArrowheads="1"/>
             <a:extLst>
               <a:ext uri="smNativeData">
-                <pr:smNativeData xmlns:pr="smNativeData" val="SMDATA_13_Hs+1XxMAAAAlAAAAZAAAAA8BAAAAkAAAAEgAAACQAAAASAAAAAAAAAAAAAAAAQAAAAEAAABQAAAAAAAAAAAA4D8AAAAAAADgPwAAAAAAAOA/AAAAAAAA4D8AAAAAAADgPwAAAAAAAOA/AAAAAAAA4D8AAAAAAADgPwAAAAAAAOA/AAAAAAAA4D8CAAAAjAAAAAAAAAAAAAAAu+DjDP///wgAAAAAAAAAAAAAAAAAAAAAAAAAAAAAAAAAAAAAZAAAAAEAAABAAAAAAAAAAAAAAAAAAAAAAAAAAAAAAAAAAAAAAAAAAAAAAAAAAAAAAAAAAAAAAAAAAAAAAAAAAAAAAAAAAAAAAAAAAAAAAAAAAAAAAAAAAAAAAAAAAAAAFAAAADwAAAAAAAAAAAAAAAAAAAkUAAAAAQAAABQAAAAUAAAAFAAAAAEAAAAAAAAAZAAAAGQAAAAAAAAAZAAAAGQAAAAVAAAAYAAAAAAAAAAAAAAADwAAACADAAAAAAAAAAAAAAEAAACgMgAAVgcAAKr4//8BAAAAf39/AAEAAABkAAAAAAAAABQAAABAHwAAAAAAACYAAAAAAAAAwOD//wAAAAAmAAAAZAAAABYAAABMAAAAAAAAAAAAAAAEAAAAAAAAAAEAAACAgIAKAAAAACgAAAAoAAAAZAAAAGQAAAAAAAAAzMzMAAAAAABQAAAAUAAAAGQAAABkAAAAAAAAABcAAAAUAAAAAAAAAAAAAAD/fwAA/38AAAAAAAAJAAAABAAAAAQAST8MAAAAEAAAAAAAAAAAAAAAAAAAAAAAAAAeAAAAaAAAAAAAAAAAAAAAAAAAAAAAAAAAAAAAECcAABAnAAAAAAAAAAAAAAAAAAAAAAAAAAAAAAAAAAAAAAAAAAAAABQAAAAAAAAAwMD/AAAAAABkAAAAMgAAAAAAAABkAAAAAAAAAH9/fwAKAAAAHwAAAFQAAAAAAAAFAAAAAQAAAAAAAAAAAAAAAAAAAAAAAAAAAAAAAAAAAAAAAAAAAAAAAn9/fwAAAAADzMzMAMDA/wB/f38AAAAAAAAAAAAAAAAAAAAAAAAAAAAhAAAAGAAAABQAAADQAgAAsAEAANgnAACwJQAAEAAAACYAAAAIAAAAAwAAAAAAAAA="/>
+                <pr:smNativeData xmlns:pr="smNativeData" val="SMDATA_13_GUMTYBMAAAAlAAAAZAAAAA8BAAAAkAAAAEgAAACQAAAASAAAAAAAAAAAAAAAAQAAAAEAAABQAAAAAAAAAAAA4D8AAAAAAADgPwAAAAAAAOA/AAAAAAAA4D8AAAAAAADgPwAAAAAAAOA/AAAAAAAA4D8AAAAAAADgPwAAAAAAAOA/AAAAAAAA4D8CAAAAjAAAAAAAAAAAAAAAu+DjDP///wgAAAAAAAAAAAAAAAAAAAAAAAAAAAAAAAAAAAAAZAAAAAEAAABAAAAAAAAAAAAAAAAAAAAAAAAAAAAAAAAAAAAAAAAAAAAAAAAAAAAAAAAAAAAAAAAAAAAAAAAAAAAAAAAAAAAAAAAAAAAAAAAAAAAAAAAAAAAAAAAAAAAAFAAAADwAAAAAAAAAAAAAAAAAAAkUAAAAAQAAABQAAAAUAAAAFAAAAAEAAAAAAAAAZAAAAGQAAAAAAAAAZAAAAGQAAAAVAAAAYAAAAAAAAAAAAAAADwAAACADAAAAAAAAAAAAAAEAAACgMgAAVgcAAKr4//8BAAAAf39/AAEAAABkAAAAAAAAABQAAABAHwAAAAAAACYAAAAAAAAAwOD//wAAAAAmAAAAZAAAABYAAABMAAAAAAAAAAAAAAAEAAAAAAAAAAEAAACAgIAKAAAAACgAAAAoAAAAZAAAAGQAAAAAAAAAzMzMAAAAAABQAAAAUAAAAGQAAABkAAAAAAAAABcAAAAUAAAAAAAAAAAAAAD/fwAA/38AAAAAAAAJAAAABAAAAAQAST8MAAAAEAAAAAAAAAAAAAAAAAAAAAAAAAAeAAAAaAAAAAAAAAAAAAAAAAAAAAAAAAAAAAAAECcAABAnAAAAAAAAAAAAAAAAAAAAAAAAAAAAAAAAAAAAAAAAAAAAABQAAAAAAAAAwMD/AAAAAABkAAAAMgAAAAAAAABkAAAAAAAAAH9/fwAKAAAAHwAAAFQAAAAAAAAFAAAAAQAAAAAAAAAAAAAAAAAAAAAAAAAAAAAAAAAAAAAAAAAAAAAAAn9/fwAAAAADzMzMAMDA/wB/f38AAAAAAAAAAAAAAAAAAAAAAAAAAAAhAAAAGAAAABQAAADQAgAAsAEAANgnAACwJQAAEAAAACYAAAAIAAAAAwAAAAAAAAA="/>
               </a:ext>
             </a:extLst>
           </p:cNvSpPr>
@@ -713,7 +713,7 @@
             <a:spLocks noGrp="1" noChangeArrowheads="1"/>
             <a:extLst>
               <a:ext uri="smNativeData">
-                <pr:smNativeData xmlns:pr="smNativeData" val="SMDATA_13_Hs+1XxMAAAAlAAAAZAAAAA8BAAAAkAAAAEgAAACQAAAASAAAAAAAAAABAAAAAAAAAAEAAABQAAAAAAAAAAAA4D8AAAAAAADgPwAAAAAAAOA/AAAAAAAA4D8AAAAAAADgPwAAAAAAAOA/AAAAAAAA4D8AAAAAAADgPwAAAAAAAOA/AAAAAAAA4D8CAAAAjAAAAAAAAAAAAAAAu+DjDP///wgAAAAAAAAAAAAAAAAAAAAAAAAAAAAAAAAAAAAAZAAAAAEAAABAAAAAAAAAAAAAAAAAAAAAAAAAAAAAAAAAAAAAAAAAAAAAAAAAAAAAAAAAAAAAAAAAAAAAAAAAAAAAAAAAAAAAAAAAAAAAAAAAAAAAAAAAAAAAAAAAAAAAFAAAADwAAAAAAAAAAAAAAAAAAAkUAAAAAQAAABQAAAAUAAAAFAAAAAEAAAAAAAAAZAAAAGQAAAAAAAAAZAAAAGQAAAAVAAAAYAAAAAAAAAAAAAAADwAAACADAAAAAAAAAAAAAAEAAACgMgAAVgcAAKr4//8BAAAAf39/AAEAAABkAAAAAAAAABQAAABAHwAAAAAAACYAAAAAAAAAwOD//wAAAAAmAAAAZAAAABYAAABMAAAAAAAAAAAAAAAEAAAAAAAAAAEAAACAgIAKAAAAACgAAAAoAAAAZAAAAGQAAAAAAAAAzMzMAAAAAABQAAAAUAAAAGQAAABkAAAAAAAAABcAAAAUAAAAAAAAAAAAAAD/fwAA/38AAAAAAAAJAAAABAAAAPodBAAMAAAAEAAAAAAAAAAAAAAAAAAAAAAAAAAeAAAAaAAAAAAAAAAAAAAAAAAAAAAAAAAAAAAAECcAABAnAAAAAAAAAAAAAAAAAAAAAAAAAAAAAAAAAAAAAAAAAAAAABQAAAAAAAAAwMD/AAAAAABkAAAAMgAAAAAAAABkAAAAAAAAAH9/fwAKAAAAHwAAAFQAAAAAAAAFAAAAAQAAAAAAAAAAAAAAAAAAAAAAAAAAAAAAAAAAAAAAAAAAAAAAAn9/fwAAAAADzMzMAMDA/wB/f38AAAAAAAAAAAAAAAAAAAAAAAAAAAAhAAAAGAAAABQAAADQAgAAGycAAPAPAABZKQAAEAAAACYAAAAIAAAAAAAAAAAAAAA="/>
+                <pr:smNativeData xmlns:pr="smNativeData" val="SMDATA_13_GUMTYBMAAAAlAAAAZAAAAA8BAAAAkAAAAEgAAACQAAAASAAAAAAAAAABAAAAAAAAAAEAAABQAAAAAAAAAAAA4D8AAAAAAADgPwAAAAAAAOA/AAAAAAAA4D8AAAAAAADgPwAAAAAAAOA/AAAAAAAA4D8AAAAAAADgPwAAAAAAAOA/AAAAAAAA4D8CAAAAjAAAAAAAAAAAAAAAu+DjDP///wgAAAAAAAAAAAAAAAAAAAAAAAAAAAAAAAAAAAAAZAAAAAEAAABAAAAAAAAAAAAAAAAAAAAAAAAAAAAAAAAAAAAAAAAAAAAAAAAAAAAAAAAAAAAAAAAAAAAAAAAAAAAAAAAAAAAAAAAAAAAAAAAAAAAAAAAAAAAAAAAAAAAAFAAAADwAAAAAAAAAAAAAAAAAAAkUAAAAAQAAABQAAAAUAAAAFAAAAAEAAAAAAAAAZAAAAGQAAAAAAAAAZAAAAGQAAAAVAAAAYAAAAAAAAAAAAAAADwAAACADAAAAAAAAAAAAAAEAAACgMgAAVgcAAKr4//8BAAAAf39/AAEAAABkAAAAAAAAABQAAABAHwAAAAAAACYAAAAAAAAAwOD//wAAAAAmAAAAZAAAABYAAABMAAAAAAAAAAAAAAAEAAAAAAAAAAEAAACAgIAKAAAAACgAAAAoAAAAZAAAAGQAAAAAAAAAzMzMAAAAAABQAAAAUAAAAGQAAABkAAAAAAAAABcAAAAUAAAAAAAAAAAAAAD/fwAA/38AAAAAAAAJAAAABAAAAPodBAAMAAAAEAAAAAAAAAAAAAAAAAAAAAAAAAAeAAAAaAAAAAAAAAAAAAAAAAAAAAAAAAAAAAAAECcAABAnAAAAAAAAAAAAAAAAAAAAAAAAAAAAAAAAAAAAAAAAAAAAABQAAAAAAAAAwMD/AAAAAABkAAAAMgAAAAAAAABkAAAAAAAAAH9/fwAKAAAAHwAAAFQAAAAAAAAFAAAAAQAAAAAAAAAAAAAAAAAAAAAAAAAAAAAAAAAAAAAAAAAAAAAAAn9/fwAAAAADzMzMAMDA/wB/f38AAAAAAAAAAAAAAAAAAAAAAAAAAAAhAAAAGAAAABQAAADQAgAAGycAAPAPAABZKQAAEAAAACYAAAAIAAAAAAAAAAAAAAA="/>
               </a:ext>
             </a:extLst>
           </p:cNvSpPr>
@@ -727,7 +727,7 @@
           <a:lstStyle/>
           <a:p>
             <a:pPr/>
-            <a:fld id="{2FE69871-3FC2-B36E-8C5E-C93BD6107A9C}" type="datetime1">
+            <a:fld id="{3AD0250A-44D7-85D3-9968-B2866B266FE7}" type="datetime1">
               <a:t/>
             </a:fld>
           </a:p>
@@ -740,7 +740,7 @@
             <a:spLocks noGrp="1" noChangeArrowheads="1"/>
             <a:extLst>
               <a:ext uri="smNativeData">
-                <pr:smNativeData xmlns:pr="smNativeData" val="SMDATA_13_Hs+1XxMAAAAlAAAAZAAAAA8BAAAAkAAAAEgAAACQAAAASAAAAAAAAAABAAAAAAAAAAEAAABQAAAAAAAAAAAA4D8AAAAAAADgPwAAAAAAAOA/AAAAAAAA4D8AAAAAAADgPwAAAAAAAOA/AAAAAAAA4D8AAAAAAADgPwAAAAAAAOA/AAAAAAAA4D8CAAAAjAAAAAAAAAAAAAAAu+DjDP///wgAAAAAAAAAAAAAAAAAAAAAAAAAAAAAAAAAAAAAZAAAAAEAAABAAAAAAAAAAAAAAAAAAAAAAAAAAAAAAAAAAAAAAAAAAAAAAAAAAAAAAAAAAAAAAAAAAAAAAAAAAAAAAAAAAAAAAAAAAAAAAAAAAAAAAAAAAAAAAAAAAAAAFAAAADwAAAAAAAAAAAAAAAAAAAkUAAAAAQAAABQAAAAUAAAAFAAAAAEAAAAAAAAAZAAAAGQAAAAAAAAAZAAAAGQAAAAVAAAAYAAAAAAAAAAAAAAADwAAACADAAAAAAAAAAAAAAEAAACgMgAAVgcAAKr4//8BAAAAf39/AAEAAABkAAAAAAAAABQAAABAHwAAAAAAACYAAAAAAAAAwOD//wAAAAAmAAAAZAAAABYAAABMAAAAAAAAAAAAAAAEAAAAAAAAAAEAAACAgIAKAAAAACgAAAAoAAAAZAAAAGQAAAAAAAAAzMzMAAAAAABQAAAAUAAAAGQAAABkAAAAAAAAABcAAAAUAAAAAAAAAAAAAAD/fwAA/38AAAAAAAAJAAAABAAAAF9eBAAMAAAAEAAAAAAAAAAAAAAAAAAAAAAAAAAeAAAAaAAAAAAAAAAAAAAAAAAAAAAAAAAAAAAAECcAABAnAAAAAAAAAAAAAAAAAAAAAAAAAAAAAAAAAAAAAAAAAAAAABQAAAAAAAAAwMD/AAAAAABkAAAAMgAAAAAAAABkAAAAAAAAAH9/fwAKAAAAHwAAAFQAAAAAAAAFAAAAAQAAAAAAAAAAAAAAAAAAAAAAAAAAAAAAAAAAAAAAAAAAAAAAAn9/fwAAAAADzMzMAMDA/wB/f38AAAAAAAAAAAAAAAAAAAAAAAAAAAAhAAAAGAAAABQAAAA4EwAAGycAAAglAABZKQAAEAAAACYAAAAIAAAAAAAAAAAAAAA="/>
+                <pr:smNativeData xmlns:pr="smNativeData" val="SMDATA_13_GUMTYBMAAAAlAAAAZAAAAA8BAAAAkAAAAEgAAACQAAAASAAAAAAAAAABAAAAAAAAAAEAAABQAAAAAAAAAAAA4D8AAAAAAADgPwAAAAAAAOA/AAAAAAAA4D8AAAAAAADgPwAAAAAAAOA/AAAAAAAA4D8AAAAAAADgPwAAAAAAAOA/AAAAAAAA4D8CAAAAjAAAAAAAAAAAAAAAu+DjDP///wgAAAAAAAAAAAAAAAAAAAAAAAAAAAAAAAAAAAAAZAAAAAEAAABAAAAAAAAAAAAAAAAAAAAAAAAAAAAAAAAAAAAAAAAAAAAAAAAAAAAAAAAAAAAAAAAAAAAAAAAAAAAAAAAAAAAAAAAAAAAAAAAAAAAAAAAAAAAAAAAAAAAAFAAAADwAAAAAAAAAAAAAAAAAAAkUAAAAAQAAABQAAAAUAAAAFAAAAAEAAAAAAAAAZAAAAGQAAAAAAAAAZAAAAGQAAAAVAAAAYAAAAAAAAAAAAAAADwAAACADAAAAAAAAAAAAAAEAAACgMgAAVgcAAKr4//8BAAAAf39/AAEAAABkAAAAAAAAABQAAABAHwAAAAAAACYAAAAAAAAAwOD//wAAAAAmAAAAZAAAABYAAABMAAAAAAAAAAAAAAAEAAAAAAAAAAEAAACAgIAKAAAAACgAAAAoAAAAZAAAAGQAAAAAAAAAzMzMAAAAAABQAAAAUAAAAGQAAABkAAAAAAAAABcAAAAUAAAAAAAAAAAAAAD/fwAA/38AAAAAAAAJAAAABAAAAF9eBAAMAAAAEAAAAAAAAAAAAAAAAAAAAAAAAAAeAAAAaAAAAAAAAAAAAAAAAAAAAAAAAAAAAAAAECcAABAnAAAAAAAAAAAAAAAAAAAAAAAAAAAAAAAAAAAAAAAAAAAAABQAAAAAAAAAwMD/AAAAAABkAAAAMgAAAAAAAABkAAAAAAAAAH9/fwAKAAAAHwAAAFQAAAAAAAAFAAAAAQAAAAAAAAAAAAAAAAAAAAAAAAAAAAAAAAAAAAAAAAAAAAAAAn9/fwAAAAADzMzMAMDA/wB/f38AAAAAAAAAAAAAAAAAAAAAAAAAAAAhAAAAGAAAABQAAAA4EwAAGycAAAglAABZKQAAEAAAACYAAAAIAAAAAAAAAAAAAAA="/>
               </a:ext>
             </a:extLst>
           </p:cNvSpPr>
@@ -764,7 +764,7 @@
             <a:spLocks noGrp="1" noChangeArrowheads="1"/>
             <a:extLst>
               <a:ext uri="smNativeData">
-                <pr:smNativeData xmlns:pr="smNativeData" val="SMDATA_13_Hs+1XxMAAAAlAAAAZAAAAA8BAAAAkAAAAEgAAACQAAAASAAAAAAAAAABAAAAAAAAAAEAAABQAAAAAAAAAAAA4D8AAAAAAADgPwAAAAAAAOA/AAAAAAAA4D8AAAAAAADgPwAAAAAAAOA/AAAAAAAA4D8AAAAAAADgPwAAAAAAAOA/AAAAAAAA4D8CAAAAjAAAAAAAAAAAAAAAu+DjDP///wgAAAAAAAAAAAAAAAAAAAAAAAAAAAAAAAAAAAAAZAAAAAEAAABAAAAAAAAAAAAAAAAAAAAAAAAAAAAAAAAAAAAAAAAAAAAAAAAAAAAAAAAAAAAAAAAAAAAAAAAAAAAAAAAAAAAAAAAAAAAAAAAAAAAAAAAAAAAAAAAAAAAAFAAAADwAAAAAAAAAAAAAAAAAAAkUAAAAAQAAABQAAAAUAAAAFAAAAAEAAAAAAAAAZAAAAGQAAAAAAAAAZAAAAGQAAAAVAAAAYAAAAAAAAAAAAAAADwAAACADAAAAAAAAAAAAAAEAAACgMgAAVgcAAKr4//8BAAAAf39/AAEAAABkAAAAAAAAABQAAABAHwAAAAAAACYAAAAAAAAAwOD//wAAAAAmAAAAZAAAABYAAABMAAAAAAAAAAAAAAAEAAAAAAAAAAEAAACAgIAKAAAAACgAAAAoAAAAZAAAAGQAAAAAAAAAzMzMAAAAAABQAAAAUAAAAGQAAABkAAAAAAAAABcAAAAUAAAAAAAAAAAAAAD/fwAA/38AAAAAAAAJAAAABAAAAOBGU7IMAAAAEAAAAAAAAAAAAAAAAAAAAAAAAAAeAAAAaAAAAAAAAAAAAAAAAAAAAAAAAAAAAAAAECcAABAnAAAAAAAAAAAAAAAAAAAAAAAAAAAAAAAAAAAAAAAAAAAAABQAAAAAAAAAwMD/AAAAAABkAAAAMgAAAAAAAABkAAAAAAAAAH9/fwAKAAAAHwAAAFQAAAAAAAAFAAAAAQAAAAAAAAAAAAAAAAAAAAAAAAAAAAAAAAAAAAAAAAAAAAAAAn9/fwAAAAADzMzMAMDA/wB/f38AAAAAAAAAAAAAAAAAAAAAAAAAAAAhAAAAGAAAABQAAABQKAAAGycAAHA1AABZKQAAEAAAACYAAAAIAAAAAAAAAAAAAAA="/>
+                <pr:smNativeData xmlns:pr="smNativeData" val="SMDATA_13_GUMTYBMAAAAlAAAAZAAAAA8BAAAAkAAAAEgAAACQAAAASAAAAAAAAAABAAAAAAAAAAEAAABQAAAAAAAAAAAA4D8AAAAAAADgPwAAAAAAAOA/AAAAAAAA4D8AAAAAAADgPwAAAAAAAOA/AAAAAAAA4D8AAAAAAADgPwAAAAAAAOA/AAAAAAAA4D8CAAAAjAAAAAAAAAAAAAAAu+DjDP///wgAAAAAAAAAAAAAAAAAAAAAAAAAAAAAAAAAAAAAZAAAAAEAAABAAAAAAAAAAAAAAAAAAAAAAAAAAAAAAAAAAAAAAAAAAAAAAAAAAAAAAAAAAAAAAAAAAAAAAAAAAAAAAAAAAAAAAAAAAAAAAAAAAAAAAAAAAAAAAAAAAAAAFAAAADwAAAAAAAAAAAAAAAAAAAkUAAAAAQAAABQAAAAUAAAAFAAAAAEAAAAAAAAAZAAAAGQAAAAAAAAAZAAAAGQAAAAVAAAAYAAAAAAAAAAAAAAADwAAACADAAAAAAAAAAAAAAEAAACgMgAAVgcAAKr4//8BAAAAf39/AAEAAABkAAAAAAAAABQAAABAHwAAAAAAACYAAAAAAAAAwOD//wAAAAAmAAAAZAAAABYAAABMAAAAAAAAAAAAAAAEAAAAAAAAAAEAAACAgIAKAAAAACgAAAAoAAAAZAAAAGQAAAAAAAAAzMzMAAAAAABQAAAAUAAAAGQAAABkAAAAAAAAABcAAAAUAAAAAAAAAAAAAAD/fwAA/38AAAAAAAAJAAAABAAAAOBGU7IMAAAAEAAAAAAAAAAAAAAAAAAAAAAAAAAeAAAAaAAAAAAAAAAAAAAAAAAAAAAAAAAAAAAAECcAABAnAAAAAAAAAAAAAAAAAAAAAAAAAAAAAAAAAAAAAAAAAAAAABQAAAAAAAAAwMD/AAAAAABkAAAAMgAAAAAAAABkAAAAAAAAAH9/fwAKAAAAHwAAAFQAAAAAAAAFAAAAAQAAAAAAAAAAAAAAAAAAAAAAAAAAAAAAAAAAAAAAAAAAAAAAAn9/fwAAAAADzMzMAMDA/wB/f38AAAAAAAAAAAAAAAAAAAAAAAAAAAAhAAAAGAAAABQAAABQKAAAGycAAHA1AABZKQAAEAAAACYAAAAIAAAAAAAAAAAAAAA="/>
               </a:ext>
             </a:extLst>
           </p:cNvSpPr>
@@ -778,7 +778,7 @@
           <a:lstStyle/>
           <a:p>
             <a:pPr/>
-            <a:fld id="{2FE68D65-2BC2-B37B-8C5E-DD2EC3107A88}" type="slidenum">
+            <a:fld id="{3AD02607-49D7-85D0-9968-BF8568266FEA}" type="slidenum">
               <a:t/>
             </a:fld>
           </a:p>
@@ -816,7 +816,7 @@
             <a:spLocks noGrp="1" noChangeArrowheads="1"/>
             <a:extLst>
               <a:ext uri="smNativeData">
-                <pr:smNativeData xmlns:pr="smNativeData" val="SMDATA_13_Hs+1XxMAAAAlAAAAZAAAAA8BAAAAkAAAAEgAAACQAAAASAAAAAAAAAABAAAAAAAAAAEAAABQAAAAAAAAAAAA4D8AAAAAAADgPwAAAAAAAOA/AAAAAAAA4D8AAAAAAADgPwAAAAAAAOA/AAAAAAAA4D8AAAAAAADgPwAAAAAAAOA/AAAAAAAA4D8CAAAAjAAAAAAAAAAAAAAAu+DjDP///wgAAAAAAAAAAAAAAAAAAAAAAAAAAAAAAAAAAAAAZAAAAAEAAABAAAAAAAAAAAAAAAAAAAAAAAAAAAAAAAAAAAAAAAAAAAAAAAAAAAAAAAAAAAAAAAAAAAAAAAAAAAAAAAAAAAAAAAAAAAAAAAAAAAAAAAAAAAAAAAAAAAAAFAAAADwAAAAAAAAAAAAAAAAAAAkUAAAAAQAAABQAAAAUAAAAFAAAAAEAAAAAAAAAZAAAAGQAAAAAAAAAZAAAAGQAAAAVAAAAYAAAAAAAAAAAAAAADwAAACADAAAAAAAAAAAAAAEAAACgMgAAVgcAAKr4//8BAAAAf39/AAEAAABkAAAAAAAAABQAAABAHwAAAAAAACYAAAAAAAAAwOD//wAAAAAmAAAAZAAAABYAAABMAAAAAAAAAAAAAAAEAAAAAAAAAAEAAACAgIAKAAAAACgAAAAoAAAAZAAAAGQAAAAAAAAAzMzMAAAAAABQAAAAUAAAAGQAAABkAAAAAAAAABcAAAAUAAAAAAAAAAAAAAD/fwAA/38AAAAAAAAJAAAABAAAAAAAAAAMAAAAEAAAAAAAAAAAAAAAAAAAAAAAAAAeAAAAaAAAAAAAAAAAAAAAAAAAAAAAAAAAAAAAECcAABAnAAAAAAAAAAAAAAAAAAAAAAAAAAAAAAAAAAAAAAAAAAAAABQAAAAAAAAAwMD/AAAAAABkAAAAMgAAAAAAAABkAAAAAAAAAH9/fwAKAAAAHwAAAFQAAAAAAAAFAAAAAQAAAAAAAAAAAAAAAAAAAAAAAAAAAAAAAAAAAAAAAAAAAAAAAn9/fwAAAAADzMzMAMDA/wB/f38AAAAAAAAAAAAAAAAAAAAAAAAAAAAhAAAAGAAAABQAAADQAgAAsAEAAHA1AAC4CAAAEAAAACYAAAAIAAAAAAAAAAAAAAA="/>
+                <pr:smNativeData xmlns:pr="smNativeData" val="SMDATA_13_GUMTYBMAAAAlAAAAZAAAAA8BAAAAkAAAAEgAAACQAAAASAAAAAAAAAABAAAAAAAAAAEAAABQAAAAAAAAAAAA4D8AAAAAAADgPwAAAAAAAOA/AAAAAAAA4D8AAAAAAADgPwAAAAAAAOA/AAAAAAAA4D8AAAAAAADgPwAAAAAAAOA/AAAAAAAA4D8CAAAAjAAAAAAAAAAAAAAAu+DjDP///wgAAAAAAAAAAAAAAAAAAAAAAAAAAAAAAAAAAAAAZAAAAAEAAABAAAAAAAAAAAAAAAAAAAAAAAAAAAAAAAAAAAAAAAAAAAAAAAAAAAAAAAAAAAAAAAAAAAAAAAAAAAAAAAAAAAAAAAAAAAAAAAAAAAAAAAAAAAAAAAAAAAAAFAAAADwAAAAAAAAAAAAAAAAAAAkUAAAAAQAAABQAAAAUAAAAFAAAAAEAAAAAAAAAZAAAAGQAAAAAAAAAZAAAAGQAAAAVAAAAYAAAAAAAAAAAAAAADwAAACADAAAAAAAAAAAAAAEAAACgMgAAVgcAAKr4//8BAAAAf39/AAEAAABkAAAAAAAAABQAAABAHwAAAAAAACYAAAAAAAAAwOD//wAAAAAmAAAAZAAAABYAAABMAAAAAAAAAAAAAAAEAAAAAAAAAAEAAACAgIAKAAAAACgAAAAoAAAAZAAAAGQAAAAAAAAAzMzMAAAAAABQAAAAUAAAAGQAAABkAAAAAAAAABcAAAAUAAAAAAAAAAAAAAD/fwAA/38AAAAAAAAJAAAABAAAAAAAAAAMAAAAEAAAAAAAAAAAAAAAAAAAAAAAAAAeAAAAaAAAAAAAAAAAAAAAAAAAAAAAAAAAAAAAECcAABAnAAAAAAAAAAAAAAAAAAAAAAAAAAAAAAAAAAAAAAAAAAAAABQAAAAAAAAAwMD/AAAAAABkAAAAMgAAAAAAAABkAAAAAAAAAH9/fwAKAAAAHwAAAFQAAAAAAAAFAAAAAQAAAAAAAAAAAAAAAAAAAAAAAAAAAAAAAAAAAAAAAAAAAAAAAn9/fwAAAAADzMzMAMDA/wB/f38AAAAAAAAAAAAAAAAAAAAAAAAAAAAhAAAAGAAAABQAAADQAgAAsAEAAHA1AAC4CAAAEAAAACYAAAAIAAAAAAAAAAAAAAA="/>
               </a:ext>
             </a:extLst>
           </p:cNvSpPr>
@@ -843,7 +843,7 @@
             <a:spLocks noGrp="1" noChangeArrowheads="1"/>
             <a:extLst>
               <a:ext uri="smNativeData">
-                <pr:smNativeData xmlns:pr="smNativeData" val="SMDATA_13_Hs+1XxMAAAAlAAAAZAAAAA8BAAAAkAAAAEgAAACQAAAASAAAAAAAAAAAAAAAAAAAAAEAAABQAAAAAAAAAAAA4D8AAAAAAADgPwAAAAAAAOA/AAAAAAAA4D8AAAAAAADgPwAAAAAAAOA/AAAAAAAA4D8AAAAAAADgPwAAAAAAAOA/AAAAAAAA4D8CAAAAjAAAAAAAAAAAAAAAu+DjDP///wgAAAAAAAAAAAAAAAAAAAAAAAAAAAAAAAAAAAAAZAAAAAEAAABAAAAAAAAAAAAAAAAAAAAAAAAAAAAAAAAAAAAAAAAAAAAAAAAAAAAAAAAAAAAAAAAAAAAAAAAAAAAAAAAAAAAAAAAAAAAAAAAAAAAAAAAAAAAAAAAAAAAAFAAAADwAAAAAAAAAAAAAAAAAAAkUAAAAAQAAABQAAAAUAAAAFAAAAAEAAAAAAAAAZAAAAGQAAAAAAAAAZAAAAGQAAAAVAAAAYAAAAAAAAAAAAAAADwAAACADAAAAAAAAAAAAAAEAAACgMgAAVgcAAKr4//8BAAAAf39/AAEAAABkAAAAAAAAABQAAABAHwAAAAAAACYAAAAAAAAAwOD//wAAAAAmAAAAZAAAABYAAABMAAAAAAAAAAAAAAAEAAAAAAAAAAEAAACAgIAKAAAAACgAAAAoAAAAZAAAAGQAAAAAAAAAzMzMAAAAAABQAAAAUAAAAGQAAABkAAAAAAAAABcAAAAUAAAAAAAAAAAAAAD/fwAA/38AAAAAAAAJAAAABAAAAAAAAAAMAAAAEAAAAAAAAAAAAAAAAAAAAAAAAAAeAAAAaAAAAAAAAAAAAAAAAAAAAAAAAAAAAAAAECcAABAnAAAAAAAAAAAAAAAAAAAAAAAAAAAAAAAAAAAAAAAAAAAAABQAAAAAAAAAwMD/AAAAAABkAAAAMgAAAAAAAABkAAAAAAAAAH9/fwAKAAAAHwAAAFQAAAAAAAAFAAAAAQAAAAAAAAAAAAAAAAAAAAAAAAAAAAAAAAAAAAAAAAAAAAAAAn9/fwAAAAADzMzMAMDA/wB/f38AAAAAAAAAAAAAAAAAAAAAAAAAAAAhAAAAGAAAABQAAADQAgAA2AkAAHA1AACwJQAAEAAAACYAAAAIAAAAAAAAAAAAAAA="/>
+                <pr:smNativeData xmlns:pr="smNativeData" val="SMDATA_13_GUMTYBMAAAAlAAAAZAAAAA8BAAAAkAAAAEgAAACQAAAASAAAAAAAAAAAAAAAAAAAAAEAAABQAAAAAAAAAAAA4D8AAAAAAADgPwAAAAAAAOA/AAAAAAAA4D8AAAAAAADgPwAAAAAAAOA/AAAAAAAA4D8AAAAAAADgPwAAAAAAAOA/AAAAAAAA4D8CAAAAjAAAAAAAAAAAAAAAu+DjDP///wgAAAAAAAAAAAAAAAAAAAAAAAAAAAAAAAAAAAAAZAAAAAEAAABAAAAAAAAAAAAAAAAAAAAAAAAAAAAAAAAAAAAAAAAAAAAAAAAAAAAAAAAAAAAAAAAAAAAAAAAAAAAAAAAAAAAAAAAAAAAAAAAAAAAAAAAAAAAAAAAAAAAAFAAAADwAAAAAAAAAAAAAAAAAAAkUAAAAAQAAABQAAAAUAAAAFAAAAAEAAAAAAAAAZAAAAGQAAAAAAAAAZAAAAGQAAAAVAAAAYAAAAAAAAAAAAAAADwAAACADAAAAAAAAAAAAAAEAAACgMgAAVgcAAKr4//8BAAAAf39/AAEAAABkAAAAAAAAABQAAABAHwAAAAAAACYAAAAAAAAAwOD//wAAAAAmAAAAZAAAABYAAABMAAAAAAAAAAAAAAAEAAAAAAAAAAEAAACAgIAKAAAAACgAAAAoAAAAZAAAAGQAAAAAAAAAzMzMAAAAAABQAAAAUAAAAGQAAABkAAAAAAAAABcAAAAUAAAAAAAAAAAAAAD/fwAA/38AAAAAAAAJAAAABAAAAAAAAAAMAAAAEAAAAAAAAAAAAAAAAAAAAAAAAAAeAAAAaAAAAAAAAAAAAAAAAAAAAAAAAAAAAAAAECcAABAnAAAAAAAAAAAAAAAAAAAAAAAAAAAAAAAAAAAAAAAAAAAAABQAAAAAAAAAwMD/AAAAAABkAAAAMgAAAAAAAABkAAAAAAAAAH9/fwAKAAAAHwAAAFQAAAAAAAAFAAAAAQAAAAAAAAAAAAAAAAAAAAAAAAAAAAAAAAAAAAAAAAAAAAAAAn9/fwAAAAADzMzMAMDA/wB/f38AAAAAAAAAAAAAAAAAAAAAAAAAAAAhAAAAGAAAABQAAADQAgAA2AkAAHA1AACwJQAAEAAAACYAAAAIAAAAAAAAAAAAAAA="/>
               </a:ext>
             </a:extLst>
           </p:cNvSpPr>
@@ -894,7 +894,7 @@
             <a:spLocks noGrp="1" noChangeArrowheads="1"/>
             <a:extLst>
               <a:ext uri="smNativeData">
-                <pr:smNativeData xmlns:pr="smNativeData" val="SMDATA_13_Hs+1XxMAAAAlAAAAZAAAAA8BAAAAkAAAAEgAAACQAAAASAAAAAAAAAABAAAAAAAAAAEAAABQAAAAAAAAAAAA4D8AAAAAAADgPwAAAAAAAOA/AAAAAAAA4D8AAAAAAADgPwAAAAAAAOA/AAAAAAAA4D8AAAAAAADgPwAAAAAAAOA/AAAAAAAA4D8CAAAAjAAAAAAAAAAAAAAAu+DjDP///wgAAAAAAAAAAAAAAAAAAAAAAAAAAAAAAAAAAAAAZAAAAAEAAABAAAAAAAAAAAAAAAAAAAAAAAAAAAAAAAAAAAAAAAAAAAAAAAAAAAAAAAAAAAAAAAAAAAAAAAAAAAAAAAAAAAAAAAAAAAAAAAAAAAAAAAAAAAAAAAAAAAAAFAAAADwAAAAAAAAAAAAAAAAAAAkUAAAAAQAAABQAAAAUAAAAFAAAAAEAAAAAAAAAZAAAAGQAAAAAAAAAZAAAAGQAAAAVAAAAYAAAAAAAAAAAAAAADwAAACADAAAAAAAAAAAAAAEAAACgMgAAVgcAAKr4//8BAAAAf39/AAEAAABkAAAAAAAAABQAAABAHwAAAAAAACYAAAAAAAAAwOD//wAAAAAmAAAAZAAAABYAAABMAAAAAAAAAAAAAAAEAAAAAAAAAAEAAACAgIAKAAAAACgAAAAoAAAAZAAAAGQAAAAAAAAAzMzMAAAAAABQAAAAUAAAAGQAAABkAAAAAAAAABcAAAAUAAAAAAAAAAAAAAD/fwAA/38AAAAAAAAJAAAABAAAAAAAAAAMAAAAEAAAAAAAAAAAAAAAAAAAAAAAAAAeAAAAaAAAAAAAAAAAAAAAAAAAAAAAAAAAAAAAECcAABAnAAAAAAAAAAAAAAAAAAAAAAAAAAAAAAAAAAAAAAAAAAAAABQAAAAAAAAAwMD/AAAAAABkAAAAMgAAAAAAAABkAAAAAAAAAH9/fwAKAAAAHwAAAFQAAAAAAAAFAAAAAQAAAAAAAAAAAAAAAAAAAAAAAAAAAAAAAAAAAAAAAAAAAAAAAn9/fwAAAAADzMzMAMDA/wB/f38AAAAAAAAAAAAAAAAAAAAAAAAAAAAhAAAAGAAAABQAAADQAgAAGycAAPAPAABZKQAAEAAAACYAAAAIAAAAAAAAAAAAAAA="/>
+                <pr:smNativeData xmlns:pr="smNativeData" val="SMDATA_13_GUMTYBMAAAAlAAAAZAAAAA8BAAAAkAAAAEgAAACQAAAASAAAAAAAAAABAAAAAAAAAAEAAABQAAAAAAAAAAAA4D8AAAAAAADgPwAAAAAAAOA/AAAAAAAA4D8AAAAAAADgPwAAAAAAAOA/AAAAAAAA4D8AAAAAAADgPwAAAAAAAOA/AAAAAAAA4D8CAAAAjAAAAAAAAAAAAAAAu+DjDP///wgAAAAAAAAAAAAAAAAAAAAAAAAAAAAAAAAAAAAAZAAAAAEAAABAAAAAAAAAAAAAAAAAAAAAAAAAAAAAAAAAAAAAAAAAAAAAAAAAAAAAAAAAAAAAAAAAAAAAAAAAAAAAAAAAAAAAAAAAAAAAAAAAAAAAAAAAAAAAAAAAAAAAFAAAADwAAAAAAAAAAAAAAAAAAAkUAAAAAQAAABQAAAAUAAAAFAAAAAEAAAAAAAAAZAAAAGQAAAAAAAAAZAAAAGQAAAAVAAAAYAAAAAAAAAAAAAAADwAAACADAAAAAAAAAAAAAAEAAACgMgAAVgcAAKr4//8BAAAAf39/AAEAAABkAAAAAAAAABQAAABAHwAAAAAAACYAAAAAAAAAwOD//wAAAAAmAAAAZAAAABYAAABMAAAAAAAAAAAAAAAEAAAAAAAAAAEAAACAgIAKAAAAACgAAAAoAAAAZAAAAGQAAAAAAAAAzMzMAAAAAABQAAAAUAAAAGQAAABkAAAAAAAAABcAAAAUAAAAAAAAAAAAAAD/fwAA/38AAAAAAAAJAAAABAAAAAAAAAAMAAAAEAAAAAAAAAAAAAAAAAAAAAAAAAAeAAAAaAAAAAAAAAAAAAAAAAAAAAAAAAAAAAAAECcAABAnAAAAAAAAAAAAAAAAAAAAAAAAAAAAAAAAAAAAAAAAAAAAABQAAAAAAAAAwMD/AAAAAABkAAAAMgAAAAAAAABkAAAAAAAAAH9/fwAKAAAAHwAAAFQAAAAAAAAFAAAAAQAAAAAAAAAAAAAAAAAAAAAAAAAAAAAAAAAAAAAAAAAAAAAAAn9/fwAAAAADzMzMAMDA/wB/f38AAAAAAAAAAAAAAAAAAAAAAAAAAAAhAAAAGAAAABQAAADQAgAAGycAAPAPAABZKQAAEAAAACYAAAAIAAAAAAAAAAAAAAA="/>
               </a:ext>
             </a:extLst>
           </p:cNvSpPr>
@@ -908,7 +908,7 @@
           <a:lstStyle/>
           <a:p>
             <a:pPr/>
-            <a:fld id="{2FE698CA-84C2-B36E-8C5E-723BD6107A27}" type="datetime1">
+            <a:fld id="{3AD054F9-B7D7-85A2-9968-41F71A266F14}" type="datetime1">
               <a:t/>
             </a:fld>
           </a:p>
@@ -921,7 +921,7 @@
             <a:spLocks noGrp="1" noChangeArrowheads="1"/>
             <a:extLst>
               <a:ext uri="smNativeData">
-                <pr:smNativeData xmlns:pr="smNativeData" val="SMDATA_13_Hs+1XxMAAAAlAAAAZAAAAA8BAAAAkAAAAEgAAACQAAAASAAAAAAAAAABAAAAAAAAAAEAAABQAAAAAAAAAAAA4D8AAAAAAADgPwAAAAAAAOA/AAAAAAAA4D8AAAAAAADgPwAAAAAAAOA/AAAAAAAA4D8AAAAAAADgPwAAAAAAAOA/AAAAAAAA4D8CAAAAjAAAAAAAAAAAAAAAu+DjDP///wgAAAAAAAAAAAAAAAAAAAAAAAAAAAAAAAAAAAAAZAAAAAEAAABAAAAAAAAAAAAAAAAAAAAAAAAAAAAAAAAAAAAAAAAAAAAAAAAAAAAAAAAAAAAAAAAAAAAAAAAAAAAAAAAAAAAAAAAAAAAAAAAAAAAAAAAAAAAAAAAAAAAAFAAAADwAAAAAAAAAAAAAAAAAAAkUAAAAAQAAABQAAAAUAAAAFAAAAAEAAAAAAAAAZAAAAGQAAAAAAAAAZAAAAGQAAAAVAAAAYAAAAAAAAAAAAAAADwAAACADAAAAAAAAAAAAAAEAAACgMgAAVgcAAKr4//8BAAAAf39/AAEAAABkAAAAAAAAABQAAABAHwAAAAAAACYAAAAAAAAAwOD//wAAAAAmAAAAZAAAABYAAABMAAAAAAAAAAAAAAAEAAAAAAAAAAEAAACAgIAKAAAAACgAAAAoAAAAZAAAAGQAAAAAAAAAzMzMAAAAAABQAAAAUAAAAGQAAABkAAAAAAAAABcAAAAUAAAAAAAAAAAAAAD/fwAA/38AAAAAAAAJAAAABAAAAAAAAAAMAAAAEAAAAAAAAAAAAAAAAAAAAAAAAAAeAAAAaAAAAAAAAAAAAAAAAAAAAAAAAAAAAAAAECcAABAnAAAAAAAAAAAAAAAAAAAAAAAAAAAAAAAAAAAAAAAAAAAAABQAAAAAAAAAwMD/AAAAAABkAAAAMgAAAAAAAABkAAAAAAAAAH9/fwAKAAAAHwAAAFQAAAAAAAAFAAAAAQAAAAAAAAAAAAAAAAAAAAAAAAAAAAAAAAAAAAAAAAAAAAAAAn9/fwAAAAADzMzMAMDA/wB/f38AAAAAAAAAAAAAAAAAAAAAAAAAAAAhAAAAGAAAABQAAAA4EwAAGycAAAglAABZKQAAEAAAACYAAAAIAAAAAAAAAAAAAAA="/>
+                <pr:smNativeData xmlns:pr="smNativeData" val="SMDATA_13_GUMTYBMAAAAlAAAAZAAAAA8BAAAAkAAAAEgAAACQAAAASAAAAAAAAAABAAAAAAAAAAEAAABQAAAAAAAAAAAA4D8AAAAAAADgPwAAAAAAAOA/AAAAAAAA4D8AAAAAAADgPwAAAAAAAOA/AAAAAAAA4D8AAAAAAADgPwAAAAAAAOA/AAAAAAAA4D8CAAAAjAAAAAAAAAAAAAAAu+DjDP///wgAAAAAAAAAAAAAAAAAAAAAAAAAAAAAAAAAAAAAZAAAAAEAAABAAAAAAAAAAAAAAAAAAAAAAAAAAAAAAAAAAAAAAAAAAAAAAAAAAAAAAAAAAAAAAAAAAAAAAAAAAAAAAAAAAAAAAAAAAAAAAAAAAAAAAAAAAAAAAAAAAAAAFAAAADwAAAAAAAAAAAAAAAAAAAkUAAAAAQAAABQAAAAUAAAAFAAAAAEAAAAAAAAAZAAAAGQAAAAAAAAAZAAAAGQAAAAVAAAAYAAAAAAAAAAAAAAADwAAACADAAAAAAAAAAAAAAEAAACgMgAAVgcAAKr4//8BAAAAf39/AAEAAABkAAAAAAAAABQAAABAHwAAAAAAACYAAAAAAAAAwOD//wAAAAAmAAAAZAAAABYAAABMAAAAAAAAAAAAAAAEAAAAAAAAAAEAAACAgIAKAAAAACgAAAAoAAAAZAAAAGQAAAAAAAAAzMzMAAAAAABQAAAAUAAAAGQAAABkAAAAAAAAABcAAAAUAAAAAAAAAAAAAAD/fwAA/38AAAAAAAAJAAAABAAAAAAAAAAMAAAAEAAAAAAAAAAAAAAAAAAAAAAAAAAeAAAAaAAAAAAAAAAAAAAAAAAAAAAAAAAAAAAAECcAABAnAAAAAAAAAAAAAAAAAAAAAAAAAAAAAAAAAAAAAAAAAAAAABQAAAAAAAAAwMD/AAAAAABkAAAAMgAAAAAAAABkAAAAAAAAAH9/fwAKAAAAHwAAAFQAAAAAAAAFAAAAAQAAAAAAAAAAAAAAAAAAAAAAAAAAAAAAAAAAAAAAAAAAAAAAAn9/fwAAAAADzMzMAMDA/wB/f38AAAAAAAAAAAAAAAAAAAAAAAAAAAAhAAAAGAAAABQAAAA4EwAAGycAAAglAABZKQAAEAAAACYAAAAIAAAAAAAAAAAAAAA="/>
               </a:ext>
             </a:extLst>
           </p:cNvSpPr>
@@ -945,7 +945,7 @@
             <a:spLocks noGrp="1" noChangeArrowheads="1"/>
             <a:extLst>
               <a:ext uri="smNativeData">
-                <pr:smNativeData xmlns:pr="smNativeData" val="SMDATA_13_Hs+1XxMAAAAlAAAAZAAAAA8BAAAAkAAAAEgAAACQAAAASAAAAAAAAAABAAAAAAAAAAEAAABQAAAAAAAAAAAA4D8AAAAAAADgPwAAAAAAAOA/AAAAAAAA4D8AAAAAAADgPwAAAAAAAOA/AAAAAAAA4D8AAAAAAADgPwAAAAAAAOA/AAAAAAAA4D8CAAAAjAAAAAAAAAAAAAAAu+DjDP///wgAAAAAAAAAAAAAAAAAAAAAAAAAAAAAAAAAAAAAZAAAAAEAAABAAAAAAAAAAAAAAAAAAAAAAAAAAAAAAAAAAAAAAAAAAAAAAAAAAAAAAAAAAAAAAAAAAAAAAAAAAAAAAAAAAAAAAAAAAAAAAAAAAAAAAAAAAAAAAAAAAAAAFAAAADwAAAAAAAAAAAAAAAAAAAkUAAAAAQAAABQAAAAUAAAAFAAAAAEAAAAAAAAAZAAAAGQAAAAAAAAAZAAAAGQAAAAVAAAAYAAAAAAAAAAAAAAADwAAACADAAAAAAAAAAAAAAEAAACgMgAAVgcAAKr4//8BAAAAf39/AAEAAABkAAAAAAAAABQAAABAHwAAAAAAACYAAAAAAAAAwOD//wAAAAAmAAAAZAAAABYAAABMAAAAAAAAAAAAAAAEAAAAAAAAAAEAAACAgIAKAAAAACgAAAAoAAAAZAAAAGQAAAAAAAAAzMzMAAAAAABQAAAAUAAAAGQAAABkAAAAAAAAABcAAAAUAAAAAAAAAAAAAAD/fwAA/38AAAAAAAAJAAAABAAAAAAAAAAMAAAAEAAAAAAAAAAAAAAAAAAAAAAAAAAeAAAAaAAAAAAAAAAAAAAAAAAAAAAAAAAAAAAAECcAABAnAAAAAAAAAAAAAAAAAAAAAAAAAAAAAAAAAAAAAAAAAAAAABQAAAAAAAAAwMD/AAAAAABkAAAAMgAAAAAAAABkAAAAAAAAAH9/fwAKAAAAHwAAAFQAAAAAAAAFAAAAAQAAAAAAAAAAAAAAAAAAAAAAAAAAAAAAAAAAAAAAAAAAAAAAAn9/fwAAAAADzMzMAMDA/wB/f38AAAAAAAAAAAAAAAAAAAAAAAAAAAAhAAAAGAAAABQAAABQKAAAGycAAHA1AABZKQAAEAAAACYAAAAIAAAAAAAAAAAAAAA="/>
+                <pr:smNativeData xmlns:pr="smNativeData" val="SMDATA_13_GUMTYBMAAAAlAAAAZAAAAA8BAAAAkAAAAEgAAACQAAAASAAAAAAAAAABAAAAAAAAAAEAAABQAAAAAAAAAAAA4D8AAAAAAADgPwAAAAAAAOA/AAAAAAAA4D8AAAAAAADgPwAAAAAAAOA/AAAAAAAA4D8AAAAAAADgPwAAAAAAAOA/AAAAAAAA4D8CAAAAjAAAAAAAAAAAAAAAu+DjDP///wgAAAAAAAAAAAAAAAAAAAAAAAAAAAAAAAAAAAAAZAAAAAEAAABAAAAAAAAAAAAAAAAAAAAAAAAAAAAAAAAAAAAAAAAAAAAAAAAAAAAAAAAAAAAAAAAAAAAAAAAAAAAAAAAAAAAAAAAAAAAAAAAAAAAAAAAAAAAAAAAAAAAAFAAAADwAAAAAAAAAAAAAAAAAAAkUAAAAAQAAABQAAAAUAAAAFAAAAAEAAAAAAAAAZAAAAGQAAAAAAAAAZAAAAGQAAAAVAAAAYAAAAAAAAAAAAAAADwAAACADAAAAAAAAAAAAAAEAAACgMgAAVgcAAKr4//8BAAAAf39/AAEAAABkAAAAAAAAABQAAABAHwAAAAAAACYAAAAAAAAAwOD//wAAAAAmAAAAZAAAABYAAABMAAAAAAAAAAAAAAAEAAAAAAAAAAEAAACAgIAKAAAAACgAAAAoAAAAZAAAAGQAAAAAAAAAzMzMAAAAAABQAAAAUAAAAGQAAABkAAAAAAAAABcAAAAUAAAAAAAAAAAAAAD/fwAA/38AAAAAAAAJAAAABAAAAAAAAAAMAAAAEAAAAAAAAAAAAAAAAAAAAAAAAAAeAAAAaAAAAAAAAAAAAAAAAAAAAAAAAAAAAAAAECcAABAnAAAAAAAAAAAAAAAAAAAAAAAAAAAAAAAAAAAAAAAAAAAAABQAAAAAAAAAwMD/AAAAAABkAAAAMgAAAAAAAABkAAAAAAAAAH9/fwAKAAAAHwAAAFQAAAAAAAAFAAAAAQAAAAAAAAAAAAAAAAAAAAAAAAAAAAAAAAAAAAAAAAAAAAAAAn9/fwAAAAADzMzMAMDA/wB/f38AAAAAAAAAAAAAAAAAAAAAAAAAAAAhAAAAGAAAABQAAABQKAAAGycAAHA1AABZKQAAEAAAACYAAAAIAAAAAAAAAAAAAAA="/>
               </a:ext>
             </a:extLst>
           </p:cNvSpPr>
@@ -959,7 +959,7 @@
           <a:lstStyle/>
           <a:p>
             <a:pPr/>
-            <a:fld id="{2FE6B7BC-F2C2-B341-8C5E-0414F9107A51}" type="slidenum">
+            <a:fld id="{3AD061A0-EED7-8597-9968-18C22F266F4D}" type="slidenum">
               <a:t/>
             </a:fld>
           </a:p>
@@ -997,7 +997,7 @@
             <a:spLocks noGrp="1" noChangeArrowheads="1"/>
             <a:extLst>
               <a:ext uri="smNativeData">
-                <pr:smNativeData xmlns:pr="smNativeData" val="SMDATA_13_Hs+1XxMAAAAlAAAAZAAAAA8BAAAAkAAAAEgAAACQAAAASAAAAAAAAAAAAAAAAAAAAAEAAABQAAAAAAAAAAAA4D8AAAAAAADgPwAAAAAAAOA/AAAAAAAA4D8AAAAAAADgPwAAAAAAAOA/AAAAAAAA4D8AAAAAAADgPwAAAAAAAOA/AAAAAAAA4D8CAAAAjAAAAAAAAAAAAAAAu+DjDP///wgAAAAAAAAAAAAAAAAAAAAAAAAAAAAAAAAAAAAAZAAAAAEAAABAAAAAAAAAAAAAAAAAAAAAAAAAAAAAAAAAAAAAAAAAAAAAAAAAAAAAAAAAAAAAAAAAAAAAAAAAAAAAAAAAAAAAAAAAAAAAAAAAAAAAAAAAAAAAAAAAAAAAFAAAADwAAAAAAAAAAAAAAAAAAAkUAAAAAQAAABQAAAAUAAAAFAAAAAEAAAAAAAAAZAAAAGQAAAAAAAAAZAAAAGQAAAAVAAAAYAAAAAAAAAAAAAAADwAAACADAAAAAAAAAAAAAAEAAACgMgAAVgcAAKr4//8BAAAAf39/AAEAAABkAAAAAAAAABQAAABAHwAAAAAAACYAAAAAAAAAwOD//wAAAAAmAAAAZAAAABYAAABMAAAAAAAAAAAAAAAEAAAAAAAAAAEAAACAgIAKAAAAACgAAAAoAAAAZAAAAGQAAAAAAAAAzMzMAAAAAABQAAAAUAAAAGQAAABkAAAAAAAAABcAAAAUAAAAAAAAAAAAAAD/fwAA/38AAAAAAAAJAAAABAAAAAAAAAAMAAAAEAAAAAAAAAAAAAAAAAAAAAAAAAAeAAAAaAAAAAAAAAAAAAAAAAAAAAAAAAAAAAAAECcAABAnAAAAAAAAAAAAAAAAAAAAAAAAAAAAAAAAAAAAAAAAAAAAABQAAAAAAAAAwMD/AAAAAABkAAAAMgAAAAAAAABkAAAAAAAAAH9/fwAKAAAAHwAAAFQAAAAAAAAFAAAAAQAAAAAAAAAAAAAAAAAAAAAAAAAAAAAAAAAAAAAAAAAAAAAAAn9/fwAAAAADzMzMAMDA/wB/f38AAAAAAAAAAAAAAAAAAAAAAAAAAAAhAAAAGAAAABQAAAByBAAAHBsAAEI0AAB9IwAAEAAAACYAAAAIAAAAgYAAAAAAAAA="/>
+                <pr:smNativeData xmlns:pr="smNativeData" val="SMDATA_13_GUMTYBMAAAAlAAAAZAAAAA8BAAAAkAAAAEgAAACQAAAASAAAAAAAAAAAAAAAAAAAAAEAAABQAAAAAAAAAAAA4D8AAAAAAADgPwAAAAAAAOA/AAAAAAAA4D8AAAAAAADgPwAAAAAAAOA/AAAAAAAA4D8AAAAAAADgPwAAAAAAAOA/AAAAAAAA4D8CAAAAjAAAAAAAAAAAAAAAu+DjDP///wgAAAAAAAAAAAAAAAAAAAAAAAAAAAAAAAAAAAAAZAAAAAEAAABAAAAAAAAAAAAAAAAAAAAAAAAAAAAAAAAAAAAAAAAAAAAAAAAAAAAAAAAAAAAAAAAAAAAAAAAAAAAAAAAAAAAAAAAAAAAAAAAAAAAAAAAAAAAAAAAAAAAAFAAAADwAAAAAAAAAAAAAAAAAAAkUAAAAAQAAABQAAAAUAAAAFAAAAAEAAAAAAAAAZAAAAGQAAAAAAAAAZAAAAGQAAAAVAAAAYAAAAAAAAAAAAAAADwAAACADAAAAAAAAAAAAAAEAAACgMgAAVgcAAKr4//8BAAAAf39/AAEAAABkAAAAAAAAABQAAABAHwAAAAAAACYAAAAAAAAAwOD//wAAAAAmAAAAZAAAABYAAABMAAAAAAAAAAAAAAAEAAAAAAAAAAEAAACAgIAKAAAAACgAAAAoAAAAZAAAAGQAAAAAAAAAzMzMAAAAAABQAAAAUAAAAGQAAABkAAAAAAAAABcAAAAUAAAAAAAAAAAAAAD/fwAA/38AAAAAAAAJAAAABAAAAAAAAAAMAAAAEAAAAAAAAAAAAAAAAAAAAAAAAAAeAAAAaAAAAAAAAAAAAAAAAAAAAAAAAAAAAAAAECcAABAnAAAAAAAAAAAAAAAAAAAAAAAAAAAAAAAAAAAAAAAAAAAAABQAAAAAAAAAwMD/AAAAAABkAAAAMgAAAAAAAABkAAAAAAAAAH9/fwAKAAAAHwAAAFQAAAAAAAAFAAAAAQAAAAAAAAAAAAAAAAAAAAAAAAAAAAAAAAAAAAAAAAAAAAAAAn9/fwAAAAADzMzMAMDA/wB/f38AAAAAAAAAAAAAAAAAAAAAAAAAAAAhAAAAGAAAABQAAAByBAAAHBsAAEI0AAB9IwAAEAAAACYAAAAIAAAAgYAAAAAAAAA="/>
               </a:ext>
             </a:extLst>
           </p:cNvSpPr>
@@ -1037,7 +1037,7 @@
             <a:spLocks noGrp="1" noChangeArrowheads="1"/>
             <a:extLst>
               <a:ext uri="smNativeData">
-                <pr:smNativeData xmlns:pr="smNativeData" val="SMDATA_13_Hs+1XxMAAAAlAAAAZAAAAA8BAAAAkAAAAEgAAACQAAAASAAAAAAAAAACAAAAAAAAAAEAAABQAAAAAAAAAAAA4D8AAAAAAADgPwAAAAAAAOA/AAAAAAAA4D8AAAAAAADgPwAAAAAAAOA/AAAAAAAA4D8AAAAAAADgPwAAAAAAAOA/AAAAAAAA4D8CAAAAjAAAAAAAAAAAAAAAu+DjDP///wgAAAAAAAAAAAAAAAAAAAAAAAAAAAAAAAAAAAAAZAAAAAEAAABAAAAAAAAAAAAAAAAAAAAAAAAAAAAAAAAAAAAAAAAAAAAAAAAAAAAAAAAAAAAAAAAAAAAAAAAAAAAAAAAAAAAAAAAAAAAAAAAAAAAAAAAAAAAAAAAAAAAAFAAAADwAAAAAAAAAAAAAAAAAAAkUAAAAAQAAABQAAAAUAAAAFAAAAAEAAAAAAAAAZAAAAGQAAAAAAAAAZAAAAGQAAAAVAAAAYAAAAAAAAAAAAAAADwAAACADAAAAAAAAAAAAAAEAAACgMgAAVgcAAKr4//8BAAAAf39/AAEAAABkAAAAAAAAABQAAABAHwAAAAAAACYAAAAAAAAAwOD//wAAAAAmAAAAZAAAABYAAABMAAAAAAAAAAAAAAAEAAAAAAAAAAEAAACAgIAKAAAAACgAAAAoAAAAZAAAAGQAAAAAAAAAzMzMAAAAAABQAAAAUAAAAGQAAABkAAAAAAAAABcAAAAUAAAAAAAAAAAAAAD/fwAA/38AAAAAAAAJAAAABAAAAAAAAAAMAAAAEAAAAAAAAAAAAAAAAAAAAAAAAAAeAAAAaAAAAAAAAAAAAAAAAAAAAAAAAAAAAAAAECcAABAnAAAAAAAAAAAAAAAAAAAAAAAAAAAAAAAAAAAAAAAAAAAAABQAAAAAAAAAwMD/AAAAAABkAAAAMgAAAAAAAABkAAAAAAAAAH9/fwAKAAAAHwAAAFQAAAAAAAAFAAAAAQAAAAAAAAAAAAAAAAAAAAAAAAAAAAAAAAAAAAAAAAAAAAAAAn9/fwAAAAADzMzMAMDA/wB/f38AAAAAAAAAAAAAAAAAAAAAAAAAAAAhAAAAGAAAABQAAAByBAAA4REAAEI0AAAcGwAAEAAAACYAAAAIAAAAgYAAAAAAAAA="/>
+                <pr:smNativeData xmlns:pr="smNativeData" val="SMDATA_13_GUMTYBMAAAAlAAAAZAAAAA8BAAAAkAAAAEgAAACQAAAASAAAAAAAAAACAAAAAAAAAAEAAABQAAAAAAAAAAAA4D8AAAAAAADgPwAAAAAAAOA/AAAAAAAA4D8AAAAAAADgPwAAAAAAAOA/AAAAAAAA4D8AAAAAAADgPwAAAAAAAOA/AAAAAAAA4D8CAAAAjAAAAAAAAAAAAAAAu+DjDP///wgAAAAAAAAAAAAAAAAAAAAAAAAAAAAAAAAAAAAAZAAAAAEAAABAAAAAAAAAAAAAAAAAAAAAAAAAAAAAAAAAAAAAAAAAAAAAAAAAAAAAAAAAAAAAAAAAAAAAAAAAAAAAAAAAAAAAAAAAAAAAAAAAAAAAAAAAAAAAAAAAAAAAFAAAADwAAAAAAAAAAAAAAAAAAAkUAAAAAQAAABQAAAAUAAAAFAAAAAEAAAAAAAAAZAAAAGQAAAAAAAAAZAAAAGQAAAAVAAAAYAAAAAAAAAAAAAAADwAAACADAAAAAAAAAAAAAAEAAACgMgAAVgcAAKr4//8BAAAAf39/AAEAAABkAAAAAAAAABQAAABAHwAAAAAAACYAAAAAAAAAwOD//wAAAAAmAAAAZAAAABYAAABMAAAAAAAAAAAAAAAEAAAAAAAAAAEAAACAgIAKAAAAACgAAAAoAAAAZAAAAGQAAAAAAAAAzMzMAAAAAABQAAAAUAAAAGQAAABkAAAAAAAAABcAAAAUAAAAAAAAAAAAAAD/fwAA/38AAAAAAAAJAAAABAAAAAAAAAAMAAAAEAAAAAAAAAAAAAAAAAAAAAAAAAAeAAAAaAAAAAAAAAAAAAAAAAAAAAAAAAAAAAAAECcAABAnAAAAAAAAAAAAAAAAAAAAAAAAAAAAAAAAAAAAAAAAAAAAABQAAAAAAAAAwMD/AAAAAABkAAAAMgAAAAAAAABkAAAAAAAAAH9/fwAKAAAAHwAAAFQAAAAAAAAFAAAAAQAAAAAAAAAAAAAAAAAAAAAAAAAAAAAAAAAAAAAAAAAAAAAAAn9/fwAAAAADzMzMAMDA/wB/f38AAAAAAAAAAAAAAAAAAAAAAAAAAAAhAAAAGAAAABQAAAByBAAA4REAAEI0AAAcGwAAEAAAACYAAAAIAAAAgYAAAAAAAAA="/>
               </a:ext>
             </a:extLst>
           </p:cNvSpPr>
@@ -1134,7 +1134,7 @@
             <a:spLocks noGrp="1" noChangeArrowheads="1"/>
             <a:extLst>
               <a:ext uri="smNativeData">
-                <pr:smNativeData xmlns:pr="smNativeData" val="SMDATA_13_Hs+1XxMAAAAlAAAAZAAAAA8BAAAAkAAAAEgAAACQAAAASAAAAAAAAAABAAAAAAAAAAEAAABQAAAAAAAAAAAA4D8AAAAAAADgPwAAAAAAAOA/AAAAAAAA4D8AAAAAAADgPwAAAAAAAOA/AAAAAAAA4D8AAAAAAADgPwAAAAAAAOA/AAAAAAAA4D8CAAAAjAAAAAAAAAAAAAAAu+DjDP///wgAAAAAAAAAAAAAAAAAAAAAAAAAAAAAAAAAAAAAZAAAAAEAAABAAAAAAAAAAAAAAAAAAAAAAAAAAAAAAAAAAAAAAAAAAAAAAAAAAAAAAAAAAAAAAAAAAAAAAAAAAAAAAAAAAAAAAAAAAAAAAAAAAAAAAAAAAAAAAAAAAAAAFAAAADwAAAAAAAAAAAAAAAAAAAkUAAAAAQAAABQAAAAUAAAAFAAAAAEAAAAAAAAAZAAAAGQAAAAAAAAAZAAAAGQAAAAVAAAAYAAAAAAAAAAAAAAADwAAACADAAAAAAAAAAAAAAEAAACgMgAAVgcAAKr4//8BAAAAf39/AAEAAABkAAAAAAAAABQAAABAHwAAAAAAACYAAAAAAAAAwOD//wAAAAAmAAAAZAAAABYAAABMAAAAAAAAAAAAAAAEAAAAAAAAAAEAAACAgIAKAAAAACgAAAAoAAAAZAAAAGQAAAAAAAAAzMzMAAAAAABQAAAAUAAAAGQAAABkAAAAAAAAABcAAAAUAAAAAAAAAAAAAAD/fwAA/38AAAAAAAAJAAAABAAAAAAAAAAMAAAAEAAAAAAAAAAAAAAAAAAAAAAAAAAeAAAAaAAAAAAAAAAAAAAAAAAAAAAAAAAAAAAAECcAABAnAAAAAAAAAAAAAAAAAAAAAAAAAAAAAAAAAAAAAAAAAAAAABQAAAAAAAAAwMD/AAAAAABkAAAAMgAAAAAAAABkAAAAAAAAAH9/fwAKAAAAHwAAAFQAAAAAAAAFAAAAAQAAAAAAAAAAAAAAAAAAAAAAAAAAAAAAAAAAAAAAAAAAAAAAAn9/fwAAAAADzMzMAMDA/wB/f38AAAAAAAAAAAAAAAAAAAAAAAAAAAAhAAAAGAAAABQAAADQAgAAGycAAPAPAABZKQAAEAAAACYAAAAIAAAAAAAAAAAAAAA="/>
+                <pr:smNativeData xmlns:pr="smNativeData" val="SMDATA_13_GUMTYBMAAAAlAAAAZAAAAA8BAAAAkAAAAEgAAACQAAAASAAAAAAAAAABAAAAAAAAAAEAAABQAAAAAAAAAAAA4D8AAAAAAADgPwAAAAAAAOA/AAAAAAAA4D8AAAAAAADgPwAAAAAAAOA/AAAAAAAA4D8AAAAAAADgPwAAAAAAAOA/AAAAAAAA4D8CAAAAjAAAAAAAAAAAAAAAu+DjDP///wgAAAAAAAAAAAAAAAAAAAAAAAAAAAAAAAAAAAAAZAAAAAEAAABAAAAAAAAAAAAAAAAAAAAAAAAAAAAAAAAAAAAAAAAAAAAAAAAAAAAAAAAAAAAAAAAAAAAAAAAAAAAAAAAAAAAAAAAAAAAAAAAAAAAAAAAAAAAAAAAAAAAAFAAAADwAAAAAAAAAAAAAAAAAAAkUAAAAAQAAABQAAAAUAAAAFAAAAAEAAAAAAAAAZAAAAGQAAAAAAAAAZAAAAGQAAAAVAAAAYAAAAAAAAAAAAAAADwAAACADAAAAAAAAAAAAAAEAAACgMgAAVgcAAKr4//8BAAAAf39/AAEAAABkAAAAAAAAABQAAABAHwAAAAAAACYAAAAAAAAAwOD//wAAAAAmAAAAZAAAABYAAABMAAAAAAAAAAAAAAAEAAAAAAAAAAEAAACAgIAKAAAAACgAAAAoAAAAZAAAAGQAAAAAAAAAzMzMAAAAAABQAAAAUAAAAGQAAABkAAAAAAAAABcAAAAUAAAAAAAAAAAAAAD/fwAA/38AAAAAAAAJAAAABAAAAAAAAAAMAAAAEAAAAAAAAAAAAAAAAAAAAAAAAAAeAAAAaAAAAAAAAAAAAAAAAAAAAAAAAAAAAAAAECcAABAnAAAAAAAAAAAAAAAAAAAAAAAAAAAAAAAAAAAAAAAAAAAAABQAAAAAAAAAwMD/AAAAAABkAAAAMgAAAAAAAABkAAAAAAAAAH9/fwAKAAAAHwAAAFQAAAAAAAAFAAAAAQAAAAAAAAAAAAAAAAAAAAAAAAAAAAAAAAAAAAAAAAAAAAAAAn9/fwAAAAADzMzMAMDA/wB/f38AAAAAAAAAAAAAAAAAAAAAAAAAAAAhAAAAGAAAABQAAADQAgAAGycAAPAPAABZKQAAEAAAACYAAAAIAAAAAAAAAAAAAAA="/>
               </a:ext>
             </a:extLst>
           </p:cNvSpPr>
@@ -1148,7 +1148,7 @@
           <a:lstStyle/>
           <a:p>
             <a:pPr/>
-            <a:fld id="{2FE6ED39-77C2-B31B-8C5E-814EA3107AD4}" type="datetime1">
+            <a:fld id="{3AD04FD6-98D7-85B9-9968-6EEC01266F3B}" type="datetime1">
               <a:t/>
             </a:fld>
           </a:p>
@@ -1161,7 +1161,7 @@
             <a:spLocks noGrp="1" noChangeArrowheads="1"/>
             <a:extLst>
               <a:ext uri="smNativeData">
-                <pr:smNativeData xmlns:pr="smNativeData" val="SMDATA_13_Hs+1XxMAAAAlAAAAZAAAAA8BAAAAkAAAAEgAAACQAAAASAAAAAAAAAABAAAAAAAAAAEAAABQAAAAAAAAAAAA4D8AAAAAAADgPwAAAAAAAOA/AAAAAAAA4D8AAAAAAADgPwAAAAAAAOA/AAAAAAAA4D8AAAAAAADgPwAAAAAAAOA/AAAAAAAA4D8CAAAAjAAAAAAAAAAAAAAAu+DjDP///wgAAAAAAAAAAAAAAAAAAAAAAAAAAAAAAAAAAAAAZAAAAAEAAABAAAAAAAAAAAAAAAAAAAAAAAAAAAAAAAAAAAAAAAAAAAAAAAAAAAAAAAAAAAAAAAAAAAAAAAAAAAAAAAAAAAAAAAAAAAAAAAAAAAAAAAAAAAAAAAAAAAAAFAAAADwAAAAAAAAAAAAAAAAAAAkUAAAAAQAAABQAAAAUAAAAFAAAAAEAAAAAAAAAZAAAAGQAAAAAAAAAZAAAAGQAAAAVAAAAYAAAAAAAAAAAAAAADwAAACADAAAAAAAAAAAAAAEAAACgMgAAVgcAAKr4//8BAAAAf39/AAEAAABkAAAAAAAAABQAAABAHwAAAAAAACYAAAAAAAAAwOD//wAAAAAmAAAAZAAAABYAAABMAAAAAAAAAAAAAAAEAAAAAAAAAAEAAACAgIAKAAAAACgAAAAoAAAAZAAAAGQAAAAAAAAAzMzMAAAAAABQAAAAUAAAAGQAAABkAAAAAAAAABcAAAAUAAAAAAAAAAAAAAD/fwAA/38AAAAAAAAJAAAABAAAAAAAAAAMAAAAEAAAAAAAAAAAAAAAAAAAAAAAAAAeAAAAaAAAAAAAAAAAAAAAAAAAAAAAAAAAAAAAECcAABAnAAAAAAAAAAAAAAAAAAAAAAAAAAAAAAAAAAAAAAAAAAAAABQAAAAAAAAAwMD/AAAAAABkAAAAMgAAAAAAAABkAAAAAAAAAH9/fwAKAAAAHwAAAFQAAAAAAAAFAAAAAQAAAAAAAAAAAAAAAAAAAAAAAAAAAAAAAAAAAAAAAAAAAAAAAn9/fwAAAAADzMzMAMDA/wB/f38AAAAAAAAAAAAAAAAAAAAAAAAAAAAhAAAAGAAAABQAAAA4EwAAGycAAAglAABZKQAAEAAAACYAAAAIAAAAAAAAAAAAAAA="/>
+                <pr:smNativeData xmlns:pr="smNativeData" val="SMDATA_13_GUMTYBMAAAAlAAAAZAAAAA8BAAAAkAAAAEgAAACQAAAASAAAAAAAAAABAAAAAAAAAAEAAABQAAAAAAAAAAAA4D8AAAAAAADgPwAAAAAAAOA/AAAAAAAA4D8AAAAAAADgPwAAAAAAAOA/AAAAAAAA4D8AAAAAAADgPwAAAAAAAOA/AAAAAAAA4D8CAAAAjAAAAAAAAAAAAAAAu+DjDP///wgAAAAAAAAAAAAAAAAAAAAAAAAAAAAAAAAAAAAAZAAAAAEAAABAAAAAAAAAAAAAAAAAAAAAAAAAAAAAAAAAAAAAAAAAAAAAAAAAAAAAAAAAAAAAAAAAAAAAAAAAAAAAAAAAAAAAAAAAAAAAAAAAAAAAAAAAAAAAAAAAAAAAFAAAADwAAAAAAAAAAAAAAAAAAAkUAAAAAQAAABQAAAAUAAAAFAAAAAEAAAAAAAAAZAAAAGQAAAAAAAAAZAAAAGQAAAAVAAAAYAAAAAAAAAAAAAAADwAAACADAAAAAAAAAAAAAAEAAACgMgAAVgcAAKr4//8BAAAAf39/AAEAAABkAAAAAAAAABQAAABAHwAAAAAAACYAAAAAAAAAwOD//wAAAAAmAAAAZAAAABYAAABMAAAAAAAAAAAAAAAEAAAAAAAAAAEAAACAgIAKAAAAACgAAAAoAAAAZAAAAGQAAAAAAAAAzMzMAAAAAABQAAAAUAAAAGQAAABkAAAAAAAAABcAAAAUAAAAAAAAAAAAAAD/fwAA/38AAAAAAAAJAAAABAAAAAAAAAAMAAAAEAAAAAAAAAAAAAAAAAAAAAAAAAAeAAAAaAAAAAAAAAAAAAAAAAAAAAAAAAAAAAAAECcAABAnAAAAAAAAAAAAAAAAAAAAAAAAAAAAAAAAAAAAAAAAAAAAABQAAAAAAAAAwMD/AAAAAABkAAAAMgAAAAAAAABkAAAAAAAAAH9/fwAKAAAAHwAAAFQAAAAAAAAFAAAAAQAAAAAAAAAAAAAAAAAAAAAAAAAAAAAAAAAAAAAAAAAAAAAAAn9/fwAAAAADzMzMAMDA/wB/f38AAAAAAAAAAAAAAAAAAAAAAAAAAAAhAAAAGAAAABQAAAA4EwAAGycAAAglAABZKQAAEAAAACYAAAAIAAAAAAAAAAAAAAA="/>
               </a:ext>
             </a:extLst>
           </p:cNvSpPr>
@@ -1185,7 +1185,7 @@
             <a:spLocks noGrp="1" noChangeArrowheads="1"/>
             <a:extLst>
               <a:ext uri="smNativeData">
-                <pr:smNativeData xmlns:pr="smNativeData" val="SMDATA_13_Hs+1XxMAAAAlAAAAZAAAAA8BAAAAkAAAAEgAAACQAAAASAAAAAAAAAABAAAAAAAAAAEAAABQAAAAAAAAAAAA4D8AAAAAAADgPwAAAAAAAOA/AAAAAAAA4D8AAAAAAADgPwAAAAAAAOA/AAAAAAAA4D8AAAAAAADgPwAAAAAAAOA/AAAAAAAA4D8CAAAAjAAAAAAAAAAAAAAAu+DjDP///wgAAAAAAAAAAAAAAAAAAAAAAAAAAAAAAAAAAAAAZAAAAAEAAABAAAAAAAAAAAAAAAAAAAAAAAAAAAAAAAAAAAAAAAAAAAAAAAAAAAAAAAAAAAAAAAAAAAAAAAAAAAAAAAAAAAAAAAAAAAAAAAAAAAAAAAAAAAAAAAAAAAAAFAAAADwAAAAAAAAAAAAAAAAAAAkUAAAAAQAAABQAAAAUAAAAFAAAAAEAAAAAAAAAZAAAAGQAAAAAAAAAZAAAAGQAAAAVAAAAYAAAAAAAAAAAAAAADwAAACADAAAAAAAAAAAAAAEAAACgMgAAVgcAAKr4//8BAAAAf39/AAEAAABkAAAAAAAAABQAAABAHwAAAAAAACYAAAAAAAAAwOD//wAAAAAmAAAAZAAAABYAAABMAAAAAAAAAAAAAAAEAAAAAAAAAAEAAACAgIAKAAAAACgAAAAoAAAAZAAAAGQAAAAAAAAAzMzMAAAAAABQAAAAUAAAAGQAAABkAAAAAAAAABcAAAAUAAAAAAAAAAAAAAD/fwAA/38AAAAAAAAJAAAABAAAAAAAAAAMAAAAEAAAAAAAAAAAAAAAAAAAAAAAAAAeAAAAaAAAAAAAAAAAAAAAAAAAAAAAAAAAAAAAECcAABAnAAAAAAAAAAAAAAAAAAAAAAAAAAAAAAAAAAAAAAAAAAAAABQAAAAAAAAAwMD/AAAAAABkAAAAMgAAAAAAAABkAAAAAAAAAH9/fwAKAAAAHwAAAFQAAAAAAAAFAAAAAQAAAAAAAAAAAAAAAAAAAAAAAAAAAAAAAAAAAAAAAAAAAAAAAn9/fwAAAAADzMzMAMDA/wB/f38AAAAAAAAAAAAAAAAAAAAAAAAAAAAhAAAAGAAAABQAAABQKAAAGycAAHA1AABZKQAAEAAAACYAAAAIAAAAAAAAAAAAAAA="/>
+                <pr:smNativeData xmlns:pr="smNativeData" val="SMDATA_13_GUMTYBMAAAAlAAAAZAAAAA8BAAAAkAAAAEgAAACQAAAASAAAAAAAAAABAAAAAAAAAAEAAABQAAAAAAAAAAAA4D8AAAAAAADgPwAAAAAAAOA/AAAAAAAA4D8AAAAAAADgPwAAAAAAAOA/AAAAAAAA4D8AAAAAAADgPwAAAAAAAOA/AAAAAAAA4D8CAAAAjAAAAAAAAAAAAAAAu+DjDP///wgAAAAAAAAAAAAAAAAAAAAAAAAAAAAAAAAAAAAAZAAAAAEAAABAAAAAAAAAAAAAAAAAAAAAAAAAAAAAAAAAAAAAAAAAAAAAAAAAAAAAAAAAAAAAAAAAAAAAAAAAAAAAAAAAAAAAAAAAAAAAAAAAAAAAAAAAAAAAAAAAAAAAFAAAADwAAAAAAAAAAAAAAAAAAAkUAAAAAQAAABQAAAAUAAAAFAAAAAEAAAAAAAAAZAAAAGQAAAAAAAAAZAAAAGQAAAAVAAAAYAAAAAAAAAAAAAAADwAAACADAAAAAAAAAAAAAAEAAACgMgAAVgcAAKr4//8BAAAAf39/AAEAAABkAAAAAAAAABQAAABAHwAAAAAAACYAAAAAAAAAwOD//wAAAAAmAAAAZAAAABYAAABMAAAAAAAAAAAAAAAEAAAAAAAAAAEAAACAgIAKAAAAACgAAAAoAAAAZAAAAGQAAAAAAAAAzMzMAAAAAABQAAAAUAAAAGQAAABkAAAAAAAAABcAAAAUAAAAAAAAAAAAAAD/fwAA/38AAAAAAAAJAAAABAAAAAAAAAAMAAAAEAAAAAAAAAAAAAAAAAAAAAAAAAAeAAAAaAAAAAAAAAAAAAAAAAAAAAAAAAAAAAAAECcAABAnAAAAAAAAAAAAAAAAAAAAAAAAAAAAAAAAAAAAAAAAAAAAABQAAAAAAAAAwMD/AAAAAABkAAAAMgAAAAAAAABkAAAAAAAAAH9/fwAKAAAAHwAAAFQAAAAAAAAFAAAAAQAAAAAAAAAAAAAAAAAAAAAAAAAAAAAAAAAAAAAAAAAAAAAAAn9/fwAAAAADzMzMAMDA/wB/f38AAAAAAAAAAAAAAAAAAAAAAAAAAAAhAAAAGAAAABQAAABQKAAAGycAAHA1AABZKQAAEAAAACYAAAAIAAAAAAAAAAAAAAA="/>
               </a:ext>
             </a:extLst>
           </p:cNvSpPr>
@@ -1199,7 +1199,7 @@
           <a:lstStyle/>
           <a:p>
             <a:pPr/>
-            <a:fld id="{2FE6A87A-34C2-B35E-8C5E-C20BE6107A97}" type="slidenum">
+            <a:fld id="{3AD03697-D9D7-85C0-9968-2F9578266F7A}" type="slidenum">
               <a:t/>
             </a:fld>
           </a:p>
@@ -1237,7 +1237,7 @@
             <a:spLocks noGrp="1" noChangeArrowheads="1"/>
             <a:extLst>
               <a:ext uri="smNativeData">
-                <pr:smNativeData xmlns:pr="smNativeData" val="SMDATA_13_Hs+1XxMAAAAlAAAAZAAAAA8BAAAAkAAAAEgAAACQAAAASAAAAAAAAAABAAAAAAAAAAEAAABQAAAAAAAAAAAA4D8AAAAAAADgPwAAAAAAAOA/AAAAAAAA4D8AAAAAAADgPwAAAAAAAOA/AAAAAAAA4D8AAAAAAADgPwAAAAAAAOA/AAAAAAAA4D8CAAAAjAAAAAAAAAAAAAAAu+DjDP///wgAAAAAAAAAAAAAAAAAAAAAAAAAAAAAAAAAAAAAZAAAAAEAAABAAAAAAAAAAAAAAAAAAAAAAAAAAAAAAAAAAAAAAAAAAAAAAAAAAAAAAAAAAAAAAAAAAAAAAAAAAAAAAAAAAAAAAAAAAAAAAAAAAAAAAAAAAAAAAAAAAAAAFAAAADwAAAAAAAAAAAAAAAAAAAkUAAAAAQAAABQAAAAUAAAAFAAAAAEAAAAAAAAAZAAAAGQAAAAAAAAAZAAAAGQAAAAVAAAAYAAAAAAAAAAAAAAADwAAACADAAAAAAAAAAAAAAEAAACgMgAAVgcAAKr4//8BAAAAf39/AAEAAABkAAAAAAAAABQAAABAHwAAAAAAACYAAAAAAAAAwOD//wAAAAAmAAAAZAAAABYAAABMAAAAAAAAAAAAAAAEAAAAAAAAAAEAAACAgIAKAAAAACgAAAAoAAAAZAAAAGQAAAAAAAAAzMzMAAAAAABQAAAAUAAAAGQAAABkAAAAAAAAABcAAAAUAAAAAAAAAAAAAAD/fwAA/38AAAAAAAAJAAAABAAAAAAAAAAMAAAAEAAAAAAAAAAAAAAAAAAAAAAAAAAeAAAAaAAAAAAAAAAAAAAAAAAAAAAAAAAAAAAAECcAABAnAAAAAAAAAAAAAAAAAAAAAAAAAAAAAAAAAAAAAAAAAAAAABQAAAAAAAAAwMD/AAAAAABkAAAAMgAAAAAAAABkAAAAAAAAAH9/fwAKAAAAHwAAAFQAAAAAAAAFAAAAAQAAAAAAAAAAAAAAAAAAAAAAAAAAAAAAAAAAAAAAAAAAAAAAAn9/fwAAAAADzMzMAMDA/wB/f38AAAAAAAAAAAAAAAAAAAAAAAAAAAAhAAAAGAAAABQAAADQAgAAsAEAAHA1AAC4CAAAEAAAACYAAAAIAAAAAAAAAAAAAAA="/>
+                <pr:smNativeData xmlns:pr="smNativeData" val="SMDATA_13_GUMTYBMAAAAlAAAAZAAAAA8BAAAAkAAAAEgAAACQAAAASAAAAAAAAAABAAAAAAAAAAEAAABQAAAAAAAAAAAA4D8AAAAAAADgPwAAAAAAAOA/AAAAAAAA4D8AAAAAAADgPwAAAAAAAOA/AAAAAAAA4D8AAAAAAADgPwAAAAAAAOA/AAAAAAAA4D8CAAAAjAAAAAAAAAAAAAAAu+DjDP///wgAAAAAAAAAAAAAAAAAAAAAAAAAAAAAAAAAAAAAZAAAAAEAAABAAAAAAAAAAAAAAAAAAAAAAAAAAAAAAAAAAAAAAAAAAAAAAAAAAAAAAAAAAAAAAAAAAAAAAAAAAAAAAAAAAAAAAAAAAAAAAAAAAAAAAAAAAAAAAAAAAAAAFAAAADwAAAAAAAAAAAAAAAAAAAkUAAAAAQAAABQAAAAUAAAAFAAAAAEAAAAAAAAAZAAAAGQAAAAAAAAAZAAAAGQAAAAVAAAAYAAAAAAAAAAAAAAADwAAACADAAAAAAAAAAAAAAEAAACgMgAAVgcAAKr4//8BAAAAf39/AAEAAABkAAAAAAAAABQAAABAHwAAAAAAACYAAAAAAAAAwOD//wAAAAAmAAAAZAAAABYAAABMAAAAAAAAAAAAAAAEAAAAAAAAAAEAAACAgIAKAAAAACgAAAAoAAAAZAAAAGQAAAAAAAAAzMzMAAAAAABQAAAAUAAAAGQAAABkAAAAAAAAABcAAAAUAAAAAAAAAAAAAAD/fwAA/38AAAAAAAAJAAAABAAAAAAAAAAMAAAAEAAAAAAAAAAAAAAAAAAAAAAAAAAeAAAAaAAAAAAAAAAAAAAAAAAAAAAAAAAAAAAAECcAABAnAAAAAAAAAAAAAAAAAAAAAAAAAAAAAAAAAAAAAAAAAAAAABQAAAAAAAAAwMD/AAAAAABkAAAAMgAAAAAAAABkAAAAAAAAAH9/fwAKAAAAHwAAAFQAAAAAAAAFAAAAAQAAAAAAAAAAAAAAAAAAAAAAAAAAAAAAAAAAAAAAAAAAAAAAAn9/fwAAAAADzMzMAMDA/wB/f38AAAAAAAAAAAAAAAAAAAAAAAAAAAAhAAAAGAAAABQAAADQAgAAsAEAAHA1AAC4CAAAEAAAACYAAAAIAAAAAAAAAAAAAAA="/>
               </a:ext>
             </a:extLst>
           </p:cNvSpPr>
@@ -1264,7 +1264,7 @@
             <a:spLocks noGrp="1" noChangeArrowheads="1"/>
             <a:extLst>
               <a:ext uri="smNativeData">
-                <pr:smNativeData xmlns:pr="smNativeData" val="SMDATA_13_Hs+1XxMAAAAlAAAAZAAAAA8BAAAAkAAAAEgAAACQAAAASAAAAAAAAAAAAAAAAAAAAAEAAABQAAAAAAAAAAAA4D8AAAAAAADgPwAAAAAAAOA/AAAAAAAA4D8AAAAAAADgPwAAAAAAAOA/AAAAAAAA4D8AAAAAAADgPwAAAAAAAOA/AAAAAAAA4D8CAAAAjAAAAAAAAAAAAAAAu+DjDP///wgAAAAAAAAAAAAAAAAAAAAAAAAAAAAAAAAAAAAAZAAAAAEAAABAAAAAAAAAAAAAAAAAAAAAAAAAAAAAAAAAAAAAAAAAAAAAAAAAAAAAAAAAAAAAAAAAAAAAAAAAAAAAAAAAAAAAAAAAAAAAAAAAAAAAAAAAAAAAAAAAAAAAFAAAADwAAAAAAAAAAAAAAAAAAAkUAAAAAQAAABQAAAAUAAAAFAAAAAEAAAAAAAAAZAAAAGQAAAAAAAAAZAAAAGQAAAAVAAAAYAAAAAAAAAAAAAAADwAAACADAAAAAAAAAAAAAAEAAACgMgAAVgcAAKr4//8BAAAAf39/AAEAAABkAAAAAAAAABQAAABAHwAAAAAAACYAAAAAAAAAwOD//wAAAAAmAAAAZAAAABYAAABMAAAAAAAAAAAAAAAEAAAAAAAAAAEAAACAgIAKAAAAACgAAAAoAAAAZAAAAGQAAAAAAAAAzMzMAAAAAABQAAAAUAAAAGQAAABkAAAAAAAAABcAAAAUAAAAAAAAAAAAAAD/fwAA/38AAAAAAAAJAAAABAAAAAAAAAAMAAAAEAAAAAAAAAAAAAAAAAAAAAAAAAAeAAAAaAAAAAAAAAAAAAAAAAAAAAAAAAAAAAAAECcAABAnAAAAAAAAAAAAAAAAAAAAAAAAAAAAAAAAAAAAAAAAAAAAABQAAAAAAAAAwMD/AAAAAABkAAAAMgAAAAAAAABkAAAAAAAAAH9/fwAKAAAAHwAAAFQAAAAAAAAFAAAAAQAAAAAAAAAAAAAAAAAAAAAAAAAAAAAAAAAAAAAAAAAAAAAAAn9/fwAAAAADzMzMAMDA/wB/f38AAAAAAAAAAAAAAAAAAAAAAAAAAAAhAAAAGAAAABQAAADQAgAA2AkAAKgbAACwJQAAEAAAACYAAAAIAAAAAYAAAAAAAAA="/>
+                <pr:smNativeData xmlns:pr="smNativeData" val="SMDATA_13_GUMTYBMAAAAlAAAAZAAAAA8BAAAAkAAAAEgAAACQAAAASAAAAAAAAAAAAAAAAAAAAAEAAABQAAAAAAAAAAAA4D8AAAAAAADgPwAAAAAAAOA/AAAAAAAA4D8AAAAAAADgPwAAAAAAAOA/AAAAAAAA4D8AAAAAAADgPwAAAAAAAOA/AAAAAAAA4D8CAAAAjAAAAAAAAAAAAAAAu+DjDP///wgAAAAAAAAAAAAAAAAAAAAAAAAAAAAAAAAAAAAAZAAAAAEAAABAAAAAAAAAAAAAAAAAAAAAAAAAAAAAAAAAAAAAAAAAAAAAAAAAAAAAAAAAAAAAAAAAAAAAAAAAAAAAAAAAAAAAAAAAAAAAAAAAAAAAAAAAAAAAAAAAAAAAFAAAADwAAAAAAAAAAAAAAAAAAAkUAAAAAQAAABQAAAAUAAAAFAAAAAEAAAAAAAAAZAAAAGQAAAAAAAAAZAAAAGQAAAAVAAAAYAAAAAAAAAAAAAAADwAAACADAAAAAAAAAAAAAAEAAACgMgAAVgcAAKr4//8BAAAAf39/AAEAAABkAAAAAAAAABQAAABAHwAAAAAAACYAAAAAAAAAwOD//wAAAAAmAAAAZAAAABYAAABMAAAAAAAAAAAAAAAEAAAAAAAAAAEAAACAgIAKAAAAACgAAAAoAAAAZAAAAGQAAAAAAAAAzMzMAAAAAABQAAAAUAAAAGQAAABkAAAAAAAAABcAAAAUAAAAAAAAAAAAAAD/fwAA/38AAAAAAAAJAAAABAAAAAAAAAAMAAAAEAAAAAAAAAAAAAAAAAAAAAAAAAAeAAAAaAAAAAAAAAAAAAAAAAAAAAAAAAAAAAAAECcAABAnAAAAAAAAAAAAAAAAAAAAAAAAAAAAAAAAAAAAAAAAAAAAABQAAAAAAAAAwMD/AAAAAABkAAAAMgAAAAAAAABkAAAAAAAAAH9/fwAKAAAAHwAAAFQAAAAAAAAFAAAAAQAAAAAAAAAAAAAAAAAAAAAAAAAAAAAAAAAAAAAAAAAAAAAAAn9/fwAAAAADzMzMAMDA/wB/f38AAAAAAAAAAAAAAAAAAAAAAAAAAAAhAAAAGAAAABQAAADQAgAA2AkAAKgbAACwJQAAEAAAACYAAAAIAAAAAYAAAAAAAAA="/>
               </a:ext>
             </a:extLst>
           </p:cNvSpPr>
@@ -1348,7 +1348,7 @@
             <a:spLocks noGrp="1" noChangeArrowheads="1"/>
             <a:extLst>
               <a:ext uri="smNativeData">
-                <pr:smNativeData xmlns:pr="smNativeData" val="SMDATA_13_Hs+1XxMAAAAlAAAAZAAAAA8BAAAAkAAAAEgAAACQAAAASAAAAAAAAAAAAAAAAAAAAAEAAABQAAAAAAAAAAAA4D8AAAAAAADgPwAAAAAAAOA/AAAAAAAA4D8AAAAAAADgPwAAAAAAAOA/AAAAAAAA4D8AAAAAAADgPwAAAAAAAOA/AAAAAAAA4D8CAAAAjAAAAAAAAAAAAAAAu+DjDP///wgAAAAAAAAAAAAAAAAAAAAAAAAAAAAAAAAAAAAAZAAAAAEAAABAAAAAAAAAAAAAAAAAAAAAAAAAAAAAAAAAAAAAAAAAAAAAAAAAAAAAAAAAAAAAAAAAAAAAAAAAAAAAAAAAAAAAAAAAAAAAAAAAAAAAAAAAAAAAAAAAAAAAFAAAADwAAAAAAAAAAAAAAAAAAAkUAAAAAQAAABQAAAAUAAAAFAAAAAEAAAAAAAAAZAAAAGQAAAAAAAAAZAAAAGQAAAAVAAAAYAAAAAAAAAAAAAAADwAAACADAAAAAAAAAAAAAAEAAACgMgAAVgcAAKr4//8BAAAAf39/AAEAAABkAAAAAAAAABQAAABAHwAAAAAAACYAAAAAAAAAwOD//wAAAAAmAAAAZAAAABYAAABMAAAAAAAAAAAAAAAEAAAAAAAAAAEAAACAgIAKAAAAACgAAAAoAAAAZAAAAGQAAAAAAAAAzMzMAAAAAABQAAAAUAAAAGQAAABkAAAAAAAAABcAAAAUAAAAAAAAAAAAAAD/fwAA/38AAAAAAAAJAAAABAAAAAAAAAAMAAAAEAAAAAAAAAAAAAAAAAAAAAAAAAAeAAAAaAAAAAAAAAAAAAAAAAAAAAAAAAAAAAAAECcAABAnAAAAAAAAAAAAAAAAAAAAAAAAAAAAAAAAAAAAAAAAAAAAABQAAAAAAAAAwMD/AAAAAABkAAAAMgAAAAAAAABkAAAAAAAAAH9/fwAKAAAAHwAAAFQAAAAAAAAFAAAAAQAAAAAAAAAAAAAAAAAAAAAAAAAAAAAAAAAAAAAAAAAAAAAAAn9/fwAAAAADzMzMAMDA/wB/f38AAAAAAAAAAAAAAAAAAAAAAAAAAAAhAAAAGAAAABQAAACYHAAA2AkAAHA1AACwJQAAEAAAACYAAAAIAAAAAYAAAAAAAAA="/>
+                <pr:smNativeData xmlns:pr="smNativeData" val="SMDATA_13_GUMTYBMAAAAlAAAAZAAAAA8BAAAAkAAAAEgAAACQAAAASAAAAAAAAAAAAAAAAAAAAAEAAABQAAAAAAAAAAAA4D8AAAAAAADgPwAAAAAAAOA/AAAAAAAA4D8AAAAAAADgPwAAAAAAAOA/AAAAAAAA4D8AAAAAAADgPwAAAAAAAOA/AAAAAAAA4D8CAAAAjAAAAAAAAAAAAAAAu+DjDP///wgAAAAAAAAAAAAAAAAAAAAAAAAAAAAAAAAAAAAAZAAAAAEAAABAAAAAAAAAAAAAAAAAAAAAAAAAAAAAAAAAAAAAAAAAAAAAAAAAAAAAAAAAAAAAAAAAAAAAAAAAAAAAAAAAAAAAAAAAAAAAAAAAAAAAAAAAAAAAAAAAAAAAFAAAADwAAAAAAAAAAAAAAAAAAAkUAAAAAQAAABQAAAAUAAAAFAAAAAEAAAAAAAAAZAAAAGQAAAAAAAAAZAAAAGQAAAAVAAAAYAAAAAAAAAAAAAAADwAAACADAAAAAAAAAAAAAAEAAACgMgAAVgcAAKr4//8BAAAAf39/AAEAAABkAAAAAAAAABQAAABAHwAAAAAAACYAAAAAAAAAwOD//wAAAAAmAAAAZAAAABYAAABMAAAAAAAAAAAAAAAEAAAAAAAAAAEAAACAgIAKAAAAACgAAAAoAAAAZAAAAGQAAAAAAAAAzMzMAAAAAABQAAAAUAAAAGQAAABkAAAAAAAAABcAAAAUAAAAAAAAAAAAAAD/fwAA/38AAAAAAAAJAAAABAAAAAAAAAAMAAAAEAAAAAAAAAAAAAAAAAAAAAAAAAAeAAAAaAAAAAAAAAAAAAAAAAAAAAAAAAAAAAAAECcAABAnAAAAAAAAAAAAAAAAAAAAAAAAAAAAAAAAAAAAAAAAAAAAABQAAAAAAAAAwMD/AAAAAABkAAAAMgAAAAAAAABkAAAAAAAAAH9/fwAKAAAAHwAAAFQAAAAAAAAFAAAAAQAAAAAAAAAAAAAAAAAAAAAAAAAAAAAAAAAAAAAAAAAAAAAAAn9/fwAAAAADzMzMAMDA/wB/f38AAAAAAAAAAAAAAAAAAAAAAAAAAAAhAAAAGAAAABQAAACYHAAA2AkAAHA1AACwJQAAEAAAACYAAAAIAAAAAYAAAAAAAAA="/>
               </a:ext>
             </a:extLst>
           </p:cNvSpPr>
@@ -1432,7 +1432,7 @@
             <a:spLocks noGrp="1" noChangeArrowheads="1"/>
             <a:extLst>
               <a:ext uri="smNativeData">
-                <pr:smNativeData xmlns:pr="smNativeData" val="SMDATA_13_Hs+1XxMAAAAlAAAAZAAAAA8BAAAAkAAAAEgAAACQAAAASAAAAAAAAAABAAAAAAAAAAEAAABQAAAAAAAAAAAA4D8AAAAAAADgPwAAAAAAAOA/AAAAAAAA4D8AAAAAAADgPwAAAAAAAOA/AAAAAAAA4D8AAAAAAADgPwAAAAAAAOA/AAAAAAAA4D8CAAAAjAAAAAAAAAAAAAAAu+DjDP///wgAAAAAAAAAAAAAAAAAAAAAAAAAAAAAAAAAAAAAZAAAAAEAAABAAAAAAAAAAAAAAAAAAAAAAAAAAAAAAAAAAAAAAAAAAAAAAAAAAAAAAAAAAAAAAAAAAAAAAAAAAAAAAAAAAAAAAAAAAAAAAAAAAAAAAAAAAAAAAAAAAAAAFAAAADwAAAAAAAAAAAAAAAAAAAkUAAAAAQAAABQAAAAUAAAAFAAAAAEAAAAAAAAAZAAAAGQAAAAAAAAAZAAAAGQAAAAVAAAAYAAAAAAAAAAAAAAADwAAACADAAAAAAAAAAAAAAEAAACgMgAAVgcAAKr4//8BAAAAf39/AAEAAABkAAAAAAAAABQAAABAHwAAAAAAACYAAAAAAAAAwOD//wAAAAAmAAAAZAAAABYAAABMAAAAAAAAAAAAAAAEAAAAAAAAAAEAAACAgIAKAAAAACgAAAAoAAAAZAAAAGQAAAAAAAAAzMzMAAAAAABQAAAAUAAAAGQAAABkAAAAAAAAABcAAAAUAAAAAAAAAAAAAAD/fwAA/38AAAAAAAAJAAAABAAAAAAAAAAMAAAAEAAAAAAAAAAAAAAAAAAAAAAAAAAeAAAAaAAAAAAAAAAAAAAAAAAAAAAAAAAAAAAAECcAABAnAAAAAAAAAAAAAAAAAAAAAAAAAAAAAAAAAAAAAAAAAAAAABQAAAAAAAAAwMD/AAAAAABkAAAAMgAAAAAAAABkAAAAAAAAAH9/fwAKAAAAHwAAAFQAAAAAAAAFAAAAAQAAAAAAAAAAAAAAAAAAAAAAAAAAAAAAAAAAAAAAAAAAAAAAAn9/fwAAAAADzMzMAMDA/wB/f38AAAAAAAAAAAAAAAAAAAAAAAAAAAAhAAAAGAAAABQAAADQAgAAGycAAPAPAABZKQAAEAAAACYAAAAIAAAAAAAAAAAAAAA="/>
+                <pr:smNativeData xmlns:pr="smNativeData" val="SMDATA_13_GUMTYBMAAAAlAAAAZAAAAA8BAAAAkAAAAEgAAACQAAAASAAAAAAAAAABAAAAAAAAAAEAAABQAAAAAAAAAAAA4D8AAAAAAADgPwAAAAAAAOA/AAAAAAAA4D8AAAAAAADgPwAAAAAAAOA/AAAAAAAA4D8AAAAAAADgPwAAAAAAAOA/AAAAAAAA4D8CAAAAjAAAAAAAAAAAAAAAu+DjDP///wgAAAAAAAAAAAAAAAAAAAAAAAAAAAAAAAAAAAAAZAAAAAEAAABAAAAAAAAAAAAAAAAAAAAAAAAAAAAAAAAAAAAAAAAAAAAAAAAAAAAAAAAAAAAAAAAAAAAAAAAAAAAAAAAAAAAAAAAAAAAAAAAAAAAAAAAAAAAAAAAAAAAAFAAAADwAAAAAAAAAAAAAAAAAAAkUAAAAAQAAABQAAAAUAAAAFAAAAAEAAAAAAAAAZAAAAGQAAAAAAAAAZAAAAGQAAAAVAAAAYAAAAAAAAAAAAAAADwAAACADAAAAAAAAAAAAAAEAAACgMgAAVgcAAKr4//8BAAAAf39/AAEAAABkAAAAAAAAABQAAABAHwAAAAAAACYAAAAAAAAAwOD//wAAAAAmAAAAZAAAABYAAABMAAAAAAAAAAAAAAAEAAAAAAAAAAEAAACAgIAKAAAAACgAAAAoAAAAZAAAAGQAAAAAAAAAzMzMAAAAAABQAAAAUAAAAGQAAABkAAAAAAAAABcAAAAUAAAAAAAAAAAAAAD/fwAA/38AAAAAAAAJAAAABAAAAAAAAAAMAAAAEAAAAAAAAAAAAAAAAAAAAAAAAAAeAAAAaAAAAAAAAAAAAAAAAAAAAAAAAAAAAAAAECcAABAnAAAAAAAAAAAAAAAAAAAAAAAAAAAAAAAAAAAAAAAAAAAAABQAAAAAAAAAwMD/AAAAAABkAAAAMgAAAAAAAABkAAAAAAAAAH9/fwAKAAAAHwAAAFQAAAAAAAAFAAAAAQAAAAAAAAAAAAAAAAAAAAAAAAAAAAAAAAAAAAAAAAAAAAAAAn9/fwAAAAADzMzMAMDA/wB/f38AAAAAAAAAAAAAAAAAAAAAAAAAAAAhAAAAGAAAABQAAADQAgAAGycAAPAPAABZKQAAEAAAACYAAAAIAAAAAAAAAAAAAAA="/>
               </a:ext>
             </a:extLst>
           </p:cNvSpPr>
@@ -1446,7 +1446,7 @@
           <a:lstStyle/>
           <a:p>
             <a:pPr/>
-            <a:fld id="{2FE6EA3D-73C2-B31C-8C5E-8549A4107AD0}" type="datetime1">
+            <a:fld id="{3AD0643D-73D7-8592-9968-85C72A266FD0}" type="datetime1">
               <a:t/>
             </a:fld>
           </a:p>
@@ -1459,7 +1459,7 @@
             <a:spLocks noGrp="1" noChangeArrowheads="1"/>
             <a:extLst>
               <a:ext uri="smNativeData">
-                <pr:smNativeData xmlns:pr="smNativeData" val="SMDATA_13_Hs+1XxMAAAAlAAAAZAAAAA8BAAAAkAAAAEgAAACQAAAASAAAAAAAAAABAAAAAAAAAAEAAABQAAAAAAAAAAAA4D8AAAAAAADgPwAAAAAAAOA/AAAAAAAA4D8AAAAAAADgPwAAAAAAAOA/AAAAAAAA4D8AAAAAAADgPwAAAAAAAOA/AAAAAAAA4D8CAAAAjAAAAAAAAAAAAAAAu+DjDP///wgAAAAAAAAAAAAAAAAAAAAAAAAAAAAAAAAAAAAAZAAAAAEAAABAAAAAAAAAAAAAAAAAAAAAAAAAAAAAAAAAAAAAAAAAAAAAAAAAAAAAAAAAAAAAAAAAAAAAAAAAAAAAAAAAAAAAAAAAAAAAAAAAAAAAAAAAAAAAAAAAAAAAFAAAADwAAAAAAAAAAAAAAAAAAAkUAAAAAQAAABQAAAAUAAAAFAAAAAEAAAAAAAAAZAAAAGQAAAAAAAAAZAAAAGQAAAAVAAAAYAAAAAAAAAAAAAAADwAAACADAAAAAAAAAAAAAAEAAACgMgAAVgcAAKr4//8BAAAAf39/AAEAAABkAAAAAAAAABQAAABAHwAAAAAAACYAAAAAAAAAwOD//wAAAAAmAAAAZAAAABYAAABMAAAAAAAAAAAAAAAEAAAAAAAAAAEAAACAgIAKAAAAACgAAAAoAAAAZAAAAGQAAAAAAAAAzMzMAAAAAABQAAAAUAAAAGQAAABkAAAAAAAAABcAAAAUAAAAAAAAAAAAAAD/fwAA/38AAAAAAAAJAAAABAAAAAAAAAAMAAAAEAAAAAAAAAAAAAAAAAAAAAAAAAAeAAAAaAAAAAAAAAAAAAAAAAAAAAAAAAAAAAAAECcAABAnAAAAAAAAAAAAAAAAAAAAAAAAAAAAAAAAAAAAAAAAAAAAABQAAAAAAAAAwMD/AAAAAABkAAAAMgAAAAAAAABkAAAAAAAAAH9/fwAKAAAAHwAAAFQAAAAAAAAFAAAAAQAAAAAAAAAAAAAAAAAAAAAAAAAAAAAAAAAAAAAAAAAAAAAAAn9/fwAAAAADzMzMAMDA/wB/f38AAAAAAAAAAAAAAAAAAAAAAAAAAAAhAAAAGAAAABQAAAA4EwAAGycAAAglAABZKQAAEAAAACYAAAAIAAAAAAAAAAAAAAA="/>
+                <pr:smNativeData xmlns:pr="smNativeData" val="SMDATA_13_GUMTYBMAAAAlAAAAZAAAAA8BAAAAkAAAAEgAAACQAAAASAAAAAAAAAABAAAAAAAAAAEAAABQAAAAAAAAAAAA4D8AAAAAAADgPwAAAAAAAOA/AAAAAAAA4D8AAAAAAADgPwAAAAAAAOA/AAAAAAAA4D8AAAAAAADgPwAAAAAAAOA/AAAAAAAA4D8CAAAAjAAAAAAAAAAAAAAAu+DjDP///wgAAAAAAAAAAAAAAAAAAAAAAAAAAAAAAAAAAAAAZAAAAAEAAABAAAAAAAAAAAAAAAAAAAAAAAAAAAAAAAAAAAAAAAAAAAAAAAAAAAAAAAAAAAAAAAAAAAAAAAAAAAAAAAAAAAAAAAAAAAAAAAAAAAAAAAAAAAAAAAAAAAAAFAAAADwAAAAAAAAAAAAAAAAAAAkUAAAAAQAAABQAAAAUAAAAFAAAAAEAAAAAAAAAZAAAAGQAAAAAAAAAZAAAAGQAAAAVAAAAYAAAAAAAAAAAAAAADwAAACADAAAAAAAAAAAAAAEAAACgMgAAVgcAAKr4//8BAAAAf39/AAEAAABkAAAAAAAAABQAAABAHwAAAAAAACYAAAAAAAAAwOD//wAAAAAmAAAAZAAAABYAAABMAAAAAAAAAAAAAAAEAAAAAAAAAAEAAACAgIAKAAAAACgAAAAoAAAAZAAAAGQAAAAAAAAAzMzMAAAAAABQAAAAUAAAAGQAAABkAAAAAAAAABcAAAAUAAAAAAAAAAAAAAD/fwAA/38AAAAAAAAJAAAABAAAAAAAAAAMAAAAEAAAAAAAAAAAAAAAAAAAAAAAAAAeAAAAaAAAAAAAAAAAAAAAAAAAAAAAAAAAAAAAECcAABAnAAAAAAAAAAAAAAAAAAAAAAAAAAAAAAAAAAAAAAAAAAAAABQAAAAAAAAAwMD/AAAAAABkAAAAMgAAAAAAAABkAAAAAAAAAH9/fwAKAAAAHwAAAFQAAAAAAAAFAAAAAQAAAAAAAAAAAAAAAAAAAAAAAAAAAAAAAAAAAAAAAAAAAAAAAn9/fwAAAAADzMzMAMDA/wB/f38AAAAAAAAAAAAAAAAAAAAAAAAAAAAhAAAAGAAAABQAAAA4EwAAGycAAAglAABZKQAAEAAAACYAAAAIAAAAAAAAAAAAAAA="/>
               </a:ext>
             </a:extLst>
           </p:cNvSpPr>
@@ -1483,7 +1483,7 @@
             <a:spLocks noGrp="1" noChangeArrowheads="1"/>
             <a:extLst>
               <a:ext uri="smNativeData">
-                <pr:smNativeData xmlns:pr="smNativeData" val="SMDATA_13_Hs+1XxMAAAAlAAAAZAAAAA8BAAAAkAAAAEgAAACQAAAASAAAAAAAAAABAAAAAAAAAAEAAABQAAAAAAAAAAAA4D8AAAAAAADgPwAAAAAAAOA/AAAAAAAA4D8AAAAAAADgPwAAAAAAAOA/AAAAAAAA4D8AAAAAAADgPwAAAAAAAOA/AAAAAAAA4D8CAAAAjAAAAAAAAAAAAAAAu+DjDP///wgAAAAAAAAAAAAAAAAAAAAAAAAAAAAAAAAAAAAAZAAAAAEAAABAAAAAAAAAAAAAAAAAAAAAAAAAAAAAAAAAAAAAAAAAAAAAAAAAAAAAAAAAAAAAAAAAAAAAAAAAAAAAAAAAAAAAAAAAAAAAAAAAAAAAAAAAAAAAAAAAAAAAFAAAADwAAAAAAAAAAAAAAAAAAAkUAAAAAQAAABQAAAAUAAAAFAAAAAEAAAAAAAAAZAAAAGQAAAAAAAAAZAAAAGQAAAAVAAAAYAAAAAAAAAAAAAAADwAAACADAAAAAAAAAAAAAAEAAACgMgAAVgcAAKr4//8BAAAAf39/AAEAAABkAAAAAAAAABQAAABAHwAAAAAAACYAAAAAAAAAwOD//wAAAAAmAAAAZAAAABYAAABMAAAAAAAAAAAAAAAEAAAAAAAAAAEAAACAgIAKAAAAACgAAAAoAAAAZAAAAGQAAAAAAAAAzMzMAAAAAABQAAAAUAAAAGQAAABkAAAAAAAAABcAAAAUAAAAAAAAAAAAAAD/fwAA/38AAAAAAAAJAAAABAAAAAAAAAAMAAAAEAAAAAAAAAAAAAAAAAAAAAAAAAAeAAAAaAAAAAAAAAAAAAAAAAAAAAAAAAAAAAAAECcAABAnAAAAAAAAAAAAAAAAAAAAAAAAAAAAAAAAAAAAAAAAAAAAABQAAAAAAAAAwMD/AAAAAABkAAAAMgAAAAAAAABkAAAAAAAAAH9/fwAKAAAAHwAAAFQAAAAAAAAFAAAAAQAAAAAAAAAAAAAAAAAAAAAAAAAAAAAAAAAAAAAAAAAAAAAAAn9/fwAAAAADzMzMAMDA/wB/f38AAAAAAAAAAAAAAAAAAAAAAAAAAAAhAAAAGAAAABQAAABQKAAAGycAAHA1AABZKQAAEAAAACYAAAAIAAAAAAAAAAAAAAA="/>
+                <pr:smNativeData xmlns:pr="smNativeData" val="SMDATA_13_GUMTYBMAAAAlAAAAZAAAAA8BAAAAkAAAAEgAAACQAAAASAAAAAAAAAABAAAAAAAAAAEAAABQAAAAAAAAAAAA4D8AAAAAAADgPwAAAAAAAOA/AAAAAAAA4D8AAAAAAADgPwAAAAAAAOA/AAAAAAAA4D8AAAAAAADgPwAAAAAAAOA/AAAAAAAA4D8CAAAAjAAAAAAAAAAAAAAAu+DjDP///wgAAAAAAAAAAAAAAAAAAAAAAAAAAAAAAAAAAAAAZAAAAAEAAABAAAAAAAAAAAAAAAAAAAAAAAAAAAAAAAAAAAAAAAAAAAAAAAAAAAAAAAAAAAAAAAAAAAAAAAAAAAAAAAAAAAAAAAAAAAAAAAAAAAAAAAAAAAAAAAAAAAAAFAAAADwAAAAAAAAAAAAAAAAAAAkUAAAAAQAAABQAAAAUAAAAFAAAAAEAAAAAAAAAZAAAAGQAAAAAAAAAZAAAAGQAAAAVAAAAYAAAAAAAAAAAAAAADwAAACADAAAAAAAAAAAAAAEAAACgMgAAVgcAAKr4//8BAAAAf39/AAEAAABkAAAAAAAAABQAAABAHwAAAAAAACYAAAAAAAAAwOD//wAAAAAmAAAAZAAAABYAAABMAAAAAAAAAAAAAAAEAAAAAAAAAAEAAACAgIAKAAAAACgAAAAoAAAAZAAAAGQAAAAAAAAAzMzMAAAAAABQAAAAUAAAAGQAAABkAAAAAAAAABcAAAAUAAAAAAAAAAAAAAD/fwAA/38AAAAAAAAJAAAABAAAAAAAAAAMAAAAEAAAAAAAAAAAAAAAAAAAAAAAAAAeAAAAaAAAAAAAAAAAAAAAAAAAAAAAAAAAAAAAECcAABAnAAAAAAAAAAAAAAAAAAAAAAAAAAAAAAAAAAAAAAAAAAAAABQAAAAAAAAAwMD/AAAAAABkAAAAMgAAAAAAAABkAAAAAAAAAH9/fwAKAAAAHwAAAFQAAAAAAAAFAAAAAQAAAAAAAAAAAAAAAAAAAAAAAAAAAAAAAAAAAAAAAAAAAAAAAn9/fwAAAAADzMzMAMDA/wB/f38AAAAAAAAAAAAAAAAAAAAAAAAAAAAhAAAAGAAAABQAAABQKAAAGycAAHA1AABZKQAAEAAAACYAAAAIAAAAAAAAAAAAAAA="/>
               </a:ext>
             </a:extLst>
           </p:cNvSpPr>
@@ -1497,7 +1497,7 @@
           <a:lstStyle/>
           <a:p>
             <a:pPr/>
-            <a:fld id="{2FE6A404-4AC2-B352-8C5E-BC07EA107AE9}" type="slidenum">
+            <a:fld id="{3AD03911-5FD7-85CF-9968-A99A77266FFC}" type="slidenum">
               <a:t/>
             </a:fld>
           </a:p>
@@ -1535,7 +1535,7 @@
             <a:spLocks noGrp="1" noChangeArrowheads="1"/>
             <a:extLst>
               <a:ext uri="smNativeData">
-                <pr:smNativeData xmlns:pr="smNativeData" val="SMDATA_13_Hs+1XxMAAAAlAAAAZAAAAA8BAAAAkAAAAEgAAACQAAAASAAAAAAAAAABAAAAAAAAAAEAAABQAAAAAAAAAAAA4D8AAAAAAADgPwAAAAAAAOA/AAAAAAAA4D8AAAAAAADgPwAAAAAAAOA/AAAAAAAA4D8AAAAAAADgPwAAAAAAAOA/AAAAAAAA4D8CAAAAjAAAAAAAAAAAAAAAu+DjDP///wgAAAAAAAAAAAAAAAAAAAAAAAAAAAAAAAAAAAAAZAAAAAEAAABAAAAAAAAAAAAAAAAAAAAAAAAAAAAAAAAAAAAAAAAAAAAAAAAAAAAAAAAAAAAAAAAAAAAAAAAAAAAAAAAAAAAAAAAAAAAAAAAAAAAAAAAAAAAAAAAAAAAAFAAAADwAAAAAAAAAAAAAAAAAAAkUAAAAAQAAABQAAAAUAAAAFAAAAAEAAAAAAAAAZAAAAGQAAAAAAAAAZAAAAGQAAAAVAAAAYAAAAAAAAAAAAAAADwAAACADAAAAAAAAAAAAAAEAAACgMgAAVgcAAKr4//8BAAAAf39/AAEAAABkAAAAAAAAABQAAABAHwAAAAAAACYAAAAAAAAAwOD//wAAAAAmAAAAZAAAABYAAABMAAAAAAAAAAAAAAAEAAAAAAAAAAEAAACAgIAKAAAAACgAAAAoAAAAZAAAAGQAAAAAAAAAzMzMAAAAAABQAAAAUAAAAGQAAABkAAAAAAAAABcAAAAUAAAAAAAAAAAAAAD/fwAA/38AAAAAAAAJAAAABAAAAAAAAAAMAAAAEAAAAAAAAAAAAAAAAAAAAAAAAAAeAAAAaAAAAAAAAAAAAAAAAAAAAAAAAAAAAAAAECcAABAnAAAAAAAAAAAAAAAAAAAAAAAAAAAAAAAAAAAAAAAAAAAAABQAAAAAAAAAwMD/AAAAAABkAAAAMgAAAAAAAABkAAAAAAAAAH9/fwAKAAAAHwAAAFQAAAAAAAAFAAAAAQAAAAAAAAAAAAAAAAAAAAAAAAAAAAAAAAAAAAAAAAAAAAAAAn9/fwAAAAADzMzMAMDA/wB/f38AAAAAAAAAAAAAAAAAAAAAAAAAAAAhAAAAGAAAABQAAADQAgAAsAEAAHA1AAC4CAAAEAAAACYAAAAIAAAAAAAAAAAAAAA="/>
+                <pr:smNativeData xmlns:pr="smNativeData" val="SMDATA_13_GUMTYBMAAAAlAAAAZAAAAA8BAAAAkAAAAEgAAACQAAAASAAAAAAAAAABAAAAAAAAAAEAAABQAAAAAAAAAAAA4D8AAAAAAADgPwAAAAAAAOA/AAAAAAAA4D8AAAAAAADgPwAAAAAAAOA/AAAAAAAA4D8AAAAAAADgPwAAAAAAAOA/AAAAAAAA4D8CAAAAjAAAAAAAAAAAAAAAu+DjDP///wgAAAAAAAAAAAAAAAAAAAAAAAAAAAAAAAAAAAAAZAAAAAEAAABAAAAAAAAAAAAAAAAAAAAAAAAAAAAAAAAAAAAAAAAAAAAAAAAAAAAAAAAAAAAAAAAAAAAAAAAAAAAAAAAAAAAAAAAAAAAAAAAAAAAAAAAAAAAAAAAAAAAAFAAAADwAAAAAAAAAAAAAAAAAAAkUAAAAAQAAABQAAAAUAAAAFAAAAAEAAAAAAAAAZAAAAGQAAAAAAAAAZAAAAGQAAAAVAAAAYAAAAAAAAAAAAAAADwAAACADAAAAAAAAAAAAAAEAAACgMgAAVgcAAKr4//8BAAAAf39/AAEAAABkAAAAAAAAABQAAABAHwAAAAAAACYAAAAAAAAAwOD//wAAAAAmAAAAZAAAABYAAABMAAAAAAAAAAAAAAAEAAAAAAAAAAEAAACAgIAKAAAAACgAAAAoAAAAZAAAAGQAAAAAAAAAzMzMAAAAAABQAAAAUAAAAGQAAABkAAAAAAAAABcAAAAUAAAAAAAAAAAAAAD/fwAA/38AAAAAAAAJAAAABAAAAAAAAAAMAAAAEAAAAAAAAAAAAAAAAAAAAAAAAAAeAAAAaAAAAAAAAAAAAAAAAAAAAAAAAAAAAAAAECcAABAnAAAAAAAAAAAAAAAAAAAAAAAAAAAAAAAAAAAAAAAAAAAAABQAAAAAAAAAwMD/AAAAAABkAAAAMgAAAAAAAABkAAAAAAAAAH9/fwAKAAAAHwAAAFQAAAAAAAAFAAAAAQAAAAAAAAAAAAAAAAAAAAAAAAAAAAAAAAAAAAAAAAAAAAAAAn9/fwAAAAADzMzMAMDA/wB/f38AAAAAAAAAAAAAAAAAAAAAAAAAAAAhAAAAGAAAABQAAADQAgAAsAEAAHA1AAC4CAAAEAAAACYAAAAIAAAAAAAAAAAAAAA="/>
               </a:ext>
             </a:extLst>
           </p:cNvSpPr>
@@ -1562,7 +1562,7 @@
             <a:spLocks noGrp="1" noChangeArrowheads="1"/>
             <a:extLst>
               <a:ext uri="smNativeData">
-                <pr:smNativeData xmlns:pr="smNativeData" val="SMDATA_13_Hs+1XxMAAAAlAAAAZAAAAA8BAAAAkAAAAEgAAACQAAAASAAAAAAAAAACAAAAAAAAAAEAAABQAAAAAAAAAAAA4D8AAAAAAADgPwAAAAAAAOA/AAAAAAAA4D8AAAAAAADgPwAAAAAAAOA/AAAAAAAA4D8AAAAAAADgPwAAAAAAAOA/AAAAAAAA4D8CAAAAjAAAAAAAAAAAAAAAu+DjDP///wgAAAAAAAAAAAAAAAAAAAAAAAAAAAAAAAAAAAAAZAAAAAEAAABAAAAAAAAAAAAAAAAAAAAAAAAAAAAAAAAAAAAAAAAAAAAAAAAAAAAAAAAAAAAAAAAAAAAAAAAAAAAAAAAAAAAAAAAAAAAAAAAAAAAAAAAAAAAAAAAAAAAAFAAAADwAAAAAAAAAAAAAAAAAAAkUAAAAAQAAABQAAAAUAAAAFAAAAAEAAAAAAAAAZAAAAGQAAAAAAAAAZAAAAGQAAAAVAAAAYAAAAAAAAAAAAAAADwAAACADAAAAAAAAAAAAAAEAAACgMgAAVgcAAKr4//8BAAAAf39/AAEAAABkAAAAAAAAABQAAABAHwAAAAAAACYAAAAAAAAAwOD//wAAAAAmAAAAZAAAABYAAABMAAAAAAAAAAAAAAAEAAAAAAAAAAEAAACAgIAKAAAAACgAAAAoAAAAZAAAAGQAAAAAAAAAzMzMAAAAAABQAAAAUAAAAGQAAABkAAAAAAAAABcAAAAUAAAAAAAAAAAAAAD/fwAA/38AAAAAAAAJAAAABAAAAAAAAAAMAAAAEAAAAAAAAAAAAAAAAAAAAAAAAAAeAAAAaAAAAAAAAAAAAAAAAAAAAAAAAAAAAAAAECcAABAnAAAAAAAAAAAAAAAAAAAAAAAAAAAAAAAAAAAAAAAAAAAAABQAAAAAAAAAwMD/AAAAAABkAAAAMgAAAAAAAABkAAAAAAAAAH9/fwAKAAAAHwAAAFQAAAAAAAAFAAAAAQAAAAAAAAAAAAAAAAAAAAAAAAAAAAAAAAAAAAAAAAAAAAAAAn9/fwAAAAADzMzMAMDA/wB/f38AAAAAAAAAAAAAAAAAAAAAAAAAAAAhAAAAGAAAABQAAADQAgAAcQkAAKobAABhDQAAEAAAACYAAAAIAAAAgYAAAAAAAAA="/>
+                <pr:smNativeData xmlns:pr="smNativeData" val="SMDATA_13_GUMTYBMAAAAlAAAAZAAAAA8BAAAAkAAAAEgAAACQAAAASAAAAAAAAAACAAAAAAAAAAEAAABQAAAAAAAAAAAA4D8AAAAAAADgPwAAAAAAAOA/AAAAAAAA4D8AAAAAAADgPwAAAAAAAOA/AAAAAAAA4D8AAAAAAADgPwAAAAAAAOA/AAAAAAAA4D8CAAAAjAAAAAAAAAAAAAAAu+DjDP///wgAAAAAAAAAAAAAAAAAAAAAAAAAAAAAAAAAAAAAZAAAAAEAAABAAAAAAAAAAAAAAAAAAAAAAAAAAAAAAAAAAAAAAAAAAAAAAAAAAAAAAAAAAAAAAAAAAAAAAAAAAAAAAAAAAAAAAAAAAAAAAAAAAAAAAAAAAAAAAAAAAAAAFAAAADwAAAAAAAAAAAAAAAAAAAkUAAAAAQAAABQAAAAUAAAAFAAAAAEAAAAAAAAAZAAAAGQAAAAAAAAAZAAAAGQAAAAVAAAAYAAAAAAAAAAAAAAADwAAACADAAAAAAAAAAAAAAEAAACgMgAAVgcAAKr4//8BAAAAf39/AAEAAABkAAAAAAAAABQAAABAHwAAAAAAACYAAAAAAAAAwOD//wAAAAAmAAAAZAAAABYAAABMAAAAAAAAAAAAAAAEAAAAAAAAAAEAAACAgIAKAAAAACgAAAAoAAAAZAAAAGQAAAAAAAAAzMzMAAAAAABQAAAAUAAAAGQAAABkAAAAAAAAABcAAAAUAAAAAAAAAAAAAAD/fwAA/38AAAAAAAAJAAAABAAAAAAAAAAMAAAAEAAAAAAAAAAAAAAAAAAAAAAAAAAeAAAAaAAAAAAAAAAAAAAAAAAAAAAAAAAAAAAAECcAABAnAAAAAAAAAAAAAAAAAAAAAAAAAAAAAAAAAAAAAAAAAAAAABQAAAAAAAAAwMD/AAAAAABkAAAAMgAAAAAAAABkAAAAAAAAAH9/fwAKAAAAHwAAAFQAAAAAAAAFAAAAAQAAAAAAAAAAAAAAAAAAAAAAAAAAAAAAAAAAAAAAAAAAAAAAAn9/fwAAAAADzMzMAMDA/wB/f38AAAAAAAAAAAAAAAAAAAAAAAAAAAAhAAAAGAAAABQAAADQAgAAcQkAAKobAABhDQAAEAAAACYAAAAIAAAAgYAAAAAAAAA="/>
               </a:ext>
             </a:extLst>
           </p:cNvSpPr>
@@ -1659,7 +1659,7 @@
             <a:spLocks noGrp="1" noChangeArrowheads="1"/>
             <a:extLst>
               <a:ext uri="smNativeData">
-                <pr:smNativeData xmlns:pr="smNativeData" val="SMDATA_13_Hs+1XxMAAAAlAAAAZAAAAA8BAAAAkAAAAEgAAACQAAAASAAAAAAAAAAAAAAAAAAAAAEAAABQAAAAAAAAAAAA4D8AAAAAAADgPwAAAAAAAOA/AAAAAAAA4D8AAAAAAADgPwAAAAAAAOA/AAAAAAAA4D8AAAAAAADgPwAAAAAAAOA/AAAAAAAA4D8CAAAAjAAAAAAAAAAAAAAAu+DjDP///wgAAAAAAAAAAAAAAAAAAAAAAAAAAAAAAAAAAAAAZAAAAAEAAABAAAAAAAAAAAAAAAAAAAAAAAAAAAAAAAAAAAAAAAAAAAAAAAAAAAAAAAAAAAAAAAAAAAAAAAAAAAAAAAAAAAAAAAAAAAAAAAAAAAAAAAAAAAAAAAAAAAAAFAAAADwAAAAAAAAAAAAAAAAAAAkUAAAAAQAAABQAAAAUAAAAFAAAAAEAAAAAAAAAZAAAAGQAAAAAAAAAZAAAAGQAAAAVAAAAYAAAAAAAAAAAAAAADwAAACADAAAAAAAAAAAAAAEAAACgMgAAVgcAAKr4//8BAAAAf39/AAEAAABkAAAAAAAAABQAAABAHwAAAAAAACYAAAAAAAAAwOD//wAAAAAmAAAAZAAAABYAAABMAAAAAAAAAAAAAAAEAAAAAAAAAAEAAACAgIAKAAAAACgAAAAoAAAAZAAAAGQAAAAAAAAAzMzMAAAAAABQAAAAUAAAAGQAAABkAAAAAAAAABcAAAAUAAAAAAAAAAAAAAD/fwAA/38AAAAAAAAJAAAABAAAAAAAAAAMAAAAEAAAAAAAAAAAAAAAAAAAAAAAAAAeAAAAaAAAAAAAAAAAAAAAAAAAAAAAAAAAAAAAECcAABAnAAAAAAAAAAAAAAAAAAAAAAAAAAAAAAAAAAAAAAAAAAAAABQAAAAAAAAAwMD/AAAAAABkAAAAMgAAAAAAAABkAAAAAAAAAH9/fwAKAAAAHwAAAFQAAAAAAAAFAAAAAQAAAAAAAAAAAAAAAAAAAAAAAAAAAAAAAAAAAAAAAAAAAAAAAn9/fwAAAAADzMzMAMDA/wB/f38AAAAAAAAAAAAAAAAAAAAAAAAAAAAhAAAAGAAAABQAAADQAgAAYQ0AAKobAACwJQAAEAAAACYAAAAIAAAAAYAAAAAAAAA="/>
+                <pr:smNativeData xmlns:pr="smNativeData" val="SMDATA_13_GUMTYBMAAAAlAAAAZAAAAA8BAAAAkAAAAEgAAACQAAAASAAAAAAAAAAAAAAAAAAAAAEAAABQAAAAAAAAAAAA4D8AAAAAAADgPwAAAAAAAOA/AAAAAAAA4D8AAAAAAADgPwAAAAAAAOA/AAAAAAAA4D8AAAAAAADgPwAAAAAAAOA/AAAAAAAA4D8CAAAAjAAAAAAAAAAAAAAAu+DjDP///wgAAAAAAAAAAAAAAAAAAAAAAAAAAAAAAAAAAAAAZAAAAAEAAABAAAAAAAAAAAAAAAAAAAAAAAAAAAAAAAAAAAAAAAAAAAAAAAAAAAAAAAAAAAAAAAAAAAAAAAAAAAAAAAAAAAAAAAAAAAAAAAAAAAAAAAAAAAAAAAAAAAAAFAAAADwAAAAAAAAAAAAAAAAAAAkUAAAAAQAAABQAAAAUAAAAFAAAAAEAAAAAAAAAZAAAAGQAAAAAAAAAZAAAAGQAAAAVAAAAYAAAAAAAAAAAAAAADwAAACADAAAAAAAAAAAAAAEAAACgMgAAVgcAAKr4//8BAAAAf39/AAEAAABkAAAAAAAAABQAAABAHwAAAAAAACYAAAAAAAAAwOD//wAAAAAmAAAAZAAAABYAAABMAAAAAAAAAAAAAAAEAAAAAAAAAAEAAACAgIAKAAAAACgAAAAoAAAAZAAAAGQAAAAAAAAAzMzMAAAAAABQAAAAUAAAAGQAAABkAAAAAAAAABcAAAAUAAAAAAAAAAAAAAD/fwAA/38AAAAAAAAJAAAABAAAAAAAAAAMAAAAEAAAAAAAAAAAAAAAAAAAAAAAAAAeAAAAaAAAAAAAAAAAAAAAAAAAAAAAAAAAAAAAECcAABAnAAAAAAAAAAAAAAAAAAAAAAAAAAAAAAAAAAAAAAAAAAAAABQAAAAAAAAAwMD/AAAAAABkAAAAMgAAAAAAAABkAAAAAAAAAH9/fwAKAAAAHwAAAFQAAAAAAAAFAAAAAQAAAAAAAAAAAAAAAAAAAAAAAAAAAAAAAAAAAAAAAAAAAAAAAn9/fwAAAAADzMzMAMDA/wB/f38AAAAAAAAAAAAAAAAAAAAAAAAAAAAhAAAAGAAAABQAAADQAgAAYQ0AAKobAACwJQAAEAAAACYAAAAIAAAAAYAAAAAAAAA="/>
               </a:ext>
             </a:extLst>
           </p:cNvSpPr>
@@ -1743,7 +1743,7 @@
             <a:spLocks noGrp="1" noChangeArrowheads="1"/>
             <a:extLst>
               <a:ext uri="smNativeData">
-                <pr:smNativeData xmlns:pr="smNativeData" val="SMDATA_13_Hs+1XxMAAAAlAAAAZAAAAA8BAAAAkAAAAEgAAACQAAAASAAAAAAAAAACAAAAAAAAAAEAAABQAAAAAAAAAAAA4D8AAAAAAADgPwAAAAAAAOA/AAAAAAAA4D8AAAAAAADgPwAAAAAAAOA/AAAAAAAA4D8AAAAAAADgPwAAAAAAAOA/AAAAAAAA4D8CAAAAjAAAAAAAAAAAAAAAu+DjDP///wgAAAAAAAAAAAAAAAAAAAAAAAAAAAAAAAAAAAAAZAAAAAEAAABAAAAAAAAAAAAAAAAAAAAAAAAAAAAAAAAAAAAAAAAAAAAAAAAAAAAAAAAAAAAAAAAAAAAAAAAAAAAAAAAAAAAAAAAAAAAAAAAAAAAAAAAAAAAAAAAAAAAAFAAAADwAAAAAAAAAAAAAAAAAAAkUAAAAAQAAABQAAAAUAAAAFAAAAAEAAAAAAAAAZAAAAGQAAAAAAAAAZAAAAGQAAAAVAAAAYAAAAAAAAAAAAAAADwAAACADAAAAAAAAAAAAAAEAAACgMgAAVgcAAKr4//8BAAAAf39/AAEAAABkAAAAAAAAABQAAABAHwAAAAAAACYAAAAAAAAAwOD//wAAAAAmAAAAZAAAABYAAABMAAAAAAAAAAAAAAAEAAAAAAAAAAEAAACAgIAKAAAAACgAAAAoAAAAZAAAAGQAAAAAAAAAzMzMAAAAAABQAAAAUAAAAGQAAABkAAAAAAAAABcAAAAUAAAAAAAAAAAAAAD/fwAA/38AAAAAAAAJAAAABAAAALyR8ggMAAAAEAAAAAAAAAAAAAAAAAAAAAAAAAAeAAAAaAAAAAAAAAAAAAAAAAAAAAAAAAAAAAAAECcAABAnAAAAAAAAAAAAAAAAAAAAAAAAAAAAAAAAAAAAAAAAAAAAABQAAAAAAAAAwMD/AAAAAABkAAAAMgAAAAAAAABkAAAAAAAAAH9/fwAKAAAAHwAAAFQAAAAAAAAFAAAAAQAAAAAAAAAAAAAAAAAAAAAAAAAAAAAAAAAAAAAAAAAAAAAAAn9/fwAAAAADzMzMAMDA/wB/f38AAAAAAAAAAAAAAAAAAAAAAAAAAAAhAAAAGAAAABQAAACWHAAAcQkAAHA1AABhDQAAEAAAACYAAAAIAAAAgYAAAAAAAAA="/>
+                <pr:smNativeData xmlns:pr="smNativeData" val="SMDATA_13_GUMTYBMAAAAlAAAAZAAAAA8BAAAAkAAAAEgAAACQAAAASAAAAAAAAAACAAAAAAAAAAEAAABQAAAAAAAAAAAA4D8AAAAAAADgPwAAAAAAAOA/AAAAAAAA4D8AAAAAAADgPwAAAAAAAOA/AAAAAAAA4D8AAAAAAADgPwAAAAAAAOA/AAAAAAAA4D8CAAAAjAAAAAAAAAAAAAAAu+DjDP///wgAAAAAAAAAAAAAAAAAAAAAAAAAAAAAAAAAAAAAZAAAAAEAAABAAAAAAAAAAAAAAAAAAAAAAAAAAAAAAAAAAAAAAAAAAAAAAAAAAAAAAAAAAAAAAAAAAAAAAAAAAAAAAAAAAAAAAAAAAAAAAAAAAAAAAAAAAAAAAAAAAAAAFAAAADwAAAAAAAAAAAAAAAAAAAkUAAAAAQAAABQAAAAUAAAAFAAAAAEAAAAAAAAAZAAAAGQAAAAAAAAAZAAAAGQAAAAVAAAAYAAAAAAAAAAAAAAADwAAACADAAAAAAAAAAAAAAEAAACgMgAAVgcAAKr4//8BAAAAf39/AAEAAABkAAAAAAAAABQAAABAHwAAAAAAACYAAAAAAAAAwOD//wAAAAAmAAAAZAAAABYAAABMAAAAAAAAAAAAAAAEAAAAAAAAAAEAAACAgIAKAAAAACgAAAAoAAAAZAAAAGQAAAAAAAAAzMzMAAAAAABQAAAAUAAAAGQAAABkAAAAAAAAABcAAAAUAAAAAAAAAAAAAAD/fwAA/38AAAAAAAAJAAAABAAAALyR8ggMAAAAEAAAAAAAAAAAAAAAAAAAAAAAAAAeAAAAaAAAAAAAAAAAAAAAAAAAAAAAAAAAAAAAECcAABAnAAAAAAAAAAAAAAAAAAAAAAAAAAAAAAAAAAAAAAAAAAAAABQAAAAAAAAAwMD/AAAAAABkAAAAMgAAAAAAAABkAAAAAAAAAH9/fwAKAAAAHwAAAFQAAAAAAAAFAAAAAQAAAAAAAAAAAAAAAAAAAAAAAAAAAAAAAAAAAAAAAAAAAAAAAn9/fwAAAAADzMzMAMDA/wB/f38AAAAAAAAAAAAAAAAAAAAAAAAAAAAhAAAAGAAAABQAAACWHAAAcQkAAHA1AABhDQAAEAAAACYAAAAIAAAAgYAAAAAAAAA="/>
               </a:ext>
             </a:extLst>
           </p:cNvSpPr>
@@ -1816,7 +1816,7 @@
             <a:spLocks noGrp="1" noChangeArrowheads="1"/>
             <a:extLst>
               <a:ext uri="smNativeData">
-                <pr:smNativeData xmlns:pr="smNativeData" val="SMDATA_13_Hs+1XxMAAAAlAAAAZAAAAA8BAAAAkAAAAEgAAACQAAAASAAAAAAAAAAAAAAAAAAAAAEAAABQAAAAAAAAAAAA4D8AAAAAAADgPwAAAAAAAOA/AAAAAAAA4D8AAAAAAADgPwAAAAAAAOA/AAAAAAAA4D8AAAAAAADgPwAAAAAAAOA/AAAAAAAA4D8CAAAAjAAAAAAAAAAAAAAAu+DjDP///wgAAAAAAAAAAAAAAAAAAAAAAAAAAAAAAAAAAAAAZAAAAAEAAABAAAAAAAAAAAAAAAAAAAAAAAAAAAAAAAAAAAAAAAAAAAAAAAAAAAAAAAAAAAAAAAAAAAAAAAAAAAAAAAAAAAAAAAAAAAAAAAAAAAAAAAAAAAAAAAAAAAAAFAAAADwAAAAAAAAAAAAAAAAAAAkUAAAAAQAAABQAAAAUAAAAFAAAAAEAAAAAAAAAZAAAAGQAAAAAAAAAZAAAAGQAAAAVAAAAYAAAAAAAAAAAAAAADwAAACADAAAAAAAAAAAAAAEAAACgMgAAVgcAAKr4//8BAAAAf39/AAEAAABkAAAAAAAAABQAAABAHwAAAAAAACYAAAAAAAAAwOD//wAAAAAmAAAAZAAAABYAAABMAAAAAAAAAAAAAAAEAAAAAAAAAAEAAACAgIAKAAAAACgAAAAoAAAAZAAAAGQAAAAAAAAAzMzMAAAAAABQAAAAUAAAAGQAAABkAAAAAAAAABcAAAAUAAAAAAAAAAAAAAD/fwAA/38AAAAAAAAJAAAABAAAAAAAAAAMAAAAEAAAAAAAAAAAAAAAAAAAAAAAAAAeAAAAaAAAAAAAAAAAAAAAAAAAAAAAAAAAAAAAECcAABAnAAAAAAAAAAAAAAAAAAAAAAAAAAAAAAAAAAAAAAAAAAAAABQAAAAAAAAAwMD/AAAAAABkAAAAMgAAAAAAAABkAAAAAAAAAH9/fwAKAAAAHwAAAFQAAAAAAAAFAAAAAQAAAAAAAAAAAAAAAAAAAAAAAAAAAAAAAAAAAAAAAAAAAAAAAn9/fwAAAAADzMzMAMDA/wB/f38AAAAAAAAAAAAAAAAAAAAAAAAAAAAhAAAAGAAAABQAAACWHAAAYQ0AAHA1AACwJQAAEAAAACYAAAAIAAAAAYAAAAAAAAA="/>
+                <pr:smNativeData xmlns:pr="smNativeData" val="SMDATA_13_GUMTYBMAAAAlAAAAZAAAAA8BAAAAkAAAAEgAAACQAAAASAAAAAAAAAAAAAAAAAAAAAEAAABQAAAAAAAAAAAA4D8AAAAAAADgPwAAAAAAAOA/AAAAAAAA4D8AAAAAAADgPwAAAAAAAOA/AAAAAAAA4D8AAAAAAADgPwAAAAAAAOA/AAAAAAAA4D8CAAAAjAAAAAAAAAAAAAAAu+DjDP///wgAAAAAAAAAAAAAAAAAAAAAAAAAAAAAAAAAAAAAZAAAAAEAAABAAAAAAAAAAAAAAAAAAAAAAAAAAAAAAAAAAAAAAAAAAAAAAAAAAAAAAAAAAAAAAAAAAAAAAAAAAAAAAAAAAAAAAAAAAAAAAAAAAAAAAAAAAAAAAAAAAAAAFAAAADwAAAAAAAAAAAAAAAAAAAkUAAAAAQAAABQAAAAUAAAAFAAAAAEAAAAAAAAAZAAAAGQAAAAAAAAAZAAAAGQAAAAVAAAAYAAAAAAAAAAAAAAADwAAACADAAAAAAAAAAAAAAEAAACgMgAAVgcAAKr4//8BAAAAf39/AAEAAABkAAAAAAAAABQAAABAHwAAAAAAACYAAAAAAAAAwOD//wAAAAAmAAAAZAAAABYAAABMAAAAAAAAAAAAAAAEAAAAAAAAAAEAAACAgIAKAAAAACgAAAAoAAAAZAAAAGQAAAAAAAAAzMzMAAAAAABQAAAAUAAAAGQAAABkAAAAAAAAABcAAAAUAAAAAAAAAAAAAAD/fwAA/38AAAAAAAAJAAAABAAAAAAAAAAMAAAAEAAAAAAAAAAAAAAAAAAAAAAAAAAeAAAAaAAAAAAAAAAAAAAAAAAAAAAAAAAAAAAAECcAABAnAAAAAAAAAAAAAAAAAAAAAAAAAAAAAAAAAAAAAAAAAAAAABQAAAAAAAAAwMD/AAAAAABkAAAAMgAAAAAAAABkAAAAAAAAAH9/fwAKAAAAHwAAAFQAAAAAAAAFAAAAAQAAAAAAAAAAAAAAAAAAAAAAAAAAAAAAAAAAAAAAAAAAAAAAAn9/fwAAAAADzMzMAMDA/wB/f38AAAAAAAAAAAAAAAAAAAAAAAAAAAAhAAAAGAAAABQAAACWHAAAYQ0AAHA1AACwJQAAEAAAACYAAAAIAAAAAYAAAAAAAAA="/>
               </a:ext>
             </a:extLst>
           </p:cNvSpPr>
@@ -1900,7 +1900,7 @@
             <a:spLocks noGrp="1" noChangeArrowheads="1"/>
             <a:extLst>
               <a:ext uri="smNativeData">
-                <pr:smNativeData xmlns:pr="smNativeData" val="SMDATA_13_Hs+1XxMAAAAlAAAAZAAAAA8BAAAAkAAAAEgAAACQAAAASAAAAAAAAAABAAAAAAAAAAEAAABQAAAAAAAAAAAA4D8AAAAAAADgPwAAAAAAAOA/AAAAAAAA4D8AAAAAAADgPwAAAAAAAOA/AAAAAAAA4D8AAAAAAADgPwAAAAAAAOA/AAAAAAAA4D8CAAAAjAAAAAAAAAAAAAAAu+DjDP///wgAAAAAAAAAAAAAAAAAAAAAAAAAAAAAAAAAAAAAZAAAAAEAAABAAAAAAAAAAAAAAAAAAAAAAAAAAAAAAAAAAAAAAAAAAAAAAAAAAAAAAAAAAAAAAAAAAAAAAAAAAAAAAAAAAAAAAAAAAAAAAAAAAAAAAAAAAAAAAAAAAAAAFAAAADwAAAAAAAAAAAAAAAAAAAkUAAAAAQAAABQAAAAUAAAAFAAAAAEAAAAAAAAAZAAAAGQAAAAAAAAAZAAAAGQAAAAVAAAAYAAAAAAAAAAAAAAADwAAACADAAAAAAAAAAAAAAEAAACgMgAAVgcAAKr4//8BAAAAf39/AAEAAABkAAAAAAAAABQAAABAHwAAAAAAACYAAAAAAAAAwOD//wAAAAAmAAAAZAAAABYAAABMAAAAAAAAAAAAAAAEAAAAAAAAAAEAAACAgIAKAAAAACgAAAAoAAAAZAAAAGQAAAAAAAAAzMzMAAAAAABQAAAAUAAAAGQAAABkAAAAAAAAABcAAAAUAAAAAAAAAAAAAAD/fwAA/38AAAAAAAAJAAAABAAAAAAAAAAMAAAAEAAAAAAAAAAAAAAAAAAAAAAAAAAeAAAAaAAAAAAAAAAAAAAAAAAAAAAAAAAAAAAAECcAABAnAAAAAAAAAAAAAAAAAAAAAAAAAAAAAAAAAAAAAAAAAAAAABQAAAAAAAAAwMD/AAAAAABkAAAAMgAAAAAAAABkAAAAAAAAAH9/fwAKAAAAHwAAAFQAAAAAAAAFAAAAAQAAAAAAAAAAAAAAAAAAAAAAAAAAAAAAAAAAAAAAAAAAAAAAAn9/fwAAAAADzMzMAMDA/wB/f38AAAAAAAAAAAAAAAAAAAAAAAAAAAAhAAAAGAAAABQAAADQAgAAGycAAPAPAABZKQAAEAAAACYAAAAIAAAAAAAAAAAAAAA="/>
+                <pr:smNativeData xmlns:pr="smNativeData" val="SMDATA_13_GUMTYBMAAAAlAAAAZAAAAA8BAAAAkAAAAEgAAACQAAAASAAAAAAAAAABAAAAAAAAAAEAAABQAAAAAAAAAAAA4D8AAAAAAADgPwAAAAAAAOA/AAAAAAAA4D8AAAAAAADgPwAAAAAAAOA/AAAAAAAA4D8AAAAAAADgPwAAAAAAAOA/AAAAAAAA4D8CAAAAjAAAAAAAAAAAAAAAu+DjDP///wgAAAAAAAAAAAAAAAAAAAAAAAAAAAAAAAAAAAAAZAAAAAEAAABAAAAAAAAAAAAAAAAAAAAAAAAAAAAAAAAAAAAAAAAAAAAAAAAAAAAAAAAAAAAAAAAAAAAAAAAAAAAAAAAAAAAAAAAAAAAAAAAAAAAAAAAAAAAAAAAAAAAAFAAAADwAAAAAAAAAAAAAAAAAAAkUAAAAAQAAABQAAAAUAAAAFAAAAAEAAAAAAAAAZAAAAGQAAAAAAAAAZAAAAGQAAAAVAAAAYAAAAAAAAAAAAAAADwAAACADAAAAAAAAAAAAAAEAAACgMgAAVgcAAKr4//8BAAAAf39/AAEAAABkAAAAAAAAABQAAABAHwAAAAAAACYAAAAAAAAAwOD//wAAAAAmAAAAZAAAABYAAABMAAAAAAAAAAAAAAAEAAAAAAAAAAEAAACAgIAKAAAAACgAAAAoAAAAZAAAAGQAAAAAAAAAzMzMAAAAAABQAAAAUAAAAGQAAABkAAAAAAAAABcAAAAUAAAAAAAAAAAAAAD/fwAA/38AAAAAAAAJAAAABAAAAAAAAAAMAAAAEAAAAAAAAAAAAAAAAAAAAAAAAAAeAAAAaAAAAAAAAAAAAAAAAAAAAAAAAAAAAAAAECcAABAnAAAAAAAAAAAAAAAAAAAAAAAAAAAAAAAAAAAAAAAAAAAAABQAAAAAAAAAwMD/AAAAAABkAAAAMgAAAAAAAABkAAAAAAAAAH9/fwAKAAAAHwAAAFQAAAAAAAAFAAAAAQAAAAAAAAAAAAAAAAAAAAAAAAAAAAAAAAAAAAAAAAAAAAAAAn9/fwAAAAADzMzMAMDA/wB/f38AAAAAAAAAAAAAAAAAAAAAAAAAAAAhAAAAGAAAABQAAADQAgAAGycAAPAPAABZKQAAEAAAACYAAAAIAAAAAAAAAAAAAAA="/>
               </a:ext>
             </a:extLst>
           </p:cNvSpPr>
@@ -1914,7 +1914,7 @@
           <a:lstStyle/>
           <a:p>
             <a:pPr/>
-            <a:fld id="{2FE6ADDC-92C2-B35B-8C5E-640EE3107A31}" type="datetime1">
+            <a:fld id="{3AD06D90-DED7-859B-9968-28CE23266F7D}" type="datetime1">
               <a:t/>
             </a:fld>
           </a:p>
@@ -1927,7 +1927,7 @@
             <a:spLocks noGrp="1" noChangeArrowheads="1"/>
             <a:extLst>
               <a:ext uri="smNativeData">
-                <pr:smNativeData xmlns:pr="smNativeData" val="SMDATA_13_Hs+1XxMAAAAlAAAAZAAAAA8BAAAAkAAAAEgAAACQAAAASAAAAAAAAAABAAAAAAAAAAEAAABQAAAAAAAAAAAA4D8AAAAAAADgPwAAAAAAAOA/AAAAAAAA4D8AAAAAAADgPwAAAAAAAOA/AAAAAAAA4D8AAAAAAADgPwAAAAAAAOA/AAAAAAAA4D8CAAAAjAAAAAAAAAAAAAAAu+DjDP///wgAAAAAAAAAAAAAAAAAAAAAAAAAAAAAAAAAAAAAZAAAAAEAAABAAAAAAAAAAAAAAAAAAAAAAAAAAAAAAAAAAAAAAAAAAAAAAAAAAAAAAAAAAAAAAAAAAAAAAAAAAAAAAAAAAAAAAAAAAAAAAAAAAAAAAAAAAAAAAAAAAAAAFAAAADwAAAAAAAAAAAAAAAAAAAkUAAAAAQAAABQAAAAUAAAAFAAAAAEAAAAAAAAAZAAAAGQAAAAAAAAAZAAAAGQAAAAVAAAAYAAAAAAAAAAAAAAADwAAACADAAAAAAAAAAAAAAEAAACgMgAAVgcAAKr4//8BAAAAf39/AAEAAABkAAAAAAAAABQAAABAHwAAAAAAACYAAAAAAAAAwOD//wAAAAAmAAAAZAAAABYAAABMAAAAAAAAAAAAAAAEAAAAAAAAAAEAAACAgIAKAAAAACgAAAAoAAAAZAAAAGQAAAAAAAAAzMzMAAAAAABQAAAAUAAAAGQAAABkAAAAAAAAABcAAAAUAAAAAAAAAAAAAAD/fwAA/38AAAAAAAAJAAAABAAAAAAAAAAMAAAAEAAAAAAAAAAAAAAAAAAAAAAAAAAeAAAAaAAAAAAAAAAAAAAAAAAAAAAAAAAAAAAAECcAABAnAAAAAAAAAAAAAAAAAAAAAAAAAAAAAAAAAAAAAAAAAAAAABQAAAAAAAAAwMD/AAAAAABkAAAAMgAAAAAAAABkAAAAAAAAAH9/fwAKAAAAHwAAAFQAAAAAAAAFAAAAAQAAAAAAAAAAAAAAAAAAAAAAAAAAAAAAAAAAAAAAAAAAAAAAAn9/fwAAAAADzMzMAMDA/wB/f38AAAAAAAAAAAAAAAAAAAAAAAAAAAAhAAAAGAAAABQAAAA4EwAAGycAAAglAABZKQAAEAAAACYAAAAIAAAAAAAAAAAAAAA="/>
+                <pr:smNativeData xmlns:pr="smNativeData" val="SMDATA_13_GUMTYBMAAAAlAAAAZAAAAA8BAAAAkAAAAEgAAACQAAAASAAAAAAAAAABAAAAAAAAAAEAAABQAAAAAAAAAAAA4D8AAAAAAADgPwAAAAAAAOA/AAAAAAAA4D8AAAAAAADgPwAAAAAAAOA/AAAAAAAA4D8AAAAAAADgPwAAAAAAAOA/AAAAAAAA4D8CAAAAjAAAAAAAAAAAAAAAu+DjDP///wgAAAAAAAAAAAAAAAAAAAAAAAAAAAAAAAAAAAAAZAAAAAEAAABAAAAAAAAAAAAAAAAAAAAAAAAAAAAAAAAAAAAAAAAAAAAAAAAAAAAAAAAAAAAAAAAAAAAAAAAAAAAAAAAAAAAAAAAAAAAAAAAAAAAAAAAAAAAAAAAAAAAAFAAAADwAAAAAAAAAAAAAAAAAAAkUAAAAAQAAABQAAAAUAAAAFAAAAAEAAAAAAAAAZAAAAGQAAAAAAAAAZAAAAGQAAAAVAAAAYAAAAAAAAAAAAAAADwAAACADAAAAAAAAAAAAAAEAAACgMgAAVgcAAKr4//8BAAAAf39/AAEAAABkAAAAAAAAABQAAABAHwAAAAAAACYAAAAAAAAAwOD//wAAAAAmAAAAZAAAABYAAABMAAAAAAAAAAAAAAAEAAAAAAAAAAEAAACAgIAKAAAAACgAAAAoAAAAZAAAAGQAAAAAAAAAzMzMAAAAAABQAAAAUAAAAGQAAABkAAAAAAAAABcAAAAUAAAAAAAAAAAAAAD/fwAA/38AAAAAAAAJAAAABAAAAAAAAAAMAAAAEAAAAAAAAAAAAAAAAAAAAAAAAAAeAAAAaAAAAAAAAAAAAAAAAAAAAAAAAAAAAAAAECcAABAnAAAAAAAAAAAAAAAAAAAAAAAAAAAAAAAAAAAAAAAAAAAAABQAAAAAAAAAwMD/AAAAAABkAAAAMgAAAAAAAABkAAAAAAAAAH9/fwAKAAAAHwAAAFQAAAAAAAAFAAAAAQAAAAAAAAAAAAAAAAAAAAAAAAAAAAAAAAAAAAAAAAAAAAAAAn9/fwAAAAADzMzMAMDA/wB/f38AAAAAAAAAAAAAAAAAAAAAAAAAAAAhAAAAGAAAABQAAAA4EwAAGycAAAglAABZKQAAEAAAACYAAAAIAAAAAAAAAAAAAAA="/>
               </a:ext>
             </a:extLst>
           </p:cNvSpPr>
@@ -1951,7 +1951,7 @@
             <a:spLocks noGrp="1" noChangeArrowheads="1"/>
             <a:extLst>
               <a:ext uri="smNativeData">
-                <pr:smNativeData xmlns:pr="smNativeData" val="SMDATA_13_Hs+1XxMAAAAlAAAAZAAAAA8BAAAAkAAAAEgAAACQAAAASAAAAAAAAAABAAAAAAAAAAEAAABQAAAAAAAAAAAA4D8AAAAAAADgPwAAAAAAAOA/AAAAAAAA4D8AAAAAAADgPwAAAAAAAOA/AAAAAAAA4D8AAAAAAADgPwAAAAAAAOA/AAAAAAAA4D8CAAAAjAAAAAAAAAAAAAAAu+DjDP///wgAAAAAAAAAAAAAAAAAAAAAAAAAAAAAAAAAAAAAZAAAAAEAAABAAAAAAAAAAAAAAAAAAAAAAAAAAAAAAAAAAAAAAAAAAAAAAAAAAAAAAAAAAAAAAAAAAAAAAAAAAAAAAAAAAAAAAAAAAAAAAAAAAAAAAAAAAAAAAAAAAAAAFAAAADwAAAAAAAAAAAAAAAAAAAkUAAAAAQAAABQAAAAUAAAAFAAAAAEAAAAAAAAAZAAAAGQAAAAAAAAAZAAAAGQAAAAVAAAAYAAAAAAAAAAAAAAADwAAACADAAAAAAAAAAAAAAEAAACgMgAAVgcAAKr4//8BAAAAf39/AAEAAABkAAAAAAAAABQAAABAHwAAAAAAACYAAAAAAAAAwOD//wAAAAAmAAAAZAAAABYAAABMAAAAAAAAAAAAAAAEAAAAAAAAAAEAAACAgIAKAAAAACgAAAAoAAAAZAAAAGQAAAAAAAAAzMzMAAAAAABQAAAAUAAAAGQAAABkAAAAAAAAABcAAAAUAAAAAAAAAAAAAAD/fwAA/38AAAAAAAAJAAAABAAAAAAAAAAMAAAAEAAAAAAAAAAAAAAAAAAAAAAAAAAeAAAAaAAAAAAAAAAAAAAAAAAAAAAAAAAAAAAAECcAABAnAAAAAAAAAAAAAAAAAAAAAAAAAAAAAAAAAAAAAAAAAAAAABQAAAAAAAAAwMD/AAAAAABkAAAAMgAAAAAAAABkAAAAAAAAAH9/fwAKAAAAHwAAAFQAAAAAAAAFAAAAAQAAAAAAAAAAAAAAAAAAAAAAAAAAAAAAAAAAAAAAAAAAAAAAAn9/fwAAAAADzMzMAMDA/wB/f38AAAAAAAAAAAAAAAAAAAAAAAAAAAAhAAAAGAAAABQAAABQKAAAGycAAHA1AABZKQAAEAAAACYAAAAIAAAAAAAAAAAAAAA="/>
+                <pr:smNativeData xmlns:pr="smNativeData" val="SMDATA_13_GUMTYBMAAAAlAAAAZAAAAA8BAAAAkAAAAEgAAACQAAAASAAAAAAAAAABAAAAAAAAAAEAAABQAAAAAAAAAAAA4D8AAAAAAADgPwAAAAAAAOA/AAAAAAAA4D8AAAAAAADgPwAAAAAAAOA/AAAAAAAA4D8AAAAAAADgPwAAAAAAAOA/AAAAAAAA4D8CAAAAjAAAAAAAAAAAAAAAu+DjDP///wgAAAAAAAAAAAAAAAAAAAAAAAAAAAAAAAAAAAAAZAAAAAEAAABAAAAAAAAAAAAAAAAAAAAAAAAAAAAAAAAAAAAAAAAAAAAAAAAAAAAAAAAAAAAAAAAAAAAAAAAAAAAAAAAAAAAAAAAAAAAAAAAAAAAAAAAAAAAAAAAAAAAAFAAAADwAAAAAAAAAAAAAAAAAAAkUAAAAAQAAABQAAAAUAAAAFAAAAAEAAAAAAAAAZAAAAGQAAAAAAAAAZAAAAGQAAAAVAAAAYAAAAAAAAAAAAAAADwAAACADAAAAAAAAAAAAAAEAAACgMgAAVgcAAKr4//8BAAAAf39/AAEAAABkAAAAAAAAABQAAABAHwAAAAAAACYAAAAAAAAAwOD//wAAAAAmAAAAZAAAABYAAABMAAAAAAAAAAAAAAAEAAAAAAAAAAEAAACAgIAKAAAAACgAAAAoAAAAZAAAAGQAAAAAAAAAzMzMAAAAAABQAAAAUAAAAGQAAABkAAAAAAAAABcAAAAUAAAAAAAAAAAAAAD/fwAA/38AAAAAAAAJAAAABAAAAAAAAAAMAAAAEAAAAAAAAAAAAAAAAAAAAAAAAAAeAAAAaAAAAAAAAAAAAAAAAAAAAAAAAAAAAAAAECcAABAnAAAAAAAAAAAAAAAAAAAAAAAAAAAAAAAAAAAAAAAAAAAAABQAAAAAAAAAwMD/AAAAAABkAAAAMgAAAAAAAABkAAAAAAAAAH9/fwAKAAAAHwAAAFQAAAAAAAAFAAAAAQAAAAAAAAAAAAAAAAAAAAAAAAAAAAAAAAAAAAAAAAAAAAAAAn9/fwAAAAADzMzMAMDA/wB/f38AAAAAAAAAAAAAAAAAAAAAAAAAAAAhAAAAGAAAABQAAABQKAAAGycAAHA1AABZKQAAEAAAACYAAAAIAAAAAAAAAAAAAAA="/>
               </a:ext>
             </a:extLst>
           </p:cNvSpPr>
@@ -1965,7 +1965,7 @@
           <a:lstStyle/>
           <a:p>
             <a:pPr/>
-            <a:fld id="{2FE6EBF6-B8C2-B31D-8C5E-4E48A5107A1B}" type="slidenum">
+            <a:fld id="{3AD00BE0-AED7-85FD-9968-58A845266F0D}" type="slidenum">
               <a:t/>
             </a:fld>
           </a:p>
@@ -2003,7 +2003,7 @@
             <a:spLocks noGrp="1" noChangeArrowheads="1"/>
             <a:extLst>
               <a:ext uri="smNativeData">
-                <pr:smNativeData xmlns:pr="smNativeData" val="SMDATA_13_Hs+1XxMAAAAlAAAAZAAAAA8BAAAAkAAAAEgAAACQAAAASAAAAAAAAAABAAAAAAAAAAEAAABQAAAAAAAAAAAA4D8AAAAAAADgPwAAAAAAAOA/AAAAAAAA4D8AAAAAAADgPwAAAAAAAOA/AAAAAAAA4D8AAAAAAADgPwAAAAAAAOA/AAAAAAAA4D8CAAAAjAAAAAAAAAAAAAAAu+DjDP///wgAAAAAAAAAAAAAAAAAAAAAAAAAAAAAAAAAAAAAZAAAAAEAAABAAAAAAAAAAAAAAAAAAAAAAAAAAAAAAAAAAAAAAAAAAAAAAAAAAAAAAAAAAAAAAAAAAAAAAAAAAAAAAAAAAAAAAAAAAAAAAAAAAAAAAAAAAAAAAAAAAAAAFAAAADwAAAAAAAAAAAAAAAAAAAkUAAAAAQAAABQAAAAUAAAAFAAAAAEAAAAAAAAAZAAAAGQAAAAAAAAAZAAAAGQAAAAVAAAAYAAAAAAAAAAAAAAADwAAACADAAAAAAAAAAAAAAEAAACgMgAAVgcAAKr4//8BAAAAf39/AAEAAABkAAAAAAAAABQAAABAHwAAAAAAACYAAAAAAAAAwOD//wAAAAAmAAAAZAAAABYAAABMAAAAAAAAAAAAAAAEAAAAAAAAAAEAAACAgIAKAAAAACgAAAAoAAAAZAAAAGQAAAAAAAAAzMzMAAAAAABQAAAAUAAAAGQAAABkAAAAAAAAABcAAAAUAAAAAAAAAAAAAAD/fwAA/38AAAAAAAAJAAAABAAAAAAAAAAMAAAAEAAAAAAAAAAAAAAAAAAAAAAAAAAeAAAAaAAAAAAAAAAAAAAAAAAAAAAAAAAAAAAAECcAABAnAAAAAAAAAAAAAAAAAAAAAAAAAAAAAAAAAAAAAAAAAAAAABQAAAAAAAAAwMD/AAAAAABkAAAAMgAAAAAAAABkAAAAAAAAAH9/fwAKAAAAHwAAAFQAAAAAAAAFAAAAAQAAAAAAAAAAAAAAAAAAAAAAAAAAAAAAAAAAAAAAAAAAAAAAAn9/fwAAAAADzMzMAMDA/wB/f38AAAAAAAAAAAAAAAAAAAAAAAAAAAAhAAAAGAAAABQAAADQAgAAsAEAAHA1AAC4CAAAEAAAACYAAAAIAAAAAAAAAAAAAAA="/>
+                <pr:smNativeData xmlns:pr="smNativeData" val="SMDATA_13_GUMTYBMAAAAlAAAAZAAAAA8BAAAAkAAAAEgAAACQAAAASAAAAAAAAAABAAAAAAAAAAEAAABQAAAAAAAAAAAA4D8AAAAAAADgPwAAAAAAAOA/AAAAAAAA4D8AAAAAAADgPwAAAAAAAOA/AAAAAAAA4D8AAAAAAADgPwAAAAAAAOA/AAAAAAAA4D8CAAAAjAAAAAAAAAAAAAAAu+DjDP///wgAAAAAAAAAAAAAAAAAAAAAAAAAAAAAAAAAAAAAZAAAAAEAAABAAAAAAAAAAAAAAAAAAAAAAAAAAAAAAAAAAAAAAAAAAAAAAAAAAAAAAAAAAAAAAAAAAAAAAAAAAAAAAAAAAAAAAAAAAAAAAAAAAAAAAAAAAAAAAAAAAAAAFAAAADwAAAAAAAAAAAAAAAAAAAkUAAAAAQAAABQAAAAUAAAAFAAAAAEAAAAAAAAAZAAAAGQAAAAAAAAAZAAAAGQAAAAVAAAAYAAAAAAAAAAAAAAADwAAACADAAAAAAAAAAAAAAEAAACgMgAAVgcAAKr4//8BAAAAf39/AAEAAABkAAAAAAAAABQAAABAHwAAAAAAACYAAAAAAAAAwOD//wAAAAAmAAAAZAAAABYAAABMAAAAAAAAAAAAAAAEAAAAAAAAAAEAAACAgIAKAAAAACgAAAAoAAAAZAAAAGQAAAAAAAAAzMzMAAAAAABQAAAAUAAAAGQAAABkAAAAAAAAABcAAAAUAAAAAAAAAAAAAAD/fwAA/38AAAAAAAAJAAAABAAAAAAAAAAMAAAAEAAAAAAAAAAAAAAAAAAAAAAAAAAeAAAAaAAAAAAAAAAAAAAAAAAAAAAAAAAAAAAAECcAABAnAAAAAAAAAAAAAAAAAAAAAAAAAAAAAAAAAAAAAAAAAAAAABQAAAAAAAAAwMD/AAAAAABkAAAAMgAAAAAAAABkAAAAAAAAAH9/fwAKAAAAHwAAAFQAAAAAAAAFAAAAAQAAAAAAAAAAAAAAAAAAAAAAAAAAAAAAAAAAAAAAAAAAAAAAAn9/fwAAAAADzMzMAMDA/wB/f38AAAAAAAAAAAAAAAAAAAAAAAAAAAAhAAAAGAAAABQAAADQAgAAsAEAAHA1AAC4CAAAEAAAACYAAAAIAAAAAAAAAAAAAAA="/>
               </a:ext>
             </a:extLst>
           </p:cNvSpPr>
@@ -2030,7 +2030,7 @@
             <a:spLocks noGrp="1" noChangeArrowheads="1"/>
             <a:extLst>
               <a:ext uri="smNativeData">
-                <pr:smNativeData xmlns:pr="smNativeData" val="SMDATA_13_Hs+1XxMAAAAlAAAAZAAAAA8BAAAAkAAAAEgAAACQAAAASAAAAAAAAAABAAAAAAAAAAEAAABQAAAAAAAAAAAA4D8AAAAAAADgPwAAAAAAAOA/AAAAAAAA4D8AAAAAAADgPwAAAAAAAOA/AAAAAAAA4D8AAAAAAADgPwAAAAAAAOA/AAAAAAAA4D8CAAAAjAAAAAAAAAAAAAAAu+DjDP///wgAAAAAAAAAAAAAAAAAAAAAAAAAAAAAAAAAAAAAZAAAAAEAAABAAAAAAAAAAAAAAAAAAAAAAAAAAAAAAAAAAAAAAAAAAAAAAAAAAAAAAAAAAAAAAAAAAAAAAAAAAAAAAAAAAAAAAAAAAAAAAAAAAAAAAAAAAAAAAAAAAAAAFAAAADwAAAAAAAAAAAAAAAAAAAkUAAAAAQAAABQAAAAUAAAAFAAAAAEAAAAAAAAAZAAAAGQAAAAAAAAAZAAAAGQAAAAVAAAAYAAAAAAAAAAAAAAADwAAACADAAAAAAAAAAAAAAEAAACgMgAAVgcAAKr4//8BAAAAf39/AAEAAABkAAAAAAAAABQAAABAHwAAAAAAACYAAAAAAAAAwOD//wAAAAAmAAAAZAAAABYAAABMAAAAAAAAAAAAAAAEAAAAAAAAAAEAAACAgIAKAAAAACgAAAAoAAAAZAAAAGQAAAAAAAAAzMzMAAAAAABQAAAAUAAAAGQAAABkAAAAAAAAABcAAAAUAAAAAAAAAAAAAAD/fwAA/38AAAAAAAAJAAAABAAAAAAAAAAMAAAAEAAAAAAAAAAAAAAAAAAAAAAAAAAeAAAAaAAAAAAAAAAAAAAAAAAAAAAAAAAAAAAAECcAABAnAAAAAAAAAAAAAAAAAAAAAAAAAAAAAAAAAAAAAAAAAAAAABQAAAAAAAAAwMD/AAAAAABkAAAAMgAAAAAAAABkAAAAAAAAAH9/fwAKAAAAHwAAAFQAAAAAAAAFAAAAAQAAAAAAAAAAAAAAAAAAAAAAAAAAAAAAAAAAAAAAAAAAAAAAAn9/fwAAAAADzMzMAMDA/wB/f38AAAAAAAAAAAAAAAAAAAAAAAAAAAAhAAAAGAAAABQAAADQAgAAGycAAPAPAABZKQAAEAAAACYAAAAIAAAAAAAAAAAAAAA="/>
+                <pr:smNativeData xmlns:pr="smNativeData" val="SMDATA_13_GUMTYBMAAAAlAAAAZAAAAA8BAAAAkAAAAEgAAACQAAAASAAAAAAAAAABAAAAAAAAAAEAAABQAAAAAAAAAAAA4D8AAAAAAADgPwAAAAAAAOA/AAAAAAAA4D8AAAAAAADgPwAAAAAAAOA/AAAAAAAA4D8AAAAAAADgPwAAAAAAAOA/AAAAAAAA4D8CAAAAjAAAAAAAAAAAAAAAu+DjDP///wgAAAAAAAAAAAAAAAAAAAAAAAAAAAAAAAAAAAAAZAAAAAEAAABAAAAAAAAAAAAAAAAAAAAAAAAAAAAAAAAAAAAAAAAAAAAAAAAAAAAAAAAAAAAAAAAAAAAAAAAAAAAAAAAAAAAAAAAAAAAAAAAAAAAAAAAAAAAAAAAAAAAAFAAAADwAAAAAAAAAAAAAAAAAAAkUAAAAAQAAABQAAAAUAAAAFAAAAAEAAAAAAAAAZAAAAGQAAAAAAAAAZAAAAGQAAAAVAAAAYAAAAAAAAAAAAAAADwAAACADAAAAAAAAAAAAAAEAAACgMgAAVgcAAKr4//8BAAAAf39/AAEAAABkAAAAAAAAABQAAABAHwAAAAAAACYAAAAAAAAAwOD//wAAAAAmAAAAZAAAABYAAABMAAAAAAAAAAAAAAAEAAAAAAAAAAEAAACAgIAKAAAAACgAAAAoAAAAZAAAAGQAAAAAAAAAzMzMAAAAAABQAAAAUAAAAGQAAABkAAAAAAAAABcAAAAUAAAAAAAAAAAAAAD/fwAA/38AAAAAAAAJAAAABAAAAAAAAAAMAAAAEAAAAAAAAAAAAAAAAAAAAAAAAAAeAAAAaAAAAAAAAAAAAAAAAAAAAAAAAAAAAAAAECcAABAnAAAAAAAAAAAAAAAAAAAAAAAAAAAAAAAAAAAAAAAAAAAAABQAAAAAAAAAwMD/AAAAAABkAAAAMgAAAAAAAABkAAAAAAAAAH9/fwAKAAAAHwAAAFQAAAAAAAAFAAAAAQAAAAAAAAAAAAAAAAAAAAAAAAAAAAAAAAAAAAAAAAAAAAAAAn9/fwAAAAADzMzMAMDA/wB/f38AAAAAAAAAAAAAAAAAAAAAAAAAAAAhAAAAGAAAABQAAADQAgAAGycAAPAPAABZKQAAEAAAACYAAAAIAAAAAAAAAAAAAAA="/>
               </a:ext>
             </a:extLst>
           </p:cNvSpPr>
@@ -2044,7 +2044,7 @@
           <a:lstStyle/>
           <a:p>
             <a:pPr/>
-            <a:fld id="{2FE69220-6EC2-B364-8C5E-9831DC107ACD}" type="datetime1">
+            <a:fld id="{3AD07DAB-E5D7-858B-9968-13DE33266F46}" type="datetime1">
               <a:t/>
             </a:fld>
           </a:p>
@@ -2057,7 +2057,7 @@
             <a:spLocks noGrp="1" noChangeArrowheads="1"/>
             <a:extLst>
               <a:ext uri="smNativeData">
-                <pr:smNativeData xmlns:pr="smNativeData" val="SMDATA_13_Hs+1XxMAAAAlAAAAZAAAAA8BAAAAkAAAAEgAAACQAAAASAAAAAAAAAABAAAAAAAAAAEAAABQAAAAAAAAAAAA4D8AAAAAAADgPwAAAAAAAOA/AAAAAAAA4D8AAAAAAADgPwAAAAAAAOA/AAAAAAAA4D8AAAAAAADgPwAAAAAAAOA/AAAAAAAA4D8CAAAAjAAAAAAAAAAAAAAAu+DjDP///wgAAAAAAAAAAAAAAAAAAAAAAAAAAAAAAAAAAAAAZAAAAAEAAABAAAAAAAAAAAAAAAAAAAAAAAAAAAAAAAAAAAAAAAAAAAAAAAAAAAAAAAAAAAAAAAAAAAAAAAAAAAAAAAAAAAAAAAAAAAAAAAAAAAAAAAAAAAAAAAAAAAAAFAAAADwAAAAAAAAAAAAAAAAAAAkUAAAAAQAAABQAAAAUAAAAFAAAAAEAAAAAAAAAZAAAAGQAAAAAAAAAZAAAAGQAAAAVAAAAYAAAAAAAAAAAAAAADwAAACADAAAAAAAAAAAAAAEAAACgMgAAVgcAAKr4//8BAAAAf39/AAEAAABkAAAAAAAAABQAAABAHwAAAAAAACYAAAAAAAAAwOD//wAAAAAmAAAAZAAAABYAAABMAAAAAAAAAAAAAAAEAAAAAAAAAAEAAACAgIAKAAAAACgAAAAoAAAAZAAAAGQAAAAAAAAAzMzMAAAAAABQAAAAUAAAAGQAAABkAAAAAAAAABcAAAAUAAAAAAAAAAAAAAD/fwAA/38AAAAAAAAJAAAABAAAAPxLCisMAAAAEAAAAAAAAAAAAAAAAAAAAAAAAAAeAAAAaAAAAAAAAAAAAAAAAAAAAAAAAAAAAAAAECcAABAnAAAAAAAAAAAAAAAAAAAAAAAAAAAAAAAAAAAAAAAAAAAAABQAAAAAAAAAwMD/AAAAAABkAAAAMgAAAAAAAABkAAAAAAAAAH9/fwAKAAAAHwAAAFQAAAAAAAAFAAAAAQAAAAAAAAAAAAAAAAAAAAAAAAAAAAAAAAAAAAAAAAAAAAAAAn9/fwAAAAADzMzMAMDA/wB/f38AAAAAAAAAAAAAAAAAAAAAAAAAAAAhAAAAGAAAABQAAAA4EwAAGycAAAglAABZKQAAEAAAACYAAAAIAAAAAAAAAAAAAAA="/>
+                <pr:smNativeData xmlns:pr="smNativeData" val="SMDATA_13_GUMTYBMAAAAlAAAAZAAAAA8BAAAAkAAAAEgAAACQAAAASAAAAAAAAAABAAAAAAAAAAEAAABQAAAAAAAAAAAA4D8AAAAAAADgPwAAAAAAAOA/AAAAAAAA4D8AAAAAAADgPwAAAAAAAOA/AAAAAAAA4D8AAAAAAADgPwAAAAAAAOA/AAAAAAAA4D8CAAAAjAAAAAAAAAAAAAAAu+DjDP///wgAAAAAAAAAAAAAAAAAAAAAAAAAAAAAAAAAAAAAZAAAAAEAAABAAAAAAAAAAAAAAAAAAAAAAAAAAAAAAAAAAAAAAAAAAAAAAAAAAAAAAAAAAAAAAAAAAAAAAAAAAAAAAAAAAAAAAAAAAAAAAAAAAAAAAAAAAAAAAAAAAAAAFAAAADwAAAAAAAAAAAAAAAAAAAkUAAAAAQAAABQAAAAUAAAAFAAAAAEAAAAAAAAAZAAAAGQAAAAAAAAAZAAAAGQAAAAVAAAAYAAAAAAAAAAAAAAADwAAACADAAAAAAAAAAAAAAEAAACgMgAAVgcAAKr4//8BAAAAf39/AAEAAABkAAAAAAAAABQAAABAHwAAAAAAACYAAAAAAAAAwOD//wAAAAAmAAAAZAAAABYAAABMAAAAAAAAAAAAAAAEAAAAAAAAAAEAAACAgIAKAAAAACgAAAAoAAAAZAAAAGQAAAAAAAAAzMzMAAAAAABQAAAAUAAAAGQAAABkAAAAAAAAABcAAAAUAAAAAAAAAAAAAAD/fwAA/38AAAAAAAAJAAAABAAAAPxLCisMAAAAEAAAAAAAAAAAAAAAAAAAAAAAAAAeAAAAaAAAAAAAAAAAAAAAAAAAAAAAAAAAAAAAECcAABAnAAAAAAAAAAAAAAAAAAAAAAAAAAAAAAAAAAAAAAAAAAAAABQAAAAAAAAAwMD/AAAAAABkAAAAMgAAAAAAAABkAAAAAAAAAH9/fwAKAAAAHwAAAFQAAAAAAAAFAAAAAQAAAAAAAAAAAAAAAAAAAAAAAAAAAAAAAAAAAAAAAAAAAAAAAn9/fwAAAAADzMzMAMDA/wB/f38AAAAAAAAAAAAAAAAAAAAAAAAAAAAhAAAAGAAAABQAAAA4EwAAGycAAAglAABZKQAAEAAAACYAAAAIAAAAAAAAAAAAAAA="/>
               </a:ext>
             </a:extLst>
           </p:cNvSpPr>
@@ -2081,7 +2081,7 @@
             <a:spLocks noGrp="1" noChangeArrowheads="1"/>
             <a:extLst>
               <a:ext uri="smNativeData">
-                <pr:smNativeData xmlns:pr="smNativeData" val="SMDATA_13_Hs+1XxMAAAAlAAAAZAAAAA8BAAAAkAAAAEgAAACQAAAASAAAAAAAAAABAAAAAAAAAAEAAABQAAAAAAAAAAAA4D8AAAAAAADgPwAAAAAAAOA/AAAAAAAA4D8AAAAAAADgPwAAAAAAAOA/AAAAAAAA4D8AAAAAAADgPwAAAAAAAOA/AAAAAAAA4D8CAAAAjAAAAAAAAAAAAAAAu+DjDP///wgAAAAAAAAAAAAAAAAAAAAAAAAAAAAAAAAAAAAAZAAAAAEAAABAAAAAAAAAAAAAAAAAAAAAAAAAAAAAAAAAAAAAAAAAAAAAAAAAAAAAAAAAAAAAAAAAAAAAAAAAAAAAAAAAAAAAAAAAAAAAAAAAAAAAAAAAAAAAAAAAAAAAFAAAADwAAAAAAAAAAAAAAAAAAAkUAAAAAQAAABQAAAAUAAAAFAAAAAEAAAAAAAAAZAAAAGQAAAAAAAAAZAAAAGQAAAAVAAAAYAAAAAAAAAAAAAAADwAAACADAAAAAAAAAAAAAAEAAACgMgAAVgcAAKr4//8BAAAAf39/AAEAAABkAAAAAAAAABQAAABAHwAAAAAAACYAAAAAAAAAwOD//wAAAAAmAAAAZAAAABYAAABMAAAAAAAAAAAAAAAEAAAAAAAAAAEAAACAgIAKAAAAACgAAAAoAAAAZAAAAGQAAAAAAAAAzMzMAAAAAABQAAAAUAAAAGQAAABkAAAAAAAAABcAAAAUAAAAAAAAAAAAAAD/fwAA/38AAAAAAAAJAAAABAAAAAUAvGYMAAAAEAAAAAAAAAAAAAAAAAAAAAAAAAAeAAAAaAAAAAAAAAAAAAAAAAAAAAAAAAAAAAAAECcAABAnAAAAAAAAAAAAAAAAAAAAAAAAAAAAAAAAAAAAAAAAAAAAABQAAAAAAAAAwMD/AAAAAABkAAAAMgAAAAAAAABkAAAAAAAAAH9/fwAKAAAAHwAAAFQAAAAAAAAFAAAAAQAAAAAAAAAAAAAAAAAAAAAAAAAAAAAAAAAAAAAAAAAAAAAAAn9/fwAAAAADzMzMAMDA/wB/f38AAAAAAAAAAAAAAAAAAAAAAAAAAAAhAAAAGAAAABQAAABQKAAAGycAAHA1AABZKQAAEAAAACYAAAAIAAAAAAAAAAAAAAA="/>
+                <pr:smNativeData xmlns:pr="smNativeData" val="SMDATA_13_GUMTYBMAAAAlAAAAZAAAAA8BAAAAkAAAAEgAAACQAAAASAAAAAAAAAABAAAAAAAAAAEAAABQAAAAAAAAAAAA4D8AAAAAAADgPwAAAAAAAOA/AAAAAAAA4D8AAAAAAADgPwAAAAAAAOA/AAAAAAAA4D8AAAAAAADgPwAAAAAAAOA/AAAAAAAA4D8CAAAAjAAAAAAAAAAAAAAAu+DjDP///wgAAAAAAAAAAAAAAAAAAAAAAAAAAAAAAAAAAAAAZAAAAAEAAABAAAAAAAAAAAAAAAAAAAAAAAAAAAAAAAAAAAAAAAAAAAAAAAAAAAAAAAAAAAAAAAAAAAAAAAAAAAAAAAAAAAAAAAAAAAAAAAAAAAAAAAAAAAAAAAAAAAAAFAAAADwAAAAAAAAAAAAAAAAAAAkUAAAAAQAAABQAAAAUAAAAFAAAAAEAAAAAAAAAZAAAAGQAAAAAAAAAZAAAAGQAAAAVAAAAYAAAAAAAAAAAAAAADwAAACADAAAAAAAAAAAAAAEAAACgMgAAVgcAAKr4//8BAAAAf39/AAEAAABkAAAAAAAAABQAAABAHwAAAAAAACYAAAAAAAAAwOD//wAAAAAmAAAAZAAAABYAAABMAAAAAAAAAAAAAAAEAAAAAAAAAAEAAACAgIAKAAAAACgAAAAoAAAAZAAAAGQAAAAAAAAAzMzMAAAAAABQAAAAUAAAAGQAAABkAAAAAAAAABcAAAAUAAAAAAAAAAAAAAD/fwAA/38AAAAAAAAJAAAABAAAAAUAvGYMAAAAEAAAAAAAAAAAAAAAAAAAAAAAAAAeAAAAaAAAAAAAAAAAAAAAAAAAAAAAAAAAAAAAECcAABAnAAAAAAAAAAAAAAAAAAAAAAAAAAAAAAAAAAAAAAAAAAAAABQAAAAAAAAAwMD/AAAAAABkAAAAMgAAAAAAAABkAAAAAAAAAH9/fwAKAAAAHwAAAFQAAAAAAAAFAAAAAQAAAAAAAAAAAAAAAAAAAAAAAAAAAAAAAAAAAAAAAAAAAAAAAn9/fwAAAAADzMzMAMDA/wB/f38AAAAAAAAAAAAAAAAAAAAAAAAAAAAhAAAAGAAAABQAAABQKAAAGycAAHA1AABZKQAAEAAAACYAAAAIAAAAAAAAAAAAAAA="/>
               </a:ext>
             </a:extLst>
           </p:cNvSpPr>
@@ -2095,7 +2095,7 @@
           <a:lstStyle/>
           <a:p>
             <a:pPr/>
-            <a:fld id="{2FE6A2EB-A5C2-B354-8C5E-5301EC107A06}" type="slidenum">
+            <a:fld id="{3AD06E35-7BD7-8598-9968-8DCD20266FD8}" type="slidenum">
               <a:t/>
             </a:fld>
           </a:p>
@@ -2133,7 +2133,7 @@
             <a:spLocks noGrp="1" noChangeArrowheads="1"/>
             <a:extLst>
               <a:ext uri="smNativeData">
-                <pr:smNativeData xmlns:pr="smNativeData" val="SMDATA_13_Hs+1XxMAAAAlAAAAZAAAAA8BAAAAkAAAAEgAAACQAAAASAAAAAAAAAABAAAAAAAAAAEAAABQAAAAAAAAAAAA4D8AAAAAAADgPwAAAAAAAOA/AAAAAAAA4D8AAAAAAADgPwAAAAAAAOA/AAAAAAAA4D8AAAAAAADgPwAAAAAAAOA/AAAAAAAA4D8CAAAAjAAAAAAAAAAAAAAAu+DjDP///wgAAAAAAAAAAAAAAAAAAAAAAAAAAAAAAAAAAAAAZAAAAAEAAABAAAAAAAAAAAAAAAAAAAAAAAAAAAAAAAAAAAAAAAAAAAAAAAAAAAAAAAAAAAAAAAAAAAAAAAAAAAAAAAAAAAAAAAAAAAAAAAAAAAAAAAAAAAAAAAAAAAAAFAAAADwAAAAAAAAAAAAAAAAAAAkUAAAAAQAAABQAAAAUAAAAFAAAAAEAAAAAAAAAZAAAAGQAAAAAAAAAZAAAAGQAAAAVAAAAYAAAAAAAAAAAAAAADwAAACADAAAAAAAAAAAAAAEAAACgMgAAVgcAAKr4//8BAAAAf39/AAEAAABkAAAAAAAAABQAAABAHwAAAAAAACYAAAAAAAAAwOD//wAAAAAmAAAAZAAAABYAAABMAAAAAAAAAAAAAAAEAAAAAAAAAAEAAACAgIAKAAAAACgAAAAoAAAAZAAAAGQAAAAAAAAAzMzMAAAAAABQAAAAUAAAAGQAAABkAAAAAAAAABcAAAAUAAAAAAAAAAAAAAD/fwAA/38AAAAAAAAJAAAABAAAAAUACkkMAAAAEAAAAAAAAAAAAAAAAAAAAAAAAAAeAAAAaAAAAAAAAAAAAAAAAAAAAAAAAAAAAAAAECcAABAnAAAAAAAAAAAAAAAAAAAAAAAAAAAAAAAAAAAAAAAAAAAAABQAAAAAAAAAwMD/AAAAAABkAAAAMgAAAAAAAABkAAAAAAAAAH9/fwAKAAAAHwAAAFQAAAAAAAAFAAAAAQAAAAAAAAAAAAAAAAAAAAAAAAAAAAAAAAAAAAAAAAAAAAAAAn9/fwAAAAADzMzMAMDA/wB/f38AAAAAAAAAAAAAAAAAAAAAAAAAAAAhAAAAGAAAABQAAADQAgAAGycAAPAPAABZKQAAEAAAACYAAAAIAAAAAAAAAAAAAAA="/>
+                <pr:smNativeData xmlns:pr="smNativeData" val="SMDATA_13_GUMTYBMAAAAlAAAAZAAAAA8BAAAAkAAAAEgAAACQAAAASAAAAAAAAAABAAAAAAAAAAEAAABQAAAAAAAAAAAA4D8AAAAAAADgPwAAAAAAAOA/AAAAAAAA4D8AAAAAAADgPwAAAAAAAOA/AAAAAAAA4D8AAAAAAADgPwAAAAAAAOA/AAAAAAAA4D8CAAAAjAAAAAAAAAAAAAAAu+DjDP///wgAAAAAAAAAAAAAAAAAAAAAAAAAAAAAAAAAAAAAZAAAAAEAAABAAAAAAAAAAAAAAAAAAAAAAAAAAAAAAAAAAAAAAAAAAAAAAAAAAAAAAAAAAAAAAAAAAAAAAAAAAAAAAAAAAAAAAAAAAAAAAAAAAAAAAAAAAAAAAAAAAAAAFAAAADwAAAAAAAAAAAAAAAAAAAkUAAAAAQAAABQAAAAUAAAAFAAAAAEAAAAAAAAAZAAAAGQAAAAAAAAAZAAAAGQAAAAVAAAAYAAAAAAAAAAAAAAADwAAACADAAAAAAAAAAAAAAEAAACgMgAAVgcAAKr4//8BAAAAf39/AAEAAABkAAAAAAAAABQAAABAHwAAAAAAACYAAAAAAAAAwOD//wAAAAAmAAAAZAAAABYAAABMAAAAAAAAAAAAAAAEAAAAAAAAAAEAAACAgIAKAAAAACgAAAAoAAAAZAAAAGQAAAAAAAAAzMzMAAAAAABQAAAAUAAAAGQAAABkAAAAAAAAABcAAAAUAAAAAAAAAAAAAAD/fwAA/38AAAAAAAAJAAAABAAAAAUACkkMAAAAEAAAAAAAAAAAAAAAAAAAAAAAAAAeAAAAaAAAAAAAAAAAAAAAAAAAAAAAAAAAAAAAECcAABAnAAAAAAAAAAAAAAAAAAAAAAAAAAAAAAAAAAAAAAAAAAAAABQAAAAAAAAAwMD/AAAAAABkAAAAMgAAAAAAAABkAAAAAAAAAH9/fwAKAAAAHwAAAFQAAAAAAAAFAAAAAQAAAAAAAAAAAAAAAAAAAAAAAAAAAAAAAAAAAAAAAAAAAAAAAn9/fwAAAAADzMzMAMDA/wB/f38AAAAAAAAAAAAAAAAAAAAAAAAAAAAhAAAAGAAAABQAAADQAgAAGycAAPAPAABZKQAAEAAAACYAAAAIAAAAAAAAAAAAAAA="/>
               </a:ext>
             </a:extLst>
           </p:cNvSpPr>
@@ -2147,7 +2147,7 @@
           <a:lstStyle/>
           <a:p>
             <a:pPr/>
-            <a:fld id="{2FE6D834-7AC2-B32E-8C5E-8C7B96107AD9}" type="datetime1">
+            <a:fld id="{3AD06BA8-E6D7-859D-9968-10C825266F45}" type="datetime1">
               <a:t/>
             </a:fld>
           </a:p>
@@ -2160,7 +2160,7 @@
             <a:spLocks noGrp="1" noChangeArrowheads="1"/>
             <a:extLst>
               <a:ext uri="smNativeData">
-                <pr:smNativeData xmlns:pr="smNativeData" val="SMDATA_13_Hs+1XxMAAAAlAAAAZAAAAA8BAAAAkAAAAEgAAACQAAAASAAAAAAAAAABAAAAAAAAAAEAAABQAAAAAAAAAAAA4D8AAAAAAADgPwAAAAAAAOA/AAAAAAAA4D8AAAAAAADgPwAAAAAAAOA/AAAAAAAA4D8AAAAAAADgPwAAAAAAAOA/AAAAAAAA4D8CAAAAjAAAAAAAAAAAAAAAu+DjDP///wgAAAAAAAAAAAAAAAAAAAAAAAAAAAAAAAAAAAAAZAAAAAEAAABAAAAAAAAAAAAAAAAAAAAAAAAAAAAAAAAAAAAAAAAAAAAAAAAAAAAAAAAAAAAAAAAAAAAAAAAAAAAAAAAAAAAAAAAAAAAAAAAAAAAAAAAAAAAAAAAAAAAAFAAAADwAAAAAAAAAAAAAAAAAAAkUAAAAAQAAABQAAAAUAAAAFAAAAAEAAAAAAAAAZAAAAGQAAAAAAAAAZAAAAGQAAAAVAAAAYAAAAAAAAAAAAAAADwAAACADAAAAAAAAAAAAAAEAAACgMgAAVgcAAKr4//8BAAAAf39/AAEAAABkAAAAAAAAABQAAABAHwAAAAAAACYAAAAAAAAAwOD//wAAAAAmAAAAZAAAABYAAABMAAAAAAAAAAAAAAAEAAAAAAAAAAEAAACAgIAKAAAAACgAAAAoAAAAZAAAAGQAAAAAAAAAzMzMAAAAAABQAAAAUAAAAGQAAABkAAAAAAAAABcAAAAUAAAAAAAAAAAAAAD/fwAA/38AAAAAAAAJAAAABAAAAAAAAAAMAAAAEAAAAAAAAAAAAAAAAAAAAAAAAAAeAAAAaAAAAAAAAAAAAAAAAAAAAAAAAAAAAAAAECcAABAnAAAAAAAAAAAAAAAAAAAAAAAAAAAAAAAAAAAAAAAAAAAAABQAAAAAAAAAwMD/AAAAAABkAAAAMgAAAAAAAABkAAAAAAAAAH9/fwAKAAAAHwAAAFQAAAAAAAAFAAAAAQAAAAAAAAAAAAAAAAAAAAAAAAAAAAAAAAAAAAAAAAAAAAAAAn9/fwAAAAADzMzMAMDA/wB/f38AAAAAAAAAAAAAAAAAAAAAAAAAAAAhAAAAGAAAABQAAAA4EwAAGycAAAglAABZKQAAEAAAACYAAAAIAAAAAAAAAAAAAAA="/>
+                <pr:smNativeData xmlns:pr="smNativeData" val="SMDATA_13_GUMTYBMAAAAlAAAAZAAAAA8BAAAAkAAAAEgAAACQAAAASAAAAAAAAAABAAAAAAAAAAEAAABQAAAAAAAAAAAA4D8AAAAAAADgPwAAAAAAAOA/AAAAAAAA4D8AAAAAAADgPwAAAAAAAOA/AAAAAAAA4D8AAAAAAADgPwAAAAAAAOA/AAAAAAAA4D8CAAAAjAAAAAAAAAAAAAAAu+DjDP///wgAAAAAAAAAAAAAAAAAAAAAAAAAAAAAAAAAAAAAZAAAAAEAAABAAAAAAAAAAAAAAAAAAAAAAAAAAAAAAAAAAAAAAAAAAAAAAAAAAAAAAAAAAAAAAAAAAAAAAAAAAAAAAAAAAAAAAAAAAAAAAAAAAAAAAAAAAAAAAAAAAAAAFAAAADwAAAAAAAAAAAAAAAAAAAkUAAAAAQAAABQAAAAUAAAAFAAAAAEAAAAAAAAAZAAAAGQAAAAAAAAAZAAAAGQAAAAVAAAAYAAAAAAAAAAAAAAADwAAACADAAAAAAAAAAAAAAEAAACgMgAAVgcAAKr4//8BAAAAf39/AAEAAABkAAAAAAAAABQAAABAHwAAAAAAACYAAAAAAAAAwOD//wAAAAAmAAAAZAAAABYAAABMAAAAAAAAAAAAAAAEAAAAAAAAAAEAAACAgIAKAAAAACgAAAAoAAAAZAAAAGQAAAAAAAAAzMzMAAAAAABQAAAAUAAAAGQAAABkAAAAAAAAABcAAAAUAAAAAAAAAAAAAAD/fwAA/38AAAAAAAAJAAAABAAAAAAAAAAMAAAAEAAAAAAAAAAAAAAAAAAAAAAAAAAeAAAAaAAAAAAAAAAAAAAAAAAAAAAAAAAAAAAAECcAABAnAAAAAAAAAAAAAAAAAAAAAAAAAAAAAAAAAAAAAAAAAAAAABQAAAAAAAAAwMD/AAAAAABkAAAAMgAAAAAAAABkAAAAAAAAAH9/fwAKAAAAHwAAAFQAAAAAAAAFAAAAAQAAAAAAAAAAAAAAAAAAAAAAAAAAAAAAAAAAAAAAAAAAAAAAAn9/fwAAAAADzMzMAMDA/wB/f38AAAAAAAAAAAAAAAAAAAAAAAAAAAAhAAAAGAAAABQAAAA4EwAAGycAAAglAABZKQAAEAAAACYAAAAIAAAAAAAAAAAAAAA="/>
               </a:ext>
             </a:extLst>
           </p:cNvSpPr>
@@ -2184,7 +2184,7 @@
             <a:spLocks noGrp="1" noChangeArrowheads="1"/>
             <a:extLst>
               <a:ext uri="smNativeData">
-                <pr:smNativeData xmlns:pr="smNativeData" val="SMDATA_13_Hs+1XxMAAAAlAAAAZAAAAA8BAAAAkAAAAEgAAACQAAAASAAAAAAAAAABAAAAAAAAAAEAAABQAAAAAAAAAAAA4D8AAAAAAADgPwAAAAAAAOA/AAAAAAAA4D8AAAAAAADgPwAAAAAAAOA/AAAAAAAA4D8AAAAAAADgPwAAAAAAAOA/AAAAAAAA4D8CAAAAjAAAAAAAAAAAAAAAu+DjDP///wgAAAAAAAAAAAAAAAAAAAAAAAAAAAAAAAAAAAAAZAAAAAEAAABAAAAAAAAAAAAAAAAAAAAAAAAAAAAAAAAAAAAAAAAAAAAAAAAAAAAAAAAAAAAAAAAAAAAAAAAAAAAAAAAAAAAAAAAAAAAAAAAAAAAAAAAAAAAAAAAAAAAAFAAAADwAAAAAAAAAAAAAAAAAAAkUAAAAAQAAABQAAAAUAAAAFAAAAAEAAAAAAAAAZAAAAGQAAAAAAAAAZAAAAGQAAAAVAAAAYAAAAAAAAAAAAAAADwAAACADAAAAAAAAAAAAAAEAAACgMgAAVgcAAKr4//8BAAAAf39/AAEAAABkAAAAAAAAABQAAABAHwAAAAAAACYAAAAAAAAAwOD//wAAAAAmAAAAZAAAABYAAABMAAAAAAAAAAAAAAAEAAAAAAAAAAEAAACAgIAKAAAAACgAAAAoAAAAZAAAAGQAAAAAAAAAzMzMAAAAAABQAAAAUAAAAGQAAABkAAAAAAAAABcAAAAUAAAAAAAAAAAAAAD/fwAA/38AAAAAAAAJAAAABAAAAAAAAAAMAAAAEAAAAAAAAAAAAAAAAAAAAAAAAAAeAAAAaAAAAAAAAAAAAAAAAAAAAAAAAAAAAAAAECcAABAnAAAAAAAAAAAAAAAAAAAAAAAAAAAAAAAAAAAAAAAAAAAAABQAAAAAAAAAwMD/AAAAAABkAAAAMgAAAAAAAABkAAAAAAAAAH9/fwAKAAAAHwAAAFQAAAAAAAAFAAAAAQAAAAAAAAAAAAAAAAAAAAAAAAAAAAAAAAAAAAAAAAAAAAAAAn9/fwAAAAADzMzMAMDA/wB/f38AAAAAAAAAAAAAAAAAAAAAAAAAAAAhAAAAGAAAABQAAABQKAAAGycAAHA1AABZKQAAEAAAACYAAAAIAAAAAAAAAAAAAAA="/>
+                <pr:smNativeData xmlns:pr="smNativeData" val="SMDATA_13_GUMTYBMAAAAlAAAAZAAAAA8BAAAAkAAAAEgAAACQAAAASAAAAAAAAAABAAAAAAAAAAEAAABQAAAAAAAAAAAA4D8AAAAAAADgPwAAAAAAAOA/AAAAAAAA4D8AAAAAAADgPwAAAAAAAOA/AAAAAAAA4D8AAAAAAADgPwAAAAAAAOA/AAAAAAAA4D8CAAAAjAAAAAAAAAAAAAAAu+DjDP///wgAAAAAAAAAAAAAAAAAAAAAAAAAAAAAAAAAAAAAZAAAAAEAAABAAAAAAAAAAAAAAAAAAAAAAAAAAAAAAAAAAAAAAAAAAAAAAAAAAAAAAAAAAAAAAAAAAAAAAAAAAAAAAAAAAAAAAAAAAAAAAAAAAAAAAAAAAAAAAAAAAAAAFAAAADwAAAAAAAAAAAAAAAAAAAkUAAAAAQAAABQAAAAUAAAAFAAAAAEAAAAAAAAAZAAAAGQAAAAAAAAAZAAAAGQAAAAVAAAAYAAAAAAAAAAAAAAADwAAACADAAAAAAAAAAAAAAEAAACgMgAAVgcAAKr4//8BAAAAf39/AAEAAABkAAAAAAAAABQAAABAHwAAAAAAACYAAAAAAAAAwOD//wAAAAAmAAAAZAAAABYAAABMAAAAAAAAAAAAAAAEAAAAAAAAAAEAAACAgIAKAAAAACgAAAAoAAAAZAAAAGQAAAAAAAAAzMzMAAAAAABQAAAAUAAAAGQAAABkAAAAAAAAABcAAAAUAAAAAAAAAAAAAAD/fwAA/38AAAAAAAAJAAAABAAAAAAAAAAMAAAAEAAAAAAAAAAAAAAAAAAAAAAAAAAeAAAAaAAAAAAAAAAAAAAAAAAAAAAAAAAAAAAAECcAABAnAAAAAAAAAAAAAAAAAAAAAAAAAAAAAAAAAAAAAAAAAAAAABQAAAAAAAAAwMD/AAAAAABkAAAAMgAAAAAAAABkAAAAAAAAAH9/fwAKAAAAHwAAAFQAAAAAAAAFAAAAAQAAAAAAAAAAAAAAAAAAAAAAAAAAAAAAAAAAAAAAAAAAAAAAAn9/fwAAAAADzMzMAMDA/wB/f38AAAAAAAAAAAAAAAAAAAAAAAAAAAAhAAAAGAAAABQAAABQKAAAGycAAHA1AABZKQAAEAAAACYAAAAIAAAAAAAAAAAAAAA="/>
               </a:ext>
             </a:extLst>
           </p:cNvSpPr>
@@ -2198,7 +2198,7 @@
           <a:lstStyle/>
           <a:p>
             <a:pPr/>
-            <a:fld id="{2FE6DDC0-8EC2-B32B-8C5E-787E93107A2D}" type="slidenum">
+            <a:fld id="{3AD06038-76D7-8596-9968-80C32E266FD5}" type="slidenum">
               <a:t/>
             </a:fld>
           </a:p>
@@ -2236,7 +2236,7 @@
             <a:spLocks noGrp="1" noChangeArrowheads="1"/>
             <a:extLst>
               <a:ext uri="smNativeData">
-                <pr:smNativeData xmlns:pr="smNativeData" val="SMDATA_13_Hs+1XxMAAAAlAAAAZAAAAA8BAAAAkAAAAEgAAACQAAAASAAAAAAAAAACAAAAAAAAAAEAAABQAAAAAAAAAAAA4D8AAAAAAADgPwAAAAAAAOA/AAAAAAAA4D8AAAAAAADgPwAAAAAAAOA/AAAAAAAA4D8AAAAAAADgPwAAAAAAAOA/AAAAAAAA4D8CAAAAjAAAAAAAAAAAAAAAu+DjDP///wgAAAAAAAAAAAAAAAAAAAAAAAAAAAAAAAAAAAAAZAAAAAEAAABAAAAAAAAAAAAAAAAAAAAAAAAAAAAAAAAAAAAAAAAAAAAAAAAAAAAAAAAAAAAAAAAAAAAAAAAAAAAAAAAAAAAAAAAAAAAAAAAAAAAAAAAAAAAAAAAAAAAAFAAAADwAAAAAAAAAAAAAAAAAAAkUAAAAAQAAABQAAAAUAAAAFAAAAAEAAAAAAAAAZAAAAGQAAAAAAAAAZAAAAGQAAAAVAAAAYAAAAAAAAAAAAAAADwAAACADAAAAAAAAAAAAAAEAAACgMgAAVgcAAKr4//8BAAAAf39/AAEAAABkAAAAAAAAABQAAABAHwAAAAAAACYAAAAAAAAAwOD//wAAAAAmAAAAZAAAABYAAABMAAAAAAAAAAAAAAAEAAAAAAAAAAEAAACAgIAKAAAAACgAAAAoAAAAZAAAAGQAAAAAAAAAzMzMAAAAAABQAAAAUAAAAGQAAABkAAAAAAAAABcAAAAUAAAAAAAAAAAAAAD/fwAA/38AAAAAAAAJAAAABAAAAJ9SBQAMAAAAEAAAAAAAAAAAAAAAAAAAAAAAAAAeAAAAaAAAAAAAAAAAAAAAAAAAAAAAAAAAAAAAECcAABAnAAAAAAAAAAAAAAAAAAAAAAAAAAAAAAAAAAAAAAAAAAAAABQAAAAAAAAAwMD/AAAAAABkAAAAMgAAAAAAAABkAAAAAAAAAH9/fwAKAAAAHwAAAFQAAAAAAAAFAAAAAQAAAAAAAAAAAAAAAAAAAAAAAAAAAAAAAAAAAAAAAAAAAAAAAn9/fwAAAAADzMzMAMDA/wB/f38AAAAAAAAAAAAAAAAAAAAAAAAAAAAhAAAAGAAAABQAAADQAgAArgEAAFIVAADUCAAAEAAAACYAAAAIAAAAgYAAAAAAAAA="/>
+                <pr:smNativeData xmlns:pr="smNativeData" val="SMDATA_13_GUMTYBMAAAAlAAAAZAAAAA8BAAAAkAAAAEgAAACQAAAASAAAAAAAAAACAAAAAAAAAAEAAABQAAAAAAAAAAAA4D8AAAAAAADgPwAAAAAAAOA/AAAAAAAA4D8AAAAAAADgPwAAAAAAAOA/AAAAAAAA4D8AAAAAAADgPwAAAAAAAOA/AAAAAAAA4D8CAAAAjAAAAAAAAAAAAAAAu+DjDP///wgAAAAAAAAAAAAAAAAAAAAAAAAAAAAAAAAAAAAAZAAAAAEAAABAAAAAAAAAAAAAAAAAAAAAAAAAAAAAAAAAAAAAAAAAAAAAAAAAAAAAAAAAAAAAAAAAAAAAAAAAAAAAAAAAAAAAAAAAAAAAAAAAAAAAAAAAAAAAAAAAAAAAFAAAADwAAAAAAAAAAAAAAAAAAAkUAAAAAQAAABQAAAAUAAAAFAAAAAEAAAAAAAAAZAAAAGQAAAAAAAAAZAAAAGQAAAAVAAAAYAAAAAAAAAAAAAAADwAAACADAAAAAAAAAAAAAAEAAACgMgAAVgcAAKr4//8BAAAAf39/AAEAAABkAAAAAAAAABQAAABAHwAAAAAAACYAAAAAAAAAwOD//wAAAAAmAAAAZAAAABYAAABMAAAAAAAAAAAAAAAEAAAAAAAAAAEAAACAgIAKAAAAACgAAAAoAAAAZAAAAGQAAAAAAAAAzMzMAAAAAABQAAAAUAAAAGQAAABkAAAAAAAAABcAAAAUAAAAAAAAAAAAAAD/fwAA/38AAAAAAAAJAAAABAAAAJ9SBQAMAAAAEAAAAAAAAAAAAAAAAAAAAAAAAAAeAAAAaAAAAAAAAAAAAAAAAAAAAAAAAAAAAAAAECcAABAnAAAAAAAAAAAAAAAAAAAAAAAAAAAAAAAAAAAAAAAAAAAAABQAAAAAAAAAwMD/AAAAAABkAAAAMgAAAAAAAABkAAAAAAAAAH9/fwAKAAAAHwAAAFQAAAAAAAAFAAAAAQAAAAAAAAAAAAAAAAAAAAAAAAAAAAAAAAAAAAAAAAAAAAAAAn9/fwAAAAADzMzMAMDA/wB/f38AAAAAAAAAAAAAAAAAAAAAAAAAAAAhAAAAGAAAABQAAADQAgAArgEAAFIVAADUCAAAEAAAACYAAAAIAAAAgYAAAAAAAAA="/>
               </a:ext>
             </a:extLst>
           </p:cNvSpPr>
@@ -2276,7 +2276,7 @@
             <a:spLocks noGrp="1" noChangeArrowheads="1"/>
             <a:extLst>
               <a:ext uri="smNativeData">
-                <pr:smNativeData xmlns:pr="smNativeData" val="SMDATA_13_Hs+1XxMAAAAlAAAAZAAAAA8BAAAAkAAAAEgAAACQAAAASAAAAAAAAAAAAAAAAAAAAAEAAABQAAAAAAAAAAAA4D8AAAAAAADgPwAAAAAAAOA/AAAAAAAA4D8AAAAAAADgPwAAAAAAAOA/AAAAAAAA4D8AAAAAAADgPwAAAAAAAOA/AAAAAAAA4D8CAAAAjAAAAAAAAAAAAAAAu+DjDP///wgAAAAAAAAAAAAAAAAAAAAAAAAAAAAAAAAAAAAAZAAAAAEAAABAAAAAAAAAAAAAAAAAAAAAAAAAAAAAAAAAAAAAAAAAAAAAAAAAAAAAAAAAAAAAAAAAAAAAAAAAAAAAAAAAAAAAAAAAAAAAAAAAAAAAAAAAAAAAAAAAAAAAFAAAADwAAAAAAAAAAAAAAAAAAAkUAAAAAQAAABQAAAAUAAAAFAAAAAEAAAAAAAAAZAAAAGQAAAAAAAAAZAAAAGQAAAAVAAAAYAAAAAAAAAAAAAAADwAAACADAAAAAAAAAAAAAAEAAACgMgAAVgcAAKr4//8BAAAAf39/AAEAAABkAAAAAAAAABQAAABAHwAAAAAAACYAAAAAAAAAwOD//wAAAAAmAAAAZAAAABYAAABMAAAAAAAAAAAAAAAEAAAAAAAAAAEAAACAgIAKAAAAACgAAAAoAAAAZAAAAGQAAAAAAAAAzMzMAAAAAABQAAAAUAAAAGQAAABkAAAAAAAAABcAAAAUAAAAAAAAAAAAAAD/fwAA/38AAAAAAAAJAAAABAAAAExBVDEMAAAAEAAAAAAAAAAAAAAAAAAAAAAAAAAeAAAAaAAAAAAAAAAAAAAAAAAAAAAAAAAAAAAAECcAABAnAAAAAAAAAAAAAAAAAAAAAAAAAAAAAAAAAAAAAAAAAAAAABQAAAAAAAAAwMD/AAAAAABkAAAAMgAAAAAAAABkAAAAAAAAAH9/fwAKAAAAHwAAAFQAAAAAAAAFAAAAAQAAAAAAAAAAAAAAAAAAAAAAAAAAAAAAAAAAAAAAAAAAAAAAAn9/fwAAAAADzMzMAMDA/wB/f38AAAAAAAAAAAAAAAAAAAAAAAAAAAAhAAAAGAAAABQAAAD+FQAArgEAAHA1AACwJQAAEAAAACYAAAAIAAAAAYAAAAAAAAA="/>
+                <pr:smNativeData xmlns:pr="smNativeData" val="SMDATA_13_GUMTYBMAAAAlAAAAZAAAAA8BAAAAkAAAAEgAAACQAAAASAAAAAAAAAAAAAAAAAAAAAEAAABQAAAAAAAAAAAA4D8AAAAAAADgPwAAAAAAAOA/AAAAAAAA4D8AAAAAAADgPwAAAAAAAOA/AAAAAAAA4D8AAAAAAADgPwAAAAAAAOA/AAAAAAAA4D8CAAAAjAAAAAAAAAAAAAAAu+DjDP///wgAAAAAAAAAAAAAAAAAAAAAAAAAAAAAAAAAAAAAZAAAAAEAAABAAAAAAAAAAAAAAAAAAAAAAAAAAAAAAAAAAAAAAAAAAAAAAAAAAAAAAAAAAAAAAAAAAAAAAAAAAAAAAAAAAAAAAAAAAAAAAAAAAAAAAAAAAAAAAAAAAAAAFAAAADwAAAAAAAAAAAAAAAAAAAkUAAAAAQAAABQAAAAUAAAAFAAAAAEAAAAAAAAAZAAAAGQAAAAAAAAAZAAAAGQAAAAVAAAAYAAAAAAAAAAAAAAADwAAACADAAAAAAAAAAAAAAEAAACgMgAAVgcAAKr4//8BAAAAf39/AAEAAABkAAAAAAAAABQAAABAHwAAAAAAACYAAAAAAAAAwOD//wAAAAAmAAAAZAAAABYAAABMAAAAAAAAAAAAAAAEAAAAAAAAAAEAAACAgIAKAAAAACgAAAAoAAAAZAAAAGQAAAAAAAAAzMzMAAAAAABQAAAAUAAAAGQAAABkAAAAAAAAABcAAAAUAAAAAAAAAAAAAAD/fwAA/38AAAAAAAAJAAAABAAAAExBVDEMAAAAEAAAAAAAAAAAAAAAAAAAAAAAAAAeAAAAaAAAAAAAAAAAAAAAAAAAAAAAAAAAAAAAECcAABAnAAAAAAAAAAAAAAAAAAAAAAAAAAAAAAAAAAAAAAAAAAAAABQAAAAAAAAAwMD/AAAAAABkAAAAMgAAAAAAAABkAAAAAAAAAH9/fwAKAAAAHwAAAFQAAAAAAAAFAAAAAQAAAAAAAAAAAAAAAAAAAAAAAAAAAAAAAAAAAAAAAAAAAAAAAn9/fwAAAAADzMzMAMDA/wB/f38AAAAAAAAAAAAAAAAAAAAAAAAAAAAhAAAAGAAAABQAAAD+FQAArgEAAHA1AACwJQAAEAAAACYAAAAIAAAAAYAAAAAAAAA="/>
               </a:ext>
             </a:extLst>
           </p:cNvSpPr>
@@ -2360,7 +2360,7 @@
             <a:spLocks noGrp="1" noChangeArrowheads="1"/>
             <a:extLst>
               <a:ext uri="smNativeData">
-                <pr:smNativeData xmlns:pr="smNativeData" val="SMDATA_13_Hs+1XxMAAAAlAAAAZAAAAA8BAAAAkAAAAEgAAACQAAAASAAAAAAAAAAAAAAAAAAAAAEAAABQAAAAAAAAAAAA4D8AAAAAAADgPwAAAAAAAOA/AAAAAAAA4D8AAAAAAADgPwAAAAAAAOA/AAAAAAAA4D8AAAAAAADgPwAAAAAAAOA/AAAAAAAA4D8CAAAAjAAAAAAAAAAAAAAAu+DjDP///wgAAAAAAAAAAAAAAAAAAAAAAAAAAAAAAAAAAAAAZAAAAAEAAABAAAAAAAAAAAAAAAAAAAAAAAAAAAAAAAAAAAAAAAAAAAAAAAAAAAAAAAAAAAAAAAAAAAAAAAAAAAAAAAAAAAAAAAAAAAAAAAAAAAAAAAAAAAAAAAAAAAAAFAAAADwAAAAAAAAAAAAAAAAAAAkUAAAAAQAAABQAAAAUAAAAFAAAAAEAAAAAAAAAZAAAAGQAAAAAAAAAZAAAAGQAAAAVAAAAYAAAAAAAAAAAAAAADwAAACADAAAAAAAAAAAAAAEAAACgMgAAVgcAAKr4//8BAAAAf39/AAEAAABkAAAAAAAAABQAAABAHwAAAAAAACYAAAAAAAAAwOD//wAAAAAmAAAAZAAAABYAAABMAAAAAAAAAAAAAAAEAAAAAAAAAAEAAACAgIAKAAAAACgAAAAoAAAAZAAAAGQAAAAAAAAAzMzMAAAAAABQAAAAUAAAAGQAAABkAAAAAAAAABcAAAAUAAAAAAAAAAAAAAD/fwAA/38AAAAAAAAJAAAABAAAAAAAAAAMAAAAEAAAAAAAAAAAAAAAAAAAAAAAAAAeAAAAaAAAAAAAAAAAAAAAAAAAAAAAAAAAAAAAECcAABAnAAAAAAAAAAAAAAAAAAAAAAAAAAAAAAAAAAAAAAAAAAAAABQAAAAAAAAAwMD/AAAAAABkAAAAMgAAAAAAAABkAAAAAAAAAH9/fwAKAAAAHwAAAFQAAAAAAAAFAAAAAQAAAAAAAAAAAAAAAAAAAAAAAAAAAAAAAAAAAAAAAAAAAAAAAn9/fwAAAAADzMzMAMDA/wB/f38AAAAAAAAAAAAAAAAAAAAAAAAAAAAhAAAAGAAAABQAAADQAgAA1AgAAFIVAACwJQAAEAAAACYAAAAIAAAAAYAAAAAAAAA="/>
+                <pr:smNativeData xmlns:pr="smNativeData" val="SMDATA_13_GUMTYBMAAAAlAAAAZAAAAA8BAAAAkAAAAEgAAACQAAAASAAAAAAAAAAAAAAAAAAAAAEAAABQAAAAAAAAAAAA4D8AAAAAAADgPwAAAAAAAOA/AAAAAAAA4D8AAAAAAADgPwAAAAAAAOA/AAAAAAAA4D8AAAAAAADgPwAAAAAAAOA/AAAAAAAA4D8CAAAAjAAAAAAAAAAAAAAAu+DjDP///wgAAAAAAAAAAAAAAAAAAAAAAAAAAAAAAAAAAAAAZAAAAAEAAABAAAAAAAAAAAAAAAAAAAAAAAAAAAAAAAAAAAAAAAAAAAAAAAAAAAAAAAAAAAAAAAAAAAAAAAAAAAAAAAAAAAAAAAAAAAAAAAAAAAAAAAAAAAAAAAAAAAAAFAAAADwAAAAAAAAAAAAAAAAAAAkUAAAAAQAAABQAAAAUAAAAFAAAAAEAAAAAAAAAZAAAAGQAAAAAAAAAZAAAAGQAAAAVAAAAYAAAAAAAAAAAAAAADwAAACADAAAAAAAAAAAAAAEAAACgMgAAVgcAAKr4//8BAAAAf39/AAEAAABkAAAAAAAAABQAAABAHwAAAAAAACYAAAAAAAAAwOD//wAAAAAmAAAAZAAAABYAAABMAAAAAAAAAAAAAAAEAAAAAAAAAAEAAACAgIAKAAAAACgAAAAoAAAAZAAAAGQAAAAAAAAAzMzMAAAAAABQAAAAUAAAAGQAAABkAAAAAAAAABcAAAAUAAAAAAAAAAAAAAD/fwAA/38AAAAAAAAJAAAABAAAAAAAAAAMAAAAEAAAAAAAAAAAAAAAAAAAAAAAAAAeAAAAaAAAAAAAAAAAAAAAAAAAAAAAAAAAAAAAECcAABAnAAAAAAAAAAAAAAAAAAAAAAAAAAAAAAAAAAAAAAAAAAAAABQAAAAAAAAAwMD/AAAAAABkAAAAMgAAAAAAAABkAAAAAAAAAH9/fwAKAAAAHwAAAFQAAAAAAAAFAAAAAQAAAAAAAAAAAAAAAAAAAAAAAAAAAAAAAAAAAAAAAAAAAAAAAn9/fwAAAAADzMzMAMDA/wB/f38AAAAAAAAAAAAAAAAAAAAAAAAAAAAhAAAAGAAAABQAAADQAgAA1AgAAFIVAACwJQAAEAAAACYAAAAIAAAAAYAAAAAAAAA="/>
               </a:ext>
             </a:extLst>
           </p:cNvSpPr>
@@ -2429,7 +2429,7 @@
             <a:spLocks noGrp="1" noChangeArrowheads="1"/>
             <a:extLst>
               <a:ext uri="smNativeData">
-                <pr:smNativeData xmlns:pr="smNativeData" val="SMDATA_13_Hs+1XxMAAAAlAAAAZAAAAA8BAAAAkAAAAEgAAACQAAAASAAAAAAAAAABAAAAAAAAAAEAAABQAAAAAAAAAAAA4D8AAAAAAADgPwAAAAAAAOA/AAAAAAAA4D8AAAAAAADgPwAAAAAAAOA/AAAAAAAA4D8AAAAAAADgPwAAAAAAAOA/AAAAAAAA4D8CAAAAjAAAAAAAAAAAAAAAu+DjDP///wgAAAAAAAAAAAAAAAAAAAAAAAAAAAAAAAAAAAAAZAAAAAEAAABAAAAAAAAAAAAAAAAAAAAAAAAAAAAAAAAAAAAAAAAAAAAAAAAAAAAAAAAAAAAAAAAAAAAAAAAAAAAAAAAAAAAAAAAAAAAAAAAAAAAAAAAAAAAAAAAAAAAAFAAAADwAAAAAAAAAAAAAAAAAAAkUAAAAAQAAABQAAAAUAAAAFAAAAAEAAAAAAAAAZAAAAGQAAAAAAAAAZAAAAGQAAAAVAAAAYAAAAAAAAAAAAAAADwAAACADAAAAAAAAAAAAAAEAAACgMgAAVgcAAKr4//8BAAAAf39/AAEAAABkAAAAAAAAABQAAABAHwAAAAAAACYAAAAAAAAAwOD//wAAAAAmAAAAZAAAABYAAABMAAAAAAAAAAAAAAAEAAAAAAAAAAEAAACAgIAKAAAAACgAAAAoAAAAZAAAAGQAAAAAAAAAzMzMAAAAAABQAAAAUAAAAGQAAABkAAAAAAAAABcAAAAUAAAAAAAAAAAAAAD/fwAA/38AAAAAAAAJAAAABAAAANuzBQAMAAAAEAAAAAAAAAAAAAAAAAAAAAAAAAAeAAAAaAAAAAAAAAAAAAAAAAAAAAAAAAAAAAAAECcAABAnAAAAAAAAAAAAAAAAAAAAAAAAAAAAAAAAAAAAAAAAAAAAABQAAAAAAAAAwMD/AAAAAABkAAAAMgAAAAAAAABkAAAAAAAAAH9/fwAKAAAAHwAAAFQAAAAAAAAFAAAAAQAAAAAAAAAAAAAAAAAAAAAAAAAAAAAAAAAAAAAAAAAAAAAAAn9/fwAAAAADzMzMAMDA/wB/f38AAAAAAAAAAAAAAAAAAAAAAAAAAAAhAAAAGAAAABQAAADQAgAAGycAAPAPAABZKQAAEAAAACYAAAAIAAAAAAAAAAAAAAA="/>
+                <pr:smNativeData xmlns:pr="smNativeData" val="SMDATA_13_GUMTYBMAAAAlAAAAZAAAAA8BAAAAkAAAAEgAAACQAAAASAAAAAAAAAABAAAAAAAAAAEAAABQAAAAAAAAAAAA4D8AAAAAAADgPwAAAAAAAOA/AAAAAAAA4D8AAAAAAADgPwAAAAAAAOA/AAAAAAAA4D8AAAAAAADgPwAAAAAAAOA/AAAAAAAA4D8CAAAAjAAAAAAAAAAAAAAAu+DjDP///wgAAAAAAAAAAAAAAAAAAAAAAAAAAAAAAAAAAAAAZAAAAAEAAABAAAAAAAAAAAAAAAAAAAAAAAAAAAAAAAAAAAAAAAAAAAAAAAAAAAAAAAAAAAAAAAAAAAAAAAAAAAAAAAAAAAAAAAAAAAAAAAAAAAAAAAAAAAAAAAAAAAAAFAAAADwAAAAAAAAAAAAAAAAAAAkUAAAAAQAAABQAAAAUAAAAFAAAAAEAAAAAAAAAZAAAAGQAAAAAAAAAZAAAAGQAAAAVAAAAYAAAAAAAAAAAAAAADwAAACADAAAAAAAAAAAAAAEAAACgMgAAVgcAAKr4//8BAAAAf39/AAEAAABkAAAAAAAAABQAAABAHwAAAAAAACYAAAAAAAAAwOD//wAAAAAmAAAAZAAAABYAAABMAAAAAAAAAAAAAAAEAAAAAAAAAAEAAACAgIAKAAAAACgAAAAoAAAAZAAAAGQAAAAAAAAAzMzMAAAAAABQAAAAUAAAAGQAAABkAAAAAAAAABcAAAAUAAAAAAAAAAAAAAD/fwAA/38AAAAAAAAJAAAABAAAANuzBQAMAAAAEAAAAAAAAAAAAAAAAAAAAAAAAAAeAAAAaAAAAAAAAAAAAAAAAAAAAAAAAAAAAAAAECcAABAnAAAAAAAAAAAAAAAAAAAAAAAAAAAAAAAAAAAAAAAAAAAAABQAAAAAAAAAwMD/AAAAAABkAAAAMgAAAAAAAABkAAAAAAAAAH9/fwAKAAAAHwAAAFQAAAAAAAAFAAAAAQAAAAAAAAAAAAAAAAAAAAAAAAAAAAAAAAAAAAAAAAAAAAAAAn9/fwAAAAADzMzMAMDA/wB/f38AAAAAAAAAAAAAAAAAAAAAAAAAAAAhAAAAGAAAABQAAADQAgAAGycAAPAPAABZKQAAEAAAACYAAAAIAAAAAAAAAAAAAAA="/>
               </a:ext>
             </a:extLst>
           </p:cNvSpPr>
@@ -2443,7 +2443,7 @@
           <a:lstStyle/>
           <a:p>
             <a:pPr/>
-            <a:fld id="{2FE6B782-CCC2-B341-8C5E-3A14F9107A6F}" type="datetime1">
+            <a:fld id="{3AD0756E-20D7-8583-9968-D6D63B266F83}" type="datetime1">
               <a:t/>
             </a:fld>
           </a:p>
@@ -2456,7 +2456,7 @@
             <a:spLocks noGrp="1" noChangeArrowheads="1"/>
             <a:extLst>
               <a:ext uri="smNativeData">
-                <pr:smNativeData xmlns:pr="smNativeData" val="SMDATA_13_Hs+1XxMAAAAlAAAAZAAAAA8BAAAAkAAAAEgAAACQAAAASAAAAAAAAAABAAAAAAAAAAEAAABQAAAAAAAAAAAA4D8AAAAAAADgPwAAAAAAAOA/AAAAAAAA4D8AAAAAAADgPwAAAAAAAOA/AAAAAAAA4D8AAAAAAADgPwAAAAAAAOA/AAAAAAAA4D8CAAAAjAAAAAAAAAAAAAAAu+DjDP///wgAAAAAAAAAAAAAAAAAAAAAAAAAAAAAAAAAAAAAZAAAAAEAAABAAAAAAAAAAAAAAAAAAAAAAAAAAAAAAAAAAAAAAAAAAAAAAAAAAAAAAAAAAAAAAAAAAAAAAAAAAAAAAAAAAAAAAAAAAAAAAAAAAAAAAAAAAAAAAAAAAAAAFAAAADwAAAAAAAAAAAAAAAAAAAkUAAAAAQAAABQAAAAUAAAAFAAAAAEAAAAAAAAAZAAAAGQAAAAAAAAAZAAAAGQAAAAVAAAAYAAAAAAAAAAAAAAADwAAACADAAAAAAAAAAAAAAEAAACgMgAAVgcAAKr4//8BAAAAf39/AAEAAABkAAAAAAAAABQAAABAHwAAAAAAACYAAAAAAAAAwOD//wAAAAAmAAAAZAAAABYAAABMAAAAAAAAAAAAAAAEAAAAAAAAAAEAAACAgIAKAAAAACgAAAAoAAAAZAAAAGQAAAAAAAAAzMzMAAAAAABQAAAAUAAAAGQAAABkAAAAAAAAABcAAAAUAAAAAAAAAAAAAAD/fwAA/38AAAAAAAAJAAAABAAAAAAAAAAMAAAAEAAAAAAAAAAAAAAAAAAAAAAAAAAeAAAAaAAAAAAAAAAAAAAAAAAAAAAAAAAAAAAAECcAABAnAAAAAAAAAAAAAAAAAAAAAAAAAAAAAAAAAAAAAAAAAAAAABQAAAAAAAAAwMD/AAAAAABkAAAAMgAAAAAAAABkAAAAAAAAAH9/fwAKAAAAHwAAAFQAAAAAAAAFAAAAAQAAAAAAAAAAAAAAAAAAAAAAAAAAAAAAAAAAAAAAAAAAAAAAAn9/fwAAAAADzMzMAMDA/wB/f38AAAAAAAAAAAAAAAAAAAAAAAAAAAAhAAAAGAAAABQAAAA4EwAAGycAAAglAABZKQAAEAAAACYAAAAIAAAAAAAAAAAAAAA="/>
+                <pr:smNativeData xmlns:pr="smNativeData" val="SMDATA_13_GUMTYBMAAAAlAAAAZAAAAA8BAAAAkAAAAEgAAACQAAAASAAAAAAAAAABAAAAAAAAAAEAAABQAAAAAAAAAAAA4D8AAAAAAADgPwAAAAAAAOA/AAAAAAAA4D8AAAAAAADgPwAAAAAAAOA/AAAAAAAA4D8AAAAAAADgPwAAAAAAAOA/AAAAAAAA4D8CAAAAjAAAAAAAAAAAAAAAu+DjDP///wgAAAAAAAAAAAAAAAAAAAAAAAAAAAAAAAAAAAAAZAAAAAEAAABAAAAAAAAAAAAAAAAAAAAAAAAAAAAAAAAAAAAAAAAAAAAAAAAAAAAAAAAAAAAAAAAAAAAAAAAAAAAAAAAAAAAAAAAAAAAAAAAAAAAAAAAAAAAAAAAAAAAAFAAAADwAAAAAAAAAAAAAAAAAAAkUAAAAAQAAABQAAAAUAAAAFAAAAAEAAAAAAAAAZAAAAGQAAAAAAAAAZAAAAGQAAAAVAAAAYAAAAAAAAAAAAAAADwAAACADAAAAAAAAAAAAAAEAAACgMgAAVgcAAKr4//8BAAAAf39/AAEAAABkAAAAAAAAABQAAABAHwAAAAAAACYAAAAAAAAAwOD//wAAAAAmAAAAZAAAABYAAABMAAAAAAAAAAAAAAAEAAAAAAAAAAEAAACAgIAKAAAAACgAAAAoAAAAZAAAAGQAAAAAAAAAzMzMAAAAAABQAAAAUAAAAGQAAABkAAAAAAAAABcAAAAUAAAAAAAAAAAAAAD/fwAA/38AAAAAAAAJAAAABAAAAAAAAAAMAAAAEAAAAAAAAAAAAAAAAAAAAAAAAAAeAAAAaAAAAAAAAAAAAAAAAAAAAAAAAAAAAAAAECcAABAnAAAAAAAAAAAAAAAAAAAAAAAAAAAAAAAAAAAAAAAAAAAAABQAAAAAAAAAwMD/AAAAAABkAAAAMgAAAAAAAABkAAAAAAAAAH9/fwAKAAAAHwAAAFQAAAAAAAAFAAAAAQAAAAAAAAAAAAAAAAAAAAAAAAAAAAAAAAAAAAAAAAAAAAAAAn9/fwAAAAADzMzMAMDA/wB/f38AAAAAAAAAAAAAAAAAAAAAAAAAAAAhAAAAGAAAABQAAAA4EwAAGycAAAglAABZKQAAEAAAACYAAAAIAAAAAAAAAAAAAAA="/>
               </a:ext>
             </a:extLst>
           </p:cNvSpPr>
@@ -2480,7 +2480,7 @@
             <a:spLocks noGrp="1" noChangeArrowheads="1"/>
             <a:extLst>
               <a:ext uri="smNativeData">
-                <pr:smNativeData xmlns:pr="smNativeData" val="SMDATA_13_Hs+1XxMAAAAlAAAAZAAAAA8BAAAAkAAAAEgAAACQAAAASAAAAAAAAAABAAAAAAAAAAEAAABQAAAAAAAAAAAA4D8AAAAAAADgPwAAAAAAAOA/AAAAAAAA4D8AAAAAAADgPwAAAAAAAOA/AAAAAAAA4D8AAAAAAADgPwAAAAAAAOA/AAAAAAAA4D8CAAAAjAAAAAAAAAAAAAAAu+DjDP///wgAAAAAAAAAAAAAAAAAAAAAAAAAAAAAAAAAAAAAZAAAAAEAAABAAAAAAAAAAAAAAAAAAAAAAAAAAAAAAAAAAAAAAAAAAAAAAAAAAAAAAAAAAAAAAAAAAAAAAAAAAAAAAAAAAAAAAAAAAAAAAAAAAAAAAAAAAAAAAAAAAAAAFAAAADwAAAAAAAAAAAAAAAAAAAkUAAAAAQAAABQAAAAUAAAAFAAAAAEAAAAAAAAAZAAAAGQAAAAAAAAAZAAAAGQAAAAVAAAAYAAAAAAAAAAAAAAADwAAACADAAAAAAAAAAAAAAEAAACgMgAAVgcAAKr4//8BAAAAf39/AAEAAABkAAAAAAAAABQAAABAHwAAAAAAACYAAAAAAAAAwOD//wAAAAAmAAAAZAAAABYAAABMAAAAAAAAAAAAAAAEAAAAAAAAAAEAAACAgIAKAAAAACgAAAAoAAAAZAAAAGQAAAAAAAAAzMzMAAAAAABQAAAAUAAAAGQAAABkAAAAAAAAABcAAAAUAAAAAAAAAAAAAAD/fwAA/38AAAAAAAAJAAAABAAAAFFFn4oMAAAAEAAAAAAAAAAAAAAAAAAAAAAAAAAeAAAAaAAAAAAAAAAAAAAAAAAAAAAAAAAAAAAAECcAABAnAAAAAAAAAAAAAAAAAAAAAAAAAAAAAAAAAAAAAAAAAAAAABQAAAAAAAAAwMD/AAAAAABkAAAAMgAAAAAAAABkAAAAAAAAAH9/fwAKAAAAHwAAAFQAAAAAAAAFAAAAAQAAAAAAAAAAAAAAAAAAAAAAAAAAAAAAAAAAAAAAAAAAAAAAAn9/fwAAAAADzMzMAMDA/wB/f38AAAAAAAAAAAAAAAAAAAAAAAAAAAAhAAAAGAAAABQAAABQKAAAGycAAHA1AABZKQAAEAAAACYAAAAIAAAAAAAAAAAAAAA="/>
+                <pr:smNativeData xmlns:pr="smNativeData" val="SMDATA_13_GUMTYBMAAAAlAAAAZAAAAA8BAAAAkAAAAEgAAACQAAAASAAAAAAAAAABAAAAAAAAAAEAAABQAAAAAAAAAAAA4D8AAAAAAADgPwAAAAAAAOA/AAAAAAAA4D8AAAAAAADgPwAAAAAAAOA/AAAAAAAA4D8AAAAAAADgPwAAAAAAAOA/AAAAAAAA4D8CAAAAjAAAAAAAAAAAAAAAu+DjDP///wgAAAAAAAAAAAAAAAAAAAAAAAAAAAAAAAAAAAAAZAAAAAEAAABAAAAAAAAAAAAAAAAAAAAAAAAAAAAAAAAAAAAAAAAAAAAAAAAAAAAAAAAAAAAAAAAAAAAAAAAAAAAAAAAAAAAAAAAAAAAAAAAAAAAAAAAAAAAAAAAAAAAAFAAAADwAAAAAAAAAAAAAAAAAAAkUAAAAAQAAABQAAAAUAAAAFAAAAAEAAAAAAAAAZAAAAGQAAAAAAAAAZAAAAGQAAAAVAAAAYAAAAAAAAAAAAAAADwAAACADAAAAAAAAAAAAAAEAAACgMgAAVgcAAKr4//8BAAAAf39/AAEAAABkAAAAAAAAABQAAABAHwAAAAAAACYAAAAAAAAAwOD//wAAAAAmAAAAZAAAABYAAABMAAAAAAAAAAAAAAAEAAAAAAAAAAEAAACAgIAKAAAAACgAAAAoAAAAZAAAAGQAAAAAAAAAzMzMAAAAAABQAAAAUAAAAGQAAABkAAAAAAAAABcAAAAUAAAAAAAAAAAAAAD/fwAA/38AAAAAAAAJAAAABAAAAFFFn4oMAAAAEAAAAAAAAAAAAAAAAAAAAAAAAAAeAAAAaAAAAAAAAAAAAAAAAAAAAAAAAAAAAAAAECcAABAnAAAAAAAAAAAAAAAAAAAAAAAAAAAAAAAAAAAAAAAAAAAAABQAAAAAAAAAwMD/AAAAAABkAAAAMgAAAAAAAABkAAAAAAAAAH9/fwAKAAAAHwAAAFQAAAAAAAAFAAAAAQAAAAAAAAAAAAAAAAAAAAAAAAAAAAAAAAAAAAAAAAAAAAAAAn9/fwAAAAADzMzMAMDA/wB/f38AAAAAAAAAAAAAAAAAAAAAAAAAAAAhAAAAGAAAABQAAABQKAAAGycAAHA1AABZKQAAEAAAACYAAAAIAAAAAAAAAAAAAAA="/>
               </a:ext>
             </a:extLst>
           </p:cNvSpPr>
@@ -2494,7 +2494,7 @@
           <a:lstStyle/>
           <a:p>
             <a:pPr/>
-            <a:fld id="{2FE696C8-86C2-B360-8C5E-7035D8107A25}" type="slidenum">
+            <a:fld id="{3AD005EC-A2D7-85F3-9968-54A64B266F01}" type="slidenum">
               <a:t/>
             </a:fld>
           </a:p>
@@ -2532,7 +2532,7 @@
             <a:spLocks noGrp="1" noChangeArrowheads="1"/>
             <a:extLst>
               <a:ext uri="smNativeData">
-                <pr:smNativeData xmlns:pr="smNativeData" val="SMDATA_13_Hs+1XxMAAAAlAAAAZAAAAA8BAAAAkAAAAEgAAACQAAAASAAAAAAAAAACAAAAAAAAAAEAAABQAAAAAAAAAAAA4D8AAAAAAADgPwAAAAAAAOA/AAAAAAAA4D8AAAAAAADgPwAAAAAAAOA/AAAAAAAA4D8AAAAAAADgPwAAAAAAAOA/AAAAAAAA4D8CAAAAjAAAAAAAAAAAAAAAu+DjDP///wgAAAAAAAAAAAAAAAAAAAAAAAAAAAAAAAAAAAAAZAAAAAEAAABAAAAAAAAAAAAAAAAAAAAAAAAAAAAAAAAAAAAAAAAAAAAAAAAAAAAAAAAAAAAAAAAAAAAAAAAAAAAAAAAAAAAAAAAAAAAAAAAAAAAAAAAAAAAAAAAAAAAAFAAAADwAAAAAAAAAAAAAAAAAAAkUAAAAAQAAABQAAAAUAAAAFAAAAAEAAAAAAAAAZAAAAGQAAAAAAAAAZAAAAGQAAAAVAAAAYAAAAAAAAAAAAAAADwAAACADAAAAAAAAAAAAAAEAAACgMgAAVgcAAKr4//8BAAAAf39/AAEAAABkAAAAAAAAABQAAABAHwAAAAAAACYAAAAAAAAAwOD//wAAAAAmAAAAZAAAABYAAABMAAAAAAAAAAAAAAAEAAAAAAAAAAEAAACAgIAKAAAAACgAAAAoAAAAZAAAAGQAAAAAAAAAzMzMAAAAAABQAAAAUAAAAGQAAABkAAAAAAAAABcAAAAUAAAAAAAAAAAAAAD/fwAA/38AAAAAAAAJAAAABAAAAAQAYEMMAAAAEAAAAAAAAAAAAAAAAAAAAAAAAAAeAAAAaAAAAAAAAAAAAAAAAAAAAAAAAAAAAAAAECcAABAnAAAAAAAAAAAAAAAAAAAAAAAAAAAAAAAAAAAAAAAAAAAAABQAAAAAAAAAwMD/AAAAAABkAAAAMgAAAAAAAABkAAAAAAAAAH9/fwAKAAAAHwAAAFQAAAAAAAAFAAAAAQAAAAAAAAAAAAAAAAAAAAAAAAAAAAAAAAAAAAAAAAAAAAAAAn9/fwAAAAADzMzMAMDA/wB/f38AAAAAAAAAAAAAAAAAAAAAAAAAAAAhAAAAGAAAABQAAAAGCwAAiB0AAMYsAAAEIQAAEAAAACYAAAAIAAAAgYAAAAAAAAA="/>
+                <pr:smNativeData xmlns:pr="smNativeData" val="SMDATA_13_GUMTYBMAAAAlAAAAZAAAAA8BAAAAkAAAAEgAAACQAAAASAAAAAAAAAACAAAAAAAAAAEAAABQAAAAAAAAAAAA4D8AAAAAAADgPwAAAAAAAOA/AAAAAAAA4D8AAAAAAADgPwAAAAAAAOA/AAAAAAAA4D8AAAAAAADgPwAAAAAAAOA/AAAAAAAA4D8CAAAAjAAAAAAAAAAAAAAAu+DjDP///wgAAAAAAAAAAAAAAAAAAAAAAAAAAAAAAAAAAAAAZAAAAAEAAABAAAAAAAAAAAAAAAAAAAAAAAAAAAAAAAAAAAAAAAAAAAAAAAAAAAAAAAAAAAAAAAAAAAAAAAAAAAAAAAAAAAAAAAAAAAAAAAAAAAAAAAAAAAAAAAAAAAAAFAAAADwAAAAAAAAAAAAAAAAAAAkUAAAAAQAAABQAAAAUAAAAFAAAAAEAAAAAAAAAZAAAAGQAAAAAAAAAZAAAAGQAAAAVAAAAYAAAAAAAAAAAAAAADwAAACADAAAAAAAAAAAAAAEAAACgMgAAVgcAAKr4//8BAAAAf39/AAEAAABkAAAAAAAAABQAAABAHwAAAAAAACYAAAAAAAAAwOD//wAAAAAmAAAAZAAAABYAAABMAAAAAAAAAAAAAAAEAAAAAAAAAAEAAACAgIAKAAAAACgAAAAoAAAAZAAAAGQAAAAAAAAAzMzMAAAAAABQAAAAUAAAAGQAAABkAAAAAAAAABcAAAAUAAAAAAAAAAAAAAD/fwAA/38AAAAAAAAJAAAABAAAAAQAYEMMAAAAEAAAAAAAAAAAAAAAAAAAAAAAAAAeAAAAaAAAAAAAAAAAAAAAAAAAAAAAAAAAAAAAECcAABAnAAAAAAAAAAAAAAAAAAAAAAAAAAAAAAAAAAAAAAAAAAAAABQAAAAAAAAAwMD/AAAAAABkAAAAMgAAAAAAAABkAAAAAAAAAH9/fwAKAAAAHwAAAFQAAAAAAAAFAAAAAQAAAAAAAAAAAAAAAAAAAAAAAAAAAAAAAAAAAAAAAAAAAAAAAn9/fwAAAAADzMzMAMDA/wB/f38AAAAAAAAAAAAAAAAAAAAAAAAAAAAhAAAAGAAAABQAAAAGCwAAiB0AAMYsAAAEIQAAEAAAACYAAAAIAAAAgYAAAAAAAAA="/>
               </a:ext>
             </a:extLst>
           </p:cNvSpPr>
@@ -2572,7 +2572,7 @@
             <a:spLocks noGrp="1" noChangeArrowheads="1"/>
             <a:extLst>
               <a:ext uri="smNativeData">
-                <pr:smNativeData xmlns:pr="smNativeData" val="SMDATA_13_Hs+1XxMAAAAlAAAAZAAAAA8BAAAAkAAAAEgAAACQAAAASAAAAAAAAAAAAAAAAAAAAAEAAABQAAAAAAAAAAAA4D8AAAAAAADgPwAAAAAAAOA/AAAAAAAA4D8AAAAAAADgPwAAAAAAAOA/AAAAAAAA4D8AAAAAAADgPwAAAAAAAOA/AAAAAAAA4D8CAAAAjAAAAAAAAAAAAAAAu+DjDP///wgAAAAAAAAAAAAAAAAAAAAAAAAAAAAAAAAAAAAAZAAAAAEAAABAAAAAAAAAAAAAAAAAAAAAAAAAAAAAAAAAAAAAAAAAAAAAAAAAAAAAAAAAAAAAAAAAAAAAAAAAAAAAAAAAAAAAAAAAAAAAAAAAAAAAAAAAAAAAAAAAAAAAFAAAADwAAAAAAAAAAAAAAAAAAAkUAAAAAQAAABQAAAAUAAAAFAAAAAEAAAAAAAAAZAAAAGQAAAAAAAAAZAAAAGQAAAAVAAAAYAAAAAAAAAAAAAAADwAAACADAAAAAAAAAAAAAAEAAACgMgAAVgcAAKr4//8BAAAAf39/AAEAAABkAAAAAAAAABQAAABAHwAAAAAAACYAAAAAAAAAwOD//wAAAAAmAAAAZAAAABYAAABMAAAAAAAAAAAAAAAEAAAAAAAAAAEAAACAgIAKAAAAACgAAAAoAAAAZAAAAGQAAAAAAAAAzMzMAAAAAABQAAAAUAAAAGQAAABkAAAAAAAAABcAAAAUAAAAAAAAAAAAAAD/fwAA/38AAAAAAAAJAAAABAAAAAUAmkwMAAAAEAAAAAAAAAAAAAAAAAAAAAAAAAAeAAAAaAAAAAAAAAAAAAAAAAAAAAAAAAAAAAAAECcAABAnAAAAAAAAAAAAAAAAAAAAAAAAAAAAAAAAAAAAAAAAAAAAABQAAAAAAAAAwMD/AAAAAABkAAAAMgAAAAAAAABkAAAAAAAAAH9/fwAKAAAAHwAAAFQAAAAAAAAFAAAAAQAAAAAAAAAAAAAAAAAAAAAAAAAAAAAAAAAAAAAAAAAAAAAAAn9/fwAAAAADzMzMAMDA/wB/f38AAAAAAAAAAAAAAAAAAAAAAAAAAAAhAAAAGAAAABQAAAAGCwAAxgMAAMYsAAAWHQAAEAAAACYAAAAIAAAAAYAAAAAAAAA="/>
+                <pr:smNativeData xmlns:pr="smNativeData" val="SMDATA_13_GUMTYBMAAAAlAAAAZAAAAA8BAAAAkAAAAEgAAACQAAAASAAAAAAAAAAAAAAAAAAAAAEAAABQAAAAAAAAAAAA4D8AAAAAAADgPwAAAAAAAOA/AAAAAAAA4D8AAAAAAADgPwAAAAAAAOA/AAAAAAAA4D8AAAAAAADgPwAAAAAAAOA/AAAAAAAA4D8CAAAAjAAAAAAAAAAAAAAAu+DjDP///wgAAAAAAAAAAAAAAAAAAAAAAAAAAAAAAAAAAAAAZAAAAAEAAABAAAAAAAAAAAAAAAAAAAAAAAAAAAAAAAAAAAAAAAAAAAAAAAAAAAAAAAAAAAAAAAAAAAAAAAAAAAAAAAAAAAAAAAAAAAAAAAAAAAAAAAAAAAAAAAAAAAAAFAAAADwAAAAAAAAAAAAAAAAAAAkUAAAAAQAAABQAAAAUAAAAFAAAAAEAAAAAAAAAZAAAAGQAAAAAAAAAZAAAAGQAAAAVAAAAYAAAAAAAAAAAAAAADwAAACADAAAAAAAAAAAAAAEAAACgMgAAVgcAAKr4//8BAAAAf39/AAEAAABkAAAAAAAAABQAAABAHwAAAAAAACYAAAAAAAAAwOD//wAAAAAmAAAAZAAAABYAAABMAAAAAAAAAAAAAAAEAAAAAAAAAAEAAACAgIAKAAAAACgAAAAoAAAAZAAAAGQAAAAAAAAAzMzMAAAAAABQAAAAUAAAAGQAAABkAAAAAAAAABcAAAAUAAAAAAAAAAAAAAD/fwAA/38AAAAAAAAJAAAABAAAAAUAmkwMAAAAEAAAAAAAAAAAAAAAAAAAAAAAAAAeAAAAaAAAAAAAAAAAAAAAAAAAAAAAAAAAAAAAECcAABAnAAAAAAAAAAAAAAAAAAAAAAAAAAAAAAAAAAAAAAAAAAAAABQAAAAAAAAAwMD/AAAAAABkAAAAMgAAAAAAAABkAAAAAAAAAH9/fwAKAAAAHwAAAFQAAAAAAAAFAAAAAQAAAAAAAAAAAAAAAAAAAAAAAAAAAAAAAAAAAAAAAAAAAAAAAn9/fwAAAAADzMzMAMDA/wB/f38AAAAAAAAAAAAAAAAAAAAAAAAAAAAhAAAAGAAAABQAAAAGCwAAxgMAAMYsAAAWHQAAEAAAACYAAAAIAAAAAYAAAAAAAAA="/>
               </a:ext>
             </a:extLst>
           </p:cNvSpPr>
@@ -2665,7 +2665,7 @@
             <a:spLocks noGrp="1" noChangeArrowheads="1"/>
             <a:extLst>
               <a:ext uri="smNativeData">
-                <pr:smNativeData xmlns:pr="smNativeData" val="SMDATA_13_Hs+1XxMAAAAlAAAAZAAAAA8BAAAAkAAAAEgAAACQAAAASAAAAAAAAAAAAAAAAAAAAAEAAABQAAAAAAAAAAAA4D8AAAAAAADgPwAAAAAAAOA/AAAAAAAA4D8AAAAAAADgPwAAAAAAAOA/AAAAAAAA4D8AAAAAAADgPwAAAAAAAOA/AAAAAAAA4D8CAAAAjAAAAAAAAAAAAAAAu+DjDP///wgAAAAAAAAAAAAAAAAAAAAAAAAAAAAAAAAAAAAAZAAAAAEAAABAAAAAAAAAAAAAAAAAAAAAAAAAAAAAAAAAAAAAAAAAAAAAAAAAAAAAAAAAAAAAAAAAAAAAAAAAAAAAAAAAAAAAAAAAAAAAAAAAAAAAAAAAAAAAAAAAAAAAFAAAADwAAAAAAAAAAAAAAAAAAAkUAAAAAQAAABQAAAAUAAAAFAAAAAEAAAAAAAAAZAAAAGQAAAAAAAAAZAAAAGQAAAAVAAAAYAAAAAAAAAAAAAAADwAAACADAAAAAAAAAAAAAAEAAACgMgAAVgcAAKr4//8BAAAAf39/AAEAAABkAAAAAAAAABQAAABAHwAAAAAAACYAAAAAAAAAwOD//wAAAAAmAAAAZAAAABYAAABMAAAAAAAAAAAAAAAEAAAAAAAAAAEAAACAgIAKAAAAACgAAAAoAAAAZAAAAGQAAAAAAAAAzMzMAAAAAABQAAAAUAAAAGQAAABkAAAAAAAAABcAAAAUAAAAAAAAAAAAAAD/fwAA/38AAAAAAAAJAAAABAAAAAAAAAAMAAAAEAAAAAAAAAAAAAAAAAAAAAAAAAAeAAAAaAAAAAAAAAAAAAAAAAAAAAAAAAAAAAAAECcAABAnAAAAAAAAAAAAAAAAAAAAAAAAAAAAAAAAAAAAAAAAAAAAABQAAAAAAAAAwMD/AAAAAABkAAAAMgAAAAAAAABkAAAAAAAAAH9/fwAKAAAAHwAAAFQAAAAAAAAFAAAAAQAAAAAAAAAAAAAAAAAAAAAAAAAAAAAAAAAAAAAAAAAAAAAAAn9/fwAAAAADzMzMAMDA/wB/f38AAAAAAAAAAAAAAAAAAAAAAAAAAAAhAAAAGAAAABQAAAAGCwAABCEAAMYsAAD4JQAAEAAAACYAAAAIAAAAAYAAAAAAAAA="/>
+                <pr:smNativeData xmlns:pr="smNativeData" val="SMDATA_13_GUMTYBMAAAAlAAAAZAAAAA8BAAAAkAAAAEgAAACQAAAASAAAAAAAAAAAAAAAAAAAAAEAAABQAAAAAAAAAAAA4D8AAAAAAADgPwAAAAAAAOA/AAAAAAAA4D8AAAAAAADgPwAAAAAAAOA/AAAAAAAA4D8AAAAAAADgPwAAAAAAAOA/AAAAAAAA4D8CAAAAjAAAAAAAAAAAAAAAu+DjDP///wgAAAAAAAAAAAAAAAAAAAAAAAAAAAAAAAAAAAAAZAAAAAEAAABAAAAAAAAAAAAAAAAAAAAAAAAAAAAAAAAAAAAAAAAAAAAAAAAAAAAAAAAAAAAAAAAAAAAAAAAAAAAAAAAAAAAAAAAAAAAAAAAAAAAAAAAAAAAAAAAAAAAAFAAAADwAAAAAAAAAAAAAAAAAAAkUAAAAAQAAABQAAAAUAAAAFAAAAAEAAAAAAAAAZAAAAGQAAAAAAAAAZAAAAGQAAAAVAAAAYAAAAAAAAAAAAAAADwAAACADAAAAAAAAAAAAAAEAAACgMgAAVgcAAKr4//8BAAAAf39/AAEAAABkAAAAAAAAABQAAABAHwAAAAAAACYAAAAAAAAAwOD//wAAAAAmAAAAZAAAABYAAABMAAAAAAAAAAAAAAAEAAAAAAAAAAEAAACAgIAKAAAAACgAAAAoAAAAZAAAAGQAAAAAAAAAzMzMAAAAAABQAAAAUAAAAGQAAABkAAAAAAAAABcAAAAUAAAAAAAAAAAAAAD/fwAA/38AAAAAAAAJAAAABAAAAAAAAAAMAAAAEAAAAAAAAAAAAAAAAAAAAAAAAAAeAAAAaAAAAAAAAAAAAAAAAAAAAAAAAAAAAAAAECcAABAnAAAAAAAAAAAAAAAAAAAAAAAAAAAAAAAAAAAAAAAAAAAAABQAAAAAAAAAwMD/AAAAAABkAAAAMgAAAAAAAABkAAAAAAAAAH9/fwAKAAAAHwAAAFQAAAAAAAAFAAAAAQAAAAAAAAAAAAAAAAAAAAAAAAAAAAAAAAAAAAAAAAAAAAAAAn9/fwAAAAADzMzMAMDA/wB/f38AAAAAAAAAAAAAAAAAAAAAAAAAAAAhAAAAGAAAABQAAAAGCwAABCEAAMYsAAD4JQAAEAAAACYAAAAIAAAAAYAAAAAAAAA="/>
               </a:ext>
             </a:extLst>
           </p:cNvSpPr>
@@ -2734,7 +2734,7 @@
             <a:spLocks noGrp="1" noChangeArrowheads="1"/>
             <a:extLst>
               <a:ext uri="smNativeData">
-                <pr:smNativeData xmlns:pr="smNativeData" val="SMDATA_13_Hs+1XxMAAAAlAAAAZAAAAA8BAAAAkAAAAEgAAACQAAAASAAAAAAAAAABAAAAAAAAAAEAAABQAAAAAAAAAAAA4D8AAAAAAADgPwAAAAAAAOA/AAAAAAAA4D8AAAAAAADgPwAAAAAAAOA/AAAAAAAA4D8AAAAAAADgPwAAAAAAAOA/AAAAAAAA4D8CAAAAjAAAAAAAAAAAAAAAu+DjDP///wgAAAAAAAAAAAAAAAAAAAAAAAAAAAAAAAAAAAAAZAAAAAEAAABAAAAAAAAAAAAAAAAAAAAAAAAAAAAAAAAAAAAAAAAAAAAAAAAAAAAAAAAAAAAAAAAAAAAAAAAAAAAAAAAAAAAAAAAAAAAAAAAAAAAAAAAAAAAAAAAAAAAAFAAAADwAAAAAAAAAAAAAAAAAAAkUAAAAAQAAABQAAAAUAAAAFAAAAAEAAAAAAAAAZAAAAGQAAAAAAAAAZAAAAGQAAAAVAAAAYAAAAAAAAAAAAAAADwAAACADAAAAAAAAAAAAAAEAAACgMgAAVgcAAKr4//8BAAAAf39/AAEAAABkAAAAAAAAABQAAABAHwAAAAAAACYAAAAAAAAAwOD//wAAAAAmAAAAZAAAABYAAABMAAAAAAAAAAAAAAAEAAAAAAAAAAEAAACAgIAKAAAAACgAAAAoAAAAZAAAAGQAAAAAAAAAzMzMAAAAAABQAAAAUAAAAGQAAABkAAAAAAAAABcAAAAUAAAAAAAAAAAAAAD/fwAA/38AAAAAAAAJAAAABAAAAAQA0UcMAAAAEAAAAAAAAAAAAAAAAAAAAAAAAAAeAAAAaAAAAAAAAAAAAAAAAAAAAAAAAAAAAAAAECcAABAnAAAAAAAAAAAAAAAAAAAAAAAAAAAAAAAAAAAAAAAAAAAAABQAAAAAAAAAwMD/AAAAAABkAAAAMgAAAAAAAABkAAAAAAAAAH9/fwAKAAAAHwAAAFQAAAAAAAAFAAAAAQAAAAAAAAAAAAAAAAAAAAAAAAAAAAAAAAAAAAAAAAAAAAAAAn9/fwAAAAADzMzMAMDA/wB/f38AAAAAAAAAAAAAAAAAAAAAAAAAAAAhAAAAGAAAABQAAADQAgAAGycAAPAPAABZKQAAEAAAACYAAAAIAAAAAAAAAAAAAAA="/>
+                <pr:smNativeData xmlns:pr="smNativeData" val="SMDATA_13_GUMTYBMAAAAlAAAAZAAAAA8BAAAAkAAAAEgAAACQAAAASAAAAAAAAAABAAAAAAAAAAEAAABQAAAAAAAAAAAA4D8AAAAAAADgPwAAAAAAAOA/AAAAAAAA4D8AAAAAAADgPwAAAAAAAOA/AAAAAAAA4D8AAAAAAADgPwAAAAAAAOA/AAAAAAAA4D8CAAAAjAAAAAAAAAAAAAAAu+DjDP///wgAAAAAAAAAAAAAAAAAAAAAAAAAAAAAAAAAAAAAZAAAAAEAAABAAAAAAAAAAAAAAAAAAAAAAAAAAAAAAAAAAAAAAAAAAAAAAAAAAAAAAAAAAAAAAAAAAAAAAAAAAAAAAAAAAAAAAAAAAAAAAAAAAAAAAAAAAAAAAAAAAAAAFAAAADwAAAAAAAAAAAAAAAAAAAkUAAAAAQAAABQAAAAUAAAAFAAAAAEAAAAAAAAAZAAAAGQAAAAAAAAAZAAAAGQAAAAVAAAAYAAAAAAAAAAAAAAADwAAACADAAAAAAAAAAAAAAEAAACgMgAAVgcAAKr4//8BAAAAf39/AAEAAABkAAAAAAAAABQAAABAHwAAAAAAACYAAAAAAAAAwOD//wAAAAAmAAAAZAAAABYAAABMAAAAAAAAAAAAAAAEAAAAAAAAAAEAAACAgIAKAAAAACgAAAAoAAAAZAAAAGQAAAAAAAAAzMzMAAAAAABQAAAAUAAAAGQAAABkAAAAAAAAABcAAAAUAAAAAAAAAAAAAAD/fwAA/38AAAAAAAAJAAAABAAAAAQA0UcMAAAAEAAAAAAAAAAAAAAAAAAAAAAAAAAeAAAAaAAAAAAAAAAAAAAAAAAAAAAAAAAAAAAAECcAABAnAAAAAAAAAAAAAAAAAAAAAAAAAAAAAAAAAAAAAAAAAAAAABQAAAAAAAAAwMD/AAAAAABkAAAAMgAAAAAAAABkAAAAAAAAAH9/fwAKAAAAHwAAAFQAAAAAAAAFAAAAAQAAAAAAAAAAAAAAAAAAAAAAAAAAAAAAAAAAAAAAAAAAAAAAAn9/fwAAAAADzMzMAMDA/wB/f38AAAAAAAAAAAAAAAAAAAAAAAAAAAAhAAAAGAAAABQAAADQAgAAGycAAPAPAABZKQAAEAAAACYAAAAIAAAAAAAAAAAAAAA="/>
               </a:ext>
             </a:extLst>
           </p:cNvSpPr>
@@ -2748,7 +2748,7 @@
           <a:lstStyle/>
           <a:p>
             <a:pPr/>
-            <a:fld id="{2FE6CBD3-9DC2-B33D-8C5E-6B6885107A3E}" type="datetime1">
+            <a:fld id="{3AD01D91-DFD7-85EB-9968-29BE53266F7C}" type="datetime1">
               <a:t/>
             </a:fld>
           </a:p>
@@ -2761,7 +2761,7 @@
             <a:spLocks noGrp="1" noChangeArrowheads="1"/>
             <a:extLst>
               <a:ext uri="smNativeData">
-                <pr:smNativeData xmlns:pr="smNativeData" val="SMDATA_13_Hs+1XxMAAAAlAAAAZAAAAA8BAAAAkAAAAEgAAACQAAAASAAAAAAAAAABAAAAAAAAAAEAAABQAAAAAAAAAAAA4D8AAAAAAADgPwAAAAAAAOA/AAAAAAAA4D8AAAAAAADgPwAAAAAAAOA/AAAAAAAA4D8AAAAAAADgPwAAAAAAAOA/AAAAAAAA4D8CAAAAjAAAAAAAAAAAAAAAu+DjDP///wgAAAAAAAAAAAAAAAAAAAAAAAAAAAAAAAAAAAAAZAAAAAEAAABAAAAAAAAAAAAAAAAAAAAAAAAAAAAAAAAAAAAAAAAAAAAAAAAAAAAAAAAAAAAAAAAAAAAAAAAAAAAAAAAAAAAAAAAAAAAAAAAAAAAAAAAAAAAAAAAAAAAAFAAAADwAAAAAAAAAAAAAAAAAAAkUAAAAAQAAABQAAAAUAAAAFAAAAAEAAAAAAAAAZAAAAGQAAAAAAAAAZAAAAGQAAAAVAAAAYAAAAAAAAAAAAAAADwAAACADAAAAAAAAAAAAAAEAAACgMgAAVgcAAKr4//8BAAAAf39/AAEAAABkAAAAAAAAABQAAABAHwAAAAAAACYAAAAAAAAAwOD//wAAAAAmAAAAZAAAABYAAABMAAAAAAAAAAAAAAAEAAAAAAAAAAEAAACAgIAKAAAAACgAAAAoAAAAZAAAAGQAAAAAAAAAzMzMAAAAAABQAAAAUAAAAGQAAABkAAAAAAAAABcAAAAUAAAAAAAAAAAAAAD/fwAA/38AAAAAAAAJAAAABAAAADoLBQAMAAAAEAAAAAAAAAAAAAAAAAAAAAAAAAAeAAAAaAAAAAAAAAAAAAAAAAAAAAAAAAAAAAAAECcAABAnAAAAAAAAAAAAAAAAAAAAAAAAAAAAAAAAAAAAAAAAAAAAABQAAAAAAAAAwMD/AAAAAABkAAAAMgAAAAAAAABkAAAAAAAAAH9/fwAKAAAAHwAAAFQAAAAAAAAFAAAAAQAAAAAAAAAAAAAAAAAAAAAAAAAAAAAAAAAAAAAAAAAAAAAAAn9/fwAAAAADzMzMAMDA/wB/f38AAAAAAAAAAAAAAAAAAAAAAAAAAAAhAAAAGAAAABQAAAA4EwAAGycAAAglAABZKQAAEAAAACYAAAAIAAAAAAAAAAAAAAA="/>
+                <pr:smNativeData xmlns:pr="smNativeData" val="SMDATA_13_GUMTYBMAAAAlAAAAZAAAAA8BAAAAkAAAAEgAAACQAAAASAAAAAAAAAABAAAAAAAAAAEAAABQAAAAAAAAAAAA4D8AAAAAAADgPwAAAAAAAOA/AAAAAAAA4D8AAAAAAADgPwAAAAAAAOA/AAAAAAAA4D8AAAAAAADgPwAAAAAAAOA/AAAAAAAA4D8CAAAAjAAAAAAAAAAAAAAAu+DjDP///wgAAAAAAAAAAAAAAAAAAAAAAAAAAAAAAAAAAAAAZAAAAAEAAABAAAAAAAAAAAAAAAAAAAAAAAAAAAAAAAAAAAAAAAAAAAAAAAAAAAAAAAAAAAAAAAAAAAAAAAAAAAAAAAAAAAAAAAAAAAAAAAAAAAAAAAAAAAAAAAAAAAAAFAAAADwAAAAAAAAAAAAAAAAAAAkUAAAAAQAAABQAAAAUAAAAFAAAAAEAAAAAAAAAZAAAAGQAAAAAAAAAZAAAAGQAAAAVAAAAYAAAAAAAAAAAAAAADwAAACADAAAAAAAAAAAAAAEAAACgMgAAVgcAAKr4//8BAAAAf39/AAEAAABkAAAAAAAAABQAAABAHwAAAAAAACYAAAAAAAAAwOD//wAAAAAmAAAAZAAAABYAAABMAAAAAAAAAAAAAAAEAAAAAAAAAAEAAACAgIAKAAAAACgAAAAoAAAAZAAAAGQAAAAAAAAAzMzMAAAAAABQAAAAUAAAAGQAAABkAAAAAAAAABcAAAAUAAAAAAAAAAAAAAD/fwAA/38AAAAAAAAJAAAABAAAADoLBQAMAAAAEAAAAAAAAAAAAAAAAAAAAAAAAAAeAAAAaAAAAAAAAAAAAAAAAAAAAAAAAAAAAAAAECcAABAnAAAAAAAAAAAAAAAAAAAAAAAAAAAAAAAAAAAAAAAAAAAAABQAAAAAAAAAwMD/AAAAAABkAAAAMgAAAAAAAABkAAAAAAAAAH9/fwAKAAAAHwAAAFQAAAAAAAAFAAAAAQAAAAAAAAAAAAAAAAAAAAAAAAAAAAAAAAAAAAAAAAAAAAAAAn9/fwAAAAADzMzMAMDA/wB/f38AAAAAAAAAAAAAAAAAAAAAAAAAAAAhAAAAGAAAABQAAAA4EwAAGycAAAglAABZKQAAEAAAACYAAAAIAAAAAAAAAAAAAAA="/>
               </a:ext>
             </a:extLst>
           </p:cNvSpPr>
@@ -2785,7 +2785,7 @@
             <a:spLocks noGrp="1" noChangeArrowheads="1"/>
             <a:extLst>
               <a:ext uri="smNativeData">
-                <pr:smNativeData xmlns:pr="smNativeData" val="SMDATA_13_Hs+1XxMAAAAlAAAAZAAAAA8BAAAAkAAAAEgAAACQAAAASAAAAAAAAAABAAAAAAAAAAEAAABQAAAAAAAAAAAA4D8AAAAAAADgPwAAAAAAAOA/AAAAAAAA4D8AAAAAAADgPwAAAAAAAOA/AAAAAAAA4D8AAAAAAADgPwAAAAAAAOA/AAAAAAAA4D8CAAAAjAAAAAAAAAAAAAAAu+DjDP///wgAAAAAAAAAAAAAAAAAAAAAAAAAAAAAAAAAAAAAZAAAAAEAAABAAAAAAAAAAAAAAAAAAAAAAAAAAAAAAAAAAAAAAAAAAAAAAAAAAAAAAAAAAAAAAAAAAAAAAAAAAAAAAAAAAAAAAAAAAAAAAAAAAAAAAAAAAAAAAAAAAAAAFAAAADwAAAAAAAAAAAAAAAAAAAkUAAAAAQAAABQAAAAUAAAAFAAAAAEAAAAAAAAAZAAAAGQAAAAAAAAAZAAAAGQAAAAVAAAAYAAAAAAAAAAAAAAADwAAACADAAAAAAAAAAAAAAEAAACgMgAAVgcAAKr4//8BAAAAf39/AAEAAABkAAAAAAAAABQAAABAHwAAAAAAACYAAAAAAAAAwOD//wAAAAAmAAAAZAAAABYAAABMAAAAAAAAAAAAAAAEAAAAAAAAAAEAAACAgIAKAAAAACgAAAAoAAAAZAAAAGQAAAAAAAAAzMzMAAAAAABQAAAAUAAAAGQAAABkAAAAAAAAABcAAAAUAAAAAAAAAAAAAAD/fwAA/38AAAAAAAAJAAAABAAAAKCPBAAMAAAAEAAAAAAAAAAAAAAAAAAAAAAAAAAeAAAAaAAAAAAAAAAAAAAAAAAAAAAAAAAAAAAAECcAABAnAAAAAAAAAAAAAAAAAAAAAAAAAAAAAAAAAAAAAAAAAAAAABQAAAAAAAAAwMD/AAAAAABkAAAAMgAAAAAAAABkAAAAAAAAAH9/fwAKAAAAHwAAAFQAAAAAAAAFAAAAAQAAAAAAAAAAAAAAAAAAAAAAAAAAAAAAAAAAAAAAAAAAAAAAAn9/fwAAAAADzMzMAMDA/wB/f38AAAAAAAAAAAAAAAAAAAAAAAAAAAAhAAAAGAAAABQAAABQKAAAGycAAHA1AABZKQAAEAAAACYAAAAIAAAAAAAAAAAAAAA="/>
+                <pr:smNativeData xmlns:pr="smNativeData" val="SMDATA_13_GUMTYBMAAAAlAAAAZAAAAA8BAAAAkAAAAEgAAACQAAAASAAAAAAAAAABAAAAAAAAAAEAAABQAAAAAAAAAAAA4D8AAAAAAADgPwAAAAAAAOA/AAAAAAAA4D8AAAAAAADgPwAAAAAAAOA/AAAAAAAA4D8AAAAAAADgPwAAAAAAAOA/AAAAAAAA4D8CAAAAjAAAAAAAAAAAAAAAu+DjDP///wgAAAAAAAAAAAAAAAAAAAAAAAAAAAAAAAAAAAAAZAAAAAEAAABAAAAAAAAAAAAAAAAAAAAAAAAAAAAAAAAAAAAAAAAAAAAAAAAAAAAAAAAAAAAAAAAAAAAAAAAAAAAAAAAAAAAAAAAAAAAAAAAAAAAAAAAAAAAAAAAAAAAAFAAAADwAAAAAAAAAAAAAAAAAAAkUAAAAAQAAABQAAAAUAAAAFAAAAAEAAAAAAAAAZAAAAGQAAAAAAAAAZAAAAGQAAAAVAAAAYAAAAAAAAAAAAAAADwAAACADAAAAAAAAAAAAAAEAAACgMgAAVgcAAKr4//8BAAAAf39/AAEAAABkAAAAAAAAABQAAABAHwAAAAAAACYAAAAAAAAAwOD//wAAAAAmAAAAZAAAABYAAABMAAAAAAAAAAAAAAAEAAAAAAAAAAEAAACAgIAKAAAAACgAAAAoAAAAZAAAAGQAAAAAAAAAzMzMAAAAAABQAAAAUAAAAGQAAABkAAAAAAAAABcAAAAUAAAAAAAAAAAAAAD/fwAA/38AAAAAAAAJAAAABAAAAKCPBAAMAAAAEAAAAAAAAAAAAAAAAAAAAAAAAAAeAAAAaAAAAAAAAAAAAAAAAAAAAAAAAAAAAAAAECcAABAnAAAAAAAAAAAAAAAAAAAAAAAAAAAAAAAAAAAAAAAAAAAAABQAAAAAAAAAwMD/AAAAAABkAAAAMgAAAAAAAABkAAAAAAAAAH9/fwAKAAAAHwAAAFQAAAAAAAAFAAAAAQAAAAAAAAAAAAAAAAAAAAAAAAAAAAAAAAAAAAAAAAAAAAAAAn9/fwAAAAADzMzMAMDA/wB/f38AAAAAAAAAAAAAAAAAAAAAAAAAAAAhAAAAGAAAABQAAABQKAAAGycAAHA1AABZKQAAEAAAACYAAAAIAAAAAAAAAAAAAAA="/>
               </a:ext>
             </a:extLst>
           </p:cNvSpPr>
@@ -2799,7 +2799,7 @@
           <a:lstStyle/>
           <a:p>
             <a:pPr/>
-            <a:fld id="{2FE6EBCD-83C2-B31D-8C5E-7548A5107A20}" type="slidenum">
+            <a:fld id="{3AD0324B-05D7-85C4-9968-F3917C266FA6}" type="slidenum">
               <a:t/>
             </a:fld>
           </a:p>
@@ -2845,7 +2845,7 @@
             <a:spLocks noGrp="1" noChangeArrowheads="1"/>
             <a:extLst>
               <a:ext uri="smNativeData">
-                <pr:smNativeData xmlns:pr="smNativeData" val="SMDATA_13_Hs+1XxMAAAAlAAAAZAAAAA8BAAAAkAAAAEgAAACQAAAASAAAAAAAAAABAAAAAAAAAAEAAABQAAAAAAAAAAAA4D8AAAAAAADgPwAAAAAAAOA/AAAAAAAA4D8AAAAAAADgPwAAAAAAAOA/AAAAAAAA4D8AAAAAAADgPwAAAAAAAOA/AAAAAAAA4D8CAAAAjAAAAAAAAAAAAAAAu+DjDP///wgAAAAAAAAAAAAAAAAAAAAAAAAAAAAAAAAAAAAAZAAAAAEAAABAAAAAAAAAAAAAAAAAAAAAAAAAAAAAAAAAAAAAAAAAAAAAAAAAAAAAAAAAAAAAAAAAAAAAAAAAAAAAAAAAAAAAAAAAAAAAAAAAAAAAAAAAAAAAAAAAAAAAFAAAADwAAAAAAAAAAAAAAAAAAAkUAAAAAQAAABQAAAAUAAAAFAAAAAEAAAAAAAAAZAAAAGQAAAAAAAAAZAAAAGQAAAAVAAAAYAAAAAAAAAAAAAAADwAAACADAAAAAAAAAAAAAAEAAACgMgAAVgcAAKr4//8BAAAAf39/AAEAAABkAAAAAAAAABQAAABAHwAAAAAAACYAAAAAAAAAwOD//wAAAAAmAAAAZAAAABYAAABMAAAAAAAAAAAAAAAEAAAAAAAAAAEAAACAgIAKAAAAACgAAAAoAAAAZAAAAGQAAAAAAAAAzMzMAAAAAABQAAAAUAAAAGQAAABkAAAAAAAAABcAAAAUAAAAAAAAAAAAAAD/fwAA/38AAAAAAAAJAAAABAAAAAAAAAAMAAAAEAAAAAAAAAAAAAAAAAAAAAAAAAAeAAAAaAAAAAAAAAAAAAAAAAAAAAAAAAAAAAAAECcAABAnAAAAAAAAAAAAAAAAAAAAAAAAAAAAAAAAAAAAAAAAAAAAABQAAAAAAAAAwMD/AAAAAABkAAAAMgAAAAAAAABkAAAAAAAAAH9/fwAKAAAAHwAAAFQAAAAAAAAFAAAAAQAAAAAAAAAAAAAAAAAAAAAAAAAAAAAAAAAAAAAAAAAAAAAAAn9/fwAAAAADzMzMAMDA/wB/f38AAAAAAAAAAAAAAAAAAAAAAAAAAAAhAAAAGAAAABQAAADQAgAAsAEAAHA1AAC4CAAAEAAAACYAAAAIAAAA//////////8="/>
+                <pr:smNativeData xmlns:pr="smNativeData" val="SMDATA_13_GUMTYBMAAAAlAAAAZAAAAA8BAAAAkAAAAEgAAACQAAAASAAAAAAAAAABAAAAAAAAAAEAAABQAAAAAAAAAAAA4D8AAAAAAADgPwAAAAAAAOA/AAAAAAAA4D8AAAAAAADgPwAAAAAAAOA/AAAAAAAA4D8AAAAAAADgPwAAAAAAAOA/AAAAAAAA4D8CAAAAjAAAAAAAAAAAAAAAu+DjDP///wgAAAAAAAAAAAAAAAAAAAAAAAAAAAAAAAAAAAAAZAAAAAEAAABAAAAAAAAAAAAAAAAAAAAAAAAAAAAAAAAAAAAAAAAAAAAAAAAAAAAAAAAAAAAAAAAAAAAAAAAAAAAAAAAAAAAAAAAAAAAAAAAAAAAAAAAAAAAAAAAAAAAAFAAAADwAAAAAAAAAAAAAAAAAAAkUAAAAAQAAABQAAAAUAAAAFAAAAAEAAAAAAAAAZAAAAGQAAAAAAAAAZAAAAGQAAAAVAAAAYAAAAAAAAAAAAAAADwAAACADAAAAAAAAAAAAAAEAAACgMgAAVgcAAKr4//8BAAAAf39/AAEAAABkAAAAAAAAABQAAABAHwAAAAAAACYAAAAAAAAAwOD//wAAAAAmAAAAZAAAABYAAABMAAAAAAAAAAAAAAAEAAAAAAAAAAEAAACAgIAKAAAAACgAAAAoAAAAZAAAAGQAAAAAAAAAzMzMAAAAAABQAAAAUAAAAGQAAABkAAAAAAAAABcAAAAUAAAAAAAAAAAAAAD/fwAA/38AAAAAAAAJAAAABAAAAAAAAAAMAAAAEAAAAAAAAAAAAAAAAAAAAAAAAAAeAAAAaAAAAAAAAAAAAAAAAAAAAAAAAAAAAAAAECcAABAnAAAAAAAAAAAAAAAAAAAAAAAAAAAAAAAAAAAAAAAAAAAAABQAAAAAAAAAwMD/AAAAAABkAAAAMgAAAAAAAABkAAAAAAAAAH9/fwAKAAAAHwAAAFQAAAAAAAAFAAAAAQAAAAAAAAAAAAAAAAAAAAAAAAAAAAAAAAAAAAAAAAAAAAAAAn9/fwAAAAADzMzMAMDA/wB/f38AAAAAAAAAAAAAAAAAAAAAAAAAAAAhAAAAGAAAABQAAADQAgAAsAEAAHA1AAC4CAAAEAAAACYAAAAIAAAA//////////8="/>
               </a:ext>
             </a:extLst>
           </p:cNvSpPr>
@@ -2889,7 +2889,7 @@
             <a:spLocks noGrp="1" noChangeArrowheads="1"/>
             <a:extLst>
               <a:ext uri="smNativeData">
-                <pr:smNativeData xmlns:pr="smNativeData" val="SMDATA_13_Hs+1XxMAAAAlAAAAZAAAAA8BAAAAkAAAAEgAAACQAAAASAAAAAAAAAAAAAAAAAAAAAEAAABQAAAAAAAAAAAA4D8AAAAAAADgPwAAAAAAAOA/AAAAAAAA4D8AAAAAAADgPwAAAAAAAOA/AAAAAAAA4D8AAAAAAADgPwAAAAAAAOA/AAAAAAAA4D8CAAAAjAAAAAAAAAAAAAAAu+DjDP///wgAAAAAAAAAAAAAAAAAAAAAAAAAAAAAAAAAAAAAZAAAAAEAAABAAAAAAAAAAAAAAAAAAAAAAAAAAAAAAAAAAAAAAAAAAAAAAAAAAAAAAAAAAAAAAAAAAAAAAAAAAAAAAAAAAAAAAAAAAAAAAAAAAAAAAAAAAAAAAAAAAAAAFAAAADwAAAAAAAAAAAAAAAAAAAkUAAAAAQAAABQAAAAUAAAAFAAAAAEAAAAAAAAAZAAAAGQAAAAAAAAAZAAAAGQAAAAVAAAAYAAAAAAAAAAAAAAADwAAACADAAAAAAAAAAAAAAEAAACgMgAAVgcAAKr4//8BAAAAf39/AAEAAABkAAAAAAAAABQAAABAHwAAAAAAACYAAAAAAAAAwOD//wAAAAAmAAAAZAAAABYAAABMAAAAAAAAAAAAAAAEAAAAAAAAAAEAAACAgIAKAAAAACgAAAAoAAAAZAAAAGQAAAAAAAAAzMzMAAAAAABQAAAAUAAAAGQAAABkAAAAAAAAABcAAAAUAAAAAAAAAAAAAAD/fwAA/38AAAAAAAAJAAAABAAAAAAAAAAMAAAAEAAAAAAAAAAAAAAAAAAAAAAAAAAeAAAAaAAAAAAAAAAAAAAAAAAAAAAAAAAAAAAAECcAABAnAAAAAAAAAAAAAAAAAAAAAAAAAAAAAAAAAAAAAAAAAAAAABQAAAAAAAAAwMD/AAAAAABkAAAAMgAAAAAAAABkAAAAAAAAAH9/fwAKAAAAHwAAAFQAAAAAAAAFAAAAAQAAAAAAAAAAAAAAAAAAAAAAAAAAAAAAAAAAAAAAAAAAAAAAAn9/fwAAAAADzMzMAMDA/wB/f38AAAAAAAAAAAAAAAAAAAAAAAAAAAAhAAAAGAAAABQAAADQAgAA2AkAAHA1AACwJQAAEAAAACYAAAAIAAAA//////////8="/>
+                <pr:smNativeData xmlns:pr="smNativeData" val="SMDATA_13_GUMTYBMAAAAlAAAAZAAAAA8BAAAAkAAAAEgAAACQAAAASAAAAAAAAAAAAAAAAAAAAAEAAABQAAAAAAAAAAAA4D8AAAAAAADgPwAAAAAAAOA/AAAAAAAA4D8AAAAAAADgPwAAAAAAAOA/AAAAAAAA4D8AAAAAAADgPwAAAAAAAOA/AAAAAAAA4D8CAAAAjAAAAAAAAAAAAAAAu+DjDP///wgAAAAAAAAAAAAAAAAAAAAAAAAAAAAAAAAAAAAAZAAAAAEAAABAAAAAAAAAAAAAAAAAAAAAAAAAAAAAAAAAAAAAAAAAAAAAAAAAAAAAAAAAAAAAAAAAAAAAAAAAAAAAAAAAAAAAAAAAAAAAAAAAAAAAAAAAAAAAAAAAAAAAFAAAADwAAAAAAAAAAAAAAAAAAAkUAAAAAQAAABQAAAAUAAAAFAAAAAEAAAAAAAAAZAAAAGQAAAAAAAAAZAAAAGQAAAAVAAAAYAAAAAAAAAAAAAAADwAAACADAAAAAAAAAAAAAAEAAACgMgAAVgcAAKr4//8BAAAAf39/AAEAAABkAAAAAAAAABQAAABAHwAAAAAAACYAAAAAAAAAwOD//wAAAAAmAAAAZAAAABYAAABMAAAAAAAAAAAAAAAEAAAAAAAAAAEAAACAgIAKAAAAACgAAAAoAAAAZAAAAGQAAAAAAAAAzMzMAAAAAABQAAAAUAAAAGQAAABkAAAAAAAAABcAAAAUAAAAAAAAAAAAAAD/fwAA/38AAAAAAAAJAAAABAAAAAAAAAAMAAAAEAAAAAAAAAAAAAAAAAAAAAAAAAAeAAAAaAAAAAAAAAAAAAAAAAAAAAAAAAAAAAAAECcAABAnAAAAAAAAAAAAAAAAAAAAAAAAAAAAAAAAAAAAAAAAAAAAABQAAAAAAAAAwMD/AAAAAABkAAAAMgAAAAAAAABkAAAAAAAAAH9/fwAKAAAAHwAAAFQAAAAAAAAFAAAAAQAAAAAAAAAAAAAAAAAAAAAAAAAAAAAAAAAAAAAAAAAAAAAAAn9/fwAAAAADzMzMAMDA/wB/f38AAAAAAAAAAAAAAAAAAAAAAAAAAAAhAAAAGAAAABQAAADQAgAA2AkAAHA1AACwJQAAEAAAACYAAAAIAAAA//////////8="/>
               </a:ext>
             </a:extLst>
           </p:cNvSpPr>
@@ -2957,7 +2957,7 @@
             <a:spLocks noGrp="1" noChangeArrowheads="1"/>
             <a:extLst>
               <a:ext uri="smNativeData">
-                <pr:smNativeData xmlns:pr="smNativeData" val="SMDATA_13_Hs+1XxMAAAAlAAAAZAAAAA8BAAAAkAAAAEgAAACQAAAASAAAAAAAAAABAAAAAAAAAAEAAABQAAAAAAAAAAAA4D8AAAAAAADgPwAAAAAAAOA/AAAAAAAA4D8AAAAAAADgPwAAAAAAAOA/AAAAAAAA4D8AAAAAAADgPwAAAAAAAOA/AAAAAAAA4D8CAAAAjAAAAAAAAAAAAAAAu+DjDP///wgAAAAAAAAAAAAAAAAAAAAAAAAAAAAAAAAAAAAAZAAAAAEAAABAAAAAAAAAAAAAAAAAAAAAAAAAAAAAAAAAAAAAAAAAAAAAAAAAAAAAAAAAAAAAAAAAAAAAAAAAAAAAAAAAAAAAAAAAAAAAAAAAAAAAAAAAAAAAAAAAAAAAFAAAADwAAAAAAAAAAAAAAAAAAAkUAAAAAQAAABQAAAAUAAAAFAAAAAEAAAAAAAAAZAAAAGQAAAAAAAAAZAAAAGQAAAAVAAAAYAAAAAAAAAAAAAAADwAAACADAAAAAAAAAAAAAAEAAACgMgAAVgcAAKr4//8BAAAAf39/AAEAAABkAAAAAAAAABQAAABAHwAAAAAAACYAAAAAAAAAwOD//wAAAAAmAAAAZAAAABYAAABMAAAAAAAAAAAAAAAEAAAAAAAAAAEAAACAgIAKAAAAACgAAAAoAAAAZAAAAGQAAAAAAAAAzMzMAAAAAABQAAAAUAAAAGQAAABkAAAAAAAAABcAAAAUAAAAAAAAAAAAAAD/fwAA/38AAAAAAAAJAAAABAAAAGcAaAAMAAAAEAAAAAAAAAAAAAAAAAAAAAAAAAAeAAAAaAAAAAAAAAAAAAAAAAAAAAAAAAAAAAAAECcAABAnAAAAAAAAAAAAAAAAAAAAAAAAAAAAAAAAAAAAAAAAAAAAABQAAAAAAAAAwMD/AAAAAABkAAAAMgAAAAAAAABkAAAAAAAAAH9/fwAKAAAAHwAAAFQAAAAAAAAFAAAAAQAAAAAAAAAAAAAAAAAAAAAAAAAAAAAAAAAAAAAAAAAAAAAAAn9/fwAAAAADzMzMAMDA/wB/f38AAAAAAAAAAAAAAAAAAAAAAAAAAAAhAAAAGAAAABQAAADQAgAAGycAAPAPAABZKQAAEAAAACYAAAAIAAAA//////////8="/>
+                <pr:smNativeData xmlns:pr="smNativeData" val="SMDATA_13_GUMTYBMAAAAlAAAAZAAAAA8BAAAAkAAAAEgAAACQAAAASAAAAAAAAAABAAAAAAAAAAEAAABQAAAAAAAAAAAA4D8AAAAAAADgPwAAAAAAAOA/AAAAAAAA4D8AAAAAAADgPwAAAAAAAOA/AAAAAAAA4D8AAAAAAADgPwAAAAAAAOA/AAAAAAAA4D8CAAAAjAAAAAAAAAAAAAAAu+DjDP///wgAAAAAAAAAAAAAAAAAAAAAAAAAAAAAAAAAAAAAZAAAAAEAAABAAAAAAAAAAAAAAAAAAAAAAAAAAAAAAAAAAAAAAAAAAAAAAAAAAAAAAAAAAAAAAAAAAAAAAAAAAAAAAAAAAAAAAAAAAAAAAAAAAAAAAAAAAAAAAAAAAAAAFAAAADwAAAAAAAAAAAAAAAAAAAkUAAAAAQAAABQAAAAUAAAAFAAAAAEAAAAAAAAAZAAAAGQAAAAAAAAAZAAAAGQAAAAVAAAAYAAAAAAAAAAAAAAADwAAACADAAAAAAAAAAAAAAEAAACgMgAAVgcAAKr4//8BAAAAf39/AAEAAABkAAAAAAAAABQAAABAHwAAAAAAACYAAAAAAAAAwOD//wAAAAAmAAAAZAAAABYAAABMAAAAAAAAAAAAAAAEAAAAAAAAAAEAAACAgIAKAAAAACgAAAAoAAAAZAAAAGQAAAAAAAAAzMzMAAAAAABQAAAAUAAAAGQAAABkAAAAAAAAABcAAAAUAAAAAAAAAAAAAAD/fwAA/38AAAAAAAAJAAAABAAAAGcAaAAMAAAAEAAAAAAAAAAAAAAAAAAAAAAAAAAeAAAAaAAAAAAAAAAAAAAAAAAAAAAAAAAAAAAAECcAABAnAAAAAAAAAAAAAAAAAAAAAAAAAAAAAAAAAAAAAAAAAAAAABQAAAAAAAAAwMD/AAAAAABkAAAAMgAAAAAAAABkAAAAAAAAAH9/fwAKAAAAHwAAAFQAAAAAAAAFAAAAAQAAAAAAAAAAAAAAAAAAAAAAAAAAAAAAAAAAAAAAAAAAAAAAAn9/fwAAAAADzMzMAMDA/wB/f38AAAAAAAAAAAAAAAAAAAAAAAAAAAAhAAAAGAAAABQAAADQAgAAGycAAPAPAABZKQAAEAAAACYAAAAIAAAA//////////8="/>
               </a:ext>
             </a:extLst>
           </p:cNvSpPr>
@@ -2992,7 +2992,7 @@
           </a:lstStyle>
           <a:p>
             <a:pPr/>
-            <a:fld id="{2FE6AF7A-34C2-B359-8C5E-C20CE1107A97}" type="datetime1">
+            <a:fld id="{3AD06655-1BD7-8590-9968-EDC528266FB8}" type="datetime1">
               <a:t/>
             </a:fld>
           </a:p>
@@ -3005,7 +3005,7 @@
             <a:spLocks noGrp="1" noChangeArrowheads="1"/>
             <a:extLst>
               <a:ext uri="smNativeData">
-                <pr:smNativeData xmlns:pr="smNativeData" val="SMDATA_13_Hs+1XxMAAAAlAAAAZAAAAA8BAAAAkAAAAEgAAACQAAAASAAAAAAAAAABAAAAAAAAAAEAAABQAAAAAAAAAAAA4D8AAAAAAADgPwAAAAAAAOA/AAAAAAAA4D8AAAAAAADgPwAAAAAAAOA/AAAAAAAA4D8AAAAAAADgPwAAAAAAAOA/AAAAAAAA4D8CAAAAjAAAAAAAAAAAAAAAu+DjDP///wgAAAAAAAAAAAAAAAAAAAAAAAAAAAAAAAAAAAAAZAAAAAEAAABAAAAAAAAAAAAAAAAAAAAAAAAAAAAAAAAAAAAAAAAAAAAAAAAAAAAAAAAAAAAAAAAAAAAAAAAAAAAAAAAAAAAAAAAAAAAAAAAAAAAAAAAAAAAAAAAAAAAAFAAAADwAAAAAAAAAAAAAAAAAAAkUAAAAAQAAABQAAAAUAAAAFAAAAAEAAAAAAAAAZAAAAGQAAAAAAAAAZAAAAGQAAAAVAAAAYAAAAAAAAAAAAAAADwAAACADAAAAAAAAAAAAAAEAAACgMgAAVgcAAKr4//8BAAAAf39/AAEAAABkAAAAAAAAABQAAABAHwAAAAAAACYAAAAAAAAAwOD//wAAAAAmAAAAZAAAABYAAABMAAAAAAAAAAAAAAAEAAAAAAAAAAEAAACAgIAKAAAAACgAAAAoAAAAZAAAAGQAAAAAAAAAzMzMAAAAAABQAAAAUAAAAGQAAABkAAAAAAAAABcAAAAUAAAAAAAAAAAAAAD/fwAA/38AAAAAAAAJAAAABAAAAAAAAAAMAAAAEAAAAAAAAAAAAAAAAAAAAAAAAAAeAAAAaAAAAAAAAAAAAAAAAAAAAAAAAAAAAAAAECcAABAnAAAAAAAAAAAAAAAAAAAAAAAAAAAAAAAAAAAAAAAAAAAAABQAAAAAAAAAwMD/AAAAAABkAAAAMgAAAAAAAABkAAAAAAAAAH9/fwAKAAAAHwAAAFQAAAAAAAAFAAAAAQAAAAAAAAAAAAAAAAAAAAAAAAAAAAAAAAAAAAAAAAAAAAAAAn9/fwAAAAADzMzMAMDA/wB/f38AAAAAAAAAAAAAAAAAAAAAAAAAAAAhAAAAGAAAABQAAAA4EwAAGycAAAglAABZKQAAEAAAACYAAAAIAAAA//////////8="/>
+                <pr:smNativeData xmlns:pr="smNativeData" val="SMDATA_13_GUMTYBMAAAAlAAAAZAAAAA8BAAAAkAAAAEgAAACQAAAASAAAAAAAAAABAAAAAAAAAAEAAABQAAAAAAAAAAAA4D8AAAAAAADgPwAAAAAAAOA/AAAAAAAA4D8AAAAAAADgPwAAAAAAAOA/AAAAAAAA4D8AAAAAAADgPwAAAAAAAOA/AAAAAAAA4D8CAAAAjAAAAAAAAAAAAAAAu+DjDP///wgAAAAAAAAAAAAAAAAAAAAAAAAAAAAAAAAAAAAAZAAAAAEAAABAAAAAAAAAAAAAAAAAAAAAAAAAAAAAAAAAAAAAAAAAAAAAAAAAAAAAAAAAAAAAAAAAAAAAAAAAAAAAAAAAAAAAAAAAAAAAAAAAAAAAAAAAAAAAAAAAAAAAFAAAADwAAAAAAAAAAAAAAAAAAAkUAAAAAQAAABQAAAAUAAAAFAAAAAEAAAAAAAAAZAAAAGQAAAAAAAAAZAAAAGQAAAAVAAAAYAAAAAAAAAAAAAAADwAAACADAAAAAAAAAAAAAAEAAACgMgAAVgcAAKr4//8BAAAAf39/AAEAAABkAAAAAAAAABQAAABAHwAAAAAAACYAAAAAAAAAwOD//wAAAAAmAAAAZAAAABYAAABMAAAAAAAAAAAAAAAEAAAAAAAAAAEAAACAgIAKAAAAACgAAAAoAAAAZAAAAGQAAAAAAAAAzMzMAAAAAABQAAAAUAAAAGQAAABkAAAAAAAAABcAAAAUAAAAAAAAAAAAAAD/fwAA/38AAAAAAAAJAAAABAAAAAAAAAAMAAAAEAAAAAAAAAAAAAAAAAAAAAAAAAAeAAAAaAAAAAAAAAAAAAAAAAAAAAAAAAAAAAAAECcAABAnAAAAAAAAAAAAAAAAAAAAAAAAAAAAAAAAAAAAAAAAAAAAABQAAAAAAAAAwMD/AAAAAABkAAAAMgAAAAAAAABkAAAAAAAAAH9/fwAKAAAAHwAAAFQAAAAAAAAFAAAAAQAAAAAAAAAAAAAAAAAAAAAAAAAAAAAAAAAAAAAAAAAAAAAAAn9/fwAAAAADzMzMAMDA/wB/f38AAAAAAAAAAAAAAAAAAAAAAAAAAAAhAAAAGAAAABQAAAA4EwAAGycAAAglAABZKQAAEAAAACYAAAAIAAAA//////////8="/>
               </a:ext>
             </a:extLst>
           </p:cNvSpPr>
@@ -3050,7 +3050,7 @@
             <a:spLocks noGrp="1" noChangeArrowheads="1"/>
             <a:extLst>
               <a:ext uri="smNativeData">
-                <pr:smNativeData xmlns:pr="smNativeData" val="SMDATA_13_Hs+1XxMAAAAlAAAAZAAAAA8BAAAAkAAAAEgAAACQAAAASAAAAAAAAAABAAAAAAAAAAEAAABQAAAAAAAAAAAA4D8AAAAAAADgPwAAAAAAAOA/AAAAAAAA4D8AAAAAAADgPwAAAAAAAOA/AAAAAAAA4D8AAAAAAADgPwAAAAAAAOA/AAAAAAAA4D8CAAAAjAAAAAAAAAAAAAAAu+DjDP///wgAAAAAAAAAAAAAAAAAAAAAAAAAAAAAAAAAAAAAZAAAAAEAAABAAAAAAAAAAAAAAAAAAAAAAAAAAAAAAAAAAAAAAAAAAAAAAAAAAAAAAAAAAAAAAAAAAAAAAAAAAAAAAAAAAAAAAAAAAAAAAAAAAAAAAAAAAAAAAAAAAAAAFAAAADwAAAAAAAAAAAAAAAAAAAkUAAAAAQAAABQAAAAUAAAAFAAAAAEAAAAAAAAAZAAAAGQAAAAAAAAAZAAAAGQAAAAVAAAAYAAAAAAAAAAAAAAADwAAACADAAAAAAAAAAAAAAEAAACgMgAAVgcAAKr4//8BAAAAf39/AAEAAABkAAAAAAAAABQAAABAHwAAAAAAACYAAAAAAAAAwOD//wAAAAAmAAAAZAAAABYAAABMAAAAAAAAAAAAAAAEAAAAAAAAAAEAAACAgIAKAAAAACgAAAAoAAAAZAAAAGQAAAAAAAAAzMzMAAAAAABQAAAAUAAAAGQAAABkAAAAAAAAABcAAAAUAAAAAAAAAAAAAAD/fwAA/38AAAAAAAAJAAAABAAAAAAAAAAMAAAAEAAAAAAAAAAAAAAAAAAAAAAAAAAeAAAAaAAAAAAAAAAAAAAAAAAAAAAAAAAAAAAAECcAABAnAAAAAAAAAAAAAAAAAAAAAAAAAAAAAAAAAAAAAAAAAAAAABQAAAAAAAAAwMD/AAAAAABkAAAAMgAAAAAAAABkAAAAAAAAAH9/fwAKAAAAHwAAAFQAAAAAAAAFAAAAAQAAAAAAAAAAAAAAAAAAAAAAAAAAAAAAAAAAAAAAAAAAAAAAAn9/fwAAAAADzMzMAMDA/wB/f38AAAAAAAAAAAAAAAAAAAAAAAAAAAAhAAAAGAAAABQAAABQKAAAGycAAHA1AABZKQAAEAAAACYAAAAIAAAA//////////8="/>
+                <pr:smNativeData xmlns:pr="smNativeData" val="SMDATA_13_GUMTYBMAAAAlAAAAZAAAAA8BAAAAkAAAAEgAAACQAAAASAAAAAAAAAABAAAAAAAAAAEAAABQAAAAAAAAAAAA4D8AAAAAAADgPwAAAAAAAOA/AAAAAAAA4D8AAAAAAADgPwAAAAAAAOA/AAAAAAAA4D8AAAAAAADgPwAAAAAAAOA/AAAAAAAA4D8CAAAAjAAAAAAAAAAAAAAAu+DjDP///wgAAAAAAAAAAAAAAAAAAAAAAAAAAAAAAAAAAAAAZAAAAAEAAABAAAAAAAAAAAAAAAAAAAAAAAAAAAAAAAAAAAAAAAAAAAAAAAAAAAAAAAAAAAAAAAAAAAAAAAAAAAAAAAAAAAAAAAAAAAAAAAAAAAAAAAAAAAAAAAAAAAAAFAAAADwAAAAAAAAAAAAAAAAAAAkUAAAAAQAAABQAAAAUAAAAFAAAAAEAAAAAAAAAZAAAAGQAAAAAAAAAZAAAAGQAAAAVAAAAYAAAAAAAAAAAAAAADwAAACADAAAAAAAAAAAAAAEAAACgMgAAVgcAAKr4//8BAAAAf39/AAEAAABkAAAAAAAAABQAAABAHwAAAAAAACYAAAAAAAAAwOD//wAAAAAmAAAAZAAAABYAAABMAAAAAAAAAAAAAAAEAAAAAAAAAAEAAACAgIAKAAAAACgAAAAoAAAAZAAAAGQAAAAAAAAAzMzMAAAAAABQAAAAUAAAAGQAAABkAAAAAAAAABcAAAAUAAAAAAAAAAAAAAD/fwAA/38AAAAAAAAJAAAABAAAAAAAAAAMAAAAEAAAAAAAAAAAAAAAAAAAAAAAAAAeAAAAaAAAAAAAAAAAAAAAAAAAAAAAAAAAAAAAECcAABAnAAAAAAAAAAAAAAAAAAAAAAAAAAAAAAAAAAAAAAAAAAAAABQAAAAAAAAAwMD/AAAAAABkAAAAMgAAAAAAAABkAAAAAAAAAH9/fwAKAAAAHwAAAFQAAAAAAAAFAAAAAQAAAAAAAAAAAAAAAAAAAAAAAAAAAAAAAAAAAAAAAAAAAAAAAn9/fwAAAAADzMzMAMDA/wB/f38AAAAAAAAAAAAAAAAAAAAAAAAAAAAhAAAAGAAAABQAAABQKAAAGycAAHA1AABZKQAAEAAAACYAAAAIAAAA//////////8="/>
               </a:ext>
             </a:extLst>
           </p:cNvSpPr>
@@ -3085,7 +3085,7 @@
           </a:lstStyle>
           <a:p>
             <a:pPr/>
-            <a:fld id="{2FE6C52C-62C2-B333-8C5E-94668B107AC1}" type="slidenum">
+            <a:fld id="{3AD02B65-2BD7-85DD-9968-DD8865266F88}" type="slidenum">
               <a:t/>
             </a:fld>
           </a:p>
@@ -3763,7 +3763,7 @@
           <p:cNvSpPr txBox="1">
             <a:extLst>
               <a:ext uri="smNativeData">
-                <pr:smNativeData xmlns:pr="smNativeData" val="SMDATA_13_Hs+1XxMAAAAlAAAAEgAAAE8BAAAAkAAAAEgAAACQAAAASAAAAAAAAAAAAAAAAAAAAAEAAABQAAAAAAAAAAAA4D8AAAAAAADgPwAAAAAAAOA/AAAAAAAA4D8AAAAAAADgPwAAAAAAAOA/AAAAAAAA4D8AAAAAAADgPwAAAAAAAOA/AAAAAAAA4D8CAAAAjAAAAAAAAAAAAAAAu+DjDP///wgAAAAAAAAAAAAAAAAAAAAAAAAAAAAAAAAAAAAAZAAAAAEAAABAAAAAAAAAAAAAAAAAAAAAAAAAAAAAAAAAAAAAAAAAAAAAAAAAAAAAAAAAAAAAAAAAAAAAAAAAAAAAAAAAAAAAAAAAAAAAAAAAAAAAAAAAAAAAAAAAAAAAFAAAADwAAAAAAAAAAAAAAAAAAAkUAAAAAQAAABQAAAAUAAAAFAAAAAEAAAAAAAAAZAAAAGQAAAAAAAAAZAAAAGQAAAAVAAAAYAAAAAAAAAAAAAAADwAAACADAAAAAAAAAAAAAAEAAACgMgAAVgcAAKr4//8BAAAAf39/AAEAAABkAAAAAAAAABQAAABAHwAAAAAAACYAAAAAAAAAwOD//wAAAAAmAAAAZAAAABYAAABMAAAAAAAAAAAAAAAEAAAAAAAAAAEAAACAgIAKAAAAACgAAAAoAAAAZAAAAGQAAAAAAAAAzMzMAAAAAABQAAAAUAAAAGQAAABkAAAAAAAAABcAAAAUAAAAAAAAANwIAAD/fwAA/38AAAAAAAAJAAAABAAAAAAAAAAMAAAAEAAAAAAAAAAAAAAAAAAAAAAAAAAeAAAAaAAAAAAAAAAAAAAAAAAAAAAAAAAAAAAAECcAABAnAAAAAAAAAAAAAAAAAAAAAAAAAAAAAAAAAAAAAAAAAAAAABQAAAAAAAAAwMD/AAAAAABkAAAAMgAAAAAAAABkAAAAAAAAAH9/fwAKAAAAHwAAAFQAAAC74OMF////AQAAAAAAAAAAAAAAAAAAAAAAAAAAAAAAAAAAAAAAAAAAAAAAAn9/fwCAgIADzMzMAMDA/wB/f38AAAAAAAAAAAAAAAAAAAAAAAAAAAAhAAAAGAAAABQAAAAXAwAAFwMAAHMPAAAnBQAAECAAACYAAAAIAAAA//////////8="/>
+                <pr:smNativeData xmlns:pr="smNativeData" val="SMDATA_13_GUMTYBMAAAAlAAAAEgAAAE8BAAAAkAAAAEgAAACQAAAASAAAAAAAAAAAAAAAAAAAAAEAAABQAAAAAAAAAAAA4D8AAAAAAADgPwAAAAAAAOA/AAAAAAAA4D8AAAAAAADgPwAAAAAAAOA/AAAAAAAA4D8AAAAAAADgPwAAAAAAAOA/AAAAAAAA4D8CAAAAjAAAAAAAAAAAAAAAu+DjDP///wgAAAAAAAAAAAAAAAAAAAAAAAAAAAAAAAAAAAAAZAAAAAEAAABAAAAAAAAAAAAAAAAAAAAAAAAAAAAAAAAAAAAAAAAAAAAAAAAAAAAAAAAAAAAAAAAAAAAAAAAAAAAAAAAAAAAAAAAAAAAAAAAAAAAAAAAAAAAAAAAAAAAAFAAAADwAAAAAAAAAAAAAAAAAAAkUAAAAAQAAABQAAAAUAAAAFAAAAAEAAAAAAAAAZAAAAGQAAAAAAAAAZAAAAGQAAAAVAAAAYAAAAAAAAAAAAAAADwAAACADAAAAAAAAAAAAAAEAAACgMgAAVgcAAKr4//8BAAAAf39/AAEAAABkAAAAAAAAABQAAABAHwAAAAAAACYAAAAAAAAAwOD//wAAAAAmAAAAZAAAABYAAABMAAAAAAAAAAAAAAAEAAAAAAAAAAEAAACAgIAKAAAAACgAAAAoAAAAZAAAAGQAAAAAAAAAzMzMAAAAAABQAAAAUAAAAGQAAABkAAAAAAAAABcAAAAUAAAAAAAAANwIAAD/fwAA/38AAAAAAAAJAAAABAAAAAAAAAAMAAAAEAAAAAAAAAAAAAAAAAAAAAAAAAAeAAAAaAAAAAAAAAAAAAAAAAAAAAAAAAAAAAAAECcAABAnAAAAAAAAAAAAAAAAAAAAAAAAAAAAAAAAAAAAAAAAAAAAABQAAAAAAAAAwMD/AAAAAABkAAAAMgAAAAAAAABkAAAAAAAAAH9/fwAKAAAAHwAAAFQAAAC74OMF////AQAAAAAAAAAAAAAAAAAAAAAAAAAAAAAAAAAAAAAAAAAAAAAAAn9/fwCAgIADzMzMAMDA/wB/f38AAAAAAAAAAAAAAAAAAAAAAAAAAAAhAAAAGAAAABQAAAAXAwAAFwMAAHMPAAAnBQAAECAAACYAAAAIAAAA//////////8="/>
               </a:ext>
             </a:extLst>
           </p:cNvSpPr>
@@ -3806,7 +3806,7 @@
           <p:cNvSpPr txBox="1">
             <a:extLst>
               <a:ext uri="smNativeData">
-                <pr:smNativeData xmlns:pr="smNativeData" val="SMDATA_13_Hs+1XxMAAAAlAAAAEgAAAE8BAAAAkAAAAEgAAACQAAAASAAAAAAAAAAAAAAAAAAAAAEAAABQAAAAAAAAAAAA4D8AAAAAAADgPwAAAAAAAOA/AAAAAAAA4D8AAAAAAADgPwAAAAAAAOA/AAAAAAAA4D8AAAAAAADgPwAAAAAAAOA/AAAAAAAA4D8CAAAAjAAAAAAAAAAAAAAAu+DjDP///wgAAAAAAAAAAAAAAAAAAAAAAAAAAAAAAAAAAAAAZAAAAAEAAABAAAAAAAAAAAAAAAAAAAAAAAAAAAAAAAAAAAAAAAAAAAAAAAAAAAAAAAAAAAAAAAAAAAAAAAAAAAAAAAAAAAAAAAAAAAAAAAAAAAAAAAAAAAAAAAAAAAAAFAAAADwAAAAAAAAAAAAAAAAAAAkUAAAAAQAAABQAAAAUAAAAFAAAAAEAAAAAAAAAZAAAAGQAAAAAAAAAZAAAAGQAAAAVAAAAYAAAAAAAAAAAAAAADwAAACADAAAAAAAAAAAAAAEAAACgMgAAVgcAAKr4//8BAAAAf39/AAEAAABkAAAAAAAAABQAAABAHwAAAAAAACYAAAAAAAAAwOD//wAAAAAmAAAAZAAAABYAAABMAAAAAAAAAAAAAAAEAAAAAAAAAAEAAACAgIAKAAAAACgAAAAoAAAAZAAAAGQAAAAAAAAAzMzMAAAAAABQAAAAUAAAAGQAAABkAAAAAAAAABcAAAAUAAAAAAAAANwIAAD/fwAA/38AAAAAAAAJAAAABAAAAAAAAAAMAAAAEAAAAAAAAAAAAAAAAAAAAAAAAAAeAAAAaAAAAAAAAAAAAAAAAAAAAAAAAAAAAAAAECcAABAnAAAAAAAAAAAAAAAAAAAAAAAAAAAAAAAAAAAAAAAAAAAAABQAAAAAAAAAwMD/AAAAAABkAAAAMgAAAAAAAABkAAAAAAAAAH9/fwAKAAAAHwAAAFQAAAC74OMF////AQAAAAAAAAAAAAAAAAAAAAAAAAAAAAAAAAAAAAAAAAAAAAAAAn9/fwCAgIADzMzMAMDA/wB/f38AAAAAAAAAAAAAAAAAAAAAAAAAAAAhAAAAGAAAABQAAACzFgAAFwMAAFMhAAAnBQAAECAAACYAAAAIAAAA//////////8="/>
+                <pr:smNativeData xmlns:pr="smNativeData" val="SMDATA_13_GUMTYBMAAAAlAAAAEgAAAE8BAAAAkAAAAEgAAACQAAAASAAAAAAAAAAAAAAAAAAAAAEAAABQAAAAAAAAAAAA4D8AAAAAAADgPwAAAAAAAOA/AAAAAAAA4D8AAAAAAADgPwAAAAAAAOA/AAAAAAAA4D8AAAAAAADgPwAAAAAAAOA/AAAAAAAA4D8CAAAAjAAAAAAAAAAAAAAAu+DjDP///wgAAAAAAAAAAAAAAAAAAAAAAAAAAAAAAAAAAAAAZAAAAAEAAABAAAAAAAAAAAAAAAAAAAAAAAAAAAAAAAAAAAAAAAAAAAAAAAAAAAAAAAAAAAAAAAAAAAAAAAAAAAAAAAAAAAAAAAAAAAAAAAAAAAAAAAAAAAAAAAAAAAAAFAAAADwAAAAAAAAAAAAAAAAAAAkUAAAAAQAAABQAAAAUAAAAFAAAAAEAAAAAAAAAZAAAAGQAAAAAAAAAZAAAAGQAAAAVAAAAYAAAAAAAAAAAAAAADwAAACADAAAAAAAAAAAAAAEAAACgMgAAVgcAAKr4//8BAAAAf39/AAEAAABkAAAAAAAAABQAAABAHwAAAAAAACYAAAAAAAAAwOD//wAAAAAmAAAAZAAAABYAAABMAAAAAAAAAAAAAAAEAAAAAAAAAAEAAACAgIAKAAAAACgAAAAoAAAAZAAAAGQAAAAAAAAAzMzMAAAAAABQAAAAUAAAAGQAAABkAAAAAAAAABcAAAAUAAAAAAAAANwIAAD/fwAA/38AAAAAAAAJAAAABAAAAAAAAAAMAAAAEAAAAAAAAAAAAAAAAAAAAAAAAAAeAAAAaAAAAAAAAAAAAAAAAAAAAAAAAAAAAAAAECcAABAnAAAAAAAAAAAAAAAAAAAAAAAAAAAAAAAAAAAAAAAAAAAAABQAAAAAAAAAwMD/AAAAAABkAAAAMgAAAAAAAABkAAAAAAAAAH9/fwAKAAAAHwAAAFQAAAC74OMF////AQAAAAAAAAAAAAAAAAAAAAAAAAAAAAAAAAAAAAAAAAAAAAAAAn9/fwCAgIADzMzMAMDA/wB/f38AAAAAAAAAAAAAAAAAAAAAAAAAAAAhAAAAGAAAABQAAACzFgAAFwMAAFMhAAAnBQAAECAAACYAAAAIAAAA//////////8="/>
               </a:ext>
             </a:extLst>
           </p:cNvSpPr>
@@ -3849,7 +3849,7 @@
           <p:cNvSpPr txBox="1">
             <a:extLst>
               <a:ext uri="smNativeData">
-                <pr:smNativeData xmlns:pr="smNativeData" val="SMDATA_13_Hs+1XxMAAAAlAAAAEgAAAE8BAAAAkAAAAEgAAACQAAAASAAAAAAAAAAAAAAAAAAAAAEAAABQAAAAAAAAAAAA4D8AAAAAAADgPwAAAAAAAOA/AAAAAAAA4D8AAAAAAADgPwAAAAAAAOA/AAAAAAAA4D8AAAAAAADgPwAAAAAAAOA/AAAAAAAA4D8CAAAAjAAAAAAAAAAAAAAAu+DjDP///wgAAAAAAAAAAAAAAAAAAAAAAAAAAAAAAAAAAAAAZAAAAAEAAABAAAAAAAAAAAAAAAAAAAAAAAAAAAAAAAAAAAAAAAAAAAAAAAAAAAAAAAAAAAAAAAAAAAAAAAAAAAAAAAAAAAAAAAAAAAAAAAAAAAAAAAAAAAAAAAAAAAAAFAAAADwAAAAAAAAAAAAAAAAAAAkUAAAAAQAAABQAAAAUAAAAFAAAAAEAAAAAAAAAZAAAAGQAAAAAAAAAZAAAAGQAAAAVAAAAYAAAAAAAAAAAAAAADwAAACADAAAAAAAAAAAAAAEAAACgMgAAVgcAAKr4//8BAAAAf39/AAEAAABkAAAAAAAAABQAAABAHwAAAAAAACYAAAAAAAAAwOD//wAAAAAmAAAAZAAAABYAAABMAAAAAAAAAAAAAAAEAAAAAAAAAAEAAACAgIAKAAAAACgAAAAoAAAAZAAAAGQAAAAAAAAAzMzMAAAAAABQAAAAUAAAAGQAAABkAAAAAAAAABcAAAAUAAAAAAAAANwIAAD/fwAA/38AAAAAAAAJAAAABAAAAAAAAAAMAAAAEAAAAAAAAAAAAAAAAAAAAAAAAAAeAAAAaAAAAAAAAAAAAAAAAAAAAAAAAAAAAAAAECcAABAnAAAAAAAAAAAAAAAAAAAAAAAAAAAAAAAAAAAAAAAAAAAAABQAAAAAAAAAwMD/AAAAAABkAAAAMgAAAAAAAABkAAAAAAAAAH9/fwAKAAAAHwAAAFQAAAC74OMF////AQAAAAAAAAAAAAAAAAAAAAAAAAAAAAAAAAAAAAAAAAAAAAAAAn9/fwCAgIADzMzMAMDA/wB/f38AAAAAAAAAAAAAAAAAAAAAAAAAAAAhAAAAGAAAABQAAAARKAAAFwMAALw2AAAnBQAAECAAACYAAAAIAAAA//////////8="/>
+                <pr:smNativeData xmlns:pr="smNativeData" val="SMDATA_13_GUMTYBMAAAAlAAAAEgAAAE8BAAAAkAAAAEgAAACQAAAASAAAAAAAAAAAAAAAAAAAAAEAAABQAAAAAAAAAAAA4D8AAAAAAADgPwAAAAAAAOA/AAAAAAAA4D8AAAAAAADgPwAAAAAAAOA/AAAAAAAA4D8AAAAAAADgPwAAAAAAAOA/AAAAAAAA4D8CAAAAjAAAAAAAAAAAAAAAu+DjDP///wgAAAAAAAAAAAAAAAAAAAAAAAAAAAAAAAAAAAAAZAAAAAEAAABAAAAAAAAAAAAAAAAAAAAAAAAAAAAAAAAAAAAAAAAAAAAAAAAAAAAAAAAAAAAAAAAAAAAAAAAAAAAAAAAAAAAAAAAAAAAAAAAAAAAAAAAAAAAAAAAAAAAAFAAAADwAAAAAAAAAAAAAAAAAAAkUAAAAAQAAABQAAAAUAAAAFAAAAAEAAAAAAAAAZAAAAGQAAAAAAAAAZAAAAGQAAAAVAAAAYAAAAAAAAAAAAAAADwAAACADAAAAAAAAAAAAAAEAAACgMgAAVgcAAKr4//8BAAAAf39/AAEAAABkAAAAAAAAABQAAABAHwAAAAAAACYAAAAAAAAAwOD//wAAAAAmAAAAZAAAABYAAABMAAAAAAAAAAAAAAAEAAAAAAAAAAEAAACAgIAKAAAAACgAAAAoAAAAZAAAAGQAAAAAAAAAzMzMAAAAAABQAAAAUAAAAGQAAABkAAAAAAAAABcAAAAUAAAAAAAAANwIAAD/fwAA/38AAAAAAAAJAAAABAAAAAAAAAAMAAAAEAAAAAAAAAAAAAAAAAAAAAAAAAAeAAAAaAAAAAAAAAAAAAAAAAAAAAAAAAAAAAAAECcAABAnAAAAAAAAAAAAAAAAAAAAAAAAAAAAAAAAAAAAAAAAAAAAABQAAAAAAAAAwMD/AAAAAABkAAAAMgAAAAAAAABkAAAAAAAAAH9/fwAKAAAAHwAAAFQAAAC74OMF////AQAAAAAAAAAAAAAAAAAAAAAAAAAAAAAAAAAAAAAAAAAAAAAAAn9/fwCAgIADzMzMAMDA/wB/f38AAAAAAAAAAAAAAAAAAAAAAAAAAAAhAAAAGAAAABQAAAARKAAAFwMAALw2AAAnBQAAECAAACYAAAAIAAAA//////////8="/>
               </a:ext>
             </a:extLst>
           </p:cNvSpPr>
@@ -3892,7 +3892,7 @@
           <p:cNvSpPr txBox="1">
             <a:extLst>
               <a:ext uri="smNativeData">
-                <pr:smNativeData xmlns:pr="smNativeData" val="SMDATA_13_Hs+1XxMAAAAlAAAAEgAAAE8BAAAAkAAAAEgAAACQAAAASAAAAAAAAAAAAAAAAAAAAAEAAABQAAAAAAAAAAAA4D8AAAAAAADgPwAAAAAAAOA/AAAAAAAA4D8AAAAAAADgPwAAAAAAAOA/AAAAAAAA4D8AAAAAAADgPwAAAAAAAOA/AAAAAAAA4D8CAAAAjAAAAAAAAAAAAAAAu+DjDP///wgAAAAAAAAAAAAAAAAAAAAAAAAAAAAAAAAAAAAAZAAAAAEAAABAAAAAAAAAAAAAAAAAAAAAAAAAAAAAAAAAAAAAAAAAAAAAAAAAAAAAAAAAAAAAAAAAAAAAAAAAAAAAAAAAAAAAAAAAAAAAAAAAAAAAAAAAAAAAAAAAAAAAFAAAADwAAAAAAAAAAAAAAAAAAAkUAAAAAQAAABQAAAAUAAAAFAAAAAEAAAAAAAAAZAAAAGQAAAAAAAAAZAAAAGQAAAAVAAAAYAAAAAAAAAAAAAAADwAAACADAAAAAAAAAAAAAAEAAACgMgAAVgcAAKr4//8BAAAAf39/AAEAAABkAAAAAAAAABQAAABAHwAAAAAAACYAAAAAAAAAwOD//wAAAAAmAAAAZAAAABYAAABMAAAAAAAAAAAAAAAEAAAAAAAAAAEAAACAgIAKAAAAACgAAAAoAAAAZAAAAGQAAAAAAAAAzMzMAAAAAABQAAAAUAAAAGQAAABkAAAAAAAAABcAAAAUAAAAAAAAANwIAAD/fwAA/38AAAAAAAAJAAAABAAAAGcAaAAMAAAAEAAAAAAAAAAAAAAAAAAAAAAAAAAeAAAAaAAAAAAAAAAAAAAAAAAAAAAAAAAAAAAAECcAABAnAAAAAAAAAAAAAAAAAAAAAAAAAAAAAAAAAAAAAAAAAAAAABQAAAAAAAAAwMD/AAAAAABkAAAAMgAAAAAAAABkAAAAAAAAAH9/fwAKAAAAHwAAAFQAAAC74OMF////AQAAAAAAAAAAAAAAAAAAAAAAAAAAAAAAAAAAAAAAAAAAAAAAAn9/fwCAgIADzMzMAMDA/wB/f38AAAAAAAAAAAAAAAAAAAAAAAAAAAAhAAAAGAAAABQAAADlAgAArAUAAMELAACMBwAAECAAACYAAAAIAAAA//////////8="/>
+                <pr:smNativeData xmlns:pr="smNativeData" val="SMDATA_13_GUMTYBMAAAAlAAAAEgAAAE8BAAAAkAAAAEgAAACQAAAASAAAAAAAAAAAAAAAAAAAAAEAAABQAAAAAAAAAAAA4D8AAAAAAADgPwAAAAAAAOA/AAAAAAAA4D8AAAAAAADgPwAAAAAAAOA/AAAAAAAA4D8AAAAAAADgPwAAAAAAAOA/AAAAAAAA4D8CAAAAjAAAAAAAAAAAAAAAu+DjDP///wgAAAAAAAAAAAAAAAAAAAAAAAAAAAAAAAAAAAAAZAAAAAEAAABAAAAAAAAAAAAAAAAAAAAAAAAAAAAAAAAAAAAAAAAAAAAAAAAAAAAAAAAAAAAAAAAAAAAAAAAAAAAAAAAAAAAAAAAAAAAAAAAAAAAAAAAAAAAAAAAAAAAAFAAAADwAAAAAAAAAAAAAAAAAAAkUAAAAAQAAABQAAAAUAAAAFAAAAAEAAAAAAAAAZAAAAGQAAAAAAAAAZAAAAGQAAAAVAAAAYAAAAAAAAAAAAAAADwAAACADAAAAAAAAAAAAAAEAAACgMgAAVgcAAKr4//8BAAAAf39/AAEAAABkAAAAAAAAABQAAABAHwAAAAAAACYAAAAAAAAAwOD//wAAAAAmAAAAZAAAABYAAABMAAAAAAAAAAAAAAAEAAAAAAAAAAEAAACAgIAKAAAAACgAAAAoAAAAZAAAAGQAAAAAAAAAzMzMAAAAAABQAAAAUAAAAGQAAABkAAAAAAAAABcAAAAUAAAAAAAAANwIAAD/fwAA/38AAAAAAAAJAAAABAAAAGcAaAAMAAAAEAAAAAAAAAAAAAAAAAAAAAAAAAAeAAAAaAAAAAAAAAAAAAAAAAAAAAAAAAAAAAAAECcAABAnAAAAAAAAAAAAAAAAAAAAAAAAAAAAAAAAAAAAAAAAAAAAABQAAAAAAAAAwMD/AAAAAABkAAAAMgAAAAAAAABkAAAAAAAAAH9/fwAKAAAAHwAAAFQAAAC74OMF////AQAAAAAAAAAAAAAAAAAAAAAAAAAAAAAAAAAAAAAAAAAAAAAAAn9/fwCAgIADzMzMAMDA/wB/f38AAAAAAAAAAAAAAAAAAAAAAAAAAAAhAAAAGAAAABQAAADlAgAArAUAAMELAACMBwAAECAAACYAAAAIAAAA//////////8="/>
               </a:ext>
             </a:extLst>
           </p:cNvSpPr>
@@ -3935,7 +3935,7 @@
           <p:cNvSpPr txBox="1">
             <a:extLst>
               <a:ext uri="smNativeData">
-                <pr:smNativeData xmlns:pr="smNativeData" val="SMDATA_13_Hs+1XxMAAAAlAAAAEgAAAE8BAAAAkAAAAEgAAACQAAAASAAAAAAAAAAAAAAAAAAAAAEAAABQAAAAAAAAAAAA4D8AAAAAAADgPwAAAAAAAOA/AAAAAAAA4D8AAAAAAADgPwAAAAAAAOA/AAAAAAAA4D8AAAAAAADgPwAAAAAAAOA/AAAAAAAA4D8CAAAAjAAAAAAAAAAAAAAAu+DjDP///wgAAAAAAAAAAAAAAAAAAAAAAAAAAAAAAAAAAAAAZAAAAAEAAABAAAAAAAAAAAAAAAAAAAAAAAAAAAAAAAAAAAAAAAAAAAAAAAAAAAAAAAAAAAAAAAAAAAAAAAAAAAAAAAAAAAAAAAAAAAAAAAAAAAAAAAAAAAAAAAAAAAAAFAAAADwAAAAAAAAAAAAAAAAAAAkUAAAAAQAAABQAAAAUAAAAFAAAAAEAAAAAAAAAZAAAAGQAAAAAAAAAZAAAAGQAAAAVAAAAYAAAAAAAAAAAAAAADwAAACADAAAAAAAAAAAAAAEAAACgMgAAVgcAAKr4//8BAAAAf39/AAEAAABkAAAAAAAAABQAAABAHwAAAAAAACYAAAAAAAAAwOD//wAAAAAmAAAAZAAAABYAAABMAAAAAAAAAAAAAAAEAAAAAAAAAAEAAACAgIAKAAAAACgAAAAoAAAAZAAAAGQAAAAAAAAAzMzMAAAAAABQAAAAUAAAAGQAAABkAAAAAAAAABcAAAAUAAAAAAAAANwIAAD/fwAA/38AAAAAAAAJAAAABAAAAAAAAAAMAAAAEAAAAAAAAAAAAAAAAAAAAAAAAAAeAAAAaAAAAAAAAAAAAAAAAAAAAAAAAAAAAAAAECcAABAnAAAAAAAAAAAAAAAAAAAAAAAAAAAAAAAAAAAAAAAAAAAAABQAAAAAAAAAwMD/AAAAAABkAAAAMgAAAAAAAABkAAAAAAAAAH9/fwAKAAAAHwAAAFQAAAC74OMF////AQAAAAAAAAAAAAAAAAAAAAAAAAAAAAAAAAAAAAAAAAAAAAAAAn9/fwCAgIADzMzMAMDA/wB/f38AAAAAAAAAAAAAAAAAAAAAAAAAAAAhAAAAGAAAABQAAADlAgAAWwkAAMELAAA7CwAAECAAACYAAAAIAAAA//////////8="/>
+                <pr:smNativeData xmlns:pr="smNativeData" val="SMDATA_13_GUMTYBMAAAAlAAAAEgAAAE8BAAAAkAAAAEgAAACQAAAASAAAAAAAAAAAAAAAAAAAAAEAAABQAAAAAAAAAAAA4D8AAAAAAADgPwAAAAAAAOA/AAAAAAAA4D8AAAAAAADgPwAAAAAAAOA/AAAAAAAA4D8AAAAAAADgPwAAAAAAAOA/AAAAAAAA4D8CAAAAjAAAAAAAAAAAAAAAu+DjDP///wgAAAAAAAAAAAAAAAAAAAAAAAAAAAAAAAAAAAAAZAAAAAEAAABAAAAAAAAAAAAAAAAAAAAAAAAAAAAAAAAAAAAAAAAAAAAAAAAAAAAAAAAAAAAAAAAAAAAAAAAAAAAAAAAAAAAAAAAAAAAAAAAAAAAAAAAAAAAAAAAAAAAAFAAAADwAAAAAAAAAAAAAAAAAAAkUAAAAAQAAABQAAAAUAAAAFAAAAAEAAAAAAAAAZAAAAGQAAAAAAAAAZAAAAGQAAAAVAAAAYAAAAAAAAAAAAAAADwAAACADAAAAAAAAAAAAAAEAAACgMgAAVgcAAKr4//8BAAAAf39/AAEAAABkAAAAAAAAABQAAABAHwAAAAAAACYAAAAAAAAAwOD//wAAAAAmAAAAZAAAABYAAABMAAAAAAAAAAAAAAAEAAAAAAAAAAEAAACAgIAKAAAAACgAAAAoAAAAZAAAAGQAAAAAAAAAzMzMAAAAAABQAAAAUAAAAGQAAABkAAAAAAAAABcAAAAUAAAAAAAAANwIAAD/fwAA/38AAAAAAAAJAAAABAAAAAAAAAAMAAAAEAAAAAAAAAAAAAAAAAAAAAAAAAAeAAAAaAAAAAAAAAAAAAAAAAAAAAAAAAAAAAAAECcAABAnAAAAAAAAAAAAAAAAAAAAAAAAAAAAAAAAAAAAAAAAAAAAABQAAAAAAAAAwMD/AAAAAABkAAAAMgAAAAAAAABkAAAAAAAAAH9/fwAKAAAAHwAAAFQAAAC74OMF////AQAAAAAAAAAAAAAAAAAAAAAAAAAAAAAAAAAAAAAAAAAAAAAAAn9/fwCAgIADzMzMAMDA/wB/f38AAAAAAAAAAAAAAAAAAAAAAAAAAAAhAAAAGAAAABQAAADlAgAAWwkAAMELAAA7CwAAECAAACYAAAAIAAAA//////////8="/>
               </a:ext>
             </a:extLst>
           </p:cNvSpPr>
@@ -3978,7 +3978,7 @@
           <p:cNvSpPr txBox="1">
             <a:extLst>
               <a:ext uri="smNativeData">
-                <pr:smNativeData xmlns:pr="smNativeData" val="SMDATA_13_Hs+1XxMAAAAlAAAAEgAAAE8BAAAAkAAAAEgAAACQAAAASAAAAAAAAAAAAAAAAAAAAAEAAABQAAAAAAAAAAAA4D8AAAAAAADgPwAAAAAAAOA/AAAAAAAA4D8AAAAAAADgPwAAAAAAAOA/AAAAAAAA4D8AAAAAAADgPwAAAAAAAOA/AAAAAAAA4D8CAAAAjAAAAAAAAAAAAAAAu+DjDP///wgAAAAAAAAAAAAAAAAAAAAAAAAAAAAAAAAAAAAAZAAAAAEAAABAAAAAAAAAAAAAAAAAAAAAAAAAAAAAAAAAAAAAAAAAAAAAAAAAAAAAAAAAAAAAAAAAAAAAAAAAAAAAAAAAAAAAAAAAAAAAAAAAAAAAAAAAAAAAAAAAAAAAFAAAADwAAAAAAAAAAAAAAAAAAAkUAAAAAQAAABQAAAAUAAAAFAAAAAEAAAAAAAAAZAAAAGQAAAAAAAAAZAAAAGQAAAAVAAAAYAAAAAAAAAAAAAAADwAAACADAAAAAAAAAAAAAAEAAACgMgAAVgcAAKr4//8BAAAAf39/AAEAAABkAAAAAAAAABQAAABAHwAAAAAAACYAAAAAAAAAwOD//wAAAAAmAAAAZAAAABYAAABMAAAAAAAAAAAAAAAEAAAAAAAAAAEAAACAgIAKAAAAACgAAAAoAAAAZAAAAGQAAAAAAAAAzMzMAAAAAABQAAAAUAAAAGQAAABkAAAAAAAAABcAAAAUAAAAAAAAANwIAAD/fwAA/38AAAAAAAAJAAAABAAAAAAAAAAMAAAAEAAAAAAAAAAAAAAAAAAAAAAAAAAeAAAAaAAAAAAAAAAAAAAAAAAAAAAAAAAAAAAAECcAABAnAAAAAAAAAAAAAAAAAAAAAAAAAAAAAAAAAAAAAAAAAAAAABQAAAAAAAAAwMD/AAAAAABkAAAAMgAAAAAAAABkAAAAAAAAAH9/fwAKAAAAHwAAAFQAAAC74OMF////AQAAAAAAAAAAAAAAAAAAAAAAAAAAAAAAAAAAAAAAAAAAAAAAAn9/fwCAgIADzMzMAMDA/wB/f38AAAAAAAAAAAAAAAAAAAAAAAAAAAAhAAAAGAAAABQAAADlAgAAWw8AAMELAAA7EQAAECAAACYAAAAIAAAA//////////8="/>
+                <pr:smNativeData xmlns:pr="smNativeData" val="SMDATA_13_GUMTYBMAAAAlAAAAEgAAAE8BAAAAkAAAAEgAAACQAAAASAAAAAAAAAAAAAAAAAAAAAEAAABQAAAAAAAAAAAA4D8AAAAAAADgPwAAAAAAAOA/AAAAAAAA4D8AAAAAAADgPwAAAAAAAOA/AAAAAAAA4D8AAAAAAADgPwAAAAAAAOA/AAAAAAAA4D8CAAAAjAAAAAAAAAAAAAAAu+DjDP///wgAAAAAAAAAAAAAAAAAAAAAAAAAAAAAAAAAAAAAZAAAAAEAAABAAAAAAAAAAAAAAAAAAAAAAAAAAAAAAAAAAAAAAAAAAAAAAAAAAAAAAAAAAAAAAAAAAAAAAAAAAAAAAAAAAAAAAAAAAAAAAAAAAAAAAAAAAAAAAAAAAAAAFAAAADwAAAAAAAAAAAAAAAAAAAkUAAAAAQAAABQAAAAUAAAAFAAAAAEAAAAAAAAAZAAAAGQAAAAAAAAAZAAAAGQAAAAVAAAAYAAAAAAAAAAAAAAADwAAACADAAAAAAAAAAAAAAEAAACgMgAAVgcAAKr4//8BAAAAf39/AAEAAABkAAAAAAAAABQAAABAHwAAAAAAACYAAAAAAAAAwOD//wAAAAAmAAAAZAAAABYAAABMAAAAAAAAAAAAAAAEAAAAAAAAAAEAAACAgIAKAAAAACgAAAAoAAAAZAAAAGQAAAAAAAAAzMzMAAAAAABQAAAAUAAAAGQAAABkAAAAAAAAABcAAAAUAAAAAAAAANwIAAD/fwAA/38AAAAAAAAJAAAABAAAAAAAAAAMAAAAEAAAAAAAAAAAAAAAAAAAAAAAAAAeAAAAaAAAAAAAAAAAAAAAAAAAAAAAAAAAAAAAECcAABAnAAAAAAAAAAAAAAAAAAAAAAAAAAAAAAAAAAAAAAAAAAAAABQAAAAAAAAAwMD/AAAAAABkAAAAMgAAAAAAAABkAAAAAAAAAH9/fwAKAAAAHwAAAFQAAAC74OMF////AQAAAAAAAAAAAAAAAAAAAAAAAAAAAAAAAAAAAAAAAAAAAAAAAn9/fwCAgIADzMzMAMDA/wB/f38AAAAAAAAAAAAAAAAAAAAAAAAAAAAhAAAAGAAAABQAAADlAgAAWw8AAMELAAA7EQAAECAAACYAAAAIAAAA//////////8="/>
               </a:ext>
             </a:extLst>
           </p:cNvSpPr>
@@ -4021,7 +4021,7 @@
           <p:cNvSpPr txBox="1">
             <a:extLst>
               <a:ext uri="smNativeData">
-                <pr:smNativeData xmlns:pr="smNativeData" val="SMDATA_13_Hs+1XxMAAAAlAAAAEgAAAE8BAAAAkAAAAEgAAACQAAAASAAAAAAAAAAAAAAAAAAAAAEAAABQAAAAAAAAAAAA4D8AAAAAAADgPwAAAAAAAOA/AAAAAAAA4D8AAAAAAADgPwAAAAAAAOA/AAAAAAAA4D8AAAAAAADgPwAAAAAAAOA/AAAAAAAA4D8CAAAAjAAAAAAAAAAAAAAAu+DjDP///wgAAAAAAAAAAAAAAAAAAAAAAAAAAAAAAAAAAAAAZAAAAAEAAABAAAAAAAAAAAAAAAAAAAAAAAAAAAAAAAAAAAAAAAAAAAAAAAAAAAAAAAAAAAAAAAAAAAAAAAAAAAAAAAAAAAAAAAAAAAAAAAAAAAAAAAAAAAAAAAAAAAAAFAAAADwAAAAAAAAAAAAAAAAAAAkUAAAAAQAAABQAAAAUAAAAFAAAAAEAAAAAAAAAZAAAAGQAAAAAAAAAZAAAAGQAAAAVAAAAYAAAAAAAAAAAAAAADwAAACADAAAAAAAAAAAAAAEAAACgMgAAVgcAAKr4//8BAAAAf39/AAEAAABkAAAAAAAAABQAAABAHwAAAAAAACYAAAAAAAAAwOD//wAAAAAmAAAAZAAAABYAAABMAAAAAAAAAAAAAAAEAAAAAAAAAAEAAACAgIAKAAAAACgAAAAoAAAAZAAAAGQAAAAAAAAAzMzMAAAAAABQAAAAUAAAAGQAAABkAAAAAAAAABcAAAAUAAAAAAAAANwIAAD/fwAA/38AAAAAAAAJAAAABAAAAAAAAAAMAAAAEAAAAAAAAAAAAAAAAAAAAAAAAAAeAAAAaAAAAAAAAAAAAAAAAAAAAAAAAAAAAAAAECcAABAnAAAAAAAAAAAAAAAAAAAAAAAAAAAAAAAAAAAAAAAAAAAAABQAAAAAAAAAwMD/AAAAAABkAAAAMgAAAAAAAABkAAAAAAAAAH9/fwAKAAAAHwAAAFQAAAC74OMF////AQAAAAAAAAAAAAAAAAAAAAAAAAAAAAAAAAAAAAAAAAAAAAAAAn9/fwCAgIADzMzMAMDA/wB/f38AAAAAAAAAAAAAAAAAAAAAAAAAAAAhAAAAGAAAABQAAAAnCgAA3gUAAAMTAAB+CAAAECAAACYAAAAIAAAA//////////8="/>
+                <pr:smNativeData xmlns:pr="smNativeData" val="SMDATA_13_GUMTYBMAAAAlAAAAEgAAAE8BAAAAkAAAAEgAAACQAAAASAAAAAAAAAAAAAAAAAAAAAEAAABQAAAAAAAAAAAA4D8AAAAAAADgPwAAAAAAAOA/AAAAAAAA4D8AAAAAAADgPwAAAAAAAOA/AAAAAAAA4D8AAAAAAADgPwAAAAAAAOA/AAAAAAAA4D8CAAAAjAAAAAAAAAAAAAAAu+DjDP///wgAAAAAAAAAAAAAAAAAAAAAAAAAAAAAAAAAAAAAZAAAAAEAAABAAAAAAAAAAAAAAAAAAAAAAAAAAAAAAAAAAAAAAAAAAAAAAAAAAAAAAAAAAAAAAAAAAAAAAAAAAAAAAAAAAAAAAAAAAAAAAAAAAAAAAAAAAAAAAAAAAAAAFAAAADwAAAAAAAAAAAAAAAAAAAkUAAAAAQAAABQAAAAUAAAAFAAAAAEAAAAAAAAAZAAAAGQAAAAAAAAAZAAAAGQAAAAVAAAAYAAAAAAAAAAAAAAADwAAACADAAAAAAAAAAAAAAEAAACgMgAAVgcAAKr4//8BAAAAf39/AAEAAABkAAAAAAAAABQAAABAHwAAAAAAACYAAAAAAAAAwOD//wAAAAAmAAAAZAAAABYAAABMAAAAAAAAAAAAAAAEAAAAAAAAAAEAAACAgIAKAAAAACgAAAAoAAAAZAAAAGQAAAAAAAAAzMzMAAAAAABQAAAAUAAAAGQAAABkAAAAAAAAABcAAAAUAAAAAAAAANwIAAD/fwAA/38AAAAAAAAJAAAABAAAAAAAAAAMAAAAEAAAAAAAAAAAAAAAAAAAAAAAAAAeAAAAaAAAAAAAAAAAAAAAAAAAAAAAAAAAAAAAECcAABAnAAAAAAAAAAAAAAAAAAAAAAAAAAAAAAAAAAAAAAAAAAAAABQAAAAAAAAAwMD/AAAAAABkAAAAMgAAAAAAAABkAAAAAAAAAH9/fwAKAAAAHwAAAFQAAAC74OMF////AQAAAAAAAAAAAAAAAAAAAAAAAAAAAAAAAAAAAAAAAAAAAAAAAn9/fwCAgIADzMzMAMDA/wB/f38AAAAAAAAAAAAAAAAAAAAAAAAAAAAhAAAAGAAAABQAAAAnCgAA3gUAAAMTAAB+CAAAECAAACYAAAAIAAAA//////////8="/>
               </a:ext>
             </a:extLst>
           </p:cNvSpPr>
@@ -4076,7 +4076,7 @@
           <p:cNvSpPr txBox="1">
             <a:extLst>
               <a:ext uri="smNativeData">
-                <pr:smNativeData xmlns:pr="smNativeData" val="SMDATA_13_Hs+1XxMAAAAlAAAAEgAAAE8BAAAAkAAAAEgAAACQAAAASAAAAAAAAAAAAAAAAAAAAAEAAABQAAAAAAAAAAAA4D8AAAAAAADgPwAAAAAAAOA/AAAAAAAA4D8AAAAAAADgPwAAAAAAAOA/AAAAAAAA4D8AAAAAAADgPwAAAAAAAOA/AAAAAAAA4D8CAAAAjAAAAAAAAAAAAAAAu+DjDP///wgAAAAAAAAAAAAAAAAAAAAAAAAAAAAAAAAAAAAAZAAAAAEAAABAAAAAAAAAAAAAAAAAAAAAAAAAAAAAAAAAAAAAAAAAAAAAAAAAAAAAAAAAAAAAAAAAAAAAAAAAAAAAAAAAAAAAAAAAAAAAAAAAAAAAAAAAAAAAAAAAAAAAFAAAADwAAAAAAAAAAAAAAAAAAAkUAAAAAQAAABQAAAAUAAAAFAAAAAEAAAAAAAAAZAAAAGQAAAAAAAAAZAAAAGQAAAAVAAAAYAAAAAAAAAAAAAAADwAAACADAAAAAAAAAAAAAAEAAACgMgAAVgcAAKr4//8BAAAAf39/AAEAAABkAAAAAAAAABQAAABAHwAAAAAAACYAAAAAAAAAwOD//wAAAAAmAAAAZAAAABYAAABMAAAAAAAAAAAAAAAEAAAAAAAAAAEAAACAgIAKAAAAACgAAAAoAAAAZAAAAGQAAAAAAAAAzMzMAAAAAABQAAAAUAAAAGQAAABkAAAAAAAAABcAAAAUAAAAAAAAANwIAAD/fwAA/38AAAAAAAAJAAAABAAAAAAAAAAMAAAAEAAAAAAAAAAAAAAAAAAAAAAAAAAeAAAAaAAAAAAAAAAAAAAAAAAAAAAAAAAAAAAAECcAABAnAAAAAAAAAAAAAAAAAAAAAAAAAAAAAAAAAAAAAAAAAAAAABQAAAAAAAAAwMD/AAAAAABkAAAAMgAAAAAAAABkAAAAAAAAAH9/fwAKAAAAHwAAAFQAAAC74OMF////AQAAAAAAAAAAAAAAAAAAAAAAAAAAAAAAAAAAAAAAAAAAAAAAAn9/fwCAgIADzMzMAMDA/wB/f38AAAAAAAAAAAAAAAAAAAAAAAAAAAAhAAAAGAAAABQAAAAvCgAAzggAAMcUAACGDgAAECAAACYAAAAIAAAA//////////8="/>
+                <pr:smNativeData xmlns:pr="smNativeData" val="SMDATA_13_GUMTYBMAAAAlAAAAEgAAAE8BAAAAkAAAAEgAAACQAAAASAAAAAAAAAAAAAAAAAAAAAEAAABQAAAAAAAAAAAA4D8AAAAAAADgPwAAAAAAAOA/AAAAAAAA4D8AAAAAAADgPwAAAAAAAOA/AAAAAAAA4D8AAAAAAADgPwAAAAAAAOA/AAAAAAAA4D8CAAAAjAAAAAAAAAAAAAAAu+DjDP///wgAAAAAAAAAAAAAAAAAAAAAAAAAAAAAAAAAAAAAZAAAAAEAAABAAAAAAAAAAAAAAAAAAAAAAAAAAAAAAAAAAAAAAAAAAAAAAAAAAAAAAAAAAAAAAAAAAAAAAAAAAAAAAAAAAAAAAAAAAAAAAAAAAAAAAAAAAAAAAAAAAAAAFAAAADwAAAAAAAAAAAAAAAAAAAkUAAAAAQAAABQAAAAUAAAAFAAAAAEAAAAAAAAAZAAAAGQAAAAAAAAAZAAAAGQAAAAVAAAAYAAAAAAAAAAAAAAADwAAACADAAAAAAAAAAAAAAEAAACgMgAAVgcAAKr4//8BAAAAf39/AAEAAABkAAAAAAAAABQAAABAHwAAAAAAACYAAAAAAAAAwOD//wAAAAAmAAAAZAAAABYAAABMAAAAAAAAAAAAAAAEAAAAAAAAAAEAAACAgIAKAAAAACgAAAAoAAAAZAAAAGQAAAAAAAAAzMzMAAAAAABQAAAAUAAAAGQAAABkAAAAAAAAABcAAAAUAAAAAAAAANwIAAD/fwAA/38AAAAAAAAJAAAABAAAAAAAAAAMAAAAEAAAAAAAAAAAAAAAAAAAAAAAAAAeAAAAaAAAAAAAAAAAAAAAAAAAAAAAAAAAAAAAECcAABAnAAAAAAAAAAAAAAAAAAAAAAAAAAAAAAAAAAAAAAAAAAAAABQAAAAAAAAAwMD/AAAAAABkAAAAMgAAAAAAAABkAAAAAAAAAH9/fwAKAAAAHwAAAFQAAAC74OMF////AQAAAAAAAAAAAAAAAAAAAAAAAAAAAAAAAAAAAAAAAAAAAAAAAn9/fwCAgIADzMzMAMDA/wB/f38AAAAAAAAAAAAAAAAAAAAAAAAAAAAhAAAAGAAAABQAAAAvCgAAzggAAMcUAACGDgAAECAAACYAAAAIAAAA//////////8="/>
               </a:ext>
             </a:extLst>
           </p:cNvSpPr>
@@ -4167,7 +4167,7 @@
           <p:cNvSpPr txBox="1">
             <a:extLst>
               <a:ext uri="smNativeData">
-                <pr:smNativeData xmlns:pr="smNativeData" val="SMDATA_13_Hs+1XxMAAAAlAAAAEgAAAE8BAAAAkAAAAEgAAACQAAAASAAAAAAAAAAAAAAAAAAAAAEAAABQAAAAAAAAAAAA4D8AAAAAAADgPwAAAAAAAOA/AAAAAAAA4D8AAAAAAADgPwAAAAAAAOA/AAAAAAAA4D8AAAAAAADgPwAAAAAAAOA/AAAAAAAA4D8CAAAAjAAAAAAAAAAAAAAAu+DjDP///wgAAAAAAAAAAAAAAAAAAAAAAAAAAAAAAAAAAAAAZAAAAAEAAABAAAAAAAAAAAAAAAAAAAAAAAAAAAAAAAAAAAAAAAAAAAAAAAAAAAAAAAAAAAAAAAAAAAAAAAAAAAAAAAAAAAAAAAAAAAAAAAAAAAAAAAAAAAAAAAAAAAAAFAAAADwAAAAAAAAAAAAAAAAAAAkUAAAAAQAAABQAAAAUAAAAFAAAAAEAAAAAAAAAZAAAAGQAAAAAAAAAZAAAAGQAAAAVAAAAYAAAAAAAAAAAAAAADwAAACADAAAAAAAAAAAAAAEAAACgMgAAVgcAAKr4//8BAAAAf39/AAEAAABkAAAAAAAAABQAAABAHwAAAAAAACYAAAAAAAAAwOD//wAAAAAmAAAAZAAAABYAAABMAAAAAAAAAAAAAAAEAAAAAAAAAAEAAACAgIAKAAAAACgAAAAoAAAAZAAAAGQAAAAAAAAAzMzMAAAAAABQAAAAUAAAAGQAAABkAAAAAAAAABcAAAAUAAAAAAAAANwIAAD/fwAA/38AAAAAAAAJAAAABAAAAGcAaAAMAAAAEAAAAAAAAAAAAAAAAAAAAAAAAAAeAAAAaAAAAAAAAAAAAAAAAAAAAAAAAAAAAAAAECcAABAnAAAAAAAAAAAAAAAAAAAAAAAAAAAAAAAAAAAAAAAAAAAAABQAAAAAAAAAwMD/AAAAAABkAAAAMgAAAAAAAABkAAAAAAAAAH9/fwAKAAAAHwAAAFQAAAC74OMF////AQAAAAAAAAAAAAAAAAAAAAAAAAAAAAAAAAAAAAAAAAAAAAAAAn9/fwCAgIADzMzMAMDA/wB/f38AAAAAAAAAAAAAAAAAAAAAAAAAAAAhAAAAGAAAABQAAACDBQAA3gsAAPUJAACODQAAECAAACYAAAAIAAAA//////////8="/>
+                <pr:smNativeData xmlns:pr="smNativeData" val="SMDATA_13_GUMTYBMAAAAlAAAAEgAAAE8BAAAAkAAAAEgAAACQAAAASAAAAAAAAAAAAAAAAAAAAAEAAABQAAAAAAAAAAAA4D8AAAAAAADgPwAAAAAAAOA/AAAAAAAA4D8AAAAAAADgPwAAAAAAAOA/AAAAAAAA4D8AAAAAAADgPwAAAAAAAOA/AAAAAAAA4D8CAAAAjAAAAAAAAAAAAAAAu+DjDP///wgAAAAAAAAAAAAAAAAAAAAAAAAAAAAAAAAAAAAAZAAAAAEAAABAAAAAAAAAAAAAAAAAAAAAAAAAAAAAAAAAAAAAAAAAAAAAAAAAAAAAAAAAAAAAAAAAAAAAAAAAAAAAAAAAAAAAAAAAAAAAAAAAAAAAAAAAAAAAAAAAAAAAFAAAADwAAAAAAAAAAAAAAAAAAAkUAAAAAQAAABQAAAAUAAAAFAAAAAEAAAAAAAAAZAAAAGQAAAAAAAAAZAAAAGQAAAAVAAAAYAAAAAAAAAAAAAAADwAAACADAAAAAAAAAAAAAAEAAACgMgAAVgcAAKr4//8BAAAAf39/AAEAAABkAAAAAAAAABQAAABAHwAAAAAAACYAAAAAAAAAwOD//wAAAAAmAAAAZAAAABYAAABMAAAAAAAAAAAAAAAEAAAAAAAAAAEAAACAgIAKAAAAACgAAAAoAAAAZAAAAGQAAAAAAAAAzMzMAAAAAABQAAAAUAAAAGQAAABkAAAAAAAAABcAAAAUAAAAAAAAANwIAAD/fwAA/38AAAAAAAAJAAAABAAAAGcAaAAMAAAAEAAAAAAAAAAAAAAAAAAAAAAAAAAeAAAAaAAAAAAAAAAAAAAAAAAAAAAAAAAAAAAAECcAABAnAAAAAAAAAAAAAAAAAAAAAAAAAAAAAAAAAAAAAAAAAAAAABQAAAAAAAAAwMD/AAAAAABkAAAAMgAAAAAAAABkAAAAAAAAAH9/fwAKAAAAHwAAAFQAAAC74OMF////AQAAAAAAAAAAAAAAAAAAAAAAAAAAAAAAAAAAAAAAAAAAAAAAAn9/fwCAgIADzMzMAMDA/wB/f38AAAAAAAAAAAAAAAAAAAAAAAAAAAAhAAAAGAAAABQAAACDBQAA3gsAAPUJAACODQAAECAAACYAAAAIAAAA//////////8="/>
               </a:ext>
             </a:extLst>
           </p:cNvSpPr>
@@ -4210,7 +4210,7 @@
           <p:cNvSpPr txBox="1">
             <a:extLst>
               <a:ext uri="smNativeData">
-                <pr:smNativeData xmlns:pr="smNativeData" val="SMDATA_13_Hs+1XxMAAAAlAAAAEgAAAE8BAAAAkAAAAEgAAACQAAAASAAAAAAAAAAAAAAAAAAAAAEAAABQAAAAAAAAAAAA4D8AAAAAAADgPwAAAAAAAOA/AAAAAAAA4D8AAAAAAADgPwAAAAAAAOA/AAAAAAAA4D8AAAAAAADgPwAAAAAAAOA/AAAAAAAA4D8CAAAAjAAAAAAAAAAAAAAAu+DjDP///wgAAAAAAAAAAAAAAAAAAAAAAAAAAAAAAAAAAAAAZAAAAAEAAABAAAAAAAAAAAAAAAAAAAAAAAAAAAAAAAAAAAAAAAAAAAAAAAAAAAAAAAAAAAAAAAAAAAAAAAAAAAAAAAAAAAAAAAAAAAAAAAAAAAAAAAAAAAAAAAAAAAAAFAAAADwAAAAAAAAAAAAAAAAAAAkUAAAAAQAAABQAAAAUAAAAFAAAAAEAAAAAAAAAZAAAAGQAAAAAAAAAZAAAAGQAAAAVAAAAYAAAAAAAAAAAAAAADwAAACADAAAAAAAAAAAAAAEAAACgMgAAVgcAAKr4//8BAAAAf39/AAEAAABkAAAAAAAAABQAAABAHwAAAAAAACYAAAAAAAAAwOD//wAAAAAmAAAAZAAAABYAAABMAAAAAAAAAAAAAAAEAAAAAAAAAAEAAACAgIAKAAAAACgAAAAoAAAAZAAAAGQAAAAAAAAAzMzMAAAAAABQAAAAUAAAAGQAAABkAAAAAAAAABcAAAAUAAAAAAAAANwIAAD/fwAA/38AAAAAAAAJAAAABAAAAGcAaAAMAAAAEAAAAAAAAAAAAAAAAAAAAAAAAAAeAAAAaAAAAAAAAAAAAAAAAAAAAAAAAAAAAAAAECcAABAnAAAAAAAAAAAAAAAAAAAAAAAAAAAAAAAAAAAAAAAAAAAAABQAAAAAAAAAwMD/AAAAAABkAAAAMgAAAAAAAABkAAAAAAAAAH9/fwAKAAAAHwAAAFQAAAC74OMF////AQAAAAAAAAAAAAAAAAAAAAAAAAAAAAAAAAAAAAAAAAAAAAAAAn9/fwCAgIADzMzMAMDA/wB/f38AAAAAAAAAAAAAAAAAAAAAAAAAAAAhAAAAGAAAABQAAACDBQAAaQcAAPUJAAAZCQAAECAAACYAAAAIAAAA//////////8="/>
+                <pr:smNativeData xmlns:pr="smNativeData" val="SMDATA_13_GUMTYBMAAAAlAAAAEgAAAE8BAAAAkAAAAEgAAACQAAAASAAAAAAAAAAAAAAAAAAAAAEAAABQAAAAAAAAAAAA4D8AAAAAAADgPwAAAAAAAOA/AAAAAAAA4D8AAAAAAADgPwAAAAAAAOA/AAAAAAAA4D8AAAAAAADgPwAAAAAAAOA/AAAAAAAA4D8CAAAAjAAAAAAAAAAAAAAAu+DjDP///wgAAAAAAAAAAAAAAAAAAAAAAAAAAAAAAAAAAAAAZAAAAAEAAABAAAAAAAAAAAAAAAAAAAAAAAAAAAAAAAAAAAAAAAAAAAAAAAAAAAAAAAAAAAAAAAAAAAAAAAAAAAAAAAAAAAAAAAAAAAAAAAAAAAAAAAAAAAAAAAAAAAAAFAAAADwAAAAAAAAAAAAAAAAAAAkUAAAAAQAAABQAAAAUAAAAFAAAAAEAAAAAAAAAZAAAAGQAAAAAAAAAZAAAAGQAAAAVAAAAYAAAAAAAAAAAAAAADwAAACADAAAAAAAAAAAAAAEAAACgMgAAVgcAAKr4//8BAAAAf39/AAEAAABkAAAAAAAAABQAAABAHwAAAAAAACYAAAAAAAAAwOD//wAAAAAmAAAAZAAAABYAAABMAAAAAAAAAAAAAAAEAAAAAAAAAAEAAACAgIAKAAAAACgAAAAoAAAAZAAAAGQAAAAAAAAAzMzMAAAAAABQAAAAUAAAAGQAAABkAAAAAAAAABcAAAAUAAAAAAAAANwIAAD/fwAA/38AAAAAAAAJAAAABAAAAGcAaAAMAAAAEAAAAAAAAAAAAAAAAAAAAAAAAAAeAAAAaAAAAAAAAAAAAAAAAAAAAAAAAAAAAAAAECcAABAnAAAAAAAAAAAAAAAAAAAAAAAAAAAAAAAAAAAAAAAAAAAAABQAAAAAAAAAwMD/AAAAAABkAAAAMgAAAAAAAABkAAAAAAAAAH9/fwAKAAAAHwAAAFQAAAC74OMF////AQAAAAAAAAAAAAAAAAAAAAAAAAAAAAAAAAAAAAAAAAAAAAAAAn9/fwCAgIADzMzMAMDA/wB/f38AAAAAAAAAAAAAAAAAAAAAAAAAAAAhAAAAGAAAABQAAACDBQAAaQcAAPUJAAAZCQAAECAAACYAAAAIAAAA//////////8="/>
               </a:ext>
             </a:extLst>
           </p:cNvSpPr>
@@ -4253,7 +4253,7 @@
           <p:cNvSpPr txBox="1">
             <a:extLst>
               <a:ext uri="smNativeData">
-                <pr:smNativeData xmlns:pr="smNativeData" val="SMDATA_13_Hs+1XxMAAAAlAAAAEgAAAE8BAAAAkAAAAEgAAACQAAAASAAAAAAAAAAAAAAAAAAAAAEAAABQAAAAAAAAAAAA4D8AAAAAAADgPwAAAAAAAOA/AAAAAAAA4D8AAAAAAADgPwAAAAAAAOA/AAAAAAAA4D8AAAAAAADgPwAAAAAAAOA/AAAAAAAA4D8CAAAAjAAAAAAAAAAAAAAAu+DjDP///wgAAAAAAAAAAAAAAAAAAAAAAAAAAAAAAAAAAAAAZAAAAAEAAABAAAAAAAAAAAAAAAAAAAAAAAAAAAAAAAAAAAAAAAAAAAAAAAAAAAAAAAAAAAAAAAAAAAAAAAAAAAAAAAAAAAAAAAAAAAAAAAAAAAAAAAAAAAAAAAAAAAAAFAAAADwAAAAAAAAAAAAAAAAAAAkUAAAAAQAAABQAAAAUAAAAFAAAAAEAAAAAAAAAZAAAAGQAAAAAAAAAZAAAAGQAAAAVAAAAYAAAAAAAAAAAAAAADwAAACADAAAAAAAAAAAAAAEAAACgMgAAVgcAAKr4//8BAAAAf39/AAEAAABkAAAAAAAAABQAAABAHwAAAAAAACYAAAAAAAAAwOD//wAAAAAmAAAAZAAAABYAAABMAAAAAAAAAAAAAAAEAAAAAAAAAAEAAACAgIAKAAAAACgAAAAoAAAAZAAAAGQAAAAAAAAAzMzMAAAAAABQAAAAUAAAAGQAAABkAAAAAAAAABcAAAAUAAAAAAAAANwIAAD/fwAA/38AAAAAAAAJAAAABAAAAAAAAAAMAAAAEAAAAAAAAAAAAAAAAAAAAAAAAAAeAAAAaAAAAAAAAAAAAAAAAAAAAAAAAAAAAAAAECcAABAnAAAAAAAAAAAAAAAAAAAAAAAAAAAAAAAAAAAAAAAAAAAAABQAAAAAAAAAwMD/AAAAAABkAAAAMgAAAAAAAABkAAAAAAAAAH9/fwAKAAAAHwAAAFQAAAC74OMF////AQAAAAAAAAAAAAAAAAAAAAAAAAAAAAAAAAAAAAAAAAAAAAAAAn9/fwCAgIADzMzMAMDA/wB/f38AAAAAAAAAAAAAAAAAAAAAAAAAAAAhAAAAGAAAABQAAAAvCgAA2w4AAMcUAAD7FQAAECAAACYAAAAIAAAA//////////8="/>
+                <pr:smNativeData xmlns:pr="smNativeData" val="SMDATA_13_GUMTYBMAAAAlAAAAEgAAAE8BAAAAkAAAAEgAAACQAAAASAAAAAAAAAAAAAAAAAAAAAEAAABQAAAAAAAAAAAA4D8AAAAAAADgPwAAAAAAAOA/AAAAAAAA4D8AAAAAAADgPwAAAAAAAOA/AAAAAAAA4D8AAAAAAADgPwAAAAAAAOA/AAAAAAAA4D8CAAAAjAAAAAAAAAAAAAAAu+DjDP///wgAAAAAAAAAAAAAAAAAAAAAAAAAAAAAAAAAAAAAZAAAAAEAAABAAAAAAAAAAAAAAAAAAAAAAAAAAAAAAAAAAAAAAAAAAAAAAAAAAAAAAAAAAAAAAAAAAAAAAAAAAAAAAAAAAAAAAAAAAAAAAAAAAAAAAAAAAAAAAAAAAAAAFAAAADwAAAAAAAAAAAAAAAAAAAkUAAAAAQAAABQAAAAUAAAAFAAAAAEAAAAAAAAAZAAAAGQAAAAAAAAAZAAAAGQAAAAVAAAAYAAAAAAAAAAAAAAADwAAACADAAAAAAAAAAAAAAEAAACgMgAAVgcAAKr4//8BAAAAf39/AAEAAABkAAAAAAAAABQAAABAHwAAAAAAACYAAAAAAAAAwOD//wAAAAAmAAAAZAAAABYAAABMAAAAAAAAAAAAAAAEAAAAAAAAAAEAAACAgIAKAAAAACgAAAAoAAAAZAAAAGQAAAAAAAAAzMzMAAAAAABQAAAAUAAAAGQAAABkAAAAAAAAABcAAAAUAAAAAAAAANwIAAD/fwAA/38AAAAAAAAJAAAABAAAAAAAAAAMAAAAEAAAAAAAAAAAAAAAAAAAAAAAAAAeAAAAaAAAAAAAAAAAAAAAAAAAAAAAAAAAAAAAECcAABAnAAAAAAAAAAAAAAAAAAAAAAAAAAAAAAAAAAAAAAAAAAAAABQAAAAAAAAAwMD/AAAAAABkAAAAMgAAAAAAAABkAAAAAAAAAH9/fwAKAAAAHwAAAFQAAAC74OMF////AQAAAAAAAAAAAAAAAAAAAAAAAAAAAAAAAAAAAAAAAAAAAAAAAn9/fwCAgIADzMzMAMDA/wB/f38AAAAAAAAAAAAAAAAAAAAAAAAAAAAhAAAAGAAAABQAAAAvCgAA2w4AAMcUAADrFgAAACAAACYAAAAIAAAA//////////8="/>
               </a:ext>
             </a:extLst>
           </p:cNvSpPr>
@@ -4262,7 +4262,7 @@
         <p:spPr>
           <a:xfrm>
             <a:off x="1655445" y="2414905"/>
-            <a:ext cx="1722120" cy="1158240"/>
+            <a:ext cx="1722120" cy="1310640"/>
           </a:xfrm>
           <a:prstGeom prst="rect">
             <a:avLst/>
@@ -4360,6 +4360,26 @@
               <a:t>--log-level</a:t>
             </a:r>
           </a:p>
+          <a:p>
+            <a:pPr>
+              <a:defRPr sz="1000">
+                <a:latin typeface="Meiryo UI" pitchFamily="3" charset="-128"/>
+                <a:ea typeface="Meiryo UI" pitchFamily="3" charset="-128"/>
+                <a:cs typeface="Meiryo UI" pitchFamily="3" charset="-128"/>
+              </a:defRPr>
+            </a:pPr>
+            <a:r>
+              <a:t>--</a:t>
+            </a:r>
+            <a:r>
+              <a:rPr>
+                <a:solidFill>
+                  <a:srgbClr val="FF0000"/>
+                </a:solidFill>
+              </a:rPr>
+              <a:t>send</a:t>
+            </a:r>
+          </a:p>
         </p:txBody>
       </p:sp>
       <p:sp>
@@ -4368,7 +4388,7 @@
           <p:cNvSpPr txBox="1">
             <a:extLst>
               <a:ext uri="smNativeData">
-                <pr:smNativeData xmlns:pr="smNativeData" val="SMDATA_13_Hs+1XxMAAAAlAAAAEgAAAE8BAAAAkAAAAEgAAACQAAAASAAAAAAAAAAAAAAAAAAAAAEAAABQAAAAAAAAAAAA4D8AAAAAAADgPwAAAAAAAOA/AAAAAAAA4D8AAAAAAADgPwAAAAAAAOA/AAAAAAAA4D8AAAAAAADgPwAAAAAAAOA/AAAAAAAA4D8CAAAAjAAAAAAAAAAAAAAAu+DjDP///wgAAAAAAAAAAAAAAAAAAAAAAAAAAAAAAAAAAAAAZAAAAAEAAABAAAAAAAAAAAAAAAAAAAAAAAAAAAAAAAAAAAAAAAAAAAAAAAAAAAAAAAAAAAAAAAAAAAAAAAAAAAAAAAAAAAAAAAAAAAAAAAAAAAAAAAAAAAAAAAAAAAAAFAAAADwAAAAAAAAAAAAAAAAAAAkUAAAAAQAAABQAAAAUAAAAFAAAAAEAAAAAAAAAZAAAAGQAAAAAAAAAZAAAAGQAAAAVAAAAYAAAAAAAAAAAAAAADwAAACADAAAAAAAAAAAAAAEAAACgMgAAVgcAAKr4//8BAAAAf39/AAEAAABkAAAAAAAAABQAAABAHwAAAAAAACYAAAAAAAAAwOD//wAAAAAmAAAAZAAAABYAAABMAAAAAAAAAAAAAAAEAAAAAAAAAAEAAACAgIAKAAAAACgAAAAoAAAAZAAAAGQAAAAAAAAAzMzMAAAAAABQAAAAUAAAAGQAAABkAAAAAAAAABcAAAAUAAAAAAAAANwIAAD/fwAA/38AAAAAAAAJAAAABAAAAAAAAAAMAAAAEAAAAAAAAAAAAAAAAAAAAAAAAAAeAAAAaAAAAAAAAAAAAAAAAAAAAAAAAAAAAAAAECcAABAnAAAAAAAAAAAAAAAAAAAAAAAAAAAAAAAAAAAAAAAAAAAAABQAAAAAAAAAwMD/AAAAAABkAAAAMgAAAAAAAABkAAAAAAAAAH9/fwAKAAAAHwAAAFQAAAC74OMF////AQAAAAAAAAAAAAAAAAAAAAAAAAAAAAAAAAAAAAAAAAAAAAAAAn9/fwCAgIADzMzMAMDA/wB/f38AAAAAAAAAAAAAAAAAAAAAAAAAAAAhAAAAGAAAABQAAACDBQAATxEAAPUJAAD/EgAAECAAACYAAAAIAAAA//////////8="/>
+                <pr:smNativeData xmlns:pr="smNativeData" val="SMDATA_13_GUMTYBMAAAAlAAAAEgAAAE8BAAAAkAAAAEgAAACQAAAASAAAAAAAAAAAAAAAAAAAAAEAAABQAAAAAAAAAAAA4D8AAAAAAADgPwAAAAAAAOA/AAAAAAAA4D8AAAAAAADgPwAAAAAAAOA/AAAAAAAA4D8AAAAAAADgPwAAAAAAAOA/AAAAAAAA4D8CAAAAjAAAAAAAAAAAAAAAu+DjDP///wgAAAAAAAAAAAAAAAAAAAAAAAAAAAAAAAAAAAAAZAAAAAEAAABAAAAAAAAAAAAAAAAAAAAAAAAAAAAAAAAAAAAAAAAAAAAAAAAAAAAAAAAAAAAAAAAAAAAAAAAAAAAAAAAAAAAAAAAAAAAAAAAAAAAAAAAAAAAAAAAAAAAAFAAAADwAAAAAAAAAAAAAAAAAAAkUAAAAAQAAABQAAAAUAAAAFAAAAAEAAAAAAAAAZAAAAGQAAAAAAAAAZAAAAGQAAAAVAAAAYAAAAAAAAAAAAAAADwAAACADAAAAAAAAAAAAAAEAAACgMgAAVgcAAKr4//8BAAAAf39/AAEAAABkAAAAAAAAABQAAABAHwAAAAAAACYAAAAAAAAAwOD//wAAAAAmAAAAZAAAABYAAABMAAAAAAAAAAAAAAAEAAAAAAAAAAEAAACAgIAKAAAAACgAAAAoAAAAZAAAAGQAAAAAAAAAzMzMAAAAAABQAAAAUAAAAGQAAABkAAAAAAAAABcAAAAUAAAAAAAAANwIAAD/fwAA/38AAAAAAAAJAAAABAAAAAAAAAAMAAAAEAAAAAAAAAAAAAAAAAAAAAAAAAAeAAAAaAAAAAAAAAAAAAAAAAAAAAAAAAAAAAAAECcAABAnAAAAAAAAAAAAAAAAAAAAAAAAAAAAAAAAAAAAAAAAAAAAABQAAAAAAAAAwMD/AAAAAABkAAAAMgAAAAAAAABkAAAAAAAAAH9/fwAKAAAAHwAAAFQAAAC74OMF////AQAAAAAAAAAAAAAAAAAAAAAAAAAAAAAAAAAAAAAAAAAAAAAAAn9/fwCAgIADzMzMAMDA/wB/f38AAAAAAAAAAAAAAAAAAAAAAAAAAAAhAAAAGAAAABQAAACDBQAATxEAAPUJAAD/EgAAECAAACYAAAAIAAAA//////////8="/>
               </a:ext>
             </a:extLst>
           </p:cNvSpPr>
@@ -4411,7 +4431,7 @@
           <p:cNvSpPr txBox="1">
             <a:extLst>
               <a:ext uri="smNativeData">
-                <pr:smNativeData xmlns:pr="smNativeData" val="SMDATA_13_Hs+1XxMAAAAlAAAAEgAAAE8BAAAAkAAAAEgAAACQAAAASAAAAAAAAAAAAAAAAAAAAAEAAABQAAAAAAAAAAAA4D8AAAAAAADgPwAAAAAAAOA/AAAAAAAA4D8AAAAAAADgPwAAAAAAAOA/AAAAAAAA4D8AAAAAAADgPwAAAAAAAOA/AAAAAAAA4D8CAAAAjAAAAAAAAAAAAAAAu+DjDP///wgAAAAAAAAAAAAAAAAAAAAAAAAAAAAAAAAAAAAAZAAAAAEAAABAAAAAAAAAAAAAAAAAAAAAAAAAAAAAAAAAAAAAAAAAAAAAAAAAAAAAAAAAAAAAAAAAAAAAAAAAAAAAAAAAAAAAAAAAAAAAAAAAAAAAAAAAAAAAAAAAAAAAFAAAADwAAAAAAAAAAAAAAAAAAAkUAAAAAQAAABQAAAAUAAAAFAAAAAEAAAAAAAAAZAAAAGQAAAAAAAAAZAAAAGQAAAAVAAAAYAAAAAAAAAAAAAAADwAAACADAAAAAAAAAAAAAAEAAACgMgAAVgcAAKr4//8BAAAAf39/AAEAAABkAAAAAAAAABQAAABAHwAAAAAAACYAAAAAAAAAwOD//wAAAAAmAAAAZAAAABYAAABMAAAAAAAAAAAAAAAEAAAAAAAAAAEAAACAgIAKAAAAACgAAAAoAAAAZAAAAGQAAAAAAAAAzMzMAAAAAABQAAAAUAAAAGQAAABkAAAAAAAAABcAAAAUAAAAAAAAANwIAAD/fwAA/38AAAAAAAAJAAAABAAAAAAAAAAMAAAAEAAAAAAAAAAAAAAAAAAAAAAAAAAeAAAAaAAAAAAAAAAAAAAAAAAAAAAAAAAAAAAAECcAABAnAAAAAAAAAAAAAAAAAAAAAAAAAAAAAAAAAAAAAAAAAAAAABQAAAAAAAAAwMD/AAAAAABkAAAAMgAAAAAAAABkAAAAAAAAAH9/fwAKAAAAHwAAAFQAAAC74OMF////AQAAAAAAAAAAAAAAAAAAAAAAAAAAAAAAAAAAAAAAAAAAAAAAAn9/fwCAgIADzMzMAMDA/wB/f38AAAAAAAAAAAAAAAAAAAAAAAAAAAAhAAAAGAAAABQAAABwKAAAhwUAAD01AAAfBwAAECAAACYAAAAIAAAA//////////8="/>
+                <pr:smNativeData xmlns:pr="smNativeData" val="SMDATA_13_GUMTYBMAAAAlAAAAEgAAAE8BAAAAkAAAAEgAAACQAAAASAAAAAAAAAAAAAAAAAAAAAEAAABQAAAAAAAAAAAA4D8AAAAAAADgPwAAAAAAAOA/AAAAAAAA4D8AAAAAAADgPwAAAAAAAOA/AAAAAAAA4D8AAAAAAADgPwAAAAAAAOA/AAAAAAAA4D8CAAAAjAAAAAAAAAAAAAAAu+DjDP///wgAAAAAAAAAAAAAAAAAAAAAAAAAAAAAAAAAAAAAZAAAAAEAAABAAAAAAAAAAAAAAAAAAAAAAAAAAAAAAAAAAAAAAAAAAAAAAAAAAAAAAAAAAAAAAAAAAAAAAAAAAAAAAAAAAAAAAAAAAAAAAAAAAAAAAAAAAAAAAAAAAAAAFAAAADwAAAAAAAAAAAAAAAAAAAkUAAAAAQAAABQAAAAUAAAAFAAAAAEAAAAAAAAAZAAAAGQAAAAAAAAAZAAAAGQAAAAVAAAAYAAAAAAAAAAAAAAADwAAACADAAAAAAAAAAAAAAEAAACgMgAAVgcAAKr4//8BAAAAf39/AAEAAABkAAAAAAAAABQAAABAHwAAAAAAACYAAAAAAAAAwOD//wAAAAAmAAAAZAAAABYAAABMAAAAAAAAAAAAAAAEAAAAAAAAAAEAAACAgIAKAAAAACgAAAAoAAAAZAAAAGQAAAAAAAAAzMzMAAAAAABQAAAAUAAAAGQAAABkAAAAAAAAABcAAAAUAAAAAAAAANwIAAD/fwAA/38AAAAAAAAJAAAABAAAAAAAAAAMAAAAEAAAAAAAAAAAAAAAAAAAAAAAAAAeAAAAaAAAAAAAAAAAAAAAAAAAAAAAAAAAAAAAECcAABAnAAAAAAAAAAAAAAAAAAAAAAAAAAAAAAAAAAAAAAAAAAAAABQAAAAAAAAAwMD/AAAAAABkAAAAMgAAAAAAAABkAAAAAAAAAH9/fwAKAAAAHwAAAFQAAAC74OMF////AQAAAAAAAAAAAAAAAAAAAAAAAAAAAAAAAAAAAAAAAAAAAAAAAn9/fwCAgIADzMzMAMDA/wB/f38AAAAAAAAAAAAAAAAAAAAAAAAAAAAhAAAAGAAAABQAAADOMgAAUgMAAPM2AADqBAAAECAAACYAAAAIAAAA//////////8="/>
               </a:ext>
             </a:extLst>
           </p:cNvSpPr>
@@ -4419,8 +4439,8 @@
         </p:nvSpPr>
         <p:spPr>
           <a:xfrm>
-            <a:off x="6573520" y="898525"/>
-            <a:ext cx="2080895" cy="259080"/>
+            <a:off x="8258810" y="539750"/>
+            <a:ext cx="673735" cy="259080"/>
           </a:xfrm>
           <a:prstGeom prst="rect">
             <a:avLst/>
@@ -4454,7 +4474,7 @@
           <p:cNvSpPr txBox="1">
             <a:extLst>
               <a:ext uri="smNativeData">
-                <pr:smNativeData xmlns:pr="smNativeData" val="SMDATA_13_Hs+1XxMAAAAlAAAAEgAAAE8BAAAAkAAAAEgAAACQAAAASAAAAAAAAAAAAAAAAAAAAAEAAABQAAAAAAAAAAAA4D8AAAAAAADgPwAAAAAAAOA/AAAAAAAA4D8AAAAAAADgPwAAAAAAAOA/AAAAAAAA4D8AAAAAAADgPwAAAAAAAOA/AAAAAAAA4D8CAAAAjAAAAAAAAAAAAAAAu+DjDP///wgAAAAAAAAAAAAAAAAAAAAAAAAAAAAAAAAAAAAAZAAAAAEAAABAAAAAAAAAAAAAAAAAAAAAAAAAAAAAAAAAAAAAAAAAAAAAAAAAAAAAAAAAAAAAAAAAAAAAAAAAAAAAAAAAAAAAAAAAAAAAAAAAAAAAAAAAAAAAAAAAAAAAFAAAADwAAAAAAAAAAAAAAAAAAAkUAAAAAQAAABQAAAAUAAAAFAAAAAEAAAAAAAAAZAAAAGQAAAAAAAAAZAAAAGQAAAAVAAAAYAAAAAAAAAAAAAAADwAAACADAAAAAAAAAAAAAAEAAACgMgAAVgcAAKr4//8BAAAAf39/AAEAAABkAAAAAAAAABQAAABAHwAAAAAAACYAAAAAAAAAwOD//wAAAAAmAAAAZAAAABYAAABMAAAAAAAAAAAAAAAEAAAAAAAAAAEAAACAgIAKAAAAACgAAAAoAAAAZAAAAGQAAAAAAAAAzMzMAAAAAABQAAAAUAAAAGQAAABkAAAAAAAAABcAAAAUAAAAAAAAANwIAAD/fwAA/38AAAAAAAAJAAAABAAAAAAAAAAMAAAAEAAAAAAAAAAAAAAAAAAAAAAAAAAeAAAAaAAAAAAAAAAAAAAAAAAAAAAAAAAAAAAAECcAABAnAAAAAAAAAAAAAAAAAAAAAAAAAAAAAAAAAAAAAAAAAAAAABQAAAAAAAAAwMD/AAAAAABkAAAAMgAAAAAAAABkAAAAAAAAAH9/fwAKAAAAHwAAAFQAAAC74OMF////AQAAAAAAAAAAAAAAAAAAAAAAAAAAAAAAAAAAAAAAAAAAAAAAAn9/fwCAgIADzMzMAMDA/wB/f38AAAAAAAAAAAAAAAAAAAAAAAAAAAAhAAAAGAAAABQAAABzKgAAeQkAAO01AADJDQAAECAAACYAAAAIAAAA//////////8="/>
+                <pr:smNativeData xmlns:pr="smNativeData" val="SMDATA_13_GUMTYBMAAAAlAAAAEgAAAE8BAAAAkAAAAEgAAACQAAAASAAAAAAAAAAAAAAAAAAAAAEAAABQAAAAAAAAAAAA4D8AAAAAAADgPwAAAAAAAOA/AAAAAAAA4D8AAAAAAADgPwAAAAAAAOA/AAAAAAAA4D8AAAAAAADgPwAAAAAAAOA/AAAAAAAA4D8CAAAAjAAAAAAAAAAAAAAAu+DjDP///wgAAAAAAAAAAAAAAAAAAAAAAAAAAAAAAAAAAAAAZAAAAAEAAABAAAAAAAAAAAAAAAAAAAAAAAAAAAAAAAAAAAAAAAAAAAAAAAAAAAAAAAAAAAAAAAAAAAAAAAAAAAAAAAAAAAAAAAAAAAAAAAAAAAAAAAAAAAAAAAAAAAAAFAAAADwAAAAAAAAAAAAAAAAAAAkUAAAAAQAAABQAAAAUAAAAFAAAAAEAAAAAAAAAZAAAAGQAAAAAAAAAZAAAAGQAAAAVAAAAYAAAAAAAAAAAAAAADwAAACADAAAAAAAAAAAAAAEAAACgMgAAVgcAAKr4//8BAAAAf39/AAEAAABkAAAAAAAAABQAAABAHwAAAAAAACYAAAAAAAAAwOD//wAAAAAmAAAAZAAAABYAAABMAAAAAAAAAAAAAAAEAAAAAAAAAAEAAACAgIAKAAAAACgAAAAoAAAAZAAAAGQAAAAAAAAAzMzMAAAAAABQAAAAUAAAAGQAAABkAAAAAAAAABcAAAAUAAAAAAAAANwIAAD/fwAA/38AAAAAAAAJAAAABAAAAAAAAAAMAAAAEAAAAAAAAAAAAAAAAAAAAAAAAAAeAAAAaAAAAAAAAAAAAAAAAAAAAAAAAAAAAAAAECcAABAnAAAAAAAAAAAAAAAAAAAAAAAAAAAAAAAAAAAAAAAAAAAAABQAAAAAAAAAwMD/AAAAAABkAAAAMgAAAAAAAABkAAAAAAAAAH9/fwAKAAAAHwAAAFQAAAC74OMF////AQAAAAAAAAAAAAAAAAAAAAAAAAAAAAAAAAAAAAAAAAAAAAAAAn9/fwCAgIADzMzMAMDA/wB/f38AAAAAAAAAAAAAAAAAAAAAAAAAAAAhAAAAGAAAABQAAABzKgAAqAcAAO01AAD4CwAAECAAACYAAAAIAAAA//////////8="/>
               </a:ext>
             </a:extLst>
           </p:cNvSpPr>
@@ -4462,7 +4482,7 @@
         </p:nvSpPr>
         <p:spPr>
           <a:xfrm>
-            <a:off x="6900545" y="1539875"/>
+            <a:off x="6900545" y="1244600"/>
             <a:ext cx="1865630" cy="701040"/>
           </a:xfrm>
           <a:prstGeom prst="rect">
@@ -4533,7 +4553,7 @@
           <p:cNvSpPr txBox="1">
             <a:extLst>
               <a:ext uri="smNativeData">
-                <pr:smNativeData xmlns:pr="smNativeData" val="SMDATA_13_Hs+1XxMAAAAlAAAAEgAAAE8BAAAAkAAAAEgAAACQAAAASAAAAAAAAAAAAAAAAAAAAAEAAABQAAAAAAAAAAAA4D8AAAAAAADgPwAAAAAAAOA/AAAAAAAA4D8AAAAAAADgPwAAAAAAAOA/AAAAAAAA4D8AAAAAAADgPwAAAAAAAOA/AAAAAAAA4D8CAAAAjAAAAAAAAAAAAAAAu+DjDP///wgAAAAAAAAAAAAAAAAAAAAAAAAAAAAAAAAAAAAAZAAAAAEAAABAAAAAAAAAAAAAAAAAAAAAAAAAAAAAAAAAAAAAAAAAAAAAAAAAAAAAAAAAAAAAAAAAAAAAAAAAAAAAAAAAAAAAAAAAAAAAAAAAAAAAAAAAAAAAAAAAAAAAFAAAADwAAAAAAAAAAAAAAAAAAAkUAAAAAQAAABQAAAAUAAAAFAAAAAEAAAAAAAAAZAAAAGQAAAAAAAAAZAAAAGQAAAAVAAAAYAAAAAAAAAAAAAAADwAAACADAAAAAAAAAAAAAAEAAACgMgAAVgcAAKr4//8BAAAAf39/AAEAAABkAAAAAAAAABQAAABAHwAAAAAAACYAAAAAAAAAwOD//wAAAAAmAAAAZAAAABYAAABMAAAAAAAAAAAAAAAEAAAAAAAAAAEAAACAgIAKAAAAACgAAAAoAAAAZAAAAGQAAAAAAAAAzMzMAAAAAABQAAAAUAAAAGQAAABkAAAAAAAAABcAAAAUAAAAAAAAANwIAAD/fwAA/38AAAAAAAAJAAAABAAAAAAAAAAMAAAAEAAAAAAAAAAAAAAAAAAAAAAAAAAeAAAAaAAAAAAAAAAAAAAAAAAAAAAAAAAAAAAAECcAABAnAAAAAAAAAAAAAAAAAAAAAAAAAAAAAAAAAAAAAAAAAAAAABQAAAAAAAAAwMD/AAAAAABkAAAAMgAAAAAAAABkAAAAAAAAAH9/fwAKAAAAHwAAAFQAAAC74OMF////AQAAAAAAAAAAAAAAAAAAAAAAAAAAAAAAAAAAAAAAAAAAAAAAAn9/fwCAgIADzMzMAMDA/wB/f38AAAAAAAAAAAAAAAAAAAAAAAAAAAAhAAAAGAAAABQAAABqFQAAnwUAADciAABPBwAAECAAACYAAAAIAAAA//////////8="/>
+                <pr:smNativeData xmlns:pr="smNativeData" val="SMDATA_13_GUMTYBMAAAAlAAAAEgAAAE8BAAAAkAAAAEgAAACQAAAASAAAAAAAAAAAAAAAAAAAAAEAAABQAAAAAAAAAAAA4D8AAAAAAADgPwAAAAAAAOA/AAAAAAAA4D8AAAAAAADgPwAAAAAAAOA/AAAAAAAA4D8AAAAAAADgPwAAAAAAAOA/AAAAAAAA4D8CAAAAjAAAAAAAAAAAAAAAu+DjDP///wgAAAAAAAAAAAAAAAAAAAAAAAAAAAAAAAAAAAAAZAAAAAEAAABAAAAAAAAAAAAAAAAAAAAAAAAAAAAAAAAAAAAAAAAAAAAAAAAAAAAAAAAAAAAAAAAAAAAAAAAAAAAAAAAAAAAAAAAAAAAAAAAAAAAAAAAAAAAAAAAAAAAAFAAAADwAAAAAAAAAAAAAAAAAAAkUAAAAAQAAABQAAAAUAAAAFAAAAAEAAAAAAAAAZAAAAGQAAAAAAAAAZAAAAGQAAAAVAAAAYAAAAAAAAAAAAAAADwAAACADAAAAAAAAAAAAAAEAAACgMgAAVgcAAKr4//8BAAAAf39/AAEAAABkAAAAAAAAABQAAABAHwAAAAAAACYAAAAAAAAAwOD//wAAAAAmAAAAZAAAABYAAABMAAAAAAAAAAAAAAAEAAAAAAAAAAEAAACAgIAKAAAAACgAAAAoAAAAZAAAAGQAAAAAAAAAzMzMAAAAAABQAAAAUAAAAGQAAABkAAAAAAAAABcAAAAUAAAAAAAAANwIAAD/fwAA/38AAAAAAAAJAAAABAAAAAAAAAAMAAAAEAAAAAAAAAAAAAAAAAAAAAAAAAAeAAAAaAAAAAAAAAAAAAAAAAAAAAAAAAAAAAAAECcAABAnAAAAAAAAAAAAAAAAAAAAAAAAAAAAAAAAAAAAAAAAAAAAABQAAAAAAAAAwMD/AAAAAABkAAAAMgAAAAAAAABkAAAAAAAAAH9/fwAKAAAAHwAAAFQAAAC74OMF////AQAAAAAAAAAAAAAAAAAAAAAAAAAAAAAAAAAAAAAAAAAAAAAAAn9/fwCAgIADzMzMAMDA/wB/f38AAAAAAAAAAAAAAAAAAAAAAAAAAAAhAAAAGAAAABQAAADIHwAAagMAAO0jAAACBQAAACAAACYAAAAIAAAA//////////8="/>
               </a:ext>
             </a:extLst>
           </p:cNvSpPr>
@@ -4541,8 +4561,8 @@
         </p:nvSpPr>
         <p:spPr>
           <a:xfrm>
-            <a:off x="3481070" y="913765"/>
-            <a:ext cx="2080895" cy="274320"/>
+            <a:off x="5166360" y="554990"/>
+            <a:ext cx="673735" cy="259080"/>
           </a:xfrm>
           <a:prstGeom prst="rect">
             <a:avLst/>
@@ -4576,7 +4596,7 @@
           <p:cNvSpPr txBox="1">
             <a:extLst>
               <a:ext uri="smNativeData">
-                <pr:smNativeData xmlns:pr="smNativeData" val="SMDATA_13_Hs+1XxMAAAAlAAAAEgAAAE8BAAAAkAAAAEgAAACQAAAASAAAAAAAAAAAAAAAAAAAAAEAAABQAAAAAAAAAAAA4D8AAAAAAADgPwAAAAAAAOA/AAAAAAAA4D8AAAAAAADgPwAAAAAAAOA/AAAAAAAA4D8AAAAAAADgPwAAAAAAAOA/AAAAAAAA4D8CAAAAjAAAAAAAAAAAAAAAu+DjDP///wgAAAAAAAAAAAAAAAAAAAAAAAAAAAAAAAAAAAAAZAAAAAEAAABAAAAAAAAAAAAAAAAAAAAAAAAAAAAAAAAAAAAAAAAAAAAAAAAAAAAAAAAAAAAAAAAAAAAAAAAAAAAAAAAAAAAAAAAAAAAAAAAAAAAAAAAAAAAAAAAAAAAAFAAAADwAAAAAAAAAAAAAAAAAAAkUAAAAAQAAABQAAAAUAAAAFAAAAAEAAAAAAAAAZAAAAGQAAAAAAAAAZAAAAGQAAAAVAAAAYAAAAAAAAAAAAAAADwAAACADAAAAAAAAAAAAAAEAAACgMgAAVgcAAKr4//8BAAAAf39/AAEAAABkAAAAAAAAABQAAABAHwAAAAAAACYAAAAAAAAAwOD//wAAAAAmAAAAZAAAABYAAABMAAAAAAAAAAAAAAAEAAAAAAAAAAEAAACAgIAKAAAAACgAAAAoAAAAZAAAAGQAAAAAAAAAzMzMAAAAAABQAAAAUAAAAGQAAABkAAAAAAAAABcAAAAUAAAAAAAAANwIAAD/fwAA/38AAAAAAAAJAAAABAAAAAAAAAAMAAAAEAAAAAAAAAAAAAAAAAAAAAAAAAAeAAAAaAAAAAAAAAAAAAAAAAAAAAAAAAAAAAAAECcAABAnAAAAAAAAAAAAAAAAAAAAAAAAAAAAAAAAAAAAAAAAAAAAABQAAAAAAAAAwMD/AAAAAABkAAAAMgAAAAAAAABkAAAAAAAAAH9/fwAKAAAAHwAAAFQAAAC74OMF////AQAAAAAAAAAAAAAAAAAAAAAAAAAAAAAAAAAAAAAAAAAAAAAAAn9/fwCAgIADzMzMAMDA/wB/f38AAAAAAAAAAAAAAAAAAAAAAAAAAAAhAAAAGAAAABQAAAA3FgAAugoAABMfAABSDAAAECAAACYAAAAIAAAA//////////8="/>
+                <pr:smNativeData xmlns:pr="smNativeData" val="SMDATA_13_GUMTYBMAAAAlAAAAEgAAAE8BAAAAkAAAAEgAAACQAAAASAAAAAAAAAAAAAAAAAAAAAEAAABQAAAAAAAAAAAA4D8AAAAAAADgPwAAAAAAAOA/AAAAAAAA4D8AAAAAAADgPwAAAAAAAOA/AAAAAAAA4D8AAAAAAADgPwAAAAAAAOA/AAAAAAAA4D8CAAAAjAAAAAAAAAAAAAAAu+DjDP///wgAAAAAAAAAAAAAAAAAAAAAAAAAAAAAAAAAAAAAZAAAAAEAAABAAAAAAAAAAAAAAAAAAAAAAAAAAAAAAAAAAAAAAAAAAAAAAAAAAAAAAAAAAAAAAAAAAAAAAAAAAAAAAAAAAAAAAAAAAAAAAAAAAAAAAAAAAAAAAAAAAAAAFAAAADwAAAAAAAAAAAAAAAAAAAkUAAAAAQAAABQAAAAUAAAAFAAAAAEAAAAAAAAAZAAAAGQAAAAAAAAAZAAAAGQAAAAVAAAAYAAAAAAAAAAAAAAADwAAACADAAAAAAAAAAAAAAEAAACgMgAAVgcAAKr4//8BAAAAf39/AAEAAABkAAAAAAAAABQAAABAHwAAAAAAACYAAAAAAAAAwOD//wAAAAAmAAAAZAAAABYAAABMAAAAAAAAAAAAAAAEAAAAAAAAAAEAAACAgIAKAAAAACgAAAAoAAAAZAAAAGQAAAAAAAAAzMzMAAAAAABQAAAAUAAAAGQAAABkAAAAAAAAABcAAAAUAAAAAAAAANwIAAD/fwAA/38AAAAAAAAJAAAABAAAAAAAAAAMAAAAEAAAAAAAAAAAAAAAAAAAAAAAAAAeAAAAaAAAAAAAAAAAAAAAAAAAAAAAAAAAAAAAECcAABAnAAAAAAAAAAAAAAAAAAAAAAAAAAAAAAAAAAAAAAAAAAAAABQAAAAAAAAAwMD/AAAAAABkAAAAMgAAAAAAAABkAAAAAAAAAH9/fwAKAAAAHwAAAFQAAAC74OMF////AQAAAAAAAAAAAAAAAAAAAAAAAAAAAAAAAAAAAAAAAAAAAAAAAn9/fwCAgIADzMzMAMDA/wB/f38AAAAAAAAAAAAAAAAAAAAAAAAAAAAhAAAAGAAAABQAAAA3FgAAUQkAABMfAADpCgAAECAAACYAAAAIAAAA//////////8="/>
               </a:ext>
             </a:extLst>
           </p:cNvSpPr>
@@ -4584,7 +4604,7 @@
         </p:nvSpPr>
         <p:spPr>
           <a:xfrm>
-            <a:off x="3611245" y="1743710"/>
+            <a:off x="3611245" y="1514475"/>
             <a:ext cx="1440180" cy="259080"/>
           </a:xfrm>
           <a:prstGeom prst="rect">
@@ -4619,7 +4639,7 @@
           <p:cNvSpPr txBox="1">
             <a:extLst>
               <a:ext uri="smNativeData">
-                <pr:smNativeData xmlns:pr="smNativeData" val="SMDATA_13_Hs+1XxMAAAAlAAAAEgAAAE8BAAAAkAAAAEgAAACQAAAASAAAAAAAAAAAAAAAAAAAAAEAAABQAAAAAAAAAAAA4D8AAAAAAADgPwAAAAAAAOA/AAAAAAAA4D8AAAAAAADgPwAAAAAAAOA/AAAAAAAA4D8AAAAAAADgPwAAAAAAAOA/AAAAAAAA4D8CAAAAjAAAAAAAAAAAAAAAu+DjDP///wgAAAAAAAAAAAAAAAAAAAAAAAAAAAAAAAAAAAAAZAAAAAEAAABAAAAAAAAAAAAAAAAAAAAAAAAAAAAAAAAAAAAAAAAAAAAAAAAAAAAAAAAAAAAAAAAAAAAAAAAAAAAAAAAAAAAAAAAAAAAAAAAAAAAAAAAAAAAAAAAAAAAAFAAAADwAAAAAAAAAAAAAAAAAAAkUAAAAAQAAABQAAAAUAAAAFAAAAAEAAAAAAAAAZAAAAGQAAAAAAAAAZAAAAGQAAAAVAAAAYAAAAAAAAAAAAAAADwAAACADAAAAAAAAAAAAAAEAAACgMgAAVgcAAKr4//8BAAAAf39/AAEAAABkAAAAAAAAABQAAABAHwAAAAAAACYAAAAAAAAAwOD//wAAAAAmAAAAZAAAABYAAABMAAAAAAAAAAAAAAAEAAAAAAAAAAEAAACAgIAKAAAAACgAAAAoAAAAZAAAAGQAAAAAAAAAzMzMAAAAAABQAAAAUAAAAGQAAABkAAAAAAAAABcAAAAUAAAAAAAAANwIAAD/fwAA/38AAAAAAAAJAAAABAAAAAAAAAAMAAAAEAAAAAAAAAAAAAAAAAAAAAAAAAAeAAAAaAAAAAAAAAAAAAAAAAAAAAAAAAAAAAAAECcAABAnAAAAAAAAAAAAAAAAAAAAAAAAAAAAAAAAAAAAAAAAAAAAABQAAAAAAAAAwMD/AAAAAABkAAAAMgAAAAAAAABkAAAAAAAAAH9/fwAKAAAAHwAAAFQAAAC74OMF////AQAAAAAAAAAAAAAAAAAAAAAAAAAAAAAAAAAAAAAAAAAAAAAAAn9/fwCAgIADzMzMAMDA/wB/f38AAAAAAAAAAAAAAAAAAAAAAAAAAAAhAAAAGAAAABQAAABoHgAAsgoAAJImAABiDwAAECAAACYAAAAIAAAA//////////8="/>
+                <pr:smNativeData xmlns:pr="smNativeData" val="SMDATA_13_GUMTYBMAAAAlAAAAEgAAAE8BAAAAkAAAAEgAAACQAAAASAAAAAAAAAAAAAAAAAAAAAEAAABQAAAAAAAAAAAA4D8AAAAAAADgPwAAAAAAAOA/AAAAAAAA4D8AAAAAAADgPwAAAAAAAOA/AAAAAAAA4D8AAAAAAADgPwAAAAAAAOA/AAAAAAAA4D8CAAAAjAAAAAAAAAAAAAAAu+DjDP///wgAAAAAAAAAAAAAAAAAAAAAAAAAAAAAAAAAAAAAZAAAAAEAAABAAAAAAAAAAAAAAAAAAAAAAAAAAAAAAAAAAAAAAAAAAAAAAAAAAAAAAAAAAAAAAAAAAAAAAAAAAAAAAAAAAAAAAAAAAAAAAAAAAAAAAAAAAAAAAAAAAAAAFAAAADwAAAAAAAAAAAAAAAAAAAkUAAAAAQAAABQAAAAUAAAAFAAAAAEAAAAAAAAAZAAAAGQAAAAAAAAAZAAAAGQAAAAVAAAAYAAAAAAAAAAAAAAADwAAACADAAAAAAAAAAAAAAEAAACgMgAAVgcAAKr4//8BAAAAf39/AAEAAABkAAAAAAAAABQAAABAHwAAAAAAACYAAAAAAAAAwOD//wAAAAAmAAAAZAAAABYAAABMAAAAAAAAAAAAAAAEAAAAAAAAAAEAAACAgIAKAAAAACgAAAAoAAAAZAAAAGQAAAAAAAAAzMzMAAAAAABQAAAAUAAAAGQAAABkAAAAAAAAABcAAAAUAAAAAAAAANwIAAD/fwAA/38AAAAAAAAJAAAABAAAAAAAAAAMAAAAEAAAAAAAAAAAAAAAAAAAAAAAAAAeAAAAaAAAAAAAAAAAAAAAAAAAAAAAAAAAAAAAECcAABAnAAAAAAAAAAAAAAAAAAAAAAAAAAAAAAAAAAAAAAAAAAAAABQAAAAAAAAAwMD/AAAAAABkAAAAMgAAAAAAAABkAAAAAAAAAH9/fwAKAAAAHwAAAFQAAAC74OMF////AQAAAAAAAAAAAAAAAAAAAAAAAAAAAAAAAAAAAAAAAAAAAAAAAn9/fwCAgIADzMzMAMDA/wB/f38AAAAAAAAAAAAAAAAAAAAAAAAAAAAhAAAAGAAAABQAAABoHgAASQkAAJImAAD5DQAAECAAACYAAAAIAAAA//////////8="/>
               </a:ext>
             </a:extLst>
           </p:cNvSpPr>
@@ -4627,7 +4647,7 @@
         </p:nvSpPr>
         <p:spPr>
           <a:xfrm>
-            <a:off x="4942840" y="1738630"/>
+            <a:off x="4942840" y="1509395"/>
             <a:ext cx="1327150" cy="762000"/>
           </a:xfrm>
           <a:prstGeom prst="rect">
@@ -4698,7 +4718,7 @@
           <p:cNvSpPr txBox="1">
             <a:extLst>
               <a:ext uri="smNativeData">
-                <pr:smNativeData xmlns:pr="smNativeData" val="SMDATA_13_Hs+1XxMAAAAlAAAAEgAAAE8BAAAAkAAAAEgAAACQAAAASAAAAAAAAAAAAAAAAAAAAAEAAABQAAAAAAAAAAAA4D8AAAAAAADgPwAAAAAAAOA/AAAAAAAA4D8AAAAAAADgPwAAAAAAAOA/AAAAAAAA4D8AAAAAAADgPwAAAAAAAOA/AAAAAAAA4D8CAAAAjAAAAAAAAAAAAAAAu+DjDP///wgAAAAAAAAAAAAAAAAAAAAAAAAAAAAAAAAAAAAAZAAAAAEAAABAAAAAAAAAAAAAAAAAAAAAAAAAAAAAAAAAAAAAAAAAAAAAAAAAAAAAAAAAAAAAAAAAAAAAAAAAAAAAAAAAAAAAAAAAAAAAAAAAAAAAAAAAAAAAAAAAAAAAFAAAADwAAAAAAAAAAAAAAAAAAAkUAAAAAQAAABQAAAAUAAAAFAAAAAEAAAAAAAAAZAAAAGQAAAAAAAAAZAAAAGQAAAAVAAAAYAAAAAAAAAAAAAAADwAAACADAAAAAAAAAAAAAAEAAACgMgAAVgcAAKr4//8BAAAAf39/AAEAAABkAAAAAAAAABQAAABAHwAAAAAAACYAAAAAAAAAwOD//wAAAAAmAAAAZAAAABYAAABMAAAAAAAAAAAAAAAEAAAAAAAAAAEAAACAgIAKAAAAACgAAAAoAAAAZAAAAGQAAAAAAAAAzMzMAAAAAABQAAAAUAAAAGQAAABkAAAAAAAAABcAAAAUAAAAAAAAANwIAAD/fwAA/38AAAAAAAAJAAAABAAAAAAAAAAMAAAAEAAAAAAAAAAAAAAAAAAAAAAAAAAeAAAAaAAAAAAAAAAAAAAAAAAAAAAAAAAAAAAAECcAABAnAAAAAAAAAAAAAAAAAAAAAAAAAAAAAAAAAAAAAAAAAAAAABQAAAAAAAAAwMD/AAAAAABkAAAAMgAAAAAAAABkAAAAAAAAAH9/fwAKAAAAHwAAAFQAAAC74OMF////AQAAAAAAAAAAAAAAAAAAAAAAAAAAAAAAAAAAAAAAAAAAAAAAAn9/fwCAgIADzMzMAMDA/wB/f38AAAAAAAAAAAAAAAAAAAAAAAAAAAAhAAAAGAAAABQAAAB2FgAAhg8AAFIfAAAeEQAAECAAACYAAAAIAAAA//////////8="/>
+                <pr:smNativeData xmlns:pr="smNativeData" val="SMDATA_13_GUMTYBMAAAAlAAAAEgAAAE8BAAAAkAAAAEgAAACQAAAASAAAAAAAAAAAAAAAAAAAAAEAAABQAAAAAAAAAAAA4D8AAAAAAADgPwAAAAAAAOA/AAAAAAAA4D8AAAAAAADgPwAAAAAAAOA/AAAAAAAA4D8AAAAAAADgPwAAAAAAAOA/AAAAAAAA4D8CAAAAjAAAAAAAAAAAAAAAu+DjDP///wgAAAAAAAAAAAAAAAAAAAAAAAAAAAAAAAAAAAAAZAAAAAEAAABAAAAAAAAAAAAAAAAAAAAAAAAAAAAAAAAAAAAAAAAAAAAAAAAAAAAAAAAAAAAAAAAAAAAAAAAAAAAAAAAAAAAAAAAAAAAAAAAAAAAAAAAAAAAAAAAAAAAAFAAAADwAAAAAAAAAAAAAAAAAAAkUAAAAAQAAABQAAAAUAAAAFAAAAAEAAAAAAAAAZAAAAGQAAAAAAAAAZAAAAGQAAAAVAAAAYAAAAAAAAAAAAAAADwAAACADAAAAAAAAAAAAAAEAAACgMgAAVgcAAKr4//8BAAAAf39/AAEAAABkAAAAAAAAABQAAABAHwAAAAAAACYAAAAAAAAAwOD//wAAAAAmAAAAZAAAABYAAABMAAAAAAAAAAAAAAAEAAAAAAAAAAEAAACAgIAKAAAAACgAAAAoAAAAZAAAAGQAAAAAAAAAzMzMAAAAAABQAAAAUAAAAGQAAABkAAAAAAAAABcAAAAUAAAAAAAAANwIAAD/fwAA/38AAAAAAAAJAAAABAAAAAAAAAAMAAAAEAAAAAAAAAAAAAAAAAAAAAAAAAAeAAAAaAAAAAAAAAAAAAAAAAAAAAAAAAAAAAAAECcAABAnAAAAAAAAAAAAAAAAAAAAAAAAAAAAAAAAAAAAAAAAAAAAABQAAAAAAAAAwMD/AAAAAABkAAAAMgAAAAAAAABkAAAAAAAAAH9/fwAKAAAAHwAAAFQAAAC74OMF////AQAAAAAAAAAAAAAAAAAAAAAAAAAAAAAAAAAAAAAAAAAAAAAAAn9/fwCAgIADzMzMAMDA/wB/f38AAAAAAAAAAAAAAAAAAAAAAAAAAAAhAAAAGAAAABQAAAB2FgAAHQ4AAFIfAAC1DwAAECAAACYAAAAIAAAA//////////8="/>
               </a:ext>
             </a:extLst>
           </p:cNvSpPr>
@@ -4706,7 +4726,7 @@
         </p:nvSpPr>
         <p:spPr>
           <a:xfrm>
-            <a:off x="3651250" y="2523490"/>
+            <a:off x="3651250" y="2294255"/>
             <a:ext cx="1440180" cy="259080"/>
           </a:xfrm>
           <a:prstGeom prst="rect">
@@ -4741,7 +4761,7 @@
           <p:cNvSpPr txBox="1">
             <a:extLst>
               <a:ext uri="smNativeData">
-                <pr:smNativeData xmlns:pr="smNativeData" val="SMDATA_13_Hs+1XxMAAAAlAAAAEgAAAE8BAAAAkAAAAEgAAACQAAAASAAAAAAAAAAAAAAAAAAAAAEAAABQAAAAAAAAAAAA4D8AAAAAAADgPwAAAAAAAOA/AAAAAAAA4D8AAAAAAADgPwAAAAAAAOA/AAAAAAAA4D8AAAAAAADgPwAAAAAAAOA/AAAAAAAA4D8CAAAAjAAAAAAAAAAAAAAAu+DjDP///wgAAAAAAAAAAAAAAAAAAAAAAAAAAAAAAAAAAAAAZAAAAAEAAABAAAAAAAAAAAAAAAAAAAAAAAAAAAAAAAAAAAAAAAAAAAAAAAAAAAAAAAAAAAAAAAAAAAAAAAAAAAAAAAAAAAAAAAAAAAAAAAAAAAAAAAAAAAAAAAAAAAAAFAAAADwAAAAAAAAAAAAAAAAAAAkUAAAAAQAAABQAAAAUAAAAFAAAAAEAAAAAAAAAZAAAAGQAAAAAAAAAZAAAAGQAAAAVAAAAYAAAAAAAAAAAAAAADwAAACADAAAAAAAAAAAAAAEAAACgMgAAVgcAAKr4//8BAAAAf39/AAEAAABkAAAAAAAAABQAAABAHwAAAAAAACYAAAAAAAAAwOD//wAAAAAmAAAAZAAAABYAAABMAAAAAAAAAAAAAAAEAAAAAAAAAAEAAACAgIAKAAAAACgAAAAoAAAAZAAAAGQAAAAAAAAAzMzMAAAAAABQAAAAUAAAAGQAAABkAAAAAAAAABcAAAAUAAAAAAAAANwIAAD/fwAA/38AAAAAAAAJAAAABAAAAP////8MAAAAEAAAAAAAAAAAAAAAAAAAAAAAAAAeAAAAaAAAAAAAAAAAAAAAAAAAAAAAAAAAAAAAECcAABAnAAAAAAAAAAAAAAAAAAAAAAAAAAAAAAAAAAAAAAAAAAAAABQAAAAAAAAAwMD/AAAAAABkAAAAMgAAAAAAAABkAAAAAAAAAH9/fwAKAAAAHwAAAFQAAAC74OMF////AQAAAAAAAAAAAAAAAAAAAAAAAAAAAAAAAAAAAAAAAAAAAAAAAn9/fwCAgIADzMzMAMDA/wB/f38AAAAAAAAAAAAAAAAAAAAAAAAAAAAhAAAAGAAAABQAAABoHgAAbg8AAJImAACuFAAAECAAACYAAAAIAAAA//////////8="/>
+                <pr:smNativeData xmlns:pr="smNativeData" val="SMDATA_13_GUMTYBMAAAAlAAAAEgAAAE8BAAAAkAAAAEgAAACQAAAASAAAAAAAAAAAAAAAAAAAAAEAAABQAAAAAAAAAAAA4D8AAAAAAADgPwAAAAAAAOA/AAAAAAAA4D8AAAAAAADgPwAAAAAAAOA/AAAAAAAA4D8AAAAAAADgPwAAAAAAAOA/AAAAAAAA4D8CAAAAjAAAAAAAAAAAAAAAu+DjDP///wgAAAAAAAAAAAAAAAAAAAAAAAAAAAAAAAAAAAAAZAAAAAEAAABAAAAAAAAAAAAAAAAAAAAAAAAAAAAAAAAAAAAAAAAAAAAAAAAAAAAAAAAAAAAAAAAAAAAAAAAAAAAAAAAAAAAAAAAAAAAAAAAAAAAAAAAAAAAAAAAAAAAAFAAAADwAAAAAAAAAAAAAAAAAAAkUAAAAAQAAABQAAAAUAAAAFAAAAAEAAAAAAAAAZAAAAGQAAAAAAAAAZAAAAGQAAAAVAAAAYAAAAAAAAAAAAAAADwAAACADAAAAAAAAAAAAAAEAAACgMgAAVgcAAKr4//8BAAAAf39/AAEAAABkAAAAAAAAABQAAABAHwAAAAAAACYAAAAAAAAAwOD//wAAAAAmAAAAZAAAABYAAABMAAAAAAAAAAAAAAAEAAAAAAAAAAEAAACAgIAKAAAAACgAAAAoAAAAZAAAAGQAAAAAAAAAzMzMAAAAAABQAAAAUAAAAGQAAABkAAAAAAAAABcAAAAUAAAAAAAAANwIAAD/fwAA/38AAAAAAAAJAAAABAAAAP////8MAAAAEAAAAAAAAAAAAAAAAAAAAAAAAAAeAAAAaAAAAAAAAAAAAAAAAAAAAAAAAAAAAAAAECcAABAnAAAAAAAAAAAAAAAAAAAAAAAAAAAAAAAAAAAAAAAAAAAAABQAAAAAAAAAwMD/AAAAAABkAAAAMgAAAAAAAABkAAAAAAAAAH9/fwAKAAAAHwAAAFQAAAC74OMF////AQAAAAAAAAAAAAAAAAAAAAAAAAAAAAAAAAAAAAAAAAAAAAAAAn9/fwCAgIADzMzMAMDA/wB/f38AAAAAAAAAAAAAAAAAAAAAAAAAAAAhAAAAGAAAABQAAABoHgAABQ4AAJImAAAlFQAAACAAACYAAAAIAAAA//////////8="/>
               </a:ext>
             </a:extLst>
           </p:cNvSpPr>
@@ -4749,8 +4769,8 @@
         </p:nvSpPr>
         <p:spPr>
           <a:xfrm>
-            <a:off x="4942840" y="2508250"/>
-            <a:ext cx="1327150" cy="853440"/>
+            <a:off x="4942840" y="2279015"/>
+            <a:ext cx="1327150" cy="1158240"/>
           </a:xfrm>
           <a:prstGeom prst="rect">
             <a:avLst/>
@@ -4824,6 +4844,36 @@
               <a:t>FilterConfig</a:t>
             </a:r>
           </a:p>
+          <a:p>
+            <a:pPr>
+              <a:defRPr sz="1000">
+                <a:solidFill>
+                  <a:srgbClr val="FF0000"/>
+                </a:solidFill>
+                <a:latin typeface="Meiryo UI" pitchFamily="3" charset="-128"/>
+                <a:ea typeface="Meiryo UI" pitchFamily="3" charset="-128"/>
+                <a:cs typeface="Meiryo UI" pitchFamily="3" charset="-128"/>
+              </a:defRPr>
+            </a:pPr>
+            <a:r>
+              <a:t>CurrTime</a:t>
+            </a:r>
+          </a:p>
+          <a:p>
+            <a:pPr>
+              <a:defRPr sz="1000">
+                <a:solidFill>
+                  <a:srgbClr val="FF0000"/>
+                </a:solidFill>
+                <a:latin typeface="Meiryo UI" pitchFamily="3" charset="-128"/>
+                <a:ea typeface="Meiryo UI" pitchFamily="3" charset="-128"/>
+                <a:cs typeface="Meiryo UI" pitchFamily="3" charset="-128"/>
+              </a:defRPr>
+            </a:pPr>
+            <a:r>
+              <a:t>AgentHome</a:t>
+            </a:r>
+          </a:p>
         </p:txBody>
       </p:sp>
       <p:sp>
@@ -4832,7 +4882,7 @@
           <p:cNvSpPr txBox="1">
             <a:extLst>
               <a:ext uri="smNativeData">
-                <pr:smNativeData xmlns:pr="smNativeData" val="SMDATA_13_Hs+1XxMAAAAlAAAAEgAAAE8BAAAAkAAAAEgAAACQAAAASAAAAAAAAAAAAAAAAAAAAAEAAABQAAAAAAAAAAAA4D8AAAAAAADgPwAAAAAAAOA/AAAAAAAA4D8AAAAAAADgPwAAAAAAAOA/AAAAAAAA4D8AAAAAAADgPwAAAAAAAOA/AAAAAAAA4D8CAAAAjAAAAAAAAAAAAAAAu+DjDP///wgAAAAAAAAAAAAAAAAAAAAAAAAAAAAAAAAAAAAAZAAAAAEAAABAAAAAAAAAAAAAAAAAAAAAAAAAAAAAAAAAAAAAAAAAAAAAAAAAAAAAAAAAAAAAAAAAAAAAAAAAAAAAAAAAAAAAAAAAAAAAAAAAAAAAAAAAAAAAAAAAAAAAFAAAADwAAAAAAAAAAAAAAAAAAAkUAAAAAQAAABQAAAAUAAAAFAAAAAEAAAAAAAAAZAAAAGQAAAAAAAAAZAAAAGQAAAAVAAAAYAAAAAAAAAAAAAAADwAAACADAAAAAAAAAAAAAAEAAACgMgAAVgcAAKr4//8BAAAAf39/AAEAAABkAAAAAAAAABQAAABAHwAAAAAAACYAAAAAAAAAwOD//wAAAAAmAAAAZAAAABYAAABMAAAAAAAAAAAAAAAEAAAAAAAAAAEAAACAgIAKAAAAACgAAAAoAAAAZAAAAGQAAAAAAAAAzMzMAAAAAABQAAAAUAAAAGQAAABkAAAAAAAAABcAAAAUAAAAAAAAANwIAAD/fwAA/38AAAAAAAAJAAAABAAAAAAAAAAMAAAAEAAAAAAAAAAAAAAAAAAAAAAAAAAeAAAAaAAAAAAAAAAAAAAAAAAAAAAAAAAAAAAAECcAABAnAAAAAAAAAAAAAAAAAAAAAAAAAAAAAAAAAAAAAAAAAAAAABQAAAAAAAAAwMD/AAAAAABkAAAAMgAAAAAAAABkAAAAAAAAAH9/fwAKAAAAHwAAAFQAAAC74OMF////AQAAAAAAAAAAAAAAAAAAAAAAAAAAAAAAAAAAAAAAAAAAAAAAAn9/fwCAgIADzMzMAMDA/wB/f38AAAAAAAAAAAAAAAAAAAAAAAAAAAAhAAAAGAAAABQAAAB2FgAAqxQAAFIfAAArFgAAECAAACYAAAAIAAAA//////////8="/>
+                <pr:smNativeData xmlns:pr="smNativeData" val="SMDATA_13_GUMTYBMAAAAlAAAAEgAAAE8BAAAAkAAAAEgAAACQAAAASAAAAAAAAAAAAAAAAAAAAAEAAABQAAAAAAAAAAAA4D8AAAAAAADgPwAAAAAAAOA/AAAAAAAA4D8AAAAAAADgPwAAAAAAAOA/AAAAAAAA4D8AAAAAAADgPwAAAAAAAOA/AAAAAAAA4D8CAAAAjAAAAAAAAAAAAAAAu+DjDP///wgAAAAAAAAAAAAAAAAAAAAAAAAAAAAAAAAAAAAAZAAAAAEAAABAAAAAAAAAAAAAAAAAAAAAAAAAAAAAAAAAAAAAAAAAAAAAAAAAAAAAAAAAAAAAAAAAAAAAAAAAAAAAAAAAAAAAAAAAAAAAAAAAAAAAAAAAAAAAAAAAAAAAFAAAADwAAAAAAAAAAAAAAAAAAAkUAAAAAQAAABQAAAAUAAAAFAAAAAEAAAAAAAAAZAAAAGQAAAAAAAAAZAAAAGQAAAAVAAAAYAAAAAAAAAAAAAAADwAAACADAAAAAAAAAAAAAAEAAACgMgAAVgcAAKr4//8BAAAAf39/AAEAAABkAAAAAAAAABQAAABAHwAAAAAAACYAAAAAAAAAwOD//wAAAAAmAAAAZAAAABYAAABMAAAAAAAAAAAAAAAEAAAAAAAAAAEAAACAgIAKAAAAACgAAAAoAAAAZAAAAGQAAAAAAAAAzMzMAAAAAABQAAAAUAAAAGQAAABkAAAAAAAAABcAAAAUAAAAAAAAANwIAAD/fwAA/38AAAAAAAAJAAAABAAAAAAAAAAMAAAAEAAAAAAAAAAAAAAAAAAAAAAAAAAeAAAAaAAAAAAAAAAAAAAAAAAAAAAAAAAAAAAAECcAABAnAAAAAAAAAAAAAAAAAAAAAAAAAAAAAAAAAAAAAAAAAAAAABQAAAAAAAAAwMD/AAAAAABkAAAAMgAAAAAAAABkAAAAAAAAAH9/fwAKAAAAHwAAAFQAAAC74OMF////AQAAAAAAAAAAAAAAAAAAAAAAAAAAAAAAAAAAAAAAAAAAAAAAAn9/fwCAgIADzMzMAMDA/wB/f38AAAAAAAAAAAAAAAAAAAAAAAAAAAAhAAAAGAAAABQAAAB2FgAARRUAAFIfAADFFgAAECAAACYAAAAIAAAA//////////8="/>
               </a:ext>
             </a:extLst>
           </p:cNvSpPr>
@@ -4840,7 +4890,7 @@
         </p:nvSpPr>
         <p:spPr>
           <a:xfrm>
-            <a:off x="3651250" y="3359785"/>
+            <a:off x="3651250" y="3457575"/>
             <a:ext cx="1440180" cy="243840"/>
           </a:xfrm>
           <a:prstGeom prst="rect">
@@ -4875,7 +4925,7 @@
           <p:cNvSpPr txBox="1">
             <a:extLst>
               <a:ext uri="smNativeData">
-                <pr:smNativeData xmlns:pr="smNativeData" val="SMDATA_13_Hs+1XxMAAAAlAAAAEgAAAE8BAAAAkAAAAEgAAACQAAAASAAAAAAAAAAAAAAAAAAAAAEAAABQAAAAAAAAAAAA4D8AAAAAAADgPwAAAAAAAOA/AAAAAAAA4D8AAAAAAADgPwAAAAAAAOA/AAAAAAAA4D8AAAAAAADgPwAAAAAAAOA/AAAAAAAA4D8CAAAAjAAAAAAAAAAAAAAAu+DjDP///wgAAAAAAAAAAAAAAAAAAAAAAAAAAAAAAAAAAAAAZAAAAAEAAABAAAAAAAAAAAAAAAAAAAAAAAAAAAAAAAAAAAAAAAAAAAAAAAAAAAAAAAAAAAAAAAAAAAAAAAAAAAAAAAAAAAAAAAAAAAAAAAAAAAAAAAAAAAAAAAAAAAAAFAAAADwAAAAAAAAAAAAAAAAAAAkUAAAAAQAAABQAAAAUAAAAFAAAAAEAAAAAAAAAZAAAAGQAAAAAAAAAZAAAAGQAAAAVAAAAYAAAAAAAAAAAAAAADwAAACADAAAAAAAAAAAAAAEAAACgMgAAVgcAAKr4//8BAAAAf39/AAEAAABkAAAAAAAAABQAAABAHwAAAAAAACYAAAAAAAAAwOD//wAAAAAmAAAAZAAAABYAAABMAAAAAAAAAAAAAAAEAAAAAAAAAAEAAACAgIAKAAAAACgAAAAoAAAAZAAAAGQAAAAAAAAAzMzMAAAAAABQAAAAUAAAAGQAAABkAAAAAAAAABcAAAAUAAAAAAAAANwIAAD/fwAA/38AAAAAAAAJAAAABAAAAAAAAAAMAAAAEAAAAAAAAAAAAAAAAAAAAAAAAAAeAAAAaAAAAAAAAAAAAAAAAAAAAAAAAAAAAAAAECcAABAnAAAAAAAAAAAAAAAAAAAAAAAAAAAAAAAAAAAAAAAAAAAAABQAAAAAAAAAwMD/AAAAAABkAAAAMgAAAAAAAABkAAAAAAAAAH9/fwAKAAAAHwAAAFQAAAC74OMF////AQAAAAAAAAAAAAAAAAAAAAAAAAAAAAAAAAAAAAAAAAAAAAAAAn9/fwCAgIADzMzMAMDA/wB/f38AAAAAAAAAAAAAAAAAAAAAAAAAAAAhAAAAGAAAABQAAAC2HQAAoBQAADwnAAAQFwAAECAAACYAAAAIAAAA//////////8="/>
+                <pr:smNativeData xmlns:pr="smNativeData" val="SMDATA_13_GUMTYBMAAAAlAAAAEgAAAE8BAAAAkAAAAEgAAACQAAAASAAAAAAAAAAAAAAAAAAAAAEAAABQAAAAAAAAAAAA4D8AAAAAAADgPwAAAAAAAOA/AAAAAAAA4D8AAAAAAADgPwAAAAAAAOA/AAAAAAAA4D8AAAAAAADgPwAAAAAAAOA/AAAAAAAA4D8CAAAAjAAAAAAAAAAAAAAAu+DjDP///wgAAAAAAAAAAAAAAAAAAAAAAAAAAAAAAAAAAAAAZAAAAAEAAABAAAAAAAAAAAAAAAAAAAAAAAAAAAAAAAAAAAAAAAAAAAAAAAAAAAAAAAAAAAAAAAAAAAAAAAAAAAAAAAAAAAAAAAAAAAAAAAAAAAAAAAAAAAAAAAAAAAAAFAAAADwAAAAAAAAAAAAAAAAAAAkUAAAAAQAAABQAAAAUAAAAFAAAAAEAAAAAAAAAZAAAAGQAAAAAAAAAZAAAAGQAAAAVAAAAYAAAAAAAAAAAAAAADwAAACADAAAAAAAAAAAAAAEAAACgMgAAVgcAAKr4//8BAAAAf39/AAEAAABkAAAAAAAAABQAAABAHwAAAAAAACYAAAAAAAAAwOD//wAAAAAmAAAAZAAAABYAAABMAAAAAAAAAAAAAAAEAAAAAAAAAAEAAACAgIAKAAAAACgAAAAoAAAAZAAAAGQAAAAAAAAAzMzMAAAAAABQAAAAUAAAAGQAAABkAAAAAAAAABcAAAAUAAAAAAAAANwIAAD/fwAA/38AAAAAAAAJAAAABAAAAAAAAAAMAAAAEAAAAAAAAAAAAAAAAAAAAAAAAAAeAAAAaAAAAAAAAAAAAAAAAAAAAAAAAAAAAAAAECcAABAnAAAAAAAAAAAAAAAAAAAAAAAAAAAAAAAAAAAAAAAAAAAAABQAAAAAAAAAwMD/AAAAAABkAAAAMgAAAAAAAABkAAAAAAAAAH9/fwAKAAAAHwAAAFQAAAC74OMF////AQAAAAAAAAAAAAAAAAAAAAAAAAAAAAAAAAAAAAAAAAAAAAAAAn9/fwCAgIADzMzMAMDA/wB/f38AAAAAAAAAAAAAAAAAAAAAAAAAAAAhAAAAGAAAABQAAAC2HQAAOhUAADwnAACqFwAAECAAACYAAAAIAAAA//////////8="/>
               </a:ext>
             </a:extLst>
           </p:cNvSpPr>
@@ -4883,7 +4933,7 @@
         </p:nvSpPr>
         <p:spPr>
           <a:xfrm>
-            <a:off x="4829810" y="3352800"/>
+            <a:off x="4829810" y="3450590"/>
             <a:ext cx="1548130" cy="396240"/>
           </a:xfrm>
           <a:prstGeom prst="rect">
@@ -4930,7 +4980,7 @@
           <p:cNvSpPr txBox="1">
             <a:extLst>
               <a:ext uri="smNativeData">
-                <pr:smNativeData xmlns:pr="smNativeData" val="SMDATA_13_Hs+1XxMAAAAlAAAAEgAAAE8BAAAAkAAAAEgAAACQAAAASAAAAAAAAAAAAAAAAAAAAAEAAABQAAAAAAAAAAAA4D8AAAAAAADgPwAAAAAAAOA/AAAAAAAA4D8AAAAAAADgPwAAAAAAAOA/AAAAAAAA4D8AAAAAAADgPwAAAAAAAOA/AAAAAAAA4D8CAAAAjAAAAAAAAAAAAAAAu+DjDP///wgAAAAAAAAAAAAAAAAAAAAAAAAAAAAAAAAAAAAAZAAAAAEAAABAAAAAAAAAAAAAAAAAAAAAAAAAAAAAAAAAAAAAAAAAAAAAAAAAAAAAAAAAAAAAAAAAAAAAAAAAAAAAAAAAAAAAAAAAAAAAAAAAAAAAAAAAAAAAAAAAAAAAFAAAADwAAAAAAAAAAAAAAAAAAAkUAAAAAQAAABQAAAAUAAAAFAAAAAEAAAAAAAAAZAAAAGQAAAAAAAAAZAAAAGQAAAAVAAAAYAAAAAAAAAAAAAAADwAAACADAAAAAAAAAAAAAAEAAACgMgAAVgcAAKr4//8BAAAAf39/AAEAAABkAAAAAAAAABQAAABAHwAAAAAAACYAAAAAAAAAwOD//wAAAAAmAAAAZAAAABYAAABMAAAAAAAAAAAAAAAEAAAAAAAAAAEAAACAgIAKAAAAACgAAAAoAAAAZAAAAGQAAAAAAAAAzMzMAAAAAABQAAAAUAAAAGQAAABkAAAAAAAAABcAAAAUAAAAAAAAANwIAAD/fwAA/38AAAAAAAAJAAAABAAAAGcAaAAMAAAAEAAAAAAAAAAAAAAAAAAAAAAAAAAeAAAAaAAAAAAAAAAAAAAAAAAAAAAAAAAAAAAAECcAABAnAAAAAAAAAAAAAAAAAAAAAAAAAAAAAAAAAAAAAAAAAAAAABQAAAAAAAAAwMD/AAAAAABkAAAAMgAAAAAAAABkAAAAAAAAAH9/fwAKAAAAHwAAAFQAAAC74OMF////AQAAAAAAAAAAAAAAAAAAAAAAAAAAAAAAAAAAAAAAAAAAAAAAAn9/fwCAgIADzMzMAMDA/wB/f38AAAAAAAAAAAAAAAAAAAAAAAAAAAAhAAAAGAAAABQAAABwKAAALRcAAD01AADdGAAAECAAACYAAAAIAAAA//////////8="/>
+                <pr:smNativeData xmlns:pr="smNativeData" val="SMDATA_13_GUMTYBMAAAAlAAAAEgAAAE8BAAAAkAAAAEgAAACQAAAASAAAAAAAAAAAAAAAAAAAAAEAAABQAAAAAAAAAAAA4D8AAAAAAADgPwAAAAAAAOA/AAAAAAAA4D8AAAAAAADgPwAAAAAAAOA/AAAAAAAA4D8AAAAAAADgPwAAAAAAAOA/AAAAAAAA4D8CAAAAjAAAAAAAAAAAAAAAu+DjDP///wgAAAAAAAAAAAAAAAAAAAAAAAAAAAAAAAAAAAAAZAAAAAEAAABAAAAAAAAAAAAAAAAAAAAAAAAAAAAAAAAAAAAAAAAAAAAAAAAAAAAAAAAAAAAAAAAAAAAAAAAAAAAAAAAAAAAAAAAAAAAAAAAAAAAAAAAAAAAAAAAAAAAAFAAAADwAAAAAAAAAAAAAAAAAAAkUAAAAAQAAABQAAAAUAAAAFAAAAAEAAAAAAAAAZAAAAGQAAAAAAAAAZAAAAGQAAAAVAAAAYAAAAAAAAAAAAAAADwAAACADAAAAAAAAAAAAAAEAAACgMgAAVgcAAKr4//8BAAAAf39/AAEAAABkAAAAAAAAABQAAABAHwAAAAAAACYAAAAAAAAAwOD//wAAAAAmAAAAZAAAABYAAABMAAAAAAAAAAAAAAAEAAAAAAAAAAEAAACAgIAKAAAAACgAAAAoAAAAZAAAAGQAAAAAAAAAzMzMAAAAAABQAAAAUAAAAGQAAABkAAAAAAAAABcAAAAUAAAAAAAAANwIAAD/fwAA/38AAAAAAAAJAAAABAAAAGcAaAAMAAAAEAAAAAAAAAAAAAAAAAAAAAAAAAAeAAAAaAAAAAAAAAAAAAAAAAAAAAAAAAAAAAAAECcAABAnAAAAAAAAAAAAAAAAAAAAAAAAAAAAAAAAAAAAAAAAAAAAABQAAAAAAAAAwMD/AAAAAABkAAAAMgAAAAAAAABkAAAAAAAAAH9/fwAKAAAAHwAAAFQAAAC74OMF////AQAAAAAAAAAAAAAAAAAAAAAAAAAAAAAAAAAAAAAAAAAAAAAAAn9/fwCAgIADzMzMAMDA/wB/f38AAAAAAAAAAAAAAAAAAAAAAAAAAAAhAAAAGAAAABQAAABwKAAALRcAAD01AADdGAAAECAAACYAAAAIAAAA//////////8="/>
               </a:ext>
             </a:extLst>
           </p:cNvSpPr>
@@ -4973,7 +5023,7 @@
           <p:cNvSpPr txBox="1">
             <a:extLst>
               <a:ext uri="smNativeData">
-                <pr:smNativeData xmlns:pr="smNativeData" val="SMDATA_13_Hs+1XxMAAAAlAAAAEgAAAE8BAAAAkAAAAEgAAACQAAAASAAAAAAAAAAAAAAAAAAAAAEAAABQAAAAAAAAAAAA4D8AAAAAAADgPwAAAAAAAOA/AAAAAAAA4D8AAAAAAADgPwAAAAAAAOA/AAAAAAAA4D8AAAAAAADgPwAAAAAAAOA/AAAAAAAA4D8CAAAAjAAAAAAAAAAAAAAAu+DjDP///wgAAAAAAAAAAAAAAAAAAAAAAAAAAAAAAAAAAAAAZAAAAAEAAABAAAAAAAAAAAAAAAAAAAAAAAAAAAAAAAAAAAAAAAAAAAAAAAAAAAAAAAAAAAAAAAAAAAAAAAAAAAAAAAAAAAAAAAAAAAAAAAAAAAAAAAAAAAAAAAAAAAAAFAAAADwAAAAAAAAAAAAAAAAAAAkUAAAAAQAAABQAAAAUAAAAFAAAAAEAAAAAAAAAZAAAAGQAAAAAAAAAZAAAAGQAAAAVAAAAYAAAAAAAAAAAAAAADwAAACADAAAAAAAAAAAAAAEAAACgMgAAVgcAAKr4//8BAAAAf39/AAEAAABkAAAAAAAAABQAAABAHwAAAAAAACYAAAAAAAAAwOD//wAAAAAmAAAAZAAAABYAAABMAAAAAAAAAAAAAAAEAAAAAAAAAAEAAACAgIAKAAAAACgAAAAoAAAAZAAAAGQAAAAAAAAAzMzMAAAAAABQAAAAUAAAAGQAAABkAAAAAAAAABcAAAAUAAAAAAAAANwIAAD/fwAA/38AAAAAAAAJAAAABAAAAAAAAAAMAAAAEAAAAAAAAAAAAAAAAAAAAAAAAAAeAAAAaAAAAAAAAAAAAAAAAAAAAAAAAAAAAAAAECcAABAnAAAAAAAAAAAAAAAAAAAAAAAAAAAAAAAAAAAAAAAAAAAAABQAAAAAAAAAwMD/AAAAAABkAAAAMgAAAAAAAABkAAAAAAAAAH9/fwAKAAAAHwAAAFQAAAC74OMF////AQAAAAAAAAAAAAAAAAAAAAAAAAAAAAAAAAAAAAAAAAAAAAAAAn9/fwCAgIADzMzMAMDA/wB/f38AAAAAAAAAAAAAAAAAAAAAAAAAAAAhAAAAGAAAABQAAAClKgAAghoAAB82AAAqHgAAECAAACYAAAAIAAAA//////////8="/>
+                <pr:smNativeData xmlns:pr="smNativeData" val="SMDATA_13_GUMTYBMAAAAlAAAAEgAAAE8BAAAAkAAAAEgAAACQAAAASAAAAAAAAAAAAAAAAAAAAAEAAABQAAAAAAAAAAAA4D8AAAAAAADgPwAAAAAAAOA/AAAAAAAA4D8AAAAAAADgPwAAAAAAAOA/AAAAAAAA4D8AAAAAAADgPwAAAAAAAOA/AAAAAAAA4D8CAAAAjAAAAAAAAAAAAAAAu+DjDP///wgAAAAAAAAAAAAAAAAAAAAAAAAAAAAAAAAAAAAAZAAAAAEAAABAAAAAAAAAAAAAAAAAAAAAAAAAAAAAAAAAAAAAAAAAAAAAAAAAAAAAAAAAAAAAAAAAAAAAAAAAAAAAAAAAAAAAAAAAAAAAAAAAAAAAAAAAAAAAAAAAAAAAFAAAADwAAAAAAAAAAAAAAAAAAAkUAAAAAQAAABQAAAAUAAAAFAAAAAEAAAAAAAAAZAAAAGQAAAAAAAAAZAAAAGQAAAAVAAAAYAAAAAAAAAAAAAAADwAAACADAAAAAAAAAAAAAAEAAACgMgAAVgcAAKr4//8BAAAAf39/AAEAAABkAAAAAAAAABQAAABAHwAAAAAAACYAAAAAAAAAwOD//wAAAAAmAAAAZAAAABYAAABMAAAAAAAAAAAAAAAEAAAAAAAAAAEAAACAgIAKAAAAACgAAAAoAAAAZAAAAGQAAAAAAAAAzMzMAAAAAABQAAAAUAAAAGQAAABkAAAAAAAAABcAAAAUAAAAAAAAANwIAAD/fwAA/38AAAAAAAAJAAAABAAAAAAAAAAMAAAAEAAAAAAAAAAAAAAAAAAAAAAAAAAeAAAAaAAAAAAAAAAAAAAAAAAAAAAAAAAAAAAAECcAABAnAAAAAAAAAAAAAAAAAAAAAAAAAAAAAAAAAAAAAAAAAAAAABQAAAAAAAAAwMD/AAAAAABkAAAAMgAAAAAAAABkAAAAAAAAAH9/fwAKAAAAHwAAAFQAAAC74OMF////AQAAAAAAAAAAAAAAAAAAAAAAAAAAAAAAAAAAAAAAAAAAAAAAAn9/fwCAgIADzMzMAMDA/wB/f38AAAAAAAAAAAAAAAAAAAAAAAAAAAAhAAAAGAAAABQAAAClKgAAghoAAB82AAAqHgAAECAAACYAAAAIAAAA//////////8="/>
               </a:ext>
             </a:extLst>
           </p:cNvSpPr>
@@ -5040,7 +5090,7 @@
           <p:cNvSpPr txBox="1">
             <a:extLst>
               <a:ext uri="smNativeData">
-                <pr:smNativeData xmlns:pr="smNativeData" val="SMDATA_13_Hs+1XxMAAAAlAAAAEgAAAA8BAAAAkAAAAEgAAACQAAAASAAAAAAAAAAAAAAAAAAAAAEAAABQAAAAAAAAAAAA4D8AAAAAAADgPwAAAAAAAOA/AAAAAAAA4D8AAAAAAADgPwAAAAAAAOA/AAAAAAAA4D8AAAAAAADgPwAAAAAAAOA/AAAAAAAA4D8CAAAAjAAAAAAAAAAAAAAAu+DjDP///wgAAAAAAAAAAAAAAAAAAAAAAAAAAAAAAAAAAAAAZAAAAAEAAABAAAAAAAAAAAAAAAAAAAAAAAAAAAAAAAAAAAAAAAAAAAAAAAAAAAAAAAAAAAAAAAAAAAAAAAAAAAAAAAAAAAAAAAAAAAAAAAAAAAAAAAAAAAAAAAAAAAAAFAAAADwAAAAAAAAAAAAAAAAAAAkUAAAAAQAAABQAAAAUAAAAFAAAAAEAAAAAAAAAZAAAAGQAAAAAAAAAZAAAAGQAAAAVAAAAYAAAAAAAAAAAAAAADwAAACADAAAAAAAAAAAAAAEAAACgMgAAVgcAAKr4//8BAAAAf39/AAEAAABkAAAAAAAAABQAAABAHwAAAAAAACYAAAAAAAAAwOD//wAAAAAmAAAAZAAAABYAAABMAAAAAAAAAAAAAAAEAAAAAAAAAAEAAACAgIAKAAAAACgAAAAoAAAAZAAAAGQAAAAAAAAAzMzMAAAAAABQAAAAUAAAAGQAAABkAAAAAAAAABcAAAAUAAAAAAAAANwIAAD/fwAA/38AAAAAAAAJAAAABAAAAAAAAAAMAAAAEAAAAAAAAAAAAAAAAAAAAAAAAAAeAAAAaAAAAAAAAAAAAAAAAAAAAAAAAAAAAAAAECcAABAnAAAAAAAAAAAAAAAAAAAAAAAAAAAAAAAAAAAAAAAAAAAAABQAAAAAAAAAwMD/AAAAAABkAAAAMgAAAAAAAABkAAAAAAAAAH9/fwAKAAAAHwAAAFQAAAC74OMF////AQAAAAAAAAAAAAAAAAAAAAAAAAAAAAAAAAAAAAAAAAAAAAAAAn9/fwCAgIADzMzMAMDA/wB/f38AAAAAAAAAAAAAAAAAAAAAAAAAAAAhAAAAGAAAABQAAABUAQAAcQAAAN8iAACmAgAAEAAAACYAAAAIAAAA//////////8="/>
+                <pr:smNativeData xmlns:pr="smNativeData" val="SMDATA_13_GUMTYBMAAAAlAAAAEgAAAA8BAAAAkAAAAEgAAACQAAAASAAAAAAAAAAAAAAAAAAAAAEAAABQAAAAAAAAAAAA4D8AAAAAAADgPwAAAAAAAOA/AAAAAAAA4D8AAAAAAADgPwAAAAAAAOA/AAAAAAAA4D8AAAAAAADgPwAAAAAAAOA/AAAAAAAA4D8CAAAAjAAAAAAAAAAAAAAAu+DjDP///wgAAAAAAAAAAAAAAAAAAAAAAAAAAAAAAAAAAAAAZAAAAAEAAABAAAAAAAAAAAAAAAAAAAAAAAAAAAAAAAAAAAAAAAAAAAAAAAAAAAAAAAAAAAAAAAAAAAAAAAAAAAAAAAAAAAAAAAAAAAAAAAAAAAAAAAAAAAAAAAAAAAAAFAAAADwAAAAAAAAAAAAAAAAAAAkUAAAAAQAAABQAAAAUAAAAFAAAAAEAAAAAAAAAZAAAAGQAAAAAAAAAZAAAAGQAAAAVAAAAYAAAAAAAAAAAAAAADwAAACADAAAAAAAAAAAAAAEAAACgMgAAVgcAAKr4//8BAAAAf39/AAEAAABkAAAAAAAAABQAAABAHwAAAAAAACYAAAAAAAAAwOD//wAAAAAmAAAAZAAAABYAAABMAAAAAAAAAAAAAAAEAAAAAAAAAAEAAACAgIAKAAAAACgAAAAoAAAAZAAAAGQAAAAAAAAAzMzMAAAAAABQAAAAUAAAAGQAAABkAAAAAAAAABcAAAAUAAAAAAAAANwIAAD/fwAA/38AAAAAAAAJAAAABAAAAAAAAAAMAAAAEAAAAAAAAAAAAAAAAAAAAAAAAAAeAAAAaAAAAAAAAAAAAAAAAAAAAAAAAAAAAAAAECcAABAnAAAAAAAAAAAAAAAAAAAAAAAAAAAAAAAAAAAAAAAAAAAAABQAAAAAAAAAwMD/AAAAAABkAAAAMgAAAAAAAABkAAAAAAAAAH9/fwAKAAAAHwAAAFQAAAC74OMF////AQAAAAAAAAAAAAAAAAAAAAAAAAAAAAAAAAAAAAAAAAAAAAAAAn9/fwCAgIADzMzMAMDA/wB/f38AAAAAAAAAAAAAAAAAAAAAAAAAAAAhAAAAGAAAABQAAABUAQAAcQAAAN8iAACmAgAAEAAAACYAAAAIAAAA//////////8="/>
               </a:ext>
             </a:extLst>
           </p:cNvSpPr>
@@ -5083,7 +5133,7 @@
           <p:cNvSpPr>
             <a:extLst>
               <a:ext uri="smNativeData">
-                <pr:smNativeData xmlns:pr="smNativeData" val="SMDATA_13_Hs+1XxMAAAAlAAAAZAAAAA8BAAAAkAAAAEgAAACQAAAASAAAAAAAAAAAAAAAAAAAAAEAAABQAAAAAAAAAAAA4D8AAAAAAADgPwAAAAAAAOA/AAAAAAAA4D8AAAAAAADgPwAAAAAAAOA/AAAAAAAA4D8AAAAAAADgPwAAAAAAAOA/AAAAAAAA4D8CAAAAjAAAAAAAAAAAAAAAwMDAAP///wgAAAAAAAAAAAAAAAAAAAAAAAAAAAAAAAAAAAAAZAAAAAEAAABAAAAAAAAAAAAAAAAAAAAAAAAAAAAAAAAAAAAAAAAAAAAAAAAAAAAAAAAAAAAAAAAAAAAAAAAAAAAAAAAAAAAAAAAAAAAAAAAAAAAAAAAAAAAAAAAAAAAAFAAAADwAAAABAAAAAAAAAH9/fwAUAAAAAQAAABQAAAAUAAAAFAAAAAEAAAAAAAAAZAAAAGQAAAAAAAAAZAAAAGQAAAAVAAAAYAAAAAAAAAAAAAAADwAAACADAAAAAAAAAAAAAAEAAACgMgAAVgcAAKr4//8BAAAAf39/AAEAAABkAAAAAAAAABQAAABAHwAAAAAAACYAAAAAAAAAwOD//wAAAAAmAAAAZAAAABYAAABMAAAAAAAAAAAAAAAEAAAAAAAAAAEAAACAgIAKAAAAACgAAAAoAAAAZAAAAGQAAAAAAAAAzMzMAAAAAABQAAAAUAAAAGQAAABkAAAAAAAAABcAAAAUAAAAAAAAAAAAAAD/fwAA/38AAAAAAAAJAAAABAAAAAAAAAAMAAAAEAAAAAAAAAAAAAAAAAAAAAAAAAAeAAAAaAAAAAAAAAAAAAAAAAAAAAAAAAAAAAAAECcAABAnAAAAAAAAAAAAAAAAAAAAAAAAAAAAAAAAAAAAAAAAAAAAABQAAAAAAAAAwMD/AAAAAABkAAAAMgAAAAAAAABkAAAAAAAAAH9/fwAKAAAAHwAAAFQAAADAwMAA////AQAAAAAAAAAAAAAAAAAAAAAAAAAAAAAAAAAAAAAAAAAAf39/AH9/fwCAgIADzMzMAMDA/wB/f38AAAAAAAAAAAAAAAAAAAAAAAAAAAAhAAAAGAAAABQAAAA3AgAAFwMAAKEVAABMBQAAEAAAACYAAAAIAAAA//////////8="/>
+                <pr:smNativeData xmlns:pr="smNativeData" val="SMDATA_13_GUMTYBMAAAAlAAAAZAAAAA8BAAAAkAAAAEgAAACQAAAASAAAAAAAAAAAAAAAAAAAAAEAAABQAAAAAAAAAAAA4D8AAAAAAADgPwAAAAAAAOA/AAAAAAAA4D8AAAAAAADgPwAAAAAAAOA/AAAAAAAA4D8AAAAAAADgPwAAAAAAAOA/AAAAAAAA4D8CAAAAjAAAAAAAAAAAAAAAwMDAAP///wgAAAAAAAAAAAAAAAAAAAAAAAAAAAAAAAAAAAAAZAAAAAEAAABAAAAAAAAAAAAAAAAAAAAAAAAAAAAAAAAAAAAAAAAAAAAAAAAAAAAAAAAAAAAAAAAAAAAAAAAAAAAAAAAAAAAAAAAAAAAAAAAAAAAAAAAAAAAAAAAAAAAAFAAAADwAAAABAAAAAAAAAH9/fwAUAAAAAQAAABQAAAAUAAAAFAAAAAEAAAAAAAAAZAAAAGQAAAAAAAAAZAAAAGQAAAAVAAAAYAAAAAAAAAAAAAAADwAAACADAAAAAAAAAAAAAAEAAACgMgAAVgcAAKr4//8BAAAAf39/AAEAAABkAAAAAAAAABQAAABAHwAAAAAAACYAAAAAAAAAwOD//wAAAAAmAAAAZAAAABYAAABMAAAAAAAAAAAAAAAEAAAAAAAAAAEAAACAgIAKAAAAACgAAAAoAAAAZAAAAGQAAAAAAAAAzMzMAAAAAABQAAAAUAAAAGQAAABkAAAAAAAAABcAAAAUAAAAAAAAAAAAAAD/fwAA/38AAAAAAAAJAAAABAAAAAAAAAAMAAAAEAAAAAAAAAAAAAAAAAAAAAAAAAAeAAAAaAAAAAAAAAAAAAAAAAAAAAAAAAAAAAAAECcAABAnAAAAAAAAAAAAAAAAAAAAAAAAAAAAAAAAAAAAAAAAAAAAABQAAAAAAAAAwMD/AAAAAABkAAAAMgAAAAAAAABkAAAAAAAAAH9/fwAKAAAAHwAAAFQAAADAwMAA////AQAAAAAAAAAAAAAAAAAAAAAAAAAAAAAAAAAAAAAAAAAAf39/AH9/fwCAgIADzMzMAMDA/wB/f38AAAAAAAAAAAAAAAAAAAAAAAAAAAAhAAAAGAAAABQAAAA3AgAAFwMAAKEVAABMBQAAEAAAACYAAAAIAAAA//////////8="/>
               </a:ext>
             </a:extLst>
           </p:cNvSpPr>
@@ -5115,7 +5165,7 @@
           <p:cNvSpPr>
             <a:extLst>
               <a:ext uri="smNativeData">
-                <pr:smNativeData xmlns:pr="smNativeData" val="SMDATA_13_Hs+1XxMAAAAlAAAAZAAAAA8BAAAAkAAAAEgAAACQAAAASAAAAAAAAAAAAAAAAAAAAAEAAABQAAAAAAAAAAAA4D8AAAAAAADgPwAAAAAAAOA/AAAAAAAA4D8AAAAAAADgPwAAAAAAAOA/AAAAAAAA4D8AAAAAAADgPwAAAAAAAOA/AAAAAAAA4D8CAAAAjAAAAAAAAAAAAAAAwMDAAP///wgAAAAAAAAAAAAAAAAAAAAAAAAAAAAAAAAAAAAAZAAAAAEAAABAAAAAAAAAAAAAAAAAAAAAAAAAAAAAAAAAAAAAAAAAAAAAAAAAAAAAAAAAAAAAAAAAAAAAAAAAAAAAAAAAAAAAAAAAAAAAAAAAAAAAAAAAAAAAAAAAAAAAFAAAADwAAAABAAAAAAAAAH9/fwAUAAAAAQAAABQAAAAUAAAAFAAAAAEAAAAAAAAAZAAAAGQAAAAAAAAAZAAAAGQAAAAVAAAAYAAAAAAAAAAAAAAADwAAACADAAAAAAAAAAAAAAEAAACgMgAAVgcAAKr4//8BAAAAf39/AAEAAABkAAAAAAAAABQAAABAHwAAAAAAACYAAAAAAAAAwOD//wAAAAAmAAAAZAAAABYAAABMAAAAAAAAAAAAAAAEAAAAAAAAAAEAAACAgIAKAAAAACgAAAAoAAAAZAAAAGQAAAAAAAAAzMzMAAAAAABQAAAAUAAAAGQAAABkAAAAAAAAABcAAAAUAAAAAAAAAAAAAAD/fwAA/38AAAAAAAAJAAAABAAAAAAAAAAMAAAAEAAAAAAAAAAAAAAAAAAAAAAAAAAeAAAAaAAAAAAAAAAAAAAAAAAAAAAAAAAAAAAAECcAABAnAAAAAAAAAAAAAAAAAAAAAAAAAAAAAAAAAAAAAAAAAAAAABQAAAAAAAAAwMD/AAAAAABkAAAAMgAAAAAAAABkAAAAAAAAAH9/fwAKAAAAHwAAAFQAAADAwMAA////AQAAAAAAAAAAAAAAAAAAAAAAAAAAAAAAAAAAAAAAAAAAf39/AH9/fwCAgIADzMzMAMDA/wB/f38AAAAAAAAAAAAAAAAAAAAAAAAAAAAhAAAAGAAAABQAAAA3AgAATAUAAKEVAAB8GgAAEAAAACYAAAAIAAAA//////////8="/>
+                <pr:smNativeData xmlns:pr="smNativeData" val="SMDATA_13_GUMTYBMAAAAlAAAAZAAAAA8BAAAAkAAAAEgAAACQAAAASAAAAAAAAAAAAAAAAAAAAAEAAABQAAAAAAAAAAAA4D8AAAAAAADgPwAAAAAAAOA/AAAAAAAA4D8AAAAAAADgPwAAAAAAAOA/AAAAAAAA4D8AAAAAAADgPwAAAAAAAOA/AAAAAAAA4D8CAAAAjAAAAAAAAAAAAAAAwMDAAP///wgAAAAAAAAAAAAAAAAAAAAAAAAAAAAAAAAAAAAAZAAAAAEAAABAAAAAAAAAAAAAAAAAAAAAAAAAAAAAAAAAAAAAAAAAAAAAAAAAAAAAAAAAAAAAAAAAAAAAAAAAAAAAAAAAAAAAAAAAAAAAAAAAAAAAAAAAAAAAAAAAAAAAFAAAADwAAAABAAAAAAAAAH9/fwAUAAAAAQAAABQAAAAUAAAAFAAAAAEAAAAAAAAAZAAAAGQAAAAAAAAAZAAAAGQAAAAVAAAAYAAAAAAAAAAAAAAADwAAACADAAAAAAAAAAAAAAEAAACgMgAAVgcAAKr4//8BAAAAf39/AAEAAABkAAAAAAAAABQAAABAHwAAAAAAACYAAAAAAAAAwOD//wAAAAAmAAAAZAAAABYAAABMAAAAAAAAAAAAAAAEAAAAAAAAAAEAAACAgIAKAAAAACgAAAAoAAAAZAAAAGQAAAAAAAAAzMzMAAAAAABQAAAAUAAAAGQAAABkAAAAAAAAABcAAAAUAAAAAAAAAAAAAAD/fwAA/38AAAAAAAAJAAAABAAAAAAAAAAMAAAAEAAAAAAAAAAAAAAAAAAAAAAAAAAeAAAAaAAAAAAAAAAAAAAAAAAAAAAAAAAAAAAAECcAABAnAAAAAAAAAAAAAAAAAAAAAAAAAAAAAAAAAAAAAAAAAAAAABQAAAAAAAAAwMD/AAAAAABkAAAAMgAAAAAAAABkAAAAAAAAAH9/fwAKAAAAHwAAAFQAAADAwMAA////AQAAAAAAAAAAAAAAAAAAAAAAAAAAAAAAAAAAAAAAAAAAf39/AH9/fwCAgIADzMzMAMDA/wB/f38AAAAAAAAAAAAAAAAAAAAAAAAAAAAhAAAAGAAAABQAAAA3AgAATAUAAKEVAAB8GgAAEAAAACYAAAAIAAAA//////////8="/>
               </a:ext>
             </a:extLst>
           </p:cNvSpPr>
@@ -5147,7 +5197,7 @@
           <p:cNvSpPr>
             <a:extLst>
               <a:ext uri="smNativeData">
-                <pr:smNativeData xmlns:pr="smNativeData" val="SMDATA_13_Hs+1XxMAAAAlAAAAZAAAAA8BAAAAkAAAAEgAAACQAAAASAAAAAAAAAAAAAAAAAAAAAEAAABQAAAAAAAAAAAA4D8AAAAAAADgPwAAAAAAAOA/AAAAAAAA4D8AAAAAAADgPwAAAAAAAOA/AAAAAAAA4D8AAAAAAADgPwAAAAAAAOA/AAAAAAAA4D8CAAAAjAAAAAAAAAAAAAAAwMDAAP///wgAAAAAAAAAAAAAAAAAAAAAAAAAAAAAAAAAAAAAZAAAAAEAAABAAAAAAAAAAAAAAAAAAAAAAAAAAAAAAAAAAAAAAAAAAAAAAAAAAAAAAAAAAAAAAAAAAAAAAAAAAAAAAAAAAAAAAAAAAAAAAAAAAAAAAAAAAAAAAAAAAAAAFAAAADwAAAABAAAAAAAAAH9/fwAUAAAAAQAAABQAAAAUAAAAFAAAAAEAAAAAAAAAZAAAAGQAAAAAAAAAZAAAAGQAAAAVAAAAYAAAAAAAAAAAAAAADwAAACADAAAAAAAAAAAAAAEAAACgMgAAVgcAAKr4//8BAAAAf39/AAEAAABkAAAAAAAAABQAAABAHwAAAAAAACYAAAAAAAAAwOD//wAAAAAmAAAAZAAAABYAAABMAAAAAAAAAAAAAAAEAAAAAAAAAAEAAACAgIAKAAAAACgAAAAoAAAAZAAAAGQAAAAAAAAAzMzMAAAAAABQAAAAUAAAAGQAAABkAAAAAAAAABcAAAAUAAAAAAAAAAAAAAD/fwAA/38AAAAAAAAJAAAABAAAAAAAAAAMAAAAEAAAAAAAAAAAAAAAAAAAAAAAAAAeAAAAaAAAAAAAAAAAAAAAAAAAAAAAAAAAAAAAECcAABAnAAAAAAAAAAAAAAAAAAAAAAAAAAAAAAAAAAAAAAAAAAAAABQAAAAAAAAAwMD/AAAAAABkAAAAMgAAAAAAAABkAAAAAAAAAH9/fwAKAAAAHwAAAFQAAADAwMAA////AQAAAAAAAAAAAAAAAAAAAAAAAAAAAAAAAAAAAAAAAAAAf39/AH9/fwCAgIADzMzMAMDA/wB/f38AAAAAAAAAAAAAAAAAAAAAAAAAAAAhAAAAGAAAABQAAAChFQAAFwMAALonAABMBQAAEAAAACYAAAAIAAAA//////////8="/>
+                <pr:smNativeData xmlns:pr="smNativeData" val="SMDATA_13_GUMTYBMAAAAlAAAAZAAAAA8BAAAAkAAAAEgAAACQAAAASAAAAAAAAAAAAAAAAAAAAAEAAABQAAAAAAAAAAAA4D8AAAAAAADgPwAAAAAAAOA/AAAAAAAA4D8AAAAAAADgPwAAAAAAAOA/AAAAAAAA4D8AAAAAAADgPwAAAAAAAOA/AAAAAAAA4D8CAAAAjAAAAAAAAAAAAAAAwMDAAP///wgAAAAAAAAAAAAAAAAAAAAAAAAAAAAAAAAAAAAAZAAAAAEAAABAAAAAAAAAAAAAAAAAAAAAAAAAAAAAAAAAAAAAAAAAAAAAAAAAAAAAAAAAAAAAAAAAAAAAAAAAAAAAAAAAAAAAAAAAAAAAAAAAAAAAAAAAAAAAAAAAAAAAFAAAADwAAAABAAAAAAAAAH9/fwAUAAAAAQAAABQAAAAUAAAAFAAAAAEAAAAAAAAAZAAAAGQAAAAAAAAAZAAAAGQAAAAVAAAAYAAAAAAAAAAAAAAADwAAACADAAAAAAAAAAAAAAEAAACgMgAAVgcAAKr4//8BAAAAf39/AAEAAABkAAAAAAAAABQAAABAHwAAAAAAACYAAAAAAAAAwOD//wAAAAAmAAAAZAAAABYAAABMAAAAAAAAAAAAAAAEAAAAAAAAAAEAAACAgIAKAAAAACgAAAAoAAAAZAAAAGQAAAAAAAAAzMzMAAAAAABQAAAAUAAAAGQAAABkAAAAAAAAABcAAAAUAAAAAAAAAAAAAAD/fwAA/38AAAAAAAAJAAAABAAAAAAAAAAMAAAAEAAAAAAAAAAAAAAAAAAAAAAAAAAeAAAAaAAAAAAAAAAAAAAAAAAAAAAAAAAAAAAAECcAABAnAAAAAAAAAAAAAAAAAAAAAAAAAAAAAAAAAAAAAAAAAAAAABQAAAAAAAAAwMD/AAAAAABkAAAAMgAAAAAAAABkAAAAAAAAAH9/fwAKAAAAHwAAAFQAAADAwMAA////AQAAAAAAAAAAAAAAAAAAAAAAAAAAAAAAAAAAAAAAAAAAf39/AH9/fwCAgIADzMzMAMDA/wB/f38AAAAAAAAAAAAAAAAAAAAAAAAAAAAhAAAAGAAAABQAAAChFQAAFwMAALonAABMBQAAEAAAACYAAAAIAAAA//////////8="/>
               </a:ext>
             </a:extLst>
           </p:cNvSpPr>
@@ -5179,7 +5229,7 @@
           <p:cNvSpPr>
             <a:extLst>
               <a:ext uri="smNativeData">
-                <pr:smNativeData xmlns:pr="smNativeData" val="SMDATA_13_Hs+1XxMAAAAlAAAAZAAAAA8BAAAAkAAAAEgAAACQAAAASAAAAAAAAAAAAAAAAAAAAAEAAABQAAAAAAAAAAAA4D8AAAAAAADgPwAAAAAAAOA/AAAAAAAA4D8AAAAAAADgPwAAAAAAAOA/AAAAAAAA4D8AAAAAAADgPwAAAAAAAOA/AAAAAAAA4D8CAAAAjAAAAAAAAAAAAAAAwMDAAP///wgAAAAAAAAAAAAAAAAAAAAAAAAAAAAAAAAAAAAAZAAAAAEAAABAAAAAAAAAAAAAAAAAAAAAAAAAAAAAAAAAAAAAAAAAAAAAAAAAAAAAAAAAAAAAAAAAAAAAAAAAAAAAAAAAAAAAAAAAAAAAAAAAAAAAAAAAAAAAAAAAAAAAFAAAADwAAAABAAAAAAAAAH9/fwAUAAAAAQAAABQAAAAUAAAAFAAAAAEAAAAAAAAAZAAAAGQAAAAAAAAAZAAAAGQAAAAVAAAAYAAAAAAAAAAAAAAADwAAACADAAAAAAAAAAAAAAEAAACgMgAAVgcAAKr4//8BAAAAf39/AAEAAABkAAAAAAAAABQAAABAHwAAAAAAACYAAAAAAAAAwOD//wAAAAAmAAAAZAAAABYAAABMAAAAAAAAAAAAAAAEAAAAAAAAAAEAAACAgIAKAAAAACgAAAAoAAAAZAAAAGQAAAAAAAAAzMzMAAAAAABQAAAAUAAAAGQAAABkAAAAAAAAABcAAAAUAAAAAAAAAAAAAAD/fwAA/38AAAAAAAAJAAAABAAAAAAAAAAMAAAAEAAAAAAAAAAAAAAAAAAAAAAAAAAeAAAAaAAAAAAAAAAAAAAAAAAAAAAAAAAAAAAAECcAABAnAAAAAAAAAAAAAAAAAAAAAAAAAAAAAAAAAAAAAAAAAAAAABQAAAAAAAAAwMD/AAAAAABkAAAAMgAAAAAAAABkAAAAAAAAAH9/fwAKAAAAHwAAAFQAAADAwMAA////AQAAAAAAAAAAAAAAAAAAAAAAAAAAAAAAAAAAAAAAAAAAf39/AH9/fwCAgIADzMzMAMDA/wB/f38AAAAAAAAAAAAAAAAAAAAAAAAAAAAhAAAAGAAAABQAAAChFQAATAUAALonAAB8GgAAEAAAACYAAAAIAAAA//////////8="/>
+                <pr:smNativeData xmlns:pr="smNativeData" val="SMDATA_13_GUMTYBMAAAAlAAAAZAAAAA8BAAAAkAAAAEgAAACQAAAASAAAAAAAAAAAAAAAAAAAAAEAAABQAAAAAAAAAAAA4D8AAAAAAADgPwAAAAAAAOA/AAAAAAAA4D8AAAAAAADgPwAAAAAAAOA/AAAAAAAA4D8AAAAAAADgPwAAAAAAAOA/AAAAAAAA4D8CAAAAjAAAAAAAAAAAAAAAwMDAAP///wgAAAAAAAAAAAAAAAAAAAAAAAAAAAAAAAAAAAAAZAAAAAEAAABAAAAAAAAAAAAAAAAAAAAAAAAAAAAAAAAAAAAAAAAAAAAAAAAAAAAAAAAAAAAAAAAAAAAAAAAAAAAAAAAAAAAAAAAAAAAAAAAAAAAAAAAAAAAAAAAAAAAAFAAAADwAAAABAAAAAAAAAH9/fwAUAAAAAQAAABQAAAAUAAAAFAAAAAEAAAAAAAAAZAAAAGQAAAAAAAAAZAAAAGQAAAAVAAAAYAAAAAAAAAAAAAAADwAAACADAAAAAAAAAAAAAAEAAACgMgAAVgcAAKr4//8BAAAAf39/AAEAAABkAAAAAAAAABQAAABAHwAAAAAAACYAAAAAAAAAwOD//wAAAAAmAAAAZAAAABYAAABMAAAAAAAAAAAAAAAEAAAAAAAAAAEAAACAgIAKAAAAACgAAAAoAAAAZAAAAGQAAAAAAAAAzMzMAAAAAABQAAAAUAAAAGQAAABkAAAAAAAAABcAAAAUAAAAAAAAAAAAAAD/fwAA/38AAAAAAAAJAAAABAAAAAAAAAAMAAAAEAAAAAAAAAAAAAAAAAAAAAAAAAAeAAAAaAAAAAAAAAAAAAAAAAAAAAAAAAAAAAAAECcAABAnAAAAAAAAAAAAAAAAAAAAAAAAAAAAAAAAAAAAAAAAAAAAABQAAAAAAAAAwMD/AAAAAABkAAAAMgAAAAAAAABkAAAAAAAAAH9/fwAKAAAAHwAAAFQAAADAwMAA////AQAAAAAAAAAAAAAAAAAAAAAAAAAAAAAAAAAAAAAAAAAAf39/AH9/fwCAgIADzMzMAMDA/wB/f38AAAAAAAAAAAAAAAAAAAAAAAAAAAAhAAAAGAAAABQAAAChFQAATAUAALonAAB8GgAAEAAAACYAAAAIAAAA//////////8="/>
               </a:ext>
             </a:extLst>
           </p:cNvSpPr>
@@ -5211,7 +5261,7 @@
           <p:cNvSpPr>
             <a:extLst>
               <a:ext uri="smNativeData">
-                <pr:smNativeData xmlns:pr="smNativeData" val="SMDATA_13_Hs+1XxMAAAAlAAAAZAAAAA8BAAAAkAAAAEgAAACQAAAASAAAAAAAAAAAAAAAAAAAAAEAAABQAAAAAAAAAAAA4D8AAAAAAADgPwAAAAAAAOA/AAAAAAAA4D8AAAAAAADgPwAAAAAAAOA/AAAAAAAA4D8AAAAAAADgPwAAAAAAAOA/AAAAAAAA4D8CAAAAjAAAAAAAAAAAAAAAwMDAAP///wgAAAAAAAAAAAAAAAAAAAAAAAAAAAAAAAAAAAAAZAAAAAEAAABAAAAAAAAAAAAAAAAAAAAAAAAAAAAAAAAAAAAAAAAAAAAAAAAAAAAAAAAAAAAAAAAAAAAAAAAAAAAAAAAAAAAAAAAAAAAAAAAAAAAAAAAAAAAAAAAAAAAAFAAAADwAAAABAAAAAAAAAH9/fwAUAAAAAQAAABQAAAAUAAAAFAAAAAEAAAAAAAAAZAAAAGQAAAAAAAAAZAAAAGQAAAAVAAAAYAAAAAAAAAAAAAAADwAAACADAAAAAAAAAAAAAAEAAACgMgAAVgcAAKr4//8BAAAAf39/AAEAAABkAAAAAAAAABQAAABAHwAAAAAAACYAAAAAAAAAwOD//wAAAAAmAAAAZAAAABYAAABMAAAAAAAAAAAAAAAEAAAAAAAAAAEAAACAgIAKAAAAACgAAAAoAAAAZAAAAGQAAAAAAAAAzMzMAAAAAABQAAAAUAAAAGQAAABkAAAAAAAAABcAAAAUAAAAAAAAAAAAAAD/fwAA/38AAAAAAAAJAAAABAAAAAAAAAAMAAAAEAAAAAAAAAAAAAAAAAAAAAAAAAAeAAAAaAAAAAAAAAAAAAAAAAAAAAAAAAAAAAAAECcAABAnAAAAAAAAAAAAAAAAAAAAAAAAAAAAAAAAAAAAAAAAAAAAABQAAAAAAAAAwMD/AAAAAABkAAAAMgAAAAAAAABkAAAAAAAAAH9/fwAKAAAAHwAAAFQAAADAwMAA////AQAAAAAAAAAAAAAAAAAAAAAAAAAAAAAAAAAAAAAAAAAAf39/AH9/fwCAgIADzMzMAMDA/wB/f38AAAAAAAAAAAAAAAAAAAAAAAAAAAAhAAAAGAAAABQAAAC6JwAAFwMAAC03AABMBQAAEAAAACYAAAAIAAAA//////////8="/>
+                <pr:smNativeData xmlns:pr="smNativeData" val="SMDATA_13_GUMTYBMAAAAlAAAAZAAAAA8BAAAAkAAAAEgAAACQAAAASAAAAAAAAAAAAAAAAAAAAAEAAABQAAAAAAAAAAAA4D8AAAAAAADgPwAAAAAAAOA/AAAAAAAA4D8AAAAAAADgPwAAAAAAAOA/AAAAAAAA4D8AAAAAAADgPwAAAAAAAOA/AAAAAAAA4D8CAAAAjAAAAAAAAAAAAAAAwMDAAP///wgAAAAAAAAAAAAAAAAAAAAAAAAAAAAAAAAAAAAAZAAAAAEAAABAAAAAAAAAAAAAAAAAAAAAAAAAAAAAAAAAAAAAAAAAAAAAAAAAAAAAAAAAAAAAAAAAAAAAAAAAAAAAAAAAAAAAAAAAAAAAAAAAAAAAAAAAAAAAAAAAAAAAFAAAADwAAAABAAAAAAAAAH9/fwAUAAAAAQAAABQAAAAUAAAAFAAAAAEAAAAAAAAAZAAAAGQAAAAAAAAAZAAAAGQAAAAVAAAAYAAAAAAAAAAAAAAADwAAACADAAAAAAAAAAAAAAEAAACgMgAAVgcAAKr4//8BAAAAf39/AAEAAABkAAAAAAAAABQAAABAHwAAAAAAACYAAAAAAAAAwOD//wAAAAAmAAAAZAAAABYAAABMAAAAAAAAAAAAAAAEAAAAAAAAAAEAAACAgIAKAAAAACgAAAAoAAAAZAAAAGQAAAAAAAAAzMzMAAAAAABQAAAAUAAAAGQAAABkAAAAAAAAABcAAAAUAAAAAAAAAAAAAAD/fwAA/38AAAAAAAAJAAAABAAAAAAAAAAMAAAAEAAAAAAAAAAAAAAAAAAAAAAAAAAeAAAAaAAAAAAAAAAAAAAAAAAAAAAAAAAAAAAAECcAABAnAAAAAAAAAAAAAAAAAAAAAAAAAAAAAAAAAAAAAAAAAAAAABQAAAAAAAAAwMD/AAAAAABkAAAAMgAAAAAAAABkAAAAAAAAAH9/fwAKAAAAHwAAAFQAAADAwMAA////AQAAAAAAAAAAAAAAAAAAAAAAAAAAAAAAAAAAAAAAAAAAf39/AH9/fwCAgIADzMzMAMDA/wB/f38AAAAAAAAAAAAAAAAAAAAAAAAAAAAhAAAAGAAAABQAAAC6JwAAFwMAAC03AABMBQAAEAAAACYAAAAIAAAA//////////8="/>
               </a:ext>
             </a:extLst>
           </p:cNvSpPr>
@@ -5243,7 +5293,7 @@
           <p:cNvSpPr>
             <a:extLst>
               <a:ext uri="smNativeData">
-                <pr:smNativeData xmlns:pr="smNativeData" val="SMDATA_13_Hs+1XxMAAAAlAAAAZAAAAA8BAAAAkAAAAEgAAACQAAAASAAAAAAAAAAAAAAAAAAAAAEAAABQAAAAAAAAAAAA4D8AAAAAAADgPwAAAAAAAOA/AAAAAAAA4D8AAAAAAADgPwAAAAAAAOA/AAAAAAAA4D8AAAAAAADgPwAAAAAAAOA/AAAAAAAA4D8CAAAAjAAAAAAAAAAAAAAAwMDAAP///wgAAAAAAAAAAAAAAAAAAAAAAAAAAAAAAAAAAAAAZAAAAAEAAABAAAAAAAAAAAAAAAAAAAAAAAAAAAAAAAAAAAAAAAAAAAAAAAAAAAAAAAAAAAAAAAAAAAAAAAAAAAAAAAAAAAAAAAAAAAAAAAAAAAAAAAAAAAAAAAAAAAAAFAAAADwAAAABAAAAAAAAAH9/fwAUAAAAAQAAABQAAAAUAAAAFAAAAAEAAAAAAAAAZAAAAGQAAAAAAAAAZAAAAGQAAAAVAAAAYAAAAAAAAAAAAAAADwAAACADAAAAAAAAAAAAAAEAAACgMgAAVgcAAKr4//8BAAAAf39/AAEAAABkAAAAAAAAABQAAABAHwAAAAAAACYAAAAAAAAAwOD//wAAAAAmAAAAZAAAABYAAABMAAAAAAAAAAAAAAAEAAAAAAAAAAEAAACAgIAKAAAAACgAAAAoAAAAZAAAAGQAAAAAAAAAzMzMAAAAAABQAAAAUAAAAGQAAABkAAAAAAAAABcAAAAUAAAAAAAAAAAAAAD/fwAA/38AAAAAAAAJAAAABAAAAAAAAAAMAAAAEAAAAAAAAAAAAAAAAAAAAAAAAAAeAAAAaAAAAAAAAAAAAAAAAAAAAAAAAAAAAAAAECcAABAnAAAAAAAAAAAAAAAAAAAAAAAAAAAAAAAAAAAAAAAAAAAAABQAAAAAAAAAwMD/AAAAAABkAAAAMgAAAAAAAABkAAAAAAAAAH9/fwAKAAAAHwAAAFQAAADAwMAA////AQAAAAAAAAAAAAAAAAAAAAAAAAAAAAAAAAAAAAAAAAAAf39/AH9/fwCAgIADzMzMAMDA/wB/f38AAAAAAAAAAAAAAAAAAAAAAAAAAAAhAAAAGAAAABQAAAC6JwAATAUAAC03AAD0FgAAEAAAACYAAAAIAAAA//////////8="/>
+                <pr:smNativeData xmlns:pr="smNativeData" val="SMDATA_13_GUMTYBMAAAAlAAAAZAAAAA8BAAAAkAAAAEgAAACQAAAASAAAAAAAAAAAAAAAAAAAAAEAAABQAAAAAAAAAAAA4D8AAAAAAADgPwAAAAAAAOA/AAAAAAAA4D8AAAAAAADgPwAAAAAAAOA/AAAAAAAA4D8AAAAAAADgPwAAAAAAAOA/AAAAAAAA4D8CAAAAjAAAAAAAAAAAAAAAwMDAAP///wgAAAAAAAAAAAAAAAAAAAAAAAAAAAAAAAAAAAAAZAAAAAEAAABAAAAAAAAAAAAAAAAAAAAAAAAAAAAAAAAAAAAAAAAAAAAAAAAAAAAAAAAAAAAAAAAAAAAAAAAAAAAAAAAAAAAAAAAAAAAAAAAAAAAAAAAAAAAAAAAAAAAAFAAAADwAAAABAAAAAAAAAH9/fwAUAAAAAQAAABQAAAAUAAAAFAAAAAEAAAAAAAAAZAAAAGQAAAAAAAAAZAAAAGQAAAAVAAAAYAAAAAAAAAAAAAAADwAAACADAAAAAAAAAAAAAAEAAACgMgAAVgcAAKr4//8BAAAAf39/AAEAAABkAAAAAAAAABQAAABAHwAAAAAAACYAAAAAAAAAwOD//wAAAAAmAAAAZAAAABYAAABMAAAAAAAAAAAAAAAEAAAAAAAAAAEAAACAgIAKAAAAACgAAAAoAAAAZAAAAGQAAAAAAAAAzMzMAAAAAABQAAAAUAAAAGQAAABkAAAAAAAAABcAAAAUAAAAAAAAAAAAAAD/fwAA/38AAAAAAAAJAAAABAAAAAAAAAAMAAAAEAAAAAAAAAAAAAAAAAAAAAAAAAAeAAAAaAAAAAAAAAAAAAAAAAAAAAAAAAAAAAAAECcAABAnAAAAAAAAAAAAAAAAAAAAAAAAAAAAAAAAAAAAAAAAAAAAABQAAAAAAAAAwMD/AAAAAABkAAAAMgAAAAAAAABkAAAAAAAAAH9/fwAKAAAAHwAAAFQAAADAwMAA////AQAAAAAAAAAAAAAAAAAAAAAAAAAAAAAAAAAAAAAAAAAAf39/AH9/fwCAgIADzMzMAMDA/wB/f38AAAAAAAAAAAAAAAAAAAAAAAAAAAAhAAAAGAAAABQAAAC6JwAATAUAAC03AAD0FgAAEAAAACYAAAAIAAAA//////////8="/>
               </a:ext>
             </a:extLst>
           </p:cNvSpPr>
@@ -5275,7 +5325,7 @@
           <p:cNvSpPr>
             <a:extLst>
               <a:ext uri="smNativeData">
-                <pr:smNativeData xmlns:pr="smNativeData" val="SMDATA_13_Hs+1XxMAAAAlAAAAZAAAAA8BAAAAkAAAAEgAAACQAAAASAAAAAAAAAAAAAAAAAAAAAEAAABQAAAAAAAAAAAA4D8AAAAAAADgPwAAAAAAAOA/AAAAAAAA4D8AAAAAAADgPwAAAAAAAOA/AAAAAAAA4D8AAAAAAADgPwAAAAAAAOA/AAAAAAAA4D8CAAAAjAAAAAAAAAAAAAAAwMDAAP///wgAAAAAAAAAAAAAAAAAAAAAAAAAAAAAAAAAAAAAZAAAAAEAAABAAAAAAAAAAAAAAAAAAAAAAAAAAAAAAAAAAAAAAAAAAAAAAAAAAAAAAAAAAAAAAAAAAAAAAAAAAAAAAAAAAAAAAAAAAAAAAAAAAAAAAAAAAAAAAAAAAAAAFAAAADwAAAABAAAAAAAAAH9/fwAUAAAAAQAAABQAAAAUAAAAFAAAAAEAAAAAAAAAZAAAAGQAAAAAAAAAZAAAAGQAAAAVAAAAYAAAAAAAAAAAAAAADwAAACADAAAAAAAAAAAAAAEAAACgMgAAVgcAAKr4//8BAAAAf39/AAEAAABkAAAAAAAAABQAAABAHwAAAAAAACYAAAAAAAAAwOD//wAAAAAmAAAAZAAAABYAAABMAAAAAAAAAAAAAAAEAAAAAAAAAAEAAACAgIAKAAAAACgAAAAoAAAAZAAAAGQAAAAAAAAAzMzMAAAAAABQAAAAUAAAAGQAAABkAAAAAAAAABcAAAAUAAAAAAAAAAAAAAD/fwAA/38AAAAAAAAJAAAABAAAAAAAAAAMAAAAEAAAAAAAAAAAAAAAAAAAAAAAAAAeAAAAaAAAAAAAAAAAAAAAAAAAAAAAAAAAAAAAECcAABAnAAAAAAAAAAAAAAAAAAAAAAAAAAAAAAAAAAAAAAAAAAAAABQAAAAAAAAAwMD/AAAAAABkAAAAMgAAAAAAAABkAAAAAAAAAH9/fwAKAAAAHwAAAFQAAADAwMAA////AQAAAAAAAAAAAAAAAAAAAAAAAAAAAAAAAAAAAAAAAAAAf39/AH9/fwCAgIADzMzMAMDA/wB/f38AAAAAAAAAAAAAAAAAAAAAAAAAAAAhAAAAGAAAABQAAACoEQAAixoAAP0hAAC6JwAAEAAAACYAAAAIAAAA//////////8="/>
+                <pr:smNativeData xmlns:pr="smNativeData" val="SMDATA_13_GUMTYBMAAAAlAAAAZAAAAA8BAAAAkAAAAEgAAACQAAAASAAAAAAAAAAAAAAAAAAAAAEAAABQAAAAAAAAAAAA4D8AAAAAAADgPwAAAAAAAOA/AAAAAAAA4D8AAAAAAADgPwAAAAAAAOA/AAAAAAAA4D8AAAAAAADgPwAAAAAAAOA/AAAAAAAA4D8CAAAAjAAAAAAAAAAAAAAAwMDAAP///wgAAAAAAAAAAAAAAAAAAAAAAAAAAAAAAAAAAAAAZAAAAAEAAABAAAAAAAAAAAAAAAAAAAAAAAAAAAAAAAAAAAAAAAAAAAAAAAAAAAAAAAAAAAAAAAAAAAAAAAAAAAAAAAAAAAAAAAAAAAAAAAAAAAAAAAAAAAAAAAAAAAAAFAAAADwAAAABAAAAAAAAAH9/fwAUAAAAAQAAABQAAAAUAAAAFAAAAAEAAAAAAAAAZAAAAGQAAAAAAAAAZAAAAGQAAAAVAAAAYAAAAAAAAAAAAAAADwAAACADAAAAAAAAAAAAAAEAAACgMgAAVgcAAKr4//8BAAAAf39/AAEAAABkAAAAAAAAABQAAABAHwAAAAAAACYAAAAAAAAAwOD//wAAAAAmAAAAZAAAABYAAABMAAAAAAAAAAAAAAAEAAAAAAAAAAEAAACAgIAKAAAAACgAAAAoAAAAZAAAAGQAAAAAAAAAzMzMAAAAAABQAAAAUAAAAGQAAABkAAAAAAAAABcAAAAUAAAAAAAAAAAAAAD/fwAA/38AAAAAAAAJAAAABAAAAAAAAAAMAAAAEAAAAAAAAAAAAAAAAAAAAAAAAAAeAAAAaAAAAAAAAAAAAAAAAAAAAAAAAAAAAAAAECcAABAnAAAAAAAAAAAAAAAAAAAAAAAAAAAAAAAAAAAAAAAAAAAAABQAAAAAAAAAwMD/AAAAAABkAAAAMgAAAAAAAABkAAAAAAAAAH9/fwAKAAAAHwAAAFQAAADAwMAA////AQAAAAAAAAAAAAAAAAAAAAAAAAAAAAAAAAAAAAAAAAAAf39/AH9/fwCAgIADzMzMAMDA/wB/f38AAAAAAAAAAAAAAAAAAAAAAAAAAAAhAAAAGAAAABQAAACoEQAAixoAAP0hAAC6JwAAEAAAACYAAAAIAAAA//////////8="/>
               </a:ext>
             </a:extLst>
           </p:cNvSpPr>
@@ -5307,7 +5357,7 @@
           <p:cNvSpPr>
             <a:extLst>
               <a:ext uri="smNativeData">
-                <pr:smNativeData xmlns:pr="smNativeData" val="SMDATA_13_Hs+1XxMAAAAlAAAAZAAAAA8BAAAAkAAAAEgAAACQAAAASAAAAAAAAAAAAAAAAAAAAAEAAABQAAAAAAAAAAAA4D8AAAAAAADgPwAAAAAAAOA/AAAAAAAA4D8AAAAAAADgPwAAAAAAAOA/AAAAAAAA4D8AAAAAAADgPwAAAAAAAOA/AAAAAAAA4D8CAAAAjAAAAAAAAAAAAAAAwMDAAP///wgAAAAAAAAAAAAAAAAAAAAAAAAAAAAAAAAAAAAAZAAAAAEAAABAAAAAAAAAAAAAAAAAAAAAAAAAAAAAAAAAAAAAAAAAAAAAAAAAAAAAAAAAAAAAAAAAAAAAAAAAAAAAAAAAAAAAAAAAAAAAAAAAAAAAAAAAAAAAAAAAAAAAFAAAADwAAAABAAAAAAAAAH9/fwAUAAAAAQAAABQAAAAUAAAAFAAAAAEAAAAAAAAAZAAAAGQAAAAAAAAAZAAAAGQAAAAVAAAAYAAAAAAAAAAAAAAADwAAACADAAAAAAAAAAAAAAEAAACgMgAAVgcAAKr4//8BAAAAf39/AAEAAABkAAAAAAAAABQAAABAHwAAAAAAACYAAAAAAAAAwOD//wAAAAAmAAAAZAAAABYAAABMAAAAAAAAAAAAAAAEAAAAAAAAAAEAAACAgIAKAAAAACgAAAAoAAAAZAAAAGQAAAAAAAAAzMzMAAAAAABQAAAAUAAAAGQAAABkAAAAAAAAABcAAAAUAAAAAAAAAAAAAAD/fwAA/38AAAAAAAAJAAAABAAAAAAAAAAMAAAAEAAAAAAAAAAAAAAAAAAAAAAAAAAeAAAAaAAAAAAAAAAAAAAAAAAAAAAAAAAAAAAAECcAABAnAAAAAAAAAAAAAAAAAAAAAAAAAAAAAAAAAAAAAAAAAAAAABQAAAAAAAAAwMD/AAAAAABkAAAAMgAAAAAAAABkAAAAAAAAAH9/fwAKAAAAHwAAAFQAAADAwMAA////AQAAAAAAAAAAAAAAAAAAAAAAAAAAAAAAAAAAAAAAAAAAf39/AH9/fwCAgIADzMzMAMDA/wB/f38AAAAAAAAAAAAAAAAAAAAAAAAAAAAhAAAAGAAAABQAAAC6JwAA9BYAAC03AADmHgAAEAAAACYAAAAIAAAA//////////8="/>
+                <pr:smNativeData xmlns:pr="smNativeData" val="SMDATA_13_GUMTYBMAAAAlAAAAZAAAAA8BAAAAkAAAAEgAAACQAAAASAAAAAAAAAAAAAAAAAAAAAEAAABQAAAAAAAAAAAA4D8AAAAAAADgPwAAAAAAAOA/AAAAAAAA4D8AAAAAAADgPwAAAAAAAOA/AAAAAAAA4D8AAAAAAADgPwAAAAAAAOA/AAAAAAAA4D8CAAAAjAAAAAAAAAAAAAAAwMDAAP///wgAAAAAAAAAAAAAAAAAAAAAAAAAAAAAAAAAAAAAZAAAAAEAAABAAAAAAAAAAAAAAAAAAAAAAAAAAAAAAAAAAAAAAAAAAAAAAAAAAAAAAAAAAAAAAAAAAAAAAAAAAAAAAAAAAAAAAAAAAAAAAAAAAAAAAAAAAAAAAAAAAAAAFAAAADwAAAABAAAAAAAAAH9/fwAUAAAAAQAAABQAAAAUAAAAFAAAAAEAAAAAAAAAZAAAAGQAAAAAAAAAZAAAAGQAAAAVAAAAYAAAAAAAAAAAAAAADwAAACADAAAAAAAAAAAAAAEAAACgMgAAVgcAAKr4//8BAAAAf39/AAEAAABkAAAAAAAAABQAAABAHwAAAAAAACYAAAAAAAAAwOD//wAAAAAmAAAAZAAAABYAAABMAAAAAAAAAAAAAAAEAAAAAAAAAAEAAACAgIAKAAAAACgAAAAoAAAAZAAAAGQAAAAAAAAAzMzMAAAAAABQAAAAUAAAAGQAAABkAAAAAAAAABcAAAAUAAAAAAAAAAAAAAD/fwAA/38AAAAAAAAJAAAABAAAAAAAAAAMAAAAEAAAAAAAAAAAAAAAAAAAAAAAAAAeAAAAaAAAAAAAAAAAAAAAAAAAAAAAAAAAAAAAECcAABAnAAAAAAAAAAAAAAAAAAAAAAAAAAAAAAAAAAAAAAAAAAAAABQAAAAAAAAAwMD/AAAAAABkAAAAMgAAAAAAAABkAAAAAAAAAH9/fwAKAAAAHwAAAFQAAADAwMAA////AQAAAAAAAAAAAAAAAAAAAAAAAAAAAAAAAAAAAAAAAAAAf39/AH9/fwCAgIADzMzMAMDA/wB/f38AAAAAAAAAAAAAAAAAAAAAAAAAAAAhAAAAGAAAABQAAAC6JwAA9BYAAC03AADmHgAAEAAAACYAAAAIAAAA//////////8="/>
               </a:ext>
             </a:extLst>
           </p:cNvSpPr>
@@ -5339,7 +5389,7 @@
           <p:cNvSpPr txBox="1">
             <a:extLst>
               <a:ext uri="smNativeData">
-                <pr:smNativeData xmlns:pr="smNativeData" val="SMDATA_13_Hs+1XxMAAAAlAAAAEgAAAE8BAAAAkAAAAEgAAACQAAAASAAAAAAAAAAAAAAAAAAAAAEAAABQAAAAAAAAAAAA4D8AAAAAAADgPwAAAAAAAOA/AAAAAAAA4D8AAAAAAADgPwAAAAAAAOA/AAAAAAAA4D8AAAAAAADgPwAAAAAAAOA/AAAAAAAA4D8CAAAAjAAAAAAAAAAAAAAAu+DjDP///wgAAAAAAAAAAAAAAAAAAAAAAAAAAAAAAAAAAAAAZAAAAAEAAABAAAAAAAAAAAAAAAAAAAAAAAAAAAAAAAAAAAAAAAAAAAAAAAAAAAAAAAAAAAAAAAAAAAAAAAAAAAAAAAAAAAAAAAAAAAAAAAAAAAAAAAAAAAAAAAAAAAAAFAAAADwAAAAAAAAAAAAAAAAAAAkUAAAAAQAAABQAAAAUAAAAFAAAAAEAAAAAAAAAZAAAAGQAAAAAAAAAZAAAAGQAAAAVAAAAYAAAAAAAAAAAAAAADwAAACADAAAAAAAAAAAAAAEAAACgMgAAVgcAAKr4//8BAAAAf39/AAEAAABkAAAAAAAAABQAAABAHwAAAAAAACYAAAAAAAAAwOD//wAAAAAmAAAAZAAAABYAAABMAAAAAAAAAAAAAAAEAAAAAAAAAAEAAACAgIAKAAAAACgAAAAoAAAAZAAAAGQAAAAAAAAAzMzMAAAAAABQAAAAUAAAAGQAAABkAAAAAAAAABcAAAAUAAAAAAAAANwIAAD/fwAA/38AAAAAAAAJAAAABAAAAAAAAAAMAAAAEAAAAAAAAAAAAAAAAAAAAAAAAAAeAAAAaAAAAAAAAAAAAAAAAAAAAAAAAAAAAAAAECcAABAnAAAAAAAAAAAAAAAAAAAAAAAAAAAAAAAAAAAAAAAAAAAAABQAAAAAAAAAwMD/AAAAAABkAAAAMgAAAAAAAABkAAAAAAAAAH9/fwAKAAAAHwAAAFQAAAC74OMF////AQAAAAAAAAAAAAAAAAAAAAAAAAAAAAAAAAAAAAAAAAAAAAAAAn9/fwCAgIADzMzMAMDA/wB/f38AAAAAAAAAAAAAAAAAAAAAAAAAAAAhAAAAGAAAABQAAAA3FgAAGAcAABMfAACwCAAAECAAACYAAAAIAAAA//////////8="/>
+                <pr:smNativeData xmlns:pr="smNativeData" val="SMDATA_13_GUMTYBMAAAAlAAAAEgAAAE8BAAAAkAAAAEgAAACQAAAASAAAAAAAAAAAAAAAAAAAAAEAAABQAAAAAAAAAAAA4D8AAAAAAADgPwAAAAAAAOA/AAAAAAAA4D8AAAAAAADgPwAAAAAAAOA/AAAAAAAA4D8AAAAAAADgPwAAAAAAAOA/AAAAAAAA4D8CAAAAjAAAAAAAAAAAAAAAu+DjDP///wgAAAAAAAAAAAAAAAAAAAAAAAAAAAAAAAAAAAAAZAAAAAEAAABAAAAAAAAAAAAAAAAAAAAAAAAAAAAAAAAAAAAAAAAAAAAAAAAAAAAAAAAAAAAAAAAAAAAAAAAAAAAAAAAAAAAAAAAAAAAAAAAAAAAAAAAAAAAAAAAAAAAAFAAAADwAAAAAAAAAAAAAAAAAAAkUAAAAAQAAABQAAAAUAAAAFAAAAAEAAAAAAAAAZAAAAGQAAAAAAAAAZAAAAGQAAAAVAAAAYAAAAAAAAAAAAAAADwAAACADAAAAAAAAAAAAAAEAAACgMgAAVgcAAKr4//8BAAAAf39/AAEAAABkAAAAAAAAABQAAABAHwAAAAAAACYAAAAAAAAAwOD//wAAAAAmAAAAZAAAABYAAABMAAAAAAAAAAAAAAAEAAAAAAAAAAEAAACAgIAKAAAAACgAAAAoAAAAZAAAAGQAAAAAAAAAzMzMAAAAAABQAAAAUAAAAGQAAABkAAAAAAAAABcAAAAUAAAAAAAAANwIAAD/fwAA/38AAAAAAAAJAAAABAAAAAAAAAAMAAAAEAAAAAAAAAAAAAAAAAAAAAAAAAAeAAAAaAAAAAAAAAAAAAAAAAAAAAAAAAAAAAAAECcAABAnAAAAAAAAAAAAAAAAAAAAAAAAAAAAAAAAAAAAAAAAAAAAABQAAAAAAAAAwMD/AAAAAABkAAAAMgAAAAAAAABkAAAAAAAAAH9/fwAKAAAAHwAAAFQAAAC74OMF////AQAAAAAAAAAAAAAAAAAAAAAAAAAAAAAAAAAAAAAAAAAAAAAAAn9/fwCAgIADzMzMAMDA/wB/f38AAAAAAAAAAAAAAAAAAAAAAAAAAAAhAAAAGAAAABQAAAA3FgAArwUAABMfAABHBwAAECAAACYAAAAIAAAA//////////8="/>
               </a:ext>
             </a:extLst>
           </p:cNvSpPr>
@@ -5347,7 +5397,7 @@
         </p:nvSpPr>
         <p:spPr>
           <a:xfrm>
-            <a:off x="3611245" y="1153160"/>
+            <a:off x="3611245" y="923925"/>
             <a:ext cx="1440180" cy="259080"/>
           </a:xfrm>
           <a:prstGeom prst="rect">
@@ -5382,7 +5432,7 @@
           <p:cNvSpPr txBox="1">
             <a:extLst>
               <a:ext uri="smNativeData">
-                <pr:smNativeData xmlns:pr="smNativeData" val="SMDATA_13_Hs+1XxMAAAAlAAAAEgAAAE8BAAAAkAAAAEgAAACQAAAASAAAAAAAAAAAAAAAAAAAAAEAAABQAAAAAAAAAAAA4D8AAAAAAADgPwAAAAAAAOA/AAAAAAAA4D8AAAAAAADgPwAAAAAAAOA/AAAAAAAA4D8AAAAAAADgPwAAAAAAAOA/AAAAAAAA4D8CAAAAjAAAAAAAAAAAAAAAu+DjDP///wgAAAAAAAAAAAAAAAAAAAAAAAAAAAAAAAAAAAAAZAAAAAEAAABAAAAAAAAAAAAAAAAAAAAAAAAAAAAAAAAAAAAAAAAAAAAAAAAAAAAAAAAAAAAAAAAAAAAAAAAAAAAAAAAAAAAAAAAAAAAAAAAAAAAAAAAAAAAAAAAAAAAAFAAAADwAAAAAAAAAAAAAAAAAAAkUAAAAAQAAABQAAAAUAAAAFAAAAAEAAAAAAAAAZAAAAGQAAAAAAAAAZAAAAGQAAAAVAAAAYAAAAAAAAAAAAAAADwAAACADAAAAAAAAAAAAAAEAAACgMgAAVgcAAKr4//8BAAAAf39/AAEAAABkAAAAAAAAABQAAABAHwAAAAAAACYAAAAAAAAAwOD//wAAAAAmAAAAZAAAABYAAABMAAAAAAAAAAAAAAAEAAAAAAAAAAEAAACAgIAKAAAAACgAAAAoAAAAZAAAAGQAAAAAAAAAzMzMAAAAAABQAAAAUAAAAGQAAABkAAAAAAAAABcAAAAUAAAAAAAAANwIAAD/fwAA/38AAAAAAAAJAAAABAAAAAAAAAAMAAAAEAAAAAAAAAAAAAAAAAAAAAAAAAAeAAAAaAAAAAAAAAAAAAAAAAAAAAAAAAAAAAAAECcAABAnAAAAAAAAAAAAAAAAAAAAAAAAAAAAAAAAAAAAAAAAAAAAABQAAAAAAAAAwMD/AAAAAABkAAAAMgAAAAAAAABkAAAAAAAAAH9/fwAKAAAAHwAAAFQAAAC74OMF////AQAAAAAAAAAAAAAAAAAAAAAAAAAAAAAAAAAAAAAAAAAAAAAAAn9/fwCAgIADzMzMAMDA/wB/f38AAAAAAAAAAAAAAAAAAAAAAAAAAAAhAAAAGAAAABQAAABoHgAAEAcAAJImAAC4CgAAECAAACYAAAAIAAAA//////////8="/>
+                <pr:smNativeData xmlns:pr="smNativeData" val="SMDATA_13_GUMTYBMAAAAlAAAAEgAAAE8BAAAAkAAAAEgAAACQAAAASAAAAAAAAAAAAAAAAAAAAAEAAABQAAAAAAAAAAAA4D8AAAAAAADgPwAAAAAAAOA/AAAAAAAA4D8AAAAAAADgPwAAAAAAAOA/AAAAAAAA4D8AAAAAAADgPwAAAAAAAOA/AAAAAAAA4D8CAAAAjAAAAAAAAAAAAAAAu+DjDP///wgAAAAAAAAAAAAAAAAAAAAAAAAAAAAAAAAAAAAAZAAAAAEAAABAAAAAAAAAAAAAAAAAAAAAAAAAAAAAAAAAAAAAAAAAAAAAAAAAAAAAAAAAAAAAAAAAAAAAAAAAAAAAAAAAAAAAAAAAAAAAAAAAAAAAAAAAAAAAAAAAAAAAFAAAADwAAAAAAAAAAAAAAAAAAAkUAAAAAQAAABQAAAAUAAAAFAAAAAEAAAAAAAAAZAAAAGQAAAAAAAAAZAAAAGQAAAAVAAAAYAAAAAAAAAAAAAAADwAAACADAAAAAAAAAAAAAAEAAACgMgAAVgcAAKr4//8BAAAAf39/AAEAAABkAAAAAAAAABQAAABAHwAAAAAAACYAAAAAAAAAwOD//wAAAAAmAAAAZAAAABYAAABMAAAAAAAAAAAAAAAEAAAAAAAAAAEAAACAgIAKAAAAACgAAAAoAAAAZAAAAGQAAAAAAAAAzMzMAAAAAABQAAAAUAAAAGQAAABkAAAAAAAAABcAAAAUAAAAAAAAANwIAAD/fwAA/38AAAAAAAAJAAAABAAAAAAAAAAMAAAAEAAAAAAAAAAAAAAAAAAAAAAAAAAeAAAAaAAAAAAAAAAAAAAAAAAAAAAAAAAAAAAAECcAABAnAAAAAAAAAAAAAAAAAAAAAAAAAAAAAAAAAAAAAAAAAAAAABQAAAAAAAAAwMD/AAAAAABkAAAAMgAAAAAAAABkAAAAAAAAAH9/fwAKAAAAHwAAAFQAAAC74OMF////AQAAAAAAAAAAAAAAAAAAAAAAAAAAAAAAAAAAAAAAAAAAAAAAAn9/fwCAgIADzMzMAMDA/wB/f38AAAAAAAAAAAAAAAAAAAAAAAAAAAAhAAAAGAAAABQAAABoHgAApwUAAJImAABPCQAAECAAACYAAAAIAAAA//////////8="/>
               </a:ext>
             </a:extLst>
           </p:cNvSpPr>
@@ -5390,7 +5440,7 @@
         </p:nvSpPr>
         <p:spPr>
           <a:xfrm>
-            <a:off x="4942840" y="1148080"/>
+            <a:off x="4942840" y="918845"/>
             <a:ext cx="1327150" cy="594360"/>
           </a:xfrm>
           <a:prstGeom prst="rect">
@@ -5449,7 +5499,7 @@
           <p:cNvSpPr txBox="1">
             <a:extLst>
               <a:ext uri="smNativeData">
-                <pr:smNativeData xmlns:pr="smNativeData" val="SMDATA_13_Hs+1XxMAAAAlAAAAEgAAAE8BAAAAkAAAAEgAAACQAAAASAAAAAAAAAAAAAAAAAAAAAEAAABQAAAAAAAAAAAA4D8AAAAAAADgPwAAAAAAAOA/AAAAAAAA4D8AAAAAAADgPwAAAAAAAOA/AAAAAAAA4D8AAAAAAADgPwAAAAAAAOA/AAAAAAAA4D8CAAAAjAAAAAEAAAAAAAAA2u2hP////wgAAAAAAAAAAAAAAAAAAAAAAAAAAAAAAAAAAAAAZAAAAAEAAABAAAAAAAAAAAAAAAAAAAAAAAAAAAAAAAAAAAAAAAAAAAAAAAAAAAAAAAAAAAAAAAAAAAAAAAAAAAAAAAAAAAAAAAAAAAAAAAAAAAAAAAAAAAAAAAAAAAAAFAAAADwAAAABAAAAAAAAAAAAAAkFAAAAAQAAAAEAAAAAAAAAAAAAAAAAAAAAAAAAZAAAAGQAAAAAAAAAZAAAAGQAAAAVAAAAYAAAAAAAAAAAAAAADwAAACADAAAAAAAAAAAAAAEAAACgMgAAVgcAAKr4//8BAAAAf39/AAEAAABkAAAAAAAAABQAAABAHwAAAAAAACYAAAAAAAAAwOD//wAAAAAmAAAAZAAAABYAAABMAAAAAAAAAAAAAAAEAAAAAAAAAAEAAACAgIAKAAAAACgAAAAoAAAAZAAAAGQAAAAAAAAAzMzMAAAAAABQAAAAUAAAAGQAAABkAAAAAAAAABcAAAAUAAAAAAAAANwIAAD/fwAA/38AAAAAAAAJAAAABAAAAGcAaAAMAAAAEAAAAAAAAAAAAAAAAAAAAAAAAAAeAAAAaAAAAAAAAAAAAAAAAAAAAAAAAAAAAAAAECcAABAnAAAAAAAAAAAAAAAAAAAAAAAAAAAAAAAAAAAAAAAAAAAAABQAAAAAAAAAwMD/AAAAAABkAAAAMgAAAAAAAABkAAAAAAAAAH9/fwAKAAAAHwAAAFQAAADa7aE4////AQAAAAAAAAAAAAAAAAAAAAAAAAAAAAAAAAAAAAAAAAAAAAAAAn9/fwCAgIADzMzMAMDA/wB/f38AAAAAAAAAAAAAAAAAAAAAAAAAAAAhAAAAGAAAABQAAAAZEgAA/xwAANcbAAB3IAAAECAAACYAAAAIAAAA//////////8="/>
+                <pr:smNativeData xmlns:pr="smNativeData" val="SMDATA_13_GUMTYBMAAAAlAAAAEgAAAE8BAAAAkAAAAEgAAACQAAAASAAAAAAAAAAAAAAAAAAAAAEAAABQAAAAAAAAAAAA4D8AAAAAAADgPwAAAAAAAOA/AAAAAAAA4D8AAAAAAADgPwAAAAAAAOA/AAAAAAAA4D8AAAAAAADgPwAAAAAAAOA/AAAAAAAA4D8CAAAAjAAAAAEAAAAAAAAA2u2hP////wgAAAAAAAAAAAAAAAAAAAAAAAAAAAAAAAAAAAAAZAAAAAEAAABAAAAAAAAAAAAAAAAAAAAAAAAAAAAAAAAAAAAAAAAAAAAAAAAAAAAAAAAAAAAAAAAAAAAAAAAAAAAAAAAAAAAAAAAAAAAAAAAAAAAAAAAAAAAAAAAAAAAAFAAAADwAAAABAAAAAAAAAAAAAAkFAAAAAQAAAAEAAAAAAAAAAAAAAAAAAAAAAAAAZAAAAGQAAAAAAAAAZAAAAGQAAAAVAAAAYAAAAAAAAAAAAAAADwAAACADAAAAAAAAAAAAAAEAAACgMgAAVgcAAKr4//8BAAAAf39/AAEAAABkAAAAAAAAABQAAABAHwAAAAAAACYAAAAAAAAAwOD//wAAAAAmAAAAZAAAABYAAABMAAAAAAAAAAAAAAAEAAAAAAAAAAEAAACAgIAKAAAAACgAAAAoAAAAZAAAAGQAAAAAAAAAzMzMAAAAAABQAAAAUAAAAGQAAABkAAAAAAAAABcAAAAUAAAAAAAAANwIAAD/fwAA/38AAAAAAAAJAAAABAAAAGcAaAAMAAAAEAAAAAAAAAAAAAAAAAAAAAAAAAAeAAAAaAAAAAAAAAAAAAAAAAAAAAAAAAAAAAAAECcAABAnAAAAAAAAAAAAAAAAAAAAAAAAAAAAAAAAAAAAAAAAAAAAABQAAAAAAAAAwMD/AAAAAABkAAAAMgAAAAAAAABkAAAAAAAAAH9/fwAKAAAAHwAAAFQAAADa7aE4////AQAAAAAAAAAAAAAAAAAAAAAAAAAAAAAAAAAAAAAAAAAAAAAAAn9/fwCAgIADzMzMAMDA/wB/f38AAAAAAAAAAAAAAAAAAAAAAAAAAAAhAAAAGAAAABQAAAAZEgAA/xwAANcbAAB3IAAAECAAACYAAAAIAAAA//////////8="/>
               </a:ext>
             </a:extLst>
           </p:cNvSpPr>
@@ -5527,7 +5577,7 @@
           <p:cNvSpPr txBox="1">
             <a:extLst>
               <a:ext uri="smNativeData">
-                <pr:smNativeData xmlns:pr="smNativeData" val="SMDATA_13_Hs+1XxMAAAAlAAAAEgAAAE8BAAAAkAAAAEgAAACQAAAASAAAAAAAAAAAAAAAAAAAAAEAAABQAAAAAAAAAAAA4D8AAAAAAADgPwAAAAAAAOA/AAAAAAAA4D8AAAAAAADgPwAAAAAAAOA/AAAAAAAA4D8AAAAAAADgPwAAAAAAAOA/AAAAAAAA4D8CAAAAjAAAAAAAAAAAAAAAu+DjDP///wgAAAAAAAAAAAAAAAAAAAAAAAAAAAAAAAAAAAAAZAAAAAEAAABAAAAAAAAAAAAAAAAAAAAAAAAAAAAAAAAAAAAAAAAAAAAAAAAAAAAAAAAAAAAAAAAAAAAAAAAAAAAAAAAAAAAAAAAAAAAAAAAAAAAAAAAAAAAAAAAAAAAAFAAAADwAAAAAAAAAAAAAAAAAAAkUAAAAAQAAABQAAAAUAAAAFAAAAAEAAAAAAAAAZAAAAGQAAAAAAAAAZAAAAGQAAAAVAAAAYAAAAAAAAAAAAAAADwAAACADAAAAAAAAAAAAAAEAAACgMgAAVgcAAKr4//8BAAAAf39/AAEAAABkAAAAAAAAABQAAABAHwAAAAAAACYAAAAAAAAAwOD//wAAAAAmAAAAZAAAABYAAABMAAAAAAAAAAAAAAAEAAAAAAAAAAEAAACAgIAKAAAAACgAAAAoAAAAZAAAAGQAAAAAAAAAzMzMAAAAAABQAAAAUAAAAGQAAABkAAAAAAAAABcAAAAUAAAAAAAAANwIAAD/fwAA/38AAAAAAAAJAAAABAAAAAAAaAAMAAAAEAAAAAAAAAAAAAAAAAAAAAAAAAAeAAAAaAAAAAAAAAAAAAAAAAAAAAAAAAAAAAAAECcAABAnAAAAAAAAAAAAAAAAAAAAAAAAAAAAAAAAAAAAAAAAAAAAABQAAAAAAAAAwMD/AAAAAABkAAAAMgAAAAAAAABkAAAAAAAAAH9/fwAKAAAAHwAAAFQAAAC74OMF////AQAAAAAAAAAAAAAAAAAAAAAAAAAAAAAAAAAAAAAAAAAAAAAAAn9/fwCAgIADzMzMAMDA/wB/f38AAAAAAAAAAAAAAAAAAAAAAAAAAAAhAAAAGAAAABQAAABzKgAA/xAAAPs2AAB/EgAAECAAACYAAAAIAAAA//////////8="/>
+                <pr:smNativeData xmlns:pr="smNativeData" val="SMDATA_13_GUMTYBMAAAAlAAAAEgAAAE8BAAAAkAAAAEgAAACQAAAASAAAAAAAAAAAAAAAAAAAAAEAAABQAAAAAAAAAAAA4D8AAAAAAADgPwAAAAAAAOA/AAAAAAAA4D8AAAAAAADgPwAAAAAAAOA/AAAAAAAA4D8AAAAAAADgPwAAAAAAAOA/AAAAAAAA4D8CAAAAjAAAAAAAAAAAAAAAu+DjDP///wgAAAAAAAAAAAAAAAAAAAAAAAAAAAAAAAAAAAAAZAAAAAEAAABAAAAAAAAAAAAAAAAAAAAAAAAAAAAAAAAAAAAAAAAAAAAAAAAAAAAAAAAAAAAAAAAAAAAAAAAAAAAAAAAAAAAAAAAAAAAAAAAAAAAAAAAAAAAAAAAAAAAAFAAAADwAAAAAAAAAAAAAAAAAAAkUAAAAAQAAABQAAAAUAAAAFAAAAAEAAAAAAAAAZAAAAGQAAAAAAAAAZAAAAGQAAAAVAAAAYAAAAAAAAAAAAAAADwAAACADAAAAAAAAAAAAAAEAAACgMgAAVgcAAKr4//8BAAAAf39/AAEAAABkAAAAAAAAABQAAABAHwAAAAAAACYAAAAAAAAAwOD//wAAAAAmAAAAZAAAABYAAABMAAAAAAAAAAAAAAAEAAAAAAAAAAEAAACAgIAKAAAAACgAAAAoAAAAZAAAAGQAAAAAAAAAzMzMAAAAAABQAAAAUAAAAGQAAABkAAAAAAAAABcAAAAUAAAAAAAAANwIAAD/fwAA/38AAAAAAAAJAAAABAAAAAAAaAAMAAAAEAAAAAAAAAAAAAAAAAAAAAAAAAAeAAAAaAAAAAAAAAAAAAAAAAAAAAAAAAAAAAAAECcAABAnAAAAAAAAAAAAAAAAAAAAAAAAAAAAAAAAAAAAAAAAAAAAABQAAAAAAAAAwMD/AAAAAABkAAAAMgAAAAAAAABkAAAAAAAAAH9/fwAKAAAAHwAAAFQAAAC74OMF////AQAAAAAAAAAAAAAAAAAAAAAAAAAAAAAAAAAAAAAAAAAAAAAAAn9/fwCAgIADzMzMAMDA/wB/f38AAAAAAAAAAAAAAAAAAAAAAAAAAAAhAAAAGAAAABQAAABzKgAALg8AAPs2AACuEAAAECAAACYAAAAIAAAA//////////8="/>
               </a:ext>
             </a:extLst>
           </p:cNvSpPr>
@@ -5535,7 +5585,7 @@
         </p:nvSpPr>
         <p:spPr>
           <a:xfrm>
-            <a:off x="6900545" y="2762885"/>
+            <a:off x="6900545" y="2467610"/>
             <a:ext cx="2037080" cy="243840"/>
           </a:xfrm>
           <a:prstGeom prst="rect">
@@ -5570,7 +5620,7 @@
           <p:cNvSpPr txBox="1">
             <a:extLst>
               <a:ext uri="smNativeData">
-                <pr:smNativeData xmlns:pr="smNativeData" val="SMDATA_13_Hs+1XxMAAAAlAAAAEgAAAE8BAAAAkAAAAEgAAACQAAAASAAAAAAAAAAAAAAAAAAAAAEAAABQAAAAAAAAAAAA4D8AAAAAAADgPwAAAAAAAOA/AAAAAAAA4D8AAAAAAADgPwAAAAAAAOA/AAAAAAAA4D8AAAAAAADgPwAAAAAAAOA/AAAAAAAA4D8CAAAAjAAAAAAAAAAAAAAAu+DjDP///wgAAAAAAAAAAAAAAAAAAAAAAAAAAAAAAAAAAAAAZAAAAAEAAABAAAAAAAAAAAAAAAAAAAAAAAAAAAAAAAAAAAAAAAAAAAAAAAAAAAAAAAAAAAAAAAAAAAAAAAAAAAAAAAAAAAAAAAAAAAAAAAAAAAAAAAAAAAAAAAAAAAAAFAAAADwAAAAAAAAAAAAAAAAAAAkUAAAAAQAAABQAAAAUAAAAFAAAAAEAAAAAAAAAZAAAAGQAAAAAAAAAZAAAAGQAAAAVAAAAYAAAAAAAAAAAAAAADwAAACADAAAAAAAAAAAAAAEAAACgMgAAVgcAAKr4//8BAAAAf39/AAEAAABkAAAAAAAAABQAAABAHwAAAAAAACYAAAAAAAAAwOD//wAAAAAmAAAAZAAAABYAAABMAAAAAAAAAAAAAAAEAAAAAAAAAAEAAACAgIAKAAAAACgAAAAoAAAAZAAAAGQAAAAAAAAAzMzMAAAAAABQAAAAUAAAAGQAAABkAAAAAAAAABcAAAAUAAAAAAAAANwIAAD/fwAA/38AAAAAAAAJAAAABAAAAAAAaAAMAAAAEAAAAAAAAAAAAAAAAAAAAAAAAAAeAAAAaAAAAAAAAAAAAAAAAAAAAAAAAAAAAAAAECcAABAnAAAAAAAAAAAAAAAAAAAAAAAAAAAAAAAAAAAAAAAAAAAAABQAAAAAAAAAwMD/AAAAAABkAAAAMgAAAAAAAABkAAAAAAAAAH9/fwAKAAAAHwAAAFQAAAC74OMF////AQAAAAAAAAAAAAAAAAAAAAAAAAAAAAAAAAAAAAAAAAAAAAAAAn9/fwCAgIADzMzMAMDA/wB/f38AAAAAAAAAAAAAAAAAAAAAAAAAAAAhAAAAGAAAABQAAABwKAAA/w4AAD01AACXEAAAECAAACYAAAAIAAAA//////////8="/>
+                <pr:smNativeData xmlns:pr="smNativeData" val="SMDATA_13_GUMTYBMAAAAlAAAAEgAAAE8BAAAAkAAAAEgAAACQAAAASAAAAAAAAAAAAAAAAAAAAAEAAABQAAAAAAAAAAAA4D8AAAAAAADgPwAAAAAAAOA/AAAAAAAA4D8AAAAAAADgPwAAAAAAAOA/AAAAAAAA4D8AAAAAAADgPwAAAAAAAOA/AAAAAAAA4D8CAAAAjAAAAAAAAAAAAAAAu+DjDP///wgAAAAAAAAAAAAAAAAAAAAAAAAAAAAAAAAAAAAAZAAAAAEAAABAAAAAAAAAAAAAAAAAAAAAAAAAAAAAAAAAAAAAAAAAAAAAAAAAAAAAAAAAAAAAAAAAAAAAAAAAAAAAAAAAAAAAAAAAAAAAAAAAAAAAAAAAAAAAAAAAAAAAFAAAADwAAAAAAAAAAAAAAAAAAAkUAAAAAQAAABQAAAAUAAAAFAAAAAEAAAAAAAAAZAAAAGQAAAAAAAAAZAAAAGQAAAAVAAAAYAAAAAAAAAAAAAAADwAAACADAAAAAAAAAAAAAAEAAACgMgAAVgcAAKr4//8BAAAAf39/AAEAAABkAAAAAAAAABQAAABAHwAAAAAAACYAAAAAAAAAwOD//wAAAAAmAAAAZAAAABYAAABMAAAAAAAAAAAAAAAEAAAAAAAAAAEAAACAgIAKAAAAACgAAAAoAAAAZAAAAGQAAAAAAAAAzMzMAAAAAABQAAAAUAAAAGQAAABkAAAAAAAAABcAAAAUAAAAAAAAANwIAAD/fwAA/38AAAAAAAAJAAAABAAAAAAAaAAMAAAAEAAAAAAAAAAAAAAAAAAAAAAAAAAeAAAAaAAAAAAAAAAAAAAAAAAAAAAAAAAAAAAAECcAABAnAAAAAAAAAAAAAAAAAAAAAAAAAAAAAAAAAAAAAAAAAAAAABQAAAAAAAAAwMD/AAAAAABkAAAAMgAAAAAAAABkAAAAAAAAAH9/fwAKAAAAHwAAAFQAAAC74OMF////AQAAAAAAAAAAAAAAAAAAAAAAAAAAAAAAAAAAAAAAAAAAAAAAAn9/fwCAgIADzMzMAMDA/wB/f38AAAAAAAAAAAAAAAAAAAAAAAAAAAAhAAAAGAAAABQAAABwKAAALg0AAD01AADGDgAAECAAACYAAAAIAAAA//////////8="/>
               </a:ext>
             </a:extLst>
           </p:cNvSpPr>
@@ -5578,7 +5628,7 @@
         </p:nvSpPr>
         <p:spPr>
           <a:xfrm>
-            <a:off x="6573520" y="2437765"/>
+            <a:off x="6573520" y="2142490"/>
             <a:ext cx="2080895" cy="259080"/>
           </a:xfrm>
           <a:prstGeom prst="rect">
@@ -5613,7 +5663,7 @@
           <p:cNvSpPr>
             <a:extLst>
               <a:ext uri="smNativeData">
-                <pr:smNativeData xmlns:pr="smNativeData" val="SMDATA_13_Hs+1XxMAAAAlAAAAZAAAAA8BAAAAkAAAAEgAAACQAAAASAAAAAAAAAAAAAAAAAAAAAEAAABQAAAAAAAAAAAA4D8AAAAAAADgPwAAAAAAAOA/AAAAAAAA4D8AAAAAAADgPwAAAAAAAOA/AAAAAAAA4D8AAAAAAADgPwAAAAAAAOA/AAAAAAAA4D8CAAAAjAAAAAAAAAAAAAAAwMDAAP///wgAAAAAAAAAAAAAAAAAAAAAAAAAAAAAAAAAAAAAZAAAAAEAAABAAAAAAAAAAAAAAAAAAAAAAAAAAAAAAAAAAAAAAAAAAAAAAAAAAAAAAAAAAAAAAAAAAAAAAAAAAAAAAAAAAAAAAAAAAAAAAAAAAAAAAAAAAAAAAAAAAAAAFAAAADwAAAABAAAAAAAAAH9/fwAUAAAAAQAAABQAAAAUAAAAFAAAAAEAAAAAAAAAZAAAAGQAAAAAAAAAZAAAAGQAAAAVAAAAYAAAAAAAAAAAAAAADwAAACADAAAAAAAAAAAAAAEAAACgMgAAVgcAAKr4//8BAAAAf39/AAEAAABkAAAAAAAAABQAAABAHwAAAAAAACYAAAAAAAAAwOD//wAAAAAmAAAAZAAAABYAAABMAAAAAAAAAAAAAAAEAAAAAAAAAAEAAACAgIAKAAAAACgAAAAoAAAAZAAAAGQAAAAAAAAAzMzMAAAAAABQAAAAUAAAAGQAAABkAAAAAAAAABcAAAAUAAAAAAAAAAAAAAD/fwAA/38AAAAAAAAJAAAABAAAAGcAaAAMAAAAEAAAAAAAAAAAAAAAAAAAAAAAAAAeAAAAaAAAAAAAAAAAAAAAAAAAAAAAAAAAAAAAECcAABAnAAAAAAAAAAAAAAAAAAAAAAAAAAAAAAAAAAAAAAAAAAAAABQAAAAAAAAAwMD/AAAAAABkAAAAMgAAAAAAAABkAAAAAAAAAH9/fwAKAAAAHwAAAFQAAADAwMAA////AQAAAAAAAAAAAAAAAAAAAAAAAAAAAAAAAAAAAAAAAAAAf39/AH9/fwCAgIADzMzMAMDA/wB/f38AAAAAAAAAAAAAAAAAAAAAAAAAAAAhAAAAGAAAABQAAAA3AgAAiRoAAKgRAAC+HAAAEAAAACYAAAAIAAAA//////////8="/>
+                <pr:smNativeData xmlns:pr="smNativeData" val="SMDATA_13_GUMTYBMAAAAlAAAAZAAAAA8BAAAAkAAAAEgAAACQAAAASAAAAAAAAAAAAAAAAAAAAAEAAABQAAAAAAAAAAAA4D8AAAAAAADgPwAAAAAAAOA/AAAAAAAA4D8AAAAAAADgPwAAAAAAAOA/AAAAAAAA4D8AAAAAAADgPwAAAAAAAOA/AAAAAAAA4D8CAAAAjAAAAAAAAAAAAAAAwMDAAP///wgAAAAAAAAAAAAAAAAAAAAAAAAAAAAAAAAAAAAAZAAAAAEAAABAAAAAAAAAAAAAAAAAAAAAAAAAAAAAAAAAAAAAAAAAAAAAAAAAAAAAAAAAAAAAAAAAAAAAAAAAAAAAAAAAAAAAAAAAAAAAAAAAAAAAAAAAAAAAAAAAAAAAFAAAADwAAAABAAAAAAAAAH9/fwAUAAAAAQAAABQAAAAUAAAAFAAAAAEAAAAAAAAAZAAAAGQAAAAAAAAAZAAAAGQAAAAVAAAAYAAAAAAAAAAAAAAADwAAACADAAAAAAAAAAAAAAEAAACgMgAAVgcAAKr4//8BAAAAf39/AAEAAABkAAAAAAAAABQAAABAHwAAAAAAACYAAAAAAAAAwOD//wAAAAAmAAAAZAAAABYAAABMAAAAAAAAAAAAAAAEAAAAAAAAAAEAAACAgIAKAAAAACgAAAAoAAAAZAAAAGQAAAAAAAAAzMzMAAAAAABQAAAAUAAAAGQAAABkAAAAAAAAABcAAAAUAAAAAAAAAAAAAAD/fwAA/38AAAAAAAAJAAAABAAAAGcAaAAMAAAAEAAAAAAAAAAAAAAAAAAAAAAAAAAeAAAAaAAAAAAAAAAAAAAAAAAAAAAAAAAAAAAAECcAABAnAAAAAAAAAAAAAAAAAAAAAAAAAAAAAAAAAAAAAAAAAAAAABQAAAAAAAAAwMD/AAAAAABkAAAAMgAAAAAAAABkAAAAAAAAAH9/fwAKAAAAHwAAAFQAAADAwMAA////AQAAAAAAAAAAAAAAAAAAAAAAAAAAAAAAAAAAAAAAAAAAf39/AH9/fwCAgIADzMzMAMDA/wB/f38AAAAAAAAAAAAAAAAAAAAAAAAAAAAhAAAAGAAAABQAAAA3AgAAiRoAAKgRAAC+HAAAEAAAACYAAAAIAAAA//////////8="/>
               </a:ext>
             </a:extLst>
           </p:cNvSpPr>
@@ -5645,7 +5695,7 @@
           <p:cNvSpPr txBox="1">
             <a:extLst>
               <a:ext uri="smNativeData">
-                <pr:smNativeData xmlns:pr="smNativeData" val="SMDATA_13_Hs+1XxMAAAAlAAAAEgAAAE8BAAAAkAAAAEgAAACQAAAASAAAAAAAAAAAAAAAAAAAAAEAAABQAAAAAAAAAAAA4D8AAAAAAADgPwAAAAAAAOA/AAAAAAAA4D8AAAAAAADgPwAAAAAAAOA/AAAAAAAA4D8AAAAAAADgPwAAAAAAAOA/AAAAAAAA4D8CAAAAjAAAAAAAAAAAAAAAu+DjDP///wgAAAAAAAAAAAAAAAAAAAAAAAAAAAAAAAAAAAAAZAAAAAEAAABAAAAAAAAAAAAAAAAAAAAAAAAAAAAAAAAAAAAAAAAAAAAAAAAAAAAAAAAAAAAAAAAAAAAAAAAAAAAAAAAAAAAAAAAAAAAAAAAAAAAAAAAAAAAAAAAAAAAAFAAAADwAAAAAAAAAAAAAAAAAAAkUAAAAAQAAABQAAAAUAAAAFAAAAAEAAAAAAAAAZAAAAGQAAAAAAAAAZAAAAGQAAAAVAAAAYAAAAAAAAAAAAAAADwAAACADAAAAAAAAAAAAAAEAAACgMgAAVgcAAKr4//8BAAAAf39/AAEAAABkAAAAAAAAABQAAABAHwAAAAAAACYAAAAAAAAAwOD//wAAAAAmAAAAZAAAABYAAABMAAAAAAAAAAAAAAAEAAAAAAAAAAEAAACAgIAKAAAAACgAAAAoAAAAZAAAAGQAAAAAAAAAzMzMAAAAAABQAAAAUAAAAGQAAABkAAAAAAAAABcAAAAUAAAAAAAAANwIAAD/fwAA/38AAAAAAAAJAAAABAAAAGcAaAAMAAAAEAAAAAAAAAAAAAAAAAAAAAAAAAAeAAAAaAAAAAAAAAAAAAAAAAAAAAAAAAAAAAAAECcAABAnAAAAAAAAAAAAAAAAAAAAAAAAAAAAAAAAAAAAAAAAAAAAABQAAAAAAAAAwMD/AAAAAABkAAAAMgAAAAAAAABkAAAAAAAAAH9/fwAKAAAAHwAAAFQAAAC74OMF////AQAAAAAAAAAAAAAAAAAAAAAAAAAAAAAAAAAAAAAAAAAAAAAAAn9/fwCAgIADzMzMAMDA/wB/f38AAAAAAAAAAAAAAAAAAAAAAAAAAAAhAAAAGAAAABQAAAAXAwAAfhoAAL8UAACOHAAAECAAACYAAAAIAAAA//////////8="/>
+                <pr:smNativeData xmlns:pr="smNativeData" val="SMDATA_13_GUMTYBMAAAAlAAAAEgAAAE8BAAAAkAAAAEgAAACQAAAASAAAAAAAAAAAAAAAAAAAAAEAAABQAAAAAAAAAAAA4D8AAAAAAADgPwAAAAAAAOA/AAAAAAAA4D8AAAAAAADgPwAAAAAAAOA/AAAAAAAA4D8AAAAAAADgPwAAAAAAAOA/AAAAAAAA4D8CAAAAjAAAAAAAAAAAAAAAu+DjDP///wgAAAAAAAAAAAAAAAAAAAAAAAAAAAAAAAAAAAAAZAAAAAEAAABAAAAAAAAAAAAAAAAAAAAAAAAAAAAAAAAAAAAAAAAAAAAAAAAAAAAAAAAAAAAAAAAAAAAAAAAAAAAAAAAAAAAAAAAAAAAAAAAAAAAAAAAAAAAAAAAAAAAAFAAAADwAAAAAAAAAAAAAAAAAAAkUAAAAAQAAABQAAAAUAAAAFAAAAAEAAAAAAAAAZAAAAGQAAAAAAAAAZAAAAGQAAAAVAAAAYAAAAAAAAAAAAAAADwAAACADAAAAAAAAAAAAAAEAAACgMgAAVgcAAKr4//8BAAAAf39/AAEAAABkAAAAAAAAABQAAABAHwAAAAAAACYAAAAAAAAAwOD//wAAAAAmAAAAZAAAABYAAABMAAAAAAAAAAAAAAAEAAAAAAAAAAEAAACAgIAKAAAAACgAAAAoAAAAZAAAAGQAAAAAAAAAzMzMAAAAAABQAAAAUAAAAGQAAABkAAAAAAAAABcAAAAUAAAAAAAAANwIAAD/fwAA/38AAAAAAAAJAAAABAAAAGcAaAAMAAAAEAAAAAAAAAAAAAAAAAAAAAAAAAAeAAAAaAAAAAAAAAAAAAAAAAAAAAAAAAAAAAAAECcAABAnAAAAAAAAAAAAAAAAAAAAAAAAAAAAAAAAAAAAAAAAAAAAABQAAAAAAAAAwMD/AAAAAABkAAAAMgAAAAAAAABkAAAAAAAAAH9/fwAKAAAAHwAAAFQAAAC74OMF////AQAAAAAAAAAAAAAAAAAAAAAAAAAAAAAAAAAAAAAAAAAAAAAAAn9/fwCAgIADzMzMAMDA/wB/f38AAAAAAAAAAAAAAAAAAAAAAAAAAAAhAAAAGAAAABQAAAAXAwAAfhoAAL8UAACOHAAAECAAACYAAAAIAAAA//////////8="/>
               </a:ext>
             </a:extLst>
           </p:cNvSpPr>
@@ -5688,7 +5738,7 @@
           <p:cNvSpPr>
             <a:extLst>
               <a:ext uri="smNativeData">
-                <pr:smNativeData xmlns:pr="smNativeData" val="SMDATA_13_Hs+1XxMAAAAlAAAAZAAAAA8BAAAAkAAAAEgAAACQAAAASAAAAAAAAAAAAAAAAAAAAAEAAABQAAAAAAAAAAAA4D8AAAAAAADgPwAAAAAAAOA/AAAAAAAA4D8AAAAAAADgPwAAAAAAAOA/AAAAAAAA4D8AAAAAAADgPwAAAAAAAOA/AAAAAAAA4D8CAAAAjAAAAAAAAAAAAAAAwMDAAP///wgAAAAAAAAAAAAAAAAAAAAAAAAAAAAAAAAAAAAAZAAAAAEAAABAAAAAAAAAAAAAAAAAAAAAAAAAAAAAAAAAAAAAAAAAAAAAAAAAAAAAAAAAAAAAAAAAAAAAAAAAAAAAAAAAAAAAAAAAAAAAAAAAAAAAAAAAAAAAAAAAAAAAFAAAADwAAAABAAAAAAAAAH9/fwAUAAAAAQAAABQAAAAUAAAAFAAAAAEAAAAAAAAAZAAAAGQAAAAAAAAAZAAAAGQAAAAVAAAAYAAAAAAAAAAAAAAADwAAACADAAAAAAAAAAAAAAEAAACgMgAAVgcAAKr4//8BAAAAf39/AAEAAABkAAAAAAAAABQAAABAHwAAAAAAACYAAAAAAAAAwOD//wAAAAAmAAAAZAAAABYAAABMAAAAAAAAAAAAAAAEAAAAAAAAAAEAAACAgIAKAAAAACgAAAAoAAAAZAAAAGQAAAAAAAAAzMzMAAAAAABQAAAAUAAAAGQAAABkAAAAAAAAABcAAAAUAAAAAAAAAAAAAAD/fwAA/38AAAAAAAAJAAAABAAAAGcAaAAMAAAAEAAAAAAAAAAAAAAAAAAAAAAAAAAeAAAAaAAAAAAAAAAAAAAAAAAAAAAAAAAAAAAAECcAABAnAAAAAAAAAAAAAAAAAAAAAAAAAAAAAAAAAAAAAAAAAAAAABQAAAAAAAAAwMD/AAAAAABkAAAAMgAAAAAAAABkAAAAAAAAAH9/fwAKAAAAHwAAAFQAAADAwMAA////AQAAAAAAAAAAAAAAAAAAAAAAAAAAAAAAAAAAAAAAAAAAf39/AH9/fwCAgIADzMzMAMDA/wB/f38AAAAAAAAAAAAAAAAAAAAAAAAAAAAhAAAAGAAAABQAAAA3AgAAsRwAAKgRAAC6JwAAEAAAACYAAAAIAAAA//////////8="/>
+                <pr:smNativeData xmlns:pr="smNativeData" val="SMDATA_13_GUMTYBMAAAAlAAAAZAAAAA8BAAAAkAAAAEgAAACQAAAASAAAAAAAAAAAAAAAAAAAAAEAAABQAAAAAAAAAAAA4D8AAAAAAADgPwAAAAAAAOA/AAAAAAAA4D8AAAAAAADgPwAAAAAAAOA/AAAAAAAA4D8AAAAAAADgPwAAAAAAAOA/AAAAAAAA4D8CAAAAjAAAAAAAAAAAAAAAwMDAAP///wgAAAAAAAAAAAAAAAAAAAAAAAAAAAAAAAAAAAAAZAAAAAEAAABAAAAAAAAAAAAAAAAAAAAAAAAAAAAAAAAAAAAAAAAAAAAAAAAAAAAAAAAAAAAAAAAAAAAAAAAAAAAAAAAAAAAAAAAAAAAAAAAAAAAAAAAAAAAAAAAAAAAAFAAAADwAAAABAAAAAAAAAH9/fwAUAAAAAQAAABQAAAAUAAAAFAAAAAEAAAAAAAAAZAAAAGQAAAAAAAAAZAAAAGQAAAAVAAAAYAAAAAAAAAAAAAAADwAAACADAAAAAAAAAAAAAAEAAACgMgAAVgcAAKr4//8BAAAAf39/AAEAAABkAAAAAAAAABQAAABAHwAAAAAAACYAAAAAAAAAwOD//wAAAAAmAAAAZAAAABYAAABMAAAAAAAAAAAAAAAEAAAAAAAAAAEAAACAgIAKAAAAACgAAAAoAAAAZAAAAGQAAAAAAAAAzMzMAAAAAABQAAAAUAAAAGQAAABkAAAAAAAAABcAAAAUAAAAAAAAAAAAAAD/fwAA/38AAAAAAAAJAAAABAAAAGcAaAAMAAAAEAAAAAAAAAAAAAAAAAAAAAAAAAAeAAAAaAAAAAAAAAAAAAAAAAAAAAAAAAAAAAAAECcAABAnAAAAAAAAAAAAAAAAAAAAAAAAAAAAAAAAAAAAAAAAAAAAABQAAAAAAAAAwMD/AAAAAABkAAAAMgAAAAAAAABkAAAAAAAAAH9/fwAKAAAAHwAAAFQAAADAwMAA////AQAAAAAAAAAAAAAAAAAAAAAAAAAAAAAAAAAAAAAAAAAAf39/AH9/fwCAgIADzMzMAMDA/wB/f38AAAAAAAAAAAAAAAAAAAAAAAAAAAAhAAAAGAAAABQAAAA3AgAAsRwAAKgRAAC6JwAAEAAAACYAAAAIAAAA//////////8="/>
               </a:ext>
             </a:extLst>
           </p:cNvSpPr>
@@ -5720,7 +5770,7 @@
           <p:cNvSpPr txBox="1">
             <a:extLst>
               <a:ext uri="smNativeData">
-                <pr:smNativeData xmlns:pr="smNativeData" val="SMDATA_13_Hs+1XxMAAAAlAAAAEgAAAE8BAAAAkAAAAEgAAACQAAAASAAAAAAAAAAAAAAAAAAAAAEAAABQAAAAAAAAAAAA4D8AAAAAAADgPwAAAAAAAOA/AAAAAAAA4D8AAAAAAADgPwAAAAAAAOA/AAAAAAAA4D8AAAAAAADgPwAAAAAAAOA/AAAAAAAA4D8CAAAAjAAAAAAAAAAAAAAAu+DjDP///wgAAAAAAAAAAAAAAAAAAAAAAAAAAAAAAAAAAAAAZAAAAAEAAABAAAAAAAAAAAAAAAAAAAAAAAAAAAAAAAAAAAAAAAAAAAAAAAAAAAAAAAAAAAAAAAAAAAAAAAAAAAAAAAAAAAAAAAAAAAAAAAAAAAAAAAAAAAAAAAAAAAAAFAAAADwAAAAAAAAAAAAAAAAAAAkUAAAAAQAAABQAAAAUAAAAFAAAAAEAAAAAAAAAZAAAAGQAAAAAAAAAZAAAAGQAAAAVAAAAYAAAAAAAAAAAAAAADwAAACADAAAAAAAAAAAAAAEAAACgMgAAVgcAAKr4//8BAAAAf39/AAEAAABkAAAAAAAAABQAAABAHwAAAAAAACYAAAAAAAAAwOD//wAAAAAmAAAAZAAAABYAAABMAAAAAAAAAAAAAAAEAAAAAAAAAAEAAACAgIAKAAAAACgAAAAoAAAAZAAAAGQAAAAAAAAAzMzMAAAAAABQAAAAUAAAAGQAAABkAAAAAAAAABcAAAAUAAAAAAAAANwIAAD/fwAA/38AAAAAAAAJAAAABAAAAAAAAAAMAAAAEAAAAAAAAAAAAAAAAAAAAAAAAAAeAAAAaAAAAAAAAAAAAAAAAAAAAAAAAAAAAAAAECcAABAnAAAAAAAAAAAAAAAAAAAAAAAAAAAAAAAAAAAAAAAAAAAAABQAAAAAAAAAwMD/AAAAAABkAAAAMgAAAAAAAABkAAAAAAAAAH9/fwAKAAAAHwAAAFQAAAC74OMF////AQAAAAAAAAAAAAAAAAAAAAAAAAAAAAAAAAAAAAAAAAAAAAAAAn9/fwCAgIADzMzMAMDA/wB/f38AAAAAAAAAAAAAAAAAAAAAAAAAAAAhAAAAGAAAABQAAACIAwAA5B0AADcRAAC0JgAAECAAACYAAAAIAAAA//////////8="/>
+                <pr:smNativeData xmlns:pr="smNativeData" val="SMDATA_13_GUMTYBMAAAAlAAAAEgAAAE8BAAAAkAAAAEgAAACQAAAASAAAAAAAAAAAAAAAAAAAAAEAAABQAAAAAAAAAAAA4D8AAAAAAADgPwAAAAAAAOA/AAAAAAAA4D8AAAAAAADgPwAAAAAAAOA/AAAAAAAA4D8AAAAAAADgPwAAAAAAAOA/AAAAAAAA4D8CAAAAjAAAAAAAAAAAAAAAu+DjDP///wgAAAAAAAAAAAAAAAAAAAAAAAAAAAAAAAAAAAAAZAAAAAEAAABAAAAAAAAAAAAAAAAAAAAAAAAAAAAAAAAAAAAAAAAAAAAAAAAAAAAAAAAAAAAAAAAAAAAAAAAAAAAAAAAAAAAAAAAAAAAAAAAAAAAAAAAAAAAAAAAAAAAAFAAAADwAAAAAAAAAAAAAAAAAAAkUAAAAAQAAABQAAAAUAAAAFAAAAAEAAAAAAAAAZAAAAGQAAAAAAAAAZAAAAGQAAAAVAAAAYAAAAAAAAAAAAAAADwAAACADAAAAAAAAAAAAAAEAAACgMgAAVgcAAKr4//8BAAAAf39/AAEAAABkAAAAAAAAABQAAABAHwAAAAAAACYAAAAAAAAAwOD//wAAAAAmAAAAZAAAABYAAABMAAAAAAAAAAAAAAAEAAAAAAAAAAEAAACAgIAKAAAAACgAAAAoAAAAZAAAAGQAAAAAAAAAzMzMAAAAAABQAAAAUAAAAGQAAABkAAAAAAAAABcAAAAUAAAAAAAAANwIAAD/fwAA/38AAAAAAAAJAAAABAAAAAAAAAAMAAAAEAAAAAAAAAAAAAAAAAAAAAAAAAAeAAAAaAAAAAAAAAAAAAAAAAAAAAAAAAAAAAAAECcAABAnAAAAAAAAAAAAAAAAAAAAAAAAAAAAAAAAAAAAAAAAAAAAABQAAAAAAAAAwMD/AAAAAABkAAAAMgAAAAAAAABkAAAAAAAAAH9/fwAKAAAAHwAAAFQAAAC74OMF////AQAAAAAAAAAAAAAAAAAAAAAAAAAAAAAAAAAAAAAAAAAAAAAAAn9/fwCAgIADzMzMAMDA/wB/f38AAAAAAAAAAAAAAAAAAAAAAAAAAAAhAAAAGAAAABQAAACIAwAA5B0AADcRAAC0JgAAECAAACYAAAAIAAAA//////////8="/>
               </a:ext>
             </a:extLst>
           </p:cNvSpPr>
@@ -5844,7 +5894,7 @@
           <p:cNvSpPr txBox="1">
             <a:extLst>
               <a:ext uri="smNativeData">
-                <pr:smNativeData xmlns:pr="smNativeData" val="SMDATA_13_Hs+1XxMAAAAlAAAAEgAAAE8BAAAAkAAAAEgAAACQAAAASAAAAAAAAAAAAAAAAAAAAAEAAABQAAAAAAAAAAAA4D8AAAAAAADgPwAAAAAAAOA/AAAAAAAA4D8AAAAAAADgPwAAAAAAAOA/AAAAAAAA4D8AAAAAAADgPwAAAAAAAOA/AAAAAAAA4D8CAAAAjAAAAAAAAAAAAAAAu+DjDP///wgAAAAAAAAAAAAAAAAAAAAAAAAAAAAAAAAAAAAAZAAAAAEAAABAAAAAAAAAAAAAAAAAAAAAAAAAAAAAAAAAAAAAAAAAAAAAAAAAAAAAAAAAAAAAAAAAAAAAAAAAAAAAAAAAAAAAAAAAAAAAAAAAAAAAAAAAAAAAAAAAAAAAFAAAADwAAAAAAAAAAAAAAAAAAAkUAAAAAQAAABQAAAAUAAAAFAAAAAEAAAAAAAAAZAAAAGQAAAAAAAAAZAAAAGQAAAAVAAAAYAAAAAAAAAAAAAAADwAAACADAAAAAAAAAAAAAAEAAACgMgAAVgcAAKr4//8BAAAAf39/AAEAAABkAAAAAAAAABQAAABAHwAAAAAAACYAAAAAAAAAwOD//wAAAAAmAAAAZAAAABYAAABMAAAAAAAAAAAAAAAEAAAAAAAAAAEAAACAgIAKAAAAACgAAAAoAAAAZAAAAGQAAAAAAAAAzMzMAAAAAABQAAAAUAAAAGQAAABkAAAAAAAAABcAAAAUAAAAAAAAANwIAAD/fwAA/38AAAAAAAAJAAAABAAAAAAAaAAMAAAAEAAAAAAAAAAAAAAAAAAAAAAAAAAeAAAAaAAAAAAAAAAAAAAAAAAAAAAAAAAAAAAAECcAABAnAAAAAAAAAAAAAAAAAAAAAAAAAAAAAAAAAAAAAAAAAAAAABQAAAAAAAAAwMD/AAAAAABkAAAAMgAAAAAAAABkAAAAAAAAAH9/fwAKAAAAHwAAAFQAAAC74OMF////AQAAAAAAAAAAAAAAAAAAAAAAAAAAAAAAAAAAAAAAAAAAAAAAAn9/fwCAgIADzMzMAMDA/wB/f38AAAAAAAAAAAAAAAAAAAAAAAAAAAAhAAAAGAAAABQAAADbKAAAjgcAAPs2AAAmCQAAECAAACYAAAAIAAAA//////////8="/>
+                <pr:smNativeData xmlns:pr="smNativeData" val="SMDATA_13_GUMTYBMAAAAlAAAAEgAAAE8BAAAAkAAAAEgAAACQAAAASAAAAAAAAAAAAAAAAAAAAAEAAABQAAAAAAAAAAAA4D8AAAAAAADgPwAAAAAAAOA/AAAAAAAA4D8AAAAAAADgPwAAAAAAAOA/AAAAAAAA4D8AAAAAAADgPwAAAAAAAOA/AAAAAAAA4D8CAAAAjAAAAAAAAAAAAAAAu+DjDP///wgAAAAAAAAAAAAAAAAAAAAAAAAAAAAAAAAAAAAAZAAAAAEAAABAAAAAAAAAAAAAAAAAAAAAAAAAAAAAAAAAAAAAAAAAAAAAAAAAAAAAAAAAAAAAAAAAAAAAAAAAAAAAAAAAAAAAAAAAAAAAAAAAAAAAAAAAAAAAAAAAAAAAFAAAADwAAAAAAAAAAAAAAAAAAAkUAAAAAQAAABQAAAAUAAAAFAAAAAEAAAAAAAAAZAAAAGQAAAAAAAAAZAAAAGQAAAAVAAAAYAAAAAAAAAAAAAAADwAAACADAAAAAAAAAAAAAAEAAACgMgAAVgcAAKr4//8BAAAAf39/AAEAAABkAAAAAAAAABQAAABAHwAAAAAAACYAAAAAAAAAwOD//wAAAAAmAAAAZAAAABYAAABMAAAAAAAAAAAAAAAEAAAAAAAAAAEAAACAgIAKAAAAACgAAAAoAAAAZAAAAGQAAAAAAAAAzMzMAAAAAABQAAAAUAAAAGQAAABkAAAAAAAAABcAAAAUAAAAAAAAANwIAAD/fwAA/38AAAAAAAAJAAAABAAAAAAAaAAMAAAAEAAAAAAAAAAAAAAAAAAAAAAAAAAeAAAAaAAAAAAAAAAAAAAAAAAAAAAAAAAAAAAAECcAABAnAAAAAAAAAAAAAAAAAAAAAAAAAAAAAAAAAAAAAAAAAAAAABQAAAAAAAAAwMD/AAAAAABkAAAAMgAAAAAAAABkAAAAAAAAAH9/fwAKAAAAHwAAAFQAAAC74OMF////AQAAAAAAAAAAAAAAAAAAAAAAAAAAAAAAAAAAAAAAAAAAAAAAAn9/fwCAgIADzMzMAMDA/wB/f38AAAAAAAAAAAAAAAAAAAAAAAAAAAAhAAAAGAAAABQAAADbKAAAvQUAAPs2AABVBwAAECAAACYAAAAIAAAA//////////8="/>
               </a:ext>
             </a:extLst>
           </p:cNvSpPr>
@@ -5852,7 +5902,7 @@
         </p:nvSpPr>
         <p:spPr>
           <a:xfrm>
-            <a:off x="6641465" y="1228090"/>
+            <a:off x="6641465" y="932815"/>
             <a:ext cx="2296160" cy="259080"/>
           </a:xfrm>
           <a:prstGeom prst="rect">
@@ -5887,7 +5937,7 @@
           <p:cNvSpPr txBox="1">
             <a:extLst>
               <a:ext uri="smNativeData">
-                <pr:smNativeData xmlns:pr="smNativeData" val="SMDATA_13_Hs+1XxMAAAAlAAAAEgAAAE8BAAAAkAAAAEgAAACQAAAASAAAAAAAAAAAAAAAAAAAAAEAAABQAAAAAAAAAAAA4D8AAAAAAADgPwAAAAAAAOA/AAAAAAAA4D8AAAAAAADgPwAAAAAAAOA/AAAAAAAA4D8AAAAAAADgPwAAAAAAAOA/AAAAAAAA4D8CAAAAjAAAAAAAAAAAAAAAu+DjDP///wgAAAAAAAAAAAAAAAAAAAAAAAAAAAAAAAAAAAAAZAAAAAEAAABAAAAAAAAAAAAAAAAAAAAAAAAAAAAAAAAAAAAAAAAAAAAAAAAAAAAAAAAAAAAAAAAAAAAAAAAAAAAAAAAAAAAAAAAAAAAAAAAAAAAAAAAAAAAAAAAAAAAAFAAAADwAAAAAAAAAAAAAAAAAAAkUAAAAAQAAABQAAAAUAAAAFAAAAAEAAAAAAAAAZAAAAGQAAAAAAAAAZAAAAGQAAAAVAAAAYAAAAAAAAAAAAAAADwAAACADAAAAAAAAAAAAAAEAAACgMgAAVgcAAKr4//8BAAAAf39/AAEAAABkAAAAAAAAABQAAABAHwAAAAAAACYAAAAAAAAAwOD//wAAAAAmAAAAZAAAABYAAABMAAAAAAAAAAAAAAAEAAAAAAAAAAEAAACAgIAKAAAAACgAAAAoAAAAZAAAAGQAAAAAAAAAzMzMAAAAAABQAAAAUAAAAGQAAABkAAAAAAAAABcAAAAUAAAAAAAAANwIAAD/fwAA/38AAAAAAAAJAAAABAAAAAAAaAAMAAAAEAAAAAAAAAAAAAAAAAAAAAAAAAAeAAAAaAAAAAAAAAAAAAAAAAAAAAAAAAAAAAAAECcAABAnAAAAAAAAAAAAAAAAAAAAAAAAAAAAAAAAAAAAAAAAAAAAABQAAAAAAAAAwMD/AAAAAABkAAAAMgAAAAAAAABkAAAAAAAAAH9/fwAKAAAAHwAAAFQAAAC74OMF////AQAAAAAAAAAAAAAAAAAAAAAAAAAAAAAAAAAAAAAAAAAAAAAAAn9/fwCAgIADzMzMAMDA/wB/f38AAAAAAAAAAAAAAAAAAAAAAAAAAAAhAAAAGAAAABQAAADbKAAAzBgAAPs2AAB8GgAAECAAACYAAAAIAAAA//////////8="/>
+                <pr:smNativeData xmlns:pr="smNativeData" val="SMDATA_13_GUMTYBMAAAAlAAAAEgAAAE8BAAAAkAAAAEgAAACQAAAASAAAAAAAAAAAAAAAAAAAAAEAAABQAAAAAAAAAAAA4D8AAAAAAADgPwAAAAAAAOA/AAAAAAAA4D8AAAAAAADgPwAAAAAAAOA/AAAAAAAA4D8AAAAAAADgPwAAAAAAAOA/AAAAAAAA4D8CAAAAjAAAAAAAAAAAAAAAu+DjDP///wgAAAAAAAAAAAAAAAAAAAAAAAAAAAAAAAAAAAAAZAAAAAEAAABAAAAAAAAAAAAAAAAAAAAAAAAAAAAAAAAAAAAAAAAAAAAAAAAAAAAAAAAAAAAAAAAAAAAAAAAAAAAAAAAAAAAAAAAAAAAAAAAAAAAAAAAAAAAAAAAAAAAAFAAAADwAAAAAAAAAAAAAAAAAAAkUAAAAAQAAABQAAAAUAAAAFAAAAAEAAAAAAAAAZAAAAGQAAAAAAAAAZAAAAGQAAAAVAAAAYAAAAAAAAAAAAAAADwAAACADAAAAAAAAAAAAAAEAAACgMgAAVgcAAKr4//8BAAAAf39/AAEAAABkAAAAAAAAABQAAABAHwAAAAAAACYAAAAAAAAAwOD//wAAAAAmAAAAZAAAABYAAABMAAAAAAAAAAAAAAAEAAAAAAAAAAEAAACAgIAKAAAAACgAAAAoAAAAZAAAAGQAAAAAAAAAzMzMAAAAAABQAAAAUAAAAGQAAABkAAAAAAAAABcAAAAUAAAAAAAAANwIAAD/fwAA/38AAAAAAAAJAAAABAAAAAAAaAAMAAAAEAAAAAAAAAAAAAAAAAAAAAAAAAAeAAAAaAAAAAAAAAAAAAAAAAAAAAAAAAAAAAAAECcAABAnAAAAAAAAAAAAAAAAAAAAAAAAAAAAAAAAAAAAAAAAAAAAABQAAAAAAAAAwMD/AAAAAABkAAAAMgAAAAAAAABkAAAAAAAAAH9/fwAKAAAAHwAAAFQAAAC74OMF////AQAAAAAAAAAAAAAAAAAAAAAAAAAAAAAAAAAAAAAAAAAAAAAAAn9/fwCAgIADzMzMAMDA/wB/f38AAAAAAAAAAAAAAAAAAAAAAAAAAAAhAAAAGAAAABQAAADbKAAAzBgAAPs2AAB8GgAAECAAACYAAAAIAAAA//////////8="/>
               </a:ext>
             </a:extLst>
           </p:cNvSpPr>
@@ -5930,7 +5980,7 @@
           <p:cNvSpPr txBox="1">
             <a:extLst>
               <a:ext uri="smNativeData">
-                <pr:smNativeData xmlns:pr="smNativeData" val="SMDATA_13_Hs+1XxMAAAAlAAAAEgAAAE8BAAAAkAAAAEgAAACQAAAASAAAAAAAAAAAAAAAAAAAAAEAAABQAAAAAAAAAAAA4D8AAAAAAADgPwAAAAAAAOA/AAAAAAAA4D8AAAAAAADgPwAAAAAAAOA/AAAAAAAA4D8AAAAAAADgPwAAAAAAAOA/AAAAAAAA4D8CAAAAjAAAAAAAAAAAAAAAu+DjDP///wgAAAAAAAAAAAAAAAAAAAAAAAAAAAAAAAAAAAAAZAAAAAEAAABAAAAAAAAAAAAAAAAAAAAAAAAAAAAAAAAAAAAAAAAAAAAAAAAAAAAAAAAAAAAAAAAAAAAAAAAAAAAAAAAAAAAAAAAAAAAAAAAAAAAAAAAAAAAAAAAAAAAAFAAAADwAAAAAAAAAAAAAAAAAAAkUAAAAAQAAABQAAAAUAAAAFAAAAAEAAAAAAAAAZAAAAGQAAAAAAAAAZAAAAGQAAAAVAAAAYAAAAAAAAAAAAAAADwAAACADAAAAAAAAAAAAAAEAAACgMgAAVgcAAKr4//8BAAAAf39/AAEAAABkAAAAAAAAABQAAABAHwAAAAAAACYAAAAAAAAAwOD//wAAAAAmAAAAZAAAABYAAABMAAAAAAAAAAAAAAAEAAAAAAAAAAEAAACAgIAKAAAAACgAAAAoAAAAZAAAAGQAAAAAAAAAzMzMAAAAAABQAAAAUAAAAGQAAABkAAAAAAAAABcAAAAUAAAAAAAAANwIAAD/fwAA/38AAAAAAAAJAAAABAAAAAAAaAAMAAAAEAAAAAAAAAAAAAAAAAAAAAAAAAAeAAAAaAAAAAAAAAAAAAAAAAAAAAAAAAAAAAAAECcAABAnAAAAAAAAAAAAAAAAAAAAAAAAAAAAAAAAAAAAAAAAAAAAABQAAAAAAAAAwMD/AAAAAABkAAAAMgAAAAAAAABkAAAAAAAAAH9/fwAKAAAAHwAAAFQAAAC74OMF////AQAAAAAAAAAAAAAAAAAAAAAAAAAAAAAAAAAAAAAAAAAAAAAAAn9/fwCAgIADzMzMAMDA/wB/f38AAAAAAAAAAAAAAAAAAAAAAAAAAAAhAAAAGAAAABQAAADbKAAABRUAAPs2AACdFgAAECAAACYAAAAIAAAA//////////8="/>
+                <pr:smNativeData xmlns:pr="smNativeData" val="SMDATA_13_GUMTYBMAAAAlAAAAEgAAAE8BAAAAkAAAAEgAAACQAAAASAAAAAAAAAAAAAAAAAAAAAEAAABQAAAAAAAAAAAA4D8AAAAAAADgPwAAAAAAAOA/AAAAAAAA4D8AAAAAAADgPwAAAAAAAOA/AAAAAAAA4D8AAAAAAADgPwAAAAAAAOA/AAAAAAAA4D8CAAAAjAAAAAAAAAAAAAAAu+DjDP///wgAAAAAAAAAAAAAAAAAAAAAAAAAAAAAAAAAAAAAZAAAAAEAAABAAAAAAAAAAAAAAAAAAAAAAAAAAAAAAAAAAAAAAAAAAAAAAAAAAAAAAAAAAAAAAAAAAAAAAAAAAAAAAAAAAAAAAAAAAAAAAAAAAAAAAAAAAAAAAAAAAAAAFAAAADwAAAAAAAAAAAAAAAAAAAkUAAAAAQAAABQAAAAUAAAAFAAAAAEAAAAAAAAAZAAAAGQAAAAAAAAAZAAAAGQAAAAVAAAAYAAAAAAAAAAAAAAADwAAACADAAAAAAAAAAAAAAEAAACgMgAAVgcAAKr4//8BAAAAf39/AAEAAABkAAAAAAAAABQAAABAHwAAAAAAACYAAAAAAAAAwOD//wAAAAAmAAAAZAAAABYAAABMAAAAAAAAAAAAAAAEAAAAAAAAAAEAAACAgIAKAAAAACgAAAAoAAAAZAAAAGQAAAAAAAAAzMzMAAAAAABQAAAAUAAAAGQAAABkAAAAAAAAABcAAAAUAAAAAAAAANwIAAD/fwAA/38AAAAAAAAJAAAABAAAAAAAaAAMAAAAEAAAAAAAAAAAAAAAAAAAAAAAAAAeAAAAaAAAAAAAAAAAAAAAAAAAAAAAAAAAAAAAECcAABAnAAAAAAAAAAAAAAAAAAAAAAAAAAAAAAAAAAAAAAAAAAAAABQAAAAAAAAAwMD/AAAAAABkAAAAMgAAAAAAAABkAAAAAAAAAH9/fwAKAAAAHwAAAFQAAAC74OMF////AQAAAAAAAAAAAAAAAAAAAAAAAAAAAAAAAAAAAAAAAAAAAAAAAn9/fwCAgIADzMzMAMDA/wB/f38AAAAAAAAAAAAAAAAAAAAAAAAAAAAhAAAAGAAAABQAAADbKAAANBMAAPs2AADMFAAAECAAACYAAAAIAAAA//////////8="/>
               </a:ext>
             </a:extLst>
           </p:cNvSpPr>
@@ -5938,7 +5988,7 @@
         </p:nvSpPr>
         <p:spPr>
           <a:xfrm>
-            <a:off x="6641465" y="3416935"/>
+            <a:off x="6641465" y="3121660"/>
             <a:ext cx="2296160" cy="259080"/>
           </a:xfrm>
           <a:prstGeom prst="rect">
@@ -5973,7 +6023,7 @@
           <p:cNvSpPr txBox="1">
             <a:extLst>
               <a:ext uri="smNativeData">
-                <pr:smNativeData xmlns:pr="smNativeData" val="SMDATA_13_Hs+1XxMAAAAlAAAAEgAAAE8BAAAAkAAAAEgAAACQAAAASAAAAAAAAAAAAAAAAAAAAAEAAABQAAAAAAAAAAAA4D8AAAAAAADgPwAAAAAAAOA/AAAAAAAA4D8AAAAAAADgPwAAAAAAAOA/AAAAAAAA4D8AAAAAAADgPwAAAAAAAOA/AAAAAAAA4D8CAAAAjAAAAAEAAAAAAAAA2u2hP////wgAAAAAAAAAAAAAAAAAAAAAAAAAAAAAAAAAAAAAZAAAAAEAAABAAAAAAAAAAAAAAAAAAAAAAAAAAAAAAAAAAAAAAAAAAAAAAAAAAAAAAAAAAAAAAAAAAAAAAAAAAAAAAAAAAAAAAAAAAAAAAAAAAAAAAAAAAAAAAAAAAAAAFAAAADwAAAABAAAAAAAAAAAAAAkFAAAAAQAAAAEAAAAAAAAAAAAAAAAAAAAAAAAAZAAAAGQAAAAAAAAAZAAAAGQAAAAVAAAAYAAAAAAAAAAAAAAADwAAACADAAAAAAAAAAAAAAEAAACgMgAAVgcAAKr4//8BAAAAf39/AAEAAABkAAAAAAAAABQAAABAHwAAAAAAACYAAAAAAAAAwOD//wAAAAAmAAAAZAAAABYAAABMAAAAAAAAAAAAAAAEAAAAAAAAAAEAAACAgIAKAAAAACgAAAAoAAAAZAAAAGQAAAAAAAAAzMzMAAAAAABQAAAAUAAAAGQAAABkAAAAAAAAABcAAAAUAAAAAAAAANwIAAD/fwAA/38AAAAAAAAJAAAABAAAAGcAaAAMAAAAEAAAAAAAAAAAAAAAAAAAAAAAAAAeAAAAaAAAAAAAAAAAAAAAAAAAAAAAAAAAAAAAECcAABAnAAAAAAAAAAAAAAAAAAAAAAAAAAAAAAAAAAAAAAAAAAAAABQAAAAAAAAAwMD/AAAAAABkAAAAMgAAAAAAAABkAAAAAAAAAH9/fwAKAAAAHwAAAFQAAADa7aE4////AQAAAAAAAAAAAAAAAAAAAAAAAAAAAAAAAAAAAAAAAAAAAAAAAn9/fwCAgIADzMzMAMDA/wB/f38AAAAAAAAAAAAAAAAAAAAAAAAAAAAhAAAAGAAAABQAAABZLgAAnQAAADU3AAA1AgAAECAAACYAAAAIAAAA//////////8="/>
+                <pr:smNativeData xmlns:pr="smNativeData" val="SMDATA_13_GUMTYBMAAAAlAAAAEgAAAE8BAAAAkAAAAEgAAACQAAAASAAAAAAAAAAAAAAAAAAAAAEAAABQAAAAAAAAAAAA4D8AAAAAAADgPwAAAAAAAOA/AAAAAAAA4D8AAAAAAADgPwAAAAAAAOA/AAAAAAAA4D8AAAAAAADgPwAAAAAAAOA/AAAAAAAA4D8CAAAAjAAAAAEAAAAAAAAA2u2hP////wgAAAAAAAAAAAAAAAAAAAAAAAAAAAAAAAAAAAAAZAAAAAEAAABAAAAAAAAAAAAAAAAAAAAAAAAAAAAAAAAAAAAAAAAAAAAAAAAAAAAAAAAAAAAAAAAAAAAAAAAAAAAAAAAAAAAAAAAAAAAAAAAAAAAAAAAAAAAAAAAAAAAAFAAAADwAAAABAAAAAAAAAAAAAAkFAAAAAQAAAAEAAAAAAAAAAAAAAAAAAAAAAAAAZAAAAGQAAAAAAAAAZAAAAGQAAAAVAAAAYAAAAAAAAAAAAAAADwAAACADAAAAAAAAAAAAAAEAAACgMgAAVgcAAKr4//8BAAAAf39/AAEAAABkAAAAAAAAABQAAABAHwAAAAAAACYAAAAAAAAAwOD//wAAAAAmAAAAZAAAABYAAABMAAAAAAAAAAAAAAAEAAAAAAAAAAEAAACAgIAKAAAAACgAAAAoAAAAZAAAAGQAAAAAAAAAzMzMAAAAAABQAAAAUAAAAGQAAABkAAAAAAAAABcAAAAUAAAAAAAAANwIAAD/fwAA/38AAAAAAAAJAAAABAAAAGcAaAAMAAAAEAAAAAAAAAAAAAAAAAAAAAAAAAAeAAAAaAAAAAAAAAAAAAAAAAAAAAAAAAAAAAAAECcAABAnAAAAAAAAAAAAAAAAAAAAAAAAAAAAAAAAAAAAAAAAAAAAABQAAAAAAAAAwMD/AAAAAABkAAAAMgAAAAAAAABkAAAAAAAAAH9/fwAKAAAAHwAAAFQAAADa7aE4////AQAAAAAAAAAAAAAAAAAAAAAAAAAAAAAAAAAAAAAAAAAAAAAAAn9/fwCAgIADzMzMAMDA/wB/f38AAAAAAAAAAAAAAAAAAAAAAAAAAAAhAAAAGAAAABQAAABZLgAAnQAAADU3AAA1AgAAECAAACYAAAAIAAAA//////////8="/>
               </a:ext>
             </a:extLst>
           </p:cNvSpPr>
@@ -6025,7 +6075,7 @@
           <p:cNvSpPr txBox="1">
             <a:extLst>
               <a:ext uri="smNativeData">
-                <pr:smNativeData xmlns:pr="smNativeData" val="SMDATA_13_Hs+1XxMAAAAlAAAAEgAAAE8BAAAAkAAAAEgAAACQAAAASAAAAAAAAAAAAAAAAAAAAAEAAABQAAAAAAAAAAAA4D8AAAAAAADgPwAAAAAAAOA/AAAAAAAA4D8AAAAAAADgPwAAAAAAAOA/AAAAAAAA4D8AAAAAAADgPwAAAAAAAOA/AAAAAAAA4D8CAAAAjAAAAAAAAAAAAAAAu+DjDP///wgAAAAAAAAAAAAAAAAAAAAAAAAAAAAAAAAAAAAAZAAAAAEAAABAAAAAAAAAAAAAAAAAAAAAAAAAAAAAAAAAAAAAAAAAAAAAAAAAAAAAAAAAAAAAAAAAAAAAAAAAAAAAAAAAAAAAAAAAAAAAAAAAAAAAAAAAAAAAAAAAAAAAFAAAADwAAAAAAAAAAAAAAAAAAAkUAAAAAQAAABQAAAAUAAAAFAAAAAEAAAAAAAAAZAAAAGQAAAAAAAAAZAAAAGQAAAAVAAAAYAAAAAAAAAAAAAAADwAAACADAAAAAAAAAAAAAAEAAACgMgAAVgcAAKr4//8BAAAAf39/AAEAAABkAAAAAAAAABQAAABAHwAAAAAAACYAAAAAAAAAwOD//wAAAAAmAAAAZAAAABYAAABMAAAAAAAAAAAAAAAEAAAAAAAAAAEAAACAgIAKAAAAACgAAAAoAAAAZAAAAGQAAAAAAAAAzMzMAAAAAABQAAAAUAAAAGQAAABkAAAAAAAAABcAAAAUAAAAAAAAANwIAAD/fwAA/38AAAAAAAAJAAAABAAAAGcAaAAMAAAAEAAAAAAAAAAAAAAAAAAAAAAAAAAeAAAAaAAAAAAAAAAAAAAAAAAAAAAAAAAAAAAAECcAABAnAAAAAAAAAAAAAAAAAAAAAAAAAAAAAAAAAAAAAAAAAAAAABQAAAAAAAAAwMD/AAAAAABkAAAAMgAAAAAAAABkAAAAAAAAAH9/fwAKAAAAHwAAAFQAAAC74OMF////AQAAAAAAAAAAAAAAAAAAAAAAAAAAAAAAAAAAAAAAAAAAAAAAAn9/fwCAgIADzMzMAMDA/wB/f38AAAAAAAAAAAAAAAAAAAAAAAAAAAAhAAAAGAAAABQAAABwKAAA0BIAAD01AABoFAAAECAAACYAAAAIAAAA//////////8="/>
+                <pr:smNativeData xmlns:pr="smNativeData" val="SMDATA_13_GUMTYBMAAAAlAAAAEgAAAE8BAAAAkAAAAEgAAACQAAAASAAAAAAAAAAAAAAAAAAAAAEAAABQAAAAAAAAAAAA4D8AAAAAAADgPwAAAAAAAOA/AAAAAAAA4D8AAAAAAADgPwAAAAAAAOA/AAAAAAAA4D8AAAAAAADgPwAAAAAAAOA/AAAAAAAA4D8CAAAAjAAAAAAAAAAAAAAAu+DjDP///wgAAAAAAAAAAAAAAAAAAAAAAAAAAAAAAAAAAAAAZAAAAAEAAABAAAAAAAAAAAAAAAAAAAAAAAAAAAAAAAAAAAAAAAAAAAAAAAAAAAAAAAAAAAAAAAAAAAAAAAAAAAAAAAAAAAAAAAAAAAAAAAAAAAAAAAAAAAAAAAAAAAAAFAAAADwAAAAAAAAAAAAAAAAAAAkUAAAAAQAAABQAAAAUAAAAFAAAAAEAAAAAAAAAZAAAAGQAAAAAAAAAZAAAAGQAAAAVAAAAYAAAAAAAAAAAAAAADwAAACADAAAAAAAAAAAAAAEAAACgMgAAVgcAAKr4//8BAAAAf39/AAEAAABkAAAAAAAAABQAAABAHwAAAAAAACYAAAAAAAAAwOD//wAAAAAmAAAAZAAAABYAAABMAAAAAAAAAAAAAAAEAAAAAAAAAAEAAACAgIAKAAAAACgAAAAoAAAAZAAAAGQAAAAAAAAAzMzMAAAAAABQAAAAUAAAAGQAAABkAAAAAAAAABcAAAAUAAAAAAAAANwIAAD/fwAA/38AAAAAAAAJAAAABAAAAGcAaAAMAAAAEAAAAAAAAAAAAAAAAAAAAAAAAAAeAAAAaAAAAAAAAAAAAAAAAAAAAAAAAAAAAAAAECcAABAnAAAAAAAAAAAAAAAAAAAAAAAAAAAAAAAAAAAAAAAAAAAAABQAAAAAAAAAwMD/AAAAAABkAAAAMgAAAAAAAABkAAAAAAAAAH9/fwAKAAAAHwAAAFQAAAC74OMF////AQAAAAAAAAAAAAAAAAAAAAAAAAAAAAAAAAAAAAAAAAAAAAAAAn9/fwCAgIADzMzMAMDA/wB/f38AAAAAAAAAAAAAAAAAAAAAAAAAAAAhAAAAGAAAABQAAABwKAAA/xAAAD01AACXEgAAECAAACYAAAAIAAAA//////////8="/>
               </a:ext>
             </a:extLst>
           </p:cNvSpPr>
@@ -6033,7 +6083,7 @@
         </p:nvSpPr>
         <p:spPr>
           <a:xfrm>
-            <a:off x="6573520" y="3058160"/>
+            <a:off x="6573520" y="2762885"/>
             <a:ext cx="2080895" cy="259080"/>
           </a:xfrm>
           <a:prstGeom prst="rect">
@@ -6068,7 +6118,7 @@
           <p:cNvSpPr txBox="1">
             <a:extLst>
               <a:ext uri="smNativeData">
-                <pr:smNativeData xmlns:pr="smNativeData" val="SMDATA_13_Hs+1XxMAAAAlAAAAEgAAAE8BAAAAkAAAAEgAAACQAAAASAAAAAAAAAAAAAAAAAAAAAEAAABQAAAAAAAAAAAA4D8AAAAAAADgPwAAAAAAAOA/AAAAAAAA4D8AAAAAAADgPwAAAAAAAOA/AAAAAAAA4D8AAAAAAADgPwAAAAAAAOA/AAAAAAAA4D8CAAAAjAAAAAAAAAAAAAAAu+DjDP///wgAAAAAAAAAAAAAAAAAAAAAAAAAAAAAAAAAAAAAZAAAAAEAAABAAAAAAAAAAAAAAAAAAAAAAAAAAAAAAAAAAAAAAAAAAAAAAAAAAAAAAAAAAAAAAAAAAAAAAAAAAAAAAAAAAAAAAAAAAAAAAAAAAAAAAAAAAAAAAAAAAAAAFAAAADwAAAAAAAAAAAAAAAAAAAkUAAAAAQAAABQAAAAUAAAAFAAAAAEAAAAAAAAAZAAAAGQAAAAAAAAAZAAAAGQAAAAVAAAAYAAAAAAAAAAAAAAADwAAACADAAAAAAAAAAAAAAEAAACgMgAAVgcAAKr4//8BAAAAf39/AAEAAABkAAAAAAAAABQAAABAHwAAAAAAACYAAAAAAAAAwOD//wAAAAAmAAAAZAAAABYAAABMAAAAAAAAAAAAAAAEAAAAAAAAAAEAAACAgIAKAAAAACgAAAAoAAAAZAAAAGQAAAAAAAAAzMzMAAAAAABQAAAAUAAAAGQAAABkAAAAAAAAABcAAAAUAAAAAAAAANwIAAD/fwAA/38AAAAAAAAJAAAABAAAAAAAaAAMAAAAEAAAAAAAAAAAAAAAAAAAAAAAAAAeAAAAaAAAAAAAAAAAAAAAAAAAAAAAAAAAAAAAECcAABAnAAAAAAAAAAAAAAAAAAAAAAAAAAAAAAAAAAAAAAAAAAAAABQAAAAAAAAAwMD/AAAAAABkAAAAMgAAAAAAAABkAAAAAAAAAH9/fwAKAAAAHwAAAFQAAAC74OMF////AQAAAAAAAAAAAAAAAAAAAAAAAAAAAAAAAAAAAAAAAAAAAAAAAn9/fwCAgIADzMzMAMDA/wB/f38AAAAAAAAAAAAAAAAAAAAAAAAAAAAhAAAAGAAAABQAAAAbIQAAhQAAAOgtAAA1AgAAECAAACYAAAAIAAAA//////////8="/>
+                <pr:smNativeData xmlns:pr="smNativeData" val="SMDATA_13_GUMTYBMAAAAlAAAAEgAAAE8BAAAAkAAAAEgAAACQAAAASAAAAAAAAAAAAAAAAAAAAAEAAABQAAAAAAAAAAAA4D8AAAAAAADgPwAAAAAAAOA/AAAAAAAA4D8AAAAAAADgPwAAAAAAAOA/AAAAAAAA4D8AAAAAAADgPwAAAAAAAOA/AAAAAAAA4D8CAAAAjAAAAAAAAAAAAAAAu+DjDP///wgAAAAAAAAAAAAAAAAAAAAAAAAAAAAAAAAAAAAAZAAAAAEAAABAAAAAAAAAAAAAAAAAAAAAAAAAAAAAAAAAAAAAAAAAAAAAAAAAAAAAAAAAAAAAAAAAAAAAAAAAAAAAAAAAAAAAAAAAAAAAAAAAAAAAAAAAAAAAAAAAAAAAFAAAADwAAAAAAAAAAAAAAAAAAAkUAAAAAQAAABQAAAAUAAAAFAAAAAEAAAAAAAAAZAAAAGQAAAAAAAAAZAAAAGQAAAAVAAAAYAAAAAAAAAAAAAAADwAAACADAAAAAAAAAAAAAAEAAACgMgAAVgcAAKr4//8BAAAAf39/AAEAAABkAAAAAAAAABQAAABAHwAAAAAAACYAAAAAAAAAwOD//wAAAAAmAAAAZAAAABYAAABMAAAAAAAAAAAAAAAEAAAAAAAAAAEAAACAgIAKAAAAACgAAAAoAAAAZAAAAGQAAAAAAAAAzMzMAAAAAABQAAAAUAAAAGQAAABkAAAAAAAAABcAAAAUAAAAAAAAANwIAAD/fwAA/38AAAAAAAAJAAAABAAAAAAAaAAMAAAAEAAAAAAAAAAAAAAAAAAAAAAAAAAeAAAAaAAAAAAAAAAAAAAAAAAAAAAAAAAAAAAAECcAABAnAAAAAAAAAAAAAAAAAAAAAAAAAAAAAAAAAAAAAAAAAAAAABQAAAAAAAAAwMD/AAAAAABkAAAAMgAAAAAAAABkAAAAAAAAAH9/fwAKAAAAHwAAAFQAAAC74OMF////AQAAAAAAAAAAAAAAAAAAAAAAAAAAAAAAAAAAAAAAAAAAAAAAAn9/fwCAgIADzMzMAMDA/wB/f38AAAAAAAAAAAAAAAAAAAAAAAAAAAAhAAAAGAAAABQAAAAbIQAAhQAAAOgtAAA1AgAAECAAACYAAAAIAAAA//////////8="/>
               </a:ext>
             </a:extLst>
           </p:cNvSpPr>
@@ -6111,7 +6161,7 @@
           <p:cNvSpPr txBox="1">
             <a:extLst>
               <a:ext uri="smNativeData">
-                <pr:smNativeData xmlns:pr="smNativeData" val="SMDATA_13_Hs+1XxMAAAAlAAAAEgAAAE8BAAAAkAAAAEgAAACQAAAASAAAAAAAAAAAAAAAAAAAAAEAAABQAAAAAAAAAAAA4D8AAAAAAADgPwAAAAAAAOA/AAAAAAAA4D8AAAAAAADgPwAAAAAAAOA/AAAAAAAA4D8AAAAAAADgPwAAAAAAAOA/AAAAAAAA4D8CAAAAjAAAAAAAAAAAAAAAu+DjDP///wgAAAAAAAAAAAAAAAAAAAAAAAAAAAAAAAAAAAAAZAAAAAEAAABAAAAAAAAAAAAAAAAAAAAAAAAAAAAAAAAAAAAAAAAAAAAAAAAAAAAAAAAAAAAAAAAAAAAAAAAAAAAAAAAAAAAAAAAAAAAAAAAAAAAAAAAAAAAAAAAAAAAAFAAAADwAAAAAAAAAAAAAAAAAAAkUAAAAAQAAABQAAAAUAAAAFAAAAAEAAAAAAAAAZAAAAGQAAAAAAAAAZAAAAGQAAAAVAAAAYAAAAAAAAAAAAAAADwAAACADAAAAAAAAAAAAAAEAAACgMgAAVgcAAKr4//8BAAAAf39/AAEAAABkAAAAAAAAABQAAABAHwAAAAAAACYAAAAAAAAAwOD//wAAAAAmAAAAZAAAABYAAABMAAAAAAAAAAAAAAAEAAAAAAAAAAEAAACAgIAKAAAAACgAAAAoAAAAZAAAAGQAAAAAAAAAzMzMAAAAAABQAAAAUAAAAGQAAABkAAAAAAAAABcAAAAUAAAAAAAAANwIAAD/fwAA/38AAAAAAAAJAAAABAAAAAAJAAAMAAAAEAAAAAAAAAAAAAAAAAAAAAAAAAAeAAAAaAAAAAAAAAAAAAAAAAAAAAAAAAAAAAAAECcAABAnAAAAAAAAAAAAAAAAAAAAAAAAAAAAAAAAAAAAAAAAAAAAABQAAAAAAAAAwMD/AAAAAABkAAAAMgAAAAAAAABkAAAAAAAAAH9/fwAKAAAAHwAAAFQAAAC74OMF////AQAAAAAAAAAAAAAAAAAAAAAAAAAAAAAAAAAAAAAAAAAAAAAAAn9/fwCAgIADzMzMAMDA/wB/f38AAAAAAAAAAAAAAAAAAAAAAAAAAAAhAAAAGAAAABQAAAArEwAAixoAAN8iAACbHAAAECAAACYAAAAIAAAA//////////8="/>
+                <pr:smNativeData xmlns:pr="smNativeData" val="SMDATA_13_GUMTYBMAAAAlAAAAEgAAAE8BAAAAkAAAAEgAAACQAAAASAAAAAAAAAAAAAAAAAAAAAEAAABQAAAAAAAAAAAA4D8AAAAAAADgPwAAAAAAAOA/AAAAAAAA4D8AAAAAAADgPwAAAAAAAOA/AAAAAAAA4D8AAAAAAADgPwAAAAAAAOA/AAAAAAAA4D8CAAAAjAAAAAAAAAAAAAAAu+DjDP///wgAAAAAAAAAAAAAAAAAAAAAAAAAAAAAAAAAAAAAZAAAAAEAAABAAAAAAAAAAAAAAAAAAAAAAAAAAAAAAAAAAAAAAAAAAAAAAAAAAAAAAAAAAAAAAAAAAAAAAAAAAAAAAAAAAAAAAAAAAAAAAAAAAAAAAAAAAAAAAAAAAAAAFAAAADwAAAAAAAAAAAAAAAAAAAkUAAAAAQAAABQAAAAUAAAAFAAAAAEAAAAAAAAAZAAAAGQAAAAAAAAAZAAAAGQAAAAVAAAAYAAAAAAAAAAAAAAADwAAACADAAAAAAAAAAAAAAEAAACgMgAAVgcAAKr4//8BAAAAf39/AAEAAABkAAAAAAAAABQAAABAHwAAAAAAACYAAAAAAAAAwOD//wAAAAAmAAAAZAAAABYAAABMAAAAAAAAAAAAAAAEAAAAAAAAAAEAAACAgIAKAAAAACgAAAAoAAAAZAAAAGQAAAAAAAAAzMzMAAAAAABQAAAAUAAAAGQAAABkAAAAAAAAABcAAAAUAAAAAAAAANwIAAD/fwAA/38AAAAAAAAJAAAABAAAAAAJAAAMAAAAEAAAAAAAAAAAAAAAAAAAAAAAAAAeAAAAaAAAAAAAAAAAAAAAAAAAAAAAAAAAAAAAECcAABAnAAAAAAAAAAAAAAAAAAAAAAAAAAAAAAAAAAAAAAAAAAAAABQAAAAAAAAAwMD/AAAAAABkAAAAMgAAAAAAAABkAAAAAAAAAH9/fwAKAAAAHwAAAFQAAAC74OMF////AQAAAAAAAAAAAAAAAAAAAAAAAAAAAAAAAAAAAAAAAAAAAAAAAn9/fwCAgIADzMzMAMDA/wB/f38AAAAAAAAAAAAAAAAAAAAAAAAAAAAhAAAAGAAAABQAAAArEwAAixoAAN8iAACbHAAAECAAACYAAAAIAAAA//////////8="/>
               </a:ext>
             </a:extLst>
           </p:cNvSpPr>
@@ -6154,7 +6204,7 @@
           <p:cNvSpPr>
             <a:extLst>
               <a:ext uri="smNativeData">
-                <pr:smNativeData xmlns:pr="smNativeData" val="SMDATA_13_Hs+1XxMAAAAlAAAAZAAAAA8BAAAAkAAAAEgAAACQAAAASAAAAAAAAAAAAAAAAAAAAAEAAABQAAAAAAAAAAAA4D8AAAAAAADgPwAAAAAAAOA/AAAAAAAA4D8AAAAAAADgPwAAAAAAAOA/AAAAAAAA4D8AAAAAAADgPwAAAAAAAOA/AAAAAAAA4D8CAAAAjAAAAAAAAAAAAAAAwMDAAP///wgAAAAAAAAAAAAAAAAAAAAAAAAAAAAAAAAAAAAAZAAAAAEAAABAAAAAAAAAAAAAAAAAAAAAAAAAAAAAAAAAAAAAAAAAAAAAAAAAAAAAAAAAAAAAAAAAAAAAAAAAAAAAAAAAAAAAAAAAAAAAAAAAAAAAAAAAAAAAAAAAAAAAFAAAADwAAAABAAAAAAAAAH9/fwAUAAAAAQAAABQAAAAUAAAAFAAAAAEAAAAAAAAAZAAAAGQAAAAAAAAAZAAAAGQAAAAVAAAAYAAAAAAAAAAAAAAADwAAACADAAAAAAAAAAAAAAEAAACgMgAAVgcAAKr4//8BAAAAf39/AAEAAABkAAAAAAAAABQAAABAHwAAAAAAACYAAAAAAAAAwOD//wAAAAAmAAAAZAAAABYAAABMAAAAAAAAAAAAAAAEAAAAAAAAAAEAAACAgIAKAAAAACgAAAAoAAAAZAAAAGQAAAAAAAAAzMzMAAAAAABQAAAAUAAAAGQAAABkAAAAAAAAABcAAAAUAAAAAAAAAAAAAAD/fwAA/38AAAAAAAAJAAAABAAAAAAJAAAMAAAAEAAAAAAAAAAAAAAAAAAAAAAAAAAeAAAAaAAAAAAAAAAAAAAAAAAAAAAAAAAAAAAAECcAABAnAAAAAAAAAAAAAAAAAAAAAAAAAAAAAAAAAAAAAAAAAAAAABQAAAAAAAAAwMD/AAAAAABkAAAAMgAAAAAAAABkAAAAAAAAAH9/fwAKAAAAHwAAAFQAAADAwMAA////AQAAAAAAAAAAAAAAAAAAAAAAAAAAAAAAAAAAAAAAAAAAf39/AH9/fwCAgIADzMzMAMDA/wB/f38AAAAAAAAAAAAAAAAAAAAAAAAAAAAhAAAAGAAAABQAAACoEQAAixoAAP0hAADAHAAAEAAAACYAAAAIAAAA//////////8="/>
+                <pr:smNativeData xmlns:pr="smNativeData" val="SMDATA_13_GUMTYBMAAAAlAAAAZAAAAA8BAAAAkAAAAEgAAACQAAAASAAAAAAAAAAAAAAAAAAAAAEAAABQAAAAAAAAAAAA4D8AAAAAAADgPwAAAAAAAOA/AAAAAAAA4D8AAAAAAADgPwAAAAAAAOA/AAAAAAAA4D8AAAAAAADgPwAAAAAAAOA/AAAAAAAA4D8CAAAAjAAAAAAAAAAAAAAAwMDAAP///wgAAAAAAAAAAAAAAAAAAAAAAAAAAAAAAAAAAAAAZAAAAAEAAABAAAAAAAAAAAAAAAAAAAAAAAAAAAAAAAAAAAAAAAAAAAAAAAAAAAAAAAAAAAAAAAAAAAAAAAAAAAAAAAAAAAAAAAAAAAAAAAAAAAAAAAAAAAAAAAAAAAAAFAAAADwAAAABAAAAAAAAAH9/fwAUAAAAAQAAABQAAAAUAAAAFAAAAAEAAAAAAAAAZAAAAGQAAAAAAAAAZAAAAGQAAAAVAAAAYAAAAAAAAAAAAAAADwAAACADAAAAAAAAAAAAAAEAAACgMgAAVgcAAKr4//8BAAAAf39/AAEAAABkAAAAAAAAABQAAABAHwAAAAAAACYAAAAAAAAAwOD//wAAAAAmAAAAZAAAABYAAABMAAAAAAAAAAAAAAAEAAAAAAAAAAEAAACAgIAKAAAAACgAAAAoAAAAZAAAAGQAAAAAAAAAzMzMAAAAAABQAAAAUAAAAGQAAABkAAAAAAAAABcAAAAUAAAAAAAAAAAAAAD/fwAA/38AAAAAAAAJAAAABAAAAAAJAAAMAAAAEAAAAAAAAAAAAAAAAAAAAAAAAAAeAAAAaAAAAAAAAAAAAAAAAAAAAAAAAAAAAAAAECcAABAnAAAAAAAAAAAAAAAAAAAAAAAAAAAAAAAAAAAAAAAAAAAAABQAAAAAAAAAwMD/AAAAAABkAAAAMgAAAAAAAABkAAAAAAAAAH9/fwAKAAAAHwAAAFQAAADAwMAA////AQAAAAAAAAAAAAAAAAAAAAAAAAAAAAAAAAAAAAAAAAAAf39/AH9/fwCAgIADzMzMAMDA/wB/f38AAAAAAAAAAAAAAAAAAAAAAAAAAAAhAAAAGAAAABQAAACoEQAAixoAAP0hAADAHAAAEAAAACYAAAAIAAAA//////////8="/>
               </a:ext>
             </a:extLst>
           </p:cNvSpPr>
@@ -6186,7 +6236,7 @@
           <p:cNvSpPr txBox="1">
             <a:extLst>
               <a:ext uri="smNativeData">
-                <pr:smNativeData xmlns:pr="smNativeData" val="SMDATA_13_Hs+1XxMAAAAlAAAAEgAAAE8BAAAAkAAAAEgAAACQAAAASAAAAAAAAAAAAAAAAAAAAAEAAABQAAAAAAAAAAAA4D8AAAAAAADgPwAAAAAAAOA/AAAAAAAA4D8AAAAAAADgPwAAAAAAAOA/AAAAAAAA4D8AAAAAAADgPwAAAAAAAOA/AAAAAAAA4D8CAAAAjAAAAAAAAAAAAAAAu+DjDP///wgAAAAAAAAAAAAAAAAAAAAAAAAAAAAAAAAAAAAAZAAAAAEAAABAAAAAAAAAAAAAAAAAAAAAAAAAAAAAAAAAAAAAAAAAAAAAAAAAAAAAAAAAAAAAAAAAAAAAAAAAAAAAAAAAAAAAAAAAAAAAAAAAAAAAAAAAAAAAAAAAAAAAFAAAADwAAAAAAAAAAAAAAAAAAAkUAAAAAQAAABQAAAAUAAAAFAAAAAEAAAAAAAAAZAAAAGQAAAAAAAAAZAAAAGQAAAAVAAAAYAAAAAAAAAAAAAAADwAAACADAAAAAAAAAAAAAAEAAACgMgAAVgcAAKr4//8BAAAAf39/AAEAAABkAAAAAAAAABQAAABAHwAAAAAAACYAAAAAAAAAwOD//wAAAAAmAAAAZAAAABYAAABMAAAAAAAAAAAAAAAEAAAAAAAAAAEAAACAgIAKAAAAACgAAAAoAAAAZAAAAGQAAAAAAAAAzMzMAAAAAABQAAAAUAAAAGQAAABkAAAAAAAAABcAAAAUAAAAAAAAANwIAAD/fwAA/38AAAAAAAAJAAAABAAAAAAAAAAMAAAAEAAAAAAAAAAAAAAAAAAAAAAAAAAeAAAAaAAAAAAAAAAAAAAAAAAAAAAAAAAAAAAAECcAABAnAAAAAAAAAAAAAAAAAAAAAAAAAAAAAAAAAAAAAAAAAAAAABQAAAAAAAAAwMD/AAAAAABkAAAAMgAAAAAAAABkAAAAAAAAAH9/fwAKAAAAHwAAAFQAAAC74OMF////AQAAAAAAAAAAAAAAAAAAAAAAAAAAAAAAAAAAAAAAAAAAAAAAAn9/fwCAgIADzMzMAMDA/wB/f38AAAAAAAAAAAAAAAAAAAAAAAAAAAAhAAAAGAAAABQAAADPGwAABB0AAIwhAACkHwAAECAAACYAAAAIAAAA//////////8="/>
+                <pr:smNativeData xmlns:pr="smNativeData" val="SMDATA_13_GUMTYBMAAAAlAAAAEgAAAE8BAAAAkAAAAEgAAACQAAAASAAAAAAAAAAAAAAAAAAAAAEAAABQAAAAAAAAAAAA4D8AAAAAAADgPwAAAAAAAOA/AAAAAAAA4D8AAAAAAADgPwAAAAAAAOA/AAAAAAAA4D8AAAAAAADgPwAAAAAAAOA/AAAAAAAA4D8CAAAAjAAAAAAAAAAAAAAAu+DjDP///wgAAAAAAAAAAAAAAAAAAAAAAAAAAAAAAAAAAAAAZAAAAAEAAABAAAAAAAAAAAAAAAAAAAAAAAAAAAAAAAAAAAAAAAAAAAAAAAAAAAAAAAAAAAAAAAAAAAAAAAAAAAAAAAAAAAAAAAAAAAAAAAAAAAAAAAAAAAAAAAAAAAAAFAAAADwAAAAAAAAAAAAAAAAAAAkUAAAAAQAAABQAAAAUAAAAFAAAAAEAAAAAAAAAZAAAAGQAAAAAAAAAZAAAAGQAAAAVAAAAYAAAAAAAAAAAAAAADwAAACADAAAAAAAAAAAAAAEAAACgMgAAVgcAAKr4//8BAAAAf39/AAEAAABkAAAAAAAAABQAAABAHwAAAAAAACYAAAAAAAAAwOD//wAAAAAmAAAAZAAAABYAAABMAAAAAAAAAAAAAAAEAAAAAAAAAAEAAACAgIAKAAAAACgAAAAoAAAAZAAAAGQAAAAAAAAAzMzMAAAAAABQAAAAUAAAAGQAAABkAAAAAAAAABcAAAAUAAAAAAAAANwIAAD/fwAA/38AAAAAAAAJAAAABAAAAAAAAAAMAAAAEAAAAAAAAAAAAAAAAAAAAAAAAAAeAAAAaAAAAAAAAAAAAAAAAAAAAAAAAAAAAAAAECcAABAnAAAAAAAAAAAAAAAAAAAAAAAAAAAAAAAAAAAAAAAAAAAAABQAAAAAAAAAwMD/AAAAAABkAAAAMgAAAAAAAABkAAAAAAAAAH9/fwAKAAAAHwAAAFQAAAC74OMF////AQAAAAAAAAAAAAAAAAAAAAAAAAAAAAAAAAAAAAAAAAAAAAAAAn9/fwCAgIADzMzMAMDA/wB/f38AAAAAAAAAAAAAAAAAAAAAAAAAAAAhAAAAGAAAABQAAADPGwAABB0AAIwhAACkHwAAECAAACYAAAAIAAAA//////////8="/>
               </a:ext>
             </a:extLst>
           </p:cNvSpPr>
@@ -6241,7 +6291,7 @@
           <p:cNvSpPr txBox="1">
             <a:extLst>
               <a:ext uri="smNativeData">
-                <pr:smNativeData xmlns:pr="smNativeData" val="SMDATA_13_Hs+1XxMAAAAlAAAAEgAAAE8BAAAAkAAAAEgAAACQAAAASAAAAAAAAAAAAAAAAAAAAAEAAABQAAAAAAAAAAAA4D8AAAAAAADgPwAAAAAAAOA/AAAAAAAA4D8AAAAAAADgPwAAAAAAAOA/AAAAAAAA4D8AAAAAAADgPwAAAAAAAOA/AAAAAAAA4D8CAAAAjAAAAAEAAAAAAAAA2u2hP////wgAAAAAAAAAAAAAAAAAAAAAAAAAAAAAAAAAAAAAZAAAAAEAAABAAAAAAAAAAAAAAAAAAAAAAAAAAAAAAAAAAAAAAAAAAAAAAAAAAAAAAAAAAAAAAAAAAAAAAAAAAAAAAAAAAAAAAAAAAAAAAAAAAAAAAAAAAAAAAAAAAAAAFAAAADwAAAABAAAAAAAAAAAAAAkFAAAAAQAAAAEAAAAAAAAAAAAAAAAAAAAAAAAAZAAAAGQAAAAAAAAAZAAAAGQAAAAVAAAAYAAAAAAAAAAAAAAADwAAACADAAAAAAAAAAAAAAEAAACgMgAAVgcAAKr4//8BAAAAf39/AAEAAABkAAAAAAAAABQAAABAHwAAAAAAACYAAAAAAAAAwOD//wAAAAAmAAAAZAAAABYAAABMAAAAAAAAAAAAAAAEAAAAAAAAAAEAAACAgIAKAAAAACgAAAAoAAAAZAAAAGQAAAAAAAAAzMzMAAAAAABQAAAAUAAAAGQAAABkAAAAAAAAABcAAAAUAAAAAAAAANwIAAD/fwAA/38AAAAAAAAJAAAABAAAAAQJAAAMAAAAEAAAAAAAAAAAAAAAAAAAAAAAAAAeAAAAaAAAAAAAAAAAAAAAAAAAAAAAAAAAAAAAECcAABAnAAAAAAAAAAAAAAAAAAAAAAAAAAAAAAAAAAAAAAAAAAAAABQAAAAAAAAAwMD/AAAAAABkAAAAMgAAAAAAAABkAAAAAAAAAH9/fwAKAAAAHwAAAFQAAADa7aE4////AQAAAAAAAAAAAAAAAAAAAAAAAAAAAAAAAAAAAAAAAAAAAAAAAn9/fwCAgIADzMzMAMDA/wB/f38AAAAAAAAAAAAAAAAAAAAAAAAAAAAhAAAAGAAAABQAAAAZEgAAoSAAANcbAAAZJAAAECAAACYAAAAIAAAA//////////8="/>
+                <pr:smNativeData xmlns:pr="smNativeData" val="SMDATA_13_GUMTYBMAAAAlAAAAEgAAAE8BAAAAkAAAAEgAAACQAAAASAAAAAAAAAAAAAAAAAAAAAEAAABQAAAAAAAAAAAA4D8AAAAAAADgPwAAAAAAAOA/AAAAAAAA4D8AAAAAAADgPwAAAAAAAOA/AAAAAAAA4D8AAAAAAADgPwAAAAAAAOA/AAAAAAAA4D8CAAAAjAAAAAEAAAAAAAAA2u2hP////wgAAAAAAAAAAAAAAAAAAAAAAAAAAAAAAAAAAAAAZAAAAAEAAABAAAAAAAAAAAAAAAAAAAAAAAAAAAAAAAAAAAAAAAAAAAAAAAAAAAAAAAAAAAAAAAAAAAAAAAAAAAAAAAAAAAAAAAAAAAAAAAAAAAAAAAAAAAAAAAAAAAAAFAAAADwAAAABAAAAAAAAAAAAAAkFAAAAAQAAAAEAAAAAAAAAAAAAAAAAAAAAAAAAZAAAAGQAAAAAAAAAZAAAAGQAAAAVAAAAYAAAAAAAAAAAAAAADwAAACADAAAAAAAAAAAAAAEAAACgMgAAVgcAAKr4//8BAAAAf39/AAEAAABkAAAAAAAAABQAAABAHwAAAAAAACYAAAAAAAAAwOD//wAAAAAmAAAAZAAAABYAAABMAAAAAAAAAAAAAAAEAAAAAAAAAAEAAACAgIAKAAAAACgAAAAoAAAAZAAAAGQAAAAAAAAAzMzMAAAAAABQAAAAUAAAAGQAAABkAAAAAAAAABcAAAAUAAAAAAAAANwIAAD/fwAA/38AAAAAAAAJAAAABAAAAAQJAAAMAAAAEAAAAAAAAAAAAAAAAAAAAAAAAAAeAAAAaAAAAAAAAAAAAAAAAAAAAAAAAAAAAAAAECcAABAnAAAAAAAAAAAAAAAAAAAAAAAAAAAAAAAAAAAAAAAAAAAAABQAAAAAAAAAwMD/AAAAAABkAAAAMgAAAAAAAABkAAAAAAAAAH9/fwAKAAAAHwAAAFQAAADa7aE4////AQAAAAAAAAAAAAAAAAAAAAAAAAAAAAAAAAAAAAAAAAAAAAAAAn9/fwCAgIADzMzMAMDA/wB/f38AAAAAAAAAAAAAAAAAAAAAAAAAAAAhAAAAGAAAABQAAAAZEgAAoSAAANcbAAAZJAAAECAAACYAAAAIAAAA//////////8="/>
               </a:ext>
             </a:extLst>
           </p:cNvSpPr>
@@ -6319,7 +6369,7 @@
           <p:cNvSpPr txBox="1">
             <a:extLst>
               <a:ext uri="smNativeData">
-                <pr:smNativeData xmlns:pr="smNativeData" val="SMDATA_13_Hs+1XxMAAAAlAAAAEgAAAE8BAAAAkAAAAEgAAACQAAAASAAAAAAAAAAAAAAAAAAAAAEAAABQAAAAAAAAAAAA4D8AAAAAAADgPwAAAAAAAOA/AAAAAAAA4D8AAAAAAADgPwAAAAAAAOA/AAAAAAAA4D8AAAAAAADgPwAAAAAAAOA/AAAAAAAA4D8CAAAAjAAAAAAAAAAAAAAAu+DjDP///wgAAAAAAAAAAAAAAAAAAAAAAAAAAAAAAAAAAAAAZAAAAAEAAABAAAAAAAAAAAAAAAAAAAAAAAAAAAAAAAAAAAAAAAAAAAAAAAAAAAAAAAAAAAAAAAAAAAAAAAAAAAAAAAAAAAAAAAAAAAAAAAAAAAAAAAAAAAAAAAAAAAAAFAAAADwAAAAAAAAAAAAAAAAAAAkUAAAAAQAAABQAAAAUAAAAFAAAAAEAAAAAAAAAZAAAAGQAAAAAAAAAZAAAAGQAAAAVAAAAYAAAAAAAAAAAAAAADwAAACADAAAAAAAAAAAAAAEAAACgMgAAVgcAAKr4//8BAAAAf39/AAEAAABkAAAAAAAAABQAAABAHwAAAAAAACYAAAAAAAAAwOD//wAAAAAmAAAAZAAAABYAAABMAAAAAAAAAAAAAAAEAAAAAAAAAAEAAACAgIAKAAAAACgAAAAoAAAAZAAAAGQAAAAAAAAAzMzMAAAAAABQAAAAUAAAAGQAAABkAAAAAAAAABcAAAAUAAAAAAAAANwIAAD/fwAA/38AAAAAAAAJAAAABAAAAP8JAAAMAAAAEAAAAAAAAAAAAAAAAAAAAAAAAAAeAAAAaAAAAAAAAAAAAAAAAAAAAAAAAAAAAAAAECcAABAnAAAAAAAAAAAAAAAAAAAAAAAAAAAAAAAAAAAAAAAAAAAAABQAAAAAAAAAwMD/AAAAAABkAAAAMgAAAAAAAABkAAAAAAAAAH9/fwAKAAAAHwAAAFQAAAC74OMF////AQAAAAAAAAAAAAAAAAAAAAAAAAAAAAAAAAAAAAAAAAAAAAAAAn9/fwCAgIADzMzMAMDA/wB/f38AAAAAAAAAAAAAAAAAAAAAAAAAAAAhAAAAGAAAABQAAADPGwAAlyAAAIwhAAA/JAAAECAAACYAAAAIAAAA//////////8="/>
+                <pr:smNativeData xmlns:pr="smNativeData" val="SMDATA_13_GUMTYBMAAAAlAAAAEgAAAE8BAAAAkAAAAEgAAACQAAAASAAAAAAAAAAAAAAAAAAAAAEAAABQAAAAAAAAAAAA4D8AAAAAAADgPwAAAAAAAOA/AAAAAAAA4D8AAAAAAADgPwAAAAAAAOA/AAAAAAAA4D8AAAAAAADgPwAAAAAAAOA/AAAAAAAA4D8CAAAAjAAAAAAAAAAAAAAAu+DjDP///wgAAAAAAAAAAAAAAAAAAAAAAAAAAAAAAAAAAAAAZAAAAAEAAABAAAAAAAAAAAAAAAAAAAAAAAAAAAAAAAAAAAAAAAAAAAAAAAAAAAAAAAAAAAAAAAAAAAAAAAAAAAAAAAAAAAAAAAAAAAAAAAAAAAAAAAAAAAAAAAAAAAAAFAAAADwAAAAAAAAAAAAAAAAAAAkUAAAAAQAAABQAAAAUAAAAFAAAAAEAAAAAAAAAZAAAAGQAAAAAAAAAZAAAAGQAAAAVAAAAYAAAAAAAAAAAAAAADwAAACADAAAAAAAAAAAAAAEAAACgMgAAVgcAAKr4//8BAAAAf39/AAEAAABkAAAAAAAAABQAAABAHwAAAAAAACYAAAAAAAAAwOD//wAAAAAmAAAAZAAAABYAAABMAAAAAAAAAAAAAAAEAAAAAAAAAAEAAACAgIAKAAAAACgAAAAoAAAAZAAAAGQAAAAAAAAAzMzMAAAAAABQAAAAUAAAAGQAAABkAAAAAAAAABcAAAAUAAAAAAAAANwIAAD/fwAA/38AAAAAAAAJAAAABAAAAP8JAAAMAAAAEAAAAAAAAAAAAAAAAAAAAAAAAAAeAAAAaAAAAAAAAAAAAAAAAAAAAAAAAAAAAAAAECcAABAnAAAAAAAAAAAAAAAAAAAAAAAAAAAAAAAAAAAAAAAAAAAAABQAAAAAAAAAwMD/AAAAAABkAAAAMgAAAAAAAABkAAAAAAAAAH9/fwAKAAAAHwAAAFQAAAC74OMF////AQAAAAAAAAAAAAAAAAAAAAAAAAAAAAAAAAAAAAAAAAAAAAAAAn9/fwCAgIADzMzMAMDA/wB/f38AAAAAAAAAAAAAAAAAAAAAAAAAAAAhAAAAGAAAABQAAADPGwAAlyAAAIwhAAA/JAAAECAAACYAAAAIAAAA//////////8="/>
               </a:ext>
             </a:extLst>
           </p:cNvSpPr>
@@ -6386,7 +6436,7 @@
           <p:cNvSpPr txBox="1">
             <a:extLst>
               <a:ext uri="smNativeData">
-                <pr:smNativeData xmlns:pr="smNativeData" val="SMDATA_13_Hs+1XxMAAAAlAAAAEgAAAE8BAAAAkAAAAEgAAACQAAAASAAAAAAAAAAAAAAAAAAAAAEAAABQAAAAAAAAAAAA4D8AAAAAAADgPwAAAAAAAOA/AAAAAAAA4D8AAAAAAADgPwAAAAAAAOA/AAAAAAAA4D8AAAAAAADgPwAAAAAAAOA/AAAAAAAA4D8CAAAAjAAAAAAAAAAAAAAAu+DjDP///wgAAAAAAAAAAAAAAAAAAAAAAAAAAAAAAAAAAAAAZAAAAAEAAABAAAAAAAAAAAAAAAAAAAAAAAAAAAAAAAAAAAAAAAAAAAAAAAAAAAAAAAAAAAAAAAAAAAAAAAAAAAAAAAAAAAAAAAAAAAAAAAAAAAAAAAAAAAAAAAAAAAAAFAAAADwAAAAAAAAAAAAAAAAAAAkUAAAAAQAAABQAAAAUAAAAFAAAAAEAAAAAAAAAZAAAAGQAAAAAAAAAZAAAAGQAAAAVAAAAYAAAAAAAAAAAAAAADwAAACADAAAAAAAAAAAAAAEAAACgMgAAVgcAAKr4//8BAAAAf39/AAEAAABkAAAAAAAAABQAAABAHwAAAAAAACYAAAAAAAAAwOD//wAAAAAmAAAAZAAAABYAAABMAAAAAAAAAAAAAAAEAAAAAAAAAAEAAACAgIAKAAAAACgAAAAoAAAAZAAAAGQAAAAAAAAAzMzMAAAAAABQAAAAUAAAAGQAAABkAAAAAAAAABcAAAAUAAAAAAAAANwIAAD/fwAA/38AAAAAAAAJAAAABAAAAAAAAAAMAAAAEAAAAAAAAAAAAAAAAAAAAAAAAAAeAAAAaAAAAAAAAAAAAAAAAAAAAAAAAAAAAAAAECcAABAnAAAAAAAAAAAAAAAAAAAAAAAAAAAAAAAAAAAAAAAAAAAAABQAAAAAAAAAwMD/AAAAAABkAAAAMgAAAAAAAABkAAAAAAAAAH9/fwAKAAAAHwAAAFQAAAC74OMF////AQAAAAAAAAAAAAAAAAAAAAAAAAAAAAAAAAAAAAAAAAAAAAAAAn9/fwCAgIADzMzMAMDA/wB/f38AAAAAAAAAAAAAAAAAAAAAAAAAAAAhAAAAGAAAABQAAADlAgAAsRUAAMELAACRFwAAECAAACYAAAAIAAAA//////////8="/>
+                <pr:smNativeData xmlns:pr="smNativeData" val="SMDATA_13_GUMTYBMAAAAlAAAAEgAAAE8BAAAAkAAAAEgAAACQAAAASAAAAAAAAAAAAAAAAAAAAAEAAABQAAAAAAAAAAAA4D8AAAAAAADgPwAAAAAAAOA/AAAAAAAA4D8AAAAAAADgPwAAAAAAAOA/AAAAAAAA4D8AAAAAAADgPwAAAAAAAOA/AAAAAAAA4D8CAAAAjAAAAAAAAAAAAAAAu+DjDP///wgAAAAAAAAAAAAAAAAAAAAAAAAAAAAAAAAAAAAAZAAAAAEAAABAAAAAAAAAAAAAAAAAAAAAAAAAAAAAAAAAAAAAAAAAAAAAAAAAAAAAAAAAAAAAAAAAAAAAAAAAAAAAAAAAAAAAAAAAAAAAAAAAAAAAAAAAAAAAAAAAAAAAFAAAADwAAAAAAAAAAAAAAAAAAAkUAAAAAQAAABQAAAAUAAAAFAAAAAEAAAAAAAAAZAAAAGQAAAAAAAAAZAAAAGQAAAAVAAAAYAAAAAAAAAAAAAAADwAAACADAAAAAAAAAAAAAAEAAACgMgAAVgcAAKr4//8BAAAAf39/AAEAAABkAAAAAAAAABQAAABAHwAAAAAAACYAAAAAAAAAwOD//wAAAAAmAAAAZAAAABYAAABMAAAAAAAAAAAAAAAEAAAAAAAAAAEAAACAgIAKAAAAACgAAAAoAAAAZAAAAGQAAAAAAAAAzMzMAAAAAABQAAAAUAAAAGQAAABkAAAAAAAAABcAAAAUAAAAAAAAANwIAAD/fwAA/38AAAAAAAAJAAAABAAAAAAAAAAMAAAAEAAAAAAAAAAAAAAAAAAAAAAAAAAeAAAAaAAAAAAAAAAAAAAAAAAAAAAAAAAAAAAAECcAABAnAAAAAAAAAAAAAAAAAAAAAAAAAAAAAAAAAAAAAAAAAAAAABQAAAAAAAAAwMD/AAAAAABkAAAAMgAAAAAAAABkAAAAAAAAAH9/fwAKAAAAHwAAAFQAAAC74OMF////AQAAAAAAAAAAAAAAAAAAAAAAAAAAAAAAAAAAAAAAAAAAAAAAAn9/fwCAgIADzMzMAMDA/wB/f38AAAAAAAAAAAAAAAAAAAAAAAAAAAAhAAAAGAAAABQAAADlAgAA3RYAAMELAACNGAAAACAAACYAAAAIAAAA//////////8="/>
               </a:ext>
             </a:extLst>
           </p:cNvSpPr>
@@ -6394,8 +6444,8 @@
         </p:nvSpPr>
         <p:spPr>
           <a:xfrm>
-            <a:off x="470535" y="3526155"/>
-            <a:ext cx="1440180" cy="304800"/>
+            <a:off x="470535" y="3716655"/>
+            <a:ext cx="1440180" cy="274320"/>
           </a:xfrm>
           <a:prstGeom prst="rect">
             <a:avLst/>
@@ -6429,7 +6479,7 @@
           <p:cNvSpPr txBox="1">
             <a:extLst>
               <a:ext uri="smNativeData">
-                <pr:smNativeData xmlns:pr="smNativeData" val="SMDATA_13_Hs+1XxMAAAAlAAAAEgAAAE8BAAAAkAAAAEgAAACQAAAASAAAAAAAAAAAAAAAAAAAAAEAAABQAAAAAAAAAAAA4D8AAAAAAADgPwAAAAAAAOA/AAAAAAAA4D8AAAAAAADgPwAAAAAAAOA/AAAAAAAA4D8AAAAAAADgPwAAAAAAAOA/AAAAAAAA4D8CAAAAjAAAAAAAAAAAAAAAu+DjDP///wgAAAAAAAAAAAAAAAAAAAAAAAAAAAAAAAAAAAAAZAAAAAEAAABAAAAAAAAAAAAAAAAAAAAAAAAAAAAAAAAAAAAAAAAAAAAAAAAAAAAAAAAAAAAAAAAAAAAAAAAAAAAAAAAAAAAAAAAAAAAAAAAAAAAAAAAAAAAAAAAAAAAAFAAAADwAAAAAAAAAAAAAAAAAAAkUAAAAAQAAABQAAAAUAAAAFAAAAAEAAAAAAAAAZAAAAGQAAAAAAAAAZAAAAGQAAAAVAAAAYAAAAAAAAAAAAAAADwAAACADAAAAAAAAAAAAAAEAAACgMgAAVgcAAKr4//8BAAAAf39/AAEAAABkAAAAAAAAABQAAABAHwAAAAAAACYAAAAAAAAAwOD//wAAAAAmAAAAZAAAABYAAABMAAAAAAAAAAAAAAAEAAAAAAAAAAEAAACAgIAKAAAAACgAAAAoAAAAZAAAAGQAAAAAAAAAzMzMAAAAAABQAAAAUAAAAGQAAABkAAAAAAAAABcAAAAUAAAAAAAAANwIAAD/fwAA/38AAAAAAAAJAAAABAAAAAAAAAAMAAAAEAAAAAAAAAAAAAAAAAAAAAAAAAAeAAAAaAAAAAAAAAAAAAAAAAAAAAAAAAAAAAAAECcAABAnAAAAAAAAAAAAAAAAAAAAAAAAAAAAAAAAAAAAAAAAAAAAABQAAAAAAAAAwMD/AAAAAABkAAAAMgAAAAAAAABkAAAAAAAAAH9/fwAKAAAAHwAAAFQAAAC74OMF////AQAAAAAAAAAAAAAAAAAAAAAAAAAAAAAAAAAAAAAAAAAAAAAAAn9/fwCAgIADzMzMAMDA/wB/f38AAAAAAAAAAAAAAAAAAAAAAAAAAAAhAAAAGAAAABQAAAAnCgAA4xUAAAMTAACLGQAAECAAACYAAAAIAAAA//////////8="/>
+                <pr:smNativeData xmlns:pr="smNativeData" val="SMDATA_13_GUMTYBMAAAAlAAAAEgAAAE8BAAAAkAAAAEgAAACQAAAASAAAAAAAAAAAAAAAAAAAAAEAAABQAAAAAAAAAAAA4D8AAAAAAADgPwAAAAAAAOA/AAAAAAAA4D8AAAAAAADgPwAAAAAAAOA/AAAAAAAA4D8AAAAAAADgPwAAAAAAAOA/AAAAAAAA4D8CAAAAjAAAAAAAAAAAAAAAu+DjDP///wgAAAAAAAAAAAAAAAAAAAAAAAAAAAAAAAAAAAAAZAAAAAEAAABAAAAAAAAAAAAAAAAAAAAAAAAAAAAAAAAAAAAAAAAAAAAAAAAAAAAAAAAAAAAAAAAAAAAAAAAAAAAAAAAAAAAAAAAAAAAAAAAAAAAAAAAAAAAAAAAAAAAAFAAAADwAAAAAAAAAAAAAAAAAAAkUAAAAAQAAABQAAAAUAAAAFAAAAAEAAAAAAAAAZAAAAGQAAAAAAAAAZAAAAGQAAAAVAAAAYAAAAAAAAAAAAAAADwAAACADAAAAAAAAAAAAAAEAAACgMgAAVgcAAKr4//8BAAAAf39/AAEAAABkAAAAAAAAABQAAABAHwAAAAAAACYAAAAAAAAAwOD//wAAAAAmAAAAZAAAABYAAABMAAAAAAAAAAAAAAAEAAAAAAAAAAEAAACAgIAKAAAAACgAAAAoAAAAZAAAAGQAAAAAAAAAzMzMAAAAAABQAAAAUAAAAGQAAABkAAAAAAAAABcAAAAUAAAAAAAAANwIAAD/fwAA/38AAAAAAAAJAAAABAAAAAAAAAAMAAAAEAAAAAAAAAAAAAAAAAAAAAAAAAAeAAAAaAAAAAAAAAAAAAAAAAAAAAAAAAAAAAAAECcAABAnAAAAAAAAAAAAAAAAAAAAAAAAAAAAAAAAAAAAAAAAAAAAABQAAAAAAAAAwMD/AAAAAABkAAAAMgAAAAAAAABkAAAAAAAAAH9/fwAKAAAAHwAAAFQAAAC74OMF////AQAAAAAAAAAAAAAAAAAAAAAAAAAAAAAAAAAAAAAAAAAAAAAAAn9/fwCAgIADzMzMAMDA/wB/f38AAAAAAAAAAAAAAAAAAAAAAAAAAAAhAAAAGAAAABQAAAAnCgAADxcAAAMTAABvGgAAACAAACYAAAAIAAAA//////////8="/>
               </a:ext>
             </a:extLst>
           </p:cNvSpPr>
@@ -6437,8 +6487,8 @@
         </p:nvSpPr>
         <p:spPr>
           <a:xfrm>
-            <a:off x="1650365" y="3557905"/>
-            <a:ext cx="1440180" cy="594360"/>
+            <a:off x="1650365" y="3748405"/>
+            <a:ext cx="1440180" cy="548640"/>
           </a:xfrm>
           <a:prstGeom prst="rect">
             <a:avLst/>
@@ -6496,7 +6546,7 @@
           <p:cNvSpPr txBox="1">
             <a:extLst>
               <a:ext uri="smNativeData">
-                <pr:smNativeData xmlns:pr="smNativeData" val="SMDATA_13_Hs+1XxMAAAAlAAAAEgAAAE8BAAAAkAAAAEgAAACQAAAASAAAAAAAAAAAAAAAAAAAAAEAAABQAAAAAAAAAAAA4D8AAAAAAADgPwAAAAAAAOA/AAAAAAAA4D8AAAAAAADgPwAAAAAAAOA/AAAAAAAA4D8AAAAAAADgPwAAAAAAAOA/AAAAAAAA4D8CAAAAjAAAAAAAAAAAAAAAu+DjDP///wgAAAAAAAAAAAAAAAAAAAAAAAAAAAAAAAAAAAAAZAAAAAEAAABAAAAAAAAAAAAAAAAAAAAAAAAAAAAAAAAAAAAAAAAAAAAAAAAAAAAAAAAAAAAAAAAAAAAAAAAAAAAAAAAAAAAAAAAAAAAAAAAAAAAAAAAAAAAAAAAAAAAAFAAAADwAAAAAAAAAAAAAAAAAAAkUAAAAAQAAABQAAAAUAAAAFAAAAAEAAAAAAAAAZAAAAGQAAAAAAAAAZAAAAGQAAAAVAAAAYAAAAAAAAAAAAAAADwAAACADAAAAAAAAAAAAAAEAAACgMgAAVgcAAKr4//8BAAAAf39/AAEAAABkAAAAAAAAABQAAABAHwAAAAAAACYAAAAAAAAAwOD//wAAAAAmAAAAZAAAABYAAABMAAAAAAAAAAAAAAAEAAAAAAAAAAEAAACAgIAKAAAAACgAAAAoAAAAZAAAAGQAAAAAAAAAzMzMAAAAAABQAAAAUAAAAGQAAABkAAAAAAAAABcAAAAUAAAAAAAAANwIAAD/fwAA/38AAAAAAAAJAAAABAAAAAEJAAAMAAAAEAAAAAAAAAAAAAAAAAAAAAAAAAAeAAAAaAAAAAAAAAAAAAAAAAAAAAAAAAAAAAAAECcAABAnAAAAAAAAAAAAAAAAAAAAAAAAAAAAAAAAAAAAAAAAAAAAABQAAAAAAAAAwMD/AAAAAABkAAAAMgAAAAAAAABkAAAAAAAAAH9/fwAKAAAAHwAAAFQAAAC74OMF////AQAAAAAAAAAAAAAAAAAAAAAAAAAAAAAAAAAAAAAAAAAAAAAAAn9/fwCAgIADzMzMAMDA/wB/f38AAAAAAAAAAAAAAAAAAAAAAAAAAAAhAAAAGAAAABQAAACDBQAAbhcAAPUJAAAeGQAAECAAACYAAAAIAAAA//////////8="/>
+                <pr:smNativeData xmlns:pr="smNativeData" val="SMDATA_13_GUMTYBMAAAAlAAAAEgAAAE8BAAAAkAAAAEgAAACQAAAASAAAAAAAAAAAAAAAAAAAAAEAAABQAAAAAAAAAAAA4D8AAAAAAADgPwAAAAAAAOA/AAAAAAAA4D8AAAAAAADgPwAAAAAAAOA/AAAAAAAA4D8AAAAAAADgPwAAAAAAAOA/AAAAAAAA4D8CAAAAjAAAAAAAAAAAAAAAu+DjDP///wgAAAAAAAAAAAAAAAAAAAAAAAAAAAAAAAAAAAAAZAAAAAEAAABAAAAAAAAAAAAAAAAAAAAAAAAAAAAAAAAAAAAAAAAAAAAAAAAAAAAAAAAAAAAAAAAAAAAAAAAAAAAAAAAAAAAAAAAAAAAAAAAAAAAAAAAAAAAAAAAAAAAAFAAAADwAAAAAAAAAAAAAAAAAAAkUAAAAAQAAABQAAAAUAAAAFAAAAAEAAAAAAAAAZAAAAGQAAAAAAAAAZAAAAGQAAAAVAAAAYAAAAAAAAAAAAAAADwAAACADAAAAAAAAAAAAAAEAAACgMgAAVgcAAKr4//8BAAAAf39/AAEAAABkAAAAAAAAABQAAABAHwAAAAAAACYAAAAAAAAAwOD//wAAAAAmAAAAZAAAABYAAABMAAAAAAAAAAAAAAAEAAAAAAAAAAEAAACAgIAKAAAAACgAAAAoAAAAZAAAAGQAAAAAAAAAzMzMAAAAAABQAAAAUAAAAGQAAABkAAAAAAAAABcAAAAUAAAAAAAAANwIAAD/fwAA/38AAAAAAAAJAAAABAAAAAEJAAAMAAAAEAAAAAAAAAAAAAAAAAAAAAAAAAAeAAAAaAAAAAAAAAAAAAAAAAAAAAAAAAAAAAAAECcAABAnAAAAAAAAAAAAAAAAAAAAAAAAAAAAAAAAAAAAAAAAAAAAABQAAAAAAAAAwMD/AAAAAABkAAAAMgAAAAAAAABkAAAAAAAAAH9/fwAKAAAAHwAAAFQAAAC74OMF////AQAAAAAAAAAAAAAAAAAAAAAAAAAAAAAAAAAAAAAAAAAAAAAAAn9/fwCAgIADzMzMAMDA/wB/f38AAAAAAAAAAAAAAAAAAAAAAAAAAAAhAAAAGAAAABQAAACDBQAAmhgAAPUJAAAyGgAAACAAACYAAAAIAAAA//////////8="/>
               </a:ext>
             </a:extLst>
           </p:cNvSpPr>
@@ -6504,8 +6554,8 @@
         </p:nvSpPr>
         <p:spPr>
           <a:xfrm>
-            <a:off x="895985" y="3808730"/>
-            <a:ext cx="722630" cy="274320"/>
+            <a:off x="895985" y="3999230"/>
+            <a:ext cx="722630" cy="259080"/>
           </a:xfrm>
           <a:prstGeom prst="rect">
             <a:avLst/>
@@ -6539,7 +6589,7 @@
           <p:cNvSpPr txBox="1">
             <a:extLst>
               <a:ext uri="smNativeData">
-                <pr:smNativeData xmlns:pr="smNativeData" val="SMDATA_13_Hs+1XxMAAAAlAAAAEgAAAE8BAAAAkAAAAEgAAACQAAAASAAAAAAAAAAAAAAAAAAAAAEAAABQAAAAAAAAAAAA4D8AAAAAAADgPwAAAAAAAOA/AAAAAAAA4D8AAAAAAADgPwAAAAAAAOA/AAAAAAAA4D8AAAAAAADgPwAAAAAAAOA/AAAAAAAA4D8CAAAAjAAAAAAAAAAAAAAAu+DjDP///wgAAAAAAAAAAAAAAAAAAAAAAAAAAAAAAAAAAAAAZAAAAAEAAABAAAAAAAAAAAAAAAAAAAAAAAAAAAAAAAAAAAAAAAAAAAAAAAAAAAAAAAAAAAAAAAAAAAAAAAAAAAAAAAAAAAAAAAAAAAAAAAAAAAAAAAAAAAAAAAAAAAAAFAAAADwAAAAAAAAAAAAAAAAAAAkUAAAAAQAAABQAAAAUAAAAFAAAAAEAAAAAAAAAZAAAAGQAAAAAAAAAZAAAAGQAAAAVAAAAYAAAAAAAAAAAAAAADwAAACADAAAAAAAAAAAAAAEAAACgMgAAVgcAAKr4//8BAAAAf39/AAEAAABkAAAAAAAAABQAAABAHwAAAAAAACYAAAAAAAAAwOD//wAAAAAmAAAAZAAAABYAAABMAAAAAAAAAAAAAAAEAAAAAAAAAAEAAACAgIAKAAAAACgAAAAoAAAAZAAAAGQAAAAAAAAAzMzMAAAAAABQAAAAUAAAAGQAAABkAAAAAAAAABcAAAAUAAAAAAAAANwIAAD/fwAA/38AAAAAAAAJAAAABAAAAP8JAAAMAAAAEAAAAAAAAAAAAAAAAAAAAAAAAAAeAAAAaAAAAAAAAAAAAAAAAAAAAAAAAAAAAAAAECcAABAnAAAAAAAAAAAAAAAAAAAAAAAAAAAAAAAAAAAAAAAAAAAAABQAAAAAAAAAwMD/AAAAAABkAAAAMgAAAAAAAABkAAAAAAAAAH9/fwAKAAAAHwAAAFQAAAC74OMF////AQAAAAAAAAAAAAAAAAAAAAAAAAAAAAAAAAAAAAAAAAAAAAAAAn9/fwCAgIADzMzMAMDA/wB/f38AAAAAAAAAAAAAAAAAAAAAAAAAAAAhAAAAGAAAABQAAAB2FgAASxcAAFIfAADLGAAAECAAACYAAAAIAAAA//////////8="/>
+                <pr:smNativeData xmlns:pr="smNativeData" val="SMDATA_13_GUMTYBMAAAAlAAAAEgAAAE8BAAAAkAAAAEgAAACQAAAASAAAAAAAAAAAAAAAAAAAAAEAAABQAAAAAAAAAAAA4D8AAAAAAADgPwAAAAAAAOA/AAAAAAAA4D8AAAAAAADgPwAAAAAAAOA/AAAAAAAA4D8AAAAAAADgPwAAAAAAAOA/AAAAAAAA4D8CAAAAjAAAAAAAAAAAAAAAu+DjDP///wgAAAAAAAAAAAAAAAAAAAAAAAAAAAAAAAAAAAAAZAAAAAEAAABAAAAAAAAAAAAAAAAAAAAAAAAAAAAAAAAAAAAAAAAAAAAAAAAAAAAAAAAAAAAAAAAAAAAAAAAAAAAAAAAAAAAAAAAAAAAAAAAAAAAAAAAAAAAAAAAAAAAAFAAAADwAAAAAAAAAAAAAAAAAAAkUAAAAAQAAABQAAAAUAAAAFAAAAAEAAAAAAAAAZAAAAGQAAAAAAAAAZAAAAGQAAAAVAAAAYAAAAAAAAAAAAAAADwAAACADAAAAAAAAAAAAAAEAAACgMgAAVgcAAKr4//8BAAAAf39/AAEAAABkAAAAAAAAABQAAABAHwAAAAAAACYAAAAAAAAAwOD//wAAAAAmAAAAZAAAABYAAABMAAAAAAAAAAAAAAAEAAAAAAAAAAEAAACAgIAKAAAAACgAAAAoAAAAZAAAAGQAAAAAAAAAzMzMAAAAAABQAAAAUAAAAGQAAABkAAAAAAAAABcAAAAUAAAAAAAAANwIAAD/fwAA/38AAAAAAAAJAAAABAAAAP8JAAAMAAAAEAAAAAAAAAAAAAAAAAAAAAAAAAAeAAAAaAAAAAAAAAAAAAAAAAAAAAAAAAAAAAAAECcAABAnAAAAAAAAAAAAAAAAAAAAAAAAAAAAAAAAAAAAAAAAAAAAABQAAAAAAAAAwMD/AAAAAABkAAAAMgAAAAAAAABkAAAAAAAAAH9/fwAKAAAAHwAAAFQAAAC74OMF////AQAAAAAAAAAAAAAAAAAAAAAAAAAAAAAAAAAAAAAAAAAAAAAAAn9/fwCAgIADzMzMAMDA/wB/f38AAAAAAAAAAAAAAAAAAAAAAAAAAAAhAAAAGAAAABQAAAB2FgAA5RcAAFIfAABlGQAAECAAACYAAAAIAAAA//////////8="/>
               </a:ext>
             </a:extLst>
           </p:cNvSpPr>
@@ -6547,7 +6597,7 @@
         </p:nvSpPr>
         <p:spPr>
           <a:xfrm>
-            <a:off x="3651250" y="3786505"/>
+            <a:off x="3651250" y="3884295"/>
             <a:ext cx="1440180" cy="243840"/>
           </a:xfrm>
           <a:prstGeom prst="rect">
@@ -6582,7 +6632,7 @@
           <p:cNvSpPr txBox="1">
             <a:extLst>
               <a:ext uri="smNativeData">
-                <pr:smNativeData xmlns:pr="smNativeData" val="SMDATA_13_Hs+1XxMAAAAlAAAAEgAAAE8BAAAAkAAAAEgAAACQAAAASAAAAAAAAAAAAAAAAAAAAAEAAABQAAAAAAAAAAAA4D8AAAAAAADgPwAAAAAAAOA/AAAAAAAA4D8AAAAAAADgPwAAAAAAAOA/AAAAAAAA4D8AAAAAAADgPwAAAAAAAOA/AAAAAAAA4D8CAAAAjAAAAAAAAAAAAAAAu+DjDP///wgAAAAAAAAAAAAAAAAAAAAAAAAAAAAAAAAAAAAAZAAAAAEAAABAAAAAAAAAAAAAAAAAAAAAAAAAAAAAAAAAAAAAAAAAAAAAAAAAAAAAAAAAAAAAAAAAAAAAAAAAAAAAAAAAAAAAAAAAAAAAAAAAAAAAAAAAAAAAAAAAAAAAFAAAADwAAAAAAAAAAAAAAAAAAAkUAAAAAQAAABQAAAAUAAAAFAAAAAEAAAAAAAAAZAAAAGQAAAAAAAAAZAAAAGQAAAAVAAAAYAAAAAAAAAAAAAAADwAAACADAAAAAAAAAAAAAAEAAACgMgAAVgcAAKr4//8BAAAAf39/AAEAAABkAAAAAAAAABQAAABAHwAAAAAAACYAAAAAAAAAwOD//wAAAAAmAAAAZAAAABYAAABMAAAAAAAAAAAAAAAEAAAAAAAAAAEAAACAgIAKAAAAACgAAAAoAAAAZAAAAGQAAAAAAAAAzMzMAAAAAABQAAAAUAAAAGQAAABkAAAAAAAAABcAAAAUAAAAAAAAANwIAAD/fwAA/38AAAAAAAAJAAAABAAAAAAJAAAMAAAAEAAAAAAAAAAAAAAAAAAAAAAAAAAeAAAAaAAAAAAAAAAAAAAAAAAAAAAAAAAAAAAAECcAABAnAAAAAAAAAAAAAAAAAAAAAAAAAAAAAAAAAAAAAAAAAAAAABQAAAAAAAAAwMD/AAAAAABkAAAAMgAAAAAAAABkAAAAAAAAAH9/fwAKAAAAHwAAAFQAAAC74OMF////AQAAAAAAAAAAAAAAAAAAAAAAAAAAAAAAAAAAAAAAAAAAAAAAAn9/fwCAgIADzMzMAMDA/wB/f38AAAAAAAAAAAAAAAAAAAAAAAAAAAAhAAAAGAAAABQAAAC2HQAAQBcAADwnAACwGQAAECAAACYAAAAIAAAA//////////8="/>
+                <pr:smNativeData xmlns:pr="smNativeData" val="SMDATA_13_GUMTYBMAAAAlAAAAEgAAAE8BAAAAkAAAAEgAAACQAAAASAAAAAAAAAAAAAAAAAAAAAEAAABQAAAAAAAAAAAA4D8AAAAAAADgPwAAAAAAAOA/AAAAAAAA4D8AAAAAAADgPwAAAAAAAOA/AAAAAAAA4D8AAAAAAADgPwAAAAAAAOA/AAAAAAAA4D8CAAAAjAAAAAAAAAAAAAAAu+DjDP///wgAAAAAAAAAAAAAAAAAAAAAAAAAAAAAAAAAAAAAZAAAAAEAAABAAAAAAAAAAAAAAAAAAAAAAAAAAAAAAAAAAAAAAAAAAAAAAAAAAAAAAAAAAAAAAAAAAAAAAAAAAAAAAAAAAAAAAAAAAAAAAAAAAAAAAAAAAAAAAAAAAAAAFAAAADwAAAAAAAAAAAAAAAAAAAkUAAAAAQAAABQAAAAUAAAAFAAAAAEAAAAAAAAAZAAAAGQAAAAAAAAAZAAAAGQAAAAVAAAAYAAAAAAAAAAAAAAADwAAACADAAAAAAAAAAAAAAEAAACgMgAAVgcAAKr4//8BAAAAf39/AAEAAABkAAAAAAAAABQAAABAHwAAAAAAACYAAAAAAAAAwOD//wAAAAAmAAAAZAAAABYAAABMAAAAAAAAAAAAAAAEAAAAAAAAAAEAAACAgIAKAAAAACgAAAAoAAAAZAAAAGQAAAAAAAAAzMzMAAAAAABQAAAAUAAAAGQAAABkAAAAAAAAABcAAAAUAAAAAAAAANwIAAD/fwAA/38AAAAAAAAJAAAABAAAAAAJAAAMAAAAEAAAAAAAAAAAAAAAAAAAAAAAAAAeAAAAaAAAAAAAAAAAAAAAAAAAAAAAAAAAAAAAECcAABAnAAAAAAAAAAAAAAAAAAAAAAAAAAAAAAAAAAAAAAAAAAAAABQAAAAAAAAAwMD/AAAAAABkAAAAMgAAAAAAAABkAAAAAAAAAH9/fwAKAAAAHwAAAFQAAAC74OMF////AQAAAAAAAAAAAAAAAAAAAAAAAAAAAAAAAAAAAAAAAAAAAAAAAn9/fwCAgIADzMzMAMDA/wB/f38AAAAAAAAAAAAAAAAAAAAAAAAAAAAhAAAAGAAAABQAAAC2HQAA2hcAADwnAABKGgAAECAAACYAAAAIAAAA//////////8="/>
               </a:ext>
             </a:extLst>
           </p:cNvSpPr>
@@ -6590,7 +6640,7 @@
         </p:nvSpPr>
         <p:spPr>
           <a:xfrm>
-            <a:off x="4829810" y="3779520"/>
+            <a:off x="4829810" y="3877310"/>
             <a:ext cx="1548130" cy="396240"/>
           </a:xfrm>
           <a:prstGeom prst="rect">
@@ -6637,7 +6687,7 @@
           <p:cNvSpPr txBox="1">
             <a:extLst>
               <a:ext uri="smNativeData">
-                <pr:smNativeData xmlns:pr="smNativeData" val="SMDATA_13_Hs+1XxMAAAAlAAAAEgAAAE8BAAAAkAAAAEgAAACQAAAASAAAAAAAAAAAAAAAAAAAAAEAAABQAAAAAAAAAAAA4D8AAAAAAADgPwAAAAAAAOA/AAAAAAAA4D8AAAAAAADgPwAAAAAAAOA/AAAAAAAA4D8AAAAAAADgPwAAAAAAAOA/AAAAAAAA4D8CAAAAjAAAAAEAAAAAAAAA2u2hP////wgAAAAAAAAAAAAAAAAAAAAAAAAAAAAAAAAAAAAAZAAAAAEAAABAAAAAAAAAAAAAAAAAAAAAAAAAAAAAAAAAAAAAAAAAAAAAAAAAAAAAAAAAAAAAAAAAAAAAAAAAAAAAAAAAAAAAAAAAAAAAAAAAAAAAAAAAAAAAAAAAAAAAFAAAADwAAAABAAAAAAAAAAAAAAkFAAAAAQAAAAEAAAAAAAAAAAAAAAAAAAAAAAAAZAAAAGQAAAAAAAAAZAAAAGQAAAAVAAAAYAAAAAAAAAAAAAAADwAAACADAAAAAAAAAAAAAAEAAACgMgAAVgcAAKr4//8BAAAAf39/AAEAAABkAAAAAAAAABQAAABAHwAAAAAAACYAAAAAAAAAwOD//wAAAAAmAAAAZAAAABYAAABMAAAAAAAAAAAAAAAEAAAAAAAAAAEAAACAgIAKAAAAACgAAAAoAAAAZAAAAGQAAAAAAAAAzMzMAAAAAABQAAAAUAAAAGQAAABkAAAAAAAAABcAAAAUAAAAAAAAANwIAAD/fwAA/38AAAAAAAAJAAAABAAAAAAJAAAMAAAAEAAAAAAAAAAAAAAAAAAAAAAAAAAeAAAAaAAAAAAAAAAAAAAAAAAAAAAAAAAAAAAAECcAABAnAAAAAAAAAAAAAAAAAAAAAAAAAAAAAAAAAAAAAAAAAAAAABQAAAAAAAAAwMD/AAAAAABkAAAAMgAAAAAAAABkAAAAAAAAAH9/fwAKAAAAHwAAAFQAAADa7aE4////AQAAAAAAAAAAAAAAAAAAAAAAAAAAAAAAAAAAAAAAAAAAAAAAAn9/fwCAgIADzMzMAMDA/wB/f38AAAAAAAAAAAAAAAAAAAAAAAAAAAAhAAAAGAAAABQAAAAZEgAANiQAANcbAACuJwAAECAAACYAAAAIAAAA//////////8="/>
+                <pr:smNativeData xmlns:pr="smNativeData" val="SMDATA_13_GUMTYBMAAAAlAAAAEgAAAE8BAAAAkAAAAEgAAACQAAAASAAAAAAAAAAAAAAAAAAAAAEAAABQAAAAAAAAAAAA4D8AAAAAAADgPwAAAAAAAOA/AAAAAAAA4D8AAAAAAADgPwAAAAAAAOA/AAAAAAAA4D8AAAAAAADgPwAAAAAAAOA/AAAAAAAA4D8CAAAAjAAAAAEAAAAAAAAA2u2hP////wgAAAAAAAAAAAAAAAAAAAAAAAAAAAAAAAAAAAAAZAAAAAEAAABAAAAAAAAAAAAAAAAAAAAAAAAAAAAAAAAAAAAAAAAAAAAAAAAAAAAAAAAAAAAAAAAAAAAAAAAAAAAAAAAAAAAAAAAAAAAAAAAAAAAAAAAAAAAAAAAAAAAAFAAAADwAAAABAAAAAAAAAAAAAAkFAAAAAQAAAAEAAAAAAAAAAAAAAAAAAAAAAAAAZAAAAGQAAAAAAAAAZAAAAGQAAAAVAAAAYAAAAAAAAAAAAAAADwAAACADAAAAAAAAAAAAAAEAAACgMgAAVgcAAKr4//8BAAAAf39/AAEAAABkAAAAAAAAABQAAABAHwAAAAAAACYAAAAAAAAAwOD//wAAAAAmAAAAZAAAABYAAABMAAAAAAAAAAAAAAAEAAAAAAAAAAEAAACAgIAKAAAAACgAAAAoAAAAZAAAAGQAAAAAAAAAzMzMAAAAAABQAAAAUAAAAGQAAABkAAAAAAAAABcAAAAUAAAAAAAAANwIAAD/fwAA/38AAAAAAAAJAAAABAAAAAAJAAAMAAAAEAAAAAAAAAAAAAAAAAAAAAAAAAAeAAAAaAAAAAAAAAAAAAAAAAAAAAAAAAAAAAAAECcAABAnAAAAAAAAAAAAAAAAAAAAAAAAAAAAAAAAAAAAAAAAAAAAABQAAAAAAAAAwMD/AAAAAABkAAAAMgAAAAAAAABkAAAAAAAAAH9/fwAKAAAAHwAAAFQAAADa7aE4////AQAAAAAAAAAAAAAAAAAAAAAAAAAAAAAAAAAAAAAAAAAAAAAAAn9/fwCAgIADzMzMAMDA/wB/f38AAAAAAAAAAAAAAAAAAAAAAAAAAAAhAAAAGAAAABQAAAAZEgAANiQAANcbAACuJwAAECAAACYAAAAIAAAA//////////8="/>
               </a:ext>
             </a:extLst>
           </p:cNvSpPr>
@@ -6708,7 +6758,7 @@
           <p:cNvSpPr txBox="1">
             <a:extLst>
               <a:ext uri="smNativeData">
-                <pr:smNativeData xmlns:pr="smNativeData" val="SMDATA_13_Hs+1XxMAAAAlAAAAEgAAAE8BAAAAkAAAAEgAAACQAAAASAAAAAAAAAAAAAAAAAAAAAEAAABQAAAAAAAAAAAA4D8AAAAAAADgPwAAAAAAAOA/AAAAAAAA4D8AAAAAAADgPwAAAAAAAOA/AAAAAAAA4D8AAAAAAADgPwAAAAAAAOA/AAAAAAAA4D8CAAAAjAAAAAAAAAAAAAAAu+DjDP///wgAAAAAAAAAAAAAAAAAAAAAAAAAAAAAAAAAAAAAZAAAAAEAAABAAAAAAAAAAAAAAAAAAAAAAAAAAAAAAAAAAAAAAAAAAAAAAAAAAAAAAAAAAAAAAAAAAAAAAAAAAAAAAAAAAAAAAAAAAAAAAAAAAAAAAAAAAAAAAAAAAAAAFAAAADwAAAAAAAAAAAAAAAAAAAkUAAAAAQAAABQAAAAUAAAAFAAAAAEAAAAAAAAAZAAAAGQAAAAAAAAAZAAAAGQAAAAVAAAAYAAAAAAAAAAAAAAADwAAACADAAAAAAAAAAAAAAEAAACgMgAAVgcAAKr4//8BAAAAf39/AAEAAABkAAAAAAAAABQAAABAHwAAAAAAACYAAAAAAAAAwOD//wAAAAAmAAAAZAAAABYAAABMAAAAAAAAAAAAAAAEAAAAAAAAAAEAAACAgIAKAAAAACgAAAAoAAAAZAAAAGQAAAAAAAAAzMzMAAAAAABQAAAAUAAAAGQAAABkAAAAAAAAABcAAAAUAAAAAAAAANwIAAD/fwAA/38AAAAAAAAJAAAABAAAAAAJAAAMAAAAEAAAAAAAAAAAAAAAAAAAAAAAAAAeAAAAaAAAAAAAAAAAAAAAAAAAAAAAAAAAAAAAECcAABAnAAAAAAAAAAAAAAAAAAAAAAAAAAAAAAAAAAAAAAAAAAAAABQAAAAAAAAAwMD/AAAAAABkAAAAMgAAAAAAAABkAAAAAAAAAH9/fwAKAAAAHwAAAFQAAAC74OMF////AQAAAAAAAAAAAAAAAAAAAAAAAAAAAAAAAAAAAAAAAAAAAAAAAn9/fwCAgIADzMzMAMDA/wB/f38AAAAAAAAAAAAAAAAAAAAAAAAAAAAhAAAAGAAAABQAAADPGwAALCQAAIwhAADUJwAAECAAACYAAAAIAAAA//////////8="/>
+                <pr:smNativeData xmlns:pr="smNativeData" val="SMDATA_13_GUMTYBMAAAAlAAAAEgAAAE8BAAAAkAAAAEgAAACQAAAASAAAAAAAAAAAAAAAAAAAAAEAAABQAAAAAAAAAAAA4D8AAAAAAADgPwAAAAAAAOA/AAAAAAAA4D8AAAAAAADgPwAAAAAAAOA/AAAAAAAA4D8AAAAAAADgPwAAAAAAAOA/AAAAAAAA4D8CAAAAjAAAAAAAAAAAAAAAu+DjDP///wgAAAAAAAAAAAAAAAAAAAAAAAAAAAAAAAAAAAAAZAAAAAEAAABAAAAAAAAAAAAAAAAAAAAAAAAAAAAAAAAAAAAAAAAAAAAAAAAAAAAAAAAAAAAAAAAAAAAAAAAAAAAAAAAAAAAAAAAAAAAAAAAAAAAAAAAAAAAAAAAAAAAAFAAAADwAAAAAAAAAAAAAAAAAAAkUAAAAAQAAABQAAAAUAAAAFAAAAAEAAAAAAAAAZAAAAGQAAAAAAAAAZAAAAGQAAAAVAAAAYAAAAAAAAAAAAAAADwAAACADAAAAAAAAAAAAAAEAAACgMgAAVgcAAKr4//8BAAAAf39/AAEAAABkAAAAAAAAABQAAABAHwAAAAAAACYAAAAAAAAAwOD//wAAAAAmAAAAZAAAABYAAABMAAAAAAAAAAAAAAAEAAAAAAAAAAEAAACAgIAKAAAAACgAAAAoAAAAZAAAAGQAAAAAAAAAzMzMAAAAAABQAAAAUAAAAGQAAABkAAAAAAAAABcAAAAUAAAAAAAAANwIAAD/fwAA/38AAAAAAAAJAAAABAAAAAAJAAAMAAAAEAAAAAAAAAAAAAAAAAAAAAAAAAAeAAAAaAAAAAAAAAAAAAAAAAAAAAAAAAAAAAAAECcAABAnAAAAAAAAAAAAAAAAAAAAAAAAAAAAAAAAAAAAAAAAAAAAABQAAAAAAAAAwMD/AAAAAABkAAAAMgAAAAAAAABkAAAAAAAAAH9/fwAKAAAAHwAAAFQAAAC74OMF////AQAAAAAAAAAAAAAAAAAAAAAAAAAAAAAAAAAAAAAAAAAAAAAAAn9/fwCAgIADzMzMAMDA/wB/f38AAAAAAAAAAAAAAAAAAAAAAAAAAAAhAAAAGAAAABQAAADPGwAALCQAAIwhAADUJwAAECAAACYAAAAIAAAA//////////8="/>
               </a:ext>
             </a:extLst>
           </p:cNvSpPr>
@@ -6775,7 +6825,7 @@
           <p:cNvSpPr>
             <a:extLst>
               <a:ext uri="smNativeData">
-                <pr:smNativeData xmlns:pr="smNativeData" val="SMDATA_13_Hs+1XxMAAAAlAAAAZAAAAA8BAAAAkAAAAEgAAACQAAAASAAAAAAAAAAAAAAAAAAAAAEAAABQAAAAAAAAAAAA4D8AAAAAAADgPwAAAAAAAOA/AAAAAAAA4D8AAAAAAADgPwAAAAAAAOA/AAAAAAAA4D8AAAAAAADgPwAAAAAAAOA/AAAAAAAA4D8CAAAAjAAAAAAAAAAAAAAAwMDAAP///wgAAAAAAAAAAAAAAAAAAAAAAAAAAAAAAAAAAAAAZAAAAAEAAABAAAAAAAAAAAAAAAAAAAAAAAAAAAAAAAAAAAAAAAAAAAAAAAAAAAAAAAAAAAAAAAAAAAAAAAAAAAAAAAAAAAAAAAAAAAAAAAAAAAAAAAAAAAAAAAAAAAAAFAAAADwAAAABAAAAAAAAAH9/fwAUAAAAAQAAABQAAAAUAAAAFAAAAAEAAAAAAAAAZAAAAGQAAAAAAAAAZAAAAGQAAAAVAAAAYAAAAAAAAAAAAAAADwAAACADAAAAAAAAAAAAAAEAAACgMgAAVgcAAKr4//8BAAAAf39/AAEAAABkAAAAAAAAABQAAABAHwAAAAAAACYAAAAAAAAAwOD//wAAAAAmAAAAZAAAABYAAABMAAAAAAAAAAAAAAAEAAAAAAAAAAEAAACAgIAKAAAAACgAAAAoAAAAZAAAAGQAAAAAAAAAzMzMAAAAAABQAAAAUAAAAGQAAABkAAAAAAAAABcAAAAUAAAAAAAAAAAAAAD/fwAA/38AAAAAAAAJAAAABAAAAGcAaAAMAAAAEAAAAAAAAAAAAAAAAAAAAAAAAAAeAAAAaAAAAAAAAAAAAAAAAAAAAAAAAAAAAAAAECcAABAnAAAAAAAAAAAAAAAAAAAAAAAAAAAAAAAAAAAAAAAAAAAAABQAAAAAAAAAwMD/AAAAAABkAAAAMgAAAAAAAABkAAAAAAAAAH9/fwAKAAAAHwAAAFQAAADAwMAA////AQAAAAAAAAAAAAAAAAAAAAAAAAAAAAAAAAAAAAAAAAAAf39/AH9/fwCAgIADzMzMAMDA/wB/f38AAAAAAAAAAAAAAAAAAAAAAAAAAAAhAAAAGAAAABQAAAD9IQAA5h4AAC03AAC6JwAAEAAAACYAAAAIAAAA//////////8="/>
+                <pr:smNativeData xmlns:pr="smNativeData" val="SMDATA_13_GUMTYBMAAAAlAAAAZAAAAA8BAAAAkAAAAEgAAACQAAAASAAAAAAAAAAAAAAAAAAAAAEAAABQAAAAAAAAAAAA4D8AAAAAAADgPwAAAAAAAOA/AAAAAAAA4D8AAAAAAADgPwAAAAAAAOA/AAAAAAAA4D8AAAAAAADgPwAAAAAAAOA/AAAAAAAA4D8CAAAAjAAAAAAAAAAAAAAAwMDAAP///wgAAAAAAAAAAAAAAAAAAAAAAAAAAAAAAAAAAAAAZAAAAAEAAABAAAAAAAAAAAAAAAAAAAAAAAAAAAAAAAAAAAAAAAAAAAAAAAAAAAAAAAAAAAAAAAAAAAAAAAAAAAAAAAAAAAAAAAAAAAAAAAAAAAAAAAAAAAAAAAAAAAAAFAAAADwAAAABAAAAAAAAAH9/fwAUAAAAAQAAABQAAAAUAAAAFAAAAAEAAAAAAAAAZAAAAGQAAAAAAAAAZAAAAGQAAAAVAAAAYAAAAAAAAAAAAAAADwAAACADAAAAAAAAAAAAAAEAAACgMgAAVgcAAKr4//8BAAAAf39/AAEAAABkAAAAAAAAABQAAABAHwAAAAAAACYAAAAAAAAAwOD//wAAAAAmAAAAZAAAABYAAABMAAAAAAAAAAAAAAAEAAAAAAAAAAEAAACAgIAKAAAAACgAAAAoAAAAZAAAAGQAAAAAAAAAzMzMAAAAAABQAAAAUAAAAGQAAABkAAAAAAAAABcAAAAUAAAAAAAAAAAAAAD/fwAA/38AAAAAAAAJAAAABAAAAGcAaAAMAAAAEAAAAAAAAAAAAAAAAAAAAAAAAAAeAAAAaAAAAAAAAAAAAAAAAAAAAAAAAAAAAAAAECcAABAnAAAAAAAAAAAAAAAAAAAAAAAAAAAAAAAAAAAAAAAAAAAAABQAAAAAAAAAwMD/AAAAAABkAAAAMgAAAAAAAABkAAAAAAAAAH9/fwAKAAAAHwAAAFQAAADAwMAA////AQAAAAAAAAAAAAAAAAAAAAAAAAAAAAAAAAAAAAAAAAAAf39/AH9/fwCAgIADzMzMAMDA/wB/f38AAAAAAAAAAAAAAAAAAAAAAAAAAAAhAAAAGAAAABQAAAD9IQAA5h4AAC03AAC6JwAAEAAAACYAAAAIAAAA//////////8="/>
               </a:ext>
             </a:extLst>
           </p:cNvSpPr>
@@ -6807,7 +6857,7 @@
           <p:cNvSpPr txBox="1">
             <a:extLst>
               <a:ext uri="smNativeData">
-                <pr:smNativeData xmlns:pr="smNativeData" val="SMDATA_13_Hs+1XxMAAAAlAAAAEgAAAE8BAAAAkAAAAEgAAACQAAAASAAAAAAAAAAAAAAAAAAAAAEAAABQAAAAAAAAAAAA4D8AAAAAAADgPwAAAAAAAOA/AAAAAAAA4D8AAAAAAADgPwAAAAAAAOA/AAAAAAAA4D8AAAAAAADgPwAAAAAAAOA/AAAAAAAA4D8CAAAAjAAAAAAAAAAAAAAAu+DjDP///wgAAAAAAAAAAAAAAAAAAAAAAAAAAAAAAAAAAAAAZAAAAAEAAABAAAAAAAAAAAAAAAAAAAAAAAAAAAAAAAAAAAAAAAAAAAAAAAAAAAAAAAAAAAAAAAAAAAAAAAAAAAAAAAAAAAAAAAAAAAAAAAAAAAAAAAAAAAAAAAAAAAAAFAAAADwAAAAAAAAAAAAAAAAAAAkUAAAAAQAAABQAAAAUAAAAFAAAAAEAAAAAAAAAZAAAAGQAAAAAAAAAZAAAAGQAAAAVAAAAYAAAAAAAAAAAAAAADwAAACADAAAAAAAAAAAAAAEAAACgMgAAVgcAAKr4//8BAAAAf39/AAEAAABkAAAAAAAAABQAAABAHwAAAAAAACYAAAAAAAAAwOD//wAAAAAmAAAAZAAAABYAAABMAAAAAAAAAAAAAAAEAAAAAAAAAAEAAACAgIAKAAAAACgAAAAoAAAAZAAAAGQAAAAAAAAAzMzMAAAAAABQAAAAUAAAAGQAAABkAAAAAAAAABcAAAAUAAAAAAAAANwIAAD/fwAA/38AAAAAAAAJAAAABAAAAAAAAAAMAAAAEAAAAAAAAAAAAAAAAAAAAAAAAAAeAAAAaAAAAAAAAAAAAAAAAAAAAAAAAAAAAAAAECcAABAnAAAAAAAAAAAAAAAAAAAAAAAAAAAAAAAAAAAAAAAAAAAAABQAAAAAAAAAwMD/AAAAAABkAAAAMgAAAAAAAABkAAAAAAAAAH9/fwAKAAAAHwAAAFQAAAC74OMF////AQAAAAAAAAAAAAAAAAAAAAAAAAAAAAAAAAAAAAAAAAAAAAAAAn9/fwCAgIADzMzMAMDA/wB/f38AAAAAAAAAAAAAAAAAAAAAAAAAAAAhAAAAGAAAABQAAABuIgAAZB8AALw2AAB0JwAAECAAACYAAAAIAAAA//////////8="/>
+                <pr:smNativeData xmlns:pr="smNativeData" val="SMDATA_13_GUMTYBMAAAAlAAAAEgAAAE8BAAAAkAAAAEgAAACQAAAASAAAAAAAAAAAAAAAAAAAAAEAAABQAAAAAAAAAAAA4D8AAAAAAADgPwAAAAAAAOA/AAAAAAAA4D8AAAAAAADgPwAAAAAAAOA/AAAAAAAA4D8AAAAAAADgPwAAAAAAAOA/AAAAAAAA4D8CAAAAjAAAAAAAAAAAAAAAu+DjDP///wgAAAAAAAAAAAAAAAAAAAAAAAAAAAAAAAAAAAAAZAAAAAEAAABAAAAAAAAAAAAAAAAAAAAAAAAAAAAAAAAAAAAAAAAAAAAAAAAAAAAAAAAAAAAAAAAAAAAAAAAAAAAAAAAAAAAAAAAAAAAAAAAAAAAAAAAAAAAAAAAAAAAAFAAAADwAAAAAAAAAAAAAAAAAAAkUAAAAAQAAABQAAAAUAAAAFAAAAAEAAAAAAAAAZAAAAGQAAAAAAAAAZAAAAGQAAAAVAAAAYAAAAAAAAAAAAAAADwAAACADAAAAAAAAAAAAAAEAAACgMgAAVgcAAKr4//8BAAAAf39/AAEAAABkAAAAAAAAABQAAABAHwAAAAAAACYAAAAAAAAAwOD//wAAAAAmAAAAZAAAABYAAABMAAAAAAAAAAAAAAAEAAAAAAAAAAEAAACAgIAKAAAAACgAAAAoAAAAZAAAAGQAAAAAAAAAzMzMAAAAAABQAAAAUAAAAGQAAABkAAAAAAAAABcAAAAUAAAAAAAAANwIAAD/fwAA/38AAAAAAAAJAAAABAAAAAAAAAAMAAAAEAAAAAAAAAAAAAAAAAAAAAAAAAAeAAAAaAAAAAAAAAAAAAAAAAAAAAAAAAAAAAAAECcAABAnAAAAAAAAAAAAAAAAAAAAAAAAAAAAAAAAAAAAAAAAAAAAABQAAAAAAAAAwMD/AAAAAABkAAAAMgAAAAAAAABkAAAAAAAAAH9/fwAKAAAAHwAAAFQAAAC74OMF////AQAAAAAAAAAAAAAAAAAAAAAAAAAAAAAAAAAAAAAAAAAAAAAAAn9/fwCAgIADzMzMAMDA/wB/f38AAAAAAAAAAAAAAAAAAAAAAAAAAAAhAAAAGAAAABQAAABuIgAAZB8AALw2AAB0JwAAECAAACYAAAAIAAAA//////////8="/>
               </a:ext>
             </a:extLst>
           </p:cNvSpPr>
@@ -6949,7 +6999,7 @@
           <p:cNvSpPr txBox="1">
             <a:extLst>
               <a:ext uri="smNativeData">
-                <pr:smNativeData xmlns:pr="smNativeData" val="SMDATA_13_Hs+1XxMAAAAlAAAAEgAAAE8BAAAAkAAAAEgAAACQAAAASAAAAAAAAAAAAAAAAAAAAAEAAABQAAAAAAAAAAAA4D8AAAAAAADgPwAAAAAAAOA/AAAAAAAA4D8AAAAAAADgPwAAAAAAAOA/AAAAAAAA4D8AAAAAAADgPwAAAAAAAOA/AAAAAAAA4D8CAAAAjAAAAAAAAAAAAAAAu+DjDP///wgAAAAAAAAAAAAAAAAAAAAAAAAAAAAAAAAAAAAAZAAAAAEAAABAAAAAAAAAAAAAAAAAAAAAAAAAAAAAAAAAAAAAAAAAAAAAAAAAAAAAAAAAAAAAAAAAAAAAAAAAAAAAAAAAAAAAAAAAAAAAAAAAAAAAAAAAAAAAAAAAAAAAFAAAADwAAAAAAAAAAAAAAAAAAAkUAAAAAQAAABQAAAAUAAAAFAAAAAEAAAAAAAAAZAAAAGQAAAAAAAAAZAAAAGQAAAAVAAAAYAAAAAAAAAAAAAAADwAAACADAAAAAAAAAAAAAAEAAACgMgAAVgcAAKr4//8BAAAAf39/AAEAAABkAAAAAAAAABQAAABAHwAAAAAAACYAAAAAAAAAwOD//wAAAAAmAAAAZAAAABYAAABMAAAAAAAAAAAAAAAEAAAAAAAAAAEAAACAgIAKAAAAACgAAAAoAAAAZAAAAGQAAAAAAAAAzMzMAAAAAABQAAAAUAAAAGQAAABkAAAAAAAAABcAAAAUAAAAAAAAANwIAAD/fwAA/38AAAAAAAAJAAAABAAAAAAAaAAMAAAAEAAAAAAAAAAAAAAAAAAAAAAAAAAeAAAAaAAAAAAAAAAAAAAAAAAAAAAAAAAAAAAAECcAABAnAAAAAAAAAAAAAAAAAAAAAAAAAAAAAAAAAAAAAAAAAAAAABQAAAAAAAAAwMD/AAAAAABkAAAAMgAAAAAAAABkAAAAAAAAAH9/fwAKAAAAHwAAAFQAAAC74OMF////AQAAAAAAAAAAAAAAAAAAAAAAAAAAAAAAAAAAAAAAAAAAAAAAAn9/fwCAgIADzMzMAMDA/wB/f38AAAAAAAAAAAAAAAAAAAAAAAAAAAAhAAAAGAAAABQAAADXIgAA3RwAAEknAAB1HgAAECAAACYAAAAIAAAA//////////8="/>
+                <pr:smNativeData xmlns:pr="smNativeData" val="SMDATA_13_GUMTYBMAAAAlAAAAEgAAAE8BAAAAkAAAAEgAAACQAAAASAAAAAAAAAAAAAAAAAAAAAEAAABQAAAAAAAAAAAA4D8AAAAAAADgPwAAAAAAAOA/AAAAAAAA4D8AAAAAAADgPwAAAAAAAOA/AAAAAAAA4D8AAAAAAADgPwAAAAAAAOA/AAAAAAAA4D8CAAAAjAAAAAAAAAAAAAAAu+DjDP///wgAAAAAAAAAAAAAAAAAAAAAAAAAAAAAAAAAAAAAZAAAAAEAAABAAAAAAAAAAAAAAAAAAAAAAAAAAAAAAAAAAAAAAAAAAAAAAAAAAAAAAAAAAAAAAAAAAAAAAAAAAAAAAAAAAAAAAAAAAAAAAAAAAAAAAAAAAAAAAAAAAAAAFAAAADwAAAAAAAAAAAAAAAAAAAkUAAAAAQAAABQAAAAUAAAAFAAAAAEAAAAAAAAAZAAAAGQAAAAAAAAAZAAAAGQAAAAVAAAAYAAAAAAAAAAAAAAADwAAACADAAAAAAAAAAAAAAEAAACgMgAAVgcAAKr4//8BAAAAf39/AAEAAABkAAAAAAAAABQAAABAHwAAAAAAACYAAAAAAAAAwOD//wAAAAAmAAAAZAAAABYAAABMAAAAAAAAAAAAAAAEAAAAAAAAAAEAAACAgIAKAAAAACgAAAAoAAAAZAAAAGQAAAAAAAAAzMzMAAAAAABQAAAAUAAAAGQAAABkAAAAAAAAABcAAAAUAAAAAAAAANwIAAD/fwAA/38AAAAAAAAJAAAABAAAAAAAaAAMAAAAEAAAAAAAAAAAAAAAAAAAAAAAAAAeAAAAaAAAAAAAAAAAAAAAAAAAAAAAAAAAAAAAECcAABAnAAAAAAAAAAAAAAAAAAAAAAAAAAAAAAAAAAAAAAAAAAAAABQAAAAAAAAAwMD/AAAAAABkAAAAMgAAAAAAAABkAAAAAAAAAH9/fwAKAAAAHwAAAFQAAAC74OMF////AQAAAAAAAAAAAAAAAAAAAAAAAAAAAAAAAAAAAAAAAAAAAAAAAn9/fwCAgIADzMzMAMDA/wB/f38AAAAAAAAAAAAAAAAAAAAAAAAAAAAhAAAAGAAAABQAAADXIgAA3RwAAEknAAB1HgAAECAAACYAAAAIAAAA//////////8="/>
               </a:ext>
             </a:extLst>
           </p:cNvSpPr>
@@ -7024,7 +7074,7 @@
           <p:cNvPicPr>
             <a:extLst>
               <a:ext uri="smNativeData">
-                <pr:smNativeData xmlns:pr="smNativeData" val="SMDATA_15_Hs+1XxMAAAAlAAAAEQAAAA8BAAAAkAAAAEgAAACQAAAASAAAAAAAAAAAAAAAAAAAAAEAAABQAAAAAAAAAAAA4D8AAAAAAADgPwAAAAAAAOA/AAAAAAAA4D8AAAAAAADgPwAAAAAAAOA/AAAAAAAA4D8AAAAAAADgPwAAAAAAAOA/AAAAAAAA4D8CAAAAjAAAAAAAAAAAAAAAu+DjDP///wgAAAAAAAAAAAAAAAAAAAAAAAAAAAAAAAAAAAAAZAAAAAEAAABAAAAAAAAAAAAAAAAAAAAAAAAAAAAAAAAAAAAAAAAAAAAAAAAAAAAAAAAAAAAAAAAAAAAAAAAAAAAAAAAAAAAAAAAAAAAAAAAAAAAAAAAAAAAAAAAAAAAAFAAAADwAAAAAAAAAAAAAAAAAAAkUAAAAAQAAABQAAAAUAAAAFAAAAAEAAAAAAAAAZAAAAGQAAAAAAAAAZAAAAGQAAAAVAAAAYAAAAAAAAAAAAAAADwAAACADAAAAAAAAAAAAAAEAAACgMgAAVgcAAKr4//8BAAAAf39/AAEAAABkAAAAAAAAABQAAABAHwAAAAAAACYAAAAAAAAAwOD//wAAAAAmAAAAZAAAABYAAABMAAAAAAAAAAAAAAAEAAAAAAAAAAEAAACAgIAKAAAAACgAAAAoAAAAZAAAAGQAAAAAAAAAzMzMAAAAAABQAAAAUAAAAGQAAABkAAAAAAAAAAcAAAA4AAAAAAAAAAAAAAAAAAAA////AAAAAAAAAAAAAAAAAAAAAAAAAAAAAAAAAAAAAABkAAAAZAAAAAAAAAAjAAAABAAAAGQAAAAXAAAAFAAAAAAAAAAAAAAA/38AAP9/AAAAAAAACQAAAAQAAAAAAAAADAAAABAAAAAAAAAAAAAAAAAAAAAAAAAAHgAAAGgAAAAAAAAAAAAAAAAAAAAAAAAAAAAAABAnAAAQJwAAAAAAAAAAAAAAAAAAAAAAAAAAAAAAAAAAAAAAAAAAAAAUAAAAAAAAAMDA/wAAAAAAZAAAADIAAAAAAAAAZAAAAAAAAAB/f38ACgAAAB8AAABUAAAAu+DjBf///wEAAAAAAAAAAAAAAAAAAAAAAAAAAAAAAAAAAAAAAAAAAAAAAAJ/f38AgICAA8zMzADAwP8Af39/AAAAAAAAAAAAAAAAAP///wAAAAAAIQAAABgAAAAUAAAA3gAAAIQDAACeNwAAIh0AAAAAAAAmAAAACAAAAP//////////"/>
+                <pr:smNativeData xmlns:pr="smNativeData" val="SMDATA_15_GUMTYBMAAAAlAAAAEQAAAA8BAAAAkAAAAEgAAACQAAAASAAAAAAAAAAAAAAAAAAAAAEAAABQAAAAAAAAAAAA4D8AAAAAAADgPwAAAAAAAOA/AAAAAAAA4D8AAAAAAADgPwAAAAAAAOA/AAAAAAAA4D8AAAAAAADgPwAAAAAAAOA/AAAAAAAA4D8CAAAAjAAAAAAAAAAAAAAAu+DjDP///wgAAAAAAAAAAAAAAAAAAAAAAAAAAAAAAAAAAAAAZAAAAAEAAABAAAAAAAAAAAAAAAAAAAAAAAAAAAAAAAAAAAAAAAAAAAAAAAAAAAAAAAAAAAAAAAAAAAAAAAAAAAAAAAAAAAAAAAAAAAAAAAAAAAAAAAAAAAAAAAAAAAAAFAAAADwAAAAAAAAAAAAAAAAAAAkUAAAAAQAAABQAAAAUAAAAFAAAAAEAAAAAAAAAZAAAAGQAAAAAAAAAZAAAAGQAAAAVAAAAYAAAAAAAAAAAAAAADwAAACADAAAAAAAAAAAAAAEAAACgMgAAVgcAAKr4//8BAAAAf39/AAEAAABkAAAAAAAAABQAAABAHwAAAAAAACYAAAAAAAAAwOD//wAAAAAmAAAAZAAAABYAAABMAAAAAAAAAAAAAAAEAAAAAAAAAAEAAACAgIAKAAAAACgAAAAoAAAAZAAAAGQAAAAAAAAAzMzMAAAAAABQAAAAUAAAAGQAAABkAAAAAAAAAAcAAAA4AAAAAAAAAAAAAAAAAAAA////AAAAAAAAAAAAAAAAAAAAAAAAAAAAAAAAAAAAAABkAAAAZAAAAAAAAAAjAAAABAAAAGQAAAAXAAAAFAAAAAAAAAAAAAAA/38AAP9/AAAAAAAACQAAAAQAAAAAAAAADAAAABAAAAAAAAAAAAAAAAAAAAAAAAAAHgAAAGgAAAAAAAAAAAAAAAAAAAAAAAAAAAAAABAnAAAQJwAAAAAAAAAAAAAAAAAAAAAAAAAAAAAAAAAAAAAAAAAAAAAUAAAAAAAAAMDA/wAAAAAAZAAAADIAAAAAAAAAZAAAAAAAAAB/f38ACgAAAB8AAABUAAAAu+DjBf///wEAAAAAAAAAAAAAAAAAAAAAAAAAAAAAAAAAAAAAAAAAAAAAAAJ/f38AgICAA8zMzADAwP8Af39/AAAAAAAAAAAAAAAAAP///wAAAAAAIQAAABgAAAAUAAAA3gAAAIQDAACeNwAAIh0AABAAAAAmAAAACAAAAP//////////"/>
               </a:ext>
             </a:extLst>
           </p:cNvPicPr>
@@ -8055,6 +8105,47 @@
       </a:clrScheme>
       <a:clrMap bg1="lt1" tx1="dk1" bg2="lt2" tx2="dk2" accent1="accent1" accent2="accent2" accent3="accent3" accent4="accent4" accent5="accent5" accent6="accent6" hlink="hlink" folHlink="folHlink"/>
     </a:extraClrScheme>
+    <a:extraClrScheme>
+      <a:clrScheme name="Presentation 19">
+        <a:dk1>
+          <a:srgbClr val="000000"/>
+        </a:dk1>
+        <a:lt1>
+          <a:srgbClr val="FFFFFF"/>
+        </a:lt1>
+        <a:dk2>
+          <a:srgbClr val="000000"/>
+        </a:dk2>
+        <a:lt2>
+          <a:srgbClr val="808080"/>
+        </a:lt2>
+        <a:accent1>
+          <a:srgbClr val="BBE0E3"/>
+        </a:accent1>
+        <a:accent2>
+          <a:srgbClr val="333399"/>
+        </a:accent2>
+        <a:accent3>
+          <a:srgbClr val="535379"/>
+        </a:accent3>
+        <a:accent4>
+          <a:srgbClr val="737359"/>
+        </a:accent4>
+        <a:accent5>
+          <a:srgbClr val="939339"/>
+        </a:accent5>
+        <a:accent6>
+          <a:srgbClr val="B3B319"/>
+        </a:accent6>
+        <a:hlink>
+          <a:srgbClr val="009999"/>
+        </a:hlink>
+        <a:folHlink>
+          <a:srgbClr val="99CC00"/>
+        </a:folHlink>
+      </a:clrScheme>
+      <a:clrMap bg1="lt1" tx1="dk1" bg2="lt2" tx2="dk2" accent1="accent1" accent2="accent2" accent3="accent3" accent4="accent4" accent5="accent5" accent6="accent6" hlink="hlink" folHlink="folHlink"/>
+    </a:extraClrScheme>
   </a:extraClrSchemeLst>
 </a:theme>
 </file>